--- a/Presentation/lesson-04-io.pptx
+++ b/Presentation/lesson-04-io.pptx
@@ -6,7 +6,7 @@
   </p:sldMasterIdLst>
   <p:sldIdLst>
     <p:sldId id="257" r:id="rId2"/>
-    <p:sldId id="272" r:id="rId3"/>
+    <p:sldId id="276" r:id="rId3"/>
     <p:sldId id="259" r:id="rId4"/>
     <p:sldId id="273" r:id="rId5"/>
     <p:sldId id="274" r:id="rId6"/>
@@ -305,7 +305,7 @@
           <a:p>
             <a:fld id="{FAECF776-F836-4CCD-9497-99E5597B8B5D}" type="datetimeFigureOut">
               <a:rPr lang="en-US" smtClean="0"/>
-              <a:t>11/6/2012</a:t>
+              <a:t>3/27/2013</a:t>
             </a:fld>
             <a:endParaRPr lang="en-US"/>
           </a:p>
@@ -475,7 +475,7 @@
           <a:p>
             <a:fld id="{FAECF776-F836-4CCD-9497-99E5597B8B5D}" type="datetimeFigureOut">
               <a:rPr lang="en-US" smtClean="0"/>
-              <a:t>11/6/2012</a:t>
+              <a:t>3/27/2013</a:t>
             </a:fld>
             <a:endParaRPr lang="en-US"/>
           </a:p>
@@ -655,7 +655,7 @@
           <a:p>
             <a:fld id="{FAECF776-F836-4CCD-9497-99E5597B8B5D}" type="datetimeFigureOut">
               <a:rPr lang="en-US" smtClean="0"/>
-              <a:t>11/6/2012</a:t>
+              <a:t>3/27/2013</a:t>
             </a:fld>
             <a:endParaRPr lang="en-US"/>
           </a:p>
@@ -825,7 +825,7 @@
           <a:p>
             <a:fld id="{FAECF776-F836-4CCD-9497-99E5597B8B5D}" type="datetimeFigureOut">
               <a:rPr lang="en-US" smtClean="0"/>
-              <a:t>11/6/2012</a:t>
+              <a:t>3/27/2013</a:t>
             </a:fld>
             <a:endParaRPr lang="en-US"/>
           </a:p>
@@ -1071,7 +1071,7 @@
           <a:p>
             <a:fld id="{FAECF776-F836-4CCD-9497-99E5597B8B5D}" type="datetimeFigureOut">
               <a:rPr lang="en-US" smtClean="0"/>
-              <a:t>11/6/2012</a:t>
+              <a:t>3/27/2013</a:t>
             </a:fld>
             <a:endParaRPr lang="en-US"/>
           </a:p>
@@ -1359,7 +1359,7 @@
           <a:p>
             <a:fld id="{FAECF776-F836-4CCD-9497-99E5597B8B5D}" type="datetimeFigureOut">
               <a:rPr lang="en-US" smtClean="0"/>
-              <a:t>11/6/2012</a:t>
+              <a:t>3/27/2013</a:t>
             </a:fld>
             <a:endParaRPr lang="en-US"/>
           </a:p>
@@ -1781,7 +1781,7 @@
           <a:p>
             <a:fld id="{FAECF776-F836-4CCD-9497-99E5597B8B5D}" type="datetimeFigureOut">
               <a:rPr lang="en-US" smtClean="0"/>
-              <a:t>11/6/2012</a:t>
+              <a:t>3/27/2013</a:t>
             </a:fld>
             <a:endParaRPr lang="en-US"/>
           </a:p>
@@ -1899,7 +1899,7 @@
           <a:p>
             <a:fld id="{FAECF776-F836-4CCD-9497-99E5597B8B5D}" type="datetimeFigureOut">
               <a:rPr lang="en-US" smtClean="0"/>
-              <a:t>11/6/2012</a:t>
+              <a:t>3/27/2013</a:t>
             </a:fld>
             <a:endParaRPr lang="en-US"/>
           </a:p>
@@ -1994,7 +1994,7 @@
           <a:p>
             <a:fld id="{FAECF776-F836-4CCD-9497-99E5597B8B5D}" type="datetimeFigureOut">
               <a:rPr lang="en-US" smtClean="0"/>
-              <a:t>11/6/2012</a:t>
+              <a:t>3/27/2013</a:t>
             </a:fld>
             <a:endParaRPr lang="en-US"/>
           </a:p>
@@ -2271,7 +2271,7 @@
           <a:p>
             <a:fld id="{FAECF776-F836-4CCD-9497-99E5597B8B5D}" type="datetimeFigureOut">
               <a:rPr lang="en-US" smtClean="0"/>
-              <a:t>11/6/2012</a:t>
+              <a:t>3/27/2013</a:t>
             </a:fld>
             <a:endParaRPr lang="en-US"/>
           </a:p>
@@ -2524,7 +2524,7 @@
           <a:p>
             <a:fld id="{FAECF776-F836-4CCD-9497-99E5597B8B5D}" type="datetimeFigureOut">
               <a:rPr lang="en-US" smtClean="0"/>
-              <a:t>11/6/2012</a:t>
+              <a:t>3/27/2013</a:t>
             </a:fld>
             <a:endParaRPr lang="en-US"/>
           </a:p>
@@ -2737,7 +2737,7 @@
           <a:p>
             <a:fld id="{FAECF776-F836-4CCD-9497-99E5597B8B5D}" type="datetimeFigureOut">
               <a:rPr lang="en-US" smtClean="0"/>
-              <a:t>11/6/2012</a:t>
+              <a:t>3/27/2013</a:t>
             </a:fld>
             <a:endParaRPr lang="en-US"/>
           </a:p>
@@ -12396,59 +12396,162 @@
       </p:grpSpPr>
       <p:sp>
         <p:nvSpPr>
-          <p:cNvPr id="3" name="Rectangle 2"/>
-          <p:cNvSpPr/>
-          <p:nvPr/>
+          <p:cNvPr id="2" name="Title 1"/>
+          <p:cNvSpPr>
+            <a:spLocks noGrp="1"/>
+          </p:cNvSpPr>
+          <p:nvPr>
+            <p:ph type="title"/>
+          </p:nvPr>
         </p:nvSpPr>
-        <p:spPr>
-          <a:xfrm>
-            <a:off x="251520" y="3136613"/>
-            <a:ext cx="8640960" cy="584775"/>
-          </a:xfrm>
-          <a:prstGeom prst="rect">
-            <a:avLst/>
-          </a:prstGeom>
-        </p:spPr>
+        <p:spPr/>
         <p:txBody>
-          <a:bodyPr wrap="square">
-            <a:spAutoFit/>
-          </a:bodyPr>
+          <a:bodyPr/>
           <a:lstStyle/>
           <a:p>
-            <a:pPr lvl="0" algn="ctr"/>
-            <a:r>
-              <a:rPr lang="en-US" sz="3200" dirty="0">
-                <a:solidFill>
-                  <a:schemeClr val="bg1"/>
-                </a:solidFill>
-              </a:rPr>
-              <a:t>https://github.com/bazile/Training</a:t>
-            </a:r>
-            <a:endParaRPr lang="en-US" sz="3200" dirty="0" smtClean="0">
-              <a:solidFill>
-                <a:schemeClr val="bg1"/>
-              </a:solidFill>
-            </a:endParaRPr>
+            <a:r>
+              <a:rPr lang="ru-RU" dirty="0">
+                <a:solidFill>
+                  <a:schemeClr val="bg1"/>
+                </a:solidFill>
+              </a:rPr>
+              <a:t>Материалы для обучения</a:t>
+            </a:r>
+            <a:endParaRPr lang="en-US" dirty="0">
+              <a:solidFill>
+                <a:schemeClr val="bg1"/>
+              </a:solidFill>
+            </a:endParaRPr>
+          </a:p>
+        </p:txBody>
+      </p:sp>
+      <p:sp>
+        <p:nvSpPr>
+          <p:cNvPr id="3" name="Content Placeholder 2"/>
+          <p:cNvSpPr>
+            <a:spLocks noGrp="1"/>
+          </p:cNvSpPr>
+          <p:nvPr>
+            <p:ph idx="1"/>
+          </p:nvPr>
+        </p:nvSpPr>
+        <p:spPr/>
+        <p:txBody>
+          <a:bodyPr/>
+          <a:lstStyle/>
+          <a:p>
+            <a:r>
+              <a:rPr lang="en-US" dirty="0">
+                <a:solidFill>
+                  <a:schemeClr val="bg1"/>
+                </a:solidFill>
+                <a:hlinkClick r:id="rId3"/>
+              </a:rPr>
+              <a:t>https://</a:t>
+            </a:r>
+            <a:r>
+              <a:rPr lang="en-US" dirty="0" smtClean="0">
+                <a:solidFill>
+                  <a:schemeClr val="bg1"/>
+                </a:solidFill>
+                <a:hlinkClick r:id="rId3"/>
+              </a:rPr>
+              <a:t>github.com/bazile/Training</a:t>
+            </a:r>
+            <a:r>
+              <a:rPr lang="en-US" dirty="0" smtClean="0">
+                <a:solidFill>
+                  <a:schemeClr val="bg1"/>
+                </a:solidFill>
+              </a:rPr>
+              <a:t/>
+            </a:r>
+            <a:br>
+              <a:rPr lang="en-US" dirty="0" smtClean="0">
+                <a:solidFill>
+                  <a:schemeClr val="bg1"/>
+                </a:solidFill>
+              </a:rPr>
+            </a:br>
+            <a:r>
+              <a:rPr lang="ru-RU" dirty="0" smtClean="0">
+                <a:solidFill>
+                  <a:schemeClr val="bg1"/>
+                </a:solidFill>
+              </a:rPr>
+              <a:t>Презентации и примеры кода используемые во время занятия</a:t>
+            </a:r>
+          </a:p>
+          <a:p>
+            <a:endParaRPr lang="ru-RU" dirty="0" smtClean="0">
+              <a:solidFill>
+                <a:schemeClr val="bg1"/>
+              </a:solidFill>
+            </a:endParaRPr>
+          </a:p>
+          <a:p>
+            <a:r>
+              <a:rPr lang="en-US" dirty="0">
+                <a:solidFill>
+                  <a:schemeClr val="bg1"/>
+                </a:solidFill>
+                <a:hlinkClick r:id="rId4"/>
+              </a:rPr>
+              <a:t>http://belhard.nullptr.ru</a:t>
+            </a:r>
+            <a:r>
+              <a:rPr lang="en-US" dirty="0" smtClean="0">
+                <a:solidFill>
+                  <a:schemeClr val="bg1"/>
+                </a:solidFill>
+                <a:hlinkClick r:id="rId4"/>
+              </a:rPr>
+              <a:t>/</a:t>
+            </a:r>
+            <a:r>
+              <a:rPr lang="ru-RU" dirty="0" smtClean="0">
+                <a:solidFill>
+                  <a:schemeClr val="bg1"/>
+                </a:solidFill>
+              </a:rPr>
+              <a:t/>
+            </a:r>
+            <a:br>
+              <a:rPr lang="ru-RU" dirty="0" smtClean="0">
+                <a:solidFill>
+                  <a:schemeClr val="bg1"/>
+                </a:solidFill>
+              </a:rPr>
+            </a:br>
+            <a:r>
+              <a:rPr lang="ru-RU" dirty="0" smtClean="0">
+                <a:solidFill>
+                  <a:schemeClr val="bg1"/>
+                </a:solidFill>
+              </a:rPr>
+              <a:t>Книги, примеры к ним и другие полезные файлы.</a:t>
+            </a:r>
+            <a:endParaRPr lang="ru-RU" dirty="0">
+              <a:solidFill>
+                <a:schemeClr val="bg1"/>
+              </a:solidFill>
+            </a:endParaRPr>
+          </a:p>
+          <a:p>
+            <a:endParaRPr lang="en-US" dirty="0"/>
           </a:p>
         </p:txBody>
       </p:sp>
     </p:spTree>
     <p:extLst>
       <p:ext uri="{BB962C8B-B14F-4D97-AF65-F5344CB8AC3E}">
-        <p14:creationId xmlns:p14="http://schemas.microsoft.com/office/powerpoint/2010/main" val="3442816489"/>
+        <p14:creationId xmlns:p14="http://schemas.microsoft.com/office/powerpoint/2010/main" val="306762039"/>
       </p:ext>
     </p:extLst>
   </p:cSld>
   <p:clrMapOvr>
     <a:masterClrMapping/>
   </p:clrMapOvr>
-  <p:timing>
-    <p:tnLst>
-      <p:par>
-        <p:cTn id="1" dur="indefinite" restart="never" nodeType="tmRoot"/>
-      </p:par>
-    </p:tnLst>
-  </p:timing>
 </p:sld>
 </file>
 

--- a/Presentation/lesson-04-io.pptx
+++ b/Presentation/lesson-04-io.pptx
@@ -20,9 +20,10 @@
     <p:sldId id="266" r:id="rId14"/>
     <p:sldId id="267" r:id="rId15"/>
     <p:sldId id="268" r:id="rId16"/>
-    <p:sldId id="269" r:id="rId17"/>
-    <p:sldId id="270" r:id="rId18"/>
-    <p:sldId id="271" r:id="rId19"/>
+    <p:sldId id="278" r:id="rId17"/>
+    <p:sldId id="279" r:id="rId18"/>
+    <p:sldId id="280" r:id="rId19"/>
+    <p:sldId id="271" r:id="rId20"/>
   </p:sldIdLst>
   <p:sldSz cx="9144000" cy="6858000" type="screen4x3"/>
   <p:notesSz cx="6858000" cy="9144000"/>
@@ -305,7 +306,7 @@
           <a:p>
             <a:fld id="{FAECF776-F836-4CCD-9497-99E5597B8B5D}" type="datetimeFigureOut">
               <a:rPr lang="en-US" smtClean="0"/>
-              <a:t>3/27/2013</a:t>
+              <a:t>6/25/2013</a:t>
             </a:fld>
             <a:endParaRPr lang="en-US"/>
           </a:p>
@@ -475,7 +476,7 @@
           <a:p>
             <a:fld id="{FAECF776-F836-4CCD-9497-99E5597B8B5D}" type="datetimeFigureOut">
               <a:rPr lang="en-US" smtClean="0"/>
-              <a:t>3/27/2013</a:t>
+              <a:t>6/25/2013</a:t>
             </a:fld>
             <a:endParaRPr lang="en-US"/>
           </a:p>
@@ -655,7 +656,7 @@
           <a:p>
             <a:fld id="{FAECF776-F836-4CCD-9497-99E5597B8B5D}" type="datetimeFigureOut">
               <a:rPr lang="en-US" smtClean="0"/>
-              <a:t>3/27/2013</a:t>
+              <a:t>6/25/2013</a:t>
             </a:fld>
             <a:endParaRPr lang="en-US"/>
           </a:p>
@@ -825,7 +826,7 @@
           <a:p>
             <a:fld id="{FAECF776-F836-4CCD-9497-99E5597B8B5D}" type="datetimeFigureOut">
               <a:rPr lang="en-US" smtClean="0"/>
-              <a:t>3/27/2013</a:t>
+              <a:t>6/25/2013</a:t>
             </a:fld>
             <a:endParaRPr lang="en-US"/>
           </a:p>
@@ -1071,7 +1072,7 @@
           <a:p>
             <a:fld id="{FAECF776-F836-4CCD-9497-99E5597B8B5D}" type="datetimeFigureOut">
               <a:rPr lang="en-US" smtClean="0"/>
-              <a:t>3/27/2013</a:t>
+              <a:t>6/25/2013</a:t>
             </a:fld>
             <a:endParaRPr lang="en-US"/>
           </a:p>
@@ -1359,7 +1360,7 @@
           <a:p>
             <a:fld id="{FAECF776-F836-4CCD-9497-99E5597B8B5D}" type="datetimeFigureOut">
               <a:rPr lang="en-US" smtClean="0"/>
-              <a:t>3/27/2013</a:t>
+              <a:t>6/25/2013</a:t>
             </a:fld>
             <a:endParaRPr lang="en-US"/>
           </a:p>
@@ -1781,7 +1782,7 @@
           <a:p>
             <a:fld id="{FAECF776-F836-4CCD-9497-99E5597B8B5D}" type="datetimeFigureOut">
               <a:rPr lang="en-US" smtClean="0"/>
-              <a:t>3/27/2013</a:t>
+              <a:t>6/25/2013</a:t>
             </a:fld>
             <a:endParaRPr lang="en-US"/>
           </a:p>
@@ -1899,7 +1900,7 @@
           <a:p>
             <a:fld id="{FAECF776-F836-4CCD-9497-99E5597B8B5D}" type="datetimeFigureOut">
               <a:rPr lang="en-US" smtClean="0"/>
-              <a:t>3/27/2013</a:t>
+              <a:t>6/25/2013</a:t>
             </a:fld>
             <a:endParaRPr lang="en-US"/>
           </a:p>
@@ -1994,7 +1995,7 @@
           <a:p>
             <a:fld id="{FAECF776-F836-4CCD-9497-99E5597B8B5D}" type="datetimeFigureOut">
               <a:rPr lang="en-US" smtClean="0"/>
-              <a:t>3/27/2013</a:t>
+              <a:t>6/25/2013</a:t>
             </a:fld>
             <a:endParaRPr lang="en-US"/>
           </a:p>
@@ -2271,7 +2272,7 @@
           <a:p>
             <a:fld id="{FAECF776-F836-4CCD-9497-99E5597B8B5D}" type="datetimeFigureOut">
               <a:rPr lang="en-US" smtClean="0"/>
-              <a:t>3/27/2013</a:t>
+              <a:t>6/25/2013</a:t>
             </a:fld>
             <a:endParaRPr lang="en-US"/>
           </a:p>
@@ -2524,7 +2525,7 @@
           <a:p>
             <a:fld id="{FAECF776-F836-4CCD-9497-99E5597B8B5D}" type="datetimeFigureOut">
               <a:rPr lang="en-US" smtClean="0"/>
-              <a:t>3/27/2013</a:t>
+              <a:t>6/25/2013</a:t>
             </a:fld>
             <a:endParaRPr lang="en-US"/>
           </a:p>
@@ -2737,7 +2738,7 @@
           <a:p>
             <a:fld id="{FAECF776-F836-4CCD-9497-99E5597B8B5D}" type="datetimeFigureOut">
               <a:rPr lang="en-US" smtClean="0"/>
-              <a:t>3/27/2013</a:t>
+              <a:t>6/25/2013</a:t>
             </a:fld>
             <a:endParaRPr lang="en-US"/>
           </a:p>
@@ -9824,1091 +9825,93 @@
       </p:grpSpPr>
       <p:sp>
         <p:nvSpPr>
-          <p:cNvPr id="13314" name="Прямоугольник 2"/>
+          <p:cNvPr id="2" name="Title 1"/>
           <p:cNvSpPr>
-            <a:spLocks noChangeArrowheads="1"/>
+            <a:spLocks noGrp="1"/>
           </p:cNvSpPr>
-          <p:nvPr/>
+          <p:nvPr>
+            <p:ph type="title"/>
+          </p:nvPr>
         </p:nvSpPr>
-        <p:spPr bwMode="auto">
-          <a:xfrm>
-            <a:off x="2514600" y="0"/>
-            <a:ext cx="4000500" cy="461963"/>
-          </a:xfrm>
-          <a:prstGeom prst="rect">
-            <a:avLst/>
-          </a:prstGeom>
-          <a:noFill/>
-          <a:ln>
-            <a:noFill/>
-          </a:ln>
-          <a:extLst>
-            <a:ext uri="{909E8E84-426E-40DD-AFC4-6F175D3DCCD1}">
-              <a14:hiddenFill xmlns:a14="http://schemas.microsoft.com/office/drawing/2010/main">
-                <a:solidFill>
-                  <a:srgbClr val="FFFFFF"/>
-                </a:solidFill>
-              </a14:hiddenFill>
-            </a:ext>
-            <a:ext uri="{91240B29-F687-4F45-9708-019B960494DF}">
-              <a14:hiddenLine xmlns:a14="http://schemas.microsoft.com/office/drawing/2010/main" w="9525">
-                <a:solidFill>
-                  <a:srgbClr val="000000"/>
-                </a:solidFill>
-                <a:miter lim="800000"/>
-                <a:headEnd/>
-                <a:tailEnd/>
-              </a14:hiddenLine>
-            </a:ext>
-          </a:extLst>
-        </p:spPr>
+        <p:spPr/>
         <p:txBody>
-          <a:bodyPr wrap="none">
-            <a:spAutoFit/>
-          </a:bodyPr>
+          <a:bodyPr/>
           <a:lstStyle/>
           <a:p>
             <a:r>
-              <a:rPr lang="be-BY" sz="2400" b="1"/>
-              <a:t>Бинарная сериализация</a:t>
-            </a:r>
-            <a:r>
-              <a:rPr lang="ru-RU" sz="2400" b="1"/>
-              <a:t>.</a:t>
-            </a:r>
+              <a:rPr lang="ru-RU" dirty="0" smtClean="0"/>
+              <a:t>Сериализация</a:t>
+            </a:r>
+            <a:endParaRPr lang="en-US" dirty="0"/>
           </a:p>
         </p:txBody>
       </p:sp>
       <p:sp>
         <p:nvSpPr>
-          <p:cNvPr id="13315" name="TextBox 6"/>
-          <p:cNvSpPr txBox="1">
-            <a:spLocks noChangeArrowheads="1"/>
+          <p:cNvPr id="3" name="Content Placeholder 2"/>
+          <p:cNvSpPr>
+            <a:spLocks noGrp="1"/>
           </p:cNvSpPr>
-          <p:nvPr/>
+          <p:nvPr>
+            <p:ph idx="1"/>
+          </p:nvPr>
         </p:nvSpPr>
-        <p:spPr bwMode="auto">
-          <a:xfrm>
-            <a:off x="76200" y="381000"/>
-            <a:ext cx="8991600" cy="584200"/>
-          </a:xfrm>
-          <a:prstGeom prst="rect">
-            <a:avLst/>
-          </a:prstGeom>
-          <a:noFill/>
-          <a:ln>
-            <a:noFill/>
-          </a:ln>
-          <a:extLst>
-            <a:ext uri="{909E8E84-426E-40DD-AFC4-6F175D3DCCD1}">
-              <a14:hiddenFill xmlns:a14="http://schemas.microsoft.com/office/drawing/2010/main">
-                <a:solidFill>
-                  <a:srgbClr val="FFFFFF"/>
-                </a:solidFill>
-              </a14:hiddenFill>
-            </a:ext>
-            <a:ext uri="{91240B29-F687-4F45-9708-019B960494DF}">
-              <a14:hiddenLine xmlns:a14="http://schemas.microsoft.com/office/drawing/2010/main" w="9525">
-                <a:solidFill>
-                  <a:srgbClr val="000000"/>
-                </a:solidFill>
-                <a:miter lim="800000"/>
-                <a:headEnd/>
-                <a:tailEnd/>
-              </a14:hiddenLine>
-            </a:ext>
-          </a:extLst>
-        </p:spPr>
+        <p:spPr/>
         <p:txBody>
           <a:bodyPr>
-            <a:spAutoFit/>
-          </a:bodyPr>
-          <a:lstStyle>
-            <a:lvl1pPr defTabSz="358775" eaLnBrk="0" hangingPunct="0">
-              <a:defRPr>
-                <a:solidFill>
-                  <a:schemeClr val="tx1"/>
-                </a:solidFill>
-                <a:latin typeface="Arial" charset="0"/>
-              </a:defRPr>
-            </a:lvl1pPr>
-            <a:lvl2pPr marL="742950" indent="-285750" defTabSz="358775" eaLnBrk="0" hangingPunct="0">
-              <a:defRPr>
-                <a:solidFill>
-                  <a:schemeClr val="tx1"/>
-                </a:solidFill>
-                <a:latin typeface="Arial" charset="0"/>
-              </a:defRPr>
-            </a:lvl2pPr>
-            <a:lvl3pPr marL="1143000" indent="-228600" defTabSz="358775" eaLnBrk="0" hangingPunct="0">
-              <a:defRPr>
-                <a:solidFill>
-                  <a:schemeClr val="tx1"/>
-                </a:solidFill>
-                <a:latin typeface="Arial" charset="0"/>
-              </a:defRPr>
-            </a:lvl3pPr>
-            <a:lvl4pPr marL="1600200" indent="-228600" defTabSz="358775" eaLnBrk="0" hangingPunct="0">
-              <a:defRPr>
-                <a:solidFill>
-                  <a:schemeClr val="tx1"/>
-                </a:solidFill>
-                <a:latin typeface="Arial" charset="0"/>
-              </a:defRPr>
-            </a:lvl4pPr>
-            <a:lvl5pPr marL="2057400" indent="-228600" defTabSz="358775" eaLnBrk="0" hangingPunct="0">
-              <a:defRPr>
-                <a:solidFill>
-                  <a:schemeClr val="tx1"/>
-                </a:solidFill>
-                <a:latin typeface="Arial" charset="0"/>
-              </a:defRPr>
-            </a:lvl5pPr>
-            <a:lvl6pPr marL="2514600" indent="-228600" defTabSz="358775" eaLnBrk="0" fontAlgn="base" hangingPunct="0">
-              <a:spcBef>
-                <a:spcPct val="0"/>
-              </a:spcBef>
-              <a:spcAft>
-                <a:spcPct val="0"/>
-              </a:spcAft>
-              <a:defRPr>
-                <a:solidFill>
-                  <a:schemeClr val="tx1"/>
-                </a:solidFill>
-                <a:latin typeface="Arial" charset="0"/>
-              </a:defRPr>
-            </a:lvl6pPr>
-            <a:lvl7pPr marL="2971800" indent="-228600" defTabSz="358775" eaLnBrk="0" fontAlgn="base" hangingPunct="0">
-              <a:spcBef>
-                <a:spcPct val="0"/>
-              </a:spcBef>
-              <a:spcAft>
-                <a:spcPct val="0"/>
-              </a:spcAft>
-              <a:defRPr>
-                <a:solidFill>
-                  <a:schemeClr val="tx1"/>
-                </a:solidFill>
-                <a:latin typeface="Arial" charset="0"/>
-              </a:defRPr>
-            </a:lvl7pPr>
-            <a:lvl8pPr marL="3429000" indent="-228600" defTabSz="358775" eaLnBrk="0" fontAlgn="base" hangingPunct="0">
-              <a:spcBef>
-                <a:spcPct val="0"/>
-              </a:spcBef>
-              <a:spcAft>
-                <a:spcPct val="0"/>
-              </a:spcAft>
-              <a:defRPr>
-                <a:solidFill>
-                  <a:schemeClr val="tx1"/>
-                </a:solidFill>
-                <a:latin typeface="Arial" charset="0"/>
-              </a:defRPr>
-            </a:lvl8pPr>
-            <a:lvl9pPr marL="3886200" indent="-228600" defTabSz="358775" eaLnBrk="0" fontAlgn="base" hangingPunct="0">
-              <a:spcBef>
-                <a:spcPct val="0"/>
-              </a:spcBef>
-              <a:spcAft>
-                <a:spcPct val="0"/>
-              </a:spcAft>
-              <a:defRPr>
-                <a:solidFill>
-                  <a:schemeClr val="tx1"/>
-                </a:solidFill>
-                <a:latin typeface="Arial" charset="0"/>
-              </a:defRPr>
-            </a:lvl9pPr>
-          </a:lstStyle>
-          <a:p>
-            <a:pPr algn="ctr" eaLnBrk="1" hangingPunct="1"/>
-            <a:r>
-              <a:rPr lang="be-BY" sz="1600"/>
-              <a:t>Сериализация </a:t>
-            </a:r>
-            <a:r>
-              <a:rPr lang="ru-RU" sz="1600">
-                <a:cs typeface="Arial" charset="0"/>
-              </a:rPr>
-              <a:t>– сохранение данных об объекте класса в поток.</a:t>
-            </a:r>
-          </a:p>
-          <a:p>
-            <a:pPr algn="ctr" eaLnBrk="1" hangingPunct="1"/>
-            <a:r>
-              <a:rPr lang="ru-RU" sz="1600">
-                <a:ea typeface="Calibri" pitchFamily="34" charset="0"/>
-                <a:cs typeface="Arial" charset="0"/>
-              </a:rPr>
-              <a:t>Дес</a:t>
-            </a:r>
-            <a:r>
-              <a:rPr lang="be-BY" sz="1600"/>
-              <a:t>ериализация</a:t>
-            </a:r>
-            <a:r>
-              <a:rPr lang="ru-RU" sz="1600">
-                <a:cs typeface="Calibri" pitchFamily="34" charset="0"/>
-              </a:rPr>
-              <a:t>– обратный процесс восстановления объекта класса.</a:t>
-            </a:r>
-            <a:endParaRPr lang="be-BY" sz="1400">
-              <a:cs typeface="Calibri" pitchFamily="34" charset="0"/>
-            </a:endParaRPr>
-          </a:p>
-        </p:txBody>
-      </p:sp>
-      <p:sp>
-        <p:nvSpPr>
-          <p:cNvPr id="44033" name="Rectangle 1"/>
-          <p:cNvSpPr>
-            <a:spLocks noChangeArrowheads="1"/>
-          </p:cNvSpPr>
-          <p:nvPr/>
-        </p:nvSpPr>
-        <p:spPr bwMode="auto">
-          <a:xfrm>
-            <a:off x="228600" y="914400"/>
-            <a:ext cx="8686800" cy="5770563"/>
-          </a:xfrm>
-          <a:prstGeom prst="rect">
-            <a:avLst/>
-          </a:prstGeom>
-          <a:noFill/>
-          <a:ln w="9525">
-            <a:solidFill>
-              <a:schemeClr val="bg1">
-                <a:lumMod val="65000"/>
-              </a:schemeClr>
-            </a:solidFill>
-            <a:miter lim="800000"/>
-            <a:headEnd/>
-            <a:tailEnd/>
-          </a:ln>
-          <a:effectLst/>
-        </p:spPr>
-        <p:txBody>
-          <a:bodyPr anchor="ctr">
-            <a:spAutoFit/>
+            <a:normAutofit lnSpcReduction="10000"/>
           </a:bodyPr>
           <a:lstStyle/>
           <a:p>
-            <a:pPr eaLnBrk="0" hangingPunct="0">
-              <a:defRPr/>
-            </a:pPr>
-            <a:r>
-              <a:rPr lang="be-BY" sz="1000" dirty="0">
-                <a:solidFill>
-                  <a:schemeClr val="bg1"/>
-                </a:solidFill>
-                <a:latin typeface="Courier New" pitchFamily="49" charset="0"/>
-                <a:ea typeface="Calibri" pitchFamily="34" charset="0"/>
-                <a:cs typeface="Courier New" pitchFamily="49" charset="0"/>
-              </a:rPr>
-              <a:t>       [Serializable]</a:t>
-            </a:r>
-            <a:endParaRPr lang="be-BY" sz="900" dirty="0">
-              <a:solidFill>
-                <a:schemeClr val="bg1"/>
-              </a:solidFill>
-              <a:latin typeface="Arial" pitchFamily="34" charset="0"/>
-            </a:endParaRPr>
-          </a:p>
-          <a:p>
-            <a:pPr eaLnBrk="0" hangingPunct="0">
-              <a:defRPr/>
-            </a:pPr>
-            <a:r>
-              <a:rPr lang="be-BY" sz="1000" dirty="0">
-                <a:solidFill>
-                  <a:schemeClr val="bg1"/>
-                </a:solidFill>
-                <a:latin typeface="Courier New" pitchFamily="49" charset="0"/>
-                <a:ea typeface="Calibri" pitchFamily="34" charset="0"/>
-                <a:cs typeface="Courier New" pitchFamily="49" charset="0"/>
-              </a:rPr>
-              <a:t>        class Train</a:t>
-            </a:r>
-            <a:endParaRPr lang="be-BY" sz="900" dirty="0">
-              <a:solidFill>
-                <a:schemeClr val="bg1"/>
-              </a:solidFill>
-              <a:latin typeface="Arial" pitchFamily="34" charset="0"/>
-            </a:endParaRPr>
-          </a:p>
-          <a:p>
-            <a:pPr eaLnBrk="0" hangingPunct="0">
-              <a:defRPr/>
-            </a:pPr>
-            <a:r>
-              <a:rPr lang="be-BY" sz="1000" dirty="0">
-                <a:solidFill>
-                  <a:schemeClr val="bg1"/>
-                </a:solidFill>
-                <a:latin typeface="Courier New" pitchFamily="49" charset="0"/>
-                <a:ea typeface="Calibri" pitchFamily="34" charset="0"/>
-                <a:cs typeface="Courier New" pitchFamily="49" charset="0"/>
-              </a:rPr>
-              <a:t>        {</a:t>
-            </a:r>
-            <a:endParaRPr lang="be-BY" sz="900" dirty="0">
-              <a:solidFill>
-                <a:schemeClr val="bg1"/>
-              </a:solidFill>
-              <a:latin typeface="Arial" pitchFamily="34" charset="0"/>
-            </a:endParaRPr>
-          </a:p>
-          <a:p>
-            <a:pPr eaLnBrk="0" hangingPunct="0">
-              <a:defRPr/>
-            </a:pPr>
-            <a:r>
-              <a:rPr lang="be-BY" sz="1000" dirty="0">
-                <a:solidFill>
-                  <a:schemeClr val="bg1"/>
-                </a:solidFill>
-                <a:latin typeface="Courier New" pitchFamily="49" charset="0"/>
-                <a:ea typeface="Calibri" pitchFamily="34" charset="0"/>
-                <a:cs typeface="Courier New" pitchFamily="49" charset="0"/>
-              </a:rPr>
-              <a:t>            [NonSerialized]</a:t>
-            </a:r>
-            <a:endParaRPr lang="be-BY" sz="900" dirty="0">
-              <a:solidFill>
-                <a:schemeClr val="bg1"/>
-              </a:solidFill>
-              <a:latin typeface="Arial" pitchFamily="34" charset="0"/>
-            </a:endParaRPr>
-          </a:p>
-          <a:p>
-            <a:pPr eaLnBrk="0" hangingPunct="0">
-              <a:defRPr/>
-            </a:pPr>
-            <a:r>
-              <a:rPr lang="be-BY" sz="1000" dirty="0">
-                <a:solidFill>
-                  <a:schemeClr val="bg1"/>
-                </a:solidFill>
-                <a:latin typeface="Courier New" pitchFamily="49" charset="0"/>
-                <a:ea typeface="Calibri" pitchFamily="34" charset="0"/>
-                <a:cs typeface="Courier New" pitchFamily="49" charset="0"/>
-              </a:rPr>
-              <a:t>            double speed;</a:t>
-            </a:r>
-            <a:endParaRPr lang="be-BY" sz="900" dirty="0">
-              <a:solidFill>
-                <a:schemeClr val="bg1"/>
-              </a:solidFill>
-              <a:latin typeface="Arial" pitchFamily="34" charset="0"/>
-            </a:endParaRPr>
-          </a:p>
-          <a:p>
-            <a:pPr eaLnBrk="0" hangingPunct="0">
-              <a:defRPr/>
-            </a:pPr>
-            <a:r>
-              <a:rPr lang="be-BY" sz="1000" dirty="0">
-                <a:solidFill>
-                  <a:schemeClr val="bg1"/>
-                </a:solidFill>
-                <a:latin typeface="Courier New" pitchFamily="49" charset="0"/>
-                <a:ea typeface="Calibri" pitchFamily="34" charset="0"/>
-                <a:cs typeface="Courier New" pitchFamily="49" charset="0"/>
-              </a:rPr>
-              <a:t>            int length;</a:t>
-            </a:r>
-            <a:endParaRPr lang="be-BY" sz="900" dirty="0">
-              <a:solidFill>
-                <a:schemeClr val="bg1"/>
-              </a:solidFill>
-              <a:latin typeface="Arial" pitchFamily="34" charset="0"/>
-            </a:endParaRPr>
-          </a:p>
-          <a:p>
-            <a:pPr eaLnBrk="0" hangingPunct="0">
-              <a:defRPr/>
-            </a:pPr>
-            <a:r>
-              <a:rPr lang="be-BY" sz="1000" dirty="0">
-                <a:solidFill>
-                  <a:schemeClr val="bg1"/>
-                </a:solidFill>
-                <a:latin typeface="Courier New" pitchFamily="49" charset="0"/>
-                <a:ea typeface="Calibri" pitchFamily="34" charset="0"/>
-                <a:cs typeface="Courier New" pitchFamily="49" charset="0"/>
-              </a:rPr>
-              <a:t>            string[] travellers;</a:t>
-            </a:r>
-            <a:endParaRPr lang="be-BY" sz="900" dirty="0">
-              <a:solidFill>
-                <a:schemeClr val="bg1"/>
-              </a:solidFill>
-              <a:latin typeface="Arial" pitchFamily="34" charset="0"/>
-            </a:endParaRPr>
-          </a:p>
-          <a:p>
-            <a:pPr eaLnBrk="0" hangingPunct="0">
-              <a:defRPr/>
-            </a:pPr>
-            <a:r>
-              <a:rPr lang="be-BY" sz="1000" dirty="0">
-                <a:solidFill>
-                  <a:schemeClr val="bg1"/>
-                </a:solidFill>
-                <a:latin typeface="Courier New" pitchFamily="49" charset="0"/>
-                <a:ea typeface="Calibri" pitchFamily="34" charset="0"/>
-                <a:cs typeface="Courier New" pitchFamily="49" charset="0"/>
-              </a:rPr>
-              <a:t>            public Train(double speed, int length, params string[] travellers)</a:t>
-            </a:r>
-            <a:endParaRPr lang="be-BY" sz="900" dirty="0">
-              <a:solidFill>
-                <a:schemeClr val="bg1"/>
-              </a:solidFill>
-              <a:latin typeface="Arial" pitchFamily="34" charset="0"/>
-            </a:endParaRPr>
-          </a:p>
-          <a:p>
-            <a:pPr eaLnBrk="0" hangingPunct="0">
-              <a:defRPr/>
-            </a:pPr>
-            <a:r>
-              <a:rPr lang="be-BY" sz="1000" dirty="0">
-                <a:solidFill>
-                  <a:schemeClr val="bg1"/>
-                </a:solidFill>
-                <a:latin typeface="Courier New" pitchFamily="49" charset="0"/>
-                <a:ea typeface="Calibri" pitchFamily="34" charset="0"/>
-                <a:cs typeface="Courier New" pitchFamily="49" charset="0"/>
-              </a:rPr>
-              <a:t>            {</a:t>
-            </a:r>
-            <a:endParaRPr lang="be-BY" sz="900" dirty="0">
-              <a:solidFill>
-                <a:schemeClr val="bg1"/>
-              </a:solidFill>
-              <a:latin typeface="Arial" pitchFamily="34" charset="0"/>
-            </a:endParaRPr>
-          </a:p>
-          <a:p>
-            <a:pPr eaLnBrk="0" hangingPunct="0">
-              <a:defRPr/>
-            </a:pPr>
-            <a:r>
-              <a:rPr lang="be-BY" sz="1000" dirty="0">
-                <a:solidFill>
-                  <a:schemeClr val="bg1"/>
-                </a:solidFill>
-                <a:latin typeface="Courier New" pitchFamily="49" charset="0"/>
-                <a:ea typeface="Calibri" pitchFamily="34" charset="0"/>
-                <a:cs typeface="Courier New" pitchFamily="49" charset="0"/>
-              </a:rPr>
-              <a:t>                this.speed = speed;</a:t>
-            </a:r>
-            <a:endParaRPr lang="be-BY" sz="900" dirty="0">
-              <a:solidFill>
-                <a:schemeClr val="bg1"/>
-              </a:solidFill>
-              <a:latin typeface="Arial" pitchFamily="34" charset="0"/>
-            </a:endParaRPr>
-          </a:p>
-          <a:p>
-            <a:pPr eaLnBrk="0" hangingPunct="0">
-              <a:defRPr/>
-            </a:pPr>
-            <a:r>
-              <a:rPr lang="be-BY" sz="1000" dirty="0">
-                <a:solidFill>
-                  <a:schemeClr val="bg1"/>
-                </a:solidFill>
-                <a:latin typeface="Courier New" pitchFamily="49" charset="0"/>
-                <a:ea typeface="Calibri" pitchFamily="34" charset="0"/>
-                <a:cs typeface="Courier New" pitchFamily="49" charset="0"/>
-              </a:rPr>
-              <a:t>                this.length = length;</a:t>
-            </a:r>
-            <a:endParaRPr lang="be-BY" sz="900" dirty="0">
-              <a:solidFill>
-                <a:schemeClr val="bg1"/>
-              </a:solidFill>
-              <a:latin typeface="Arial" pitchFamily="34" charset="0"/>
-            </a:endParaRPr>
-          </a:p>
-          <a:p>
-            <a:pPr eaLnBrk="0" hangingPunct="0">
-              <a:defRPr/>
-            </a:pPr>
-            <a:r>
-              <a:rPr lang="be-BY" sz="1000" dirty="0">
-                <a:solidFill>
-                  <a:schemeClr val="bg1"/>
-                </a:solidFill>
-                <a:latin typeface="Courier New" pitchFamily="49" charset="0"/>
-                <a:ea typeface="Calibri" pitchFamily="34" charset="0"/>
-                <a:cs typeface="Courier New" pitchFamily="49" charset="0"/>
-              </a:rPr>
-              <a:t>                this.travellers = travellers;</a:t>
-            </a:r>
-            <a:endParaRPr lang="be-BY" sz="900" dirty="0">
-              <a:solidFill>
-                <a:schemeClr val="bg1"/>
-              </a:solidFill>
-              <a:latin typeface="Arial" pitchFamily="34" charset="0"/>
-            </a:endParaRPr>
-          </a:p>
-          <a:p>
-            <a:pPr eaLnBrk="0" hangingPunct="0">
-              <a:defRPr/>
-            </a:pPr>
-            <a:r>
-              <a:rPr lang="be-BY" sz="1000" dirty="0">
-                <a:solidFill>
-                  <a:schemeClr val="bg1"/>
-                </a:solidFill>
-                <a:latin typeface="Courier New" pitchFamily="49" charset="0"/>
-                <a:ea typeface="Calibri" pitchFamily="34" charset="0"/>
-                <a:cs typeface="Courier New" pitchFamily="49" charset="0"/>
-              </a:rPr>
-              <a:t>            }</a:t>
-            </a:r>
-            <a:endParaRPr lang="be-BY" sz="900" dirty="0">
-              <a:solidFill>
-                <a:schemeClr val="bg1"/>
-              </a:solidFill>
-              <a:latin typeface="Arial" pitchFamily="34" charset="0"/>
-            </a:endParaRPr>
-          </a:p>
-          <a:p>
-            <a:pPr eaLnBrk="0" hangingPunct="0">
-              <a:defRPr/>
-            </a:pPr>
-            <a:r>
-              <a:rPr lang="be-BY" sz="1000" dirty="0">
-                <a:solidFill>
-                  <a:schemeClr val="bg1"/>
-                </a:solidFill>
-                <a:latin typeface="Courier New" pitchFamily="49" charset="0"/>
-                <a:ea typeface="Calibri" pitchFamily="34" charset="0"/>
-                <a:cs typeface="Courier New" pitchFamily="49" charset="0"/>
-              </a:rPr>
-              <a:t>            public void Print()</a:t>
-            </a:r>
-            <a:endParaRPr lang="be-BY" sz="900" dirty="0">
-              <a:solidFill>
-                <a:schemeClr val="bg1"/>
-              </a:solidFill>
-              <a:latin typeface="Arial" pitchFamily="34" charset="0"/>
-            </a:endParaRPr>
-          </a:p>
-          <a:p>
-            <a:pPr eaLnBrk="0" hangingPunct="0">
-              <a:defRPr/>
-            </a:pPr>
-            <a:r>
-              <a:rPr lang="be-BY" sz="1000" dirty="0">
-                <a:solidFill>
-                  <a:schemeClr val="bg1"/>
-                </a:solidFill>
-                <a:latin typeface="Courier New" pitchFamily="49" charset="0"/>
-                <a:ea typeface="Calibri" pitchFamily="34" charset="0"/>
-                <a:cs typeface="Courier New" pitchFamily="49" charset="0"/>
-              </a:rPr>
-              <a:t>            {</a:t>
-            </a:r>
-            <a:endParaRPr lang="be-BY" sz="900" dirty="0">
-              <a:solidFill>
-                <a:schemeClr val="bg1"/>
-              </a:solidFill>
-              <a:latin typeface="Arial" pitchFamily="34" charset="0"/>
-            </a:endParaRPr>
-          </a:p>
-          <a:p>
-            <a:pPr eaLnBrk="0" hangingPunct="0">
-              <a:defRPr/>
-            </a:pPr>
-            <a:r>
-              <a:rPr lang="be-BY" sz="1000" dirty="0">
-                <a:solidFill>
-                  <a:schemeClr val="bg1"/>
-                </a:solidFill>
-                <a:latin typeface="Courier New" pitchFamily="49" charset="0"/>
-                <a:ea typeface="Calibri" pitchFamily="34" charset="0"/>
-                <a:cs typeface="Courier New" pitchFamily="49" charset="0"/>
-              </a:rPr>
-              <a:t>                Console.WriteLine("Train");</a:t>
-            </a:r>
-            <a:endParaRPr lang="be-BY" sz="900" dirty="0">
-              <a:solidFill>
-                <a:schemeClr val="bg1"/>
-              </a:solidFill>
-              <a:latin typeface="Arial" pitchFamily="34" charset="0"/>
-            </a:endParaRPr>
-          </a:p>
-          <a:p>
-            <a:pPr eaLnBrk="0" hangingPunct="0">
-              <a:defRPr/>
-            </a:pPr>
-            <a:r>
-              <a:rPr lang="be-BY" sz="1000" dirty="0">
-                <a:solidFill>
-                  <a:schemeClr val="bg1"/>
-                </a:solidFill>
-                <a:latin typeface="Courier New" pitchFamily="49" charset="0"/>
-                <a:ea typeface="Calibri" pitchFamily="34" charset="0"/>
-                <a:cs typeface="Courier New" pitchFamily="49" charset="0"/>
-              </a:rPr>
-              <a:t>                Console.WriteLine("Speed : {0}",speed);</a:t>
-            </a:r>
-            <a:endParaRPr lang="be-BY" sz="900" dirty="0">
-              <a:solidFill>
-                <a:schemeClr val="bg1"/>
-              </a:solidFill>
-              <a:latin typeface="Arial" pitchFamily="34" charset="0"/>
-            </a:endParaRPr>
-          </a:p>
-          <a:p>
-            <a:pPr eaLnBrk="0" hangingPunct="0">
-              <a:defRPr/>
-            </a:pPr>
-            <a:r>
-              <a:rPr lang="be-BY" sz="1000" dirty="0">
-                <a:solidFill>
-                  <a:schemeClr val="bg1"/>
-                </a:solidFill>
-                <a:latin typeface="Courier New" pitchFamily="49" charset="0"/>
-                <a:ea typeface="Calibri" pitchFamily="34" charset="0"/>
-                <a:cs typeface="Courier New" pitchFamily="49" charset="0"/>
-              </a:rPr>
-              <a:t>                Console.WriteLine("Length : {0}", length);</a:t>
-            </a:r>
-            <a:endParaRPr lang="be-BY" sz="900" dirty="0">
-              <a:solidFill>
-                <a:schemeClr val="bg1"/>
-              </a:solidFill>
-              <a:latin typeface="Arial" pitchFamily="34" charset="0"/>
-            </a:endParaRPr>
-          </a:p>
-          <a:p>
-            <a:pPr eaLnBrk="0" hangingPunct="0">
-              <a:defRPr/>
-            </a:pPr>
-            <a:r>
-              <a:rPr lang="be-BY" sz="1000" dirty="0">
-                <a:solidFill>
-                  <a:schemeClr val="bg1"/>
-                </a:solidFill>
-                <a:latin typeface="Courier New" pitchFamily="49" charset="0"/>
-                <a:ea typeface="Calibri" pitchFamily="34" charset="0"/>
-                <a:cs typeface="Courier New" pitchFamily="49" charset="0"/>
-              </a:rPr>
-              <a:t>                Console.WriteLine("Travellers : ");</a:t>
-            </a:r>
-            <a:endParaRPr lang="be-BY" sz="900" dirty="0">
-              <a:solidFill>
-                <a:schemeClr val="bg1"/>
-              </a:solidFill>
-              <a:latin typeface="Arial" pitchFamily="34" charset="0"/>
-            </a:endParaRPr>
-          </a:p>
-          <a:p>
-            <a:pPr eaLnBrk="0" hangingPunct="0">
-              <a:defRPr/>
-            </a:pPr>
-            <a:r>
-              <a:rPr lang="be-BY" sz="1000" dirty="0">
-                <a:solidFill>
-                  <a:schemeClr val="bg1"/>
-                </a:solidFill>
-                <a:latin typeface="Courier New" pitchFamily="49" charset="0"/>
-                <a:ea typeface="Calibri" pitchFamily="34" charset="0"/>
-                <a:cs typeface="Courier New" pitchFamily="49" charset="0"/>
-              </a:rPr>
-              <a:t>                foreach (string name in travellers)</a:t>
-            </a:r>
-            <a:endParaRPr lang="be-BY" sz="900" dirty="0">
-              <a:solidFill>
-                <a:schemeClr val="bg1"/>
-              </a:solidFill>
-              <a:latin typeface="Arial" pitchFamily="34" charset="0"/>
-            </a:endParaRPr>
-          </a:p>
-          <a:p>
-            <a:pPr eaLnBrk="0" hangingPunct="0">
-              <a:defRPr/>
-            </a:pPr>
-            <a:r>
-              <a:rPr lang="be-BY" sz="1000" dirty="0">
-                <a:solidFill>
-                  <a:schemeClr val="bg1"/>
-                </a:solidFill>
-                <a:latin typeface="Courier New" pitchFamily="49" charset="0"/>
-                <a:ea typeface="Calibri" pitchFamily="34" charset="0"/>
-                <a:cs typeface="Courier New" pitchFamily="49" charset="0"/>
-              </a:rPr>
-              <a:t>                    Console.WriteLine(name);</a:t>
-            </a:r>
-            <a:endParaRPr lang="be-BY" sz="900" dirty="0">
-              <a:solidFill>
-                <a:schemeClr val="bg1"/>
-              </a:solidFill>
-              <a:latin typeface="Arial" pitchFamily="34" charset="0"/>
-            </a:endParaRPr>
-          </a:p>
-          <a:p>
-            <a:pPr eaLnBrk="0" hangingPunct="0">
-              <a:defRPr/>
-            </a:pPr>
-            <a:r>
-              <a:rPr lang="be-BY" sz="1000" dirty="0">
-                <a:solidFill>
-                  <a:schemeClr val="bg1"/>
-                </a:solidFill>
-                <a:latin typeface="Courier New" pitchFamily="49" charset="0"/>
-                <a:ea typeface="Calibri" pitchFamily="34" charset="0"/>
-                <a:cs typeface="Courier New" pitchFamily="49" charset="0"/>
-              </a:rPr>
-              <a:t>            }</a:t>
-            </a:r>
-            <a:endParaRPr lang="be-BY" sz="900" dirty="0">
-              <a:solidFill>
-                <a:schemeClr val="bg1"/>
-              </a:solidFill>
-              <a:latin typeface="Arial" pitchFamily="34" charset="0"/>
-            </a:endParaRPr>
-          </a:p>
-          <a:p>
-            <a:pPr eaLnBrk="0" hangingPunct="0">
-              <a:defRPr/>
-            </a:pPr>
-            <a:r>
-              <a:rPr lang="be-BY" sz="1000" dirty="0">
-                <a:solidFill>
-                  <a:schemeClr val="bg1"/>
-                </a:solidFill>
-                <a:latin typeface="Courier New" pitchFamily="49" charset="0"/>
-                <a:ea typeface="Calibri" pitchFamily="34" charset="0"/>
-                <a:cs typeface="Courier New" pitchFamily="49" charset="0"/>
-              </a:rPr>
-              <a:t>        }</a:t>
-            </a:r>
-          </a:p>
-          <a:p>
-            <a:pPr eaLnBrk="0" hangingPunct="0">
-              <a:defRPr/>
-            </a:pPr>
-            <a:endParaRPr lang="be-BY" sz="900" dirty="0">
-              <a:solidFill>
-                <a:schemeClr val="bg1"/>
-              </a:solidFill>
-              <a:latin typeface="Arial" pitchFamily="34" charset="0"/>
-            </a:endParaRPr>
-          </a:p>
-          <a:p>
-            <a:pPr eaLnBrk="0" hangingPunct="0">
-              <a:defRPr/>
-            </a:pPr>
-            <a:r>
-              <a:rPr lang="be-BY" sz="1000" dirty="0">
-                <a:solidFill>
-                  <a:schemeClr val="bg1"/>
-                </a:solidFill>
-                <a:latin typeface="Courier New" pitchFamily="49" charset="0"/>
-                <a:ea typeface="Calibri" pitchFamily="34" charset="0"/>
-                <a:cs typeface="Courier New" pitchFamily="49" charset="0"/>
-              </a:rPr>
-              <a:t>        static void Main(string[] args)</a:t>
-            </a:r>
-            <a:endParaRPr lang="be-BY" sz="900" dirty="0">
-              <a:solidFill>
-                <a:schemeClr val="bg1"/>
-              </a:solidFill>
-              <a:latin typeface="Arial" pitchFamily="34" charset="0"/>
-            </a:endParaRPr>
-          </a:p>
-          <a:p>
-            <a:pPr eaLnBrk="0" hangingPunct="0">
-              <a:defRPr/>
-            </a:pPr>
-            <a:r>
-              <a:rPr lang="be-BY" sz="1000" dirty="0">
-                <a:solidFill>
-                  <a:schemeClr val="bg1"/>
-                </a:solidFill>
-                <a:latin typeface="Courier New" pitchFamily="49" charset="0"/>
-                <a:ea typeface="Calibri" pitchFamily="34" charset="0"/>
-                <a:cs typeface="Courier New" pitchFamily="49" charset="0"/>
-              </a:rPr>
-              <a:t>        {</a:t>
-            </a:r>
-            <a:endParaRPr lang="be-BY" sz="900" dirty="0">
-              <a:solidFill>
-                <a:schemeClr val="bg1"/>
-              </a:solidFill>
-              <a:latin typeface="Arial" pitchFamily="34" charset="0"/>
-            </a:endParaRPr>
-          </a:p>
-          <a:p>
-            <a:pPr eaLnBrk="0" hangingPunct="0">
-              <a:defRPr/>
-            </a:pPr>
-            <a:r>
-              <a:rPr lang="be-BY" sz="1000" dirty="0">
-                <a:solidFill>
-                  <a:schemeClr val="bg1"/>
-                </a:solidFill>
-                <a:latin typeface="Courier New" pitchFamily="49" charset="0"/>
-                <a:ea typeface="Calibri" pitchFamily="34" charset="0"/>
-                <a:cs typeface="Courier New" pitchFamily="49" charset="0"/>
-              </a:rPr>
-              <a:t>            Train minkMoskva = new Train(190.2, 8, "Ivanov",</a:t>
-            </a:r>
-            <a:endParaRPr lang="be-BY" sz="900" dirty="0">
-              <a:solidFill>
-                <a:schemeClr val="bg1"/>
-              </a:solidFill>
-              <a:latin typeface="Arial" pitchFamily="34" charset="0"/>
-            </a:endParaRPr>
-          </a:p>
-          <a:p>
-            <a:pPr eaLnBrk="0" hangingPunct="0">
-              <a:defRPr/>
-            </a:pPr>
-            <a:r>
-              <a:rPr lang="be-BY" sz="1000" dirty="0">
-                <a:solidFill>
-                  <a:schemeClr val="bg1"/>
-                </a:solidFill>
-                <a:latin typeface="Courier New" pitchFamily="49" charset="0"/>
-                <a:ea typeface="Calibri" pitchFamily="34" charset="0"/>
-                <a:cs typeface="Courier New" pitchFamily="49" charset="0"/>
-              </a:rPr>
-              <a:t>                                                   "Petrov",</a:t>
-            </a:r>
-            <a:endParaRPr lang="be-BY" sz="900" dirty="0">
-              <a:solidFill>
-                <a:schemeClr val="bg1"/>
-              </a:solidFill>
-              <a:latin typeface="Arial" pitchFamily="34" charset="0"/>
-            </a:endParaRPr>
-          </a:p>
-          <a:p>
-            <a:pPr eaLnBrk="0" hangingPunct="0">
-              <a:defRPr/>
-            </a:pPr>
-            <a:r>
-              <a:rPr lang="be-BY" sz="1000" dirty="0">
-                <a:solidFill>
-                  <a:schemeClr val="bg1"/>
-                </a:solidFill>
-                <a:latin typeface="Courier New" pitchFamily="49" charset="0"/>
-                <a:ea typeface="Calibri" pitchFamily="34" charset="0"/>
-                <a:cs typeface="Courier New" pitchFamily="49" charset="0"/>
-              </a:rPr>
-              <a:t>                                                   "Sidorov");</a:t>
-            </a:r>
-            <a:endParaRPr lang="be-BY" sz="900" dirty="0">
-              <a:solidFill>
-                <a:schemeClr val="bg1"/>
-              </a:solidFill>
-              <a:latin typeface="Arial" pitchFamily="34" charset="0"/>
-            </a:endParaRPr>
-          </a:p>
-          <a:p>
-            <a:pPr eaLnBrk="0" hangingPunct="0">
-              <a:defRPr/>
-            </a:pPr>
-            <a:r>
-              <a:rPr lang="be-BY" sz="1000" dirty="0">
-                <a:solidFill>
-                  <a:schemeClr val="bg1"/>
-                </a:solidFill>
-                <a:latin typeface="Courier New" pitchFamily="49" charset="0"/>
-                <a:ea typeface="Calibri" pitchFamily="34" charset="0"/>
-                <a:cs typeface="Courier New" pitchFamily="49" charset="0"/>
-              </a:rPr>
-              <a:t>            FileStream fs = File.Open(@"D:\temp.dat", FileMode.Create);</a:t>
-            </a:r>
-            <a:endParaRPr lang="be-BY" sz="900" dirty="0">
-              <a:solidFill>
-                <a:schemeClr val="bg1"/>
-              </a:solidFill>
-              <a:latin typeface="Arial" pitchFamily="34" charset="0"/>
-            </a:endParaRPr>
-          </a:p>
-          <a:p>
-            <a:pPr eaLnBrk="0" hangingPunct="0">
-              <a:defRPr/>
-            </a:pPr>
-            <a:r>
-              <a:rPr lang="be-BY" sz="1000" dirty="0">
-                <a:solidFill>
-                  <a:schemeClr val="bg1"/>
-                </a:solidFill>
-                <a:latin typeface="Courier New" pitchFamily="49" charset="0"/>
-                <a:ea typeface="Calibri" pitchFamily="34" charset="0"/>
-                <a:cs typeface="Courier New" pitchFamily="49" charset="0"/>
-              </a:rPr>
-              <a:t>            BinaryFormatter bf = new BinaryFormatter();</a:t>
-            </a:r>
-            <a:endParaRPr lang="be-BY" sz="900" dirty="0">
-              <a:solidFill>
-                <a:schemeClr val="bg1"/>
-              </a:solidFill>
-              <a:latin typeface="Arial" pitchFamily="34" charset="0"/>
-            </a:endParaRPr>
-          </a:p>
-          <a:p>
-            <a:pPr eaLnBrk="0" hangingPunct="0">
-              <a:defRPr/>
-            </a:pPr>
-            <a:r>
-              <a:rPr lang="be-BY" sz="1000" dirty="0">
-                <a:solidFill>
-                  <a:schemeClr val="bg1"/>
-                </a:solidFill>
-                <a:latin typeface="Courier New" pitchFamily="49" charset="0"/>
-                <a:ea typeface="Calibri" pitchFamily="34" charset="0"/>
-                <a:cs typeface="Courier New" pitchFamily="49" charset="0"/>
-              </a:rPr>
-              <a:t>            bf.Serialize(fs, minkMoskva);</a:t>
-            </a:r>
-            <a:endParaRPr lang="be-BY" sz="900" dirty="0">
-              <a:solidFill>
-                <a:schemeClr val="bg1"/>
-              </a:solidFill>
-              <a:latin typeface="Arial" pitchFamily="34" charset="0"/>
-            </a:endParaRPr>
-          </a:p>
-          <a:p>
-            <a:pPr eaLnBrk="0" hangingPunct="0">
-              <a:defRPr/>
-            </a:pPr>
-            <a:r>
-              <a:rPr lang="be-BY" sz="1000" dirty="0">
-                <a:solidFill>
-                  <a:schemeClr val="bg1"/>
-                </a:solidFill>
-                <a:latin typeface="Courier New" pitchFamily="49" charset="0"/>
-                <a:ea typeface="Calibri" pitchFamily="34" charset="0"/>
-                <a:cs typeface="Courier New" pitchFamily="49" charset="0"/>
-              </a:rPr>
-              <a:t>            fs.Close();</a:t>
-            </a:r>
-            <a:endParaRPr lang="be-BY" sz="900" dirty="0">
-              <a:solidFill>
-                <a:schemeClr val="bg1"/>
-              </a:solidFill>
-              <a:latin typeface="Arial" pitchFamily="34" charset="0"/>
-            </a:endParaRPr>
-          </a:p>
-          <a:p>
-            <a:pPr eaLnBrk="0" hangingPunct="0">
-              <a:defRPr/>
-            </a:pPr>
-            <a:r>
-              <a:rPr lang="be-BY" sz="1000" dirty="0">
-                <a:solidFill>
-                  <a:schemeClr val="bg1"/>
-                </a:solidFill>
-                <a:latin typeface="Courier New" pitchFamily="49" charset="0"/>
-                <a:ea typeface="Calibri" pitchFamily="34" charset="0"/>
-                <a:cs typeface="Courier New" pitchFamily="49" charset="0"/>
-              </a:rPr>
-              <a:t>            fs = File.Open(@"D:\temp.dat", FileMode.Open);</a:t>
-            </a:r>
-            <a:endParaRPr lang="be-BY" sz="900" dirty="0">
-              <a:solidFill>
-                <a:schemeClr val="bg1"/>
-              </a:solidFill>
-              <a:latin typeface="Arial" pitchFamily="34" charset="0"/>
-            </a:endParaRPr>
-          </a:p>
-          <a:p>
-            <a:pPr eaLnBrk="0" hangingPunct="0">
-              <a:defRPr/>
-            </a:pPr>
-            <a:r>
-              <a:rPr lang="be-BY" sz="1000" dirty="0">
-                <a:solidFill>
-                  <a:schemeClr val="bg1"/>
-                </a:solidFill>
-                <a:latin typeface="Courier New" pitchFamily="49" charset="0"/>
-                <a:ea typeface="Calibri" pitchFamily="34" charset="0"/>
-                <a:cs typeface="Courier New" pitchFamily="49" charset="0"/>
-              </a:rPr>
-              <a:t>            Train someTrain = (Train)bf.Deserialize(fs);</a:t>
-            </a:r>
-            <a:endParaRPr lang="be-BY" sz="900" dirty="0">
-              <a:solidFill>
-                <a:schemeClr val="bg1"/>
-              </a:solidFill>
-              <a:latin typeface="Arial" pitchFamily="34" charset="0"/>
-            </a:endParaRPr>
-          </a:p>
-          <a:p>
-            <a:pPr eaLnBrk="0" hangingPunct="0">
-              <a:defRPr/>
-            </a:pPr>
-            <a:r>
-              <a:rPr lang="be-BY" sz="1000" dirty="0">
-                <a:solidFill>
-                  <a:schemeClr val="bg1"/>
-                </a:solidFill>
-                <a:latin typeface="Courier New" pitchFamily="49" charset="0"/>
-                <a:ea typeface="Calibri" pitchFamily="34" charset="0"/>
-                <a:cs typeface="Courier New" pitchFamily="49" charset="0"/>
-              </a:rPr>
-              <a:t>            someTrain.Print();</a:t>
-            </a:r>
-            <a:endParaRPr lang="be-BY" sz="900" dirty="0">
-              <a:solidFill>
-                <a:schemeClr val="bg1"/>
-              </a:solidFill>
-              <a:latin typeface="Arial" pitchFamily="34" charset="0"/>
-            </a:endParaRPr>
-          </a:p>
-          <a:p>
-            <a:pPr eaLnBrk="0" hangingPunct="0">
-              <a:defRPr/>
-            </a:pPr>
-            <a:r>
-              <a:rPr lang="be-BY" sz="1000" dirty="0">
-                <a:solidFill>
-                  <a:schemeClr val="bg1"/>
-                </a:solidFill>
-                <a:latin typeface="Courier New" pitchFamily="49" charset="0"/>
-                <a:ea typeface="Calibri" pitchFamily="34" charset="0"/>
-                <a:cs typeface="Courier New" pitchFamily="49" charset="0"/>
-              </a:rPr>
-              <a:t>        }</a:t>
-            </a:r>
-            <a:endParaRPr lang="be-BY" dirty="0">
-              <a:solidFill>
-                <a:schemeClr val="bg1"/>
-              </a:solidFill>
-              <a:latin typeface="Arial" pitchFamily="34" charset="0"/>
-            </a:endParaRPr>
+            <a:pPr marL="0" indent="0">
+              <a:buNone/>
+            </a:pPr>
+            <a:r>
+              <a:rPr lang="ru-RU" dirty="0" smtClean="0"/>
+              <a:t>Сериализация – механизм сохранения значения переменной ссылочного типа в поток с возможностью последующего востановления точной копии (десериализация).</a:t>
+            </a:r>
+            <a:endParaRPr lang="en-US" dirty="0" smtClean="0"/>
+          </a:p>
+          <a:p>
+            <a:pPr marL="0" indent="0">
+              <a:buNone/>
+            </a:pPr>
+            <a:endParaRPr lang="en-US" dirty="0"/>
+          </a:p>
+          <a:p>
+            <a:pPr marL="0" indent="0">
+              <a:buNone/>
+            </a:pPr>
+            <a:r>
+              <a:rPr lang="en-US" dirty="0" smtClean="0"/>
+              <a:t>.NET</a:t>
+            </a:r>
+            <a:r>
+              <a:rPr lang="ru-RU" dirty="0" smtClean="0"/>
+              <a:t> поддерживает бинарную и </a:t>
+            </a:r>
+            <a:r>
+              <a:rPr lang="en-US" dirty="0" smtClean="0"/>
+              <a:t>XML </a:t>
+            </a:r>
+            <a:r>
+              <a:rPr lang="ru-RU" dirty="0" smtClean="0"/>
+              <a:t>сериализацию. При необходимости можно реализовать собственный механизм.</a:t>
+            </a:r>
+            <a:endParaRPr lang="en-US" dirty="0"/>
           </a:p>
         </p:txBody>
       </p:sp>
     </p:spTree>
     <p:extLst>
       <p:ext uri="{BB962C8B-B14F-4D97-AF65-F5344CB8AC3E}">
-        <p14:creationId xmlns:p14="http://schemas.microsoft.com/office/powerpoint/2010/main" val="89874648"/>
+        <p14:creationId xmlns:p14="http://schemas.microsoft.com/office/powerpoint/2010/main" val="1542700340"/>
       </p:ext>
     </p:extLst>
   </p:cSld>
   <p:clrMapOvr>
     <a:masterClrMapping/>
   </p:clrMapOvr>
-  <p:timing>
-    <p:tnLst>
-      <p:par>
-        <p:cTn id="1" dur="indefinite" restart="never" nodeType="tmRoot"/>
-      </p:par>
-    </p:tnLst>
-  </p:timing>
 </p:sld>
 </file>
 
@@ -10945,1070 +9948,4571 @@
       </p:grpSpPr>
       <p:sp>
         <p:nvSpPr>
-          <p:cNvPr id="14338" name="Прямоугольник 2"/>
+          <p:cNvPr id="2" name="Title 1"/>
           <p:cNvSpPr>
-            <a:spLocks noChangeArrowheads="1"/>
+            <a:spLocks noGrp="1"/>
           </p:cNvSpPr>
-          <p:nvPr/>
+          <p:nvPr>
+            <p:ph type="title"/>
+          </p:nvPr>
         </p:nvSpPr>
-        <p:spPr bwMode="auto">
+        <p:spPr>
           <a:xfrm>
-            <a:off x="2971800" y="0"/>
-            <a:ext cx="4286250" cy="461963"/>
+            <a:off x="457200" y="188640"/>
+            <a:ext cx="8229600" cy="720080"/>
           </a:xfrm>
-          <a:prstGeom prst="rect">
-            <a:avLst/>
-          </a:prstGeom>
-          <a:noFill/>
-          <a:ln>
-            <a:noFill/>
-          </a:ln>
-          <a:extLst>
-            <a:ext uri="{909E8E84-426E-40DD-AFC4-6F175D3DCCD1}">
-              <a14:hiddenFill xmlns:a14="http://schemas.microsoft.com/office/drawing/2010/main">
-                <a:solidFill>
-                  <a:srgbClr val="FFFFFF"/>
-                </a:solidFill>
-              </a14:hiddenFill>
-            </a:ext>
-            <a:ext uri="{91240B29-F687-4F45-9708-019B960494DF}">
-              <a14:hiddenLine xmlns:a14="http://schemas.microsoft.com/office/drawing/2010/main" w="9525">
-                <a:solidFill>
-                  <a:srgbClr val="000000"/>
-                </a:solidFill>
-                <a:miter lim="800000"/>
-                <a:headEnd/>
-                <a:tailEnd/>
-              </a14:hiddenLine>
-            </a:ext>
-          </a:extLst>
         </p:spPr>
         <p:txBody>
-          <a:bodyPr wrap="none">
-            <a:spAutoFit/>
+          <a:bodyPr>
+            <a:normAutofit/>
           </a:bodyPr>
           <a:lstStyle/>
           <a:p>
             <a:r>
-              <a:rPr lang="en-US" sz="2400" b="1"/>
-              <a:t>SOAP(XML) </a:t>
-            </a:r>
-            <a:r>
-              <a:rPr lang="be-BY" sz="2400" b="1"/>
-              <a:t>Сериализация</a:t>
-            </a:r>
-            <a:r>
-              <a:rPr lang="ru-RU" sz="2400" b="1"/>
-              <a:t>.</a:t>
-            </a:r>
+              <a:rPr lang="ru-RU" sz="2000" dirty="0" smtClean="0"/>
+              <a:t>Бинарная сериализация (пример)</a:t>
+            </a:r>
+            <a:endParaRPr lang="en-US" sz="2000" dirty="0"/>
           </a:p>
         </p:txBody>
       </p:sp>
       <p:sp>
         <p:nvSpPr>
-          <p:cNvPr id="44034" name="Rectangle 2"/>
+          <p:cNvPr id="3" name="Content Placeholder 2"/>
           <p:cNvSpPr>
-            <a:spLocks noChangeArrowheads="1"/>
+            <a:spLocks noGrp="1"/>
           </p:cNvSpPr>
-          <p:nvPr/>
+          <p:nvPr>
+            <p:ph idx="1"/>
+          </p:nvPr>
         </p:nvSpPr>
-        <p:spPr bwMode="auto">
+        <p:spPr>
           <a:xfrm>
-            <a:off x="152400" y="1225550"/>
-            <a:ext cx="8839200" cy="5632450"/>
+            <a:off x="457200" y="919261"/>
+            <a:ext cx="8229600" cy="5750099"/>
           </a:xfrm>
-          <a:prstGeom prst="rect">
-            <a:avLst/>
-          </a:prstGeom>
-          <a:noFill/>
-          <a:ln w="9525">
-            <a:solidFill>
-              <a:schemeClr val="bg1">
-                <a:lumMod val="65000"/>
-              </a:schemeClr>
-            </a:solidFill>
-            <a:miter lim="800000"/>
-            <a:headEnd/>
-            <a:tailEnd/>
-          </a:ln>
-          <a:effectLst/>
-        </p:spPr>
-        <p:txBody>
-          <a:bodyPr anchor="ctr">
-            <a:spAutoFit/>
-          </a:bodyPr>
-          <a:lstStyle/>
-          <a:p>
-            <a:pPr eaLnBrk="0" hangingPunct="0">
-              <a:defRPr/>
-            </a:pPr>
-            <a:r>
-              <a:rPr lang="be-BY" sz="1000" dirty="0">
-                <a:solidFill>
-                  <a:schemeClr val="bg1"/>
-                </a:solidFill>
-                <a:latin typeface="Courier New" pitchFamily="49" charset="0"/>
-                <a:ea typeface="Calibri" pitchFamily="34" charset="0"/>
-                <a:cs typeface="Courier New" pitchFamily="49" charset="0"/>
-              </a:rPr>
-              <a:t>        [Serializable]</a:t>
-            </a:r>
-            <a:endParaRPr lang="be-BY" sz="900" dirty="0">
-              <a:solidFill>
-                <a:schemeClr val="bg1"/>
-              </a:solidFill>
-              <a:latin typeface="Arial" pitchFamily="34" charset="0"/>
-            </a:endParaRPr>
-          </a:p>
-          <a:p>
-            <a:pPr eaLnBrk="0" hangingPunct="0">
-              <a:defRPr/>
-            </a:pPr>
-            <a:r>
-              <a:rPr lang="be-BY" sz="1000" dirty="0">
-                <a:solidFill>
-                  <a:schemeClr val="bg1"/>
-                </a:solidFill>
-                <a:latin typeface="Courier New" pitchFamily="49" charset="0"/>
-                <a:ea typeface="Calibri" pitchFamily="34" charset="0"/>
-                <a:cs typeface="Courier New" pitchFamily="49" charset="0"/>
-              </a:rPr>
-              <a:t>        class Train</a:t>
-            </a:r>
-            <a:endParaRPr lang="be-BY" sz="900" dirty="0">
-              <a:solidFill>
-                <a:schemeClr val="bg1"/>
-              </a:solidFill>
-              <a:latin typeface="Arial" pitchFamily="34" charset="0"/>
-            </a:endParaRPr>
-          </a:p>
-          <a:p>
-            <a:pPr eaLnBrk="0" hangingPunct="0">
-              <a:defRPr/>
-            </a:pPr>
-            <a:r>
-              <a:rPr lang="be-BY" sz="1000" dirty="0">
-                <a:solidFill>
-                  <a:schemeClr val="bg1"/>
-                </a:solidFill>
-                <a:latin typeface="Courier New" pitchFamily="49" charset="0"/>
-                <a:ea typeface="Calibri" pitchFamily="34" charset="0"/>
-                <a:cs typeface="Courier New" pitchFamily="49" charset="0"/>
-              </a:rPr>
-              <a:t>        {</a:t>
-            </a:r>
-            <a:endParaRPr lang="be-BY" sz="900" dirty="0">
-              <a:solidFill>
-                <a:schemeClr val="bg1"/>
-              </a:solidFill>
-              <a:latin typeface="Arial" pitchFamily="34" charset="0"/>
-            </a:endParaRPr>
-          </a:p>
-          <a:p>
-            <a:pPr eaLnBrk="0" hangingPunct="0">
-              <a:defRPr/>
-            </a:pPr>
-            <a:r>
-              <a:rPr lang="be-BY" sz="1000" dirty="0">
-                <a:solidFill>
-                  <a:schemeClr val="bg1"/>
-                </a:solidFill>
-                <a:latin typeface="Courier New" pitchFamily="49" charset="0"/>
-                <a:ea typeface="Calibri" pitchFamily="34" charset="0"/>
-                <a:cs typeface="Courier New" pitchFamily="49" charset="0"/>
-              </a:rPr>
-              <a:t>            [NonSerialized]</a:t>
-            </a:r>
-            <a:endParaRPr lang="be-BY" sz="900" dirty="0">
-              <a:solidFill>
-                <a:schemeClr val="bg1"/>
-              </a:solidFill>
-              <a:latin typeface="Arial" pitchFamily="34" charset="0"/>
-            </a:endParaRPr>
-          </a:p>
-          <a:p>
-            <a:pPr eaLnBrk="0" hangingPunct="0">
-              <a:defRPr/>
-            </a:pPr>
-            <a:r>
-              <a:rPr lang="be-BY" sz="1000" dirty="0">
-                <a:solidFill>
-                  <a:schemeClr val="bg1"/>
-                </a:solidFill>
-                <a:latin typeface="Courier New" pitchFamily="49" charset="0"/>
-                <a:ea typeface="Calibri" pitchFamily="34" charset="0"/>
-                <a:cs typeface="Courier New" pitchFamily="49" charset="0"/>
-              </a:rPr>
-              <a:t>            double speed;</a:t>
-            </a:r>
-            <a:endParaRPr lang="be-BY" sz="900" dirty="0">
-              <a:solidFill>
-                <a:schemeClr val="bg1"/>
-              </a:solidFill>
-              <a:latin typeface="Arial" pitchFamily="34" charset="0"/>
-            </a:endParaRPr>
-          </a:p>
-          <a:p>
-            <a:pPr eaLnBrk="0" hangingPunct="0">
-              <a:defRPr/>
-            </a:pPr>
-            <a:r>
-              <a:rPr lang="be-BY" sz="1000" dirty="0">
-                <a:solidFill>
-                  <a:schemeClr val="bg1"/>
-                </a:solidFill>
-                <a:latin typeface="Courier New" pitchFamily="49" charset="0"/>
-                <a:ea typeface="Calibri" pitchFamily="34" charset="0"/>
-                <a:cs typeface="Courier New" pitchFamily="49" charset="0"/>
-              </a:rPr>
-              <a:t>            int length;</a:t>
-            </a:r>
-            <a:endParaRPr lang="be-BY" sz="900" dirty="0">
-              <a:solidFill>
-                <a:schemeClr val="bg1"/>
-              </a:solidFill>
-              <a:latin typeface="Arial" pitchFamily="34" charset="0"/>
-            </a:endParaRPr>
-          </a:p>
-          <a:p>
-            <a:pPr eaLnBrk="0" hangingPunct="0">
-              <a:defRPr/>
-            </a:pPr>
-            <a:r>
-              <a:rPr lang="be-BY" sz="1000" dirty="0">
-                <a:solidFill>
-                  <a:schemeClr val="bg1"/>
-                </a:solidFill>
-                <a:latin typeface="Courier New" pitchFamily="49" charset="0"/>
-                <a:ea typeface="Calibri" pitchFamily="34" charset="0"/>
-                <a:cs typeface="Courier New" pitchFamily="49" charset="0"/>
-              </a:rPr>
-              <a:t>            string[] travellers;</a:t>
-            </a:r>
-            <a:endParaRPr lang="be-BY" sz="900" dirty="0">
-              <a:solidFill>
-                <a:schemeClr val="bg1"/>
-              </a:solidFill>
-              <a:latin typeface="Arial" pitchFamily="34" charset="0"/>
-            </a:endParaRPr>
-          </a:p>
-          <a:p>
-            <a:pPr eaLnBrk="0" hangingPunct="0">
-              <a:defRPr/>
-            </a:pPr>
-            <a:r>
-              <a:rPr lang="be-BY" sz="1000" dirty="0">
-                <a:solidFill>
-                  <a:schemeClr val="bg1"/>
-                </a:solidFill>
-                <a:latin typeface="Courier New" pitchFamily="49" charset="0"/>
-                <a:ea typeface="Calibri" pitchFamily="34" charset="0"/>
-                <a:cs typeface="Courier New" pitchFamily="49" charset="0"/>
-              </a:rPr>
-              <a:t>            public Train(double speed, int length, params string[] travellers)</a:t>
-            </a:r>
-            <a:endParaRPr lang="be-BY" sz="900" dirty="0">
-              <a:solidFill>
-                <a:schemeClr val="bg1"/>
-              </a:solidFill>
-              <a:latin typeface="Arial" pitchFamily="34" charset="0"/>
-            </a:endParaRPr>
-          </a:p>
-          <a:p>
-            <a:pPr eaLnBrk="0" hangingPunct="0">
-              <a:defRPr/>
-            </a:pPr>
-            <a:r>
-              <a:rPr lang="be-BY" sz="1000" dirty="0">
-                <a:solidFill>
-                  <a:schemeClr val="bg1"/>
-                </a:solidFill>
-                <a:latin typeface="Courier New" pitchFamily="49" charset="0"/>
-                <a:ea typeface="Calibri" pitchFamily="34" charset="0"/>
-                <a:cs typeface="Courier New" pitchFamily="49" charset="0"/>
-              </a:rPr>
-              <a:t>            {</a:t>
-            </a:r>
-            <a:endParaRPr lang="be-BY" sz="900" dirty="0">
-              <a:solidFill>
-                <a:schemeClr val="bg1"/>
-              </a:solidFill>
-              <a:latin typeface="Arial" pitchFamily="34" charset="0"/>
-            </a:endParaRPr>
-          </a:p>
-          <a:p>
-            <a:pPr eaLnBrk="0" hangingPunct="0">
-              <a:defRPr/>
-            </a:pPr>
-            <a:r>
-              <a:rPr lang="be-BY" sz="1000" dirty="0">
-                <a:solidFill>
-                  <a:schemeClr val="bg1"/>
-                </a:solidFill>
-                <a:latin typeface="Courier New" pitchFamily="49" charset="0"/>
-                <a:ea typeface="Calibri" pitchFamily="34" charset="0"/>
-                <a:cs typeface="Courier New" pitchFamily="49" charset="0"/>
-              </a:rPr>
-              <a:t>                this.speed = speed;</a:t>
-            </a:r>
-            <a:endParaRPr lang="be-BY" sz="900" dirty="0">
-              <a:solidFill>
-                <a:schemeClr val="bg1"/>
-              </a:solidFill>
-              <a:latin typeface="Arial" pitchFamily="34" charset="0"/>
-            </a:endParaRPr>
-          </a:p>
-          <a:p>
-            <a:pPr eaLnBrk="0" hangingPunct="0">
-              <a:defRPr/>
-            </a:pPr>
-            <a:r>
-              <a:rPr lang="be-BY" sz="1000" dirty="0">
-                <a:solidFill>
-                  <a:schemeClr val="bg1"/>
-                </a:solidFill>
-                <a:latin typeface="Courier New" pitchFamily="49" charset="0"/>
-                <a:ea typeface="Calibri" pitchFamily="34" charset="0"/>
-                <a:cs typeface="Courier New" pitchFamily="49" charset="0"/>
-              </a:rPr>
-              <a:t>                this.length = length;</a:t>
-            </a:r>
-            <a:endParaRPr lang="be-BY" sz="900" dirty="0">
-              <a:solidFill>
-                <a:schemeClr val="bg1"/>
-              </a:solidFill>
-              <a:latin typeface="Arial" pitchFamily="34" charset="0"/>
-            </a:endParaRPr>
-          </a:p>
-          <a:p>
-            <a:pPr eaLnBrk="0" hangingPunct="0">
-              <a:defRPr/>
-            </a:pPr>
-            <a:r>
-              <a:rPr lang="be-BY" sz="1000" dirty="0">
-                <a:solidFill>
-                  <a:schemeClr val="bg1"/>
-                </a:solidFill>
-                <a:latin typeface="Courier New" pitchFamily="49" charset="0"/>
-                <a:ea typeface="Calibri" pitchFamily="34" charset="0"/>
-                <a:cs typeface="Courier New" pitchFamily="49" charset="0"/>
-              </a:rPr>
-              <a:t>                this.travellers = travellers;</a:t>
-            </a:r>
-            <a:endParaRPr lang="be-BY" sz="900" dirty="0">
-              <a:solidFill>
-                <a:schemeClr val="bg1"/>
-              </a:solidFill>
-              <a:latin typeface="Arial" pitchFamily="34" charset="0"/>
-            </a:endParaRPr>
-          </a:p>
-          <a:p>
-            <a:pPr eaLnBrk="0" hangingPunct="0">
-              <a:defRPr/>
-            </a:pPr>
-            <a:r>
-              <a:rPr lang="be-BY" sz="1000" dirty="0">
-                <a:solidFill>
-                  <a:schemeClr val="bg1"/>
-                </a:solidFill>
-                <a:latin typeface="Courier New" pitchFamily="49" charset="0"/>
-                <a:ea typeface="Calibri" pitchFamily="34" charset="0"/>
-                <a:cs typeface="Courier New" pitchFamily="49" charset="0"/>
-              </a:rPr>
-              <a:t>            }</a:t>
-            </a:r>
-            <a:endParaRPr lang="be-BY" sz="900" dirty="0">
-              <a:solidFill>
-                <a:schemeClr val="bg1"/>
-              </a:solidFill>
-              <a:latin typeface="Arial" pitchFamily="34" charset="0"/>
-            </a:endParaRPr>
-          </a:p>
-          <a:p>
-            <a:pPr eaLnBrk="0" hangingPunct="0">
-              <a:defRPr/>
-            </a:pPr>
-            <a:r>
-              <a:rPr lang="be-BY" sz="1000" dirty="0">
-                <a:solidFill>
-                  <a:schemeClr val="bg1"/>
-                </a:solidFill>
-                <a:latin typeface="Courier New" pitchFamily="49" charset="0"/>
-                <a:ea typeface="Calibri" pitchFamily="34" charset="0"/>
-                <a:cs typeface="Courier New" pitchFamily="49" charset="0"/>
-              </a:rPr>
-              <a:t>            public void Print()</a:t>
-            </a:r>
-            <a:endParaRPr lang="be-BY" sz="900" dirty="0">
-              <a:solidFill>
-                <a:schemeClr val="bg1"/>
-              </a:solidFill>
-              <a:latin typeface="Arial" pitchFamily="34" charset="0"/>
-            </a:endParaRPr>
-          </a:p>
-          <a:p>
-            <a:pPr eaLnBrk="0" hangingPunct="0">
-              <a:defRPr/>
-            </a:pPr>
-            <a:r>
-              <a:rPr lang="be-BY" sz="1000" dirty="0">
-                <a:solidFill>
-                  <a:schemeClr val="bg1"/>
-                </a:solidFill>
-                <a:latin typeface="Courier New" pitchFamily="49" charset="0"/>
-                <a:ea typeface="Calibri" pitchFamily="34" charset="0"/>
-                <a:cs typeface="Courier New" pitchFamily="49" charset="0"/>
-              </a:rPr>
-              <a:t>            {</a:t>
-            </a:r>
-            <a:endParaRPr lang="be-BY" sz="900" dirty="0">
-              <a:solidFill>
-                <a:schemeClr val="bg1"/>
-              </a:solidFill>
-              <a:latin typeface="Arial" pitchFamily="34" charset="0"/>
-            </a:endParaRPr>
-          </a:p>
-          <a:p>
-            <a:pPr eaLnBrk="0" hangingPunct="0">
-              <a:defRPr/>
-            </a:pPr>
-            <a:r>
-              <a:rPr lang="be-BY" sz="1000" dirty="0">
-                <a:solidFill>
-                  <a:schemeClr val="bg1"/>
-                </a:solidFill>
-                <a:latin typeface="Courier New" pitchFamily="49" charset="0"/>
-                <a:ea typeface="Calibri" pitchFamily="34" charset="0"/>
-                <a:cs typeface="Courier New" pitchFamily="49" charset="0"/>
-              </a:rPr>
-              <a:t>                Console.WriteLine("Train");</a:t>
-            </a:r>
-            <a:endParaRPr lang="be-BY" sz="900" dirty="0">
-              <a:solidFill>
-                <a:schemeClr val="bg1"/>
-              </a:solidFill>
-              <a:latin typeface="Arial" pitchFamily="34" charset="0"/>
-            </a:endParaRPr>
-          </a:p>
-          <a:p>
-            <a:pPr eaLnBrk="0" hangingPunct="0">
-              <a:defRPr/>
-            </a:pPr>
-            <a:r>
-              <a:rPr lang="be-BY" sz="1000" dirty="0">
-                <a:solidFill>
-                  <a:schemeClr val="bg1"/>
-                </a:solidFill>
-                <a:latin typeface="Courier New" pitchFamily="49" charset="0"/>
-                <a:ea typeface="Calibri" pitchFamily="34" charset="0"/>
-                <a:cs typeface="Courier New" pitchFamily="49" charset="0"/>
-              </a:rPr>
-              <a:t>                Console.WriteLine("Speed : {0}",speed);</a:t>
-            </a:r>
-            <a:endParaRPr lang="be-BY" sz="900" dirty="0">
-              <a:solidFill>
-                <a:schemeClr val="bg1"/>
-              </a:solidFill>
-              <a:latin typeface="Arial" pitchFamily="34" charset="0"/>
-            </a:endParaRPr>
-          </a:p>
-          <a:p>
-            <a:pPr eaLnBrk="0" hangingPunct="0">
-              <a:defRPr/>
-            </a:pPr>
-            <a:r>
-              <a:rPr lang="be-BY" sz="1000" dirty="0">
-                <a:solidFill>
-                  <a:schemeClr val="bg1"/>
-                </a:solidFill>
-                <a:latin typeface="Courier New" pitchFamily="49" charset="0"/>
-                <a:ea typeface="Calibri" pitchFamily="34" charset="0"/>
-                <a:cs typeface="Courier New" pitchFamily="49" charset="0"/>
-              </a:rPr>
-              <a:t>                Console.WriteLine("Length : {0}", length);</a:t>
-            </a:r>
-            <a:endParaRPr lang="be-BY" sz="900" dirty="0">
-              <a:solidFill>
-                <a:schemeClr val="bg1"/>
-              </a:solidFill>
-              <a:latin typeface="Arial" pitchFamily="34" charset="0"/>
-            </a:endParaRPr>
-          </a:p>
-          <a:p>
-            <a:pPr eaLnBrk="0" hangingPunct="0">
-              <a:defRPr/>
-            </a:pPr>
-            <a:r>
-              <a:rPr lang="be-BY" sz="1000" dirty="0">
-                <a:solidFill>
-                  <a:schemeClr val="bg1"/>
-                </a:solidFill>
-                <a:latin typeface="Courier New" pitchFamily="49" charset="0"/>
-                <a:ea typeface="Calibri" pitchFamily="34" charset="0"/>
-                <a:cs typeface="Courier New" pitchFamily="49" charset="0"/>
-              </a:rPr>
-              <a:t>                Console.WriteLine("Travellers : ");</a:t>
-            </a:r>
-            <a:endParaRPr lang="be-BY" sz="900" dirty="0">
-              <a:solidFill>
-                <a:schemeClr val="bg1"/>
-              </a:solidFill>
-              <a:latin typeface="Arial" pitchFamily="34" charset="0"/>
-            </a:endParaRPr>
-          </a:p>
-          <a:p>
-            <a:pPr eaLnBrk="0" hangingPunct="0">
-              <a:defRPr/>
-            </a:pPr>
-            <a:r>
-              <a:rPr lang="be-BY" sz="1000" dirty="0">
-                <a:solidFill>
-                  <a:schemeClr val="bg1"/>
-                </a:solidFill>
-                <a:latin typeface="Courier New" pitchFamily="49" charset="0"/>
-                <a:ea typeface="Calibri" pitchFamily="34" charset="0"/>
-                <a:cs typeface="Courier New" pitchFamily="49" charset="0"/>
-              </a:rPr>
-              <a:t>                foreach (string name in travellers)</a:t>
-            </a:r>
-            <a:endParaRPr lang="be-BY" sz="900" dirty="0">
-              <a:solidFill>
-                <a:schemeClr val="bg1"/>
-              </a:solidFill>
-              <a:latin typeface="Arial" pitchFamily="34" charset="0"/>
-            </a:endParaRPr>
-          </a:p>
-          <a:p>
-            <a:pPr eaLnBrk="0" hangingPunct="0">
-              <a:defRPr/>
-            </a:pPr>
-            <a:r>
-              <a:rPr lang="be-BY" sz="1000" dirty="0">
-                <a:solidFill>
-                  <a:schemeClr val="bg1"/>
-                </a:solidFill>
-                <a:latin typeface="Courier New" pitchFamily="49" charset="0"/>
-                <a:ea typeface="Calibri" pitchFamily="34" charset="0"/>
-                <a:cs typeface="Courier New" pitchFamily="49" charset="0"/>
-              </a:rPr>
-              <a:t>                    Console.WriteLine(name);</a:t>
-            </a:r>
-            <a:endParaRPr lang="be-BY" sz="900" dirty="0">
-              <a:solidFill>
-                <a:schemeClr val="bg1"/>
-              </a:solidFill>
-              <a:latin typeface="Arial" pitchFamily="34" charset="0"/>
-            </a:endParaRPr>
-          </a:p>
-          <a:p>
-            <a:pPr eaLnBrk="0" hangingPunct="0">
-              <a:defRPr/>
-            </a:pPr>
-            <a:r>
-              <a:rPr lang="be-BY" sz="1000" dirty="0">
-                <a:solidFill>
-                  <a:schemeClr val="bg1"/>
-                </a:solidFill>
-                <a:latin typeface="Courier New" pitchFamily="49" charset="0"/>
-                <a:ea typeface="Calibri" pitchFamily="34" charset="0"/>
-                <a:cs typeface="Courier New" pitchFamily="49" charset="0"/>
-              </a:rPr>
-              <a:t>            }</a:t>
-            </a:r>
-            <a:endParaRPr lang="be-BY" sz="900" dirty="0">
-              <a:solidFill>
-                <a:schemeClr val="bg1"/>
-              </a:solidFill>
-              <a:latin typeface="Arial" pitchFamily="34" charset="0"/>
-            </a:endParaRPr>
-          </a:p>
-          <a:p>
-            <a:pPr eaLnBrk="0" hangingPunct="0">
-              <a:defRPr/>
-            </a:pPr>
-            <a:r>
-              <a:rPr lang="be-BY" sz="1000" dirty="0">
-                <a:solidFill>
-                  <a:schemeClr val="bg1"/>
-                </a:solidFill>
-                <a:latin typeface="Courier New" pitchFamily="49" charset="0"/>
-                <a:ea typeface="Calibri" pitchFamily="34" charset="0"/>
-                <a:cs typeface="Courier New" pitchFamily="49" charset="0"/>
-              </a:rPr>
-              <a:t>        }</a:t>
-            </a:r>
-            <a:endParaRPr lang="be-BY" sz="900" dirty="0">
-              <a:solidFill>
-                <a:schemeClr val="bg1"/>
-              </a:solidFill>
-              <a:latin typeface="Arial" pitchFamily="34" charset="0"/>
-            </a:endParaRPr>
-          </a:p>
-          <a:p>
-            <a:pPr eaLnBrk="0" hangingPunct="0">
-              <a:defRPr/>
-            </a:pPr>
-            <a:r>
-              <a:rPr lang="be-BY" sz="1000" dirty="0">
-                <a:solidFill>
-                  <a:schemeClr val="bg1"/>
-                </a:solidFill>
-                <a:latin typeface="Courier New" pitchFamily="49" charset="0"/>
-                <a:ea typeface="Calibri" pitchFamily="34" charset="0"/>
-                <a:cs typeface="Courier New" pitchFamily="49" charset="0"/>
-              </a:rPr>
-              <a:t>        static void Main(string[] args)</a:t>
-            </a:r>
-            <a:endParaRPr lang="be-BY" sz="900" dirty="0">
-              <a:solidFill>
-                <a:schemeClr val="bg1"/>
-              </a:solidFill>
-              <a:latin typeface="Arial" pitchFamily="34" charset="0"/>
-            </a:endParaRPr>
-          </a:p>
-          <a:p>
-            <a:pPr eaLnBrk="0" hangingPunct="0">
-              <a:defRPr/>
-            </a:pPr>
-            <a:r>
-              <a:rPr lang="be-BY" sz="1000" dirty="0">
-                <a:solidFill>
-                  <a:schemeClr val="bg1"/>
-                </a:solidFill>
-                <a:latin typeface="Courier New" pitchFamily="49" charset="0"/>
-                <a:ea typeface="Calibri" pitchFamily="34" charset="0"/>
-                <a:cs typeface="Courier New" pitchFamily="49" charset="0"/>
-              </a:rPr>
-              <a:t>        {</a:t>
-            </a:r>
-            <a:endParaRPr lang="be-BY" sz="900" dirty="0">
-              <a:solidFill>
-                <a:schemeClr val="bg1"/>
-              </a:solidFill>
-              <a:latin typeface="Arial" pitchFamily="34" charset="0"/>
-            </a:endParaRPr>
-          </a:p>
-          <a:p>
-            <a:pPr eaLnBrk="0" hangingPunct="0">
-              <a:defRPr/>
-            </a:pPr>
-            <a:r>
-              <a:rPr lang="be-BY" sz="1000" dirty="0">
-                <a:solidFill>
-                  <a:schemeClr val="bg1"/>
-                </a:solidFill>
-                <a:latin typeface="Courier New" pitchFamily="49" charset="0"/>
-                <a:ea typeface="Calibri" pitchFamily="34" charset="0"/>
-                <a:cs typeface="Courier New" pitchFamily="49" charset="0"/>
-              </a:rPr>
-              <a:t>            Train min</a:t>
-            </a:r>
-            <a:r>
-              <a:rPr lang="en-US" sz="1000" dirty="0">
-                <a:solidFill>
-                  <a:schemeClr val="bg1"/>
-                </a:solidFill>
-                <a:latin typeface="Courier New" pitchFamily="49" charset="0"/>
-                <a:ea typeface="Calibri" pitchFamily="34" charset="0"/>
-                <a:cs typeface="Courier New" pitchFamily="49" charset="0"/>
-              </a:rPr>
-              <a:t>s</a:t>
-            </a:r>
-            <a:r>
-              <a:rPr lang="be-BY" sz="1000" dirty="0">
-                <a:solidFill>
-                  <a:schemeClr val="bg1"/>
-                </a:solidFill>
-                <a:latin typeface="Courier New" pitchFamily="49" charset="0"/>
-                <a:ea typeface="Calibri" pitchFamily="34" charset="0"/>
-                <a:cs typeface="Courier New" pitchFamily="49" charset="0"/>
-              </a:rPr>
-              <a:t>kMoskva = new Train(190.2, 8, "Ivanov",</a:t>
-            </a:r>
-            <a:endParaRPr lang="be-BY" sz="900" dirty="0">
-              <a:solidFill>
-                <a:schemeClr val="bg1"/>
-              </a:solidFill>
-              <a:latin typeface="Arial" pitchFamily="34" charset="0"/>
-            </a:endParaRPr>
-          </a:p>
-          <a:p>
-            <a:pPr eaLnBrk="0" hangingPunct="0">
-              <a:defRPr/>
-            </a:pPr>
-            <a:r>
-              <a:rPr lang="be-BY" sz="1000" dirty="0">
-                <a:solidFill>
-                  <a:schemeClr val="bg1"/>
-                </a:solidFill>
-                <a:latin typeface="Courier New" pitchFamily="49" charset="0"/>
-                <a:ea typeface="Calibri" pitchFamily="34" charset="0"/>
-                <a:cs typeface="Courier New" pitchFamily="49" charset="0"/>
-              </a:rPr>
-              <a:t>                                                   "Petrov",</a:t>
-            </a:r>
-            <a:endParaRPr lang="be-BY" sz="900" dirty="0">
-              <a:solidFill>
-                <a:schemeClr val="bg1"/>
-              </a:solidFill>
-              <a:latin typeface="Arial" pitchFamily="34" charset="0"/>
-            </a:endParaRPr>
-          </a:p>
-          <a:p>
-            <a:pPr eaLnBrk="0" hangingPunct="0">
-              <a:defRPr/>
-            </a:pPr>
-            <a:r>
-              <a:rPr lang="be-BY" sz="1000" dirty="0">
-                <a:solidFill>
-                  <a:schemeClr val="bg1"/>
-                </a:solidFill>
-                <a:latin typeface="Courier New" pitchFamily="49" charset="0"/>
-                <a:ea typeface="Calibri" pitchFamily="34" charset="0"/>
-                <a:cs typeface="Courier New" pitchFamily="49" charset="0"/>
-              </a:rPr>
-              <a:t>                                                   "Sidorov");</a:t>
-            </a:r>
-            <a:endParaRPr lang="be-BY" sz="900" dirty="0">
-              <a:solidFill>
-                <a:schemeClr val="bg1"/>
-              </a:solidFill>
-              <a:latin typeface="Arial" pitchFamily="34" charset="0"/>
-            </a:endParaRPr>
-          </a:p>
-          <a:p>
-            <a:pPr eaLnBrk="0" hangingPunct="0">
-              <a:defRPr/>
-            </a:pPr>
-            <a:r>
-              <a:rPr lang="be-BY" sz="1000" dirty="0">
-                <a:solidFill>
-                  <a:schemeClr val="bg1"/>
-                </a:solidFill>
-                <a:latin typeface="Courier New" pitchFamily="49" charset="0"/>
-                <a:ea typeface="Calibri" pitchFamily="34" charset="0"/>
-                <a:cs typeface="Courier New" pitchFamily="49" charset="0"/>
-              </a:rPr>
-              <a:t>            FileStream fs = File.Open(@"D:\temp.dat", FileMode.Create);</a:t>
-            </a:r>
-            <a:endParaRPr lang="be-BY" sz="900" dirty="0">
-              <a:solidFill>
-                <a:schemeClr val="bg1"/>
-              </a:solidFill>
-              <a:latin typeface="Arial" pitchFamily="34" charset="0"/>
-            </a:endParaRPr>
-          </a:p>
-          <a:p>
-            <a:pPr eaLnBrk="0" hangingPunct="0">
-              <a:defRPr/>
-            </a:pPr>
-            <a:r>
-              <a:rPr lang="be-BY" sz="1000" dirty="0">
-                <a:solidFill>
-                  <a:schemeClr val="bg1"/>
-                </a:solidFill>
-                <a:latin typeface="Courier New" pitchFamily="49" charset="0"/>
-                <a:ea typeface="Calibri" pitchFamily="34" charset="0"/>
-                <a:cs typeface="Courier New" pitchFamily="49" charset="0"/>
-              </a:rPr>
-              <a:t>            SoapFormatter soapf = new SoapFormatter();</a:t>
-            </a:r>
-            <a:endParaRPr lang="be-BY" sz="900" dirty="0">
-              <a:solidFill>
-                <a:schemeClr val="bg1"/>
-              </a:solidFill>
-              <a:latin typeface="Arial" pitchFamily="34" charset="0"/>
-            </a:endParaRPr>
-          </a:p>
-          <a:p>
-            <a:pPr eaLnBrk="0" hangingPunct="0">
-              <a:defRPr/>
-            </a:pPr>
-            <a:r>
-              <a:rPr lang="be-BY" sz="1000" dirty="0">
-                <a:solidFill>
-                  <a:schemeClr val="bg1"/>
-                </a:solidFill>
-                <a:latin typeface="Courier New" pitchFamily="49" charset="0"/>
-                <a:ea typeface="Calibri" pitchFamily="34" charset="0"/>
-                <a:cs typeface="Courier New" pitchFamily="49" charset="0"/>
-              </a:rPr>
-              <a:t>            soapf.Serialize(fs, min</a:t>
-            </a:r>
-            <a:r>
-              <a:rPr lang="en-US" sz="1000" dirty="0">
-                <a:solidFill>
-                  <a:schemeClr val="bg1"/>
-                </a:solidFill>
-                <a:latin typeface="Courier New" pitchFamily="49" charset="0"/>
-                <a:ea typeface="Calibri" pitchFamily="34" charset="0"/>
-                <a:cs typeface="Courier New" pitchFamily="49" charset="0"/>
-              </a:rPr>
-              <a:t>s</a:t>
-            </a:r>
-            <a:r>
-              <a:rPr lang="be-BY" sz="1000" dirty="0">
-                <a:solidFill>
-                  <a:schemeClr val="bg1"/>
-                </a:solidFill>
-                <a:latin typeface="Courier New" pitchFamily="49" charset="0"/>
-                <a:ea typeface="Calibri" pitchFamily="34" charset="0"/>
-                <a:cs typeface="Courier New" pitchFamily="49" charset="0"/>
-              </a:rPr>
-              <a:t>kMoskva);</a:t>
-            </a:r>
-            <a:endParaRPr lang="be-BY" sz="900" dirty="0">
-              <a:solidFill>
-                <a:schemeClr val="bg1"/>
-              </a:solidFill>
-              <a:latin typeface="Arial" pitchFamily="34" charset="0"/>
-            </a:endParaRPr>
-          </a:p>
-          <a:p>
-            <a:pPr eaLnBrk="0" hangingPunct="0">
-              <a:defRPr/>
-            </a:pPr>
-            <a:r>
-              <a:rPr lang="be-BY" sz="1000" dirty="0">
-                <a:solidFill>
-                  <a:schemeClr val="bg1"/>
-                </a:solidFill>
-                <a:latin typeface="Courier New" pitchFamily="49" charset="0"/>
-                <a:ea typeface="Calibri" pitchFamily="34" charset="0"/>
-                <a:cs typeface="Courier New" pitchFamily="49" charset="0"/>
-              </a:rPr>
-              <a:t>            fs.Close();</a:t>
-            </a:r>
-            <a:endParaRPr lang="be-BY" sz="900" dirty="0">
-              <a:solidFill>
-                <a:schemeClr val="bg1"/>
-              </a:solidFill>
-              <a:latin typeface="Arial" pitchFamily="34" charset="0"/>
-            </a:endParaRPr>
-          </a:p>
-          <a:p>
-            <a:pPr eaLnBrk="0" hangingPunct="0">
-              <a:defRPr/>
-            </a:pPr>
-            <a:r>
-              <a:rPr lang="be-BY" sz="1000" dirty="0">
-                <a:solidFill>
-                  <a:schemeClr val="bg1"/>
-                </a:solidFill>
-                <a:latin typeface="Courier New" pitchFamily="49" charset="0"/>
-                <a:ea typeface="Calibri" pitchFamily="34" charset="0"/>
-                <a:cs typeface="Courier New" pitchFamily="49" charset="0"/>
-              </a:rPr>
-              <a:t>            fs = File.Open(@"D:\temp.dat", FileMode.Open);</a:t>
-            </a:r>
-            <a:endParaRPr lang="be-BY" sz="900" dirty="0">
-              <a:solidFill>
-                <a:schemeClr val="bg1"/>
-              </a:solidFill>
-              <a:latin typeface="Arial" pitchFamily="34" charset="0"/>
-            </a:endParaRPr>
-          </a:p>
-          <a:p>
-            <a:pPr eaLnBrk="0" hangingPunct="0">
-              <a:defRPr/>
-            </a:pPr>
-            <a:r>
-              <a:rPr lang="be-BY" sz="1000" dirty="0">
-                <a:solidFill>
-                  <a:schemeClr val="bg1"/>
-                </a:solidFill>
-                <a:latin typeface="Courier New" pitchFamily="49" charset="0"/>
-                <a:ea typeface="Calibri" pitchFamily="34" charset="0"/>
-                <a:cs typeface="Courier New" pitchFamily="49" charset="0"/>
-              </a:rPr>
-              <a:t>            Train someTrain = (Train)soapf.Deserialize(fs);</a:t>
-            </a:r>
-            <a:endParaRPr lang="be-BY" sz="900" dirty="0">
-              <a:solidFill>
-                <a:schemeClr val="bg1"/>
-              </a:solidFill>
-              <a:latin typeface="Arial" pitchFamily="34" charset="0"/>
-            </a:endParaRPr>
-          </a:p>
-          <a:p>
-            <a:pPr eaLnBrk="0" hangingPunct="0">
-              <a:defRPr/>
-            </a:pPr>
-            <a:r>
-              <a:rPr lang="be-BY" sz="1000" dirty="0">
-                <a:solidFill>
-                  <a:schemeClr val="bg1"/>
-                </a:solidFill>
-                <a:latin typeface="Courier New" pitchFamily="49" charset="0"/>
-                <a:ea typeface="Calibri" pitchFamily="34" charset="0"/>
-                <a:cs typeface="Courier New" pitchFamily="49" charset="0"/>
-              </a:rPr>
-              <a:t>            someTrain.Print();</a:t>
-            </a:r>
-            <a:endParaRPr lang="be-BY" sz="900" dirty="0">
-              <a:solidFill>
-                <a:schemeClr val="bg1"/>
-              </a:solidFill>
-              <a:latin typeface="Arial" pitchFamily="34" charset="0"/>
-            </a:endParaRPr>
-          </a:p>
-          <a:p>
-            <a:pPr eaLnBrk="0" hangingPunct="0">
-              <a:defRPr/>
-            </a:pPr>
-            <a:r>
-              <a:rPr lang="be-BY" sz="1000" dirty="0">
-                <a:solidFill>
-                  <a:schemeClr val="bg1"/>
-                </a:solidFill>
-                <a:latin typeface="Courier New" pitchFamily="49" charset="0"/>
-                <a:ea typeface="Calibri" pitchFamily="34" charset="0"/>
-                <a:cs typeface="Courier New" pitchFamily="49" charset="0"/>
-              </a:rPr>
-              <a:t>        }</a:t>
-            </a:r>
-            <a:endParaRPr lang="be-BY" dirty="0">
-              <a:solidFill>
-                <a:schemeClr val="bg1"/>
-              </a:solidFill>
-              <a:latin typeface="Arial" pitchFamily="34" charset="0"/>
-            </a:endParaRPr>
-          </a:p>
-        </p:txBody>
-      </p:sp>
-      <p:sp>
-        <p:nvSpPr>
-          <p:cNvPr id="14340" name="Прямоугольник 9"/>
-          <p:cNvSpPr>
-            <a:spLocks noChangeArrowheads="1"/>
-          </p:cNvSpPr>
-          <p:nvPr/>
-        </p:nvSpPr>
-        <p:spPr bwMode="auto">
-          <a:xfrm>
-            <a:off x="0" y="381000"/>
-            <a:ext cx="9144000" cy="830263"/>
-          </a:xfrm>
-          <a:prstGeom prst="rect">
-            <a:avLst/>
-          </a:prstGeom>
-          <a:noFill/>
-          <a:ln>
-            <a:noFill/>
-          </a:ln>
-          <a:extLst>
-            <a:ext uri="{909E8E84-426E-40DD-AFC4-6F175D3DCCD1}">
-              <a14:hiddenFill xmlns:a14="http://schemas.microsoft.com/office/drawing/2010/main">
-                <a:solidFill>
-                  <a:srgbClr val="FFFFFF"/>
-                </a:solidFill>
-              </a14:hiddenFill>
-            </a:ext>
-            <a:ext uri="{91240B29-F687-4F45-9708-019B960494DF}">
-              <a14:hiddenLine xmlns:a14="http://schemas.microsoft.com/office/drawing/2010/main" w="9525">
-                <a:solidFill>
-                  <a:srgbClr val="000000"/>
-                </a:solidFill>
-                <a:miter lim="800000"/>
-                <a:headEnd/>
-                <a:tailEnd/>
-              </a14:hiddenLine>
-            </a:ext>
-          </a:extLst>
+          <a:solidFill>
+            <a:schemeClr val="bg1"/>
+          </a:solidFill>
         </p:spPr>
         <p:txBody>
           <a:bodyPr>
-            <a:spAutoFit/>
+            <a:normAutofit fontScale="25000" lnSpcReduction="20000"/>
           </a:bodyPr>
           <a:lstStyle/>
           <a:p>
-            <a:pPr defTabSz="358775"/>
-            <a:r>
-              <a:rPr lang="be-BY" sz="1600">
-                <a:solidFill>
-                  <a:srgbClr val="008080"/>
-                </a:solidFill>
-                <a:latin typeface="Courier New" pitchFamily="49" charset="0"/>
-                <a:ea typeface="Calibri" pitchFamily="34" charset="0"/>
-                <a:cs typeface="Courier New" pitchFamily="49" charset="0"/>
-              </a:rPr>
-              <a:t>SoapFormatter</a:t>
-            </a:r>
-            <a:r>
-              <a:rPr lang="ru-RU" sz="1600">
-                <a:ea typeface="Calibri" pitchFamily="34" charset="0"/>
-                <a:cs typeface="Arial" charset="0"/>
-              </a:rPr>
-              <a:t> находится в библиотеке </a:t>
-            </a:r>
-            <a:r>
-              <a:rPr lang="en-US" sz="1600">
-                <a:ea typeface="Calibri" pitchFamily="34" charset="0"/>
-                <a:cs typeface="Arial" charset="0"/>
-              </a:rPr>
-              <a:t>System.Runtime.Serialisation.Formatters.Soap.</a:t>
-            </a:r>
-            <a:endParaRPr lang="ru-RU" sz="1600">
-              <a:ea typeface="Calibri" pitchFamily="34" charset="0"/>
-              <a:cs typeface="Arial" charset="0"/>
-            </a:endParaRPr>
-          </a:p>
-          <a:p>
-            <a:pPr defTabSz="358775"/>
-            <a:r>
-              <a:rPr lang="ru-RU" sz="1600">
-                <a:ea typeface="Calibri" pitchFamily="34" charset="0"/>
-                <a:cs typeface="Arial" charset="0"/>
-              </a:rPr>
-              <a:t>Также необходимо подключить пространство имен</a:t>
-            </a:r>
-          </a:p>
-          <a:p>
-            <a:pPr defTabSz="358775" eaLnBrk="0" hangingPunct="0"/>
-            <a:r>
-              <a:rPr lang="be-BY" sz="1600">
+            <a:pPr marL="0" indent="0">
+              <a:buNone/>
+            </a:pPr>
+            <a:r>
+              <a:rPr lang="en-US" dirty="0">
                 <a:solidFill>
                   <a:srgbClr val="0000FF"/>
                 </a:solidFill>
-                <a:latin typeface="Courier New" pitchFamily="49" charset="0"/>
-                <a:ea typeface="Calibri" pitchFamily="34" charset="0"/>
-                <a:cs typeface="Courier New" pitchFamily="49" charset="0"/>
+                <a:latin typeface="Consolas"/>
               </a:rPr>
               <a:t>using</a:t>
             </a:r>
             <a:r>
-              <a:rPr lang="be-BY" sz="1600">
-                <a:latin typeface="Courier New" pitchFamily="49" charset="0"/>
-                <a:ea typeface="Calibri" pitchFamily="34" charset="0"/>
-                <a:cs typeface="Courier New" pitchFamily="49" charset="0"/>
-              </a:rPr>
-              <a:t> System.Runtime.Serialization.Formatters.Soap;</a:t>
-            </a:r>
-            <a:endParaRPr lang="be-BY" sz="1400"/>
+              <a:rPr lang="en-US" dirty="0">
+                <a:solidFill>
+                  <a:srgbClr val="000000"/>
+                </a:solidFill>
+                <a:latin typeface="Consolas"/>
+              </a:rPr>
+              <a:t> </a:t>
+            </a:r>
+            <a:r>
+              <a:rPr lang="en-US" dirty="0" smtClean="0">
+                <a:solidFill>
+                  <a:srgbClr val="000000"/>
+                </a:solidFill>
+                <a:latin typeface="Consolas"/>
+              </a:rPr>
+              <a:t>System.IO;</a:t>
+            </a:r>
+          </a:p>
+          <a:p>
+            <a:pPr marL="0" indent="0">
+              <a:buNone/>
+            </a:pPr>
+            <a:r>
+              <a:rPr lang="en-US" dirty="0">
+                <a:solidFill>
+                  <a:srgbClr val="0000FF"/>
+                </a:solidFill>
+                <a:latin typeface="Consolas"/>
+              </a:rPr>
+              <a:t>using</a:t>
+            </a:r>
+            <a:r>
+              <a:rPr lang="en-US" dirty="0" smtClean="0">
+                <a:solidFill>
+                  <a:srgbClr val="000000"/>
+                </a:solidFill>
+                <a:latin typeface="Consolas"/>
+              </a:rPr>
+              <a:t> </a:t>
+            </a:r>
+            <a:r>
+              <a:rPr lang="en-US" dirty="0" err="1" smtClean="0">
+                <a:solidFill>
+                  <a:srgbClr val="000000"/>
+                </a:solidFill>
+                <a:latin typeface="Consolas"/>
+              </a:rPr>
+              <a:t>System.Runtime.Serialization.Formatters.Binary</a:t>
+            </a:r>
+            <a:r>
+              <a:rPr lang="en-US" dirty="0" smtClean="0">
+                <a:solidFill>
+                  <a:srgbClr val="000000"/>
+                </a:solidFill>
+                <a:latin typeface="Consolas"/>
+              </a:rPr>
+              <a:t>;</a:t>
+            </a:r>
+            <a:endParaRPr lang="ru-RU" dirty="0" smtClean="0">
+              <a:solidFill>
+                <a:srgbClr val="000000"/>
+              </a:solidFill>
+              <a:latin typeface="Consolas"/>
+            </a:endParaRPr>
+          </a:p>
+          <a:p>
+            <a:pPr marL="0" indent="0">
+              <a:buNone/>
+            </a:pPr>
+            <a:endParaRPr lang="ru-RU" dirty="0" smtClean="0">
+              <a:solidFill>
+                <a:srgbClr val="000000"/>
+              </a:solidFill>
+              <a:latin typeface="Consolas"/>
+            </a:endParaRPr>
+          </a:p>
+          <a:p>
+            <a:pPr marL="0" indent="0">
+              <a:buNone/>
+            </a:pPr>
+            <a:r>
+              <a:rPr lang="en-US" dirty="0" smtClean="0">
+                <a:solidFill>
+                  <a:srgbClr val="000000"/>
+                </a:solidFill>
+                <a:latin typeface="Consolas"/>
+              </a:rPr>
+              <a:t>[</a:t>
+            </a:r>
+            <a:r>
+              <a:rPr lang="en-US" dirty="0" err="1">
+                <a:solidFill>
+                  <a:srgbClr val="000000"/>
+                </a:solidFill>
+                <a:latin typeface="Consolas"/>
+              </a:rPr>
+              <a:t>Serializable</a:t>
+            </a:r>
+            <a:r>
+              <a:rPr lang="en-US" dirty="0">
+                <a:solidFill>
+                  <a:srgbClr val="000000"/>
+                </a:solidFill>
+                <a:latin typeface="Consolas"/>
+              </a:rPr>
+              <a:t>]</a:t>
+            </a:r>
+          </a:p>
+          <a:p>
+            <a:pPr marL="0" indent="0">
+              <a:buNone/>
+            </a:pPr>
+            <a:r>
+              <a:rPr lang="en-US" dirty="0">
+                <a:solidFill>
+                  <a:srgbClr val="0000FF"/>
+                </a:solidFill>
+                <a:latin typeface="Consolas"/>
+              </a:rPr>
+              <a:t>class</a:t>
+            </a:r>
+            <a:r>
+              <a:rPr lang="en-US" dirty="0">
+                <a:solidFill>
+                  <a:srgbClr val="000000"/>
+                </a:solidFill>
+                <a:latin typeface="Consolas"/>
+              </a:rPr>
+              <a:t> Train</a:t>
+            </a:r>
+          </a:p>
+          <a:p>
+            <a:pPr marL="0" indent="0">
+              <a:buNone/>
+            </a:pPr>
+            <a:r>
+              <a:rPr lang="en-US" dirty="0">
+                <a:solidFill>
+                  <a:srgbClr val="000000"/>
+                </a:solidFill>
+                <a:latin typeface="Consolas"/>
+              </a:rPr>
+              <a:t>{</a:t>
+            </a:r>
+          </a:p>
+          <a:p>
+            <a:pPr marL="0" indent="0">
+              <a:buNone/>
+            </a:pPr>
+            <a:r>
+              <a:rPr lang="en-US" dirty="0">
+                <a:solidFill>
+                  <a:srgbClr val="000000"/>
+                </a:solidFill>
+                <a:latin typeface="Consolas"/>
+              </a:rPr>
+              <a:t>  [</a:t>
+            </a:r>
+            <a:r>
+              <a:rPr lang="en-US" dirty="0" err="1">
+                <a:solidFill>
+                  <a:srgbClr val="000000"/>
+                </a:solidFill>
+                <a:latin typeface="Consolas"/>
+              </a:rPr>
+              <a:t>NonSerialized</a:t>
+            </a:r>
+            <a:r>
+              <a:rPr lang="en-US" dirty="0">
+                <a:solidFill>
+                  <a:srgbClr val="000000"/>
+                </a:solidFill>
+                <a:latin typeface="Consolas"/>
+              </a:rPr>
+              <a:t>]</a:t>
+            </a:r>
+          </a:p>
+          <a:p>
+            <a:pPr marL="0" indent="0">
+              <a:buNone/>
+            </a:pPr>
+            <a:r>
+              <a:rPr lang="en-US" dirty="0">
+                <a:solidFill>
+                  <a:srgbClr val="000000"/>
+                </a:solidFill>
+                <a:latin typeface="Consolas"/>
+              </a:rPr>
+              <a:t>  </a:t>
+            </a:r>
+            <a:r>
+              <a:rPr lang="en-US" dirty="0">
+                <a:solidFill>
+                  <a:srgbClr val="0000FF"/>
+                </a:solidFill>
+                <a:latin typeface="Consolas"/>
+              </a:rPr>
+              <a:t>double</a:t>
+            </a:r>
+            <a:r>
+              <a:rPr lang="en-US" dirty="0">
+                <a:solidFill>
+                  <a:srgbClr val="000000"/>
+                </a:solidFill>
+                <a:latin typeface="Consolas"/>
+              </a:rPr>
+              <a:t> _speed;</a:t>
+            </a:r>
+          </a:p>
+          <a:p>
+            <a:pPr marL="0" indent="0">
+              <a:buNone/>
+            </a:pPr>
+            <a:r>
+              <a:rPr lang="en-US" dirty="0" smtClean="0">
+                <a:solidFill>
+                  <a:srgbClr val="0000FF"/>
+                </a:solidFill>
+                <a:latin typeface="Consolas"/>
+              </a:rPr>
+              <a:t>  </a:t>
+            </a:r>
+            <a:r>
+              <a:rPr lang="en-US" dirty="0" err="1" smtClean="0">
+                <a:solidFill>
+                  <a:srgbClr val="0000FF"/>
+                </a:solidFill>
+                <a:latin typeface="Consolas"/>
+              </a:rPr>
+              <a:t>int</a:t>
+            </a:r>
+            <a:r>
+              <a:rPr lang="en-US" dirty="0" smtClean="0">
+                <a:solidFill>
+                  <a:srgbClr val="000000"/>
+                </a:solidFill>
+                <a:latin typeface="Consolas"/>
+              </a:rPr>
+              <a:t> </a:t>
+            </a:r>
+            <a:r>
+              <a:rPr lang="en-US" dirty="0">
+                <a:solidFill>
+                  <a:srgbClr val="000000"/>
+                </a:solidFill>
+                <a:latin typeface="Consolas"/>
+              </a:rPr>
+              <a:t>_length;</a:t>
+            </a:r>
+          </a:p>
+          <a:p>
+            <a:pPr marL="0" indent="0">
+              <a:buNone/>
+            </a:pPr>
+            <a:r>
+              <a:rPr lang="en-US" dirty="0">
+                <a:solidFill>
+                  <a:srgbClr val="000000"/>
+                </a:solidFill>
+                <a:latin typeface="Consolas"/>
+              </a:rPr>
+              <a:t>  </a:t>
+            </a:r>
+            <a:r>
+              <a:rPr lang="en-US" dirty="0">
+                <a:solidFill>
+                  <a:srgbClr val="0000FF"/>
+                </a:solidFill>
+                <a:latin typeface="Consolas"/>
+              </a:rPr>
+              <a:t>string</a:t>
+            </a:r>
+            <a:r>
+              <a:rPr lang="en-US" dirty="0">
+                <a:solidFill>
+                  <a:srgbClr val="000000"/>
+                </a:solidFill>
+                <a:latin typeface="Consolas"/>
+              </a:rPr>
+              <a:t>[] _</a:t>
+            </a:r>
+            <a:r>
+              <a:rPr lang="en-US" dirty="0" err="1">
+                <a:solidFill>
+                  <a:srgbClr val="000000"/>
+                </a:solidFill>
+                <a:latin typeface="Consolas"/>
+              </a:rPr>
+              <a:t>travellers</a:t>
+            </a:r>
+            <a:r>
+              <a:rPr lang="en-US" dirty="0">
+                <a:solidFill>
+                  <a:srgbClr val="000000"/>
+                </a:solidFill>
+                <a:latin typeface="Consolas"/>
+              </a:rPr>
+              <a:t>;</a:t>
+            </a:r>
+          </a:p>
+          <a:p>
+            <a:pPr marL="0" indent="0">
+              <a:buNone/>
+            </a:pPr>
+            <a:r>
+              <a:rPr lang="en-US" dirty="0">
+                <a:solidFill>
+                  <a:srgbClr val="000000"/>
+                </a:solidFill>
+                <a:latin typeface="Consolas"/>
+              </a:rPr>
+              <a:t>  </a:t>
+            </a:r>
+          </a:p>
+          <a:p>
+            <a:pPr marL="0" indent="0">
+              <a:buNone/>
+            </a:pPr>
+            <a:r>
+              <a:rPr lang="en-US" dirty="0">
+                <a:solidFill>
+                  <a:srgbClr val="000000"/>
+                </a:solidFill>
+                <a:latin typeface="Consolas"/>
+              </a:rPr>
+              <a:t>  </a:t>
+            </a:r>
+            <a:r>
+              <a:rPr lang="en-US" dirty="0">
+                <a:solidFill>
+                  <a:srgbClr val="0000FF"/>
+                </a:solidFill>
+                <a:latin typeface="Consolas"/>
+              </a:rPr>
+              <a:t>public</a:t>
+            </a:r>
+            <a:r>
+              <a:rPr lang="en-US" dirty="0">
+                <a:solidFill>
+                  <a:srgbClr val="000000"/>
+                </a:solidFill>
+                <a:latin typeface="Consolas"/>
+              </a:rPr>
+              <a:t> Train(</a:t>
+            </a:r>
+            <a:r>
+              <a:rPr lang="en-US" dirty="0">
+                <a:solidFill>
+                  <a:srgbClr val="0000FF"/>
+                </a:solidFill>
+                <a:latin typeface="Consolas"/>
+              </a:rPr>
+              <a:t>double</a:t>
+            </a:r>
+            <a:r>
+              <a:rPr lang="en-US" dirty="0">
+                <a:solidFill>
+                  <a:srgbClr val="000000"/>
+                </a:solidFill>
+                <a:latin typeface="Consolas"/>
+              </a:rPr>
+              <a:t> speed, </a:t>
+            </a:r>
+            <a:r>
+              <a:rPr lang="en-US" dirty="0" err="1">
+                <a:solidFill>
+                  <a:srgbClr val="0000FF"/>
+                </a:solidFill>
+                <a:latin typeface="Consolas"/>
+              </a:rPr>
+              <a:t>int</a:t>
+            </a:r>
+            <a:r>
+              <a:rPr lang="en-US" dirty="0">
+                <a:solidFill>
+                  <a:srgbClr val="000000"/>
+                </a:solidFill>
+                <a:latin typeface="Consolas"/>
+              </a:rPr>
+              <a:t> length, </a:t>
+            </a:r>
+            <a:r>
+              <a:rPr lang="en-US" dirty="0" err="1">
+                <a:solidFill>
+                  <a:srgbClr val="0000FF"/>
+                </a:solidFill>
+                <a:latin typeface="Consolas"/>
+              </a:rPr>
+              <a:t>params</a:t>
+            </a:r>
+            <a:r>
+              <a:rPr lang="en-US" dirty="0">
+                <a:solidFill>
+                  <a:srgbClr val="000000"/>
+                </a:solidFill>
+                <a:latin typeface="Consolas"/>
+              </a:rPr>
+              <a:t> </a:t>
+            </a:r>
+            <a:r>
+              <a:rPr lang="en-US" dirty="0">
+                <a:solidFill>
+                  <a:srgbClr val="0000FF"/>
+                </a:solidFill>
+                <a:latin typeface="Consolas"/>
+              </a:rPr>
+              <a:t>string</a:t>
+            </a:r>
+            <a:r>
+              <a:rPr lang="en-US" dirty="0">
+                <a:solidFill>
+                  <a:srgbClr val="000000"/>
+                </a:solidFill>
+                <a:latin typeface="Consolas"/>
+              </a:rPr>
+              <a:t>[] </a:t>
+            </a:r>
+            <a:r>
+              <a:rPr lang="en-US" dirty="0" err="1">
+                <a:solidFill>
+                  <a:srgbClr val="000000"/>
+                </a:solidFill>
+                <a:latin typeface="Consolas"/>
+              </a:rPr>
+              <a:t>travellers</a:t>
+            </a:r>
+            <a:r>
+              <a:rPr lang="en-US" dirty="0">
+                <a:solidFill>
+                  <a:srgbClr val="000000"/>
+                </a:solidFill>
+                <a:latin typeface="Consolas"/>
+              </a:rPr>
+              <a:t>)</a:t>
+            </a:r>
+          </a:p>
+          <a:p>
+            <a:pPr marL="0" indent="0">
+              <a:buNone/>
+            </a:pPr>
+            <a:r>
+              <a:rPr lang="en-US" dirty="0">
+                <a:solidFill>
+                  <a:srgbClr val="000000"/>
+                </a:solidFill>
+                <a:latin typeface="Consolas"/>
+              </a:rPr>
+              <a:t>  {</a:t>
+            </a:r>
+          </a:p>
+          <a:p>
+            <a:pPr marL="0" indent="0">
+              <a:buNone/>
+            </a:pPr>
+            <a:r>
+              <a:rPr lang="en-US" dirty="0">
+                <a:solidFill>
+                  <a:srgbClr val="000000"/>
+                </a:solidFill>
+                <a:latin typeface="Consolas"/>
+              </a:rPr>
+              <a:t>      _speed = speed;</a:t>
+            </a:r>
+          </a:p>
+          <a:p>
+            <a:pPr marL="0" indent="0">
+              <a:buNone/>
+            </a:pPr>
+            <a:r>
+              <a:rPr lang="en-US" dirty="0">
+                <a:solidFill>
+                  <a:srgbClr val="000000"/>
+                </a:solidFill>
+                <a:latin typeface="Consolas"/>
+              </a:rPr>
+              <a:t>      _length = length;</a:t>
+            </a:r>
+          </a:p>
+          <a:p>
+            <a:pPr marL="0" indent="0">
+              <a:buNone/>
+            </a:pPr>
+            <a:r>
+              <a:rPr lang="en-US" dirty="0">
+                <a:solidFill>
+                  <a:srgbClr val="000000"/>
+                </a:solidFill>
+                <a:latin typeface="Consolas"/>
+              </a:rPr>
+              <a:t>      _</a:t>
+            </a:r>
+            <a:r>
+              <a:rPr lang="en-US" dirty="0" err="1">
+                <a:solidFill>
+                  <a:srgbClr val="000000"/>
+                </a:solidFill>
+                <a:latin typeface="Consolas"/>
+              </a:rPr>
+              <a:t>travellers</a:t>
+            </a:r>
+            <a:r>
+              <a:rPr lang="en-US" dirty="0">
+                <a:solidFill>
+                  <a:srgbClr val="000000"/>
+                </a:solidFill>
+                <a:latin typeface="Consolas"/>
+              </a:rPr>
+              <a:t> = </a:t>
+            </a:r>
+            <a:r>
+              <a:rPr lang="en-US" dirty="0" err="1">
+                <a:solidFill>
+                  <a:srgbClr val="000000"/>
+                </a:solidFill>
+                <a:latin typeface="Consolas"/>
+              </a:rPr>
+              <a:t>travellers</a:t>
+            </a:r>
+            <a:r>
+              <a:rPr lang="en-US" dirty="0">
+                <a:solidFill>
+                  <a:srgbClr val="000000"/>
+                </a:solidFill>
+                <a:latin typeface="Consolas"/>
+              </a:rPr>
+              <a:t>;</a:t>
+            </a:r>
+          </a:p>
+          <a:p>
+            <a:pPr marL="0" indent="0">
+              <a:buNone/>
+            </a:pPr>
+            <a:r>
+              <a:rPr lang="en-US" dirty="0">
+                <a:solidFill>
+                  <a:srgbClr val="000000"/>
+                </a:solidFill>
+                <a:latin typeface="Consolas"/>
+              </a:rPr>
+              <a:t>  }</a:t>
+            </a:r>
+          </a:p>
+          <a:p>
+            <a:pPr marL="0" indent="0">
+              <a:buNone/>
+            </a:pPr>
+            <a:r>
+              <a:rPr lang="ru-RU" dirty="0" smtClean="0">
+                <a:solidFill>
+                  <a:srgbClr val="0000FF"/>
+                </a:solidFill>
+                <a:latin typeface="Consolas"/>
+              </a:rPr>
+              <a:t>  </a:t>
+            </a:r>
+            <a:r>
+              <a:rPr lang="en-US" dirty="0" smtClean="0">
+                <a:solidFill>
+                  <a:srgbClr val="0000FF"/>
+                </a:solidFill>
+                <a:latin typeface="Consolas"/>
+              </a:rPr>
+              <a:t>public</a:t>
+            </a:r>
+            <a:r>
+              <a:rPr lang="en-US" dirty="0" smtClean="0">
+                <a:solidFill>
+                  <a:srgbClr val="000000"/>
+                </a:solidFill>
+                <a:latin typeface="Consolas"/>
+              </a:rPr>
+              <a:t> </a:t>
+            </a:r>
+            <a:r>
+              <a:rPr lang="en-US" dirty="0">
+                <a:solidFill>
+                  <a:srgbClr val="0000FF"/>
+                </a:solidFill>
+                <a:latin typeface="Consolas"/>
+              </a:rPr>
+              <a:t>void</a:t>
+            </a:r>
+            <a:r>
+              <a:rPr lang="en-US" dirty="0">
+                <a:solidFill>
+                  <a:srgbClr val="000000"/>
+                </a:solidFill>
+                <a:latin typeface="Consolas"/>
+              </a:rPr>
+              <a:t> Print()</a:t>
+            </a:r>
+          </a:p>
+          <a:p>
+            <a:pPr marL="0" indent="0">
+              <a:buNone/>
+            </a:pPr>
+            <a:r>
+              <a:rPr lang="en-US" dirty="0">
+                <a:solidFill>
+                  <a:srgbClr val="000000"/>
+                </a:solidFill>
+                <a:latin typeface="Consolas"/>
+              </a:rPr>
+              <a:t>  {</a:t>
+            </a:r>
+          </a:p>
+          <a:p>
+            <a:pPr marL="0" indent="0">
+              <a:buNone/>
+            </a:pPr>
+            <a:r>
+              <a:rPr lang="en-US" dirty="0">
+                <a:solidFill>
+                  <a:srgbClr val="000000"/>
+                </a:solidFill>
+                <a:latin typeface="Consolas"/>
+              </a:rPr>
+              <a:t>      </a:t>
+            </a:r>
+            <a:r>
+              <a:rPr lang="en-US" dirty="0" err="1">
+                <a:solidFill>
+                  <a:srgbClr val="000000"/>
+                </a:solidFill>
+                <a:latin typeface="Consolas"/>
+              </a:rPr>
+              <a:t>Console.WriteLine</a:t>
+            </a:r>
+            <a:r>
+              <a:rPr lang="en-US" dirty="0">
+                <a:solidFill>
+                  <a:srgbClr val="000000"/>
+                </a:solidFill>
+                <a:latin typeface="Consolas"/>
+              </a:rPr>
+              <a:t>(</a:t>
+            </a:r>
+            <a:r>
+              <a:rPr lang="en-US" dirty="0">
+                <a:solidFill>
+                  <a:srgbClr val="DC1414"/>
+                </a:solidFill>
+                <a:latin typeface="Consolas"/>
+              </a:rPr>
+              <a:t>"Speed: {0}"</a:t>
+            </a:r>
+            <a:r>
+              <a:rPr lang="en-US" dirty="0">
+                <a:solidFill>
+                  <a:srgbClr val="000000"/>
+                </a:solidFill>
+                <a:latin typeface="Consolas"/>
+              </a:rPr>
+              <a:t>, _speed);</a:t>
+            </a:r>
+          </a:p>
+          <a:p>
+            <a:pPr marL="0" indent="0">
+              <a:buNone/>
+            </a:pPr>
+            <a:r>
+              <a:rPr lang="en-US" dirty="0">
+                <a:solidFill>
+                  <a:srgbClr val="000000"/>
+                </a:solidFill>
+                <a:latin typeface="Consolas"/>
+              </a:rPr>
+              <a:t>      </a:t>
+            </a:r>
+            <a:r>
+              <a:rPr lang="en-US" dirty="0" err="1">
+                <a:solidFill>
+                  <a:srgbClr val="000000"/>
+                </a:solidFill>
+                <a:latin typeface="Consolas"/>
+              </a:rPr>
+              <a:t>Console.WriteLine</a:t>
+            </a:r>
+            <a:r>
+              <a:rPr lang="en-US" dirty="0">
+                <a:solidFill>
+                  <a:srgbClr val="000000"/>
+                </a:solidFill>
+                <a:latin typeface="Consolas"/>
+              </a:rPr>
+              <a:t>(</a:t>
+            </a:r>
+            <a:r>
+              <a:rPr lang="en-US" dirty="0">
+                <a:solidFill>
+                  <a:srgbClr val="DC1414"/>
+                </a:solidFill>
+                <a:latin typeface="Consolas"/>
+              </a:rPr>
+              <a:t>"Length : {0}"</a:t>
+            </a:r>
+            <a:r>
+              <a:rPr lang="en-US" dirty="0">
+                <a:solidFill>
+                  <a:srgbClr val="000000"/>
+                </a:solidFill>
+                <a:latin typeface="Consolas"/>
+              </a:rPr>
+              <a:t>, _length);</a:t>
+            </a:r>
+          </a:p>
+          <a:p>
+            <a:pPr marL="0" indent="0">
+              <a:buNone/>
+            </a:pPr>
+            <a:r>
+              <a:rPr lang="fr-FR" dirty="0">
+                <a:solidFill>
+                  <a:srgbClr val="000000"/>
+                </a:solidFill>
+                <a:latin typeface="Consolas"/>
+              </a:rPr>
+              <a:t>      </a:t>
+            </a:r>
+            <a:r>
+              <a:rPr lang="fr-FR" dirty="0" err="1">
+                <a:solidFill>
+                  <a:srgbClr val="000000"/>
+                </a:solidFill>
+                <a:latin typeface="Consolas"/>
+              </a:rPr>
+              <a:t>Console.WriteLine</a:t>
+            </a:r>
+            <a:r>
+              <a:rPr lang="fr-FR" dirty="0">
+                <a:solidFill>
+                  <a:srgbClr val="000000"/>
+                </a:solidFill>
+                <a:latin typeface="Consolas"/>
+              </a:rPr>
+              <a:t>(</a:t>
+            </a:r>
+            <a:r>
+              <a:rPr lang="fr-FR" dirty="0">
+                <a:solidFill>
+                  <a:srgbClr val="DC1414"/>
+                </a:solidFill>
+                <a:latin typeface="Consolas"/>
+              </a:rPr>
+              <a:t>"</a:t>
+            </a:r>
+            <a:r>
+              <a:rPr lang="fr-FR" dirty="0" err="1">
+                <a:solidFill>
+                  <a:srgbClr val="DC1414"/>
+                </a:solidFill>
+                <a:latin typeface="Consolas"/>
+              </a:rPr>
+              <a:t>Travellers</a:t>
+            </a:r>
+            <a:r>
+              <a:rPr lang="fr-FR" dirty="0">
+                <a:solidFill>
+                  <a:srgbClr val="DC1414"/>
+                </a:solidFill>
+                <a:latin typeface="Consolas"/>
+              </a:rPr>
+              <a:t>: {0}"</a:t>
+            </a:r>
+            <a:r>
+              <a:rPr lang="fr-FR" dirty="0">
+                <a:solidFill>
+                  <a:srgbClr val="000000"/>
+                </a:solidFill>
+                <a:latin typeface="Consolas"/>
+              </a:rPr>
+              <a:t>, </a:t>
+            </a:r>
+            <a:r>
+              <a:rPr lang="fr-FR" dirty="0" err="1">
+                <a:solidFill>
+                  <a:srgbClr val="000000"/>
+                </a:solidFill>
+                <a:latin typeface="Consolas"/>
+              </a:rPr>
+              <a:t>String.Join</a:t>
+            </a:r>
+            <a:r>
+              <a:rPr lang="fr-FR" dirty="0">
+                <a:solidFill>
+                  <a:srgbClr val="000000"/>
+                </a:solidFill>
+                <a:latin typeface="Consolas"/>
+              </a:rPr>
+              <a:t>(</a:t>
+            </a:r>
+            <a:r>
+              <a:rPr lang="fr-FR" dirty="0">
+                <a:solidFill>
+                  <a:srgbClr val="DC1414"/>
+                </a:solidFill>
+                <a:latin typeface="Consolas"/>
+              </a:rPr>
+              <a:t>"; "</a:t>
+            </a:r>
+            <a:r>
+              <a:rPr lang="fr-FR" dirty="0">
+                <a:solidFill>
+                  <a:srgbClr val="000000"/>
+                </a:solidFill>
+                <a:latin typeface="Consolas"/>
+              </a:rPr>
+              <a:t>, _</a:t>
+            </a:r>
+            <a:r>
+              <a:rPr lang="fr-FR" dirty="0" err="1">
+                <a:solidFill>
+                  <a:srgbClr val="000000"/>
+                </a:solidFill>
+                <a:latin typeface="Consolas"/>
+              </a:rPr>
+              <a:t>travellers</a:t>
+            </a:r>
+            <a:r>
+              <a:rPr lang="fr-FR" dirty="0">
+                <a:solidFill>
+                  <a:srgbClr val="000000"/>
+                </a:solidFill>
+                <a:latin typeface="Consolas"/>
+              </a:rPr>
+              <a:t>));</a:t>
+            </a:r>
+          </a:p>
+          <a:p>
+            <a:pPr marL="0" indent="0">
+              <a:buNone/>
+            </a:pPr>
+            <a:r>
+              <a:rPr lang="en-US" dirty="0">
+                <a:solidFill>
+                  <a:srgbClr val="000000"/>
+                </a:solidFill>
+                <a:latin typeface="Consolas"/>
+              </a:rPr>
+              <a:t>  }</a:t>
+            </a:r>
+          </a:p>
+          <a:p>
+            <a:pPr marL="0" indent="0">
+              <a:buNone/>
+            </a:pPr>
+            <a:r>
+              <a:rPr lang="en-US" dirty="0">
+                <a:solidFill>
+                  <a:srgbClr val="000000"/>
+                </a:solidFill>
+                <a:latin typeface="Consolas"/>
+              </a:rPr>
+              <a:t>}</a:t>
+            </a:r>
+          </a:p>
+          <a:p>
+            <a:pPr marL="0" indent="0">
+              <a:buNone/>
+            </a:pPr>
+            <a:r>
+              <a:rPr lang="en-US" dirty="0" smtClean="0">
+                <a:solidFill>
+                  <a:srgbClr val="0000FF"/>
+                </a:solidFill>
+                <a:latin typeface="Consolas"/>
+              </a:rPr>
+              <a:t>static</a:t>
+            </a:r>
+            <a:r>
+              <a:rPr lang="en-US" dirty="0" smtClean="0">
+                <a:solidFill>
+                  <a:srgbClr val="000000"/>
+                </a:solidFill>
+                <a:latin typeface="Consolas"/>
+              </a:rPr>
+              <a:t> </a:t>
+            </a:r>
+            <a:r>
+              <a:rPr lang="en-US" dirty="0">
+                <a:solidFill>
+                  <a:srgbClr val="0000FF"/>
+                </a:solidFill>
+                <a:latin typeface="Consolas"/>
+              </a:rPr>
+              <a:t>void</a:t>
+            </a:r>
+            <a:r>
+              <a:rPr lang="en-US" dirty="0">
+                <a:solidFill>
+                  <a:srgbClr val="000000"/>
+                </a:solidFill>
+                <a:latin typeface="Consolas"/>
+              </a:rPr>
+              <a:t> Main()</a:t>
+            </a:r>
+          </a:p>
+          <a:p>
+            <a:pPr marL="0" indent="0">
+              <a:buNone/>
+            </a:pPr>
+            <a:r>
+              <a:rPr lang="en-US" dirty="0">
+                <a:solidFill>
+                  <a:srgbClr val="000000"/>
+                </a:solidFill>
+                <a:latin typeface="Consolas"/>
+              </a:rPr>
+              <a:t>{</a:t>
+            </a:r>
+          </a:p>
+          <a:p>
+            <a:pPr marL="0" indent="0">
+              <a:buNone/>
+            </a:pPr>
+            <a:r>
+              <a:rPr lang="ru-RU" dirty="0" smtClean="0">
+                <a:solidFill>
+                  <a:srgbClr val="000000"/>
+                </a:solidFill>
+                <a:latin typeface="Consolas"/>
+              </a:rPr>
+              <a:t>    </a:t>
+            </a:r>
+            <a:r>
+              <a:rPr lang="fr-FR" dirty="0" smtClean="0">
+                <a:solidFill>
+                  <a:srgbClr val="000000"/>
+                </a:solidFill>
+                <a:latin typeface="Consolas"/>
+              </a:rPr>
+              <a:t>Train </a:t>
+            </a:r>
+            <a:r>
+              <a:rPr lang="fr-FR" dirty="0" err="1">
+                <a:solidFill>
+                  <a:srgbClr val="000000"/>
+                </a:solidFill>
+                <a:latin typeface="Consolas"/>
+              </a:rPr>
+              <a:t>train</a:t>
+            </a:r>
+            <a:r>
+              <a:rPr lang="fr-FR" dirty="0">
+                <a:solidFill>
+                  <a:srgbClr val="000000"/>
+                </a:solidFill>
+                <a:latin typeface="Consolas"/>
+              </a:rPr>
+              <a:t> = </a:t>
+            </a:r>
+            <a:r>
+              <a:rPr lang="fr-FR" dirty="0">
+                <a:solidFill>
+                  <a:srgbClr val="0000FF"/>
+                </a:solidFill>
+                <a:latin typeface="Consolas"/>
+              </a:rPr>
+              <a:t>new</a:t>
+            </a:r>
+            <a:r>
+              <a:rPr lang="fr-FR" dirty="0">
+                <a:solidFill>
+                  <a:srgbClr val="000000"/>
+                </a:solidFill>
+                <a:latin typeface="Consolas"/>
+              </a:rPr>
+              <a:t> Train(</a:t>
+            </a:r>
+            <a:r>
+              <a:rPr lang="fr-FR" dirty="0">
+                <a:solidFill>
+                  <a:srgbClr val="C81EFA"/>
+                </a:solidFill>
+                <a:latin typeface="Consolas"/>
+              </a:rPr>
+              <a:t>190.2</a:t>
+            </a:r>
+            <a:r>
+              <a:rPr lang="fr-FR" dirty="0">
+                <a:solidFill>
+                  <a:srgbClr val="000000"/>
+                </a:solidFill>
+                <a:latin typeface="Consolas"/>
+              </a:rPr>
+              <a:t>, </a:t>
+            </a:r>
+            <a:r>
+              <a:rPr lang="fr-FR" dirty="0">
+                <a:solidFill>
+                  <a:srgbClr val="C81EFA"/>
+                </a:solidFill>
+                <a:latin typeface="Consolas"/>
+              </a:rPr>
+              <a:t>8</a:t>
+            </a:r>
+            <a:r>
+              <a:rPr lang="fr-FR" dirty="0">
+                <a:solidFill>
+                  <a:srgbClr val="000000"/>
+                </a:solidFill>
+                <a:latin typeface="Consolas"/>
+              </a:rPr>
+              <a:t>, </a:t>
+            </a:r>
+            <a:r>
+              <a:rPr lang="fr-FR" dirty="0">
+                <a:solidFill>
+                  <a:srgbClr val="DC1414"/>
+                </a:solidFill>
+                <a:latin typeface="Consolas"/>
+              </a:rPr>
+              <a:t>"Ivanov"</a:t>
+            </a:r>
+            <a:r>
+              <a:rPr lang="fr-FR" dirty="0">
+                <a:solidFill>
+                  <a:srgbClr val="000000"/>
+                </a:solidFill>
+                <a:latin typeface="Consolas"/>
+              </a:rPr>
+              <a:t>, </a:t>
+            </a:r>
+            <a:r>
+              <a:rPr lang="fr-FR" dirty="0">
+                <a:solidFill>
+                  <a:srgbClr val="DC1414"/>
+                </a:solidFill>
+                <a:latin typeface="Consolas"/>
+              </a:rPr>
+              <a:t>"Petrov"</a:t>
+            </a:r>
+            <a:r>
+              <a:rPr lang="fr-FR" dirty="0">
+                <a:solidFill>
+                  <a:srgbClr val="000000"/>
+                </a:solidFill>
+                <a:latin typeface="Consolas"/>
+              </a:rPr>
+              <a:t>, </a:t>
+            </a:r>
+            <a:r>
+              <a:rPr lang="fr-FR" dirty="0">
+                <a:solidFill>
+                  <a:srgbClr val="DC1414"/>
+                </a:solidFill>
+                <a:latin typeface="Consolas"/>
+              </a:rPr>
+              <a:t>"</a:t>
+            </a:r>
+            <a:r>
+              <a:rPr lang="fr-FR" dirty="0" err="1">
+                <a:solidFill>
+                  <a:srgbClr val="DC1414"/>
+                </a:solidFill>
+                <a:latin typeface="Consolas"/>
+              </a:rPr>
+              <a:t>Sidorov</a:t>
+            </a:r>
+            <a:r>
+              <a:rPr lang="fr-FR" dirty="0">
+                <a:solidFill>
+                  <a:srgbClr val="DC1414"/>
+                </a:solidFill>
+                <a:latin typeface="Consolas"/>
+              </a:rPr>
+              <a:t>"</a:t>
+            </a:r>
+            <a:r>
+              <a:rPr lang="fr-FR" dirty="0">
+                <a:solidFill>
+                  <a:srgbClr val="000000"/>
+                </a:solidFill>
+                <a:latin typeface="Consolas"/>
+              </a:rPr>
+              <a:t>);</a:t>
+            </a:r>
+          </a:p>
+          <a:p>
+            <a:pPr marL="0" indent="0">
+              <a:buNone/>
+            </a:pPr>
+            <a:r>
+              <a:rPr lang="ru-RU" dirty="0" smtClean="0">
+                <a:solidFill>
+                  <a:srgbClr val="000000"/>
+                </a:solidFill>
+                <a:latin typeface="Consolas"/>
+              </a:rPr>
+              <a:t>    </a:t>
+            </a:r>
+            <a:r>
+              <a:rPr lang="en-US" dirty="0" err="1" smtClean="0">
+                <a:solidFill>
+                  <a:srgbClr val="000000"/>
+                </a:solidFill>
+                <a:latin typeface="Consolas"/>
+              </a:rPr>
+              <a:t>train.Print</a:t>
+            </a:r>
+            <a:r>
+              <a:rPr lang="en-US" dirty="0">
+                <a:solidFill>
+                  <a:srgbClr val="000000"/>
+                </a:solidFill>
+                <a:latin typeface="Consolas"/>
+              </a:rPr>
+              <a:t>();</a:t>
+            </a:r>
+          </a:p>
+          <a:p>
+            <a:pPr marL="0" indent="0">
+              <a:buNone/>
+            </a:pPr>
+            <a:r>
+              <a:rPr lang="ru-RU" dirty="0" smtClean="0">
+                <a:solidFill>
+                  <a:srgbClr val="0000FF"/>
+                </a:solidFill>
+                <a:latin typeface="Consolas"/>
+              </a:rPr>
+              <a:t>    </a:t>
+            </a:r>
+            <a:r>
+              <a:rPr lang="en-US" dirty="0" smtClean="0">
+                <a:solidFill>
+                  <a:srgbClr val="0000FF"/>
+                </a:solidFill>
+                <a:latin typeface="Consolas"/>
+              </a:rPr>
+              <a:t>string</a:t>
+            </a:r>
+            <a:r>
+              <a:rPr lang="en-US" dirty="0" smtClean="0">
+                <a:solidFill>
+                  <a:srgbClr val="000000"/>
+                </a:solidFill>
+                <a:latin typeface="Consolas"/>
+              </a:rPr>
+              <a:t> </a:t>
+            </a:r>
+            <a:r>
+              <a:rPr lang="en-US" dirty="0" err="1">
+                <a:solidFill>
+                  <a:srgbClr val="000000"/>
+                </a:solidFill>
+                <a:latin typeface="Consolas"/>
+              </a:rPr>
+              <a:t>tempFileName</a:t>
+            </a:r>
+            <a:r>
+              <a:rPr lang="en-US" dirty="0">
+                <a:solidFill>
+                  <a:srgbClr val="000000"/>
+                </a:solidFill>
+                <a:latin typeface="Consolas"/>
+              </a:rPr>
+              <a:t> = </a:t>
+            </a:r>
+            <a:r>
+              <a:rPr lang="en-US" dirty="0" err="1">
+                <a:solidFill>
+                  <a:srgbClr val="000000"/>
+                </a:solidFill>
+                <a:latin typeface="Consolas"/>
+              </a:rPr>
+              <a:t>Path.Combine</a:t>
+            </a:r>
+            <a:r>
+              <a:rPr lang="en-US" dirty="0">
+                <a:solidFill>
+                  <a:srgbClr val="000000"/>
+                </a:solidFill>
+                <a:latin typeface="Consolas"/>
+              </a:rPr>
+              <a:t>(</a:t>
+            </a:r>
+            <a:r>
+              <a:rPr lang="en-US" dirty="0" err="1">
+                <a:solidFill>
+                  <a:srgbClr val="000000"/>
+                </a:solidFill>
+                <a:latin typeface="Consolas"/>
+              </a:rPr>
+              <a:t>Path.GetTempPath</a:t>
+            </a:r>
+            <a:r>
+              <a:rPr lang="en-US" dirty="0">
+                <a:solidFill>
+                  <a:srgbClr val="000000"/>
+                </a:solidFill>
+                <a:latin typeface="Consolas"/>
+              </a:rPr>
+              <a:t>(), </a:t>
+            </a:r>
+            <a:r>
+              <a:rPr lang="en-US" dirty="0">
+                <a:solidFill>
+                  <a:srgbClr val="DC1414"/>
+                </a:solidFill>
+                <a:latin typeface="Consolas"/>
+              </a:rPr>
+              <a:t>"train.dat"</a:t>
+            </a:r>
+            <a:r>
+              <a:rPr lang="en-US" dirty="0">
+                <a:solidFill>
+                  <a:srgbClr val="000000"/>
+                </a:solidFill>
+                <a:latin typeface="Consolas"/>
+              </a:rPr>
+              <a:t>); </a:t>
+            </a:r>
+            <a:r>
+              <a:rPr lang="en-US" dirty="0" smtClean="0">
+                <a:solidFill>
+                  <a:srgbClr val="008000"/>
+                </a:solidFill>
+                <a:latin typeface="Consolas"/>
+              </a:rPr>
+              <a:t>//</a:t>
+            </a:r>
+            <a:r>
+              <a:rPr lang="ru-RU" dirty="0" smtClean="0">
+                <a:solidFill>
+                  <a:srgbClr val="008000"/>
+                </a:solidFill>
+                <a:latin typeface="Consolas"/>
+              </a:rPr>
+              <a:t> Будем работать с файлом в папке для временных файлов</a:t>
+            </a:r>
+            <a:endParaRPr lang="en-US" dirty="0">
+              <a:solidFill>
+                <a:srgbClr val="000000"/>
+              </a:solidFill>
+              <a:latin typeface="Consolas"/>
+            </a:endParaRPr>
+          </a:p>
+          <a:p>
+            <a:pPr marL="0" indent="0">
+              <a:buNone/>
+            </a:pPr>
+            <a:r>
+              <a:rPr lang="ru-RU" dirty="0" smtClean="0">
+                <a:solidFill>
+                  <a:srgbClr val="000000"/>
+                </a:solidFill>
+                <a:latin typeface="Consolas"/>
+              </a:rPr>
+              <a:t>    </a:t>
+            </a:r>
+            <a:r>
+              <a:rPr lang="en-US" dirty="0" err="1" smtClean="0">
+                <a:solidFill>
+                  <a:srgbClr val="000000"/>
+                </a:solidFill>
+                <a:latin typeface="Consolas"/>
+              </a:rPr>
+              <a:t>BinaryFormatter</a:t>
+            </a:r>
+            <a:r>
+              <a:rPr lang="en-US" dirty="0" smtClean="0">
+                <a:solidFill>
+                  <a:srgbClr val="000000"/>
+                </a:solidFill>
+                <a:latin typeface="Consolas"/>
+              </a:rPr>
+              <a:t> </a:t>
+            </a:r>
+            <a:r>
+              <a:rPr lang="en-US" dirty="0">
+                <a:solidFill>
+                  <a:srgbClr val="000000"/>
+                </a:solidFill>
+                <a:latin typeface="Consolas"/>
+              </a:rPr>
+              <a:t>bf = </a:t>
+            </a:r>
+            <a:r>
+              <a:rPr lang="en-US" dirty="0">
+                <a:solidFill>
+                  <a:srgbClr val="0000FF"/>
+                </a:solidFill>
+                <a:latin typeface="Consolas"/>
+              </a:rPr>
+              <a:t>new</a:t>
+            </a:r>
+            <a:r>
+              <a:rPr lang="en-US" dirty="0">
+                <a:solidFill>
+                  <a:srgbClr val="000000"/>
+                </a:solidFill>
+                <a:latin typeface="Consolas"/>
+              </a:rPr>
+              <a:t> </a:t>
+            </a:r>
+            <a:r>
+              <a:rPr lang="en-US" dirty="0" err="1">
+                <a:solidFill>
+                  <a:srgbClr val="000000"/>
+                </a:solidFill>
+                <a:latin typeface="Consolas"/>
+              </a:rPr>
+              <a:t>BinaryFormatter</a:t>
+            </a:r>
+            <a:r>
+              <a:rPr lang="en-US" dirty="0" smtClean="0">
+                <a:solidFill>
+                  <a:srgbClr val="000000"/>
+                </a:solidFill>
+                <a:latin typeface="Consolas"/>
+              </a:rPr>
+              <a:t>();</a:t>
+            </a:r>
+            <a:endParaRPr lang="ru-RU" dirty="0" smtClean="0">
+              <a:solidFill>
+                <a:srgbClr val="000000"/>
+              </a:solidFill>
+              <a:latin typeface="Consolas"/>
+            </a:endParaRPr>
+          </a:p>
+          <a:p>
+            <a:pPr marL="0" indent="0">
+              <a:buNone/>
+            </a:pPr>
+            <a:r>
+              <a:rPr lang="en-US" dirty="0" smtClean="0">
+                <a:solidFill>
+                  <a:srgbClr val="008000"/>
+                </a:solidFill>
+                <a:latin typeface="Consolas"/>
+              </a:rPr>
+              <a:t>    // </a:t>
+            </a:r>
+            <a:r>
+              <a:rPr lang="ru-RU" dirty="0">
+                <a:solidFill>
+                  <a:srgbClr val="008000"/>
+                </a:solidFill>
+                <a:latin typeface="Consolas"/>
+              </a:rPr>
+              <a:t>Выполняем сериализацию</a:t>
+            </a:r>
+            <a:endParaRPr lang="en-US" dirty="0">
+              <a:solidFill>
+                <a:srgbClr val="008000"/>
+              </a:solidFill>
+              <a:latin typeface="Consolas"/>
+            </a:endParaRPr>
+          </a:p>
+          <a:p>
+            <a:pPr marL="0" indent="0">
+              <a:buNone/>
+            </a:pPr>
+            <a:r>
+              <a:rPr lang="ru-RU" dirty="0" smtClean="0">
+                <a:solidFill>
+                  <a:srgbClr val="0000FF"/>
+                </a:solidFill>
+                <a:latin typeface="Consolas"/>
+              </a:rPr>
+              <a:t>    </a:t>
+            </a:r>
+            <a:r>
+              <a:rPr lang="en-US" dirty="0" smtClean="0">
+                <a:solidFill>
+                  <a:srgbClr val="0000FF"/>
+                </a:solidFill>
+                <a:latin typeface="Consolas"/>
+              </a:rPr>
+              <a:t>using</a:t>
+            </a:r>
+            <a:r>
+              <a:rPr lang="en-US" dirty="0" smtClean="0">
+                <a:solidFill>
+                  <a:srgbClr val="000000"/>
+                </a:solidFill>
+                <a:latin typeface="Consolas"/>
+              </a:rPr>
+              <a:t> </a:t>
+            </a:r>
+            <a:r>
+              <a:rPr lang="en-US" dirty="0">
+                <a:solidFill>
+                  <a:srgbClr val="000000"/>
+                </a:solidFill>
+                <a:latin typeface="Consolas"/>
+              </a:rPr>
+              <a:t>(</a:t>
+            </a:r>
+            <a:r>
+              <a:rPr lang="en-US" dirty="0" err="1">
+                <a:solidFill>
+                  <a:srgbClr val="000000"/>
+                </a:solidFill>
+                <a:latin typeface="Consolas"/>
+              </a:rPr>
+              <a:t>FileStream</a:t>
+            </a:r>
+            <a:r>
+              <a:rPr lang="en-US" dirty="0">
+                <a:solidFill>
+                  <a:srgbClr val="000000"/>
+                </a:solidFill>
+                <a:latin typeface="Consolas"/>
+              </a:rPr>
+              <a:t> </a:t>
+            </a:r>
+            <a:r>
+              <a:rPr lang="en-US" dirty="0" err="1">
+                <a:solidFill>
+                  <a:srgbClr val="000000"/>
+                </a:solidFill>
+                <a:latin typeface="Consolas"/>
+              </a:rPr>
+              <a:t>fs</a:t>
+            </a:r>
+            <a:r>
+              <a:rPr lang="en-US" dirty="0">
+                <a:solidFill>
+                  <a:srgbClr val="000000"/>
+                </a:solidFill>
+                <a:latin typeface="Consolas"/>
+              </a:rPr>
+              <a:t> = </a:t>
+            </a:r>
+            <a:r>
+              <a:rPr lang="en-US" dirty="0" err="1">
+                <a:solidFill>
+                  <a:srgbClr val="000000"/>
+                </a:solidFill>
+                <a:latin typeface="Consolas"/>
+              </a:rPr>
+              <a:t>File.Open</a:t>
+            </a:r>
+            <a:r>
+              <a:rPr lang="en-US" dirty="0">
+                <a:solidFill>
+                  <a:srgbClr val="000000"/>
+                </a:solidFill>
+                <a:latin typeface="Consolas"/>
+              </a:rPr>
+              <a:t>(</a:t>
+            </a:r>
+            <a:r>
+              <a:rPr lang="en-US" dirty="0" err="1">
+                <a:solidFill>
+                  <a:srgbClr val="000000"/>
+                </a:solidFill>
+                <a:latin typeface="Consolas"/>
+              </a:rPr>
+              <a:t>tempFileName</a:t>
+            </a:r>
+            <a:r>
+              <a:rPr lang="en-US" dirty="0">
+                <a:solidFill>
+                  <a:srgbClr val="000000"/>
+                </a:solidFill>
+                <a:latin typeface="Consolas"/>
+              </a:rPr>
+              <a:t>, </a:t>
+            </a:r>
+            <a:r>
+              <a:rPr lang="en-US" dirty="0" err="1">
+                <a:solidFill>
+                  <a:srgbClr val="000000"/>
+                </a:solidFill>
+                <a:latin typeface="Consolas"/>
+              </a:rPr>
+              <a:t>FileMode.Create</a:t>
+            </a:r>
+            <a:r>
+              <a:rPr lang="en-US" dirty="0">
+                <a:solidFill>
+                  <a:srgbClr val="000000"/>
+                </a:solidFill>
+                <a:latin typeface="Consolas"/>
+              </a:rPr>
+              <a:t>))</a:t>
+            </a:r>
+          </a:p>
+          <a:p>
+            <a:pPr marL="0" indent="0">
+              <a:buNone/>
+            </a:pPr>
+            <a:r>
+              <a:rPr lang="ru-RU" dirty="0" smtClean="0">
+                <a:solidFill>
+                  <a:srgbClr val="000000"/>
+                </a:solidFill>
+                <a:latin typeface="Consolas"/>
+              </a:rPr>
+              <a:t>    </a:t>
+            </a:r>
+            <a:r>
+              <a:rPr lang="en-US" dirty="0" smtClean="0">
+                <a:solidFill>
+                  <a:srgbClr val="000000"/>
+                </a:solidFill>
+                <a:latin typeface="Consolas"/>
+              </a:rPr>
+              <a:t>{</a:t>
+            </a:r>
+            <a:endParaRPr lang="en-US" dirty="0">
+              <a:solidFill>
+                <a:srgbClr val="000000"/>
+              </a:solidFill>
+              <a:latin typeface="Consolas"/>
+            </a:endParaRPr>
+          </a:p>
+          <a:p>
+            <a:pPr marL="0" indent="0">
+              <a:buNone/>
+            </a:pPr>
+            <a:r>
+              <a:rPr lang="ru-RU" dirty="0" smtClean="0">
+                <a:solidFill>
+                  <a:srgbClr val="000000"/>
+                </a:solidFill>
+                <a:latin typeface="Consolas"/>
+              </a:rPr>
+              <a:t>        </a:t>
+            </a:r>
+            <a:r>
+              <a:rPr lang="en-US" dirty="0" err="1" smtClean="0">
+                <a:solidFill>
+                  <a:srgbClr val="000000"/>
+                </a:solidFill>
+                <a:latin typeface="Consolas"/>
+              </a:rPr>
+              <a:t>bf.Serialize</a:t>
+            </a:r>
+            <a:r>
+              <a:rPr lang="en-US" dirty="0" smtClean="0">
+                <a:solidFill>
+                  <a:srgbClr val="000000"/>
+                </a:solidFill>
+                <a:latin typeface="Consolas"/>
+              </a:rPr>
+              <a:t>(</a:t>
+            </a:r>
+            <a:r>
+              <a:rPr lang="en-US" dirty="0" err="1" smtClean="0">
+                <a:solidFill>
+                  <a:srgbClr val="000000"/>
+                </a:solidFill>
+                <a:latin typeface="Consolas"/>
+              </a:rPr>
+              <a:t>fs</a:t>
+            </a:r>
+            <a:r>
+              <a:rPr lang="en-US" dirty="0">
+                <a:solidFill>
+                  <a:srgbClr val="000000"/>
+                </a:solidFill>
+                <a:latin typeface="Consolas"/>
+              </a:rPr>
+              <a:t>, train);</a:t>
+            </a:r>
+          </a:p>
+          <a:p>
+            <a:pPr marL="0" indent="0">
+              <a:buNone/>
+            </a:pPr>
+            <a:r>
+              <a:rPr lang="ru-RU" dirty="0" smtClean="0">
+                <a:solidFill>
+                  <a:srgbClr val="000000"/>
+                </a:solidFill>
+                <a:latin typeface="Consolas"/>
+              </a:rPr>
+              <a:t>    </a:t>
+            </a:r>
+            <a:r>
+              <a:rPr lang="en-US" dirty="0" smtClean="0">
+                <a:solidFill>
+                  <a:srgbClr val="000000"/>
+                </a:solidFill>
+                <a:latin typeface="Consolas"/>
+              </a:rPr>
+              <a:t>}</a:t>
+            </a:r>
+            <a:endParaRPr lang="en-US" dirty="0">
+              <a:solidFill>
+                <a:srgbClr val="000000"/>
+              </a:solidFill>
+              <a:latin typeface="Consolas"/>
+            </a:endParaRPr>
+          </a:p>
+          <a:p>
+            <a:pPr marL="0" indent="0">
+              <a:buNone/>
+            </a:pPr>
+            <a:r>
+              <a:rPr lang="ru-RU" dirty="0" smtClean="0">
+                <a:solidFill>
+                  <a:srgbClr val="000000"/>
+                </a:solidFill>
+                <a:latin typeface="Consolas"/>
+              </a:rPr>
+              <a:t>    </a:t>
+            </a:r>
+            <a:r>
+              <a:rPr lang="en-US" dirty="0" err="1" smtClean="0">
+                <a:solidFill>
+                  <a:srgbClr val="000000"/>
+                </a:solidFill>
+                <a:latin typeface="Consolas"/>
+              </a:rPr>
+              <a:t>Console.WriteLine</a:t>
+            </a:r>
+            <a:r>
+              <a:rPr lang="en-US" dirty="0">
+                <a:solidFill>
+                  <a:srgbClr val="000000"/>
+                </a:solidFill>
+                <a:latin typeface="Consolas"/>
+              </a:rPr>
+              <a:t>();</a:t>
+            </a:r>
+          </a:p>
+          <a:p>
+            <a:pPr marL="0" indent="0">
+              <a:buNone/>
+            </a:pPr>
+            <a:r>
+              <a:rPr lang="ru-RU" dirty="0" smtClean="0">
+                <a:solidFill>
+                  <a:srgbClr val="008000"/>
+                </a:solidFill>
+                <a:latin typeface="Consolas"/>
+              </a:rPr>
+              <a:t>    </a:t>
+            </a:r>
+            <a:r>
+              <a:rPr lang="en-US" dirty="0" smtClean="0">
+                <a:solidFill>
+                  <a:srgbClr val="008000"/>
+                </a:solidFill>
+                <a:latin typeface="Consolas"/>
+              </a:rPr>
+              <a:t>// </a:t>
+            </a:r>
+            <a:r>
+              <a:rPr lang="ru-RU" dirty="0">
+                <a:solidFill>
+                  <a:srgbClr val="008000"/>
+                </a:solidFill>
+                <a:latin typeface="Consolas"/>
+              </a:rPr>
+              <a:t>Выполняем </a:t>
+            </a:r>
+            <a:r>
+              <a:rPr lang="ru-RU" dirty="0" smtClean="0">
+                <a:solidFill>
+                  <a:srgbClr val="008000"/>
+                </a:solidFill>
+                <a:latin typeface="Consolas"/>
+              </a:rPr>
+              <a:t>десериализацию</a:t>
+            </a:r>
+            <a:endParaRPr lang="en-US" dirty="0">
+              <a:solidFill>
+                <a:srgbClr val="000000"/>
+              </a:solidFill>
+              <a:latin typeface="Consolas"/>
+            </a:endParaRPr>
+          </a:p>
+          <a:p>
+            <a:pPr marL="0" indent="0">
+              <a:buNone/>
+            </a:pPr>
+            <a:r>
+              <a:rPr lang="ru-RU" dirty="0" smtClean="0">
+                <a:solidFill>
+                  <a:srgbClr val="0000FF"/>
+                </a:solidFill>
+                <a:latin typeface="Consolas"/>
+              </a:rPr>
+              <a:t>    </a:t>
+            </a:r>
+            <a:r>
+              <a:rPr lang="en-US" dirty="0" smtClean="0">
+                <a:solidFill>
+                  <a:srgbClr val="0000FF"/>
+                </a:solidFill>
+                <a:latin typeface="Consolas"/>
+              </a:rPr>
+              <a:t>using</a:t>
+            </a:r>
+            <a:r>
+              <a:rPr lang="en-US" dirty="0" smtClean="0">
+                <a:solidFill>
+                  <a:srgbClr val="000000"/>
+                </a:solidFill>
+                <a:latin typeface="Consolas"/>
+              </a:rPr>
+              <a:t> </a:t>
+            </a:r>
+            <a:r>
+              <a:rPr lang="en-US" dirty="0">
+                <a:solidFill>
+                  <a:srgbClr val="000000"/>
+                </a:solidFill>
+                <a:latin typeface="Consolas"/>
+              </a:rPr>
+              <a:t>(</a:t>
+            </a:r>
+            <a:r>
+              <a:rPr lang="en-US" dirty="0" err="1">
+                <a:solidFill>
+                  <a:srgbClr val="000000"/>
+                </a:solidFill>
+                <a:latin typeface="Consolas"/>
+              </a:rPr>
+              <a:t>FileStream</a:t>
+            </a:r>
+            <a:r>
+              <a:rPr lang="en-US" dirty="0">
+                <a:solidFill>
+                  <a:srgbClr val="000000"/>
+                </a:solidFill>
+                <a:latin typeface="Consolas"/>
+              </a:rPr>
+              <a:t> </a:t>
+            </a:r>
+            <a:r>
+              <a:rPr lang="en-US" dirty="0" err="1">
+                <a:solidFill>
+                  <a:srgbClr val="000000"/>
+                </a:solidFill>
+                <a:latin typeface="Consolas"/>
+              </a:rPr>
+              <a:t>fs</a:t>
+            </a:r>
+            <a:r>
+              <a:rPr lang="en-US" dirty="0">
+                <a:solidFill>
+                  <a:srgbClr val="000000"/>
+                </a:solidFill>
+                <a:latin typeface="Consolas"/>
+              </a:rPr>
+              <a:t> = </a:t>
+            </a:r>
+            <a:r>
+              <a:rPr lang="en-US" dirty="0" err="1">
+                <a:solidFill>
+                  <a:srgbClr val="000000"/>
+                </a:solidFill>
+                <a:latin typeface="Consolas"/>
+              </a:rPr>
+              <a:t>File.Open</a:t>
+            </a:r>
+            <a:r>
+              <a:rPr lang="en-US" dirty="0">
+                <a:solidFill>
+                  <a:srgbClr val="000000"/>
+                </a:solidFill>
+                <a:latin typeface="Consolas"/>
+              </a:rPr>
+              <a:t>(</a:t>
+            </a:r>
+            <a:r>
+              <a:rPr lang="en-US" dirty="0" err="1">
+                <a:solidFill>
+                  <a:srgbClr val="000000"/>
+                </a:solidFill>
+                <a:latin typeface="Consolas"/>
+              </a:rPr>
+              <a:t>tempFileName</a:t>
+            </a:r>
+            <a:r>
+              <a:rPr lang="en-US" dirty="0">
+                <a:solidFill>
+                  <a:srgbClr val="000000"/>
+                </a:solidFill>
+                <a:latin typeface="Consolas"/>
+              </a:rPr>
+              <a:t>, </a:t>
+            </a:r>
+            <a:r>
+              <a:rPr lang="en-US" dirty="0" err="1">
+                <a:solidFill>
+                  <a:srgbClr val="000000"/>
+                </a:solidFill>
+                <a:latin typeface="Consolas"/>
+              </a:rPr>
+              <a:t>FileMode.Open</a:t>
+            </a:r>
+            <a:r>
+              <a:rPr lang="en-US" dirty="0">
+                <a:solidFill>
+                  <a:srgbClr val="000000"/>
+                </a:solidFill>
+                <a:latin typeface="Consolas"/>
+              </a:rPr>
+              <a:t>))</a:t>
+            </a:r>
+          </a:p>
+          <a:p>
+            <a:pPr marL="0" indent="0">
+              <a:buNone/>
+            </a:pPr>
+            <a:r>
+              <a:rPr lang="ru-RU" dirty="0" smtClean="0">
+                <a:solidFill>
+                  <a:srgbClr val="000000"/>
+                </a:solidFill>
+                <a:latin typeface="Consolas"/>
+              </a:rPr>
+              <a:t>    </a:t>
+            </a:r>
+            <a:r>
+              <a:rPr lang="en-US" dirty="0" smtClean="0">
+                <a:solidFill>
+                  <a:srgbClr val="000000"/>
+                </a:solidFill>
+                <a:latin typeface="Consolas"/>
+              </a:rPr>
+              <a:t>{</a:t>
+            </a:r>
+            <a:endParaRPr lang="en-US" dirty="0">
+              <a:solidFill>
+                <a:srgbClr val="000000"/>
+              </a:solidFill>
+              <a:latin typeface="Consolas"/>
+            </a:endParaRPr>
+          </a:p>
+          <a:p>
+            <a:pPr marL="0" indent="0">
+              <a:buNone/>
+            </a:pPr>
+            <a:r>
+              <a:rPr lang="ru-RU" dirty="0" smtClean="0">
+                <a:solidFill>
+                  <a:srgbClr val="000000"/>
+                </a:solidFill>
+                <a:latin typeface="Consolas"/>
+              </a:rPr>
+              <a:t>        </a:t>
+            </a:r>
+            <a:r>
+              <a:rPr lang="en-US" dirty="0" smtClean="0">
+                <a:solidFill>
+                  <a:srgbClr val="000000"/>
+                </a:solidFill>
+                <a:latin typeface="Consolas"/>
+              </a:rPr>
+              <a:t>Train </a:t>
+            </a:r>
+            <a:r>
+              <a:rPr lang="en-US" dirty="0" err="1">
+                <a:solidFill>
+                  <a:srgbClr val="000000"/>
+                </a:solidFill>
+                <a:latin typeface="Consolas"/>
+              </a:rPr>
+              <a:t>someTrain</a:t>
+            </a:r>
+            <a:r>
+              <a:rPr lang="en-US" dirty="0">
+                <a:solidFill>
+                  <a:srgbClr val="000000"/>
+                </a:solidFill>
+                <a:latin typeface="Consolas"/>
+              </a:rPr>
+              <a:t> = (Train)</a:t>
+            </a:r>
+            <a:r>
+              <a:rPr lang="en-US" dirty="0" err="1">
+                <a:solidFill>
+                  <a:srgbClr val="000000"/>
+                </a:solidFill>
+                <a:latin typeface="Consolas"/>
+              </a:rPr>
+              <a:t>bf.Deserialize</a:t>
+            </a:r>
+            <a:r>
+              <a:rPr lang="en-US" dirty="0">
+                <a:solidFill>
+                  <a:srgbClr val="000000"/>
+                </a:solidFill>
+                <a:latin typeface="Consolas"/>
+              </a:rPr>
+              <a:t>(</a:t>
+            </a:r>
+            <a:r>
+              <a:rPr lang="en-US" dirty="0" err="1">
+                <a:solidFill>
+                  <a:srgbClr val="000000"/>
+                </a:solidFill>
+                <a:latin typeface="Consolas"/>
+              </a:rPr>
+              <a:t>fs</a:t>
+            </a:r>
+            <a:r>
+              <a:rPr lang="en-US" dirty="0">
+                <a:solidFill>
+                  <a:srgbClr val="000000"/>
+                </a:solidFill>
+                <a:latin typeface="Consolas"/>
+              </a:rPr>
+              <a:t>);</a:t>
+            </a:r>
+          </a:p>
+          <a:p>
+            <a:pPr marL="0" indent="0">
+              <a:buNone/>
+            </a:pPr>
+            <a:r>
+              <a:rPr lang="ru-RU" dirty="0" smtClean="0">
+                <a:solidFill>
+                  <a:srgbClr val="000000"/>
+                </a:solidFill>
+                <a:latin typeface="Consolas"/>
+              </a:rPr>
+              <a:t>        </a:t>
+            </a:r>
+            <a:r>
+              <a:rPr lang="en-US" dirty="0" err="1" smtClean="0">
+                <a:solidFill>
+                  <a:srgbClr val="000000"/>
+                </a:solidFill>
+                <a:latin typeface="Consolas"/>
+              </a:rPr>
+              <a:t>someTrain.Print</a:t>
+            </a:r>
+            <a:r>
+              <a:rPr lang="en-US" dirty="0">
+                <a:solidFill>
+                  <a:srgbClr val="000000"/>
+                </a:solidFill>
+                <a:latin typeface="Consolas"/>
+              </a:rPr>
+              <a:t>();</a:t>
+            </a:r>
+          </a:p>
+          <a:p>
+            <a:pPr marL="0" indent="0">
+              <a:buNone/>
+            </a:pPr>
+            <a:r>
+              <a:rPr lang="ru-RU" dirty="0" smtClean="0">
+                <a:solidFill>
+                  <a:srgbClr val="000000"/>
+                </a:solidFill>
+                <a:latin typeface="Consolas"/>
+              </a:rPr>
+              <a:t>    </a:t>
+            </a:r>
+            <a:r>
+              <a:rPr lang="en-US" dirty="0" smtClean="0">
+                <a:solidFill>
+                  <a:srgbClr val="000000"/>
+                </a:solidFill>
+                <a:latin typeface="Consolas"/>
+              </a:rPr>
+              <a:t>}</a:t>
+            </a:r>
+            <a:endParaRPr lang="en-US" dirty="0">
+              <a:solidFill>
+                <a:srgbClr val="000000"/>
+              </a:solidFill>
+              <a:latin typeface="Consolas"/>
+            </a:endParaRPr>
+          </a:p>
+          <a:p>
+            <a:pPr marL="0" indent="0">
+              <a:buNone/>
+            </a:pPr>
+            <a:r>
+              <a:rPr lang="ru-RU" dirty="0" smtClean="0">
+                <a:solidFill>
+                  <a:srgbClr val="008000"/>
+                </a:solidFill>
+                <a:latin typeface="Consolas"/>
+              </a:rPr>
+              <a:t>    </a:t>
+            </a:r>
+            <a:r>
+              <a:rPr lang="en-US" dirty="0" smtClean="0">
+                <a:solidFill>
+                  <a:srgbClr val="008000"/>
+                </a:solidFill>
+                <a:latin typeface="Consolas"/>
+              </a:rPr>
+              <a:t>// </a:t>
+            </a:r>
+            <a:r>
+              <a:rPr lang="ru-RU" dirty="0">
+                <a:solidFill>
+                  <a:srgbClr val="008000"/>
+                </a:solidFill>
+                <a:latin typeface="Consolas"/>
+              </a:rPr>
+              <a:t>Удаляем ненужный временный </a:t>
+            </a:r>
+            <a:r>
+              <a:rPr lang="ru-RU" dirty="0" smtClean="0">
+                <a:solidFill>
+                  <a:srgbClr val="008000"/>
+                </a:solidFill>
+                <a:latin typeface="Consolas"/>
+              </a:rPr>
+              <a:t>файл. В настоящем приложении файл может еще понадобиться.</a:t>
+            </a:r>
+            <a:endParaRPr lang="en-US" dirty="0">
+              <a:solidFill>
+                <a:srgbClr val="000000"/>
+              </a:solidFill>
+              <a:latin typeface="Consolas"/>
+            </a:endParaRPr>
+          </a:p>
+          <a:p>
+            <a:pPr marL="0" indent="0">
+              <a:buNone/>
+            </a:pPr>
+            <a:r>
+              <a:rPr lang="ru-RU" dirty="0" smtClean="0">
+                <a:solidFill>
+                  <a:srgbClr val="000000"/>
+                </a:solidFill>
+                <a:latin typeface="Consolas"/>
+              </a:rPr>
+              <a:t>    </a:t>
+            </a:r>
+            <a:r>
+              <a:rPr lang="en-US" dirty="0" err="1" smtClean="0">
+                <a:solidFill>
+                  <a:srgbClr val="000000"/>
+                </a:solidFill>
+                <a:latin typeface="Consolas"/>
+              </a:rPr>
+              <a:t>File.Delete</a:t>
+            </a:r>
+            <a:r>
+              <a:rPr lang="en-US" dirty="0" smtClean="0">
+                <a:solidFill>
+                  <a:srgbClr val="000000"/>
+                </a:solidFill>
+                <a:latin typeface="Consolas"/>
+              </a:rPr>
+              <a:t>(</a:t>
+            </a:r>
+            <a:r>
+              <a:rPr lang="en-US" dirty="0" err="1" smtClean="0">
+                <a:solidFill>
+                  <a:srgbClr val="000000"/>
+                </a:solidFill>
+                <a:latin typeface="Consolas"/>
+              </a:rPr>
+              <a:t>tempFileName</a:t>
+            </a:r>
+            <a:r>
+              <a:rPr lang="en-US" dirty="0" smtClean="0">
+                <a:solidFill>
+                  <a:srgbClr val="000000"/>
+                </a:solidFill>
+                <a:latin typeface="Consolas"/>
+              </a:rPr>
+              <a:t>);</a:t>
+            </a:r>
+            <a:r>
+              <a:rPr lang="ru-RU" dirty="0" smtClean="0">
+                <a:solidFill>
+                  <a:srgbClr val="000000"/>
+                </a:solidFill>
+                <a:latin typeface="Consolas"/>
+              </a:rPr>
+              <a:t> </a:t>
+            </a:r>
+            <a:endParaRPr lang="en-US" dirty="0">
+              <a:solidFill>
+                <a:srgbClr val="000000"/>
+              </a:solidFill>
+              <a:latin typeface="Consolas"/>
+            </a:endParaRPr>
+          </a:p>
+          <a:p>
+            <a:pPr marL="0" indent="0">
+              <a:buNone/>
+            </a:pPr>
+            <a:r>
+              <a:rPr lang="en-US" dirty="0">
+                <a:solidFill>
+                  <a:srgbClr val="000000"/>
+                </a:solidFill>
+                <a:latin typeface="Consolas"/>
+              </a:rPr>
+              <a:t>}</a:t>
+            </a:r>
+            <a:endParaRPr lang="en-US" dirty="0"/>
           </a:p>
         </p:txBody>
       </p:sp>
     </p:spTree>
     <p:extLst>
       <p:ext uri="{BB962C8B-B14F-4D97-AF65-F5344CB8AC3E}">
-        <p14:creationId xmlns:p14="http://schemas.microsoft.com/office/powerpoint/2010/main" val="2426686774"/>
+        <p14:creationId xmlns:p14="http://schemas.microsoft.com/office/powerpoint/2010/main" val="848852780"/>
       </p:ext>
     </p:extLst>
   </p:cSld>
   <p:clrMapOvr>
     <a:masterClrMapping/>
   </p:clrMapOvr>
-  <p:timing>
-    <p:tnLst>
-      <p:par>
-        <p:cTn id="1" dur="indefinite" restart="never" nodeType="tmRoot"/>
-      </p:par>
-    </p:tnLst>
-  </p:timing>
 </p:sld>
 </file>
 
 <file path=ppt/slides/slide18.xml><?xml version="1.0" encoding="utf-8"?>
+<p:sld xmlns:a="http://schemas.openxmlformats.org/drawingml/2006/main" xmlns:r="http://schemas.openxmlformats.org/officeDocument/2006/relationships" xmlns:p="http://schemas.openxmlformats.org/presentationml/2006/main">
+  <p:cSld>
+    <p:bg>
+      <p:bgPr>
+        <a:blipFill dpi="0" rotWithShape="1">
+          <a:blip r:embed="rId2">
+            <a:lum/>
+          </a:blip>
+          <a:srcRect/>
+          <a:stretch>
+            <a:fillRect/>
+          </a:stretch>
+        </a:blipFill>
+        <a:effectLst/>
+      </p:bgPr>
+    </p:bg>
+    <p:spTree>
+      <p:nvGrpSpPr>
+        <p:cNvPr id="1" name=""/>
+        <p:cNvGrpSpPr/>
+        <p:nvPr/>
+      </p:nvGrpSpPr>
+      <p:grpSpPr>
+        <a:xfrm>
+          <a:off x="0" y="0"/>
+          <a:ext cx="0" cy="0"/>
+          <a:chOff x="0" y="0"/>
+          <a:chExt cx="0" cy="0"/>
+        </a:xfrm>
+      </p:grpSpPr>
+      <p:sp>
+        <p:nvSpPr>
+          <p:cNvPr id="2" name="Title 1"/>
+          <p:cNvSpPr>
+            <a:spLocks noGrp="1"/>
+          </p:cNvSpPr>
+          <p:nvPr>
+            <p:ph type="title"/>
+          </p:nvPr>
+        </p:nvSpPr>
+        <p:spPr>
+          <a:xfrm>
+            <a:off x="457200" y="188640"/>
+            <a:ext cx="8229600" cy="720080"/>
+          </a:xfrm>
+        </p:spPr>
+        <p:txBody>
+          <a:bodyPr>
+            <a:normAutofit/>
+          </a:bodyPr>
+          <a:lstStyle/>
+          <a:p>
+            <a:r>
+              <a:rPr lang="en-US" sz="2000" dirty="0" smtClean="0"/>
+              <a:t>XML</a:t>
+            </a:r>
+            <a:r>
+              <a:rPr lang="ru-RU" sz="2000" dirty="0" smtClean="0"/>
+              <a:t> сериализация (пример)</a:t>
+            </a:r>
+            <a:endParaRPr lang="en-US" sz="2000" dirty="0"/>
+          </a:p>
+        </p:txBody>
+      </p:sp>
+      <p:sp>
+        <p:nvSpPr>
+          <p:cNvPr id="3" name="Content Placeholder 2"/>
+          <p:cNvSpPr>
+            <a:spLocks noGrp="1"/>
+          </p:cNvSpPr>
+          <p:nvPr>
+            <p:ph idx="1"/>
+          </p:nvPr>
+        </p:nvSpPr>
+        <p:spPr>
+          <a:xfrm>
+            <a:off x="457200" y="836712"/>
+            <a:ext cx="8229600" cy="5938739"/>
+          </a:xfrm>
+          <a:solidFill>
+            <a:schemeClr val="bg1"/>
+          </a:solidFill>
+        </p:spPr>
+        <p:txBody>
+          <a:bodyPr>
+            <a:normAutofit fontScale="25000" lnSpcReduction="20000"/>
+          </a:bodyPr>
+          <a:lstStyle/>
+          <a:p>
+            <a:pPr marL="0" indent="0">
+              <a:buNone/>
+            </a:pPr>
+            <a:r>
+              <a:rPr lang="en-US" dirty="0">
+                <a:solidFill>
+                  <a:srgbClr val="0000FF"/>
+                </a:solidFill>
+                <a:latin typeface="Consolas"/>
+              </a:rPr>
+              <a:t>using</a:t>
+            </a:r>
+            <a:r>
+              <a:rPr lang="en-US" dirty="0">
+                <a:solidFill>
+                  <a:srgbClr val="000000"/>
+                </a:solidFill>
+                <a:latin typeface="Consolas"/>
+              </a:rPr>
+              <a:t> </a:t>
+            </a:r>
+            <a:r>
+              <a:rPr lang="en-US" dirty="0" smtClean="0">
+                <a:solidFill>
+                  <a:srgbClr val="000000"/>
+                </a:solidFill>
+                <a:latin typeface="Consolas"/>
+              </a:rPr>
+              <a:t>System.IO;</a:t>
+            </a:r>
+          </a:p>
+          <a:p>
+            <a:pPr marL="0" indent="0">
+              <a:buNone/>
+            </a:pPr>
+            <a:r>
+              <a:rPr lang="en-US" dirty="0">
+                <a:solidFill>
+                  <a:srgbClr val="0000FF"/>
+                </a:solidFill>
+                <a:latin typeface="Consolas"/>
+              </a:rPr>
+              <a:t>using</a:t>
+            </a:r>
+            <a:r>
+              <a:rPr lang="en-US" dirty="0">
+                <a:solidFill>
+                  <a:srgbClr val="000000"/>
+                </a:solidFill>
+                <a:latin typeface="Consolas"/>
+              </a:rPr>
+              <a:t> </a:t>
+            </a:r>
+            <a:r>
+              <a:rPr lang="en-US" dirty="0" err="1">
+                <a:solidFill>
+                  <a:srgbClr val="000000"/>
+                </a:solidFill>
+                <a:latin typeface="Consolas"/>
+              </a:rPr>
+              <a:t>System.Xml.Serialization</a:t>
+            </a:r>
+            <a:r>
+              <a:rPr lang="en-US" dirty="0">
+                <a:solidFill>
+                  <a:srgbClr val="000000"/>
+                </a:solidFill>
+                <a:latin typeface="Consolas"/>
+              </a:rPr>
+              <a:t>;</a:t>
+            </a:r>
+            <a:endParaRPr lang="ru-RU" dirty="0" smtClean="0">
+              <a:solidFill>
+                <a:srgbClr val="000000"/>
+              </a:solidFill>
+              <a:latin typeface="Consolas"/>
+            </a:endParaRPr>
+          </a:p>
+          <a:p>
+            <a:pPr marL="0" indent="0">
+              <a:buNone/>
+            </a:pPr>
+            <a:endParaRPr lang="ru-RU" dirty="0" smtClean="0">
+              <a:solidFill>
+                <a:srgbClr val="000000"/>
+              </a:solidFill>
+              <a:latin typeface="Consolas"/>
+            </a:endParaRPr>
+          </a:p>
+          <a:p>
+            <a:pPr marL="0" indent="0">
+              <a:buNone/>
+            </a:pPr>
+            <a:r>
+              <a:rPr lang="en-US" dirty="0">
+                <a:solidFill>
+                  <a:srgbClr val="0000FF"/>
+                </a:solidFill>
+                <a:latin typeface="Consolas"/>
+              </a:rPr>
+              <a:t>public</a:t>
+            </a:r>
+            <a:r>
+              <a:rPr lang="en-US" dirty="0">
+                <a:solidFill>
+                  <a:srgbClr val="000000"/>
+                </a:solidFill>
+                <a:latin typeface="Consolas"/>
+              </a:rPr>
+              <a:t> </a:t>
+            </a:r>
+            <a:r>
+              <a:rPr lang="en-US" dirty="0">
+                <a:solidFill>
+                  <a:srgbClr val="0000FF"/>
+                </a:solidFill>
+                <a:latin typeface="Consolas"/>
+              </a:rPr>
+              <a:t>class</a:t>
+            </a:r>
+            <a:r>
+              <a:rPr lang="en-US" dirty="0">
+                <a:solidFill>
+                  <a:srgbClr val="000000"/>
+                </a:solidFill>
+                <a:latin typeface="Consolas"/>
+              </a:rPr>
+              <a:t> Train</a:t>
+            </a:r>
+          </a:p>
+          <a:p>
+            <a:pPr marL="0" indent="0">
+              <a:buNone/>
+            </a:pPr>
+            <a:r>
+              <a:rPr lang="en-US" dirty="0">
+                <a:solidFill>
+                  <a:srgbClr val="000000"/>
+                </a:solidFill>
+                <a:latin typeface="Consolas"/>
+              </a:rPr>
+              <a:t>{</a:t>
+            </a:r>
+          </a:p>
+          <a:p>
+            <a:pPr marL="0" indent="0">
+              <a:buNone/>
+            </a:pPr>
+            <a:r>
+              <a:rPr lang="en-US" dirty="0">
+                <a:solidFill>
+                  <a:srgbClr val="000000"/>
+                </a:solidFill>
+                <a:latin typeface="Consolas"/>
+              </a:rPr>
+              <a:t>  [</a:t>
+            </a:r>
+            <a:r>
+              <a:rPr lang="en-US" dirty="0" err="1">
+                <a:solidFill>
+                  <a:srgbClr val="000000"/>
+                </a:solidFill>
+                <a:latin typeface="Consolas"/>
+              </a:rPr>
+              <a:t>XmlIgnore</a:t>
+            </a:r>
+            <a:r>
+              <a:rPr lang="en-US" dirty="0">
+                <a:solidFill>
+                  <a:srgbClr val="000000"/>
+                </a:solidFill>
+                <a:latin typeface="Consolas"/>
+              </a:rPr>
+              <a:t>]</a:t>
+            </a:r>
+          </a:p>
+          <a:p>
+            <a:pPr marL="0" indent="0">
+              <a:buNone/>
+            </a:pPr>
+            <a:r>
+              <a:rPr lang="en-US" dirty="0">
+                <a:solidFill>
+                  <a:srgbClr val="000000"/>
+                </a:solidFill>
+                <a:latin typeface="Consolas"/>
+              </a:rPr>
+              <a:t>  </a:t>
+            </a:r>
+            <a:r>
+              <a:rPr lang="en-US" dirty="0">
+                <a:solidFill>
+                  <a:srgbClr val="0000FF"/>
+                </a:solidFill>
+                <a:latin typeface="Consolas"/>
+              </a:rPr>
+              <a:t>public</a:t>
+            </a:r>
+            <a:r>
+              <a:rPr lang="en-US" dirty="0">
+                <a:solidFill>
+                  <a:srgbClr val="000000"/>
+                </a:solidFill>
+                <a:latin typeface="Consolas"/>
+              </a:rPr>
+              <a:t> </a:t>
+            </a:r>
+            <a:r>
+              <a:rPr lang="en-US" dirty="0">
+                <a:solidFill>
+                  <a:srgbClr val="0000FF"/>
+                </a:solidFill>
+                <a:latin typeface="Consolas"/>
+              </a:rPr>
+              <a:t>double</a:t>
+            </a:r>
+            <a:r>
+              <a:rPr lang="en-US" dirty="0">
+                <a:solidFill>
+                  <a:srgbClr val="000000"/>
+                </a:solidFill>
+                <a:latin typeface="Consolas"/>
+              </a:rPr>
+              <a:t> Speed { </a:t>
+            </a:r>
+            <a:r>
+              <a:rPr lang="en-US" dirty="0">
+                <a:solidFill>
+                  <a:srgbClr val="0000FF"/>
+                </a:solidFill>
+                <a:latin typeface="Consolas"/>
+              </a:rPr>
+              <a:t>get</a:t>
+            </a:r>
+            <a:r>
+              <a:rPr lang="en-US" dirty="0">
+                <a:solidFill>
+                  <a:srgbClr val="000000"/>
+                </a:solidFill>
+                <a:latin typeface="Consolas"/>
+              </a:rPr>
+              <a:t>; </a:t>
+            </a:r>
+            <a:r>
+              <a:rPr lang="en-US" dirty="0">
+                <a:solidFill>
+                  <a:srgbClr val="0000FF"/>
+                </a:solidFill>
+                <a:latin typeface="Consolas"/>
+              </a:rPr>
+              <a:t>set</a:t>
+            </a:r>
+            <a:r>
+              <a:rPr lang="en-US" dirty="0">
+                <a:solidFill>
+                  <a:srgbClr val="000000"/>
+                </a:solidFill>
+                <a:latin typeface="Consolas"/>
+              </a:rPr>
+              <a:t>; }</a:t>
+            </a:r>
+          </a:p>
+          <a:p>
+            <a:pPr marL="0" indent="0">
+              <a:buNone/>
+            </a:pPr>
+            <a:r>
+              <a:rPr lang="en-US" dirty="0">
+                <a:solidFill>
+                  <a:srgbClr val="000000"/>
+                </a:solidFill>
+                <a:latin typeface="Consolas"/>
+              </a:rPr>
+              <a:t>  </a:t>
+            </a:r>
+            <a:r>
+              <a:rPr lang="en-US" dirty="0">
+                <a:solidFill>
+                  <a:srgbClr val="0000FF"/>
+                </a:solidFill>
+                <a:latin typeface="Consolas"/>
+              </a:rPr>
+              <a:t>public</a:t>
+            </a:r>
+            <a:r>
+              <a:rPr lang="en-US" dirty="0">
+                <a:solidFill>
+                  <a:srgbClr val="000000"/>
+                </a:solidFill>
+                <a:latin typeface="Consolas"/>
+              </a:rPr>
+              <a:t> </a:t>
+            </a:r>
+            <a:r>
+              <a:rPr lang="en-US" dirty="0" err="1">
+                <a:solidFill>
+                  <a:srgbClr val="0000FF"/>
+                </a:solidFill>
+                <a:latin typeface="Consolas"/>
+              </a:rPr>
+              <a:t>int</a:t>
+            </a:r>
+            <a:r>
+              <a:rPr lang="en-US" dirty="0">
+                <a:solidFill>
+                  <a:srgbClr val="000000"/>
+                </a:solidFill>
+                <a:latin typeface="Consolas"/>
+              </a:rPr>
+              <a:t> Length { </a:t>
+            </a:r>
+            <a:r>
+              <a:rPr lang="en-US" dirty="0">
+                <a:solidFill>
+                  <a:srgbClr val="0000FF"/>
+                </a:solidFill>
+                <a:latin typeface="Consolas"/>
+              </a:rPr>
+              <a:t>get</a:t>
+            </a:r>
+            <a:r>
+              <a:rPr lang="en-US" dirty="0">
+                <a:solidFill>
+                  <a:srgbClr val="000000"/>
+                </a:solidFill>
+                <a:latin typeface="Consolas"/>
+              </a:rPr>
+              <a:t>; </a:t>
+            </a:r>
+            <a:r>
+              <a:rPr lang="en-US" dirty="0">
+                <a:solidFill>
+                  <a:srgbClr val="0000FF"/>
+                </a:solidFill>
+                <a:latin typeface="Consolas"/>
+              </a:rPr>
+              <a:t>set</a:t>
+            </a:r>
+            <a:r>
+              <a:rPr lang="en-US" dirty="0">
+                <a:solidFill>
+                  <a:srgbClr val="000000"/>
+                </a:solidFill>
+                <a:latin typeface="Consolas"/>
+              </a:rPr>
+              <a:t>; }</a:t>
+            </a:r>
+          </a:p>
+          <a:p>
+            <a:pPr marL="0" indent="0">
+              <a:buNone/>
+            </a:pPr>
+            <a:r>
+              <a:rPr lang="en-US" dirty="0">
+                <a:solidFill>
+                  <a:srgbClr val="000000"/>
+                </a:solidFill>
+                <a:latin typeface="Consolas"/>
+              </a:rPr>
+              <a:t>  </a:t>
+            </a:r>
+            <a:r>
+              <a:rPr lang="en-US" dirty="0">
+                <a:solidFill>
+                  <a:srgbClr val="0000FF"/>
+                </a:solidFill>
+                <a:latin typeface="Consolas"/>
+              </a:rPr>
+              <a:t>public</a:t>
+            </a:r>
+            <a:r>
+              <a:rPr lang="en-US" dirty="0">
+                <a:solidFill>
+                  <a:srgbClr val="000000"/>
+                </a:solidFill>
+                <a:latin typeface="Consolas"/>
+              </a:rPr>
+              <a:t> </a:t>
+            </a:r>
+            <a:r>
+              <a:rPr lang="en-US" dirty="0">
+                <a:solidFill>
+                  <a:srgbClr val="0000FF"/>
+                </a:solidFill>
+                <a:latin typeface="Consolas"/>
+              </a:rPr>
+              <a:t>string</a:t>
+            </a:r>
+            <a:r>
+              <a:rPr lang="en-US" dirty="0">
+                <a:solidFill>
+                  <a:srgbClr val="000000"/>
+                </a:solidFill>
+                <a:latin typeface="Consolas"/>
+              </a:rPr>
+              <a:t>[] </a:t>
+            </a:r>
+            <a:r>
+              <a:rPr lang="en-US" dirty="0" err="1">
+                <a:solidFill>
+                  <a:srgbClr val="000000"/>
+                </a:solidFill>
+                <a:latin typeface="Consolas"/>
+              </a:rPr>
+              <a:t>Travellers</a:t>
+            </a:r>
+            <a:r>
+              <a:rPr lang="en-US" dirty="0">
+                <a:solidFill>
+                  <a:srgbClr val="000000"/>
+                </a:solidFill>
+                <a:latin typeface="Consolas"/>
+              </a:rPr>
+              <a:t> { </a:t>
+            </a:r>
+            <a:r>
+              <a:rPr lang="en-US" dirty="0">
+                <a:solidFill>
+                  <a:srgbClr val="0000FF"/>
+                </a:solidFill>
+                <a:latin typeface="Consolas"/>
+              </a:rPr>
+              <a:t>get</a:t>
+            </a:r>
+            <a:r>
+              <a:rPr lang="en-US" dirty="0">
+                <a:solidFill>
+                  <a:srgbClr val="000000"/>
+                </a:solidFill>
+                <a:latin typeface="Consolas"/>
+              </a:rPr>
+              <a:t>; </a:t>
+            </a:r>
+            <a:r>
+              <a:rPr lang="en-US" dirty="0">
+                <a:solidFill>
+                  <a:srgbClr val="0000FF"/>
+                </a:solidFill>
+                <a:latin typeface="Consolas"/>
+              </a:rPr>
+              <a:t>set</a:t>
+            </a:r>
+            <a:r>
+              <a:rPr lang="en-US" dirty="0">
+                <a:solidFill>
+                  <a:srgbClr val="000000"/>
+                </a:solidFill>
+                <a:latin typeface="Consolas"/>
+              </a:rPr>
+              <a:t>; }</a:t>
+            </a:r>
+          </a:p>
+          <a:p>
+            <a:pPr marL="0" indent="0">
+              <a:buNone/>
+            </a:pPr>
+            <a:r>
+              <a:rPr lang="en-US" dirty="0">
+                <a:solidFill>
+                  <a:srgbClr val="000000"/>
+                </a:solidFill>
+                <a:latin typeface="Consolas"/>
+              </a:rPr>
+              <a:t>  </a:t>
+            </a:r>
+          </a:p>
+          <a:p>
+            <a:pPr marL="0" indent="0">
+              <a:buNone/>
+            </a:pPr>
+            <a:r>
+              <a:rPr lang="en-US" dirty="0">
+                <a:solidFill>
+                  <a:srgbClr val="000000"/>
+                </a:solidFill>
+                <a:latin typeface="Consolas"/>
+              </a:rPr>
+              <a:t>  </a:t>
+            </a:r>
+            <a:r>
+              <a:rPr lang="en-US" dirty="0">
+                <a:solidFill>
+                  <a:srgbClr val="0000FF"/>
+                </a:solidFill>
+                <a:latin typeface="Consolas"/>
+              </a:rPr>
+              <a:t>public</a:t>
+            </a:r>
+            <a:r>
+              <a:rPr lang="en-US" dirty="0">
+                <a:solidFill>
+                  <a:srgbClr val="000000"/>
+                </a:solidFill>
+                <a:latin typeface="Consolas"/>
+              </a:rPr>
+              <a:t> Train() {} </a:t>
+            </a:r>
+            <a:r>
+              <a:rPr lang="en-US" dirty="0" smtClean="0">
+                <a:solidFill>
+                  <a:srgbClr val="008000"/>
+                </a:solidFill>
+                <a:latin typeface="Consolas"/>
+              </a:rPr>
+              <a:t>//</a:t>
+            </a:r>
+            <a:r>
+              <a:rPr lang="ru-RU" dirty="0">
+                <a:solidFill>
+                  <a:srgbClr val="008000"/>
+                </a:solidFill>
+                <a:latin typeface="Consolas"/>
+              </a:rPr>
+              <a:t> Для XML сериализации требуется наличие конструктора без аргументов</a:t>
+            </a:r>
+            <a:endParaRPr lang="en-US" dirty="0">
+              <a:solidFill>
+                <a:srgbClr val="000000"/>
+              </a:solidFill>
+              <a:latin typeface="Consolas"/>
+            </a:endParaRPr>
+          </a:p>
+          <a:p>
+            <a:pPr marL="0" indent="0">
+              <a:buNone/>
+            </a:pPr>
+            <a:r>
+              <a:rPr lang="en-US" dirty="0">
+                <a:solidFill>
+                  <a:srgbClr val="000000"/>
+                </a:solidFill>
+                <a:latin typeface="Consolas"/>
+              </a:rPr>
+              <a:t>  </a:t>
+            </a:r>
+            <a:r>
+              <a:rPr lang="en-US" dirty="0">
+                <a:solidFill>
+                  <a:srgbClr val="0000FF"/>
+                </a:solidFill>
+                <a:latin typeface="Consolas"/>
+              </a:rPr>
+              <a:t>public</a:t>
+            </a:r>
+            <a:r>
+              <a:rPr lang="en-US" dirty="0">
+                <a:solidFill>
+                  <a:srgbClr val="000000"/>
+                </a:solidFill>
+                <a:latin typeface="Consolas"/>
+              </a:rPr>
+              <a:t> Train(</a:t>
+            </a:r>
+            <a:r>
+              <a:rPr lang="en-US" dirty="0">
+                <a:solidFill>
+                  <a:srgbClr val="0000FF"/>
+                </a:solidFill>
+                <a:latin typeface="Consolas"/>
+              </a:rPr>
+              <a:t>double</a:t>
+            </a:r>
+            <a:r>
+              <a:rPr lang="en-US" dirty="0">
+                <a:solidFill>
+                  <a:srgbClr val="000000"/>
+                </a:solidFill>
+                <a:latin typeface="Consolas"/>
+              </a:rPr>
+              <a:t> speed, </a:t>
+            </a:r>
+            <a:r>
+              <a:rPr lang="en-US" dirty="0" err="1">
+                <a:solidFill>
+                  <a:srgbClr val="0000FF"/>
+                </a:solidFill>
+                <a:latin typeface="Consolas"/>
+              </a:rPr>
+              <a:t>int</a:t>
+            </a:r>
+            <a:r>
+              <a:rPr lang="en-US" dirty="0">
+                <a:solidFill>
+                  <a:srgbClr val="000000"/>
+                </a:solidFill>
+                <a:latin typeface="Consolas"/>
+              </a:rPr>
+              <a:t> length, </a:t>
+            </a:r>
+            <a:r>
+              <a:rPr lang="en-US" dirty="0" err="1">
+                <a:solidFill>
+                  <a:srgbClr val="0000FF"/>
+                </a:solidFill>
+                <a:latin typeface="Consolas"/>
+              </a:rPr>
+              <a:t>params</a:t>
+            </a:r>
+            <a:r>
+              <a:rPr lang="en-US" dirty="0">
+                <a:solidFill>
+                  <a:srgbClr val="000000"/>
+                </a:solidFill>
+                <a:latin typeface="Consolas"/>
+              </a:rPr>
+              <a:t> </a:t>
+            </a:r>
+            <a:r>
+              <a:rPr lang="en-US" dirty="0">
+                <a:solidFill>
+                  <a:srgbClr val="0000FF"/>
+                </a:solidFill>
+                <a:latin typeface="Consolas"/>
+              </a:rPr>
+              <a:t>string</a:t>
+            </a:r>
+            <a:r>
+              <a:rPr lang="en-US" dirty="0">
+                <a:solidFill>
+                  <a:srgbClr val="000000"/>
+                </a:solidFill>
+                <a:latin typeface="Consolas"/>
+              </a:rPr>
+              <a:t>[] </a:t>
+            </a:r>
+            <a:r>
+              <a:rPr lang="en-US" dirty="0" err="1">
+                <a:solidFill>
+                  <a:srgbClr val="000000"/>
+                </a:solidFill>
+                <a:latin typeface="Consolas"/>
+              </a:rPr>
+              <a:t>travellers</a:t>
+            </a:r>
+            <a:r>
+              <a:rPr lang="en-US" dirty="0">
+                <a:solidFill>
+                  <a:srgbClr val="000000"/>
+                </a:solidFill>
+                <a:latin typeface="Consolas"/>
+              </a:rPr>
+              <a:t>)</a:t>
+            </a:r>
+          </a:p>
+          <a:p>
+            <a:pPr marL="0" indent="0">
+              <a:buNone/>
+            </a:pPr>
+            <a:r>
+              <a:rPr lang="en-US" dirty="0">
+                <a:solidFill>
+                  <a:srgbClr val="000000"/>
+                </a:solidFill>
+                <a:latin typeface="Consolas"/>
+              </a:rPr>
+              <a:t>  {</a:t>
+            </a:r>
+          </a:p>
+          <a:p>
+            <a:pPr marL="0" indent="0">
+              <a:buNone/>
+            </a:pPr>
+            <a:r>
+              <a:rPr lang="en-US" dirty="0">
+                <a:solidFill>
+                  <a:srgbClr val="000000"/>
+                </a:solidFill>
+                <a:latin typeface="Consolas"/>
+              </a:rPr>
+              <a:t>      Speed = speed;</a:t>
+            </a:r>
+          </a:p>
+          <a:p>
+            <a:pPr marL="0" indent="0">
+              <a:buNone/>
+            </a:pPr>
+            <a:r>
+              <a:rPr lang="en-US" dirty="0">
+                <a:solidFill>
+                  <a:srgbClr val="000000"/>
+                </a:solidFill>
+                <a:latin typeface="Consolas"/>
+              </a:rPr>
+              <a:t>      Length = length;</a:t>
+            </a:r>
+          </a:p>
+          <a:p>
+            <a:pPr marL="0" indent="0">
+              <a:buNone/>
+            </a:pPr>
+            <a:r>
+              <a:rPr lang="en-US" dirty="0">
+                <a:solidFill>
+                  <a:srgbClr val="000000"/>
+                </a:solidFill>
+                <a:latin typeface="Consolas"/>
+              </a:rPr>
+              <a:t>      </a:t>
+            </a:r>
+            <a:r>
+              <a:rPr lang="en-US" dirty="0" err="1">
+                <a:solidFill>
+                  <a:srgbClr val="000000"/>
+                </a:solidFill>
+                <a:latin typeface="Consolas"/>
+              </a:rPr>
+              <a:t>Travellers</a:t>
+            </a:r>
+            <a:r>
+              <a:rPr lang="en-US" dirty="0">
+                <a:solidFill>
+                  <a:srgbClr val="000000"/>
+                </a:solidFill>
+                <a:latin typeface="Consolas"/>
+              </a:rPr>
+              <a:t> = </a:t>
+            </a:r>
+            <a:r>
+              <a:rPr lang="en-US" dirty="0" err="1">
+                <a:solidFill>
+                  <a:srgbClr val="000000"/>
+                </a:solidFill>
+                <a:latin typeface="Consolas"/>
+              </a:rPr>
+              <a:t>travellers</a:t>
+            </a:r>
+            <a:r>
+              <a:rPr lang="en-US" dirty="0">
+                <a:solidFill>
+                  <a:srgbClr val="000000"/>
+                </a:solidFill>
+                <a:latin typeface="Consolas"/>
+              </a:rPr>
+              <a:t>;</a:t>
+            </a:r>
+          </a:p>
+          <a:p>
+            <a:pPr marL="0" indent="0">
+              <a:buNone/>
+            </a:pPr>
+            <a:r>
+              <a:rPr lang="en-US" dirty="0">
+                <a:solidFill>
+                  <a:srgbClr val="000000"/>
+                </a:solidFill>
+                <a:latin typeface="Consolas"/>
+              </a:rPr>
+              <a:t>  }</a:t>
+            </a:r>
+          </a:p>
+          <a:p>
+            <a:pPr marL="0" indent="0">
+              <a:buNone/>
+            </a:pPr>
+            <a:r>
+              <a:rPr lang="en-US" dirty="0">
+                <a:solidFill>
+                  <a:srgbClr val="000000"/>
+                </a:solidFill>
+                <a:latin typeface="Consolas"/>
+              </a:rPr>
+              <a:t>  </a:t>
+            </a:r>
+          </a:p>
+          <a:p>
+            <a:pPr marL="0" indent="0">
+              <a:buNone/>
+            </a:pPr>
+            <a:r>
+              <a:rPr lang="en-US" dirty="0">
+                <a:solidFill>
+                  <a:srgbClr val="000000"/>
+                </a:solidFill>
+                <a:latin typeface="Consolas"/>
+              </a:rPr>
+              <a:t>  </a:t>
+            </a:r>
+            <a:r>
+              <a:rPr lang="en-US" dirty="0">
+                <a:solidFill>
+                  <a:srgbClr val="0000FF"/>
+                </a:solidFill>
+                <a:latin typeface="Consolas"/>
+              </a:rPr>
+              <a:t>public</a:t>
+            </a:r>
+            <a:r>
+              <a:rPr lang="en-US" dirty="0">
+                <a:solidFill>
+                  <a:srgbClr val="000000"/>
+                </a:solidFill>
+                <a:latin typeface="Consolas"/>
+              </a:rPr>
+              <a:t> </a:t>
+            </a:r>
+            <a:r>
+              <a:rPr lang="en-US" dirty="0">
+                <a:solidFill>
+                  <a:srgbClr val="0000FF"/>
+                </a:solidFill>
+                <a:latin typeface="Consolas"/>
+              </a:rPr>
+              <a:t>void</a:t>
+            </a:r>
+            <a:r>
+              <a:rPr lang="en-US" dirty="0">
+                <a:solidFill>
+                  <a:srgbClr val="000000"/>
+                </a:solidFill>
+                <a:latin typeface="Consolas"/>
+              </a:rPr>
+              <a:t> Print()</a:t>
+            </a:r>
+          </a:p>
+          <a:p>
+            <a:pPr marL="0" indent="0">
+              <a:buNone/>
+            </a:pPr>
+            <a:r>
+              <a:rPr lang="en-US" dirty="0">
+                <a:solidFill>
+                  <a:srgbClr val="000000"/>
+                </a:solidFill>
+                <a:latin typeface="Consolas"/>
+              </a:rPr>
+              <a:t>  {</a:t>
+            </a:r>
+          </a:p>
+          <a:p>
+            <a:pPr marL="0" indent="0">
+              <a:buNone/>
+            </a:pPr>
+            <a:r>
+              <a:rPr lang="en-US" dirty="0">
+                <a:solidFill>
+                  <a:srgbClr val="000000"/>
+                </a:solidFill>
+                <a:latin typeface="Consolas"/>
+              </a:rPr>
+              <a:t>      </a:t>
+            </a:r>
+            <a:r>
+              <a:rPr lang="en-US" dirty="0" err="1">
+                <a:solidFill>
+                  <a:srgbClr val="000000"/>
+                </a:solidFill>
+                <a:latin typeface="Consolas"/>
+              </a:rPr>
+              <a:t>Console.WriteLine</a:t>
+            </a:r>
+            <a:r>
+              <a:rPr lang="en-US" dirty="0">
+                <a:solidFill>
+                  <a:srgbClr val="000000"/>
+                </a:solidFill>
+                <a:latin typeface="Consolas"/>
+              </a:rPr>
+              <a:t>(</a:t>
+            </a:r>
+            <a:r>
+              <a:rPr lang="en-US" dirty="0">
+                <a:solidFill>
+                  <a:srgbClr val="DC1414"/>
+                </a:solidFill>
+                <a:latin typeface="Consolas"/>
+              </a:rPr>
+              <a:t>"Speed: {0}"</a:t>
+            </a:r>
+            <a:r>
+              <a:rPr lang="en-US" dirty="0">
+                <a:solidFill>
+                  <a:srgbClr val="000000"/>
+                </a:solidFill>
+                <a:latin typeface="Consolas"/>
+              </a:rPr>
+              <a:t>, Speed);</a:t>
+            </a:r>
+          </a:p>
+          <a:p>
+            <a:pPr marL="0" indent="0">
+              <a:buNone/>
+            </a:pPr>
+            <a:r>
+              <a:rPr lang="en-US" dirty="0">
+                <a:solidFill>
+                  <a:srgbClr val="000000"/>
+                </a:solidFill>
+                <a:latin typeface="Consolas"/>
+              </a:rPr>
+              <a:t>      </a:t>
+            </a:r>
+            <a:r>
+              <a:rPr lang="en-US" dirty="0" err="1">
+                <a:solidFill>
+                  <a:srgbClr val="000000"/>
+                </a:solidFill>
+                <a:latin typeface="Consolas"/>
+              </a:rPr>
+              <a:t>Console.WriteLine</a:t>
+            </a:r>
+            <a:r>
+              <a:rPr lang="en-US" dirty="0">
+                <a:solidFill>
+                  <a:srgbClr val="000000"/>
+                </a:solidFill>
+                <a:latin typeface="Consolas"/>
+              </a:rPr>
+              <a:t>(</a:t>
+            </a:r>
+            <a:r>
+              <a:rPr lang="en-US" dirty="0">
+                <a:solidFill>
+                  <a:srgbClr val="DC1414"/>
+                </a:solidFill>
+                <a:latin typeface="Consolas"/>
+              </a:rPr>
+              <a:t>"Length : {0}"</a:t>
+            </a:r>
+            <a:r>
+              <a:rPr lang="en-US" dirty="0">
+                <a:solidFill>
+                  <a:srgbClr val="000000"/>
+                </a:solidFill>
+                <a:latin typeface="Consolas"/>
+              </a:rPr>
+              <a:t>, Length);</a:t>
+            </a:r>
+          </a:p>
+          <a:p>
+            <a:pPr marL="0" indent="0">
+              <a:buNone/>
+            </a:pPr>
+            <a:r>
+              <a:rPr lang="fr-FR" dirty="0">
+                <a:solidFill>
+                  <a:srgbClr val="000000"/>
+                </a:solidFill>
+                <a:latin typeface="Consolas"/>
+              </a:rPr>
+              <a:t>      </a:t>
+            </a:r>
+            <a:r>
+              <a:rPr lang="fr-FR" dirty="0" err="1">
+                <a:solidFill>
+                  <a:srgbClr val="000000"/>
+                </a:solidFill>
+                <a:latin typeface="Consolas"/>
+              </a:rPr>
+              <a:t>Console.WriteLine</a:t>
+            </a:r>
+            <a:r>
+              <a:rPr lang="fr-FR" dirty="0">
+                <a:solidFill>
+                  <a:srgbClr val="000000"/>
+                </a:solidFill>
+                <a:latin typeface="Consolas"/>
+              </a:rPr>
+              <a:t>(</a:t>
+            </a:r>
+            <a:r>
+              <a:rPr lang="fr-FR" dirty="0">
+                <a:solidFill>
+                  <a:srgbClr val="DC1414"/>
+                </a:solidFill>
+                <a:latin typeface="Consolas"/>
+              </a:rPr>
+              <a:t>"</a:t>
+            </a:r>
+            <a:r>
+              <a:rPr lang="fr-FR" dirty="0" err="1">
+                <a:solidFill>
+                  <a:srgbClr val="DC1414"/>
+                </a:solidFill>
+                <a:latin typeface="Consolas"/>
+              </a:rPr>
+              <a:t>Travellers</a:t>
+            </a:r>
+            <a:r>
+              <a:rPr lang="fr-FR" dirty="0">
+                <a:solidFill>
+                  <a:srgbClr val="DC1414"/>
+                </a:solidFill>
+                <a:latin typeface="Consolas"/>
+              </a:rPr>
+              <a:t>: {0}"</a:t>
+            </a:r>
+            <a:r>
+              <a:rPr lang="fr-FR" dirty="0">
+                <a:solidFill>
+                  <a:srgbClr val="000000"/>
+                </a:solidFill>
+                <a:latin typeface="Consolas"/>
+              </a:rPr>
+              <a:t>, </a:t>
+            </a:r>
+            <a:r>
+              <a:rPr lang="fr-FR" dirty="0" err="1">
+                <a:solidFill>
+                  <a:srgbClr val="000000"/>
+                </a:solidFill>
+                <a:latin typeface="Consolas"/>
+              </a:rPr>
+              <a:t>String.Join</a:t>
+            </a:r>
+            <a:r>
+              <a:rPr lang="fr-FR" dirty="0">
+                <a:solidFill>
+                  <a:srgbClr val="000000"/>
+                </a:solidFill>
+                <a:latin typeface="Consolas"/>
+              </a:rPr>
+              <a:t>(</a:t>
+            </a:r>
+            <a:r>
+              <a:rPr lang="fr-FR" dirty="0">
+                <a:solidFill>
+                  <a:srgbClr val="DC1414"/>
+                </a:solidFill>
+                <a:latin typeface="Consolas"/>
+              </a:rPr>
+              <a:t>"; "</a:t>
+            </a:r>
+            <a:r>
+              <a:rPr lang="fr-FR" dirty="0">
+                <a:solidFill>
+                  <a:srgbClr val="000000"/>
+                </a:solidFill>
+                <a:latin typeface="Consolas"/>
+              </a:rPr>
+              <a:t>, </a:t>
+            </a:r>
+            <a:r>
+              <a:rPr lang="fr-FR" dirty="0" err="1">
+                <a:solidFill>
+                  <a:srgbClr val="000000"/>
+                </a:solidFill>
+                <a:latin typeface="Consolas"/>
+              </a:rPr>
+              <a:t>Travellers</a:t>
+            </a:r>
+            <a:r>
+              <a:rPr lang="fr-FR" dirty="0">
+                <a:solidFill>
+                  <a:srgbClr val="000000"/>
+                </a:solidFill>
+                <a:latin typeface="Consolas"/>
+              </a:rPr>
+              <a:t>));</a:t>
+            </a:r>
+          </a:p>
+          <a:p>
+            <a:pPr marL="0" indent="0">
+              <a:buNone/>
+            </a:pPr>
+            <a:r>
+              <a:rPr lang="en-US" dirty="0">
+                <a:solidFill>
+                  <a:srgbClr val="000000"/>
+                </a:solidFill>
+                <a:latin typeface="Consolas"/>
+              </a:rPr>
+              <a:t>  }</a:t>
+            </a:r>
+          </a:p>
+          <a:p>
+            <a:pPr marL="0" indent="0">
+              <a:buNone/>
+            </a:pPr>
+            <a:r>
+              <a:rPr lang="en-US" dirty="0">
+                <a:solidFill>
+                  <a:srgbClr val="000000"/>
+                </a:solidFill>
+                <a:latin typeface="Consolas"/>
+              </a:rPr>
+              <a:t>}</a:t>
+            </a:r>
+          </a:p>
+          <a:p>
+            <a:pPr marL="0" indent="0">
+              <a:buNone/>
+            </a:pPr>
+            <a:endParaRPr lang="en-US" dirty="0">
+              <a:solidFill>
+                <a:srgbClr val="000000"/>
+              </a:solidFill>
+              <a:latin typeface="Consolas"/>
+            </a:endParaRPr>
+          </a:p>
+          <a:p>
+            <a:pPr marL="0" indent="0">
+              <a:buNone/>
+            </a:pPr>
+            <a:r>
+              <a:rPr lang="en-US" dirty="0">
+                <a:solidFill>
+                  <a:srgbClr val="0000FF"/>
+                </a:solidFill>
+                <a:latin typeface="Consolas"/>
+              </a:rPr>
+              <a:t>static</a:t>
+            </a:r>
+            <a:r>
+              <a:rPr lang="en-US" dirty="0">
+                <a:solidFill>
+                  <a:srgbClr val="000000"/>
+                </a:solidFill>
+                <a:latin typeface="Consolas"/>
+              </a:rPr>
+              <a:t> </a:t>
+            </a:r>
+            <a:r>
+              <a:rPr lang="en-US" dirty="0">
+                <a:solidFill>
+                  <a:srgbClr val="0000FF"/>
+                </a:solidFill>
+                <a:latin typeface="Consolas"/>
+              </a:rPr>
+              <a:t>void</a:t>
+            </a:r>
+            <a:r>
+              <a:rPr lang="en-US" dirty="0">
+                <a:solidFill>
+                  <a:srgbClr val="000000"/>
+                </a:solidFill>
+                <a:latin typeface="Consolas"/>
+              </a:rPr>
+              <a:t> Main()</a:t>
+            </a:r>
+          </a:p>
+          <a:p>
+            <a:pPr marL="0" indent="0">
+              <a:buNone/>
+            </a:pPr>
+            <a:r>
+              <a:rPr lang="en-US" dirty="0">
+                <a:solidFill>
+                  <a:srgbClr val="000000"/>
+                </a:solidFill>
+                <a:latin typeface="Consolas"/>
+              </a:rPr>
+              <a:t>{</a:t>
+            </a:r>
+          </a:p>
+          <a:p>
+            <a:pPr marL="0" indent="0">
+              <a:buNone/>
+            </a:pPr>
+            <a:r>
+              <a:rPr lang="fr-FR" dirty="0" smtClean="0">
+                <a:solidFill>
+                  <a:srgbClr val="000000"/>
+                </a:solidFill>
+                <a:latin typeface="Consolas"/>
+              </a:rPr>
+              <a:t>    Train </a:t>
+            </a:r>
+            <a:r>
+              <a:rPr lang="fr-FR" dirty="0" err="1">
+                <a:solidFill>
+                  <a:srgbClr val="000000"/>
+                </a:solidFill>
+                <a:latin typeface="Consolas"/>
+              </a:rPr>
+              <a:t>train</a:t>
+            </a:r>
+            <a:r>
+              <a:rPr lang="fr-FR" dirty="0">
+                <a:solidFill>
+                  <a:srgbClr val="000000"/>
+                </a:solidFill>
+                <a:latin typeface="Consolas"/>
+              </a:rPr>
+              <a:t> = </a:t>
+            </a:r>
+            <a:r>
+              <a:rPr lang="fr-FR" dirty="0">
+                <a:solidFill>
+                  <a:srgbClr val="0000FF"/>
+                </a:solidFill>
+                <a:latin typeface="Consolas"/>
+              </a:rPr>
+              <a:t>new</a:t>
+            </a:r>
+            <a:r>
+              <a:rPr lang="fr-FR" dirty="0">
+                <a:solidFill>
+                  <a:srgbClr val="000000"/>
+                </a:solidFill>
+                <a:latin typeface="Consolas"/>
+              </a:rPr>
+              <a:t> Train(</a:t>
+            </a:r>
+            <a:r>
+              <a:rPr lang="fr-FR" dirty="0">
+                <a:solidFill>
+                  <a:srgbClr val="C81EFA"/>
+                </a:solidFill>
+                <a:latin typeface="Consolas"/>
+              </a:rPr>
+              <a:t>190.2</a:t>
+            </a:r>
+            <a:r>
+              <a:rPr lang="fr-FR" dirty="0">
+                <a:solidFill>
+                  <a:srgbClr val="000000"/>
+                </a:solidFill>
+                <a:latin typeface="Consolas"/>
+              </a:rPr>
+              <a:t>, </a:t>
+            </a:r>
+            <a:r>
+              <a:rPr lang="fr-FR" dirty="0">
+                <a:solidFill>
+                  <a:srgbClr val="C81EFA"/>
+                </a:solidFill>
+                <a:latin typeface="Consolas"/>
+              </a:rPr>
+              <a:t>8</a:t>
+            </a:r>
+            <a:r>
+              <a:rPr lang="fr-FR" dirty="0">
+                <a:solidFill>
+                  <a:srgbClr val="000000"/>
+                </a:solidFill>
+                <a:latin typeface="Consolas"/>
+              </a:rPr>
+              <a:t>, </a:t>
+            </a:r>
+            <a:r>
+              <a:rPr lang="fr-FR" dirty="0">
+                <a:solidFill>
+                  <a:srgbClr val="DC1414"/>
+                </a:solidFill>
+                <a:latin typeface="Consolas"/>
+              </a:rPr>
+              <a:t>"Ivanov"</a:t>
+            </a:r>
+            <a:r>
+              <a:rPr lang="fr-FR" dirty="0">
+                <a:solidFill>
+                  <a:srgbClr val="000000"/>
+                </a:solidFill>
+                <a:latin typeface="Consolas"/>
+              </a:rPr>
+              <a:t>, </a:t>
+            </a:r>
+            <a:r>
+              <a:rPr lang="fr-FR" dirty="0">
+                <a:solidFill>
+                  <a:srgbClr val="DC1414"/>
+                </a:solidFill>
+                <a:latin typeface="Consolas"/>
+              </a:rPr>
+              <a:t>"Petrov"</a:t>
+            </a:r>
+            <a:r>
+              <a:rPr lang="fr-FR" dirty="0">
+                <a:solidFill>
+                  <a:srgbClr val="000000"/>
+                </a:solidFill>
+                <a:latin typeface="Consolas"/>
+              </a:rPr>
+              <a:t>, </a:t>
+            </a:r>
+            <a:r>
+              <a:rPr lang="fr-FR" dirty="0">
+                <a:solidFill>
+                  <a:srgbClr val="DC1414"/>
+                </a:solidFill>
+                <a:latin typeface="Consolas"/>
+              </a:rPr>
+              <a:t>"</a:t>
+            </a:r>
+            <a:r>
+              <a:rPr lang="fr-FR" dirty="0" err="1">
+                <a:solidFill>
+                  <a:srgbClr val="DC1414"/>
+                </a:solidFill>
+                <a:latin typeface="Consolas"/>
+              </a:rPr>
+              <a:t>Sidorov</a:t>
+            </a:r>
+            <a:r>
+              <a:rPr lang="fr-FR" dirty="0">
+                <a:solidFill>
+                  <a:srgbClr val="DC1414"/>
+                </a:solidFill>
+                <a:latin typeface="Consolas"/>
+              </a:rPr>
+              <a:t>"</a:t>
+            </a:r>
+            <a:r>
+              <a:rPr lang="fr-FR" dirty="0">
+                <a:solidFill>
+                  <a:srgbClr val="000000"/>
+                </a:solidFill>
+                <a:latin typeface="Consolas"/>
+              </a:rPr>
+              <a:t>);</a:t>
+            </a:r>
+          </a:p>
+          <a:p>
+            <a:pPr marL="0" indent="0">
+              <a:buNone/>
+            </a:pPr>
+            <a:r>
+              <a:rPr lang="en-US" dirty="0" smtClean="0">
+                <a:solidFill>
+                  <a:srgbClr val="000000"/>
+                </a:solidFill>
+                <a:latin typeface="Consolas"/>
+              </a:rPr>
+              <a:t>    </a:t>
+            </a:r>
+            <a:r>
+              <a:rPr lang="en-US" dirty="0" err="1" smtClean="0">
+                <a:solidFill>
+                  <a:srgbClr val="000000"/>
+                </a:solidFill>
+                <a:latin typeface="Consolas"/>
+              </a:rPr>
+              <a:t>train.Print</a:t>
+            </a:r>
+            <a:r>
+              <a:rPr lang="en-US" dirty="0">
+                <a:solidFill>
+                  <a:srgbClr val="000000"/>
+                </a:solidFill>
+                <a:latin typeface="Consolas"/>
+              </a:rPr>
+              <a:t>();</a:t>
+            </a:r>
+          </a:p>
+          <a:p>
+            <a:pPr marL="0" indent="0">
+              <a:buNone/>
+            </a:pPr>
+            <a:endParaRPr lang="en-US" dirty="0">
+              <a:solidFill>
+                <a:srgbClr val="000000"/>
+              </a:solidFill>
+              <a:latin typeface="Consolas"/>
+            </a:endParaRPr>
+          </a:p>
+          <a:p>
+            <a:pPr marL="0" indent="0">
+              <a:buNone/>
+            </a:pPr>
+            <a:r>
+              <a:rPr lang="en-US" dirty="0" smtClean="0">
+                <a:solidFill>
+                  <a:srgbClr val="0000FF"/>
+                </a:solidFill>
+                <a:latin typeface="Consolas"/>
+              </a:rPr>
+              <a:t>    string</a:t>
+            </a:r>
+            <a:r>
+              <a:rPr lang="en-US" dirty="0" smtClean="0">
+                <a:solidFill>
+                  <a:srgbClr val="000000"/>
+                </a:solidFill>
+                <a:latin typeface="Consolas"/>
+              </a:rPr>
+              <a:t> </a:t>
+            </a:r>
+            <a:r>
+              <a:rPr lang="en-US" dirty="0" err="1">
+                <a:solidFill>
+                  <a:srgbClr val="000000"/>
+                </a:solidFill>
+                <a:latin typeface="Consolas"/>
+              </a:rPr>
+              <a:t>tempFileName</a:t>
+            </a:r>
+            <a:r>
+              <a:rPr lang="en-US" dirty="0">
+                <a:solidFill>
+                  <a:srgbClr val="000000"/>
+                </a:solidFill>
+                <a:latin typeface="Consolas"/>
+              </a:rPr>
+              <a:t> = </a:t>
+            </a:r>
+            <a:r>
+              <a:rPr lang="en-US" dirty="0" err="1">
+                <a:solidFill>
+                  <a:srgbClr val="000000"/>
+                </a:solidFill>
+                <a:latin typeface="Consolas"/>
+              </a:rPr>
+              <a:t>Path.Combine</a:t>
+            </a:r>
+            <a:r>
+              <a:rPr lang="en-US" dirty="0">
+                <a:solidFill>
+                  <a:srgbClr val="000000"/>
+                </a:solidFill>
+                <a:latin typeface="Consolas"/>
+              </a:rPr>
+              <a:t>(</a:t>
+            </a:r>
+            <a:r>
+              <a:rPr lang="en-US" dirty="0" err="1">
+                <a:solidFill>
+                  <a:srgbClr val="000000"/>
+                </a:solidFill>
+                <a:latin typeface="Consolas"/>
+              </a:rPr>
+              <a:t>Path.GetTempPath</a:t>
+            </a:r>
+            <a:r>
+              <a:rPr lang="en-US" dirty="0">
+                <a:solidFill>
+                  <a:srgbClr val="000000"/>
+                </a:solidFill>
+                <a:latin typeface="Consolas"/>
+              </a:rPr>
+              <a:t>(), </a:t>
+            </a:r>
+            <a:r>
+              <a:rPr lang="en-US" dirty="0">
+                <a:solidFill>
+                  <a:srgbClr val="DC1414"/>
+                </a:solidFill>
+                <a:latin typeface="Consolas"/>
+              </a:rPr>
+              <a:t>"train.xml"</a:t>
+            </a:r>
+            <a:r>
+              <a:rPr lang="en-US" dirty="0">
+                <a:solidFill>
+                  <a:srgbClr val="000000"/>
+                </a:solidFill>
+                <a:latin typeface="Consolas"/>
+              </a:rPr>
+              <a:t>); </a:t>
+            </a:r>
+            <a:r>
+              <a:rPr lang="en-US" dirty="0" smtClean="0">
+                <a:solidFill>
+                  <a:srgbClr val="008000"/>
+                </a:solidFill>
+                <a:latin typeface="Consolas"/>
+              </a:rPr>
+              <a:t>//</a:t>
+            </a:r>
+            <a:r>
+              <a:rPr lang="ru-RU" dirty="0">
+                <a:solidFill>
+                  <a:srgbClr val="008000"/>
+                </a:solidFill>
+                <a:latin typeface="Consolas"/>
+              </a:rPr>
+              <a:t> Будем работать с файлом в папке с временными файлами</a:t>
+            </a:r>
+            <a:endParaRPr lang="en-US" dirty="0">
+              <a:solidFill>
+                <a:srgbClr val="000000"/>
+              </a:solidFill>
+              <a:latin typeface="Consolas"/>
+            </a:endParaRPr>
+          </a:p>
+          <a:p>
+            <a:pPr marL="0" indent="0">
+              <a:buNone/>
+            </a:pPr>
+            <a:r>
+              <a:rPr lang="en-US" dirty="0" smtClean="0">
+                <a:solidFill>
+                  <a:srgbClr val="000000"/>
+                </a:solidFill>
+                <a:latin typeface="Consolas"/>
+              </a:rPr>
+              <a:t>    </a:t>
+            </a:r>
+            <a:r>
+              <a:rPr lang="en-US" dirty="0" err="1" smtClean="0">
+                <a:solidFill>
+                  <a:srgbClr val="000000"/>
+                </a:solidFill>
+                <a:latin typeface="Consolas"/>
+              </a:rPr>
+              <a:t>XmlSerializer</a:t>
+            </a:r>
+            <a:r>
+              <a:rPr lang="en-US" dirty="0" smtClean="0">
+                <a:solidFill>
+                  <a:srgbClr val="000000"/>
+                </a:solidFill>
+                <a:latin typeface="Consolas"/>
+              </a:rPr>
+              <a:t> </a:t>
+            </a:r>
+            <a:r>
+              <a:rPr lang="en-US" dirty="0" err="1">
+                <a:solidFill>
+                  <a:srgbClr val="000000"/>
+                </a:solidFill>
+                <a:latin typeface="Consolas"/>
+              </a:rPr>
+              <a:t>xmlSerializer</a:t>
+            </a:r>
+            <a:r>
+              <a:rPr lang="en-US" dirty="0">
+                <a:solidFill>
+                  <a:srgbClr val="000000"/>
+                </a:solidFill>
+                <a:latin typeface="Consolas"/>
+              </a:rPr>
+              <a:t> = </a:t>
+            </a:r>
+            <a:r>
+              <a:rPr lang="en-US" dirty="0">
+                <a:solidFill>
+                  <a:srgbClr val="0000FF"/>
+                </a:solidFill>
+                <a:latin typeface="Consolas"/>
+              </a:rPr>
+              <a:t>new</a:t>
+            </a:r>
+            <a:r>
+              <a:rPr lang="en-US" dirty="0">
+                <a:solidFill>
+                  <a:srgbClr val="000000"/>
+                </a:solidFill>
+                <a:latin typeface="Consolas"/>
+              </a:rPr>
+              <a:t> </a:t>
+            </a:r>
+            <a:r>
+              <a:rPr lang="en-US" dirty="0" err="1">
+                <a:solidFill>
+                  <a:srgbClr val="000000"/>
+                </a:solidFill>
+                <a:latin typeface="Consolas"/>
+              </a:rPr>
+              <a:t>XmlSerializer</a:t>
+            </a:r>
+            <a:r>
+              <a:rPr lang="en-US" dirty="0">
+                <a:solidFill>
+                  <a:srgbClr val="000000"/>
+                </a:solidFill>
+                <a:latin typeface="Consolas"/>
+              </a:rPr>
+              <a:t>(</a:t>
+            </a:r>
+            <a:r>
+              <a:rPr lang="en-US" dirty="0" err="1">
+                <a:solidFill>
+                  <a:srgbClr val="0000FF"/>
+                </a:solidFill>
+                <a:latin typeface="Consolas"/>
+              </a:rPr>
+              <a:t>typeof</a:t>
+            </a:r>
+            <a:r>
+              <a:rPr lang="en-US" dirty="0">
+                <a:solidFill>
+                  <a:srgbClr val="000000"/>
+                </a:solidFill>
+                <a:latin typeface="Consolas"/>
+              </a:rPr>
+              <a:t>(Train));</a:t>
+            </a:r>
+          </a:p>
+          <a:p>
+            <a:pPr marL="0" indent="0">
+              <a:buNone/>
+            </a:pPr>
+            <a:r>
+              <a:rPr lang="en-US" dirty="0" smtClean="0">
+                <a:solidFill>
+                  <a:srgbClr val="008000"/>
+                </a:solidFill>
+                <a:latin typeface="Consolas"/>
+              </a:rPr>
+              <a:t>    // </a:t>
+            </a:r>
+            <a:r>
+              <a:rPr lang="ru-RU" dirty="0">
+                <a:solidFill>
+                  <a:srgbClr val="008000"/>
+                </a:solidFill>
+                <a:latin typeface="Consolas"/>
+              </a:rPr>
+              <a:t>Выполняем сериализацию</a:t>
+            </a:r>
+            <a:endParaRPr lang="en-US" dirty="0">
+              <a:solidFill>
+                <a:srgbClr val="000000"/>
+              </a:solidFill>
+              <a:latin typeface="Consolas"/>
+            </a:endParaRPr>
+          </a:p>
+          <a:p>
+            <a:pPr marL="0" indent="0">
+              <a:buNone/>
+            </a:pPr>
+            <a:r>
+              <a:rPr lang="en-US" dirty="0" smtClean="0">
+                <a:solidFill>
+                  <a:srgbClr val="0000FF"/>
+                </a:solidFill>
+                <a:latin typeface="Consolas"/>
+              </a:rPr>
+              <a:t>    using</a:t>
+            </a:r>
+            <a:r>
+              <a:rPr lang="en-US" dirty="0" smtClean="0">
+                <a:solidFill>
+                  <a:srgbClr val="000000"/>
+                </a:solidFill>
+                <a:latin typeface="Consolas"/>
+              </a:rPr>
+              <a:t> </a:t>
+            </a:r>
+            <a:r>
+              <a:rPr lang="en-US" dirty="0">
+                <a:solidFill>
+                  <a:srgbClr val="000000"/>
+                </a:solidFill>
+                <a:latin typeface="Consolas"/>
+              </a:rPr>
+              <a:t>(</a:t>
+            </a:r>
+            <a:r>
+              <a:rPr lang="en-US" dirty="0" err="1">
+                <a:solidFill>
+                  <a:srgbClr val="000000"/>
+                </a:solidFill>
+                <a:latin typeface="Consolas"/>
+              </a:rPr>
+              <a:t>FileStream</a:t>
+            </a:r>
+            <a:r>
+              <a:rPr lang="en-US" dirty="0">
+                <a:solidFill>
+                  <a:srgbClr val="000000"/>
+                </a:solidFill>
+                <a:latin typeface="Consolas"/>
+              </a:rPr>
+              <a:t> </a:t>
+            </a:r>
+            <a:r>
+              <a:rPr lang="en-US" dirty="0" err="1">
+                <a:solidFill>
+                  <a:srgbClr val="000000"/>
+                </a:solidFill>
+                <a:latin typeface="Consolas"/>
+              </a:rPr>
+              <a:t>fs</a:t>
+            </a:r>
+            <a:r>
+              <a:rPr lang="en-US" dirty="0">
+                <a:solidFill>
+                  <a:srgbClr val="000000"/>
+                </a:solidFill>
+                <a:latin typeface="Consolas"/>
+              </a:rPr>
+              <a:t> = </a:t>
+            </a:r>
+            <a:r>
+              <a:rPr lang="en-US" dirty="0" err="1">
+                <a:solidFill>
+                  <a:srgbClr val="000000"/>
+                </a:solidFill>
+                <a:latin typeface="Consolas"/>
+              </a:rPr>
+              <a:t>File.Open</a:t>
+            </a:r>
+            <a:r>
+              <a:rPr lang="en-US" dirty="0">
+                <a:solidFill>
+                  <a:srgbClr val="000000"/>
+                </a:solidFill>
+                <a:latin typeface="Consolas"/>
+              </a:rPr>
+              <a:t>(</a:t>
+            </a:r>
+            <a:r>
+              <a:rPr lang="en-US" dirty="0" err="1">
+                <a:solidFill>
+                  <a:srgbClr val="000000"/>
+                </a:solidFill>
+                <a:latin typeface="Consolas"/>
+              </a:rPr>
+              <a:t>tempFileName</a:t>
+            </a:r>
+            <a:r>
+              <a:rPr lang="en-US" dirty="0">
+                <a:solidFill>
+                  <a:srgbClr val="000000"/>
+                </a:solidFill>
+                <a:latin typeface="Consolas"/>
+              </a:rPr>
+              <a:t>, </a:t>
+            </a:r>
+            <a:r>
+              <a:rPr lang="en-US" dirty="0" err="1">
+                <a:solidFill>
+                  <a:srgbClr val="000000"/>
+                </a:solidFill>
+                <a:latin typeface="Consolas"/>
+              </a:rPr>
+              <a:t>FileMode.Create</a:t>
+            </a:r>
+            <a:r>
+              <a:rPr lang="en-US" dirty="0">
+                <a:solidFill>
+                  <a:srgbClr val="000000"/>
+                </a:solidFill>
+                <a:latin typeface="Consolas"/>
+              </a:rPr>
+              <a:t>))</a:t>
+            </a:r>
+          </a:p>
+          <a:p>
+            <a:pPr marL="0" indent="0">
+              <a:buNone/>
+            </a:pPr>
+            <a:r>
+              <a:rPr lang="en-US" dirty="0" smtClean="0">
+                <a:solidFill>
+                  <a:srgbClr val="000000"/>
+                </a:solidFill>
+                <a:latin typeface="Consolas"/>
+              </a:rPr>
+              <a:t>    {</a:t>
+            </a:r>
+            <a:endParaRPr lang="en-US" dirty="0">
+              <a:solidFill>
+                <a:srgbClr val="000000"/>
+              </a:solidFill>
+              <a:latin typeface="Consolas"/>
+            </a:endParaRPr>
+          </a:p>
+          <a:p>
+            <a:pPr marL="0" indent="0">
+              <a:buNone/>
+            </a:pPr>
+            <a:r>
+              <a:rPr lang="en-US" dirty="0" smtClean="0">
+                <a:solidFill>
+                  <a:srgbClr val="000000"/>
+                </a:solidFill>
+                <a:latin typeface="Consolas"/>
+              </a:rPr>
+              <a:t>         </a:t>
+            </a:r>
+            <a:r>
+              <a:rPr lang="en-US" dirty="0" err="1" smtClean="0">
+                <a:solidFill>
+                  <a:srgbClr val="000000"/>
+                </a:solidFill>
+                <a:latin typeface="Consolas"/>
+              </a:rPr>
+              <a:t>xmlSerializer.Serialize</a:t>
+            </a:r>
+            <a:r>
+              <a:rPr lang="en-US" dirty="0" smtClean="0">
+                <a:solidFill>
+                  <a:srgbClr val="000000"/>
+                </a:solidFill>
+                <a:latin typeface="Consolas"/>
+              </a:rPr>
+              <a:t>(</a:t>
+            </a:r>
+            <a:r>
+              <a:rPr lang="en-US" dirty="0" err="1" smtClean="0">
+                <a:solidFill>
+                  <a:srgbClr val="000000"/>
+                </a:solidFill>
+                <a:latin typeface="Consolas"/>
+              </a:rPr>
+              <a:t>fs</a:t>
+            </a:r>
+            <a:r>
+              <a:rPr lang="en-US" dirty="0">
+                <a:solidFill>
+                  <a:srgbClr val="000000"/>
+                </a:solidFill>
+                <a:latin typeface="Consolas"/>
+              </a:rPr>
+              <a:t>, train);</a:t>
+            </a:r>
+          </a:p>
+          <a:p>
+            <a:pPr marL="0" indent="0">
+              <a:buNone/>
+            </a:pPr>
+            <a:r>
+              <a:rPr lang="en-US" dirty="0" smtClean="0">
+                <a:solidFill>
+                  <a:srgbClr val="000000"/>
+                </a:solidFill>
+                <a:latin typeface="Consolas"/>
+              </a:rPr>
+              <a:t>    }</a:t>
+            </a:r>
+            <a:endParaRPr lang="en-US" dirty="0">
+              <a:solidFill>
+                <a:srgbClr val="000000"/>
+              </a:solidFill>
+              <a:latin typeface="Consolas"/>
+            </a:endParaRPr>
+          </a:p>
+          <a:p>
+            <a:pPr marL="0" indent="0">
+              <a:buNone/>
+            </a:pPr>
+            <a:r>
+              <a:rPr lang="en-US" dirty="0" smtClean="0">
+                <a:solidFill>
+                  <a:srgbClr val="000000"/>
+                </a:solidFill>
+                <a:latin typeface="Consolas"/>
+              </a:rPr>
+              <a:t>    </a:t>
+            </a:r>
+            <a:r>
+              <a:rPr lang="en-US" dirty="0" err="1" smtClean="0">
+                <a:solidFill>
+                  <a:srgbClr val="000000"/>
+                </a:solidFill>
+                <a:latin typeface="Consolas"/>
+              </a:rPr>
+              <a:t>Console.WriteLine</a:t>
+            </a:r>
+            <a:r>
+              <a:rPr lang="en-US" dirty="0">
+                <a:solidFill>
+                  <a:srgbClr val="000000"/>
+                </a:solidFill>
+                <a:latin typeface="Consolas"/>
+              </a:rPr>
+              <a:t>(); </a:t>
+            </a:r>
+            <a:r>
+              <a:rPr lang="en-US" dirty="0" err="1">
+                <a:solidFill>
+                  <a:srgbClr val="000000"/>
+                </a:solidFill>
+                <a:latin typeface="Consolas"/>
+              </a:rPr>
+              <a:t>Console.WriteLine</a:t>
+            </a:r>
+            <a:r>
+              <a:rPr lang="en-US" dirty="0">
+                <a:solidFill>
+                  <a:srgbClr val="000000"/>
+                </a:solidFill>
+                <a:latin typeface="Consolas"/>
+              </a:rPr>
+              <a:t>(</a:t>
+            </a:r>
+            <a:r>
+              <a:rPr lang="en-US" dirty="0" err="1">
+                <a:solidFill>
+                  <a:srgbClr val="000000"/>
+                </a:solidFill>
+                <a:latin typeface="Consolas"/>
+              </a:rPr>
+              <a:t>File.ReadAllText</a:t>
+            </a:r>
+            <a:r>
+              <a:rPr lang="en-US" dirty="0">
+                <a:solidFill>
+                  <a:srgbClr val="000000"/>
+                </a:solidFill>
+                <a:latin typeface="Consolas"/>
+              </a:rPr>
+              <a:t>(</a:t>
+            </a:r>
+            <a:r>
+              <a:rPr lang="en-US" dirty="0" err="1">
+                <a:solidFill>
+                  <a:srgbClr val="000000"/>
+                </a:solidFill>
+                <a:latin typeface="Consolas"/>
+              </a:rPr>
+              <a:t>tempFileName</a:t>
+            </a:r>
+            <a:r>
+              <a:rPr lang="en-US" dirty="0">
+                <a:solidFill>
+                  <a:srgbClr val="000000"/>
+                </a:solidFill>
+                <a:latin typeface="Consolas"/>
+              </a:rPr>
+              <a:t>)); </a:t>
+            </a:r>
+            <a:r>
+              <a:rPr lang="en-US" dirty="0" err="1">
+                <a:solidFill>
+                  <a:srgbClr val="000000"/>
+                </a:solidFill>
+                <a:latin typeface="Consolas"/>
+              </a:rPr>
+              <a:t>Console.WriteLine</a:t>
+            </a:r>
+            <a:r>
+              <a:rPr lang="en-US" dirty="0">
+                <a:solidFill>
+                  <a:srgbClr val="000000"/>
+                </a:solidFill>
+                <a:latin typeface="Consolas"/>
+              </a:rPr>
+              <a:t>();</a:t>
+            </a:r>
+          </a:p>
+          <a:p>
+            <a:pPr marL="0" indent="0">
+              <a:buNone/>
+            </a:pPr>
+            <a:r>
+              <a:rPr lang="en-US" dirty="0" smtClean="0">
+                <a:solidFill>
+                  <a:srgbClr val="008000"/>
+                </a:solidFill>
+                <a:latin typeface="Consolas"/>
+              </a:rPr>
+              <a:t>    // </a:t>
+            </a:r>
+            <a:r>
+              <a:rPr lang="ru-RU" dirty="0">
+                <a:solidFill>
+                  <a:srgbClr val="008000"/>
+                </a:solidFill>
+                <a:latin typeface="Consolas"/>
+              </a:rPr>
+              <a:t>Выполняем десериализацию</a:t>
+            </a:r>
+            <a:endParaRPr lang="en-US" dirty="0">
+              <a:solidFill>
+                <a:srgbClr val="000000"/>
+              </a:solidFill>
+              <a:latin typeface="Consolas"/>
+            </a:endParaRPr>
+          </a:p>
+          <a:p>
+            <a:pPr marL="0" indent="0">
+              <a:buNone/>
+            </a:pPr>
+            <a:r>
+              <a:rPr lang="en-US" dirty="0" smtClean="0">
+                <a:solidFill>
+                  <a:srgbClr val="0000FF"/>
+                </a:solidFill>
+                <a:latin typeface="Consolas"/>
+              </a:rPr>
+              <a:t>    using</a:t>
+            </a:r>
+            <a:r>
+              <a:rPr lang="en-US" dirty="0" smtClean="0">
+                <a:solidFill>
+                  <a:srgbClr val="000000"/>
+                </a:solidFill>
+                <a:latin typeface="Consolas"/>
+              </a:rPr>
+              <a:t> </a:t>
+            </a:r>
+            <a:r>
+              <a:rPr lang="en-US" dirty="0">
+                <a:solidFill>
+                  <a:srgbClr val="000000"/>
+                </a:solidFill>
+                <a:latin typeface="Consolas"/>
+              </a:rPr>
+              <a:t>(</a:t>
+            </a:r>
+            <a:r>
+              <a:rPr lang="en-US" dirty="0" err="1">
+                <a:solidFill>
+                  <a:srgbClr val="000000"/>
+                </a:solidFill>
+                <a:latin typeface="Consolas"/>
+              </a:rPr>
+              <a:t>FileStream</a:t>
+            </a:r>
+            <a:r>
+              <a:rPr lang="en-US" dirty="0">
+                <a:solidFill>
+                  <a:srgbClr val="000000"/>
+                </a:solidFill>
+                <a:latin typeface="Consolas"/>
+              </a:rPr>
+              <a:t> </a:t>
+            </a:r>
+            <a:r>
+              <a:rPr lang="en-US" dirty="0" err="1">
+                <a:solidFill>
+                  <a:srgbClr val="000000"/>
+                </a:solidFill>
+                <a:latin typeface="Consolas"/>
+              </a:rPr>
+              <a:t>fs</a:t>
+            </a:r>
+            <a:r>
+              <a:rPr lang="en-US" dirty="0">
+                <a:solidFill>
+                  <a:srgbClr val="000000"/>
+                </a:solidFill>
+                <a:latin typeface="Consolas"/>
+              </a:rPr>
+              <a:t> = </a:t>
+            </a:r>
+            <a:r>
+              <a:rPr lang="en-US" dirty="0" err="1">
+                <a:solidFill>
+                  <a:srgbClr val="000000"/>
+                </a:solidFill>
+                <a:latin typeface="Consolas"/>
+              </a:rPr>
+              <a:t>File.Open</a:t>
+            </a:r>
+            <a:r>
+              <a:rPr lang="en-US" dirty="0">
+                <a:solidFill>
+                  <a:srgbClr val="000000"/>
+                </a:solidFill>
+                <a:latin typeface="Consolas"/>
+              </a:rPr>
+              <a:t>(</a:t>
+            </a:r>
+            <a:r>
+              <a:rPr lang="en-US" dirty="0" err="1">
+                <a:solidFill>
+                  <a:srgbClr val="000000"/>
+                </a:solidFill>
+                <a:latin typeface="Consolas"/>
+              </a:rPr>
+              <a:t>tempFileName</a:t>
+            </a:r>
+            <a:r>
+              <a:rPr lang="en-US" dirty="0">
+                <a:solidFill>
+                  <a:srgbClr val="000000"/>
+                </a:solidFill>
+                <a:latin typeface="Consolas"/>
+              </a:rPr>
+              <a:t>, </a:t>
+            </a:r>
+            <a:r>
+              <a:rPr lang="en-US" dirty="0" err="1">
+                <a:solidFill>
+                  <a:srgbClr val="000000"/>
+                </a:solidFill>
+                <a:latin typeface="Consolas"/>
+              </a:rPr>
+              <a:t>FileMode.Open</a:t>
+            </a:r>
+            <a:r>
+              <a:rPr lang="en-US" dirty="0">
+                <a:solidFill>
+                  <a:srgbClr val="000000"/>
+                </a:solidFill>
+                <a:latin typeface="Consolas"/>
+              </a:rPr>
+              <a:t>))</a:t>
+            </a:r>
+          </a:p>
+          <a:p>
+            <a:pPr marL="0" indent="0">
+              <a:buNone/>
+            </a:pPr>
+            <a:r>
+              <a:rPr lang="en-US" dirty="0" smtClean="0">
+                <a:solidFill>
+                  <a:srgbClr val="000000"/>
+                </a:solidFill>
+                <a:latin typeface="Consolas"/>
+              </a:rPr>
+              <a:t>    {</a:t>
+            </a:r>
+            <a:endParaRPr lang="en-US" dirty="0">
+              <a:solidFill>
+                <a:srgbClr val="000000"/>
+              </a:solidFill>
+              <a:latin typeface="Consolas"/>
+            </a:endParaRPr>
+          </a:p>
+          <a:p>
+            <a:pPr marL="0" indent="0">
+              <a:buNone/>
+            </a:pPr>
+            <a:r>
+              <a:rPr lang="en-US" dirty="0" smtClean="0">
+                <a:solidFill>
+                  <a:srgbClr val="000000"/>
+                </a:solidFill>
+                <a:latin typeface="Consolas"/>
+              </a:rPr>
+              <a:t>         Train </a:t>
+            </a:r>
+            <a:r>
+              <a:rPr lang="en-US" dirty="0" err="1">
+                <a:solidFill>
+                  <a:srgbClr val="000000"/>
+                </a:solidFill>
+                <a:latin typeface="Consolas"/>
+              </a:rPr>
+              <a:t>someTrain</a:t>
+            </a:r>
+            <a:r>
+              <a:rPr lang="en-US" dirty="0">
+                <a:solidFill>
+                  <a:srgbClr val="000000"/>
+                </a:solidFill>
+                <a:latin typeface="Consolas"/>
+              </a:rPr>
+              <a:t> = (Train)</a:t>
+            </a:r>
+            <a:r>
+              <a:rPr lang="en-US" dirty="0" err="1">
+                <a:solidFill>
+                  <a:srgbClr val="000000"/>
+                </a:solidFill>
+                <a:latin typeface="Consolas"/>
+              </a:rPr>
+              <a:t>xmlSerializer.Deserialize</a:t>
+            </a:r>
+            <a:r>
+              <a:rPr lang="en-US" dirty="0">
+                <a:solidFill>
+                  <a:srgbClr val="000000"/>
+                </a:solidFill>
+                <a:latin typeface="Consolas"/>
+              </a:rPr>
+              <a:t>(</a:t>
+            </a:r>
+            <a:r>
+              <a:rPr lang="en-US" dirty="0" err="1">
+                <a:solidFill>
+                  <a:srgbClr val="000000"/>
+                </a:solidFill>
+                <a:latin typeface="Consolas"/>
+              </a:rPr>
+              <a:t>fs</a:t>
+            </a:r>
+            <a:r>
+              <a:rPr lang="en-US" dirty="0">
+                <a:solidFill>
+                  <a:srgbClr val="000000"/>
+                </a:solidFill>
+                <a:latin typeface="Consolas"/>
+              </a:rPr>
+              <a:t>);</a:t>
+            </a:r>
+          </a:p>
+          <a:p>
+            <a:pPr marL="0" indent="0">
+              <a:buNone/>
+            </a:pPr>
+            <a:r>
+              <a:rPr lang="en-US" dirty="0" smtClean="0">
+                <a:solidFill>
+                  <a:srgbClr val="000000"/>
+                </a:solidFill>
+                <a:latin typeface="Consolas"/>
+              </a:rPr>
+              <a:t>         </a:t>
+            </a:r>
+            <a:r>
+              <a:rPr lang="en-US" dirty="0" err="1" smtClean="0">
+                <a:solidFill>
+                  <a:srgbClr val="000000"/>
+                </a:solidFill>
+                <a:latin typeface="Consolas"/>
+              </a:rPr>
+              <a:t>someTrain.Print</a:t>
+            </a:r>
+            <a:r>
+              <a:rPr lang="en-US" dirty="0">
+                <a:solidFill>
+                  <a:srgbClr val="000000"/>
+                </a:solidFill>
+                <a:latin typeface="Consolas"/>
+              </a:rPr>
+              <a:t>();</a:t>
+            </a:r>
+          </a:p>
+          <a:p>
+            <a:pPr marL="0" indent="0">
+              <a:buNone/>
+            </a:pPr>
+            <a:r>
+              <a:rPr lang="en-US" dirty="0" smtClean="0">
+                <a:solidFill>
+                  <a:srgbClr val="000000"/>
+                </a:solidFill>
+                <a:latin typeface="Consolas"/>
+              </a:rPr>
+              <a:t>    }</a:t>
+            </a:r>
+            <a:endParaRPr lang="en-US" dirty="0">
+              <a:solidFill>
+                <a:srgbClr val="000000"/>
+              </a:solidFill>
+              <a:latin typeface="Consolas"/>
+            </a:endParaRPr>
+          </a:p>
+          <a:p>
+            <a:pPr marL="0" indent="0">
+              <a:buNone/>
+            </a:pPr>
+            <a:endParaRPr lang="en-US" dirty="0">
+              <a:solidFill>
+                <a:srgbClr val="000000"/>
+              </a:solidFill>
+              <a:latin typeface="Consolas"/>
+            </a:endParaRPr>
+          </a:p>
+          <a:p>
+            <a:pPr marL="0" indent="0">
+              <a:buNone/>
+            </a:pPr>
+            <a:r>
+              <a:rPr lang="en-US" dirty="0" smtClean="0">
+                <a:solidFill>
+                  <a:srgbClr val="000000"/>
+                </a:solidFill>
+                <a:latin typeface="Consolas"/>
+              </a:rPr>
+              <a:t>    </a:t>
+            </a:r>
+            <a:r>
+              <a:rPr lang="en-US" dirty="0" err="1" smtClean="0">
+                <a:solidFill>
+                  <a:srgbClr val="000000"/>
+                </a:solidFill>
+                <a:latin typeface="Consolas"/>
+              </a:rPr>
+              <a:t>File.Delete</a:t>
+            </a:r>
+            <a:r>
+              <a:rPr lang="en-US" dirty="0" smtClean="0">
+                <a:solidFill>
+                  <a:srgbClr val="000000"/>
+                </a:solidFill>
+                <a:latin typeface="Consolas"/>
+              </a:rPr>
+              <a:t>(</a:t>
+            </a:r>
+            <a:r>
+              <a:rPr lang="en-US" dirty="0" err="1" smtClean="0">
+                <a:solidFill>
+                  <a:srgbClr val="000000"/>
+                </a:solidFill>
+                <a:latin typeface="Consolas"/>
+              </a:rPr>
+              <a:t>tempFileName</a:t>
+            </a:r>
+            <a:r>
+              <a:rPr lang="en-US" dirty="0">
+                <a:solidFill>
+                  <a:srgbClr val="000000"/>
+                </a:solidFill>
+                <a:latin typeface="Consolas"/>
+              </a:rPr>
+              <a:t>);</a:t>
+            </a:r>
+          </a:p>
+          <a:p>
+            <a:pPr marL="0" indent="0">
+              <a:buNone/>
+            </a:pPr>
+            <a:r>
+              <a:rPr lang="en-US" dirty="0">
+                <a:solidFill>
+                  <a:srgbClr val="000000"/>
+                </a:solidFill>
+                <a:latin typeface="Consolas"/>
+              </a:rPr>
+              <a:t>}</a:t>
+            </a:r>
+          </a:p>
+          <a:p>
+            <a:pPr marL="0" indent="0">
+              <a:buNone/>
+            </a:pPr>
+            <a:endParaRPr lang="en-US" dirty="0"/>
+          </a:p>
+        </p:txBody>
+      </p:sp>
+    </p:spTree>
+    <p:extLst>
+      <p:ext uri="{BB962C8B-B14F-4D97-AF65-F5344CB8AC3E}">
+        <p14:creationId xmlns:p14="http://schemas.microsoft.com/office/powerpoint/2010/main" val="2544705814"/>
+      </p:ext>
+    </p:extLst>
+  </p:cSld>
+  <p:clrMapOvr>
+    <a:masterClrMapping/>
+  </p:clrMapOvr>
+</p:sld>
+</file>
+
+<file path=ppt/slides/slide19.xml><?xml version="1.0" encoding="utf-8"?>
 <p:sld xmlns:a="http://schemas.openxmlformats.org/drawingml/2006/main" xmlns:r="http://schemas.openxmlformats.org/officeDocument/2006/relationships" xmlns:p="http://schemas.openxmlformats.org/presentationml/2006/main">
   <p:cSld>
     <p:bg>

--- a/Presentation/lesson-04-io.pptx
+++ b/Presentation/lesson-04-io.pptx
@@ -308,7 +308,7 @@
           <a:p>
             <a:fld id="{FAECF776-F836-4CCD-9497-99E5597B8B5D}" type="datetimeFigureOut">
               <a:rPr lang="en-US" smtClean="0"/>
-              <a:t>9/4/2013</a:t>
+              <a:t>10/4/2013</a:t>
             </a:fld>
             <a:endParaRPr lang="en-US"/>
           </a:p>
@@ -478,7 +478,7 @@
           <a:p>
             <a:fld id="{FAECF776-F836-4CCD-9497-99E5597B8B5D}" type="datetimeFigureOut">
               <a:rPr lang="en-US" smtClean="0"/>
-              <a:t>9/4/2013</a:t>
+              <a:t>10/4/2013</a:t>
             </a:fld>
             <a:endParaRPr lang="en-US"/>
           </a:p>
@@ -658,7 +658,7 @@
           <a:p>
             <a:fld id="{FAECF776-F836-4CCD-9497-99E5597B8B5D}" type="datetimeFigureOut">
               <a:rPr lang="en-US" smtClean="0"/>
-              <a:t>9/4/2013</a:t>
+              <a:t>10/4/2013</a:t>
             </a:fld>
             <a:endParaRPr lang="en-US"/>
           </a:p>
@@ -828,7 +828,7 @@
           <a:p>
             <a:fld id="{FAECF776-F836-4CCD-9497-99E5597B8B5D}" type="datetimeFigureOut">
               <a:rPr lang="en-US" smtClean="0"/>
-              <a:t>9/4/2013</a:t>
+              <a:t>10/4/2013</a:t>
             </a:fld>
             <a:endParaRPr lang="en-US"/>
           </a:p>
@@ -1074,7 +1074,7 @@
           <a:p>
             <a:fld id="{FAECF776-F836-4CCD-9497-99E5597B8B5D}" type="datetimeFigureOut">
               <a:rPr lang="en-US" smtClean="0"/>
-              <a:t>9/4/2013</a:t>
+              <a:t>10/4/2013</a:t>
             </a:fld>
             <a:endParaRPr lang="en-US"/>
           </a:p>
@@ -1362,7 +1362,7 @@
           <a:p>
             <a:fld id="{FAECF776-F836-4CCD-9497-99E5597B8B5D}" type="datetimeFigureOut">
               <a:rPr lang="en-US" smtClean="0"/>
-              <a:t>9/4/2013</a:t>
+              <a:t>10/4/2013</a:t>
             </a:fld>
             <a:endParaRPr lang="en-US"/>
           </a:p>
@@ -1784,7 +1784,7 @@
           <a:p>
             <a:fld id="{FAECF776-F836-4CCD-9497-99E5597B8B5D}" type="datetimeFigureOut">
               <a:rPr lang="en-US" smtClean="0"/>
-              <a:t>9/4/2013</a:t>
+              <a:t>10/4/2013</a:t>
             </a:fld>
             <a:endParaRPr lang="en-US"/>
           </a:p>
@@ -1902,7 +1902,7 @@
           <a:p>
             <a:fld id="{FAECF776-F836-4CCD-9497-99E5597B8B5D}" type="datetimeFigureOut">
               <a:rPr lang="en-US" smtClean="0"/>
-              <a:t>9/4/2013</a:t>
+              <a:t>10/4/2013</a:t>
             </a:fld>
             <a:endParaRPr lang="en-US"/>
           </a:p>
@@ -1997,7 +1997,7 @@
           <a:p>
             <a:fld id="{FAECF776-F836-4CCD-9497-99E5597B8B5D}" type="datetimeFigureOut">
               <a:rPr lang="en-US" smtClean="0"/>
-              <a:t>9/4/2013</a:t>
+              <a:t>10/4/2013</a:t>
             </a:fld>
             <a:endParaRPr lang="en-US"/>
           </a:p>
@@ -2274,7 +2274,7 @@
           <a:p>
             <a:fld id="{FAECF776-F836-4CCD-9497-99E5597B8B5D}" type="datetimeFigureOut">
               <a:rPr lang="en-US" smtClean="0"/>
-              <a:t>9/4/2013</a:t>
+              <a:t>10/4/2013</a:t>
             </a:fld>
             <a:endParaRPr lang="en-US"/>
           </a:p>
@@ -2527,7 +2527,7 @@
           <a:p>
             <a:fld id="{FAECF776-F836-4CCD-9497-99E5597B8B5D}" type="datetimeFigureOut">
               <a:rPr lang="en-US" smtClean="0"/>
-              <a:t>9/4/2013</a:t>
+              <a:t>10/4/2013</a:t>
             </a:fld>
             <a:endParaRPr lang="en-US"/>
           </a:p>
@@ -2740,7 +2740,7 @@
           <a:p>
             <a:fld id="{FAECF776-F836-4CCD-9497-99E5597B8B5D}" type="datetimeFigureOut">
               <a:rPr lang="en-US" smtClean="0"/>
-              <a:t>9/4/2013</a:t>
+              <a:t>10/4/2013</a:t>
             </a:fld>
             <a:endParaRPr lang="en-US"/>
           </a:p>
@@ -16937,15 +16937,9 @@
   <p:cSld>
     <p:bg>
       <p:bgPr>
-        <a:blipFill dpi="0" rotWithShape="1">
-          <a:blip r:embed="rId2">
-            <a:lum/>
-          </a:blip>
-          <a:srcRect/>
-          <a:stretch>
-            <a:fillRect/>
-          </a:stretch>
-        </a:blipFill>
+        <a:solidFill>
+          <a:srgbClr val="6600CC"/>
+        </a:solidFill>
         <a:effectLst/>
       </p:bgPr>
     </p:bg>

--- a/Presentation/lesson-04-io.pptx
+++ b/Presentation/lesson-04-io.pptx
@@ -3,29 +3,31 @@
 <p:presentation xmlns:a="http://schemas.openxmlformats.org/drawingml/2006/main" xmlns:r="http://schemas.openxmlformats.org/officeDocument/2006/relationships" xmlns:p="http://schemas.openxmlformats.org/presentationml/2006/main" saveSubsetFonts="1">
   <p:sldMasterIdLst>
     <p:sldMasterId id="2147483648" r:id="rId1"/>
+    <p:sldMasterId id="2147483660" r:id="rId2"/>
   </p:sldMasterIdLst>
   <p:sldIdLst>
-    <p:sldId id="257" r:id="rId2"/>
-    <p:sldId id="276" r:id="rId3"/>
-    <p:sldId id="259" r:id="rId4"/>
-    <p:sldId id="273" r:id="rId5"/>
-    <p:sldId id="274" r:id="rId6"/>
-    <p:sldId id="281" r:id="rId7"/>
-    <p:sldId id="282" r:id="rId8"/>
-    <p:sldId id="260" r:id="rId9"/>
-    <p:sldId id="261" r:id="rId10"/>
-    <p:sldId id="262" r:id="rId11"/>
-    <p:sldId id="263" r:id="rId12"/>
-    <p:sldId id="275" r:id="rId13"/>
-    <p:sldId id="264" r:id="rId14"/>
-    <p:sldId id="265" r:id="rId15"/>
-    <p:sldId id="266" r:id="rId16"/>
-    <p:sldId id="267" r:id="rId17"/>
-    <p:sldId id="268" r:id="rId18"/>
-    <p:sldId id="278" r:id="rId19"/>
-    <p:sldId id="279" r:id="rId20"/>
-    <p:sldId id="280" r:id="rId21"/>
-    <p:sldId id="271" r:id="rId22"/>
+    <p:sldId id="257" r:id="rId3"/>
+    <p:sldId id="276" r:id="rId4"/>
+    <p:sldId id="259" r:id="rId5"/>
+    <p:sldId id="273" r:id="rId6"/>
+    <p:sldId id="274" r:id="rId7"/>
+    <p:sldId id="281" r:id="rId8"/>
+    <p:sldId id="282" r:id="rId9"/>
+    <p:sldId id="260" r:id="rId10"/>
+    <p:sldId id="261" r:id="rId11"/>
+    <p:sldId id="262" r:id="rId12"/>
+    <p:sldId id="283" r:id="rId13"/>
+    <p:sldId id="263" r:id="rId14"/>
+    <p:sldId id="275" r:id="rId15"/>
+    <p:sldId id="264" r:id="rId16"/>
+    <p:sldId id="265" r:id="rId17"/>
+    <p:sldId id="266" r:id="rId18"/>
+    <p:sldId id="267" r:id="rId19"/>
+    <p:sldId id="268" r:id="rId20"/>
+    <p:sldId id="278" r:id="rId21"/>
+    <p:sldId id="279" r:id="rId22"/>
+    <p:sldId id="280" r:id="rId23"/>
+    <p:sldId id="271" r:id="rId24"/>
   </p:sldIdLst>
   <p:sldSz cx="9144000" cy="6858000" type="screen4x3"/>
   <p:notesSz cx="6858000" cy="9144000"/>
@@ -308,7 +310,7 @@
           <a:p>
             <a:fld id="{FAECF776-F836-4CCD-9497-99E5597B8B5D}" type="datetimeFigureOut">
               <a:rPr lang="en-US" smtClean="0"/>
-              <a:t>10/4/2013</a:t>
+              <a:t>10/25/2013</a:t>
             </a:fld>
             <a:endParaRPr lang="en-US"/>
           </a:p>
@@ -478,7 +480,7 @@
           <a:p>
             <a:fld id="{FAECF776-F836-4CCD-9497-99E5597B8B5D}" type="datetimeFigureOut">
               <a:rPr lang="en-US" smtClean="0"/>
-              <a:t>10/4/2013</a:t>
+              <a:t>10/25/2013</a:t>
             </a:fld>
             <a:endParaRPr lang="en-US"/>
           </a:p>
@@ -658,7 +660,7 @@
           <a:p>
             <a:fld id="{FAECF776-F836-4CCD-9497-99E5597B8B5D}" type="datetimeFigureOut">
               <a:rPr lang="en-US" smtClean="0"/>
-              <a:t>10/4/2013</a:t>
+              <a:t>10/25/2013</a:t>
             </a:fld>
             <a:endParaRPr lang="en-US"/>
           </a:p>
@@ -719,7 +721,281 @@
 </p:sldLayout>
 </file>
 
-<file path=ppt/slideLayouts/slideLayout2.xml><?xml version="1.0" encoding="utf-8"?>
+<file path=ppt/slideLayouts/slideLayout12.xml><?xml version="1.0" encoding="utf-8"?>
+<p:sldLayout xmlns:a="http://schemas.openxmlformats.org/drawingml/2006/main" xmlns:r="http://schemas.openxmlformats.org/officeDocument/2006/relationships" xmlns:p="http://schemas.openxmlformats.org/presentationml/2006/main" type="title" preserve="1">
+  <p:cSld name="Title Slide">
+    <p:spTree>
+      <p:nvGrpSpPr>
+        <p:cNvPr id="1" name=""/>
+        <p:cNvGrpSpPr/>
+        <p:nvPr/>
+      </p:nvGrpSpPr>
+      <p:grpSpPr>
+        <a:xfrm>
+          <a:off x="0" y="0"/>
+          <a:ext cx="0" cy="0"/>
+          <a:chOff x="0" y="0"/>
+          <a:chExt cx="0" cy="0"/>
+        </a:xfrm>
+      </p:grpSpPr>
+      <p:sp>
+        <p:nvSpPr>
+          <p:cNvPr id="2" name="Title 1"/>
+          <p:cNvSpPr>
+            <a:spLocks noGrp="1"/>
+          </p:cNvSpPr>
+          <p:nvPr>
+            <p:ph type="ctrTitle"/>
+          </p:nvPr>
+        </p:nvSpPr>
+        <p:spPr>
+          <a:xfrm>
+            <a:off x="685800" y="2130425"/>
+            <a:ext cx="7772400" cy="1470025"/>
+          </a:xfrm>
+        </p:spPr>
+        <p:txBody>
+          <a:bodyPr/>
+          <a:lstStyle/>
+          <a:p>
+            <a:r>
+              <a:rPr lang="en-US" smtClean="0"/>
+              <a:t>Click to edit Master title style</a:t>
+            </a:r>
+            <a:endParaRPr lang="en-US"/>
+          </a:p>
+        </p:txBody>
+      </p:sp>
+      <p:sp>
+        <p:nvSpPr>
+          <p:cNvPr id="3" name="Subtitle 2"/>
+          <p:cNvSpPr>
+            <a:spLocks noGrp="1"/>
+          </p:cNvSpPr>
+          <p:nvPr>
+            <p:ph type="subTitle" idx="1"/>
+          </p:nvPr>
+        </p:nvSpPr>
+        <p:spPr>
+          <a:xfrm>
+            <a:off x="1371600" y="3886200"/>
+            <a:ext cx="6400800" cy="1752600"/>
+          </a:xfrm>
+        </p:spPr>
+        <p:txBody>
+          <a:bodyPr/>
+          <a:lstStyle>
+            <a:lvl1pPr marL="0" indent="0" algn="ctr">
+              <a:buNone/>
+              <a:defRPr>
+                <a:solidFill>
+                  <a:schemeClr val="tx1">
+                    <a:tint val="75000"/>
+                  </a:schemeClr>
+                </a:solidFill>
+              </a:defRPr>
+            </a:lvl1pPr>
+            <a:lvl2pPr marL="457200" indent="0" algn="ctr">
+              <a:buNone/>
+              <a:defRPr>
+                <a:solidFill>
+                  <a:schemeClr val="tx1">
+                    <a:tint val="75000"/>
+                  </a:schemeClr>
+                </a:solidFill>
+              </a:defRPr>
+            </a:lvl2pPr>
+            <a:lvl3pPr marL="914400" indent="0" algn="ctr">
+              <a:buNone/>
+              <a:defRPr>
+                <a:solidFill>
+                  <a:schemeClr val="tx1">
+                    <a:tint val="75000"/>
+                  </a:schemeClr>
+                </a:solidFill>
+              </a:defRPr>
+            </a:lvl3pPr>
+            <a:lvl4pPr marL="1371600" indent="0" algn="ctr">
+              <a:buNone/>
+              <a:defRPr>
+                <a:solidFill>
+                  <a:schemeClr val="tx1">
+                    <a:tint val="75000"/>
+                  </a:schemeClr>
+                </a:solidFill>
+              </a:defRPr>
+            </a:lvl4pPr>
+            <a:lvl5pPr marL="1828800" indent="0" algn="ctr">
+              <a:buNone/>
+              <a:defRPr>
+                <a:solidFill>
+                  <a:schemeClr val="tx1">
+                    <a:tint val="75000"/>
+                  </a:schemeClr>
+                </a:solidFill>
+              </a:defRPr>
+            </a:lvl5pPr>
+            <a:lvl6pPr marL="2286000" indent="0" algn="ctr">
+              <a:buNone/>
+              <a:defRPr>
+                <a:solidFill>
+                  <a:schemeClr val="tx1">
+                    <a:tint val="75000"/>
+                  </a:schemeClr>
+                </a:solidFill>
+              </a:defRPr>
+            </a:lvl6pPr>
+            <a:lvl7pPr marL="2743200" indent="0" algn="ctr">
+              <a:buNone/>
+              <a:defRPr>
+                <a:solidFill>
+                  <a:schemeClr val="tx1">
+                    <a:tint val="75000"/>
+                  </a:schemeClr>
+                </a:solidFill>
+              </a:defRPr>
+            </a:lvl7pPr>
+            <a:lvl8pPr marL="3200400" indent="0" algn="ctr">
+              <a:buNone/>
+              <a:defRPr>
+                <a:solidFill>
+                  <a:schemeClr val="tx1">
+                    <a:tint val="75000"/>
+                  </a:schemeClr>
+                </a:solidFill>
+              </a:defRPr>
+            </a:lvl8pPr>
+            <a:lvl9pPr marL="3657600" indent="0" algn="ctr">
+              <a:buNone/>
+              <a:defRPr>
+                <a:solidFill>
+                  <a:schemeClr val="tx1">
+                    <a:tint val="75000"/>
+                  </a:schemeClr>
+                </a:solidFill>
+              </a:defRPr>
+            </a:lvl9pPr>
+          </a:lstStyle>
+          <a:p>
+            <a:r>
+              <a:rPr lang="en-US" smtClean="0"/>
+              <a:t>Click to edit Master subtitle style</a:t>
+            </a:r>
+            <a:endParaRPr lang="en-US"/>
+          </a:p>
+        </p:txBody>
+      </p:sp>
+      <p:sp>
+        <p:nvSpPr>
+          <p:cNvPr id="4" name="Date Placeholder 3"/>
+          <p:cNvSpPr>
+            <a:spLocks noGrp="1"/>
+          </p:cNvSpPr>
+          <p:nvPr>
+            <p:ph type="dt" sz="half" idx="10"/>
+          </p:nvPr>
+        </p:nvSpPr>
+        <p:spPr/>
+        <p:txBody>
+          <a:bodyPr/>
+          <a:lstStyle/>
+          <a:p>
+            <a:fld id="{FAECF776-F836-4CCD-9497-99E5597B8B5D}" type="datetimeFigureOut">
+              <a:rPr lang="en-US" smtClean="0">
+                <a:solidFill>
+                  <a:srgbClr val="FFFFFF">
+                    <a:tint val="75000"/>
+                  </a:srgbClr>
+                </a:solidFill>
+              </a:rPr>
+              <a:pPr/>
+              <a:t>10/25/2013</a:t>
+            </a:fld>
+            <a:endParaRPr lang="en-US">
+              <a:solidFill>
+                <a:srgbClr val="FFFFFF">
+                  <a:tint val="75000"/>
+                </a:srgbClr>
+              </a:solidFill>
+            </a:endParaRPr>
+          </a:p>
+        </p:txBody>
+      </p:sp>
+      <p:sp>
+        <p:nvSpPr>
+          <p:cNvPr id="5" name="Footer Placeholder 4"/>
+          <p:cNvSpPr>
+            <a:spLocks noGrp="1"/>
+          </p:cNvSpPr>
+          <p:nvPr>
+            <p:ph type="ftr" sz="quarter" idx="11"/>
+          </p:nvPr>
+        </p:nvSpPr>
+        <p:spPr/>
+        <p:txBody>
+          <a:bodyPr/>
+          <a:lstStyle/>
+          <a:p>
+            <a:endParaRPr lang="en-US">
+              <a:solidFill>
+                <a:srgbClr val="FFFFFF">
+                  <a:tint val="75000"/>
+                </a:srgbClr>
+              </a:solidFill>
+            </a:endParaRPr>
+          </a:p>
+        </p:txBody>
+      </p:sp>
+      <p:sp>
+        <p:nvSpPr>
+          <p:cNvPr id="6" name="Slide Number Placeholder 5"/>
+          <p:cNvSpPr>
+            <a:spLocks noGrp="1"/>
+          </p:cNvSpPr>
+          <p:nvPr>
+            <p:ph type="sldNum" sz="quarter" idx="12"/>
+          </p:nvPr>
+        </p:nvSpPr>
+        <p:spPr/>
+        <p:txBody>
+          <a:bodyPr/>
+          <a:lstStyle/>
+          <a:p>
+            <a:fld id="{1D5D0CD0-1042-4BF2-A1CE-64E2CC09D32B}" type="slidenum">
+              <a:rPr lang="en-US" smtClean="0">
+                <a:solidFill>
+                  <a:srgbClr val="FFFFFF">
+                    <a:tint val="75000"/>
+                  </a:srgbClr>
+                </a:solidFill>
+              </a:rPr>
+              <a:pPr/>
+              <a:t>‹#›</a:t>
+            </a:fld>
+            <a:endParaRPr lang="en-US">
+              <a:solidFill>
+                <a:srgbClr val="FFFFFF">
+                  <a:tint val="75000"/>
+                </a:srgbClr>
+              </a:solidFill>
+            </a:endParaRPr>
+          </a:p>
+        </p:txBody>
+      </p:sp>
+    </p:spTree>
+    <p:extLst>
+      <p:ext uri="{BB962C8B-B14F-4D97-AF65-F5344CB8AC3E}">
+        <p14:creationId xmlns:p14="http://schemas.microsoft.com/office/powerpoint/2010/main" val="56507503"/>
+      </p:ext>
+    </p:extLst>
+  </p:cSld>
+  <p:clrMapOvr>
+    <a:masterClrMapping/>
+  </p:clrMapOvr>
+</p:sldLayout>
+</file>
+
+<file path=ppt/slideLayouts/slideLayout13.xml><?xml version="1.0" encoding="utf-8"?>
 <p:sldLayout xmlns:a="http://schemas.openxmlformats.org/drawingml/2006/main" xmlns:r="http://schemas.openxmlformats.org/officeDocument/2006/relationships" xmlns:p="http://schemas.openxmlformats.org/presentationml/2006/main" type="obj" preserve="1">
   <p:cSld name="Title and Content">
     <p:spTree>
@@ -827,10 +1103,23 @@
           <a:lstStyle/>
           <a:p>
             <a:fld id="{FAECF776-F836-4CCD-9497-99E5597B8B5D}" type="datetimeFigureOut">
-              <a:rPr lang="en-US" smtClean="0"/>
-              <a:t>10/4/2013</a:t>
+              <a:rPr lang="en-US" smtClean="0">
+                <a:solidFill>
+                  <a:srgbClr val="FFFFFF">
+                    <a:tint val="75000"/>
+                  </a:srgbClr>
+                </a:solidFill>
+              </a:rPr>
+              <a:pPr/>
+              <a:t>10/25/2013</a:t>
             </a:fld>
-            <a:endParaRPr lang="en-US"/>
+            <a:endParaRPr lang="en-US">
+              <a:solidFill>
+                <a:srgbClr val="FFFFFF">
+                  <a:tint val="75000"/>
+                </a:srgbClr>
+              </a:solidFill>
+            </a:endParaRPr>
           </a:p>
         </p:txBody>
       </p:sp>
@@ -849,7 +1138,13 @@
           <a:bodyPr/>
           <a:lstStyle/>
           <a:p>
-            <a:endParaRPr lang="en-US"/>
+            <a:endParaRPr lang="en-US">
+              <a:solidFill>
+                <a:srgbClr val="FFFFFF">
+                  <a:tint val="75000"/>
+                </a:srgbClr>
+              </a:solidFill>
+            </a:endParaRPr>
           </a:p>
         </p:txBody>
       </p:sp>
@@ -869,17 +1164,30 @@
           <a:lstStyle/>
           <a:p>
             <a:fld id="{1D5D0CD0-1042-4BF2-A1CE-64E2CC09D32B}" type="slidenum">
-              <a:rPr lang="en-US" smtClean="0"/>
+              <a:rPr lang="en-US" smtClean="0">
+                <a:solidFill>
+                  <a:srgbClr val="FFFFFF">
+                    <a:tint val="75000"/>
+                  </a:srgbClr>
+                </a:solidFill>
+              </a:rPr>
+              <a:pPr/>
               <a:t>‹#›</a:t>
             </a:fld>
-            <a:endParaRPr lang="en-US"/>
+            <a:endParaRPr lang="en-US">
+              <a:solidFill>
+                <a:srgbClr val="FFFFFF">
+                  <a:tint val="75000"/>
+                </a:srgbClr>
+              </a:solidFill>
+            </a:endParaRPr>
           </a:p>
         </p:txBody>
       </p:sp>
     </p:spTree>
     <p:extLst>
       <p:ext uri="{BB962C8B-B14F-4D97-AF65-F5344CB8AC3E}">
-        <p14:creationId xmlns:p14="http://schemas.microsoft.com/office/powerpoint/2010/main" val="299702478"/>
+        <p14:creationId xmlns:p14="http://schemas.microsoft.com/office/powerpoint/2010/main" val="419464966"/>
       </p:ext>
     </p:extLst>
   </p:cSld>
@@ -889,7 +1197,7 @@
 </p:sldLayout>
 </file>
 
-<file path=ppt/slideLayouts/slideLayout3.xml><?xml version="1.0" encoding="utf-8"?>
+<file path=ppt/slideLayouts/slideLayout14.xml><?xml version="1.0" encoding="utf-8"?>
 <p:sldLayout xmlns:a="http://schemas.openxmlformats.org/drawingml/2006/main" xmlns:r="http://schemas.openxmlformats.org/officeDocument/2006/relationships" xmlns:p="http://schemas.openxmlformats.org/presentationml/2006/main" type="secHead" preserve="1">
   <p:cSld name="Section Header">
     <p:spTree>
@@ -1073,10 +1381,23 @@
           <a:lstStyle/>
           <a:p>
             <a:fld id="{FAECF776-F836-4CCD-9497-99E5597B8B5D}" type="datetimeFigureOut">
-              <a:rPr lang="en-US" smtClean="0"/>
-              <a:t>10/4/2013</a:t>
+              <a:rPr lang="en-US" smtClean="0">
+                <a:solidFill>
+                  <a:srgbClr val="FFFFFF">
+                    <a:tint val="75000"/>
+                  </a:srgbClr>
+                </a:solidFill>
+              </a:rPr>
+              <a:pPr/>
+              <a:t>10/25/2013</a:t>
             </a:fld>
-            <a:endParaRPr lang="en-US"/>
+            <a:endParaRPr lang="en-US">
+              <a:solidFill>
+                <a:srgbClr val="FFFFFF">
+                  <a:tint val="75000"/>
+                </a:srgbClr>
+              </a:solidFill>
+            </a:endParaRPr>
           </a:p>
         </p:txBody>
       </p:sp>
@@ -1095,7 +1416,13 @@
           <a:bodyPr/>
           <a:lstStyle/>
           <a:p>
-            <a:endParaRPr lang="en-US"/>
+            <a:endParaRPr lang="en-US">
+              <a:solidFill>
+                <a:srgbClr val="FFFFFF">
+                  <a:tint val="75000"/>
+                </a:srgbClr>
+              </a:solidFill>
+            </a:endParaRPr>
           </a:p>
         </p:txBody>
       </p:sp>
@@ -1115,17 +1442,30 @@
           <a:lstStyle/>
           <a:p>
             <a:fld id="{1D5D0CD0-1042-4BF2-A1CE-64E2CC09D32B}" type="slidenum">
-              <a:rPr lang="en-US" smtClean="0"/>
+              <a:rPr lang="en-US" smtClean="0">
+                <a:solidFill>
+                  <a:srgbClr val="FFFFFF">
+                    <a:tint val="75000"/>
+                  </a:srgbClr>
+                </a:solidFill>
+              </a:rPr>
+              <a:pPr/>
               <a:t>‹#›</a:t>
             </a:fld>
-            <a:endParaRPr lang="en-US"/>
+            <a:endParaRPr lang="en-US">
+              <a:solidFill>
+                <a:srgbClr val="FFFFFF">
+                  <a:tint val="75000"/>
+                </a:srgbClr>
+              </a:solidFill>
+            </a:endParaRPr>
           </a:p>
         </p:txBody>
       </p:sp>
     </p:spTree>
     <p:extLst>
       <p:ext uri="{BB962C8B-B14F-4D97-AF65-F5344CB8AC3E}">
-        <p14:creationId xmlns:p14="http://schemas.microsoft.com/office/powerpoint/2010/main" val="3816605563"/>
+        <p14:creationId xmlns:p14="http://schemas.microsoft.com/office/powerpoint/2010/main" val="1744808785"/>
       </p:ext>
     </p:extLst>
   </p:cSld>
@@ -1135,7 +1475,7 @@
 </p:sldLayout>
 </file>
 
-<file path=ppt/slideLayouts/slideLayout4.xml><?xml version="1.0" encoding="utf-8"?>
+<file path=ppt/slideLayouts/slideLayout15.xml><?xml version="1.0" encoding="utf-8"?>
 <p:sldLayout xmlns:a="http://schemas.openxmlformats.org/drawingml/2006/main" xmlns:r="http://schemas.openxmlformats.org/officeDocument/2006/relationships" xmlns:p="http://schemas.openxmlformats.org/presentationml/2006/main" type="twoObj" preserve="1">
   <p:cSld name="Two Content">
     <p:spTree>
@@ -1361,10 +1701,23 @@
           <a:lstStyle/>
           <a:p>
             <a:fld id="{FAECF776-F836-4CCD-9497-99E5597B8B5D}" type="datetimeFigureOut">
-              <a:rPr lang="en-US" smtClean="0"/>
-              <a:t>10/4/2013</a:t>
+              <a:rPr lang="en-US" smtClean="0">
+                <a:solidFill>
+                  <a:srgbClr val="FFFFFF">
+                    <a:tint val="75000"/>
+                  </a:srgbClr>
+                </a:solidFill>
+              </a:rPr>
+              <a:pPr/>
+              <a:t>10/25/2013</a:t>
             </a:fld>
-            <a:endParaRPr lang="en-US"/>
+            <a:endParaRPr lang="en-US">
+              <a:solidFill>
+                <a:srgbClr val="FFFFFF">
+                  <a:tint val="75000"/>
+                </a:srgbClr>
+              </a:solidFill>
+            </a:endParaRPr>
           </a:p>
         </p:txBody>
       </p:sp>
@@ -1383,7 +1736,13 @@
           <a:bodyPr/>
           <a:lstStyle/>
           <a:p>
-            <a:endParaRPr lang="en-US"/>
+            <a:endParaRPr lang="en-US">
+              <a:solidFill>
+                <a:srgbClr val="FFFFFF">
+                  <a:tint val="75000"/>
+                </a:srgbClr>
+              </a:solidFill>
+            </a:endParaRPr>
           </a:p>
         </p:txBody>
       </p:sp>
@@ -1403,17 +1762,30 @@
           <a:lstStyle/>
           <a:p>
             <a:fld id="{1D5D0CD0-1042-4BF2-A1CE-64E2CC09D32B}" type="slidenum">
-              <a:rPr lang="en-US" smtClean="0"/>
+              <a:rPr lang="en-US" smtClean="0">
+                <a:solidFill>
+                  <a:srgbClr val="FFFFFF">
+                    <a:tint val="75000"/>
+                  </a:srgbClr>
+                </a:solidFill>
+              </a:rPr>
+              <a:pPr/>
               <a:t>‹#›</a:t>
             </a:fld>
-            <a:endParaRPr lang="en-US"/>
+            <a:endParaRPr lang="en-US">
+              <a:solidFill>
+                <a:srgbClr val="FFFFFF">
+                  <a:tint val="75000"/>
+                </a:srgbClr>
+              </a:solidFill>
+            </a:endParaRPr>
           </a:p>
         </p:txBody>
       </p:sp>
     </p:spTree>
     <p:extLst>
       <p:ext uri="{BB962C8B-B14F-4D97-AF65-F5344CB8AC3E}">
-        <p14:creationId xmlns:p14="http://schemas.microsoft.com/office/powerpoint/2010/main" val="1562152596"/>
+        <p14:creationId xmlns:p14="http://schemas.microsoft.com/office/powerpoint/2010/main" val="2751138702"/>
       </p:ext>
     </p:extLst>
   </p:cSld>
@@ -1423,7 +1795,7 @@
 </p:sldLayout>
 </file>
 
-<file path=ppt/slideLayouts/slideLayout5.xml><?xml version="1.0" encoding="utf-8"?>
+<file path=ppt/slideLayouts/slideLayout16.xml><?xml version="1.0" encoding="utf-8"?>
 <p:sldLayout xmlns:a="http://schemas.openxmlformats.org/drawingml/2006/main" xmlns:r="http://schemas.openxmlformats.org/officeDocument/2006/relationships" xmlns:p="http://schemas.openxmlformats.org/presentationml/2006/main" type="twoTxTwoObj" preserve="1">
   <p:cSld name="Comparison">
     <p:spTree>
@@ -1783,10 +2155,23 @@
           <a:lstStyle/>
           <a:p>
             <a:fld id="{FAECF776-F836-4CCD-9497-99E5597B8B5D}" type="datetimeFigureOut">
-              <a:rPr lang="en-US" smtClean="0"/>
-              <a:t>10/4/2013</a:t>
+              <a:rPr lang="en-US" smtClean="0">
+                <a:solidFill>
+                  <a:srgbClr val="FFFFFF">
+                    <a:tint val="75000"/>
+                  </a:srgbClr>
+                </a:solidFill>
+              </a:rPr>
+              <a:pPr/>
+              <a:t>10/25/2013</a:t>
             </a:fld>
-            <a:endParaRPr lang="en-US"/>
+            <a:endParaRPr lang="en-US">
+              <a:solidFill>
+                <a:srgbClr val="FFFFFF">
+                  <a:tint val="75000"/>
+                </a:srgbClr>
+              </a:solidFill>
+            </a:endParaRPr>
           </a:p>
         </p:txBody>
       </p:sp>
@@ -1805,7 +2190,13 @@
           <a:bodyPr/>
           <a:lstStyle/>
           <a:p>
-            <a:endParaRPr lang="en-US"/>
+            <a:endParaRPr lang="en-US">
+              <a:solidFill>
+                <a:srgbClr val="FFFFFF">
+                  <a:tint val="75000"/>
+                </a:srgbClr>
+              </a:solidFill>
+            </a:endParaRPr>
           </a:p>
         </p:txBody>
       </p:sp>
@@ -1825,17 +2216,30 @@
           <a:lstStyle/>
           <a:p>
             <a:fld id="{1D5D0CD0-1042-4BF2-A1CE-64E2CC09D32B}" type="slidenum">
-              <a:rPr lang="en-US" smtClean="0"/>
+              <a:rPr lang="en-US" smtClean="0">
+                <a:solidFill>
+                  <a:srgbClr val="FFFFFF">
+                    <a:tint val="75000"/>
+                  </a:srgbClr>
+                </a:solidFill>
+              </a:rPr>
+              <a:pPr/>
               <a:t>‹#›</a:t>
             </a:fld>
-            <a:endParaRPr lang="en-US"/>
+            <a:endParaRPr lang="en-US">
+              <a:solidFill>
+                <a:srgbClr val="FFFFFF">
+                  <a:tint val="75000"/>
+                </a:srgbClr>
+              </a:solidFill>
+            </a:endParaRPr>
           </a:p>
         </p:txBody>
       </p:sp>
     </p:spTree>
     <p:extLst>
       <p:ext uri="{BB962C8B-B14F-4D97-AF65-F5344CB8AC3E}">
-        <p14:creationId xmlns:p14="http://schemas.microsoft.com/office/powerpoint/2010/main" val="1363409114"/>
+        <p14:creationId xmlns:p14="http://schemas.microsoft.com/office/powerpoint/2010/main" val="1245271837"/>
       </p:ext>
     </p:extLst>
   </p:cSld>
@@ -1845,7 +2249,7 @@
 </p:sldLayout>
 </file>
 
-<file path=ppt/slideLayouts/slideLayout6.xml><?xml version="1.0" encoding="utf-8"?>
+<file path=ppt/slideLayouts/slideLayout17.xml><?xml version="1.0" encoding="utf-8"?>
 <p:sldLayout xmlns:a="http://schemas.openxmlformats.org/drawingml/2006/main" xmlns:r="http://schemas.openxmlformats.org/officeDocument/2006/relationships" xmlns:p="http://schemas.openxmlformats.org/presentationml/2006/main" type="titleOnly" preserve="1">
   <p:cSld name="Title Only">
     <p:spTree>
@@ -1901,10 +2305,23 @@
           <a:lstStyle/>
           <a:p>
             <a:fld id="{FAECF776-F836-4CCD-9497-99E5597B8B5D}" type="datetimeFigureOut">
-              <a:rPr lang="en-US" smtClean="0"/>
-              <a:t>10/4/2013</a:t>
+              <a:rPr lang="en-US" smtClean="0">
+                <a:solidFill>
+                  <a:srgbClr val="FFFFFF">
+                    <a:tint val="75000"/>
+                  </a:srgbClr>
+                </a:solidFill>
+              </a:rPr>
+              <a:pPr/>
+              <a:t>10/25/2013</a:t>
             </a:fld>
-            <a:endParaRPr lang="en-US"/>
+            <a:endParaRPr lang="en-US">
+              <a:solidFill>
+                <a:srgbClr val="FFFFFF">
+                  <a:tint val="75000"/>
+                </a:srgbClr>
+              </a:solidFill>
+            </a:endParaRPr>
           </a:p>
         </p:txBody>
       </p:sp>
@@ -1923,7 +2340,13 @@
           <a:bodyPr/>
           <a:lstStyle/>
           <a:p>
-            <a:endParaRPr lang="en-US"/>
+            <a:endParaRPr lang="en-US">
+              <a:solidFill>
+                <a:srgbClr val="FFFFFF">
+                  <a:tint val="75000"/>
+                </a:srgbClr>
+              </a:solidFill>
+            </a:endParaRPr>
           </a:p>
         </p:txBody>
       </p:sp>
@@ -1943,17 +2366,30 @@
           <a:lstStyle/>
           <a:p>
             <a:fld id="{1D5D0CD0-1042-4BF2-A1CE-64E2CC09D32B}" type="slidenum">
-              <a:rPr lang="en-US" smtClean="0"/>
+              <a:rPr lang="en-US" smtClean="0">
+                <a:solidFill>
+                  <a:srgbClr val="FFFFFF">
+                    <a:tint val="75000"/>
+                  </a:srgbClr>
+                </a:solidFill>
+              </a:rPr>
+              <a:pPr/>
               <a:t>‹#›</a:t>
             </a:fld>
-            <a:endParaRPr lang="en-US"/>
+            <a:endParaRPr lang="en-US">
+              <a:solidFill>
+                <a:srgbClr val="FFFFFF">
+                  <a:tint val="75000"/>
+                </a:srgbClr>
+              </a:solidFill>
+            </a:endParaRPr>
           </a:p>
         </p:txBody>
       </p:sp>
     </p:spTree>
     <p:extLst>
       <p:ext uri="{BB962C8B-B14F-4D97-AF65-F5344CB8AC3E}">
-        <p14:creationId xmlns:p14="http://schemas.microsoft.com/office/powerpoint/2010/main" val="463482226"/>
+        <p14:creationId xmlns:p14="http://schemas.microsoft.com/office/powerpoint/2010/main" val="2450051417"/>
       </p:ext>
     </p:extLst>
   </p:cSld>
@@ -1963,7 +2399,7 @@
 </p:sldLayout>
 </file>
 
-<file path=ppt/slideLayouts/slideLayout7.xml><?xml version="1.0" encoding="utf-8"?>
+<file path=ppt/slideLayouts/slideLayout18.xml><?xml version="1.0" encoding="utf-8"?>
 <p:sldLayout xmlns:a="http://schemas.openxmlformats.org/drawingml/2006/main" xmlns:r="http://schemas.openxmlformats.org/officeDocument/2006/relationships" xmlns:p="http://schemas.openxmlformats.org/presentationml/2006/main" type="blank" preserve="1">
   <p:cSld name="Blank">
     <p:spTree>
@@ -1996,10 +2432,23 @@
           <a:lstStyle/>
           <a:p>
             <a:fld id="{FAECF776-F836-4CCD-9497-99E5597B8B5D}" type="datetimeFigureOut">
-              <a:rPr lang="en-US" smtClean="0"/>
-              <a:t>10/4/2013</a:t>
+              <a:rPr lang="en-US" smtClean="0">
+                <a:solidFill>
+                  <a:srgbClr val="FFFFFF">
+                    <a:tint val="75000"/>
+                  </a:srgbClr>
+                </a:solidFill>
+              </a:rPr>
+              <a:pPr/>
+              <a:t>10/25/2013</a:t>
             </a:fld>
-            <a:endParaRPr lang="en-US"/>
+            <a:endParaRPr lang="en-US">
+              <a:solidFill>
+                <a:srgbClr val="FFFFFF">
+                  <a:tint val="75000"/>
+                </a:srgbClr>
+              </a:solidFill>
+            </a:endParaRPr>
           </a:p>
         </p:txBody>
       </p:sp>
@@ -2018,7 +2467,13 @@
           <a:bodyPr/>
           <a:lstStyle/>
           <a:p>
-            <a:endParaRPr lang="en-US"/>
+            <a:endParaRPr lang="en-US">
+              <a:solidFill>
+                <a:srgbClr val="FFFFFF">
+                  <a:tint val="75000"/>
+                </a:srgbClr>
+              </a:solidFill>
+            </a:endParaRPr>
           </a:p>
         </p:txBody>
       </p:sp>
@@ -2038,17 +2493,30 @@
           <a:lstStyle/>
           <a:p>
             <a:fld id="{1D5D0CD0-1042-4BF2-A1CE-64E2CC09D32B}" type="slidenum">
-              <a:rPr lang="en-US" smtClean="0"/>
+              <a:rPr lang="en-US" smtClean="0">
+                <a:solidFill>
+                  <a:srgbClr val="FFFFFF">
+                    <a:tint val="75000"/>
+                  </a:srgbClr>
+                </a:solidFill>
+              </a:rPr>
+              <a:pPr/>
               <a:t>‹#›</a:t>
             </a:fld>
-            <a:endParaRPr lang="en-US"/>
+            <a:endParaRPr lang="en-US">
+              <a:solidFill>
+                <a:srgbClr val="FFFFFF">
+                  <a:tint val="75000"/>
+                </a:srgbClr>
+              </a:solidFill>
+            </a:endParaRPr>
           </a:p>
         </p:txBody>
       </p:sp>
     </p:spTree>
     <p:extLst>
       <p:ext uri="{BB962C8B-B14F-4D97-AF65-F5344CB8AC3E}">
-        <p14:creationId xmlns:p14="http://schemas.microsoft.com/office/powerpoint/2010/main" val="1295799961"/>
+        <p14:creationId xmlns:p14="http://schemas.microsoft.com/office/powerpoint/2010/main" val="3909472942"/>
       </p:ext>
     </p:extLst>
   </p:cSld>
@@ -2058,7 +2526,7 @@
 </p:sldLayout>
 </file>
 
-<file path=ppt/slideLayouts/slideLayout8.xml><?xml version="1.0" encoding="utf-8"?>
+<file path=ppt/slideLayouts/slideLayout19.xml><?xml version="1.0" encoding="utf-8"?>
 <p:sldLayout xmlns:a="http://schemas.openxmlformats.org/drawingml/2006/main" xmlns:r="http://schemas.openxmlformats.org/officeDocument/2006/relationships" xmlns:p="http://schemas.openxmlformats.org/presentationml/2006/main" type="objTx" preserve="1">
   <p:cSld name="Content with Caption">
     <p:spTree>
@@ -2273,10 +2741,23 @@
           <a:lstStyle/>
           <a:p>
             <a:fld id="{FAECF776-F836-4CCD-9497-99E5597B8B5D}" type="datetimeFigureOut">
-              <a:rPr lang="en-US" smtClean="0"/>
-              <a:t>10/4/2013</a:t>
+              <a:rPr lang="en-US" smtClean="0">
+                <a:solidFill>
+                  <a:srgbClr val="FFFFFF">
+                    <a:tint val="75000"/>
+                  </a:srgbClr>
+                </a:solidFill>
+              </a:rPr>
+              <a:pPr/>
+              <a:t>10/25/2013</a:t>
             </a:fld>
-            <a:endParaRPr lang="en-US"/>
+            <a:endParaRPr lang="en-US">
+              <a:solidFill>
+                <a:srgbClr val="FFFFFF">
+                  <a:tint val="75000"/>
+                </a:srgbClr>
+              </a:solidFill>
+            </a:endParaRPr>
           </a:p>
         </p:txBody>
       </p:sp>
@@ -2295,7 +2776,13 @@
           <a:bodyPr/>
           <a:lstStyle/>
           <a:p>
-            <a:endParaRPr lang="en-US"/>
+            <a:endParaRPr lang="en-US">
+              <a:solidFill>
+                <a:srgbClr val="FFFFFF">
+                  <a:tint val="75000"/>
+                </a:srgbClr>
+              </a:solidFill>
+            </a:endParaRPr>
           </a:p>
         </p:txBody>
       </p:sp>
@@ -2315,17 +2802,30 @@
           <a:lstStyle/>
           <a:p>
             <a:fld id="{1D5D0CD0-1042-4BF2-A1CE-64E2CC09D32B}" type="slidenum">
-              <a:rPr lang="en-US" smtClean="0"/>
+              <a:rPr lang="en-US" smtClean="0">
+                <a:solidFill>
+                  <a:srgbClr val="FFFFFF">
+                    <a:tint val="75000"/>
+                  </a:srgbClr>
+                </a:solidFill>
+              </a:rPr>
+              <a:pPr/>
               <a:t>‹#›</a:t>
             </a:fld>
-            <a:endParaRPr lang="en-US"/>
+            <a:endParaRPr lang="en-US">
+              <a:solidFill>
+                <a:srgbClr val="FFFFFF">
+                  <a:tint val="75000"/>
+                </a:srgbClr>
+              </a:solidFill>
+            </a:endParaRPr>
           </a:p>
         </p:txBody>
       </p:sp>
     </p:spTree>
     <p:extLst>
       <p:ext uri="{BB962C8B-B14F-4D97-AF65-F5344CB8AC3E}">
-        <p14:creationId xmlns:p14="http://schemas.microsoft.com/office/powerpoint/2010/main" val="712429349"/>
+        <p14:creationId xmlns:p14="http://schemas.microsoft.com/office/powerpoint/2010/main" val="1065435781"/>
       </p:ext>
     </p:extLst>
   </p:cSld>
@@ -2335,7 +2835,177 @@
 </p:sldLayout>
 </file>
 
-<file path=ppt/slideLayouts/slideLayout9.xml><?xml version="1.0" encoding="utf-8"?>
+<file path=ppt/slideLayouts/slideLayout2.xml><?xml version="1.0" encoding="utf-8"?>
+<p:sldLayout xmlns:a="http://schemas.openxmlformats.org/drawingml/2006/main" xmlns:r="http://schemas.openxmlformats.org/officeDocument/2006/relationships" xmlns:p="http://schemas.openxmlformats.org/presentationml/2006/main" type="obj" preserve="1">
+  <p:cSld name="Title and Content">
+    <p:spTree>
+      <p:nvGrpSpPr>
+        <p:cNvPr id="1" name=""/>
+        <p:cNvGrpSpPr/>
+        <p:nvPr/>
+      </p:nvGrpSpPr>
+      <p:grpSpPr>
+        <a:xfrm>
+          <a:off x="0" y="0"/>
+          <a:ext cx="0" cy="0"/>
+          <a:chOff x="0" y="0"/>
+          <a:chExt cx="0" cy="0"/>
+        </a:xfrm>
+      </p:grpSpPr>
+      <p:sp>
+        <p:nvSpPr>
+          <p:cNvPr id="2" name="Title 1"/>
+          <p:cNvSpPr>
+            <a:spLocks noGrp="1"/>
+          </p:cNvSpPr>
+          <p:nvPr>
+            <p:ph type="title"/>
+          </p:nvPr>
+        </p:nvSpPr>
+        <p:spPr/>
+        <p:txBody>
+          <a:bodyPr/>
+          <a:lstStyle/>
+          <a:p>
+            <a:r>
+              <a:rPr lang="en-US" smtClean="0"/>
+              <a:t>Click to edit Master title style</a:t>
+            </a:r>
+            <a:endParaRPr lang="en-US"/>
+          </a:p>
+        </p:txBody>
+      </p:sp>
+      <p:sp>
+        <p:nvSpPr>
+          <p:cNvPr id="3" name="Content Placeholder 2"/>
+          <p:cNvSpPr>
+            <a:spLocks noGrp="1"/>
+          </p:cNvSpPr>
+          <p:nvPr>
+            <p:ph idx="1"/>
+          </p:nvPr>
+        </p:nvSpPr>
+        <p:spPr/>
+        <p:txBody>
+          <a:bodyPr/>
+          <a:lstStyle/>
+          <a:p>
+            <a:pPr lvl="0"/>
+            <a:r>
+              <a:rPr lang="en-US" smtClean="0"/>
+              <a:t>Click to edit Master text styles</a:t>
+            </a:r>
+          </a:p>
+          <a:p>
+            <a:pPr lvl="1"/>
+            <a:r>
+              <a:rPr lang="en-US" smtClean="0"/>
+              <a:t>Second level</a:t>
+            </a:r>
+          </a:p>
+          <a:p>
+            <a:pPr lvl="2"/>
+            <a:r>
+              <a:rPr lang="en-US" smtClean="0"/>
+              <a:t>Third level</a:t>
+            </a:r>
+          </a:p>
+          <a:p>
+            <a:pPr lvl="3"/>
+            <a:r>
+              <a:rPr lang="en-US" smtClean="0"/>
+              <a:t>Fourth level</a:t>
+            </a:r>
+          </a:p>
+          <a:p>
+            <a:pPr lvl="4"/>
+            <a:r>
+              <a:rPr lang="en-US" smtClean="0"/>
+              <a:t>Fifth level</a:t>
+            </a:r>
+            <a:endParaRPr lang="en-US"/>
+          </a:p>
+        </p:txBody>
+      </p:sp>
+      <p:sp>
+        <p:nvSpPr>
+          <p:cNvPr id="4" name="Date Placeholder 3"/>
+          <p:cNvSpPr>
+            <a:spLocks noGrp="1"/>
+          </p:cNvSpPr>
+          <p:nvPr>
+            <p:ph type="dt" sz="half" idx="10"/>
+          </p:nvPr>
+        </p:nvSpPr>
+        <p:spPr/>
+        <p:txBody>
+          <a:bodyPr/>
+          <a:lstStyle/>
+          <a:p>
+            <a:fld id="{FAECF776-F836-4CCD-9497-99E5597B8B5D}" type="datetimeFigureOut">
+              <a:rPr lang="en-US" smtClean="0"/>
+              <a:t>10/25/2013</a:t>
+            </a:fld>
+            <a:endParaRPr lang="en-US"/>
+          </a:p>
+        </p:txBody>
+      </p:sp>
+      <p:sp>
+        <p:nvSpPr>
+          <p:cNvPr id="5" name="Footer Placeholder 4"/>
+          <p:cNvSpPr>
+            <a:spLocks noGrp="1"/>
+          </p:cNvSpPr>
+          <p:nvPr>
+            <p:ph type="ftr" sz="quarter" idx="11"/>
+          </p:nvPr>
+        </p:nvSpPr>
+        <p:spPr/>
+        <p:txBody>
+          <a:bodyPr/>
+          <a:lstStyle/>
+          <a:p>
+            <a:endParaRPr lang="en-US"/>
+          </a:p>
+        </p:txBody>
+      </p:sp>
+      <p:sp>
+        <p:nvSpPr>
+          <p:cNvPr id="6" name="Slide Number Placeholder 5"/>
+          <p:cNvSpPr>
+            <a:spLocks noGrp="1"/>
+          </p:cNvSpPr>
+          <p:nvPr>
+            <p:ph type="sldNum" sz="quarter" idx="12"/>
+          </p:nvPr>
+        </p:nvSpPr>
+        <p:spPr/>
+        <p:txBody>
+          <a:bodyPr/>
+          <a:lstStyle/>
+          <a:p>
+            <a:fld id="{1D5D0CD0-1042-4BF2-A1CE-64E2CC09D32B}" type="slidenum">
+              <a:rPr lang="en-US" smtClean="0"/>
+              <a:t>‹#›</a:t>
+            </a:fld>
+            <a:endParaRPr lang="en-US"/>
+          </a:p>
+        </p:txBody>
+      </p:sp>
+    </p:spTree>
+    <p:extLst>
+      <p:ext uri="{BB962C8B-B14F-4D97-AF65-F5344CB8AC3E}">
+        <p14:creationId xmlns:p14="http://schemas.microsoft.com/office/powerpoint/2010/main" val="299702478"/>
+      </p:ext>
+    </p:extLst>
+  </p:cSld>
+  <p:clrMapOvr>
+    <a:masterClrMapping/>
+  </p:clrMapOvr>
+</p:sldLayout>
+</file>
+
+<file path=ppt/slideLayouts/slideLayout20.xml><?xml version="1.0" encoding="utf-8"?>
 <p:sldLayout xmlns:a="http://schemas.openxmlformats.org/drawingml/2006/main" xmlns:r="http://schemas.openxmlformats.org/officeDocument/2006/relationships" xmlns:p="http://schemas.openxmlformats.org/presentationml/2006/main" type="picTx" preserve="1">
   <p:cSld name="Picture with Caption">
     <p:spTree>
@@ -2526,8 +3196,2153 @@
           <a:lstStyle/>
           <a:p>
             <a:fld id="{FAECF776-F836-4CCD-9497-99E5597B8B5D}" type="datetimeFigureOut">
+              <a:rPr lang="en-US" smtClean="0">
+                <a:solidFill>
+                  <a:srgbClr val="FFFFFF">
+                    <a:tint val="75000"/>
+                  </a:srgbClr>
+                </a:solidFill>
+              </a:rPr>
+              <a:pPr/>
+              <a:t>10/25/2013</a:t>
+            </a:fld>
+            <a:endParaRPr lang="en-US">
+              <a:solidFill>
+                <a:srgbClr val="FFFFFF">
+                  <a:tint val="75000"/>
+                </a:srgbClr>
+              </a:solidFill>
+            </a:endParaRPr>
+          </a:p>
+        </p:txBody>
+      </p:sp>
+      <p:sp>
+        <p:nvSpPr>
+          <p:cNvPr id="6" name="Footer Placeholder 5"/>
+          <p:cNvSpPr>
+            <a:spLocks noGrp="1"/>
+          </p:cNvSpPr>
+          <p:nvPr>
+            <p:ph type="ftr" sz="quarter" idx="11"/>
+          </p:nvPr>
+        </p:nvSpPr>
+        <p:spPr/>
+        <p:txBody>
+          <a:bodyPr/>
+          <a:lstStyle/>
+          <a:p>
+            <a:endParaRPr lang="en-US">
+              <a:solidFill>
+                <a:srgbClr val="FFFFFF">
+                  <a:tint val="75000"/>
+                </a:srgbClr>
+              </a:solidFill>
+            </a:endParaRPr>
+          </a:p>
+        </p:txBody>
+      </p:sp>
+      <p:sp>
+        <p:nvSpPr>
+          <p:cNvPr id="7" name="Slide Number Placeholder 6"/>
+          <p:cNvSpPr>
+            <a:spLocks noGrp="1"/>
+          </p:cNvSpPr>
+          <p:nvPr>
+            <p:ph type="sldNum" sz="quarter" idx="12"/>
+          </p:nvPr>
+        </p:nvSpPr>
+        <p:spPr/>
+        <p:txBody>
+          <a:bodyPr/>
+          <a:lstStyle/>
+          <a:p>
+            <a:fld id="{1D5D0CD0-1042-4BF2-A1CE-64E2CC09D32B}" type="slidenum">
+              <a:rPr lang="en-US" smtClean="0">
+                <a:solidFill>
+                  <a:srgbClr val="FFFFFF">
+                    <a:tint val="75000"/>
+                  </a:srgbClr>
+                </a:solidFill>
+              </a:rPr>
+              <a:pPr/>
+              <a:t>‹#›</a:t>
+            </a:fld>
+            <a:endParaRPr lang="en-US">
+              <a:solidFill>
+                <a:srgbClr val="FFFFFF">
+                  <a:tint val="75000"/>
+                </a:srgbClr>
+              </a:solidFill>
+            </a:endParaRPr>
+          </a:p>
+        </p:txBody>
+      </p:sp>
+    </p:spTree>
+    <p:extLst>
+      <p:ext uri="{BB962C8B-B14F-4D97-AF65-F5344CB8AC3E}">
+        <p14:creationId xmlns:p14="http://schemas.microsoft.com/office/powerpoint/2010/main" val="1759444231"/>
+      </p:ext>
+    </p:extLst>
+  </p:cSld>
+  <p:clrMapOvr>
+    <a:masterClrMapping/>
+  </p:clrMapOvr>
+</p:sldLayout>
+</file>
+
+<file path=ppt/slideLayouts/slideLayout21.xml><?xml version="1.0" encoding="utf-8"?>
+<p:sldLayout xmlns:a="http://schemas.openxmlformats.org/drawingml/2006/main" xmlns:r="http://schemas.openxmlformats.org/officeDocument/2006/relationships" xmlns:p="http://schemas.openxmlformats.org/presentationml/2006/main" type="vertTx" preserve="1">
+  <p:cSld name="Title and Vertical Text">
+    <p:spTree>
+      <p:nvGrpSpPr>
+        <p:cNvPr id="1" name=""/>
+        <p:cNvGrpSpPr/>
+        <p:nvPr/>
+      </p:nvGrpSpPr>
+      <p:grpSpPr>
+        <a:xfrm>
+          <a:off x="0" y="0"/>
+          <a:ext cx="0" cy="0"/>
+          <a:chOff x="0" y="0"/>
+          <a:chExt cx="0" cy="0"/>
+        </a:xfrm>
+      </p:grpSpPr>
+      <p:sp>
+        <p:nvSpPr>
+          <p:cNvPr id="2" name="Title 1"/>
+          <p:cNvSpPr>
+            <a:spLocks noGrp="1"/>
+          </p:cNvSpPr>
+          <p:nvPr>
+            <p:ph type="title"/>
+          </p:nvPr>
+        </p:nvSpPr>
+        <p:spPr/>
+        <p:txBody>
+          <a:bodyPr/>
+          <a:lstStyle/>
+          <a:p>
+            <a:r>
               <a:rPr lang="en-US" smtClean="0"/>
-              <a:t>10/4/2013</a:t>
+              <a:t>Click to edit Master title style</a:t>
+            </a:r>
+            <a:endParaRPr lang="en-US"/>
+          </a:p>
+        </p:txBody>
+      </p:sp>
+      <p:sp>
+        <p:nvSpPr>
+          <p:cNvPr id="3" name="Vertical Text Placeholder 2"/>
+          <p:cNvSpPr>
+            <a:spLocks noGrp="1"/>
+          </p:cNvSpPr>
+          <p:nvPr>
+            <p:ph type="body" orient="vert" idx="1"/>
+          </p:nvPr>
+        </p:nvSpPr>
+        <p:spPr/>
+        <p:txBody>
+          <a:bodyPr vert="eaVert"/>
+          <a:lstStyle/>
+          <a:p>
+            <a:pPr lvl="0"/>
+            <a:r>
+              <a:rPr lang="en-US" smtClean="0"/>
+              <a:t>Click to edit Master text styles</a:t>
+            </a:r>
+          </a:p>
+          <a:p>
+            <a:pPr lvl="1"/>
+            <a:r>
+              <a:rPr lang="en-US" smtClean="0"/>
+              <a:t>Second level</a:t>
+            </a:r>
+          </a:p>
+          <a:p>
+            <a:pPr lvl="2"/>
+            <a:r>
+              <a:rPr lang="en-US" smtClean="0"/>
+              <a:t>Third level</a:t>
+            </a:r>
+          </a:p>
+          <a:p>
+            <a:pPr lvl="3"/>
+            <a:r>
+              <a:rPr lang="en-US" smtClean="0"/>
+              <a:t>Fourth level</a:t>
+            </a:r>
+          </a:p>
+          <a:p>
+            <a:pPr lvl="4"/>
+            <a:r>
+              <a:rPr lang="en-US" smtClean="0"/>
+              <a:t>Fifth level</a:t>
+            </a:r>
+            <a:endParaRPr lang="en-US"/>
+          </a:p>
+        </p:txBody>
+      </p:sp>
+      <p:sp>
+        <p:nvSpPr>
+          <p:cNvPr id="4" name="Date Placeholder 3"/>
+          <p:cNvSpPr>
+            <a:spLocks noGrp="1"/>
+          </p:cNvSpPr>
+          <p:nvPr>
+            <p:ph type="dt" sz="half" idx="10"/>
+          </p:nvPr>
+        </p:nvSpPr>
+        <p:spPr/>
+        <p:txBody>
+          <a:bodyPr/>
+          <a:lstStyle/>
+          <a:p>
+            <a:fld id="{FAECF776-F836-4CCD-9497-99E5597B8B5D}" type="datetimeFigureOut">
+              <a:rPr lang="en-US" smtClean="0">
+                <a:solidFill>
+                  <a:srgbClr val="FFFFFF">
+                    <a:tint val="75000"/>
+                  </a:srgbClr>
+                </a:solidFill>
+              </a:rPr>
+              <a:pPr/>
+              <a:t>10/25/2013</a:t>
+            </a:fld>
+            <a:endParaRPr lang="en-US">
+              <a:solidFill>
+                <a:srgbClr val="FFFFFF">
+                  <a:tint val="75000"/>
+                </a:srgbClr>
+              </a:solidFill>
+            </a:endParaRPr>
+          </a:p>
+        </p:txBody>
+      </p:sp>
+      <p:sp>
+        <p:nvSpPr>
+          <p:cNvPr id="5" name="Footer Placeholder 4"/>
+          <p:cNvSpPr>
+            <a:spLocks noGrp="1"/>
+          </p:cNvSpPr>
+          <p:nvPr>
+            <p:ph type="ftr" sz="quarter" idx="11"/>
+          </p:nvPr>
+        </p:nvSpPr>
+        <p:spPr/>
+        <p:txBody>
+          <a:bodyPr/>
+          <a:lstStyle/>
+          <a:p>
+            <a:endParaRPr lang="en-US">
+              <a:solidFill>
+                <a:srgbClr val="FFFFFF">
+                  <a:tint val="75000"/>
+                </a:srgbClr>
+              </a:solidFill>
+            </a:endParaRPr>
+          </a:p>
+        </p:txBody>
+      </p:sp>
+      <p:sp>
+        <p:nvSpPr>
+          <p:cNvPr id="6" name="Slide Number Placeholder 5"/>
+          <p:cNvSpPr>
+            <a:spLocks noGrp="1"/>
+          </p:cNvSpPr>
+          <p:nvPr>
+            <p:ph type="sldNum" sz="quarter" idx="12"/>
+          </p:nvPr>
+        </p:nvSpPr>
+        <p:spPr/>
+        <p:txBody>
+          <a:bodyPr/>
+          <a:lstStyle/>
+          <a:p>
+            <a:fld id="{1D5D0CD0-1042-4BF2-A1CE-64E2CC09D32B}" type="slidenum">
+              <a:rPr lang="en-US" smtClean="0">
+                <a:solidFill>
+                  <a:srgbClr val="FFFFFF">
+                    <a:tint val="75000"/>
+                  </a:srgbClr>
+                </a:solidFill>
+              </a:rPr>
+              <a:pPr/>
+              <a:t>‹#›</a:t>
+            </a:fld>
+            <a:endParaRPr lang="en-US">
+              <a:solidFill>
+                <a:srgbClr val="FFFFFF">
+                  <a:tint val="75000"/>
+                </a:srgbClr>
+              </a:solidFill>
+            </a:endParaRPr>
+          </a:p>
+        </p:txBody>
+      </p:sp>
+    </p:spTree>
+    <p:extLst>
+      <p:ext uri="{BB962C8B-B14F-4D97-AF65-F5344CB8AC3E}">
+        <p14:creationId xmlns:p14="http://schemas.microsoft.com/office/powerpoint/2010/main" val="1688737030"/>
+      </p:ext>
+    </p:extLst>
+  </p:cSld>
+  <p:clrMapOvr>
+    <a:masterClrMapping/>
+  </p:clrMapOvr>
+</p:sldLayout>
+</file>
+
+<file path=ppt/slideLayouts/slideLayout22.xml><?xml version="1.0" encoding="utf-8"?>
+<p:sldLayout xmlns:a="http://schemas.openxmlformats.org/drawingml/2006/main" xmlns:r="http://schemas.openxmlformats.org/officeDocument/2006/relationships" xmlns:p="http://schemas.openxmlformats.org/presentationml/2006/main" type="vertTitleAndTx" preserve="1">
+  <p:cSld name="Vertical Title and Text">
+    <p:spTree>
+      <p:nvGrpSpPr>
+        <p:cNvPr id="1" name=""/>
+        <p:cNvGrpSpPr/>
+        <p:nvPr/>
+      </p:nvGrpSpPr>
+      <p:grpSpPr>
+        <a:xfrm>
+          <a:off x="0" y="0"/>
+          <a:ext cx="0" cy="0"/>
+          <a:chOff x="0" y="0"/>
+          <a:chExt cx="0" cy="0"/>
+        </a:xfrm>
+      </p:grpSpPr>
+      <p:sp>
+        <p:nvSpPr>
+          <p:cNvPr id="2" name="Vertical Title 1"/>
+          <p:cNvSpPr>
+            <a:spLocks noGrp="1"/>
+          </p:cNvSpPr>
+          <p:nvPr>
+            <p:ph type="title" orient="vert"/>
+          </p:nvPr>
+        </p:nvSpPr>
+        <p:spPr>
+          <a:xfrm>
+            <a:off x="6629400" y="274638"/>
+            <a:ext cx="2057400" cy="5851525"/>
+          </a:xfrm>
+        </p:spPr>
+        <p:txBody>
+          <a:bodyPr vert="eaVert"/>
+          <a:lstStyle/>
+          <a:p>
+            <a:r>
+              <a:rPr lang="en-US" smtClean="0"/>
+              <a:t>Click to edit Master title style</a:t>
+            </a:r>
+            <a:endParaRPr lang="en-US"/>
+          </a:p>
+        </p:txBody>
+      </p:sp>
+      <p:sp>
+        <p:nvSpPr>
+          <p:cNvPr id="3" name="Vertical Text Placeholder 2"/>
+          <p:cNvSpPr>
+            <a:spLocks noGrp="1"/>
+          </p:cNvSpPr>
+          <p:nvPr>
+            <p:ph type="body" orient="vert" idx="1"/>
+          </p:nvPr>
+        </p:nvSpPr>
+        <p:spPr>
+          <a:xfrm>
+            <a:off x="457200" y="274638"/>
+            <a:ext cx="6019800" cy="5851525"/>
+          </a:xfrm>
+        </p:spPr>
+        <p:txBody>
+          <a:bodyPr vert="eaVert"/>
+          <a:lstStyle/>
+          <a:p>
+            <a:pPr lvl="0"/>
+            <a:r>
+              <a:rPr lang="en-US" smtClean="0"/>
+              <a:t>Click to edit Master text styles</a:t>
+            </a:r>
+          </a:p>
+          <a:p>
+            <a:pPr lvl="1"/>
+            <a:r>
+              <a:rPr lang="en-US" smtClean="0"/>
+              <a:t>Second level</a:t>
+            </a:r>
+          </a:p>
+          <a:p>
+            <a:pPr lvl="2"/>
+            <a:r>
+              <a:rPr lang="en-US" smtClean="0"/>
+              <a:t>Third level</a:t>
+            </a:r>
+          </a:p>
+          <a:p>
+            <a:pPr lvl="3"/>
+            <a:r>
+              <a:rPr lang="en-US" smtClean="0"/>
+              <a:t>Fourth level</a:t>
+            </a:r>
+          </a:p>
+          <a:p>
+            <a:pPr lvl="4"/>
+            <a:r>
+              <a:rPr lang="en-US" smtClean="0"/>
+              <a:t>Fifth level</a:t>
+            </a:r>
+            <a:endParaRPr lang="en-US"/>
+          </a:p>
+        </p:txBody>
+      </p:sp>
+      <p:sp>
+        <p:nvSpPr>
+          <p:cNvPr id="4" name="Date Placeholder 3"/>
+          <p:cNvSpPr>
+            <a:spLocks noGrp="1"/>
+          </p:cNvSpPr>
+          <p:nvPr>
+            <p:ph type="dt" sz="half" idx="10"/>
+          </p:nvPr>
+        </p:nvSpPr>
+        <p:spPr/>
+        <p:txBody>
+          <a:bodyPr/>
+          <a:lstStyle/>
+          <a:p>
+            <a:fld id="{FAECF776-F836-4CCD-9497-99E5597B8B5D}" type="datetimeFigureOut">
+              <a:rPr lang="en-US" smtClean="0">
+                <a:solidFill>
+                  <a:srgbClr val="FFFFFF">
+                    <a:tint val="75000"/>
+                  </a:srgbClr>
+                </a:solidFill>
+              </a:rPr>
+              <a:pPr/>
+              <a:t>10/25/2013</a:t>
+            </a:fld>
+            <a:endParaRPr lang="en-US">
+              <a:solidFill>
+                <a:srgbClr val="FFFFFF">
+                  <a:tint val="75000"/>
+                </a:srgbClr>
+              </a:solidFill>
+            </a:endParaRPr>
+          </a:p>
+        </p:txBody>
+      </p:sp>
+      <p:sp>
+        <p:nvSpPr>
+          <p:cNvPr id="5" name="Footer Placeholder 4"/>
+          <p:cNvSpPr>
+            <a:spLocks noGrp="1"/>
+          </p:cNvSpPr>
+          <p:nvPr>
+            <p:ph type="ftr" sz="quarter" idx="11"/>
+          </p:nvPr>
+        </p:nvSpPr>
+        <p:spPr/>
+        <p:txBody>
+          <a:bodyPr/>
+          <a:lstStyle/>
+          <a:p>
+            <a:endParaRPr lang="en-US">
+              <a:solidFill>
+                <a:srgbClr val="FFFFFF">
+                  <a:tint val="75000"/>
+                </a:srgbClr>
+              </a:solidFill>
+            </a:endParaRPr>
+          </a:p>
+        </p:txBody>
+      </p:sp>
+      <p:sp>
+        <p:nvSpPr>
+          <p:cNvPr id="6" name="Slide Number Placeholder 5"/>
+          <p:cNvSpPr>
+            <a:spLocks noGrp="1"/>
+          </p:cNvSpPr>
+          <p:nvPr>
+            <p:ph type="sldNum" sz="quarter" idx="12"/>
+          </p:nvPr>
+        </p:nvSpPr>
+        <p:spPr/>
+        <p:txBody>
+          <a:bodyPr/>
+          <a:lstStyle/>
+          <a:p>
+            <a:fld id="{1D5D0CD0-1042-4BF2-A1CE-64E2CC09D32B}" type="slidenum">
+              <a:rPr lang="en-US" smtClean="0">
+                <a:solidFill>
+                  <a:srgbClr val="FFFFFF">
+                    <a:tint val="75000"/>
+                  </a:srgbClr>
+                </a:solidFill>
+              </a:rPr>
+              <a:pPr/>
+              <a:t>‹#›</a:t>
+            </a:fld>
+            <a:endParaRPr lang="en-US">
+              <a:solidFill>
+                <a:srgbClr val="FFFFFF">
+                  <a:tint val="75000"/>
+                </a:srgbClr>
+              </a:solidFill>
+            </a:endParaRPr>
+          </a:p>
+        </p:txBody>
+      </p:sp>
+    </p:spTree>
+    <p:extLst>
+      <p:ext uri="{BB962C8B-B14F-4D97-AF65-F5344CB8AC3E}">
+        <p14:creationId xmlns:p14="http://schemas.microsoft.com/office/powerpoint/2010/main" val="2199902166"/>
+      </p:ext>
+    </p:extLst>
+  </p:cSld>
+  <p:clrMapOvr>
+    <a:masterClrMapping/>
+  </p:clrMapOvr>
+</p:sldLayout>
+</file>
+
+<file path=ppt/slideLayouts/slideLayout3.xml><?xml version="1.0" encoding="utf-8"?>
+<p:sldLayout xmlns:a="http://schemas.openxmlformats.org/drawingml/2006/main" xmlns:r="http://schemas.openxmlformats.org/officeDocument/2006/relationships" xmlns:p="http://schemas.openxmlformats.org/presentationml/2006/main" type="secHead" preserve="1">
+  <p:cSld name="Section Header">
+    <p:spTree>
+      <p:nvGrpSpPr>
+        <p:cNvPr id="1" name=""/>
+        <p:cNvGrpSpPr/>
+        <p:nvPr/>
+      </p:nvGrpSpPr>
+      <p:grpSpPr>
+        <a:xfrm>
+          <a:off x="0" y="0"/>
+          <a:ext cx="0" cy="0"/>
+          <a:chOff x="0" y="0"/>
+          <a:chExt cx="0" cy="0"/>
+        </a:xfrm>
+      </p:grpSpPr>
+      <p:sp>
+        <p:nvSpPr>
+          <p:cNvPr id="2" name="Title 1"/>
+          <p:cNvSpPr>
+            <a:spLocks noGrp="1"/>
+          </p:cNvSpPr>
+          <p:nvPr>
+            <p:ph type="title"/>
+          </p:nvPr>
+        </p:nvSpPr>
+        <p:spPr>
+          <a:xfrm>
+            <a:off x="722313" y="4406900"/>
+            <a:ext cx="7772400" cy="1362075"/>
+          </a:xfrm>
+        </p:spPr>
+        <p:txBody>
+          <a:bodyPr anchor="t"/>
+          <a:lstStyle>
+            <a:lvl1pPr algn="l">
+              <a:defRPr sz="4000" b="1" cap="all"/>
+            </a:lvl1pPr>
+          </a:lstStyle>
+          <a:p>
+            <a:r>
+              <a:rPr lang="en-US" smtClean="0"/>
+              <a:t>Click to edit Master title style</a:t>
+            </a:r>
+            <a:endParaRPr lang="en-US"/>
+          </a:p>
+        </p:txBody>
+      </p:sp>
+      <p:sp>
+        <p:nvSpPr>
+          <p:cNvPr id="3" name="Text Placeholder 2"/>
+          <p:cNvSpPr>
+            <a:spLocks noGrp="1"/>
+          </p:cNvSpPr>
+          <p:nvPr>
+            <p:ph type="body" idx="1"/>
+          </p:nvPr>
+        </p:nvSpPr>
+        <p:spPr>
+          <a:xfrm>
+            <a:off x="722313" y="2906713"/>
+            <a:ext cx="7772400" cy="1500187"/>
+          </a:xfrm>
+        </p:spPr>
+        <p:txBody>
+          <a:bodyPr anchor="b"/>
+          <a:lstStyle>
+            <a:lvl1pPr marL="0" indent="0">
+              <a:buNone/>
+              <a:defRPr sz="2000">
+                <a:solidFill>
+                  <a:schemeClr val="tx1">
+                    <a:tint val="75000"/>
+                  </a:schemeClr>
+                </a:solidFill>
+              </a:defRPr>
+            </a:lvl1pPr>
+            <a:lvl2pPr marL="457200" indent="0">
+              <a:buNone/>
+              <a:defRPr sz="1800">
+                <a:solidFill>
+                  <a:schemeClr val="tx1">
+                    <a:tint val="75000"/>
+                  </a:schemeClr>
+                </a:solidFill>
+              </a:defRPr>
+            </a:lvl2pPr>
+            <a:lvl3pPr marL="914400" indent="0">
+              <a:buNone/>
+              <a:defRPr sz="1600">
+                <a:solidFill>
+                  <a:schemeClr val="tx1">
+                    <a:tint val="75000"/>
+                  </a:schemeClr>
+                </a:solidFill>
+              </a:defRPr>
+            </a:lvl3pPr>
+            <a:lvl4pPr marL="1371600" indent="0">
+              <a:buNone/>
+              <a:defRPr sz="1400">
+                <a:solidFill>
+                  <a:schemeClr val="tx1">
+                    <a:tint val="75000"/>
+                  </a:schemeClr>
+                </a:solidFill>
+              </a:defRPr>
+            </a:lvl4pPr>
+            <a:lvl5pPr marL="1828800" indent="0">
+              <a:buNone/>
+              <a:defRPr sz="1400">
+                <a:solidFill>
+                  <a:schemeClr val="tx1">
+                    <a:tint val="75000"/>
+                  </a:schemeClr>
+                </a:solidFill>
+              </a:defRPr>
+            </a:lvl5pPr>
+            <a:lvl6pPr marL="2286000" indent="0">
+              <a:buNone/>
+              <a:defRPr sz="1400">
+                <a:solidFill>
+                  <a:schemeClr val="tx1">
+                    <a:tint val="75000"/>
+                  </a:schemeClr>
+                </a:solidFill>
+              </a:defRPr>
+            </a:lvl6pPr>
+            <a:lvl7pPr marL="2743200" indent="0">
+              <a:buNone/>
+              <a:defRPr sz="1400">
+                <a:solidFill>
+                  <a:schemeClr val="tx1">
+                    <a:tint val="75000"/>
+                  </a:schemeClr>
+                </a:solidFill>
+              </a:defRPr>
+            </a:lvl7pPr>
+            <a:lvl8pPr marL="3200400" indent="0">
+              <a:buNone/>
+              <a:defRPr sz="1400">
+                <a:solidFill>
+                  <a:schemeClr val="tx1">
+                    <a:tint val="75000"/>
+                  </a:schemeClr>
+                </a:solidFill>
+              </a:defRPr>
+            </a:lvl8pPr>
+            <a:lvl9pPr marL="3657600" indent="0">
+              <a:buNone/>
+              <a:defRPr sz="1400">
+                <a:solidFill>
+                  <a:schemeClr val="tx1">
+                    <a:tint val="75000"/>
+                  </a:schemeClr>
+                </a:solidFill>
+              </a:defRPr>
+            </a:lvl9pPr>
+          </a:lstStyle>
+          <a:p>
+            <a:pPr lvl="0"/>
+            <a:r>
+              <a:rPr lang="en-US" smtClean="0"/>
+              <a:t>Click to edit Master text styles</a:t>
+            </a:r>
+          </a:p>
+        </p:txBody>
+      </p:sp>
+      <p:sp>
+        <p:nvSpPr>
+          <p:cNvPr id="4" name="Date Placeholder 3"/>
+          <p:cNvSpPr>
+            <a:spLocks noGrp="1"/>
+          </p:cNvSpPr>
+          <p:nvPr>
+            <p:ph type="dt" sz="half" idx="10"/>
+          </p:nvPr>
+        </p:nvSpPr>
+        <p:spPr/>
+        <p:txBody>
+          <a:bodyPr/>
+          <a:lstStyle/>
+          <a:p>
+            <a:fld id="{FAECF776-F836-4CCD-9497-99E5597B8B5D}" type="datetimeFigureOut">
+              <a:rPr lang="en-US" smtClean="0"/>
+              <a:t>10/25/2013</a:t>
+            </a:fld>
+            <a:endParaRPr lang="en-US"/>
+          </a:p>
+        </p:txBody>
+      </p:sp>
+      <p:sp>
+        <p:nvSpPr>
+          <p:cNvPr id="5" name="Footer Placeholder 4"/>
+          <p:cNvSpPr>
+            <a:spLocks noGrp="1"/>
+          </p:cNvSpPr>
+          <p:nvPr>
+            <p:ph type="ftr" sz="quarter" idx="11"/>
+          </p:nvPr>
+        </p:nvSpPr>
+        <p:spPr/>
+        <p:txBody>
+          <a:bodyPr/>
+          <a:lstStyle/>
+          <a:p>
+            <a:endParaRPr lang="en-US"/>
+          </a:p>
+        </p:txBody>
+      </p:sp>
+      <p:sp>
+        <p:nvSpPr>
+          <p:cNvPr id="6" name="Slide Number Placeholder 5"/>
+          <p:cNvSpPr>
+            <a:spLocks noGrp="1"/>
+          </p:cNvSpPr>
+          <p:nvPr>
+            <p:ph type="sldNum" sz="quarter" idx="12"/>
+          </p:nvPr>
+        </p:nvSpPr>
+        <p:spPr/>
+        <p:txBody>
+          <a:bodyPr/>
+          <a:lstStyle/>
+          <a:p>
+            <a:fld id="{1D5D0CD0-1042-4BF2-A1CE-64E2CC09D32B}" type="slidenum">
+              <a:rPr lang="en-US" smtClean="0"/>
+              <a:t>‹#›</a:t>
+            </a:fld>
+            <a:endParaRPr lang="en-US"/>
+          </a:p>
+        </p:txBody>
+      </p:sp>
+    </p:spTree>
+    <p:extLst>
+      <p:ext uri="{BB962C8B-B14F-4D97-AF65-F5344CB8AC3E}">
+        <p14:creationId xmlns:p14="http://schemas.microsoft.com/office/powerpoint/2010/main" val="3816605563"/>
+      </p:ext>
+    </p:extLst>
+  </p:cSld>
+  <p:clrMapOvr>
+    <a:masterClrMapping/>
+  </p:clrMapOvr>
+</p:sldLayout>
+</file>
+
+<file path=ppt/slideLayouts/slideLayout4.xml><?xml version="1.0" encoding="utf-8"?>
+<p:sldLayout xmlns:a="http://schemas.openxmlformats.org/drawingml/2006/main" xmlns:r="http://schemas.openxmlformats.org/officeDocument/2006/relationships" xmlns:p="http://schemas.openxmlformats.org/presentationml/2006/main" type="twoObj" preserve="1">
+  <p:cSld name="Two Content">
+    <p:spTree>
+      <p:nvGrpSpPr>
+        <p:cNvPr id="1" name=""/>
+        <p:cNvGrpSpPr/>
+        <p:nvPr/>
+      </p:nvGrpSpPr>
+      <p:grpSpPr>
+        <a:xfrm>
+          <a:off x="0" y="0"/>
+          <a:ext cx="0" cy="0"/>
+          <a:chOff x="0" y="0"/>
+          <a:chExt cx="0" cy="0"/>
+        </a:xfrm>
+      </p:grpSpPr>
+      <p:sp>
+        <p:nvSpPr>
+          <p:cNvPr id="2" name="Title 1"/>
+          <p:cNvSpPr>
+            <a:spLocks noGrp="1"/>
+          </p:cNvSpPr>
+          <p:nvPr>
+            <p:ph type="title"/>
+          </p:nvPr>
+        </p:nvSpPr>
+        <p:spPr/>
+        <p:txBody>
+          <a:bodyPr/>
+          <a:lstStyle/>
+          <a:p>
+            <a:r>
+              <a:rPr lang="en-US" smtClean="0"/>
+              <a:t>Click to edit Master title style</a:t>
+            </a:r>
+            <a:endParaRPr lang="en-US"/>
+          </a:p>
+        </p:txBody>
+      </p:sp>
+      <p:sp>
+        <p:nvSpPr>
+          <p:cNvPr id="3" name="Content Placeholder 2"/>
+          <p:cNvSpPr>
+            <a:spLocks noGrp="1"/>
+          </p:cNvSpPr>
+          <p:nvPr>
+            <p:ph sz="half" idx="1"/>
+          </p:nvPr>
+        </p:nvSpPr>
+        <p:spPr>
+          <a:xfrm>
+            <a:off x="457200" y="1600200"/>
+            <a:ext cx="4038600" cy="4525963"/>
+          </a:xfrm>
+        </p:spPr>
+        <p:txBody>
+          <a:bodyPr/>
+          <a:lstStyle>
+            <a:lvl1pPr>
+              <a:defRPr sz="2800"/>
+            </a:lvl1pPr>
+            <a:lvl2pPr>
+              <a:defRPr sz="2400"/>
+            </a:lvl2pPr>
+            <a:lvl3pPr>
+              <a:defRPr sz="2000"/>
+            </a:lvl3pPr>
+            <a:lvl4pPr>
+              <a:defRPr sz="1800"/>
+            </a:lvl4pPr>
+            <a:lvl5pPr>
+              <a:defRPr sz="1800"/>
+            </a:lvl5pPr>
+            <a:lvl6pPr>
+              <a:defRPr sz="1800"/>
+            </a:lvl6pPr>
+            <a:lvl7pPr>
+              <a:defRPr sz="1800"/>
+            </a:lvl7pPr>
+            <a:lvl8pPr>
+              <a:defRPr sz="1800"/>
+            </a:lvl8pPr>
+            <a:lvl9pPr>
+              <a:defRPr sz="1800"/>
+            </a:lvl9pPr>
+          </a:lstStyle>
+          <a:p>
+            <a:pPr lvl="0"/>
+            <a:r>
+              <a:rPr lang="en-US" smtClean="0"/>
+              <a:t>Click to edit Master text styles</a:t>
+            </a:r>
+          </a:p>
+          <a:p>
+            <a:pPr lvl="1"/>
+            <a:r>
+              <a:rPr lang="en-US" smtClean="0"/>
+              <a:t>Second level</a:t>
+            </a:r>
+          </a:p>
+          <a:p>
+            <a:pPr lvl="2"/>
+            <a:r>
+              <a:rPr lang="en-US" smtClean="0"/>
+              <a:t>Third level</a:t>
+            </a:r>
+          </a:p>
+          <a:p>
+            <a:pPr lvl="3"/>
+            <a:r>
+              <a:rPr lang="en-US" smtClean="0"/>
+              <a:t>Fourth level</a:t>
+            </a:r>
+          </a:p>
+          <a:p>
+            <a:pPr lvl="4"/>
+            <a:r>
+              <a:rPr lang="en-US" smtClean="0"/>
+              <a:t>Fifth level</a:t>
+            </a:r>
+            <a:endParaRPr lang="en-US"/>
+          </a:p>
+        </p:txBody>
+      </p:sp>
+      <p:sp>
+        <p:nvSpPr>
+          <p:cNvPr id="4" name="Content Placeholder 3"/>
+          <p:cNvSpPr>
+            <a:spLocks noGrp="1"/>
+          </p:cNvSpPr>
+          <p:nvPr>
+            <p:ph sz="half" idx="2"/>
+          </p:nvPr>
+        </p:nvSpPr>
+        <p:spPr>
+          <a:xfrm>
+            <a:off x="4648200" y="1600200"/>
+            <a:ext cx="4038600" cy="4525963"/>
+          </a:xfrm>
+        </p:spPr>
+        <p:txBody>
+          <a:bodyPr/>
+          <a:lstStyle>
+            <a:lvl1pPr>
+              <a:defRPr sz="2800"/>
+            </a:lvl1pPr>
+            <a:lvl2pPr>
+              <a:defRPr sz="2400"/>
+            </a:lvl2pPr>
+            <a:lvl3pPr>
+              <a:defRPr sz="2000"/>
+            </a:lvl3pPr>
+            <a:lvl4pPr>
+              <a:defRPr sz="1800"/>
+            </a:lvl4pPr>
+            <a:lvl5pPr>
+              <a:defRPr sz="1800"/>
+            </a:lvl5pPr>
+            <a:lvl6pPr>
+              <a:defRPr sz="1800"/>
+            </a:lvl6pPr>
+            <a:lvl7pPr>
+              <a:defRPr sz="1800"/>
+            </a:lvl7pPr>
+            <a:lvl8pPr>
+              <a:defRPr sz="1800"/>
+            </a:lvl8pPr>
+            <a:lvl9pPr>
+              <a:defRPr sz="1800"/>
+            </a:lvl9pPr>
+          </a:lstStyle>
+          <a:p>
+            <a:pPr lvl="0"/>
+            <a:r>
+              <a:rPr lang="en-US" smtClean="0"/>
+              <a:t>Click to edit Master text styles</a:t>
+            </a:r>
+          </a:p>
+          <a:p>
+            <a:pPr lvl="1"/>
+            <a:r>
+              <a:rPr lang="en-US" smtClean="0"/>
+              <a:t>Second level</a:t>
+            </a:r>
+          </a:p>
+          <a:p>
+            <a:pPr lvl="2"/>
+            <a:r>
+              <a:rPr lang="en-US" smtClean="0"/>
+              <a:t>Third level</a:t>
+            </a:r>
+          </a:p>
+          <a:p>
+            <a:pPr lvl="3"/>
+            <a:r>
+              <a:rPr lang="en-US" smtClean="0"/>
+              <a:t>Fourth level</a:t>
+            </a:r>
+          </a:p>
+          <a:p>
+            <a:pPr lvl="4"/>
+            <a:r>
+              <a:rPr lang="en-US" smtClean="0"/>
+              <a:t>Fifth level</a:t>
+            </a:r>
+            <a:endParaRPr lang="en-US"/>
+          </a:p>
+        </p:txBody>
+      </p:sp>
+      <p:sp>
+        <p:nvSpPr>
+          <p:cNvPr id="5" name="Date Placeholder 4"/>
+          <p:cNvSpPr>
+            <a:spLocks noGrp="1"/>
+          </p:cNvSpPr>
+          <p:nvPr>
+            <p:ph type="dt" sz="half" idx="10"/>
+          </p:nvPr>
+        </p:nvSpPr>
+        <p:spPr/>
+        <p:txBody>
+          <a:bodyPr/>
+          <a:lstStyle/>
+          <a:p>
+            <a:fld id="{FAECF776-F836-4CCD-9497-99E5597B8B5D}" type="datetimeFigureOut">
+              <a:rPr lang="en-US" smtClean="0"/>
+              <a:t>10/25/2013</a:t>
+            </a:fld>
+            <a:endParaRPr lang="en-US"/>
+          </a:p>
+        </p:txBody>
+      </p:sp>
+      <p:sp>
+        <p:nvSpPr>
+          <p:cNvPr id="6" name="Footer Placeholder 5"/>
+          <p:cNvSpPr>
+            <a:spLocks noGrp="1"/>
+          </p:cNvSpPr>
+          <p:nvPr>
+            <p:ph type="ftr" sz="quarter" idx="11"/>
+          </p:nvPr>
+        </p:nvSpPr>
+        <p:spPr/>
+        <p:txBody>
+          <a:bodyPr/>
+          <a:lstStyle/>
+          <a:p>
+            <a:endParaRPr lang="en-US"/>
+          </a:p>
+        </p:txBody>
+      </p:sp>
+      <p:sp>
+        <p:nvSpPr>
+          <p:cNvPr id="7" name="Slide Number Placeholder 6"/>
+          <p:cNvSpPr>
+            <a:spLocks noGrp="1"/>
+          </p:cNvSpPr>
+          <p:nvPr>
+            <p:ph type="sldNum" sz="quarter" idx="12"/>
+          </p:nvPr>
+        </p:nvSpPr>
+        <p:spPr/>
+        <p:txBody>
+          <a:bodyPr/>
+          <a:lstStyle/>
+          <a:p>
+            <a:fld id="{1D5D0CD0-1042-4BF2-A1CE-64E2CC09D32B}" type="slidenum">
+              <a:rPr lang="en-US" smtClean="0"/>
+              <a:t>‹#›</a:t>
+            </a:fld>
+            <a:endParaRPr lang="en-US"/>
+          </a:p>
+        </p:txBody>
+      </p:sp>
+    </p:spTree>
+    <p:extLst>
+      <p:ext uri="{BB962C8B-B14F-4D97-AF65-F5344CB8AC3E}">
+        <p14:creationId xmlns:p14="http://schemas.microsoft.com/office/powerpoint/2010/main" val="1562152596"/>
+      </p:ext>
+    </p:extLst>
+  </p:cSld>
+  <p:clrMapOvr>
+    <a:masterClrMapping/>
+  </p:clrMapOvr>
+</p:sldLayout>
+</file>
+
+<file path=ppt/slideLayouts/slideLayout5.xml><?xml version="1.0" encoding="utf-8"?>
+<p:sldLayout xmlns:a="http://schemas.openxmlformats.org/drawingml/2006/main" xmlns:r="http://schemas.openxmlformats.org/officeDocument/2006/relationships" xmlns:p="http://schemas.openxmlformats.org/presentationml/2006/main" type="twoTxTwoObj" preserve="1">
+  <p:cSld name="Comparison">
+    <p:spTree>
+      <p:nvGrpSpPr>
+        <p:cNvPr id="1" name=""/>
+        <p:cNvGrpSpPr/>
+        <p:nvPr/>
+      </p:nvGrpSpPr>
+      <p:grpSpPr>
+        <a:xfrm>
+          <a:off x="0" y="0"/>
+          <a:ext cx="0" cy="0"/>
+          <a:chOff x="0" y="0"/>
+          <a:chExt cx="0" cy="0"/>
+        </a:xfrm>
+      </p:grpSpPr>
+      <p:sp>
+        <p:nvSpPr>
+          <p:cNvPr id="2" name="Title 1"/>
+          <p:cNvSpPr>
+            <a:spLocks noGrp="1"/>
+          </p:cNvSpPr>
+          <p:nvPr>
+            <p:ph type="title"/>
+          </p:nvPr>
+        </p:nvSpPr>
+        <p:spPr/>
+        <p:txBody>
+          <a:bodyPr/>
+          <a:lstStyle>
+            <a:lvl1pPr>
+              <a:defRPr/>
+            </a:lvl1pPr>
+          </a:lstStyle>
+          <a:p>
+            <a:r>
+              <a:rPr lang="en-US" smtClean="0"/>
+              <a:t>Click to edit Master title style</a:t>
+            </a:r>
+            <a:endParaRPr lang="en-US"/>
+          </a:p>
+        </p:txBody>
+      </p:sp>
+      <p:sp>
+        <p:nvSpPr>
+          <p:cNvPr id="3" name="Text Placeholder 2"/>
+          <p:cNvSpPr>
+            <a:spLocks noGrp="1"/>
+          </p:cNvSpPr>
+          <p:nvPr>
+            <p:ph type="body" idx="1"/>
+          </p:nvPr>
+        </p:nvSpPr>
+        <p:spPr>
+          <a:xfrm>
+            <a:off x="457200" y="1535113"/>
+            <a:ext cx="4040188" cy="639762"/>
+          </a:xfrm>
+        </p:spPr>
+        <p:txBody>
+          <a:bodyPr anchor="b"/>
+          <a:lstStyle>
+            <a:lvl1pPr marL="0" indent="0">
+              <a:buNone/>
+              <a:defRPr sz="2400" b="1"/>
+            </a:lvl1pPr>
+            <a:lvl2pPr marL="457200" indent="0">
+              <a:buNone/>
+              <a:defRPr sz="2000" b="1"/>
+            </a:lvl2pPr>
+            <a:lvl3pPr marL="914400" indent="0">
+              <a:buNone/>
+              <a:defRPr sz="1800" b="1"/>
+            </a:lvl3pPr>
+            <a:lvl4pPr marL="1371600" indent="0">
+              <a:buNone/>
+              <a:defRPr sz="1600" b="1"/>
+            </a:lvl4pPr>
+            <a:lvl5pPr marL="1828800" indent="0">
+              <a:buNone/>
+              <a:defRPr sz="1600" b="1"/>
+            </a:lvl5pPr>
+            <a:lvl6pPr marL="2286000" indent="0">
+              <a:buNone/>
+              <a:defRPr sz="1600" b="1"/>
+            </a:lvl6pPr>
+            <a:lvl7pPr marL="2743200" indent="0">
+              <a:buNone/>
+              <a:defRPr sz="1600" b="1"/>
+            </a:lvl7pPr>
+            <a:lvl8pPr marL="3200400" indent="0">
+              <a:buNone/>
+              <a:defRPr sz="1600" b="1"/>
+            </a:lvl8pPr>
+            <a:lvl9pPr marL="3657600" indent="0">
+              <a:buNone/>
+              <a:defRPr sz="1600" b="1"/>
+            </a:lvl9pPr>
+          </a:lstStyle>
+          <a:p>
+            <a:pPr lvl="0"/>
+            <a:r>
+              <a:rPr lang="en-US" smtClean="0"/>
+              <a:t>Click to edit Master text styles</a:t>
+            </a:r>
+          </a:p>
+        </p:txBody>
+      </p:sp>
+      <p:sp>
+        <p:nvSpPr>
+          <p:cNvPr id="4" name="Content Placeholder 3"/>
+          <p:cNvSpPr>
+            <a:spLocks noGrp="1"/>
+          </p:cNvSpPr>
+          <p:nvPr>
+            <p:ph sz="half" idx="2"/>
+          </p:nvPr>
+        </p:nvSpPr>
+        <p:spPr>
+          <a:xfrm>
+            <a:off x="457200" y="2174875"/>
+            <a:ext cx="4040188" cy="3951288"/>
+          </a:xfrm>
+        </p:spPr>
+        <p:txBody>
+          <a:bodyPr/>
+          <a:lstStyle>
+            <a:lvl1pPr>
+              <a:defRPr sz="2400"/>
+            </a:lvl1pPr>
+            <a:lvl2pPr>
+              <a:defRPr sz="2000"/>
+            </a:lvl2pPr>
+            <a:lvl3pPr>
+              <a:defRPr sz="1800"/>
+            </a:lvl3pPr>
+            <a:lvl4pPr>
+              <a:defRPr sz="1600"/>
+            </a:lvl4pPr>
+            <a:lvl5pPr>
+              <a:defRPr sz="1600"/>
+            </a:lvl5pPr>
+            <a:lvl6pPr>
+              <a:defRPr sz="1600"/>
+            </a:lvl6pPr>
+            <a:lvl7pPr>
+              <a:defRPr sz="1600"/>
+            </a:lvl7pPr>
+            <a:lvl8pPr>
+              <a:defRPr sz="1600"/>
+            </a:lvl8pPr>
+            <a:lvl9pPr>
+              <a:defRPr sz="1600"/>
+            </a:lvl9pPr>
+          </a:lstStyle>
+          <a:p>
+            <a:pPr lvl="0"/>
+            <a:r>
+              <a:rPr lang="en-US" smtClean="0"/>
+              <a:t>Click to edit Master text styles</a:t>
+            </a:r>
+          </a:p>
+          <a:p>
+            <a:pPr lvl="1"/>
+            <a:r>
+              <a:rPr lang="en-US" smtClean="0"/>
+              <a:t>Second level</a:t>
+            </a:r>
+          </a:p>
+          <a:p>
+            <a:pPr lvl="2"/>
+            <a:r>
+              <a:rPr lang="en-US" smtClean="0"/>
+              <a:t>Third level</a:t>
+            </a:r>
+          </a:p>
+          <a:p>
+            <a:pPr lvl="3"/>
+            <a:r>
+              <a:rPr lang="en-US" smtClean="0"/>
+              <a:t>Fourth level</a:t>
+            </a:r>
+          </a:p>
+          <a:p>
+            <a:pPr lvl="4"/>
+            <a:r>
+              <a:rPr lang="en-US" smtClean="0"/>
+              <a:t>Fifth level</a:t>
+            </a:r>
+            <a:endParaRPr lang="en-US"/>
+          </a:p>
+        </p:txBody>
+      </p:sp>
+      <p:sp>
+        <p:nvSpPr>
+          <p:cNvPr id="5" name="Text Placeholder 4"/>
+          <p:cNvSpPr>
+            <a:spLocks noGrp="1"/>
+          </p:cNvSpPr>
+          <p:nvPr>
+            <p:ph type="body" sz="quarter" idx="3"/>
+          </p:nvPr>
+        </p:nvSpPr>
+        <p:spPr>
+          <a:xfrm>
+            <a:off x="4645025" y="1535113"/>
+            <a:ext cx="4041775" cy="639762"/>
+          </a:xfrm>
+        </p:spPr>
+        <p:txBody>
+          <a:bodyPr anchor="b"/>
+          <a:lstStyle>
+            <a:lvl1pPr marL="0" indent="0">
+              <a:buNone/>
+              <a:defRPr sz="2400" b="1"/>
+            </a:lvl1pPr>
+            <a:lvl2pPr marL="457200" indent="0">
+              <a:buNone/>
+              <a:defRPr sz="2000" b="1"/>
+            </a:lvl2pPr>
+            <a:lvl3pPr marL="914400" indent="0">
+              <a:buNone/>
+              <a:defRPr sz="1800" b="1"/>
+            </a:lvl3pPr>
+            <a:lvl4pPr marL="1371600" indent="0">
+              <a:buNone/>
+              <a:defRPr sz="1600" b="1"/>
+            </a:lvl4pPr>
+            <a:lvl5pPr marL="1828800" indent="0">
+              <a:buNone/>
+              <a:defRPr sz="1600" b="1"/>
+            </a:lvl5pPr>
+            <a:lvl6pPr marL="2286000" indent="0">
+              <a:buNone/>
+              <a:defRPr sz="1600" b="1"/>
+            </a:lvl6pPr>
+            <a:lvl7pPr marL="2743200" indent="0">
+              <a:buNone/>
+              <a:defRPr sz="1600" b="1"/>
+            </a:lvl7pPr>
+            <a:lvl8pPr marL="3200400" indent="0">
+              <a:buNone/>
+              <a:defRPr sz="1600" b="1"/>
+            </a:lvl8pPr>
+            <a:lvl9pPr marL="3657600" indent="0">
+              <a:buNone/>
+              <a:defRPr sz="1600" b="1"/>
+            </a:lvl9pPr>
+          </a:lstStyle>
+          <a:p>
+            <a:pPr lvl="0"/>
+            <a:r>
+              <a:rPr lang="en-US" smtClean="0"/>
+              <a:t>Click to edit Master text styles</a:t>
+            </a:r>
+          </a:p>
+        </p:txBody>
+      </p:sp>
+      <p:sp>
+        <p:nvSpPr>
+          <p:cNvPr id="6" name="Content Placeholder 5"/>
+          <p:cNvSpPr>
+            <a:spLocks noGrp="1"/>
+          </p:cNvSpPr>
+          <p:nvPr>
+            <p:ph sz="quarter" idx="4"/>
+          </p:nvPr>
+        </p:nvSpPr>
+        <p:spPr>
+          <a:xfrm>
+            <a:off x="4645025" y="2174875"/>
+            <a:ext cx="4041775" cy="3951288"/>
+          </a:xfrm>
+        </p:spPr>
+        <p:txBody>
+          <a:bodyPr/>
+          <a:lstStyle>
+            <a:lvl1pPr>
+              <a:defRPr sz="2400"/>
+            </a:lvl1pPr>
+            <a:lvl2pPr>
+              <a:defRPr sz="2000"/>
+            </a:lvl2pPr>
+            <a:lvl3pPr>
+              <a:defRPr sz="1800"/>
+            </a:lvl3pPr>
+            <a:lvl4pPr>
+              <a:defRPr sz="1600"/>
+            </a:lvl4pPr>
+            <a:lvl5pPr>
+              <a:defRPr sz="1600"/>
+            </a:lvl5pPr>
+            <a:lvl6pPr>
+              <a:defRPr sz="1600"/>
+            </a:lvl6pPr>
+            <a:lvl7pPr>
+              <a:defRPr sz="1600"/>
+            </a:lvl7pPr>
+            <a:lvl8pPr>
+              <a:defRPr sz="1600"/>
+            </a:lvl8pPr>
+            <a:lvl9pPr>
+              <a:defRPr sz="1600"/>
+            </a:lvl9pPr>
+          </a:lstStyle>
+          <a:p>
+            <a:pPr lvl="0"/>
+            <a:r>
+              <a:rPr lang="en-US" smtClean="0"/>
+              <a:t>Click to edit Master text styles</a:t>
+            </a:r>
+          </a:p>
+          <a:p>
+            <a:pPr lvl="1"/>
+            <a:r>
+              <a:rPr lang="en-US" smtClean="0"/>
+              <a:t>Second level</a:t>
+            </a:r>
+          </a:p>
+          <a:p>
+            <a:pPr lvl="2"/>
+            <a:r>
+              <a:rPr lang="en-US" smtClean="0"/>
+              <a:t>Third level</a:t>
+            </a:r>
+          </a:p>
+          <a:p>
+            <a:pPr lvl="3"/>
+            <a:r>
+              <a:rPr lang="en-US" smtClean="0"/>
+              <a:t>Fourth level</a:t>
+            </a:r>
+          </a:p>
+          <a:p>
+            <a:pPr lvl="4"/>
+            <a:r>
+              <a:rPr lang="en-US" smtClean="0"/>
+              <a:t>Fifth level</a:t>
+            </a:r>
+            <a:endParaRPr lang="en-US"/>
+          </a:p>
+        </p:txBody>
+      </p:sp>
+      <p:sp>
+        <p:nvSpPr>
+          <p:cNvPr id="7" name="Date Placeholder 6"/>
+          <p:cNvSpPr>
+            <a:spLocks noGrp="1"/>
+          </p:cNvSpPr>
+          <p:nvPr>
+            <p:ph type="dt" sz="half" idx="10"/>
+          </p:nvPr>
+        </p:nvSpPr>
+        <p:spPr/>
+        <p:txBody>
+          <a:bodyPr/>
+          <a:lstStyle/>
+          <a:p>
+            <a:fld id="{FAECF776-F836-4CCD-9497-99E5597B8B5D}" type="datetimeFigureOut">
+              <a:rPr lang="en-US" smtClean="0"/>
+              <a:t>10/25/2013</a:t>
+            </a:fld>
+            <a:endParaRPr lang="en-US"/>
+          </a:p>
+        </p:txBody>
+      </p:sp>
+      <p:sp>
+        <p:nvSpPr>
+          <p:cNvPr id="8" name="Footer Placeholder 7"/>
+          <p:cNvSpPr>
+            <a:spLocks noGrp="1"/>
+          </p:cNvSpPr>
+          <p:nvPr>
+            <p:ph type="ftr" sz="quarter" idx="11"/>
+          </p:nvPr>
+        </p:nvSpPr>
+        <p:spPr/>
+        <p:txBody>
+          <a:bodyPr/>
+          <a:lstStyle/>
+          <a:p>
+            <a:endParaRPr lang="en-US"/>
+          </a:p>
+        </p:txBody>
+      </p:sp>
+      <p:sp>
+        <p:nvSpPr>
+          <p:cNvPr id="9" name="Slide Number Placeholder 8"/>
+          <p:cNvSpPr>
+            <a:spLocks noGrp="1"/>
+          </p:cNvSpPr>
+          <p:nvPr>
+            <p:ph type="sldNum" sz="quarter" idx="12"/>
+          </p:nvPr>
+        </p:nvSpPr>
+        <p:spPr/>
+        <p:txBody>
+          <a:bodyPr/>
+          <a:lstStyle/>
+          <a:p>
+            <a:fld id="{1D5D0CD0-1042-4BF2-A1CE-64E2CC09D32B}" type="slidenum">
+              <a:rPr lang="en-US" smtClean="0"/>
+              <a:t>‹#›</a:t>
+            </a:fld>
+            <a:endParaRPr lang="en-US"/>
+          </a:p>
+        </p:txBody>
+      </p:sp>
+    </p:spTree>
+    <p:extLst>
+      <p:ext uri="{BB962C8B-B14F-4D97-AF65-F5344CB8AC3E}">
+        <p14:creationId xmlns:p14="http://schemas.microsoft.com/office/powerpoint/2010/main" val="1363409114"/>
+      </p:ext>
+    </p:extLst>
+  </p:cSld>
+  <p:clrMapOvr>
+    <a:masterClrMapping/>
+  </p:clrMapOvr>
+</p:sldLayout>
+</file>
+
+<file path=ppt/slideLayouts/slideLayout6.xml><?xml version="1.0" encoding="utf-8"?>
+<p:sldLayout xmlns:a="http://schemas.openxmlformats.org/drawingml/2006/main" xmlns:r="http://schemas.openxmlformats.org/officeDocument/2006/relationships" xmlns:p="http://schemas.openxmlformats.org/presentationml/2006/main" type="titleOnly" preserve="1">
+  <p:cSld name="Title Only">
+    <p:spTree>
+      <p:nvGrpSpPr>
+        <p:cNvPr id="1" name=""/>
+        <p:cNvGrpSpPr/>
+        <p:nvPr/>
+      </p:nvGrpSpPr>
+      <p:grpSpPr>
+        <a:xfrm>
+          <a:off x="0" y="0"/>
+          <a:ext cx="0" cy="0"/>
+          <a:chOff x="0" y="0"/>
+          <a:chExt cx="0" cy="0"/>
+        </a:xfrm>
+      </p:grpSpPr>
+      <p:sp>
+        <p:nvSpPr>
+          <p:cNvPr id="2" name="Title 1"/>
+          <p:cNvSpPr>
+            <a:spLocks noGrp="1"/>
+          </p:cNvSpPr>
+          <p:nvPr>
+            <p:ph type="title"/>
+          </p:nvPr>
+        </p:nvSpPr>
+        <p:spPr/>
+        <p:txBody>
+          <a:bodyPr/>
+          <a:lstStyle/>
+          <a:p>
+            <a:r>
+              <a:rPr lang="en-US" smtClean="0"/>
+              <a:t>Click to edit Master title style</a:t>
+            </a:r>
+            <a:endParaRPr lang="en-US"/>
+          </a:p>
+        </p:txBody>
+      </p:sp>
+      <p:sp>
+        <p:nvSpPr>
+          <p:cNvPr id="3" name="Date Placeholder 2"/>
+          <p:cNvSpPr>
+            <a:spLocks noGrp="1"/>
+          </p:cNvSpPr>
+          <p:nvPr>
+            <p:ph type="dt" sz="half" idx="10"/>
+          </p:nvPr>
+        </p:nvSpPr>
+        <p:spPr/>
+        <p:txBody>
+          <a:bodyPr/>
+          <a:lstStyle/>
+          <a:p>
+            <a:fld id="{FAECF776-F836-4CCD-9497-99E5597B8B5D}" type="datetimeFigureOut">
+              <a:rPr lang="en-US" smtClean="0"/>
+              <a:t>10/25/2013</a:t>
+            </a:fld>
+            <a:endParaRPr lang="en-US"/>
+          </a:p>
+        </p:txBody>
+      </p:sp>
+      <p:sp>
+        <p:nvSpPr>
+          <p:cNvPr id="4" name="Footer Placeholder 3"/>
+          <p:cNvSpPr>
+            <a:spLocks noGrp="1"/>
+          </p:cNvSpPr>
+          <p:nvPr>
+            <p:ph type="ftr" sz="quarter" idx="11"/>
+          </p:nvPr>
+        </p:nvSpPr>
+        <p:spPr/>
+        <p:txBody>
+          <a:bodyPr/>
+          <a:lstStyle/>
+          <a:p>
+            <a:endParaRPr lang="en-US"/>
+          </a:p>
+        </p:txBody>
+      </p:sp>
+      <p:sp>
+        <p:nvSpPr>
+          <p:cNvPr id="5" name="Slide Number Placeholder 4"/>
+          <p:cNvSpPr>
+            <a:spLocks noGrp="1"/>
+          </p:cNvSpPr>
+          <p:nvPr>
+            <p:ph type="sldNum" sz="quarter" idx="12"/>
+          </p:nvPr>
+        </p:nvSpPr>
+        <p:spPr/>
+        <p:txBody>
+          <a:bodyPr/>
+          <a:lstStyle/>
+          <a:p>
+            <a:fld id="{1D5D0CD0-1042-4BF2-A1CE-64E2CC09D32B}" type="slidenum">
+              <a:rPr lang="en-US" smtClean="0"/>
+              <a:t>‹#›</a:t>
+            </a:fld>
+            <a:endParaRPr lang="en-US"/>
+          </a:p>
+        </p:txBody>
+      </p:sp>
+    </p:spTree>
+    <p:extLst>
+      <p:ext uri="{BB962C8B-B14F-4D97-AF65-F5344CB8AC3E}">
+        <p14:creationId xmlns:p14="http://schemas.microsoft.com/office/powerpoint/2010/main" val="463482226"/>
+      </p:ext>
+    </p:extLst>
+  </p:cSld>
+  <p:clrMapOvr>
+    <a:masterClrMapping/>
+  </p:clrMapOvr>
+</p:sldLayout>
+</file>
+
+<file path=ppt/slideLayouts/slideLayout7.xml><?xml version="1.0" encoding="utf-8"?>
+<p:sldLayout xmlns:a="http://schemas.openxmlformats.org/drawingml/2006/main" xmlns:r="http://schemas.openxmlformats.org/officeDocument/2006/relationships" xmlns:p="http://schemas.openxmlformats.org/presentationml/2006/main" type="blank" preserve="1">
+  <p:cSld name="Blank">
+    <p:spTree>
+      <p:nvGrpSpPr>
+        <p:cNvPr id="1" name=""/>
+        <p:cNvGrpSpPr/>
+        <p:nvPr/>
+      </p:nvGrpSpPr>
+      <p:grpSpPr>
+        <a:xfrm>
+          <a:off x="0" y="0"/>
+          <a:ext cx="0" cy="0"/>
+          <a:chOff x="0" y="0"/>
+          <a:chExt cx="0" cy="0"/>
+        </a:xfrm>
+      </p:grpSpPr>
+      <p:sp>
+        <p:nvSpPr>
+          <p:cNvPr id="2" name="Date Placeholder 1"/>
+          <p:cNvSpPr>
+            <a:spLocks noGrp="1"/>
+          </p:cNvSpPr>
+          <p:nvPr>
+            <p:ph type="dt" sz="half" idx="10"/>
+          </p:nvPr>
+        </p:nvSpPr>
+        <p:spPr/>
+        <p:txBody>
+          <a:bodyPr/>
+          <a:lstStyle/>
+          <a:p>
+            <a:fld id="{FAECF776-F836-4CCD-9497-99E5597B8B5D}" type="datetimeFigureOut">
+              <a:rPr lang="en-US" smtClean="0"/>
+              <a:t>10/25/2013</a:t>
+            </a:fld>
+            <a:endParaRPr lang="en-US"/>
+          </a:p>
+        </p:txBody>
+      </p:sp>
+      <p:sp>
+        <p:nvSpPr>
+          <p:cNvPr id="3" name="Footer Placeholder 2"/>
+          <p:cNvSpPr>
+            <a:spLocks noGrp="1"/>
+          </p:cNvSpPr>
+          <p:nvPr>
+            <p:ph type="ftr" sz="quarter" idx="11"/>
+          </p:nvPr>
+        </p:nvSpPr>
+        <p:spPr/>
+        <p:txBody>
+          <a:bodyPr/>
+          <a:lstStyle/>
+          <a:p>
+            <a:endParaRPr lang="en-US"/>
+          </a:p>
+        </p:txBody>
+      </p:sp>
+      <p:sp>
+        <p:nvSpPr>
+          <p:cNvPr id="4" name="Slide Number Placeholder 3"/>
+          <p:cNvSpPr>
+            <a:spLocks noGrp="1"/>
+          </p:cNvSpPr>
+          <p:nvPr>
+            <p:ph type="sldNum" sz="quarter" idx="12"/>
+          </p:nvPr>
+        </p:nvSpPr>
+        <p:spPr/>
+        <p:txBody>
+          <a:bodyPr/>
+          <a:lstStyle/>
+          <a:p>
+            <a:fld id="{1D5D0CD0-1042-4BF2-A1CE-64E2CC09D32B}" type="slidenum">
+              <a:rPr lang="en-US" smtClean="0"/>
+              <a:t>‹#›</a:t>
+            </a:fld>
+            <a:endParaRPr lang="en-US"/>
+          </a:p>
+        </p:txBody>
+      </p:sp>
+    </p:spTree>
+    <p:extLst>
+      <p:ext uri="{BB962C8B-B14F-4D97-AF65-F5344CB8AC3E}">
+        <p14:creationId xmlns:p14="http://schemas.microsoft.com/office/powerpoint/2010/main" val="1295799961"/>
+      </p:ext>
+    </p:extLst>
+  </p:cSld>
+  <p:clrMapOvr>
+    <a:masterClrMapping/>
+  </p:clrMapOvr>
+</p:sldLayout>
+</file>
+
+<file path=ppt/slideLayouts/slideLayout8.xml><?xml version="1.0" encoding="utf-8"?>
+<p:sldLayout xmlns:a="http://schemas.openxmlformats.org/drawingml/2006/main" xmlns:r="http://schemas.openxmlformats.org/officeDocument/2006/relationships" xmlns:p="http://schemas.openxmlformats.org/presentationml/2006/main" type="objTx" preserve="1">
+  <p:cSld name="Content with Caption">
+    <p:spTree>
+      <p:nvGrpSpPr>
+        <p:cNvPr id="1" name=""/>
+        <p:cNvGrpSpPr/>
+        <p:nvPr/>
+      </p:nvGrpSpPr>
+      <p:grpSpPr>
+        <a:xfrm>
+          <a:off x="0" y="0"/>
+          <a:ext cx="0" cy="0"/>
+          <a:chOff x="0" y="0"/>
+          <a:chExt cx="0" cy="0"/>
+        </a:xfrm>
+      </p:grpSpPr>
+      <p:sp>
+        <p:nvSpPr>
+          <p:cNvPr id="2" name="Title 1"/>
+          <p:cNvSpPr>
+            <a:spLocks noGrp="1"/>
+          </p:cNvSpPr>
+          <p:nvPr>
+            <p:ph type="title"/>
+          </p:nvPr>
+        </p:nvSpPr>
+        <p:spPr>
+          <a:xfrm>
+            <a:off x="457200" y="273050"/>
+            <a:ext cx="3008313" cy="1162050"/>
+          </a:xfrm>
+        </p:spPr>
+        <p:txBody>
+          <a:bodyPr anchor="b"/>
+          <a:lstStyle>
+            <a:lvl1pPr algn="l">
+              <a:defRPr sz="2000" b="1"/>
+            </a:lvl1pPr>
+          </a:lstStyle>
+          <a:p>
+            <a:r>
+              <a:rPr lang="en-US" smtClean="0"/>
+              <a:t>Click to edit Master title style</a:t>
+            </a:r>
+            <a:endParaRPr lang="en-US"/>
+          </a:p>
+        </p:txBody>
+      </p:sp>
+      <p:sp>
+        <p:nvSpPr>
+          <p:cNvPr id="3" name="Content Placeholder 2"/>
+          <p:cNvSpPr>
+            <a:spLocks noGrp="1"/>
+          </p:cNvSpPr>
+          <p:nvPr>
+            <p:ph idx="1"/>
+          </p:nvPr>
+        </p:nvSpPr>
+        <p:spPr>
+          <a:xfrm>
+            <a:off x="3575050" y="273050"/>
+            <a:ext cx="5111750" cy="5853113"/>
+          </a:xfrm>
+        </p:spPr>
+        <p:txBody>
+          <a:bodyPr/>
+          <a:lstStyle>
+            <a:lvl1pPr>
+              <a:defRPr sz="3200"/>
+            </a:lvl1pPr>
+            <a:lvl2pPr>
+              <a:defRPr sz="2800"/>
+            </a:lvl2pPr>
+            <a:lvl3pPr>
+              <a:defRPr sz="2400"/>
+            </a:lvl3pPr>
+            <a:lvl4pPr>
+              <a:defRPr sz="2000"/>
+            </a:lvl4pPr>
+            <a:lvl5pPr>
+              <a:defRPr sz="2000"/>
+            </a:lvl5pPr>
+            <a:lvl6pPr>
+              <a:defRPr sz="2000"/>
+            </a:lvl6pPr>
+            <a:lvl7pPr>
+              <a:defRPr sz="2000"/>
+            </a:lvl7pPr>
+            <a:lvl8pPr>
+              <a:defRPr sz="2000"/>
+            </a:lvl8pPr>
+            <a:lvl9pPr>
+              <a:defRPr sz="2000"/>
+            </a:lvl9pPr>
+          </a:lstStyle>
+          <a:p>
+            <a:pPr lvl="0"/>
+            <a:r>
+              <a:rPr lang="en-US" smtClean="0"/>
+              <a:t>Click to edit Master text styles</a:t>
+            </a:r>
+          </a:p>
+          <a:p>
+            <a:pPr lvl="1"/>
+            <a:r>
+              <a:rPr lang="en-US" smtClean="0"/>
+              <a:t>Second level</a:t>
+            </a:r>
+          </a:p>
+          <a:p>
+            <a:pPr lvl="2"/>
+            <a:r>
+              <a:rPr lang="en-US" smtClean="0"/>
+              <a:t>Third level</a:t>
+            </a:r>
+          </a:p>
+          <a:p>
+            <a:pPr lvl="3"/>
+            <a:r>
+              <a:rPr lang="en-US" smtClean="0"/>
+              <a:t>Fourth level</a:t>
+            </a:r>
+          </a:p>
+          <a:p>
+            <a:pPr lvl="4"/>
+            <a:r>
+              <a:rPr lang="en-US" smtClean="0"/>
+              <a:t>Fifth level</a:t>
+            </a:r>
+            <a:endParaRPr lang="en-US"/>
+          </a:p>
+        </p:txBody>
+      </p:sp>
+      <p:sp>
+        <p:nvSpPr>
+          <p:cNvPr id="4" name="Text Placeholder 3"/>
+          <p:cNvSpPr>
+            <a:spLocks noGrp="1"/>
+          </p:cNvSpPr>
+          <p:nvPr>
+            <p:ph type="body" sz="half" idx="2"/>
+          </p:nvPr>
+        </p:nvSpPr>
+        <p:spPr>
+          <a:xfrm>
+            <a:off x="457200" y="1435100"/>
+            <a:ext cx="3008313" cy="4691063"/>
+          </a:xfrm>
+        </p:spPr>
+        <p:txBody>
+          <a:bodyPr/>
+          <a:lstStyle>
+            <a:lvl1pPr marL="0" indent="0">
+              <a:buNone/>
+              <a:defRPr sz="1400"/>
+            </a:lvl1pPr>
+            <a:lvl2pPr marL="457200" indent="0">
+              <a:buNone/>
+              <a:defRPr sz="1200"/>
+            </a:lvl2pPr>
+            <a:lvl3pPr marL="914400" indent="0">
+              <a:buNone/>
+              <a:defRPr sz="1000"/>
+            </a:lvl3pPr>
+            <a:lvl4pPr marL="1371600" indent="0">
+              <a:buNone/>
+              <a:defRPr sz="900"/>
+            </a:lvl4pPr>
+            <a:lvl5pPr marL="1828800" indent="0">
+              <a:buNone/>
+              <a:defRPr sz="900"/>
+            </a:lvl5pPr>
+            <a:lvl6pPr marL="2286000" indent="0">
+              <a:buNone/>
+              <a:defRPr sz="900"/>
+            </a:lvl6pPr>
+            <a:lvl7pPr marL="2743200" indent="0">
+              <a:buNone/>
+              <a:defRPr sz="900"/>
+            </a:lvl7pPr>
+            <a:lvl8pPr marL="3200400" indent="0">
+              <a:buNone/>
+              <a:defRPr sz="900"/>
+            </a:lvl8pPr>
+            <a:lvl9pPr marL="3657600" indent="0">
+              <a:buNone/>
+              <a:defRPr sz="900"/>
+            </a:lvl9pPr>
+          </a:lstStyle>
+          <a:p>
+            <a:pPr lvl="0"/>
+            <a:r>
+              <a:rPr lang="en-US" smtClean="0"/>
+              <a:t>Click to edit Master text styles</a:t>
+            </a:r>
+          </a:p>
+        </p:txBody>
+      </p:sp>
+      <p:sp>
+        <p:nvSpPr>
+          <p:cNvPr id="5" name="Date Placeholder 4"/>
+          <p:cNvSpPr>
+            <a:spLocks noGrp="1"/>
+          </p:cNvSpPr>
+          <p:nvPr>
+            <p:ph type="dt" sz="half" idx="10"/>
+          </p:nvPr>
+        </p:nvSpPr>
+        <p:spPr/>
+        <p:txBody>
+          <a:bodyPr/>
+          <a:lstStyle/>
+          <a:p>
+            <a:fld id="{FAECF776-F836-4CCD-9497-99E5597B8B5D}" type="datetimeFigureOut">
+              <a:rPr lang="en-US" smtClean="0"/>
+              <a:t>10/25/2013</a:t>
+            </a:fld>
+            <a:endParaRPr lang="en-US"/>
+          </a:p>
+        </p:txBody>
+      </p:sp>
+      <p:sp>
+        <p:nvSpPr>
+          <p:cNvPr id="6" name="Footer Placeholder 5"/>
+          <p:cNvSpPr>
+            <a:spLocks noGrp="1"/>
+          </p:cNvSpPr>
+          <p:nvPr>
+            <p:ph type="ftr" sz="quarter" idx="11"/>
+          </p:nvPr>
+        </p:nvSpPr>
+        <p:spPr/>
+        <p:txBody>
+          <a:bodyPr/>
+          <a:lstStyle/>
+          <a:p>
+            <a:endParaRPr lang="en-US"/>
+          </a:p>
+        </p:txBody>
+      </p:sp>
+      <p:sp>
+        <p:nvSpPr>
+          <p:cNvPr id="7" name="Slide Number Placeholder 6"/>
+          <p:cNvSpPr>
+            <a:spLocks noGrp="1"/>
+          </p:cNvSpPr>
+          <p:nvPr>
+            <p:ph type="sldNum" sz="quarter" idx="12"/>
+          </p:nvPr>
+        </p:nvSpPr>
+        <p:spPr/>
+        <p:txBody>
+          <a:bodyPr/>
+          <a:lstStyle/>
+          <a:p>
+            <a:fld id="{1D5D0CD0-1042-4BF2-A1CE-64E2CC09D32B}" type="slidenum">
+              <a:rPr lang="en-US" smtClean="0"/>
+              <a:t>‹#›</a:t>
+            </a:fld>
+            <a:endParaRPr lang="en-US"/>
+          </a:p>
+        </p:txBody>
+      </p:sp>
+    </p:spTree>
+    <p:extLst>
+      <p:ext uri="{BB962C8B-B14F-4D97-AF65-F5344CB8AC3E}">
+        <p14:creationId xmlns:p14="http://schemas.microsoft.com/office/powerpoint/2010/main" val="712429349"/>
+      </p:ext>
+    </p:extLst>
+  </p:cSld>
+  <p:clrMapOvr>
+    <a:masterClrMapping/>
+  </p:clrMapOvr>
+</p:sldLayout>
+</file>
+
+<file path=ppt/slideLayouts/slideLayout9.xml><?xml version="1.0" encoding="utf-8"?>
+<p:sldLayout xmlns:a="http://schemas.openxmlformats.org/drawingml/2006/main" xmlns:r="http://schemas.openxmlformats.org/officeDocument/2006/relationships" xmlns:p="http://schemas.openxmlformats.org/presentationml/2006/main" type="picTx" preserve="1">
+  <p:cSld name="Picture with Caption">
+    <p:spTree>
+      <p:nvGrpSpPr>
+        <p:cNvPr id="1" name=""/>
+        <p:cNvGrpSpPr/>
+        <p:nvPr/>
+      </p:nvGrpSpPr>
+      <p:grpSpPr>
+        <a:xfrm>
+          <a:off x="0" y="0"/>
+          <a:ext cx="0" cy="0"/>
+          <a:chOff x="0" y="0"/>
+          <a:chExt cx="0" cy="0"/>
+        </a:xfrm>
+      </p:grpSpPr>
+      <p:sp>
+        <p:nvSpPr>
+          <p:cNvPr id="2" name="Title 1"/>
+          <p:cNvSpPr>
+            <a:spLocks noGrp="1"/>
+          </p:cNvSpPr>
+          <p:nvPr>
+            <p:ph type="title"/>
+          </p:nvPr>
+        </p:nvSpPr>
+        <p:spPr>
+          <a:xfrm>
+            <a:off x="1792288" y="4800600"/>
+            <a:ext cx="5486400" cy="566738"/>
+          </a:xfrm>
+        </p:spPr>
+        <p:txBody>
+          <a:bodyPr anchor="b"/>
+          <a:lstStyle>
+            <a:lvl1pPr algn="l">
+              <a:defRPr sz="2000" b="1"/>
+            </a:lvl1pPr>
+          </a:lstStyle>
+          <a:p>
+            <a:r>
+              <a:rPr lang="en-US" smtClean="0"/>
+              <a:t>Click to edit Master title style</a:t>
+            </a:r>
+            <a:endParaRPr lang="en-US"/>
+          </a:p>
+        </p:txBody>
+      </p:sp>
+      <p:sp>
+        <p:nvSpPr>
+          <p:cNvPr id="3" name="Picture Placeholder 2"/>
+          <p:cNvSpPr>
+            <a:spLocks noGrp="1"/>
+          </p:cNvSpPr>
+          <p:nvPr>
+            <p:ph type="pic" idx="1"/>
+          </p:nvPr>
+        </p:nvSpPr>
+        <p:spPr>
+          <a:xfrm>
+            <a:off x="1792288" y="612775"/>
+            <a:ext cx="5486400" cy="4114800"/>
+          </a:xfrm>
+        </p:spPr>
+        <p:txBody>
+          <a:bodyPr/>
+          <a:lstStyle>
+            <a:lvl1pPr marL="0" indent="0">
+              <a:buNone/>
+              <a:defRPr sz="3200"/>
+            </a:lvl1pPr>
+            <a:lvl2pPr marL="457200" indent="0">
+              <a:buNone/>
+              <a:defRPr sz="2800"/>
+            </a:lvl2pPr>
+            <a:lvl3pPr marL="914400" indent="0">
+              <a:buNone/>
+              <a:defRPr sz="2400"/>
+            </a:lvl3pPr>
+            <a:lvl4pPr marL="1371600" indent="0">
+              <a:buNone/>
+              <a:defRPr sz="2000"/>
+            </a:lvl4pPr>
+            <a:lvl5pPr marL="1828800" indent="0">
+              <a:buNone/>
+              <a:defRPr sz="2000"/>
+            </a:lvl5pPr>
+            <a:lvl6pPr marL="2286000" indent="0">
+              <a:buNone/>
+              <a:defRPr sz="2000"/>
+            </a:lvl6pPr>
+            <a:lvl7pPr marL="2743200" indent="0">
+              <a:buNone/>
+              <a:defRPr sz="2000"/>
+            </a:lvl7pPr>
+            <a:lvl8pPr marL="3200400" indent="0">
+              <a:buNone/>
+              <a:defRPr sz="2000"/>
+            </a:lvl8pPr>
+            <a:lvl9pPr marL="3657600" indent="0">
+              <a:buNone/>
+              <a:defRPr sz="2000"/>
+            </a:lvl9pPr>
+          </a:lstStyle>
+          <a:p>
+            <a:endParaRPr lang="en-US"/>
+          </a:p>
+        </p:txBody>
+      </p:sp>
+      <p:sp>
+        <p:nvSpPr>
+          <p:cNvPr id="4" name="Text Placeholder 3"/>
+          <p:cNvSpPr>
+            <a:spLocks noGrp="1"/>
+          </p:cNvSpPr>
+          <p:nvPr>
+            <p:ph type="body" sz="half" idx="2"/>
+          </p:nvPr>
+        </p:nvSpPr>
+        <p:spPr>
+          <a:xfrm>
+            <a:off x="1792288" y="5367338"/>
+            <a:ext cx="5486400" cy="804862"/>
+          </a:xfrm>
+        </p:spPr>
+        <p:txBody>
+          <a:bodyPr/>
+          <a:lstStyle>
+            <a:lvl1pPr marL="0" indent="0">
+              <a:buNone/>
+              <a:defRPr sz="1400"/>
+            </a:lvl1pPr>
+            <a:lvl2pPr marL="457200" indent="0">
+              <a:buNone/>
+              <a:defRPr sz="1200"/>
+            </a:lvl2pPr>
+            <a:lvl3pPr marL="914400" indent="0">
+              <a:buNone/>
+              <a:defRPr sz="1000"/>
+            </a:lvl3pPr>
+            <a:lvl4pPr marL="1371600" indent="0">
+              <a:buNone/>
+              <a:defRPr sz="900"/>
+            </a:lvl4pPr>
+            <a:lvl5pPr marL="1828800" indent="0">
+              <a:buNone/>
+              <a:defRPr sz="900"/>
+            </a:lvl5pPr>
+            <a:lvl6pPr marL="2286000" indent="0">
+              <a:buNone/>
+              <a:defRPr sz="900"/>
+            </a:lvl6pPr>
+            <a:lvl7pPr marL="2743200" indent="0">
+              <a:buNone/>
+              <a:defRPr sz="900"/>
+            </a:lvl7pPr>
+            <a:lvl8pPr marL="3200400" indent="0">
+              <a:buNone/>
+              <a:defRPr sz="900"/>
+            </a:lvl8pPr>
+            <a:lvl9pPr marL="3657600" indent="0">
+              <a:buNone/>
+              <a:defRPr sz="900"/>
+            </a:lvl9pPr>
+          </a:lstStyle>
+          <a:p>
+            <a:pPr lvl="0"/>
+            <a:r>
+              <a:rPr lang="en-US" smtClean="0"/>
+              <a:t>Click to edit Master text styles</a:t>
+            </a:r>
+          </a:p>
+        </p:txBody>
+      </p:sp>
+      <p:sp>
+        <p:nvSpPr>
+          <p:cNvPr id="5" name="Date Placeholder 4"/>
+          <p:cNvSpPr>
+            <a:spLocks noGrp="1"/>
+          </p:cNvSpPr>
+          <p:nvPr>
+            <p:ph type="dt" sz="half" idx="10"/>
+          </p:nvPr>
+        </p:nvSpPr>
+        <p:spPr/>
+        <p:txBody>
+          <a:bodyPr/>
+          <a:lstStyle/>
+          <a:p>
+            <a:fld id="{FAECF776-F836-4CCD-9497-99E5597B8B5D}" type="datetimeFigureOut">
+              <a:rPr lang="en-US" smtClean="0"/>
+              <a:t>10/25/2013</a:t>
             </a:fld>
             <a:endParaRPr lang="en-US"/>
           </a:p>
@@ -2740,7 +5555,7 @@
           <a:p>
             <a:fld id="{FAECF776-F836-4CCD-9497-99E5597B8B5D}" type="datetimeFigureOut">
               <a:rPr lang="en-US" smtClean="0"/>
-              <a:t>10/4/2013</a:t>
+              <a:t>10/25/2013</a:t>
             </a:fld>
             <a:endParaRPr lang="en-US"/>
           </a:p>
@@ -2844,6 +5659,548 @@
     <p:sldLayoutId id="2147483657" r:id="rId9"/>
     <p:sldLayoutId id="2147483658" r:id="rId10"/>
     <p:sldLayoutId id="2147483659" r:id="rId11"/>
+  </p:sldLayoutIdLst>
+  <p:txStyles>
+    <p:titleStyle>
+      <a:lvl1pPr algn="ctr" defTabSz="914400" rtl="0" eaLnBrk="1" latinLnBrk="0" hangingPunct="1">
+        <a:spcBef>
+          <a:spcPct val="0"/>
+        </a:spcBef>
+        <a:buNone/>
+        <a:defRPr sz="4400" kern="1200">
+          <a:solidFill>
+            <a:schemeClr val="tx1"/>
+          </a:solidFill>
+          <a:latin typeface="+mj-lt"/>
+          <a:ea typeface="+mj-ea"/>
+          <a:cs typeface="+mj-cs"/>
+        </a:defRPr>
+      </a:lvl1pPr>
+    </p:titleStyle>
+    <p:bodyStyle>
+      <a:lvl1pPr marL="342900" indent="-342900" algn="l" defTabSz="914400" rtl="0" eaLnBrk="1" latinLnBrk="0" hangingPunct="1">
+        <a:spcBef>
+          <a:spcPct val="20000"/>
+        </a:spcBef>
+        <a:buFont typeface="Arial" pitchFamily="34" charset="0"/>
+        <a:buChar char="•"/>
+        <a:defRPr sz="3200" kern="1200">
+          <a:solidFill>
+            <a:schemeClr val="tx1"/>
+          </a:solidFill>
+          <a:latin typeface="+mn-lt"/>
+          <a:ea typeface="+mn-ea"/>
+          <a:cs typeface="+mn-cs"/>
+        </a:defRPr>
+      </a:lvl1pPr>
+      <a:lvl2pPr marL="742950" indent="-285750" algn="l" defTabSz="914400" rtl="0" eaLnBrk="1" latinLnBrk="0" hangingPunct="1">
+        <a:spcBef>
+          <a:spcPct val="20000"/>
+        </a:spcBef>
+        <a:buFont typeface="Arial" pitchFamily="34" charset="0"/>
+        <a:buChar char="–"/>
+        <a:defRPr sz="2800" kern="1200">
+          <a:solidFill>
+            <a:schemeClr val="tx1"/>
+          </a:solidFill>
+          <a:latin typeface="+mn-lt"/>
+          <a:ea typeface="+mn-ea"/>
+          <a:cs typeface="+mn-cs"/>
+        </a:defRPr>
+      </a:lvl2pPr>
+      <a:lvl3pPr marL="1143000" indent="-228600" algn="l" defTabSz="914400" rtl="0" eaLnBrk="1" latinLnBrk="0" hangingPunct="1">
+        <a:spcBef>
+          <a:spcPct val="20000"/>
+        </a:spcBef>
+        <a:buFont typeface="Arial" pitchFamily="34" charset="0"/>
+        <a:buChar char="•"/>
+        <a:defRPr sz="2400" kern="1200">
+          <a:solidFill>
+            <a:schemeClr val="tx1"/>
+          </a:solidFill>
+          <a:latin typeface="+mn-lt"/>
+          <a:ea typeface="+mn-ea"/>
+          <a:cs typeface="+mn-cs"/>
+        </a:defRPr>
+      </a:lvl3pPr>
+      <a:lvl4pPr marL="1600200" indent="-228600" algn="l" defTabSz="914400" rtl="0" eaLnBrk="1" latinLnBrk="0" hangingPunct="1">
+        <a:spcBef>
+          <a:spcPct val="20000"/>
+        </a:spcBef>
+        <a:buFont typeface="Arial" pitchFamily="34" charset="0"/>
+        <a:buChar char="–"/>
+        <a:defRPr sz="2000" kern="1200">
+          <a:solidFill>
+            <a:schemeClr val="tx1"/>
+          </a:solidFill>
+          <a:latin typeface="+mn-lt"/>
+          <a:ea typeface="+mn-ea"/>
+          <a:cs typeface="+mn-cs"/>
+        </a:defRPr>
+      </a:lvl4pPr>
+      <a:lvl5pPr marL="2057400" indent="-228600" algn="l" defTabSz="914400" rtl="0" eaLnBrk="1" latinLnBrk="0" hangingPunct="1">
+        <a:spcBef>
+          <a:spcPct val="20000"/>
+        </a:spcBef>
+        <a:buFont typeface="Arial" pitchFamily="34" charset="0"/>
+        <a:buChar char="»"/>
+        <a:defRPr sz="2000" kern="1200">
+          <a:solidFill>
+            <a:schemeClr val="tx1"/>
+          </a:solidFill>
+          <a:latin typeface="+mn-lt"/>
+          <a:ea typeface="+mn-ea"/>
+          <a:cs typeface="+mn-cs"/>
+        </a:defRPr>
+      </a:lvl5pPr>
+      <a:lvl6pPr marL="2514600" indent="-228600" algn="l" defTabSz="914400" rtl="0" eaLnBrk="1" latinLnBrk="0" hangingPunct="1">
+        <a:spcBef>
+          <a:spcPct val="20000"/>
+        </a:spcBef>
+        <a:buFont typeface="Arial" pitchFamily="34" charset="0"/>
+        <a:buChar char="•"/>
+        <a:defRPr sz="2000" kern="1200">
+          <a:solidFill>
+            <a:schemeClr val="tx1"/>
+          </a:solidFill>
+          <a:latin typeface="+mn-lt"/>
+          <a:ea typeface="+mn-ea"/>
+          <a:cs typeface="+mn-cs"/>
+        </a:defRPr>
+      </a:lvl6pPr>
+      <a:lvl7pPr marL="2971800" indent="-228600" algn="l" defTabSz="914400" rtl="0" eaLnBrk="1" latinLnBrk="0" hangingPunct="1">
+        <a:spcBef>
+          <a:spcPct val="20000"/>
+        </a:spcBef>
+        <a:buFont typeface="Arial" pitchFamily="34" charset="0"/>
+        <a:buChar char="•"/>
+        <a:defRPr sz="2000" kern="1200">
+          <a:solidFill>
+            <a:schemeClr val="tx1"/>
+          </a:solidFill>
+          <a:latin typeface="+mn-lt"/>
+          <a:ea typeface="+mn-ea"/>
+          <a:cs typeface="+mn-cs"/>
+        </a:defRPr>
+      </a:lvl7pPr>
+      <a:lvl8pPr marL="3429000" indent="-228600" algn="l" defTabSz="914400" rtl="0" eaLnBrk="1" latinLnBrk="0" hangingPunct="1">
+        <a:spcBef>
+          <a:spcPct val="20000"/>
+        </a:spcBef>
+        <a:buFont typeface="Arial" pitchFamily="34" charset="0"/>
+        <a:buChar char="•"/>
+        <a:defRPr sz="2000" kern="1200">
+          <a:solidFill>
+            <a:schemeClr val="tx1"/>
+          </a:solidFill>
+          <a:latin typeface="+mn-lt"/>
+          <a:ea typeface="+mn-ea"/>
+          <a:cs typeface="+mn-cs"/>
+        </a:defRPr>
+      </a:lvl8pPr>
+      <a:lvl9pPr marL="3886200" indent="-228600" algn="l" defTabSz="914400" rtl="0" eaLnBrk="1" latinLnBrk="0" hangingPunct="1">
+        <a:spcBef>
+          <a:spcPct val="20000"/>
+        </a:spcBef>
+        <a:buFont typeface="Arial" pitchFamily="34" charset="0"/>
+        <a:buChar char="•"/>
+        <a:defRPr sz="2000" kern="1200">
+          <a:solidFill>
+            <a:schemeClr val="tx1"/>
+          </a:solidFill>
+          <a:latin typeface="+mn-lt"/>
+          <a:ea typeface="+mn-ea"/>
+          <a:cs typeface="+mn-cs"/>
+        </a:defRPr>
+      </a:lvl9pPr>
+    </p:bodyStyle>
+    <p:otherStyle>
+      <a:defPPr>
+        <a:defRPr lang="en-US"/>
+      </a:defPPr>
+      <a:lvl1pPr marL="0" algn="l" defTabSz="914400" rtl="0" eaLnBrk="1" latinLnBrk="0" hangingPunct="1">
+        <a:defRPr sz="1800" kern="1200">
+          <a:solidFill>
+            <a:schemeClr val="tx1"/>
+          </a:solidFill>
+          <a:latin typeface="+mn-lt"/>
+          <a:ea typeface="+mn-ea"/>
+          <a:cs typeface="+mn-cs"/>
+        </a:defRPr>
+      </a:lvl1pPr>
+      <a:lvl2pPr marL="457200" algn="l" defTabSz="914400" rtl="0" eaLnBrk="1" latinLnBrk="0" hangingPunct="1">
+        <a:defRPr sz="1800" kern="1200">
+          <a:solidFill>
+            <a:schemeClr val="tx1"/>
+          </a:solidFill>
+          <a:latin typeface="+mn-lt"/>
+          <a:ea typeface="+mn-ea"/>
+          <a:cs typeface="+mn-cs"/>
+        </a:defRPr>
+      </a:lvl2pPr>
+      <a:lvl3pPr marL="914400" algn="l" defTabSz="914400" rtl="0" eaLnBrk="1" latinLnBrk="0" hangingPunct="1">
+        <a:defRPr sz="1800" kern="1200">
+          <a:solidFill>
+            <a:schemeClr val="tx1"/>
+          </a:solidFill>
+          <a:latin typeface="+mn-lt"/>
+          <a:ea typeface="+mn-ea"/>
+          <a:cs typeface="+mn-cs"/>
+        </a:defRPr>
+      </a:lvl3pPr>
+      <a:lvl4pPr marL="1371600" algn="l" defTabSz="914400" rtl="0" eaLnBrk="1" latinLnBrk="0" hangingPunct="1">
+        <a:defRPr sz="1800" kern="1200">
+          <a:solidFill>
+            <a:schemeClr val="tx1"/>
+          </a:solidFill>
+          <a:latin typeface="+mn-lt"/>
+          <a:ea typeface="+mn-ea"/>
+          <a:cs typeface="+mn-cs"/>
+        </a:defRPr>
+      </a:lvl4pPr>
+      <a:lvl5pPr marL="1828800" algn="l" defTabSz="914400" rtl="0" eaLnBrk="1" latinLnBrk="0" hangingPunct="1">
+        <a:defRPr sz="1800" kern="1200">
+          <a:solidFill>
+            <a:schemeClr val="tx1"/>
+          </a:solidFill>
+          <a:latin typeface="+mn-lt"/>
+          <a:ea typeface="+mn-ea"/>
+          <a:cs typeface="+mn-cs"/>
+        </a:defRPr>
+      </a:lvl5pPr>
+      <a:lvl6pPr marL="2286000" algn="l" defTabSz="914400" rtl="0" eaLnBrk="1" latinLnBrk="0" hangingPunct="1">
+        <a:defRPr sz="1800" kern="1200">
+          <a:solidFill>
+            <a:schemeClr val="tx1"/>
+          </a:solidFill>
+          <a:latin typeface="+mn-lt"/>
+          <a:ea typeface="+mn-ea"/>
+          <a:cs typeface="+mn-cs"/>
+        </a:defRPr>
+      </a:lvl6pPr>
+      <a:lvl7pPr marL="2743200" algn="l" defTabSz="914400" rtl="0" eaLnBrk="1" latinLnBrk="0" hangingPunct="1">
+        <a:defRPr sz="1800" kern="1200">
+          <a:solidFill>
+            <a:schemeClr val="tx1"/>
+          </a:solidFill>
+          <a:latin typeface="+mn-lt"/>
+          <a:ea typeface="+mn-ea"/>
+          <a:cs typeface="+mn-cs"/>
+        </a:defRPr>
+      </a:lvl7pPr>
+      <a:lvl8pPr marL="3200400" algn="l" defTabSz="914400" rtl="0" eaLnBrk="1" latinLnBrk="0" hangingPunct="1">
+        <a:defRPr sz="1800" kern="1200">
+          <a:solidFill>
+            <a:schemeClr val="tx1"/>
+          </a:solidFill>
+          <a:latin typeface="+mn-lt"/>
+          <a:ea typeface="+mn-ea"/>
+          <a:cs typeface="+mn-cs"/>
+        </a:defRPr>
+      </a:lvl8pPr>
+      <a:lvl9pPr marL="3657600" algn="l" defTabSz="914400" rtl="0" eaLnBrk="1" latinLnBrk="0" hangingPunct="1">
+        <a:defRPr sz="1800" kern="1200">
+          <a:solidFill>
+            <a:schemeClr val="tx1"/>
+          </a:solidFill>
+          <a:latin typeface="+mn-lt"/>
+          <a:ea typeface="+mn-ea"/>
+          <a:cs typeface="+mn-cs"/>
+        </a:defRPr>
+      </a:lvl9pPr>
+    </p:otherStyle>
+  </p:txStyles>
+</p:sldMaster>
+</file>
+
+<file path=ppt/slideMasters/slideMaster2.xml><?xml version="1.0" encoding="utf-8"?>
+<p:sldMaster xmlns:a="http://schemas.openxmlformats.org/drawingml/2006/main" xmlns:r="http://schemas.openxmlformats.org/officeDocument/2006/relationships" xmlns:p="http://schemas.openxmlformats.org/presentationml/2006/main">
+  <p:cSld>
+    <p:bg>
+      <p:bgRef idx="1001">
+        <a:schemeClr val="bg1"/>
+      </p:bgRef>
+    </p:bg>
+    <p:spTree>
+      <p:nvGrpSpPr>
+        <p:cNvPr id="1" name=""/>
+        <p:cNvGrpSpPr/>
+        <p:nvPr/>
+      </p:nvGrpSpPr>
+      <p:grpSpPr>
+        <a:xfrm>
+          <a:off x="0" y="0"/>
+          <a:ext cx="0" cy="0"/>
+          <a:chOff x="0" y="0"/>
+          <a:chExt cx="0" cy="0"/>
+        </a:xfrm>
+      </p:grpSpPr>
+      <p:sp>
+        <p:nvSpPr>
+          <p:cNvPr id="2" name="Title Placeholder 1"/>
+          <p:cNvSpPr>
+            <a:spLocks noGrp="1"/>
+          </p:cNvSpPr>
+          <p:nvPr>
+            <p:ph type="title"/>
+          </p:nvPr>
+        </p:nvSpPr>
+        <p:spPr>
+          <a:xfrm>
+            <a:off x="457200" y="274638"/>
+            <a:ext cx="8229600" cy="1143000"/>
+          </a:xfrm>
+          <a:prstGeom prst="rect">
+            <a:avLst/>
+          </a:prstGeom>
+        </p:spPr>
+        <p:txBody>
+          <a:bodyPr vert="horz" lIns="91440" tIns="45720" rIns="91440" bIns="45720" rtlCol="0" anchor="ctr">
+            <a:normAutofit/>
+          </a:bodyPr>
+          <a:lstStyle/>
+          <a:p>
+            <a:r>
+              <a:rPr lang="en-US" smtClean="0"/>
+              <a:t>Click to edit Master title style</a:t>
+            </a:r>
+            <a:endParaRPr lang="en-US"/>
+          </a:p>
+        </p:txBody>
+      </p:sp>
+      <p:sp>
+        <p:nvSpPr>
+          <p:cNvPr id="3" name="Text Placeholder 2"/>
+          <p:cNvSpPr>
+            <a:spLocks noGrp="1"/>
+          </p:cNvSpPr>
+          <p:nvPr>
+            <p:ph type="body" idx="1"/>
+          </p:nvPr>
+        </p:nvSpPr>
+        <p:spPr>
+          <a:xfrm>
+            <a:off x="457200" y="1600200"/>
+            <a:ext cx="8229600" cy="4525963"/>
+          </a:xfrm>
+          <a:prstGeom prst="rect">
+            <a:avLst/>
+          </a:prstGeom>
+        </p:spPr>
+        <p:txBody>
+          <a:bodyPr vert="horz" lIns="91440" tIns="45720" rIns="91440" bIns="45720" rtlCol="0">
+            <a:normAutofit/>
+          </a:bodyPr>
+          <a:lstStyle/>
+          <a:p>
+            <a:pPr lvl="0"/>
+            <a:r>
+              <a:rPr lang="en-US" smtClean="0"/>
+              <a:t>Click to edit Master text styles</a:t>
+            </a:r>
+          </a:p>
+          <a:p>
+            <a:pPr lvl="1"/>
+            <a:r>
+              <a:rPr lang="en-US" smtClean="0"/>
+              <a:t>Second level</a:t>
+            </a:r>
+          </a:p>
+          <a:p>
+            <a:pPr lvl="2"/>
+            <a:r>
+              <a:rPr lang="en-US" smtClean="0"/>
+              <a:t>Third level</a:t>
+            </a:r>
+          </a:p>
+          <a:p>
+            <a:pPr lvl="3"/>
+            <a:r>
+              <a:rPr lang="en-US" smtClean="0"/>
+              <a:t>Fourth level</a:t>
+            </a:r>
+          </a:p>
+          <a:p>
+            <a:pPr lvl="4"/>
+            <a:r>
+              <a:rPr lang="en-US" smtClean="0"/>
+              <a:t>Fifth level</a:t>
+            </a:r>
+            <a:endParaRPr lang="en-US"/>
+          </a:p>
+        </p:txBody>
+      </p:sp>
+      <p:sp>
+        <p:nvSpPr>
+          <p:cNvPr id="4" name="Date Placeholder 3"/>
+          <p:cNvSpPr>
+            <a:spLocks noGrp="1"/>
+          </p:cNvSpPr>
+          <p:nvPr>
+            <p:ph type="dt" sz="half" idx="2"/>
+          </p:nvPr>
+        </p:nvSpPr>
+        <p:spPr>
+          <a:xfrm>
+            <a:off x="457200" y="6356350"/>
+            <a:ext cx="2133600" cy="365125"/>
+          </a:xfrm>
+          <a:prstGeom prst="rect">
+            <a:avLst/>
+          </a:prstGeom>
+        </p:spPr>
+        <p:txBody>
+          <a:bodyPr vert="horz" lIns="91440" tIns="45720" rIns="91440" bIns="45720" rtlCol="0" anchor="ctr"/>
+          <a:lstStyle>
+            <a:lvl1pPr algn="l">
+              <a:defRPr sz="1200">
+                <a:solidFill>
+                  <a:schemeClr val="tx1">
+                    <a:tint val="75000"/>
+                  </a:schemeClr>
+                </a:solidFill>
+              </a:defRPr>
+            </a:lvl1pPr>
+          </a:lstStyle>
+          <a:p>
+            <a:fld id="{FAECF776-F836-4CCD-9497-99E5597B8B5D}" type="datetimeFigureOut">
+              <a:rPr lang="en-US" smtClean="0">
+                <a:solidFill>
+                  <a:srgbClr val="FFFFFF">
+                    <a:tint val="75000"/>
+                  </a:srgbClr>
+                </a:solidFill>
+              </a:rPr>
+              <a:pPr/>
+              <a:t>10/25/2013</a:t>
+            </a:fld>
+            <a:endParaRPr lang="en-US">
+              <a:solidFill>
+                <a:srgbClr val="FFFFFF">
+                  <a:tint val="75000"/>
+                </a:srgbClr>
+              </a:solidFill>
+            </a:endParaRPr>
+          </a:p>
+        </p:txBody>
+      </p:sp>
+      <p:sp>
+        <p:nvSpPr>
+          <p:cNvPr id="5" name="Footer Placeholder 4"/>
+          <p:cNvSpPr>
+            <a:spLocks noGrp="1"/>
+          </p:cNvSpPr>
+          <p:nvPr>
+            <p:ph type="ftr" sz="quarter" idx="3"/>
+          </p:nvPr>
+        </p:nvSpPr>
+        <p:spPr>
+          <a:xfrm>
+            <a:off x="3124200" y="6356350"/>
+            <a:ext cx="2895600" cy="365125"/>
+          </a:xfrm>
+          <a:prstGeom prst="rect">
+            <a:avLst/>
+          </a:prstGeom>
+        </p:spPr>
+        <p:txBody>
+          <a:bodyPr vert="horz" lIns="91440" tIns="45720" rIns="91440" bIns="45720" rtlCol="0" anchor="ctr"/>
+          <a:lstStyle>
+            <a:lvl1pPr algn="ctr">
+              <a:defRPr sz="1200">
+                <a:solidFill>
+                  <a:schemeClr val="tx1">
+                    <a:tint val="75000"/>
+                  </a:schemeClr>
+                </a:solidFill>
+              </a:defRPr>
+            </a:lvl1pPr>
+          </a:lstStyle>
+          <a:p>
+            <a:endParaRPr lang="en-US">
+              <a:solidFill>
+                <a:srgbClr val="FFFFFF">
+                  <a:tint val="75000"/>
+                </a:srgbClr>
+              </a:solidFill>
+            </a:endParaRPr>
+          </a:p>
+        </p:txBody>
+      </p:sp>
+      <p:sp>
+        <p:nvSpPr>
+          <p:cNvPr id="6" name="Slide Number Placeholder 5"/>
+          <p:cNvSpPr>
+            <a:spLocks noGrp="1"/>
+          </p:cNvSpPr>
+          <p:nvPr>
+            <p:ph type="sldNum" sz="quarter" idx="4"/>
+          </p:nvPr>
+        </p:nvSpPr>
+        <p:spPr>
+          <a:xfrm>
+            <a:off x="6553200" y="6356350"/>
+            <a:ext cx="2133600" cy="365125"/>
+          </a:xfrm>
+          <a:prstGeom prst="rect">
+            <a:avLst/>
+          </a:prstGeom>
+        </p:spPr>
+        <p:txBody>
+          <a:bodyPr vert="horz" lIns="91440" tIns="45720" rIns="91440" bIns="45720" rtlCol="0" anchor="ctr"/>
+          <a:lstStyle>
+            <a:lvl1pPr algn="r">
+              <a:defRPr sz="1200">
+                <a:solidFill>
+                  <a:schemeClr val="tx1">
+                    <a:tint val="75000"/>
+                  </a:schemeClr>
+                </a:solidFill>
+              </a:defRPr>
+            </a:lvl1pPr>
+          </a:lstStyle>
+          <a:p>
+            <a:fld id="{1D5D0CD0-1042-4BF2-A1CE-64E2CC09D32B}" type="slidenum">
+              <a:rPr lang="en-US" smtClean="0">
+                <a:solidFill>
+                  <a:srgbClr val="FFFFFF">
+                    <a:tint val="75000"/>
+                  </a:srgbClr>
+                </a:solidFill>
+              </a:rPr>
+              <a:pPr/>
+              <a:t>‹#›</a:t>
+            </a:fld>
+            <a:endParaRPr lang="en-US">
+              <a:solidFill>
+                <a:srgbClr val="FFFFFF">
+                  <a:tint val="75000"/>
+                </a:srgbClr>
+              </a:solidFill>
+            </a:endParaRPr>
+          </a:p>
+        </p:txBody>
+      </p:sp>
+    </p:spTree>
+    <p:extLst>
+      <p:ext uri="{BB962C8B-B14F-4D97-AF65-F5344CB8AC3E}">
+        <p14:creationId xmlns:p14="http://schemas.microsoft.com/office/powerpoint/2010/main" val="2487722708"/>
+      </p:ext>
+    </p:extLst>
+  </p:cSld>
+  <p:clrMap bg1="lt1" tx1="dk1" bg2="lt2" tx2="dk2" accent1="accent1" accent2="accent2" accent3="accent3" accent4="accent4" accent5="accent5" accent6="accent6" hlink="hlink" folHlink="folHlink"/>
+  <p:sldLayoutIdLst>
+    <p:sldLayoutId id="2147483661" r:id="rId1"/>
+    <p:sldLayoutId id="2147483662" r:id="rId2"/>
+    <p:sldLayoutId id="2147483663" r:id="rId3"/>
+    <p:sldLayoutId id="2147483664" r:id="rId4"/>
+    <p:sldLayoutId id="2147483665" r:id="rId5"/>
+    <p:sldLayoutId id="2147483666" r:id="rId6"/>
+    <p:sldLayoutId id="2147483667" r:id="rId7"/>
+    <p:sldLayoutId id="2147483668" r:id="rId8"/>
+    <p:sldLayoutId id="2147483669" r:id="rId9"/>
+    <p:sldLayoutId id="2147483670" r:id="rId10"/>
+    <p:sldLayoutId id="2147483671" r:id="rId11"/>
   </p:sldLayoutIdLst>
   <p:txStyles>
     <p:titleStyle>
@@ -4348,6 +7705,306 @@
       </p:grpSpPr>
       <p:sp>
         <p:nvSpPr>
+          <p:cNvPr id="2" name="Title 1"/>
+          <p:cNvSpPr>
+            <a:spLocks noGrp="1"/>
+          </p:cNvSpPr>
+          <p:nvPr>
+            <p:ph type="title"/>
+          </p:nvPr>
+        </p:nvSpPr>
+        <p:spPr/>
+        <p:txBody>
+          <a:bodyPr/>
+          <a:lstStyle/>
+          <a:p>
+            <a:r>
+              <a:rPr lang="ru-RU" dirty="0">
+                <a:solidFill>
+                  <a:schemeClr val="bg1"/>
+                </a:solidFill>
+              </a:rPr>
+              <a:t>Шаблон </a:t>
+            </a:r>
+            <a:r>
+              <a:rPr lang="ru-RU" dirty="0" smtClean="0">
+                <a:solidFill>
+                  <a:schemeClr val="bg1"/>
+                </a:solidFill>
+              </a:rPr>
+              <a:t>поиска (</a:t>
+            </a:r>
+            <a:r>
+              <a:rPr lang="en-US" dirty="0" smtClean="0">
+                <a:solidFill>
+                  <a:schemeClr val="bg1"/>
+                </a:solidFill>
+              </a:rPr>
+              <a:t>s</a:t>
+            </a:r>
+            <a:r>
+              <a:rPr lang="en-US" dirty="0" smtClean="0"/>
+              <a:t>earch pattern)</a:t>
+            </a:r>
+            <a:endParaRPr lang="en-US" dirty="0">
+              <a:solidFill>
+                <a:schemeClr val="bg1"/>
+              </a:solidFill>
+            </a:endParaRPr>
+          </a:p>
+        </p:txBody>
+      </p:sp>
+      <p:sp>
+        <p:nvSpPr>
+          <p:cNvPr id="3" name="Content Placeholder 2"/>
+          <p:cNvSpPr>
+            <a:spLocks noGrp="1"/>
+          </p:cNvSpPr>
+          <p:nvPr>
+            <p:ph idx="1"/>
+          </p:nvPr>
+        </p:nvSpPr>
+        <p:spPr/>
+        <p:txBody>
+          <a:bodyPr>
+            <a:normAutofit fontScale="85000" lnSpcReduction="20000"/>
+          </a:bodyPr>
+          <a:lstStyle/>
+          <a:p>
+            <a:pPr marL="0" indent="0">
+              <a:buNone/>
+            </a:pPr>
+            <a:r>
+              <a:rPr lang="ru-RU" dirty="0" smtClean="0">
+                <a:solidFill>
+                  <a:schemeClr val="bg1"/>
+                </a:solidFill>
+              </a:rPr>
+              <a:t>При поиске файлов/каталогов на диске иногда требуется получить только те имя которых удовлетворяет опред</a:t>
+            </a:r>
+            <a:r>
+              <a:rPr lang="en-US" dirty="0" smtClean="0">
+                <a:solidFill>
+                  <a:schemeClr val="bg1"/>
+                </a:solidFill>
+              </a:rPr>
+              <a:t>e</a:t>
+            </a:r>
+            <a:r>
+              <a:rPr lang="ru-RU" dirty="0" smtClean="0">
+                <a:solidFill>
+                  <a:schemeClr val="bg1"/>
+                </a:solidFill>
+              </a:rPr>
+              <a:t>ленному шаблону. В </a:t>
+            </a:r>
+            <a:r>
+              <a:rPr lang="en-US" dirty="0" smtClean="0">
+                <a:solidFill>
+                  <a:schemeClr val="bg1"/>
+                </a:solidFill>
+              </a:rPr>
+              <a:t>.NET </a:t>
+            </a:r>
+            <a:r>
+              <a:rPr lang="ru-RU" dirty="0" smtClean="0">
+                <a:solidFill>
+                  <a:schemeClr val="bg1"/>
+                </a:solidFill>
+              </a:rPr>
+              <a:t>используются те же шаблоны что и командной строке </a:t>
+            </a:r>
+            <a:r>
+              <a:rPr lang="en-US" dirty="0" smtClean="0">
+                <a:solidFill>
+                  <a:schemeClr val="bg1"/>
+                </a:solidFill>
+              </a:rPr>
+              <a:t>Windows</a:t>
+            </a:r>
+            <a:r>
+              <a:rPr lang="ru-RU" dirty="0" smtClean="0">
+                <a:solidFill>
+                  <a:schemeClr val="bg1"/>
+                </a:solidFill>
+              </a:rPr>
+              <a:t>:</a:t>
+            </a:r>
+          </a:p>
+          <a:p>
+            <a:endParaRPr lang="ru-RU" dirty="0" smtClean="0">
+              <a:solidFill>
+                <a:schemeClr val="bg1"/>
+              </a:solidFill>
+            </a:endParaRPr>
+          </a:p>
+          <a:p>
+            <a:r>
+              <a:rPr lang="ru-RU" dirty="0" smtClean="0">
+                <a:solidFill>
+                  <a:schemeClr val="bg1"/>
+                </a:solidFill>
+              </a:rPr>
+              <a:t>Символ </a:t>
+            </a:r>
+            <a:r>
+              <a:rPr lang="ru-RU" dirty="0" smtClean="0">
+                <a:solidFill>
+                  <a:srgbClr val="FFFF00"/>
+                </a:solidFill>
+              </a:rPr>
+              <a:t>*</a:t>
+            </a:r>
+            <a:r>
+              <a:rPr lang="ru-RU" dirty="0" smtClean="0">
+                <a:solidFill>
+                  <a:schemeClr val="bg1"/>
+                </a:solidFill>
+              </a:rPr>
+              <a:t> - любое количество любых символов.</a:t>
+            </a:r>
+          </a:p>
+          <a:p>
+            <a:r>
+              <a:rPr lang="ru-RU" dirty="0" smtClean="0">
+                <a:solidFill>
+                  <a:schemeClr val="bg1"/>
+                </a:solidFill>
+              </a:rPr>
+              <a:t>Символ </a:t>
+            </a:r>
+            <a:r>
+              <a:rPr lang="ru-RU" dirty="0" smtClean="0">
+                <a:solidFill>
+                  <a:srgbClr val="FFFF00"/>
+                </a:solidFill>
+              </a:rPr>
+              <a:t>?</a:t>
+            </a:r>
+            <a:r>
+              <a:rPr lang="ru-RU" dirty="0" smtClean="0">
+                <a:solidFill>
+                  <a:schemeClr val="bg1"/>
+                </a:solidFill>
+              </a:rPr>
+              <a:t> – ровно один любой символ</a:t>
+            </a:r>
+          </a:p>
+          <a:p>
+            <a:pPr marL="0" indent="0">
+              <a:buNone/>
+            </a:pPr>
+            <a:endParaRPr lang="ru-RU" dirty="0">
+              <a:solidFill>
+                <a:schemeClr val="bg1"/>
+              </a:solidFill>
+            </a:endParaRPr>
+          </a:p>
+          <a:p>
+            <a:pPr marL="0" indent="0">
+              <a:buNone/>
+            </a:pPr>
+            <a:r>
+              <a:rPr lang="ru-RU" dirty="0" smtClean="0">
+                <a:solidFill>
+                  <a:schemeClr val="bg1"/>
+                </a:solidFill>
+              </a:rPr>
+              <a:t>Шаблоны поиска можно передать в функции </a:t>
+            </a:r>
+            <a:r>
+              <a:rPr lang="en-US" dirty="0" err="1"/>
+              <a:t>Directory</a:t>
+            </a:r>
+            <a:r>
+              <a:rPr lang="en-US" dirty="0" err="1"/>
+              <a:t>.GetFiles</a:t>
+            </a:r>
+            <a:r>
+              <a:rPr lang="en-US" dirty="0" smtClean="0"/>
+              <a:t>() </a:t>
+            </a:r>
+            <a:r>
+              <a:rPr lang="ru-RU" dirty="0" smtClean="0"/>
+              <a:t>, </a:t>
+            </a:r>
+            <a:r>
+              <a:rPr lang="en-US" dirty="0" err="1" smtClean="0"/>
+              <a:t>Directory.GetDirectories</a:t>
+            </a:r>
+            <a:r>
+              <a:rPr lang="ru-RU" dirty="0" smtClean="0"/>
+              <a:t>() и </a:t>
+            </a:r>
+            <a:r>
+              <a:rPr lang="en-US" dirty="0" err="1" smtClean="0"/>
+              <a:t>Directory.GetFileSystemEntries</a:t>
+            </a:r>
+            <a:r>
+              <a:rPr lang="ru-RU" dirty="0" smtClean="0"/>
+              <a:t>().</a:t>
+            </a:r>
+            <a:r>
+              <a:rPr lang="en-US" dirty="0" smtClean="0"/>
+              <a:t> </a:t>
+            </a:r>
+            <a:endParaRPr lang="ru-RU" dirty="0">
+              <a:solidFill>
+                <a:schemeClr val="bg1"/>
+              </a:solidFill>
+            </a:endParaRPr>
+          </a:p>
+          <a:p>
+            <a:endParaRPr lang="en-US" dirty="0"/>
+          </a:p>
+        </p:txBody>
+      </p:sp>
+    </p:spTree>
+    <p:extLst>
+      <p:ext uri="{BB962C8B-B14F-4D97-AF65-F5344CB8AC3E}">
+        <p14:creationId xmlns:p14="http://schemas.microsoft.com/office/powerpoint/2010/main" val="2412955697"/>
+      </p:ext>
+    </p:extLst>
+  </p:cSld>
+  <p:clrMapOvr>
+    <a:masterClrMapping/>
+  </p:clrMapOvr>
+</p:sld>
+</file>
+
+<file path=ppt/slides/slide12.xml><?xml version="1.0" encoding="utf-8"?>
+<p:sld xmlns:a="http://schemas.openxmlformats.org/drawingml/2006/main" xmlns:r="http://schemas.openxmlformats.org/officeDocument/2006/relationships" xmlns:p="http://schemas.openxmlformats.org/presentationml/2006/main">
+  <p:cSld>
+    <p:bg>
+      <p:bgPr>
+        <a:blipFill dpi="0" rotWithShape="1">
+          <a:blip r:embed="rId2">
+            <a:lum/>
+          </a:blip>
+          <a:srcRect/>
+          <a:stretch>
+            <a:fillRect/>
+          </a:stretch>
+        </a:blipFill>
+        <a:effectLst/>
+      </p:bgPr>
+    </p:bg>
+    <p:spTree>
+      <p:nvGrpSpPr>
+        <p:cNvPr id="1" name=""/>
+        <p:cNvGrpSpPr/>
+        <p:nvPr/>
+      </p:nvGrpSpPr>
+      <p:grpSpPr>
+        <a:xfrm>
+          <a:off x="0" y="0"/>
+          <a:ext cx="0" cy="0"/>
+          <a:chOff x="0" y="0"/>
+          <a:chExt cx="0" cy="0"/>
+        </a:xfrm>
+      </p:grpSpPr>
+      <p:sp>
+        <p:nvSpPr>
           <p:cNvPr id="7170" name="Прямоугольник 6"/>
           <p:cNvSpPr>
             <a:spLocks noChangeArrowheads="1"/>
@@ -5540,7 +9197,7 @@
 </p:sld>
 </file>
 
-<file path=ppt/slides/slide12.xml><?xml version="1.0" encoding="utf-8"?>
+<file path=ppt/slides/slide13.xml><?xml version="1.0" encoding="utf-8"?>
 <p:sld xmlns:a="http://schemas.openxmlformats.org/drawingml/2006/main" xmlns:r="http://schemas.openxmlformats.org/officeDocument/2006/relationships" xmlns:p="http://schemas.openxmlformats.org/presentationml/2006/main">
   <p:cSld>
     <p:bg>
@@ -5722,7 +9379,7 @@
 </p:sld>
 </file>
 
-<file path=ppt/slides/slide13.xml><?xml version="1.0" encoding="utf-8"?>
+<file path=ppt/slides/slide14.xml><?xml version="1.0" encoding="utf-8"?>
 <p:sld xmlns:a="http://schemas.openxmlformats.org/drawingml/2006/main" xmlns:r="http://schemas.openxmlformats.org/officeDocument/2006/relationships" xmlns:p="http://schemas.openxmlformats.org/presentationml/2006/main">
   <p:cSld>
     <p:bg>
@@ -7489,7 +11146,7 @@
 </p:sld>
 </file>
 
-<file path=ppt/slides/slide14.xml><?xml version="1.0" encoding="utf-8"?>
+<file path=ppt/slides/slide15.xml><?xml version="1.0" encoding="utf-8"?>
 <p:sld xmlns:a="http://schemas.openxmlformats.org/drawingml/2006/main" xmlns:r="http://schemas.openxmlformats.org/officeDocument/2006/relationships" xmlns:p="http://schemas.openxmlformats.org/presentationml/2006/main">
   <p:cSld>
     <p:bg>
@@ -8929,7 +12586,7 @@
 </p:sld>
 </file>
 
-<file path=ppt/slides/slide15.xml><?xml version="1.0" encoding="utf-8"?>
+<file path=ppt/slides/slide16.xml><?xml version="1.0" encoding="utf-8"?>
 <p:sld xmlns:a="http://schemas.openxmlformats.org/drawingml/2006/main" xmlns:r="http://schemas.openxmlformats.org/officeDocument/2006/relationships" xmlns:p="http://schemas.openxmlformats.org/presentationml/2006/main">
   <p:cSld>
     <p:bg>
@@ -9875,7 +13532,7 @@
 </p:sld>
 </file>
 
-<file path=ppt/slides/slide16.xml><?xml version="1.0" encoding="utf-8"?>
+<file path=ppt/slides/slide17.xml><?xml version="1.0" encoding="utf-8"?>
 <p:sld xmlns:a="http://schemas.openxmlformats.org/drawingml/2006/main" xmlns:r="http://schemas.openxmlformats.org/officeDocument/2006/relationships" xmlns:p="http://schemas.openxmlformats.org/presentationml/2006/main">
   <p:cSld>
     <p:bg>
@@ -10843,7 +14500,7 @@
 </p:sld>
 </file>
 
-<file path=ppt/slides/slide17.xml><?xml version="1.0" encoding="utf-8"?>
+<file path=ppt/slides/slide18.xml><?xml version="1.0" encoding="utf-8"?>
 <p:sld xmlns:a="http://schemas.openxmlformats.org/drawingml/2006/main" xmlns:r="http://schemas.openxmlformats.org/officeDocument/2006/relationships" xmlns:p="http://schemas.openxmlformats.org/presentationml/2006/main">
   <p:cSld>
     <p:bg>
@@ -12020,7 +15677,7 @@
 </p:sld>
 </file>
 
-<file path=ppt/slides/slide18.xml><?xml version="1.0" encoding="utf-8"?>
+<file path=ppt/slides/slide19.xml><?xml version="1.0" encoding="utf-8"?>
 <p:sld xmlns:a="http://schemas.openxmlformats.org/drawingml/2006/main" xmlns:r="http://schemas.openxmlformats.org/officeDocument/2006/relationships" xmlns:p="http://schemas.openxmlformats.org/presentationml/2006/main">
   <p:cSld>
     <p:bg>
@@ -12134,2213 +15791,6 @@
     <p:extLst>
       <p:ext uri="{BB962C8B-B14F-4D97-AF65-F5344CB8AC3E}">
         <p14:creationId xmlns:p14="http://schemas.microsoft.com/office/powerpoint/2010/main" val="1542700340"/>
-      </p:ext>
-    </p:extLst>
-  </p:cSld>
-  <p:clrMapOvr>
-    <a:masterClrMapping/>
-  </p:clrMapOvr>
-</p:sld>
-</file>
-
-<file path=ppt/slides/slide19.xml><?xml version="1.0" encoding="utf-8"?>
-<p:sld xmlns:a="http://schemas.openxmlformats.org/drawingml/2006/main" xmlns:r="http://schemas.openxmlformats.org/officeDocument/2006/relationships" xmlns:p="http://schemas.openxmlformats.org/presentationml/2006/main">
-  <p:cSld>
-    <p:bg>
-      <p:bgPr>
-        <a:blipFill dpi="0" rotWithShape="1">
-          <a:blip r:embed="rId2">
-            <a:lum/>
-          </a:blip>
-          <a:srcRect/>
-          <a:stretch>
-            <a:fillRect/>
-          </a:stretch>
-        </a:blipFill>
-        <a:effectLst/>
-      </p:bgPr>
-    </p:bg>
-    <p:spTree>
-      <p:nvGrpSpPr>
-        <p:cNvPr id="1" name=""/>
-        <p:cNvGrpSpPr/>
-        <p:nvPr/>
-      </p:nvGrpSpPr>
-      <p:grpSpPr>
-        <a:xfrm>
-          <a:off x="0" y="0"/>
-          <a:ext cx="0" cy="0"/>
-          <a:chOff x="0" y="0"/>
-          <a:chExt cx="0" cy="0"/>
-        </a:xfrm>
-      </p:grpSpPr>
-      <p:sp>
-        <p:nvSpPr>
-          <p:cNvPr id="2" name="Title 1"/>
-          <p:cNvSpPr>
-            <a:spLocks noGrp="1"/>
-          </p:cNvSpPr>
-          <p:nvPr>
-            <p:ph type="title"/>
-          </p:nvPr>
-        </p:nvSpPr>
-        <p:spPr>
-          <a:xfrm>
-            <a:off x="457200" y="188640"/>
-            <a:ext cx="8229600" cy="720080"/>
-          </a:xfrm>
-        </p:spPr>
-        <p:txBody>
-          <a:bodyPr>
-            <a:normAutofit/>
-          </a:bodyPr>
-          <a:lstStyle/>
-          <a:p>
-            <a:r>
-              <a:rPr lang="ru-RU" sz="2000" dirty="0" smtClean="0"/>
-              <a:t>Бинарная сериализация (пример)</a:t>
-            </a:r>
-            <a:endParaRPr lang="en-US" sz="2000" dirty="0"/>
-          </a:p>
-        </p:txBody>
-      </p:sp>
-      <p:sp>
-        <p:nvSpPr>
-          <p:cNvPr id="3" name="Content Placeholder 2"/>
-          <p:cNvSpPr>
-            <a:spLocks noGrp="1"/>
-          </p:cNvSpPr>
-          <p:nvPr>
-            <p:ph idx="1"/>
-          </p:nvPr>
-        </p:nvSpPr>
-        <p:spPr>
-          <a:xfrm>
-            <a:off x="457200" y="919261"/>
-            <a:ext cx="8229600" cy="5750099"/>
-          </a:xfrm>
-          <a:solidFill>
-            <a:schemeClr val="bg1"/>
-          </a:solidFill>
-        </p:spPr>
-        <p:txBody>
-          <a:bodyPr>
-            <a:normAutofit fontScale="25000" lnSpcReduction="20000"/>
-          </a:bodyPr>
-          <a:lstStyle/>
-          <a:p>
-            <a:pPr marL="0" indent="0">
-              <a:buNone/>
-            </a:pPr>
-            <a:r>
-              <a:rPr lang="en-US" dirty="0">
-                <a:solidFill>
-                  <a:srgbClr val="0000FF"/>
-                </a:solidFill>
-                <a:latin typeface="Consolas"/>
-              </a:rPr>
-              <a:t>using</a:t>
-            </a:r>
-            <a:r>
-              <a:rPr lang="en-US" dirty="0">
-                <a:solidFill>
-                  <a:srgbClr val="000000"/>
-                </a:solidFill>
-                <a:latin typeface="Consolas"/>
-              </a:rPr>
-              <a:t> </a:t>
-            </a:r>
-            <a:r>
-              <a:rPr lang="en-US" dirty="0" smtClean="0">
-                <a:solidFill>
-                  <a:srgbClr val="000000"/>
-                </a:solidFill>
-                <a:latin typeface="Consolas"/>
-              </a:rPr>
-              <a:t>System.IO;</a:t>
-            </a:r>
-          </a:p>
-          <a:p>
-            <a:pPr marL="0" indent="0">
-              <a:buNone/>
-            </a:pPr>
-            <a:r>
-              <a:rPr lang="en-US" dirty="0">
-                <a:solidFill>
-                  <a:srgbClr val="0000FF"/>
-                </a:solidFill>
-                <a:latin typeface="Consolas"/>
-              </a:rPr>
-              <a:t>using</a:t>
-            </a:r>
-            <a:r>
-              <a:rPr lang="en-US" dirty="0" smtClean="0">
-                <a:solidFill>
-                  <a:srgbClr val="000000"/>
-                </a:solidFill>
-                <a:latin typeface="Consolas"/>
-              </a:rPr>
-              <a:t> </a:t>
-            </a:r>
-            <a:r>
-              <a:rPr lang="en-US" dirty="0" err="1" smtClean="0">
-                <a:solidFill>
-                  <a:srgbClr val="000000"/>
-                </a:solidFill>
-                <a:latin typeface="Consolas"/>
-              </a:rPr>
-              <a:t>System.Runtime.Serialization.Formatters.Binary</a:t>
-            </a:r>
-            <a:r>
-              <a:rPr lang="en-US" dirty="0" smtClean="0">
-                <a:solidFill>
-                  <a:srgbClr val="000000"/>
-                </a:solidFill>
-                <a:latin typeface="Consolas"/>
-              </a:rPr>
-              <a:t>;</a:t>
-            </a:r>
-            <a:endParaRPr lang="ru-RU" dirty="0" smtClean="0">
-              <a:solidFill>
-                <a:srgbClr val="000000"/>
-              </a:solidFill>
-              <a:latin typeface="Consolas"/>
-            </a:endParaRPr>
-          </a:p>
-          <a:p>
-            <a:pPr marL="0" indent="0">
-              <a:buNone/>
-            </a:pPr>
-            <a:endParaRPr lang="ru-RU" dirty="0" smtClean="0">
-              <a:solidFill>
-                <a:srgbClr val="000000"/>
-              </a:solidFill>
-              <a:latin typeface="Consolas"/>
-            </a:endParaRPr>
-          </a:p>
-          <a:p>
-            <a:pPr marL="0" indent="0">
-              <a:buNone/>
-            </a:pPr>
-            <a:r>
-              <a:rPr lang="en-US" dirty="0" smtClean="0">
-                <a:solidFill>
-                  <a:srgbClr val="000000"/>
-                </a:solidFill>
-                <a:latin typeface="Consolas"/>
-              </a:rPr>
-              <a:t>[</a:t>
-            </a:r>
-            <a:r>
-              <a:rPr lang="en-US" dirty="0" err="1">
-                <a:solidFill>
-                  <a:srgbClr val="000000"/>
-                </a:solidFill>
-                <a:latin typeface="Consolas"/>
-              </a:rPr>
-              <a:t>Serializable</a:t>
-            </a:r>
-            <a:r>
-              <a:rPr lang="en-US" dirty="0">
-                <a:solidFill>
-                  <a:srgbClr val="000000"/>
-                </a:solidFill>
-                <a:latin typeface="Consolas"/>
-              </a:rPr>
-              <a:t>]</a:t>
-            </a:r>
-          </a:p>
-          <a:p>
-            <a:pPr marL="0" indent="0">
-              <a:buNone/>
-            </a:pPr>
-            <a:r>
-              <a:rPr lang="en-US" dirty="0">
-                <a:solidFill>
-                  <a:srgbClr val="0000FF"/>
-                </a:solidFill>
-                <a:latin typeface="Consolas"/>
-              </a:rPr>
-              <a:t>class</a:t>
-            </a:r>
-            <a:r>
-              <a:rPr lang="en-US" dirty="0">
-                <a:solidFill>
-                  <a:srgbClr val="000000"/>
-                </a:solidFill>
-                <a:latin typeface="Consolas"/>
-              </a:rPr>
-              <a:t> Train</a:t>
-            </a:r>
-          </a:p>
-          <a:p>
-            <a:pPr marL="0" indent="0">
-              <a:buNone/>
-            </a:pPr>
-            <a:r>
-              <a:rPr lang="en-US" dirty="0">
-                <a:solidFill>
-                  <a:srgbClr val="000000"/>
-                </a:solidFill>
-                <a:latin typeface="Consolas"/>
-              </a:rPr>
-              <a:t>{</a:t>
-            </a:r>
-          </a:p>
-          <a:p>
-            <a:pPr marL="0" indent="0">
-              <a:buNone/>
-            </a:pPr>
-            <a:r>
-              <a:rPr lang="en-US" dirty="0">
-                <a:solidFill>
-                  <a:srgbClr val="000000"/>
-                </a:solidFill>
-                <a:latin typeface="Consolas"/>
-              </a:rPr>
-              <a:t>  [</a:t>
-            </a:r>
-            <a:r>
-              <a:rPr lang="en-US" dirty="0" err="1">
-                <a:solidFill>
-                  <a:srgbClr val="000000"/>
-                </a:solidFill>
-                <a:latin typeface="Consolas"/>
-              </a:rPr>
-              <a:t>NonSerialized</a:t>
-            </a:r>
-            <a:r>
-              <a:rPr lang="en-US" dirty="0">
-                <a:solidFill>
-                  <a:srgbClr val="000000"/>
-                </a:solidFill>
-                <a:latin typeface="Consolas"/>
-              </a:rPr>
-              <a:t>]</a:t>
-            </a:r>
-          </a:p>
-          <a:p>
-            <a:pPr marL="0" indent="0">
-              <a:buNone/>
-            </a:pPr>
-            <a:r>
-              <a:rPr lang="en-US" dirty="0">
-                <a:solidFill>
-                  <a:srgbClr val="000000"/>
-                </a:solidFill>
-                <a:latin typeface="Consolas"/>
-              </a:rPr>
-              <a:t>  </a:t>
-            </a:r>
-            <a:r>
-              <a:rPr lang="en-US" dirty="0">
-                <a:solidFill>
-                  <a:srgbClr val="0000FF"/>
-                </a:solidFill>
-                <a:latin typeface="Consolas"/>
-              </a:rPr>
-              <a:t>double</a:t>
-            </a:r>
-            <a:r>
-              <a:rPr lang="en-US" dirty="0">
-                <a:solidFill>
-                  <a:srgbClr val="000000"/>
-                </a:solidFill>
-                <a:latin typeface="Consolas"/>
-              </a:rPr>
-              <a:t> _speed;</a:t>
-            </a:r>
-          </a:p>
-          <a:p>
-            <a:pPr marL="0" indent="0">
-              <a:buNone/>
-            </a:pPr>
-            <a:r>
-              <a:rPr lang="en-US" dirty="0" smtClean="0">
-                <a:solidFill>
-                  <a:srgbClr val="0000FF"/>
-                </a:solidFill>
-                <a:latin typeface="Consolas"/>
-              </a:rPr>
-              <a:t>  </a:t>
-            </a:r>
-            <a:r>
-              <a:rPr lang="en-US" dirty="0" err="1" smtClean="0">
-                <a:solidFill>
-                  <a:srgbClr val="0000FF"/>
-                </a:solidFill>
-                <a:latin typeface="Consolas"/>
-              </a:rPr>
-              <a:t>int</a:t>
-            </a:r>
-            <a:r>
-              <a:rPr lang="en-US" dirty="0" smtClean="0">
-                <a:solidFill>
-                  <a:srgbClr val="000000"/>
-                </a:solidFill>
-                <a:latin typeface="Consolas"/>
-              </a:rPr>
-              <a:t> </a:t>
-            </a:r>
-            <a:r>
-              <a:rPr lang="en-US" dirty="0">
-                <a:solidFill>
-                  <a:srgbClr val="000000"/>
-                </a:solidFill>
-                <a:latin typeface="Consolas"/>
-              </a:rPr>
-              <a:t>_length;</a:t>
-            </a:r>
-          </a:p>
-          <a:p>
-            <a:pPr marL="0" indent="0">
-              <a:buNone/>
-            </a:pPr>
-            <a:r>
-              <a:rPr lang="en-US" dirty="0">
-                <a:solidFill>
-                  <a:srgbClr val="000000"/>
-                </a:solidFill>
-                <a:latin typeface="Consolas"/>
-              </a:rPr>
-              <a:t>  </a:t>
-            </a:r>
-            <a:r>
-              <a:rPr lang="en-US" dirty="0">
-                <a:solidFill>
-                  <a:srgbClr val="0000FF"/>
-                </a:solidFill>
-                <a:latin typeface="Consolas"/>
-              </a:rPr>
-              <a:t>string</a:t>
-            </a:r>
-            <a:r>
-              <a:rPr lang="en-US" dirty="0">
-                <a:solidFill>
-                  <a:srgbClr val="000000"/>
-                </a:solidFill>
-                <a:latin typeface="Consolas"/>
-              </a:rPr>
-              <a:t>[] _</a:t>
-            </a:r>
-            <a:r>
-              <a:rPr lang="en-US" dirty="0" err="1">
-                <a:solidFill>
-                  <a:srgbClr val="000000"/>
-                </a:solidFill>
-                <a:latin typeface="Consolas"/>
-              </a:rPr>
-              <a:t>travellers</a:t>
-            </a:r>
-            <a:r>
-              <a:rPr lang="en-US" dirty="0">
-                <a:solidFill>
-                  <a:srgbClr val="000000"/>
-                </a:solidFill>
-                <a:latin typeface="Consolas"/>
-              </a:rPr>
-              <a:t>;</a:t>
-            </a:r>
-          </a:p>
-          <a:p>
-            <a:pPr marL="0" indent="0">
-              <a:buNone/>
-            </a:pPr>
-            <a:r>
-              <a:rPr lang="en-US" dirty="0">
-                <a:solidFill>
-                  <a:srgbClr val="000000"/>
-                </a:solidFill>
-                <a:latin typeface="Consolas"/>
-              </a:rPr>
-              <a:t>  </a:t>
-            </a:r>
-          </a:p>
-          <a:p>
-            <a:pPr marL="0" indent="0">
-              <a:buNone/>
-            </a:pPr>
-            <a:r>
-              <a:rPr lang="en-US" dirty="0">
-                <a:solidFill>
-                  <a:srgbClr val="000000"/>
-                </a:solidFill>
-                <a:latin typeface="Consolas"/>
-              </a:rPr>
-              <a:t>  </a:t>
-            </a:r>
-            <a:r>
-              <a:rPr lang="en-US" dirty="0">
-                <a:solidFill>
-                  <a:srgbClr val="0000FF"/>
-                </a:solidFill>
-                <a:latin typeface="Consolas"/>
-              </a:rPr>
-              <a:t>public</a:t>
-            </a:r>
-            <a:r>
-              <a:rPr lang="en-US" dirty="0">
-                <a:solidFill>
-                  <a:srgbClr val="000000"/>
-                </a:solidFill>
-                <a:latin typeface="Consolas"/>
-              </a:rPr>
-              <a:t> Train(</a:t>
-            </a:r>
-            <a:r>
-              <a:rPr lang="en-US" dirty="0">
-                <a:solidFill>
-                  <a:srgbClr val="0000FF"/>
-                </a:solidFill>
-                <a:latin typeface="Consolas"/>
-              </a:rPr>
-              <a:t>double</a:t>
-            </a:r>
-            <a:r>
-              <a:rPr lang="en-US" dirty="0">
-                <a:solidFill>
-                  <a:srgbClr val="000000"/>
-                </a:solidFill>
-                <a:latin typeface="Consolas"/>
-              </a:rPr>
-              <a:t> speed, </a:t>
-            </a:r>
-            <a:r>
-              <a:rPr lang="en-US" dirty="0" err="1">
-                <a:solidFill>
-                  <a:srgbClr val="0000FF"/>
-                </a:solidFill>
-                <a:latin typeface="Consolas"/>
-              </a:rPr>
-              <a:t>int</a:t>
-            </a:r>
-            <a:r>
-              <a:rPr lang="en-US" dirty="0">
-                <a:solidFill>
-                  <a:srgbClr val="000000"/>
-                </a:solidFill>
-                <a:latin typeface="Consolas"/>
-              </a:rPr>
-              <a:t> length, </a:t>
-            </a:r>
-            <a:r>
-              <a:rPr lang="en-US" dirty="0" err="1">
-                <a:solidFill>
-                  <a:srgbClr val="0000FF"/>
-                </a:solidFill>
-                <a:latin typeface="Consolas"/>
-              </a:rPr>
-              <a:t>params</a:t>
-            </a:r>
-            <a:r>
-              <a:rPr lang="en-US" dirty="0">
-                <a:solidFill>
-                  <a:srgbClr val="000000"/>
-                </a:solidFill>
-                <a:latin typeface="Consolas"/>
-              </a:rPr>
-              <a:t> </a:t>
-            </a:r>
-            <a:r>
-              <a:rPr lang="en-US" dirty="0">
-                <a:solidFill>
-                  <a:srgbClr val="0000FF"/>
-                </a:solidFill>
-                <a:latin typeface="Consolas"/>
-              </a:rPr>
-              <a:t>string</a:t>
-            </a:r>
-            <a:r>
-              <a:rPr lang="en-US" dirty="0">
-                <a:solidFill>
-                  <a:srgbClr val="000000"/>
-                </a:solidFill>
-                <a:latin typeface="Consolas"/>
-              </a:rPr>
-              <a:t>[] </a:t>
-            </a:r>
-            <a:r>
-              <a:rPr lang="en-US" dirty="0" err="1">
-                <a:solidFill>
-                  <a:srgbClr val="000000"/>
-                </a:solidFill>
-                <a:latin typeface="Consolas"/>
-              </a:rPr>
-              <a:t>travellers</a:t>
-            </a:r>
-            <a:r>
-              <a:rPr lang="en-US" dirty="0">
-                <a:solidFill>
-                  <a:srgbClr val="000000"/>
-                </a:solidFill>
-                <a:latin typeface="Consolas"/>
-              </a:rPr>
-              <a:t>)</a:t>
-            </a:r>
-          </a:p>
-          <a:p>
-            <a:pPr marL="0" indent="0">
-              <a:buNone/>
-            </a:pPr>
-            <a:r>
-              <a:rPr lang="en-US" dirty="0">
-                <a:solidFill>
-                  <a:srgbClr val="000000"/>
-                </a:solidFill>
-                <a:latin typeface="Consolas"/>
-              </a:rPr>
-              <a:t>  {</a:t>
-            </a:r>
-          </a:p>
-          <a:p>
-            <a:pPr marL="0" indent="0">
-              <a:buNone/>
-            </a:pPr>
-            <a:r>
-              <a:rPr lang="en-US" dirty="0">
-                <a:solidFill>
-                  <a:srgbClr val="000000"/>
-                </a:solidFill>
-                <a:latin typeface="Consolas"/>
-              </a:rPr>
-              <a:t>      _speed = speed;</a:t>
-            </a:r>
-          </a:p>
-          <a:p>
-            <a:pPr marL="0" indent="0">
-              <a:buNone/>
-            </a:pPr>
-            <a:r>
-              <a:rPr lang="en-US" dirty="0">
-                <a:solidFill>
-                  <a:srgbClr val="000000"/>
-                </a:solidFill>
-                <a:latin typeface="Consolas"/>
-              </a:rPr>
-              <a:t>      _length = length;</a:t>
-            </a:r>
-          </a:p>
-          <a:p>
-            <a:pPr marL="0" indent="0">
-              <a:buNone/>
-            </a:pPr>
-            <a:r>
-              <a:rPr lang="en-US" dirty="0">
-                <a:solidFill>
-                  <a:srgbClr val="000000"/>
-                </a:solidFill>
-                <a:latin typeface="Consolas"/>
-              </a:rPr>
-              <a:t>      _</a:t>
-            </a:r>
-            <a:r>
-              <a:rPr lang="en-US" dirty="0" err="1">
-                <a:solidFill>
-                  <a:srgbClr val="000000"/>
-                </a:solidFill>
-                <a:latin typeface="Consolas"/>
-              </a:rPr>
-              <a:t>travellers</a:t>
-            </a:r>
-            <a:r>
-              <a:rPr lang="en-US" dirty="0">
-                <a:solidFill>
-                  <a:srgbClr val="000000"/>
-                </a:solidFill>
-                <a:latin typeface="Consolas"/>
-              </a:rPr>
-              <a:t> = </a:t>
-            </a:r>
-            <a:r>
-              <a:rPr lang="en-US" dirty="0" err="1">
-                <a:solidFill>
-                  <a:srgbClr val="000000"/>
-                </a:solidFill>
-                <a:latin typeface="Consolas"/>
-              </a:rPr>
-              <a:t>travellers</a:t>
-            </a:r>
-            <a:r>
-              <a:rPr lang="en-US" dirty="0">
-                <a:solidFill>
-                  <a:srgbClr val="000000"/>
-                </a:solidFill>
-                <a:latin typeface="Consolas"/>
-              </a:rPr>
-              <a:t>;</a:t>
-            </a:r>
-          </a:p>
-          <a:p>
-            <a:pPr marL="0" indent="0">
-              <a:buNone/>
-            </a:pPr>
-            <a:r>
-              <a:rPr lang="en-US" dirty="0">
-                <a:solidFill>
-                  <a:srgbClr val="000000"/>
-                </a:solidFill>
-                <a:latin typeface="Consolas"/>
-              </a:rPr>
-              <a:t>  }</a:t>
-            </a:r>
-          </a:p>
-          <a:p>
-            <a:pPr marL="0" indent="0">
-              <a:buNone/>
-            </a:pPr>
-            <a:r>
-              <a:rPr lang="ru-RU" dirty="0" smtClean="0">
-                <a:solidFill>
-                  <a:srgbClr val="0000FF"/>
-                </a:solidFill>
-                <a:latin typeface="Consolas"/>
-              </a:rPr>
-              <a:t>  </a:t>
-            </a:r>
-            <a:r>
-              <a:rPr lang="en-US" dirty="0" smtClean="0">
-                <a:solidFill>
-                  <a:srgbClr val="0000FF"/>
-                </a:solidFill>
-                <a:latin typeface="Consolas"/>
-              </a:rPr>
-              <a:t>public</a:t>
-            </a:r>
-            <a:r>
-              <a:rPr lang="en-US" dirty="0" smtClean="0">
-                <a:solidFill>
-                  <a:srgbClr val="000000"/>
-                </a:solidFill>
-                <a:latin typeface="Consolas"/>
-              </a:rPr>
-              <a:t> </a:t>
-            </a:r>
-            <a:r>
-              <a:rPr lang="en-US" dirty="0">
-                <a:solidFill>
-                  <a:srgbClr val="0000FF"/>
-                </a:solidFill>
-                <a:latin typeface="Consolas"/>
-              </a:rPr>
-              <a:t>void</a:t>
-            </a:r>
-            <a:r>
-              <a:rPr lang="en-US" dirty="0">
-                <a:solidFill>
-                  <a:srgbClr val="000000"/>
-                </a:solidFill>
-                <a:latin typeface="Consolas"/>
-              </a:rPr>
-              <a:t> Print()</a:t>
-            </a:r>
-          </a:p>
-          <a:p>
-            <a:pPr marL="0" indent="0">
-              <a:buNone/>
-            </a:pPr>
-            <a:r>
-              <a:rPr lang="en-US" dirty="0">
-                <a:solidFill>
-                  <a:srgbClr val="000000"/>
-                </a:solidFill>
-                <a:latin typeface="Consolas"/>
-              </a:rPr>
-              <a:t>  {</a:t>
-            </a:r>
-          </a:p>
-          <a:p>
-            <a:pPr marL="0" indent="0">
-              <a:buNone/>
-            </a:pPr>
-            <a:r>
-              <a:rPr lang="en-US" dirty="0">
-                <a:solidFill>
-                  <a:srgbClr val="000000"/>
-                </a:solidFill>
-                <a:latin typeface="Consolas"/>
-              </a:rPr>
-              <a:t>      </a:t>
-            </a:r>
-            <a:r>
-              <a:rPr lang="en-US" dirty="0" err="1">
-                <a:solidFill>
-                  <a:srgbClr val="000000"/>
-                </a:solidFill>
-                <a:latin typeface="Consolas"/>
-              </a:rPr>
-              <a:t>Console.WriteLine</a:t>
-            </a:r>
-            <a:r>
-              <a:rPr lang="en-US" dirty="0">
-                <a:solidFill>
-                  <a:srgbClr val="000000"/>
-                </a:solidFill>
-                <a:latin typeface="Consolas"/>
-              </a:rPr>
-              <a:t>(</a:t>
-            </a:r>
-            <a:r>
-              <a:rPr lang="en-US" dirty="0">
-                <a:solidFill>
-                  <a:srgbClr val="DC1414"/>
-                </a:solidFill>
-                <a:latin typeface="Consolas"/>
-              </a:rPr>
-              <a:t>"Speed: {0}"</a:t>
-            </a:r>
-            <a:r>
-              <a:rPr lang="en-US" dirty="0">
-                <a:solidFill>
-                  <a:srgbClr val="000000"/>
-                </a:solidFill>
-                <a:latin typeface="Consolas"/>
-              </a:rPr>
-              <a:t>, _speed);</a:t>
-            </a:r>
-          </a:p>
-          <a:p>
-            <a:pPr marL="0" indent="0">
-              <a:buNone/>
-            </a:pPr>
-            <a:r>
-              <a:rPr lang="en-US" dirty="0">
-                <a:solidFill>
-                  <a:srgbClr val="000000"/>
-                </a:solidFill>
-                <a:latin typeface="Consolas"/>
-              </a:rPr>
-              <a:t>      </a:t>
-            </a:r>
-            <a:r>
-              <a:rPr lang="en-US" dirty="0" err="1">
-                <a:solidFill>
-                  <a:srgbClr val="000000"/>
-                </a:solidFill>
-                <a:latin typeface="Consolas"/>
-              </a:rPr>
-              <a:t>Console.WriteLine</a:t>
-            </a:r>
-            <a:r>
-              <a:rPr lang="en-US" dirty="0">
-                <a:solidFill>
-                  <a:srgbClr val="000000"/>
-                </a:solidFill>
-                <a:latin typeface="Consolas"/>
-              </a:rPr>
-              <a:t>(</a:t>
-            </a:r>
-            <a:r>
-              <a:rPr lang="en-US" dirty="0">
-                <a:solidFill>
-                  <a:srgbClr val="DC1414"/>
-                </a:solidFill>
-                <a:latin typeface="Consolas"/>
-              </a:rPr>
-              <a:t>"Length : {0}"</a:t>
-            </a:r>
-            <a:r>
-              <a:rPr lang="en-US" dirty="0">
-                <a:solidFill>
-                  <a:srgbClr val="000000"/>
-                </a:solidFill>
-                <a:latin typeface="Consolas"/>
-              </a:rPr>
-              <a:t>, _length);</a:t>
-            </a:r>
-          </a:p>
-          <a:p>
-            <a:pPr marL="0" indent="0">
-              <a:buNone/>
-            </a:pPr>
-            <a:r>
-              <a:rPr lang="fr-FR" dirty="0">
-                <a:solidFill>
-                  <a:srgbClr val="000000"/>
-                </a:solidFill>
-                <a:latin typeface="Consolas"/>
-              </a:rPr>
-              <a:t>      </a:t>
-            </a:r>
-            <a:r>
-              <a:rPr lang="fr-FR" dirty="0" err="1">
-                <a:solidFill>
-                  <a:srgbClr val="000000"/>
-                </a:solidFill>
-                <a:latin typeface="Consolas"/>
-              </a:rPr>
-              <a:t>Console.WriteLine</a:t>
-            </a:r>
-            <a:r>
-              <a:rPr lang="fr-FR" dirty="0">
-                <a:solidFill>
-                  <a:srgbClr val="000000"/>
-                </a:solidFill>
-                <a:latin typeface="Consolas"/>
-              </a:rPr>
-              <a:t>(</a:t>
-            </a:r>
-            <a:r>
-              <a:rPr lang="fr-FR" dirty="0">
-                <a:solidFill>
-                  <a:srgbClr val="DC1414"/>
-                </a:solidFill>
-                <a:latin typeface="Consolas"/>
-              </a:rPr>
-              <a:t>"</a:t>
-            </a:r>
-            <a:r>
-              <a:rPr lang="fr-FR" dirty="0" err="1">
-                <a:solidFill>
-                  <a:srgbClr val="DC1414"/>
-                </a:solidFill>
-                <a:latin typeface="Consolas"/>
-              </a:rPr>
-              <a:t>Travellers</a:t>
-            </a:r>
-            <a:r>
-              <a:rPr lang="fr-FR" dirty="0">
-                <a:solidFill>
-                  <a:srgbClr val="DC1414"/>
-                </a:solidFill>
-                <a:latin typeface="Consolas"/>
-              </a:rPr>
-              <a:t>: {0}"</a:t>
-            </a:r>
-            <a:r>
-              <a:rPr lang="fr-FR" dirty="0">
-                <a:solidFill>
-                  <a:srgbClr val="000000"/>
-                </a:solidFill>
-                <a:latin typeface="Consolas"/>
-              </a:rPr>
-              <a:t>, </a:t>
-            </a:r>
-            <a:r>
-              <a:rPr lang="fr-FR" dirty="0" err="1">
-                <a:solidFill>
-                  <a:srgbClr val="000000"/>
-                </a:solidFill>
-                <a:latin typeface="Consolas"/>
-              </a:rPr>
-              <a:t>String.Join</a:t>
-            </a:r>
-            <a:r>
-              <a:rPr lang="fr-FR" dirty="0">
-                <a:solidFill>
-                  <a:srgbClr val="000000"/>
-                </a:solidFill>
-                <a:latin typeface="Consolas"/>
-              </a:rPr>
-              <a:t>(</a:t>
-            </a:r>
-            <a:r>
-              <a:rPr lang="fr-FR" dirty="0">
-                <a:solidFill>
-                  <a:srgbClr val="DC1414"/>
-                </a:solidFill>
-                <a:latin typeface="Consolas"/>
-              </a:rPr>
-              <a:t>"; "</a:t>
-            </a:r>
-            <a:r>
-              <a:rPr lang="fr-FR" dirty="0">
-                <a:solidFill>
-                  <a:srgbClr val="000000"/>
-                </a:solidFill>
-                <a:latin typeface="Consolas"/>
-              </a:rPr>
-              <a:t>, _</a:t>
-            </a:r>
-            <a:r>
-              <a:rPr lang="fr-FR" dirty="0" err="1">
-                <a:solidFill>
-                  <a:srgbClr val="000000"/>
-                </a:solidFill>
-                <a:latin typeface="Consolas"/>
-              </a:rPr>
-              <a:t>travellers</a:t>
-            </a:r>
-            <a:r>
-              <a:rPr lang="fr-FR" dirty="0">
-                <a:solidFill>
-                  <a:srgbClr val="000000"/>
-                </a:solidFill>
-                <a:latin typeface="Consolas"/>
-              </a:rPr>
-              <a:t>));</a:t>
-            </a:r>
-          </a:p>
-          <a:p>
-            <a:pPr marL="0" indent="0">
-              <a:buNone/>
-            </a:pPr>
-            <a:r>
-              <a:rPr lang="en-US" dirty="0">
-                <a:solidFill>
-                  <a:srgbClr val="000000"/>
-                </a:solidFill>
-                <a:latin typeface="Consolas"/>
-              </a:rPr>
-              <a:t>  }</a:t>
-            </a:r>
-          </a:p>
-          <a:p>
-            <a:pPr marL="0" indent="0">
-              <a:buNone/>
-            </a:pPr>
-            <a:r>
-              <a:rPr lang="en-US" dirty="0">
-                <a:solidFill>
-                  <a:srgbClr val="000000"/>
-                </a:solidFill>
-                <a:latin typeface="Consolas"/>
-              </a:rPr>
-              <a:t>}</a:t>
-            </a:r>
-          </a:p>
-          <a:p>
-            <a:pPr marL="0" indent="0">
-              <a:buNone/>
-            </a:pPr>
-            <a:r>
-              <a:rPr lang="en-US" dirty="0" smtClean="0">
-                <a:solidFill>
-                  <a:srgbClr val="0000FF"/>
-                </a:solidFill>
-                <a:latin typeface="Consolas"/>
-              </a:rPr>
-              <a:t>static</a:t>
-            </a:r>
-            <a:r>
-              <a:rPr lang="en-US" dirty="0" smtClean="0">
-                <a:solidFill>
-                  <a:srgbClr val="000000"/>
-                </a:solidFill>
-                <a:latin typeface="Consolas"/>
-              </a:rPr>
-              <a:t> </a:t>
-            </a:r>
-            <a:r>
-              <a:rPr lang="en-US" dirty="0">
-                <a:solidFill>
-                  <a:srgbClr val="0000FF"/>
-                </a:solidFill>
-                <a:latin typeface="Consolas"/>
-              </a:rPr>
-              <a:t>void</a:t>
-            </a:r>
-            <a:r>
-              <a:rPr lang="en-US" dirty="0">
-                <a:solidFill>
-                  <a:srgbClr val="000000"/>
-                </a:solidFill>
-                <a:latin typeface="Consolas"/>
-              </a:rPr>
-              <a:t> Main()</a:t>
-            </a:r>
-          </a:p>
-          <a:p>
-            <a:pPr marL="0" indent="0">
-              <a:buNone/>
-            </a:pPr>
-            <a:r>
-              <a:rPr lang="en-US" dirty="0">
-                <a:solidFill>
-                  <a:srgbClr val="000000"/>
-                </a:solidFill>
-                <a:latin typeface="Consolas"/>
-              </a:rPr>
-              <a:t>{</a:t>
-            </a:r>
-          </a:p>
-          <a:p>
-            <a:pPr marL="0" indent="0">
-              <a:buNone/>
-            </a:pPr>
-            <a:r>
-              <a:rPr lang="ru-RU" dirty="0" smtClean="0">
-                <a:solidFill>
-                  <a:srgbClr val="000000"/>
-                </a:solidFill>
-                <a:latin typeface="Consolas"/>
-              </a:rPr>
-              <a:t>    </a:t>
-            </a:r>
-            <a:r>
-              <a:rPr lang="fr-FR" dirty="0" smtClean="0">
-                <a:solidFill>
-                  <a:srgbClr val="000000"/>
-                </a:solidFill>
-                <a:latin typeface="Consolas"/>
-              </a:rPr>
-              <a:t>Train </a:t>
-            </a:r>
-            <a:r>
-              <a:rPr lang="fr-FR" dirty="0" err="1">
-                <a:solidFill>
-                  <a:srgbClr val="000000"/>
-                </a:solidFill>
-                <a:latin typeface="Consolas"/>
-              </a:rPr>
-              <a:t>train</a:t>
-            </a:r>
-            <a:r>
-              <a:rPr lang="fr-FR" dirty="0">
-                <a:solidFill>
-                  <a:srgbClr val="000000"/>
-                </a:solidFill>
-                <a:latin typeface="Consolas"/>
-              </a:rPr>
-              <a:t> = </a:t>
-            </a:r>
-            <a:r>
-              <a:rPr lang="fr-FR" dirty="0">
-                <a:solidFill>
-                  <a:srgbClr val="0000FF"/>
-                </a:solidFill>
-                <a:latin typeface="Consolas"/>
-              </a:rPr>
-              <a:t>new</a:t>
-            </a:r>
-            <a:r>
-              <a:rPr lang="fr-FR" dirty="0">
-                <a:solidFill>
-                  <a:srgbClr val="000000"/>
-                </a:solidFill>
-                <a:latin typeface="Consolas"/>
-              </a:rPr>
-              <a:t> Train(</a:t>
-            </a:r>
-            <a:r>
-              <a:rPr lang="fr-FR" dirty="0">
-                <a:solidFill>
-                  <a:srgbClr val="C81EFA"/>
-                </a:solidFill>
-                <a:latin typeface="Consolas"/>
-              </a:rPr>
-              <a:t>190.2</a:t>
-            </a:r>
-            <a:r>
-              <a:rPr lang="fr-FR" dirty="0">
-                <a:solidFill>
-                  <a:srgbClr val="000000"/>
-                </a:solidFill>
-                <a:latin typeface="Consolas"/>
-              </a:rPr>
-              <a:t>, </a:t>
-            </a:r>
-            <a:r>
-              <a:rPr lang="fr-FR" dirty="0">
-                <a:solidFill>
-                  <a:srgbClr val="C81EFA"/>
-                </a:solidFill>
-                <a:latin typeface="Consolas"/>
-              </a:rPr>
-              <a:t>8</a:t>
-            </a:r>
-            <a:r>
-              <a:rPr lang="fr-FR" dirty="0">
-                <a:solidFill>
-                  <a:srgbClr val="000000"/>
-                </a:solidFill>
-                <a:latin typeface="Consolas"/>
-              </a:rPr>
-              <a:t>, </a:t>
-            </a:r>
-            <a:r>
-              <a:rPr lang="fr-FR" dirty="0">
-                <a:solidFill>
-                  <a:srgbClr val="DC1414"/>
-                </a:solidFill>
-                <a:latin typeface="Consolas"/>
-              </a:rPr>
-              <a:t>"Ivanov"</a:t>
-            </a:r>
-            <a:r>
-              <a:rPr lang="fr-FR" dirty="0">
-                <a:solidFill>
-                  <a:srgbClr val="000000"/>
-                </a:solidFill>
-                <a:latin typeface="Consolas"/>
-              </a:rPr>
-              <a:t>, </a:t>
-            </a:r>
-            <a:r>
-              <a:rPr lang="fr-FR" dirty="0">
-                <a:solidFill>
-                  <a:srgbClr val="DC1414"/>
-                </a:solidFill>
-                <a:latin typeface="Consolas"/>
-              </a:rPr>
-              <a:t>"Petrov"</a:t>
-            </a:r>
-            <a:r>
-              <a:rPr lang="fr-FR" dirty="0">
-                <a:solidFill>
-                  <a:srgbClr val="000000"/>
-                </a:solidFill>
-                <a:latin typeface="Consolas"/>
-              </a:rPr>
-              <a:t>, </a:t>
-            </a:r>
-            <a:r>
-              <a:rPr lang="fr-FR" dirty="0">
-                <a:solidFill>
-                  <a:srgbClr val="DC1414"/>
-                </a:solidFill>
-                <a:latin typeface="Consolas"/>
-              </a:rPr>
-              <a:t>"</a:t>
-            </a:r>
-            <a:r>
-              <a:rPr lang="fr-FR" dirty="0" err="1">
-                <a:solidFill>
-                  <a:srgbClr val="DC1414"/>
-                </a:solidFill>
-                <a:latin typeface="Consolas"/>
-              </a:rPr>
-              <a:t>Sidorov</a:t>
-            </a:r>
-            <a:r>
-              <a:rPr lang="fr-FR" dirty="0">
-                <a:solidFill>
-                  <a:srgbClr val="DC1414"/>
-                </a:solidFill>
-                <a:latin typeface="Consolas"/>
-              </a:rPr>
-              <a:t>"</a:t>
-            </a:r>
-            <a:r>
-              <a:rPr lang="fr-FR" dirty="0">
-                <a:solidFill>
-                  <a:srgbClr val="000000"/>
-                </a:solidFill>
-                <a:latin typeface="Consolas"/>
-              </a:rPr>
-              <a:t>);</a:t>
-            </a:r>
-          </a:p>
-          <a:p>
-            <a:pPr marL="0" indent="0">
-              <a:buNone/>
-            </a:pPr>
-            <a:r>
-              <a:rPr lang="ru-RU" dirty="0" smtClean="0">
-                <a:solidFill>
-                  <a:srgbClr val="000000"/>
-                </a:solidFill>
-                <a:latin typeface="Consolas"/>
-              </a:rPr>
-              <a:t>    </a:t>
-            </a:r>
-            <a:r>
-              <a:rPr lang="en-US" dirty="0" err="1" smtClean="0">
-                <a:solidFill>
-                  <a:srgbClr val="000000"/>
-                </a:solidFill>
-                <a:latin typeface="Consolas"/>
-              </a:rPr>
-              <a:t>train.Print</a:t>
-            </a:r>
-            <a:r>
-              <a:rPr lang="en-US" dirty="0">
-                <a:solidFill>
-                  <a:srgbClr val="000000"/>
-                </a:solidFill>
-                <a:latin typeface="Consolas"/>
-              </a:rPr>
-              <a:t>();</a:t>
-            </a:r>
-          </a:p>
-          <a:p>
-            <a:pPr marL="0" indent="0">
-              <a:buNone/>
-            </a:pPr>
-            <a:r>
-              <a:rPr lang="ru-RU" dirty="0" smtClean="0">
-                <a:solidFill>
-                  <a:srgbClr val="0000FF"/>
-                </a:solidFill>
-                <a:latin typeface="Consolas"/>
-              </a:rPr>
-              <a:t>    </a:t>
-            </a:r>
-            <a:r>
-              <a:rPr lang="en-US" dirty="0" smtClean="0">
-                <a:solidFill>
-                  <a:srgbClr val="0000FF"/>
-                </a:solidFill>
-                <a:latin typeface="Consolas"/>
-              </a:rPr>
-              <a:t>string</a:t>
-            </a:r>
-            <a:r>
-              <a:rPr lang="en-US" dirty="0" smtClean="0">
-                <a:solidFill>
-                  <a:srgbClr val="000000"/>
-                </a:solidFill>
-                <a:latin typeface="Consolas"/>
-              </a:rPr>
-              <a:t> </a:t>
-            </a:r>
-            <a:r>
-              <a:rPr lang="en-US" dirty="0" err="1">
-                <a:solidFill>
-                  <a:srgbClr val="000000"/>
-                </a:solidFill>
-                <a:latin typeface="Consolas"/>
-              </a:rPr>
-              <a:t>tempFileName</a:t>
-            </a:r>
-            <a:r>
-              <a:rPr lang="en-US" dirty="0">
-                <a:solidFill>
-                  <a:srgbClr val="000000"/>
-                </a:solidFill>
-                <a:latin typeface="Consolas"/>
-              </a:rPr>
-              <a:t> = </a:t>
-            </a:r>
-            <a:r>
-              <a:rPr lang="en-US" dirty="0" err="1">
-                <a:solidFill>
-                  <a:srgbClr val="000000"/>
-                </a:solidFill>
-                <a:latin typeface="Consolas"/>
-              </a:rPr>
-              <a:t>Path.Combine</a:t>
-            </a:r>
-            <a:r>
-              <a:rPr lang="en-US" dirty="0">
-                <a:solidFill>
-                  <a:srgbClr val="000000"/>
-                </a:solidFill>
-                <a:latin typeface="Consolas"/>
-              </a:rPr>
-              <a:t>(</a:t>
-            </a:r>
-            <a:r>
-              <a:rPr lang="en-US" dirty="0" err="1">
-                <a:solidFill>
-                  <a:srgbClr val="000000"/>
-                </a:solidFill>
-                <a:latin typeface="Consolas"/>
-              </a:rPr>
-              <a:t>Path.GetTempPath</a:t>
-            </a:r>
-            <a:r>
-              <a:rPr lang="en-US" dirty="0">
-                <a:solidFill>
-                  <a:srgbClr val="000000"/>
-                </a:solidFill>
-                <a:latin typeface="Consolas"/>
-              </a:rPr>
-              <a:t>(), </a:t>
-            </a:r>
-            <a:r>
-              <a:rPr lang="en-US" dirty="0">
-                <a:solidFill>
-                  <a:srgbClr val="DC1414"/>
-                </a:solidFill>
-                <a:latin typeface="Consolas"/>
-              </a:rPr>
-              <a:t>"train.dat"</a:t>
-            </a:r>
-            <a:r>
-              <a:rPr lang="en-US" dirty="0">
-                <a:solidFill>
-                  <a:srgbClr val="000000"/>
-                </a:solidFill>
-                <a:latin typeface="Consolas"/>
-              </a:rPr>
-              <a:t>); </a:t>
-            </a:r>
-            <a:r>
-              <a:rPr lang="en-US" dirty="0" smtClean="0">
-                <a:solidFill>
-                  <a:srgbClr val="008000"/>
-                </a:solidFill>
-                <a:latin typeface="Consolas"/>
-              </a:rPr>
-              <a:t>//</a:t>
-            </a:r>
-            <a:r>
-              <a:rPr lang="ru-RU" dirty="0" smtClean="0">
-                <a:solidFill>
-                  <a:srgbClr val="008000"/>
-                </a:solidFill>
-                <a:latin typeface="Consolas"/>
-              </a:rPr>
-              <a:t> Будем работать с файлом в папке для временных файлов</a:t>
-            </a:r>
-            <a:endParaRPr lang="en-US" dirty="0">
-              <a:solidFill>
-                <a:srgbClr val="000000"/>
-              </a:solidFill>
-              <a:latin typeface="Consolas"/>
-            </a:endParaRPr>
-          </a:p>
-          <a:p>
-            <a:pPr marL="0" indent="0">
-              <a:buNone/>
-            </a:pPr>
-            <a:r>
-              <a:rPr lang="ru-RU" dirty="0" smtClean="0">
-                <a:solidFill>
-                  <a:srgbClr val="000000"/>
-                </a:solidFill>
-                <a:latin typeface="Consolas"/>
-              </a:rPr>
-              <a:t>    </a:t>
-            </a:r>
-            <a:r>
-              <a:rPr lang="en-US" dirty="0" err="1" smtClean="0">
-                <a:solidFill>
-                  <a:srgbClr val="000000"/>
-                </a:solidFill>
-                <a:latin typeface="Consolas"/>
-              </a:rPr>
-              <a:t>BinaryFormatter</a:t>
-            </a:r>
-            <a:r>
-              <a:rPr lang="en-US" dirty="0" smtClean="0">
-                <a:solidFill>
-                  <a:srgbClr val="000000"/>
-                </a:solidFill>
-                <a:latin typeface="Consolas"/>
-              </a:rPr>
-              <a:t> </a:t>
-            </a:r>
-            <a:r>
-              <a:rPr lang="en-US" dirty="0">
-                <a:solidFill>
-                  <a:srgbClr val="000000"/>
-                </a:solidFill>
-                <a:latin typeface="Consolas"/>
-              </a:rPr>
-              <a:t>bf = </a:t>
-            </a:r>
-            <a:r>
-              <a:rPr lang="en-US" dirty="0">
-                <a:solidFill>
-                  <a:srgbClr val="0000FF"/>
-                </a:solidFill>
-                <a:latin typeface="Consolas"/>
-              </a:rPr>
-              <a:t>new</a:t>
-            </a:r>
-            <a:r>
-              <a:rPr lang="en-US" dirty="0">
-                <a:solidFill>
-                  <a:srgbClr val="000000"/>
-                </a:solidFill>
-                <a:latin typeface="Consolas"/>
-              </a:rPr>
-              <a:t> </a:t>
-            </a:r>
-            <a:r>
-              <a:rPr lang="en-US" dirty="0" err="1">
-                <a:solidFill>
-                  <a:srgbClr val="000000"/>
-                </a:solidFill>
-                <a:latin typeface="Consolas"/>
-              </a:rPr>
-              <a:t>BinaryFormatter</a:t>
-            </a:r>
-            <a:r>
-              <a:rPr lang="en-US" dirty="0" smtClean="0">
-                <a:solidFill>
-                  <a:srgbClr val="000000"/>
-                </a:solidFill>
-                <a:latin typeface="Consolas"/>
-              </a:rPr>
-              <a:t>();</a:t>
-            </a:r>
-            <a:endParaRPr lang="ru-RU" dirty="0" smtClean="0">
-              <a:solidFill>
-                <a:srgbClr val="000000"/>
-              </a:solidFill>
-              <a:latin typeface="Consolas"/>
-            </a:endParaRPr>
-          </a:p>
-          <a:p>
-            <a:pPr marL="0" indent="0">
-              <a:buNone/>
-            </a:pPr>
-            <a:r>
-              <a:rPr lang="en-US" dirty="0" smtClean="0">
-                <a:solidFill>
-                  <a:srgbClr val="008000"/>
-                </a:solidFill>
-                <a:latin typeface="Consolas"/>
-              </a:rPr>
-              <a:t>    // </a:t>
-            </a:r>
-            <a:r>
-              <a:rPr lang="ru-RU" dirty="0">
-                <a:solidFill>
-                  <a:srgbClr val="008000"/>
-                </a:solidFill>
-                <a:latin typeface="Consolas"/>
-              </a:rPr>
-              <a:t>Выполняем сериализацию</a:t>
-            </a:r>
-            <a:endParaRPr lang="en-US" dirty="0">
-              <a:solidFill>
-                <a:srgbClr val="008000"/>
-              </a:solidFill>
-              <a:latin typeface="Consolas"/>
-            </a:endParaRPr>
-          </a:p>
-          <a:p>
-            <a:pPr marL="0" indent="0">
-              <a:buNone/>
-            </a:pPr>
-            <a:r>
-              <a:rPr lang="ru-RU" dirty="0" smtClean="0">
-                <a:solidFill>
-                  <a:srgbClr val="0000FF"/>
-                </a:solidFill>
-                <a:latin typeface="Consolas"/>
-              </a:rPr>
-              <a:t>    </a:t>
-            </a:r>
-            <a:r>
-              <a:rPr lang="en-US" dirty="0" smtClean="0">
-                <a:solidFill>
-                  <a:srgbClr val="0000FF"/>
-                </a:solidFill>
-                <a:latin typeface="Consolas"/>
-              </a:rPr>
-              <a:t>using</a:t>
-            </a:r>
-            <a:r>
-              <a:rPr lang="en-US" dirty="0" smtClean="0">
-                <a:solidFill>
-                  <a:srgbClr val="000000"/>
-                </a:solidFill>
-                <a:latin typeface="Consolas"/>
-              </a:rPr>
-              <a:t> </a:t>
-            </a:r>
-            <a:r>
-              <a:rPr lang="en-US" dirty="0">
-                <a:solidFill>
-                  <a:srgbClr val="000000"/>
-                </a:solidFill>
-                <a:latin typeface="Consolas"/>
-              </a:rPr>
-              <a:t>(</a:t>
-            </a:r>
-            <a:r>
-              <a:rPr lang="en-US" dirty="0" err="1">
-                <a:solidFill>
-                  <a:srgbClr val="000000"/>
-                </a:solidFill>
-                <a:latin typeface="Consolas"/>
-              </a:rPr>
-              <a:t>FileStream</a:t>
-            </a:r>
-            <a:r>
-              <a:rPr lang="en-US" dirty="0">
-                <a:solidFill>
-                  <a:srgbClr val="000000"/>
-                </a:solidFill>
-                <a:latin typeface="Consolas"/>
-              </a:rPr>
-              <a:t> </a:t>
-            </a:r>
-            <a:r>
-              <a:rPr lang="en-US" dirty="0" err="1">
-                <a:solidFill>
-                  <a:srgbClr val="000000"/>
-                </a:solidFill>
-                <a:latin typeface="Consolas"/>
-              </a:rPr>
-              <a:t>fs</a:t>
-            </a:r>
-            <a:r>
-              <a:rPr lang="en-US" dirty="0">
-                <a:solidFill>
-                  <a:srgbClr val="000000"/>
-                </a:solidFill>
-                <a:latin typeface="Consolas"/>
-              </a:rPr>
-              <a:t> = </a:t>
-            </a:r>
-            <a:r>
-              <a:rPr lang="en-US" dirty="0" err="1">
-                <a:solidFill>
-                  <a:srgbClr val="000000"/>
-                </a:solidFill>
-                <a:latin typeface="Consolas"/>
-              </a:rPr>
-              <a:t>File.Open</a:t>
-            </a:r>
-            <a:r>
-              <a:rPr lang="en-US" dirty="0">
-                <a:solidFill>
-                  <a:srgbClr val="000000"/>
-                </a:solidFill>
-                <a:latin typeface="Consolas"/>
-              </a:rPr>
-              <a:t>(</a:t>
-            </a:r>
-            <a:r>
-              <a:rPr lang="en-US" dirty="0" err="1">
-                <a:solidFill>
-                  <a:srgbClr val="000000"/>
-                </a:solidFill>
-                <a:latin typeface="Consolas"/>
-              </a:rPr>
-              <a:t>tempFileName</a:t>
-            </a:r>
-            <a:r>
-              <a:rPr lang="en-US" dirty="0">
-                <a:solidFill>
-                  <a:srgbClr val="000000"/>
-                </a:solidFill>
-                <a:latin typeface="Consolas"/>
-              </a:rPr>
-              <a:t>, </a:t>
-            </a:r>
-            <a:r>
-              <a:rPr lang="en-US" dirty="0" err="1">
-                <a:solidFill>
-                  <a:srgbClr val="000000"/>
-                </a:solidFill>
-                <a:latin typeface="Consolas"/>
-              </a:rPr>
-              <a:t>FileMode.Create</a:t>
-            </a:r>
-            <a:r>
-              <a:rPr lang="en-US" dirty="0">
-                <a:solidFill>
-                  <a:srgbClr val="000000"/>
-                </a:solidFill>
-                <a:latin typeface="Consolas"/>
-              </a:rPr>
-              <a:t>))</a:t>
-            </a:r>
-          </a:p>
-          <a:p>
-            <a:pPr marL="0" indent="0">
-              <a:buNone/>
-            </a:pPr>
-            <a:r>
-              <a:rPr lang="ru-RU" dirty="0" smtClean="0">
-                <a:solidFill>
-                  <a:srgbClr val="000000"/>
-                </a:solidFill>
-                <a:latin typeface="Consolas"/>
-              </a:rPr>
-              <a:t>    </a:t>
-            </a:r>
-            <a:r>
-              <a:rPr lang="en-US" dirty="0" smtClean="0">
-                <a:solidFill>
-                  <a:srgbClr val="000000"/>
-                </a:solidFill>
-                <a:latin typeface="Consolas"/>
-              </a:rPr>
-              <a:t>{</a:t>
-            </a:r>
-            <a:endParaRPr lang="en-US" dirty="0">
-              <a:solidFill>
-                <a:srgbClr val="000000"/>
-              </a:solidFill>
-              <a:latin typeface="Consolas"/>
-            </a:endParaRPr>
-          </a:p>
-          <a:p>
-            <a:pPr marL="0" indent="0">
-              <a:buNone/>
-            </a:pPr>
-            <a:r>
-              <a:rPr lang="ru-RU" dirty="0" smtClean="0">
-                <a:solidFill>
-                  <a:srgbClr val="000000"/>
-                </a:solidFill>
-                <a:latin typeface="Consolas"/>
-              </a:rPr>
-              <a:t>        </a:t>
-            </a:r>
-            <a:r>
-              <a:rPr lang="en-US" dirty="0" err="1" smtClean="0">
-                <a:solidFill>
-                  <a:srgbClr val="000000"/>
-                </a:solidFill>
-                <a:latin typeface="Consolas"/>
-              </a:rPr>
-              <a:t>bf.Serialize</a:t>
-            </a:r>
-            <a:r>
-              <a:rPr lang="en-US" dirty="0" smtClean="0">
-                <a:solidFill>
-                  <a:srgbClr val="000000"/>
-                </a:solidFill>
-                <a:latin typeface="Consolas"/>
-              </a:rPr>
-              <a:t>(</a:t>
-            </a:r>
-            <a:r>
-              <a:rPr lang="en-US" dirty="0" err="1" smtClean="0">
-                <a:solidFill>
-                  <a:srgbClr val="000000"/>
-                </a:solidFill>
-                <a:latin typeface="Consolas"/>
-              </a:rPr>
-              <a:t>fs</a:t>
-            </a:r>
-            <a:r>
-              <a:rPr lang="en-US" dirty="0">
-                <a:solidFill>
-                  <a:srgbClr val="000000"/>
-                </a:solidFill>
-                <a:latin typeface="Consolas"/>
-              </a:rPr>
-              <a:t>, train);</a:t>
-            </a:r>
-          </a:p>
-          <a:p>
-            <a:pPr marL="0" indent="0">
-              <a:buNone/>
-            </a:pPr>
-            <a:r>
-              <a:rPr lang="ru-RU" dirty="0" smtClean="0">
-                <a:solidFill>
-                  <a:srgbClr val="000000"/>
-                </a:solidFill>
-                <a:latin typeface="Consolas"/>
-              </a:rPr>
-              <a:t>    </a:t>
-            </a:r>
-            <a:r>
-              <a:rPr lang="en-US" dirty="0" smtClean="0">
-                <a:solidFill>
-                  <a:srgbClr val="000000"/>
-                </a:solidFill>
-                <a:latin typeface="Consolas"/>
-              </a:rPr>
-              <a:t>}</a:t>
-            </a:r>
-            <a:endParaRPr lang="en-US" dirty="0">
-              <a:solidFill>
-                <a:srgbClr val="000000"/>
-              </a:solidFill>
-              <a:latin typeface="Consolas"/>
-            </a:endParaRPr>
-          </a:p>
-          <a:p>
-            <a:pPr marL="0" indent="0">
-              <a:buNone/>
-            </a:pPr>
-            <a:r>
-              <a:rPr lang="ru-RU" dirty="0" smtClean="0">
-                <a:solidFill>
-                  <a:srgbClr val="000000"/>
-                </a:solidFill>
-                <a:latin typeface="Consolas"/>
-              </a:rPr>
-              <a:t>    </a:t>
-            </a:r>
-            <a:r>
-              <a:rPr lang="en-US" dirty="0" err="1" smtClean="0">
-                <a:solidFill>
-                  <a:srgbClr val="000000"/>
-                </a:solidFill>
-                <a:latin typeface="Consolas"/>
-              </a:rPr>
-              <a:t>Console.WriteLine</a:t>
-            </a:r>
-            <a:r>
-              <a:rPr lang="en-US" dirty="0">
-                <a:solidFill>
-                  <a:srgbClr val="000000"/>
-                </a:solidFill>
-                <a:latin typeface="Consolas"/>
-              </a:rPr>
-              <a:t>();</a:t>
-            </a:r>
-          </a:p>
-          <a:p>
-            <a:pPr marL="0" indent="0">
-              <a:buNone/>
-            </a:pPr>
-            <a:r>
-              <a:rPr lang="ru-RU" dirty="0" smtClean="0">
-                <a:solidFill>
-                  <a:srgbClr val="008000"/>
-                </a:solidFill>
-                <a:latin typeface="Consolas"/>
-              </a:rPr>
-              <a:t>    </a:t>
-            </a:r>
-            <a:r>
-              <a:rPr lang="en-US" dirty="0" smtClean="0">
-                <a:solidFill>
-                  <a:srgbClr val="008000"/>
-                </a:solidFill>
-                <a:latin typeface="Consolas"/>
-              </a:rPr>
-              <a:t>// </a:t>
-            </a:r>
-            <a:r>
-              <a:rPr lang="ru-RU" dirty="0">
-                <a:solidFill>
-                  <a:srgbClr val="008000"/>
-                </a:solidFill>
-                <a:latin typeface="Consolas"/>
-              </a:rPr>
-              <a:t>Выполняем </a:t>
-            </a:r>
-            <a:r>
-              <a:rPr lang="ru-RU" dirty="0" smtClean="0">
-                <a:solidFill>
-                  <a:srgbClr val="008000"/>
-                </a:solidFill>
-                <a:latin typeface="Consolas"/>
-              </a:rPr>
-              <a:t>десериализацию</a:t>
-            </a:r>
-            <a:endParaRPr lang="en-US" dirty="0">
-              <a:solidFill>
-                <a:srgbClr val="000000"/>
-              </a:solidFill>
-              <a:latin typeface="Consolas"/>
-            </a:endParaRPr>
-          </a:p>
-          <a:p>
-            <a:pPr marL="0" indent="0">
-              <a:buNone/>
-            </a:pPr>
-            <a:r>
-              <a:rPr lang="ru-RU" dirty="0" smtClean="0">
-                <a:solidFill>
-                  <a:srgbClr val="0000FF"/>
-                </a:solidFill>
-                <a:latin typeface="Consolas"/>
-              </a:rPr>
-              <a:t>    </a:t>
-            </a:r>
-            <a:r>
-              <a:rPr lang="en-US" dirty="0" smtClean="0">
-                <a:solidFill>
-                  <a:srgbClr val="0000FF"/>
-                </a:solidFill>
-                <a:latin typeface="Consolas"/>
-              </a:rPr>
-              <a:t>using</a:t>
-            </a:r>
-            <a:r>
-              <a:rPr lang="en-US" dirty="0" smtClean="0">
-                <a:solidFill>
-                  <a:srgbClr val="000000"/>
-                </a:solidFill>
-                <a:latin typeface="Consolas"/>
-              </a:rPr>
-              <a:t> </a:t>
-            </a:r>
-            <a:r>
-              <a:rPr lang="en-US" dirty="0">
-                <a:solidFill>
-                  <a:srgbClr val="000000"/>
-                </a:solidFill>
-                <a:latin typeface="Consolas"/>
-              </a:rPr>
-              <a:t>(</a:t>
-            </a:r>
-            <a:r>
-              <a:rPr lang="en-US" dirty="0" err="1">
-                <a:solidFill>
-                  <a:srgbClr val="000000"/>
-                </a:solidFill>
-                <a:latin typeface="Consolas"/>
-              </a:rPr>
-              <a:t>FileStream</a:t>
-            </a:r>
-            <a:r>
-              <a:rPr lang="en-US" dirty="0">
-                <a:solidFill>
-                  <a:srgbClr val="000000"/>
-                </a:solidFill>
-                <a:latin typeface="Consolas"/>
-              </a:rPr>
-              <a:t> </a:t>
-            </a:r>
-            <a:r>
-              <a:rPr lang="en-US" dirty="0" err="1">
-                <a:solidFill>
-                  <a:srgbClr val="000000"/>
-                </a:solidFill>
-                <a:latin typeface="Consolas"/>
-              </a:rPr>
-              <a:t>fs</a:t>
-            </a:r>
-            <a:r>
-              <a:rPr lang="en-US" dirty="0">
-                <a:solidFill>
-                  <a:srgbClr val="000000"/>
-                </a:solidFill>
-                <a:latin typeface="Consolas"/>
-              </a:rPr>
-              <a:t> = </a:t>
-            </a:r>
-            <a:r>
-              <a:rPr lang="en-US" dirty="0" err="1">
-                <a:solidFill>
-                  <a:srgbClr val="000000"/>
-                </a:solidFill>
-                <a:latin typeface="Consolas"/>
-              </a:rPr>
-              <a:t>File.Open</a:t>
-            </a:r>
-            <a:r>
-              <a:rPr lang="en-US" dirty="0">
-                <a:solidFill>
-                  <a:srgbClr val="000000"/>
-                </a:solidFill>
-                <a:latin typeface="Consolas"/>
-              </a:rPr>
-              <a:t>(</a:t>
-            </a:r>
-            <a:r>
-              <a:rPr lang="en-US" dirty="0" err="1">
-                <a:solidFill>
-                  <a:srgbClr val="000000"/>
-                </a:solidFill>
-                <a:latin typeface="Consolas"/>
-              </a:rPr>
-              <a:t>tempFileName</a:t>
-            </a:r>
-            <a:r>
-              <a:rPr lang="en-US" dirty="0">
-                <a:solidFill>
-                  <a:srgbClr val="000000"/>
-                </a:solidFill>
-                <a:latin typeface="Consolas"/>
-              </a:rPr>
-              <a:t>, </a:t>
-            </a:r>
-            <a:r>
-              <a:rPr lang="en-US" dirty="0" err="1">
-                <a:solidFill>
-                  <a:srgbClr val="000000"/>
-                </a:solidFill>
-                <a:latin typeface="Consolas"/>
-              </a:rPr>
-              <a:t>FileMode.Open</a:t>
-            </a:r>
-            <a:r>
-              <a:rPr lang="en-US" dirty="0">
-                <a:solidFill>
-                  <a:srgbClr val="000000"/>
-                </a:solidFill>
-                <a:latin typeface="Consolas"/>
-              </a:rPr>
-              <a:t>))</a:t>
-            </a:r>
-          </a:p>
-          <a:p>
-            <a:pPr marL="0" indent="0">
-              <a:buNone/>
-            </a:pPr>
-            <a:r>
-              <a:rPr lang="ru-RU" dirty="0" smtClean="0">
-                <a:solidFill>
-                  <a:srgbClr val="000000"/>
-                </a:solidFill>
-                <a:latin typeface="Consolas"/>
-              </a:rPr>
-              <a:t>    </a:t>
-            </a:r>
-            <a:r>
-              <a:rPr lang="en-US" dirty="0" smtClean="0">
-                <a:solidFill>
-                  <a:srgbClr val="000000"/>
-                </a:solidFill>
-                <a:latin typeface="Consolas"/>
-              </a:rPr>
-              <a:t>{</a:t>
-            </a:r>
-            <a:endParaRPr lang="en-US" dirty="0">
-              <a:solidFill>
-                <a:srgbClr val="000000"/>
-              </a:solidFill>
-              <a:latin typeface="Consolas"/>
-            </a:endParaRPr>
-          </a:p>
-          <a:p>
-            <a:pPr marL="0" indent="0">
-              <a:buNone/>
-            </a:pPr>
-            <a:r>
-              <a:rPr lang="ru-RU" dirty="0" smtClean="0">
-                <a:solidFill>
-                  <a:srgbClr val="000000"/>
-                </a:solidFill>
-                <a:latin typeface="Consolas"/>
-              </a:rPr>
-              <a:t>        </a:t>
-            </a:r>
-            <a:r>
-              <a:rPr lang="en-US" dirty="0" smtClean="0">
-                <a:solidFill>
-                  <a:srgbClr val="000000"/>
-                </a:solidFill>
-                <a:latin typeface="Consolas"/>
-              </a:rPr>
-              <a:t>Train </a:t>
-            </a:r>
-            <a:r>
-              <a:rPr lang="en-US" dirty="0" err="1">
-                <a:solidFill>
-                  <a:srgbClr val="000000"/>
-                </a:solidFill>
-                <a:latin typeface="Consolas"/>
-              </a:rPr>
-              <a:t>someTrain</a:t>
-            </a:r>
-            <a:r>
-              <a:rPr lang="en-US" dirty="0">
-                <a:solidFill>
-                  <a:srgbClr val="000000"/>
-                </a:solidFill>
-                <a:latin typeface="Consolas"/>
-              </a:rPr>
-              <a:t> = (Train)</a:t>
-            </a:r>
-            <a:r>
-              <a:rPr lang="en-US" dirty="0" err="1">
-                <a:solidFill>
-                  <a:srgbClr val="000000"/>
-                </a:solidFill>
-                <a:latin typeface="Consolas"/>
-              </a:rPr>
-              <a:t>bf.Deserialize</a:t>
-            </a:r>
-            <a:r>
-              <a:rPr lang="en-US" dirty="0">
-                <a:solidFill>
-                  <a:srgbClr val="000000"/>
-                </a:solidFill>
-                <a:latin typeface="Consolas"/>
-              </a:rPr>
-              <a:t>(</a:t>
-            </a:r>
-            <a:r>
-              <a:rPr lang="en-US" dirty="0" err="1">
-                <a:solidFill>
-                  <a:srgbClr val="000000"/>
-                </a:solidFill>
-                <a:latin typeface="Consolas"/>
-              </a:rPr>
-              <a:t>fs</a:t>
-            </a:r>
-            <a:r>
-              <a:rPr lang="en-US" dirty="0">
-                <a:solidFill>
-                  <a:srgbClr val="000000"/>
-                </a:solidFill>
-                <a:latin typeface="Consolas"/>
-              </a:rPr>
-              <a:t>);</a:t>
-            </a:r>
-          </a:p>
-          <a:p>
-            <a:pPr marL="0" indent="0">
-              <a:buNone/>
-            </a:pPr>
-            <a:r>
-              <a:rPr lang="ru-RU" dirty="0" smtClean="0">
-                <a:solidFill>
-                  <a:srgbClr val="000000"/>
-                </a:solidFill>
-                <a:latin typeface="Consolas"/>
-              </a:rPr>
-              <a:t>        </a:t>
-            </a:r>
-            <a:r>
-              <a:rPr lang="en-US" dirty="0" err="1" smtClean="0">
-                <a:solidFill>
-                  <a:srgbClr val="000000"/>
-                </a:solidFill>
-                <a:latin typeface="Consolas"/>
-              </a:rPr>
-              <a:t>someTrain.Print</a:t>
-            </a:r>
-            <a:r>
-              <a:rPr lang="en-US" dirty="0">
-                <a:solidFill>
-                  <a:srgbClr val="000000"/>
-                </a:solidFill>
-                <a:latin typeface="Consolas"/>
-              </a:rPr>
-              <a:t>();</a:t>
-            </a:r>
-          </a:p>
-          <a:p>
-            <a:pPr marL="0" indent="0">
-              <a:buNone/>
-            </a:pPr>
-            <a:r>
-              <a:rPr lang="ru-RU" dirty="0" smtClean="0">
-                <a:solidFill>
-                  <a:srgbClr val="000000"/>
-                </a:solidFill>
-                <a:latin typeface="Consolas"/>
-              </a:rPr>
-              <a:t>    </a:t>
-            </a:r>
-            <a:r>
-              <a:rPr lang="en-US" dirty="0" smtClean="0">
-                <a:solidFill>
-                  <a:srgbClr val="000000"/>
-                </a:solidFill>
-                <a:latin typeface="Consolas"/>
-              </a:rPr>
-              <a:t>}</a:t>
-            </a:r>
-            <a:endParaRPr lang="en-US" dirty="0">
-              <a:solidFill>
-                <a:srgbClr val="000000"/>
-              </a:solidFill>
-              <a:latin typeface="Consolas"/>
-            </a:endParaRPr>
-          </a:p>
-          <a:p>
-            <a:pPr marL="0" indent="0">
-              <a:buNone/>
-            </a:pPr>
-            <a:r>
-              <a:rPr lang="ru-RU" dirty="0" smtClean="0">
-                <a:solidFill>
-                  <a:srgbClr val="008000"/>
-                </a:solidFill>
-                <a:latin typeface="Consolas"/>
-              </a:rPr>
-              <a:t>    </a:t>
-            </a:r>
-            <a:r>
-              <a:rPr lang="en-US" dirty="0" smtClean="0">
-                <a:solidFill>
-                  <a:srgbClr val="008000"/>
-                </a:solidFill>
-                <a:latin typeface="Consolas"/>
-              </a:rPr>
-              <a:t>// </a:t>
-            </a:r>
-            <a:r>
-              <a:rPr lang="ru-RU" dirty="0">
-                <a:solidFill>
-                  <a:srgbClr val="008000"/>
-                </a:solidFill>
-                <a:latin typeface="Consolas"/>
-              </a:rPr>
-              <a:t>Удаляем ненужный временный </a:t>
-            </a:r>
-            <a:r>
-              <a:rPr lang="ru-RU" dirty="0" smtClean="0">
-                <a:solidFill>
-                  <a:srgbClr val="008000"/>
-                </a:solidFill>
-                <a:latin typeface="Consolas"/>
-              </a:rPr>
-              <a:t>файл. В настоящем приложении файл может еще понадобиться.</a:t>
-            </a:r>
-            <a:endParaRPr lang="en-US" dirty="0">
-              <a:solidFill>
-                <a:srgbClr val="000000"/>
-              </a:solidFill>
-              <a:latin typeface="Consolas"/>
-            </a:endParaRPr>
-          </a:p>
-          <a:p>
-            <a:pPr marL="0" indent="0">
-              <a:buNone/>
-            </a:pPr>
-            <a:r>
-              <a:rPr lang="ru-RU" dirty="0" smtClean="0">
-                <a:solidFill>
-                  <a:srgbClr val="000000"/>
-                </a:solidFill>
-                <a:latin typeface="Consolas"/>
-              </a:rPr>
-              <a:t>    </a:t>
-            </a:r>
-            <a:r>
-              <a:rPr lang="en-US" dirty="0" err="1" smtClean="0">
-                <a:solidFill>
-                  <a:srgbClr val="000000"/>
-                </a:solidFill>
-                <a:latin typeface="Consolas"/>
-              </a:rPr>
-              <a:t>File.Delete</a:t>
-            </a:r>
-            <a:r>
-              <a:rPr lang="en-US" dirty="0" smtClean="0">
-                <a:solidFill>
-                  <a:srgbClr val="000000"/>
-                </a:solidFill>
-                <a:latin typeface="Consolas"/>
-              </a:rPr>
-              <a:t>(</a:t>
-            </a:r>
-            <a:r>
-              <a:rPr lang="en-US" dirty="0" err="1" smtClean="0">
-                <a:solidFill>
-                  <a:srgbClr val="000000"/>
-                </a:solidFill>
-                <a:latin typeface="Consolas"/>
-              </a:rPr>
-              <a:t>tempFileName</a:t>
-            </a:r>
-            <a:r>
-              <a:rPr lang="en-US" dirty="0" smtClean="0">
-                <a:solidFill>
-                  <a:srgbClr val="000000"/>
-                </a:solidFill>
-                <a:latin typeface="Consolas"/>
-              </a:rPr>
-              <a:t>);</a:t>
-            </a:r>
-            <a:r>
-              <a:rPr lang="ru-RU" dirty="0" smtClean="0">
-                <a:solidFill>
-                  <a:srgbClr val="000000"/>
-                </a:solidFill>
-                <a:latin typeface="Consolas"/>
-              </a:rPr>
-              <a:t> </a:t>
-            </a:r>
-            <a:endParaRPr lang="en-US" dirty="0">
-              <a:solidFill>
-                <a:srgbClr val="000000"/>
-              </a:solidFill>
-              <a:latin typeface="Consolas"/>
-            </a:endParaRPr>
-          </a:p>
-          <a:p>
-            <a:pPr marL="0" indent="0">
-              <a:buNone/>
-            </a:pPr>
-            <a:r>
-              <a:rPr lang="en-US" dirty="0">
-                <a:solidFill>
-                  <a:srgbClr val="000000"/>
-                </a:solidFill>
-                <a:latin typeface="Consolas"/>
-              </a:rPr>
-              <a:t>}</a:t>
-            </a:r>
-            <a:endParaRPr lang="en-US" dirty="0"/>
-          </a:p>
-        </p:txBody>
-      </p:sp>
-    </p:spTree>
-    <p:extLst>
-      <p:ext uri="{BB962C8B-B14F-4D97-AF65-F5344CB8AC3E}">
-        <p14:creationId xmlns:p14="http://schemas.microsoft.com/office/powerpoint/2010/main" val="848852780"/>
       </p:ext>
     </p:extLst>
   </p:cSld>
@@ -14596,6 +16046,2213 @@
           <a:lstStyle/>
           <a:p>
             <a:r>
+              <a:rPr lang="ru-RU" sz="2000" dirty="0" smtClean="0"/>
+              <a:t>Бинарная сериализация (пример)</a:t>
+            </a:r>
+            <a:endParaRPr lang="en-US" sz="2000" dirty="0"/>
+          </a:p>
+        </p:txBody>
+      </p:sp>
+      <p:sp>
+        <p:nvSpPr>
+          <p:cNvPr id="3" name="Content Placeholder 2"/>
+          <p:cNvSpPr>
+            <a:spLocks noGrp="1"/>
+          </p:cNvSpPr>
+          <p:nvPr>
+            <p:ph idx="1"/>
+          </p:nvPr>
+        </p:nvSpPr>
+        <p:spPr>
+          <a:xfrm>
+            <a:off x="457200" y="919261"/>
+            <a:ext cx="8229600" cy="5750099"/>
+          </a:xfrm>
+          <a:solidFill>
+            <a:schemeClr val="bg1"/>
+          </a:solidFill>
+        </p:spPr>
+        <p:txBody>
+          <a:bodyPr>
+            <a:normAutofit fontScale="25000" lnSpcReduction="20000"/>
+          </a:bodyPr>
+          <a:lstStyle/>
+          <a:p>
+            <a:pPr marL="0" indent="0">
+              <a:buNone/>
+            </a:pPr>
+            <a:r>
+              <a:rPr lang="en-US" dirty="0">
+                <a:solidFill>
+                  <a:srgbClr val="0000FF"/>
+                </a:solidFill>
+                <a:latin typeface="Consolas"/>
+              </a:rPr>
+              <a:t>using</a:t>
+            </a:r>
+            <a:r>
+              <a:rPr lang="en-US" dirty="0">
+                <a:solidFill>
+                  <a:srgbClr val="000000"/>
+                </a:solidFill>
+                <a:latin typeface="Consolas"/>
+              </a:rPr>
+              <a:t> </a:t>
+            </a:r>
+            <a:r>
+              <a:rPr lang="en-US" dirty="0" smtClean="0">
+                <a:solidFill>
+                  <a:srgbClr val="000000"/>
+                </a:solidFill>
+                <a:latin typeface="Consolas"/>
+              </a:rPr>
+              <a:t>System.IO;</a:t>
+            </a:r>
+          </a:p>
+          <a:p>
+            <a:pPr marL="0" indent="0">
+              <a:buNone/>
+            </a:pPr>
+            <a:r>
+              <a:rPr lang="en-US" dirty="0">
+                <a:solidFill>
+                  <a:srgbClr val="0000FF"/>
+                </a:solidFill>
+                <a:latin typeface="Consolas"/>
+              </a:rPr>
+              <a:t>using</a:t>
+            </a:r>
+            <a:r>
+              <a:rPr lang="en-US" dirty="0" smtClean="0">
+                <a:solidFill>
+                  <a:srgbClr val="000000"/>
+                </a:solidFill>
+                <a:latin typeface="Consolas"/>
+              </a:rPr>
+              <a:t> </a:t>
+            </a:r>
+            <a:r>
+              <a:rPr lang="en-US" dirty="0" err="1" smtClean="0">
+                <a:solidFill>
+                  <a:srgbClr val="000000"/>
+                </a:solidFill>
+                <a:latin typeface="Consolas"/>
+              </a:rPr>
+              <a:t>System.Runtime.Serialization.Formatters.Binary</a:t>
+            </a:r>
+            <a:r>
+              <a:rPr lang="en-US" dirty="0" smtClean="0">
+                <a:solidFill>
+                  <a:srgbClr val="000000"/>
+                </a:solidFill>
+                <a:latin typeface="Consolas"/>
+              </a:rPr>
+              <a:t>;</a:t>
+            </a:r>
+            <a:endParaRPr lang="ru-RU" dirty="0" smtClean="0">
+              <a:solidFill>
+                <a:srgbClr val="000000"/>
+              </a:solidFill>
+              <a:latin typeface="Consolas"/>
+            </a:endParaRPr>
+          </a:p>
+          <a:p>
+            <a:pPr marL="0" indent="0">
+              <a:buNone/>
+            </a:pPr>
+            <a:endParaRPr lang="ru-RU" dirty="0" smtClean="0">
+              <a:solidFill>
+                <a:srgbClr val="000000"/>
+              </a:solidFill>
+              <a:latin typeface="Consolas"/>
+            </a:endParaRPr>
+          </a:p>
+          <a:p>
+            <a:pPr marL="0" indent="0">
+              <a:buNone/>
+            </a:pPr>
+            <a:r>
+              <a:rPr lang="en-US" dirty="0" smtClean="0">
+                <a:solidFill>
+                  <a:srgbClr val="000000"/>
+                </a:solidFill>
+                <a:latin typeface="Consolas"/>
+              </a:rPr>
+              <a:t>[</a:t>
+            </a:r>
+            <a:r>
+              <a:rPr lang="en-US" dirty="0" err="1">
+                <a:solidFill>
+                  <a:srgbClr val="000000"/>
+                </a:solidFill>
+                <a:latin typeface="Consolas"/>
+              </a:rPr>
+              <a:t>Serializable</a:t>
+            </a:r>
+            <a:r>
+              <a:rPr lang="en-US" dirty="0">
+                <a:solidFill>
+                  <a:srgbClr val="000000"/>
+                </a:solidFill>
+                <a:latin typeface="Consolas"/>
+              </a:rPr>
+              <a:t>]</a:t>
+            </a:r>
+          </a:p>
+          <a:p>
+            <a:pPr marL="0" indent="0">
+              <a:buNone/>
+            </a:pPr>
+            <a:r>
+              <a:rPr lang="en-US" dirty="0">
+                <a:solidFill>
+                  <a:srgbClr val="0000FF"/>
+                </a:solidFill>
+                <a:latin typeface="Consolas"/>
+              </a:rPr>
+              <a:t>class</a:t>
+            </a:r>
+            <a:r>
+              <a:rPr lang="en-US" dirty="0">
+                <a:solidFill>
+                  <a:srgbClr val="000000"/>
+                </a:solidFill>
+                <a:latin typeface="Consolas"/>
+              </a:rPr>
+              <a:t> Train</a:t>
+            </a:r>
+          </a:p>
+          <a:p>
+            <a:pPr marL="0" indent="0">
+              <a:buNone/>
+            </a:pPr>
+            <a:r>
+              <a:rPr lang="en-US" dirty="0">
+                <a:solidFill>
+                  <a:srgbClr val="000000"/>
+                </a:solidFill>
+                <a:latin typeface="Consolas"/>
+              </a:rPr>
+              <a:t>{</a:t>
+            </a:r>
+          </a:p>
+          <a:p>
+            <a:pPr marL="0" indent="0">
+              <a:buNone/>
+            </a:pPr>
+            <a:r>
+              <a:rPr lang="en-US" dirty="0">
+                <a:solidFill>
+                  <a:srgbClr val="000000"/>
+                </a:solidFill>
+                <a:latin typeface="Consolas"/>
+              </a:rPr>
+              <a:t>  [</a:t>
+            </a:r>
+            <a:r>
+              <a:rPr lang="en-US" dirty="0" err="1">
+                <a:solidFill>
+                  <a:srgbClr val="000000"/>
+                </a:solidFill>
+                <a:latin typeface="Consolas"/>
+              </a:rPr>
+              <a:t>NonSerialized</a:t>
+            </a:r>
+            <a:r>
+              <a:rPr lang="en-US" dirty="0">
+                <a:solidFill>
+                  <a:srgbClr val="000000"/>
+                </a:solidFill>
+                <a:latin typeface="Consolas"/>
+              </a:rPr>
+              <a:t>]</a:t>
+            </a:r>
+          </a:p>
+          <a:p>
+            <a:pPr marL="0" indent="0">
+              <a:buNone/>
+            </a:pPr>
+            <a:r>
+              <a:rPr lang="en-US" dirty="0">
+                <a:solidFill>
+                  <a:srgbClr val="000000"/>
+                </a:solidFill>
+                <a:latin typeface="Consolas"/>
+              </a:rPr>
+              <a:t>  </a:t>
+            </a:r>
+            <a:r>
+              <a:rPr lang="en-US" dirty="0">
+                <a:solidFill>
+                  <a:srgbClr val="0000FF"/>
+                </a:solidFill>
+                <a:latin typeface="Consolas"/>
+              </a:rPr>
+              <a:t>double</a:t>
+            </a:r>
+            <a:r>
+              <a:rPr lang="en-US" dirty="0">
+                <a:solidFill>
+                  <a:srgbClr val="000000"/>
+                </a:solidFill>
+                <a:latin typeface="Consolas"/>
+              </a:rPr>
+              <a:t> _speed;</a:t>
+            </a:r>
+          </a:p>
+          <a:p>
+            <a:pPr marL="0" indent="0">
+              <a:buNone/>
+            </a:pPr>
+            <a:r>
+              <a:rPr lang="en-US" dirty="0" smtClean="0">
+                <a:solidFill>
+                  <a:srgbClr val="0000FF"/>
+                </a:solidFill>
+                <a:latin typeface="Consolas"/>
+              </a:rPr>
+              <a:t>  </a:t>
+            </a:r>
+            <a:r>
+              <a:rPr lang="en-US" dirty="0" err="1" smtClean="0">
+                <a:solidFill>
+                  <a:srgbClr val="0000FF"/>
+                </a:solidFill>
+                <a:latin typeface="Consolas"/>
+              </a:rPr>
+              <a:t>int</a:t>
+            </a:r>
+            <a:r>
+              <a:rPr lang="en-US" dirty="0" smtClean="0">
+                <a:solidFill>
+                  <a:srgbClr val="000000"/>
+                </a:solidFill>
+                <a:latin typeface="Consolas"/>
+              </a:rPr>
+              <a:t> </a:t>
+            </a:r>
+            <a:r>
+              <a:rPr lang="en-US" dirty="0">
+                <a:solidFill>
+                  <a:srgbClr val="000000"/>
+                </a:solidFill>
+                <a:latin typeface="Consolas"/>
+              </a:rPr>
+              <a:t>_length;</a:t>
+            </a:r>
+          </a:p>
+          <a:p>
+            <a:pPr marL="0" indent="0">
+              <a:buNone/>
+            </a:pPr>
+            <a:r>
+              <a:rPr lang="en-US" dirty="0">
+                <a:solidFill>
+                  <a:srgbClr val="000000"/>
+                </a:solidFill>
+                <a:latin typeface="Consolas"/>
+              </a:rPr>
+              <a:t>  </a:t>
+            </a:r>
+            <a:r>
+              <a:rPr lang="en-US" dirty="0">
+                <a:solidFill>
+                  <a:srgbClr val="0000FF"/>
+                </a:solidFill>
+                <a:latin typeface="Consolas"/>
+              </a:rPr>
+              <a:t>string</a:t>
+            </a:r>
+            <a:r>
+              <a:rPr lang="en-US" dirty="0">
+                <a:solidFill>
+                  <a:srgbClr val="000000"/>
+                </a:solidFill>
+                <a:latin typeface="Consolas"/>
+              </a:rPr>
+              <a:t>[] _</a:t>
+            </a:r>
+            <a:r>
+              <a:rPr lang="en-US" dirty="0" err="1">
+                <a:solidFill>
+                  <a:srgbClr val="000000"/>
+                </a:solidFill>
+                <a:latin typeface="Consolas"/>
+              </a:rPr>
+              <a:t>travellers</a:t>
+            </a:r>
+            <a:r>
+              <a:rPr lang="en-US" dirty="0">
+                <a:solidFill>
+                  <a:srgbClr val="000000"/>
+                </a:solidFill>
+                <a:latin typeface="Consolas"/>
+              </a:rPr>
+              <a:t>;</a:t>
+            </a:r>
+          </a:p>
+          <a:p>
+            <a:pPr marL="0" indent="0">
+              <a:buNone/>
+            </a:pPr>
+            <a:r>
+              <a:rPr lang="en-US" dirty="0">
+                <a:solidFill>
+                  <a:srgbClr val="000000"/>
+                </a:solidFill>
+                <a:latin typeface="Consolas"/>
+              </a:rPr>
+              <a:t>  </a:t>
+            </a:r>
+          </a:p>
+          <a:p>
+            <a:pPr marL="0" indent="0">
+              <a:buNone/>
+            </a:pPr>
+            <a:r>
+              <a:rPr lang="en-US" dirty="0">
+                <a:solidFill>
+                  <a:srgbClr val="000000"/>
+                </a:solidFill>
+                <a:latin typeface="Consolas"/>
+              </a:rPr>
+              <a:t>  </a:t>
+            </a:r>
+            <a:r>
+              <a:rPr lang="en-US" dirty="0">
+                <a:solidFill>
+                  <a:srgbClr val="0000FF"/>
+                </a:solidFill>
+                <a:latin typeface="Consolas"/>
+              </a:rPr>
+              <a:t>public</a:t>
+            </a:r>
+            <a:r>
+              <a:rPr lang="en-US" dirty="0">
+                <a:solidFill>
+                  <a:srgbClr val="000000"/>
+                </a:solidFill>
+                <a:latin typeface="Consolas"/>
+              </a:rPr>
+              <a:t> Train(</a:t>
+            </a:r>
+            <a:r>
+              <a:rPr lang="en-US" dirty="0">
+                <a:solidFill>
+                  <a:srgbClr val="0000FF"/>
+                </a:solidFill>
+                <a:latin typeface="Consolas"/>
+              </a:rPr>
+              <a:t>double</a:t>
+            </a:r>
+            <a:r>
+              <a:rPr lang="en-US" dirty="0">
+                <a:solidFill>
+                  <a:srgbClr val="000000"/>
+                </a:solidFill>
+                <a:latin typeface="Consolas"/>
+              </a:rPr>
+              <a:t> speed, </a:t>
+            </a:r>
+            <a:r>
+              <a:rPr lang="en-US" dirty="0" err="1">
+                <a:solidFill>
+                  <a:srgbClr val="0000FF"/>
+                </a:solidFill>
+                <a:latin typeface="Consolas"/>
+              </a:rPr>
+              <a:t>int</a:t>
+            </a:r>
+            <a:r>
+              <a:rPr lang="en-US" dirty="0">
+                <a:solidFill>
+                  <a:srgbClr val="000000"/>
+                </a:solidFill>
+                <a:latin typeface="Consolas"/>
+              </a:rPr>
+              <a:t> length, </a:t>
+            </a:r>
+            <a:r>
+              <a:rPr lang="en-US" dirty="0" err="1">
+                <a:solidFill>
+                  <a:srgbClr val="0000FF"/>
+                </a:solidFill>
+                <a:latin typeface="Consolas"/>
+              </a:rPr>
+              <a:t>params</a:t>
+            </a:r>
+            <a:r>
+              <a:rPr lang="en-US" dirty="0">
+                <a:solidFill>
+                  <a:srgbClr val="000000"/>
+                </a:solidFill>
+                <a:latin typeface="Consolas"/>
+              </a:rPr>
+              <a:t> </a:t>
+            </a:r>
+            <a:r>
+              <a:rPr lang="en-US" dirty="0">
+                <a:solidFill>
+                  <a:srgbClr val="0000FF"/>
+                </a:solidFill>
+                <a:latin typeface="Consolas"/>
+              </a:rPr>
+              <a:t>string</a:t>
+            </a:r>
+            <a:r>
+              <a:rPr lang="en-US" dirty="0">
+                <a:solidFill>
+                  <a:srgbClr val="000000"/>
+                </a:solidFill>
+                <a:latin typeface="Consolas"/>
+              </a:rPr>
+              <a:t>[] </a:t>
+            </a:r>
+            <a:r>
+              <a:rPr lang="en-US" dirty="0" err="1">
+                <a:solidFill>
+                  <a:srgbClr val="000000"/>
+                </a:solidFill>
+                <a:latin typeface="Consolas"/>
+              </a:rPr>
+              <a:t>travellers</a:t>
+            </a:r>
+            <a:r>
+              <a:rPr lang="en-US" dirty="0">
+                <a:solidFill>
+                  <a:srgbClr val="000000"/>
+                </a:solidFill>
+                <a:latin typeface="Consolas"/>
+              </a:rPr>
+              <a:t>)</a:t>
+            </a:r>
+          </a:p>
+          <a:p>
+            <a:pPr marL="0" indent="0">
+              <a:buNone/>
+            </a:pPr>
+            <a:r>
+              <a:rPr lang="en-US" dirty="0">
+                <a:solidFill>
+                  <a:srgbClr val="000000"/>
+                </a:solidFill>
+                <a:latin typeface="Consolas"/>
+              </a:rPr>
+              <a:t>  {</a:t>
+            </a:r>
+          </a:p>
+          <a:p>
+            <a:pPr marL="0" indent="0">
+              <a:buNone/>
+            </a:pPr>
+            <a:r>
+              <a:rPr lang="en-US" dirty="0">
+                <a:solidFill>
+                  <a:srgbClr val="000000"/>
+                </a:solidFill>
+                <a:latin typeface="Consolas"/>
+              </a:rPr>
+              <a:t>      _speed = speed;</a:t>
+            </a:r>
+          </a:p>
+          <a:p>
+            <a:pPr marL="0" indent="0">
+              <a:buNone/>
+            </a:pPr>
+            <a:r>
+              <a:rPr lang="en-US" dirty="0">
+                <a:solidFill>
+                  <a:srgbClr val="000000"/>
+                </a:solidFill>
+                <a:latin typeface="Consolas"/>
+              </a:rPr>
+              <a:t>      _length = length;</a:t>
+            </a:r>
+          </a:p>
+          <a:p>
+            <a:pPr marL="0" indent="0">
+              <a:buNone/>
+            </a:pPr>
+            <a:r>
+              <a:rPr lang="en-US" dirty="0">
+                <a:solidFill>
+                  <a:srgbClr val="000000"/>
+                </a:solidFill>
+                <a:latin typeface="Consolas"/>
+              </a:rPr>
+              <a:t>      _</a:t>
+            </a:r>
+            <a:r>
+              <a:rPr lang="en-US" dirty="0" err="1">
+                <a:solidFill>
+                  <a:srgbClr val="000000"/>
+                </a:solidFill>
+                <a:latin typeface="Consolas"/>
+              </a:rPr>
+              <a:t>travellers</a:t>
+            </a:r>
+            <a:r>
+              <a:rPr lang="en-US" dirty="0">
+                <a:solidFill>
+                  <a:srgbClr val="000000"/>
+                </a:solidFill>
+                <a:latin typeface="Consolas"/>
+              </a:rPr>
+              <a:t> = </a:t>
+            </a:r>
+            <a:r>
+              <a:rPr lang="en-US" dirty="0" err="1">
+                <a:solidFill>
+                  <a:srgbClr val="000000"/>
+                </a:solidFill>
+                <a:latin typeface="Consolas"/>
+              </a:rPr>
+              <a:t>travellers</a:t>
+            </a:r>
+            <a:r>
+              <a:rPr lang="en-US" dirty="0">
+                <a:solidFill>
+                  <a:srgbClr val="000000"/>
+                </a:solidFill>
+                <a:latin typeface="Consolas"/>
+              </a:rPr>
+              <a:t>;</a:t>
+            </a:r>
+          </a:p>
+          <a:p>
+            <a:pPr marL="0" indent="0">
+              <a:buNone/>
+            </a:pPr>
+            <a:r>
+              <a:rPr lang="en-US" dirty="0">
+                <a:solidFill>
+                  <a:srgbClr val="000000"/>
+                </a:solidFill>
+                <a:latin typeface="Consolas"/>
+              </a:rPr>
+              <a:t>  }</a:t>
+            </a:r>
+          </a:p>
+          <a:p>
+            <a:pPr marL="0" indent="0">
+              <a:buNone/>
+            </a:pPr>
+            <a:r>
+              <a:rPr lang="ru-RU" dirty="0" smtClean="0">
+                <a:solidFill>
+                  <a:srgbClr val="0000FF"/>
+                </a:solidFill>
+                <a:latin typeface="Consolas"/>
+              </a:rPr>
+              <a:t>  </a:t>
+            </a:r>
+            <a:r>
+              <a:rPr lang="en-US" dirty="0" smtClean="0">
+                <a:solidFill>
+                  <a:srgbClr val="0000FF"/>
+                </a:solidFill>
+                <a:latin typeface="Consolas"/>
+              </a:rPr>
+              <a:t>public</a:t>
+            </a:r>
+            <a:r>
+              <a:rPr lang="en-US" dirty="0" smtClean="0">
+                <a:solidFill>
+                  <a:srgbClr val="000000"/>
+                </a:solidFill>
+                <a:latin typeface="Consolas"/>
+              </a:rPr>
+              <a:t> </a:t>
+            </a:r>
+            <a:r>
+              <a:rPr lang="en-US" dirty="0">
+                <a:solidFill>
+                  <a:srgbClr val="0000FF"/>
+                </a:solidFill>
+                <a:latin typeface="Consolas"/>
+              </a:rPr>
+              <a:t>void</a:t>
+            </a:r>
+            <a:r>
+              <a:rPr lang="en-US" dirty="0">
+                <a:solidFill>
+                  <a:srgbClr val="000000"/>
+                </a:solidFill>
+                <a:latin typeface="Consolas"/>
+              </a:rPr>
+              <a:t> Print()</a:t>
+            </a:r>
+          </a:p>
+          <a:p>
+            <a:pPr marL="0" indent="0">
+              <a:buNone/>
+            </a:pPr>
+            <a:r>
+              <a:rPr lang="en-US" dirty="0">
+                <a:solidFill>
+                  <a:srgbClr val="000000"/>
+                </a:solidFill>
+                <a:latin typeface="Consolas"/>
+              </a:rPr>
+              <a:t>  {</a:t>
+            </a:r>
+          </a:p>
+          <a:p>
+            <a:pPr marL="0" indent="0">
+              <a:buNone/>
+            </a:pPr>
+            <a:r>
+              <a:rPr lang="en-US" dirty="0">
+                <a:solidFill>
+                  <a:srgbClr val="000000"/>
+                </a:solidFill>
+                <a:latin typeface="Consolas"/>
+              </a:rPr>
+              <a:t>      </a:t>
+            </a:r>
+            <a:r>
+              <a:rPr lang="en-US" dirty="0" err="1">
+                <a:solidFill>
+                  <a:srgbClr val="000000"/>
+                </a:solidFill>
+                <a:latin typeface="Consolas"/>
+              </a:rPr>
+              <a:t>Console.WriteLine</a:t>
+            </a:r>
+            <a:r>
+              <a:rPr lang="en-US" dirty="0">
+                <a:solidFill>
+                  <a:srgbClr val="000000"/>
+                </a:solidFill>
+                <a:latin typeface="Consolas"/>
+              </a:rPr>
+              <a:t>(</a:t>
+            </a:r>
+            <a:r>
+              <a:rPr lang="en-US" dirty="0">
+                <a:solidFill>
+                  <a:srgbClr val="DC1414"/>
+                </a:solidFill>
+                <a:latin typeface="Consolas"/>
+              </a:rPr>
+              <a:t>"Speed: {0}"</a:t>
+            </a:r>
+            <a:r>
+              <a:rPr lang="en-US" dirty="0">
+                <a:solidFill>
+                  <a:srgbClr val="000000"/>
+                </a:solidFill>
+                <a:latin typeface="Consolas"/>
+              </a:rPr>
+              <a:t>, _speed);</a:t>
+            </a:r>
+          </a:p>
+          <a:p>
+            <a:pPr marL="0" indent="0">
+              <a:buNone/>
+            </a:pPr>
+            <a:r>
+              <a:rPr lang="en-US" dirty="0">
+                <a:solidFill>
+                  <a:srgbClr val="000000"/>
+                </a:solidFill>
+                <a:latin typeface="Consolas"/>
+              </a:rPr>
+              <a:t>      </a:t>
+            </a:r>
+            <a:r>
+              <a:rPr lang="en-US" dirty="0" err="1">
+                <a:solidFill>
+                  <a:srgbClr val="000000"/>
+                </a:solidFill>
+                <a:latin typeface="Consolas"/>
+              </a:rPr>
+              <a:t>Console.WriteLine</a:t>
+            </a:r>
+            <a:r>
+              <a:rPr lang="en-US" dirty="0">
+                <a:solidFill>
+                  <a:srgbClr val="000000"/>
+                </a:solidFill>
+                <a:latin typeface="Consolas"/>
+              </a:rPr>
+              <a:t>(</a:t>
+            </a:r>
+            <a:r>
+              <a:rPr lang="en-US" dirty="0">
+                <a:solidFill>
+                  <a:srgbClr val="DC1414"/>
+                </a:solidFill>
+                <a:latin typeface="Consolas"/>
+              </a:rPr>
+              <a:t>"Length : {0}"</a:t>
+            </a:r>
+            <a:r>
+              <a:rPr lang="en-US" dirty="0">
+                <a:solidFill>
+                  <a:srgbClr val="000000"/>
+                </a:solidFill>
+                <a:latin typeface="Consolas"/>
+              </a:rPr>
+              <a:t>, _length);</a:t>
+            </a:r>
+          </a:p>
+          <a:p>
+            <a:pPr marL="0" indent="0">
+              <a:buNone/>
+            </a:pPr>
+            <a:r>
+              <a:rPr lang="fr-FR" dirty="0">
+                <a:solidFill>
+                  <a:srgbClr val="000000"/>
+                </a:solidFill>
+                <a:latin typeface="Consolas"/>
+              </a:rPr>
+              <a:t>      </a:t>
+            </a:r>
+            <a:r>
+              <a:rPr lang="fr-FR" dirty="0" err="1">
+                <a:solidFill>
+                  <a:srgbClr val="000000"/>
+                </a:solidFill>
+                <a:latin typeface="Consolas"/>
+              </a:rPr>
+              <a:t>Console.WriteLine</a:t>
+            </a:r>
+            <a:r>
+              <a:rPr lang="fr-FR" dirty="0">
+                <a:solidFill>
+                  <a:srgbClr val="000000"/>
+                </a:solidFill>
+                <a:latin typeface="Consolas"/>
+              </a:rPr>
+              <a:t>(</a:t>
+            </a:r>
+            <a:r>
+              <a:rPr lang="fr-FR" dirty="0">
+                <a:solidFill>
+                  <a:srgbClr val="DC1414"/>
+                </a:solidFill>
+                <a:latin typeface="Consolas"/>
+              </a:rPr>
+              <a:t>"</a:t>
+            </a:r>
+            <a:r>
+              <a:rPr lang="fr-FR" dirty="0" err="1">
+                <a:solidFill>
+                  <a:srgbClr val="DC1414"/>
+                </a:solidFill>
+                <a:latin typeface="Consolas"/>
+              </a:rPr>
+              <a:t>Travellers</a:t>
+            </a:r>
+            <a:r>
+              <a:rPr lang="fr-FR" dirty="0">
+                <a:solidFill>
+                  <a:srgbClr val="DC1414"/>
+                </a:solidFill>
+                <a:latin typeface="Consolas"/>
+              </a:rPr>
+              <a:t>: {0}"</a:t>
+            </a:r>
+            <a:r>
+              <a:rPr lang="fr-FR" dirty="0">
+                <a:solidFill>
+                  <a:srgbClr val="000000"/>
+                </a:solidFill>
+                <a:latin typeface="Consolas"/>
+              </a:rPr>
+              <a:t>, </a:t>
+            </a:r>
+            <a:r>
+              <a:rPr lang="fr-FR" dirty="0" err="1">
+                <a:solidFill>
+                  <a:srgbClr val="000000"/>
+                </a:solidFill>
+                <a:latin typeface="Consolas"/>
+              </a:rPr>
+              <a:t>String.Join</a:t>
+            </a:r>
+            <a:r>
+              <a:rPr lang="fr-FR" dirty="0">
+                <a:solidFill>
+                  <a:srgbClr val="000000"/>
+                </a:solidFill>
+                <a:latin typeface="Consolas"/>
+              </a:rPr>
+              <a:t>(</a:t>
+            </a:r>
+            <a:r>
+              <a:rPr lang="fr-FR" dirty="0">
+                <a:solidFill>
+                  <a:srgbClr val="DC1414"/>
+                </a:solidFill>
+                <a:latin typeface="Consolas"/>
+              </a:rPr>
+              <a:t>"; "</a:t>
+            </a:r>
+            <a:r>
+              <a:rPr lang="fr-FR" dirty="0">
+                <a:solidFill>
+                  <a:srgbClr val="000000"/>
+                </a:solidFill>
+                <a:latin typeface="Consolas"/>
+              </a:rPr>
+              <a:t>, _</a:t>
+            </a:r>
+            <a:r>
+              <a:rPr lang="fr-FR" dirty="0" err="1">
+                <a:solidFill>
+                  <a:srgbClr val="000000"/>
+                </a:solidFill>
+                <a:latin typeface="Consolas"/>
+              </a:rPr>
+              <a:t>travellers</a:t>
+            </a:r>
+            <a:r>
+              <a:rPr lang="fr-FR" dirty="0">
+                <a:solidFill>
+                  <a:srgbClr val="000000"/>
+                </a:solidFill>
+                <a:latin typeface="Consolas"/>
+              </a:rPr>
+              <a:t>));</a:t>
+            </a:r>
+          </a:p>
+          <a:p>
+            <a:pPr marL="0" indent="0">
+              <a:buNone/>
+            </a:pPr>
+            <a:r>
+              <a:rPr lang="en-US" dirty="0">
+                <a:solidFill>
+                  <a:srgbClr val="000000"/>
+                </a:solidFill>
+                <a:latin typeface="Consolas"/>
+              </a:rPr>
+              <a:t>  }</a:t>
+            </a:r>
+          </a:p>
+          <a:p>
+            <a:pPr marL="0" indent="0">
+              <a:buNone/>
+            </a:pPr>
+            <a:r>
+              <a:rPr lang="en-US" dirty="0">
+                <a:solidFill>
+                  <a:srgbClr val="000000"/>
+                </a:solidFill>
+                <a:latin typeface="Consolas"/>
+              </a:rPr>
+              <a:t>}</a:t>
+            </a:r>
+          </a:p>
+          <a:p>
+            <a:pPr marL="0" indent="0">
+              <a:buNone/>
+            </a:pPr>
+            <a:r>
+              <a:rPr lang="en-US" dirty="0" smtClean="0">
+                <a:solidFill>
+                  <a:srgbClr val="0000FF"/>
+                </a:solidFill>
+                <a:latin typeface="Consolas"/>
+              </a:rPr>
+              <a:t>static</a:t>
+            </a:r>
+            <a:r>
+              <a:rPr lang="en-US" dirty="0" smtClean="0">
+                <a:solidFill>
+                  <a:srgbClr val="000000"/>
+                </a:solidFill>
+                <a:latin typeface="Consolas"/>
+              </a:rPr>
+              <a:t> </a:t>
+            </a:r>
+            <a:r>
+              <a:rPr lang="en-US" dirty="0">
+                <a:solidFill>
+                  <a:srgbClr val="0000FF"/>
+                </a:solidFill>
+                <a:latin typeface="Consolas"/>
+              </a:rPr>
+              <a:t>void</a:t>
+            </a:r>
+            <a:r>
+              <a:rPr lang="en-US" dirty="0">
+                <a:solidFill>
+                  <a:srgbClr val="000000"/>
+                </a:solidFill>
+                <a:latin typeface="Consolas"/>
+              </a:rPr>
+              <a:t> Main()</a:t>
+            </a:r>
+          </a:p>
+          <a:p>
+            <a:pPr marL="0" indent="0">
+              <a:buNone/>
+            </a:pPr>
+            <a:r>
+              <a:rPr lang="en-US" dirty="0">
+                <a:solidFill>
+                  <a:srgbClr val="000000"/>
+                </a:solidFill>
+                <a:latin typeface="Consolas"/>
+              </a:rPr>
+              <a:t>{</a:t>
+            </a:r>
+          </a:p>
+          <a:p>
+            <a:pPr marL="0" indent="0">
+              <a:buNone/>
+            </a:pPr>
+            <a:r>
+              <a:rPr lang="ru-RU" dirty="0" smtClean="0">
+                <a:solidFill>
+                  <a:srgbClr val="000000"/>
+                </a:solidFill>
+                <a:latin typeface="Consolas"/>
+              </a:rPr>
+              <a:t>    </a:t>
+            </a:r>
+            <a:r>
+              <a:rPr lang="fr-FR" dirty="0" smtClean="0">
+                <a:solidFill>
+                  <a:srgbClr val="000000"/>
+                </a:solidFill>
+                <a:latin typeface="Consolas"/>
+              </a:rPr>
+              <a:t>Train </a:t>
+            </a:r>
+            <a:r>
+              <a:rPr lang="fr-FR" dirty="0" err="1">
+                <a:solidFill>
+                  <a:srgbClr val="000000"/>
+                </a:solidFill>
+                <a:latin typeface="Consolas"/>
+              </a:rPr>
+              <a:t>train</a:t>
+            </a:r>
+            <a:r>
+              <a:rPr lang="fr-FR" dirty="0">
+                <a:solidFill>
+                  <a:srgbClr val="000000"/>
+                </a:solidFill>
+                <a:latin typeface="Consolas"/>
+              </a:rPr>
+              <a:t> = </a:t>
+            </a:r>
+            <a:r>
+              <a:rPr lang="fr-FR" dirty="0">
+                <a:solidFill>
+                  <a:srgbClr val="0000FF"/>
+                </a:solidFill>
+                <a:latin typeface="Consolas"/>
+              </a:rPr>
+              <a:t>new</a:t>
+            </a:r>
+            <a:r>
+              <a:rPr lang="fr-FR" dirty="0">
+                <a:solidFill>
+                  <a:srgbClr val="000000"/>
+                </a:solidFill>
+                <a:latin typeface="Consolas"/>
+              </a:rPr>
+              <a:t> Train(</a:t>
+            </a:r>
+            <a:r>
+              <a:rPr lang="fr-FR" dirty="0">
+                <a:solidFill>
+                  <a:srgbClr val="C81EFA"/>
+                </a:solidFill>
+                <a:latin typeface="Consolas"/>
+              </a:rPr>
+              <a:t>190.2</a:t>
+            </a:r>
+            <a:r>
+              <a:rPr lang="fr-FR" dirty="0">
+                <a:solidFill>
+                  <a:srgbClr val="000000"/>
+                </a:solidFill>
+                <a:latin typeface="Consolas"/>
+              </a:rPr>
+              <a:t>, </a:t>
+            </a:r>
+            <a:r>
+              <a:rPr lang="fr-FR" dirty="0">
+                <a:solidFill>
+                  <a:srgbClr val="C81EFA"/>
+                </a:solidFill>
+                <a:latin typeface="Consolas"/>
+              </a:rPr>
+              <a:t>8</a:t>
+            </a:r>
+            <a:r>
+              <a:rPr lang="fr-FR" dirty="0">
+                <a:solidFill>
+                  <a:srgbClr val="000000"/>
+                </a:solidFill>
+                <a:latin typeface="Consolas"/>
+              </a:rPr>
+              <a:t>, </a:t>
+            </a:r>
+            <a:r>
+              <a:rPr lang="fr-FR" dirty="0">
+                <a:solidFill>
+                  <a:srgbClr val="DC1414"/>
+                </a:solidFill>
+                <a:latin typeface="Consolas"/>
+              </a:rPr>
+              <a:t>"Ivanov"</a:t>
+            </a:r>
+            <a:r>
+              <a:rPr lang="fr-FR" dirty="0">
+                <a:solidFill>
+                  <a:srgbClr val="000000"/>
+                </a:solidFill>
+                <a:latin typeface="Consolas"/>
+              </a:rPr>
+              <a:t>, </a:t>
+            </a:r>
+            <a:r>
+              <a:rPr lang="fr-FR" dirty="0">
+                <a:solidFill>
+                  <a:srgbClr val="DC1414"/>
+                </a:solidFill>
+                <a:latin typeface="Consolas"/>
+              </a:rPr>
+              <a:t>"Petrov"</a:t>
+            </a:r>
+            <a:r>
+              <a:rPr lang="fr-FR" dirty="0">
+                <a:solidFill>
+                  <a:srgbClr val="000000"/>
+                </a:solidFill>
+                <a:latin typeface="Consolas"/>
+              </a:rPr>
+              <a:t>, </a:t>
+            </a:r>
+            <a:r>
+              <a:rPr lang="fr-FR" dirty="0">
+                <a:solidFill>
+                  <a:srgbClr val="DC1414"/>
+                </a:solidFill>
+                <a:latin typeface="Consolas"/>
+              </a:rPr>
+              <a:t>"</a:t>
+            </a:r>
+            <a:r>
+              <a:rPr lang="fr-FR" dirty="0" err="1">
+                <a:solidFill>
+                  <a:srgbClr val="DC1414"/>
+                </a:solidFill>
+                <a:latin typeface="Consolas"/>
+              </a:rPr>
+              <a:t>Sidorov</a:t>
+            </a:r>
+            <a:r>
+              <a:rPr lang="fr-FR" dirty="0">
+                <a:solidFill>
+                  <a:srgbClr val="DC1414"/>
+                </a:solidFill>
+                <a:latin typeface="Consolas"/>
+              </a:rPr>
+              <a:t>"</a:t>
+            </a:r>
+            <a:r>
+              <a:rPr lang="fr-FR" dirty="0">
+                <a:solidFill>
+                  <a:srgbClr val="000000"/>
+                </a:solidFill>
+                <a:latin typeface="Consolas"/>
+              </a:rPr>
+              <a:t>);</a:t>
+            </a:r>
+          </a:p>
+          <a:p>
+            <a:pPr marL="0" indent="0">
+              <a:buNone/>
+            </a:pPr>
+            <a:r>
+              <a:rPr lang="ru-RU" dirty="0" smtClean="0">
+                <a:solidFill>
+                  <a:srgbClr val="000000"/>
+                </a:solidFill>
+                <a:latin typeface="Consolas"/>
+              </a:rPr>
+              <a:t>    </a:t>
+            </a:r>
+            <a:r>
+              <a:rPr lang="en-US" dirty="0" err="1" smtClean="0">
+                <a:solidFill>
+                  <a:srgbClr val="000000"/>
+                </a:solidFill>
+                <a:latin typeface="Consolas"/>
+              </a:rPr>
+              <a:t>train.Print</a:t>
+            </a:r>
+            <a:r>
+              <a:rPr lang="en-US" dirty="0">
+                <a:solidFill>
+                  <a:srgbClr val="000000"/>
+                </a:solidFill>
+                <a:latin typeface="Consolas"/>
+              </a:rPr>
+              <a:t>();</a:t>
+            </a:r>
+          </a:p>
+          <a:p>
+            <a:pPr marL="0" indent="0">
+              <a:buNone/>
+            </a:pPr>
+            <a:r>
+              <a:rPr lang="ru-RU" dirty="0" smtClean="0">
+                <a:solidFill>
+                  <a:srgbClr val="0000FF"/>
+                </a:solidFill>
+                <a:latin typeface="Consolas"/>
+              </a:rPr>
+              <a:t>    </a:t>
+            </a:r>
+            <a:r>
+              <a:rPr lang="en-US" dirty="0" smtClean="0">
+                <a:solidFill>
+                  <a:srgbClr val="0000FF"/>
+                </a:solidFill>
+                <a:latin typeface="Consolas"/>
+              </a:rPr>
+              <a:t>string</a:t>
+            </a:r>
+            <a:r>
+              <a:rPr lang="en-US" dirty="0" smtClean="0">
+                <a:solidFill>
+                  <a:srgbClr val="000000"/>
+                </a:solidFill>
+                <a:latin typeface="Consolas"/>
+              </a:rPr>
+              <a:t> </a:t>
+            </a:r>
+            <a:r>
+              <a:rPr lang="en-US" dirty="0" err="1">
+                <a:solidFill>
+                  <a:srgbClr val="000000"/>
+                </a:solidFill>
+                <a:latin typeface="Consolas"/>
+              </a:rPr>
+              <a:t>tempFileName</a:t>
+            </a:r>
+            <a:r>
+              <a:rPr lang="en-US" dirty="0">
+                <a:solidFill>
+                  <a:srgbClr val="000000"/>
+                </a:solidFill>
+                <a:latin typeface="Consolas"/>
+              </a:rPr>
+              <a:t> = </a:t>
+            </a:r>
+            <a:r>
+              <a:rPr lang="en-US" dirty="0" err="1">
+                <a:solidFill>
+                  <a:srgbClr val="000000"/>
+                </a:solidFill>
+                <a:latin typeface="Consolas"/>
+              </a:rPr>
+              <a:t>Path.Combine</a:t>
+            </a:r>
+            <a:r>
+              <a:rPr lang="en-US" dirty="0">
+                <a:solidFill>
+                  <a:srgbClr val="000000"/>
+                </a:solidFill>
+                <a:latin typeface="Consolas"/>
+              </a:rPr>
+              <a:t>(</a:t>
+            </a:r>
+            <a:r>
+              <a:rPr lang="en-US" dirty="0" err="1">
+                <a:solidFill>
+                  <a:srgbClr val="000000"/>
+                </a:solidFill>
+                <a:latin typeface="Consolas"/>
+              </a:rPr>
+              <a:t>Path.GetTempPath</a:t>
+            </a:r>
+            <a:r>
+              <a:rPr lang="en-US" dirty="0">
+                <a:solidFill>
+                  <a:srgbClr val="000000"/>
+                </a:solidFill>
+                <a:latin typeface="Consolas"/>
+              </a:rPr>
+              <a:t>(), </a:t>
+            </a:r>
+            <a:r>
+              <a:rPr lang="en-US" dirty="0">
+                <a:solidFill>
+                  <a:srgbClr val="DC1414"/>
+                </a:solidFill>
+                <a:latin typeface="Consolas"/>
+              </a:rPr>
+              <a:t>"train.dat"</a:t>
+            </a:r>
+            <a:r>
+              <a:rPr lang="en-US" dirty="0">
+                <a:solidFill>
+                  <a:srgbClr val="000000"/>
+                </a:solidFill>
+                <a:latin typeface="Consolas"/>
+              </a:rPr>
+              <a:t>); </a:t>
+            </a:r>
+            <a:r>
+              <a:rPr lang="en-US" dirty="0" smtClean="0">
+                <a:solidFill>
+                  <a:srgbClr val="008000"/>
+                </a:solidFill>
+                <a:latin typeface="Consolas"/>
+              </a:rPr>
+              <a:t>//</a:t>
+            </a:r>
+            <a:r>
+              <a:rPr lang="ru-RU" dirty="0" smtClean="0">
+                <a:solidFill>
+                  <a:srgbClr val="008000"/>
+                </a:solidFill>
+                <a:latin typeface="Consolas"/>
+              </a:rPr>
+              <a:t> Будем работать с файлом в папке для временных файлов</a:t>
+            </a:r>
+            <a:endParaRPr lang="en-US" dirty="0">
+              <a:solidFill>
+                <a:srgbClr val="000000"/>
+              </a:solidFill>
+              <a:latin typeface="Consolas"/>
+            </a:endParaRPr>
+          </a:p>
+          <a:p>
+            <a:pPr marL="0" indent="0">
+              <a:buNone/>
+            </a:pPr>
+            <a:r>
+              <a:rPr lang="ru-RU" dirty="0" smtClean="0">
+                <a:solidFill>
+                  <a:srgbClr val="000000"/>
+                </a:solidFill>
+                <a:latin typeface="Consolas"/>
+              </a:rPr>
+              <a:t>    </a:t>
+            </a:r>
+            <a:r>
+              <a:rPr lang="en-US" dirty="0" err="1" smtClean="0">
+                <a:solidFill>
+                  <a:srgbClr val="000000"/>
+                </a:solidFill>
+                <a:latin typeface="Consolas"/>
+              </a:rPr>
+              <a:t>BinaryFormatter</a:t>
+            </a:r>
+            <a:r>
+              <a:rPr lang="en-US" dirty="0" smtClean="0">
+                <a:solidFill>
+                  <a:srgbClr val="000000"/>
+                </a:solidFill>
+                <a:latin typeface="Consolas"/>
+              </a:rPr>
+              <a:t> </a:t>
+            </a:r>
+            <a:r>
+              <a:rPr lang="en-US" dirty="0">
+                <a:solidFill>
+                  <a:srgbClr val="000000"/>
+                </a:solidFill>
+                <a:latin typeface="Consolas"/>
+              </a:rPr>
+              <a:t>bf = </a:t>
+            </a:r>
+            <a:r>
+              <a:rPr lang="en-US" dirty="0">
+                <a:solidFill>
+                  <a:srgbClr val="0000FF"/>
+                </a:solidFill>
+                <a:latin typeface="Consolas"/>
+              </a:rPr>
+              <a:t>new</a:t>
+            </a:r>
+            <a:r>
+              <a:rPr lang="en-US" dirty="0">
+                <a:solidFill>
+                  <a:srgbClr val="000000"/>
+                </a:solidFill>
+                <a:latin typeface="Consolas"/>
+              </a:rPr>
+              <a:t> </a:t>
+            </a:r>
+            <a:r>
+              <a:rPr lang="en-US" dirty="0" err="1">
+                <a:solidFill>
+                  <a:srgbClr val="000000"/>
+                </a:solidFill>
+                <a:latin typeface="Consolas"/>
+              </a:rPr>
+              <a:t>BinaryFormatter</a:t>
+            </a:r>
+            <a:r>
+              <a:rPr lang="en-US" dirty="0" smtClean="0">
+                <a:solidFill>
+                  <a:srgbClr val="000000"/>
+                </a:solidFill>
+                <a:latin typeface="Consolas"/>
+              </a:rPr>
+              <a:t>();</a:t>
+            </a:r>
+            <a:endParaRPr lang="ru-RU" dirty="0" smtClean="0">
+              <a:solidFill>
+                <a:srgbClr val="000000"/>
+              </a:solidFill>
+              <a:latin typeface="Consolas"/>
+            </a:endParaRPr>
+          </a:p>
+          <a:p>
+            <a:pPr marL="0" indent="0">
+              <a:buNone/>
+            </a:pPr>
+            <a:r>
+              <a:rPr lang="en-US" dirty="0" smtClean="0">
+                <a:solidFill>
+                  <a:srgbClr val="008000"/>
+                </a:solidFill>
+                <a:latin typeface="Consolas"/>
+              </a:rPr>
+              <a:t>    // </a:t>
+            </a:r>
+            <a:r>
+              <a:rPr lang="ru-RU" dirty="0">
+                <a:solidFill>
+                  <a:srgbClr val="008000"/>
+                </a:solidFill>
+                <a:latin typeface="Consolas"/>
+              </a:rPr>
+              <a:t>Выполняем сериализацию</a:t>
+            </a:r>
+            <a:endParaRPr lang="en-US" dirty="0">
+              <a:solidFill>
+                <a:srgbClr val="008000"/>
+              </a:solidFill>
+              <a:latin typeface="Consolas"/>
+            </a:endParaRPr>
+          </a:p>
+          <a:p>
+            <a:pPr marL="0" indent="0">
+              <a:buNone/>
+            </a:pPr>
+            <a:r>
+              <a:rPr lang="ru-RU" dirty="0" smtClean="0">
+                <a:solidFill>
+                  <a:srgbClr val="0000FF"/>
+                </a:solidFill>
+                <a:latin typeface="Consolas"/>
+              </a:rPr>
+              <a:t>    </a:t>
+            </a:r>
+            <a:r>
+              <a:rPr lang="en-US" dirty="0" smtClean="0">
+                <a:solidFill>
+                  <a:srgbClr val="0000FF"/>
+                </a:solidFill>
+                <a:latin typeface="Consolas"/>
+              </a:rPr>
+              <a:t>using</a:t>
+            </a:r>
+            <a:r>
+              <a:rPr lang="en-US" dirty="0" smtClean="0">
+                <a:solidFill>
+                  <a:srgbClr val="000000"/>
+                </a:solidFill>
+                <a:latin typeface="Consolas"/>
+              </a:rPr>
+              <a:t> </a:t>
+            </a:r>
+            <a:r>
+              <a:rPr lang="en-US" dirty="0">
+                <a:solidFill>
+                  <a:srgbClr val="000000"/>
+                </a:solidFill>
+                <a:latin typeface="Consolas"/>
+              </a:rPr>
+              <a:t>(</a:t>
+            </a:r>
+            <a:r>
+              <a:rPr lang="en-US" dirty="0" err="1">
+                <a:solidFill>
+                  <a:srgbClr val="000000"/>
+                </a:solidFill>
+                <a:latin typeface="Consolas"/>
+              </a:rPr>
+              <a:t>FileStream</a:t>
+            </a:r>
+            <a:r>
+              <a:rPr lang="en-US" dirty="0">
+                <a:solidFill>
+                  <a:srgbClr val="000000"/>
+                </a:solidFill>
+                <a:latin typeface="Consolas"/>
+              </a:rPr>
+              <a:t> </a:t>
+            </a:r>
+            <a:r>
+              <a:rPr lang="en-US" dirty="0" err="1">
+                <a:solidFill>
+                  <a:srgbClr val="000000"/>
+                </a:solidFill>
+                <a:latin typeface="Consolas"/>
+              </a:rPr>
+              <a:t>fs</a:t>
+            </a:r>
+            <a:r>
+              <a:rPr lang="en-US" dirty="0">
+                <a:solidFill>
+                  <a:srgbClr val="000000"/>
+                </a:solidFill>
+                <a:latin typeface="Consolas"/>
+              </a:rPr>
+              <a:t> = </a:t>
+            </a:r>
+            <a:r>
+              <a:rPr lang="en-US" dirty="0" err="1">
+                <a:solidFill>
+                  <a:srgbClr val="000000"/>
+                </a:solidFill>
+                <a:latin typeface="Consolas"/>
+              </a:rPr>
+              <a:t>File.Open</a:t>
+            </a:r>
+            <a:r>
+              <a:rPr lang="en-US" dirty="0">
+                <a:solidFill>
+                  <a:srgbClr val="000000"/>
+                </a:solidFill>
+                <a:latin typeface="Consolas"/>
+              </a:rPr>
+              <a:t>(</a:t>
+            </a:r>
+            <a:r>
+              <a:rPr lang="en-US" dirty="0" err="1">
+                <a:solidFill>
+                  <a:srgbClr val="000000"/>
+                </a:solidFill>
+                <a:latin typeface="Consolas"/>
+              </a:rPr>
+              <a:t>tempFileName</a:t>
+            </a:r>
+            <a:r>
+              <a:rPr lang="en-US" dirty="0">
+                <a:solidFill>
+                  <a:srgbClr val="000000"/>
+                </a:solidFill>
+                <a:latin typeface="Consolas"/>
+              </a:rPr>
+              <a:t>, </a:t>
+            </a:r>
+            <a:r>
+              <a:rPr lang="en-US" dirty="0" err="1">
+                <a:solidFill>
+                  <a:srgbClr val="000000"/>
+                </a:solidFill>
+                <a:latin typeface="Consolas"/>
+              </a:rPr>
+              <a:t>FileMode.Create</a:t>
+            </a:r>
+            <a:r>
+              <a:rPr lang="en-US" dirty="0">
+                <a:solidFill>
+                  <a:srgbClr val="000000"/>
+                </a:solidFill>
+                <a:latin typeface="Consolas"/>
+              </a:rPr>
+              <a:t>))</a:t>
+            </a:r>
+          </a:p>
+          <a:p>
+            <a:pPr marL="0" indent="0">
+              <a:buNone/>
+            </a:pPr>
+            <a:r>
+              <a:rPr lang="ru-RU" dirty="0" smtClean="0">
+                <a:solidFill>
+                  <a:srgbClr val="000000"/>
+                </a:solidFill>
+                <a:latin typeface="Consolas"/>
+              </a:rPr>
+              <a:t>    </a:t>
+            </a:r>
+            <a:r>
+              <a:rPr lang="en-US" dirty="0" smtClean="0">
+                <a:solidFill>
+                  <a:srgbClr val="000000"/>
+                </a:solidFill>
+                <a:latin typeface="Consolas"/>
+              </a:rPr>
+              <a:t>{</a:t>
+            </a:r>
+            <a:endParaRPr lang="en-US" dirty="0">
+              <a:solidFill>
+                <a:srgbClr val="000000"/>
+              </a:solidFill>
+              <a:latin typeface="Consolas"/>
+            </a:endParaRPr>
+          </a:p>
+          <a:p>
+            <a:pPr marL="0" indent="0">
+              <a:buNone/>
+            </a:pPr>
+            <a:r>
+              <a:rPr lang="ru-RU" dirty="0" smtClean="0">
+                <a:solidFill>
+                  <a:srgbClr val="000000"/>
+                </a:solidFill>
+                <a:latin typeface="Consolas"/>
+              </a:rPr>
+              <a:t>        </a:t>
+            </a:r>
+            <a:r>
+              <a:rPr lang="en-US" dirty="0" err="1" smtClean="0">
+                <a:solidFill>
+                  <a:srgbClr val="000000"/>
+                </a:solidFill>
+                <a:latin typeface="Consolas"/>
+              </a:rPr>
+              <a:t>bf.Serialize</a:t>
+            </a:r>
+            <a:r>
+              <a:rPr lang="en-US" dirty="0" smtClean="0">
+                <a:solidFill>
+                  <a:srgbClr val="000000"/>
+                </a:solidFill>
+                <a:latin typeface="Consolas"/>
+              </a:rPr>
+              <a:t>(</a:t>
+            </a:r>
+            <a:r>
+              <a:rPr lang="en-US" dirty="0" err="1" smtClean="0">
+                <a:solidFill>
+                  <a:srgbClr val="000000"/>
+                </a:solidFill>
+                <a:latin typeface="Consolas"/>
+              </a:rPr>
+              <a:t>fs</a:t>
+            </a:r>
+            <a:r>
+              <a:rPr lang="en-US" dirty="0">
+                <a:solidFill>
+                  <a:srgbClr val="000000"/>
+                </a:solidFill>
+                <a:latin typeface="Consolas"/>
+              </a:rPr>
+              <a:t>, train);</a:t>
+            </a:r>
+          </a:p>
+          <a:p>
+            <a:pPr marL="0" indent="0">
+              <a:buNone/>
+            </a:pPr>
+            <a:r>
+              <a:rPr lang="ru-RU" dirty="0" smtClean="0">
+                <a:solidFill>
+                  <a:srgbClr val="000000"/>
+                </a:solidFill>
+                <a:latin typeface="Consolas"/>
+              </a:rPr>
+              <a:t>    </a:t>
+            </a:r>
+            <a:r>
+              <a:rPr lang="en-US" dirty="0" smtClean="0">
+                <a:solidFill>
+                  <a:srgbClr val="000000"/>
+                </a:solidFill>
+                <a:latin typeface="Consolas"/>
+              </a:rPr>
+              <a:t>}</a:t>
+            </a:r>
+            <a:endParaRPr lang="en-US" dirty="0">
+              <a:solidFill>
+                <a:srgbClr val="000000"/>
+              </a:solidFill>
+              <a:latin typeface="Consolas"/>
+            </a:endParaRPr>
+          </a:p>
+          <a:p>
+            <a:pPr marL="0" indent="0">
+              <a:buNone/>
+            </a:pPr>
+            <a:r>
+              <a:rPr lang="ru-RU" dirty="0" smtClean="0">
+                <a:solidFill>
+                  <a:srgbClr val="000000"/>
+                </a:solidFill>
+                <a:latin typeface="Consolas"/>
+              </a:rPr>
+              <a:t>    </a:t>
+            </a:r>
+            <a:r>
+              <a:rPr lang="en-US" dirty="0" err="1" smtClean="0">
+                <a:solidFill>
+                  <a:srgbClr val="000000"/>
+                </a:solidFill>
+                <a:latin typeface="Consolas"/>
+              </a:rPr>
+              <a:t>Console.WriteLine</a:t>
+            </a:r>
+            <a:r>
+              <a:rPr lang="en-US" dirty="0">
+                <a:solidFill>
+                  <a:srgbClr val="000000"/>
+                </a:solidFill>
+                <a:latin typeface="Consolas"/>
+              </a:rPr>
+              <a:t>();</a:t>
+            </a:r>
+          </a:p>
+          <a:p>
+            <a:pPr marL="0" indent="0">
+              <a:buNone/>
+            </a:pPr>
+            <a:r>
+              <a:rPr lang="ru-RU" dirty="0" smtClean="0">
+                <a:solidFill>
+                  <a:srgbClr val="008000"/>
+                </a:solidFill>
+                <a:latin typeface="Consolas"/>
+              </a:rPr>
+              <a:t>    </a:t>
+            </a:r>
+            <a:r>
+              <a:rPr lang="en-US" dirty="0" smtClean="0">
+                <a:solidFill>
+                  <a:srgbClr val="008000"/>
+                </a:solidFill>
+                <a:latin typeface="Consolas"/>
+              </a:rPr>
+              <a:t>// </a:t>
+            </a:r>
+            <a:r>
+              <a:rPr lang="ru-RU" dirty="0">
+                <a:solidFill>
+                  <a:srgbClr val="008000"/>
+                </a:solidFill>
+                <a:latin typeface="Consolas"/>
+              </a:rPr>
+              <a:t>Выполняем </a:t>
+            </a:r>
+            <a:r>
+              <a:rPr lang="ru-RU" dirty="0" smtClean="0">
+                <a:solidFill>
+                  <a:srgbClr val="008000"/>
+                </a:solidFill>
+                <a:latin typeface="Consolas"/>
+              </a:rPr>
+              <a:t>десериализацию</a:t>
+            </a:r>
+            <a:endParaRPr lang="en-US" dirty="0">
+              <a:solidFill>
+                <a:srgbClr val="000000"/>
+              </a:solidFill>
+              <a:latin typeface="Consolas"/>
+            </a:endParaRPr>
+          </a:p>
+          <a:p>
+            <a:pPr marL="0" indent="0">
+              <a:buNone/>
+            </a:pPr>
+            <a:r>
+              <a:rPr lang="ru-RU" dirty="0" smtClean="0">
+                <a:solidFill>
+                  <a:srgbClr val="0000FF"/>
+                </a:solidFill>
+                <a:latin typeface="Consolas"/>
+              </a:rPr>
+              <a:t>    </a:t>
+            </a:r>
+            <a:r>
+              <a:rPr lang="en-US" dirty="0" smtClean="0">
+                <a:solidFill>
+                  <a:srgbClr val="0000FF"/>
+                </a:solidFill>
+                <a:latin typeface="Consolas"/>
+              </a:rPr>
+              <a:t>using</a:t>
+            </a:r>
+            <a:r>
+              <a:rPr lang="en-US" dirty="0" smtClean="0">
+                <a:solidFill>
+                  <a:srgbClr val="000000"/>
+                </a:solidFill>
+                <a:latin typeface="Consolas"/>
+              </a:rPr>
+              <a:t> </a:t>
+            </a:r>
+            <a:r>
+              <a:rPr lang="en-US" dirty="0">
+                <a:solidFill>
+                  <a:srgbClr val="000000"/>
+                </a:solidFill>
+                <a:latin typeface="Consolas"/>
+              </a:rPr>
+              <a:t>(</a:t>
+            </a:r>
+            <a:r>
+              <a:rPr lang="en-US" dirty="0" err="1">
+                <a:solidFill>
+                  <a:srgbClr val="000000"/>
+                </a:solidFill>
+                <a:latin typeface="Consolas"/>
+              </a:rPr>
+              <a:t>FileStream</a:t>
+            </a:r>
+            <a:r>
+              <a:rPr lang="en-US" dirty="0">
+                <a:solidFill>
+                  <a:srgbClr val="000000"/>
+                </a:solidFill>
+                <a:latin typeface="Consolas"/>
+              </a:rPr>
+              <a:t> </a:t>
+            </a:r>
+            <a:r>
+              <a:rPr lang="en-US" dirty="0" err="1">
+                <a:solidFill>
+                  <a:srgbClr val="000000"/>
+                </a:solidFill>
+                <a:latin typeface="Consolas"/>
+              </a:rPr>
+              <a:t>fs</a:t>
+            </a:r>
+            <a:r>
+              <a:rPr lang="en-US" dirty="0">
+                <a:solidFill>
+                  <a:srgbClr val="000000"/>
+                </a:solidFill>
+                <a:latin typeface="Consolas"/>
+              </a:rPr>
+              <a:t> = </a:t>
+            </a:r>
+            <a:r>
+              <a:rPr lang="en-US" dirty="0" err="1">
+                <a:solidFill>
+                  <a:srgbClr val="000000"/>
+                </a:solidFill>
+                <a:latin typeface="Consolas"/>
+              </a:rPr>
+              <a:t>File.Open</a:t>
+            </a:r>
+            <a:r>
+              <a:rPr lang="en-US" dirty="0">
+                <a:solidFill>
+                  <a:srgbClr val="000000"/>
+                </a:solidFill>
+                <a:latin typeface="Consolas"/>
+              </a:rPr>
+              <a:t>(</a:t>
+            </a:r>
+            <a:r>
+              <a:rPr lang="en-US" dirty="0" err="1">
+                <a:solidFill>
+                  <a:srgbClr val="000000"/>
+                </a:solidFill>
+                <a:latin typeface="Consolas"/>
+              </a:rPr>
+              <a:t>tempFileName</a:t>
+            </a:r>
+            <a:r>
+              <a:rPr lang="en-US" dirty="0">
+                <a:solidFill>
+                  <a:srgbClr val="000000"/>
+                </a:solidFill>
+                <a:latin typeface="Consolas"/>
+              </a:rPr>
+              <a:t>, </a:t>
+            </a:r>
+            <a:r>
+              <a:rPr lang="en-US" dirty="0" err="1">
+                <a:solidFill>
+                  <a:srgbClr val="000000"/>
+                </a:solidFill>
+                <a:latin typeface="Consolas"/>
+              </a:rPr>
+              <a:t>FileMode.Open</a:t>
+            </a:r>
+            <a:r>
+              <a:rPr lang="en-US" dirty="0">
+                <a:solidFill>
+                  <a:srgbClr val="000000"/>
+                </a:solidFill>
+                <a:latin typeface="Consolas"/>
+              </a:rPr>
+              <a:t>))</a:t>
+            </a:r>
+          </a:p>
+          <a:p>
+            <a:pPr marL="0" indent="0">
+              <a:buNone/>
+            </a:pPr>
+            <a:r>
+              <a:rPr lang="ru-RU" dirty="0" smtClean="0">
+                <a:solidFill>
+                  <a:srgbClr val="000000"/>
+                </a:solidFill>
+                <a:latin typeface="Consolas"/>
+              </a:rPr>
+              <a:t>    </a:t>
+            </a:r>
+            <a:r>
+              <a:rPr lang="en-US" dirty="0" smtClean="0">
+                <a:solidFill>
+                  <a:srgbClr val="000000"/>
+                </a:solidFill>
+                <a:latin typeface="Consolas"/>
+              </a:rPr>
+              <a:t>{</a:t>
+            </a:r>
+            <a:endParaRPr lang="en-US" dirty="0">
+              <a:solidFill>
+                <a:srgbClr val="000000"/>
+              </a:solidFill>
+              <a:latin typeface="Consolas"/>
+            </a:endParaRPr>
+          </a:p>
+          <a:p>
+            <a:pPr marL="0" indent="0">
+              <a:buNone/>
+            </a:pPr>
+            <a:r>
+              <a:rPr lang="ru-RU" dirty="0" smtClean="0">
+                <a:solidFill>
+                  <a:srgbClr val="000000"/>
+                </a:solidFill>
+                <a:latin typeface="Consolas"/>
+              </a:rPr>
+              <a:t>        </a:t>
+            </a:r>
+            <a:r>
+              <a:rPr lang="en-US" dirty="0" smtClean="0">
+                <a:solidFill>
+                  <a:srgbClr val="000000"/>
+                </a:solidFill>
+                <a:latin typeface="Consolas"/>
+              </a:rPr>
+              <a:t>Train </a:t>
+            </a:r>
+            <a:r>
+              <a:rPr lang="en-US" dirty="0" err="1">
+                <a:solidFill>
+                  <a:srgbClr val="000000"/>
+                </a:solidFill>
+                <a:latin typeface="Consolas"/>
+              </a:rPr>
+              <a:t>someTrain</a:t>
+            </a:r>
+            <a:r>
+              <a:rPr lang="en-US" dirty="0">
+                <a:solidFill>
+                  <a:srgbClr val="000000"/>
+                </a:solidFill>
+                <a:latin typeface="Consolas"/>
+              </a:rPr>
+              <a:t> = (Train)</a:t>
+            </a:r>
+            <a:r>
+              <a:rPr lang="en-US" dirty="0" err="1">
+                <a:solidFill>
+                  <a:srgbClr val="000000"/>
+                </a:solidFill>
+                <a:latin typeface="Consolas"/>
+              </a:rPr>
+              <a:t>bf.Deserialize</a:t>
+            </a:r>
+            <a:r>
+              <a:rPr lang="en-US" dirty="0">
+                <a:solidFill>
+                  <a:srgbClr val="000000"/>
+                </a:solidFill>
+                <a:latin typeface="Consolas"/>
+              </a:rPr>
+              <a:t>(</a:t>
+            </a:r>
+            <a:r>
+              <a:rPr lang="en-US" dirty="0" err="1">
+                <a:solidFill>
+                  <a:srgbClr val="000000"/>
+                </a:solidFill>
+                <a:latin typeface="Consolas"/>
+              </a:rPr>
+              <a:t>fs</a:t>
+            </a:r>
+            <a:r>
+              <a:rPr lang="en-US" dirty="0">
+                <a:solidFill>
+                  <a:srgbClr val="000000"/>
+                </a:solidFill>
+                <a:latin typeface="Consolas"/>
+              </a:rPr>
+              <a:t>);</a:t>
+            </a:r>
+          </a:p>
+          <a:p>
+            <a:pPr marL="0" indent="0">
+              <a:buNone/>
+            </a:pPr>
+            <a:r>
+              <a:rPr lang="ru-RU" dirty="0" smtClean="0">
+                <a:solidFill>
+                  <a:srgbClr val="000000"/>
+                </a:solidFill>
+                <a:latin typeface="Consolas"/>
+              </a:rPr>
+              <a:t>        </a:t>
+            </a:r>
+            <a:r>
+              <a:rPr lang="en-US" dirty="0" err="1" smtClean="0">
+                <a:solidFill>
+                  <a:srgbClr val="000000"/>
+                </a:solidFill>
+                <a:latin typeface="Consolas"/>
+              </a:rPr>
+              <a:t>someTrain.Print</a:t>
+            </a:r>
+            <a:r>
+              <a:rPr lang="en-US" dirty="0">
+                <a:solidFill>
+                  <a:srgbClr val="000000"/>
+                </a:solidFill>
+                <a:latin typeface="Consolas"/>
+              </a:rPr>
+              <a:t>();</a:t>
+            </a:r>
+          </a:p>
+          <a:p>
+            <a:pPr marL="0" indent="0">
+              <a:buNone/>
+            </a:pPr>
+            <a:r>
+              <a:rPr lang="ru-RU" dirty="0" smtClean="0">
+                <a:solidFill>
+                  <a:srgbClr val="000000"/>
+                </a:solidFill>
+                <a:latin typeface="Consolas"/>
+              </a:rPr>
+              <a:t>    </a:t>
+            </a:r>
+            <a:r>
+              <a:rPr lang="en-US" dirty="0" smtClean="0">
+                <a:solidFill>
+                  <a:srgbClr val="000000"/>
+                </a:solidFill>
+                <a:latin typeface="Consolas"/>
+              </a:rPr>
+              <a:t>}</a:t>
+            </a:r>
+            <a:endParaRPr lang="en-US" dirty="0">
+              <a:solidFill>
+                <a:srgbClr val="000000"/>
+              </a:solidFill>
+              <a:latin typeface="Consolas"/>
+            </a:endParaRPr>
+          </a:p>
+          <a:p>
+            <a:pPr marL="0" indent="0">
+              <a:buNone/>
+            </a:pPr>
+            <a:r>
+              <a:rPr lang="ru-RU" dirty="0" smtClean="0">
+                <a:solidFill>
+                  <a:srgbClr val="008000"/>
+                </a:solidFill>
+                <a:latin typeface="Consolas"/>
+              </a:rPr>
+              <a:t>    </a:t>
+            </a:r>
+            <a:r>
+              <a:rPr lang="en-US" dirty="0" smtClean="0">
+                <a:solidFill>
+                  <a:srgbClr val="008000"/>
+                </a:solidFill>
+                <a:latin typeface="Consolas"/>
+              </a:rPr>
+              <a:t>// </a:t>
+            </a:r>
+            <a:r>
+              <a:rPr lang="ru-RU" dirty="0">
+                <a:solidFill>
+                  <a:srgbClr val="008000"/>
+                </a:solidFill>
+                <a:latin typeface="Consolas"/>
+              </a:rPr>
+              <a:t>Удаляем ненужный временный </a:t>
+            </a:r>
+            <a:r>
+              <a:rPr lang="ru-RU" dirty="0" smtClean="0">
+                <a:solidFill>
+                  <a:srgbClr val="008000"/>
+                </a:solidFill>
+                <a:latin typeface="Consolas"/>
+              </a:rPr>
+              <a:t>файл. В настоящем приложении файл может еще понадобиться.</a:t>
+            </a:r>
+            <a:endParaRPr lang="en-US" dirty="0">
+              <a:solidFill>
+                <a:srgbClr val="000000"/>
+              </a:solidFill>
+              <a:latin typeface="Consolas"/>
+            </a:endParaRPr>
+          </a:p>
+          <a:p>
+            <a:pPr marL="0" indent="0">
+              <a:buNone/>
+            </a:pPr>
+            <a:r>
+              <a:rPr lang="ru-RU" dirty="0" smtClean="0">
+                <a:solidFill>
+                  <a:srgbClr val="000000"/>
+                </a:solidFill>
+                <a:latin typeface="Consolas"/>
+              </a:rPr>
+              <a:t>    </a:t>
+            </a:r>
+            <a:r>
+              <a:rPr lang="en-US" dirty="0" err="1" smtClean="0">
+                <a:solidFill>
+                  <a:srgbClr val="000000"/>
+                </a:solidFill>
+                <a:latin typeface="Consolas"/>
+              </a:rPr>
+              <a:t>File.Delete</a:t>
+            </a:r>
+            <a:r>
+              <a:rPr lang="en-US" dirty="0" smtClean="0">
+                <a:solidFill>
+                  <a:srgbClr val="000000"/>
+                </a:solidFill>
+                <a:latin typeface="Consolas"/>
+              </a:rPr>
+              <a:t>(</a:t>
+            </a:r>
+            <a:r>
+              <a:rPr lang="en-US" dirty="0" err="1" smtClean="0">
+                <a:solidFill>
+                  <a:srgbClr val="000000"/>
+                </a:solidFill>
+                <a:latin typeface="Consolas"/>
+              </a:rPr>
+              <a:t>tempFileName</a:t>
+            </a:r>
+            <a:r>
+              <a:rPr lang="en-US" dirty="0" smtClean="0">
+                <a:solidFill>
+                  <a:srgbClr val="000000"/>
+                </a:solidFill>
+                <a:latin typeface="Consolas"/>
+              </a:rPr>
+              <a:t>);</a:t>
+            </a:r>
+            <a:r>
+              <a:rPr lang="ru-RU" dirty="0" smtClean="0">
+                <a:solidFill>
+                  <a:srgbClr val="000000"/>
+                </a:solidFill>
+                <a:latin typeface="Consolas"/>
+              </a:rPr>
+              <a:t> </a:t>
+            </a:r>
+            <a:endParaRPr lang="en-US" dirty="0">
+              <a:solidFill>
+                <a:srgbClr val="000000"/>
+              </a:solidFill>
+              <a:latin typeface="Consolas"/>
+            </a:endParaRPr>
+          </a:p>
+          <a:p>
+            <a:pPr marL="0" indent="0">
+              <a:buNone/>
+            </a:pPr>
+            <a:r>
+              <a:rPr lang="en-US" dirty="0">
+                <a:solidFill>
+                  <a:srgbClr val="000000"/>
+                </a:solidFill>
+                <a:latin typeface="Consolas"/>
+              </a:rPr>
+              <a:t>}</a:t>
+            </a:r>
+            <a:endParaRPr lang="en-US" dirty="0"/>
+          </a:p>
+        </p:txBody>
+      </p:sp>
+    </p:spTree>
+    <p:extLst>
+      <p:ext uri="{BB962C8B-B14F-4D97-AF65-F5344CB8AC3E}">
+        <p14:creationId xmlns:p14="http://schemas.microsoft.com/office/powerpoint/2010/main" val="848852780"/>
+      </p:ext>
+    </p:extLst>
+  </p:cSld>
+  <p:clrMapOvr>
+    <a:masterClrMapping/>
+  </p:clrMapOvr>
+</p:sld>
+</file>
+
+<file path=ppt/slides/slide21.xml><?xml version="1.0" encoding="utf-8"?>
+<p:sld xmlns:a="http://schemas.openxmlformats.org/drawingml/2006/main" xmlns:r="http://schemas.openxmlformats.org/officeDocument/2006/relationships" xmlns:p="http://schemas.openxmlformats.org/presentationml/2006/main">
+  <p:cSld>
+    <p:bg>
+      <p:bgPr>
+        <a:blipFill dpi="0" rotWithShape="1">
+          <a:blip r:embed="rId2">
+            <a:lum/>
+          </a:blip>
+          <a:srcRect/>
+          <a:stretch>
+            <a:fillRect/>
+          </a:stretch>
+        </a:blipFill>
+        <a:effectLst/>
+      </p:bgPr>
+    </p:bg>
+    <p:spTree>
+      <p:nvGrpSpPr>
+        <p:cNvPr id="1" name=""/>
+        <p:cNvGrpSpPr/>
+        <p:nvPr/>
+      </p:nvGrpSpPr>
+      <p:grpSpPr>
+        <a:xfrm>
+          <a:off x="0" y="0"/>
+          <a:ext cx="0" cy="0"/>
+          <a:chOff x="0" y="0"/>
+          <a:chExt cx="0" cy="0"/>
+        </a:xfrm>
+      </p:grpSpPr>
+      <p:sp>
+        <p:nvSpPr>
+          <p:cNvPr id="2" name="Title 1"/>
+          <p:cNvSpPr>
+            <a:spLocks noGrp="1"/>
+          </p:cNvSpPr>
+          <p:nvPr>
+            <p:ph type="title"/>
+          </p:nvPr>
+        </p:nvSpPr>
+        <p:spPr>
+          <a:xfrm>
+            <a:off x="457200" y="188640"/>
+            <a:ext cx="8229600" cy="720080"/>
+          </a:xfrm>
+        </p:spPr>
+        <p:txBody>
+          <a:bodyPr>
+            <a:normAutofit/>
+          </a:bodyPr>
+          <a:lstStyle/>
+          <a:p>
+            <a:r>
               <a:rPr lang="en-US" sz="2000" dirty="0" smtClean="0"/>
               <a:t>XML</a:t>
             </a:r>
@@ -16932,7 +20589,7 @@
 </p:sld>
 </file>
 
-<file path=ppt/slides/slide21.xml><?xml version="1.0" encoding="utf-8"?>
+<file path=ppt/slides/slide22.xml><?xml version="1.0" encoding="utf-8"?>
 <p:sld xmlns:a="http://schemas.openxmlformats.org/drawingml/2006/main" xmlns:r="http://schemas.openxmlformats.org/officeDocument/2006/relationships" xmlns:p="http://schemas.openxmlformats.org/presentationml/2006/main">
   <p:cSld>
     <p:bg>
@@ -23948,4 +27605,289 @@
   <a:objectDefaults/>
   <a:extraClrSchemeLst/>
 </a:theme>
+</file>
+
+<file path=ppt/theme/theme2.xml><?xml version="1.0" encoding="utf-8"?>
+<a:theme xmlns:a="http://schemas.openxmlformats.org/drawingml/2006/main" name="1_Office Theme">
+  <a:themeElements>
+    <a:clrScheme name="While On Navy">
+      <a:dk1>
+        <a:srgbClr val="FFFFFF"/>
+      </a:dk1>
+      <a:lt1>
+        <a:srgbClr val="FFFFFF"/>
+      </a:lt1>
+      <a:dk2>
+        <a:srgbClr val="366092"/>
+      </a:dk2>
+      <a:lt2>
+        <a:srgbClr val="366092"/>
+      </a:lt2>
+      <a:accent1>
+        <a:srgbClr val="4F81BD"/>
+      </a:accent1>
+      <a:accent2>
+        <a:srgbClr val="C0504D"/>
+      </a:accent2>
+      <a:accent3>
+        <a:srgbClr val="9BBB59"/>
+      </a:accent3>
+      <a:accent4>
+        <a:srgbClr val="8064A2"/>
+      </a:accent4>
+      <a:accent5>
+        <a:srgbClr val="4BACC6"/>
+      </a:accent5>
+      <a:accent6>
+        <a:srgbClr val="F79646"/>
+      </a:accent6>
+      <a:hlink>
+        <a:srgbClr val="FFFFFF"/>
+      </a:hlink>
+      <a:folHlink>
+        <a:srgbClr val="FFFFFF"/>
+      </a:folHlink>
+    </a:clrScheme>
+    <a:fontScheme name="Office">
+      <a:majorFont>
+        <a:latin typeface="Calibri"/>
+        <a:ea typeface=""/>
+        <a:cs typeface=""/>
+        <a:font script="Jpan" typeface="ＭＳ Ｐゴシック"/>
+        <a:font script="Hang" typeface="맑은 고딕"/>
+        <a:font script="Hans" typeface="宋体"/>
+        <a:font script="Hant" typeface="新細明體"/>
+        <a:font script="Arab" typeface="Times New Roman"/>
+        <a:font script="Hebr" typeface="Times New Roman"/>
+        <a:font script="Thai" typeface="Angsana New"/>
+        <a:font script="Ethi" typeface="Nyala"/>
+        <a:font script="Beng" typeface="Vrinda"/>
+        <a:font script="Gujr" typeface="Shruti"/>
+        <a:font script="Khmr" typeface="MoolBoran"/>
+        <a:font script="Knda" typeface="Tunga"/>
+        <a:font script="Guru" typeface="Raavi"/>
+        <a:font script="Cans" typeface="Euphemia"/>
+        <a:font script="Cher" typeface="Plantagenet Cherokee"/>
+        <a:font script="Yiii" typeface="Microsoft Yi Baiti"/>
+        <a:font script="Tibt" typeface="Microsoft Himalaya"/>
+        <a:font script="Thaa" typeface="MV Boli"/>
+        <a:font script="Deva" typeface="Mangal"/>
+        <a:font script="Telu" typeface="Gautami"/>
+        <a:font script="Taml" typeface="Latha"/>
+        <a:font script="Syrc" typeface="Estrangelo Edessa"/>
+        <a:font script="Orya" typeface="Kalinga"/>
+        <a:font script="Mlym" typeface="Kartika"/>
+        <a:font script="Laoo" typeface="DokChampa"/>
+        <a:font script="Sinh" typeface="Iskoola Pota"/>
+        <a:font script="Mong" typeface="Mongolian Baiti"/>
+        <a:font script="Viet" typeface="Times New Roman"/>
+        <a:font script="Uigh" typeface="Microsoft Uighur"/>
+        <a:font script="Geor" typeface="Sylfaen"/>
+      </a:majorFont>
+      <a:minorFont>
+        <a:latin typeface="Calibri"/>
+        <a:ea typeface=""/>
+        <a:cs typeface=""/>
+        <a:font script="Jpan" typeface="ＭＳ Ｐゴシック"/>
+        <a:font script="Hang" typeface="맑은 고딕"/>
+        <a:font script="Hans" typeface="宋体"/>
+        <a:font script="Hant" typeface="新細明體"/>
+        <a:font script="Arab" typeface="Arial"/>
+        <a:font script="Hebr" typeface="Arial"/>
+        <a:font script="Thai" typeface="Cordia New"/>
+        <a:font script="Ethi" typeface="Nyala"/>
+        <a:font script="Beng" typeface="Vrinda"/>
+        <a:font script="Gujr" typeface="Shruti"/>
+        <a:font script="Khmr" typeface="DaunPenh"/>
+        <a:font script="Knda" typeface="Tunga"/>
+        <a:font script="Guru" typeface="Raavi"/>
+        <a:font script="Cans" typeface="Euphemia"/>
+        <a:font script="Cher" typeface="Plantagenet Cherokee"/>
+        <a:font script="Yiii" typeface="Microsoft Yi Baiti"/>
+        <a:font script="Tibt" typeface="Microsoft Himalaya"/>
+        <a:font script="Thaa" typeface="MV Boli"/>
+        <a:font script="Deva" typeface="Mangal"/>
+        <a:font script="Telu" typeface="Gautami"/>
+        <a:font script="Taml" typeface="Latha"/>
+        <a:font script="Syrc" typeface="Estrangelo Edessa"/>
+        <a:font script="Orya" typeface="Kalinga"/>
+        <a:font script="Mlym" typeface="Kartika"/>
+        <a:font script="Laoo" typeface="DokChampa"/>
+        <a:font script="Sinh" typeface="Iskoola Pota"/>
+        <a:font script="Mong" typeface="Mongolian Baiti"/>
+        <a:font script="Viet" typeface="Arial"/>
+        <a:font script="Uigh" typeface="Microsoft Uighur"/>
+        <a:font script="Geor" typeface="Sylfaen"/>
+      </a:minorFont>
+    </a:fontScheme>
+    <a:fmtScheme name="Office">
+      <a:fillStyleLst>
+        <a:solidFill>
+          <a:schemeClr val="phClr"/>
+        </a:solidFill>
+        <a:gradFill rotWithShape="1">
+          <a:gsLst>
+            <a:gs pos="0">
+              <a:schemeClr val="phClr">
+                <a:tint val="50000"/>
+                <a:satMod val="300000"/>
+              </a:schemeClr>
+            </a:gs>
+            <a:gs pos="35000">
+              <a:schemeClr val="phClr">
+                <a:tint val="37000"/>
+                <a:satMod val="300000"/>
+              </a:schemeClr>
+            </a:gs>
+            <a:gs pos="100000">
+              <a:schemeClr val="phClr">
+                <a:tint val="15000"/>
+                <a:satMod val="350000"/>
+              </a:schemeClr>
+            </a:gs>
+          </a:gsLst>
+          <a:lin ang="16200000" scaled="1"/>
+        </a:gradFill>
+        <a:gradFill rotWithShape="1">
+          <a:gsLst>
+            <a:gs pos="0">
+              <a:schemeClr val="phClr">
+                <a:shade val="51000"/>
+                <a:satMod val="130000"/>
+              </a:schemeClr>
+            </a:gs>
+            <a:gs pos="80000">
+              <a:schemeClr val="phClr">
+                <a:shade val="93000"/>
+                <a:satMod val="130000"/>
+              </a:schemeClr>
+            </a:gs>
+            <a:gs pos="100000">
+              <a:schemeClr val="phClr">
+                <a:shade val="94000"/>
+                <a:satMod val="135000"/>
+              </a:schemeClr>
+            </a:gs>
+          </a:gsLst>
+          <a:lin ang="16200000" scaled="0"/>
+        </a:gradFill>
+      </a:fillStyleLst>
+      <a:lnStyleLst>
+        <a:ln w="9525" cap="flat" cmpd="sng" algn="ctr">
+          <a:solidFill>
+            <a:schemeClr val="phClr">
+              <a:shade val="95000"/>
+              <a:satMod val="105000"/>
+            </a:schemeClr>
+          </a:solidFill>
+          <a:prstDash val="solid"/>
+        </a:ln>
+        <a:ln w="25400" cap="flat" cmpd="sng" algn="ctr">
+          <a:solidFill>
+            <a:schemeClr val="phClr"/>
+          </a:solidFill>
+          <a:prstDash val="solid"/>
+        </a:ln>
+        <a:ln w="38100" cap="flat" cmpd="sng" algn="ctr">
+          <a:solidFill>
+            <a:schemeClr val="phClr"/>
+          </a:solidFill>
+          <a:prstDash val="solid"/>
+        </a:ln>
+      </a:lnStyleLst>
+      <a:effectStyleLst>
+        <a:effectStyle>
+          <a:effectLst>
+            <a:outerShdw blurRad="40000" dist="20000" dir="5400000" rotWithShape="0">
+              <a:srgbClr val="000000">
+                <a:alpha val="38000"/>
+              </a:srgbClr>
+            </a:outerShdw>
+          </a:effectLst>
+        </a:effectStyle>
+        <a:effectStyle>
+          <a:effectLst>
+            <a:outerShdw blurRad="40000" dist="23000" dir="5400000" rotWithShape="0">
+              <a:srgbClr val="000000">
+                <a:alpha val="35000"/>
+              </a:srgbClr>
+            </a:outerShdw>
+          </a:effectLst>
+        </a:effectStyle>
+        <a:effectStyle>
+          <a:effectLst>
+            <a:outerShdw blurRad="40000" dist="23000" dir="5400000" rotWithShape="0">
+              <a:srgbClr val="000000">
+                <a:alpha val="35000"/>
+              </a:srgbClr>
+            </a:outerShdw>
+          </a:effectLst>
+          <a:scene3d>
+            <a:camera prst="orthographicFront">
+              <a:rot lat="0" lon="0" rev="0"/>
+            </a:camera>
+            <a:lightRig rig="threePt" dir="t">
+              <a:rot lat="0" lon="0" rev="1200000"/>
+            </a:lightRig>
+          </a:scene3d>
+          <a:sp3d>
+            <a:bevelT w="63500" h="25400"/>
+          </a:sp3d>
+        </a:effectStyle>
+      </a:effectStyleLst>
+      <a:bgFillStyleLst>
+        <a:solidFill>
+          <a:schemeClr val="phClr"/>
+        </a:solidFill>
+        <a:gradFill rotWithShape="1">
+          <a:gsLst>
+            <a:gs pos="0">
+              <a:schemeClr val="phClr">
+                <a:tint val="40000"/>
+                <a:satMod val="350000"/>
+              </a:schemeClr>
+            </a:gs>
+            <a:gs pos="40000">
+              <a:schemeClr val="phClr">
+                <a:tint val="45000"/>
+                <a:shade val="99000"/>
+                <a:satMod val="350000"/>
+              </a:schemeClr>
+            </a:gs>
+            <a:gs pos="100000">
+              <a:schemeClr val="phClr">
+                <a:shade val="20000"/>
+                <a:satMod val="255000"/>
+              </a:schemeClr>
+            </a:gs>
+          </a:gsLst>
+          <a:path path="circle">
+            <a:fillToRect l="50000" t="-80000" r="50000" b="180000"/>
+          </a:path>
+        </a:gradFill>
+        <a:gradFill rotWithShape="1">
+          <a:gsLst>
+            <a:gs pos="0">
+              <a:schemeClr val="phClr">
+                <a:tint val="80000"/>
+                <a:satMod val="300000"/>
+              </a:schemeClr>
+            </a:gs>
+            <a:gs pos="100000">
+              <a:schemeClr val="phClr">
+                <a:shade val="30000"/>
+                <a:satMod val="200000"/>
+              </a:schemeClr>
+            </a:gs>
+          </a:gsLst>
+          <a:path path="circle">
+            <a:fillToRect l="50000" t="50000" r="50000" b="50000"/>
+          </a:path>
+        </a:gradFill>
+      </a:bgFillStyleLst>
+    </a:fmtScheme>
+  </a:themeElements>
+  <a:objectDefaults/>
+  <a:extraClrSchemeLst/>
+</a:theme>
 </file>
--- a/Presentation/lesson-04-io.pptx
+++ b/Presentation/lesson-04-io.pptx
@@ -22,14 +22,17 @@
     <p:sldId id="263" r:id="rId16"/>
     <p:sldId id="275" r:id="rId17"/>
     <p:sldId id="264" r:id="rId18"/>
-    <p:sldId id="265" r:id="rId19"/>
-    <p:sldId id="266" r:id="rId20"/>
-    <p:sldId id="267" r:id="rId21"/>
-    <p:sldId id="268" r:id="rId22"/>
-    <p:sldId id="278" r:id="rId23"/>
-    <p:sldId id="279" r:id="rId24"/>
-    <p:sldId id="280" r:id="rId25"/>
-    <p:sldId id="271" r:id="rId26"/>
+    <p:sldId id="288" r:id="rId19"/>
+    <p:sldId id="289" r:id="rId20"/>
+    <p:sldId id="265" r:id="rId21"/>
+    <p:sldId id="266" r:id="rId22"/>
+    <p:sldId id="267" r:id="rId23"/>
+    <p:sldId id="268" r:id="rId24"/>
+    <p:sldId id="287" r:id="rId25"/>
+    <p:sldId id="278" r:id="rId26"/>
+    <p:sldId id="279" r:id="rId27"/>
+    <p:sldId id="280" r:id="rId28"/>
+    <p:sldId id="271" r:id="rId29"/>
   </p:sldIdLst>
   <p:sldSz cx="9144000" cy="6858000" type="screen4x3"/>
   <p:notesSz cx="6858000" cy="9144000"/>
@@ -312,7 +315,7 @@
           <a:p>
             <a:fld id="{FAECF776-F836-4CCD-9497-99E5597B8B5D}" type="datetimeFigureOut">
               <a:rPr lang="en-US" smtClean="0"/>
-              <a:t>10/26/2013</a:t>
+              <a:t>10/28/2013</a:t>
             </a:fld>
             <a:endParaRPr lang="en-US"/>
           </a:p>
@@ -482,7 +485,7 @@
           <a:p>
             <a:fld id="{FAECF776-F836-4CCD-9497-99E5597B8B5D}" type="datetimeFigureOut">
               <a:rPr lang="en-US" smtClean="0"/>
-              <a:t>10/26/2013</a:t>
+              <a:t>10/28/2013</a:t>
             </a:fld>
             <a:endParaRPr lang="en-US"/>
           </a:p>
@@ -662,7 +665,7 @@
           <a:p>
             <a:fld id="{FAECF776-F836-4CCD-9497-99E5597B8B5D}" type="datetimeFigureOut">
               <a:rPr lang="en-US" smtClean="0"/>
-              <a:t>10/26/2013</a:t>
+              <a:t>10/28/2013</a:t>
             </a:fld>
             <a:endParaRPr lang="en-US"/>
           </a:p>
@@ -911,7 +914,7 @@
                 </a:solidFill>
               </a:rPr>
               <a:pPr/>
-              <a:t>10/26/2013</a:t>
+              <a:t>10/28/2013</a:t>
             </a:fld>
             <a:endParaRPr lang="en-US">
               <a:solidFill>
@@ -1113,7 +1116,7 @@
                 </a:solidFill>
               </a:rPr>
               <a:pPr/>
-              <a:t>10/26/2013</a:t>
+              <a:t>10/28/2013</a:t>
             </a:fld>
             <a:endParaRPr lang="en-US">
               <a:solidFill>
@@ -1391,7 +1394,7 @@
                 </a:solidFill>
               </a:rPr>
               <a:pPr/>
-              <a:t>10/26/2013</a:t>
+              <a:t>10/28/2013</a:t>
             </a:fld>
             <a:endParaRPr lang="en-US">
               <a:solidFill>
@@ -1711,7 +1714,7 @@
                 </a:solidFill>
               </a:rPr>
               <a:pPr/>
-              <a:t>10/26/2013</a:t>
+              <a:t>10/28/2013</a:t>
             </a:fld>
             <a:endParaRPr lang="en-US">
               <a:solidFill>
@@ -2165,7 +2168,7 @@
                 </a:solidFill>
               </a:rPr>
               <a:pPr/>
-              <a:t>10/26/2013</a:t>
+              <a:t>10/28/2013</a:t>
             </a:fld>
             <a:endParaRPr lang="en-US">
               <a:solidFill>
@@ -2315,7 +2318,7 @@
                 </a:solidFill>
               </a:rPr>
               <a:pPr/>
-              <a:t>10/26/2013</a:t>
+              <a:t>10/28/2013</a:t>
             </a:fld>
             <a:endParaRPr lang="en-US">
               <a:solidFill>
@@ -2442,7 +2445,7 @@
                 </a:solidFill>
               </a:rPr>
               <a:pPr/>
-              <a:t>10/26/2013</a:t>
+              <a:t>10/28/2013</a:t>
             </a:fld>
             <a:endParaRPr lang="en-US">
               <a:solidFill>
@@ -2751,7 +2754,7 @@
                 </a:solidFill>
               </a:rPr>
               <a:pPr/>
-              <a:t>10/26/2013</a:t>
+              <a:t>10/28/2013</a:t>
             </a:fld>
             <a:endParaRPr lang="en-US">
               <a:solidFill>
@@ -2946,7 +2949,7 @@
           <a:p>
             <a:fld id="{FAECF776-F836-4CCD-9497-99E5597B8B5D}" type="datetimeFigureOut">
               <a:rPr lang="en-US" smtClean="0"/>
-              <a:t>10/26/2013</a:t>
+              <a:t>10/28/2013</a:t>
             </a:fld>
             <a:endParaRPr lang="en-US"/>
           </a:p>
@@ -3206,7 +3209,7 @@
                 </a:solidFill>
               </a:rPr>
               <a:pPr/>
-              <a:t>10/26/2013</a:t>
+              <a:t>10/28/2013</a:t>
             </a:fld>
             <a:endParaRPr lang="en-US">
               <a:solidFill>
@@ -3408,7 +3411,7 @@
                 </a:solidFill>
               </a:rPr>
               <a:pPr/>
-              <a:t>10/26/2013</a:t>
+              <a:t>10/28/2013</a:t>
             </a:fld>
             <a:endParaRPr lang="en-US">
               <a:solidFill>
@@ -3620,7 +3623,7 @@
                 </a:solidFill>
               </a:rPr>
               <a:pPr/>
-              <a:t>10/26/2013</a:t>
+              <a:t>10/28/2013</a:t>
             </a:fld>
             <a:endParaRPr lang="en-US">
               <a:solidFill>
@@ -3891,7 +3894,7 @@
           <a:p>
             <a:fld id="{FAECF776-F836-4CCD-9497-99E5597B8B5D}" type="datetimeFigureOut">
               <a:rPr lang="en-US" smtClean="0"/>
-              <a:t>10/26/2013</a:t>
+              <a:t>10/28/2013</a:t>
             </a:fld>
             <a:endParaRPr lang="en-US"/>
           </a:p>
@@ -4179,7 +4182,7 @@
           <a:p>
             <a:fld id="{FAECF776-F836-4CCD-9497-99E5597B8B5D}" type="datetimeFigureOut">
               <a:rPr lang="en-US" smtClean="0"/>
-              <a:t>10/26/2013</a:t>
+              <a:t>10/28/2013</a:t>
             </a:fld>
             <a:endParaRPr lang="en-US"/>
           </a:p>
@@ -4601,7 +4604,7 @@
           <a:p>
             <a:fld id="{FAECF776-F836-4CCD-9497-99E5597B8B5D}" type="datetimeFigureOut">
               <a:rPr lang="en-US" smtClean="0"/>
-              <a:t>10/26/2013</a:t>
+              <a:t>10/28/2013</a:t>
             </a:fld>
             <a:endParaRPr lang="en-US"/>
           </a:p>
@@ -4719,7 +4722,7 @@
           <a:p>
             <a:fld id="{FAECF776-F836-4CCD-9497-99E5597B8B5D}" type="datetimeFigureOut">
               <a:rPr lang="en-US" smtClean="0"/>
-              <a:t>10/26/2013</a:t>
+              <a:t>10/28/2013</a:t>
             </a:fld>
             <a:endParaRPr lang="en-US"/>
           </a:p>
@@ -4814,7 +4817,7 @@
           <a:p>
             <a:fld id="{FAECF776-F836-4CCD-9497-99E5597B8B5D}" type="datetimeFigureOut">
               <a:rPr lang="en-US" smtClean="0"/>
-              <a:t>10/26/2013</a:t>
+              <a:t>10/28/2013</a:t>
             </a:fld>
             <a:endParaRPr lang="en-US"/>
           </a:p>
@@ -5091,7 +5094,7 @@
           <a:p>
             <a:fld id="{FAECF776-F836-4CCD-9497-99E5597B8B5D}" type="datetimeFigureOut">
               <a:rPr lang="en-US" smtClean="0"/>
-              <a:t>10/26/2013</a:t>
+              <a:t>10/28/2013</a:t>
             </a:fld>
             <a:endParaRPr lang="en-US"/>
           </a:p>
@@ -5344,7 +5347,7 @@
           <a:p>
             <a:fld id="{FAECF776-F836-4CCD-9497-99E5597B8B5D}" type="datetimeFigureOut">
               <a:rPr lang="en-US" smtClean="0"/>
-              <a:t>10/26/2013</a:t>
+              <a:t>10/28/2013</a:t>
             </a:fld>
             <a:endParaRPr lang="en-US"/>
           </a:p>
@@ -5566,7 +5569,7 @@
           <a:p>
             <a:fld id="{FAECF776-F836-4CCD-9497-99E5597B8B5D}" type="datetimeFigureOut">
               <a:rPr lang="en-US" smtClean="0"/>
-              <a:t>10/26/2013</a:t>
+              <a:t>10/28/2013</a:t>
             </a:fld>
             <a:endParaRPr lang="en-US"/>
           </a:p>
@@ -6083,7 +6086,7 @@
                 </a:solidFill>
               </a:rPr>
               <a:pPr/>
-              <a:t>10/26/2013</a:t>
+              <a:t>10/28/2013</a:t>
             </a:fld>
             <a:endParaRPr lang="en-US">
               <a:solidFill>
@@ -12788,6 +12791,2641 @@
 <file path=ppt/slides/slide17.xml><?xml version="1.0" encoding="utf-8"?>
 <p:sld xmlns:a="http://schemas.openxmlformats.org/drawingml/2006/main" xmlns:r="http://schemas.openxmlformats.org/officeDocument/2006/relationships" xmlns:p="http://schemas.openxmlformats.org/presentationml/2006/main">
   <p:cSld>
+    <p:spTree>
+      <p:nvGrpSpPr>
+        <p:cNvPr id="1" name=""/>
+        <p:cNvGrpSpPr/>
+        <p:nvPr/>
+      </p:nvGrpSpPr>
+      <p:grpSpPr>
+        <a:xfrm>
+          <a:off x="0" y="0"/>
+          <a:ext cx="0" cy="0"/>
+          <a:chOff x="0" y="0"/>
+          <a:chExt cx="0" cy="0"/>
+        </a:xfrm>
+      </p:grpSpPr>
+      <p:sp>
+        <p:nvSpPr>
+          <p:cNvPr id="2" name="Title 1"/>
+          <p:cNvSpPr>
+            <a:spLocks noGrp="1"/>
+          </p:cNvSpPr>
+          <p:nvPr>
+            <p:ph type="title"/>
+          </p:nvPr>
+        </p:nvSpPr>
+        <p:spPr>
+          <a:xfrm>
+            <a:off x="457200" y="274638"/>
+            <a:ext cx="8229600" cy="922114"/>
+          </a:xfrm>
+        </p:spPr>
+        <p:txBody>
+          <a:bodyPr>
+            <a:normAutofit/>
+          </a:bodyPr>
+          <a:lstStyle/>
+          <a:p>
+            <a:r>
+              <a:rPr lang="ru-RU" sz="2800" dirty="0" smtClean="0"/>
+              <a:t>Класс </a:t>
+            </a:r>
+            <a:r>
+              <a:rPr lang="en-US" sz="2800" dirty="0" smtClean="0"/>
+              <a:t>File. </a:t>
+            </a:r>
+            <a:r>
+              <a:rPr lang="ru-RU" sz="2800" dirty="0" smtClean="0"/>
+              <a:t>Быстрое чтение/запись файлов.</a:t>
+            </a:r>
+            <a:endParaRPr lang="en-US" sz="2800" dirty="0"/>
+          </a:p>
+        </p:txBody>
+      </p:sp>
+      <p:sp>
+        <p:nvSpPr>
+          <p:cNvPr id="3" name="Content Placeholder 2"/>
+          <p:cNvSpPr>
+            <a:spLocks noGrp="1"/>
+          </p:cNvSpPr>
+          <p:nvPr>
+            <p:ph idx="1"/>
+          </p:nvPr>
+        </p:nvSpPr>
+        <p:spPr>
+          <a:xfrm>
+            <a:off x="457200" y="1196752"/>
+            <a:ext cx="8229600" cy="748679"/>
+          </a:xfrm>
+        </p:spPr>
+        <p:txBody>
+          <a:bodyPr>
+            <a:normAutofit/>
+          </a:bodyPr>
+          <a:lstStyle/>
+          <a:p>
+            <a:pPr marL="0" indent="0">
+              <a:buNone/>
+            </a:pPr>
+            <a:r>
+              <a:rPr lang="ru-RU" sz="1600" dirty="0" smtClean="0"/>
+              <a:t>Класс </a:t>
+            </a:r>
+            <a:r>
+              <a:rPr lang="en-US" sz="1600" dirty="0" smtClean="0"/>
+              <a:t>File </a:t>
+            </a:r>
+            <a:r>
+              <a:rPr lang="ru-RU" sz="1600" dirty="0" smtClean="0"/>
+              <a:t>содержит ряд статических методов позволяющих прочитать все данные из файла или записать их в него с помощью одного вызова.</a:t>
+            </a:r>
+          </a:p>
+          <a:p>
+            <a:pPr marL="0" indent="0">
+              <a:buNone/>
+            </a:pPr>
+            <a:endParaRPr lang="en-US" sz="1600" dirty="0"/>
+          </a:p>
+        </p:txBody>
+      </p:sp>
+      <p:graphicFrame>
+        <p:nvGraphicFramePr>
+          <p:cNvPr id="4" name="Table 3"/>
+          <p:cNvGraphicFramePr>
+            <a:graphicFrameLocks noGrp="1"/>
+          </p:cNvGraphicFramePr>
+          <p:nvPr>
+            <p:extLst>
+              <p:ext uri="{D42A27DB-BD31-4B8C-83A1-F6EECF244321}">
+                <p14:modId xmlns:p14="http://schemas.microsoft.com/office/powerpoint/2010/main" val="1878610965"/>
+              </p:ext>
+            </p:extLst>
+          </p:nvPr>
+        </p:nvGraphicFramePr>
+        <p:xfrm>
+          <a:off x="492224" y="1940807"/>
+          <a:ext cx="8184232" cy="4297680"/>
+        </p:xfrm>
+        <a:graphic>
+          <a:graphicData uri="http://schemas.openxmlformats.org/drawingml/2006/table">
+            <a:tbl>
+              <a:tblPr firstRow="1" bandRow="1">
+                <a:tableStyleId>{073A0DAA-6AF3-43AB-8588-CEC1D06C72B9}</a:tableStyleId>
+              </a:tblPr>
+              <a:tblGrid>
+                <a:gridCol w="4367808"/>
+                <a:gridCol w="3816424"/>
+              </a:tblGrid>
+              <a:tr h="259433">
+                <a:tc gridSpan="2">
+                  <a:txBody>
+                    <a:bodyPr/>
+                    <a:lstStyle/>
+                    <a:p>
+                      <a:r>
+                        <a:rPr lang="ru-RU" sz="1200" dirty="0" smtClean="0">
+                          <a:solidFill>
+                            <a:schemeClr val="bg1"/>
+                          </a:solidFill>
+                        </a:rPr>
+                        <a:t>Бинарные</a:t>
+                      </a:r>
+                      <a:r>
+                        <a:rPr lang="ru-RU" sz="1200" baseline="0" dirty="0" smtClean="0">
+                          <a:solidFill>
+                            <a:schemeClr val="bg1"/>
+                          </a:solidFill>
+                        </a:rPr>
+                        <a:t> данные</a:t>
+                      </a:r>
+                      <a:endParaRPr lang="en-US" sz="1200" dirty="0">
+                        <a:solidFill>
+                          <a:schemeClr val="bg1"/>
+                        </a:solidFill>
+                      </a:endParaRPr>
+                    </a:p>
+                  </a:txBody>
+                  <a:tcPr>
+                    <a:lnL w="12700" cap="flat" cmpd="sng" algn="ctr">
+                      <a:solidFill>
+                        <a:schemeClr val="accent1"/>
+                      </a:solidFill>
+                      <a:prstDash val="solid"/>
+                      <a:round/>
+                      <a:headEnd type="none" w="med" len="med"/>
+                      <a:tailEnd type="none" w="med" len="med"/>
+                    </a:lnL>
+                    <a:lnR w="12700" cap="flat" cmpd="sng" algn="ctr">
+                      <a:solidFill>
+                        <a:schemeClr val="accent1"/>
+                      </a:solidFill>
+                      <a:prstDash val="solid"/>
+                      <a:round/>
+                      <a:headEnd type="none" w="med" len="med"/>
+                      <a:tailEnd type="none" w="med" len="med"/>
+                    </a:lnR>
+                    <a:lnT w="12700" cap="flat" cmpd="sng" algn="ctr">
+                      <a:solidFill>
+                        <a:schemeClr val="accent1"/>
+                      </a:solidFill>
+                      <a:prstDash val="solid"/>
+                      <a:round/>
+                      <a:headEnd type="none" w="med" len="med"/>
+                      <a:tailEnd type="none" w="med" len="med"/>
+                    </a:lnT>
+                    <a:lnB w="12700" cap="flat" cmpd="sng" algn="ctr">
+                      <a:solidFill>
+                        <a:schemeClr val="accent1"/>
+                      </a:solidFill>
+                      <a:prstDash val="solid"/>
+                      <a:round/>
+                      <a:headEnd type="none" w="med" len="med"/>
+                      <a:tailEnd type="none" w="med" len="med"/>
+                    </a:lnB>
+                    <a:solidFill>
+                      <a:schemeClr val="accent1"/>
+                    </a:solidFill>
+                  </a:tcPr>
+                </a:tc>
+                <a:tc hMerge="1">
+                  <a:txBody>
+                    <a:bodyPr/>
+                    <a:lstStyle/>
+                    <a:p>
+                      <a:endParaRPr lang="en-US"/>
+                    </a:p>
+                  </a:txBody>
+                  <a:tcPr/>
+                </a:tc>
+              </a:tr>
+              <a:tr h="143332">
+                <a:tc>
+                  <a:txBody>
+                    <a:bodyPr/>
+                    <a:lstStyle/>
+                    <a:p>
+                      <a:r>
+                        <a:rPr lang="en-US" sz="1200" dirty="0" smtClean="0">
+                          <a:solidFill>
+                            <a:schemeClr val="accent1"/>
+                          </a:solidFill>
+                        </a:rPr>
+                        <a:t>byte[] </a:t>
+                      </a:r>
+                      <a:r>
+                        <a:rPr lang="en-US" sz="1200" dirty="0" err="1" smtClean="0">
+                          <a:solidFill>
+                            <a:schemeClr val="accent1"/>
+                          </a:solidFill>
+                        </a:rPr>
+                        <a:t>ReadAllBytes</a:t>
+                      </a:r>
+                      <a:r>
+                        <a:rPr lang="en-US" sz="1200" dirty="0" smtClean="0">
+                          <a:solidFill>
+                            <a:schemeClr val="accent1"/>
+                          </a:solidFill>
+                        </a:rPr>
+                        <a:t>(string path)</a:t>
+                      </a:r>
+                      <a:endParaRPr lang="en-US" sz="1200" dirty="0">
+                        <a:solidFill>
+                          <a:schemeClr val="accent1"/>
+                        </a:solidFill>
+                      </a:endParaRPr>
+                    </a:p>
+                  </a:txBody>
+                  <a:tcPr>
+                    <a:lnL w="12700" cap="flat" cmpd="sng" algn="ctr">
+                      <a:solidFill>
+                        <a:schemeClr val="accent1"/>
+                      </a:solidFill>
+                      <a:prstDash val="solid"/>
+                      <a:round/>
+                      <a:headEnd type="none" w="med" len="med"/>
+                      <a:tailEnd type="none" w="med" len="med"/>
+                    </a:lnL>
+                    <a:lnR w="12700" cap="flat" cmpd="sng" algn="ctr">
+                      <a:solidFill>
+                        <a:schemeClr val="accent1"/>
+                      </a:solidFill>
+                      <a:prstDash val="solid"/>
+                      <a:round/>
+                      <a:headEnd type="none" w="med" len="med"/>
+                      <a:tailEnd type="none" w="med" len="med"/>
+                    </a:lnR>
+                    <a:lnT w="12700" cap="flat" cmpd="sng" algn="ctr">
+                      <a:solidFill>
+                        <a:schemeClr val="accent1"/>
+                      </a:solidFill>
+                      <a:prstDash val="solid"/>
+                      <a:round/>
+                      <a:headEnd type="none" w="med" len="med"/>
+                      <a:tailEnd type="none" w="med" len="med"/>
+                    </a:lnT>
+                    <a:lnB w="12700" cap="flat" cmpd="sng" algn="ctr">
+                      <a:solidFill>
+                        <a:schemeClr val="accent1"/>
+                      </a:solidFill>
+                      <a:prstDash val="solid"/>
+                      <a:round/>
+                      <a:headEnd type="none" w="med" len="med"/>
+                      <a:tailEnd type="none" w="med" len="med"/>
+                    </a:lnB>
+                  </a:tcPr>
+                </a:tc>
+                <a:tc>
+                  <a:txBody>
+                    <a:bodyPr/>
+                    <a:lstStyle/>
+                    <a:p>
+                      <a:r>
+                        <a:rPr lang="ru-RU" sz="1200" dirty="0" smtClean="0">
+                          <a:solidFill>
+                            <a:schemeClr val="accent1"/>
+                          </a:solidFill>
+                        </a:rPr>
+                        <a:t>Открывает файл на чтение, читает </a:t>
+                      </a:r>
+                      <a:r>
+                        <a:rPr lang="ru-RU" sz="1200" baseline="0" dirty="0" smtClean="0">
+                          <a:solidFill>
+                            <a:schemeClr val="accent1"/>
+                          </a:solidFill>
+                        </a:rPr>
+                        <a:t>содержимое файла в массив байтов и закрывает файл.</a:t>
+                      </a:r>
+                      <a:endParaRPr lang="en-US" sz="1200" dirty="0">
+                        <a:solidFill>
+                          <a:schemeClr val="accent1"/>
+                        </a:solidFill>
+                      </a:endParaRPr>
+                    </a:p>
+                  </a:txBody>
+                  <a:tcPr>
+                    <a:lnL w="12700" cap="flat" cmpd="sng" algn="ctr">
+                      <a:solidFill>
+                        <a:schemeClr val="accent1"/>
+                      </a:solidFill>
+                      <a:prstDash val="solid"/>
+                      <a:round/>
+                      <a:headEnd type="none" w="med" len="med"/>
+                      <a:tailEnd type="none" w="med" len="med"/>
+                    </a:lnL>
+                    <a:lnR w="12700" cap="flat" cmpd="sng" algn="ctr">
+                      <a:solidFill>
+                        <a:schemeClr val="accent1"/>
+                      </a:solidFill>
+                      <a:prstDash val="solid"/>
+                      <a:round/>
+                      <a:headEnd type="none" w="med" len="med"/>
+                      <a:tailEnd type="none" w="med" len="med"/>
+                    </a:lnR>
+                    <a:lnT w="12700" cap="flat" cmpd="sng" algn="ctr">
+                      <a:solidFill>
+                        <a:schemeClr val="accent1"/>
+                      </a:solidFill>
+                      <a:prstDash val="solid"/>
+                      <a:round/>
+                      <a:headEnd type="none" w="med" len="med"/>
+                      <a:tailEnd type="none" w="med" len="med"/>
+                    </a:lnT>
+                    <a:lnB w="12700" cap="flat" cmpd="sng" algn="ctr">
+                      <a:solidFill>
+                        <a:schemeClr val="accent1"/>
+                      </a:solidFill>
+                      <a:prstDash val="solid"/>
+                      <a:round/>
+                      <a:headEnd type="none" w="med" len="med"/>
+                      <a:tailEnd type="none" w="med" len="med"/>
+                    </a:lnB>
+                  </a:tcPr>
+                </a:tc>
+              </a:tr>
+              <a:tr h="148660">
+                <a:tc>
+                  <a:txBody>
+                    <a:bodyPr/>
+                    <a:lstStyle/>
+                    <a:p>
+                      <a:r>
+                        <a:rPr lang="en-US" sz="1200" dirty="0" smtClean="0">
+                          <a:solidFill>
+                            <a:schemeClr val="accent1"/>
+                          </a:solidFill>
+                        </a:rPr>
+                        <a:t>void </a:t>
+                      </a:r>
+                      <a:r>
+                        <a:rPr lang="en-US" sz="1200" dirty="0" err="1" smtClean="0">
+                          <a:solidFill>
+                            <a:schemeClr val="accent1"/>
+                          </a:solidFill>
+                        </a:rPr>
+                        <a:t>WriteAllBytes</a:t>
+                      </a:r>
+                      <a:r>
+                        <a:rPr lang="en-US" sz="1200" dirty="0" smtClean="0">
+                          <a:solidFill>
+                            <a:schemeClr val="accent1"/>
+                          </a:solidFill>
+                        </a:rPr>
+                        <a:t>(string path, byte[] bytes)</a:t>
+                      </a:r>
+                      <a:endParaRPr lang="en-US" sz="1200" dirty="0">
+                        <a:solidFill>
+                          <a:schemeClr val="accent1"/>
+                        </a:solidFill>
+                      </a:endParaRPr>
+                    </a:p>
+                  </a:txBody>
+                  <a:tcPr>
+                    <a:lnL w="12700" cap="flat" cmpd="sng" algn="ctr">
+                      <a:solidFill>
+                        <a:schemeClr val="accent1"/>
+                      </a:solidFill>
+                      <a:prstDash val="solid"/>
+                      <a:round/>
+                      <a:headEnd type="none" w="med" len="med"/>
+                      <a:tailEnd type="none" w="med" len="med"/>
+                    </a:lnL>
+                    <a:lnR w="12700" cap="flat" cmpd="sng" algn="ctr">
+                      <a:solidFill>
+                        <a:schemeClr val="accent1"/>
+                      </a:solidFill>
+                      <a:prstDash val="solid"/>
+                      <a:round/>
+                      <a:headEnd type="none" w="med" len="med"/>
+                      <a:tailEnd type="none" w="med" len="med"/>
+                    </a:lnR>
+                    <a:lnT w="12700" cap="flat" cmpd="sng" algn="ctr">
+                      <a:solidFill>
+                        <a:schemeClr val="accent1"/>
+                      </a:solidFill>
+                      <a:prstDash val="solid"/>
+                      <a:round/>
+                      <a:headEnd type="none" w="med" len="med"/>
+                      <a:tailEnd type="none" w="med" len="med"/>
+                    </a:lnT>
+                    <a:lnB w="12700" cap="flat" cmpd="sng" algn="ctr">
+                      <a:solidFill>
+                        <a:schemeClr val="accent1"/>
+                      </a:solidFill>
+                      <a:prstDash val="solid"/>
+                      <a:round/>
+                      <a:headEnd type="none" w="med" len="med"/>
+                      <a:tailEnd type="none" w="med" len="med"/>
+                    </a:lnB>
+                  </a:tcPr>
+                </a:tc>
+                <a:tc>
+                  <a:txBody>
+                    <a:bodyPr/>
+                    <a:lstStyle/>
+                    <a:p>
+                      <a:r>
+                        <a:rPr lang="ru-RU" sz="1200" dirty="0" smtClean="0">
+                          <a:solidFill>
+                            <a:schemeClr val="accent1"/>
+                          </a:solidFill>
+                        </a:rPr>
+                        <a:t>Открывает файл на запись,</a:t>
+                      </a:r>
+                      <a:r>
+                        <a:rPr lang="ru-RU" sz="1200" baseline="0" dirty="0" smtClean="0">
+                          <a:solidFill>
+                            <a:schemeClr val="accent1"/>
+                          </a:solidFill>
+                        </a:rPr>
+                        <a:t> записывает массив в него и закрывает файл.</a:t>
+                      </a:r>
+                      <a:endParaRPr lang="en-US" sz="1200" dirty="0">
+                        <a:solidFill>
+                          <a:schemeClr val="accent1"/>
+                        </a:solidFill>
+                      </a:endParaRPr>
+                    </a:p>
+                  </a:txBody>
+                  <a:tcPr>
+                    <a:lnL w="12700" cap="flat" cmpd="sng" algn="ctr">
+                      <a:solidFill>
+                        <a:schemeClr val="accent1"/>
+                      </a:solidFill>
+                      <a:prstDash val="solid"/>
+                      <a:round/>
+                      <a:headEnd type="none" w="med" len="med"/>
+                      <a:tailEnd type="none" w="med" len="med"/>
+                    </a:lnL>
+                    <a:lnR w="12700" cap="flat" cmpd="sng" algn="ctr">
+                      <a:solidFill>
+                        <a:schemeClr val="accent1"/>
+                      </a:solidFill>
+                      <a:prstDash val="solid"/>
+                      <a:round/>
+                      <a:headEnd type="none" w="med" len="med"/>
+                      <a:tailEnd type="none" w="med" len="med"/>
+                    </a:lnR>
+                    <a:lnT w="12700" cap="flat" cmpd="sng" algn="ctr">
+                      <a:solidFill>
+                        <a:schemeClr val="accent1"/>
+                      </a:solidFill>
+                      <a:prstDash val="solid"/>
+                      <a:round/>
+                      <a:headEnd type="none" w="med" len="med"/>
+                      <a:tailEnd type="none" w="med" len="med"/>
+                    </a:lnT>
+                    <a:lnB w="12700" cap="flat" cmpd="sng" algn="ctr">
+                      <a:solidFill>
+                        <a:schemeClr val="accent1"/>
+                      </a:solidFill>
+                      <a:prstDash val="solid"/>
+                      <a:round/>
+                      <a:headEnd type="none" w="med" len="med"/>
+                      <a:tailEnd type="none" w="med" len="med"/>
+                    </a:lnB>
+                  </a:tcPr>
+                </a:tc>
+              </a:tr>
+              <a:tr h="222841">
+                <a:tc gridSpan="2">
+                  <a:txBody>
+                    <a:bodyPr/>
+                    <a:lstStyle/>
+                    <a:p>
+                      <a:r>
+                        <a:rPr lang="ru-RU" sz="1200" b="1" dirty="0" smtClean="0">
+                          <a:solidFill>
+                            <a:schemeClr val="bg1"/>
+                          </a:solidFill>
+                        </a:rPr>
+                        <a:t>Текстовые данные</a:t>
+                      </a:r>
+                      <a:endParaRPr lang="en-US" sz="1200" b="1" dirty="0">
+                        <a:solidFill>
+                          <a:schemeClr val="bg1"/>
+                        </a:solidFill>
+                      </a:endParaRPr>
+                    </a:p>
+                  </a:txBody>
+                  <a:tcPr>
+                    <a:lnL w="12700" cap="flat" cmpd="sng" algn="ctr">
+                      <a:solidFill>
+                        <a:schemeClr val="accent1"/>
+                      </a:solidFill>
+                      <a:prstDash val="solid"/>
+                      <a:round/>
+                      <a:headEnd type="none" w="med" len="med"/>
+                      <a:tailEnd type="none" w="med" len="med"/>
+                    </a:lnL>
+                    <a:lnR w="12700" cap="flat" cmpd="sng" algn="ctr">
+                      <a:solidFill>
+                        <a:schemeClr val="accent1"/>
+                      </a:solidFill>
+                      <a:prstDash val="solid"/>
+                      <a:round/>
+                      <a:headEnd type="none" w="med" len="med"/>
+                      <a:tailEnd type="none" w="med" len="med"/>
+                    </a:lnR>
+                    <a:lnT w="12700" cap="flat" cmpd="sng" algn="ctr">
+                      <a:solidFill>
+                        <a:schemeClr val="accent1"/>
+                      </a:solidFill>
+                      <a:prstDash val="solid"/>
+                      <a:round/>
+                      <a:headEnd type="none" w="med" len="med"/>
+                      <a:tailEnd type="none" w="med" len="med"/>
+                    </a:lnT>
+                    <a:lnB w="12700" cap="flat" cmpd="sng" algn="ctr">
+                      <a:solidFill>
+                        <a:schemeClr val="accent1"/>
+                      </a:solidFill>
+                      <a:prstDash val="solid"/>
+                      <a:round/>
+                      <a:headEnd type="none" w="med" len="med"/>
+                      <a:tailEnd type="none" w="med" len="med"/>
+                    </a:lnB>
+                    <a:solidFill>
+                      <a:schemeClr val="accent1"/>
+                    </a:solidFill>
+                  </a:tcPr>
+                </a:tc>
+                <a:tc hMerge="1">
+                  <a:txBody>
+                    <a:bodyPr/>
+                    <a:lstStyle/>
+                    <a:p>
+                      <a:endParaRPr lang="en-US"/>
+                    </a:p>
+                  </a:txBody>
+                  <a:tcPr/>
+                </a:tc>
+              </a:tr>
+              <a:tr h="0">
+                <a:tc>
+                  <a:txBody>
+                    <a:bodyPr/>
+                    <a:lstStyle/>
+                    <a:p>
+                      <a:r>
+                        <a:rPr lang="en-US" sz="1200" dirty="0" smtClean="0">
+                          <a:solidFill>
+                            <a:schemeClr val="accent1"/>
+                          </a:solidFill>
+                        </a:rPr>
+                        <a:t>string[] </a:t>
+                      </a:r>
+                      <a:r>
+                        <a:rPr lang="en-US" sz="1200" dirty="0" err="1" smtClean="0">
+                          <a:solidFill>
+                            <a:schemeClr val="accent1"/>
+                          </a:solidFill>
+                        </a:rPr>
+                        <a:t>ReadAllLines</a:t>
+                      </a:r>
+                      <a:r>
+                        <a:rPr lang="en-US" sz="1200" dirty="0" smtClean="0">
+                          <a:solidFill>
+                            <a:schemeClr val="accent1"/>
+                          </a:solidFill>
+                        </a:rPr>
+                        <a:t>(string path)</a:t>
+                      </a:r>
+                      <a:endParaRPr lang="en-US" sz="1200" dirty="0">
+                        <a:solidFill>
+                          <a:schemeClr val="accent1"/>
+                        </a:solidFill>
+                      </a:endParaRPr>
+                    </a:p>
+                  </a:txBody>
+                  <a:tcPr>
+                    <a:lnL w="12700" cap="flat" cmpd="sng" algn="ctr">
+                      <a:solidFill>
+                        <a:schemeClr val="accent1"/>
+                      </a:solidFill>
+                      <a:prstDash val="solid"/>
+                      <a:round/>
+                      <a:headEnd type="none" w="med" len="med"/>
+                      <a:tailEnd type="none" w="med" len="med"/>
+                    </a:lnL>
+                    <a:lnR w="12700" cap="flat" cmpd="sng" algn="ctr">
+                      <a:solidFill>
+                        <a:schemeClr val="accent1"/>
+                      </a:solidFill>
+                      <a:prstDash val="solid"/>
+                      <a:round/>
+                      <a:headEnd type="none" w="med" len="med"/>
+                      <a:tailEnd type="none" w="med" len="med"/>
+                    </a:lnR>
+                    <a:lnT w="12700" cap="flat" cmpd="sng" algn="ctr">
+                      <a:solidFill>
+                        <a:schemeClr val="accent1"/>
+                      </a:solidFill>
+                      <a:prstDash val="solid"/>
+                      <a:round/>
+                      <a:headEnd type="none" w="med" len="med"/>
+                      <a:tailEnd type="none" w="med" len="med"/>
+                    </a:lnT>
+                    <a:lnB w="12700" cap="flat" cmpd="sng" algn="ctr">
+                      <a:solidFill>
+                        <a:schemeClr val="accent1"/>
+                      </a:solidFill>
+                      <a:prstDash val="solid"/>
+                      <a:round/>
+                      <a:headEnd type="none" w="med" len="med"/>
+                      <a:tailEnd type="none" w="med" len="med"/>
+                    </a:lnB>
+                  </a:tcPr>
+                </a:tc>
+                <a:tc rowSpan="2">
+                  <a:txBody>
+                    <a:bodyPr/>
+                    <a:lstStyle/>
+                    <a:p>
+                      <a:r>
+                        <a:rPr lang="ru-RU" sz="1200" dirty="0" smtClean="0">
+                          <a:solidFill>
+                            <a:schemeClr val="accent1"/>
+                          </a:solidFill>
+                        </a:rPr>
+                        <a:t>Открывает файл на чтение, </a:t>
+                      </a:r>
+                      <a:r>
+                        <a:rPr lang="ru-RU" sz="1200" dirty="0" smtClean="0">
+                          <a:solidFill>
+                            <a:schemeClr val="accent1"/>
+                          </a:solidFill>
+                        </a:rPr>
+                        <a:t>читает </a:t>
+                      </a:r>
+                      <a:r>
+                        <a:rPr lang="ru-RU" sz="1200" baseline="0" dirty="0" smtClean="0">
+                          <a:solidFill>
+                            <a:schemeClr val="accent1"/>
+                          </a:solidFill>
+                        </a:rPr>
+                        <a:t>содержимое файла в массив строк и закрывает файл. Если кодировка не указана, то используется </a:t>
+                      </a:r>
+                      <a:r>
+                        <a:rPr lang="en-US" sz="1200" baseline="0" dirty="0" smtClean="0">
+                          <a:solidFill>
+                            <a:schemeClr val="accent1"/>
+                          </a:solidFill>
+                        </a:rPr>
+                        <a:t>UTF-8. </a:t>
+                      </a:r>
+                      <a:r>
+                        <a:rPr lang="ru-RU" sz="1200" baseline="0" dirty="0" smtClean="0">
+                          <a:solidFill>
+                            <a:schemeClr val="accent1"/>
+                          </a:solidFill>
+                        </a:rPr>
+                        <a:t>Строки в массиве не содержат переводы строк.</a:t>
+                      </a:r>
+                      <a:endParaRPr lang="en-US" sz="1200" dirty="0">
+                        <a:solidFill>
+                          <a:schemeClr val="accent1"/>
+                        </a:solidFill>
+                      </a:endParaRPr>
+                    </a:p>
+                  </a:txBody>
+                  <a:tcPr>
+                    <a:lnL w="12700" cap="flat" cmpd="sng" algn="ctr">
+                      <a:solidFill>
+                        <a:schemeClr val="accent1"/>
+                      </a:solidFill>
+                      <a:prstDash val="solid"/>
+                      <a:round/>
+                      <a:headEnd type="none" w="med" len="med"/>
+                      <a:tailEnd type="none" w="med" len="med"/>
+                    </a:lnL>
+                    <a:lnR w="12700" cap="flat" cmpd="sng" algn="ctr">
+                      <a:solidFill>
+                        <a:schemeClr val="accent1"/>
+                      </a:solidFill>
+                      <a:prstDash val="solid"/>
+                      <a:round/>
+                      <a:headEnd type="none" w="med" len="med"/>
+                      <a:tailEnd type="none" w="med" len="med"/>
+                    </a:lnR>
+                    <a:lnT w="12700" cap="flat" cmpd="sng" algn="ctr">
+                      <a:solidFill>
+                        <a:schemeClr val="accent1"/>
+                      </a:solidFill>
+                      <a:prstDash val="solid"/>
+                      <a:round/>
+                      <a:headEnd type="none" w="med" len="med"/>
+                      <a:tailEnd type="none" w="med" len="med"/>
+                    </a:lnT>
+                    <a:lnB w="38100" cap="flat" cmpd="sng" algn="ctr">
+                      <a:solidFill>
+                        <a:schemeClr val="accent1"/>
+                      </a:solidFill>
+                      <a:prstDash val="solid"/>
+                      <a:round/>
+                      <a:headEnd type="none" w="med" len="med"/>
+                      <a:tailEnd type="none" w="med" len="med"/>
+                    </a:lnB>
+                  </a:tcPr>
+                </a:tc>
+              </a:tr>
+              <a:tr h="211892">
+                <a:tc>
+                  <a:txBody>
+                    <a:bodyPr/>
+                    <a:lstStyle/>
+                    <a:p>
+                      <a:r>
+                        <a:rPr lang="en-US" sz="1200" dirty="0" smtClean="0">
+                          <a:solidFill>
+                            <a:schemeClr val="accent1"/>
+                          </a:solidFill>
+                        </a:rPr>
+                        <a:t>string[] </a:t>
+                      </a:r>
+                      <a:r>
+                        <a:rPr lang="en-US" sz="1200" dirty="0" err="1" smtClean="0">
+                          <a:solidFill>
+                            <a:schemeClr val="accent1"/>
+                          </a:solidFill>
+                        </a:rPr>
+                        <a:t>ReadAllLines</a:t>
+                      </a:r>
+                      <a:r>
+                        <a:rPr lang="en-US" sz="1200" dirty="0" smtClean="0">
+                          <a:solidFill>
+                            <a:schemeClr val="accent1"/>
+                          </a:solidFill>
+                        </a:rPr>
+                        <a:t>(string path, Encoding encoding)</a:t>
+                      </a:r>
+                      <a:endParaRPr lang="en-US" sz="1200" dirty="0">
+                        <a:solidFill>
+                          <a:schemeClr val="accent1"/>
+                        </a:solidFill>
+                      </a:endParaRPr>
+                    </a:p>
+                  </a:txBody>
+                  <a:tcPr>
+                    <a:lnL w="12700" cap="flat" cmpd="sng" algn="ctr">
+                      <a:solidFill>
+                        <a:schemeClr val="accent1"/>
+                      </a:solidFill>
+                      <a:prstDash val="solid"/>
+                      <a:round/>
+                      <a:headEnd type="none" w="med" len="med"/>
+                      <a:tailEnd type="none" w="med" len="med"/>
+                    </a:lnL>
+                    <a:lnR w="12700" cap="flat" cmpd="sng" algn="ctr">
+                      <a:solidFill>
+                        <a:schemeClr val="accent1"/>
+                      </a:solidFill>
+                      <a:prstDash val="solid"/>
+                      <a:round/>
+                      <a:headEnd type="none" w="med" len="med"/>
+                      <a:tailEnd type="none" w="med" len="med"/>
+                    </a:lnR>
+                    <a:lnT w="12700" cap="flat" cmpd="sng" algn="ctr">
+                      <a:solidFill>
+                        <a:schemeClr val="accent1"/>
+                      </a:solidFill>
+                      <a:prstDash val="solid"/>
+                      <a:round/>
+                      <a:headEnd type="none" w="med" len="med"/>
+                      <a:tailEnd type="none" w="med" len="med"/>
+                    </a:lnT>
+                    <a:lnB w="38100" cap="flat" cmpd="sng" algn="ctr">
+                      <a:solidFill>
+                        <a:schemeClr val="accent1"/>
+                      </a:solidFill>
+                      <a:prstDash val="solid"/>
+                      <a:round/>
+                      <a:headEnd type="none" w="med" len="med"/>
+                      <a:tailEnd type="none" w="med" len="med"/>
+                    </a:lnB>
+                  </a:tcPr>
+                </a:tc>
+                <a:tc vMerge="1">
+                  <a:txBody>
+                    <a:bodyPr/>
+                    <a:lstStyle/>
+                    <a:p>
+                      <a:endParaRPr lang="en-US"/>
+                    </a:p>
+                  </a:txBody>
+                  <a:tcPr/>
+                </a:tc>
+              </a:tr>
+              <a:tr h="246856">
+                <a:tc>
+                  <a:txBody>
+                    <a:bodyPr/>
+                    <a:lstStyle/>
+                    <a:p>
+                      <a:r>
+                        <a:rPr lang="en-US" sz="1200" dirty="0" smtClean="0">
+                          <a:solidFill>
+                            <a:schemeClr val="accent1"/>
+                          </a:solidFill>
+                        </a:rPr>
+                        <a:t>string ReadAllText(string path)</a:t>
+                      </a:r>
+                      <a:endParaRPr lang="en-US" sz="1200" dirty="0">
+                        <a:solidFill>
+                          <a:schemeClr val="accent1"/>
+                        </a:solidFill>
+                      </a:endParaRPr>
+                    </a:p>
+                  </a:txBody>
+                  <a:tcPr>
+                    <a:lnL w="12700" cap="flat" cmpd="sng" algn="ctr">
+                      <a:solidFill>
+                        <a:schemeClr val="accent1"/>
+                      </a:solidFill>
+                      <a:prstDash val="solid"/>
+                      <a:round/>
+                      <a:headEnd type="none" w="med" len="med"/>
+                      <a:tailEnd type="none" w="med" len="med"/>
+                    </a:lnL>
+                    <a:lnR w="12700" cap="flat" cmpd="sng" algn="ctr">
+                      <a:solidFill>
+                        <a:schemeClr val="accent1"/>
+                      </a:solidFill>
+                      <a:prstDash val="solid"/>
+                      <a:round/>
+                      <a:headEnd type="none" w="med" len="med"/>
+                      <a:tailEnd type="none" w="med" len="med"/>
+                    </a:lnR>
+                    <a:lnT w="38100" cap="flat" cmpd="sng" algn="ctr">
+                      <a:solidFill>
+                        <a:schemeClr val="accent1"/>
+                      </a:solidFill>
+                      <a:prstDash val="solid"/>
+                      <a:round/>
+                      <a:headEnd type="none" w="med" len="med"/>
+                      <a:tailEnd type="none" w="med" len="med"/>
+                    </a:lnT>
+                    <a:lnB w="12700" cap="flat" cmpd="sng" algn="ctr">
+                      <a:solidFill>
+                        <a:schemeClr val="accent1"/>
+                      </a:solidFill>
+                      <a:prstDash val="solid"/>
+                      <a:round/>
+                      <a:headEnd type="none" w="med" len="med"/>
+                      <a:tailEnd type="none" w="med" len="med"/>
+                    </a:lnB>
+                  </a:tcPr>
+                </a:tc>
+                <a:tc rowSpan="2">
+                  <a:txBody>
+                    <a:bodyPr/>
+                    <a:lstStyle/>
+                    <a:p>
+                      <a:r>
+                        <a:rPr lang="ru-RU" sz="1200" dirty="0" smtClean="0">
+                          <a:solidFill>
+                            <a:schemeClr val="accent1"/>
+                          </a:solidFill>
+                        </a:rPr>
+                        <a:t>Открывает файл на чтение, читает </a:t>
+                      </a:r>
+                      <a:r>
+                        <a:rPr lang="ru-RU" sz="1200" baseline="0" dirty="0" smtClean="0">
+                          <a:solidFill>
+                            <a:schemeClr val="accent1"/>
+                          </a:solidFill>
+                        </a:rPr>
+                        <a:t>содержимое файла в строку и закрывает файл. Если кодировка не указана, то используется </a:t>
+                      </a:r>
+                      <a:r>
+                        <a:rPr lang="en-US" sz="1200" baseline="0" dirty="0" smtClean="0">
+                          <a:solidFill>
+                            <a:schemeClr val="accent1"/>
+                          </a:solidFill>
+                        </a:rPr>
+                        <a:t>UTF-8.</a:t>
+                      </a:r>
+                      <a:endParaRPr lang="en-US" sz="1200" dirty="0">
+                        <a:solidFill>
+                          <a:schemeClr val="accent1"/>
+                        </a:solidFill>
+                      </a:endParaRPr>
+                    </a:p>
+                  </a:txBody>
+                  <a:tcPr>
+                    <a:lnL w="12700" cap="flat" cmpd="sng" algn="ctr">
+                      <a:solidFill>
+                        <a:schemeClr val="accent1"/>
+                      </a:solidFill>
+                      <a:prstDash val="solid"/>
+                      <a:round/>
+                      <a:headEnd type="none" w="med" len="med"/>
+                      <a:tailEnd type="none" w="med" len="med"/>
+                    </a:lnL>
+                    <a:lnR w="12700" cap="flat" cmpd="sng" algn="ctr">
+                      <a:solidFill>
+                        <a:schemeClr val="accent1"/>
+                      </a:solidFill>
+                      <a:prstDash val="solid"/>
+                      <a:round/>
+                      <a:headEnd type="none" w="med" len="med"/>
+                      <a:tailEnd type="none" w="med" len="med"/>
+                    </a:lnR>
+                    <a:lnT w="38100" cap="flat" cmpd="sng" algn="ctr">
+                      <a:solidFill>
+                        <a:schemeClr val="accent1"/>
+                      </a:solidFill>
+                      <a:prstDash val="solid"/>
+                      <a:round/>
+                      <a:headEnd type="none" w="med" len="med"/>
+                      <a:tailEnd type="none" w="med" len="med"/>
+                    </a:lnT>
+                    <a:lnB w="38100" cap="flat" cmpd="sng" algn="ctr">
+                      <a:solidFill>
+                        <a:schemeClr val="accent1"/>
+                      </a:solidFill>
+                      <a:prstDash val="solid"/>
+                      <a:round/>
+                      <a:headEnd type="none" w="med" len="med"/>
+                      <a:tailEnd type="none" w="med" len="med"/>
+                    </a:lnB>
+                  </a:tcPr>
+                </a:tc>
+              </a:tr>
+              <a:tr h="0">
+                <a:tc>
+                  <a:txBody>
+                    <a:bodyPr/>
+                    <a:lstStyle/>
+                    <a:p>
+                      <a:r>
+                        <a:rPr lang="en-US" sz="1200" dirty="0" smtClean="0">
+                          <a:solidFill>
+                            <a:schemeClr val="accent1"/>
+                          </a:solidFill>
+                        </a:rPr>
+                        <a:t>string ReadAllText(string path, Encoding encoding)</a:t>
+                      </a:r>
+                      <a:endParaRPr lang="en-US" sz="1200" dirty="0">
+                        <a:solidFill>
+                          <a:schemeClr val="accent1"/>
+                        </a:solidFill>
+                      </a:endParaRPr>
+                    </a:p>
+                  </a:txBody>
+                  <a:tcPr>
+                    <a:lnL w="12700" cap="flat" cmpd="sng" algn="ctr">
+                      <a:solidFill>
+                        <a:schemeClr val="accent1"/>
+                      </a:solidFill>
+                      <a:prstDash val="solid"/>
+                      <a:round/>
+                      <a:headEnd type="none" w="med" len="med"/>
+                      <a:tailEnd type="none" w="med" len="med"/>
+                    </a:lnL>
+                    <a:lnR w="12700" cap="flat" cmpd="sng" algn="ctr">
+                      <a:solidFill>
+                        <a:schemeClr val="accent1"/>
+                      </a:solidFill>
+                      <a:prstDash val="solid"/>
+                      <a:round/>
+                      <a:headEnd type="none" w="med" len="med"/>
+                      <a:tailEnd type="none" w="med" len="med"/>
+                    </a:lnR>
+                    <a:lnT w="12700" cap="flat" cmpd="sng" algn="ctr">
+                      <a:solidFill>
+                        <a:schemeClr val="accent1"/>
+                      </a:solidFill>
+                      <a:prstDash val="solid"/>
+                      <a:round/>
+                      <a:headEnd type="none" w="med" len="med"/>
+                      <a:tailEnd type="none" w="med" len="med"/>
+                    </a:lnT>
+                    <a:lnB w="38100" cap="flat" cmpd="sng" algn="ctr">
+                      <a:solidFill>
+                        <a:schemeClr val="accent1"/>
+                      </a:solidFill>
+                      <a:prstDash val="solid"/>
+                      <a:round/>
+                      <a:headEnd type="none" w="med" len="med"/>
+                      <a:tailEnd type="none" w="med" len="med"/>
+                    </a:lnB>
+                  </a:tcPr>
+                </a:tc>
+                <a:tc vMerge="1">
+                  <a:txBody>
+                    <a:bodyPr/>
+                    <a:lstStyle/>
+                    <a:p>
+                      <a:endParaRPr lang="en-US"/>
+                    </a:p>
+                  </a:txBody>
+                  <a:tcPr/>
+                </a:tc>
+              </a:tr>
+              <a:tr h="151224">
+                <a:tc>
+                  <a:txBody>
+                    <a:bodyPr/>
+                    <a:lstStyle/>
+                    <a:p>
+                      <a:r>
+                        <a:rPr lang="en-US" sz="1200" dirty="0" smtClean="0">
+                          <a:solidFill>
+                            <a:schemeClr val="accent1"/>
+                          </a:solidFill>
+                        </a:rPr>
+                        <a:t>void </a:t>
+                      </a:r>
+                      <a:r>
+                        <a:rPr lang="en-US" sz="1200" dirty="0" err="1" smtClean="0">
+                          <a:solidFill>
+                            <a:schemeClr val="accent1"/>
+                          </a:solidFill>
+                        </a:rPr>
+                        <a:t>AppendAllLines</a:t>
+                      </a:r>
+                      <a:r>
+                        <a:rPr lang="en-US" sz="1200" dirty="0" smtClean="0">
+                          <a:solidFill>
+                            <a:schemeClr val="accent1"/>
+                          </a:solidFill>
+                        </a:rPr>
+                        <a:t>(string path, </a:t>
+                      </a:r>
+                      <a:r>
+                        <a:rPr lang="en-US" sz="1200" dirty="0" err="1" smtClean="0">
+                          <a:solidFill>
+                            <a:schemeClr val="accent1"/>
+                          </a:solidFill>
+                        </a:rPr>
+                        <a:t>IEnumerable</a:t>
+                      </a:r>
+                      <a:r>
+                        <a:rPr lang="en-US" sz="1200" dirty="0" smtClean="0">
+                          <a:solidFill>
+                            <a:schemeClr val="accent1"/>
+                          </a:solidFill>
+                        </a:rPr>
+                        <a:t>&lt;string&gt; contents)</a:t>
+                      </a:r>
+                      <a:endParaRPr lang="en-US" sz="1200" dirty="0">
+                        <a:solidFill>
+                          <a:schemeClr val="accent1"/>
+                        </a:solidFill>
+                      </a:endParaRPr>
+                    </a:p>
+                  </a:txBody>
+                  <a:tcPr>
+                    <a:lnL w="12700" cap="flat" cmpd="sng" algn="ctr">
+                      <a:solidFill>
+                        <a:schemeClr val="accent1"/>
+                      </a:solidFill>
+                      <a:prstDash val="solid"/>
+                      <a:round/>
+                      <a:headEnd type="none" w="med" len="med"/>
+                      <a:tailEnd type="none" w="med" len="med"/>
+                    </a:lnL>
+                    <a:lnR w="12700" cap="flat" cmpd="sng" algn="ctr">
+                      <a:solidFill>
+                        <a:schemeClr val="accent1"/>
+                      </a:solidFill>
+                      <a:prstDash val="solid"/>
+                      <a:round/>
+                      <a:headEnd type="none" w="med" len="med"/>
+                      <a:tailEnd type="none" w="med" len="med"/>
+                    </a:lnR>
+                    <a:lnT w="38100" cap="flat" cmpd="sng" algn="ctr">
+                      <a:solidFill>
+                        <a:schemeClr val="accent1"/>
+                      </a:solidFill>
+                      <a:prstDash val="solid"/>
+                      <a:round/>
+                      <a:headEnd type="none" w="med" len="med"/>
+                      <a:tailEnd type="none" w="med" len="med"/>
+                    </a:lnT>
+                    <a:lnB w="12700" cap="flat" cmpd="sng" algn="ctr">
+                      <a:solidFill>
+                        <a:schemeClr val="accent1"/>
+                      </a:solidFill>
+                      <a:prstDash val="solid"/>
+                      <a:round/>
+                      <a:headEnd type="none" w="med" len="med"/>
+                      <a:tailEnd type="none" w="med" len="med"/>
+                    </a:lnB>
+                  </a:tcPr>
+                </a:tc>
+                <a:tc rowSpan="2">
+                  <a:txBody>
+                    <a:bodyPr/>
+                    <a:lstStyle/>
+                    <a:p>
+                      <a:r>
+                        <a:rPr lang="ru-RU" sz="1200" dirty="0" smtClean="0">
+                          <a:solidFill>
+                            <a:schemeClr val="accent1"/>
+                          </a:solidFill>
+                        </a:rPr>
+                        <a:t>Открывает файл на запись,</a:t>
+                      </a:r>
+                      <a:r>
+                        <a:rPr lang="ru-RU" sz="1200" baseline="0" dirty="0" smtClean="0">
+                          <a:solidFill>
+                            <a:schemeClr val="accent1"/>
+                          </a:solidFill>
+                        </a:rPr>
+                        <a:t> дописывает переданные строки в конец файла и закрывает его. Если кодировка не указана, то используется </a:t>
+                      </a:r>
+                      <a:r>
+                        <a:rPr lang="en-US" sz="1200" baseline="0" dirty="0" smtClean="0">
+                          <a:solidFill>
+                            <a:schemeClr val="accent1"/>
+                          </a:solidFill>
+                        </a:rPr>
+                        <a:t>UTF-8.</a:t>
+                      </a:r>
+                      <a:endParaRPr lang="en-US" sz="1200" dirty="0">
+                        <a:solidFill>
+                          <a:schemeClr val="accent1"/>
+                        </a:solidFill>
+                      </a:endParaRPr>
+                    </a:p>
+                  </a:txBody>
+                  <a:tcPr>
+                    <a:lnL w="12700" cap="flat" cmpd="sng" algn="ctr">
+                      <a:solidFill>
+                        <a:schemeClr val="accent1"/>
+                      </a:solidFill>
+                      <a:prstDash val="solid"/>
+                      <a:round/>
+                      <a:headEnd type="none" w="med" len="med"/>
+                      <a:tailEnd type="none" w="med" len="med"/>
+                    </a:lnL>
+                    <a:lnR w="12700" cap="flat" cmpd="sng" algn="ctr">
+                      <a:solidFill>
+                        <a:schemeClr val="accent1"/>
+                      </a:solidFill>
+                      <a:prstDash val="solid"/>
+                      <a:round/>
+                      <a:headEnd type="none" w="med" len="med"/>
+                      <a:tailEnd type="none" w="med" len="med"/>
+                    </a:lnR>
+                    <a:lnT w="38100" cap="flat" cmpd="sng" algn="ctr">
+                      <a:solidFill>
+                        <a:schemeClr val="accent1"/>
+                      </a:solidFill>
+                      <a:prstDash val="solid"/>
+                      <a:round/>
+                      <a:headEnd type="none" w="med" len="med"/>
+                      <a:tailEnd type="none" w="med" len="med"/>
+                    </a:lnT>
+                    <a:lnB w="38100" cap="flat" cmpd="sng" algn="ctr">
+                      <a:solidFill>
+                        <a:schemeClr val="accent1"/>
+                      </a:solidFill>
+                      <a:prstDash val="solid"/>
+                      <a:round/>
+                      <a:headEnd type="none" w="med" len="med"/>
+                      <a:tailEnd type="none" w="med" len="med"/>
+                    </a:lnB>
+                  </a:tcPr>
+                </a:tc>
+              </a:tr>
+              <a:tr h="295692">
+                <a:tc>
+                  <a:txBody>
+                    <a:bodyPr/>
+                    <a:lstStyle/>
+                    <a:p>
+                      <a:r>
+                        <a:rPr lang="en-US" sz="1200" dirty="0" smtClean="0">
+                          <a:solidFill>
+                            <a:schemeClr val="accent1"/>
+                          </a:solidFill>
+                        </a:rPr>
+                        <a:t>void </a:t>
+                      </a:r>
+                      <a:r>
+                        <a:rPr lang="en-US" sz="1200" dirty="0" err="1" smtClean="0">
+                          <a:solidFill>
+                            <a:schemeClr val="accent1"/>
+                          </a:solidFill>
+                        </a:rPr>
+                        <a:t>AppendAllLines</a:t>
+                      </a:r>
+                      <a:r>
+                        <a:rPr lang="en-US" sz="1200" dirty="0" smtClean="0">
+                          <a:solidFill>
+                            <a:schemeClr val="accent1"/>
+                          </a:solidFill>
+                        </a:rPr>
+                        <a:t>(string path, </a:t>
+                      </a:r>
+                      <a:r>
+                        <a:rPr lang="en-US" sz="1200" dirty="0" err="1" smtClean="0">
+                          <a:solidFill>
+                            <a:schemeClr val="accent1"/>
+                          </a:solidFill>
+                        </a:rPr>
+                        <a:t>IEnumerable</a:t>
+                      </a:r>
+                      <a:r>
+                        <a:rPr lang="en-US" sz="1200" dirty="0" smtClean="0">
+                          <a:solidFill>
+                            <a:schemeClr val="accent1"/>
+                          </a:solidFill>
+                        </a:rPr>
+                        <a:t>&lt;string&gt; contents, Encoding encoding)</a:t>
+                      </a:r>
+                      <a:endParaRPr lang="en-US" sz="1200" dirty="0">
+                        <a:solidFill>
+                          <a:schemeClr val="accent1"/>
+                        </a:solidFill>
+                      </a:endParaRPr>
+                    </a:p>
+                  </a:txBody>
+                  <a:tcPr>
+                    <a:lnL w="12700" cap="flat" cmpd="sng" algn="ctr">
+                      <a:solidFill>
+                        <a:schemeClr val="accent1"/>
+                      </a:solidFill>
+                      <a:prstDash val="solid"/>
+                      <a:round/>
+                      <a:headEnd type="none" w="med" len="med"/>
+                      <a:tailEnd type="none" w="med" len="med"/>
+                    </a:lnL>
+                    <a:lnR w="12700" cap="flat" cmpd="sng" algn="ctr">
+                      <a:solidFill>
+                        <a:schemeClr val="accent1"/>
+                      </a:solidFill>
+                      <a:prstDash val="solid"/>
+                      <a:round/>
+                      <a:headEnd type="none" w="med" len="med"/>
+                      <a:tailEnd type="none" w="med" len="med"/>
+                    </a:lnR>
+                    <a:lnT w="12700" cap="flat" cmpd="sng" algn="ctr">
+                      <a:solidFill>
+                        <a:schemeClr val="accent1"/>
+                      </a:solidFill>
+                      <a:prstDash val="solid"/>
+                      <a:round/>
+                      <a:headEnd type="none" w="med" len="med"/>
+                      <a:tailEnd type="none" w="med" len="med"/>
+                    </a:lnT>
+                    <a:lnB w="38100" cap="flat" cmpd="sng" algn="ctr">
+                      <a:solidFill>
+                        <a:schemeClr val="accent1"/>
+                      </a:solidFill>
+                      <a:prstDash val="solid"/>
+                      <a:round/>
+                      <a:headEnd type="none" w="med" len="med"/>
+                      <a:tailEnd type="none" w="med" len="med"/>
+                    </a:lnB>
+                  </a:tcPr>
+                </a:tc>
+                <a:tc vMerge="1">
+                  <a:txBody>
+                    <a:bodyPr/>
+                    <a:lstStyle/>
+                    <a:p>
+                      <a:endParaRPr lang="en-US"/>
+                    </a:p>
+                  </a:txBody>
+                  <a:tcPr/>
+                </a:tc>
+              </a:tr>
+              <a:tr h="0">
+                <a:tc>
+                  <a:txBody>
+                    <a:bodyPr/>
+                    <a:lstStyle/>
+                    <a:p>
+                      <a:r>
+                        <a:rPr lang="en-US" sz="1200" dirty="0" smtClean="0">
+                          <a:solidFill>
+                            <a:schemeClr val="accent1"/>
+                          </a:solidFill>
+                        </a:rPr>
+                        <a:t>void </a:t>
+                      </a:r>
+                      <a:r>
+                        <a:rPr lang="en-US" sz="1200" dirty="0" err="1" smtClean="0">
+                          <a:solidFill>
+                            <a:schemeClr val="accent1"/>
+                          </a:solidFill>
+                        </a:rPr>
+                        <a:t>AppendAllText</a:t>
+                      </a:r>
+                      <a:r>
+                        <a:rPr lang="en-US" sz="1200" dirty="0" smtClean="0">
+                          <a:solidFill>
+                            <a:schemeClr val="accent1"/>
+                          </a:solidFill>
+                        </a:rPr>
+                        <a:t>(string path, string contents)</a:t>
+                      </a:r>
+                    </a:p>
+                  </a:txBody>
+                  <a:tcPr>
+                    <a:lnL w="12700" cap="flat" cmpd="sng" algn="ctr">
+                      <a:solidFill>
+                        <a:schemeClr val="accent1"/>
+                      </a:solidFill>
+                      <a:prstDash val="solid"/>
+                      <a:round/>
+                      <a:headEnd type="none" w="med" len="med"/>
+                      <a:tailEnd type="none" w="med" len="med"/>
+                    </a:lnL>
+                    <a:lnR w="12700" cap="flat" cmpd="sng" algn="ctr">
+                      <a:solidFill>
+                        <a:schemeClr val="accent1"/>
+                      </a:solidFill>
+                      <a:prstDash val="solid"/>
+                      <a:round/>
+                      <a:headEnd type="none" w="med" len="med"/>
+                      <a:tailEnd type="none" w="med" len="med"/>
+                    </a:lnR>
+                    <a:lnT w="38100" cap="flat" cmpd="sng" algn="ctr">
+                      <a:solidFill>
+                        <a:schemeClr val="accent1"/>
+                      </a:solidFill>
+                      <a:prstDash val="solid"/>
+                      <a:round/>
+                      <a:headEnd type="none" w="med" len="med"/>
+                      <a:tailEnd type="none" w="med" len="med"/>
+                    </a:lnT>
+                    <a:lnB w="12700" cap="flat" cmpd="sng" algn="ctr">
+                      <a:solidFill>
+                        <a:schemeClr val="accent1"/>
+                      </a:solidFill>
+                      <a:prstDash val="solid"/>
+                      <a:round/>
+                      <a:headEnd type="none" w="med" len="med"/>
+                      <a:tailEnd type="none" w="med" len="med"/>
+                    </a:lnB>
+                  </a:tcPr>
+                </a:tc>
+                <a:tc rowSpan="2">
+                  <a:txBody>
+                    <a:bodyPr/>
+                    <a:lstStyle/>
+                    <a:p>
+                      <a:pPr marL="0" marR="0" indent="0" algn="l" defTabSz="914400" rtl="0" eaLnBrk="1" fontAlgn="auto" latinLnBrk="0" hangingPunct="1">
+                        <a:lnSpc>
+                          <a:spcPct val="100000"/>
+                        </a:lnSpc>
+                        <a:spcBef>
+                          <a:spcPts val="0"/>
+                        </a:spcBef>
+                        <a:spcAft>
+                          <a:spcPts val="0"/>
+                        </a:spcAft>
+                        <a:buClrTx/>
+                        <a:buSzTx/>
+                        <a:buFontTx/>
+                        <a:buNone/>
+                        <a:tabLst/>
+                        <a:defRPr/>
+                      </a:pPr>
+                      <a:r>
+                        <a:rPr lang="ru-RU" sz="1200" dirty="0" smtClean="0">
+                          <a:solidFill>
+                            <a:schemeClr val="accent1"/>
+                          </a:solidFill>
+                        </a:rPr>
+                        <a:t>Открывает файл на запись,</a:t>
+                      </a:r>
+                      <a:r>
+                        <a:rPr lang="ru-RU" sz="1200" baseline="0" dirty="0" smtClean="0">
+                          <a:solidFill>
+                            <a:schemeClr val="accent1"/>
+                          </a:solidFill>
+                        </a:rPr>
+                        <a:t> дописывает переданную строку в конец файла и закрывает его. Если кодировка не указана, то используется </a:t>
+                      </a:r>
+                      <a:r>
+                        <a:rPr lang="en-US" sz="1200" baseline="0" dirty="0" smtClean="0">
+                          <a:solidFill>
+                            <a:schemeClr val="accent1"/>
+                          </a:solidFill>
+                        </a:rPr>
+                        <a:t>UTF-8.</a:t>
+                      </a:r>
+                      <a:endParaRPr lang="en-US" sz="1200" dirty="0">
+                        <a:solidFill>
+                          <a:schemeClr val="accent1"/>
+                        </a:solidFill>
+                      </a:endParaRPr>
+                    </a:p>
+                  </a:txBody>
+                  <a:tcPr>
+                    <a:lnL w="12700" cap="flat" cmpd="sng" algn="ctr">
+                      <a:solidFill>
+                        <a:schemeClr val="accent1"/>
+                      </a:solidFill>
+                      <a:prstDash val="solid"/>
+                      <a:round/>
+                      <a:headEnd type="none" w="med" len="med"/>
+                      <a:tailEnd type="none" w="med" len="med"/>
+                    </a:lnL>
+                    <a:lnR w="12700" cap="flat" cmpd="sng" algn="ctr">
+                      <a:solidFill>
+                        <a:schemeClr val="accent1"/>
+                      </a:solidFill>
+                      <a:prstDash val="solid"/>
+                      <a:round/>
+                      <a:headEnd type="none" w="med" len="med"/>
+                      <a:tailEnd type="none" w="med" len="med"/>
+                    </a:lnR>
+                    <a:lnT w="38100" cap="flat" cmpd="sng" algn="ctr">
+                      <a:solidFill>
+                        <a:schemeClr val="accent1"/>
+                      </a:solidFill>
+                      <a:prstDash val="solid"/>
+                      <a:round/>
+                      <a:headEnd type="none" w="med" len="med"/>
+                      <a:tailEnd type="none" w="med" len="med"/>
+                    </a:lnT>
+                    <a:lnB w="38100" cap="flat" cmpd="sng" algn="ctr">
+                      <a:solidFill>
+                        <a:schemeClr val="accent1"/>
+                      </a:solidFill>
+                      <a:prstDash val="solid"/>
+                      <a:round/>
+                      <a:headEnd type="none" w="med" len="med"/>
+                      <a:tailEnd type="none" w="med" len="med"/>
+                    </a:lnB>
+                  </a:tcPr>
+                </a:tc>
+              </a:tr>
+              <a:tr h="329972">
+                <a:tc>
+                  <a:txBody>
+                    <a:bodyPr/>
+                    <a:lstStyle/>
+                    <a:p>
+                      <a:pPr marL="0" marR="0" indent="0" algn="l" defTabSz="914400" rtl="0" eaLnBrk="1" fontAlgn="auto" latinLnBrk="0" hangingPunct="1">
+                        <a:lnSpc>
+                          <a:spcPct val="100000"/>
+                        </a:lnSpc>
+                        <a:spcBef>
+                          <a:spcPts val="0"/>
+                        </a:spcBef>
+                        <a:spcAft>
+                          <a:spcPts val="0"/>
+                        </a:spcAft>
+                        <a:buClrTx/>
+                        <a:buSzTx/>
+                        <a:buFontTx/>
+                        <a:buNone/>
+                        <a:tabLst/>
+                        <a:defRPr/>
+                      </a:pPr>
+                      <a:r>
+                        <a:rPr lang="en-US" sz="1200" dirty="0" smtClean="0">
+                          <a:solidFill>
+                            <a:schemeClr val="accent1"/>
+                          </a:solidFill>
+                        </a:rPr>
+                        <a:t>void </a:t>
+                      </a:r>
+                      <a:r>
+                        <a:rPr lang="en-US" sz="1200" dirty="0" err="1" smtClean="0">
+                          <a:solidFill>
+                            <a:schemeClr val="accent1"/>
+                          </a:solidFill>
+                        </a:rPr>
+                        <a:t>AppendAllText</a:t>
+                      </a:r>
+                      <a:r>
+                        <a:rPr lang="en-US" sz="1200" dirty="0" smtClean="0">
+                          <a:solidFill>
+                            <a:schemeClr val="accent1"/>
+                          </a:solidFill>
+                        </a:rPr>
+                        <a:t>(string path, string contents, Encoding encoding)</a:t>
+                      </a:r>
+                      <a:endParaRPr lang="en-US" sz="1200" dirty="0">
+                        <a:solidFill>
+                          <a:schemeClr val="accent1"/>
+                        </a:solidFill>
+                      </a:endParaRPr>
+                    </a:p>
+                  </a:txBody>
+                  <a:tcPr>
+                    <a:lnL w="12700" cap="flat" cmpd="sng" algn="ctr">
+                      <a:solidFill>
+                        <a:schemeClr val="accent1"/>
+                      </a:solidFill>
+                      <a:prstDash val="solid"/>
+                      <a:round/>
+                      <a:headEnd type="none" w="med" len="med"/>
+                      <a:tailEnd type="none" w="med" len="med"/>
+                    </a:lnL>
+                    <a:lnR w="12700" cap="flat" cmpd="sng" algn="ctr">
+                      <a:solidFill>
+                        <a:schemeClr val="accent1"/>
+                      </a:solidFill>
+                      <a:prstDash val="solid"/>
+                      <a:round/>
+                      <a:headEnd type="none" w="med" len="med"/>
+                      <a:tailEnd type="none" w="med" len="med"/>
+                    </a:lnR>
+                    <a:lnT w="12700" cap="flat" cmpd="sng" algn="ctr">
+                      <a:solidFill>
+                        <a:schemeClr val="accent1"/>
+                      </a:solidFill>
+                      <a:prstDash val="solid"/>
+                      <a:round/>
+                      <a:headEnd type="none" w="med" len="med"/>
+                      <a:tailEnd type="none" w="med" len="med"/>
+                    </a:lnT>
+                    <a:lnB w="38100" cap="flat" cmpd="sng" algn="ctr">
+                      <a:solidFill>
+                        <a:schemeClr val="accent1"/>
+                      </a:solidFill>
+                      <a:prstDash val="solid"/>
+                      <a:round/>
+                      <a:headEnd type="none" w="med" len="med"/>
+                      <a:tailEnd type="none" w="med" len="med"/>
+                    </a:lnB>
+                  </a:tcPr>
+                </a:tc>
+                <a:tc vMerge="1">
+                  <a:txBody>
+                    <a:bodyPr/>
+                    <a:lstStyle/>
+                    <a:p>
+                      <a:endParaRPr lang="en-US"/>
+                    </a:p>
+                  </a:txBody>
+                  <a:tcPr/>
+                </a:tc>
+              </a:tr>
+            </a:tbl>
+          </a:graphicData>
+        </a:graphic>
+      </p:graphicFrame>
+    </p:spTree>
+    <p:extLst>
+      <p:ext uri="{BB962C8B-B14F-4D97-AF65-F5344CB8AC3E}">
+        <p14:creationId xmlns:p14="http://schemas.microsoft.com/office/powerpoint/2010/main" val="92285174"/>
+      </p:ext>
+    </p:extLst>
+  </p:cSld>
+  <p:clrMapOvr>
+    <a:masterClrMapping/>
+  </p:clrMapOvr>
+</p:sld>
+</file>
+
+<file path=ppt/slides/slide18.xml><?xml version="1.0" encoding="utf-8"?>
+<p:sld xmlns:a="http://schemas.openxmlformats.org/drawingml/2006/main" xmlns:r="http://schemas.openxmlformats.org/officeDocument/2006/relationships" xmlns:p="http://schemas.openxmlformats.org/presentationml/2006/main">
+  <p:cSld>
+    <p:spTree>
+      <p:nvGrpSpPr>
+        <p:cNvPr id="1" name=""/>
+        <p:cNvGrpSpPr/>
+        <p:nvPr/>
+      </p:nvGrpSpPr>
+      <p:grpSpPr>
+        <a:xfrm>
+          <a:off x="0" y="0"/>
+          <a:ext cx="0" cy="0"/>
+          <a:chOff x="0" y="0"/>
+          <a:chExt cx="0" cy="0"/>
+        </a:xfrm>
+      </p:grpSpPr>
+      <p:sp>
+        <p:nvSpPr>
+          <p:cNvPr id="2" name="Title 1"/>
+          <p:cNvSpPr>
+            <a:spLocks noGrp="1"/>
+          </p:cNvSpPr>
+          <p:nvPr>
+            <p:ph type="title"/>
+          </p:nvPr>
+        </p:nvSpPr>
+        <p:spPr>
+          <a:xfrm>
+            <a:off x="457200" y="274638"/>
+            <a:ext cx="8229600" cy="922114"/>
+          </a:xfrm>
+        </p:spPr>
+        <p:txBody>
+          <a:bodyPr>
+            <a:normAutofit fontScale="90000"/>
+          </a:bodyPr>
+          <a:lstStyle/>
+          <a:p>
+            <a:r>
+              <a:rPr lang="ru-RU" sz="2800" dirty="0" smtClean="0"/>
+              <a:t>Класс </a:t>
+            </a:r>
+            <a:r>
+              <a:rPr lang="en-US" sz="2800" dirty="0" smtClean="0"/>
+              <a:t>File. </a:t>
+            </a:r>
+            <a:r>
+              <a:rPr lang="ru-RU" sz="2800" dirty="0" smtClean="0"/>
+              <a:t>Быстрое чтение/запись файлов.</a:t>
+            </a:r>
+            <a:br>
+              <a:rPr lang="ru-RU" sz="2800" dirty="0" smtClean="0"/>
+            </a:br>
+            <a:r>
+              <a:rPr lang="ru-RU" sz="2800" dirty="0" smtClean="0"/>
+              <a:t>Окончание.</a:t>
+            </a:r>
+            <a:endParaRPr lang="en-US" sz="2800" dirty="0"/>
+          </a:p>
+        </p:txBody>
+      </p:sp>
+      <p:sp>
+        <p:nvSpPr>
+          <p:cNvPr id="3" name="Content Placeholder 2"/>
+          <p:cNvSpPr>
+            <a:spLocks noGrp="1"/>
+          </p:cNvSpPr>
+          <p:nvPr>
+            <p:ph idx="1"/>
+          </p:nvPr>
+        </p:nvSpPr>
+        <p:spPr>
+          <a:xfrm>
+            <a:off x="457200" y="1196752"/>
+            <a:ext cx="8229600" cy="748679"/>
+          </a:xfrm>
+        </p:spPr>
+        <p:txBody>
+          <a:bodyPr>
+            <a:normAutofit/>
+          </a:bodyPr>
+          <a:lstStyle/>
+          <a:p>
+            <a:pPr marL="0" indent="0">
+              <a:buNone/>
+            </a:pPr>
+            <a:r>
+              <a:rPr lang="ru-RU" sz="1600" dirty="0" smtClean="0"/>
+              <a:t>Класс </a:t>
+            </a:r>
+            <a:r>
+              <a:rPr lang="en-US" sz="1600" dirty="0" smtClean="0"/>
+              <a:t>File </a:t>
+            </a:r>
+            <a:r>
+              <a:rPr lang="ru-RU" sz="1600" dirty="0" smtClean="0"/>
+              <a:t>содержит ряд статических методов позволяющих прочитать все данные из файла или записать их в него с помощью одного вызова.</a:t>
+            </a:r>
+          </a:p>
+          <a:p>
+            <a:pPr marL="0" indent="0">
+              <a:buNone/>
+            </a:pPr>
+            <a:endParaRPr lang="en-US" sz="1600" dirty="0"/>
+          </a:p>
+        </p:txBody>
+      </p:sp>
+      <p:graphicFrame>
+        <p:nvGraphicFramePr>
+          <p:cNvPr id="4" name="Table 3"/>
+          <p:cNvGraphicFramePr>
+            <a:graphicFrameLocks noGrp="1"/>
+          </p:cNvGraphicFramePr>
+          <p:nvPr>
+            <p:extLst>
+              <p:ext uri="{D42A27DB-BD31-4B8C-83A1-F6EECF244321}">
+                <p14:modId xmlns:p14="http://schemas.microsoft.com/office/powerpoint/2010/main" val="2375332885"/>
+              </p:ext>
+            </p:extLst>
+          </p:nvPr>
+        </p:nvGraphicFramePr>
+        <p:xfrm>
+          <a:off x="492224" y="1932424"/>
+          <a:ext cx="8184232" cy="2377440"/>
+        </p:xfrm>
+        <a:graphic>
+          <a:graphicData uri="http://schemas.openxmlformats.org/drawingml/2006/table">
+            <a:tbl>
+              <a:tblPr firstRow="1" bandRow="1">
+                <a:tableStyleId>{073A0DAA-6AF3-43AB-8588-CEC1D06C72B9}</a:tableStyleId>
+              </a:tblPr>
+              <a:tblGrid>
+                <a:gridCol w="4367808"/>
+                <a:gridCol w="3816424"/>
+              </a:tblGrid>
+              <a:tr h="222841">
+                <a:tc gridSpan="2">
+                  <a:txBody>
+                    <a:bodyPr/>
+                    <a:lstStyle/>
+                    <a:p>
+                      <a:r>
+                        <a:rPr lang="ru-RU" sz="1200" b="1" dirty="0" smtClean="0">
+                          <a:solidFill>
+                            <a:schemeClr val="bg1"/>
+                          </a:solidFill>
+                        </a:rPr>
+                        <a:t>Текстовые данные</a:t>
+                      </a:r>
+                      <a:endParaRPr lang="en-US" sz="1200" b="1" dirty="0">
+                        <a:solidFill>
+                          <a:schemeClr val="bg1"/>
+                        </a:solidFill>
+                      </a:endParaRPr>
+                    </a:p>
+                  </a:txBody>
+                  <a:tcPr>
+                    <a:lnL w="12700" cap="flat" cmpd="sng" algn="ctr">
+                      <a:solidFill>
+                        <a:schemeClr val="accent1"/>
+                      </a:solidFill>
+                      <a:prstDash val="solid"/>
+                      <a:round/>
+                      <a:headEnd type="none" w="med" len="med"/>
+                      <a:tailEnd type="none" w="med" len="med"/>
+                    </a:lnL>
+                    <a:lnR w="12700" cap="flat" cmpd="sng" algn="ctr">
+                      <a:solidFill>
+                        <a:schemeClr val="accent1"/>
+                      </a:solidFill>
+                      <a:prstDash val="solid"/>
+                      <a:round/>
+                      <a:headEnd type="none" w="med" len="med"/>
+                      <a:tailEnd type="none" w="med" len="med"/>
+                    </a:lnR>
+                    <a:lnT w="12700" cap="flat" cmpd="sng" algn="ctr">
+                      <a:solidFill>
+                        <a:schemeClr val="accent1"/>
+                      </a:solidFill>
+                      <a:prstDash val="solid"/>
+                      <a:round/>
+                      <a:headEnd type="none" w="med" len="med"/>
+                      <a:tailEnd type="none" w="med" len="med"/>
+                    </a:lnT>
+                    <a:lnB w="38100" cap="flat" cmpd="sng" algn="ctr">
+                      <a:solidFill>
+                        <a:schemeClr val="accent1"/>
+                      </a:solidFill>
+                      <a:prstDash val="solid"/>
+                      <a:round/>
+                      <a:headEnd type="none" w="med" len="med"/>
+                      <a:tailEnd type="none" w="med" len="med"/>
+                    </a:lnB>
+                    <a:solidFill>
+                      <a:schemeClr val="accent1"/>
+                    </a:solidFill>
+                  </a:tcPr>
+                </a:tc>
+                <a:tc hMerge="1">
+                  <a:txBody>
+                    <a:bodyPr/>
+                    <a:lstStyle/>
+                    <a:p>
+                      <a:endParaRPr lang="en-US"/>
+                    </a:p>
+                  </a:txBody>
+                  <a:tcPr/>
+                </a:tc>
+              </a:tr>
+              <a:tr h="274320">
+                <a:tc>
+                  <a:txBody>
+                    <a:bodyPr/>
+                    <a:lstStyle/>
+                    <a:p>
+                      <a:pPr marL="0" marR="0" indent="0" algn="l" defTabSz="914400" rtl="0" eaLnBrk="1" fontAlgn="auto" latinLnBrk="0" hangingPunct="1">
+                        <a:lnSpc>
+                          <a:spcPct val="100000"/>
+                        </a:lnSpc>
+                        <a:spcBef>
+                          <a:spcPts val="0"/>
+                        </a:spcBef>
+                        <a:spcAft>
+                          <a:spcPts val="0"/>
+                        </a:spcAft>
+                        <a:buClrTx/>
+                        <a:buSzTx/>
+                        <a:buFontTx/>
+                        <a:buNone/>
+                        <a:tabLst/>
+                        <a:defRPr/>
+                      </a:pPr>
+                      <a:r>
+                        <a:rPr lang="en-US" sz="1200" dirty="0" smtClean="0">
+                          <a:solidFill>
+                            <a:schemeClr val="accent1"/>
+                          </a:solidFill>
+                        </a:rPr>
+                        <a:t>void </a:t>
+                      </a:r>
+                      <a:r>
+                        <a:rPr lang="en-US" sz="1200" dirty="0" err="1" smtClean="0">
+                          <a:solidFill>
+                            <a:schemeClr val="accent1"/>
+                          </a:solidFill>
+                        </a:rPr>
+                        <a:t>WriteAllLines</a:t>
+                      </a:r>
+                      <a:r>
+                        <a:rPr lang="en-US" sz="1200" dirty="0" smtClean="0">
+                          <a:solidFill>
+                            <a:schemeClr val="accent1"/>
+                          </a:solidFill>
+                        </a:rPr>
+                        <a:t>(string path, </a:t>
+                      </a:r>
+                      <a:r>
+                        <a:rPr lang="en-US" sz="1200" dirty="0" err="1" smtClean="0">
+                          <a:solidFill>
+                            <a:schemeClr val="accent1"/>
+                          </a:solidFill>
+                        </a:rPr>
+                        <a:t>IEnumerable</a:t>
+                      </a:r>
+                      <a:r>
+                        <a:rPr lang="en-US" sz="1200" dirty="0" smtClean="0">
+                          <a:solidFill>
+                            <a:schemeClr val="accent1"/>
+                          </a:solidFill>
+                        </a:rPr>
+                        <a:t>&lt;string&gt; contents)</a:t>
+                      </a:r>
+                    </a:p>
+                  </a:txBody>
+                  <a:tcPr>
+                    <a:lnL w="12700" cap="flat" cmpd="sng" algn="ctr">
+                      <a:solidFill>
+                        <a:schemeClr val="accent1"/>
+                      </a:solidFill>
+                      <a:prstDash val="solid"/>
+                      <a:round/>
+                      <a:headEnd type="none" w="med" len="med"/>
+                      <a:tailEnd type="none" w="med" len="med"/>
+                    </a:lnL>
+                    <a:lnR w="12700" cap="flat" cmpd="sng" algn="ctr">
+                      <a:solidFill>
+                        <a:schemeClr val="accent1"/>
+                      </a:solidFill>
+                      <a:prstDash val="solid"/>
+                      <a:round/>
+                      <a:headEnd type="none" w="med" len="med"/>
+                      <a:tailEnd type="none" w="med" len="med"/>
+                    </a:lnR>
+                    <a:lnT w="38100" cap="flat" cmpd="sng" algn="ctr">
+                      <a:solidFill>
+                        <a:schemeClr val="accent1"/>
+                      </a:solidFill>
+                      <a:prstDash val="solid"/>
+                      <a:round/>
+                      <a:headEnd type="none" w="med" len="med"/>
+                      <a:tailEnd type="none" w="med" len="med"/>
+                    </a:lnT>
+                    <a:lnB w="12700" cap="flat" cmpd="sng" algn="ctr">
+                      <a:solidFill>
+                        <a:schemeClr val="accent1"/>
+                      </a:solidFill>
+                      <a:prstDash val="solid"/>
+                      <a:round/>
+                      <a:headEnd type="none" w="med" len="med"/>
+                      <a:tailEnd type="none" w="med" len="med"/>
+                    </a:lnB>
+                  </a:tcPr>
+                </a:tc>
+                <a:tc rowSpan="4">
+                  <a:txBody>
+                    <a:bodyPr/>
+                    <a:lstStyle/>
+                    <a:p>
+                      <a:pPr marL="0" marR="0" indent="0" algn="l" defTabSz="914400" rtl="0" eaLnBrk="1" fontAlgn="auto" latinLnBrk="0" hangingPunct="1">
+                        <a:lnSpc>
+                          <a:spcPct val="100000"/>
+                        </a:lnSpc>
+                        <a:spcBef>
+                          <a:spcPts val="0"/>
+                        </a:spcBef>
+                        <a:spcAft>
+                          <a:spcPts val="0"/>
+                        </a:spcAft>
+                        <a:buClrTx/>
+                        <a:buSzTx/>
+                        <a:buFontTx/>
+                        <a:buNone/>
+                        <a:tabLst/>
+                        <a:defRPr/>
+                      </a:pPr>
+                      <a:r>
+                        <a:rPr lang="ru-RU" sz="1200" dirty="0" smtClean="0">
+                          <a:solidFill>
+                            <a:schemeClr val="accent1"/>
+                          </a:solidFill>
+                        </a:rPr>
+                        <a:t>Открывает файл на запись,</a:t>
+                      </a:r>
+                      <a:r>
+                        <a:rPr lang="ru-RU" sz="1200" baseline="0" dirty="0" smtClean="0">
+                          <a:solidFill>
+                            <a:schemeClr val="accent1"/>
+                          </a:solidFill>
+                        </a:rPr>
+                        <a:t> записывает переданные строки в файл и закрывает его. Если кодировка не указана, то используется </a:t>
+                      </a:r>
+                      <a:r>
+                        <a:rPr lang="en-US" sz="1200" baseline="0" dirty="0" smtClean="0">
+                          <a:solidFill>
+                            <a:schemeClr val="accent1"/>
+                          </a:solidFill>
+                        </a:rPr>
+                        <a:t>UTF-8.</a:t>
+                      </a:r>
+                      <a:r>
+                        <a:rPr lang="ru-RU" sz="1200" baseline="0" dirty="0" smtClean="0">
+                          <a:solidFill>
+                            <a:schemeClr val="accent1"/>
+                          </a:solidFill>
+                        </a:rPr>
+                        <a:t> Переводы строк будут добавлены автоматически.</a:t>
+                      </a:r>
+                      <a:endParaRPr lang="en-US" sz="1200" dirty="0">
+                        <a:solidFill>
+                          <a:schemeClr val="accent1"/>
+                        </a:solidFill>
+                      </a:endParaRPr>
+                    </a:p>
+                  </a:txBody>
+                  <a:tcPr>
+                    <a:lnL w="12700" cap="flat" cmpd="sng" algn="ctr">
+                      <a:solidFill>
+                        <a:schemeClr val="accent1"/>
+                      </a:solidFill>
+                      <a:prstDash val="solid"/>
+                      <a:round/>
+                      <a:headEnd type="none" w="med" len="med"/>
+                      <a:tailEnd type="none" w="med" len="med"/>
+                    </a:lnL>
+                    <a:lnR w="12700" cap="flat" cmpd="sng" algn="ctr">
+                      <a:solidFill>
+                        <a:schemeClr val="accent1"/>
+                      </a:solidFill>
+                      <a:prstDash val="solid"/>
+                      <a:round/>
+                      <a:headEnd type="none" w="med" len="med"/>
+                      <a:tailEnd type="none" w="med" len="med"/>
+                    </a:lnR>
+                    <a:lnT w="38100" cap="flat" cmpd="sng" algn="ctr">
+                      <a:solidFill>
+                        <a:schemeClr val="accent1"/>
+                      </a:solidFill>
+                      <a:prstDash val="solid"/>
+                      <a:round/>
+                      <a:headEnd type="none" w="med" len="med"/>
+                      <a:tailEnd type="none" w="med" len="med"/>
+                    </a:lnT>
+                    <a:lnB w="38100" cap="flat" cmpd="sng" algn="ctr">
+                      <a:solidFill>
+                        <a:schemeClr val="accent1"/>
+                      </a:solidFill>
+                      <a:prstDash val="solid"/>
+                      <a:round/>
+                      <a:headEnd type="none" w="med" len="med"/>
+                      <a:tailEnd type="none" w="med" len="med"/>
+                    </a:lnB>
+                  </a:tcPr>
+                </a:tc>
+              </a:tr>
+              <a:tr h="0">
+                <a:tc>
+                  <a:txBody>
+                    <a:bodyPr/>
+                    <a:lstStyle/>
+                    <a:p>
+                      <a:pPr marL="0" marR="0" indent="0" algn="l" defTabSz="914400" rtl="0" eaLnBrk="1" fontAlgn="auto" latinLnBrk="0" hangingPunct="1">
+                        <a:lnSpc>
+                          <a:spcPct val="100000"/>
+                        </a:lnSpc>
+                        <a:spcBef>
+                          <a:spcPts val="0"/>
+                        </a:spcBef>
+                        <a:spcAft>
+                          <a:spcPts val="0"/>
+                        </a:spcAft>
+                        <a:buClrTx/>
+                        <a:buSzTx/>
+                        <a:buFontTx/>
+                        <a:buNone/>
+                        <a:tabLst/>
+                        <a:defRPr/>
+                      </a:pPr>
+                      <a:r>
+                        <a:rPr lang="en-US" sz="1200" dirty="0" smtClean="0">
+                          <a:solidFill>
+                            <a:schemeClr val="accent1"/>
+                          </a:solidFill>
+                        </a:rPr>
+                        <a:t>void </a:t>
+                      </a:r>
+                      <a:r>
+                        <a:rPr lang="en-US" sz="1200" dirty="0" err="1" smtClean="0">
+                          <a:solidFill>
+                            <a:schemeClr val="accent1"/>
+                          </a:solidFill>
+                        </a:rPr>
+                        <a:t>WriteAllLines</a:t>
+                      </a:r>
+                      <a:r>
+                        <a:rPr lang="en-US" sz="1200" dirty="0" smtClean="0">
+                          <a:solidFill>
+                            <a:schemeClr val="accent1"/>
+                          </a:solidFill>
+                        </a:rPr>
+                        <a:t>(string path,</a:t>
+                      </a:r>
+                      <a:r>
+                        <a:rPr lang="ru-RU" sz="1200" dirty="0" smtClean="0">
+                          <a:solidFill>
+                            <a:schemeClr val="accent1"/>
+                          </a:solidFill>
+                        </a:rPr>
+                        <a:t> </a:t>
+                      </a:r>
+                      <a:r>
+                        <a:rPr lang="en-US" sz="1200" dirty="0" smtClean="0">
+                          <a:solidFill>
+                            <a:schemeClr val="accent1"/>
+                          </a:solidFill>
+                        </a:rPr>
+                        <a:t>string[] contents)</a:t>
+                      </a:r>
+                      <a:endParaRPr lang="en-US" sz="1200" dirty="0">
+                        <a:solidFill>
+                          <a:schemeClr val="accent1"/>
+                        </a:solidFill>
+                      </a:endParaRPr>
+                    </a:p>
+                  </a:txBody>
+                  <a:tcPr>
+                    <a:lnL w="12700" cap="flat" cmpd="sng" algn="ctr">
+                      <a:solidFill>
+                        <a:schemeClr val="accent1"/>
+                      </a:solidFill>
+                      <a:prstDash val="solid"/>
+                      <a:round/>
+                      <a:headEnd type="none" w="med" len="med"/>
+                      <a:tailEnd type="none" w="med" len="med"/>
+                    </a:lnL>
+                    <a:lnR w="12700" cap="flat" cmpd="sng" algn="ctr">
+                      <a:solidFill>
+                        <a:schemeClr val="accent1"/>
+                      </a:solidFill>
+                      <a:prstDash val="solid"/>
+                      <a:round/>
+                      <a:headEnd type="none" w="med" len="med"/>
+                      <a:tailEnd type="none" w="med" len="med"/>
+                    </a:lnR>
+                    <a:lnT w="12700" cap="flat" cmpd="sng" algn="ctr">
+                      <a:solidFill>
+                        <a:schemeClr val="accent1"/>
+                      </a:solidFill>
+                      <a:prstDash val="solid"/>
+                      <a:round/>
+                      <a:headEnd type="none" w="med" len="med"/>
+                      <a:tailEnd type="none" w="med" len="med"/>
+                    </a:lnT>
+                    <a:lnB w="12700" cap="flat" cmpd="sng" algn="ctr">
+                      <a:solidFill>
+                        <a:schemeClr val="accent1"/>
+                      </a:solidFill>
+                      <a:prstDash val="solid"/>
+                      <a:round/>
+                      <a:headEnd type="none" w="med" len="med"/>
+                      <a:tailEnd type="none" w="med" len="med"/>
+                    </a:lnB>
+                  </a:tcPr>
+                </a:tc>
+                <a:tc vMerge="1">
+                  <a:txBody>
+                    <a:bodyPr/>
+                    <a:lstStyle/>
+                    <a:p>
+                      <a:endParaRPr lang="en-US"/>
+                    </a:p>
+                  </a:txBody>
+                  <a:tcPr/>
+                </a:tc>
+              </a:tr>
+              <a:tr h="0">
+                <a:tc>
+                  <a:txBody>
+                    <a:bodyPr/>
+                    <a:lstStyle/>
+                    <a:p>
+                      <a:pPr marL="0" marR="0" indent="0" algn="l" defTabSz="914400" rtl="0" eaLnBrk="1" fontAlgn="auto" latinLnBrk="0" hangingPunct="1">
+                        <a:lnSpc>
+                          <a:spcPct val="100000"/>
+                        </a:lnSpc>
+                        <a:spcBef>
+                          <a:spcPts val="0"/>
+                        </a:spcBef>
+                        <a:spcAft>
+                          <a:spcPts val="0"/>
+                        </a:spcAft>
+                        <a:buClrTx/>
+                        <a:buSzTx/>
+                        <a:buFontTx/>
+                        <a:buNone/>
+                        <a:tabLst/>
+                        <a:defRPr/>
+                      </a:pPr>
+                      <a:r>
+                        <a:rPr lang="en-US" sz="1200" dirty="0" smtClean="0">
+                          <a:solidFill>
+                            <a:schemeClr val="accent1"/>
+                          </a:solidFill>
+                        </a:rPr>
+                        <a:t>void </a:t>
+                      </a:r>
+                      <a:r>
+                        <a:rPr lang="en-US" sz="1200" dirty="0" err="1" smtClean="0">
+                          <a:solidFill>
+                            <a:schemeClr val="accent1"/>
+                          </a:solidFill>
+                        </a:rPr>
+                        <a:t>WriteAllLines</a:t>
+                      </a:r>
+                      <a:r>
+                        <a:rPr lang="en-US" sz="1200" dirty="0" smtClean="0">
+                          <a:solidFill>
+                            <a:schemeClr val="accent1"/>
+                          </a:solidFill>
+                        </a:rPr>
+                        <a:t>(string path, </a:t>
+                      </a:r>
+                      <a:r>
+                        <a:rPr lang="en-US" sz="1200" dirty="0" err="1" smtClean="0">
+                          <a:solidFill>
+                            <a:schemeClr val="accent1"/>
+                          </a:solidFill>
+                        </a:rPr>
+                        <a:t>IEnumerable</a:t>
+                      </a:r>
+                      <a:r>
+                        <a:rPr lang="en-US" sz="1200" dirty="0" smtClean="0">
+                          <a:solidFill>
+                            <a:schemeClr val="accent1"/>
+                          </a:solidFill>
+                        </a:rPr>
+                        <a:t>&lt;string&gt; contents, Encoding encoding)</a:t>
+                      </a:r>
+                      <a:endParaRPr lang="en-US" sz="1200" dirty="0">
+                        <a:solidFill>
+                          <a:schemeClr val="accent1"/>
+                        </a:solidFill>
+                      </a:endParaRPr>
+                    </a:p>
+                  </a:txBody>
+                  <a:tcPr>
+                    <a:lnL w="12700" cap="flat" cmpd="sng" algn="ctr">
+                      <a:solidFill>
+                        <a:schemeClr val="accent1"/>
+                      </a:solidFill>
+                      <a:prstDash val="solid"/>
+                      <a:round/>
+                      <a:headEnd type="none" w="med" len="med"/>
+                      <a:tailEnd type="none" w="med" len="med"/>
+                    </a:lnL>
+                    <a:lnR w="12700" cap="flat" cmpd="sng" algn="ctr">
+                      <a:solidFill>
+                        <a:schemeClr val="accent1"/>
+                      </a:solidFill>
+                      <a:prstDash val="solid"/>
+                      <a:round/>
+                      <a:headEnd type="none" w="med" len="med"/>
+                      <a:tailEnd type="none" w="med" len="med"/>
+                    </a:lnR>
+                    <a:lnT w="12700" cap="flat" cmpd="sng" algn="ctr">
+                      <a:solidFill>
+                        <a:schemeClr val="accent1"/>
+                      </a:solidFill>
+                      <a:prstDash val="solid"/>
+                      <a:round/>
+                      <a:headEnd type="none" w="med" len="med"/>
+                      <a:tailEnd type="none" w="med" len="med"/>
+                    </a:lnT>
+                    <a:lnB w="12700" cap="flat" cmpd="sng" algn="ctr">
+                      <a:solidFill>
+                        <a:schemeClr val="accent1"/>
+                      </a:solidFill>
+                      <a:prstDash val="solid"/>
+                      <a:round/>
+                      <a:headEnd type="none" w="med" len="med"/>
+                      <a:tailEnd type="none" w="med" len="med"/>
+                    </a:lnB>
+                  </a:tcPr>
+                </a:tc>
+                <a:tc vMerge="1">
+                  <a:txBody>
+                    <a:bodyPr/>
+                    <a:lstStyle/>
+                    <a:p>
+                      <a:endParaRPr lang="en-US"/>
+                    </a:p>
+                  </a:txBody>
+                  <a:tcPr/>
+                </a:tc>
+              </a:tr>
+              <a:tr h="118884">
+                <a:tc>
+                  <a:txBody>
+                    <a:bodyPr/>
+                    <a:lstStyle/>
+                    <a:p>
+                      <a:pPr marL="0" marR="0" indent="0" algn="l" defTabSz="914400" rtl="0" eaLnBrk="1" fontAlgn="auto" latinLnBrk="0" hangingPunct="1">
+                        <a:lnSpc>
+                          <a:spcPct val="100000"/>
+                        </a:lnSpc>
+                        <a:spcBef>
+                          <a:spcPts val="0"/>
+                        </a:spcBef>
+                        <a:spcAft>
+                          <a:spcPts val="0"/>
+                        </a:spcAft>
+                        <a:buClrTx/>
+                        <a:buSzTx/>
+                        <a:buFontTx/>
+                        <a:buNone/>
+                        <a:tabLst/>
+                        <a:defRPr/>
+                      </a:pPr>
+                      <a:r>
+                        <a:rPr lang="en-US" sz="1200" dirty="0" smtClean="0">
+                          <a:solidFill>
+                            <a:schemeClr val="accent1"/>
+                          </a:solidFill>
+                        </a:rPr>
+                        <a:t>void </a:t>
+                      </a:r>
+                      <a:r>
+                        <a:rPr lang="en-US" sz="1200" dirty="0" err="1" smtClean="0">
+                          <a:solidFill>
+                            <a:schemeClr val="accent1"/>
+                          </a:solidFill>
+                        </a:rPr>
+                        <a:t>WriteAllLines</a:t>
+                      </a:r>
+                      <a:r>
+                        <a:rPr lang="en-US" sz="1200" dirty="0" smtClean="0">
+                          <a:solidFill>
+                            <a:schemeClr val="accent1"/>
+                          </a:solidFill>
+                        </a:rPr>
+                        <a:t>(string path, string[] contents, Encoding encoding)</a:t>
+                      </a:r>
+                      <a:endParaRPr lang="en-US" sz="1200" dirty="0">
+                        <a:solidFill>
+                          <a:schemeClr val="accent1"/>
+                        </a:solidFill>
+                      </a:endParaRPr>
+                    </a:p>
+                  </a:txBody>
+                  <a:tcPr>
+                    <a:lnL w="12700" cap="flat" cmpd="sng" algn="ctr">
+                      <a:solidFill>
+                        <a:schemeClr val="accent1"/>
+                      </a:solidFill>
+                      <a:prstDash val="solid"/>
+                      <a:round/>
+                      <a:headEnd type="none" w="med" len="med"/>
+                      <a:tailEnd type="none" w="med" len="med"/>
+                    </a:lnL>
+                    <a:lnR w="12700" cap="flat" cmpd="sng" algn="ctr">
+                      <a:solidFill>
+                        <a:schemeClr val="accent1"/>
+                      </a:solidFill>
+                      <a:prstDash val="solid"/>
+                      <a:round/>
+                      <a:headEnd type="none" w="med" len="med"/>
+                      <a:tailEnd type="none" w="med" len="med"/>
+                    </a:lnR>
+                    <a:lnT w="12700" cap="flat" cmpd="sng" algn="ctr">
+                      <a:solidFill>
+                        <a:schemeClr val="accent1"/>
+                      </a:solidFill>
+                      <a:prstDash val="solid"/>
+                      <a:round/>
+                      <a:headEnd type="none" w="med" len="med"/>
+                      <a:tailEnd type="none" w="med" len="med"/>
+                    </a:lnT>
+                    <a:lnB w="38100" cap="flat" cmpd="sng" algn="ctr">
+                      <a:solidFill>
+                        <a:schemeClr val="accent1"/>
+                      </a:solidFill>
+                      <a:prstDash val="solid"/>
+                      <a:round/>
+                      <a:headEnd type="none" w="med" len="med"/>
+                      <a:tailEnd type="none" w="med" len="med"/>
+                    </a:lnB>
+                  </a:tcPr>
+                </a:tc>
+                <a:tc vMerge="1">
+                  <a:txBody>
+                    <a:bodyPr/>
+                    <a:lstStyle/>
+                    <a:p>
+                      <a:endParaRPr lang="en-US"/>
+                    </a:p>
+                  </a:txBody>
+                  <a:tcPr/>
+                </a:tc>
+              </a:tr>
+              <a:tr h="297180">
+                <a:tc>
+                  <a:txBody>
+                    <a:bodyPr/>
+                    <a:lstStyle/>
+                    <a:p>
+                      <a:pPr marL="0" marR="0" indent="0" algn="l" defTabSz="914400" rtl="0" eaLnBrk="1" fontAlgn="auto" latinLnBrk="0" hangingPunct="1">
+                        <a:lnSpc>
+                          <a:spcPct val="100000"/>
+                        </a:lnSpc>
+                        <a:spcBef>
+                          <a:spcPts val="0"/>
+                        </a:spcBef>
+                        <a:spcAft>
+                          <a:spcPts val="0"/>
+                        </a:spcAft>
+                        <a:buClrTx/>
+                        <a:buSzTx/>
+                        <a:buFontTx/>
+                        <a:buNone/>
+                        <a:tabLst/>
+                        <a:defRPr/>
+                      </a:pPr>
+                      <a:r>
+                        <a:rPr lang="en-US" sz="1200" dirty="0" smtClean="0">
+                          <a:solidFill>
+                            <a:schemeClr val="accent1"/>
+                          </a:solidFill>
+                        </a:rPr>
+                        <a:t>void </a:t>
+                      </a:r>
+                      <a:r>
+                        <a:rPr lang="en-US" sz="1200" dirty="0" err="1" smtClean="0">
+                          <a:solidFill>
+                            <a:schemeClr val="accent1"/>
+                          </a:solidFill>
+                        </a:rPr>
+                        <a:t>WriteAllText</a:t>
+                      </a:r>
+                      <a:r>
+                        <a:rPr lang="en-US" sz="1200" dirty="0" smtClean="0">
+                          <a:solidFill>
+                            <a:schemeClr val="accent1"/>
+                          </a:solidFill>
+                        </a:rPr>
+                        <a:t>(string path, string contents)</a:t>
+                      </a:r>
+                    </a:p>
+                  </a:txBody>
+                  <a:tcPr>
+                    <a:lnL w="12700" cap="flat" cmpd="sng" algn="ctr">
+                      <a:solidFill>
+                        <a:schemeClr val="accent1"/>
+                      </a:solidFill>
+                      <a:prstDash val="solid"/>
+                      <a:round/>
+                      <a:headEnd type="none" w="med" len="med"/>
+                      <a:tailEnd type="none" w="med" len="med"/>
+                    </a:lnL>
+                    <a:lnR w="12700" cap="flat" cmpd="sng" algn="ctr">
+                      <a:solidFill>
+                        <a:schemeClr val="accent1"/>
+                      </a:solidFill>
+                      <a:prstDash val="solid"/>
+                      <a:round/>
+                      <a:headEnd type="none" w="med" len="med"/>
+                      <a:tailEnd type="none" w="med" len="med"/>
+                    </a:lnR>
+                    <a:lnT w="38100" cap="flat" cmpd="sng" algn="ctr">
+                      <a:solidFill>
+                        <a:schemeClr val="accent1"/>
+                      </a:solidFill>
+                      <a:prstDash val="solid"/>
+                      <a:round/>
+                      <a:headEnd type="none" w="med" len="med"/>
+                      <a:tailEnd type="none" w="med" len="med"/>
+                    </a:lnT>
+                    <a:lnB w="12700" cap="flat" cmpd="sng" algn="ctr">
+                      <a:solidFill>
+                        <a:schemeClr val="accent1"/>
+                      </a:solidFill>
+                      <a:prstDash val="solid"/>
+                      <a:round/>
+                      <a:headEnd type="none" w="med" len="med"/>
+                      <a:tailEnd type="none" w="med" len="med"/>
+                    </a:lnB>
+                  </a:tcPr>
+                </a:tc>
+                <a:tc rowSpan="2">
+                  <a:txBody>
+                    <a:bodyPr/>
+                    <a:lstStyle/>
+                    <a:p>
+                      <a:r>
+                        <a:rPr lang="ru-RU" sz="1200" dirty="0" smtClean="0">
+                          <a:solidFill>
+                            <a:schemeClr val="accent1"/>
+                          </a:solidFill>
+                        </a:rPr>
+                        <a:t>Открывает файл на запись,</a:t>
+                      </a:r>
+                      <a:r>
+                        <a:rPr lang="ru-RU" sz="1200" baseline="0" dirty="0" smtClean="0">
+                          <a:solidFill>
+                            <a:schemeClr val="accent1"/>
+                          </a:solidFill>
+                        </a:rPr>
+                        <a:t> записывает переданную строку в файл и закрывает его. Если кодировка не указана, то используется </a:t>
+                      </a:r>
+                      <a:r>
+                        <a:rPr lang="en-US" sz="1200" baseline="0" dirty="0" smtClean="0">
+                          <a:solidFill>
+                            <a:schemeClr val="accent1"/>
+                          </a:solidFill>
+                        </a:rPr>
+                        <a:t>UTF-8.</a:t>
+                      </a:r>
+                      <a:endParaRPr lang="en-US" sz="1200" dirty="0">
+                        <a:solidFill>
+                          <a:schemeClr val="accent1"/>
+                        </a:solidFill>
+                      </a:endParaRPr>
+                    </a:p>
+                  </a:txBody>
+                  <a:tcPr>
+                    <a:lnL w="12700" cap="flat" cmpd="sng" algn="ctr">
+                      <a:solidFill>
+                        <a:schemeClr val="accent1"/>
+                      </a:solidFill>
+                      <a:prstDash val="solid"/>
+                      <a:round/>
+                      <a:headEnd type="none" w="med" len="med"/>
+                      <a:tailEnd type="none" w="med" len="med"/>
+                    </a:lnL>
+                    <a:lnR w="12700" cap="flat" cmpd="sng" algn="ctr">
+                      <a:solidFill>
+                        <a:schemeClr val="accent1"/>
+                      </a:solidFill>
+                      <a:prstDash val="solid"/>
+                      <a:round/>
+                      <a:headEnd type="none" w="med" len="med"/>
+                      <a:tailEnd type="none" w="med" len="med"/>
+                    </a:lnR>
+                    <a:lnT w="38100" cap="flat" cmpd="sng" algn="ctr">
+                      <a:solidFill>
+                        <a:schemeClr val="accent1"/>
+                      </a:solidFill>
+                      <a:prstDash val="solid"/>
+                      <a:round/>
+                      <a:headEnd type="none" w="med" len="med"/>
+                      <a:tailEnd type="none" w="med" len="med"/>
+                    </a:lnT>
+                    <a:lnB w="12700" cap="flat" cmpd="sng" algn="ctr">
+                      <a:solidFill>
+                        <a:schemeClr val="accent1"/>
+                      </a:solidFill>
+                      <a:prstDash val="solid"/>
+                      <a:round/>
+                      <a:headEnd type="none" w="med" len="med"/>
+                      <a:tailEnd type="none" w="med" len="med"/>
+                    </a:lnB>
+                  </a:tcPr>
+                </a:tc>
+              </a:tr>
+              <a:tr h="0">
+                <a:tc>
+                  <a:txBody>
+                    <a:bodyPr/>
+                    <a:lstStyle/>
+                    <a:p>
+                      <a:pPr marL="0" marR="0" indent="0" algn="l" defTabSz="914400" rtl="0" eaLnBrk="1" fontAlgn="auto" latinLnBrk="0" hangingPunct="1">
+                        <a:lnSpc>
+                          <a:spcPct val="100000"/>
+                        </a:lnSpc>
+                        <a:spcBef>
+                          <a:spcPts val="0"/>
+                        </a:spcBef>
+                        <a:spcAft>
+                          <a:spcPts val="0"/>
+                        </a:spcAft>
+                        <a:buClrTx/>
+                        <a:buSzTx/>
+                        <a:buFontTx/>
+                        <a:buNone/>
+                        <a:tabLst/>
+                        <a:defRPr/>
+                      </a:pPr>
+                      <a:r>
+                        <a:rPr lang="en-US" sz="1200" dirty="0" smtClean="0">
+                          <a:solidFill>
+                            <a:schemeClr val="accent1"/>
+                          </a:solidFill>
+                        </a:rPr>
+                        <a:t>void </a:t>
+                      </a:r>
+                      <a:r>
+                        <a:rPr lang="en-US" sz="1200" dirty="0" err="1" smtClean="0">
+                          <a:solidFill>
+                            <a:schemeClr val="accent1"/>
+                          </a:solidFill>
+                        </a:rPr>
+                        <a:t>WriteAllText</a:t>
+                      </a:r>
+                      <a:r>
+                        <a:rPr lang="en-US" sz="1200" dirty="0" smtClean="0">
+                          <a:solidFill>
+                            <a:schemeClr val="accent1"/>
+                          </a:solidFill>
+                        </a:rPr>
+                        <a:t>(string path, string contents, Encoding encoding)</a:t>
+                      </a:r>
+                      <a:endParaRPr lang="en-US" sz="1200" dirty="0">
+                        <a:solidFill>
+                          <a:schemeClr val="accent1"/>
+                        </a:solidFill>
+                      </a:endParaRPr>
+                    </a:p>
+                  </a:txBody>
+                  <a:tcPr>
+                    <a:lnL w="12700" cap="flat" cmpd="sng" algn="ctr">
+                      <a:solidFill>
+                        <a:schemeClr val="accent1"/>
+                      </a:solidFill>
+                      <a:prstDash val="solid"/>
+                      <a:round/>
+                      <a:headEnd type="none" w="med" len="med"/>
+                      <a:tailEnd type="none" w="med" len="med"/>
+                    </a:lnL>
+                    <a:lnR w="12700" cap="flat" cmpd="sng" algn="ctr">
+                      <a:solidFill>
+                        <a:schemeClr val="accent1"/>
+                      </a:solidFill>
+                      <a:prstDash val="solid"/>
+                      <a:round/>
+                      <a:headEnd type="none" w="med" len="med"/>
+                      <a:tailEnd type="none" w="med" len="med"/>
+                    </a:lnR>
+                    <a:lnT w="12700" cap="flat" cmpd="sng" algn="ctr">
+                      <a:solidFill>
+                        <a:schemeClr val="accent1"/>
+                      </a:solidFill>
+                      <a:prstDash val="solid"/>
+                      <a:round/>
+                      <a:headEnd type="none" w="med" len="med"/>
+                      <a:tailEnd type="none" w="med" len="med"/>
+                    </a:lnT>
+                    <a:lnB w="12700" cap="flat" cmpd="sng" algn="ctr">
+                      <a:solidFill>
+                        <a:schemeClr val="accent1"/>
+                      </a:solidFill>
+                      <a:prstDash val="solid"/>
+                      <a:round/>
+                      <a:headEnd type="none" w="med" len="med"/>
+                      <a:tailEnd type="none" w="med" len="med"/>
+                    </a:lnB>
+                  </a:tcPr>
+                </a:tc>
+                <a:tc vMerge="1">
+                  <a:txBody>
+                    <a:bodyPr/>
+                    <a:lstStyle/>
+                    <a:p>
+                      <a:endParaRPr lang="en-US"/>
+                    </a:p>
+                  </a:txBody>
+                  <a:tcPr/>
+                </a:tc>
+              </a:tr>
+            </a:tbl>
+          </a:graphicData>
+        </a:graphic>
+      </p:graphicFrame>
+    </p:spTree>
+    <p:extLst>
+      <p:ext uri="{BB962C8B-B14F-4D97-AF65-F5344CB8AC3E}">
+        <p14:creationId xmlns:p14="http://schemas.microsoft.com/office/powerpoint/2010/main" val="47938119"/>
+      </p:ext>
+    </p:extLst>
+  </p:cSld>
+  <p:clrMapOvr>
+    <a:masterClrMapping/>
+  </p:clrMapOvr>
+</p:sld>
+</file>
+
+<file path=ppt/slides/slide19.xml><?xml version="1.0" encoding="utf-8"?>
+<p:sld xmlns:a="http://schemas.openxmlformats.org/drawingml/2006/main" xmlns:r="http://schemas.openxmlformats.org/officeDocument/2006/relationships" xmlns:p="http://schemas.openxmlformats.org/presentationml/2006/main">
+  <p:cSld>
     <p:bg>
       <p:bgPr>
         <a:blipFill dpi="0" rotWithShape="1">
@@ -14225,7 +16863,206 @@
 </p:sld>
 </file>
 
-<file path=ppt/slides/slide18.xml><?xml version="1.0" encoding="utf-8"?>
+<file path=ppt/slides/slide2.xml><?xml version="1.0" encoding="utf-8"?>
+<p:sld xmlns:a="http://schemas.openxmlformats.org/drawingml/2006/main" xmlns:r="http://schemas.openxmlformats.org/officeDocument/2006/relationships" xmlns:p="http://schemas.openxmlformats.org/presentationml/2006/main">
+  <p:cSld>
+    <p:bg>
+      <p:bgPr>
+        <a:blipFill dpi="0" rotWithShape="1">
+          <a:blip r:embed="rId2">
+            <a:lum/>
+          </a:blip>
+          <a:srcRect/>
+          <a:stretch>
+            <a:fillRect/>
+          </a:stretch>
+        </a:blipFill>
+        <a:effectLst/>
+      </p:bgPr>
+    </p:bg>
+    <p:spTree>
+      <p:nvGrpSpPr>
+        <p:cNvPr id="1" name=""/>
+        <p:cNvGrpSpPr/>
+        <p:nvPr/>
+      </p:nvGrpSpPr>
+      <p:grpSpPr>
+        <a:xfrm>
+          <a:off x="0" y="0"/>
+          <a:ext cx="0" cy="0"/>
+          <a:chOff x="0" y="0"/>
+          <a:chExt cx="0" cy="0"/>
+        </a:xfrm>
+      </p:grpSpPr>
+      <p:sp>
+        <p:nvSpPr>
+          <p:cNvPr id="2" name="Title 1"/>
+          <p:cNvSpPr>
+            <a:spLocks noGrp="1"/>
+          </p:cNvSpPr>
+          <p:nvPr>
+            <p:ph type="title"/>
+          </p:nvPr>
+        </p:nvSpPr>
+        <p:spPr/>
+        <p:txBody>
+          <a:bodyPr/>
+          <a:lstStyle/>
+          <a:p>
+            <a:r>
+              <a:rPr lang="ru-RU" dirty="0">
+                <a:solidFill>
+                  <a:schemeClr val="bg1"/>
+                </a:solidFill>
+              </a:rPr>
+              <a:t>Материалы для обучения</a:t>
+            </a:r>
+            <a:endParaRPr lang="en-US" dirty="0">
+              <a:solidFill>
+                <a:schemeClr val="bg1"/>
+              </a:solidFill>
+            </a:endParaRPr>
+          </a:p>
+        </p:txBody>
+      </p:sp>
+      <p:sp>
+        <p:nvSpPr>
+          <p:cNvPr id="3" name="Content Placeholder 2"/>
+          <p:cNvSpPr>
+            <a:spLocks noGrp="1"/>
+          </p:cNvSpPr>
+          <p:nvPr>
+            <p:ph idx="1"/>
+          </p:nvPr>
+        </p:nvSpPr>
+        <p:spPr/>
+        <p:txBody>
+          <a:bodyPr/>
+          <a:lstStyle/>
+          <a:p>
+            <a:r>
+              <a:rPr lang="en-US" dirty="0">
+                <a:solidFill>
+                  <a:schemeClr val="bg1"/>
+                </a:solidFill>
+                <a:hlinkClick r:id="rId3"/>
+              </a:rPr>
+              <a:t>https://</a:t>
+            </a:r>
+            <a:r>
+              <a:rPr lang="en-US" dirty="0" smtClean="0">
+                <a:solidFill>
+                  <a:schemeClr val="bg1"/>
+                </a:solidFill>
+                <a:hlinkClick r:id="rId3"/>
+              </a:rPr>
+              <a:t>github.com/bazile/Training</a:t>
+            </a:r>
+            <a:r>
+              <a:rPr lang="en-US" dirty="0" smtClean="0">
+                <a:solidFill>
+                  <a:schemeClr val="bg1"/>
+                </a:solidFill>
+              </a:rPr>
+              <a:t/>
+            </a:r>
+            <a:br>
+              <a:rPr lang="en-US" dirty="0" smtClean="0">
+                <a:solidFill>
+                  <a:schemeClr val="bg1"/>
+                </a:solidFill>
+              </a:rPr>
+            </a:br>
+            <a:r>
+              <a:rPr lang="ru-RU" dirty="0" smtClean="0">
+                <a:solidFill>
+                  <a:schemeClr val="bg1"/>
+                </a:solidFill>
+              </a:rPr>
+              <a:t>Презентации и примеры кода используемые во время занятия</a:t>
+            </a:r>
+          </a:p>
+          <a:p>
+            <a:endParaRPr lang="ru-RU" dirty="0" smtClean="0">
+              <a:solidFill>
+                <a:schemeClr val="bg1"/>
+              </a:solidFill>
+            </a:endParaRPr>
+          </a:p>
+          <a:p>
+            <a:r>
+              <a:rPr lang="en-US" dirty="0">
+                <a:solidFill>
+                  <a:schemeClr val="bg1"/>
+                </a:solidFill>
+                <a:hlinkClick r:id="rId4"/>
+              </a:rPr>
+              <a:t>http://belhard.nullptr.ru</a:t>
+            </a:r>
+            <a:r>
+              <a:rPr lang="en-US" dirty="0" smtClean="0">
+                <a:solidFill>
+                  <a:schemeClr val="bg1"/>
+                </a:solidFill>
+                <a:hlinkClick r:id="rId4"/>
+              </a:rPr>
+              <a:t>/</a:t>
+            </a:r>
+            <a:r>
+              <a:rPr lang="ru-RU" dirty="0" smtClean="0">
+                <a:solidFill>
+                  <a:schemeClr val="bg1"/>
+                </a:solidFill>
+              </a:rPr>
+              <a:t/>
+            </a:r>
+            <a:br>
+              <a:rPr lang="ru-RU" dirty="0" smtClean="0">
+                <a:solidFill>
+                  <a:schemeClr val="bg1"/>
+                </a:solidFill>
+              </a:rPr>
+            </a:br>
+            <a:r>
+              <a:rPr lang="ru-RU" dirty="0" smtClean="0">
+                <a:solidFill>
+                  <a:schemeClr val="bg1"/>
+                </a:solidFill>
+              </a:rPr>
+              <a:t>Книги, примеры к ним и другие полезные файлы.</a:t>
+            </a:r>
+            <a:endParaRPr lang="ru-RU" dirty="0">
+              <a:solidFill>
+                <a:schemeClr val="bg1"/>
+              </a:solidFill>
+            </a:endParaRPr>
+          </a:p>
+          <a:p>
+            <a:endParaRPr lang="en-US" dirty="0"/>
+          </a:p>
+        </p:txBody>
+      </p:sp>
+    </p:spTree>
+    <p:extLst>
+      <p:ext uri="{BB962C8B-B14F-4D97-AF65-F5344CB8AC3E}">
+        <p14:creationId xmlns:p14="http://schemas.microsoft.com/office/powerpoint/2010/main" val="306762039"/>
+      </p:ext>
+    </p:extLst>
+  </p:cSld>
+  <p:clrMapOvr>
+    <a:masterClrMapping/>
+  </p:clrMapOvr>
+  <p:timing>
+    <p:tnLst>
+      <p:par>
+        <p:cTn id="1" dur="indefinite" restart="never" nodeType="tmRoot"/>
+      </p:par>
+    </p:tnLst>
+  </p:timing>
+</p:sld>
+</file>
+
+<file path=ppt/slides/slide20.xml><?xml version="1.0" encoding="utf-8"?>
 <p:sld xmlns:a="http://schemas.openxmlformats.org/drawingml/2006/main" xmlns:r="http://schemas.openxmlformats.org/officeDocument/2006/relationships" xmlns:p="http://schemas.openxmlformats.org/presentationml/2006/main">
   <p:cSld>
     <p:bg>
@@ -15171,7 +18008,7 @@
 </p:sld>
 </file>
 
-<file path=ppt/slides/slide19.xml><?xml version="1.0" encoding="utf-8"?>
+<file path=ppt/slides/slide21.xml><?xml version="1.0" encoding="utf-8"?>
 <p:sld xmlns:a="http://schemas.openxmlformats.org/drawingml/2006/main" xmlns:r="http://schemas.openxmlformats.org/officeDocument/2006/relationships" xmlns:p="http://schemas.openxmlformats.org/presentationml/2006/main">
   <p:cSld>
     <p:bg>
@@ -16139,206 +18976,7 @@
 </p:sld>
 </file>
 
-<file path=ppt/slides/slide2.xml><?xml version="1.0" encoding="utf-8"?>
-<p:sld xmlns:a="http://schemas.openxmlformats.org/drawingml/2006/main" xmlns:r="http://schemas.openxmlformats.org/officeDocument/2006/relationships" xmlns:p="http://schemas.openxmlformats.org/presentationml/2006/main">
-  <p:cSld>
-    <p:bg>
-      <p:bgPr>
-        <a:blipFill dpi="0" rotWithShape="1">
-          <a:blip r:embed="rId2">
-            <a:lum/>
-          </a:blip>
-          <a:srcRect/>
-          <a:stretch>
-            <a:fillRect/>
-          </a:stretch>
-        </a:blipFill>
-        <a:effectLst/>
-      </p:bgPr>
-    </p:bg>
-    <p:spTree>
-      <p:nvGrpSpPr>
-        <p:cNvPr id="1" name=""/>
-        <p:cNvGrpSpPr/>
-        <p:nvPr/>
-      </p:nvGrpSpPr>
-      <p:grpSpPr>
-        <a:xfrm>
-          <a:off x="0" y="0"/>
-          <a:ext cx="0" cy="0"/>
-          <a:chOff x="0" y="0"/>
-          <a:chExt cx="0" cy="0"/>
-        </a:xfrm>
-      </p:grpSpPr>
-      <p:sp>
-        <p:nvSpPr>
-          <p:cNvPr id="2" name="Title 1"/>
-          <p:cNvSpPr>
-            <a:spLocks noGrp="1"/>
-          </p:cNvSpPr>
-          <p:nvPr>
-            <p:ph type="title"/>
-          </p:nvPr>
-        </p:nvSpPr>
-        <p:spPr/>
-        <p:txBody>
-          <a:bodyPr/>
-          <a:lstStyle/>
-          <a:p>
-            <a:r>
-              <a:rPr lang="ru-RU" dirty="0">
-                <a:solidFill>
-                  <a:schemeClr val="bg1"/>
-                </a:solidFill>
-              </a:rPr>
-              <a:t>Материалы для обучения</a:t>
-            </a:r>
-            <a:endParaRPr lang="en-US" dirty="0">
-              <a:solidFill>
-                <a:schemeClr val="bg1"/>
-              </a:solidFill>
-            </a:endParaRPr>
-          </a:p>
-        </p:txBody>
-      </p:sp>
-      <p:sp>
-        <p:nvSpPr>
-          <p:cNvPr id="3" name="Content Placeholder 2"/>
-          <p:cNvSpPr>
-            <a:spLocks noGrp="1"/>
-          </p:cNvSpPr>
-          <p:nvPr>
-            <p:ph idx="1"/>
-          </p:nvPr>
-        </p:nvSpPr>
-        <p:spPr/>
-        <p:txBody>
-          <a:bodyPr/>
-          <a:lstStyle/>
-          <a:p>
-            <a:r>
-              <a:rPr lang="en-US" dirty="0">
-                <a:solidFill>
-                  <a:schemeClr val="bg1"/>
-                </a:solidFill>
-                <a:hlinkClick r:id="rId3"/>
-              </a:rPr>
-              <a:t>https://</a:t>
-            </a:r>
-            <a:r>
-              <a:rPr lang="en-US" dirty="0" smtClean="0">
-                <a:solidFill>
-                  <a:schemeClr val="bg1"/>
-                </a:solidFill>
-                <a:hlinkClick r:id="rId3"/>
-              </a:rPr>
-              <a:t>github.com/bazile/Training</a:t>
-            </a:r>
-            <a:r>
-              <a:rPr lang="en-US" dirty="0" smtClean="0">
-                <a:solidFill>
-                  <a:schemeClr val="bg1"/>
-                </a:solidFill>
-              </a:rPr>
-              <a:t/>
-            </a:r>
-            <a:br>
-              <a:rPr lang="en-US" dirty="0" smtClean="0">
-                <a:solidFill>
-                  <a:schemeClr val="bg1"/>
-                </a:solidFill>
-              </a:rPr>
-            </a:br>
-            <a:r>
-              <a:rPr lang="ru-RU" dirty="0" smtClean="0">
-                <a:solidFill>
-                  <a:schemeClr val="bg1"/>
-                </a:solidFill>
-              </a:rPr>
-              <a:t>Презентации и примеры кода используемые во время занятия</a:t>
-            </a:r>
-          </a:p>
-          <a:p>
-            <a:endParaRPr lang="ru-RU" dirty="0" smtClean="0">
-              <a:solidFill>
-                <a:schemeClr val="bg1"/>
-              </a:solidFill>
-            </a:endParaRPr>
-          </a:p>
-          <a:p>
-            <a:r>
-              <a:rPr lang="en-US" dirty="0">
-                <a:solidFill>
-                  <a:schemeClr val="bg1"/>
-                </a:solidFill>
-                <a:hlinkClick r:id="rId4"/>
-              </a:rPr>
-              <a:t>http://belhard.nullptr.ru</a:t>
-            </a:r>
-            <a:r>
-              <a:rPr lang="en-US" dirty="0" smtClean="0">
-                <a:solidFill>
-                  <a:schemeClr val="bg1"/>
-                </a:solidFill>
-                <a:hlinkClick r:id="rId4"/>
-              </a:rPr>
-              <a:t>/</a:t>
-            </a:r>
-            <a:r>
-              <a:rPr lang="ru-RU" dirty="0" smtClean="0">
-                <a:solidFill>
-                  <a:schemeClr val="bg1"/>
-                </a:solidFill>
-              </a:rPr>
-              <a:t/>
-            </a:r>
-            <a:br>
-              <a:rPr lang="ru-RU" dirty="0" smtClean="0">
-                <a:solidFill>
-                  <a:schemeClr val="bg1"/>
-                </a:solidFill>
-              </a:rPr>
-            </a:br>
-            <a:r>
-              <a:rPr lang="ru-RU" dirty="0" smtClean="0">
-                <a:solidFill>
-                  <a:schemeClr val="bg1"/>
-                </a:solidFill>
-              </a:rPr>
-              <a:t>Книги, примеры к ним и другие полезные файлы.</a:t>
-            </a:r>
-            <a:endParaRPr lang="ru-RU" dirty="0">
-              <a:solidFill>
-                <a:schemeClr val="bg1"/>
-              </a:solidFill>
-            </a:endParaRPr>
-          </a:p>
-          <a:p>
-            <a:endParaRPr lang="en-US" dirty="0"/>
-          </a:p>
-        </p:txBody>
-      </p:sp>
-    </p:spTree>
-    <p:extLst>
-      <p:ext uri="{BB962C8B-B14F-4D97-AF65-F5344CB8AC3E}">
-        <p14:creationId xmlns:p14="http://schemas.microsoft.com/office/powerpoint/2010/main" val="306762039"/>
-      </p:ext>
-    </p:extLst>
-  </p:cSld>
-  <p:clrMapOvr>
-    <a:masterClrMapping/>
-  </p:clrMapOvr>
-  <p:timing>
-    <p:tnLst>
-      <p:par>
-        <p:cTn id="1" dur="indefinite" restart="never" nodeType="tmRoot"/>
-      </p:par>
-    </p:tnLst>
-  </p:timing>
-</p:sld>
-</file>
-
-<file path=ppt/slides/slide20.xml><?xml version="1.0" encoding="utf-8"?>
+<file path=ppt/slides/slide22.xml><?xml version="1.0" encoding="utf-8"?>
 <p:sld xmlns:a="http://schemas.openxmlformats.org/drawingml/2006/main" xmlns:r="http://schemas.openxmlformats.org/officeDocument/2006/relationships" xmlns:p="http://schemas.openxmlformats.org/presentationml/2006/main">
   <p:cSld>
     <p:bg>
@@ -17515,7 +20153,92 @@
 </p:sld>
 </file>
 
-<file path=ppt/slides/slide21.xml><?xml version="1.0" encoding="utf-8"?>
+<file path=ppt/slides/slide23.xml><?xml version="1.0" encoding="utf-8"?>
+<p:sld xmlns:a="http://schemas.openxmlformats.org/drawingml/2006/main" xmlns:r="http://schemas.openxmlformats.org/officeDocument/2006/relationships" xmlns:p="http://schemas.openxmlformats.org/presentationml/2006/main">
+  <p:cSld>
+    <p:spTree>
+      <p:nvGrpSpPr>
+        <p:cNvPr id="1" name=""/>
+        <p:cNvGrpSpPr/>
+        <p:nvPr/>
+      </p:nvGrpSpPr>
+      <p:grpSpPr>
+        <a:xfrm>
+          <a:off x="0" y="0"/>
+          <a:ext cx="0" cy="0"/>
+          <a:chOff x="0" y="0"/>
+          <a:chExt cx="0" cy="0"/>
+        </a:xfrm>
+      </p:grpSpPr>
+      <p:sp>
+        <p:nvSpPr>
+          <p:cNvPr id="2" name="Title 1"/>
+          <p:cNvSpPr>
+            <a:spLocks noGrp="1"/>
+          </p:cNvSpPr>
+          <p:nvPr>
+            <p:ph type="title"/>
+          </p:nvPr>
+        </p:nvSpPr>
+        <p:spPr/>
+        <p:txBody>
+          <a:bodyPr/>
+          <a:lstStyle/>
+          <a:p>
+            <a:r>
+              <a:rPr lang="ru-RU" dirty="0" smtClean="0"/>
+              <a:t>Архивация/</a:t>
+            </a:r>
+            <a:endParaRPr lang="en-US" dirty="0"/>
+          </a:p>
+        </p:txBody>
+      </p:sp>
+      <p:sp>
+        <p:nvSpPr>
+          <p:cNvPr id="3" name="Content Placeholder 2"/>
+          <p:cNvSpPr>
+            <a:spLocks noGrp="1"/>
+          </p:cNvSpPr>
+          <p:nvPr>
+            <p:ph idx="1"/>
+          </p:nvPr>
+        </p:nvSpPr>
+        <p:spPr/>
+        <p:txBody>
+          <a:bodyPr/>
+          <a:lstStyle/>
+          <a:p>
+            <a:pPr marL="0" indent="0">
+              <a:buNone/>
+            </a:pPr>
+            <a:r>
+              <a:rPr lang="en-US" dirty="0" err="1" smtClean="0"/>
+              <a:t>System.IO.Compression</a:t>
+            </a:r>
+            <a:endParaRPr lang="en-US" dirty="0" smtClean="0"/>
+          </a:p>
+          <a:p>
+            <a:pPr marL="0" indent="0">
+              <a:buNone/>
+            </a:pPr>
+            <a:endParaRPr lang="en-US" dirty="0"/>
+          </a:p>
+        </p:txBody>
+      </p:sp>
+    </p:spTree>
+    <p:extLst>
+      <p:ext uri="{BB962C8B-B14F-4D97-AF65-F5344CB8AC3E}">
+        <p14:creationId xmlns:p14="http://schemas.microsoft.com/office/powerpoint/2010/main" val="1322073642"/>
+      </p:ext>
+    </p:extLst>
+  </p:cSld>
+  <p:clrMapOvr>
+    <a:masterClrMapping/>
+  </p:clrMapOvr>
+</p:sld>
+</file>
+
+<file path=ppt/slides/slide24.xml><?xml version="1.0" encoding="utf-8"?>
 <p:sld xmlns:a="http://schemas.openxmlformats.org/drawingml/2006/main" xmlns:r="http://schemas.openxmlformats.org/officeDocument/2006/relationships" xmlns:p="http://schemas.openxmlformats.org/presentationml/2006/main">
   <p:cSld>
     <p:bg>
@@ -17599,15 +20322,7 @@
             </a:pPr>
             <a:r>
               <a:rPr lang="ru-RU" dirty="0" smtClean="0"/>
-              <a:t>Сериализация – механизм сохранения значения переменной </a:t>
-            </a:r>
-            <a:r>
-              <a:rPr lang="ru-RU" dirty="0" smtClean="0"/>
-              <a:t>типа </a:t>
-            </a:r>
-            <a:r>
-              <a:rPr lang="ru-RU" dirty="0" smtClean="0"/>
-              <a:t>в поток с возможностью последующего востановления точной копии (десериализация).</a:t>
+              <a:t>Сериализация – механизм сохранения значения переменной типа в поток с возможностью последующего востановления точной копии (десериализация).</a:t>
             </a:r>
             <a:endParaRPr lang="en-US" dirty="0" smtClean="0"/>
           </a:p>
@@ -17627,11 +20342,7 @@
             </a:r>
             <a:r>
               <a:rPr lang="ru-RU" dirty="0" smtClean="0"/>
-              <a:t> поддерживает бинарную и </a:t>
-            </a:r>
-            <a:r>
-              <a:rPr lang="ru-RU" dirty="0" smtClean="0"/>
-              <a:t>текстовую</a:t>
+              <a:t> поддерживает бинарную и текстовую</a:t>
             </a:r>
             <a:r>
               <a:rPr lang="en-US" dirty="0" smtClean="0"/>
@@ -17655,11 +20366,7 @@
             </a:r>
             <a:r>
               <a:rPr lang="ru-RU" dirty="0" smtClean="0"/>
-              <a:t>сериализацию</a:t>
-            </a:r>
-            <a:r>
-              <a:rPr lang="ru-RU" dirty="0" smtClean="0"/>
-              <a:t>. При необходимости можно реализовать собственный механизм.</a:t>
+              <a:t>сериализацию. При необходимости можно реализовать собственный механизм.</a:t>
             </a:r>
             <a:endParaRPr lang="en-US" dirty="0"/>
           </a:p>
@@ -17685,7 +20392,7 @@
 </p:sld>
 </file>
 
-<file path=ppt/slides/slide22.xml><?xml version="1.0" encoding="utf-8"?>
+<file path=ppt/slides/slide25.xml><?xml version="1.0" encoding="utf-8"?>
 <p:sld xmlns:a="http://schemas.openxmlformats.org/drawingml/2006/main" xmlns:r="http://schemas.openxmlformats.org/officeDocument/2006/relationships" xmlns:p="http://schemas.openxmlformats.org/presentationml/2006/main">
   <p:cSld>
     <p:bg>
@@ -19899,7 +22606,7 @@
 </p:sld>
 </file>
 
-<file path=ppt/slides/slide23.xml><?xml version="1.0" encoding="utf-8"?>
+<file path=ppt/slides/slide26.xml><?xml version="1.0" encoding="utf-8"?>
 <p:sld xmlns:a="http://schemas.openxmlformats.org/drawingml/2006/main" xmlns:r="http://schemas.openxmlformats.org/officeDocument/2006/relationships" xmlns:p="http://schemas.openxmlformats.org/presentationml/2006/main">
   <p:cSld>
     <p:bg>
@@ -22296,7 +25003,7 @@
 </p:sld>
 </file>
 
-<file path=ppt/slides/slide24.xml><?xml version="1.0" encoding="utf-8"?>
+<file path=ppt/slides/slide27.xml><?xml version="1.0" encoding="utf-8"?>
 <p:sld xmlns:a="http://schemas.openxmlformats.org/drawingml/2006/main" xmlns:r="http://schemas.openxmlformats.org/officeDocument/2006/relationships" xmlns:p="http://schemas.openxmlformats.org/presentationml/2006/main">
   <p:cSld>
     <p:bg>

--- a/Presentation/lesson-04-io.pptx
+++ b/Presentation/lesson-04-io.pptx
@@ -21,19 +21,20 @@
     <p:sldId id="262" r:id="rId15"/>
     <p:sldId id="283" r:id="rId16"/>
     <p:sldId id="263" r:id="rId17"/>
-    <p:sldId id="275" r:id="rId18"/>
-    <p:sldId id="264" r:id="rId19"/>
-    <p:sldId id="288" r:id="rId20"/>
-    <p:sldId id="289" r:id="rId21"/>
-    <p:sldId id="265" r:id="rId22"/>
-    <p:sldId id="266" r:id="rId23"/>
-    <p:sldId id="267" r:id="rId24"/>
-    <p:sldId id="268" r:id="rId25"/>
-    <p:sldId id="287" r:id="rId26"/>
-    <p:sldId id="278" r:id="rId27"/>
-    <p:sldId id="279" r:id="rId28"/>
-    <p:sldId id="280" r:id="rId29"/>
-    <p:sldId id="271" r:id="rId30"/>
+    <p:sldId id="291" r:id="rId18"/>
+    <p:sldId id="275" r:id="rId19"/>
+    <p:sldId id="264" r:id="rId20"/>
+    <p:sldId id="288" r:id="rId21"/>
+    <p:sldId id="289" r:id="rId22"/>
+    <p:sldId id="265" r:id="rId23"/>
+    <p:sldId id="266" r:id="rId24"/>
+    <p:sldId id="267" r:id="rId25"/>
+    <p:sldId id="268" r:id="rId26"/>
+    <p:sldId id="287" r:id="rId27"/>
+    <p:sldId id="278" r:id="rId28"/>
+    <p:sldId id="279" r:id="rId29"/>
+    <p:sldId id="280" r:id="rId30"/>
+    <p:sldId id="271" r:id="rId31"/>
   </p:sldIdLst>
   <p:sldSz cx="9144000" cy="6858000" type="screen4x3"/>
   <p:notesSz cx="6858000" cy="9144000"/>
@@ -316,7 +317,7 @@
           <a:p>
             <a:fld id="{FAECF776-F836-4CCD-9497-99E5597B8B5D}" type="datetimeFigureOut">
               <a:rPr lang="en-US" smtClean="0"/>
-              <a:t>11/2/2013</a:t>
+              <a:t>11/7/2013</a:t>
             </a:fld>
             <a:endParaRPr lang="en-US"/>
           </a:p>
@@ -486,7 +487,7 @@
           <a:p>
             <a:fld id="{FAECF776-F836-4CCD-9497-99E5597B8B5D}" type="datetimeFigureOut">
               <a:rPr lang="en-US" smtClean="0"/>
-              <a:t>11/2/2013</a:t>
+              <a:t>11/7/2013</a:t>
             </a:fld>
             <a:endParaRPr lang="en-US"/>
           </a:p>
@@ -666,7 +667,7 @@
           <a:p>
             <a:fld id="{FAECF776-F836-4CCD-9497-99E5597B8B5D}" type="datetimeFigureOut">
               <a:rPr lang="en-US" smtClean="0"/>
-              <a:t>11/2/2013</a:t>
+              <a:t>11/7/2013</a:t>
             </a:fld>
             <a:endParaRPr lang="en-US"/>
           </a:p>
@@ -915,7 +916,7 @@
                 </a:solidFill>
               </a:rPr>
               <a:pPr/>
-              <a:t>11/2/2013</a:t>
+              <a:t>11/7/2013</a:t>
             </a:fld>
             <a:endParaRPr lang="en-US">
               <a:solidFill>
@@ -1117,7 +1118,7 @@
                 </a:solidFill>
               </a:rPr>
               <a:pPr/>
-              <a:t>11/2/2013</a:t>
+              <a:t>11/7/2013</a:t>
             </a:fld>
             <a:endParaRPr lang="en-US">
               <a:solidFill>
@@ -1395,7 +1396,7 @@
                 </a:solidFill>
               </a:rPr>
               <a:pPr/>
-              <a:t>11/2/2013</a:t>
+              <a:t>11/7/2013</a:t>
             </a:fld>
             <a:endParaRPr lang="en-US">
               <a:solidFill>
@@ -1715,7 +1716,7 @@
                 </a:solidFill>
               </a:rPr>
               <a:pPr/>
-              <a:t>11/2/2013</a:t>
+              <a:t>11/7/2013</a:t>
             </a:fld>
             <a:endParaRPr lang="en-US">
               <a:solidFill>
@@ -2169,7 +2170,7 @@
                 </a:solidFill>
               </a:rPr>
               <a:pPr/>
-              <a:t>11/2/2013</a:t>
+              <a:t>11/7/2013</a:t>
             </a:fld>
             <a:endParaRPr lang="en-US">
               <a:solidFill>
@@ -2319,7 +2320,7 @@
                 </a:solidFill>
               </a:rPr>
               <a:pPr/>
-              <a:t>11/2/2013</a:t>
+              <a:t>11/7/2013</a:t>
             </a:fld>
             <a:endParaRPr lang="en-US">
               <a:solidFill>
@@ -2446,7 +2447,7 @@
                 </a:solidFill>
               </a:rPr>
               <a:pPr/>
-              <a:t>11/2/2013</a:t>
+              <a:t>11/7/2013</a:t>
             </a:fld>
             <a:endParaRPr lang="en-US">
               <a:solidFill>
@@ -2755,7 +2756,7 @@
                 </a:solidFill>
               </a:rPr>
               <a:pPr/>
-              <a:t>11/2/2013</a:t>
+              <a:t>11/7/2013</a:t>
             </a:fld>
             <a:endParaRPr lang="en-US">
               <a:solidFill>
@@ -2950,7 +2951,7 @@
           <a:p>
             <a:fld id="{FAECF776-F836-4CCD-9497-99E5597B8B5D}" type="datetimeFigureOut">
               <a:rPr lang="en-US" smtClean="0"/>
-              <a:t>11/2/2013</a:t>
+              <a:t>11/7/2013</a:t>
             </a:fld>
             <a:endParaRPr lang="en-US"/>
           </a:p>
@@ -3210,7 +3211,7 @@
                 </a:solidFill>
               </a:rPr>
               <a:pPr/>
-              <a:t>11/2/2013</a:t>
+              <a:t>11/7/2013</a:t>
             </a:fld>
             <a:endParaRPr lang="en-US">
               <a:solidFill>
@@ -3412,7 +3413,7 @@
                 </a:solidFill>
               </a:rPr>
               <a:pPr/>
-              <a:t>11/2/2013</a:t>
+              <a:t>11/7/2013</a:t>
             </a:fld>
             <a:endParaRPr lang="en-US">
               <a:solidFill>
@@ -3624,7 +3625,7 @@
                 </a:solidFill>
               </a:rPr>
               <a:pPr/>
-              <a:t>11/2/2013</a:t>
+              <a:t>11/7/2013</a:t>
             </a:fld>
             <a:endParaRPr lang="en-US">
               <a:solidFill>
@@ -3895,7 +3896,7 @@
           <a:p>
             <a:fld id="{FAECF776-F836-4CCD-9497-99E5597B8B5D}" type="datetimeFigureOut">
               <a:rPr lang="en-US" smtClean="0"/>
-              <a:t>11/2/2013</a:t>
+              <a:t>11/7/2013</a:t>
             </a:fld>
             <a:endParaRPr lang="en-US"/>
           </a:p>
@@ -4183,7 +4184,7 @@
           <a:p>
             <a:fld id="{FAECF776-F836-4CCD-9497-99E5597B8B5D}" type="datetimeFigureOut">
               <a:rPr lang="en-US" smtClean="0"/>
-              <a:t>11/2/2013</a:t>
+              <a:t>11/7/2013</a:t>
             </a:fld>
             <a:endParaRPr lang="en-US"/>
           </a:p>
@@ -4605,7 +4606,7 @@
           <a:p>
             <a:fld id="{FAECF776-F836-4CCD-9497-99E5597B8B5D}" type="datetimeFigureOut">
               <a:rPr lang="en-US" smtClean="0"/>
-              <a:t>11/2/2013</a:t>
+              <a:t>11/7/2013</a:t>
             </a:fld>
             <a:endParaRPr lang="en-US"/>
           </a:p>
@@ -4723,7 +4724,7 @@
           <a:p>
             <a:fld id="{FAECF776-F836-4CCD-9497-99E5597B8B5D}" type="datetimeFigureOut">
               <a:rPr lang="en-US" smtClean="0"/>
-              <a:t>11/2/2013</a:t>
+              <a:t>11/7/2013</a:t>
             </a:fld>
             <a:endParaRPr lang="en-US"/>
           </a:p>
@@ -4818,7 +4819,7 @@
           <a:p>
             <a:fld id="{FAECF776-F836-4CCD-9497-99E5597B8B5D}" type="datetimeFigureOut">
               <a:rPr lang="en-US" smtClean="0"/>
-              <a:t>11/2/2013</a:t>
+              <a:t>11/7/2013</a:t>
             </a:fld>
             <a:endParaRPr lang="en-US"/>
           </a:p>
@@ -5095,7 +5096,7 @@
           <a:p>
             <a:fld id="{FAECF776-F836-4CCD-9497-99E5597B8B5D}" type="datetimeFigureOut">
               <a:rPr lang="en-US" smtClean="0"/>
-              <a:t>11/2/2013</a:t>
+              <a:t>11/7/2013</a:t>
             </a:fld>
             <a:endParaRPr lang="en-US"/>
           </a:p>
@@ -5348,7 +5349,7 @@
           <a:p>
             <a:fld id="{FAECF776-F836-4CCD-9497-99E5597B8B5D}" type="datetimeFigureOut">
               <a:rPr lang="en-US" smtClean="0"/>
-              <a:t>11/2/2013</a:t>
+              <a:t>11/7/2013</a:t>
             </a:fld>
             <a:endParaRPr lang="en-US"/>
           </a:p>
@@ -5570,7 +5571,7 @@
           <a:p>
             <a:fld id="{FAECF776-F836-4CCD-9497-99E5597B8B5D}" type="datetimeFigureOut">
               <a:rPr lang="en-US" smtClean="0"/>
-              <a:t>11/2/2013</a:t>
+              <a:t>11/7/2013</a:t>
             </a:fld>
             <a:endParaRPr lang="en-US"/>
           </a:p>
@@ -6087,7 +6088,7 @@
                 </a:solidFill>
               </a:rPr>
               <a:pPr/>
-              <a:t>11/2/2013</a:t>
+              <a:t>11/7/2013</a:t>
             </a:fld>
             <a:endParaRPr lang="en-US">
               <a:solidFill>
@@ -10972,6 +10973,416 @@
 <file path=ppt/slides/slide16.xml><?xml version="1.0" encoding="utf-8"?>
 <p:sld xmlns:a="http://schemas.openxmlformats.org/drawingml/2006/main" xmlns:r="http://schemas.openxmlformats.org/officeDocument/2006/relationships" xmlns:p="http://schemas.openxmlformats.org/presentationml/2006/main">
   <p:cSld>
+    <p:spTree>
+      <p:nvGrpSpPr>
+        <p:cNvPr id="1" name=""/>
+        <p:cNvGrpSpPr/>
+        <p:nvPr/>
+      </p:nvGrpSpPr>
+      <p:grpSpPr>
+        <a:xfrm>
+          <a:off x="0" y="0"/>
+          <a:ext cx="0" cy="0"/>
+          <a:chOff x="0" y="0"/>
+          <a:chExt cx="0" cy="0"/>
+        </a:xfrm>
+      </p:grpSpPr>
+      <p:sp>
+        <p:nvSpPr>
+          <p:cNvPr id="2" name="Title 1"/>
+          <p:cNvSpPr>
+            <a:spLocks noGrp="1"/>
+          </p:cNvSpPr>
+          <p:nvPr>
+            <p:ph type="title"/>
+          </p:nvPr>
+        </p:nvSpPr>
+        <p:spPr/>
+        <p:txBody>
+          <a:bodyPr/>
+          <a:lstStyle/>
+          <a:p>
+            <a:r>
+              <a:rPr lang="ru-RU" dirty="0" smtClean="0">
+                <a:solidFill>
+                  <a:schemeClr val="bg1"/>
+                </a:solidFill>
+              </a:rPr>
+              <a:t>Переменные окружения</a:t>
+            </a:r>
+            <a:endParaRPr lang="en-US" dirty="0">
+              <a:solidFill>
+                <a:schemeClr val="bg1"/>
+              </a:solidFill>
+            </a:endParaRPr>
+          </a:p>
+        </p:txBody>
+      </p:sp>
+      <p:sp>
+        <p:nvSpPr>
+          <p:cNvPr id="3" name="Content Placeholder 2"/>
+          <p:cNvSpPr>
+            <a:spLocks noGrp="1"/>
+          </p:cNvSpPr>
+          <p:nvPr>
+            <p:ph idx="1"/>
+          </p:nvPr>
+        </p:nvSpPr>
+        <p:spPr>
+          <a:xfrm>
+            <a:off x="457200" y="1600201"/>
+            <a:ext cx="8229600" cy="3412975"/>
+          </a:xfrm>
+        </p:spPr>
+        <p:txBody>
+          <a:bodyPr>
+            <a:normAutofit/>
+          </a:bodyPr>
+          <a:lstStyle/>
+          <a:p>
+            <a:pPr marL="0" indent="0">
+              <a:buNone/>
+            </a:pPr>
+            <a:r>
+              <a:rPr lang="ru-RU" sz="2100" dirty="0" smtClean="0"/>
+              <a:t>Для каждого пользователя и процесса ведется список так называемых переменных окружения. Каждая переменная имеет имя и строковое значение. В этих переменных хранится различная системная информация.  Список переменных можно увидеть комадной строке </a:t>
+            </a:r>
+            <a:r>
+              <a:rPr lang="en-US" sz="2100" dirty="0" smtClean="0"/>
+              <a:t>Windows </a:t>
+            </a:r>
+            <a:r>
+              <a:rPr lang="ru-RU" sz="2100" dirty="0" smtClean="0"/>
+              <a:t>с помощью команды </a:t>
+            </a:r>
+            <a:r>
+              <a:rPr lang="en-US" sz="2100" dirty="0" smtClean="0"/>
+              <a:t>set. </a:t>
+            </a:r>
+            <a:r>
+              <a:rPr lang="ru-RU" sz="2100" dirty="0" smtClean="0"/>
+              <a:t>Если переменная окружения вставляется в путь, то её имя окружается символом процента. Например, </a:t>
+            </a:r>
+            <a:r>
+              <a:rPr lang="en-US" sz="2100" dirty="0" smtClean="0"/>
+              <a:t>"%TEMP%\phonebook.txt".</a:t>
+            </a:r>
+            <a:r>
+              <a:rPr lang="ru-RU" sz="2100" dirty="0" smtClean="0"/>
+              <a:t> В </a:t>
+            </a:r>
+            <a:r>
+              <a:rPr lang="en-US" sz="2100" dirty="0" smtClean="0"/>
+              <a:t>.NET </a:t>
+            </a:r>
+            <a:r>
+              <a:rPr lang="ru-RU" sz="2100" dirty="0" smtClean="0"/>
+              <a:t>для работы с переменными окружения используется класс </a:t>
+            </a:r>
+            <a:r>
+              <a:rPr lang="en-US" sz="2100" dirty="0" smtClean="0"/>
+              <a:t>Environment </a:t>
+            </a:r>
+            <a:r>
+              <a:rPr lang="ru-RU" sz="2100" dirty="0" smtClean="0"/>
+              <a:t>и </a:t>
+            </a:r>
+            <a:r>
+              <a:rPr lang="ru-RU" sz="2100" dirty="0"/>
+              <a:t>его </a:t>
+            </a:r>
+            <a:r>
+              <a:rPr lang="ru-RU" sz="2100" dirty="0" smtClean="0"/>
+              <a:t>методы: </a:t>
+            </a:r>
+            <a:r>
+              <a:rPr lang="en-US" sz="2100" dirty="0" err="1" smtClean="0"/>
+              <a:t>ExpandEnvironmentVariables</a:t>
+            </a:r>
+            <a:r>
+              <a:rPr lang="ru-RU" sz="2100" dirty="0" smtClean="0"/>
+              <a:t>(), </a:t>
+            </a:r>
+            <a:r>
+              <a:rPr lang="en-US" sz="2100" dirty="0" err="1"/>
+              <a:t>GetEnvironmentVariable</a:t>
+            </a:r>
+            <a:r>
+              <a:rPr lang="en-US" sz="2100" dirty="0" smtClean="0"/>
+              <a:t>()</a:t>
+            </a:r>
+            <a:r>
+              <a:rPr lang="ru-RU" sz="2100" dirty="0" smtClean="0"/>
+              <a:t>, </a:t>
+            </a:r>
+            <a:r>
+              <a:rPr lang="en-US" sz="2100" dirty="0" err="1"/>
+              <a:t>GetEnvironmentVariables</a:t>
+            </a:r>
+            <a:r>
+              <a:rPr lang="en-US" sz="2100" dirty="0" smtClean="0"/>
+              <a:t>()</a:t>
+            </a:r>
+            <a:r>
+              <a:rPr lang="ru-RU" sz="2100" dirty="0"/>
+              <a:t> </a:t>
+            </a:r>
+            <a:r>
+              <a:rPr lang="ru-RU" sz="2100" dirty="0" smtClean="0"/>
+              <a:t>и </a:t>
+            </a:r>
+            <a:r>
+              <a:rPr lang="en-US" sz="2100" dirty="0" err="1"/>
+              <a:t>SetEnvironmentVariable</a:t>
+            </a:r>
+            <a:r>
+              <a:rPr lang="en-US" sz="2100" dirty="0" smtClean="0"/>
+              <a:t>()</a:t>
+            </a:r>
+            <a:r>
+              <a:rPr lang="ru-RU" sz="2100" dirty="0" smtClean="0"/>
+              <a:t>.</a:t>
+            </a:r>
+            <a:endParaRPr lang="en-US" sz="2100" dirty="0"/>
+          </a:p>
+        </p:txBody>
+      </p:sp>
+      <p:sp>
+        <p:nvSpPr>
+          <p:cNvPr id="5" name="Rectangle 4"/>
+          <p:cNvSpPr/>
+          <p:nvPr/>
+        </p:nvSpPr>
+        <p:spPr>
+          <a:xfrm>
+            <a:off x="457200" y="5138608"/>
+            <a:ext cx="8363272" cy="738664"/>
+          </a:xfrm>
+          <a:prstGeom prst="rect">
+            <a:avLst/>
+          </a:prstGeom>
+          <a:solidFill>
+            <a:schemeClr val="bg1"/>
+          </a:solidFill>
+        </p:spPr>
+        <p:txBody>
+          <a:bodyPr wrap="square">
+            <a:spAutoFit/>
+          </a:bodyPr>
+          <a:lstStyle/>
+          <a:p>
+            <a:r>
+              <a:rPr lang="en-US" sz="1400" dirty="0">
+                <a:solidFill>
+                  <a:srgbClr val="0000FF"/>
+                </a:solidFill>
+                <a:latin typeface="Courier New" panose="02070309020205020404" pitchFamily="49" charset="0"/>
+                <a:cs typeface="Courier New" panose="02070309020205020404" pitchFamily="49" charset="0"/>
+              </a:rPr>
+              <a:t>string</a:t>
+            </a:r>
+            <a:r>
+              <a:rPr lang="en-US" sz="1400" dirty="0">
+                <a:solidFill>
+                  <a:prstClr val="black"/>
+                </a:solidFill>
+                <a:latin typeface="Courier New" panose="02070309020205020404" pitchFamily="49" charset="0"/>
+                <a:cs typeface="Courier New" panose="02070309020205020404" pitchFamily="49" charset="0"/>
+              </a:rPr>
+              <a:t> </a:t>
+            </a:r>
+            <a:r>
+              <a:rPr lang="en-US" sz="1400" dirty="0" err="1">
+                <a:solidFill>
+                  <a:prstClr val="black"/>
+                </a:solidFill>
+                <a:latin typeface="Courier New" panose="02070309020205020404" pitchFamily="49" charset="0"/>
+                <a:cs typeface="Courier New" panose="02070309020205020404" pitchFamily="49" charset="0"/>
+              </a:rPr>
+              <a:t>pathToPhonebook</a:t>
+            </a:r>
+            <a:r>
+              <a:rPr lang="en-US" sz="1400" dirty="0">
+                <a:solidFill>
+                  <a:prstClr val="black"/>
+                </a:solidFill>
+                <a:latin typeface="Courier New" panose="02070309020205020404" pitchFamily="49" charset="0"/>
+                <a:cs typeface="Courier New" panose="02070309020205020404" pitchFamily="49" charset="0"/>
+              </a:rPr>
+              <a:t> </a:t>
+            </a:r>
+            <a:r>
+              <a:rPr lang="en-US" sz="1400" dirty="0" smtClean="0">
+                <a:solidFill>
+                  <a:prstClr val="black"/>
+                </a:solidFill>
+                <a:latin typeface="Courier New" panose="02070309020205020404" pitchFamily="49" charset="0"/>
+                <a:cs typeface="Courier New" panose="02070309020205020404" pitchFamily="49" charset="0"/>
+              </a:rPr>
+              <a:t>=</a:t>
+            </a:r>
+            <a:r>
+              <a:rPr lang="en-US" sz="1400" dirty="0">
+                <a:solidFill>
+                  <a:prstClr val="black"/>
+                </a:solidFill>
+                <a:latin typeface="Courier New" panose="02070309020205020404" pitchFamily="49" charset="0"/>
+                <a:cs typeface="Courier New" panose="02070309020205020404" pitchFamily="49" charset="0"/>
+              </a:rPr>
+              <a:t/>
+            </a:r>
+            <a:br>
+              <a:rPr lang="en-US" sz="1400" dirty="0">
+                <a:solidFill>
+                  <a:prstClr val="black"/>
+                </a:solidFill>
+                <a:latin typeface="Courier New" panose="02070309020205020404" pitchFamily="49" charset="0"/>
+                <a:cs typeface="Courier New" panose="02070309020205020404" pitchFamily="49" charset="0"/>
+              </a:rPr>
+            </a:br>
+            <a:r>
+              <a:rPr lang="en-US" sz="1400" dirty="0" smtClean="0">
+                <a:solidFill>
+                  <a:prstClr val="black"/>
+                </a:solidFill>
+                <a:latin typeface="Courier New" panose="02070309020205020404" pitchFamily="49" charset="0"/>
+                <a:cs typeface="Courier New" panose="02070309020205020404" pitchFamily="49" charset="0"/>
+              </a:rPr>
+              <a:t>    </a:t>
+            </a:r>
+            <a:r>
+              <a:rPr lang="en-US" sz="1400" dirty="0" err="1" smtClean="0">
+                <a:solidFill>
+                  <a:srgbClr val="2B91AF"/>
+                </a:solidFill>
+                <a:latin typeface="Courier New" panose="02070309020205020404" pitchFamily="49" charset="0"/>
+                <a:cs typeface="Courier New" panose="02070309020205020404" pitchFamily="49" charset="0"/>
+              </a:rPr>
+              <a:t>Environment</a:t>
+            </a:r>
+            <a:r>
+              <a:rPr lang="en-US" sz="1400" dirty="0" err="1" smtClean="0">
+                <a:solidFill>
+                  <a:prstClr val="black"/>
+                </a:solidFill>
+                <a:latin typeface="Courier New" panose="02070309020205020404" pitchFamily="49" charset="0"/>
+                <a:cs typeface="Courier New" panose="02070309020205020404" pitchFamily="49" charset="0"/>
+              </a:rPr>
+              <a:t>.ExpandEnvironmentVariables</a:t>
+            </a:r>
+            <a:r>
+              <a:rPr lang="en-US" sz="1400" dirty="0">
+                <a:solidFill>
+                  <a:prstClr val="black"/>
+                </a:solidFill>
+                <a:latin typeface="Courier New" panose="02070309020205020404" pitchFamily="49" charset="0"/>
+                <a:cs typeface="Courier New" panose="02070309020205020404" pitchFamily="49" charset="0"/>
+              </a:rPr>
+              <a:t>(</a:t>
+            </a:r>
+            <a:r>
+              <a:rPr lang="en-US" sz="1400" dirty="0">
+                <a:solidFill>
+                  <a:srgbClr val="A31515"/>
+                </a:solidFill>
+                <a:latin typeface="Courier New" panose="02070309020205020404" pitchFamily="49" charset="0"/>
+                <a:cs typeface="Courier New" panose="02070309020205020404" pitchFamily="49" charset="0"/>
+              </a:rPr>
+              <a:t>@"%TEMP%\phonebook.txt</a:t>
+            </a:r>
+            <a:r>
+              <a:rPr lang="en-US" sz="1400" dirty="0" smtClean="0">
+                <a:solidFill>
+                  <a:srgbClr val="A31515"/>
+                </a:solidFill>
+                <a:latin typeface="Courier New" panose="02070309020205020404" pitchFamily="49" charset="0"/>
+                <a:cs typeface="Courier New" panose="02070309020205020404" pitchFamily="49" charset="0"/>
+              </a:rPr>
+              <a:t>"</a:t>
+            </a:r>
+            <a:r>
+              <a:rPr lang="en-US" sz="1400" dirty="0" smtClean="0">
+                <a:solidFill>
+                  <a:prstClr val="black"/>
+                </a:solidFill>
+                <a:latin typeface="Courier New" panose="02070309020205020404" pitchFamily="49" charset="0"/>
+                <a:cs typeface="Courier New" panose="02070309020205020404" pitchFamily="49" charset="0"/>
+              </a:rPr>
+              <a:t>);</a:t>
+            </a:r>
+          </a:p>
+          <a:p>
+            <a:r>
+              <a:rPr lang="en-US" sz="1400" dirty="0">
+                <a:solidFill>
+                  <a:srgbClr val="008000"/>
+                </a:solidFill>
+                <a:latin typeface="Consolas"/>
+              </a:rPr>
+              <a:t>// </a:t>
+            </a:r>
+            <a:r>
+              <a:rPr lang="ru-RU" sz="1400" dirty="0" smtClean="0">
+                <a:solidFill>
+                  <a:srgbClr val="008000"/>
+                </a:solidFill>
+                <a:latin typeface="Consolas"/>
+              </a:rPr>
+              <a:t>переменная </a:t>
+            </a:r>
+            <a:r>
+              <a:rPr lang="en-US" sz="1400" dirty="0" err="1">
+                <a:solidFill>
+                  <a:srgbClr val="008000"/>
+                </a:solidFill>
+                <a:latin typeface="Consolas"/>
+              </a:rPr>
+              <a:t>pathToPhonebook</a:t>
+            </a:r>
+            <a:r>
+              <a:rPr lang="en-US" sz="1400" dirty="0">
+                <a:solidFill>
+                  <a:srgbClr val="008000"/>
+                </a:solidFill>
+                <a:latin typeface="Consolas"/>
+              </a:rPr>
+              <a:t> </a:t>
+            </a:r>
+            <a:r>
+              <a:rPr lang="ru-RU" sz="1400" dirty="0" smtClean="0">
+                <a:solidFill>
+                  <a:srgbClr val="008000"/>
+                </a:solidFill>
+                <a:latin typeface="Consolas"/>
+              </a:rPr>
+              <a:t>содержит путь к файлу внутри временного каталога</a:t>
+            </a:r>
+            <a:endParaRPr lang="en-US" sz="1400" dirty="0">
+              <a:solidFill>
+                <a:prstClr val="black"/>
+              </a:solidFill>
+              <a:latin typeface="Courier New" panose="02070309020205020404" pitchFamily="49" charset="0"/>
+              <a:cs typeface="Courier New" panose="02070309020205020404" pitchFamily="49" charset="0"/>
+            </a:endParaRPr>
+          </a:p>
+        </p:txBody>
+      </p:sp>
+    </p:spTree>
+    <p:extLst>
+      <p:ext uri="{BB962C8B-B14F-4D97-AF65-F5344CB8AC3E}">
+        <p14:creationId xmlns:p14="http://schemas.microsoft.com/office/powerpoint/2010/main" val="136639865"/>
+      </p:ext>
+    </p:extLst>
+  </p:cSld>
+  <p:clrMapOvr>
+    <a:masterClrMapping/>
+  </p:clrMapOvr>
+</p:sld>
+</file>
+
+<file path=ppt/slides/slide17.xml><?xml version="1.0" encoding="utf-8"?>
+<p:sld xmlns:a="http://schemas.openxmlformats.org/drawingml/2006/main" xmlns:r="http://schemas.openxmlformats.org/officeDocument/2006/relationships" xmlns:p="http://schemas.openxmlformats.org/presentationml/2006/main">
+  <p:cSld>
     <p:bg>
       <p:bgPr>
         <a:blipFill dpi="0" rotWithShape="1">
@@ -11151,7 +11562,7 @@
 </p:sld>
 </file>
 
-<file path=ppt/slides/slide17.xml><?xml version="1.0" encoding="utf-8"?>
+<file path=ppt/slides/slide18.xml><?xml version="1.0" encoding="utf-8"?>
 <p:sld xmlns:a="http://schemas.openxmlformats.org/drawingml/2006/main" xmlns:r="http://schemas.openxmlformats.org/officeDocument/2006/relationships" xmlns:p="http://schemas.openxmlformats.org/presentationml/2006/main">
   <p:cSld>
     <p:bg>
@@ -12918,7 +13329,7 @@
 </p:sld>
 </file>
 
-<file path=ppt/slides/slide18.xml><?xml version="1.0" encoding="utf-8"?>
+<file path=ppt/slides/slide19.xml><?xml version="1.0" encoding="utf-8"?>
 <p:sld xmlns:a="http://schemas.openxmlformats.org/drawingml/2006/main" xmlns:r="http://schemas.openxmlformats.org/officeDocument/2006/relationships" xmlns:p="http://schemas.openxmlformats.org/presentationml/2006/main">
   <p:cSld>
     <p:spTree>
@@ -14501,7 +14912,206 @@
 </p:sld>
 </file>
 
-<file path=ppt/slides/slide19.xml><?xml version="1.0" encoding="utf-8"?>
+<file path=ppt/slides/slide2.xml><?xml version="1.0" encoding="utf-8"?>
+<p:sld xmlns:a="http://schemas.openxmlformats.org/drawingml/2006/main" xmlns:r="http://schemas.openxmlformats.org/officeDocument/2006/relationships" xmlns:p="http://schemas.openxmlformats.org/presentationml/2006/main">
+  <p:cSld>
+    <p:bg>
+      <p:bgPr>
+        <a:blipFill dpi="0" rotWithShape="1">
+          <a:blip r:embed="rId2">
+            <a:lum/>
+          </a:blip>
+          <a:srcRect/>
+          <a:stretch>
+            <a:fillRect/>
+          </a:stretch>
+        </a:blipFill>
+        <a:effectLst/>
+      </p:bgPr>
+    </p:bg>
+    <p:spTree>
+      <p:nvGrpSpPr>
+        <p:cNvPr id="1" name=""/>
+        <p:cNvGrpSpPr/>
+        <p:nvPr/>
+      </p:nvGrpSpPr>
+      <p:grpSpPr>
+        <a:xfrm>
+          <a:off x="0" y="0"/>
+          <a:ext cx="0" cy="0"/>
+          <a:chOff x="0" y="0"/>
+          <a:chExt cx="0" cy="0"/>
+        </a:xfrm>
+      </p:grpSpPr>
+      <p:sp>
+        <p:nvSpPr>
+          <p:cNvPr id="2" name="Title 1"/>
+          <p:cNvSpPr>
+            <a:spLocks noGrp="1"/>
+          </p:cNvSpPr>
+          <p:nvPr>
+            <p:ph type="title"/>
+          </p:nvPr>
+        </p:nvSpPr>
+        <p:spPr/>
+        <p:txBody>
+          <a:bodyPr/>
+          <a:lstStyle/>
+          <a:p>
+            <a:r>
+              <a:rPr lang="ru-RU" dirty="0">
+                <a:solidFill>
+                  <a:schemeClr val="bg1"/>
+                </a:solidFill>
+              </a:rPr>
+              <a:t>Материалы для обучения</a:t>
+            </a:r>
+            <a:endParaRPr lang="en-US" dirty="0">
+              <a:solidFill>
+                <a:schemeClr val="bg1"/>
+              </a:solidFill>
+            </a:endParaRPr>
+          </a:p>
+        </p:txBody>
+      </p:sp>
+      <p:sp>
+        <p:nvSpPr>
+          <p:cNvPr id="3" name="Content Placeholder 2"/>
+          <p:cNvSpPr>
+            <a:spLocks noGrp="1"/>
+          </p:cNvSpPr>
+          <p:nvPr>
+            <p:ph idx="1"/>
+          </p:nvPr>
+        </p:nvSpPr>
+        <p:spPr/>
+        <p:txBody>
+          <a:bodyPr/>
+          <a:lstStyle/>
+          <a:p>
+            <a:r>
+              <a:rPr lang="en-US" dirty="0">
+                <a:solidFill>
+                  <a:schemeClr val="bg1"/>
+                </a:solidFill>
+                <a:hlinkClick r:id="rId3"/>
+              </a:rPr>
+              <a:t>https://</a:t>
+            </a:r>
+            <a:r>
+              <a:rPr lang="en-US" dirty="0" smtClean="0">
+                <a:solidFill>
+                  <a:schemeClr val="bg1"/>
+                </a:solidFill>
+                <a:hlinkClick r:id="rId3"/>
+              </a:rPr>
+              <a:t>github.com/bazile/Training</a:t>
+            </a:r>
+            <a:r>
+              <a:rPr lang="en-US" dirty="0" smtClean="0">
+                <a:solidFill>
+                  <a:schemeClr val="bg1"/>
+                </a:solidFill>
+              </a:rPr>
+              <a:t/>
+            </a:r>
+            <a:br>
+              <a:rPr lang="en-US" dirty="0" smtClean="0">
+                <a:solidFill>
+                  <a:schemeClr val="bg1"/>
+                </a:solidFill>
+              </a:rPr>
+            </a:br>
+            <a:r>
+              <a:rPr lang="ru-RU" dirty="0" smtClean="0">
+                <a:solidFill>
+                  <a:schemeClr val="bg1"/>
+                </a:solidFill>
+              </a:rPr>
+              <a:t>Презентации и примеры кода используемые во время занятия</a:t>
+            </a:r>
+          </a:p>
+          <a:p>
+            <a:endParaRPr lang="ru-RU" dirty="0" smtClean="0">
+              <a:solidFill>
+                <a:schemeClr val="bg1"/>
+              </a:solidFill>
+            </a:endParaRPr>
+          </a:p>
+          <a:p>
+            <a:r>
+              <a:rPr lang="en-US" dirty="0">
+                <a:solidFill>
+                  <a:schemeClr val="bg1"/>
+                </a:solidFill>
+                <a:hlinkClick r:id="rId4"/>
+              </a:rPr>
+              <a:t>http://belhard.nullptr.ru</a:t>
+            </a:r>
+            <a:r>
+              <a:rPr lang="en-US" dirty="0" smtClean="0">
+                <a:solidFill>
+                  <a:schemeClr val="bg1"/>
+                </a:solidFill>
+                <a:hlinkClick r:id="rId4"/>
+              </a:rPr>
+              <a:t>/</a:t>
+            </a:r>
+            <a:r>
+              <a:rPr lang="ru-RU" dirty="0" smtClean="0">
+                <a:solidFill>
+                  <a:schemeClr val="bg1"/>
+                </a:solidFill>
+              </a:rPr>
+              <a:t/>
+            </a:r>
+            <a:br>
+              <a:rPr lang="ru-RU" dirty="0" smtClean="0">
+                <a:solidFill>
+                  <a:schemeClr val="bg1"/>
+                </a:solidFill>
+              </a:rPr>
+            </a:br>
+            <a:r>
+              <a:rPr lang="ru-RU" dirty="0" smtClean="0">
+                <a:solidFill>
+                  <a:schemeClr val="bg1"/>
+                </a:solidFill>
+              </a:rPr>
+              <a:t>Книги, примеры к ним и другие полезные файлы.</a:t>
+            </a:r>
+            <a:endParaRPr lang="ru-RU" dirty="0">
+              <a:solidFill>
+                <a:schemeClr val="bg1"/>
+              </a:solidFill>
+            </a:endParaRPr>
+          </a:p>
+          <a:p>
+            <a:endParaRPr lang="en-US" dirty="0"/>
+          </a:p>
+        </p:txBody>
+      </p:sp>
+    </p:spTree>
+    <p:extLst>
+      <p:ext uri="{BB962C8B-B14F-4D97-AF65-F5344CB8AC3E}">
+        <p14:creationId xmlns:p14="http://schemas.microsoft.com/office/powerpoint/2010/main" val="306762039"/>
+      </p:ext>
+    </p:extLst>
+  </p:cSld>
+  <p:clrMapOvr>
+    <a:masterClrMapping/>
+  </p:clrMapOvr>
+  <p:timing>
+    <p:tnLst>
+      <p:par>
+        <p:cTn id="1" dur="indefinite" restart="never" nodeType="tmRoot"/>
+      </p:par>
+    </p:tnLst>
+  </p:timing>
+</p:sld>
+</file>
+
+<file path=ppt/slides/slide20.xml><?xml version="1.0" encoding="utf-8"?>
 <p:sld xmlns:a="http://schemas.openxmlformats.org/drawingml/2006/main" xmlns:r="http://schemas.openxmlformats.org/officeDocument/2006/relationships" xmlns:p="http://schemas.openxmlformats.org/presentationml/2006/main">
   <p:cSld>
     <p:spTree>
@@ -15545,206 +16155,7 @@
 </p:sld>
 </file>
 
-<file path=ppt/slides/slide2.xml><?xml version="1.0" encoding="utf-8"?>
-<p:sld xmlns:a="http://schemas.openxmlformats.org/drawingml/2006/main" xmlns:r="http://schemas.openxmlformats.org/officeDocument/2006/relationships" xmlns:p="http://schemas.openxmlformats.org/presentationml/2006/main">
-  <p:cSld>
-    <p:bg>
-      <p:bgPr>
-        <a:blipFill dpi="0" rotWithShape="1">
-          <a:blip r:embed="rId2">
-            <a:lum/>
-          </a:blip>
-          <a:srcRect/>
-          <a:stretch>
-            <a:fillRect/>
-          </a:stretch>
-        </a:blipFill>
-        <a:effectLst/>
-      </p:bgPr>
-    </p:bg>
-    <p:spTree>
-      <p:nvGrpSpPr>
-        <p:cNvPr id="1" name=""/>
-        <p:cNvGrpSpPr/>
-        <p:nvPr/>
-      </p:nvGrpSpPr>
-      <p:grpSpPr>
-        <a:xfrm>
-          <a:off x="0" y="0"/>
-          <a:ext cx="0" cy="0"/>
-          <a:chOff x="0" y="0"/>
-          <a:chExt cx="0" cy="0"/>
-        </a:xfrm>
-      </p:grpSpPr>
-      <p:sp>
-        <p:nvSpPr>
-          <p:cNvPr id="2" name="Title 1"/>
-          <p:cNvSpPr>
-            <a:spLocks noGrp="1"/>
-          </p:cNvSpPr>
-          <p:nvPr>
-            <p:ph type="title"/>
-          </p:nvPr>
-        </p:nvSpPr>
-        <p:spPr/>
-        <p:txBody>
-          <a:bodyPr/>
-          <a:lstStyle/>
-          <a:p>
-            <a:r>
-              <a:rPr lang="ru-RU" dirty="0">
-                <a:solidFill>
-                  <a:schemeClr val="bg1"/>
-                </a:solidFill>
-              </a:rPr>
-              <a:t>Материалы для обучения</a:t>
-            </a:r>
-            <a:endParaRPr lang="en-US" dirty="0">
-              <a:solidFill>
-                <a:schemeClr val="bg1"/>
-              </a:solidFill>
-            </a:endParaRPr>
-          </a:p>
-        </p:txBody>
-      </p:sp>
-      <p:sp>
-        <p:nvSpPr>
-          <p:cNvPr id="3" name="Content Placeholder 2"/>
-          <p:cNvSpPr>
-            <a:spLocks noGrp="1"/>
-          </p:cNvSpPr>
-          <p:nvPr>
-            <p:ph idx="1"/>
-          </p:nvPr>
-        </p:nvSpPr>
-        <p:spPr/>
-        <p:txBody>
-          <a:bodyPr/>
-          <a:lstStyle/>
-          <a:p>
-            <a:r>
-              <a:rPr lang="en-US" dirty="0">
-                <a:solidFill>
-                  <a:schemeClr val="bg1"/>
-                </a:solidFill>
-                <a:hlinkClick r:id="rId3"/>
-              </a:rPr>
-              <a:t>https://</a:t>
-            </a:r>
-            <a:r>
-              <a:rPr lang="en-US" dirty="0" smtClean="0">
-                <a:solidFill>
-                  <a:schemeClr val="bg1"/>
-                </a:solidFill>
-                <a:hlinkClick r:id="rId3"/>
-              </a:rPr>
-              <a:t>github.com/bazile/Training</a:t>
-            </a:r>
-            <a:r>
-              <a:rPr lang="en-US" dirty="0" smtClean="0">
-                <a:solidFill>
-                  <a:schemeClr val="bg1"/>
-                </a:solidFill>
-              </a:rPr>
-              <a:t/>
-            </a:r>
-            <a:br>
-              <a:rPr lang="en-US" dirty="0" smtClean="0">
-                <a:solidFill>
-                  <a:schemeClr val="bg1"/>
-                </a:solidFill>
-              </a:rPr>
-            </a:br>
-            <a:r>
-              <a:rPr lang="ru-RU" dirty="0" smtClean="0">
-                <a:solidFill>
-                  <a:schemeClr val="bg1"/>
-                </a:solidFill>
-              </a:rPr>
-              <a:t>Презентации и примеры кода используемые во время занятия</a:t>
-            </a:r>
-          </a:p>
-          <a:p>
-            <a:endParaRPr lang="ru-RU" dirty="0" smtClean="0">
-              <a:solidFill>
-                <a:schemeClr val="bg1"/>
-              </a:solidFill>
-            </a:endParaRPr>
-          </a:p>
-          <a:p>
-            <a:r>
-              <a:rPr lang="en-US" dirty="0">
-                <a:solidFill>
-                  <a:schemeClr val="bg1"/>
-                </a:solidFill>
-                <a:hlinkClick r:id="rId4"/>
-              </a:rPr>
-              <a:t>http://belhard.nullptr.ru</a:t>
-            </a:r>
-            <a:r>
-              <a:rPr lang="en-US" dirty="0" smtClean="0">
-                <a:solidFill>
-                  <a:schemeClr val="bg1"/>
-                </a:solidFill>
-                <a:hlinkClick r:id="rId4"/>
-              </a:rPr>
-              <a:t>/</a:t>
-            </a:r>
-            <a:r>
-              <a:rPr lang="ru-RU" dirty="0" smtClean="0">
-                <a:solidFill>
-                  <a:schemeClr val="bg1"/>
-                </a:solidFill>
-              </a:rPr>
-              <a:t/>
-            </a:r>
-            <a:br>
-              <a:rPr lang="ru-RU" dirty="0" smtClean="0">
-                <a:solidFill>
-                  <a:schemeClr val="bg1"/>
-                </a:solidFill>
-              </a:rPr>
-            </a:br>
-            <a:r>
-              <a:rPr lang="ru-RU" dirty="0" smtClean="0">
-                <a:solidFill>
-                  <a:schemeClr val="bg1"/>
-                </a:solidFill>
-              </a:rPr>
-              <a:t>Книги, примеры к ним и другие полезные файлы.</a:t>
-            </a:r>
-            <a:endParaRPr lang="ru-RU" dirty="0">
-              <a:solidFill>
-                <a:schemeClr val="bg1"/>
-              </a:solidFill>
-            </a:endParaRPr>
-          </a:p>
-          <a:p>
-            <a:endParaRPr lang="en-US" dirty="0"/>
-          </a:p>
-        </p:txBody>
-      </p:sp>
-    </p:spTree>
-    <p:extLst>
-      <p:ext uri="{BB962C8B-B14F-4D97-AF65-F5344CB8AC3E}">
-        <p14:creationId xmlns:p14="http://schemas.microsoft.com/office/powerpoint/2010/main" val="306762039"/>
-      </p:ext>
-    </p:extLst>
-  </p:cSld>
-  <p:clrMapOvr>
-    <a:masterClrMapping/>
-  </p:clrMapOvr>
-  <p:timing>
-    <p:tnLst>
-      <p:par>
-        <p:cTn id="1" dur="indefinite" restart="never" nodeType="tmRoot"/>
-      </p:par>
-    </p:tnLst>
-  </p:timing>
-</p:sld>
-</file>
-
-<file path=ppt/slides/slide20.xml><?xml version="1.0" encoding="utf-8"?>
+<file path=ppt/slides/slide21.xml><?xml version="1.0" encoding="utf-8"?>
 <p:sld xmlns:a="http://schemas.openxmlformats.org/drawingml/2006/main" xmlns:r="http://schemas.openxmlformats.org/officeDocument/2006/relationships" xmlns:p="http://schemas.openxmlformats.org/presentationml/2006/main">
   <p:cSld>
     <p:bg>
@@ -17184,7 +17595,7 @@
 </p:sld>
 </file>
 
-<file path=ppt/slides/slide21.xml><?xml version="1.0" encoding="utf-8"?>
+<file path=ppt/slides/slide22.xml><?xml version="1.0" encoding="utf-8"?>
 <p:sld xmlns:a="http://schemas.openxmlformats.org/drawingml/2006/main" xmlns:r="http://schemas.openxmlformats.org/officeDocument/2006/relationships" xmlns:p="http://schemas.openxmlformats.org/presentationml/2006/main">
   <p:cSld>
     <p:bg>
@@ -18130,7 +18541,7 @@
 </p:sld>
 </file>
 
-<file path=ppt/slides/slide22.xml><?xml version="1.0" encoding="utf-8"?>
+<file path=ppt/slides/slide23.xml><?xml version="1.0" encoding="utf-8"?>
 <p:sld xmlns:a="http://schemas.openxmlformats.org/drawingml/2006/main" xmlns:r="http://schemas.openxmlformats.org/officeDocument/2006/relationships" xmlns:p="http://schemas.openxmlformats.org/presentationml/2006/main">
   <p:cSld>
     <p:bg>
@@ -19098,7 +19509,7 @@
 </p:sld>
 </file>
 
-<file path=ppt/slides/slide23.xml><?xml version="1.0" encoding="utf-8"?>
+<file path=ppt/slides/slide24.xml><?xml version="1.0" encoding="utf-8"?>
 <p:sld xmlns:a="http://schemas.openxmlformats.org/drawingml/2006/main" xmlns:r="http://schemas.openxmlformats.org/officeDocument/2006/relationships" xmlns:p="http://schemas.openxmlformats.org/presentationml/2006/main">
   <p:cSld>
     <p:bg>
@@ -20275,7 +20686,7 @@
 </p:sld>
 </file>
 
-<file path=ppt/slides/slide24.xml><?xml version="1.0" encoding="utf-8"?>
+<file path=ppt/slides/slide25.xml><?xml version="1.0" encoding="utf-8"?>
 <p:sld xmlns:a="http://schemas.openxmlformats.org/drawingml/2006/main" xmlns:r="http://schemas.openxmlformats.org/officeDocument/2006/relationships" xmlns:p="http://schemas.openxmlformats.org/presentationml/2006/main">
   <p:cSld>
     <p:spTree>
@@ -20360,7 +20771,7 @@
 </p:sld>
 </file>
 
-<file path=ppt/slides/slide25.xml><?xml version="1.0" encoding="utf-8"?>
+<file path=ppt/slides/slide26.xml><?xml version="1.0" encoding="utf-8"?>
 <p:sld xmlns:a="http://schemas.openxmlformats.org/drawingml/2006/main" xmlns:r="http://schemas.openxmlformats.org/officeDocument/2006/relationships" xmlns:p="http://schemas.openxmlformats.org/presentationml/2006/main">
   <p:cSld>
     <p:bg>
@@ -20498,2220 +20909,6 @@
     <p:extLst>
       <p:ext uri="{BB962C8B-B14F-4D97-AF65-F5344CB8AC3E}">
         <p14:creationId xmlns:p14="http://schemas.microsoft.com/office/powerpoint/2010/main" val="1542700340"/>
-      </p:ext>
-    </p:extLst>
-  </p:cSld>
-  <p:clrMapOvr>
-    <a:masterClrMapping/>
-  </p:clrMapOvr>
-  <p:timing>
-    <p:tnLst>
-      <p:par>
-        <p:cTn id="1" dur="indefinite" restart="never" nodeType="tmRoot"/>
-      </p:par>
-    </p:tnLst>
-  </p:timing>
-</p:sld>
-</file>
-
-<file path=ppt/slides/slide26.xml><?xml version="1.0" encoding="utf-8"?>
-<p:sld xmlns:a="http://schemas.openxmlformats.org/drawingml/2006/main" xmlns:r="http://schemas.openxmlformats.org/officeDocument/2006/relationships" xmlns:p="http://schemas.openxmlformats.org/presentationml/2006/main">
-  <p:cSld>
-    <p:bg>
-      <p:bgPr>
-        <a:blipFill dpi="0" rotWithShape="1">
-          <a:blip r:embed="rId2">
-            <a:lum/>
-          </a:blip>
-          <a:srcRect/>
-          <a:stretch>
-            <a:fillRect/>
-          </a:stretch>
-        </a:blipFill>
-        <a:effectLst/>
-      </p:bgPr>
-    </p:bg>
-    <p:spTree>
-      <p:nvGrpSpPr>
-        <p:cNvPr id="1" name=""/>
-        <p:cNvGrpSpPr/>
-        <p:nvPr/>
-      </p:nvGrpSpPr>
-      <p:grpSpPr>
-        <a:xfrm>
-          <a:off x="0" y="0"/>
-          <a:ext cx="0" cy="0"/>
-          <a:chOff x="0" y="0"/>
-          <a:chExt cx="0" cy="0"/>
-        </a:xfrm>
-      </p:grpSpPr>
-      <p:sp>
-        <p:nvSpPr>
-          <p:cNvPr id="2" name="Title 1"/>
-          <p:cNvSpPr>
-            <a:spLocks noGrp="1"/>
-          </p:cNvSpPr>
-          <p:nvPr>
-            <p:ph type="title"/>
-          </p:nvPr>
-        </p:nvSpPr>
-        <p:spPr>
-          <a:xfrm>
-            <a:off x="457200" y="188640"/>
-            <a:ext cx="8229600" cy="720080"/>
-          </a:xfrm>
-        </p:spPr>
-        <p:txBody>
-          <a:bodyPr>
-            <a:normAutofit/>
-          </a:bodyPr>
-          <a:lstStyle/>
-          <a:p>
-            <a:r>
-              <a:rPr lang="ru-RU" sz="2000" dirty="0" smtClean="0"/>
-              <a:t>Бинарная сериализация (пример)</a:t>
-            </a:r>
-            <a:endParaRPr lang="en-US" sz="2000" dirty="0"/>
-          </a:p>
-        </p:txBody>
-      </p:sp>
-      <p:sp>
-        <p:nvSpPr>
-          <p:cNvPr id="3" name="Content Placeholder 2"/>
-          <p:cNvSpPr>
-            <a:spLocks noGrp="1"/>
-          </p:cNvSpPr>
-          <p:nvPr>
-            <p:ph idx="1"/>
-          </p:nvPr>
-        </p:nvSpPr>
-        <p:spPr>
-          <a:xfrm>
-            <a:off x="457200" y="919261"/>
-            <a:ext cx="8229600" cy="5750099"/>
-          </a:xfrm>
-          <a:solidFill>
-            <a:schemeClr val="bg1"/>
-          </a:solidFill>
-        </p:spPr>
-        <p:txBody>
-          <a:bodyPr>
-            <a:normAutofit fontScale="25000" lnSpcReduction="20000"/>
-          </a:bodyPr>
-          <a:lstStyle/>
-          <a:p>
-            <a:pPr marL="0" indent="0">
-              <a:buNone/>
-            </a:pPr>
-            <a:r>
-              <a:rPr lang="en-US" dirty="0">
-                <a:solidFill>
-                  <a:srgbClr val="0000FF"/>
-                </a:solidFill>
-                <a:latin typeface="Consolas"/>
-              </a:rPr>
-              <a:t>using</a:t>
-            </a:r>
-            <a:r>
-              <a:rPr lang="en-US" dirty="0">
-                <a:solidFill>
-                  <a:srgbClr val="000000"/>
-                </a:solidFill>
-                <a:latin typeface="Consolas"/>
-              </a:rPr>
-              <a:t> </a:t>
-            </a:r>
-            <a:r>
-              <a:rPr lang="en-US" dirty="0" smtClean="0">
-                <a:solidFill>
-                  <a:srgbClr val="000000"/>
-                </a:solidFill>
-                <a:latin typeface="Consolas"/>
-              </a:rPr>
-              <a:t>System.IO;</a:t>
-            </a:r>
-          </a:p>
-          <a:p>
-            <a:pPr marL="0" indent="0">
-              <a:buNone/>
-            </a:pPr>
-            <a:r>
-              <a:rPr lang="en-US" dirty="0">
-                <a:solidFill>
-                  <a:srgbClr val="0000FF"/>
-                </a:solidFill>
-                <a:latin typeface="Consolas"/>
-              </a:rPr>
-              <a:t>using</a:t>
-            </a:r>
-            <a:r>
-              <a:rPr lang="en-US" dirty="0" smtClean="0">
-                <a:solidFill>
-                  <a:srgbClr val="000000"/>
-                </a:solidFill>
-                <a:latin typeface="Consolas"/>
-              </a:rPr>
-              <a:t> </a:t>
-            </a:r>
-            <a:r>
-              <a:rPr lang="en-US" dirty="0" err="1" smtClean="0">
-                <a:solidFill>
-                  <a:srgbClr val="000000"/>
-                </a:solidFill>
-                <a:latin typeface="Consolas"/>
-              </a:rPr>
-              <a:t>System.Runtime.Serialization.Formatters.Binary</a:t>
-            </a:r>
-            <a:r>
-              <a:rPr lang="en-US" dirty="0" smtClean="0">
-                <a:solidFill>
-                  <a:srgbClr val="000000"/>
-                </a:solidFill>
-                <a:latin typeface="Consolas"/>
-              </a:rPr>
-              <a:t>;</a:t>
-            </a:r>
-            <a:endParaRPr lang="ru-RU" dirty="0" smtClean="0">
-              <a:solidFill>
-                <a:srgbClr val="000000"/>
-              </a:solidFill>
-              <a:latin typeface="Consolas"/>
-            </a:endParaRPr>
-          </a:p>
-          <a:p>
-            <a:pPr marL="0" indent="0">
-              <a:buNone/>
-            </a:pPr>
-            <a:endParaRPr lang="ru-RU" dirty="0" smtClean="0">
-              <a:solidFill>
-                <a:srgbClr val="000000"/>
-              </a:solidFill>
-              <a:latin typeface="Consolas"/>
-            </a:endParaRPr>
-          </a:p>
-          <a:p>
-            <a:pPr marL="0" indent="0">
-              <a:buNone/>
-            </a:pPr>
-            <a:r>
-              <a:rPr lang="en-US" dirty="0" smtClean="0">
-                <a:solidFill>
-                  <a:srgbClr val="000000"/>
-                </a:solidFill>
-                <a:latin typeface="Consolas"/>
-              </a:rPr>
-              <a:t>[</a:t>
-            </a:r>
-            <a:r>
-              <a:rPr lang="en-US" dirty="0" err="1">
-                <a:solidFill>
-                  <a:srgbClr val="000000"/>
-                </a:solidFill>
-                <a:latin typeface="Consolas"/>
-              </a:rPr>
-              <a:t>Serializable</a:t>
-            </a:r>
-            <a:r>
-              <a:rPr lang="en-US" dirty="0">
-                <a:solidFill>
-                  <a:srgbClr val="000000"/>
-                </a:solidFill>
-                <a:latin typeface="Consolas"/>
-              </a:rPr>
-              <a:t>]</a:t>
-            </a:r>
-          </a:p>
-          <a:p>
-            <a:pPr marL="0" indent="0">
-              <a:buNone/>
-            </a:pPr>
-            <a:r>
-              <a:rPr lang="en-US" dirty="0">
-                <a:solidFill>
-                  <a:srgbClr val="0000FF"/>
-                </a:solidFill>
-                <a:latin typeface="Consolas"/>
-              </a:rPr>
-              <a:t>class</a:t>
-            </a:r>
-            <a:r>
-              <a:rPr lang="en-US" dirty="0">
-                <a:solidFill>
-                  <a:srgbClr val="000000"/>
-                </a:solidFill>
-                <a:latin typeface="Consolas"/>
-              </a:rPr>
-              <a:t> Train</a:t>
-            </a:r>
-          </a:p>
-          <a:p>
-            <a:pPr marL="0" indent="0">
-              <a:buNone/>
-            </a:pPr>
-            <a:r>
-              <a:rPr lang="en-US" dirty="0">
-                <a:solidFill>
-                  <a:srgbClr val="000000"/>
-                </a:solidFill>
-                <a:latin typeface="Consolas"/>
-              </a:rPr>
-              <a:t>{</a:t>
-            </a:r>
-          </a:p>
-          <a:p>
-            <a:pPr marL="0" indent="0">
-              <a:buNone/>
-            </a:pPr>
-            <a:r>
-              <a:rPr lang="en-US" dirty="0">
-                <a:solidFill>
-                  <a:srgbClr val="000000"/>
-                </a:solidFill>
-                <a:latin typeface="Consolas"/>
-              </a:rPr>
-              <a:t>  [</a:t>
-            </a:r>
-            <a:r>
-              <a:rPr lang="en-US" dirty="0" err="1">
-                <a:solidFill>
-                  <a:srgbClr val="000000"/>
-                </a:solidFill>
-                <a:latin typeface="Consolas"/>
-              </a:rPr>
-              <a:t>NonSerialized</a:t>
-            </a:r>
-            <a:r>
-              <a:rPr lang="en-US" dirty="0">
-                <a:solidFill>
-                  <a:srgbClr val="000000"/>
-                </a:solidFill>
-                <a:latin typeface="Consolas"/>
-              </a:rPr>
-              <a:t>]</a:t>
-            </a:r>
-          </a:p>
-          <a:p>
-            <a:pPr marL="0" indent="0">
-              <a:buNone/>
-            </a:pPr>
-            <a:r>
-              <a:rPr lang="en-US" dirty="0">
-                <a:solidFill>
-                  <a:srgbClr val="000000"/>
-                </a:solidFill>
-                <a:latin typeface="Consolas"/>
-              </a:rPr>
-              <a:t>  </a:t>
-            </a:r>
-            <a:r>
-              <a:rPr lang="en-US" dirty="0">
-                <a:solidFill>
-                  <a:srgbClr val="0000FF"/>
-                </a:solidFill>
-                <a:latin typeface="Consolas"/>
-              </a:rPr>
-              <a:t>double</a:t>
-            </a:r>
-            <a:r>
-              <a:rPr lang="en-US" dirty="0">
-                <a:solidFill>
-                  <a:srgbClr val="000000"/>
-                </a:solidFill>
-                <a:latin typeface="Consolas"/>
-              </a:rPr>
-              <a:t> _speed;</a:t>
-            </a:r>
-          </a:p>
-          <a:p>
-            <a:pPr marL="0" indent="0">
-              <a:buNone/>
-            </a:pPr>
-            <a:r>
-              <a:rPr lang="en-US" dirty="0" smtClean="0">
-                <a:solidFill>
-                  <a:srgbClr val="0000FF"/>
-                </a:solidFill>
-                <a:latin typeface="Consolas"/>
-              </a:rPr>
-              <a:t>  </a:t>
-            </a:r>
-            <a:r>
-              <a:rPr lang="en-US" dirty="0" err="1" smtClean="0">
-                <a:solidFill>
-                  <a:srgbClr val="0000FF"/>
-                </a:solidFill>
-                <a:latin typeface="Consolas"/>
-              </a:rPr>
-              <a:t>int</a:t>
-            </a:r>
-            <a:r>
-              <a:rPr lang="en-US" dirty="0" smtClean="0">
-                <a:solidFill>
-                  <a:srgbClr val="000000"/>
-                </a:solidFill>
-                <a:latin typeface="Consolas"/>
-              </a:rPr>
-              <a:t> </a:t>
-            </a:r>
-            <a:r>
-              <a:rPr lang="en-US" dirty="0">
-                <a:solidFill>
-                  <a:srgbClr val="000000"/>
-                </a:solidFill>
-                <a:latin typeface="Consolas"/>
-              </a:rPr>
-              <a:t>_length;</a:t>
-            </a:r>
-          </a:p>
-          <a:p>
-            <a:pPr marL="0" indent="0">
-              <a:buNone/>
-            </a:pPr>
-            <a:r>
-              <a:rPr lang="en-US" dirty="0">
-                <a:solidFill>
-                  <a:srgbClr val="000000"/>
-                </a:solidFill>
-                <a:latin typeface="Consolas"/>
-              </a:rPr>
-              <a:t>  </a:t>
-            </a:r>
-            <a:r>
-              <a:rPr lang="en-US" dirty="0">
-                <a:solidFill>
-                  <a:srgbClr val="0000FF"/>
-                </a:solidFill>
-                <a:latin typeface="Consolas"/>
-              </a:rPr>
-              <a:t>string</a:t>
-            </a:r>
-            <a:r>
-              <a:rPr lang="en-US" dirty="0">
-                <a:solidFill>
-                  <a:srgbClr val="000000"/>
-                </a:solidFill>
-                <a:latin typeface="Consolas"/>
-              </a:rPr>
-              <a:t>[] _</a:t>
-            </a:r>
-            <a:r>
-              <a:rPr lang="en-US" dirty="0" err="1">
-                <a:solidFill>
-                  <a:srgbClr val="000000"/>
-                </a:solidFill>
-                <a:latin typeface="Consolas"/>
-              </a:rPr>
-              <a:t>travellers</a:t>
-            </a:r>
-            <a:r>
-              <a:rPr lang="en-US" dirty="0">
-                <a:solidFill>
-                  <a:srgbClr val="000000"/>
-                </a:solidFill>
-                <a:latin typeface="Consolas"/>
-              </a:rPr>
-              <a:t>;</a:t>
-            </a:r>
-          </a:p>
-          <a:p>
-            <a:pPr marL="0" indent="0">
-              <a:buNone/>
-            </a:pPr>
-            <a:r>
-              <a:rPr lang="en-US" dirty="0">
-                <a:solidFill>
-                  <a:srgbClr val="000000"/>
-                </a:solidFill>
-                <a:latin typeface="Consolas"/>
-              </a:rPr>
-              <a:t>  </a:t>
-            </a:r>
-          </a:p>
-          <a:p>
-            <a:pPr marL="0" indent="0">
-              <a:buNone/>
-            </a:pPr>
-            <a:r>
-              <a:rPr lang="en-US" dirty="0">
-                <a:solidFill>
-                  <a:srgbClr val="000000"/>
-                </a:solidFill>
-                <a:latin typeface="Consolas"/>
-              </a:rPr>
-              <a:t>  </a:t>
-            </a:r>
-            <a:r>
-              <a:rPr lang="en-US" dirty="0">
-                <a:solidFill>
-                  <a:srgbClr val="0000FF"/>
-                </a:solidFill>
-                <a:latin typeface="Consolas"/>
-              </a:rPr>
-              <a:t>public</a:t>
-            </a:r>
-            <a:r>
-              <a:rPr lang="en-US" dirty="0">
-                <a:solidFill>
-                  <a:srgbClr val="000000"/>
-                </a:solidFill>
-                <a:latin typeface="Consolas"/>
-              </a:rPr>
-              <a:t> Train(</a:t>
-            </a:r>
-            <a:r>
-              <a:rPr lang="en-US" dirty="0">
-                <a:solidFill>
-                  <a:srgbClr val="0000FF"/>
-                </a:solidFill>
-                <a:latin typeface="Consolas"/>
-              </a:rPr>
-              <a:t>double</a:t>
-            </a:r>
-            <a:r>
-              <a:rPr lang="en-US" dirty="0">
-                <a:solidFill>
-                  <a:srgbClr val="000000"/>
-                </a:solidFill>
-                <a:latin typeface="Consolas"/>
-              </a:rPr>
-              <a:t> speed, </a:t>
-            </a:r>
-            <a:r>
-              <a:rPr lang="en-US" dirty="0" err="1">
-                <a:solidFill>
-                  <a:srgbClr val="0000FF"/>
-                </a:solidFill>
-                <a:latin typeface="Consolas"/>
-              </a:rPr>
-              <a:t>int</a:t>
-            </a:r>
-            <a:r>
-              <a:rPr lang="en-US" dirty="0">
-                <a:solidFill>
-                  <a:srgbClr val="000000"/>
-                </a:solidFill>
-                <a:latin typeface="Consolas"/>
-              </a:rPr>
-              <a:t> length, </a:t>
-            </a:r>
-            <a:r>
-              <a:rPr lang="en-US" dirty="0" err="1">
-                <a:solidFill>
-                  <a:srgbClr val="0000FF"/>
-                </a:solidFill>
-                <a:latin typeface="Consolas"/>
-              </a:rPr>
-              <a:t>params</a:t>
-            </a:r>
-            <a:r>
-              <a:rPr lang="en-US" dirty="0">
-                <a:solidFill>
-                  <a:srgbClr val="000000"/>
-                </a:solidFill>
-                <a:latin typeface="Consolas"/>
-              </a:rPr>
-              <a:t> </a:t>
-            </a:r>
-            <a:r>
-              <a:rPr lang="en-US" dirty="0">
-                <a:solidFill>
-                  <a:srgbClr val="0000FF"/>
-                </a:solidFill>
-                <a:latin typeface="Consolas"/>
-              </a:rPr>
-              <a:t>string</a:t>
-            </a:r>
-            <a:r>
-              <a:rPr lang="en-US" dirty="0">
-                <a:solidFill>
-                  <a:srgbClr val="000000"/>
-                </a:solidFill>
-                <a:latin typeface="Consolas"/>
-              </a:rPr>
-              <a:t>[] </a:t>
-            </a:r>
-            <a:r>
-              <a:rPr lang="en-US" dirty="0" err="1">
-                <a:solidFill>
-                  <a:srgbClr val="000000"/>
-                </a:solidFill>
-                <a:latin typeface="Consolas"/>
-              </a:rPr>
-              <a:t>travellers</a:t>
-            </a:r>
-            <a:r>
-              <a:rPr lang="en-US" dirty="0">
-                <a:solidFill>
-                  <a:srgbClr val="000000"/>
-                </a:solidFill>
-                <a:latin typeface="Consolas"/>
-              </a:rPr>
-              <a:t>)</a:t>
-            </a:r>
-          </a:p>
-          <a:p>
-            <a:pPr marL="0" indent="0">
-              <a:buNone/>
-            </a:pPr>
-            <a:r>
-              <a:rPr lang="en-US" dirty="0">
-                <a:solidFill>
-                  <a:srgbClr val="000000"/>
-                </a:solidFill>
-                <a:latin typeface="Consolas"/>
-              </a:rPr>
-              <a:t>  {</a:t>
-            </a:r>
-          </a:p>
-          <a:p>
-            <a:pPr marL="0" indent="0">
-              <a:buNone/>
-            </a:pPr>
-            <a:r>
-              <a:rPr lang="en-US" dirty="0">
-                <a:solidFill>
-                  <a:srgbClr val="000000"/>
-                </a:solidFill>
-                <a:latin typeface="Consolas"/>
-              </a:rPr>
-              <a:t>      _speed = speed;</a:t>
-            </a:r>
-          </a:p>
-          <a:p>
-            <a:pPr marL="0" indent="0">
-              <a:buNone/>
-            </a:pPr>
-            <a:r>
-              <a:rPr lang="en-US" dirty="0">
-                <a:solidFill>
-                  <a:srgbClr val="000000"/>
-                </a:solidFill>
-                <a:latin typeface="Consolas"/>
-              </a:rPr>
-              <a:t>      _length = length;</a:t>
-            </a:r>
-          </a:p>
-          <a:p>
-            <a:pPr marL="0" indent="0">
-              <a:buNone/>
-            </a:pPr>
-            <a:r>
-              <a:rPr lang="en-US" dirty="0">
-                <a:solidFill>
-                  <a:srgbClr val="000000"/>
-                </a:solidFill>
-                <a:latin typeface="Consolas"/>
-              </a:rPr>
-              <a:t>      _</a:t>
-            </a:r>
-            <a:r>
-              <a:rPr lang="en-US" dirty="0" err="1">
-                <a:solidFill>
-                  <a:srgbClr val="000000"/>
-                </a:solidFill>
-                <a:latin typeface="Consolas"/>
-              </a:rPr>
-              <a:t>travellers</a:t>
-            </a:r>
-            <a:r>
-              <a:rPr lang="en-US" dirty="0">
-                <a:solidFill>
-                  <a:srgbClr val="000000"/>
-                </a:solidFill>
-                <a:latin typeface="Consolas"/>
-              </a:rPr>
-              <a:t> = </a:t>
-            </a:r>
-            <a:r>
-              <a:rPr lang="en-US" dirty="0" err="1">
-                <a:solidFill>
-                  <a:srgbClr val="000000"/>
-                </a:solidFill>
-                <a:latin typeface="Consolas"/>
-              </a:rPr>
-              <a:t>travellers</a:t>
-            </a:r>
-            <a:r>
-              <a:rPr lang="en-US" dirty="0">
-                <a:solidFill>
-                  <a:srgbClr val="000000"/>
-                </a:solidFill>
-                <a:latin typeface="Consolas"/>
-              </a:rPr>
-              <a:t>;</a:t>
-            </a:r>
-          </a:p>
-          <a:p>
-            <a:pPr marL="0" indent="0">
-              <a:buNone/>
-            </a:pPr>
-            <a:r>
-              <a:rPr lang="en-US" dirty="0">
-                <a:solidFill>
-                  <a:srgbClr val="000000"/>
-                </a:solidFill>
-                <a:latin typeface="Consolas"/>
-              </a:rPr>
-              <a:t>  }</a:t>
-            </a:r>
-          </a:p>
-          <a:p>
-            <a:pPr marL="0" indent="0">
-              <a:buNone/>
-            </a:pPr>
-            <a:r>
-              <a:rPr lang="ru-RU" dirty="0" smtClean="0">
-                <a:solidFill>
-                  <a:srgbClr val="0000FF"/>
-                </a:solidFill>
-                <a:latin typeface="Consolas"/>
-              </a:rPr>
-              <a:t>  </a:t>
-            </a:r>
-            <a:r>
-              <a:rPr lang="en-US" dirty="0" smtClean="0">
-                <a:solidFill>
-                  <a:srgbClr val="0000FF"/>
-                </a:solidFill>
-                <a:latin typeface="Consolas"/>
-              </a:rPr>
-              <a:t>public</a:t>
-            </a:r>
-            <a:r>
-              <a:rPr lang="en-US" dirty="0" smtClean="0">
-                <a:solidFill>
-                  <a:srgbClr val="000000"/>
-                </a:solidFill>
-                <a:latin typeface="Consolas"/>
-              </a:rPr>
-              <a:t> </a:t>
-            </a:r>
-            <a:r>
-              <a:rPr lang="en-US" dirty="0">
-                <a:solidFill>
-                  <a:srgbClr val="0000FF"/>
-                </a:solidFill>
-                <a:latin typeface="Consolas"/>
-              </a:rPr>
-              <a:t>void</a:t>
-            </a:r>
-            <a:r>
-              <a:rPr lang="en-US" dirty="0">
-                <a:solidFill>
-                  <a:srgbClr val="000000"/>
-                </a:solidFill>
-                <a:latin typeface="Consolas"/>
-              </a:rPr>
-              <a:t> Print()</a:t>
-            </a:r>
-          </a:p>
-          <a:p>
-            <a:pPr marL="0" indent="0">
-              <a:buNone/>
-            </a:pPr>
-            <a:r>
-              <a:rPr lang="en-US" dirty="0">
-                <a:solidFill>
-                  <a:srgbClr val="000000"/>
-                </a:solidFill>
-                <a:latin typeface="Consolas"/>
-              </a:rPr>
-              <a:t>  {</a:t>
-            </a:r>
-          </a:p>
-          <a:p>
-            <a:pPr marL="0" indent="0">
-              <a:buNone/>
-            </a:pPr>
-            <a:r>
-              <a:rPr lang="en-US" dirty="0">
-                <a:solidFill>
-                  <a:srgbClr val="000000"/>
-                </a:solidFill>
-                <a:latin typeface="Consolas"/>
-              </a:rPr>
-              <a:t>      </a:t>
-            </a:r>
-            <a:r>
-              <a:rPr lang="en-US" dirty="0" err="1">
-                <a:solidFill>
-                  <a:srgbClr val="000000"/>
-                </a:solidFill>
-                <a:latin typeface="Consolas"/>
-              </a:rPr>
-              <a:t>Console.WriteLine</a:t>
-            </a:r>
-            <a:r>
-              <a:rPr lang="en-US" dirty="0">
-                <a:solidFill>
-                  <a:srgbClr val="000000"/>
-                </a:solidFill>
-                <a:latin typeface="Consolas"/>
-              </a:rPr>
-              <a:t>(</a:t>
-            </a:r>
-            <a:r>
-              <a:rPr lang="en-US" dirty="0">
-                <a:solidFill>
-                  <a:srgbClr val="DC1414"/>
-                </a:solidFill>
-                <a:latin typeface="Consolas"/>
-              </a:rPr>
-              <a:t>"Speed: {0}"</a:t>
-            </a:r>
-            <a:r>
-              <a:rPr lang="en-US" dirty="0">
-                <a:solidFill>
-                  <a:srgbClr val="000000"/>
-                </a:solidFill>
-                <a:latin typeface="Consolas"/>
-              </a:rPr>
-              <a:t>, _speed);</a:t>
-            </a:r>
-          </a:p>
-          <a:p>
-            <a:pPr marL="0" indent="0">
-              <a:buNone/>
-            </a:pPr>
-            <a:r>
-              <a:rPr lang="en-US" dirty="0">
-                <a:solidFill>
-                  <a:srgbClr val="000000"/>
-                </a:solidFill>
-                <a:latin typeface="Consolas"/>
-              </a:rPr>
-              <a:t>      </a:t>
-            </a:r>
-            <a:r>
-              <a:rPr lang="en-US" dirty="0" err="1">
-                <a:solidFill>
-                  <a:srgbClr val="000000"/>
-                </a:solidFill>
-                <a:latin typeface="Consolas"/>
-              </a:rPr>
-              <a:t>Console.WriteLine</a:t>
-            </a:r>
-            <a:r>
-              <a:rPr lang="en-US" dirty="0">
-                <a:solidFill>
-                  <a:srgbClr val="000000"/>
-                </a:solidFill>
-                <a:latin typeface="Consolas"/>
-              </a:rPr>
-              <a:t>(</a:t>
-            </a:r>
-            <a:r>
-              <a:rPr lang="en-US" dirty="0">
-                <a:solidFill>
-                  <a:srgbClr val="DC1414"/>
-                </a:solidFill>
-                <a:latin typeface="Consolas"/>
-              </a:rPr>
-              <a:t>"Length : {0}"</a:t>
-            </a:r>
-            <a:r>
-              <a:rPr lang="en-US" dirty="0">
-                <a:solidFill>
-                  <a:srgbClr val="000000"/>
-                </a:solidFill>
-                <a:latin typeface="Consolas"/>
-              </a:rPr>
-              <a:t>, _length);</a:t>
-            </a:r>
-          </a:p>
-          <a:p>
-            <a:pPr marL="0" indent="0">
-              <a:buNone/>
-            </a:pPr>
-            <a:r>
-              <a:rPr lang="fr-FR" dirty="0">
-                <a:solidFill>
-                  <a:srgbClr val="000000"/>
-                </a:solidFill>
-                <a:latin typeface="Consolas"/>
-              </a:rPr>
-              <a:t>      </a:t>
-            </a:r>
-            <a:r>
-              <a:rPr lang="fr-FR" dirty="0" err="1">
-                <a:solidFill>
-                  <a:srgbClr val="000000"/>
-                </a:solidFill>
-                <a:latin typeface="Consolas"/>
-              </a:rPr>
-              <a:t>Console.WriteLine</a:t>
-            </a:r>
-            <a:r>
-              <a:rPr lang="fr-FR" dirty="0">
-                <a:solidFill>
-                  <a:srgbClr val="000000"/>
-                </a:solidFill>
-                <a:latin typeface="Consolas"/>
-              </a:rPr>
-              <a:t>(</a:t>
-            </a:r>
-            <a:r>
-              <a:rPr lang="fr-FR" dirty="0">
-                <a:solidFill>
-                  <a:srgbClr val="DC1414"/>
-                </a:solidFill>
-                <a:latin typeface="Consolas"/>
-              </a:rPr>
-              <a:t>"</a:t>
-            </a:r>
-            <a:r>
-              <a:rPr lang="fr-FR" dirty="0" err="1">
-                <a:solidFill>
-                  <a:srgbClr val="DC1414"/>
-                </a:solidFill>
-                <a:latin typeface="Consolas"/>
-              </a:rPr>
-              <a:t>Travellers</a:t>
-            </a:r>
-            <a:r>
-              <a:rPr lang="fr-FR" dirty="0">
-                <a:solidFill>
-                  <a:srgbClr val="DC1414"/>
-                </a:solidFill>
-                <a:latin typeface="Consolas"/>
-              </a:rPr>
-              <a:t>: {0}"</a:t>
-            </a:r>
-            <a:r>
-              <a:rPr lang="fr-FR" dirty="0">
-                <a:solidFill>
-                  <a:srgbClr val="000000"/>
-                </a:solidFill>
-                <a:latin typeface="Consolas"/>
-              </a:rPr>
-              <a:t>, </a:t>
-            </a:r>
-            <a:r>
-              <a:rPr lang="fr-FR" dirty="0" err="1">
-                <a:solidFill>
-                  <a:srgbClr val="000000"/>
-                </a:solidFill>
-                <a:latin typeface="Consolas"/>
-              </a:rPr>
-              <a:t>String.Join</a:t>
-            </a:r>
-            <a:r>
-              <a:rPr lang="fr-FR" dirty="0">
-                <a:solidFill>
-                  <a:srgbClr val="000000"/>
-                </a:solidFill>
-                <a:latin typeface="Consolas"/>
-              </a:rPr>
-              <a:t>(</a:t>
-            </a:r>
-            <a:r>
-              <a:rPr lang="fr-FR" dirty="0">
-                <a:solidFill>
-                  <a:srgbClr val="DC1414"/>
-                </a:solidFill>
-                <a:latin typeface="Consolas"/>
-              </a:rPr>
-              <a:t>"; "</a:t>
-            </a:r>
-            <a:r>
-              <a:rPr lang="fr-FR" dirty="0">
-                <a:solidFill>
-                  <a:srgbClr val="000000"/>
-                </a:solidFill>
-                <a:latin typeface="Consolas"/>
-              </a:rPr>
-              <a:t>, _</a:t>
-            </a:r>
-            <a:r>
-              <a:rPr lang="fr-FR" dirty="0" err="1">
-                <a:solidFill>
-                  <a:srgbClr val="000000"/>
-                </a:solidFill>
-                <a:latin typeface="Consolas"/>
-              </a:rPr>
-              <a:t>travellers</a:t>
-            </a:r>
-            <a:r>
-              <a:rPr lang="fr-FR" dirty="0">
-                <a:solidFill>
-                  <a:srgbClr val="000000"/>
-                </a:solidFill>
-                <a:latin typeface="Consolas"/>
-              </a:rPr>
-              <a:t>));</a:t>
-            </a:r>
-          </a:p>
-          <a:p>
-            <a:pPr marL="0" indent="0">
-              <a:buNone/>
-            </a:pPr>
-            <a:r>
-              <a:rPr lang="en-US" dirty="0">
-                <a:solidFill>
-                  <a:srgbClr val="000000"/>
-                </a:solidFill>
-                <a:latin typeface="Consolas"/>
-              </a:rPr>
-              <a:t>  }</a:t>
-            </a:r>
-          </a:p>
-          <a:p>
-            <a:pPr marL="0" indent="0">
-              <a:buNone/>
-            </a:pPr>
-            <a:r>
-              <a:rPr lang="en-US" dirty="0">
-                <a:solidFill>
-                  <a:srgbClr val="000000"/>
-                </a:solidFill>
-                <a:latin typeface="Consolas"/>
-              </a:rPr>
-              <a:t>}</a:t>
-            </a:r>
-          </a:p>
-          <a:p>
-            <a:pPr marL="0" indent="0">
-              <a:buNone/>
-            </a:pPr>
-            <a:r>
-              <a:rPr lang="en-US" dirty="0" smtClean="0">
-                <a:solidFill>
-                  <a:srgbClr val="0000FF"/>
-                </a:solidFill>
-                <a:latin typeface="Consolas"/>
-              </a:rPr>
-              <a:t>static</a:t>
-            </a:r>
-            <a:r>
-              <a:rPr lang="en-US" dirty="0" smtClean="0">
-                <a:solidFill>
-                  <a:srgbClr val="000000"/>
-                </a:solidFill>
-                <a:latin typeface="Consolas"/>
-              </a:rPr>
-              <a:t> </a:t>
-            </a:r>
-            <a:r>
-              <a:rPr lang="en-US" dirty="0">
-                <a:solidFill>
-                  <a:srgbClr val="0000FF"/>
-                </a:solidFill>
-                <a:latin typeface="Consolas"/>
-              </a:rPr>
-              <a:t>void</a:t>
-            </a:r>
-            <a:r>
-              <a:rPr lang="en-US" dirty="0">
-                <a:solidFill>
-                  <a:srgbClr val="000000"/>
-                </a:solidFill>
-                <a:latin typeface="Consolas"/>
-              </a:rPr>
-              <a:t> Main()</a:t>
-            </a:r>
-          </a:p>
-          <a:p>
-            <a:pPr marL="0" indent="0">
-              <a:buNone/>
-            </a:pPr>
-            <a:r>
-              <a:rPr lang="en-US" dirty="0">
-                <a:solidFill>
-                  <a:srgbClr val="000000"/>
-                </a:solidFill>
-                <a:latin typeface="Consolas"/>
-              </a:rPr>
-              <a:t>{</a:t>
-            </a:r>
-          </a:p>
-          <a:p>
-            <a:pPr marL="0" indent="0">
-              <a:buNone/>
-            </a:pPr>
-            <a:r>
-              <a:rPr lang="ru-RU" dirty="0" smtClean="0">
-                <a:solidFill>
-                  <a:srgbClr val="000000"/>
-                </a:solidFill>
-                <a:latin typeface="Consolas"/>
-              </a:rPr>
-              <a:t>    </a:t>
-            </a:r>
-            <a:r>
-              <a:rPr lang="fr-FR" dirty="0" smtClean="0">
-                <a:solidFill>
-                  <a:srgbClr val="000000"/>
-                </a:solidFill>
-                <a:latin typeface="Consolas"/>
-              </a:rPr>
-              <a:t>Train </a:t>
-            </a:r>
-            <a:r>
-              <a:rPr lang="fr-FR" dirty="0" err="1">
-                <a:solidFill>
-                  <a:srgbClr val="000000"/>
-                </a:solidFill>
-                <a:latin typeface="Consolas"/>
-              </a:rPr>
-              <a:t>train</a:t>
-            </a:r>
-            <a:r>
-              <a:rPr lang="fr-FR" dirty="0">
-                <a:solidFill>
-                  <a:srgbClr val="000000"/>
-                </a:solidFill>
-                <a:latin typeface="Consolas"/>
-              </a:rPr>
-              <a:t> = </a:t>
-            </a:r>
-            <a:r>
-              <a:rPr lang="fr-FR" dirty="0">
-                <a:solidFill>
-                  <a:srgbClr val="0000FF"/>
-                </a:solidFill>
-                <a:latin typeface="Consolas"/>
-              </a:rPr>
-              <a:t>new</a:t>
-            </a:r>
-            <a:r>
-              <a:rPr lang="fr-FR" dirty="0">
-                <a:solidFill>
-                  <a:srgbClr val="000000"/>
-                </a:solidFill>
-                <a:latin typeface="Consolas"/>
-              </a:rPr>
-              <a:t> Train(</a:t>
-            </a:r>
-            <a:r>
-              <a:rPr lang="fr-FR" dirty="0">
-                <a:solidFill>
-                  <a:srgbClr val="C81EFA"/>
-                </a:solidFill>
-                <a:latin typeface="Consolas"/>
-              </a:rPr>
-              <a:t>190.2</a:t>
-            </a:r>
-            <a:r>
-              <a:rPr lang="fr-FR" dirty="0">
-                <a:solidFill>
-                  <a:srgbClr val="000000"/>
-                </a:solidFill>
-                <a:latin typeface="Consolas"/>
-              </a:rPr>
-              <a:t>, </a:t>
-            </a:r>
-            <a:r>
-              <a:rPr lang="fr-FR" dirty="0">
-                <a:solidFill>
-                  <a:srgbClr val="C81EFA"/>
-                </a:solidFill>
-                <a:latin typeface="Consolas"/>
-              </a:rPr>
-              <a:t>8</a:t>
-            </a:r>
-            <a:r>
-              <a:rPr lang="fr-FR" dirty="0">
-                <a:solidFill>
-                  <a:srgbClr val="000000"/>
-                </a:solidFill>
-                <a:latin typeface="Consolas"/>
-              </a:rPr>
-              <a:t>, </a:t>
-            </a:r>
-            <a:r>
-              <a:rPr lang="fr-FR" dirty="0">
-                <a:solidFill>
-                  <a:srgbClr val="DC1414"/>
-                </a:solidFill>
-                <a:latin typeface="Consolas"/>
-              </a:rPr>
-              <a:t>"Ivanov"</a:t>
-            </a:r>
-            <a:r>
-              <a:rPr lang="fr-FR" dirty="0">
-                <a:solidFill>
-                  <a:srgbClr val="000000"/>
-                </a:solidFill>
-                <a:latin typeface="Consolas"/>
-              </a:rPr>
-              <a:t>, </a:t>
-            </a:r>
-            <a:r>
-              <a:rPr lang="fr-FR" dirty="0">
-                <a:solidFill>
-                  <a:srgbClr val="DC1414"/>
-                </a:solidFill>
-                <a:latin typeface="Consolas"/>
-              </a:rPr>
-              <a:t>"Petrov"</a:t>
-            </a:r>
-            <a:r>
-              <a:rPr lang="fr-FR" dirty="0">
-                <a:solidFill>
-                  <a:srgbClr val="000000"/>
-                </a:solidFill>
-                <a:latin typeface="Consolas"/>
-              </a:rPr>
-              <a:t>, </a:t>
-            </a:r>
-            <a:r>
-              <a:rPr lang="fr-FR" dirty="0">
-                <a:solidFill>
-                  <a:srgbClr val="DC1414"/>
-                </a:solidFill>
-                <a:latin typeface="Consolas"/>
-              </a:rPr>
-              <a:t>"</a:t>
-            </a:r>
-            <a:r>
-              <a:rPr lang="fr-FR" dirty="0" err="1">
-                <a:solidFill>
-                  <a:srgbClr val="DC1414"/>
-                </a:solidFill>
-                <a:latin typeface="Consolas"/>
-              </a:rPr>
-              <a:t>Sidorov</a:t>
-            </a:r>
-            <a:r>
-              <a:rPr lang="fr-FR" dirty="0">
-                <a:solidFill>
-                  <a:srgbClr val="DC1414"/>
-                </a:solidFill>
-                <a:latin typeface="Consolas"/>
-              </a:rPr>
-              <a:t>"</a:t>
-            </a:r>
-            <a:r>
-              <a:rPr lang="fr-FR" dirty="0">
-                <a:solidFill>
-                  <a:srgbClr val="000000"/>
-                </a:solidFill>
-                <a:latin typeface="Consolas"/>
-              </a:rPr>
-              <a:t>);</a:t>
-            </a:r>
-          </a:p>
-          <a:p>
-            <a:pPr marL="0" indent="0">
-              <a:buNone/>
-            </a:pPr>
-            <a:r>
-              <a:rPr lang="ru-RU" dirty="0" smtClean="0">
-                <a:solidFill>
-                  <a:srgbClr val="000000"/>
-                </a:solidFill>
-                <a:latin typeface="Consolas"/>
-              </a:rPr>
-              <a:t>    </a:t>
-            </a:r>
-            <a:r>
-              <a:rPr lang="en-US" dirty="0" err="1" smtClean="0">
-                <a:solidFill>
-                  <a:srgbClr val="000000"/>
-                </a:solidFill>
-                <a:latin typeface="Consolas"/>
-              </a:rPr>
-              <a:t>train.Print</a:t>
-            </a:r>
-            <a:r>
-              <a:rPr lang="en-US" dirty="0">
-                <a:solidFill>
-                  <a:srgbClr val="000000"/>
-                </a:solidFill>
-                <a:latin typeface="Consolas"/>
-              </a:rPr>
-              <a:t>();</a:t>
-            </a:r>
-          </a:p>
-          <a:p>
-            <a:pPr marL="0" indent="0">
-              <a:buNone/>
-            </a:pPr>
-            <a:r>
-              <a:rPr lang="ru-RU" dirty="0" smtClean="0">
-                <a:solidFill>
-                  <a:srgbClr val="0000FF"/>
-                </a:solidFill>
-                <a:latin typeface="Consolas"/>
-              </a:rPr>
-              <a:t>    </a:t>
-            </a:r>
-            <a:r>
-              <a:rPr lang="en-US" dirty="0" smtClean="0">
-                <a:solidFill>
-                  <a:srgbClr val="0000FF"/>
-                </a:solidFill>
-                <a:latin typeface="Consolas"/>
-              </a:rPr>
-              <a:t>string</a:t>
-            </a:r>
-            <a:r>
-              <a:rPr lang="en-US" dirty="0" smtClean="0">
-                <a:solidFill>
-                  <a:srgbClr val="000000"/>
-                </a:solidFill>
-                <a:latin typeface="Consolas"/>
-              </a:rPr>
-              <a:t> </a:t>
-            </a:r>
-            <a:r>
-              <a:rPr lang="en-US" dirty="0" err="1">
-                <a:solidFill>
-                  <a:srgbClr val="000000"/>
-                </a:solidFill>
-                <a:latin typeface="Consolas"/>
-              </a:rPr>
-              <a:t>tempFileName</a:t>
-            </a:r>
-            <a:r>
-              <a:rPr lang="en-US" dirty="0">
-                <a:solidFill>
-                  <a:srgbClr val="000000"/>
-                </a:solidFill>
-                <a:latin typeface="Consolas"/>
-              </a:rPr>
-              <a:t> = </a:t>
-            </a:r>
-            <a:r>
-              <a:rPr lang="en-US" dirty="0" err="1">
-                <a:solidFill>
-                  <a:srgbClr val="000000"/>
-                </a:solidFill>
-                <a:latin typeface="Consolas"/>
-              </a:rPr>
-              <a:t>Path.Combine</a:t>
-            </a:r>
-            <a:r>
-              <a:rPr lang="en-US" dirty="0">
-                <a:solidFill>
-                  <a:srgbClr val="000000"/>
-                </a:solidFill>
-                <a:latin typeface="Consolas"/>
-              </a:rPr>
-              <a:t>(</a:t>
-            </a:r>
-            <a:r>
-              <a:rPr lang="en-US" dirty="0" err="1">
-                <a:solidFill>
-                  <a:srgbClr val="000000"/>
-                </a:solidFill>
-                <a:latin typeface="Consolas"/>
-              </a:rPr>
-              <a:t>Path.GetTempPath</a:t>
-            </a:r>
-            <a:r>
-              <a:rPr lang="en-US" dirty="0">
-                <a:solidFill>
-                  <a:srgbClr val="000000"/>
-                </a:solidFill>
-                <a:latin typeface="Consolas"/>
-              </a:rPr>
-              <a:t>(), </a:t>
-            </a:r>
-            <a:r>
-              <a:rPr lang="en-US" dirty="0">
-                <a:solidFill>
-                  <a:srgbClr val="DC1414"/>
-                </a:solidFill>
-                <a:latin typeface="Consolas"/>
-              </a:rPr>
-              <a:t>"train.dat"</a:t>
-            </a:r>
-            <a:r>
-              <a:rPr lang="en-US" dirty="0">
-                <a:solidFill>
-                  <a:srgbClr val="000000"/>
-                </a:solidFill>
-                <a:latin typeface="Consolas"/>
-              </a:rPr>
-              <a:t>); </a:t>
-            </a:r>
-            <a:r>
-              <a:rPr lang="en-US" dirty="0" smtClean="0">
-                <a:solidFill>
-                  <a:srgbClr val="008000"/>
-                </a:solidFill>
-                <a:latin typeface="Consolas"/>
-              </a:rPr>
-              <a:t>//</a:t>
-            </a:r>
-            <a:r>
-              <a:rPr lang="ru-RU" dirty="0" smtClean="0">
-                <a:solidFill>
-                  <a:srgbClr val="008000"/>
-                </a:solidFill>
-                <a:latin typeface="Consolas"/>
-              </a:rPr>
-              <a:t> Будем работать с файлом в папке для временных файлов</a:t>
-            </a:r>
-            <a:endParaRPr lang="en-US" dirty="0">
-              <a:solidFill>
-                <a:srgbClr val="000000"/>
-              </a:solidFill>
-              <a:latin typeface="Consolas"/>
-            </a:endParaRPr>
-          </a:p>
-          <a:p>
-            <a:pPr marL="0" indent="0">
-              <a:buNone/>
-            </a:pPr>
-            <a:r>
-              <a:rPr lang="ru-RU" dirty="0" smtClean="0">
-                <a:solidFill>
-                  <a:srgbClr val="000000"/>
-                </a:solidFill>
-                <a:latin typeface="Consolas"/>
-              </a:rPr>
-              <a:t>    </a:t>
-            </a:r>
-            <a:r>
-              <a:rPr lang="en-US" dirty="0" err="1" smtClean="0">
-                <a:solidFill>
-                  <a:srgbClr val="000000"/>
-                </a:solidFill>
-                <a:latin typeface="Consolas"/>
-              </a:rPr>
-              <a:t>BinaryFormatter</a:t>
-            </a:r>
-            <a:r>
-              <a:rPr lang="en-US" dirty="0" smtClean="0">
-                <a:solidFill>
-                  <a:srgbClr val="000000"/>
-                </a:solidFill>
-                <a:latin typeface="Consolas"/>
-              </a:rPr>
-              <a:t> </a:t>
-            </a:r>
-            <a:r>
-              <a:rPr lang="en-US" dirty="0">
-                <a:solidFill>
-                  <a:srgbClr val="000000"/>
-                </a:solidFill>
-                <a:latin typeface="Consolas"/>
-              </a:rPr>
-              <a:t>bf = </a:t>
-            </a:r>
-            <a:r>
-              <a:rPr lang="en-US" dirty="0">
-                <a:solidFill>
-                  <a:srgbClr val="0000FF"/>
-                </a:solidFill>
-                <a:latin typeface="Consolas"/>
-              </a:rPr>
-              <a:t>new</a:t>
-            </a:r>
-            <a:r>
-              <a:rPr lang="en-US" dirty="0">
-                <a:solidFill>
-                  <a:srgbClr val="000000"/>
-                </a:solidFill>
-                <a:latin typeface="Consolas"/>
-              </a:rPr>
-              <a:t> </a:t>
-            </a:r>
-            <a:r>
-              <a:rPr lang="en-US" dirty="0" err="1">
-                <a:solidFill>
-                  <a:srgbClr val="000000"/>
-                </a:solidFill>
-                <a:latin typeface="Consolas"/>
-              </a:rPr>
-              <a:t>BinaryFormatter</a:t>
-            </a:r>
-            <a:r>
-              <a:rPr lang="en-US" dirty="0" smtClean="0">
-                <a:solidFill>
-                  <a:srgbClr val="000000"/>
-                </a:solidFill>
-                <a:latin typeface="Consolas"/>
-              </a:rPr>
-              <a:t>();</a:t>
-            </a:r>
-            <a:endParaRPr lang="ru-RU" dirty="0" smtClean="0">
-              <a:solidFill>
-                <a:srgbClr val="000000"/>
-              </a:solidFill>
-              <a:latin typeface="Consolas"/>
-            </a:endParaRPr>
-          </a:p>
-          <a:p>
-            <a:pPr marL="0" indent="0">
-              <a:buNone/>
-            </a:pPr>
-            <a:r>
-              <a:rPr lang="en-US" dirty="0" smtClean="0">
-                <a:solidFill>
-                  <a:srgbClr val="008000"/>
-                </a:solidFill>
-                <a:latin typeface="Consolas"/>
-              </a:rPr>
-              <a:t>    // </a:t>
-            </a:r>
-            <a:r>
-              <a:rPr lang="ru-RU" dirty="0">
-                <a:solidFill>
-                  <a:srgbClr val="008000"/>
-                </a:solidFill>
-                <a:latin typeface="Consolas"/>
-              </a:rPr>
-              <a:t>Выполняем сериализацию</a:t>
-            </a:r>
-            <a:endParaRPr lang="en-US" dirty="0">
-              <a:solidFill>
-                <a:srgbClr val="008000"/>
-              </a:solidFill>
-              <a:latin typeface="Consolas"/>
-            </a:endParaRPr>
-          </a:p>
-          <a:p>
-            <a:pPr marL="0" indent="0">
-              <a:buNone/>
-            </a:pPr>
-            <a:r>
-              <a:rPr lang="ru-RU" dirty="0" smtClean="0">
-                <a:solidFill>
-                  <a:srgbClr val="0000FF"/>
-                </a:solidFill>
-                <a:latin typeface="Consolas"/>
-              </a:rPr>
-              <a:t>    </a:t>
-            </a:r>
-            <a:r>
-              <a:rPr lang="en-US" dirty="0" smtClean="0">
-                <a:solidFill>
-                  <a:srgbClr val="0000FF"/>
-                </a:solidFill>
-                <a:latin typeface="Consolas"/>
-              </a:rPr>
-              <a:t>using</a:t>
-            </a:r>
-            <a:r>
-              <a:rPr lang="en-US" dirty="0" smtClean="0">
-                <a:solidFill>
-                  <a:srgbClr val="000000"/>
-                </a:solidFill>
-                <a:latin typeface="Consolas"/>
-              </a:rPr>
-              <a:t> </a:t>
-            </a:r>
-            <a:r>
-              <a:rPr lang="en-US" dirty="0">
-                <a:solidFill>
-                  <a:srgbClr val="000000"/>
-                </a:solidFill>
-                <a:latin typeface="Consolas"/>
-              </a:rPr>
-              <a:t>(</a:t>
-            </a:r>
-            <a:r>
-              <a:rPr lang="en-US" dirty="0" err="1">
-                <a:solidFill>
-                  <a:srgbClr val="000000"/>
-                </a:solidFill>
-                <a:latin typeface="Consolas"/>
-              </a:rPr>
-              <a:t>FileStream</a:t>
-            </a:r>
-            <a:r>
-              <a:rPr lang="en-US" dirty="0">
-                <a:solidFill>
-                  <a:srgbClr val="000000"/>
-                </a:solidFill>
-                <a:latin typeface="Consolas"/>
-              </a:rPr>
-              <a:t> </a:t>
-            </a:r>
-            <a:r>
-              <a:rPr lang="en-US" dirty="0" err="1">
-                <a:solidFill>
-                  <a:srgbClr val="000000"/>
-                </a:solidFill>
-                <a:latin typeface="Consolas"/>
-              </a:rPr>
-              <a:t>fs</a:t>
-            </a:r>
-            <a:r>
-              <a:rPr lang="en-US" dirty="0">
-                <a:solidFill>
-                  <a:srgbClr val="000000"/>
-                </a:solidFill>
-                <a:latin typeface="Consolas"/>
-              </a:rPr>
-              <a:t> = </a:t>
-            </a:r>
-            <a:r>
-              <a:rPr lang="en-US" dirty="0" err="1">
-                <a:solidFill>
-                  <a:srgbClr val="000000"/>
-                </a:solidFill>
-                <a:latin typeface="Consolas"/>
-              </a:rPr>
-              <a:t>File.Open</a:t>
-            </a:r>
-            <a:r>
-              <a:rPr lang="en-US" dirty="0">
-                <a:solidFill>
-                  <a:srgbClr val="000000"/>
-                </a:solidFill>
-                <a:latin typeface="Consolas"/>
-              </a:rPr>
-              <a:t>(</a:t>
-            </a:r>
-            <a:r>
-              <a:rPr lang="en-US" dirty="0" err="1">
-                <a:solidFill>
-                  <a:srgbClr val="000000"/>
-                </a:solidFill>
-                <a:latin typeface="Consolas"/>
-              </a:rPr>
-              <a:t>tempFileName</a:t>
-            </a:r>
-            <a:r>
-              <a:rPr lang="en-US" dirty="0">
-                <a:solidFill>
-                  <a:srgbClr val="000000"/>
-                </a:solidFill>
-                <a:latin typeface="Consolas"/>
-              </a:rPr>
-              <a:t>, </a:t>
-            </a:r>
-            <a:r>
-              <a:rPr lang="en-US" dirty="0" err="1">
-                <a:solidFill>
-                  <a:srgbClr val="000000"/>
-                </a:solidFill>
-                <a:latin typeface="Consolas"/>
-              </a:rPr>
-              <a:t>FileMode.Create</a:t>
-            </a:r>
-            <a:r>
-              <a:rPr lang="en-US" dirty="0">
-                <a:solidFill>
-                  <a:srgbClr val="000000"/>
-                </a:solidFill>
-                <a:latin typeface="Consolas"/>
-              </a:rPr>
-              <a:t>))</a:t>
-            </a:r>
-          </a:p>
-          <a:p>
-            <a:pPr marL="0" indent="0">
-              <a:buNone/>
-            </a:pPr>
-            <a:r>
-              <a:rPr lang="ru-RU" dirty="0" smtClean="0">
-                <a:solidFill>
-                  <a:srgbClr val="000000"/>
-                </a:solidFill>
-                <a:latin typeface="Consolas"/>
-              </a:rPr>
-              <a:t>    </a:t>
-            </a:r>
-            <a:r>
-              <a:rPr lang="en-US" dirty="0" smtClean="0">
-                <a:solidFill>
-                  <a:srgbClr val="000000"/>
-                </a:solidFill>
-                <a:latin typeface="Consolas"/>
-              </a:rPr>
-              <a:t>{</a:t>
-            </a:r>
-            <a:endParaRPr lang="en-US" dirty="0">
-              <a:solidFill>
-                <a:srgbClr val="000000"/>
-              </a:solidFill>
-              <a:latin typeface="Consolas"/>
-            </a:endParaRPr>
-          </a:p>
-          <a:p>
-            <a:pPr marL="0" indent="0">
-              <a:buNone/>
-            </a:pPr>
-            <a:r>
-              <a:rPr lang="ru-RU" dirty="0" smtClean="0">
-                <a:solidFill>
-                  <a:srgbClr val="000000"/>
-                </a:solidFill>
-                <a:latin typeface="Consolas"/>
-              </a:rPr>
-              <a:t>        </a:t>
-            </a:r>
-            <a:r>
-              <a:rPr lang="en-US" dirty="0" err="1" smtClean="0">
-                <a:solidFill>
-                  <a:srgbClr val="000000"/>
-                </a:solidFill>
-                <a:latin typeface="Consolas"/>
-              </a:rPr>
-              <a:t>bf.Serialize</a:t>
-            </a:r>
-            <a:r>
-              <a:rPr lang="en-US" dirty="0" smtClean="0">
-                <a:solidFill>
-                  <a:srgbClr val="000000"/>
-                </a:solidFill>
-                <a:latin typeface="Consolas"/>
-              </a:rPr>
-              <a:t>(</a:t>
-            </a:r>
-            <a:r>
-              <a:rPr lang="en-US" dirty="0" err="1" smtClean="0">
-                <a:solidFill>
-                  <a:srgbClr val="000000"/>
-                </a:solidFill>
-                <a:latin typeface="Consolas"/>
-              </a:rPr>
-              <a:t>fs</a:t>
-            </a:r>
-            <a:r>
-              <a:rPr lang="en-US" dirty="0">
-                <a:solidFill>
-                  <a:srgbClr val="000000"/>
-                </a:solidFill>
-                <a:latin typeface="Consolas"/>
-              </a:rPr>
-              <a:t>, train);</a:t>
-            </a:r>
-          </a:p>
-          <a:p>
-            <a:pPr marL="0" indent="0">
-              <a:buNone/>
-            </a:pPr>
-            <a:r>
-              <a:rPr lang="ru-RU" dirty="0" smtClean="0">
-                <a:solidFill>
-                  <a:srgbClr val="000000"/>
-                </a:solidFill>
-                <a:latin typeface="Consolas"/>
-              </a:rPr>
-              <a:t>    </a:t>
-            </a:r>
-            <a:r>
-              <a:rPr lang="en-US" dirty="0" smtClean="0">
-                <a:solidFill>
-                  <a:srgbClr val="000000"/>
-                </a:solidFill>
-                <a:latin typeface="Consolas"/>
-              </a:rPr>
-              <a:t>}</a:t>
-            </a:r>
-            <a:endParaRPr lang="en-US" dirty="0">
-              <a:solidFill>
-                <a:srgbClr val="000000"/>
-              </a:solidFill>
-              <a:latin typeface="Consolas"/>
-            </a:endParaRPr>
-          </a:p>
-          <a:p>
-            <a:pPr marL="0" indent="0">
-              <a:buNone/>
-            </a:pPr>
-            <a:r>
-              <a:rPr lang="ru-RU" dirty="0" smtClean="0">
-                <a:solidFill>
-                  <a:srgbClr val="000000"/>
-                </a:solidFill>
-                <a:latin typeface="Consolas"/>
-              </a:rPr>
-              <a:t>    </a:t>
-            </a:r>
-            <a:r>
-              <a:rPr lang="en-US" dirty="0" err="1" smtClean="0">
-                <a:solidFill>
-                  <a:srgbClr val="000000"/>
-                </a:solidFill>
-                <a:latin typeface="Consolas"/>
-              </a:rPr>
-              <a:t>Console.WriteLine</a:t>
-            </a:r>
-            <a:r>
-              <a:rPr lang="en-US" dirty="0">
-                <a:solidFill>
-                  <a:srgbClr val="000000"/>
-                </a:solidFill>
-                <a:latin typeface="Consolas"/>
-              </a:rPr>
-              <a:t>();</a:t>
-            </a:r>
-          </a:p>
-          <a:p>
-            <a:pPr marL="0" indent="0">
-              <a:buNone/>
-            </a:pPr>
-            <a:r>
-              <a:rPr lang="ru-RU" dirty="0" smtClean="0">
-                <a:solidFill>
-                  <a:srgbClr val="008000"/>
-                </a:solidFill>
-                <a:latin typeface="Consolas"/>
-              </a:rPr>
-              <a:t>    </a:t>
-            </a:r>
-            <a:r>
-              <a:rPr lang="en-US" dirty="0" smtClean="0">
-                <a:solidFill>
-                  <a:srgbClr val="008000"/>
-                </a:solidFill>
-                <a:latin typeface="Consolas"/>
-              </a:rPr>
-              <a:t>// </a:t>
-            </a:r>
-            <a:r>
-              <a:rPr lang="ru-RU" dirty="0">
-                <a:solidFill>
-                  <a:srgbClr val="008000"/>
-                </a:solidFill>
-                <a:latin typeface="Consolas"/>
-              </a:rPr>
-              <a:t>Выполняем </a:t>
-            </a:r>
-            <a:r>
-              <a:rPr lang="ru-RU" dirty="0" smtClean="0">
-                <a:solidFill>
-                  <a:srgbClr val="008000"/>
-                </a:solidFill>
-                <a:latin typeface="Consolas"/>
-              </a:rPr>
-              <a:t>десериализацию</a:t>
-            </a:r>
-            <a:endParaRPr lang="en-US" dirty="0">
-              <a:solidFill>
-                <a:srgbClr val="000000"/>
-              </a:solidFill>
-              <a:latin typeface="Consolas"/>
-            </a:endParaRPr>
-          </a:p>
-          <a:p>
-            <a:pPr marL="0" indent="0">
-              <a:buNone/>
-            </a:pPr>
-            <a:r>
-              <a:rPr lang="ru-RU" dirty="0" smtClean="0">
-                <a:solidFill>
-                  <a:srgbClr val="0000FF"/>
-                </a:solidFill>
-                <a:latin typeface="Consolas"/>
-              </a:rPr>
-              <a:t>    </a:t>
-            </a:r>
-            <a:r>
-              <a:rPr lang="en-US" dirty="0" smtClean="0">
-                <a:solidFill>
-                  <a:srgbClr val="0000FF"/>
-                </a:solidFill>
-                <a:latin typeface="Consolas"/>
-              </a:rPr>
-              <a:t>using</a:t>
-            </a:r>
-            <a:r>
-              <a:rPr lang="en-US" dirty="0" smtClean="0">
-                <a:solidFill>
-                  <a:srgbClr val="000000"/>
-                </a:solidFill>
-                <a:latin typeface="Consolas"/>
-              </a:rPr>
-              <a:t> </a:t>
-            </a:r>
-            <a:r>
-              <a:rPr lang="en-US" dirty="0">
-                <a:solidFill>
-                  <a:srgbClr val="000000"/>
-                </a:solidFill>
-                <a:latin typeface="Consolas"/>
-              </a:rPr>
-              <a:t>(</a:t>
-            </a:r>
-            <a:r>
-              <a:rPr lang="en-US" dirty="0" err="1">
-                <a:solidFill>
-                  <a:srgbClr val="000000"/>
-                </a:solidFill>
-                <a:latin typeface="Consolas"/>
-              </a:rPr>
-              <a:t>FileStream</a:t>
-            </a:r>
-            <a:r>
-              <a:rPr lang="en-US" dirty="0">
-                <a:solidFill>
-                  <a:srgbClr val="000000"/>
-                </a:solidFill>
-                <a:latin typeface="Consolas"/>
-              </a:rPr>
-              <a:t> </a:t>
-            </a:r>
-            <a:r>
-              <a:rPr lang="en-US" dirty="0" err="1">
-                <a:solidFill>
-                  <a:srgbClr val="000000"/>
-                </a:solidFill>
-                <a:latin typeface="Consolas"/>
-              </a:rPr>
-              <a:t>fs</a:t>
-            </a:r>
-            <a:r>
-              <a:rPr lang="en-US" dirty="0">
-                <a:solidFill>
-                  <a:srgbClr val="000000"/>
-                </a:solidFill>
-                <a:latin typeface="Consolas"/>
-              </a:rPr>
-              <a:t> = </a:t>
-            </a:r>
-            <a:r>
-              <a:rPr lang="en-US" dirty="0" err="1">
-                <a:solidFill>
-                  <a:srgbClr val="000000"/>
-                </a:solidFill>
-                <a:latin typeface="Consolas"/>
-              </a:rPr>
-              <a:t>File.Open</a:t>
-            </a:r>
-            <a:r>
-              <a:rPr lang="en-US" dirty="0">
-                <a:solidFill>
-                  <a:srgbClr val="000000"/>
-                </a:solidFill>
-                <a:latin typeface="Consolas"/>
-              </a:rPr>
-              <a:t>(</a:t>
-            </a:r>
-            <a:r>
-              <a:rPr lang="en-US" dirty="0" err="1">
-                <a:solidFill>
-                  <a:srgbClr val="000000"/>
-                </a:solidFill>
-                <a:latin typeface="Consolas"/>
-              </a:rPr>
-              <a:t>tempFileName</a:t>
-            </a:r>
-            <a:r>
-              <a:rPr lang="en-US" dirty="0">
-                <a:solidFill>
-                  <a:srgbClr val="000000"/>
-                </a:solidFill>
-                <a:latin typeface="Consolas"/>
-              </a:rPr>
-              <a:t>, </a:t>
-            </a:r>
-            <a:r>
-              <a:rPr lang="en-US" dirty="0" err="1">
-                <a:solidFill>
-                  <a:srgbClr val="000000"/>
-                </a:solidFill>
-                <a:latin typeface="Consolas"/>
-              </a:rPr>
-              <a:t>FileMode.Open</a:t>
-            </a:r>
-            <a:r>
-              <a:rPr lang="en-US" dirty="0">
-                <a:solidFill>
-                  <a:srgbClr val="000000"/>
-                </a:solidFill>
-                <a:latin typeface="Consolas"/>
-              </a:rPr>
-              <a:t>))</a:t>
-            </a:r>
-          </a:p>
-          <a:p>
-            <a:pPr marL="0" indent="0">
-              <a:buNone/>
-            </a:pPr>
-            <a:r>
-              <a:rPr lang="ru-RU" dirty="0" smtClean="0">
-                <a:solidFill>
-                  <a:srgbClr val="000000"/>
-                </a:solidFill>
-                <a:latin typeface="Consolas"/>
-              </a:rPr>
-              <a:t>    </a:t>
-            </a:r>
-            <a:r>
-              <a:rPr lang="en-US" dirty="0" smtClean="0">
-                <a:solidFill>
-                  <a:srgbClr val="000000"/>
-                </a:solidFill>
-                <a:latin typeface="Consolas"/>
-              </a:rPr>
-              <a:t>{</a:t>
-            </a:r>
-            <a:endParaRPr lang="en-US" dirty="0">
-              <a:solidFill>
-                <a:srgbClr val="000000"/>
-              </a:solidFill>
-              <a:latin typeface="Consolas"/>
-            </a:endParaRPr>
-          </a:p>
-          <a:p>
-            <a:pPr marL="0" indent="0">
-              <a:buNone/>
-            </a:pPr>
-            <a:r>
-              <a:rPr lang="ru-RU" dirty="0" smtClean="0">
-                <a:solidFill>
-                  <a:srgbClr val="000000"/>
-                </a:solidFill>
-                <a:latin typeface="Consolas"/>
-              </a:rPr>
-              <a:t>        </a:t>
-            </a:r>
-            <a:r>
-              <a:rPr lang="en-US" dirty="0" smtClean="0">
-                <a:solidFill>
-                  <a:srgbClr val="000000"/>
-                </a:solidFill>
-                <a:latin typeface="Consolas"/>
-              </a:rPr>
-              <a:t>Train </a:t>
-            </a:r>
-            <a:r>
-              <a:rPr lang="en-US" dirty="0" err="1">
-                <a:solidFill>
-                  <a:srgbClr val="000000"/>
-                </a:solidFill>
-                <a:latin typeface="Consolas"/>
-              </a:rPr>
-              <a:t>someTrain</a:t>
-            </a:r>
-            <a:r>
-              <a:rPr lang="en-US" dirty="0">
-                <a:solidFill>
-                  <a:srgbClr val="000000"/>
-                </a:solidFill>
-                <a:latin typeface="Consolas"/>
-              </a:rPr>
-              <a:t> = (Train)</a:t>
-            </a:r>
-            <a:r>
-              <a:rPr lang="en-US" dirty="0" err="1">
-                <a:solidFill>
-                  <a:srgbClr val="000000"/>
-                </a:solidFill>
-                <a:latin typeface="Consolas"/>
-              </a:rPr>
-              <a:t>bf.Deserialize</a:t>
-            </a:r>
-            <a:r>
-              <a:rPr lang="en-US" dirty="0">
-                <a:solidFill>
-                  <a:srgbClr val="000000"/>
-                </a:solidFill>
-                <a:latin typeface="Consolas"/>
-              </a:rPr>
-              <a:t>(</a:t>
-            </a:r>
-            <a:r>
-              <a:rPr lang="en-US" dirty="0" err="1">
-                <a:solidFill>
-                  <a:srgbClr val="000000"/>
-                </a:solidFill>
-                <a:latin typeface="Consolas"/>
-              </a:rPr>
-              <a:t>fs</a:t>
-            </a:r>
-            <a:r>
-              <a:rPr lang="en-US" dirty="0">
-                <a:solidFill>
-                  <a:srgbClr val="000000"/>
-                </a:solidFill>
-                <a:latin typeface="Consolas"/>
-              </a:rPr>
-              <a:t>);</a:t>
-            </a:r>
-          </a:p>
-          <a:p>
-            <a:pPr marL="0" indent="0">
-              <a:buNone/>
-            </a:pPr>
-            <a:r>
-              <a:rPr lang="ru-RU" dirty="0" smtClean="0">
-                <a:solidFill>
-                  <a:srgbClr val="000000"/>
-                </a:solidFill>
-                <a:latin typeface="Consolas"/>
-              </a:rPr>
-              <a:t>        </a:t>
-            </a:r>
-            <a:r>
-              <a:rPr lang="en-US" dirty="0" err="1" smtClean="0">
-                <a:solidFill>
-                  <a:srgbClr val="000000"/>
-                </a:solidFill>
-                <a:latin typeface="Consolas"/>
-              </a:rPr>
-              <a:t>someTrain.Print</a:t>
-            </a:r>
-            <a:r>
-              <a:rPr lang="en-US" dirty="0">
-                <a:solidFill>
-                  <a:srgbClr val="000000"/>
-                </a:solidFill>
-                <a:latin typeface="Consolas"/>
-              </a:rPr>
-              <a:t>();</a:t>
-            </a:r>
-          </a:p>
-          <a:p>
-            <a:pPr marL="0" indent="0">
-              <a:buNone/>
-            </a:pPr>
-            <a:r>
-              <a:rPr lang="ru-RU" dirty="0" smtClean="0">
-                <a:solidFill>
-                  <a:srgbClr val="000000"/>
-                </a:solidFill>
-                <a:latin typeface="Consolas"/>
-              </a:rPr>
-              <a:t>    </a:t>
-            </a:r>
-            <a:r>
-              <a:rPr lang="en-US" dirty="0" smtClean="0">
-                <a:solidFill>
-                  <a:srgbClr val="000000"/>
-                </a:solidFill>
-                <a:latin typeface="Consolas"/>
-              </a:rPr>
-              <a:t>}</a:t>
-            </a:r>
-            <a:endParaRPr lang="en-US" dirty="0">
-              <a:solidFill>
-                <a:srgbClr val="000000"/>
-              </a:solidFill>
-              <a:latin typeface="Consolas"/>
-            </a:endParaRPr>
-          </a:p>
-          <a:p>
-            <a:pPr marL="0" indent="0">
-              <a:buNone/>
-            </a:pPr>
-            <a:r>
-              <a:rPr lang="ru-RU" dirty="0" smtClean="0">
-                <a:solidFill>
-                  <a:srgbClr val="008000"/>
-                </a:solidFill>
-                <a:latin typeface="Consolas"/>
-              </a:rPr>
-              <a:t>    </a:t>
-            </a:r>
-            <a:r>
-              <a:rPr lang="en-US" dirty="0" smtClean="0">
-                <a:solidFill>
-                  <a:srgbClr val="008000"/>
-                </a:solidFill>
-                <a:latin typeface="Consolas"/>
-              </a:rPr>
-              <a:t>// </a:t>
-            </a:r>
-            <a:r>
-              <a:rPr lang="ru-RU" dirty="0">
-                <a:solidFill>
-                  <a:srgbClr val="008000"/>
-                </a:solidFill>
-                <a:latin typeface="Consolas"/>
-              </a:rPr>
-              <a:t>Удаляем ненужный временный </a:t>
-            </a:r>
-            <a:r>
-              <a:rPr lang="ru-RU" dirty="0" smtClean="0">
-                <a:solidFill>
-                  <a:srgbClr val="008000"/>
-                </a:solidFill>
-                <a:latin typeface="Consolas"/>
-              </a:rPr>
-              <a:t>файл. В настоящем приложении файл может еще понадобиться.</a:t>
-            </a:r>
-            <a:endParaRPr lang="en-US" dirty="0">
-              <a:solidFill>
-                <a:srgbClr val="000000"/>
-              </a:solidFill>
-              <a:latin typeface="Consolas"/>
-            </a:endParaRPr>
-          </a:p>
-          <a:p>
-            <a:pPr marL="0" indent="0">
-              <a:buNone/>
-            </a:pPr>
-            <a:r>
-              <a:rPr lang="ru-RU" dirty="0" smtClean="0">
-                <a:solidFill>
-                  <a:srgbClr val="000000"/>
-                </a:solidFill>
-                <a:latin typeface="Consolas"/>
-              </a:rPr>
-              <a:t>    </a:t>
-            </a:r>
-            <a:r>
-              <a:rPr lang="en-US" dirty="0" err="1" smtClean="0">
-                <a:solidFill>
-                  <a:srgbClr val="000000"/>
-                </a:solidFill>
-                <a:latin typeface="Consolas"/>
-              </a:rPr>
-              <a:t>File.Delete</a:t>
-            </a:r>
-            <a:r>
-              <a:rPr lang="en-US" dirty="0" smtClean="0">
-                <a:solidFill>
-                  <a:srgbClr val="000000"/>
-                </a:solidFill>
-                <a:latin typeface="Consolas"/>
-              </a:rPr>
-              <a:t>(</a:t>
-            </a:r>
-            <a:r>
-              <a:rPr lang="en-US" dirty="0" err="1" smtClean="0">
-                <a:solidFill>
-                  <a:srgbClr val="000000"/>
-                </a:solidFill>
-                <a:latin typeface="Consolas"/>
-              </a:rPr>
-              <a:t>tempFileName</a:t>
-            </a:r>
-            <a:r>
-              <a:rPr lang="en-US" dirty="0" smtClean="0">
-                <a:solidFill>
-                  <a:srgbClr val="000000"/>
-                </a:solidFill>
-                <a:latin typeface="Consolas"/>
-              </a:rPr>
-              <a:t>);</a:t>
-            </a:r>
-            <a:r>
-              <a:rPr lang="ru-RU" dirty="0" smtClean="0">
-                <a:solidFill>
-                  <a:srgbClr val="000000"/>
-                </a:solidFill>
-                <a:latin typeface="Consolas"/>
-              </a:rPr>
-              <a:t> </a:t>
-            </a:r>
-            <a:endParaRPr lang="en-US" dirty="0">
-              <a:solidFill>
-                <a:srgbClr val="000000"/>
-              </a:solidFill>
-              <a:latin typeface="Consolas"/>
-            </a:endParaRPr>
-          </a:p>
-          <a:p>
-            <a:pPr marL="0" indent="0">
-              <a:buNone/>
-            </a:pPr>
-            <a:r>
-              <a:rPr lang="en-US" dirty="0">
-                <a:solidFill>
-                  <a:srgbClr val="000000"/>
-                </a:solidFill>
-                <a:latin typeface="Consolas"/>
-              </a:rPr>
-              <a:t>}</a:t>
-            </a:r>
-            <a:endParaRPr lang="en-US" dirty="0"/>
-          </a:p>
-        </p:txBody>
-      </p:sp>
-    </p:spTree>
-    <p:extLst>
-      <p:ext uri="{BB962C8B-B14F-4D97-AF65-F5344CB8AC3E}">
-        <p14:creationId xmlns:p14="http://schemas.microsoft.com/office/powerpoint/2010/main" val="848852780"/>
       </p:ext>
     </p:extLst>
   </p:cSld>
@@ -22782,6 +20979,2220 @@
           <a:lstStyle/>
           <a:p>
             <a:r>
+              <a:rPr lang="ru-RU" sz="2000" dirty="0" smtClean="0"/>
+              <a:t>Бинарная сериализация (пример)</a:t>
+            </a:r>
+            <a:endParaRPr lang="en-US" sz="2000" dirty="0"/>
+          </a:p>
+        </p:txBody>
+      </p:sp>
+      <p:sp>
+        <p:nvSpPr>
+          <p:cNvPr id="3" name="Content Placeholder 2"/>
+          <p:cNvSpPr>
+            <a:spLocks noGrp="1"/>
+          </p:cNvSpPr>
+          <p:nvPr>
+            <p:ph idx="1"/>
+          </p:nvPr>
+        </p:nvSpPr>
+        <p:spPr>
+          <a:xfrm>
+            <a:off x="457200" y="919261"/>
+            <a:ext cx="8229600" cy="5750099"/>
+          </a:xfrm>
+          <a:solidFill>
+            <a:schemeClr val="bg1"/>
+          </a:solidFill>
+        </p:spPr>
+        <p:txBody>
+          <a:bodyPr>
+            <a:normAutofit fontScale="25000" lnSpcReduction="20000"/>
+          </a:bodyPr>
+          <a:lstStyle/>
+          <a:p>
+            <a:pPr marL="0" indent="0">
+              <a:buNone/>
+            </a:pPr>
+            <a:r>
+              <a:rPr lang="en-US" dirty="0">
+                <a:solidFill>
+                  <a:srgbClr val="0000FF"/>
+                </a:solidFill>
+                <a:latin typeface="Consolas"/>
+              </a:rPr>
+              <a:t>using</a:t>
+            </a:r>
+            <a:r>
+              <a:rPr lang="en-US" dirty="0">
+                <a:solidFill>
+                  <a:srgbClr val="000000"/>
+                </a:solidFill>
+                <a:latin typeface="Consolas"/>
+              </a:rPr>
+              <a:t> </a:t>
+            </a:r>
+            <a:r>
+              <a:rPr lang="en-US" dirty="0" smtClean="0">
+                <a:solidFill>
+                  <a:srgbClr val="000000"/>
+                </a:solidFill>
+                <a:latin typeface="Consolas"/>
+              </a:rPr>
+              <a:t>System.IO;</a:t>
+            </a:r>
+          </a:p>
+          <a:p>
+            <a:pPr marL="0" indent="0">
+              <a:buNone/>
+            </a:pPr>
+            <a:r>
+              <a:rPr lang="en-US" dirty="0">
+                <a:solidFill>
+                  <a:srgbClr val="0000FF"/>
+                </a:solidFill>
+                <a:latin typeface="Consolas"/>
+              </a:rPr>
+              <a:t>using</a:t>
+            </a:r>
+            <a:r>
+              <a:rPr lang="en-US" dirty="0" smtClean="0">
+                <a:solidFill>
+                  <a:srgbClr val="000000"/>
+                </a:solidFill>
+                <a:latin typeface="Consolas"/>
+              </a:rPr>
+              <a:t> </a:t>
+            </a:r>
+            <a:r>
+              <a:rPr lang="en-US" dirty="0" err="1" smtClean="0">
+                <a:solidFill>
+                  <a:srgbClr val="000000"/>
+                </a:solidFill>
+                <a:latin typeface="Consolas"/>
+              </a:rPr>
+              <a:t>System.Runtime.Serialization.Formatters.Binary</a:t>
+            </a:r>
+            <a:r>
+              <a:rPr lang="en-US" dirty="0" smtClean="0">
+                <a:solidFill>
+                  <a:srgbClr val="000000"/>
+                </a:solidFill>
+                <a:latin typeface="Consolas"/>
+              </a:rPr>
+              <a:t>;</a:t>
+            </a:r>
+            <a:endParaRPr lang="ru-RU" dirty="0" smtClean="0">
+              <a:solidFill>
+                <a:srgbClr val="000000"/>
+              </a:solidFill>
+              <a:latin typeface="Consolas"/>
+            </a:endParaRPr>
+          </a:p>
+          <a:p>
+            <a:pPr marL="0" indent="0">
+              <a:buNone/>
+            </a:pPr>
+            <a:endParaRPr lang="ru-RU" dirty="0" smtClean="0">
+              <a:solidFill>
+                <a:srgbClr val="000000"/>
+              </a:solidFill>
+              <a:latin typeface="Consolas"/>
+            </a:endParaRPr>
+          </a:p>
+          <a:p>
+            <a:pPr marL="0" indent="0">
+              <a:buNone/>
+            </a:pPr>
+            <a:r>
+              <a:rPr lang="en-US" dirty="0" smtClean="0">
+                <a:solidFill>
+                  <a:srgbClr val="000000"/>
+                </a:solidFill>
+                <a:latin typeface="Consolas"/>
+              </a:rPr>
+              <a:t>[</a:t>
+            </a:r>
+            <a:r>
+              <a:rPr lang="en-US" dirty="0" err="1">
+                <a:solidFill>
+                  <a:srgbClr val="000000"/>
+                </a:solidFill>
+                <a:latin typeface="Consolas"/>
+              </a:rPr>
+              <a:t>Serializable</a:t>
+            </a:r>
+            <a:r>
+              <a:rPr lang="en-US" dirty="0">
+                <a:solidFill>
+                  <a:srgbClr val="000000"/>
+                </a:solidFill>
+                <a:latin typeface="Consolas"/>
+              </a:rPr>
+              <a:t>]</a:t>
+            </a:r>
+          </a:p>
+          <a:p>
+            <a:pPr marL="0" indent="0">
+              <a:buNone/>
+            </a:pPr>
+            <a:r>
+              <a:rPr lang="en-US" dirty="0">
+                <a:solidFill>
+                  <a:srgbClr val="0000FF"/>
+                </a:solidFill>
+                <a:latin typeface="Consolas"/>
+              </a:rPr>
+              <a:t>class</a:t>
+            </a:r>
+            <a:r>
+              <a:rPr lang="en-US" dirty="0">
+                <a:solidFill>
+                  <a:srgbClr val="000000"/>
+                </a:solidFill>
+                <a:latin typeface="Consolas"/>
+              </a:rPr>
+              <a:t> Train</a:t>
+            </a:r>
+          </a:p>
+          <a:p>
+            <a:pPr marL="0" indent="0">
+              <a:buNone/>
+            </a:pPr>
+            <a:r>
+              <a:rPr lang="en-US" dirty="0">
+                <a:solidFill>
+                  <a:srgbClr val="000000"/>
+                </a:solidFill>
+                <a:latin typeface="Consolas"/>
+              </a:rPr>
+              <a:t>{</a:t>
+            </a:r>
+          </a:p>
+          <a:p>
+            <a:pPr marL="0" indent="0">
+              <a:buNone/>
+            </a:pPr>
+            <a:r>
+              <a:rPr lang="en-US" dirty="0">
+                <a:solidFill>
+                  <a:srgbClr val="000000"/>
+                </a:solidFill>
+                <a:latin typeface="Consolas"/>
+              </a:rPr>
+              <a:t>  [</a:t>
+            </a:r>
+            <a:r>
+              <a:rPr lang="en-US" dirty="0" err="1">
+                <a:solidFill>
+                  <a:srgbClr val="000000"/>
+                </a:solidFill>
+                <a:latin typeface="Consolas"/>
+              </a:rPr>
+              <a:t>NonSerialized</a:t>
+            </a:r>
+            <a:r>
+              <a:rPr lang="en-US" dirty="0">
+                <a:solidFill>
+                  <a:srgbClr val="000000"/>
+                </a:solidFill>
+                <a:latin typeface="Consolas"/>
+              </a:rPr>
+              <a:t>]</a:t>
+            </a:r>
+          </a:p>
+          <a:p>
+            <a:pPr marL="0" indent="0">
+              <a:buNone/>
+            </a:pPr>
+            <a:r>
+              <a:rPr lang="en-US" dirty="0">
+                <a:solidFill>
+                  <a:srgbClr val="000000"/>
+                </a:solidFill>
+                <a:latin typeface="Consolas"/>
+              </a:rPr>
+              <a:t>  </a:t>
+            </a:r>
+            <a:r>
+              <a:rPr lang="en-US" dirty="0">
+                <a:solidFill>
+                  <a:srgbClr val="0000FF"/>
+                </a:solidFill>
+                <a:latin typeface="Consolas"/>
+              </a:rPr>
+              <a:t>double</a:t>
+            </a:r>
+            <a:r>
+              <a:rPr lang="en-US" dirty="0">
+                <a:solidFill>
+                  <a:srgbClr val="000000"/>
+                </a:solidFill>
+                <a:latin typeface="Consolas"/>
+              </a:rPr>
+              <a:t> _speed;</a:t>
+            </a:r>
+          </a:p>
+          <a:p>
+            <a:pPr marL="0" indent="0">
+              <a:buNone/>
+            </a:pPr>
+            <a:r>
+              <a:rPr lang="en-US" dirty="0" smtClean="0">
+                <a:solidFill>
+                  <a:srgbClr val="0000FF"/>
+                </a:solidFill>
+                <a:latin typeface="Consolas"/>
+              </a:rPr>
+              <a:t>  </a:t>
+            </a:r>
+            <a:r>
+              <a:rPr lang="en-US" dirty="0" err="1" smtClean="0">
+                <a:solidFill>
+                  <a:srgbClr val="0000FF"/>
+                </a:solidFill>
+                <a:latin typeface="Consolas"/>
+              </a:rPr>
+              <a:t>int</a:t>
+            </a:r>
+            <a:r>
+              <a:rPr lang="en-US" dirty="0" smtClean="0">
+                <a:solidFill>
+                  <a:srgbClr val="000000"/>
+                </a:solidFill>
+                <a:latin typeface="Consolas"/>
+              </a:rPr>
+              <a:t> </a:t>
+            </a:r>
+            <a:r>
+              <a:rPr lang="en-US" dirty="0">
+                <a:solidFill>
+                  <a:srgbClr val="000000"/>
+                </a:solidFill>
+                <a:latin typeface="Consolas"/>
+              </a:rPr>
+              <a:t>_length;</a:t>
+            </a:r>
+          </a:p>
+          <a:p>
+            <a:pPr marL="0" indent="0">
+              <a:buNone/>
+            </a:pPr>
+            <a:r>
+              <a:rPr lang="en-US" dirty="0">
+                <a:solidFill>
+                  <a:srgbClr val="000000"/>
+                </a:solidFill>
+                <a:latin typeface="Consolas"/>
+              </a:rPr>
+              <a:t>  </a:t>
+            </a:r>
+            <a:r>
+              <a:rPr lang="en-US" dirty="0">
+                <a:solidFill>
+                  <a:srgbClr val="0000FF"/>
+                </a:solidFill>
+                <a:latin typeface="Consolas"/>
+              </a:rPr>
+              <a:t>string</a:t>
+            </a:r>
+            <a:r>
+              <a:rPr lang="en-US" dirty="0">
+                <a:solidFill>
+                  <a:srgbClr val="000000"/>
+                </a:solidFill>
+                <a:latin typeface="Consolas"/>
+              </a:rPr>
+              <a:t>[] _</a:t>
+            </a:r>
+            <a:r>
+              <a:rPr lang="en-US" dirty="0" err="1">
+                <a:solidFill>
+                  <a:srgbClr val="000000"/>
+                </a:solidFill>
+                <a:latin typeface="Consolas"/>
+              </a:rPr>
+              <a:t>travellers</a:t>
+            </a:r>
+            <a:r>
+              <a:rPr lang="en-US" dirty="0">
+                <a:solidFill>
+                  <a:srgbClr val="000000"/>
+                </a:solidFill>
+                <a:latin typeface="Consolas"/>
+              </a:rPr>
+              <a:t>;</a:t>
+            </a:r>
+          </a:p>
+          <a:p>
+            <a:pPr marL="0" indent="0">
+              <a:buNone/>
+            </a:pPr>
+            <a:r>
+              <a:rPr lang="en-US" dirty="0">
+                <a:solidFill>
+                  <a:srgbClr val="000000"/>
+                </a:solidFill>
+                <a:latin typeface="Consolas"/>
+              </a:rPr>
+              <a:t>  </a:t>
+            </a:r>
+          </a:p>
+          <a:p>
+            <a:pPr marL="0" indent="0">
+              <a:buNone/>
+            </a:pPr>
+            <a:r>
+              <a:rPr lang="en-US" dirty="0">
+                <a:solidFill>
+                  <a:srgbClr val="000000"/>
+                </a:solidFill>
+                <a:latin typeface="Consolas"/>
+              </a:rPr>
+              <a:t>  </a:t>
+            </a:r>
+            <a:r>
+              <a:rPr lang="en-US" dirty="0">
+                <a:solidFill>
+                  <a:srgbClr val="0000FF"/>
+                </a:solidFill>
+                <a:latin typeface="Consolas"/>
+              </a:rPr>
+              <a:t>public</a:t>
+            </a:r>
+            <a:r>
+              <a:rPr lang="en-US" dirty="0">
+                <a:solidFill>
+                  <a:srgbClr val="000000"/>
+                </a:solidFill>
+                <a:latin typeface="Consolas"/>
+              </a:rPr>
+              <a:t> Train(</a:t>
+            </a:r>
+            <a:r>
+              <a:rPr lang="en-US" dirty="0">
+                <a:solidFill>
+                  <a:srgbClr val="0000FF"/>
+                </a:solidFill>
+                <a:latin typeface="Consolas"/>
+              </a:rPr>
+              <a:t>double</a:t>
+            </a:r>
+            <a:r>
+              <a:rPr lang="en-US" dirty="0">
+                <a:solidFill>
+                  <a:srgbClr val="000000"/>
+                </a:solidFill>
+                <a:latin typeface="Consolas"/>
+              </a:rPr>
+              <a:t> speed, </a:t>
+            </a:r>
+            <a:r>
+              <a:rPr lang="en-US" dirty="0" err="1">
+                <a:solidFill>
+                  <a:srgbClr val="0000FF"/>
+                </a:solidFill>
+                <a:latin typeface="Consolas"/>
+              </a:rPr>
+              <a:t>int</a:t>
+            </a:r>
+            <a:r>
+              <a:rPr lang="en-US" dirty="0">
+                <a:solidFill>
+                  <a:srgbClr val="000000"/>
+                </a:solidFill>
+                <a:latin typeface="Consolas"/>
+              </a:rPr>
+              <a:t> length, </a:t>
+            </a:r>
+            <a:r>
+              <a:rPr lang="en-US" dirty="0" err="1">
+                <a:solidFill>
+                  <a:srgbClr val="0000FF"/>
+                </a:solidFill>
+                <a:latin typeface="Consolas"/>
+              </a:rPr>
+              <a:t>params</a:t>
+            </a:r>
+            <a:r>
+              <a:rPr lang="en-US" dirty="0">
+                <a:solidFill>
+                  <a:srgbClr val="000000"/>
+                </a:solidFill>
+                <a:latin typeface="Consolas"/>
+              </a:rPr>
+              <a:t> </a:t>
+            </a:r>
+            <a:r>
+              <a:rPr lang="en-US" dirty="0">
+                <a:solidFill>
+                  <a:srgbClr val="0000FF"/>
+                </a:solidFill>
+                <a:latin typeface="Consolas"/>
+              </a:rPr>
+              <a:t>string</a:t>
+            </a:r>
+            <a:r>
+              <a:rPr lang="en-US" dirty="0">
+                <a:solidFill>
+                  <a:srgbClr val="000000"/>
+                </a:solidFill>
+                <a:latin typeface="Consolas"/>
+              </a:rPr>
+              <a:t>[] </a:t>
+            </a:r>
+            <a:r>
+              <a:rPr lang="en-US" dirty="0" err="1">
+                <a:solidFill>
+                  <a:srgbClr val="000000"/>
+                </a:solidFill>
+                <a:latin typeface="Consolas"/>
+              </a:rPr>
+              <a:t>travellers</a:t>
+            </a:r>
+            <a:r>
+              <a:rPr lang="en-US" dirty="0">
+                <a:solidFill>
+                  <a:srgbClr val="000000"/>
+                </a:solidFill>
+                <a:latin typeface="Consolas"/>
+              </a:rPr>
+              <a:t>)</a:t>
+            </a:r>
+          </a:p>
+          <a:p>
+            <a:pPr marL="0" indent="0">
+              <a:buNone/>
+            </a:pPr>
+            <a:r>
+              <a:rPr lang="en-US" dirty="0">
+                <a:solidFill>
+                  <a:srgbClr val="000000"/>
+                </a:solidFill>
+                <a:latin typeface="Consolas"/>
+              </a:rPr>
+              <a:t>  {</a:t>
+            </a:r>
+          </a:p>
+          <a:p>
+            <a:pPr marL="0" indent="0">
+              <a:buNone/>
+            </a:pPr>
+            <a:r>
+              <a:rPr lang="en-US" dirty="0">
+                <a:solidFill>
+                  <a:srgbClr val="000000"/>
+                </a:solidFill>
+                <a:latin typeface="Consolas"/>
+              </a:rPr>
+              <a:t>      _speed = speed;</a:t>
+            </a:r>
+          </a:p>
+          <a:p>
+            <a:pPr marL="0" indent="0">
+              <a:buNone/>
+            </a:pPr>
+            <a:r>
+              <a:rPr lang="en-US" dirty="0">
+                <a:solidFill>
+                  <a:srgbClr val="000000"/>
+                </a:solidFill>
+                <a:latin typeface="Consolas"/>
+              </a:rPr>
+              <a:t>      _length = length;</a:t>
+            </a:r>
+          </a:p>
+          <a:p>
+            <a:pPr marL="0" indent="0">
+              <a:buNone/>
+            </a:pPr>
+            <a:r>
+              <a:rPr lang="en-US" dirty="0">
+                <a:solidFill>
+                  <a:srgbClr val="000000"/>
+                </a:solidFill>
+                <a:latin typeface="Consolas"/>
+              </a:rPr>
+              <a:t>      _</a:t>
+            </a:r>
+            <a:r>
+              <a:rPr lang="en-US" dirty="0" err="1">
+                <a:solidFill>
+                  <a:srgbClr val="000000"/>
+                </a:solidFill>
+                <a:latin typeface="Consolas"/>
+              </a:rPr>
+              <a:t>travellers</a:t>
+            </a:r>
+            <a:r>
+              <a:rPr lang="en-US" dirty="0">
+                <a:solidFill>
+                  <a:srgbClr val="000000"/>
+                </a:solidFill>
+                <a:latin typeface="Consolas"/>
+              </a:rPr>
+              <a:t> = </a:t>
+            </a:r>
+            <a:r>
+              <a:rPr lang="en-US" dirty="0" err="1">
+                <a:solidFill>
+                  <a:srgbClr val="000000"/>
+                </a:solidFill>
+                <a:latin typeface="Consolas"/>
+              </a:rPr>
+              <a:t>travellers</a:t>
+            </a:r>
+            <a:r>
+              <a:rPr lang="en-US" dirty="0">
+                <a:solidFill>
+                  <a:srgbClr val="000000"/>
+                </a:solidFill>
+                <a:latin typeface="Consolas"/>
+              </a:rPr>
+              <a:t>;</a:t>
+            </a:r>
+          </a:p>
+          <a:p>
+            <a:pPr marL="0" indent="0">
+              <a:buNone/>
+            </a:pPr>
+            <a:r>
+              <a:rPr lang="en-US" dirty="0">
+                <a:solidFill>
+                  <a:srgbClr val="000000"/>
+                </a:solidFill>
+                <a:latin typeface="Consolas"/>
+              </a:rPr>
+              <a:t>  }</a:t>
+            </a:r>
+          </a:p>
+          <a:p>
+            <a:pPr marL="0" indent="0">
+              <a:buNone/>
+            </a:pPr>
+            <a:r>
+              <a:rPr lang="ru-RU" dirty="0" smtClean="0">
+                <a:solidFill>
+                  <a:srgbClr val="0000FF"/>
+                </a:solidFill>
+                <a:latin typeface="Consolas"/>
+              </a:rPr>
+              <a:t>  </a:t>
+            </a:r>
+            <a:r>
+              <a:rPr lang="en-US" dirty="0" smtClean="0">
+                <a:solidFill>
+                  <a:srgbClr val="0000FF"/>
+                </a:solidFill>
+                <a:latin typeface="Consolas"/>
+              </a:rPr>
+              <a:t>public</a:t>
+            </a:r>
+            <a:r>
+              <a:rPr lang="en-US" dirty="0" smtClean="0">
+                <a:solidFill>
+                  <a:srgbClr val="000000"/>
+                </a:solidFill>
+                <a:latin typeface="Consolas"/>
+              </a:rPr>
+              <a:t> </a:t>
+            </a:r>
+            <a:r>
+              <a:rPr lang="en-US" dirty="0">
+                <a:solidFill>
+                  <a:srgbClr val="0000FF"/>
+                </a:solidFill>
+                <a:latin typeface="Consolas"/>
+              </a:rPr>
+              <a:t>void</a:t>
+            </a:r>
+            <a:r>
+              <a:rPr lang="en-US" dirty="0">
+                <a:solidFill>
+                  <a:srgbClr val="000000"/>
+                </a:solidFill>
+                <a:latin typeface="Consolas"/>
+              </a:rPr>
+              <a:t> Print()</a:t>
+            </a:r>
+          </a:p>
+          <a:p>
+            <a:pPr marL="0" indent="0">
+              <a:buNone/>
+            </a:pPr>
+            <a:r>
+              <a:rPr lang="en-US" dirty="0">
+                <a:solidFill>
+                  <a:srgbClr val="000000"/>
+                </a:solidFill>
+                <a:latin typeface="Consolas"/>
+              </a:rPr>
+              <a:t>  {</a:t>
+            </a:r>
+          </a:p>
+          <a:p>
+            <a:pPr marL="0" indent="0">
+              <a:buNone/>
+            </a:pPr>
+            <a:r>
+              <a:rPr lang="en-US" dirty="0">
+                <a:solidFill>
+                  <a:srgbClr val="000000"/>
+                </a:solidFill>
+                <a:latin typeface="Consolas"/>
+              </a:rPr>
+              <a:t>      </a:t>
+            </a:r>
+            <a:r>
+              <a:rPr lang="en-US" dirty="0" err="1">
+                <a:solidFill>
+                  <a:srgbClr val="000000"/>
+                </a:solidFill>
+                <a:latin typeface="Consolas"/>
+              </a:rPr>
+              <a:t>Console.WriteLine</a:t>
+            </a:r>
+            <a:r>
+              <a:rPr lang="en-US" dirty="0">
+                <a:solidFill>
+                  <a:srgbClr val="000000"/>
+                </a:solidFill>
+                <a:latin typeface="Consolas"/>
+              </a:rPr>
+              <a:t>(</a:t>
+            </a:r>
+            <a:r>
+              <a:rPr lang="en-US" dirty="0">
+                <a:solidFill>
+                  <a:srgbClr val="DC1414"/>
+                </a:solidFill>
+                <a:latin typeface="Consolas"/>
+              </a:rPr>
+              <a:t>"Speed: {0}"</a:t>
+            </a:r>
+            <a:r>
+              <a:rPr lang="en-US" dirty="0">
+                <a:solidFill>
+                  <a:srgbClr val="000000"/>
+                </a:solidFill>
+                <a:latin typeface="Consolas"/>
+              </a:rPr>
+              <a:t>, _speed);</a:t>
+            </a:r>
+          </a:p>
+          <a:p>
+            <a:pPr marL="0" indent="0">
+              <a:buNone/>
+            </a:pPr>
+            <a:r>
+              <a:rPr lang="en-US" dirty="0">
+                <a:solidFill>
+                  <a:srgbClr val="000000"/>
+                </a:solidFill>
+                <a:latin typeface="Consolas"/>
+              </a:rPr>
+              <a:t>      </a:t>
+            </a:r>
+            <a:r>
+              <a:rPr lang="en-US" dirty="0" err="1">
+                <a:solidFill>
+                  <a:srgbClr val="000000"/>
+                </a:solidFill>
+                <a:latin typeface="Consolas"/>
+              </a:rPr>
+              <a:t>Console.WriteLine</a:t>
+            </a:r>
+            <a:r>
+              <a:rPr lang="en-US" dirty="0">
+                <a:solidFill>
+                  <a:srgbClr val="000000"/>
+                </a:solidFill>
+                <a:latin typeface="Consolas"/>
+              </a:rPr>
+              <a:t>(</a:t>
+            </a:r>
+            <a:r>
+              <a:rPr lang="en-US" dirty="0">
+                <a:solidFill>
+                  <a:srgbClr val="DC1414"/>
+                </a:solidFill>
+                <a:latin typeface="Consolas"/>
+              </a:rPr>
+              <a:t>"Length : {0}"</a:t>
+            </a:r>
+            <a:r>
+              <a:rPr lang="en-US" dirty="0">
+                <a:solidFill>
+                  <a:srgbClr val="000000"/>
+                </a:solidFill>
+                <a:latin typeface="Consolas"/>
+              </a:rPr>
+              <a:t>, _length);</a:t>
+            </a:r>
+          </a:p>
+          <a:p>
+            <a:pPr marL="0" indent="0">
+              <a:buNone/>
+            </a:pPr>
+            <a:r>
+              <a:rPr lang="fr-FR" dirty="0">
+                <a:solidFill>
+                  <a:srgbClr val="000000"/>
+                </a:solidFill>
+                <a:latin typeface="Consolas"/>
+              </a:rPr>
+              <a:t>      </a:t>
+            </a:r>
+            <a:r>
+              <a:rPr lang="fr-FR" dirty="0" err="1">
+                <a:solidFill>
+                  <a:srgbClr val="000000"/>
+                </a:solidFill>
+                <a:latin typeface="Consolas"/>
+              </a:rPr>
+              <a:t>Console.WriteLine</a:t>
+            </a:r>
+            <a:r>
+              <a:rPr lang="fr-FR" dirty="0">
+                <a:solidFill>
+                  <a:srgbClr val="000000"/>
+                </a:solidFill>
+                <a:latin typeface="Consolas"/>
+              </a:rPr>
+              <a:t>(</a:t>
+            </a:r>
+            <a:r>
+              <a:rPr lang="fr-FR" dirty="0">
+                <a:solidFill>
+                  <a:srgbClr val="DC1414"/>
+                </a:solidFill>
+                <a:latin typeface="Consolas"/>
+              </a:rPr>
+              <a:t>"</a:t>
+            </a:r>
+            <a:r>
+              <a:rPr lang="fr-FR" dirty="0" err="1">
+                <a:solidFill>
+                  <a:srgbClr val="DC1414"/>
+                </a:solidFill>
+                <a:latin typeface="Consolas"/>
+              </a:rPr>
+              <a:t>Travellers</a:t>
+            </a:r>
+            <a:r>
+              <a:rPr lang="fr-FR" dirty="0">
+                <a:solidFill>
+                  <a:srgbClr val="DC1414"/>
+                </a:solidFill>
+                <a:latin typeface="Consolas"/>
+              </a:rPr>
+              <a:t>: {0}"</a:t>
+            </a:r>
+            <a:r>
+              <a:rPr lang="fr-FR" dirty="0">
+                <a:solidFill>
+                  <a:srgbClr val="000000"/>
+                </a:solidFill>
+                <a:latin typeface="Consolas"/>
+              </a:rPr>
+              <a:t>, </a:t>
+            </a:r>
+            <a:r>
+              <a:rPr lang="fr-FR" dirty="0" err="1">
+                <a:solidFill>
+                  <a:srgbClr val="000000"/>
+                </a:solidFill>
+                <a:latin typeface="Consolas"/>
+              </a:rPr>
+              <a:t>String.Join</a:t>
+            </a:r>
+            <a:r>
+              <a:rPr lang="fr-FR" dirty="0">
+                <a:solidFill>
+                  <a:srgbClr val="000000"/>
+                </a:solidFill>
+                <a:latin typeface="Consolas"/>
+              </a:rPr>
+              <a:t>(</a:t>
+            </a:r>
+            <a:r>
+              <a:rPr lang="fr-FR" dirty="0">
+                <a:solidFill>
+                  <a:srgbClr val="DC1414"/>
+                </a:solidFill>
+                <a:latin typeface="Consolas"/>
+              </a:rPr>
+              <a:t>"; "</a:t>
+            </a:r>
+            <a:r>
+              <a:rPr lang="fr-FR" dirty="0">
+                <a:solidFill>
+                  <a:srgbClr val="000000"/>
+                </a:solidFill>
+                <a:latin typeface="Consolas"/>
+              </a:rPr>
+              <a:t>, _</a:t>
+            </a:r>
+            <a:r>
+              <a:rPr lang="fr-FR" dirty="0" err="1">
+                <a:solidFill>
+                  <a:srgbClr val="000000"/>
+                </a:solidFill>
+                <a:latin typeface="Consolas"/>
+              </a:rPr>
+              <a:t>travellers</a:t>
+            </a:r>
+            <a:r>
+              <a:rPr lang="fr-FR" dirty="0">
+                <a:solidFill>
+                  <a:srgbClr val="000000"/>
+                </a:solidFill>
+                <a:latin typeface="Consolas"/>
+              </a:rPr>
+              <a:t>));</a:t>
+            </a:r>
+          </a:p>
+          <a:p>
+            <a:pPr marL="0" indent="0">
+              <a:buNone/>
+            </a:pPr>
+            <a:r>
+              <a:rPr lang="en-US" dirty="0">
+                <a:solidFill>
+                  <a:srgbClr val="000000"/>
+                </a:solidFill>
+                <a:latin typeface="Consolas"/>
+              </a:rPr>
+              <a:t>  }</a:t>
+            </a:r>
+          </a:p>
+          <a:p>
+            <a:pPr marL="0" indent="0">
+              <a:buNone/>
+            </a:pPr>
+            <a:r>
+              <a:rPr lang="en-US" dirty="0">
+                <a:solidFill>
+                  <a:srgbClr val="000000"/>
+                </a:solidFill>
+                <a:latin typeface="Consolas"/>
+              </a:rPr>
+              <a:t>}</a:t>
+            </a:r>
+          </a:p>
+          <a:p>
+            <a:pPr marL="0" indent="0">
+              <a:buNone/>
+            </a:pPr>
+            <a:r>
+              <a:rPr lang="en-US" dirty="0" smtClean="0">
+                <a:solidFill>
+                  <a:srgbClr val="0000FF"/>
+                </a:solidFill>
+                <a:latin typeface="Consolas"/>
+              </a:rPr>
+              <a:t>static</a:t>
+            </a:r>
+            <a:r>
+              <a:rPr lang="en-US" dirty="0" smtClean="0">
+                <a:solidFill>
+                  <a:srgbClr val="000000"/>
+                </a:solidFill>
+                <a:latin typeface="Consolas"/>
+              </a:rPr>
+              <a:t> </a:t>
+            </a:r>
+            <a:r>
+              <a:rPr lang="en-US" dirty="0">
+                <a:solidFill>
+                  <a:srgbClr val="0000FF"/>
+                </a:solidFill>
+                <a:latin typeface="Consolas"/>
+              </a:rPr>
+              <a:t>void</a:t>
+            </a:r>
+            <a:r>
+              <a:rPr lang="en-US" dirty="0">
+                <a:solidFill>
+                  <a:srgbClr val="000000"/>
+                </a:solidFill>
+                <a:latin typeface="Consolas"/>
+              </a:rPr>
+              <a:t> Main()</a:t>
+            </a:r>
+          </a:p>
+          <a:p>
+            <a:pPr marL="0" indent="0">
+              <a:buNone/>
+            </a:pPr>
+            <a:r>
+              <a:rPr lang="en-US" dirty="0">
+                <a:solidFill>
+                  <a:srgbClr val="000000"/>
+                </a:solidFill>
+                <a:latin typeface="Consolas"/>
+              </a:rPr>
+              <a:t>{</a:t>
+            </a:r>
+          </a:p>
+          <a:p>
+            <a:pPr marL="0" indent="0">
+              <a:buNone/>
+            </a:pPr>
+            <a:r>
+              <a:rPr lang="ru-RU" dirty="0" smtClean="0">
+                <a:solidFill>
+                  <a:srgbClr val="000000"/>
+                </a:solidFill>
+                <a:latin typeface="Consolas"/>
+              </a:rPr>
+              <a:t>    </a:t>
+            </a:r>
+            <a:r>
+              <a:rPr lang="fr-FR" dirty="0" smtClean="0">
+                <a:solidFill>
+                  <a:srgbClr val="000000"/>
+                </a:solidFill>
+                <a:latin typeface="Consolas"/>
+              </a:rPr>
+              <a:t>Train </a:t>
+            </a:r>
+            <a:r>
+              <a:rPr lang="fr-FR" dirty="0" err="1">
+                <a:solidFill>
+                  <a:srgbClr val="000000"/>
+                </a:solidFill>
+                <a:latin typeface="Consolas"/>
+              </a:rPr>
+              <a:t>train</a:t>
+            </a:r>
+            <a:r>
+              <a:rPr lang="fr-FR" dirty="0">
+                <a:solidFill>
+                  <a:srgbClr val="000000"/>
+                </a:solidFill>
+                <a:latin typeface="Consolas"/>
+              </a:rPr>
+              <a:t> = </a:t>
+            </a:r>
+            <a:r>
+              <a:rPr lang="fr-FR" dirty="0">
+                <a:solidFill>
+                  <a:srgbClr val="0000FF"/>
+                </a:solidFill>
+                <a:latin typeface="Consolas"/>
+              </a:rPr>
+              <a:t>new</a:t>
+            </a:r>
+            <a:r>
+              <a:rPr lang="fr-FR" dirty="0">
+                <a:solidFill>
+                  <a:srgbClr val="000000"/>
+                </a:solidFill>
+                <a:latin typeface="Consolas"/>
+              </a:rPr>
+              <a:t> Train(</a:t>
+            </a:r>
+            <a:r>
+              <a:rPr lang="fr-FR" dirty="0">
+                <a:solidFill>
+                  <a:srgbClr val="C81EFA"/>
+                </a:solidFill>
+                <a:latin typeface="Consolas"/>
+              </a:rPr>
+              <a:t>190.2</a:t>
+            </a:r>
+            <a:r>
+              <a:rPr lang="fr-FR" dirty="0">
+                <a:solidFill>
+                  <a:srgbClr val="000000"/>
+                </a:solidFill>
+                <a:latin typeface="Consolas"/>
+              </a:rPr>
+              <a:t>, </a:t>
+            </a:r>
+            <a:r>
+              <a:rPr lang="fr-FR" dirty="0">
+                <a:solidFill>
+                  <a:srgbClr val="C81EFA"/>
+                </a:solidFill>
+                <a:latin typeface="Consolas"/>
+              </a:rPr>
+              <a:t>8</a:t>
+            </a:r>
+            <a:r>
+              <a:rPr lang="fr-FR" dirty="0">
+                <a:solidFill>
+                  <a:srgbClr val="000000"/>
+                </a:solidFill>
+                <a:latin typeface="Consolas"/>
+              </a:rPr>
+              <a:t>, </a:t>
+            </a:r>
+            <a:r>
+              <a:rPr lang="fr-FR" dirty="0">
+                <a:solidFill>
+                  <a:srgbClr val="DC1414"/>
+                </a:solidFill>
+                <a:latin typeface="Consolas"/>
+              </a:rPr>
+              <a:t>"Ivanov"</a:t>
+            </a:r>
+            <a:r>
+              <a:rPr lang="fr-FR" dirty="0">
+                <a:solidFill>
+                  <a:srgbClr val="000000"/>
+                </a:solidFill>
+                <a:latin typeface="Consolas"/>
+              </a:rPr>
+              <a:t>, </a:t>
+            </a:r>
+            <a:r>
+              <a:rPr lang="fr-FR" dirty="0">
+                <a:solidFill>
+                  <a:srgbClr val="DC1414"/>
+                </a:solidFill>
+                <a:latin typeface="Consolas"/>
+              </a:rPr>
+              <a:t>"Petrov"</a:t>
+            </a:r>
+            <a:r>
+              <a:rPr lang="fr-FR" dirty="0">
+                <a:solidFill>
+                  <a:srgbClr val="000000"/>
+                </a:solidFill>
+                <a:latin typeface="Consolas"/>
+              </a:rPr>
+              <a:t>, </a:t>
+            </a:r>
+            <a:r>
+              <a:rPr lang="fr-FR" dirty="0">
+                <a:solidFill>
+                  <a:srgbClr val="DC1414"/>
+                </a:solidFill>
+                <a:latin typeface="Consolas"/>
+              </a:rPr>
+              <a:t>"</a:t>
+            </a:r>
+            <a:r>
+              <a:rPr lang="fr-FR" dirty="0" err="1">
+                <a:solidFill>
+                  <a:srgbClr val="DC1414"/>
+                </a:solidFill>
+                <a:latin typeface="Consolas"/>
+              </a:rPr>
+              <a:t>Sidorov</a:t>
+            </a:r>
+            <a:r>
+              <a:rPr lang="fr-FR" dirty="0">
+                <a:solidFill>
+                  <a:srgbClr val="DC1414"/>
+                </a:solidFill>
+                <a:latin typeface="Consolas"/>
+              </a:rPr>
+              <a:t>"</a:t>
+            </a:r>
+            <a:r>
+              <a:rPr lang="fr-FR" dirty="0">
+                <a:solidFill>
+                  <a:srgbClr val="000000"/>
+                </a:solidFill>
+                <a:latin typeface="Consolas"/>
+              </a:rPr>
+              <a:t>);</a:t>
+            </a:r>
+          </a:p>
+          <a:p>
+            <a:pPr marL="0" indent="0">
+              <a:buNone/>
+            </a:pPr>
+            <a:r>
+              <a:rPr lang="ru-RU" dirty="0" smtClean="0">
+                <a:solidFill>
+                  <a:srgbClr val="000000"/>
+                </a:solidFill>
+                <a:latin typeface="Consolas"/>
+              </a:rPr>
+              <a:t>    </a:t>
+            </a:r>
+            <a:r>
+              <a:rPr lang="en-US" dirty="0" err="1" smtClean="0">
+                <a:solidFill>
+                  <a:srgbClr val="000000"/>
+                </a:solidFill>
+                <a:latin typeface="Consolas"/>
+              </a:rPr>
+              <a:t>train.Print</a:t>
+            </a:r>
+            <a:r>
+              <a:rPr lang="en-US" dirty="0">
+                <a:solidFill>
+                  <a:srgbClr val="000000"/>
+                </a:solidFill>
+                <a:latin typeface="Consolas"/>
+              </a:rPr>
+              <a:t>();</a:t>
+            </a:r>
+          </a:p>
+          <a:p>
+            <a:pPr marL="0" indent="0">
+              <a:buNone/>
+            </a:pPr>
+            <a:r>
+              <a:rPr lang="ru-RU" dirty="0" smtClean="0">
+                <a:solidFill>
+                  <a:srgbClr val="0000FF"/>
+                </a:solidFill>
+                <a:latin typeface="Consolas"/>
+              </a:rPr>
+              <a:t>    </a:t>
+            </a:r>
+            <a:r>
+              <a:rPr lang="en-US" dirty="0" smtClean="0">
+                <a:solidFill>
+                  <a:srgbClr val="0000FF"/>
+                </a:solidFill>
+                <a:latin typeface="Consolas"/>
+              </a:rPr>
+              <a:t>string</a:t>
+            </a:r>
+            <a:r>
+              <a:rPr lang="en-US" dirty="0" smtClean="0">
+                <a:solidFill>
+                  <a:srgbClr val="000000"/>
+                </a:solidFill>
+                <a:latin typeface="Consolas"/>
+              </a:rPr>
+              <a:t> </a:t>
+            </a:r>
+            <a:r>
+              <a:rPr lang="en-US" dirty="0" err="1">
+                <a:solidFill>
+                  <a:srgbClr val="000000"/>
+                </a:solidFill>
+                <a:latin typeface="Consolas"/>
+              </a:rPr>
+              <a:t>tempFileName</a:t>
+            </a:r>
+            <a:r>
+              <a:rPr lang="en-US" dirty="0">
+                <a:solidFill>
+                  <a:srgbClr val="000000"/>
+                </a:solidFill>
+                <a:latin typeface="Consolas"/>
+              </a:rPr>
+              <a:t> = </a:t>
+            </a:r>
+            <a:r>
+              <a:rPr lang="en-US" dirty="0" err="1">
+                <a:solidFill>
+                  <a:srgbClr val="000000"/>
+                </a:solidFill>
+                <a:latin typeface="Consolas"/>
+              </a:rPr>
+              <a:t>Path.Combine</a:t>
+            </a:r>
+            <a:r>
+              <a:rPr lang="en-US" dirty="0">
+                <a:solidFill>
+                  <a:srgbClr val="000000"/>
+                </a:solidFill>
+                <a:latin typeface="Consolas"/>
+              </a:rPr>
+              <a:t>(</a:t>
+            </a:r>
+            <a:r>
+              <a:rPr lang="en-US" dirty="0" err="1">
+                <a:solidFill>
+                  <a:srgbClr val="000000"/>
+                </a:solidFill>
+                <a:latin typeface="Consolas"/>
+              </a:rPr>
+              <a:t>Path.GetTempPath</a:t>
+            </a:r>
+            <a:r>
+              <a:rPr lang="en-US" dirty="0">
+                <a:solidFill>
+                  <a:srgbClr val="000000"/>
+                </a:solidFill>
+                <a:latin typeface="Consolas"/>
+              </a:rPr>
+              <a:t>(), </a:t>
+            </a:r>
+            <a:r>
+              <a:rPr lang="en-US" dirty="0">
+                <a:solidFill>
+                  <a:srgbClr val="DC1414"/>
+                </a:solidFill>
+                <a:latin typeface="Consolas"/>
+              </a:rPr>
+              <a:t>"train.dat"</a:t>
+            </a:r>
+            <a:r>
+              <a:rPr lang="en-US" dirty="0">
+                <a:solidFill>
+                  <a:srgbClr val="000000"/>
+                </a:solidFill>
+                <a:latin typeface="Consolas"/>
+              </a:rPr>
+              <a:t>); </a:t>
+            </a:r>
+            <a:r>
+              <a:rPr lang="en-US" dirty="0" smtClean="0">
+                <a:solidFill>
+                  <a:srgbClr val="008000"/>
+                </a:solidFill>
+                <a:latin typeface="Consolas"/>
+              </a:rPr>
+              <a:t>//</a:t>
+            </a:r>
+            <a:r>
+              <a:rPr lang="ru-RU" dirty="0" smtClean="0">
+                <a:solidFill>
+                  <a:srgbClr val="008000"/>
+                </a:solidFill>
+                <a:latin typeface="Consolas"/>
+              </a:rPr>
+              <a:t> Будем работать с файлом в папке для временных файлов</a:t>
+            </a:r>
+            <a:endParaRPr lang="en-US" dirty="0">
+              <a:solidFill>
+                <a:srgbClr val="000000"/>
+              </a:solidFill>
+              <a:latin typeface="Consolas"/>
+            </a:endParaRPr>
+          </a:p>
+          <a:p>
+            <a:pPr marL="0" indent="0">
+              <a:buNone/>
+            </a:pPr>
+            <a:r>
+              <a:rPr lang="ru-RU" dirty="0" smtClean="0">
+                <a:solidFill>
+                  <a:srgbClr val="000000"/>
+                </a:solidFill>
+                <a:latin typeface="Consolas"/>
+              </a:rPr>
+              <a:t>    </a:t>
+            </a:r>
+            <a:r>
+              <a:rPr lang="en-US" dirty="0" err="1" smtClean="0">
+                <a:solidFill>
+                  <a:srgbClr val="000000"/>
+                </a:solidFill>
+                <a:latin typeface="Consolas"/>
+              </a:rPr>
+              <a:t>BinaryFormatter</a:t>
+            </a:r>
+            <a:r>
+              <a:rPr lang="en-US" dirty="0" smtClean="0">
+                <a:solidFill>
+                  <a:srgbClr val="000000"/>
+                </a:solidFill>
+                <a:latin typeface="Consolas"/>
+              </a:rPr>
+              <a:t> </a:t>
+            </a:r>
+            <a:r>
+              <a:rPr lang="en-US" dirty="0">
+                <a:solidFill>
+                  <a:srgbClr val="000000"/>
+                </a:solidFill>
+                <a:latin typeface="Consolas"/>
+              </a:rPr>
+              <a:t>bf = </a:t>
+            </a:r>
+            <a:r>
+              <a:rPr lang="en-US" dirty="0">
+                <a:solidFill>
+                  <a:srgbClr val="0000FF"/>
+                </a:solidFill>
+                <a:latin typeface="Consolas"/>
+              </a:rPr>
+              <a:t>new</a:t>
+            </a:r>
+            <a:r>
+              <a:rPr lang="en-US" dirty="0">
+                <a:solidFill>
+                  <a:srgbClr val="000000"/>
+                </a:solidFill>
+                <a:latin typeface="Consolas"/>
+              </a:rPr>
+              <a:t> </a:t>
+            </a:r>
+            <a:r>
+              <a:rPr lang="en-US" dirty="0" err="1">
+                <a:solidFill>
+                  <a:srgbClr val="000000"/>
+                </a:solidFill>
+                <a:latin typeface="Consolas"/>
+              </a:rPr>
+              <a:t>BinaryFormatter</a:t>
+            </a:r>
+            <a:r>
+              <a:rPr lang="en-US" dirty="0" smtClean="0">
+                <a:solidFill>
+                  <a:srgbClr val="000000"/>
+                </a:solidFill>
+                <a:latin typeface="Consolas"/>
+              </a:rPr>
+              <a:t>();</a:t>
+            </a:r>
+            <a:endParaRPr lang="ru-RU" dirty="0" smtClean="0">
+              <a:solidFill>
+                <a:srgbClr val="000000"/>
+              </a:solidFill>
+              <a:latin typeface="Consolas"/>
+            </a:endParaRPr>
+          </a:p>
+          <a:p>
+            <a:pPr marL="0" indent="0">
+              <a:buNone/>
+            </a:pPr>
+            <a:r>
+              <a:rPr lang="en-US" dirty="0" smtClean="0">
+                <a:solidFill>
+                  <a:srgbClr val="008000"/>
+                </a:solidFill>
+                <a:latin typeface="Consolas"/>
+              </a:rPr>
+              <a:t>    // </a:t>
+            </a:r>
+            <a:r>
+              <a:rPr lang="ru-RU" dirty="0">
+                <a:solidFill>
+                  <a:srgbClr val="008000"/>
+                </a:solidFill>
+                <a:latin typeface="Consolas"/>
+              </a:rPr>
+              <a:t>Выполняем сериализацию</a:t>
+            </a:r>
+            <a:endParaRPr lang="en-US" dirty="0">
+              <a:solidFill>
+                <a:srgbClr val="008000"/>
+              </a:solidFill>
+              <a:latin typeface="Consolas"/>
+            </a:endParaRPr>
+          </a:p>
+          <a:p>
+            <a:pPr marL="0" indent="0">
+              <a:buNone/>
+            </a:pPr>
+            <a:r>
+              <a:rPr lang="ru-RU" dirty="0" smtClean="0">
+                <a:solidFill>
+                  <a:srgbClr val="0000FF"/>
+                </a:solidFill>
+                <a:latin typeface="Consolas"/>
+              </a:rPr>
+              <a:t>    </a:t>
+            </a:r>
+            <a:r>
+              <a:rPr lang="en-US" dirty="0" smtClean="0">
+                <a:solidFill>
+                  <a:srgbClr val="0000FF"/>
+                </a:solidFill>
+                <a:latin typeface="Consolas"/>
+              </a:rPr>
+              <a:t>using</a:t>
+            </a:r>
+            <a:r>
+              <a:rPr lang="en-US" dirty="0" smtClean="0">
+                <a:solidFill>
+                  <a:srgbClr val="000000"/>
+                </a:solidFill>
+                <a:latin typeface="Consolas"/>
+              </a:rPr>
+              <a:t> </a:t>
+            </a:r>
+            <a:r>
+              <a:rPr lang="en-US" dirty="0">
+                <a:solidFill>
+                  <a:srgbClr val="000000"/>
+                </a:solidFill>
+                <a:latin typeface="Consolas"/>
+              </a:rPr>
+              <a:t>(</a:t>
+            </a:r>
+            <a:r>
+              <a:rPr lang="en-US" dirty="0" err="1">
+                <a:solidFill>
+                  <a:srgbClr val="000000"/>
+                </a:solidFill>
+                <a:latin typeface="Consolas"/>
+              </a:rPr>
+              <a:t>FileStream</a:t>
+            </a:r>
+            <a:r>
+              <a:rPr lang="en-US" dirty="0">
+                <a:solidFill>
+                  <a:srgbClr val="000000"/>
+                </a:solidFill>
+                <a:latin typeface="Consolas"/>
+              </a:rPr>
+              <a:t> </a:t>
+            </a:r>
+            <a:r>
+              <a:rPr lang="en-US" dirty="0" err="1">
+                <a:solidFill>
+                  <a:srgbClr val="000000"/>
+                </a:solidFill>
+                <a:latin typeface="Consolas"/>
+              </a:rPr>
+              <a:t>fs</a:t>
+            </a:r>
+            <a:r>
+              <a:rPr lang="en-US" dirty="0">
+                <a:solidFill>
+                  <a:srgbClr val="000000"/>
+                </a:solidFill>
+                <a:latin typeface="Consolas"/>
+              </a:rPr>
+              <a:t> = </a:t>
+            </a:r>
+            <a:r>
+              <a:rPr lang="en-US" dirty="0" err="1">
+                <a:solidFill>
+                  <a:srgbClr val="000000"/>
+                </a:solidFill>
+                <a:latin typeface="Consolas"/>
+              </a:rPr>
+              <a:t>File.Open</a:t>
+            </a:r>
+            <a:r>
+              <a:rPr lang="en-US" dirty="0">
+                <a:solidFill>
+                  <a:srgbClr val="000000"/>
+                </a:solidFill>
+                <a:latin typeface="Consolas"/>
+              </a:rPr>
+              <a:t>(</a:t>
+            </a:r>
+            <a:r>
+              <a:rPr lang="en-US" dirty="0" err="1">
+                <a:solidFill>
+                  <a:srgbClr val="000000"/>
+                </a:solidFill>
+                <a:latin typeface="Consolas"/>
+              </a:rPr>
+              <a:t>tempFileName</a:t>
+            </a:r>
+            <a:r>
+              <a:rPr lang="en-US" dirty="0">
+                <a:solidFill>
+                  <a:srgbClr val="000000"/>
+                </a:solidFill>
+                <a:latin typeface="Consolas"/>
+              </a:rPr>
+              <a:t>, </a:t>
+            </a:r>
+            <a:r>
+              <a:rPr lang="en-US" dirty="0" err="1">
+                <a:solidFill>
+                  <a:srgbClr val="000000"/>
+                </a:solidFill>
+                <a:latin typeface="Consolas"/>
+              </a:rPr>
+              <a:t>FileMode.Create</a:t>
+            </a:r>
+            <a:r>
+              <a:rPr lang="en-US" dirty="0">
+                <a:solidFill>
+                  <a:srgbClr val="000000"/>
+                </a:solidFill>
+                <a:latin typeface="Consolas"/>
+              </a:rPr>
+              <a:t>))</a:t>
+            </a:r>
+          </a:p>
+          <a:p>
+            <a:pPr marL="0" indent="0">
+              <a:buNone/>
+            </a:pPr>
+            <a:r>
+              <a:rPr lang="ru-RU" dirty="0" smtClean="0">
+                <a:solidFill>
+                  <a:srgbClr val="000000"/>
+                </a:solidFill>
+                <a:latin typeface="Consolas"/>
+              </a:rPr>
+              <a:t>    </a:t>
+            </a:r>
+            <a:r>
+              <a:rPr lang="en-US" dirty="0" smtClean="0">
+                <a:solidFill>
+                  <a:srgbClr val="000000"/>
+                </a:solidFill>
+                <a:latin typeface="Consolas"/>
+              </a:rPr>
+              <a:t>{</a:t>
+            </a:r>
+            <a:endParaRPr lang="en-US" dirty="0">
+              <a:solidFill>
+                <a:srgbClr val="000000"/>
+              </a:solidFill>
+              <a:latin typeface="Consolas"/>
+            </a:endParaRPr>
+          </a:p>
+          <a:p>
+            <a:pPr marL="0" indent="0">
+              <a:buNone/>
+            </a:pPr>
+            <a:r>
+              <a:rPr lang="ru-RU" dirty="0" smtClean="0">
+                <a:solidFill>
+                  <a:srgbClr val="000000"/>
+                </a:solidFill>
+                <a:latin typeface="Consolas"/>
+              </a:rPr>
+              <a:t>        </a:t>
+            </a:r>
+            <a:r>
+              <a:rPr lang="en-US" dirty="0" err="1" smtClean="0">
+                <a:solidFill>
+                  <a:srgbClr val="000000"/>
+                </a:solidFill>
+                <a:latin typeface="Consolas"/>
+              </a:rPr>
+              <a:t>bf.Serialize</a:t>
+            </a:r>
+            <a:r>
+              <a:rPr lang="en-US" dirty="0" smtClean="0">
+                <a:solidFill>
+                  <a:srgbClr val="000000"/>
+                </a:solidFill>
+                <a:latin typeface="Consolas"/>
+              </a:rPr>
+              <a:t>(</a:t>
+            </a:r>
+            <a:r>
+              <a:rPr lang="en-US" dirty="0" err="1" smtClean="0">
+                <a:solidFill>
+                  <a:srgbClr val="000000"/>
+                </a:solidFill>
+                <a:latin typeface="Consolas"/>
+              </a:rPr>
+              <a:t>fs</a:t>
+            </a:r>
+            <a:r>
+              <a:rPr lang="en-US" dirty="0">
+                <a:solidFill>
+                  <a:srgbClr val="000000"/>
+                </a:solidFill>
+                <a:latin typeface="Consolas"/>
+              </a:rPr>
+              <a:t>, train);</a:t>
+            </a:r>
+          </a:p>
+          <a:p>
+            <a:pPr marL="0" indent="0">
+              <a:buNone/>
+            </a:pPr>
+            <a:r>
+              <a:rPr lang="ru-RU" dirty="0" smtClean="0">
+                <a:solidFill>
+                  <a:srgbClr val="000000"/>
+                </a:solidFill>
+                <a:latin typeface="Consolas"/>
+              </a:rPr>
+              <a:t>    </a:t>
+            </a:r>
+            <a:r>
+              <a:rPr lang="en-US" dirty="0" smtClean="0">
+                <a:solidFill>
+                  <a:srgbClr val="000000"/>
+                </a:solidFill>
+                <a:latin typeface="Consolas"/>
+              </a:rPr>
+              <a:t>}</a:t>
+            </a:r>
+            <a:endParaRPr lang="en-US" dirty="0">
+              <a:solidFill>
+                <a:srgbClr val="000000"/>
+              </a:solidFill>
+              <a:latin typeface="Consolas"/>
+            </a:endParaRPr>
+          </a:p>
+          <a:p>
+            <a:pPr marL="0" indent="0">
+              <a:buNone/>
+            </a:pPr>
+            <a:r>
+              <a:rPr lang="ru-RU" dirty="0" smtClean="0">
+                <a:solidFill>
+                  <a:srgbClr val="000000"/>
+                </a:solidFill>
+                <a:latin typeface="Consolas"/>
+              </a:rPr>
+              <a:t>    </a:t>
+            </a:r>
+            <a:r>
+              <a:rPr lang="en-US" dirty="0" err="1" smtClean="0">
+                <a:solidFill>
+                  <a:srgbClr val="000000"/>
+                </a:solidFill>
+                <a:latin typeface="Consolas"/>
+              </a:rPr>
+              <a:t>Console.WriteLine</a:t>
+            </a:r>
+            <a:r>
+              <a:rPr lang="en-US" dirty="0">
+                <a:solidFill>
+                  <a:srgbClr val="000000"/>
+                </a:solidFill>
+                <a:latin typeface="Consolas"/>
+              </a:rPr>
+              <a:t>();</a:t>
+            </a:r>
+          </a:p>
+          <a:p>
+            <a:pPr marL="0" indent="0">
+              <a:buNone/>
+            </a:pPr>
+            <a:r>
+              <a:rPr lang="ru-RU" dirty="0" smtClean="0">
+                <a:solidFill>
+                  <a:srgbClr val="008000"/>
+                </a:solidFill>
+                <a:latin typeface="Consolas"/>
+              </a:rPr>
+              <a:t>    </a:t>
+            </a:r>
+            <a:r>
+              <a:rPr lang="en-US" dirty="0" smtClean="0">
+                <a:solidFill>
+                  <a:srgbClr val="008000"/>
+                </a:solidFill>
+                <a:latin typeface="Consolas"/>
+              </a:rPr>
+              <a:t>// </a:t>
+            </a:r>
+            <a:r>
+              <a:rPr lang="ru-RU" dirty="0">
+                <a:solidFill>
+                  <a:srgbClr val="008000"/>
+                </a:solidFill>
+                <a:latin typeface="Consolas"/>
+              </a:rPr>
+              <a:t>Выполняем </a:t>
+            </a:r>
+            <a:r>
+              <a:rPr lang="ru-RU" dirty="0" smtClean="0">
+                <a:solidFill>
+                  <a:srgbClr val="008000"/>
+                </a:solidFill>
+                <a:latin typeface="Consolas"/>
+              </a:rPr>
+              <a:t>десериализацию</a:t>
+            </a:r>
+            <a:endParaRPr lang="en-US" dirty="0">
+              <a:solidFill>
+                <a:srgbClr val="000000"/>
+              </a:solidFill>
+              <a:latin typeface="Consolas"/>
+            </a:endParaRPr>
+          </a:p>
+          <a:p>
+            <a:pPr marL="0" indent="0">
+              <a:buNone/>
+            </a:pPr>
+            <a:r>
+              <a:rPr lang="ru-RU" dirty="0" smtClean="0">
+                <a:solidFill>
+                  <a:srgbClr val="0000FF"/>
+                </a:solidFill>
+                <a:latin typeface="Consolas"/>
+              </a:rPr>
+              <a:t>    </a:t>
+            </a:r>
+            <a:r>
+              <a:rPr lang="en-US" dirty="0" smtClean="0">
+                <a:solidFill>
+                  <a:srgbClr val="0000FF"/>
+                </a:solidFill>
+                <a:latin typeface="Consolas"/>
+              </a:rPr>
+              <a:t>using</a:t>
+            </a:r>
+            <a:r>
+              <a:rPr lang="en-US" dirty="0" smtClean="0">
+                <a:solidFill>
+                  <a:srgbClr val="000000"/>
+                </a:solidFill>
+                <a:latin typeface="Consolas"/>
+              </a:rPr>
+              <a:t> </a:t>
+            </a:r>
+            <a:r>
+              <a:rPr lang="en-US" dirty="0">
+                <a:solidFill>
+                  <a:srgbClr val="000000"/>
+                </a:solidFill>
+                <a:latin typeface="Consolas"/>
+              </a:rPr>
+              <a:t>(</a:t>
+            </a:r>
+            <a:r>
+              <a:rPr lang="en-US" dirty="0" err="1">
+                <a:solidFill>
+                  <a:srgbClr val="000000"/>
+                </a:solidFill>
+                <a:latin typeface="Consolas"/>
+              </a:rPr>
+              <a:t>FileStream</a:t>
+            </a:r>
+            <a:r>
+              <a:rPr lang="en-US" dirty="0">
+                <a:solidFill>
+                  <a:srgbClr val="000000"/>
+                </a:solidFill>
+                <a:latin typeface="Consolas"/>
+              </a:rPr>
+              <a:t> </a:t>
+            </a:r>
+            <a:r>
+              <a:rPr lang="en-US" dirty="0" err="1">
+                <a:solidFill>
+                  <a:srgbClr val="000000"/>
+                </a:solidFill>
+                <a:latin typeface="Consolas"/>
+              </a:rPr>
+              <a:t>fs</a:t>
+            </a:r>
+            <a:r>
+              <a:rPr lang="en-US" dirty="0">
+                <a:solidFill>
+                  <a:srgbClr val="000000"/>
+                </a:solidFill>
+                <a:latin typeface="Consolas"/>
+              </a:rPr>
+              <a:t> = </a:t>
+            </a:r>
+            <a:r>
+              <a:rPr lang="en-US" dirty="0" err="1">
+                <a:solidFill>
+                  <a:srgbClr val="000000"/>
+                </a:solidFill>
+                <a:latin typeface="Consolas"/>
+              </a:rPr>
+              <a:t>File.Open</a:t>
+            </a:r>
+            <a:r>
+              <a:rPr lang="en-US" dirty="0">
+                <a:solidFill>
+                  <a:srgbClr val="000000"/>
+                </a:solidFill>
+                <a:latin typeface="Consolas"/>
+              </a:rPr>
+              <a:t>(</a:t>
+            </a:r>
+            <a:r>
+              <a:rPr lang="en-US" dirty="0" err="1">
+                <a:solidFill>
+                  <a:srgbClr val="000000"/>
+                </a:solidFill>
+                <a:latin typeface="Consolas"/>
+              </a:rPr>
+              <a:t>tempFileName</a:t>
+            </a:r>
+            <a:r>
+              <a:rPr lang="en-US" dirty="0">
+                <a:solidFill>
+                  <a:srgbClr val="000000"/>
+                </a:solidFill>
+                <a:latin typeface="Consolas"/>
+              </a:rPr>
+              <a:t>, </a:t>
+            </a:r>
+            <a:r>
+              <a:rPr lang="en-US" dirty="0" err="1">
+                <a:solidFill>
+                  <a:srgbClr val="000000"/>
+                </a:solidFill>
+                <a:latin typeface="Consolas"/>
+              </a:rPr>
+              <a:t>FileMode.Open</a:t>
+            </a:r>
+            <a:r>
+              <a:rPr lang="en-US" dirty="0">
+                <a:solidFill>
+                  <a:srgbClr val="000000"/>
+                </a:solidFill>
+                <a:latin typeface="Consolas"/>
+              </a:rPr>
+              <a:t>))</a:t>
+            </a:r>
+          </a:p>
+          <a:p>
+            <a:pPr marL="0" indent="0">
+              <a:buNone/>
+            </a:pPr>
+            <a:r>
+              <a:rPr lang="ru-RU" dirty="0" smtClean="0">
+                <a:solidFill>
+                  <a:srgbClr val="000000"/>
+                </a:solidFill>
+                <a:latin typeface="Consolas"/>
+              </a:rPr>
+              <a:t>    </a:t>
+            </a:r>
+            <a:r>
+              <a:rPr lang="en-US" dirty="0" smtClean="0">
+                <a:solidFill>
+                  <a:srgbClr val="000000"/>
+                </a:solidFill>
+                <a:latin typeface="Consolas"/>
+              </a:rPr>
+              <a:t>{</a:t>
+            </a:r>
+            <a:endParaRPr lang="en-US" dirty="0">
+              <a:solidFill>
+                <a:srgbClr val="000000"/>
+              </a:solidFill>
+              <a:latin typeface="Consolas"/>
+            </a:endParaRPr>
+          </a:p>
+          <a:p>
+            <a:pPr marL="0" indent="0">
+              <a:buNone/>
+            </a:pPr>
+            <a:r>
+              <a:rPr lang="ru-RU" dirty="0" smtClean="0">
+                <a:solidFill>
+                  <a:srgbClr val="000000"/>
+                </a:solidFill>
+                <a:latin typeface="Consolas"/>
+              </a:rPr>
+              <a:t>        </a:t>
+            </a:r>
+            <a:r>
+              <a:rPr lang="en-US" dirty="0" smtClean="0">
+                <a:solidFill>
+                  <a:srgbClr val="000000"/>
+                </a:solidFill>
+                <a:latin typeface="Consolas"/>
+              </a:rPr>
+              <a:t>Train </a:t>
+            </a:r>
+            <a:r>
+              <a:rPr lang="en-US" dirty="0" err="1">
+                <a:solidFill>
+                  <a:srgbClr val="000000"/>
+                </a:solidFill>
+                <a:latin typeface="Consolas"/>
+              </a:rPr>
+              <a:t>someTrain</a:t>
+            </a:r>
+            <a:r>
+              <a:rPr lang="en-US" dirty="0">
+                <a:solidFill>
+                  <a:srgbClr val="000000"/>
+                </a:solidFill>
+                <a:latin typeface="Consolas"/>
+              </a:rPr>
+              <a:t> = (Train)</a:t>
+            </a:r>
+            <a:r>
+              <a:rPr lang="en-US" dirty="0" err="1">
+                <a:solidFill>
+                  <a:srgbClr val="000000"/>
+                </a:solidFill>
+                <a:latin typeface="Consolas"/>
+              </a:rPr>
+              <a:t>bf.Deserialize</a:t>
+            </a:r>
+            <a:r>
+              <a:rPr lang="en-US" dirty="0">
+                <a:solidFill>
+                  <a:srgbClr val="000000"/>
+                </a:solidFill>
+                <a:latin typeface="Consolas"/>
+              </a:rPr>
+              <a:t>(</a:t>
+            </a:r>
+            <a:r>
+              <a:rPr lang="en-US" dirty="0" err="1">
+                <a:solidFill>
+                  <a:srgbClr val="000000"/>
+                </a:solidFill>
+                <a:latin typeface="Consolas"/>
+              </a:rPr>
+              <a:t>fs</a:t>
+            </a:r>
+            <a:r>
+              <a:rPr lang="en-US" dirty="0">
+                <a:solidFill>
+                  <a:srgbClr val="000000"/>
+                </a:solidFill>
+                <a:latin typeface="Consolas"/>
+              </a:rPr>
+              <a:t>);</a:t>
+            </a:r>
+          </a:p>
+          <a:p>
+            <a:pPr marL="0" indent="0">
+              <a:buNone/>
+            </a:pPr>
+            <a:r>
+              <a:rPr lang="ru-RU" dirty="0" smtClean="0">
+                <a:solidFill>
+                  <a:srgbClr val="000000"/>
+                </a:solidFill>
+                <a:latin typeface="Consolas"/>
+              </a:rPr>
+              <a:t>        </a:t>
+            </a:r>
+            <a:r>
+              <a:rPr lang="en-US" dirty="0" err="1" smtClean="0">
+                <a:solidFill>
+                  <a:srgbClr val="000000"/>
+                </a:solidFill>
+                <a:latin typeface="Consolas"/>
+              </a:rPr>
+              <a:t>someTrain.Print</a:t>
+            </a:r>
+            <a:r>
+              <a:rPr lang="en-US" dirty="0">
+                <a:solidFill>
+                  <a:srgbClr val="000000"/>
+                </a:solidFill>
+                <a:latin typeface="Consolas"/>
+              </a:rPr>
+              <a:t>();</a:t>
+            </a:r>
+          </a:p>
+          <a:p>
+            <a:pPr marL="0" indent="0">
+              <a:buNone/>
+            </a:pPr>
+            <a:r>
+              <a:rPr lang="ru-RU" dirty="0" smtClean="0">
+                <a:solidFill>
+                  <a:srgbClr val="000000"/>
+                </a:solidFill>
+                <a:latin typeface="Consolas"/>
+              </a:rPr>
+              <a:t>    </a:t>
+            </a:r>
+            <a:r>
+              <a:rPr lang="en-US" dirty="0" smtClean="0">
+                <a:solidFill>
+                  <a:srgbClr val="000000"/>
+                </a:solidFill>
+                <a:latin typeface="Consolas"/>
+              </a:rPr>
+              <a:t>}</a:t>
+            </a:r>
+            <a:endParaRPr lang="en-US" dirty="0">
+              <a:solidFill>
+                <a:srgbClr val="000000"/>
+              </a:solidFill>
+              <a:latin typeface="Consolas"/>
+            </a:endParaRPr>
+          </a:p>
+          <a:p>
+            <a:pPr marL="0" indent="0">
+              <a:buNone/>
+            </a:pPr>
+            <a:r>
+              <a:rPr lang="ru-RU" dirty="0" smtClean="0">
+                <a:solidFill>
+                  <a:srgbClr val="008000"/>
+                </a:solidFill>
+                <a:latin typeface="Consolas"/>
+              </a:rPr>
+              <a:t>    </a:t>
+            </a:r>
+            <a:r>
+              <a:rPr lang="en-US" dirty="0" smtClean="0">
+                <a:solidFill>
+                  <a:srgbClr val="008000"/>
+                </a:solidFill>
+                <a:latin typeface="Consolas"/>
+              </a:rPr>
+              <a:t>// </a:t>
+            </a:r>
+            <a:r>
+              <a:rPr lang="ru-RU" dirty="0">
+                <a:solidFill>
+                  <a:srgbClr val="008000"/>
+                </a:solidFill>
+                <a:latin typeface="Consolas"/>
+              </a:rPr>
+              <a:t>Удаляем ненужный временный </a:t>
+            </a:r>
+            <a:r>
+              <a:rPr lang="ru-RU" dirty="0" smtClean="0">
+                <a:solidFill>
+                  <a:srgbClr val="008000"/>
+                </a:solidFill>
+                <a:latin typeface="Consolas"/>
+              </a:rPr>
+              <a:t>файл. В настоящем приложении файл может еще понадобиться.</a:t>
+            </a:r>
+            <a:endParaRPr lang="en-US" dirty="0">
+              <a:solidFill>
+                <a:srgbClr val="000000"/>
+              </a:solidFill>
+              <a:latin typeface="Consolas"/>
+            </a:endParaRPr>
+          </a:p>
+          <a:p>
+            <a:pPr marL="0" indent="0">
+              <a:buNone/>
+            </a:pPr>
+            <a:r>
+              <a:rPr lang="ru-RU" dirty="0" smtClean="0">
+                <a:solidFill>
+                  <a:srgbClr val="000000"/>
+                </a:solidFill>
+                <a:latin typeface="Consolas"/>
+              </a:rPr>
+              <a:t>    </a:t>
+            </a:r>
+            <a:r>
+              <a:rPr lang="en-US" dirty="0" err="1" smtClean="0">
+                <a:solidFill>
+                  <a:srgbClr val="000000"/>
+                </a:solidFill>
+                <a:latin typeface="Consolas"/>
+              </a:rPr>
+              <a:t>File.Delete</a:t>
+            </a:r>
+            <a:r>
+              <a:rPr lang="en-US" dirty="0" smtClean="0">
+                <a:solidFill>
+                  <a:srgbClr val="000000"/>
+                </a:solidFill>
+                <a:latin typeface="Consolas"/>
+              </a:rPr>
+              <a:t>(</a:t>
+            </a:r>
+            <a:r>
+              <a:rPr lang="en-US" dirty="0" err="1" smtClean="0">
+                <a:solidFill>
+                  <a:srgbClr val="000000"/>
+                </a:solidFill>
+                <a:latin typeface="Consolas"/>
+              </a:rPr>
+              <a:t>tempFileName</a:t>
+            </a:r>
+            <a:r>
+              <a:rPr lang="en-US" dirty="0" smtClean="0">
+                <a:solidFill>
+                  <a:srgbClr val="000000"/>
+                </a:solidFill>
+                <a:latin typeface="Consolas"/>
+              </a:rPr>
+              <a:t>);</a:t>
+            </a:r>
+            <a:r>
+              <a:rPr lang="ru-RU" dirty="0" smtClean="0">
+                <a:solidFill>
+                  <a:srgbClr val="000000"/>
+                </a:solidFill>
+                <a:latin typeface="Consolas"/>
+              </a:rPr>
+              <a:t> </a:t>
+            </a:r>
+            <a:endParaRPr lang="en-US" dirty="0">
+              <a:solidFill>
+                <a:srgbClr val="000000"/>
+              </a:solidFill>
+              <a:latin typeface="Consolas"/>
+            </a:endParaRPr>
+          </a:p>
+          <a:p>
+            <a:pPr marL="0" indent="0">
+              <a:buNone/>
+            </a:pPr>
+            <a:r>
+              <a:rPr lang="en-US" dirty="0">
+                <a:solidFill>
+                  <a:srgbClr val="000000"/>
+                </a:solidFill>
+                <a:latin typeface="Consolas"/>
+              </a:rPr>
+              <a:t>}</a:t>
+            </a:r>
+            <a:endParaRPr lang="en-US" dirty="0"/>
+          </a:p>
+        </p:txBody>
+      </p:sp>
+    </p:spTree>
+    <p:extLst>
+      <p:ext uri="{BB962C8B-B14F-4D97-AF65-F5344CB8AC3E}">
+        <p14:creationId xmlns:p14="http://schemas.microsoft.com/office/powerpoint/2010/main" val="848852780"/>
+      </p:ext>
+    </p:extLst>
+  </p:cSld>
+  <p:clrMapOvr>
+    <a:masterClrMapping/>
+  </p:clrMapOvr>
+  <p:timing>
+    <p:tnLst>
+      <p:par>
+        <p:cTn id="1" dur="indefinite" restart="never" nodeType="tmRoot"/>
+      </p:par>
+    </p:tnLst>
+  </p:timing>
+</p:sld>
+</file>
+
+<file path=ppt/slides/slide28.xml><?xml version="1.0" encoding="utf-8"?>
+<p:sld xmlns:a="http://schemas.openxmlformats.org/drawingml/2006/main" xmlns:r="http://schemas.openxmlformats.org/officeDocument/2006/relationships" xmlns:p="http://schemas.openxmlformats.org/presentationml/2006/main">
+  <p:cSld>
+    <p:bg>
+      <p:bgPr>
+        <a:blipFill dpi="0" rotWithShape="1">
+          <a:blip r:embed="rId2">
+            <a:lum/>
+          </a:blip>
+          <a:srcRect/>
+          <a:stretch>
+            <a:fillRect/>
+          </a:stretch>
+        </a:blipFill>
+        <a:effectLst/>
+      </p:bgPr>
+    </p:bg>
+    <p:spTree>
+      <p:nvGrpSpPr>
+        <p:cNvPr id="1" name=""/>
+        <p:cNvGrpSpPr/>
+        <p:nvPr/>
+      </p:nvGrpSpPr>
+      <p:grpSpPr>
+        <a:xfrm>
+          <a:off x="0" y="0"/>
+          <a:ext cx="0" cy="0"/>
+          <a:chOff x="0" y="0"/>
+          <a:chExt cx="0" cy="0"/>
+        </a:xfrm>
+      </p:grpSpPr>
+      <p:sp>
+        <p:nvSpPr>
+          <p:cNvPr id="2" name="Title 1"/>
+          <p:cNvSpPr>
+            <a:spLocks noGrp="1"/>
+          </p:cNvSpPr>
+          <p:nvPr>
+            <p:ph type="title"/>
+          </p:nvPr>
+        </p:nvSpPr>
+        <p:spPr>
+          <a:xfrm>
+            <a:off x="457200" y="188640"/>
+            <a:ext cx="8229600" cy="720080"/>
+          </a:xfrm>
+        </p:spPr>
+        <p:txBody>
+          <a:bodyPr>
+            <a:normAutofit/>
+          </a:bodyPr>
+          <a:lstStyle/>
+          <a:p>
+            <a:r>
               <a:rPr lang="en-US" sz="2000" dirty="0" smtClean="0"/>
               <a:t>XML</a:t>
             </a:r>
@@ -25125,7 +25536,7 @@
 </p:sld>
 </file>
 
-<file path=ppt/slides/slide28.xml><?xml version="1.0" encoding="utf-8"?>
+<file path=ppt/slides/slide29.xml><?xml version="1.0" encoding="utf-8"?>
 <p:sld xmlns:a="http://schemas.openxmlformats.org/drawingml/2006/main" xmlns:r="http://schemas.openxmlformats.org/officeDocument/2006/relationships" xmlns:p="http://schemas.openxmlformats.org/presentationml/2006/main">
   <p:cSld>
     <p:bg>

--- a/Presentation/lesson-04-io.pptx
+++ b/Presentation/lesson-04-io.pptx
@@ -21,20 +21,19 @@
     <p:sldId id="262" r:id="rId15"/>
     <p:sldId id="283" r:id="rId16"/>
     <p:sldId id="263" r:id="rId17"/>
-    <p:sldId id="291" r:id="rId18"/>
-    <p:sldId id="275" r:id="rId19"/>
-    <p:sldId id="264" r:id="rId20"/>
-    <p:sldId id="288" r:id="rId21"/>
-    <p:sldId id="289" r:id="rId22"/>
-    <p:sldId id="265" r:id="rId23"/>
-    <p:sldId id="266" r:id="rId24"/>
-    <p:sldId id="267" r:id="rId25"/>
-    <p:sldId id="268" r:id="rId26"/>
-    <p:sldId id="287" r:id="rId27"/>
-    <p:sldId id="278" r:id="rId28"/>
-    <p:sldId id="279" r:id="rId29"/>
-    <p:sldId id="280" r:id="rId30"/>
-    <p:sldId id="271" r:id="rId31"/>
+    <p:sldId id="275" r:id="rId18"/>
+    <p:sldId id="264" r:id="rId19"/>
+    <p:sldId id="288" r:id="rId20"/>
+    <p:sldId id="289" r:id="rId21"/>
+    <p:sldId id="265" r:id="rId22"/>
+    <p:sldId id="266" r:id="rId23"/>
+    <p:sldId id="267" r:id="rId24"/>
+    <p:sldId id="268" r:id="rId25"/>
+    <p:sldId id="287" r:id="rId26"/>
+    <p:sldId id="278" r:id="rId27"/>
+    <p:sldId id="279" r:id="rId28"/>
+    <p:sldId id="280" r:id="rId29"/>
+    <p:sldId id="271" r:id="rId30"/>
   </p:sldIdLst>
   <p:sldSz cx="9144000" cy="6858000" type="screen4x3"/>
   <p:notesSz cx="6858000" cy="9144000"/>
@@ -317,7 +316,8 @@
           <a:p>
             <a:fld id="{FAECF776-F836-4CCD-9497-99E5597B8B5D}" type="datetimeFigureOut">
               <a:rPr lang="en-US" smtClean="0"/>
-              <a:t>11/7/2013</a:t>
+              <a:pPr/>
+              <a:t>11/9/2013</a:t>
             </a:fld>
             <a:endParaRPr lang="en-US"/>
           </a:p>
@@ -359,6 +359,7 @@
           <a:p>
             <a:fld id="{1D5D0CD0-1042-4BF2-A1CE-64E2CC09D32B}" type="slidenum">
               <a:rPr lang="en-US" smtClean="0"/>
+              <a:pPr/>
               <a:t>‹#›</a:t>
             </a:fld>
             <a:endParaRPr lang="en-US"/>
@@ -487,7 +488,8 @@
           <a:p>
             <a:fld id="{FAECF776-F836-4CCD-9497-99E5597B8B5D}" type="datetimeFigureOut">
               <a:rPr lang="en-US" smtClean="0"/>
-              <a:t>11/7/2013</a:t>
+              <a:pPr/>
+              <a:t>11/9/2013</a:t>
             </a:fld>
             <a:endParaRPr lang="en-US"/>
           </a:p>
@@ -529,6 +531,7 @@
           <a:p>
             <a:fld id="{1D5D0CD0-1042-4BF2-A1CE-64E2CC09D32B}" type="slidenum">
               <a:rPr lang="en-US" smtClean="0"/>
+              <a:pPr/>
               <a:t>‹#›</a:t>
             </a:fld>
             <a:endParaRPr lang="en-US"/>
@@ -667,7 +670,8 @@
           <a:p>
             <a:fld id="{FAECF776-F836-4CCD-9497-99E5597B8B5D}" type="datetimeFigureOut">
               <a:rPr lang="en-US" smtClean="0"/>
-              <a:t>11/7/2013</a:t>
+              <a:pPr/>
+              <a:t>11/9/2013</a:t>
             </a:fld>
             <a:endParaRPr lang="en-US"/>
           </a:p>
@@ -709,6 +713,7 @@
           <a:p>
             <a:fld id="{1D5D0CD0-1042-4BF2-A1CE-64E2CC09D32B}" type="slidenum">
               <a:rPr lang="en-US" smtClean="0"/>
+              <a:pPr/>
               <a:t>‹#›</a:t>
             </a:fld>
             <a:endParaRPr lang="en-US"/>
@@ -916,7 +921,7 @@
                 </a:solidFill>
               </a:rPr>
               <a:pPr/>
-              <a:t>11/7/2013</a:t>
+              <a:t>11/9/2013</a:t>
             </a:fld>
             <a:endParaRPr lang="en-US">
               <a:solidFill>
@@ -1118,7 +1123,7 @@
                 </a:solidFill>
               </a:rPr>
               <a:pPr/>
-              <a:t>11/7/2013</a:t>
+              <a:t>11/9/2013</a:t>
             </a:fld>
             <a:endParaRPr lang="en-US">
               <a:solidFill>
@@ -1396,7 +1401,7 @@
                 </a:solidFill>
               </a:rPr>
               <a:pPr/>
-              <a:t>11/7/2013</a:t>
+              <a:t>11/9/2013</a:t>
             </a:fld>
             <a:endParaRPr lang="en-US">
               <a:solidFill>
@@ -1716,7 +1721,7 @@
                 </a:solidFill>
               </a:rPr>
               <a:pPr/>
-              <a:t>11/7/2013</a:t>
+              <a:t>11/9/2013</a:t>
             </a:fld>
             <a:endParaRPr lang="en-US">
               <a:solidFill>
@@ -2170,7 +2175,7 @@
                 </a:solidFill>
               </a:rPr>
               <a:pPr/>
-              <a:t>11/7/2013</a:t>
+              <a:t>11/9/2013</a:t>
             </a:fld>
             <a:endParaRPr lang="en-US">
               <a:solidFill>
@@ -2320,7 +2325,7 @@
                 </a:solidFill>
               </a:rPr>
               <a:pPr/>
-              <a:t>11/7/2013</a:t>
+              <a:t>11/9/2013</a:t>
             </a:fld>
             <a:endParaRPr lang="en-US">
               <a:solidFill>
@@ -2447,7 +2452,7 @@
                 </a:solidFill>
               </a:rPr>
               <a:pPr/>
-              <a:t>11/7/2013</a:t>
+              <a:t>11/9/2013</a:t>
             </a:fld>
             <a:endParaRPr lang="en-US">
               <a:solidFill>
@@ -2756,7 +2761,7 @@
                 </a:solidFill>
               </a:rPr>
               <a:pPr/>
-              <a:t>11/7/2013</a:t>
+              <a:t>11/9/2013</a:t>
             </a:fld>
             <a:endParaRPr lang="en-US">
               <a:solidFill>
@@ -2951,7 +2956,8 @@
           <a:p>
             <a:fld id="{FAECF776-F836-4CCD-9497-99E5597B8B5D}" type="datetimeFigureOut">
               <a:rPr lang="en-US" smtClean="0"/>
-              <a:t>11/7/2013</a:t>
+              <a:pPr/>
+              <a:t>11/9/2013</a:t>
             </a:fld>
             <a:endParaRPr lang="en-US"/>
           </a:p>
@@ -2993,6 +2999,7 @@
           <a:p>
             <a:fld id="{1D5D0CD0-1042-4BF2-A1CE-64E2CC09D32B}" type="slidenum">
               <a:rPr lang="en-US" smtClean="0"/>
+              <a:pPr/>
               <a:t>‹#›</a:t>
             </a:fld>
             <a:endParaRPr lang="en-US"/>
@@ -3211,7 +3218,7 @@
                 </a:solidFill>
               </a:rPr>
               <a:pPr/>
-              <a:t>11/7/2013</a:t>
+              <a:t>11/9/2013</a:t>
             </a:fld>
             <a:endParaRPr lang="en-US">
               <a:solidFill>
@@ -3413,7 +3420,7 @@
                 </a:solidFill>
               </a:rPr>
               <a:pPr/>
-              <a:t>11/7/2013</a:t>
+              <a:t>11/9/2013</a:t>
             </a:fld>
             <a:endParaRPr lang="en-US">
               <a:solidFill>
@@ -3625,7 +3632,7 @@
                 </a:solidFill>
               </a:rPr>
               <a:pPr/>
-              <a:t>11/7/2013</a:t>
+              <a:t>11/9/2013</a:t>
             </a:fld>
             <a:endParaRPr lang="en-US">
               <a:solidFill>
@@ -3896,7 +3903,8 @@
           <a:p>
             <a:fld id="{FAECF776-F836-4CCD-9497-99E5597B8B5D}" type="datetimeFigureOut">
               <a:rPr lang="en-US" smtClean="0"/>
-              <a:t>11/7/2013</a:t>
+              <a:pPr/>
+              <a:t>11/9/2013</a:t>
             </a:fld>
             <a:endParaRPr lang="en-US"/>
           </a:p>
@@ -3938,6 +3946,7 @@
           <a:p>
             <a:fld id="{1D5D0CD0-1042-4BF2-A1CE-64E2CC09D32B}" type="slidenum">
               <a:rPr lang="en-US" smtClean="0"/>
+              <a:pPr/>
               <a:t>‹#›</a:t>
             </a:fld>
             <a:endParaRPr lang="en-US"/>
@@ -4184,7 +4193,8 @@
           <a:p>
             <a:fld id="{FAECF776-F836-4CCD-9497-99E5597B8B5D}" type="datetimeFigureOut">
               <a:rPr lang="en-US" smtClean="0"/>
-              <a:t>11/7/2013</a:t>
+              <a:pPr/>
+              <a:t>11/9/2013</a:t>
             </a:fld>
             <a:endParaRPr lang="en-US"/>
           </a:p>
@@ -4226,6 +4236,7 @@
           <a:p>
             <a:fld id="{1D5D0CD0-1042-4BF2-A1CE-64E2CC09D32B}" type="slidenum">
               <a:rPr lang="en-US" smtClean="0"/>
+              <a:pPr/>
               <a:t>‹#›</a:t>
             </a:fld>
             <a:endParaRPr lang="en-US"/>
@@ -4606,7 +4617,8 @@
           <a:p>
             <a:fld id="{FAECF776-F836-4CCD-9497-99E5597B8B5D}" type="datetimeFigureOut">
               <a:rPr lang="en-US" smtClean="0"/>
-              <a:t>11/7/2013</a:t>
+              <a:pPr/>
+              <a:t>11/9/2013</a:t>
             </a:fld>
             <a:endParaRPr lang="en-US"/>
           </a:p>
@@ -4648,6 +4660,7 @@
           <a:p>
             <a:fld id="{1D5D0CD0-1042-4BF2-A1CE-64E2CC09D32B}" type="slidenum">
               <a:rPr lang="en-US" smtClean="0"/>
+              <a:pPr/>
               <a:t>‹#›</a:t>
             </a:fld>
             <a:endParaRPr lang="en-US"/>
@@ -4724,7 +4737,8 @@
           <a:p>
             <a:fld id="{FAECF776-F836-4CCD-9497-99E5597B8B5D}" type="datetimeFigureOut">
               <a:rPr lang="en-US" smtClean="0"/>
-              <a:t>11/7/2013</a:t>
+              <a:pPr/>
+              <a:t>11/9/2013</a:t>
             </a:fld>
             <a:endParaRPr lang="en-US"/>
           </a:p>
@@ -4766,6 +4780,7 @@
           <a:p>
             <a:fld id="{1D5D0CD0-1042-4BF2-A1CE-64E2CC09D32B}" type="slidenum">
               <a:rPr lang="en-US" smtClean="0"/>
+              <a:pPr/>
               <a:t>‹#›</a:t>
             </a:fld>
             <a:endParaRPr lang="en-US"/>
@@ -4819,7 +4834,8 @@
           <a:p>
             <a:fld id="{FAECF776-F836-4CCD-9497-99E5597B8B5D}" type="datetimeFigureOut">
               <a:rPr lang="en-US" smtClean="0"/>
-              <a:t>11/7/2013</a:t>
+              <a:pPr/>
+              <a:t>11/9/2013</a:t>
             </a:fld>
             <a:endParaRPr lang="en-US"/>
           </a:p>
@@ -4861,6 +4877,7 @@
           <a:p>
             <a:fld id="{1D5D0CD0-1042-4BF2-A1CE-64E2CC09D32B}" type="slidenum">
               <a:rPr lang="en-US" smtClean="0"/>
+              <a:pPr/>
               <a:t>‹#›</a:t>
             </a:fld>
             <a:endParaRPr lang="en-US"/>
@@ -5096,7 +5113,8 @@
           <a:p>
             <a:fld id="{FAECF776-F836-4CCD-9497-99E5597B8B5D}" type="datetimeFigureOut">
               <a:rPr lang="en-US" smtClean="0"/>
-              <a:t>11/7/2013</a:t>
+              <a:pPr/>
+              <a:t>11/9/2013</a:t>
             </a:fld>
             <a:endParaRPr lang="en-US"/>
           </a:p>
@@ -5138,6 +5156,7 @@
           <a:p>
             <a:fld id="{1D5D0CD0-1042-4BF2-A1CE-64E2CC09D32B}" type="slidenum">
               <a:rPr lang="en-US" smtClean="0"/>
+              <a:pPr/>
               <a:t>‹#›</a:t>
             </a:fld>
             <a:endParaRPr lang="en-US"/>
@@ -5349,7 +5368,8 @@
           <a:p>
             <a:fld id="{FAECF776-F836-4CCD-9497-99E5597B8B5D}" type="datetimeFigureOut">
               <a:rPr lang="en-US" smtClean="0"/>
-              <a:t>11/7/2013</a:t>
+              <a:pPr/>
+              <a:t>11/9/2013</a:t>
             </a:fld>
             <a:endParaRPr lang="en-US"/>
           </a:p>
@@ -5391,6 +5411,7 @@
           <a:p>
             <a:fld id="{1D5D0CD0-1042-4BF2-A1CE-64E2CC09D32B}" type="slidenum">
               <a:rPr lang="en-US" smtClean="0"/>
+              <a:pPr/>
               <a:t>‹#›</a:t>
             </a:fld>
             <a:endParaRPr lang="en-US"/>
@@ -5571,7 +5592,8 @@
           <a:p>
             <a:fld id="{FAECF776-F836-4CCD-9497-99E5597B8B5D}" type="datetimeFigureOut">
               <a:rPr lang="en-US" smtClean="0"/>
-              <a:t>11/7/2013</a:t>
+              <a:pPr/>
+              <a:t>11/9/2013</a:t>
             </a:fld>
             <a:endParaRPr lang="en-US"/>
           </a:p>
@@ -5649,6 +5671,7 @@
           <a:p>
             <a:fld id="{1D5D0CD0-1042-4BF2-A1CE-64E2CC09D32B}" type="slidenum">
               <a:rPr lang="en-US" smtClean="0"/>
+              <a:pPr/>
               <a:t>‹#›</a:t>
             </a:fld>
             <a:endParaRPr lang="en-US"/>
@@ -6088,7 +6111,7 @@
                 </a:solidFill>
               </a:rPr>
               <a:pPr/>
-              <a:t>11/7/2013</a:t>
+              <a:t>11/9/2013</a:t>
             </a:fld>
             <a:endParaRPr lang="en-US">
               <a:solidFill>
@@ -8188,7 +8211,18 @@
                 <a:ea typeface="Calibri" pitchFamily="34" charset="0"/>
                 <a:cs typeface="Courier New" pitchFamily="49" charset="0"/>
               </a:rPr>
-              <a:t>            if (dir.Exists == false)</a:t>
+              <a:t>            if </a:t>
+            </a:r>
+            <a:r>
+              <a:rPr lang="be-BY" sz="1000" dirty="0" smtClean="0">
+                <a:solidFill>
+                  <a:schemeClr val="bg1"/>
+                </a:solidFill>
+                <a:latin typeface="Courier New" pitchFamily="49" charset="0"/>
+                <a:ea typeface="Calibri" pitchFamily="34" charset="0"/>
+                <a:cs typeface="Courier New" pitchFamily="49" charset="0"/>
+              </a:rPr>
+              <a:t>(!dir.Exists)</a:t>
             </a:r>
             <a:endParaRPr lang="be-BY" sz="900" dirty="0">
               <a:solidFill>
@@ -9535,7 +9569,7 @@
         <p:spPr/>
         <p:txBody>
           <a:bodyPr>
-            <a:normAutofit fontScale="85000" lnSpcReduction="20000"/>
+            <a:normAutofit fontScale="62500" lnSpcReduction="20000"/>
           </a:bodyPr>
           <a:lstStyle/>
           <a:p>
@@ -9712,6 +9746,136 @@
               <a:rPr lang="en-US" dirty="0" smtClean="0"/>
               <a:t> </a:t>
             </a:r>
+            <a:endParaRPr lang="en-US" dirty="0" smtClean="0"/>
+          </a:p>
+          <a:p>
+            <a:pPr marL="0" indent="0">
+              <a:buNone/>
+            </a:pPr>
+            <a:endParaRPr lang="ru-RU" dirty="0" smtClean="0">
+              <a:solidFill>
+                <a:schemeClr val="bg1"/>
+              </a:solidFill>
+            </a:endParaRPr>
+          </a:p>
+          <a:p>
+            <a:pPr marL="0" indent="0">
+              <a:buNone/>
+            </a:pPr>
+            <a:r>
+              <a:rPr lang="ru-RU" dirty="0" smtClean="0">
+                <a:solidFill>
+                  <a:schemeClr val="bg1"/>
+                </a:solidFill>
+              </a:rPr>
+              <a:t>Примеры шаблонов:</a:t>
+            </a:r>
+          </a:p>
+          <a:p>
+            <a:r>
+              <a:rPr lang="en-US" dirty="0">
+                <a:solidFill>
+                  <a:schemeClr val="bg1"/>
+                </a:solidFill>
+              </a:rPr>
+              <a:t>*.* </a:t>
+            </a:r>
+            <a:r>
+              <a:rPr lang="ru-RU" dirty="0" smtClean="0">
+                <a:solidFill>
+                  <a:schemeClr val="bg1"/>
+                </a:solidFill>
+              </a:rPr>
+              <a:t>- любой </a:t>
+            </a:r>
+            <a:r>
+              <a:rPr lang="ru-RU" dirty="0">
+                <a:solidFill>
+                  <a:schemeClr val="bg1"/>
+                </a:solidFill>
+              </a:rPr>
+              <a:t>файл с любым расширением </a:t>
+            </a:r>
+            <a:endParaRPr lang="ru-RU" dirty="0" smtClean="0">
+              <a:solidFill>
+                <a:schemeClr val="bg1"/>
+              </a:solidFill>
+            </a:endParaRPr>
+          </a:p>
+          <a:p>
+            <a:r>
+              <a:rPr lang="en-US" dirty="0" smtClean="0">
+                <a:solidFill>
+                  <a:schemeClr val="bg1"/>
+                </a:solidFill>
+              </a:rPr>
+              <a:t>*.txt </a:t>
+            </a:r>
+            <a:r>
+              <a:rPr lang="ru-RU" dirty="0" smtClean="0">
+                <a:solidFill>
+                  <a:schemeClr val="bg1"/>
+                </a:solidFill>
+              </a:rPr>
+              <a:t>- все файлы с расширением </a:t>
+            </a:r>
+            <a:r>
+              <a:rPr lang="en-US" dirty="0" smtClean="0">
+                <a:solidFill>
+                  <a:schemeClr val="bg1"/>
+                </a:solidFill>
+              </a:rPr>
+              <a:t>txt</a:t>
+            </a:r>
+            <a:endParaRPr lang="ru-RU" dirty="0" smtClean="0">
+              <a:solidFill>
+                <a:schemeClr val="bg1"/>
+              </a:solidFill>
+            </a:endParaRPr>
+          </a:p>
+          <a:p>
+            <a:r>
+              <a:rPr lang="en-US" dirty="0" smtClean="0">
+                <a:solidFill>
+                  <a:schemeClr val="bg1"/>
+                </a:solidFill>
+              </a:rPr>
+              <a:t>???.jpg </a:t>
+            </a:r>
+            <a:r>
+              <a:rPr lang="ru-RU" dirty="0" smtClean="0">
+                <a:solidFill>
+                  <a:schemeClr val="bg1"/>
+                </a:solidFill>
+              </a:rPr>
+              <a:t>– файл с </a:t>
+            </a:r>
+            <a:r>
+              <a:rPr lang="ru-RU" dirty="0">
+                <a:solidFill>
+                  <a:schemeClr val="bg1"/>
+                </a:solidFill>
+              </a:rPr>
+              <a:t>именем </a:t>
+            </a:r>
+            <a:r>
+              <a:rPr lang="ru-RU" dirty="0" smtClean="0">
+                <a:solidFill>
+                  <a:schemeClr val="bg1"/>
+                </a:solidFill>
+              </a:rPr>
+              <a:t>из трех символов и расширением </a:t>
+            </a:r>
+            <a:r>
+              <a:rPr lang="en-US" dirty="0" smtClean="0">
+                <a:solidFill>
+                  <a:schemeClr val="bg1"/>
+                </a:solidFill>
+              </a:rPr>
+              <a:t>jpg</a:t>
+            </a:r>
+          </a:p>
+          <a:p>
             <a:endParaRPr lang="ru-RU" dirty="0">
               <a:solidFill>
                 <a:schemeClr val="bg1"/>
@@ -10973,416 +11137,6 @@
 <file path=ppt/slides/slide16.xml><?xml version="1.0" encoding="utf-8"?>
 <p:sld xmlns:a="http://schemas.openxmlformats.org/drawingml/2006/main" xmlns:r="http://schemas.openxmlformats.org/officeDocument/2006/relationships" xmlns:p="http://schemas.openxmlformats.org/presentationml/2006/main">
   <p:cSld>
-    <p:spTree>
-      <p:nvGrpSpPr>
-        <p:cNvPr id="1" name=""/>
-        <p:cNvGrpSpPr/>
-        <p:nvPr/>
-      </p:nvGrpSpPr>
-      <p:grpSpPr>
-        <a:xfrm>
-          <a:off x="0" y="0"/>
-          <a:ext cx="0" cy="0"/>
-          <a:chOff x="0" y="0"/>
-          <a:chExt cx="0" cy="0"/>
-        </a:xfrm>
-      </p:grpSpPr>
-      <p:sp>
-        <p:nvSpPr>
-          <p:cNvPr id="2" name="Title 1"/>
-          <p:cNvSpPr>
-            <a:spLocks noGrp="1"/>
-          </p:cNvSpPr>
-          <p:nvPr>
-            <p:ph type="title"/>
-          </p:nvPr>
-        </p:nvSpPr>
-        <p:spPr/>
-        <p:txBody>
-          <a:bodyPr/>
-          <a:lstStyle/>
-          <a:p>
-            <a:r>
-              <a:rPr lang="ru-RU" dirty="0" smtClean="0">
-                <a:solidFill>
-                  <a:schemeClr val="bg1"/>
-                </a:solidFill>
-              </a:rPr>
-              <a:t>Переменные окружения</a:t>
-            </a:r>
-            <a:endParaRPr lang="en-US" dirty="0">
-              <a:solidFill>
-                <a:schemeClr val="bg1"/>
-              </a:solidFill>
-            </a:endParaRPr>
-          </a:p>
-        </p:txBody>
-      </p:sp>
-      <p:sp>
-        <p:nvSpPr>
-          <p:cNvPr id="3" name="Content Placeholder 2"/>
-          <p:cNvSpPr>
-            <a:spLocks noGrp="1"/>
-          </p:cNvSpPr>
-          <p:nvPr>
-            <p:ph idx="1"/>
-          </p:nvPr>
-        </p:nvSpPr>
-        <p:spPr>
-          <a:xfrm>
-            <a:off x="457200" y="1600201"/>
-            <a:ext cx="8229600" cy="3412975"/>
-          </a:xfrm>
-        </p:spPr>
-        <p:txBody>
-          <a:bodyPr>
-            <a:normAutofit/>
-          </a:bodyPr>
-          <a:lstStyle/>
-          <a:p>
-            <a:pPr marL="0" indent="0">
-              <a:buNone/>
-            </a:pPr>
-            <a:r>
-              <a:rPr lang="ru-RU" sz="2100" dirty="0" smtClean="0"/>
-              <a:t>Для каждого пользователя и процесса ведется список так называемых переменных окружения. Каждая переменная имеет имя и строковое значение. В этих переменных хранится различная системная информация.  Список переменных можно увидеть комадной строке </a:t>
-            </a:r>
-            <a:r>
-              <a:rPr lang="en-US" sz="2100" dirty="0" smtClean="0"/>
-              <a:t>Windows </a:t>
-            </a:r>
-            <a:r>
-              <a:rPr lang="ru-RU" sz="2100" dirty="0" smtClean="0"/>
-              <a:t>с помощью команды </a:t>
-            </a:r>
-            <a:r>
-              <a:rPr lang="en-US" sz="2100" dirty="0" smtClean="0"/>
-              <a:t>set. </a:t>
-            </a:r>
-            <a:r>
-              <a:rPr lang="ru-RU" sz="2100" dirty="0" smtClean="0"/>
-              <a:t>Если переменная окружения вставляется в путь, то её имя окружается символом процента. Например, </a:t>
-            </a:r>
-            <a:r>
-              <a:rPr lang="en-US" sz="2100" dirty="0" smtClean="0"/>
-              <a:t>"%TEMP%\phonebook.txt".</a:t>
-            </a:r>
-            <a:r>
-              <a:rPr lang="ru-RU" sz="2100" dirty="0" smtClean="0"/>
-              <a:t> В </a:t>
-            </a:r>
-            <a:r>
-              <a:rPr lang="en-US" sz="2100" dirty="0" smtClean="0"/>
-              <a:t>.NET </a:t>
-            </a:r>
-            <a:r>
-              <a:rPr lang="ru-RU" sz="2100" dirty="0" smtClean="0"/>
-              <a:t>для работы с переменными окружения используется класс </a:t>
-            </a:r>
-            <a:r>
-              <a:rPr lang="en-US" sz="2100" dirty="0" smtClean="0"/>
-              <a:t>Environment </a:t>
-            </a:r>
-            <a:r>
-              <a:rPr lang="ru-RU" sz="2100" dirty="0" smtClean="0"/>
-              <a:t>и </a:t>
-            </a:r>
-            <a:r>
-              <a:rPr lang="ru-RU" sz="2100" dirty="0"/>
-              <a:t>его </a:t>
-            </a:r>
-            <a:r>
-              <a:rPr lang="ru-RU" sz="2100" dirty="0" smtClean="0"/>
-              <a:t>методы: </a:t>
-            </a:r>
-            <a:r>
-              <a:rPr lang="en-US" sz="2100" dirty="0" err="1" smtClean="0"/>
-              <a:t>ExpandEnvironmentVariables</a:t>
-            </a:r>
-            <a:r>
-              <a:rPr lang="ru-RU" sz="2100" dirty="0" smtClean="0"/>
-              <a:t>(), </a:t>
-            </a:r>
-            <a:r>
-              <a:rPr lang="en-US" sz="2100" dirty="0" err="1"/>
-              <a:t>GetEnvironmentVariable</a:t>
-            </a:r>
-            <a:r>
-              <a:rPr lang="en-US" sz="2100" dirty="0" smtClean="0"/>
-              <a:t>()</a:t>
-            </a:r>
-            <a:r>
-              <a:rPr lang="ru-RU" sz="2100" dirty="0" smtClean="0"/>
-              <a:t>, </a:t>
-            </a:r>
-            <a:r>
-              <a:rPr lang="en-US" sz="2100" dirty="0" err="1"/>
-              <a:t>GetEnvironmentVariables</a:t>
-            </a:r>
-            <a:r>
-              <a:rPr lang="en-US" sz="2100" dirty="0" smtClean="0"/>
-              <a:t>()</a:t>
-            </a:r>
-            <a:r>
-              <a:rPr lang="ru-RU" sz="2100" dirty="0"/>
-              <a:t> </a:t>
-            </a:r>
-            <a:r>
-              <a:rPr lang="ru-RU" sz="2100" dirty="0" smtClean="0"/>
-              <a:t>и </a:t>
-            </a:r>
-            <a:r>
-              <a:rPr lang="en-US" sz="2100" dirty="0" err="1"/>
-              <a:t>SetEnvironmentVariable</a:t>
-            </a:r>
-            <a:r>
-              <a:rPr lang="en-US" sz="2100" dirty="0" smtClean="0"/>
-              <a:t>()</a:t>
-            </a:r>
-            <a:r>
-              <a:rPr lang="ru-RU" sz="2100" dirty="0" smtClean="0"/>
-              <a:t>.</a:t>
-            </a:r>
-            <a:endParaRPr lang="en-US" sz="2100" dirty="0"/>
-          </a:p>
-        </p:txBody>
-      </p:sp>
-      <p:sp>
-        <p:nvSpPr>
-          <p:cNvPr id="5" name="Rectangle 4"/>
-          <p:cNvSpPr/>
-          <p:nvPr/>
-        </p:nvSpPr>
-        <p:spPr>
-          <a:xfrm>
-            <a:off x="457200" y="5138608"/>
-            <a:ext cx="8363272" cy="738664"/>
-          </a:xfrm>
-          <a:prstGeom prst="rect">
-            <a:avLst/>
-          </a:prstGeom>
-          <a:solidFill>
-            <a:schemeClr val="bg1"/>
-          </a:solidFill>
-        </p:spPr>
-        <p:txBody>
-          <a:bodyPr wrap="square">
-            <a:spAutoFit/>
-          </a:bodyPr>
-          <a:lstStyle/>
-          <a:p>
-            <a:r>
-              <a:rPr lang="en-US" sz="1400" dirty="0">
-                <a:solidFill>
-                  <a:srgbClr val="0000FF"/>
-                </a:solidFill>
-                <a:latin typeface="Courier New" panose="02070309020205020404" pitchFamily="49" charset="0"/>
-                <a:cs typeface="Courier New" panose="02070309020205020404" pitchFamily="49" charset="0"/>
-              </a:rPr>
-              <a:t>string</a:t>
-            </a:r>
-            <a:r>
-              <a:rPr lang="en-US" sz="1400" dirty="0">
-                <a:solidFill>
-                  <a:prstClr val="black"/>
-                </a:solidFill>
-                <a:latin typeface="Courier New" panose="02070309020205020404" pitchFamily="49" charset="0"/>
-                <a:cs typeface="Courier New" panose="02070309020205020404" pitchFamily="49" charset="0"/>
-              </a:rPr>
-              <a:t> </a:t>
-            </a:r>
-            <a:r>
-              <a:rPr lang="en-US" sz="1400" dirty="0" err="1">
-                <a:solidFill>
-                  <a:prstClr val="black"/>
-                </a:solidFill>
-                <a:latin typeface="Courier New" panose="02070309020205020404" pitchFamily="49" charset="0"/>
-                <a:cs typeface="Courier New" panose="02070309020205020404" pitchFamily="49" charset="0"/>
-              </a:rPr>
-              <a:t>pathToPhonebook</a:t>
-            </a:r>
-            <a:r>
-              <a:rPr lang="en-US" sz="1400" dirty="0">
-                <a:solidFill>
-                  <a:prstClr val="black"/>
-                </a:solidFill>
-                <a:latin typeface="Courier New" panose="02070309020205020404" pitchFamily="49" charset="0"/>
-                <a:cs typeface="Courier New" panose="02070309020205020404" pitchFamily="49" charset="0"/>
-              </a:rPr>
-              <a:t> </a:t>
-            </a:r>
-            <a:r>
-              <a:rPr lang="en-US" sz="1400" dirty="0" smtClean="0">
-                <a:solidFill>
-                  <a:prstClr val="black"/>
-                </a:solidFill>
-                <a:latin typeface="Courier New" panose="02070309020205020404" pitchFamily="49" charset="0"/>
-                <a:cs typeface="Courier New" panose="02070309020205020404" pitchFamily="49" charset="0"/>
-              </a:rPr>
-              <a:t>=</a:t>
-            </a:r>
-            <a:r>
-              <a:rPr lang="en-US" sz="1400" dirty="0">
-                <a:solidFill>
-                  <a:prstClr val="black"/>
-                </a:solidFill>
-                <a:latin typeface="Courier New" panose="02070309020205020404" pitchFamily="49" charset="0"/>
-                <a:cs typeface="Courier New" panose="02070309020205020404" pitchFamily="49" charset="0"/>
-              </a:rPr>
-              <a:t/>
-            </a:r>
-            <a:br>
-              <a:rPr lang="en-US" sz="1400" dirty="0">
-                <a:solidFill>
-                  <a:prstClr val="black"/>
-                </a:solidFill>
-                <a:latin typeface="Courier New" panose="02070309020205020404" pitchFamily="49" charset="0"/>
-                <a:cs typeface="Courier New" panose="02070309020205020404" pitchFamily="49" charset="0"/>
-              </a:rPr>
-            </a:br>
-            <a:r>
-              <a:rPr lang="en-US" sz="1400" dirty="0" smtClean="0">
-                <a:solidFill>
-                  <a:prstClr val="black"/>
-                </a:solidFill>
-                <a:latin typeface="Courier New" panose="02070309020205020404" pitchFamily="49" charset="0"/>
-                <a:cs typeface="Courier New" panose="02070309020205020404" pitchFamily="49" charset="0"/>
-              </a:rPr>
-              <a:t>    </a:t>
-            </a:r>
-            <a:r>
-              <a:rPr lang="en-US" sz="1400" dirty="0" err="1" smtClean="0">
-                <a:solidFill>
-                  <a:srgbClr val="2B91AF"/>
-                </a:solidFill>
-                <a:latin typeface="Courier New" panose="02070309020205020404" pitchFamily="49" charset="0"/>
-                <a:cs typeface="Courier New" panose="02070309020205020404" pitchFamily="49" charset="0"/>
-              </a:rPr>
-              <a:t>Environment</a:t>
-            </a:r>
-            <a:r>
-              <a:rPr lang="en-US" sz="1400" dirty="0" err="1" smtClean="0">
-                <a:solidFill>
-                  <a:prstClr val="black"/>
-                </a:solidFill>
-                <a:latin typeface="Courier New" panose="02070309020205020404" pitchFamily="49" charset="0"/>
-                <a:cs typeface="Courier New" panose="02070309020205020404" pitchFamily="49" charset="0"/>
-              </a:rPr>
-              <a:t>.ExpandEnvironmentVariables</a:t>
-            </a:r>
-            <a:r>
-              <a:rPr lang="en-US" sz="1400" dirty="0">
-                <a:solidFill>
-                  <a:prstClr val="black"/>
-                </a:solidFill>
-                <a:latin typeface="Courier New" panose="02070309020205020404" pitchFamily="49" charset="0"/>
-                <a:cs typeface="Courier New" panose="02070309020205020404" pitchFamily="49" charset="0"/>
-              </a:rPr>
-              <a:t>(</a:t>
-            </a:r>
-            <a:r>
-              <a:rPr lang="en-US" sz="1400" dirty="0">
-                <a:solidFill>
-                  <a:srgbClr val="A31515"/>
-                </a:solidFill>
-                <a:latin typeface="Courier New" panose="02070309020205020404" pitchFamily="49" charset="0"/>
-                <a:cs typeface="Courier New" panose="02070309020205020404" pitchFamily="49" charset="0"/>
-              </a:rPr>
-              <a:t>@"%TEMP%\phonebook.txt</a:t>
-            </a:r>
-            <a:r>
-              <a:rPr lang="en-US" sz="1400" dirty="0" smtClean="0">
-                <a:solidFill>
-                  <a:srgbClr val="A31515"/>
-                </a:solidFill>
-                <a:latin typeface="Courier New" panose="02070309020205020404" pitchFamily="49" charset="0"/>
-                <a:cs typeface="Courier New" panose="02070309020205020404" pitchFamily="49" charset="0"/>
-              </a:rPr>
-              <a:t>"</a:t>
-            </a:r>
-            <a:r>
-              <a:rPr lang="en-US" sz="1400" dirty="0" smtClean="0">
-                <a:solidFill>
-                  <a:prstClr val="black"/>
-                </a:solidFill>
-                <a:latin typeface="Courier New" panose="02070309020205020404" pitchFamily="49" charset="0"/>
-                <a:cs typeface="Courier New" panose="02070309020205020404" pitchFamily="49" charset="0"/>
-              </a:rPr>
-              <a:t>);</a:t>
-            </a:r>
-          </a:p>
-          <a:p>
-            <a:r>
-              <a:rPr lang="en-US" sz="1400" dirty="0">
-                <a:solidFill>
-                  <a:srgbClr val="008000"/>
-                </a:solidFill>
-                <a:latin typeface="Consolas"/>
-              </a:rPr>
-              <a:t>// </a:t>
-            </a:r>
-            <a:r>
-              <a:rPr lang="ru-RU" sz="1400" dirty="0" smtClean="0">
-                <a:solidFill>
-                  <a:srgbClr val="008000"/>
-                </a:solidFill>
-                <a:latin typeface="Consolas"/>
-              </a:rPr>
-              <a:t>переменная </a:t>
-            </a:r>
-            <a:r>
-              <a:rPr lang="en-US" sz="1400" dirty="0" err="1">
-                <a:solidFill>
-                  <a:srgbClr val="008000"/>
-                </a:solidFill>
-                <a:latin typeface="Consolas"/>
-              </a:rPr>
-              <a:t>pathToPhonebook</a:t>
-            </a:r>
-            <a:r>
-              <a:rPr lang="en-US" sz="1400" dirty="0">
-                <a:solidFill>
-                  <a:srgbClr val="008000"/>
-                </a:solidFill>
-                <a:latin typeface="Consolas"/>
-              </a:rPr>
-              <a:t> </a:t>
-            </a:r>
-            <a:r>
-              <a:rPr lang="ru-RU" sz="1400" dirty="0" smtClean="0">
-                <a:solidFill>
-                  <a:srgbClr val="008000"/>
-                </a:solidFill>
-                <a:latin typeface="Consolas"/>
-              </a:rPr>
-              <a:t>содержит путь к файлу внутри временного каталога</a:t>
-            </a:r>
-            <a:endParaRPr lang="en-US" sz="1400" dirty="0">
-              <a:solidFill>
-                <a:prstClr val="black"/>
-              </a:solidFill>
-              <a:latin typeface="Courier New" panose="02070309020205020404" pitchFamily="49" charset="0"/>
-              <a:cs typeface="Courier New" panose="02070309020205020404" pitchFamily="49" charset="0"/>
-            </a:endParaRPr>
-          </a:p>
-        </p:txBody>
-      </p:sp>
-    </p:spTree>
-    <p:extLst>
-      <p:ext uri="{BB962C8B-B14F-4D97-AF65-F5344CB8AC3E}">
-        <p14:creationId xmlns:p14="http://schemas.microsoft.com/office/powerpoint/2010/main" val="136639865"/>
-      </p:ext>
-    </p:extLst>
-  </p:cSld>
-  <p:clrMapOvr>
-    <a:masterClrMapping/>
-  </p:clrMapOvr>
-</p:sld>
-</file>
-
-<file path=ppt/slides/slide17.xml><?xml version="1.0" encoding="utf-8"?>
-<p:sld xmlns:a="http://schemas.openxmlformats.org/drawingml/2006/main" xmlns:r="http://schemas.openxmlformats.org/officeDocument/2006/relationships" xmlns:p="http://schemas.openxmlformats.org/presentationml/2006/main">
-  <p:cSld>
     <p:bg>
       <p:bgPr>
         <a:blipFill dpi="0" rotWithShape="1">
@@ -11562,7 +11316,7 @@
 </p:sld>
 </file>
 
-<file path=ppt/slides/slide18.xml><?xml version="1.0" encoding="utf-8"?>
+<file path=ppt/slides/slide17.xml><?xml version="1.0" encoding="utf-8"?>
 <p:sld xmlns:a="http://schemas.openxmlformats.org/drawingml/2006/main" xmlns:r="http://schemas.openxmlformats.org/officeDocument/2006/relationships" xmlns:p="http://schemas.openxmlformats.org/presentationml/2006/main">
   <p:cSld>
     <p:bg>
@@ -13329,7 +13083,7 @@
 </p:sld>
 </file>
 
-<file path=ppt/slides/slide19.xml><?xml version="1.0" encoding="utf-8"?>
+<file path=ppt/slides/slide18.xml><?xml version="1.0" encoding="utf-8"?>
 <p:sld xmlns:a="http://schemas.openxmlformats.org/drawingml/2006/main" xmlns:r="http://schemas.openxmlformats.org/officeDocument/2006/relationships" xmlns:p="http://schemas.openxmlformats.org/presentationml/2006/main">
   <p:cSld>
     <p:spTree>
@@ -14909,198 +14663,6 @@
   <p:clrMapOvr>
     <a:masterClrMapping/>
   </p:clrMapOvr>
-</p:sld>
-</file>
-
-<file path=ppt/slides/slide2.xml><?xml version="1.0" encoding="utf-8"?>
-<p:sld xmlns:a="http://schemas.openxmlformats.org/drawingml/2006/main" xmlns:r="http://schemas.openxmlformats.org/officeDocument/2006/relationships" xmlns:p="http://schemas.openxmlformats.org/presentationml/2006/main">
-  <p:cSld>
-    <p:bg>
-      <p:bgPr>
-        <a:blipFill dpi="0" rotWithShape="1">
-          <a:blip r:embed="rId2">
-            <a:lum/>
-          </a:blip>
-          <a:srcRect/>
-          <a:stretch>
-            <a:fillRect/>
-          </a:stretch>
-        </a:blipFill>
-        <a:effectLst/>
-      </p:bgPr>
-    </p:bg>
-    <p:spTree>
-      <p:nvGrpSpPr>
-        <p:cNvPr id="1" name=""/>
-        <p:cNvGrpSpPr/>
-        <p:nvPr/>
-      </p:nvGrpSpPr>
-      <p:grpSpPr>
-        <a:xfrm>
-          <a:off x="0" y="0"/>
-          <a:ext cx="0" cy="0"/>
-          <a:chOff x="0" y="0"/>
-          <a:chExt cx="0" cy="0"/>
-        </a:xfrm>
-      </p:grpSpPr>
-      <p:sp>
-        <p:nvSpPr>
-          <p:cNvPr id="2" name="Title 1"/>
-          <p:cNvSpPr>
-            <a:spLocks noGrp="1"/>
-          </p:cNvSpPr>
-          <p:nvPr>
-            <p:ph type="title"/>
-          </p:nvPr>
-        </p:nvSpPr>
-        <p:spPr/>
-        <p:txBody>
-          <a:bodyPr/>
-          <a:lstStyle/>
-          <a:p>
-            <a:r>
-              <a:rPr lang="ru-RU" dirty="0">
-                <a:solidFill>
-                  <a:schemeClr val="bg1"/>
-                </a:solidFill>
-              </a:rPr>
-              <a:t>Материалы для обучения</a:t>
-            </a:r>
-            <a:endParaRPr lang="en-US" dirty="0">
-              <a:solidFill>
-                <a:schemeClr val="bg1"/>
-              </a:solidFill>
-            </a:endParaRPr>
-          </a:p>
-        </p:txBody>
-      </p:sp>
-      <p:sp>
-        <p:nvSpPr>
-          <p:cNvPr id="3" name="Content Placeholder 2"/>
-          <p:cNvSpPr>
-            <a:spLocks noGrp="1"/>
-          </p:cNvSpPr>
-          <p:nvPr>
-            <p:ph idx="1"/>
-          </p:nvPr>
-        </p:nvSpPr>
-        <p:spPr/>
-        <p:txBody>
-          <a:bodyPr/>
-          <a:lstStyle/>
-          <a:p>
-            <a:r>
-              <a:rPr lang="en-US" dirty="0">
-                <a:solidFill>
-                  <a:schemeClr val="bg1"/>
-                </a:solidFill>
-                <a:hlinkClick r:id="rId3"/>
-              </a:rPr>
-              <a:t>https://</a:t>
-            </a:r>
-            <a:r>
-              <a:rPr lang="en-US" dirty="0" smtClean="0">
-                <a:solidFill>
-                  <a:schemeClr val="bg1"/>
-                </a:solidFill>
-                <a:hlinkClick r:id="rId3"/>
-              </a:rPr>
-              <a:t>github.com/bazile/Training</a:t>
-            </a:r>
-            <a:r>
-              <a:rPr lang="en-US" dirty="0" smtClean="0">
-                <a:solidFill>
-                  <a:schemeClr val="bg1"/>
-                </a:solidFill>
-              </a:rPr>
-              <a:t/>
-            </a:r>
-            <a:br>
-              <a:rPr lang="en-US" dirty="0" smtClean="0">
-                <a:solidFill>
-                  <a:schemeClr val="bg1"/>
-                </a:solidFill>
-              </a:rPr>
-            </a:br>
-            <a:r>
-              <a:rPr lang="ru-RU" dirty="0" smtClean="0">
-                <a:solidFill>
-                  <a:schemeClr val="bg1"/>
-                </a:solidFill>
-              </a:rPr>
-              <a:t>Презентации и примеры кода используемые во время занятия</a:t>
-            </a:r>
-          </a:p>
-          <a:p>
-            <a:endParaRPr lang="ru-RU" dirty="0" smtClean="0">
-              <a:solidFill>
-                <a:schemeClr val="bg1"/>
-              </a:solidFill>
-            </a:endParaRPr>
-          </a:p>
-          <a:p>
-            <a:r>
-              <a:rPr lang="en-US" dirty="0">
-                <a:solidFill>
-                  <a:schemeClr val="bg1"/>
-                </a:solidFill>
-                <a:hlinkClick r:id="rId4"/>
-              </a:rPr>
-              <a:t>http://belhard.nullptr.ru</a:t>
-            </a:r>
-            <a:r>
-              <a:rPr lang="en-US" dirty="0" smtClean="0">
-                <a:solidFill>
-                  <a:schemeClr val="bg1"/>
-                </a:solidFill>
-                <a:hlinkClick r:id="rId4"/>
-              </a:rPr>
-              <a:t>/</a:t>
-            </a:r>
-            <a:r>
-              <a:rPr lang="ru-RU" dirty="0" smtClean="0">
-                <a:solidFill>
-                  <a:schemeClr val="bg1"/>
-                </a:solidFill>
-              </a:rPr>
-              <a:t/>
-            </a:r>
-            <a:br>
-              <a:rPr lang="ru-RU" dirty="0" smtClean="0">
-                <a:solidFill>
-                  <a:schemeClr val="bg1"/>
-                </a:solidFill>
-              </a:rPr>
-            </a:br>
-            <a:r>
-              <a:rPr lang="ru-RU" dirty="0" smtClean="0">
-                <a:solidFill>
-                  <a:schemeClr val="bg1"/>
-                </a:solidFill>
-              </a:rPr>
-              <a:t>Книги, примеры к ним и другие полезные файлы.</a:t>
-            </a:r>
-            <a:endParaRPr lang="ru-RU" dirty="0">
-              <a:solidFill>
-                <a:schemeClr val="bg1"/>
-              </a:solidFill>
-            </a:endParaRPr>
-          </a:p>
-          <a:p>
-            <a:endParaRPr lang="en-US" dirty="0"/>
-          </a:p>
-        </p:txBody>
-      </p:sp>
-    </p:spTree>
-    <p:extLst>
-      <p:ext uri="{BB962C8B-B14F-4D97-AF65-F5344CB8AC3E}">
-        <p14:creationId xmlns:p14="http://schemas.microsoft.com/office/powerpoint/2010/main" val="306762039"/>
-      </p:ext>
-    </p:extLst>
-  </p:cSld>
-  <p:clrMapOvr>
-    <a:masterClrMapping/>
-  </p:clrMapOvr>
   <p:timing>
     <p:tnLst>
       <p:par>
@@ -15111,7 +14673,7 @@
 </p:sld>
 </file>
 
-<file path=ppt/slides/slide20.xml><?xml version="1.0" encoding="utf-8"?>
+<file path=ppt/slides/slide19.xml><?xml version="1.0" encoding="utf-8"?>
 <p:sld xmlns:a="http://schemas.openxmlformats.org/drawingml/2006/main" xmlns:r="http://schemas.openxmlformats.org/officeDocument/2006/relationships" xmlns:p="http://schemas.openxmlformats.org/presentationml/2006/main">
   <p:cSld>
     <p:spTree>
@@ -16152,10 +15714,216 @@
   <p:clrMapOvr>
     <a:masterClrMapping/>
   </p:clrMapOvr>
+  <p:timing>
+    <p:tnLst>
+      <p:par>
+        <p:cTn id="1" dur="indefinite" restart="never" nodeType="tmRoot"/>
+      </p:par>
+    </p:tnLst>
+  </p:timing>
 </p:sld>
 </file>
 
-<file path=ppt/slides/slide21.xml><?xml version="1.0" encoding="utf-8"?>
+<file path=ppt/slides/slide2.xml><?xml version="1.0" encoding="utf-8"?>
+<p:sld xmlns:a="http://schemas.openxmlformats.org/drawingml/2006/main" xmlns:r="http://schemas.openxmlformats.org/officeDocument/2006/relationships" xmlns:p="http://schemas.openxmlformats.org/presentationml/2006/main">
+  <p:cSld>
+    <p:bg>
+      <p:bgPr>
+        <a:blipFill dpi="0" rotWithShape="1">
+          <a:blip r:embed="rId2">
+            <a:lum/>
+          </a:blip>
+          <a:srcRect/>
+          <a:stretch>
+            <a:fillRect/>
+          </a:stretch>
+        </a:blipFill>
+        <a:effectLst/>
+      </p:bgPr>
+    </p:bg>
+    <p:spTree>
+      <p:nvGrpSpPr>
+        <p:cNvPr id="1" name=""/>
+        <p:cNvGrpSpPr/>
+        <p:nvPr/>
+      </p:nvGrpSpPr>
+      <p:grpSpPr>
+        <a:xfrm>
+          <a:off x="0" y="0"/>
+          <a:ext cx="0" cy="0"/>
+          <a:chOff x="0" y="0"/>
+          <a:chExt cx="0" cy="0"/>
+        </a:xfrm>
+      </p:grpSpPr>
+      <p:sp>
+        <p:nvSpPr>
+          <p:cNvPr id="2" name="Title 1"/>
+          <p:cNvSpPr>
+            <a:spLocks noGrp="1"/>
+          </p:cNvSpPr>
+          <p:nvPr>
+            <p:ph type="title"/>
+          </p:nvPr>
+        </p:nvSpPr>
+        <p:spPr/>
+        <p:txBody>
+          <a:bodyPr/>
+          <a:lstStyle/>
+          <a:p>
+            <a:r>
+              <a:rPr lang="ru-RU" dirty="0">
+                <a:solidFill>
+                  <a:schemeClr val="bg1"/>
+                </a:solidFill>
+              </a:rPr>
+              <a:t>Материалы для обучения</a:t>
+            </a:r>
+            <a:endParaRPr lang="en-US" dirty="0">
+              <a:solidFill>
+                <a:schemeClr val="bg1"/>
+              </a:solidFill>
+            </a:endParaRPr>
+          </a:p>
+        </p:txBody>
+      </p:sp>
+      <p:sp>
+        <p:nvSpPr>
+          <p:cNvPr id="3" name="Content Placeholder 2"/>
+          <p:cNvSpPr>
+            <a:spLocks noGrp="1"/>
+          </p:cNvSpPr>
+          <p:nvPr>
+            <p:ph idx="1"/>
+          </p:nvPr>
+        </p:nvSpPr>
+        <p:spPr/>
+        <p:txBody>
+          <a:bodyPr/>
+          <a:lstStyle/>
+          <a:p>
+            <a:r>
+              <a:rPr lang="en-US" dirty="0">
+                <a:solidFill>
+                  <a:schemeClr val="bg1"/>
+                </a:solidFill>
+                <a:hlinkClick r:id="rId3"/>
+              </a:rPr>
+              <a:t>https://</a:t>
+            </a:r>
+            <a:r>
+              <a:rPr lang="en-US" dirty="0" smtClean="0">
+                <a:solidFill>
+                  <a:schemeClr val="bg1"/>
+                </a:solidFill>
+                <a:hlinkClick r:id="rId3"/>
+              </a:rPr>
+              <a:t>github.com/bazile/Training</a:t>
+            </a:r>
+            <a:r>
+              <a:rPr lang="en-US" dirty="0" smtClean="0">
+                <a:solidFill>
+                  <a:schemeClr val="bg1"/>
+                </a:solidFill>
+              </a:rPr>
+              <a:t/>
+            </a:r>
+            <a:br>
+              <a:rPr lang="en-US" dirty="0" smtClean="0">
+                <a:solidFill>
+                  <a:schemeClr val="bg1"/>
+                </a:solidFill>
+              </a:rPr>
+            </a:br>
+            <a:r>
+              <a:rPr lang="ru-RU" dirty="0" smtClean="0">
+                <a:solidFill>
+                  <a:schemeClr val="bg1"/>
+                </a:solidFill>
+              </a:rPr>
+              <a:t>Презентации и примеры кода используемые во время занятия</a:t>
+            </a:r>
+          </a:p>
+          <a:p>
+            <a:endParaRPr lang="ru-RU" dirty="0" smtClean="0">
+              <a:solidFill>
+                <a:schemeClr val="bg1"/>
+              </a:solidFill>
+            </a:endParaRPr>
+          </a:p>
+          <a:p>
+            <a:r>
+              <a:rPr lang="en-US" dirty="0">
+                <a:solidFill>
+                  <a:schemeClr val="bg1"/>
+                </a:solidFill>
+                <a:hlinkClick r:id="rId4"/>
+              </a:rPr>
+              <a:t>http://belhard.nullptr.ru</a:t>
+            </a:r>
+            <a:r>
+              <a:rPr lang="en-US" dirty="0" smtClean="0">
+                <a:solidFill>
+                  <a:schemeClr val="bg1"/>
+                </a:solidFill>
+                <a:hlinkClick r:id="rId4"/>
+              </a:rPr>
+              <a:t>/</a:t>
+            </a:r>
+            <a:r>
+              <a:rPr lang="ru-RU" dirty="0" smtClean="0">
+                <a:solidFill>
+                  <a:schemeClr val="bg1"/>
+                </a:solidFill>
+              </a:rPr>
+              <a:t/>
+            </a:r>
+            <a:br>
+              <a:rPr lang="ru-RU" dirty="0" smtClean="0">
+                <a:solidFill>
+                  <a:schemeClr val="bg1"/>
+                </a:solidFill>
+              </a:rPr>
+            </a:br>
+            <a:r>
+              <a:rPr lang="ru-RU" dirty="0" smtClean="0">
+                <a:solidFill>
+                  <a:schemeClr val="bg1"/>
+                </a:solidFill>
+              </a:rPr>
+              <a:t>Книги, примеры к ним и другие полезные файлы.</a:t>
+            </a:r>
+            <a:endParaRPr lang="ru-RU" dirty="0">
+              <a:solidFill>
+                <a:schemeClr val="bg1"/>
+              </a:solidFill>
+            </a:endParaRPr>
+          </a:p>
+          <a:p>
+            <a:endParaRPr lang="en-US" dirty="0"/>
+          </a:p>
+        </p:txBody>
+      </p:sp>
+    </p:spTree>
+    <p:extLst>
+      <p:ext uri="{BB962C8B-B14F-4D97-AF65-F5344CB8AC3E}">
+        <p14:creationId xmlns:p14="http://schemas.microsoft.com/office/powerpoint/2010/main" val="306762039"/>
+      </p:ext>
+    </p:extLst>
+  </p:cSld>
+  <p:clrMapOvr>
+    <a:masterClrMapping/>
+  </p:clrMapOvr>
+  <p:timing>
+    <p:tnLst>
+      <p:par>
+        <p:cTn id="1" dur="indefinite" restart="never" nodeType="tmRoot"/>
+      </p:par>
+    </p:tnLst>
+  </p:timing>
+</p:sld>
+</file>
+
+<file path=ppt/slides/slide20.xml><?xml version="1.0" encoding="utf-8"?>
 <p:sld xmlns:a="http://schemas.openxmlformats.org/drawingml/2006/main" xmlns:r="http://schemas.openxmlformats.org/officeDocument/2006/relationships" xmlns:p="http://schemas.openxmlformats.org/presentationml/2006/main">
   <p:cSld>
     <p:bg>
@@ -17595,7 +17363,7 @@
 </p:sld>
 </file>
 
-<file path=ppt/slides/slide22.xml><?xml version="1.0" encoding="utf-8"?>
+<file path=ppt/slides/slide21.xml><?xml version="1.0" encoding="utf-8"?>
 <p:sld xmlns:a="http://schemas.openxmlformats.org/drawingml/2006/main" xmlns:r="http://schemas.openxmlformats.org/officeDocument/2006/relationships" xmlns:p="http://schemas.openxmlformats.org/presentationml/2006/main">
   <p:cSld>
     <p:bg>
@@ -17828,14 +17596,14 @@
           <a:p>
             <a:pPr eaLnBrk="1" hangingPunct="1"/>
             <a:r>
-              <a:rPr lang="ru-RU" sz="1600"/>
+              <a:rPr lang="ru-RU" sz="1600" dirty="0"/>
               <a:t>	Все классы бинарных потоков унаследованы от абстрактного класса </a:t>
             </a:r>
             <a:r>
-              <a:rPr lang="en-US" sz="1600"/>
+              <a:rPr lang="en-US" sz="1600" dirty="0"/>
               <a:t>Stream.</a:t>
             </a:r>
-            <a:endParaRPr lang="be-BY" sz="1600">
+            <a:endParaRPr lang="be-BY" sz="1600" dirty="0">
               <a:solidFill>
                 <a:srgbClr val="008080"/>
               </a:solidFill>
@@ -18541,7 +18309,7 @@
 </p:sld>
 </file>
 
-<file path=ppt/slides/slide23.xml><?xml version="1.0" encoding="utf-8"?>
+<file path=ppt/slides/slide22.xml><?xml version="1.0" encoding="utf-8"?>
 <p:sld xmlns:a="http://schemas.openxmlformats.org/drawingml/2006/main" xmlns:r="http://schemas.openxmlformats.org/officeDocument/2006/relationships" xmlns:p="http://schemas.openxmlformats.org/presentationml/2006/main">
   <p:cSld>
     <p:bg>
@@ -19509,7 +19277,7 @@
 </p:sld>
 </file>
 
-<file path=ppt/slides/slide24.xml><?xml version="1.0" encoding="utf-8"?>
+<file path=ppt/slides/slide23.xml><?xml version="1.0" encoding="utf-8"?>
 <p:sld xmlns:a="http://schemas.openxmlformats.org/drawingml/2006/main" xmlns:r="http://schemas.openxmlformats.org/officeDocument/2006/relationships" xmlns:p="http://schemas.openxmlformats.org/presentationml/2006/main">
   <p:cSld>
     <p:bg>
@@ -20686,7 +20454,7 @@
 </p:sld>
 </file>
 
-<file path=ppt/slides/slide25.xml><?xml version="1.0" encoding="utf-8"?>
+<file path=ppt/slides/slide24.xml><?xml version="1.0" encoding="utf-8"?>
 <p:sld xmlns:a="http://schemas.openxmlformats.org/drawingml/2006/main" xmlns:r="http://schemas.openxmlformats.org/officeDocument/2006/relationships" xmlns:p="http://schemas.openxmlformats.org/presentationml/2006/main">
   <p:cSld>
     <p:spTree>
@@ -20719,8 +20487,8 @@
           <a:lstStyle/>
           <a:p>
             <a:r>
-              <a:rPr lang="ru-RU" dirty="0" smtClean="0"/>
-              <a:t>Архивация/</a:t>
+              <a:rPr lang="ru-RU" smtClean="0"/>
+              <a:t>Архивация</a:t>
             </a:r>
             <a:endParaRPr lang="en-US" dirty="0"/>
           </a:p>
@@ -20768,6 +20536,167 @@
   <p:clrMapOvr>
     <a:masterClrMapping/>
   </p:clrMapOvr>
+  <p:timing>
+    <p:tnLst>
+      <p:par>
+        <p:cTn id="1" dur="indefinite" restart="never" nodeType="tmRoot"/>
+      </p:par>
+    </p:tnLst>
+  </p:timing>
+</p:sld>
+</file>
+
+<file path=ppt/slides/slide25.xml><?xml version="1.0" encoding="utf-8"?>
+<p:sld xmlns:a="http://schemas.openxmlformats.org/drawingml/2006/main" xmlns:r="http://schemas.openxmlformats.org/officeDocument/2006/relationships" xmlns:p="http://schemas.openxmlformats.org/presentationml/2006/main">
+  <p:cSld>
+    <p:bg>
+      <p:bgPr>
+        <a:blipFill dpi="0" rotWithShape="1">
+          <a:blip r:embed="rId2">
+            <a:lum/>
+          </a:blip>
+          <a:srcRect/>
+          <a:stretch>
+            <a:fillRect/>
+          </a:stretch>
+        </a:blipFill>
+        <a:effectLst/>
+      </p:bgPr>
+    </p:bg>
+    <p:spTree>
+      <p:nvGrpSpPr>
+        <p:cNvPr id="1" name=""/>
+        <p:cNvGrpSpPr/>
+        <p:nvPr/>
+      </p:nvGrpSpPr>
+      <p:grpSpPr>
+        <a:xfrm>
+          <a:off x="0" y="0"/>
+          <a:ext cx="0" cy="0"/>
+          <a:chOff x="0" y="0"/>
+          <a:chExt cx="0" cy="0"/>
+        </a:xfrm>
+      </p:grpSpPr>
+      <p:sp>
+        <p:nvSpPr>
+          <p:cNvPr id="2" name="Title 1"/>
+          <p:cNvSpPr>
+            <a:spLocks noGrp="1"/>
+          </p:cNvSpPr>
+          <p:nvPr>
+            <p:ph type="title"/>
+          </p:nvPr>
+        </p:nvSpPr>
+        <p:spPr/>
+        <p:txBody>
+          <a:bodyPr/>
+          <a:lstStyle/>
+          <a:p>
+            <a:r>
+              <a:rPr lang="ru-RU" dirty="0" smtClean="0"/>
+              <a:t>Сериализация (</a:t>
+            </a:r>
+            <a:r>
+              <a:rPr lang="en-US" dirty="0" smtClean="0"/>
+              <a:t>Serialization</a:t>
+            </a:r>
+            <a:r>
+              <a:rPr lang="ru-RU" dirty="0" smtClean="0"/>
+              <a:t>)</a:t>
+            </a:r>
+            <a:endParaRPr lang="en-US" dirty="0"/>
+          </a:p>
+        </p:txBody>
+      </p:sp>
+      <p:sp>
+        <p:nvSpPr>
+          <p:cNvPr id="3" name="Content Placeholder 2"/>
+          <p:cNvSpPr>
+            <a:spLocks noGrp="1"/>
+          </p:cNvSpPr>
+          <p:nvPr>
+            <p:ph idx="1"/>
+          </p:nvPr>
+        </p:nvSpPr>
+        <p:spPr/>
+        <p:txBody>
+          <a:bodyPr>
+            <a:normAutofit/>
+          </a:bodyPr>
+          <a:lstStyle/>
+          <a:p>
+            <a:pPr marL="0" indent="0">
+              <a:buNone/>
+            </a:pPr>
+            <a:r>
+              <a:rPr lang="ru-RU" dirty="0" smtClean="0"/>
+              <a:t>Сериализация – механизм сохранения значения переменной типа в поток с возможностью последующего востановления точной копии (десериализация).</a:t>
+            </a:r>
+            <a:endParaRPr lang="en-US" dirty="0" smtClean="0"/>
+          </a:p>
+          <a:p>
+            <a:pPr marL="0" indent="0">
+              <a:buNone/>
+            </a:pPr>
+            <a:endParaRPr lang="en-US" dirty="0"/>
+          </a:p>
+          <a:p>
+            <a:pPr marL="0" indent="0">
+              <a:buNone/>
+            </a:pPr>
+            <a:r>
+              <a:rPr lang="en-US" dirty="0" smtClean="0"/>
+              <a:t>.NET</a:t>
+            </a:r>
+            <a:r>
+              <a:rPr lang="ru-RU" dirty="0" smtClean="0"/>
+              <a:t> поддерживает бинарную и текстовую</a:t>
+            </a:r>
+            <a:r>
+              <a:rPr lang="en-US" dirty="0" smtClean="0"/>
+              <a:t> </a:t>
+            </a:r>
+            <a:r>
+              <a:rPr lang="ru-RU" dirty="0" smtClean="0"/>
+              <a:t>(</a:t>
+            </a:r>
+            <a:r>
+              <a:rPr lang="en-US" dirty="0" smtClean="0"/>
+              <a:t>XML</a:t>
+            </a:r>
+            <a:r>
+              <a:rPr lang="ru-RU" dirty="0" smtClean="0"/>
+              <a:t>)</a:t>
+            </a:r>
+            <a:r>
+              <a:rPr lang="en-US" dirty="0" smtClean="0"/>
+              <a:t> </a:t>
+            </a:r>
+            <a:r>
+              <a:rPr lang="ru-RU" dirty="0" smtClean="0"/>
+              <a:t>сериализацию. При необходимости можно реализовать собственный механизм.</a:t>
+            </a:r>
+            <a:endParaRPr lang="en-US" dirty="0"/>
+          </a:p>
+        </p:txBody>
+      </p:sp>
+    </p:spTree>
+    <p:extLst>
+      <p:ext uri="{BB962C8B-B14F-4D97-AF65-F5344CB8AC3E}">
+        <p14:creationId xmlns:p14="http://schemas.microsoft.com/office/powerpoint/2010/main" val="1542700340"/>
+      </p:ext>
+    </p:extLst>
+  </p:cSld>
+  <p:clrMapOvr>
+    <a:masterClrMapping/>
+  </p:clrMapOvr>
+  <p:timing>
+    <p:tnLst>
+      <p:par>
+        <p:cTn id="1" dur="indefinite" restart="never" nodeType="tmRoot"/>
+      </p:par>
+    </p:tnLst>
+  </p:timing>
 </p:sld>
 </file>
 
@@ -20812,24 +20741,23 @@
             <p:ph type="title"/>
           </p:nvPr>
         </p:nvSpPr>
-        <p:spPr/>
+        <p:spPr>
+          <a:xfrm>
+            <a:off x="457200" y="188640"/>
+            <a:ext cx="8229600" cy="720080"/>
+          </a:xfrm>
+        </p:spPr>
         <p:txBody>
-          <a:bodyPr/>
+          <a:bodyPr>
+            <a:normAutofit/>
+          </a:bodyPr>
           <a:lstStyle/>
           <a:p>
             <a:r>
-              <a:rPr lang="ru-RU" dirty="0" smtClean="0"/>
-              <a:t>Сериализация (</a:t>
-            </a:r>
-            <a:r>
-              <a:rPr lang="en-US" dirty="0" smtClean="0"/>
-              <a:t>Serialization</a:t>
-            </a:r>
-            <a:r>
-              <a:rPr lang="ru-RU" dirty="0" smtClean="0"/>
-              <a:t>)</a:t>
-            </a:r>
-            <a:endParaRPr lang="en-US" dirty="0"/>
+              <a:rPr lang="ru-RU" sz="2000" dirty="0" smtClean="0"/>
+              <a:t>Бинарная сериализация (пример)</a:t>
+            </a:r>
+            <a:endParaRPr lang="en-US" sz="2000" dirty="0"/>
           </a:p>
         </p:txBody>
       </p:sp>
@@ -20843,10 +20771,18 @@
             <p:ph idx="1"/>
           </p:nvPr>
         </p:nvSpPr>
-        <p:spPr/>
+        <p:spPr>
+          <a:xfrm>
+            <a:off x="457200" y="919261"/>
+            <a:ext cx="8229600" cy="5750099"/>
+          </a:xfrm>
+          <a:solidFill>
+            <a:schemeClr val="bg1"/>
+          </a:solidFill>
+        </p:spPr>
         <p:txBody>
           <a:bodyPr>
-            <a:normAutofit/>
+            <a:normAutofit fontScale="25000" lnSpcReduction="20000"/>
           </a:bodyPr>
           <a:lstStyle/>
           <a:p>
@@ -20854,52 +20790,2125 @@
               <a:buNone/>
             </a:pPr>
             <a:r>
-              <a:rPr lang="ru-RU" dirty="0" smtClean="0"/>
-              <a:t>Сериализация – механизм сохранения значения переменной типа в поток с возможностью последующего востановления точной копии (десериализация).</a:t>
-            </a:r>
-            <a:endParaRPr lang="en-US" dirty="0" smtClean="0"/>
+              <a:rPr lang="en-US" dirty="0" smtClean="0">
+                <a:solidFill>
+                  <a:srgbClr val="0000FF"/>
+                </a:solidFill>
+                <a:latin typeface="Consolas"/>
+              </a:rPr>
+              <a:t>using</a:t>
+            </a:r>
+            <a:r>
+              <a:rPr lang="en-US" dirty="0" smtClean="0">
+                <a:solidFill>
+                  <a:srgbClr val="000000"/>
+                </a:solidFill>
+                <a:latin typeface="Consolas"/>
+              </a:rPr>
+              <a:t> System;</a:t>
+            </a:r>
+            <a:endParaRPr lang="ru-RU" dirty="0" smtClean="0">
+              <a:solidFill>
+                <a:srgbClr val="0000FF"/>
+              </a:solidFill>
+              <a:latin typeface="Consolas"/>
+            </a:endParaRPr>
           </a:p>
           <a:p>
             <a:pPr marL="0" indent="0">
               <a:buNone/>
             </a:pPr>
-            <a:endParaRPr lang="en-US" dirty="0"/>
+            <a:r>
+              <a:rPr lang="en-US" dirty="0" smtClean="0">
+                <a:solidFill>
+                  <a:srgbClr val="0000FF"/>
+                </a:solidFill>
+                <a:latin typeface="Consolas"/>
+              </a:rPr>
+              <a:t>using</a:t>
+            </a:r>
+            <a:r>
+              <a:rPr lang="en-US" dirty="0" smtClean="0">
+                <a:solidFill>
+                  <a:srgbClr val="000000"/>
+                </a:solidFill>
+                <a:latin typeface="Consolas"/>
+              </a:rPr>
+              <a:t> System.IO;</a:t>
+            </a:r>
           </a:p>
           <a:p>
             <a:pPr marL="0" indent="0">
               <a:buNone/>
             </a:pPr>
             <a:r>
-              <a:rPr lang="en-US" dirty="0" smtClean="0"/>
-              <a:t>.NET</a:t>
-            </a:r>
-            <a:r>
-              <a:rPr lang="ru-RU" dirty="0" smtClean="0"/>
-              <a:t> поддерживает бинарную и текстовую</a:t>
-            </a:r>
-            <a:r>
-              <a:rPr lang="en-US" dirty="0" smtClean="0"/>
+              <a:rPr lang="en-US" dirty="0">
+                <a:solidFill>
+                  <a:srgbClr val="0000FF"/>
+                </a:solidFill>
+                <a:latin typeface="Consolas"/>
+              </a:rPr>
+              <a:t>using</a:t>
+            </a:r>
+            <a:r>
+              <a:rPr lang="en-US" dirty="0" smtClean="0">
+                <a:solidFill>
+                  <a:srgbClr val="000000"/>
+                </a:solidFill>
+                <a:latin typeface="Consolas"/>
+              </a:rPr>
               <a:t> </a:t>
             </a:r>
             <a:r>
-              <a:rPr lang="ru-RU" dirty="0" smtClean="0"/>
+              <a:rPr lang="en-US" dirty="0" err="1" smtClean="0">
+                <a:solidFill>
+                  <a:srgbClr val="000000"/>
+                </a:solidFill>
+                <a:latin typeface="Consolas"/>
+              </a:rPr>
+              <a:t>System.Runtime.Serialization.Formatters.Binary</a:t>
+            </a:r>
+            <a:r>
+              <a:rPr lang="en-US" dirty="0" smtClean="0">
+                <a:solidFill>
+                  <a:srgbClr val="000000"/>
+                </a:solidFill>
+                <a:latin typeface="Consolas"/>
+              </a:rPr>
+              <a:t>;</a:t>
+            </a:r>
+            <a:endParaRPr lang="ru-RU" dirty="0" smtClean="0">
+              <a:solidFill>
+                <a:srgbClr val="000000"/>
+              </a:solidFill>
+              <a:latin typeface="Consolas"/>
+            </a:endParaRPr>
+          </a:p>
+          <a:p>
+            <a:pPr marL="0" indent="0">
+              <a:buNone/>
+            </a:pPr>
+            <a:endParaRPr lang="ru-RU" dirty="0" smtClean="0">
+              <a:solidFill>
+                <a:srgbClr val="000000"/>
+              </a:solidFill>
+              <a:latin typeface="Consolas"/>
+            </a:endParaRPr>
+          </a:p>
+          <a:p>
+            <a:pPr marL="0" indent="0">
+              <a:buNone/>
+            </a:pPr>
+            <a:r>
+              <a:rPr lang="en-US" dirty="0" smtClean="0">
+                <a:solidFill>
+                  <a:srgbClr val="000000"/>
+                </a:solidFill>
+                <a:latin typeface="Consolas"/>
+              </a:rPr>
+              <a:t>[</a:t>
+            </a:r>
+            <a:r>
+              <a:rPr lang="en-US" dirty="0" err="1">
+                <a:solidFill>
+                  <a:srgbClr val="000000"/>
+                </a:solidFill>
+                <a:latin typeface="Consolas"/>
+              </a:rPr>
+              <a:t>Serializable</a:t>
+            </a:r>
+            <a:r>
+              <a:rPr lang="en-US" dirty="0">
+                <a:solidFill>
+                  <a:srgbClr val="000000"/>
+                </a:solidFill>
+                <a:latin typeface="Consolas"/>
+              </a:rPr>
+              <a:t>]</a:t>
+            </a:r>
+          </a:p>
+          <a:p>
+            <a:pPr marL="0" indent="0">
+              <a:buNone/>
+            </a:pPr>
+            <a:r>
+              <a:rPr lang="en-US" dirty="0">
+                <a:solidFill>
+                  <a:srgbClr val="0000FF"/>
+                </a:solidFill>
+                <a:latin typeface="Consolas"/>
+              </a:rPr>
+              <a:t>class</a:t>
+            </a:r>
+            <a:r>
+              <a:rPr lang="en-US" dirty="0">
+                <a:solidFill>
+                  <a:srgbClr val="000000"/>
+                </a:solidFill>
+                <a:latin typeface="Consolas"/>
+              </a:rPr>
+              <a:t> Train</a:t>
+            </a:r>
+          </a:p>
+          <a:p>
+            <a:pPr marL="0" indent="0">
+              <a:buNone/>
+            </a:pPr>
+            <a:r>
+              <a:rPr lang="en-US" dirty="0">
+                <a:solidFill>
+                  <a:srgbClr val="000000"/>
+                </a:solidFill>
+                <a:latin typeface="Consolas"/>
+              </a:rPr>
+              <a:t>{</a:t>
+            </a:r>
+          </a:p>
+          <a:p>
+            <a:pPr marL="0" indent="0">
+              <a:buNone/>
+            </a:pPr>
+            <a:r>
+              <a:rPr lang="en-US" dirty="0">
+                <a:solidFill>
+                  <a:srgbClr val="000000"/>
+                </a:solidFill>
+                <a:latin typeface="Consolas"/>
+              </a:rPr>
+              <a:t>  [</a:t>
+            </a:r>
+            <a:r>
+              <a:rPr lang="en-US" dirty="0" err="1">
+                <a:solidFill>
+                  <a:srgbClr val="000000"/>
+                </a:solidFill>
+                <a:latin typeface="Consolas"/>
+              </a:rPr>
+              <a:t>NonSerialized</a:t>
+            </a:r>
+            <a:r>
+              <a:rPr lang="en-US" dirty="0">
+                <a:solidFill>
+                  <a:srgbClr val="000000"/>
+                </a:solidFill>
+                <a:latin typeface="Consolas"/>
+              </a:rPr>
+              <a:t>]</a:t>
+            </a:r>
+          </a:p>
+          <a:p>
+            <a:pPr marL="0" indent="0">
+              <a:buNone/>
+            </a:pPr>
+            <a:r>
+              <a:rPr lang="en-US" dirty="0">
+                <a:solidFill>
+                  <a:srgbClr val="000000"/>
+                </a:solidFill>
+                <a:latin typeface="Consolas"/>
+              </a:rPr>
+              <a:t>  </a:t>
+            </a:r>
+            <a:r>
+              <a:rPr lang="en-US" dirty="0">
+                <a:solidFill>
+                  <a:srgbClr val="0000FF"/>
+                </a:solidFill>
+                <a:latin typeface="Consolas"/>
+              </a:rPr>
+              <a:t>double</a:t>
+            </a:r>
+            <a:r>
+              <a:rPr lang="en-US" dirty="0">
+                <a:solidFill>
+                  <a:srgbClr val="000000"/>
+                </a:solidFill>
+                <a:latin typeface="Consolas"/>
+              </a:rPr>
+              <a:t> _speed;</a:t>
+            </a:r>
+          </a:p>
+          <a:p>
+            <a:pPr marL="0" indent="0">
+              <a:buNone/>
+            </a:pPr>
+            <a:r>
+              <a:rPr lang="en-US" dirty="0" smtClean="0">
+                <a:solidFill>
+                  <a:srgbClr val="0000FF"/>
+                </a:solidFill>
+                <a:latin typeface="Consolas"/>
+              </a:rPr>
+              <a:t>  </a:t>
+            </a:r>
+            <a:r>
+              <a:rPr lang="en-US" dirty="0" err="1" smtClean="0">
+                <a:solidFill>
+                  <a:srgbClr val="0000FF"/>
+                </a:solidFill>
+                <a:latin typeface="Consolas"/>
+              </a:rPr>
+              <a:t>int</a:t>
+            </a:r>
+            <a:r>
+              <a:rPr lang="en-US" dirty="0" smtClean="0">
+                <a:solidFill>
+                  <a:srgbClr val="000000"/>
+                </a:solidFill>
+                <a:latin typeface="Consolas"/>
+              </a:rPr>
+              <a:t> </a:t>
+            </a:r>
+            <a:r>
+              <a:rPr lang="en-US" dirty="0">
+                <a:solidFill>
+                  <a:srgbClr val="000000"/>
+                </a:solidFill>
+                <a:latin typeface="Consolas"/>
+              </a:rPr>
+              <a:t>_length;</a:t>
+            </a:r>
+          </a:p>
+          <a:p>
+            <a:pPr marL="0" indent="0">
+              <a:buNone/>
+            </a:pPr>
+            <a:r>
+              <a:rPr lang="en-US" dirty="0">
+                <a:solidFill>
+                  <a:srgbClr val="000000"/>
+                </a:solidFill>
+                <a:latin typeface="Consolas"/>
+              </a:rPr>
+              <a:t>  </a:t>
+            </a:r>
+            <a:r>
+              <a:rPr lang="en-US" dirty="0">
+                <a:solidFill>
+                  <a:srgbClr val="0000FF"/>
+                </a:solidFill>
+                <a:latin typeface="Consolas"/>
+              </a:rPr>
+              <a:t>string</a:t>
+            </a:r>
+            <a:r>
+              <a:rPr lang="en-US" dirty="0">
+                <a:solidFill>
+                  <a:srgbClr val="000000"/>
+                </a:solidFill>
+                <a:latin typeface="Consolas"/>
+              </a:rPr>
+              <a:t>[] _</a:t>
+            </a:r>
+            <a:r>
+              <a:rPr lang="en-US" dirty="0" err="1">
+                <a:solidFill>
+                  <a:srgbClr val="000000"/>
+                </a:solidFill>
+                <a:latin typeface="Consolas"/>
+              </a:rPr>
+              <a:t>travellers</a:t>
+            </a:r>
+            <a:r>
+              <a:rPr lang="en-US" dirty="0">
+                <a:solidFill>
+                  <a:srgbClr val="000000"/>
+                </a:solidFill>
+                <a:latin typeface="Consolas"/>
+              </a:rPr>
+              <a:t>;</a:t>
+            </a:r>
+          </a:p>
+          <a:p>
+            <a:pPr marL="0" indent="0">
+              <a:buNone/>
+            </a:pPr>
+            <a:r>
+              <a:rPr lang="en-US" dirty="0">
+                <a:solidFill>
+                  <a:srgbClr val="000000"/>
+                </a:solidFill>
+                <a:latin typeface="Consolas"/>
+              </a:rPr>
+              <a:t>  </a:t>
+            </a:r>
+          </a:p>
+          <a:p>
+            <a:pPr marL="0" indent="0">
+              <a:buNone/>
+            </a:pPr>
+            <a:r>
+              <a:rPr lang="en-US" dirty="0">
+                <a:solidFill>
+                  <a:srgbClr val="000000"/>
+                </a:solidFill>
+                <a:latin typeface="Consolas"/>
+              </a:rPr>
+              <a:t>  </a:t>
+            </a:r>
+            <a:r>
+              <a:rPr lang="en-US" dirty="0">
+                <a:solidFill>
+                  <a:srgbClr val="0000FF"/>
+                </a:solidFill>
+                <a:latin typeface="Consolas"/>
+              </a:rPr>
+              <a:t>public</a:t>
+            </a:r>
+            <a:r>
+              <a:rPr lang="en-US" dirty="0">
+                <a:solidFill>
+                  <a:srgbClr val="000000"/>
+                </a:solidFill>
+                <a:latin typeface="Consolas"/>
+              </a:rPr>
+              <a:t> Train(</a:t>
+            </a:r>
+            <a:r>
+              <a:rPr lang="en-US" dirty="0">
+                <a:solidFill>
+                  <a:srgbClr val="0000FF"/>
+                </a:solidFill>
+                <a:latin typeface="Consolas"/>
+              </a:rPr>
+              <a:t>double</a:t>
+            </a:r>
+            <a:r>
+              <a:rPr lang="en-US" dirty="0">
+                <a:solidFill>
+                  <a:srgbClr val="000000"/>
+                </a:solidFill>
+                <a:latin typeface="Consolas"/>
+              </a:rPr>
+              <a:t> speed, </a:t>
+            </a:r>
+            <a:r>
+              <a:rPr lang="en-US" dirty="0" err="1">
+                <a:solidFill>
+                  <a:srgbClr val="0000FF"/>
+                </a:solidFill>
+                <a:latin typeface="Consolas"/>
+              </a:rPr>
+              <a:t>int</a:t>
+            </a:r>
+            <a:r>
+              <a:rPr lang="en-US" dirty="0">
+                <a:solidFill>
+                  <a:srgbClr val="000000"/>
+                </a:solidFill>
+                <a:latin typeface="Consolas"/>
+              </a:rPr>
+              <a:t> length, </a:t>
+            </a:r>
+            <a:r>
+              <a:rPr lang="en-US" dirty="0" err="1">
+                <a:solidFill>
+                  <a:srgbClr val="0000FF"/>
+                </a:solidFill>
+                <a:latin typeface="Consolas"/>
+              </a:rPr>
+              <a:t>params</a:t>
+            </a:r>
+            <a:r>
+              <a:rPr lang="en-US" dirty="0">
+                <a:solidFill>
+                  <a:srgbClr val="000000"/>
+                </a:solidFill>
+                <a:latin typeface="Consolas"/>
+              </a:rPr>
+              <a:t> </a:t>
+            </a:r>
+            <a:r>
+              <a:rPr lang="en-US" dirty="0">
+                <a:solidFill>
+                  <a:srgbClr val="0000FF"/>
+                </a:solidFill>
+                <a:latin typeface="Consolas"/>
+              </a:rPr>
+              <a:t>string</a:t>
+            </a:r>
+            <a:r>
+              <a:rPr lang="en-US" dirty="0">
+                <a:solidFill>
+                  <a:srgbClr val="000000"/>
+                </a:solidFill>
+                <a:latin typeface="Consolas"/>
+              </a:rPr>
+              <a:t>[] </a:t>
+            </a:r>
+            <a:r>
+              <a:rPr lang="en-US" dirty="0" err="1">
+                <a:solidFill>
+                  <a:srgbClr val="000000"/>
+                </a:solidFill>
+                <a:latin typeface="Consolas"/>
+              </a:rPr>
+              <a:t>travellers</a:t>
+            </a:r>
+            <a:r>
+              <a:rPr lang="en-US" dirty="0">
+                <a:solidFill>
+                  <a:srgbClr val="000000"/>
+                </a:solidFill>
+                <a:latin typeface="Consolas"/>
+              </a:rPr>
+              <a:t>)</a:t>
+            </a:r>
+          </a:p>
+          <a:p>
+            <a:pPr marL="0" indent="0">
+              <a:buNone/>
+            </a:pPr>
+            <a:r>
+              <a:rPr lang="en-US" dirty="0">
+                <a:solidFill>
+                  <a:srgbClr val="000000"/>
+                </a:solidFill>
+                <a:latin typeface="Consolas"/>
+              </a:rPr>
+              <a:t>  {</a:t>
+            </a:r>
+          </a:p>
+          <a:p>
+            <a:pPr marL="0" indent="0">
+              <a:buNone/>
+            </a:pPr>
+            <a:r>
+              <a:rPr lang="en-US" dirty="0">
+                <a:solidFill>
+                  <a:srgbClr val="000000"/>
+                </a:solidFill>
+                <a:latin typeface="Consolas"/>
+              </a:rPr>
+              <a:t>      _speed = speed;</a:t>
+            </a:r>
+          </a:p>
+          <a:p>
+            <a:pPr marL="0" indent="0">
+              <a:buNone/>
+            </a:pPr>
+            <a:r>
+              <a:rPr lang="en-US" dirty="0">
+                <a:solidFill>
+                  <a:srgbClr val="000000"/>
+                </a:solidFill>
+                <a:latin typeface="Consolas"/>
+              </a:rPr>
+              <a:t>      _length = length;</a:t>
+            </a:r>
+          </a:p>
+          <a:p>
+            <a:pPr marL="0" indent="0">
+              <a:buNone/>
+            </a:pPr>
+            <a:r>
+              <a:rPr lang="en-US" dirty="0">
+                <a:solidFill>
+                  <a:srgbClr val="000000"/>
+                </a:solidFill>
+                <a:latin typeface="Consolas"/>
+              </a:rPr>
+              <a:t>      _</a:t>
+            </a:r>
+            <a:r>
+              <a:rPr lang="en-US" dirty="0" err="1">
+                <a:solidFill>
+                  <a:srgbClr val="000000"/>
+                </a:solidFill>
+                <a:latin typeface="Consolas"/>
+              </a:rPr>
+              <a:t>travellers</a:t>
+            </a:r>
+            <a:r>
+              <a:rPr lang="en-US" dirty="0">
+                <a:solidFill>
+                  <a:srgbClr val="000000"/>
+                </a:solidFill>
+                <a:latin typeface="Consolas"/>
+              </a:rPr>
+              <a:t> = </a:t>
+            </a:r>
+            <a:r>
+              <a:rPr lang="en-US" dirty="0" err="1">
+                <a:solidFill>
+                  <a:srgbClr val="000000"/>
+                </a:solidFill>
+                <a:latin typeface="Consolas"/>
+              </a:rPr>
+              <a:t>travellers</a:t>
+            </a:r>
+            <a:r>
+              <a:rPr lang="en-US" dirty="0">
+                <a:solidFill>
+                  <a:srgbClr val="000000"/>
+                </a:solidFill>
+                <a:latin typeface="Consolas"/>
+              </a:rPr>
+              <a:t>;</a:t>
+            </a:r>
+          </a:p>
+          <a:p>
+            <a:pPr marL="0" indent="0">
+              <a:buNone/>
+            </a:pPr>
+            <a:r>
+              <a:rPr lang="en-US" dirty="0">
+                <a:solidFill>
+                  <a:srgbClr val="000000"/>
+                </a:solidFill>
+                <a:latin typeface="Consolas"/>
+              </a:rPr>
+              <a:t>  }</a:t>
+            </a:r>
+          </a:p>
+          <a:p>
+            <a:pPr marL="0" indent="0">
+              <a:buNone/>
+            </a:pPr>
+            <a:r>
+              <a:rPr lang="ru-RU" dirty="0" smtClean="0">
+                <a:solidFill>
+                  <a:srgbClr val="0000FF"/>
+                </a:solidFill>
+                <a:latin typeface="Consolas"/>
+              </a:rPr>
+              <a:t>  </a:t>
+            </a:r>
+            <a:r>
+              <a:rPr lang="en-US" dirty="0" smtClean="0">
+                <a:solidFill>
+                  <a:srgbClr val="0000FF"/>
+                </a:solidFill>
+                <a:latin typeface="Consolas"/>
+              </a:rPr>
+              <a:t>public</a:t>
+            </a:r>
+            <a:r>
+              <a:rPr lang="en-US" dirty="0" smtClean="0">
+                <a:solidFill>
+                  <a:srgbClr val="000000"/>
+                </a:solidFill>
+                <a:latin typeface="Consolas"/>
+              </a:rPr>
+              <a:t> </a:t>
+            </a:r>
+            <a:r>
+              <a:rPr lang="en-US" dirty="0">
+                <a:solidFill>
+                  <a:srgbClr val="0000FF"/>
+                </a:solidFill>
+                <a:latin typeface="Consolas"/>
+              </a:rPr>
+              <a:t>void</a:t>
+            </a:r>
+            <a:r>
+              <a:rPr lang="en-US" dirty="0">
+                <a:solidFill>
+                  <a:srgbClr val="000000"/>
+                </a:solidFill>
+                <a:latin typeface="Consolas"/>
+              </a:rPr>
+              <a:t> Print()</a:t>
+            </a:r>
+          </a:p>
+          <a:p>
+            <a:pPr marL="0" indent="0">
+              <a:buNone/>
+            </a:pPr>
+            <a:r>
+              <a:rPr lang="en-US" dirty="0">
+                <a:solidFill>
+                  <a:srgbClr val="000000"/>
+                </a:solidFill>
+                <a:latin typeface="Consolas"/>
+              </a:rPr>
+              <a:t>  {</a:t>
+            </a:r>
+          </a:p>
+          <a:p>
+            <a:pPr marL="0" indent="0">
+              <a:buNone/>
+            </a:pPr>
+            <a:r>
+              <a:rPr lang="en-US" dirty="0">
+                <a:solidFill>
+                  <a:srgbClr val="000000"/>
+                </a:solidFill>
+                <a:latin typeface="Consolas"/>
+              </a:rPr>
+              <a:t>      </a:t>
+            </a:r>
+            <a:r>
+              <a:rPr lang="en-US" dirty="0" err="1">
+                <a:solidFill>
+                  <a:srgbClr val="000000"/>
+                </a:solidFill>
+                <a:latin typeface="Consolas"/>
+              </a:rPr>
+              <a:t>Console.WriteLine</a:t>
+            </a:r>
+            <a:r>
+              <a:rPr lang="en-US" dirty="0">
+                <a:solidFill>
+                  <a:srgbClr val="000000"/>
+                </a:solidFill>
+                <a:latin typeface="Consolas"/>
+              </a:rPr>
               <a:t>(</a:t>
             </a:r>
             <a:r>
-              <a:rPr lang="en-US" dirty="0" smtClean="0"/>
-              <a:t>XML</a:t>
-            </a:r>
-            <a:r>
-              <a:rPr lang="ru-RU" dirty="0" smtClean="0"/>
-              <a:t>)</a:t>
-            </a:r>
-            <a:r>
-              <a:rPr lang="en-US" dirty="0" smtClean="0"/>
+              <a:rPr lang="en-US" dirty="0">
+                <a:solidFill>
+                  <a:srgbClr val="DC1414"/>
+                </a:solidFill>
+                <a:latin typeface="Consolas"/>
+              </a:rPr>
+              <a:t>"Speed: {0}"</a:t>
+            </a:r>
+            <a:r>
+              <a:rPr lang="en-US" dirty="0">
+                <a:solidFill>
+                  <a:srgbClr val="000000"/>
+                </a:solidFill>
+                <a:latin typeface="Consolas"/>
+              </a:rPr>
+              <a:t>, _speed);</a:t>
+            </a:r>
+          </a:p>
+          <a:p>
+            <a:pPr marL="0" indent="0">
+              <a:buNone/>
+            </a:pPr>
+            <a:r>
+              <a:rPr lang="en-US" dirty="0">
+                <a:solidFill>
+                  <a:srgbClr val="000000"/>
+                </a:solidFill>
+                <a:latin typeface="Consolas"/>
+              </a:rPr>
+              <a:t>      </a:t>
+            </a:r>
+            <a:r>
+              <a:rPr lang="en-US" dirty="0" err="1">
+                <a:solidFill>
+                  <a:srgbClr val="000000"/>
+                </a:solidFill>
+                <a:latin typeface="Consolas"/>
+              </a:rPr>
+              <a:t>Console.WriteLine</a:t>
+            </a:r>
+            <a:r>
+              <a:rPr lang="en-US" dirty="0">
+                <a:solidFill>
+                  <a:srgbClr val="000000"/>
+                </a:solidFill>
+                <a:latin typeface="Consolas"/>
+              </a:rPr>
+              <a:t>(</a:t>
+            </a:r>
+            <a:r>
+              <a:rPr lang="en-US" dirty="0">
+                <a:solidFill>
+                  <a:srgbClr val="DC1414"/>
+                </a:solidFill>
+                <a:latin typeface="Consolas"/>
+              </a:rPr>
+              <a:t>"Length : {0}"</a:t>
+            </a:r>
+            <a:r>
+              <a:rPr lang="en-US" dirty="0">
+                <a:solidFill>
+                  <a:srgbClr val="000000"/>
+                </a:solidFill>
+                <a:latin typeface="Consolas"/>
+              </a:rPr>
+              <a:t>, _length);</a:t>
+            </a:r>
+          </a:p>
+          <a:p>
+            <a:pPr marL="0" indent="0">
+              <a:buNone/>
+            </a:pPr>
+            <a:r>
+              <a:rPr lang="fr-FR" dirty="0">
+                <a:solidFill>
+                  <a:srgbClr val="000000"/>
+                </a:solidFill>
+                <a:latin typeface="Consolas"/>
+              </a:rPr>
+              <a:t>      </a:t>
+            </a:r>
+            <a:r>
+              <a:rPr lang="fr-FR" dirty="0" err="1">
+                <a:solidFill>
+                  <a:srgbClr val="000000"/>
+                </a:solidFill>
+                <a:latin typeface="Consolas"/>
+              </a:rPr>
+              <a:t>Console.WriteLine</a:t>
+            </a:r>
+            <a:r>
+              <a:rPr lang="fr-FR" dirty="0">
+                <a:solidFill>
+                  <a:srgbClr val="000000"/>
+                </a:solidFill>
+                <a:latin typeface="Consolas"/>
+              </a:rPr>
+              <a:t>(</a:t>
+            </a:r>
+            <a:r>
+              <a:rPr lang="fr-FR" dirty="0">
+                <a:solidFill>
+                  <a:srgbClr val="DC1414"/>
+                </a:solidFill>
+                <a:latin typeface="Consolas"/>
+              </a:rPr>
+              <a:t>"</a:t>
+            </a:r>
+            <a:r>
+              <a:rPr lang="fr-FR" dirty="0" err="1">
+                <a:solidFill>
+                  <a:srgbClr val="DC1414"/>
+                </a:solidFill>
+                <a:latin typeface="Consolas"/>
+              </a:rPr>
+              <a:t>Travellers</a:t>
+            </a:r>
+            <a:r>
+              <a:rPr lang="fr-FR" dirty="0">
+                <a:solidFill>
+                  <a:srgbClr val="DC1414"/>
+                </a:solidFill>
+                <a:latin typeface="Consolas"/>
+              </a:rPr>
+              <a:t>: {0}"</a:t>
+            </a:r>
+            <a:r>
+              <a:rPr lang="fr-FR" dirty="0">
+                <a:solidFill>
+                  <a:srgbClr val="000000"/>
+                </a:solidFill>
+                <a:latin typeface="Consolas"/>
+              </a:rPr>
+              <a:t>, </a:t>
+            </a:r>
+            <a:r>
+              <a:rPr lang="fr-FR" dirty="0" err="1">
+                <a:solidFill>
+                  <a:srgbClr val="000000"/>
+                </a:solidFill>
+                <a:latin typeface="Consolas"/>
+              </a:rPr>
+              <a:t>String.Join</a:t>
+            </a:r>
+            <a:r>
+              <a:rPr lang="fr-FR" dirty="0">
+                <a:solidFill>
+                  <a:srgbClr val="000000"/>
+                </a:solidFill>
+                <a:latin typeface="Consolas"/>
+              </a:rPr>
+              <a:t>(</a:t>
+            </a:r>
+            <a:r>
+              <a:rPr lang="fr-FR" dirty="0">
+                <a:solidFill>
+                  <a:srgbClr val="DC1414"/>
+                </a:solidFill>
+                <a:latin typeface="Consolas"/>
+              </a:rPr>
+              <a:t>"; "</a:t>
+            </a:r>
+            <a:r>
+              <a:rPr lang="fr-FR" dirty="0">
+                <a:solidFill>
+                  <a:srgbClr val="000000"/>
+                </a:solidFill>
+                <a:latin typeface="Consolas"/>
+              </a:rPr>
+              <a:t>, _</a:t>
+            </a:r>
+            <a:r>
+              <a:rPr lang="fr-FR" dirty="0" err="1">
+                <a:solidFill>
+                  <a:srgbClr val="000000"/>
+                </a:solidFill>
+                <a:latin typeface="Consolas"/>
+              </a:rPr>
+              <a:t>travellers</a:t>
+            </a:r>
+            <a:r>
+              <a:rPr lang="fr-FR" dirty="0">
+                <a:solidFill>
+                  <a:srgbClr val="000000"/>
+                </a:solidFill>
+                <a:latin typeface="Consolas"/>
+              </a:rPr>
+              <a:t>));</a:t>
+            </a:r>
+          </a:p>
+          <a:p>
+            <a:pPr marL="0" indent="0">
+              <a:buNone/>
+            </a:pPr>
+            <a:r>
+              <a:rPr lang="en-US" dirty="0">
+                <a:solidFill>
+                  <a:srgbClr val="000000"/>
+                </a:solidFill>
+                <a:latin typeface="Consolas"/>
+              </a:rPr>
+              <a:t>  }</a:t>
+            </a:r>
+          </a:p>
+          <a:p>
+            <a:pPr marL="0" indent="0">
+              <a:buNone/>
+            </a:pPr>
+            <a:r>
+              <a:rPr lang="en-US" dirty="0">
+                <a:solidFill>
+                  <a:srgbClr val="000000"/>
+                </a:solidFill>
+                <a:latin typeface="Consolas"/>
+              </a:rPr>
+              <a:t>}</a:t>
+            </a:r>
+          </a:p>
+          <a:p>
+            <a:pPr marL="0" indent="0">
+              <a:buNone/>
+            </a:pPr>
+            <a:r>
+              <a:rPr lang="en-US" dirty="0" smtClean="0">
+                <a:solidFill>
+                  <a:srgbClr val="0000FF"/>
+                </a:solidFill>
+                <a:latin typeface="Consolas"/>
+              </a:rPr>
+              <a:t>static</a:t>
+            </a:r>
+            <a:r>
+              <a:rPr lang="en-US" dirty="0" smtClean="0">
+                <a:solidFill>
+                  <a:srgbClr val="000000"/>
+                </a:solidFill>
+                <a:latin typeface="Consolas"/>
+              </a:rPr>
               <a:t> </a:t>
             </a:r>
             <a:r>
-              <a:rPr lang="ru-RU" dirty="0" smtClean="0"/>
-              <a:t>сериализацию. При необходимости можно реализовать собственный механизм.</a:t>
+              <a:rPr lang="en-US" dirty="0">
+                <a:solidFill>
+                  <a:srgbClr val="0000FF"/>
+                </a:solidFill>
+                <a:latin typeface="Consolas"/>
+              </a:rPr>
+              <a:t>void</a:t>
+            </a:r>
+            <a:r>
+              <a:rPr lang="en-US" dirty="0">
+                <a:solidFill>
+                  <a:srgbClr val="000000"/>
+                </a:solidFill>
+                <a:latin typeface="Consolas"/>
+              </a:rPr>
+              <a:t> Main()</a:t>
+            </a:r>
+          </a:p>
+          <a:p>
+            <a:pPr marL="0" indent="0">
+              <a:buNone/>
+            </a:pPr>
+            <a:r>
+              <a:rPr lang="en-US" dirty="0">
+                <a:solidFill>
+                  <a:srgbClr val="000000"/>
+                </a:solidFill>
+                <a:latin typeface="Consolas"/>
+              </a:rPr>
+              <a:t>{</a:t>
+            </a:r>
+          </a:p>
+          <a:p>
+            <a:pPr marL="0" indent="0">
+              <a:buNone/>
+            </a:pPr>
+            <a:r>
+              <a:rPr lang="ru-RU" dirty="0" smtClean="0">
+                <a:solidFill>
+                  <a:srgbClr val="000000"/>
+                </a:solidFill>
+                <a:latin typeface="Consolas"/>
+              </a:rPr>
+              <a:t>    </a:t>
+            </a:r>
+            <a:r>
+              <a:rPr lang="fr-FR" dirty="0" smtClean="0">
+                <a:solidFill>
+                  <a:srgbClr val="000000"/>
+                </a:solidFill>
+                <a:latin typeface="Consolas"/>
+              </a:rPr>
+              <a:t>Train </a:t>
+            </a:r>
+            <a:r>
+              <a:rPr lang="fr-FR" dirty="0" err="1">
+                <a:solidFill>
+                  <a:srgbClr val="000000"/>
+                </a:solidFill>
+                <a:latin typeface="Consolas"/>
+              </a:rPr>
+              <a:t>train</a:t>
+            </a:r>
+            <a:r>
+              <a:rPr lang="fr-FR" dirty="0">
+                <a:solidFill>
+                  <a:srgbClr val="000000"/>
+                </a:solidFill>
+                <a:latin typeface="Consolas"/>
+              </a:rPr>
+              <a:t> = </a:t>
+            </a:r>
+            <a:r>
+              <a:rPr lang="fr-FR" dirty="0">
+                <a:solidFill>
+                  <a:srgbClr val="0000FF"/>
+                </a:solidFill>
+                <a:latin typeface="Consolas"/>
+              </a:rPr>
+              <a:t>new</a:t>
+            </a:r>
+            <a:r>
+              <a:rPr lang="fr-FR" dirty="0">
+                <a:solidFill>
+                  <a:srgbClr val="000000"/>
+                </a:solidFill>
+                <a:latin typeface="Consolas"/>
+              </a:rPr>
+              <a:t> Train(</a:t>
+            </a:r>
+            <a:r>
+              <a:rPr lang="fr-FR" dirty="0">
+                <a:solidFill>
+                  <a:srgbClr val="C81EFA"/>
+                </a:solidFill>
+                <a:latin typeface="Consolas"/>
+              </a:rPr>
+              <a:t>190.2</a:t>
+            </a:r>
+            <a:r>
+              <a:rPr lang="fr-FR" dirty="0">
+                <a:solidFill>
+                  <a:srgbClr val="000000"/>
+                </a:solidFill>
+                <a:latin typeface="Consolas"/>
+              </a:rPr>
+              <a:t>, </a:t>
+            </a:r>
+            <a:r>
+              <a:rPr lang="fr-FR" dirty="0">
+                <a:solidFill>
+                  <a:srgbClr val="C81EFA"/>
+                </a:solidFill>
+                <a:latin typeface="Consolas"/>
+              </a:rPr>
+              <a:t>8</a:t>
+            </a:r>
+            <a:r>
+              <a:rPr lang="fr-FR" dirty="0">
+                <a:solidFill>
+                  <a:srgbClr val="000000"/>
+                </a:solidFill>
+                <a:latin typeface="Consolas"/>
+              </a:rPr>
+              <a:t>, </a:t>
+            </a:r>
+            <a:r>
+              <a:rPr lang="fr-FR" dirty="0">
+                <a:solidFill>
+                  <a:srgbClr val="DC1414"/>
+                </a:solidFill>
+                <a:latin typeface="Consolas"/>
+              </a:rPr>
+              <a:t>"Ivanov"</a:t>
+            </a:r>
+            <a:r>
+              <a:rPr lang="fr-FR" dirty="0">
+                <a:solidFill>
+                  <a:srgbClr val="000000"/>
+                </a:solidFill>
+                <a:latin typeface="Consolas"/>
+              </a:rPr>
+              <a:t>, </a:t>
+            </a:r>
+            <a:r>
+              <a:rPr lang="fr-FR" dirty="0">
+                <a:solidFill>
+                  <a:srgbClr val="DC1414"/>
+                </a:solidFill>
+                <a:latin typeface="Consolas"/>
+              </a:rPr>
+              <a:t>"Petrov"</a:t>
+            </a:r>
+            <a:r>
+              <a:rPr lang="fr-FR" dirty="0">
+                <a:solidFill>
+                  <a:srgbClr val="000000"/>
+                </a:solidFill>
+                <a:latin typeface="Consolas"/>
+              </a:rPr>
+              <a:t>, </a:t>
+            </a:r>
+            <a:r>
+              <a:rPr lang="fr-FR" dirty="0">
+                <a:solidFill>
+                  <a:srgbClr val="DC1414"/>
+                </a:solidFill>
+                <a:latin typeface="Consolas"/>
+              </a:rPr>
+              <a:t>"</a:t>
+            </a:r>
+            <a:r>
+              <a:rPr lang="fr-FR" dirty="0" err="1">
+                <a:solidFill>
+                  <a:srgbClr val="DC1414"/>
+                </a:solidFill>
+                <a:latin typeface="Consolas"/>
+              </a:rPr>
+              <a:t>Sidorov</a:t>
+            </a:r>
+            <a:r>
+              <a:rPr lang="fr-FR" dirty="0">
+                <a:solidFill>
+                  <a:srgbClr val="DC1414"/>
+                </a:solidFill>
+                <a:latin typeface="Consolas"/>
+              </a:rPr>
+              <a:t>"</a:t>
+            </a:r>
+            <a:r>
+              <a:rPr lang="fr-FR" dirty="0">
+                <a:solidFill>
+                  <a:srgbClr val="000000"/>
+                </a:solidFill>
+                <a:latin typeface="Consolas"/>
+              </a:rPr>
+              <a:t>);</a:t>
+            </a:r>
+          </a:p>
+          <a:p>
+            <a:pPr marL="0" indent="0">
+              <a:buNone/>
+            </a:pPr>
+            <a:r>
+              <a:rPr lang="ru-RU" dirty="0" smtClean="0">
+                <a:solidFill>
+                  <a:srgbClr val="000000"/>
+                </a:solidFill>
+                <a:latin typeface="Consolas"/>
+              </a:rPr>
+              <a:t>    </a:t>
+            </a:r>
+            <a:r>
+              <a:rPr lang="en-US" dirty="0" err="1" smtClean="0">
+                <a:solidFill>
+                  <a:srgbClr val="000000"/>
+                </a:solidFill>
+                <a:latin typeface="Consolas"/>
+              </a:rPr>
+              <a:t>train.Print</a:t>
+            </a:r>
+            <a:r>
+              <a:rPr lang="en-US" dirty="0">
+                <a:solidFill>
+                  <a:srgbClr val="000000"/>
+                </a:solidFill>
+                <a:latin typeface="Consolas"/>
+              </a:rPr>
+              <a:t>();</a:t>
+            </a:r>
+          </a:p>
+          <a:p>
+            <a:pPr marL="0" indent="0">
+              <a:buNone/>
+            </a:pPr>
+            <a:r>
+              <a:rPr lang="ru-RU" dirty="0" smtClean="0">
+                <a:solidFill>
+                  <a:srgbClr val="0000FF"/>
+                </a:solidFill>
+                <a:latin typeface="Consolas"/>
+              </a:rPr>
+              <a:t>    </a:t>
+            </a:r>
+            <a:r>
+              <a:rPr lang="en-US" dirty="0" smtClean="0">
+                <a:solidFill>
+                  <a:srgbClr val="0000FF"/>
+                </a:solidFill>
+                <a:latin typeface="Consolas"/>
+              </a:rPr>
+              <a:t>string</a:t>
+            </a:r>
+            <a:r>
+              <a:rPr lang="en-US" dirty="0" smtClean="0">
+                <a:solidFill>
+                  <a:srgbClr val="000000"/>
+                </a:solidFill>
+                <a:latin typeface="Consolas"/>
+              </a:rPr>
+              <a:t> </a:t>
+            </a:r>
+            <a:r>
+              <a:rPr lang="en-US" dirty="0" err="1">
+                <a:solidFill>
+                  <a:srgbClr val="000000"/>
+                </a:solidFill>
+                <a:latin typeface="Consolas"/>
+              </a:rPr>
+              <a:t>tempFileName</a:t>
+            </a:r>
+            <a:r>
+              <a:rPr lang="en-US" dirty="0">
+                <a:solidFill>
+                  <a:srgbClr val="000000"/>
+                </a:solidFill>
+                <a:latin typeface="Consolas"/>
+              </a:rPr>
+              <a:t> = </a:t>
+            </a:r>
+            <a:r>
+              <a:rPr lang="en-US" dirty="0" err="1">
+                <a:solidFill>
+                  <a:srgbClr val="000000"/>
+                </a:solidFill>
+                <a:latin typeface="Consolas"/>
+              </a:rPr>
+              <a:t>Path.Combine</a:t>
+            </a:r>
+            <a:r>
+              <a:rPr lang="en-US" dirty="0">
+                <a:solidFill>
+                  <a:srgbClr val="000000"/>
+                </a:solidFill>
+                <a:latin typeface="Consolas"/>
+              </a:rPr>
+              <a:t>(</a:t>
+            </a:r>
+            <a:r>
+              <a:rPr lang="en-US" dirty="0" err="1">
+                <a:solidFill>
+                  <a:srgbClr val="000000"/>
+                </a:solidFill>
+                <a:latin typeface="Consolas"/>
+              </a:rPr>
+              <a:t>Path.GetTempPath</a:t>
+            </a:r>
+            <a:r>
+              <a:rPr lang="en-US" dirty="0">
+                <a:solidFill>
+                  <a:srgbClr val="000000"/>
+                </a:solidFill>
+                <a:latin typeface="Consolas"/>
+              </a:rPr>
+              <a:t>(), </a:t>
+            </a:r>
+            <a:r>
+              <a:rPr lang="en-US" dirty="0">
+                <a:solidFill>
+                  <a:srgbClr val="DC1414"/>
+                </a:solidFill>
+                <a:latin typeface="Consolas"/>
+              </a:rPr>
+              <a:t>"train.dat"</a:t>
+            </a:r>
+            <a:r>
+              <a:rPr lang="en-US" dirty="0">
+                <a:solidFill>
+                  <a:srgbClr val="000000"/>
+                </a:solidFill>
+                <a:latin typeface="Consolas"/>
+              </a:rPr>
+              <a:t>); </a:t>
+            </a:r>
+            <a:r>
+              <a:rPr lang="en-US" dirty="0" smtClean="0">
+                <a:solidFill>
+                  <a:srgbClr val="008000"/>
+                </a:solidFill>
+                <a:latin typeface="Consolas"/>
+              </a:rPr>
+              <a:t>//</a:t>
+            </a:r>
+            <a:r>
+              <a:rPr lang="ru-RU" dirty="0" smtClean="0">
+                <a:solidFill>
+                  <a:srgbClr val="008000"/>
+                </a:solidFill>
+                <a:latin typeface="Consolas"/>
+              </a:rPr>
+              <a:t> Будем работать с файлом в папке для временных файлов</a:t>
+            </a:r>
+            <a:endParaRPr lang="en-US" dirty="0">
+              <a:solidFill>
+                <a:srgbClr val="000000"/>
+              </a:solidFill>
+              <a:latin typeface="Consolas"/>
+            </a:endParaRPr>
+          </a:p>
+          <a:p>
+            <a:pPr marL="0" indent="0">
+              <a:buNone/>
+            </a:pPr>
+            <a:r>
+              <a:rPr lang="ru-RU" dirty="0" smtClean="0">
+                <a:solidFill>
+                  <a:srgbClr val="000000"/>
+                </a:solidFill>
+                <a:latin typeface="Consolas"/>
+              </a:rPr>
+              <a:t>    </a:t>
+            </a:r>
+            <a:r>
+              <a:rPr lang="en-US" dirty="0" err="1" smtClean="0">
+                <a:solidFill>
+                  <a:srgbClr val="000000"/>
+                </a:solidFill>
+                <a:latin typeface="Consolas"/>
+              </a:rPr>
+              <a:t>BinaryFormatter</a:t>
+            </a:r>
+            <a:r>
+              <a:rPr lang="en-US" dirty="0" smtClean="0">
+                <a:solidFill>
+                  <a:srgbClr val="000000"/>
+                </a:solidFill>
+                <a:latin typeface="Consolas"/>
+              </a:rPr>
+              <a:t> </a:t>
+            </a:r>
+            <a:r>
+              <a:rPr lang="en-US" dirty="0">
+                <a:solidFill>
+                  <a:srgbClr val="000000"/>
+                </a:solidFill>
+                <a:latin typeface="Consolas"/>
+              </a:rPr>
+              <a:t>bf = </a:t>
+            </a:r>
+            <a:r>
+              <a:rPr lang="en-US" dirty="0">
+                <a:solidFill>
+                  <a:srgbClr val="0000FF"/>
+                </a:solidFill>
+                <a:latin typeface="Consolas"/>
+              </a:rPr>
+              <a:t>new</a:t>
+            </a:r>
+            <a:r>
+              <a:rPr lang="en-US" dirty="0">
+                <a:solidFill>
+                  <a:srgbClr val="000000"/>
+                </a:solidFill>
+                <a:latin typeface="Consolas"/>
+              </a:rPr>
+              <a:t> </a:t>
+            </a:r>
+            <a:r>
+              <a:rPr lang="en-US" dirty="0" err="1">
+                <a:solidFill>
+                  <a:srgbClr val="000000"/>
+                </a:solidFill>
+                <a:latin typeface="Consolas"/>
+              </a:rPr>
+              <a:t>BinaryFormatter</a:t>
+            </a:r>
+            <a:r>
+              <a:rPr lang="en-US" dirty="0" smtClean="0">
+                <a:solidFill>
+                  <a:srgbClr val="000000"/>
+                </a:solidFill>
+                <a:latin typeface="Consolas"/>
+              </a:rPr>
+              <a:t>();</a:t>
+            </a:r>
+            <a:endParaRPr lang="ru-RU" dirty="0" smtClean="0">
+              <a:solidFill>
+                <a:srgbClr val="000000"/>
+              </a:solidFill>
+              <a:latin typeface="Consolas"/>
+            </a:endParaRPr>
+          </a:p>
+          <a:p>
+            <a:pPr marL="0" indent="0">
+              <a:buNone/>
+            </a:pPr>
+            <a:r>
+              <a:rPr lang="en-US" dirty="0" smtClean="0">
+                <a:solidFill>
+                  <a:srgbClr val="008000"/>
+                </a:solidFill>
+                <a:latin typeface="Consolas"/>
+              </a:rPr>
+              <a:t>    // </a:t>
+            </a:r>
+            <a:r>
+              <a:rPr lang="ru-RU" dirty="0">
+                <a:solidFill>
+                  <a:srgbClr val="008000"/>
+                </a:solidFill>
+                <a:latin typeface="Consolas"/>
+              </a:rPr>
+              <a:t>Выполняем сериализацию</a:t>
+            </a:r>
+            <a:endParaRPr lang="en-US" dirty="0">
+              <a:solidFill>
+                <a:srgbClr val="008000"/>
+              </a:solidFill>
+              <a:latin typeface="Consolas"/>
+            </a:endParaRPr>
+          </a:p>
+          <a:p>
+            <a:pPr marL="0" indent="0">
+              <a:buNone/>
+            </a:pPr>
+            <a:r>
+              <a:rPr lang="ru-RU" dirty="0" smtClean="0">
+                <a:solidFill>
+                  <a:srgbClr val="0000FF"/>
+                </a:solidFill>
+                <a:latin typeface="Consolas"/>
+              </a:rPr>
+              <a:t>    </a:t>
+            </a:r>
+            <a:r>
+              <a:rPr lang="en-US" dirty="0" smtClean="0">
+                <a:solidFill>
+                  <a:srgbClr val="0000FF"/>
+                </a:solidFill>
+                <a:latin typeface="Consolas"/>
+              </a:rPr>
+              <a:t>using</a:t>
+            </a:r>
+            <a:r>
+              <a:rPr lang="en-US" dirty="0" smtClean="0">
+                <a:solidFill>
+                  <a:srgbClr val="000000"/>
+                </a:solidFill>
+                <a:latin typeface="Consolas"/>
+              </a:rPr>
+              <a:t> </a:t>
+            </a:r>
+            <a:r>
+              <a:rPr lang="en-US" dirty="0">
+                <a:solidFill>
+                  <a:srgbClr val="000000"/>
+                </a:solidFill>
+                <a:latin typeface="Consolas"/>
+              </a:rPr>
+              <a:t>(</a:t>
+            </a:r>
+            <a:r>
+              <a:rPr lang="en-US" dirty="0" err="1">
+                <a:solidFill>
+                  <a:srgbClr val="000000"/>
+                </a:solidFill>
+                <a:latin typeface="Consolas"/>
+              </a:rPr>
+              <a:t>FileStream</a:t>
+            </a:r>
+            <a:r>
+              <a:rPr lang="en-US" dirty="0">
+                <a:solidFill>
+                  <a:srgbClr val="000000"/>
+                </a:solidFill>
+                <a:latin typeface="Consolas"/>
+              </a:rPr>
+              <a:t> </a:t>
+            </a:r>
+            <a:r>
+              <a:rPr lang="en-US" dirty="0" err="1">
+                <a:solidFill>
+                  <a:srgbClr val="000000"/>
+                </a:solidFill>
+                <a:latin typeface="Consolas"/>
+              </a:rPr>
+              <a:t>fs</a:t>
+            </a:r>
+            <a:r>
+              <a:rPr lang="en-US" dirty="0">
+                <a:solidFill>
+                  <a:srgbClr val="000000"/>
+                </a:solidFill>
+                <a:latin typeface="Consolas"/>
+              </a:rPr>
+              <a:t> = </a:t>
+            </a:r>
+            <a:r>
+              <a:rPr lang="en-US" dirty="0" err="1">
+                <a:solidFill>
+                  <a:srgbClr val="000000"/>
+                </a:solidFill>
+                <a:latin typeface="Consolas"/>
+              </a:rPr>
+              <a:t>File.Open</a:t>
+            </a:r>
+            <a:r>
+              <a:rPr lang="en-US" dirty="0">
+                <a:solidFill>
+                  <a:srgbClr val="000000"/>
+                </a:solidFill>
+                <a:latin typeface="Consolas"/>
+              </a:rPr>
+              <a:t>(</a:t>
+            </a:r>
+            <a:r>
+              <a:rPr lang="en-US" dirty="0" err="1">
+                <a:solidFill>
+                  <a:srgbClr val="000000"/>
+                </a:solidFill>
+                <a:latin typeface="Consolas"/>
+              </a:rPr>
+              <a:t>tempFileName</a:t>
+            </a:r>
+            <a:r>
+              <a:rPr lang="en-US" dirty="0">
+                <a:solidFill>
+                  <a:srgbClr val="000000"/>
+                </a:solidFill>
+                <a:latin typeface="Consolas"/>
+              </a:rPr>
+              <a:t>, </a:t>
+            </a:r>
+            <a:r>
+              <a:rPr lang="en-US" dirty="0" err="1">
+                <a:solidFill>
+                  <a:srgbClr val="000000"/>
+                </a:solidFill>
+                <a:latin typeface="Consolas"/>
+              </a:rPr>
+              <a:t>FileMode.Create</a:t>
+            </a:r>
+            <a:r>
+              <a:rPr lang="en-US" dirty="0">
+                <a:solidFill>
+                  <a:srgbClr val="000000"/>
+                </a:solidFill>
+                <a:latin typeface="Consolas"/>
+              </a:rPr>
+              <a:t>))</a:t>
+            </a:r>
+          </a:p>
+          <a:p>
+            <a:pPr marL="0" indent="0">
+              <a:buNone/>
+            </a:pPr>
+            <a:r>
+              <a:rPr lang="ru-RU" dirty="0" smtClean="0">
+                <a:solidFill>
+                  <a:srgbClr val="000000"/>
+                </a:solidFill>
+                <a:latin typeface="Consolas"/>
+              </a:rPr>
+              <a:t>    </a:t>
+            </a:r>
+            <a:r>
+              <a:rPr lang="en-US" dirty="0" smtClean="0">
+                <a:solidFill>
+                  <a:srgbClr val="000000"/>
+                </a:solidFill>
+                <a:latin typeface="Consolas"/>
+              </a:rPr>
+              <a:t>{</a:t>
+            </a:r>
+            <a:endParaRPr lang="en-US" dirty="0">
+              <a:solidFill>
+                <a:srgbClr val="000000"/>
+              </a:solidFill>
+              <a:latin typeface="Consolas"/>
+            </a:endParaRPr>
+          </a:p>
+          <a:p>
+            <a:pPr marL="0" indent="0">
+              <a:buNone/>
+            </a:pPr>
+            <a:r>
+              <a:rPr lang="ru-RU" dirty="0" smtClean="0">
+                <a:solidFill>
+                  <a:srgbClr val="000000"/>
+                </a:solidFill>
+                <a:latin typeface="Consolas"/>
+              </a:rPr>
+              <a:t>        </a:t>
+            </a:r>
+            <a:r>
+              <a:rPr lang="en-US" dirty="0" err="1" smtClean="0">
+                <a:solidFill>
+                  <a:srgbClr val="000000"/>
+                </a:solidFill>
+                <a:latin typeface="Consolas"/>
+              </a:rPr>
+              <a:t>bf.Serialize</a:t>
+            </a:r>
+            <a:r>
+              <a:rPr lang="en-US" dirty="0" smtClean="0">
+                <a:solidFill>
+                  <a:srgbClr val="000000"/>
+                </a:solidFill>
+                <a:latin typeface="Consolas"/>
+              </a:rPr>
+              <a:t>(</a:t>
+            </a:r>
+            <a:r>
+              <a:rPr lang="en-US" dirty="0" err="1" smtClean="0">
+                <a:solidFill>
+                  <a:srgbClr val="000000"/>
+                </a:solidFill>
+                <a:latin typeface="Consolas"/>
+              </a:rPr>
+              <a:t>fs</a:t>
+            </a:r>
+            <a:r>
+              <a:rPr lang="en-US" dirty="0">
+                <a:solidFill>
+                  <a:srgbClr val="000000"/>
+                </a:solidFill>
+                <a:latin typeface="Consolas"/>
+              </a:rPr>
+              <a:t>, train);</a:t>
+            </a:r>
+          </a:p>
+          <a:p>
+            <a:pPr marL="0" indent="0">
+              <a:buNone/>
+            </a:pPr>
+            <a:r>
+              <a:rPr lang="ru-RU" dirty="0" smtClean="0">
+                <a:solidFill>
+                  <a:srgbClr val="000000"/>
+                </a:solidFill>
+                <a:latin typeface="Consolas"/>
+              </a:rPr>
+              <a:t>    </a:t>
+            </a:r>
+            <a:r>
+              <a:rPr lang="en-US" dirty="0" smtClean="0">
+                <a:solidFill>
+                  <a:srgbClr val="000000"/>
+                </a:solidFill>
+                <a:latin typeface="Consolas"/>
+              </a:rPr>
+              <a:t>}</a:t>
+            </a:r>
+            <a:endParaRPr lang="en-US" dirty="0">
+              <a:solidFill>
+                <a:srgbClr val="000000"/>
+              </a:solidFill>
+              <a:latin typeface="Consolas"/>
+            </a:endParaRPr>
+          </a:p>
+          <a:p>
+            <a:pPr marL="0" indent="0">
+              <a:buNone/>
+            </a:pPr>
+            <a:r>
+              <a:rPr lang="ru-RU" dirty="0" smtClean="0">
+                <a:solidFill>
+                  <a:srgbClr val="000000"/>
+                </a:solidFill>
+                <a:latin typeface="Consolas"/>
+              </a:rPr>
+              <a:t>    </a:t>
+            </a:r>
+            <a:r>
+              <a:rPr lang="en-US" dirty="0" err="1" smtClean="0">
+                <a:solidFill>
+                  <a:srgbClr val="000000"/>
+                </a:solidFill>
+                <a:latin typeface="Consolas"/>
+              </a:rPr>
+              <a:t>Console.WriteLine</a:t>
+            </a:r>
+            <a:r>
+              <a:rPr lang="en-US" dirty="0">
+                <a:solidFill>
+                  <a:srgbClr val="000000"/>
+                </a:solidFill>
+                <a:latin typeface="Consolas"/>
+              </a:rPr>
+              <a:t>();</a:t>
+            </a:r>
+          </a:p>
+          <a:p>
+            <a:pPr marL="0" indent="0">
+              <a:buNone/>
+            </a:pPr>
+            <a:r>
+              <a:rPr lang="ru-RU" dirty="0" smtClean="0">
+                <a:solidFill>
+                  <a:srgbClr val="008000"/>
+                </a:solidFill>
+                <a:latin typeface="Consolas"/>
+              </a:rPr>
+              <a:t>    </a:t>
+            </a:r>
+            <a:r>
+              <a:rPr lang="en-US" dirty="0" smtClean="0">
+                <a:solidFill>
+                  <a:srgbClr val="008000"/>
+                </a:solidFill>
+                <a:latin typeface="Consolas"/>
+              </a:rPr>
+              <a:t>// </a:t>
+            </a:r>
+            <a:r>
+              <a:rPr lang="ru-RU" dirty="0">
+                <a:solidFill>
+                  <a:srgbClr val="008000"/>
+                </a:solidFill>
+                <a:latin typeface="Consolas"/>
+              </a:rPr>
+              <a:t>Выполняем </a:t>
+            </a:r>
+            <a:r>
+              <a:rPr lang="ru-RU" dirty="0" smtClean="0">
+                <a:solidFill>
+                  <a:srgbClr val="008000"/>
+                </a:solidFill>
+                <a:latin typeface="Consolas"/>
+              </a:rPr>
+              <a:t>десериализацию</a:t>
+            </a:r>
+            <a:endParaRPr lang="en-US" dirty="0">
+              <a:solidFill>
+                <a:srgbClr val="000000"/>
+              </a:solidFill>
+              <a:latin typeface="Consolas"/>
+            </a:endParaRPr>
+          </a:p>
+          <a:p>
+            <a:pPr marL="0" indent="0">
+              <a:buNone/>
+            </a:pPr>
+            <a:r>
+              <a:rPr lang="ru-RU" dirty="0" smtClean="0">
+                <a:solidFill>
+                  <a:srgbClr val="0000FF"/>
+                </a:solidFill>
+                <a:latin typeface="Consolas"/>
+              </a:rPr>
+              <a:t>    </a:t>
+            </a:r>
+            <a:r>
+              <a:rPr lang="en-US" dirty="0" smtClean="0">
+                <a:solidFill>
+                  <a:srgbClr val="0000FF"/>
+                </a:solidFill>
+                <a:latin typeface="Consolas"/>
+              </a:rPr>
+              <a:t>using</a:t>
+            </a:r>
+            <a:r>
+              <a:rPr lang="en-US" dirty="0" smtClean="0">
+                <a:solidFill>
+                  <a:srgbClr val="000000"/>
+                </a:solidFill>
+                <a:latin typeface="Consolas"/>
+              </a:rPr>
+              <a:t> </a:t>
+            </a:r>
+            <a:r>
+              <a:rPr lang="en-US" dirty="0">
+                <a:solidFill>
+                  <a:srgbClr val="000000"/>
+                </a:solidFill>
+                <a:latin typeface="Consolas"/>
+              </a:rPr>
+              <a:t>(</a:t>
+            </a:r>
+            <a:r>
+              <a:rPr lang="en-US" dirty="0" err="1">
+                <a:solidFill>
+                  <a:srgbClr val="000000"/>
+                </a:solidFill>
+                <a:latin typeface="Consolas"/>
+              </a:rPr>
+              <a:t>FileStream</a:t>
+            </a:r>
+            <a:r>
+              <a:rPr lang="en-US" dirty="0">
+                <a:solidFill>
+                  <a:srgbClr val="000000"/>
+                </a:solidFill>
+                <a:latin typeface="Consolas"/>
+              </a:rPr>
+              <a:t> </a:t>
+            </a:r>
+            <a:r>
+              <a:rPr lang="en-US" dirty="0" err="1">
+                <a:solidFill>
+                  <a:srgbClr val="000000"/>
+                </a:solidFill>
+                <a:latin typeface="Consolas"/>
+              </a:rPr>
+              <a:t>fs</a:t>
+            </a:r>
+            <a:r>
+              <a:rPr lang="en-US" dirty="0">
+                <a:solidFill>
+                  <a:srgbClr val="000000"/>
+                </a:solidFill>
+                <a:latin typeface="Consolas"/>
+              </a:rPr>
+              <a:t> = </a:t>
+            </a:r>
+            <a:r>
+              <a:rPr lang="en-US" dirty="0" err="1">
+                <a:solidFill>
+                  <a:srgbClr val="000000"/>
+                </a:solidFill>
+                <a:latin typeface="Consolas"/>
+              </a:rPr>
+              <a:t>File.Open</a:t>
+            </a:r>
+            <a:r>
+              <a:rPr lang="en-US" dirty="0">
+                <a:solidFill>
+                  <a:srgbClr val="000000"/>
+                </a:solidFill>
+                <a:latin typeface="Consolas"/>
+              </a:rPr>
+              <a:t>(</a:t>
+            </a:r>
+            <a:r>
+              <a:rPr lang="en-US" dirty="0" err="1">
+                <a:solidFill>
+                  <a:srgbClr val="000000"/>
+                </a:solidFill>
+                <a:latin typeface="Consolas"/>
+              </a:rPr>
+              <a:t>tempFileName</a:t>
+            </a:r>
+            <a:r>
+              <a:rPr lang="en-US" dirty="0">
+                <a:solidFill>
+                  <a:srgbClr val="000000"/>
+                </a:solidFill>
+                <a:latin typeface="Consolas"/>
+              </a:rPr>
+              <a:t>, </a:t>
+            </a:r>
+            <a:r>
+              <a:rPr lang="en-US" dirty="0" err="1">
+                <a:solidFill>
+                  <a:srgbClr val="000000"/>
+                </a:solidFill>
+                <a:latin typeface="Consolas"/>
+              </a:rPr>
+              <a:t>FileMode.Open</a:t>
+            </a:r>
+            <a:r>
+              <a:rPr lang="en-US" dirty="0">
+                <a:solidFill>
+                  <a:srgbClr val="000000"/>
+                </a:solidFill>
+                <a:latin typeface="Consolas"/>
+              </a:rPr>
+              <a:t>))</a:t>
+            </a:r>
+          </a:p>
+          <a:p>
+            <a:pPr marL="0" indent="0">
+              <a:buNone/>
+            </a:pPr>
+            <a:r>
+              <a:rPr lang="ru-RU" dirty="0" smtClean="0">
+                <a:solidFill>
+                  <a:srgbClr val="000000"/>
+                </a:solidFill>
+                <a:latin typeface="Consolas"/>
+              </a:rPr>
+              <a:t>    </a:t>
+            </a:r>
+            <a:r>
+              <a:rPr lang="en-US" dirty="0" smtClean="0">
+                <a:solidFill>
+                  <a:srgbClr val="000000"/>
+                </a:solidFill>
+                <a:latin typeface="Consolas"/>
+              </a:rPr>
+              <a:t>{</a:t>
+            </a:r>
+            <a:endParaRPr lang="en-US" dirty="0">
+              <a:solidFill>
+                <a:srgbClr val="000000"/>
+              </a:solidFill>
+              <a:latin typeface="Consolas"/>
+            </a:endParaRPr>
+          </a:p>
+          <a:p>
+            <a:pPr marL="0" indent="0">
+              <a:buNone/>
+            </a:pPr>
+            <a:r>
+              <a:rPr lang="ru-RU" dirty="0" smtClean="0">
+                <a:solidFill>
+                  <a:srgbClr val="000000"/>
+                </a:solidFill>
+                <a:latin typeface="Consolas"/>
+              </a:rPr>
+              <a:t>        </a:t>
+            </a:r>
+            <a:r>
+              <a:rPr lang="en-US" dirty="0" smtClean="0">
+                <a:solidFill>
+                  <a:srgbClr val="000000"/>
+                </a:solidFill>
+                <a:latin typeface="Consolas"/>
+              </a:rPr>
+              <a:t>Train </a:t>
+            </a:r>
+            <a:r>
+              <a:rPr lang="en-US" dirty="0" err="1">
+                <a:solidFill>
+                  <a:srgbClr val="000000"/>
+                </a:solidFill>
+                <a:latin typeface="Consolas"/>
+              </a:rPr>
+              <a:t>someTrain</a:t>
+            </a:r>
+            <a:r>
+              <a:rPr lang="en-US" dirty="0">
+                <a:solidFill>
+                  <a:srgbClr val="000000"/>
+                </a:solidFill>
+                <a:latin typeface="Consolas"/>
+              </a:rPr>
+              <a:t> = (Train)</a:t>
+            </a:r>
+            <a:r>
+              <a:rPr lang="en-US" dirty="0" err="1">
+                <a:solidFill>
+                  <a:srgbClr val="000000"/>
+                </a:solidFill>
+                <a:latin typeface="Consolas"/>
+              </a:rPr>
+              <a:t>bf.Deserialize</a:t>
+            </a:r>
+            <a:r>
+              <a:rPr lang="en-US" dirty="0">
+                <a:solidFill>
+                  <a:srgbClr val="000000"/>
+                </a:solidFill>
+                <a:latin typeface="Consolas"/>
+              </a:rPr>
+              <a:t>(</a:t>
+            </a:r>
+            <a:r>
+              <a:rPr lang="en-US" dirty="0" err="1">
+                <a:solidFill>
+                  <a:srgbClr val="000000"/>
+                </a:solidFill>
+                <a:latin typeface="Consolas"/>
+              </a:rPr>
+              <a:t>fs</a:t>
+            </a:r>
+            <a:r>
+              <a:rPr lang="en-US" dirty="0">
+                <a:solidFill>
+                  <a:srgbClr val="000000"/>
+                </a:solidFill>
+                <a:latin typeface="Consolas"/>
+              </a:rPr>
+              <a:t>);</a:t>
+            </a:r>
+          </a:p>
+          <a:p>
+            <a:pPr marL="0" indent="0">
+              <a:buNone/>
+            </a:pPr>
+            <a:r>
+              <a:rPr lang="ru-RU" dirty="0" smtClean="0">
+                <a:solidFill>
+                  <a:srgbClr val="000000"/>
+                </a:solidFill>
+                <a:latin typeface="Consolas"/>
+              </a:rPr>
+              <a:t>        </a:t>
+            </a:r>
+            <a:r>
+              <a:rPr lang="en-US" dirty="0" err="1" smtClean="0">
+                <a:solidFill>
+                  <a:srgbClr val="000000"/>
+                </a:solidFill>
+                <a:latin typeface="Consolas"/>
+              </a:rPr>
+              <a:t>someTrain.Print</a:t>
+            </a:r>
+            <a:r>
+              <a:rPr lang="en-US" dirty="0">
+                <a:solidFill>
+                  <a:srgbClr val="000000"/>
+                </a:solidFill>
+                <a:latin typeface="Consolas"/>
+              </a:rPr>
+              <a:t>();</a:t>
+            </a:r>
+          </a:p>
+          <a:p>
+            <a:pPr marL="0" indent="0">
+              <a:buNone/>
+            </a:pPr>
+            <a:r>
+              <a:rPr lang="ru-RU" dirty="0" smtClean="0">
+                <a:solidFill>
+                  <a:srgbClr val="000000"/>
+                </a:solidFill>
+                <a:latin typeface="Consolas"/>
+              </a:rPr>
+              <a:t>    </a:t>
+            </a:r>
+            <a:r>
+              <a:rPr lang="en-US" dirty="0" smtClean="0">
+                <a:solidFill>
+                  <a:srgbClr val="000000"/>
+                </a:solidFill>
+                <a:latin typeface="Consolas"/>
+              </a:rPr>
+              <a:t>}</a:t>
+            </a:r>
+            <a:endParaRPr lang="en-US" dirty="0">
+              <a:solidFill>
+                <a:srgbClr val="000000"/>
+              </a:solidFill>
+              <a:latin typeface="Consolas"/>
+            </a:endParaRPr>
+          </a:p>
+          <a:p>
+            <a:pPr marL="0" indent="0">
+              <a:buNone/>
+            </a:pPr>
+            <a:r>
+              <a:rPr lang="ru-RU" dirty="0" smtClean="0">
+                <a:solidFill>
+                  <a:srgbClr val="008000"/>
+                </a:solidFill>
+                <a:latin typeface="Consolas"/>
+              </a:rPr>
+              <a:t>    </a:t>
+            </a:r>
+            <a:r>
+              <a:rPr lang="en-US" dirty="0" smtClean="0">
+                <a:solidFill>
+                  <a:srgbClr val="008000"/>
+                </a:solidFill>
+                <a:latin typeface="Consolas"/>
+              </a:rPr>
+              <a:t>// </a:t>
+            </a:r>
+            <a:r>
+              <a:rPr lang="ru-RU" dirty="0">
+                <a:solidFill>
+                  <a:srgbClr val="008000"/>
+                </a:solidFill>
+                <a:latin typeface="Consolas"/>
+              </a:rPr>
+              <a:t>Удаляем ненужный временный </a:t>
+            </a:r>
+            <a:r>
+              <a:rPr lang="ru-RU" dirty="0" smtClean="0">
+                <a:solidFill>
+                  <a:srgbClr val="008000"/>
+                </a:solidFill>
+                <a:latin typeface="Consolas"/>
+              </a:rPr>
+              <a:t>файл. В настоящем приложении файл может еще понадобиться.</a:t>
+            </a:r>
+            <a:endParaRPr lang="en-US" dirty="0">
+              <a:solidFill>
+                <a:srgbClr val="000000"/>
+              </a:solidFill>
+              <a:latin typeface="Consolas"/>
+            </a:endParaRPr>
+          </a:p>
+          <a:p>
+            <a:pPr marL="0" indent="0">
+              <a:buNone/>
+            </a:pPr>
+            <a:r>
+              <a:rPr lang="ru-RU" dirty="0" smtClean="0">
+                <a:solidFill>
+                  <a:srgbClr val="000000"/>
+                </a:solidFill>
+                <a:latin typeface="Consolas"/>
+              </a:rPr>
+              <a:t>    </a:t>
+            </a:r>
+            <a:r>
+              <a:rPr lang="en-US" dirty="0" err="1" smtClean="0">
+                <a:solidFill>
+                  <a:srgbClr val="000000"/>
+                </a:solidFill>
+                <a:latin typeface="Consolas"/>
+              </a:rPr>
+              <a:t>File.Delete</a:t>
+            </a:r>
+            <a:r>
+              <a:rPr lang="en-US" dirty="0" smtClean="0">
+                <a:solidFill>
+                  <a:srgbClr val="000000"/>
+                </a:solidFill>
+                <a:latin typeface="Consolas"/>
+              </a:rPr>
+              <a:t>(</a:t>
+            </a:r>
+            <a:r>
+              <a:rPr lang="en-US" dirty="0" err="1" smtClean="0">
+                <a:solidFill>
+                  <a:srgbClr val="000000"/>
+                </a:solidFill>
+                <a:latin typeface="Consolas"/>
+              </a:rPr>
+              <a:t>tempFileName</a:t>
+            </a:r>
+            <a:r>
+              <a:rPr lang="en-US" dirty="0" smtClean="0">
+                <a:solidFill>
+                  <a:srgbClr val="000000"/>
+                </a:solidFill>
+                <a:latin typeface="Consolas"/>
+              </a:rPr>
+              <a:t>);</a:t>
+            </a:r>
+            <a:r>
+              <a:rPr lang="ru-RU" dirty="0" smtClean="0">
+                <a:solidFill>
+                  <a:srgbClr val="000000"/>
+                </a:solidFill>
+                <a:latin typeface="Consolas"/>
+              </a:rPr>
+              <a:t> </a:t>
+            </a:r>
+            <a:endParaRPr lang="en-US" dirty="0">
+              <a:solidFill>
+                <a:srgbClr val="000000"/>
+              </a:solidFill>
+              <a:latin typeface="Consolas"/>
+            </a:endParaRPr>
+          </a:p>
+          <a:p>
+            <a:pPr marL="0" indent="0">
+              <a:buNone/>
+            </a:pPr>
+            <a:r>
+              <a:rPr lang="en-US" dirty="0">
+                <a:solidFill>
+                  <a:srgbClr val="000000"/>
+                </a:solidFill>
+                <a:latin typeface="Consolas"/>
+              </a:rPr>
+              <a:t>}</a:t>
             </a:r>
             <a:endParaRPr lang="en-US" dirty="0"/>
           </a:p>
@@ -20908,7 +22917,7 @@
     </p:spTree>
     <p:extLst>
       <p:ext uri="{BB962C8B-B14F-4D97-AF65-F5344CB8AC3E}">
-        <p14:creationId xmlns:p14="http://schemas.microsoft.com/office/powerpoint/2010/main" val="1542700340"/>
+        <p14:creationId xmlns:p14="http://schemas.microsoft.com/office/powerpoint/2010/main" val="848852780"/>
       </p:ext>
     </p:extLst>
   </p:cSld>
@@ -20979,2220 +22988,6 @@
           <a:lstStyle/>
           <a:p>
             <a:r>
-              <a:rPr lang="ru-RU" sz="2000" dirty="0" smtClean="0"/>
-              <a:t>Бинарная сериализация (пример)</a:t>
-            </a:r>
-            <a:endParaRPr lang="en-US" sz="2000" dirty="0"/>
-          </a:p>
-        </p:txBody>
-      </p:sp>
-      <p:sp>
-        <p:nvSpPr>
-          <p:cNvPr id="3" name="Content Placeholder 2"/>
-          <p:cNvSpPr>
-            <a:spLocks noGrp="1"/>
-          </p:cNvSpPr>
-          <p:nvPr>
-            <p:ph idx="1"/>
-          </p:nvPr>
-        </p:nvSpPr>
-        <p:spPr>
-          <a:xfrm>
-            <a:off x="457200" y="919261"/>
-            <a:ext cx="8229600" cy="5750099"/>
-          </a:xfrm>
-          <a:solidFill>
-            <a:schemeClr val="bg1"/>
-          </a:solidFill>
-        </p:spPr>
-        <p:txBody>
-          <a:bodyPr>
-            <a:normAutofit fontScale="25000" lnSpcReduction="20000"/>
-          </a:bodyPr>
-          <a:lstStyle/>
-          <a:p>
-            <a:pPr marL="0" indent="0">
-              <a:buNone/>
-            </a:pPr>
-            <a:r>
-              <a:rPr lang="en-US" dirty="0">
-                <a:solidFill>
-                  <a:srgbClr val="0000FF"/>
-                </a:solidFill>
-                <a:latin typeface="Consolas"/>
-              </a:rPr>
-              <a:t>using</a:t>
-            </a:r>
-            <a:r>
-              <a:rPr lang="en-US" dirty="0">
-                <a:solidFill>
-                  <a:srgbClr val="000000"/>
-                </a:solidFill>
-                <a:latin typeface="Consolas"/>
-              </a:rPr>
-              <a:t> </a:t>
-            </a:r>
-            <a:r>
-              <a:rPr lang="en-US" dirty="0" smtClean="0">
-                <a:solidFill>
-                  <a:srgbClr val="000000"/>
-                </a:solidFill>
-                <a:latin typeface="Consolas"/>
-              </a:rPr>
-              <a:t>System.IO;</a:t>
-            </a:r>
-          </a:p>
-          <a:p>
-            <a:pPr marL="0" indent="0">
-              <a:buNone/>
-            </a:pPr>
-            <a:r>
-              <a:rPr lang="en-US" dirty="0">
-                <a:solidFill>
-                  <a:srgbClr val="0000FF"/>
-                </a:solidFill>
-                <a:latin typeface="Consolas"/>
-              </a:rPr>
-              <a:t>using</a:t>
-            </a:r>
-            <a:r>
-              <a:rPr lang="en-US" dirty="0" smtClean="0">
-                <a:solidFill>
-                  <a:srgbClr val="000000"/>
-                </a:solidFill>
-                <a:latin typeface="Consolas"/>
-              </a:rPr>
-              <a:t> </a:t>
-            </a:r>
-            <a:r>
-              <a:rPr lang="en-US" dirty="0" err="1" smtClean="0">
-                <a:solidFill>
-                  <a:srgbClr val="000000"/>
-                </a:solidFill>
-                <a:latin typeface="Consolas"/>
-              </a:rPr>
-              <a:t>System.Runtime.Serialization.Formatters.Binary</a:t>
-            </a:r>
-            <a:r>
-              <a:rPr lang="en-US" dirty="0" smtClean="0">
-                <a:solidFill>
-                  <a:srgbClr val="000000"/>
-                </a:solidFill>
-                <a:latin typeface="Consolas"/>
-              </a:rPr>
-              <a:t>;</a:t>
-            </a:r>
-            <a:endParaRPr lang="ru-RU" dirty="0" smtClean="0">
-              <a:solidFill>
-                <a:srgbClr val="000000"/>
-              </a:solidFill>
-              <a:latin typeface="Consolas"/>
-            </a:endParaRPr>
-          </a:p>
-          <a:p>
-            <a:pPr marL="0" indent="0">
-              <a:buNone/>
-            </a:pPr>
-            <a:endParaRPr lang="ru-RU" dirty="0" smtClean="0">
-              <a:solidFill>
-                <a:srgbClr val="000000"/>
-              </a:solidFill>
-              <a:latin typeface="Consolas"/>
-            </a:endParaRPr>
-          </a:p>
-          <a:p>
-            <a:pPr marL="0" indent="0">
-              <a:buNone/>
-            </a:pPr>
-            <a:r>
-              <a:rPr lang="en-US" dirty="0" smtClean="0">
-                <a:solidFill>
-                  <a:srgbClr val="000000"/>
-                </a:solidFill>
-                <a:latin typeface="Consolas"/>
-              </a:rPr>
-              <a:t>[</a:t>
-            </a:r>
-            <a:r>
-              <a:rPr lang="en-US" dirty="0" err="1">
-                <a:solidFill>
-                  <a:srgbClr val="000000"/>
-                </a:solidFill>
-                <a:latin typeface="Consolas"/>
-              </a:rPr>
-              <a:t>Serializable</a:t>
-            </a:r>
-            <a:r>
-              <a:rPr lang="en-US" dirty="0">
-                <a:solidFill>
-                  <a:srgbClr val="000000"/>
-                </a:solidFill>
-                <a:latin typeface="Consolas"/>
-              </a:rPr>
-              <a:t>]</a:t>
-            </a:r>
-          </a:p>
-          <a:p>
-            <a:pPr marL="0" indent="0">
-              <a:buNone/>
-            </a:pPr>
-            <a:r>
-              <a:rPr lang="en-US" dirty="0">
-                <a:solidFill>
-                  <a:srgbClr val="0000FF"/>
-                </a:solidFill>
-                <a:latin typeface="Consolas"/>
-              </a:rPr>
-              <a:t>class</a:t>
-            </a:r>
-            <a:r>
-              <a:rPr lang="en-US" dirty="0">
-                <a:solidFill>
-                  <a:srgbClr val="000000"/>
-                </a:solidFill>
-                <a:latin typeface="Consolas"/>
-              </a:rPr>
-              <a:t> Train</a:t>
-            </a:r>
-          </a:p>
-          <a:p>
-            <a:pPr marL="0" indent="0">
-              <a:buNone/>
-            </a:pPr>
-            <a:r>
-              <a:rPr lang="en-US" dirty="0">
-                <a:solidFill>
-                  <a:srgbClr val="000000"/>
-                </a:solidFill>
-                <a:latin typeface="Consolas"/>
-              </a:rPr>
-              <a:t>{</a:t>
-            </a:r>
-          </a:p>
-          <a:p>
-            <a:pPr marL="0" indent="0">
-              <a:buNone/>
-            </a:pPr>
-            <a:r>
-              <a:rPr lang="en-US" dirty="0">
-                <a:solidFill>
-                  <a:srgbClr val="000000"/>
-                </a:solidFill>
-                <a:latin typeface="Consolas"/>
-              </a:rPr>
-              <a:t>  [</a:t>
-            </a:r>
-            <a:r>
-              <a:rPr lang="en-US" dirty="0" err="1">
-                <a:solidFill>
-                  <a:srgbClr val="000000"/>
-                </a:solidFill>
-                <a:latin typeface="Consolas"/>
-              </a:rPr>
-              <a:t>NonSerialized</a:t>
-            </a:r>
-            <a:r>
-              <a:rPr lang="en-US" dirty="0">
-                <a:solidFill>
-                  <a:srgbClr val="000000"/>
-                </a:solidFill>
-                <a:latin typeface="Consolas"/>
-              </a:rPr>
-              <a:t>]</a:t>
-            </a:r>
-          </a:p>
-          <a:p>
-            <a:pPr marL="0" indent="0">
-              <a:buNone/>
-            </a:pPr>
-            <a:r>
-              <a:rPr lang="en-US" dirty="0">
-                <a:solidFill>
-                  <a:srgbClr val="000000"/>
-                </a:solidFill>
-                <a:latin typeface="Consolas"/>
-              </a:rPr>
-              <a:t>  </a:t>
-            </a:r>
-            <a:r>
-              <a:rPr lang="en-US" dirty="0">
-                <a:solidFill>
-                  <a:srgbClr val="0000FF"/>
-                </a:solidFill>
-                <a:latin typeface="Consolas"/>
-              </a:rPr>
-              <a:t>double</a:t>
-            </a:r>
-            <a:r>
-              <a:rPr lang="en-US" dirty="0">
-                <a:solidFill>
-                  <a:srgbClr val="000000"/>
-                </a:solidFill>
-                <a:latin typeface="Consolas"/>
-              </a:rPr>
-              <a:t> _speed;</a:t>
-            </a:r>
-          </a:p>
-          <a:p>
-            <a:pPr marL="0" indent="0">
-              <a:buNone/>
-            </a:pPr>
-            <a:r>
-              <a:rPr lang="en-US" dirty="0" smtClean="0">
-                <a:solidFill>
-                  <a:srgbClr val="0000FF"/>
-                </a:solidFill>
-                <a:latin typeface="Consolas"/>
-              </a:rPr>
-              <a:t>  </a:t>
-            </a:r>
-            <a:r>
-              <a:rPr lang="en-US" dirty="0" err="1" smtClean="0">
-                <a:solidFill>
-                  <a:srgbClr val="0000FF"/>
-                </a:solidFill>
-                <a:latin typeface="Consolas"/>
-              </a:rPr>
-              <a:t>int</a:t>
-            </a:r>
-            <a:r>
-              <a:rPr lang="en-US" dirty="0" smtClean="0">
-                <a:solidFill>
-                  <a:srgbClr val="000000"/>
-                </a:solidFill>
-                <a:latin typeface="Consolas"/>
-              </a:rPr>
-              <a:t> </a:t>
-            </a:r>
-            <a:r>
-              <a:rPr lang="en-US" dirty="0">
-                <a:solidFill>
-                  <a:srgbClr val="000000"/>
-                </a:solidFill>
-                <a:latin typeface="Consolas"/>
-              </a:rPr>
-              <a:t>_length;</a:t>
-            </a:r>
-          </a:p>
-          <a:p>
-            <a:pPr marL="0" indent="0">
-              <a:buNone/>
-            </a:pPr>
-            <a:r>
-              <a:rPr lang="en-US" dirty="0">
-                <a:solidFill>
-                  <a:srgbClr val="000000"/>
-                </a:solidFill>
-                <a:latin typeface="Consolas"/>
-              </a:rPr>
-              <a:t>  </a:t>
-            </a:r>
-            <a:r>
-              <a:rPr lang="en-US" dirty="0">
-                <a:solidFill>
-                  <a:srgbClr val="0000FF"/>
-                </a:solidFill>
-                <a:latin typeface="Consolas"/>
-              </a:rPr>
-              <a:t>string</a:t>
-            </a:r>
-            <a:r>
-              <a:rPr lang="en-US" dirty="0">
-                <a:solidFill>
-                  <a:srgbClr val="000000"/>
-                </a:solidFill>
-                <a:latin typeface="Consolas"/>
-              </a:rPr>
-              <a:t>[] _</a:t>
-            </a:r>
-            <a:r>
-              <a:rPr lang="en-US" dirty="0" err="1">
-                <a:solidFill>
-                  <a:srgbClr val="000000"/>
-                </a:solidFill>
-                <a:latin typeface="Consolas"/>
-              </a:rPr>
-              <a:t>travellers</a:t>
-            </a:r>
-            <a:r>
-              <a:rPr lang="en-US" dirty="0">
-                <a:solidFill>
-                  <a:srgbClr val="000000"/>
-                </a:solidFill>
-                <a:latin typeface="Consolas"/>
-              </a:rPr>
-              <a:t>;</a:t>
-            </a:r>
-          </a:p>
-          <a:p>
-            <a:pPr marL="0" indent="0">
-              <a:buNone/>
-            </a:pPr>
-            <a:r>
-              <a:rPr lang="en-US" dirty="0">
-                <a:solidFill>
-                  <a:srgbClr val="000000"/>
-                </a:solidFill>
-                <a:latin typeface="Consolas"/>
-              </a:rPr>
-              <a:t>  </a:t>
-            </a:r>
-          </a:p>
-          <a:p>
-            <a:pPr marL="0" indent="0">
-              <a:buNone/>
-            </a:pPr>
-            <a:r>
-              <a:rPr lang="en-US" dirty="0">
-                <a:solidFill>
-                  <a:srgbClr val="000000"/>
-                </a:solidFill>
-                <a:latin typeface="Consolas"/>
-              </a:rPr>
-              <a:t>  </a:t>
-            </a:r>
-            <a:r>
-              <a:rPr lang="en-US" dirty="0">
-                <a:solidFill>
-                  <a:srgbClr val="0000FF"/>
-                </a:solidFill>
-                <a:latin typeface="Consolas"/>
-              </a:rPr>
-              <a:t>public</a:t>
-            </a:r>
-            <a:r>
-              <a:rPr lang="en-US" dirty="0">
-                <a:solidFill>
-                  <a:srgbClr val="000000"/>
-                </a:solidFill>
-                <a:latin typeface="Consolas"/>
-              </a:rPr>
-              <a:t> Train(</a:t>
-            </a:r>
-            <a:r>
-              <a:rPr lang="en-US" dirty="0">
-                <a:solidFill>
-                  <a:srgbClr val="0000FF"/>
-                </a:solidFill>
-                <a:latin typeface="Consolas"/>
-              </a:rPr>
-              <a:t>double</a:t>
-            </a:r>
-            <a:r>
-              <a:rPr lang="en-US" dirty="0">
-                <a:solidFill>
-                  <a:srgbClr val="000000"/>
-                </a:solidFill>
-                <a:latin typeface="Consolas"/>
-              </a:rPr>
-              <a:t> speed, </a:t>
-            </a:r>
-            <a:r>
-              <a:rPr lang="en-US" dirty="0" err="1">
-                <a:solidFill>
-                  <a:srgbClr val="0000FF"/>
-                </a:solidFill>
-                <a:latin typeface="Consolas"/>
-              </a:rPr>
-              <a:t>int</a:t>
-            </a:r>
-            <a:r>
-              <a:rPr lang="en-US" dirty="0">
-                <a:solidFill>
-                  <a:srgbClr val="000000"/>
-                </a:solidFill>
-                <a:latin typeface="Consolas"/>
-              </a:rPr>
-              <a:t> length, </a:t>
-            </a:r>
-            <a:r>
-              <a:rPr lang="en-US" dirty="0" err="1">
-                <a:solidFill>
-                  <a:srgbClr val="0000FF"/>
-                </a:solidFill>
-                <a:latin typeface="Consolas"/>
-              </a:rPr>
-              <a:t>params</a:t>
-            </a:r>
-            <a:r>
-              <a:rPr lang="en-US" dirty="0">
-                <a:solidFill>
-                  <a:srgbClr val="000000"/>
-                </a:solidFill>
-                <a:latin typeface="Consolas"/>
-              </a:rPr>
-              <a:t> </a:t>
-            </a:r>
-            <a:r>
-              <a:rPr lang="en-US" dirty="0">
-                <a:solidFill>
-                  <a:srgbClr val="0000FF"/>
-                </a:solidFill>
-                <a:latin typeface="Consolas"/>
-              </a:rPr>
-              <a:t>string</a:t>
-            </a:r>
-            <a:r>
-              <a:rPr lang="en-US" dirty="0">
-                <a:solidFill>
-                  <a:srgbClr val="000000"/>
-                </a:solidFill>
-                <a:latin typeface="Consolas"/>
-              </a:rPr>
-              <a:t>[] </a:t>
-            </a:r>
-            <a:r>
-              <a:rPr lang="en-US" dirty="0" err="1">
-                <a:solidFill>
-                  <a:srgbClr val="000000"/>
-                </a:solidFill>
-                <a:latin typeface="Consolas"/>
-              </a:rPr>
-              <a:t>travellers</a:t>
-            </a:r>
-            <a:r>
-              <a:rPr lang="en-US" dirty="0">
-                <a:solidFill>
-                  <a:srgbClr val="000000"/>
-                </a:solidFill>
-                <a:latin typeface="Consolas"/>
-              </a:rPr>
-              <a:t>)</a:t>
-            </a:r>
-          </a:p>
-          <a:p>
-            <a:pPr marL="0" indent="0">
-              <a:buNone/>
-            </a:pPr>
-            <a:r>
-              <a:rPr lang="en-US" dirty="0">
-                <a:solidFill>
-                  <a:srgbClr val="000000"/>
-                </a:solidFill>
-                <a:latin typeface="Consolas"/>
-              </a:rPr>
-              <a:t>  {</a:t>
-            </a:r>
-          </a:p>
-          <a:p>
-            <a:pPr marL="0" indent="0">
-              <a:buNone/>
-            </a:pPr>
-            <a:r>
-              <a:rPr lang="en-US" dirty="0">
-                <a:solidFill>
-                  <a:srgbClr val="000000"/>
-                </a:solidFill>
-                <a:latin typeface="Consolas"/>
-              </a:rPr>
-              <a:t>      _speed = speed;</a:t>
-            </a:r>
-          </a:p>
-          <a:p>
-            <a:pPr marL="0" indent="0">
-              <a:buNone/>
-            </a:pPr>
-            <a:r>
-              <a:rPr lang="en-US" dirty="0">
-                <a:solidFill>
-                  <a:srgbClr val="000000"/>
-                </a:solidFill>
-                <a:latin typeface="Consolas"/>
-              </a:rPr>
-              <a:t>      _length = length;</a:t>
-            </a:r>
-          </a:p>
-          <a:p>
-            <a:pPr marL="0" indent="0">
-              <a:buNone/>
-            </a:pPr>
-            <a:r>
-              <a:rPr lang="en-US" dirty="0">
-                <a:solidFill>
-                  <a:srgbClr val="000000"/>
-                </a:solidFill>
-                <a:latin typeface="Consolas"/>
-              </a:rPr>
-              <a:t>      _</a:t>
-            </a:r>
-            <a:r>
-              <a:rPr lang="en-US" dirty="0" err="1">
-                <a:solidFill>
-                  <a:srgbClr val="000000"/>
-                </a:solidFill>
-                <a:latin typeface="Consolas"/>
-              </a:rPr>
-              <a:t>travellers</a:t>
-            </a:r>
-            <a:r>
-              <a:rPr lang="en-US" dirty="0">
-                <a:solidFill>
-                  <a:srgbClr val="000000"/>
-                </a:solidFill>
-                <a:latin typeface="Consolas"/>
-              </a:rPr>
-              <a:t> = </a:t>
-            </a:r>
-            <a:r>
-              <a:rPr lang="en-US" dirty="0" err="1">
-                <a:solidFill>
-                  <a:srgbClr val="000000"/>
-                </a:solidFill>
-                <a:latin typeface="Consolas"/>
-              </a:rPr>
-              <a:t>travellers</a:t>
-            </a:r>
-            <a:r>
-              <a:rPr lang="en-US" dirty="0">
-                <a:solidFill>
-                  <a:srgbClr val="000000"/>
-                </a:solidFill>
-                <a:latin typeface="Consolas"/>
-              </a:rPr>
-              <a:t>;</a:t>
-            </a:r>
-          </a:p>
-          <a:p>
-            <a:pPr marL="0" indent="0">
-              <a:buNone/>
-            </a:pPr>
-            <a:r>
-              <a:rPr lang="en-US" dirty="0">
-                <a:solidFill>
-                  <a:srgbClr val="000000"/>
-                </a:solidFill>
-                <a:latin typeface="Consolas"/>
-              </a:rPr>
-              <a:t>  }</a:t>
-            </a:r>
-          </a:p>
-          <a:p>
-            <a:pPr marL="0" indent="0">
-              <a:buNone/>
-            </a:pPr>
-            <a:r>
-              <a:rPr lang="ru-RU" dirty="0" smtClean="0">
-                <a:solidFill>
-                  <a:srgbClr val="0000FF"/>
-                </a:solidFill>
-                <a:latin typeface="Consolas"/>
-              </a:rPr>
-              <a:t>  </a:t>
-            </a:r>
-            <a:r>
-              <a:rPr lang="en-US" dirty="0" smtClean="0">
-                <a:solidFill>
-                  <a:srgbClr val="0000FF"/>
-                </a:solidFill>
-                <a:latin typeface="Consolas"/>
-              </a:rPr>
-              <a:t>public</a:t>
-            </a:r>
-            <a:r>
-              <a:rPr lang="en-US" dirty="0" smtClean="0">
-                <a:solidFill>
-                  <a:srgbClr val="000000"/>
-                </a:solidFill>
-                <a:latin typeface="Consolas"/>
-              </a:rPr>
-              <a:t> </a:t>
-            </a:r>
-            <a:r>
-              <a:rPr lang="en-US" dirty="0">
-                <a:solidFill>
-                  <a:srgbClr val="0000FF"/>
-                </a:solidFill>
-                <a:latin typeface="Consolas"/>
-              </a:rPr>
-              <a:t>void</a:t>
-            </a:r>
-            <a:r>
-              <a:rPr lang="en-US" dirty="0">
-                <a:solidFill>
-                  <a:srgbClr val="000000"/>
-                </a:solidFill>
-                <a:latin typeface="Consolas"/>
-              </a:rPr>
-              <a:t> Print()</a:t>
-            </a:r>
-          </a:p>
-          <a:p>
-            <a:pPr marL="0" indent="0">
-              <a:buNone/>
-            </a:pPr>
-            <a:r>
-              <a:rPr lang="en-US" dirty="0">
-                <a:solidFill>
-                  <a:srgbClr val="000000"/>
-                </a:solidFill>
-                <a:latin typeface="Consolas"/>
-              </a:rPr>
-              <a:t>  {</a:t>
-            </a:r>
-          </a:p>
-          <a:p>
-            <a:pPr marL="0" indent="0">
-              <a:buNone/>
-            </a:pPr>
-            <a:r>
-              <a:rPr lang="en-US" dirty="0">
-                <a:solidFill>
-                  <a:srgbClr val="000000"/>
-                </a:solidFill>
-                <a:latin typeface="Consolas"/>
-              </a:rPr>
-              <a:t>      </a:t>
-            </a:r>
-            <a:r>
-              <a:rPr lang="en-US" dirty="0" err="1">
-                <a:solidFill>
-                  <a:srgbClr val="000000"/>
-                </a:solidFill>
-                <a:latin typeface="Consolas"/>
-              </a:rPr>
-              <a:t>Console.WriteLine</a:t>
-            </a:r>
-            <a:r>
-              <a:rPr lang="en-US" dirty="0">
-                <a:solidFill>
-                  <a:srgbClr val="000000"/>
-                </a:solidFill>
-                <a:latin typeface="Consolas"/>
-              </a:rPr>
-              <a:t>(</a:t>
-            </a:r>
-            <a:r>
-              <a:rPr lang="en-US" dirty="0">
-                <a:solidFill>
-                  <a:srgbClr val="DC1414"/>
-                </a:solidFill>
-                <a:latin typeface="Consolas"/>
-              </a:rPr>
-              <a:t>"Speed: {0}"</a:t>
-            </a:r>
-            <a:r>
-              <a:rPr lang="en-US" dirty="0">
-                <a:solidFill>
-                  <a:srgbClr val="000000"/>
-                </a:solidFill>
-                <a:latin typeface="Consolas"/>
-              </a:rPr>
-              <a:t>, _speed);</a:t>
-            </a:r>
-          </a:p>
-          <a:p>
-            <a:pPr marL="0" indent="0">
-              <a:buNone/>
-            </a:pPr>
-            <a:r>
-              <a:rPr lang="en-US" dirty="0">
-                <a:solidFill>
-                  <a:srgbClr val="000000"/>
-                </a:solidFill>
-                <a:latin typeface="Consolas"/>
-              </a:rPr>
-              <a:t>      </a:t>
-            </a:r>
-            <a:r>
-              <a:rPr lang="en-US" dirty="0" err="1">
-                <a:solidFill>
-                  <a:srgbClr val="000000"/>
-                </a:solidFill>
-                <a:latin typeface="Consolas"/>
-              </a:rPr>
-              <a:t>Console.WriteLine</a:t>
-            </a:r>
-            <a:r>
-              <a:rPr lang="en-US" dirty="0">
-                <a:solidFill>
-                  <a:srgbClr val="000000"/>
-                </a:solidFill>
-                <a:latin typeface="Consolas"/>
-              </a:rPr>
-              <a:t>(</a:t>
-            </a:r>
-            <a:r>
-              <a:rPr lang="en-US" dirty="0">
-                <a:solidFill>
-                  <a:srgbClr val="DC1414"/>
-                </a:solidFill>
-                <a:latin typeface="Consolas"/>
-              </a:rPr>
-              <a:t>"Length : {0}"</a:t>
-            </a:r>
-            <a:r>
-              <a:rPr lang="en-US" dirty="0">
-                <a:solidFill>
-                  <a:srgbClr val="000000"/>
-                </a:solidFill>
-                <a:latin typeface="Consolas"/>
-              </a:rPr>
-              <a:t>, _length);</a:t>
-            </a:r>
-          </a:p>
-          <a:p>
-            <a:pPr marL="0" indent="0">
-              <a:buNone/>
-            </a:pPr>
-            <a:r>
-              <a:rPr lang="fr-FR" dirty="0">
-                <a:solidFill>
-                  <a:srgbClr val="000000"/>
-                </a:solidFill>
-                <a:latin typeface="Consolas"/>
-              </a:rPr>
-              <a:t>      </a:t>
-            </a:r>
-            <a:r>
-              <a:rPr lang="fr-FR" dirty="0" err="1">
-                <a:solidFill>
-                  <a:srgbClr val="000000"/>
-                </a:solidFill>
-                <a:latin typeface="Consolas"/>
-              </a:rPr>
-              <a:t>Console.WriteLine</a:t>
-            </a:r>
-            <a:r>
-              <a:rPr lang="fr-FR" dirty="0">
-                <a:solidFill>
-                  <a:srgbClr val="000000"/>
-                </a:solidFill>
-                <a:latin typeface="Consolas"/>
-              </a:rPr>
-              <a:t>(</a:t>
-            </a:r>
-            <a:r>
-              <a:rPr lang="fr-FR" dirty="0">
-                <a:solidFill>
-                  <a:srgbClr val="DC1414"/>
-                </a:solidFill>
-                <a:latin typeface="Consolas"/>
-              </a:rPr>
-              <a:t>"</a:t>
-            </a:r>
-            <a:r>
-              <a:rPr lang="fr-FR" dirty="0" err="1">
-                <a:solidFill>
-                  <a:srgbClr val="DC1414"/>
-                </a:solidFill>
-                <a:latin typeface="Consolas"/>
-              </a:rPr>
-              <a:t>Travellers</a:t>
-            </a:r>
-            <a:r>
-              <a:rPr lang="fr-FR" dirty="0">
-                <a:solidFill>
-                  <a:srgbClr val="DC1414"/>
-                </a:solidFill>
-                <a:latin typeface="Consolas"/>
-              </a:rPr>
-              <a:t>: {0}"</a:t>
-            </a:r>
-            <a:r>
-              <a:rPr lang="fr-FR" dirty="0">
-                <a:solidFill>
-                  <a:srgbClr val="000000"/>
-                </a:solidFill>
-                <a:latin typeface="Consolas"/>
-              </a:rPr>
-              <a:t>, </a:t>
-            </a:r>
-            <a:r>
-              <a:rPr lang="fr-FR" dirty="0" err="1">
-                <a:solidFill>
-                  <a:srgbClr val="000000"/>
-                </a:solidFill>
-                <a:latin typeface="Consolas"/>
-              </a:rPr>
-              <a:t>String.Join</a:t>
-            </a:r>
-            <a:r>
-              <a:rPr lang="fr-FR" dirty="0">
-                <a:solidFill>
-                  <a:srgbClr val="000000"/>
-                </a:solidFill>
-                <a:latin typeface="Consolas"/>
-              </a:rPr>
-              <a:t>(</a:t>
-            </a:r>
-            <a:r>
-              <a:rPr lang="fr-FR" dirty="0">
-                <a:solidFill>
-                  <a:srgbClr val="DC1414"/>
-                </a:solidFill>
-                <a:latin typeface="Consolas"/>
-              </a:rPr>
-              <a:t>"; "</a:t>
-            </a:r>
-            <a:r>
-              <a:rPr lang="fr-FR" dirty="0">
-                <a:solidFill>
-                  <a:srgbClr val="000000"/>
-                </a:solidFill>
-                <a:latin typeface="Consolas"/>
-              </a:rPr>
-              <a:t>, _</a:t>
-            </a:r>
-            <a:r>
-              <a:rPr lang="fr-FR" dirty="0" err="1">
-                <a:solidFill>
-                  <a:srgbClr val="000000"/>
-                </a:solidFill>
-                <a:latin typeface="Consolas"/>
-              </a:rPr>
-              <a:t>travellers</a:t>
-            </a:r>
-            <a:r>
-              <a:rPr lang="fr-FR" dirty="0">
-                <a:solidFill>
-                  <a:srgbClr val="000000"/>
-                </a:solidFill>
-                <a:latin typeface="Consolas"/>
-              </a:rPr>
-              <a:t>));</a:t>
-            </a:r>
-          </a:p>
-          <a:p>
-            <a:pPr marL="0" indent="0">
-              <a:buNone/>
-            </a:pPr>
-            <a:r>
-              <a:rPr lang="en-US" dirty="0">
-                <a:solidFill>
-                  <a:srgbClr val="000000"/>
-                </a:solidFill>
-                <a:latin typeface="Consolas"/>
-              </a:rPr>
-              <a:t>  }</a:t>
-            </a:r>
-          </a:p>
-          <a:p>
-            <a:pPr marL="0" indent="0">
-              <a:buNone/>
-            </a:pPr>
-            <a:r>
-              <a:rPr lang="en-US" dirty="0">
-                <a:solidFill>
-                  <a:srgbClr val="000000"/>
-                </a:solidFill>
-                <a:latin typeface="Consolas"/>
-              </a:rPr>
-              <a:t>}</a:t>
-            </a:r>
-          </a:p>
-          <a:p>
-            <a:pPr marL="0" indent="0">
-              <a:buNone/>
-            </a:pPr>
-            <a:r>
-              <a:rPr lang="en-US" dirty="0" smtClean="0">
-                <a:solidFill>
-                  <a:srgbClr val="0000FF"/>
-                </a:solidFill>
-                <a:latin typeface="Consolas"/>
-              </a:rPr>
-              <a:t>static</a:t>
-            </a:r>
-            <a:r>
-              <a:rPr lang="en-US" dirty="0" smtClean="0">
-                <a:solidFill>
-                  <a:srgbClr val="000000"/>
-                </a:solidFill>
-                <a:latin typeface="Consolas"/>
-              </a:rPr>
-              <a:t> </a:t>
-            </a:r>
-            <a:r>
-              <a:rPr lang="en-US" dirty="0">
-                <a:solidFill>
-                  <a:srgbClr val="0000FF"/>
-                </a:solidFill>
-                <a:latin typeface="Consolas"/>
-              </a:rPr>
-              <a:t>void</a:t>
-            </a:r>
-            <a:r>
-              <a:rPr lang="en-US" dirty="0">
-                <a:solidFill>
-                  <a:srgbClr val="000000"/>
-                </a:solidFill>
-                <a:latin typeface="Consolas"/>
-              </a:rPr>
-              <a:t> Main()</a:t>
-            </a:r>
-          </a:p>
-          <a:p>
-            <a:pPr marL="0" indent="0">
-              <a:buNone/>
-            </a:pPr>
-            <a:r>
-              <a:rPr lang="en-US" dirty="0">
-                <a:solidFill>
-                  <a:srgbClr val="000000"/>
-                </a:solidFill>
-                <a:latin typeface="Consolas"/>
-              </a:rPr>
-              <a:t>{</a:t>
-            </a:r>
-          </a:p>
-          <a:p>
-            <a:pPr marL="0" indent="0">
-              <a:buNone/>
-            </a:pPr>
-            <a:r>
-              <a:rPr lang="ru-RU" dirty="0" smtClean="0">
-                <a:solidFill>
-                  <a:srgbClr val="000000"/>
-                </a:solidFill>
-                <a:latin typeface="Consolas"/>
-              </a:rPr>
-              <a:t>    </a:t>
-            </a:r>
-            <a:r>
-              <a:rPr lang="fr-FR" dirty="0" smtClean="0">
-                <a:solidFill>
-                  <a:srgbClr val="000000"/>
-                </a:solidFill>
-                <a:latin typeface="Consolas"/>
-              </a:rPr>
-              <a:t>Train </a:t>
-            </a:r>
-            <a:r>
-              <a:rPr lang="fr-FR" dirty="0" err="1">
-                <a:solidFill>
-                  <a:srgbClr val="000000"/>
-                </a:solidFill>
-                <a:latin typeface="Consolas"/>
-              </a:rPr>
-              <a:t>train</a:t>
-            </a:r>
-            <a:r>
-              <a:rPr lang="fr-FR" dirty="0">
-                <a:solidFill>
-                  <a:srgbClr val="000000"/>
-                </a:solidFill>
-                <a:latin typeface="Consolas"/>
-              </a:rPr>
-              <a:t> = </a:t>
-            </a:r>
-            <a:r>
-              <a:rPr lang="fr-FR" dirty="0">
-                <a:solidFill>
-                  <a:srgbClr val="0000FF"/>
-                </a:solidFill>
-                <a:latin typeface="Consolas"/>
-              </a:rPr>
-              <a:t>new</a:t>
-            </a:r>
-            <a:r>
-              <a:rPr lang="fr-FR" dirty="0">
-                <a:solidFill>
-                  <a:srgbClr val="000000"/>
-                </a:solidFill>
-                <a:latin typeface="Consolas"/>
-              </a:rPr>
-              <a:t> Train(</a:t>
-            </a:r>
-            <a:r>
-              <a:rPr lang="fr-FR" dirty="0">
-                <a:solidFill>
-                  <a:srgbClr val="C81EFA"/>
-                </a:solidFill>
-                <a:latin typeface="Consolas"/>
-              </a:rPr>
-              <a:t>190.2</a:t>
-            </a:r>
-            <a:r>
-              <a:rPr lang="fr-FR" dirty="0">
-                <a:solidFill>
-                  <a:srgbClr val="000000"/>
-                </a:solidFill>
-                <a:latin typeface="Consolas"/>
-              </a:rPr>
-              <a:t>, </a:t>
-            </a:r>
-            <a:r>
-              <a:rPr lang="fr-FR" dirty="0">
-                <a:solidFill>
-                  <a:srgbClr val="C81EFA"/>
-                </a:solidFill>
-                <a:latin typeface="Consolas"/>
-              </a:rPr>
-              <a:t>8</a:t>
-            </a:r>
-            <a:r>
-              <a:rPr lang="fr-FR" dirty="0">
-                <a:solidFill>
-                  <a:srgbClr val="000000"/>
-                </a:solidFill>
-                <a:latin typeface="Consolas"/>
-              </a:rPr>
-              <a:t>, </a:t>
-            </a:r>
-            <a:r>
-              <a:rPr lang="fr-FR" dirty="0">
-                <a:solidFill>
-                  <a:srgbClr val="DC1414"/>
-                </a:solidFill>
-                <a:latin typeface="Consolas"/>
-              </a:rPr>
-              <a:t>"Ivanov"</a:t>
-            </a:r>
-            <a:r>
-              <a:rPr lang="fr-FR" dirty="0">
-                <a:solidFill>
-                  <a:srgbClr val="000000"/>
-                </a:solidFill>
-                <a:latin typeface="Consolas"/>
-              </a:rPr>
-              <a:t>, </a:t>
-            </a:r>
-            <a:r>
-              <a:rPr lang="fr-FR" dirty="0">
-                <a:solidFill>
-                  <a:srgbClr val="DC1414"/>
-                </a:solidFill>
-                <a:latin typeface="Consolas"/>
-              </a:rPr>
-              <a:t>"Petrov"</a:t>
-            </a:r>
-            <a:r>
-              <a:rPr lang="fr-FR" dirty="0">
-                <a:solidFill>
-                  <a:srgbClr val="000000"/>
-                </a:solidFill>
-                <a:latin typeface="Consolas"/>
-              </a:rPr>
-              <a:t>, </a:t>
-            </a:r>
-            <a:r>
-              <a:rPr lang="fr-FR" dirty="0">
-                <a:solidFill>
-                  <a:srgbClr val="DC1414"/>
-                </a:solidFill>
-                <a:latin typeface="Consolas"/>
-              </a:rPr>
-              <a:t>"</a:t>
-            </a:r>
-            <a:r>
-              <a:rPr lang="fr-FR" dirty="0" err="1">
-                <a:solidFill>
-                  <a:srgbClr val="DC1414"/>
-                </a:solidFill>
-                <a:latin typeface="Consolas"/>
-              </a:rPr>
-              <a:t>Sidorov</a:t>
-            </a:r>
-            <a:r>
-              <a:rPr lang="fr-FR" dirty="0">
-                <a:solidFill>
-                  <a:srgbClr val="DC1414"/>
-                </a:solidFill>
-                <a:latin typeface="Consolas"/>
-              </a:rPr>
-              <a:t>"</a:t>
-            </a:r>
-            <a:r>
-              <a:rPr lang="fr-FR" dirty="0">
-                <a:solidFill>
-                  <a:srgbClr val="000000"/>
-                </a:solidFill>
-                <a:latin typeface="Consolas"/>
-              </a:rPr>
-              <a:t>);</a:t>
-            </a:r>
-          </a:p>
-          <a:p>
-            <a:pPr marL="0" indent="0">
-              <a:buNone/>
-            </a:pPr>
-            <a:r>
-              <a:rPr lang="ru-RU" dirty="0" smtClean="0">
-                <a:solidFill>
-                  <a:srgbClr val="000000"/>
-                </a:solidFill>
-                <a:latin typeface="Consolas"/>
-              </a:rPr>
-              <a:t>    </a:t>
-            </a:r>
-            <a:r>
-              <a:rPr lang="en-US" dirty="0" err="1" smtClean="0">
-                <a:solidFill>
-                  <a:srgbClr val="000000"/>
-                </a:solidFill>
-                <a:latin typeface="Consolas"/>
-              </a:rPr>
-              <a:t>train.Print</a:t>
-            </a:r>
-            <a:r>
-              <a:rPr lang="en-US" dirty="0">
-                <a:solidFill>
-                  <a:srgbClr val="000000"/>
-                </a:solidFill>
-                <a:latin typeface="Consolas"/>
-              </a:rPr>
-              <a:t>();</a:t>
-            </a:r>
-          </a:p>
-          <a:p>
-            <a:pPr marL="0" indent="0">
-              <a:buNone/>
-            </a:pPr>
-            <a:r>
-              <a:rPr lang="ru-RU" dirty="0" smtClean="0">
-                <a:solidFill>
-                  <a:srgbClr val="0000FF"/>
-                </a:solidFill>
-                <a:latin typeface="Consolas"/>
-              </a:rPr>
-              <a:t>    </a:t>
-            </a:r>
-            <a:r>
-              <a:rPr lang="en-US" dirty="0" smtClean="0">
-                <a:solidFill>
-                  <a:srgbClr val="0000FF"/>
-                </a:solidFill>
-                <a:latin typeface="Consolas"/>
-              </a:rPr>
-              <a:t>string</a:t>
-            </a:r>
-            <a:r>
-              <a:rPr lang="en-US" dirty="0" smtClean="0">
-                <a:solidFill>
-                  <a:srgbClr val="000000"/>
-                </a:solidFill>
-                <a:latin typeface="Consolas"/>
-              </a:rPr>
-              <a:t> </a:t>
-            </a:r>
-            <a:r>
-              <a:rPr lang="en-US" dirty="0" err="1">
-                <a:solidFill>
-                  <a:srgbClr val="000000"/>
-                </a:solidFill>
-                <a:latin typeface="Consolas"/>
-              </a:rPr>
-              <a:t>tempFileName</a:t>
-            </a:r>
-            <a:r>
-              <a:rPr lang="en-US" dirty="0">
-                <a:solidFill>
-                  <a:srgbClr val="000000"/>
-                </a:solidFill>
-                <a:latin typeface="Consolas"/>
-              </a:rPr>
-              <a:t> = </a:t>
-            </a:r>
-            <a:r>
-              <a:rPr lang="en-US" dirty="0" err="1">
-                <a:solidFill>
-                  <a:srgbClr val="000000"/>
-                </a:solidFill>
-                <a:latin typeface="Consolas"/>
-              </a:rPr>
-              <a:t>Path.Combine</a:t>
-            </a:r>
-            <a:r>
-              <a:rPr lang="en-US" dirty="0">
-                <a:solidFill>
-                  <a:srgbClr val="000000"/>
-                </a:solidFill>
-                <a:latin typeface="Consolas"/>
-              </a:rPr>
-              <a:t>(</a:t>
-            </a:r>
-            <a:r>
-              <a:rPr lang="en-US" dirty="0" err="1">
-                <a:solidFill>
-                  <a:srgbClr val="000000"/>
-                </a:solidFill>
-                <a:latin typeface="Consolas"/>
-              </a:rPr>
-              <a:t>Path.GetTempPath</a:t>
-            </a:r>
-            <a:r>
-              <a:rPr lang="en-US" dirty="0">
-                <a:solidFill>
-                  <a:srgbClr val="000000"/>
-                </a:solidFill>
-                <a:latin typeface="Consolas"/>
-              </a:rPr>
-              <a:t>(), </a:t>
-            </a:r>
-            <a:r>
-              <a:rPr lang="en-US" dirty="0">
-                <a:solidFill>
-                  <a:srgbClr val="DC1414"/>
-                </a:solidFill>
-                <a:latin typeface="Consolas"/>
-              </a:rPr>
-              <a:t>"train.dat"</a:t>
-            </a:r>
-            <a:r>
-              <a:rPr lang="en-US" dirty="0">
-                <a:solidFill>
-                  <a:srgbClr val="000000"/>
-                </a:solidFill>
-                <a:latin typeface="Consolas"/>
-              </a:rPr>
-              <a:t>); </a:t>
-            </a:r>
-            <a:r>
-              <a:rPr lang="en-US" dirty="0" smtClean="0">
-                <a:solidFill>
-                  <a:srgbClr val="008000"/>
-                </a:solidFill>
-                <a:latin typeface="Consolas"/>
-              </a:rPr>
-              <a:t>//</a:t>
-            </a:r>
-            <a:r>
-              <a:rPr lang="ru-RU" dirty="0" smtClean="0">
-                <a:solidFill>
-                  <a:srgbClr val="008000"/>
-                </a:solidFill>
-                <a:latin typeface="Consolas"/>
-              </a:rPr>
-              <a:t> Будем работать с файлом в папке для временных файлов</a:t>
-            </a:r>
-            <a:endParaRPr lang="en-US" dirty="0">
-              <a:solidFill>
-                <a:srgbClr val="000000"/>
-              </a:solidFill>
-              <a:latin typeface="Consolas"/>
-            </a:endParaRPr>
-          </a:p>
-          <a:p>
-            <a:pPr marL="0" indent="0">
-              <a:buNone/>
-            </a:pPr>
-            <a:r>
-              <a:rPr lang="ru-RU" dirty="0" smtClean="0">
-                <a:solidFill>
-                  <a:srgbClr val="000000"/>
-                </a:solidFill>
-                <a:latin typeface="Consolas"/>
-              </a:rPr>
-              <a:t>    </a:t>
-            </a:r>
-            <a:r>
-              <a:rPr lang="en-US" dirty="0" err="1" smtClean="0">
-                <a:solidFill>
-                  <a:srgbClr val="000000"/>
-                </a:solidFill>
-                <a:latin typeface="Consolas"/>
-              </a:rPr>
-              <a:t>BinaryFormatter</a:t>
-            </a:r>
-            <a:r>
-              <a:rPr lang="en-US" dirty="0" smtClean="0">
-                <a:solidFill>
-                  <a:srgbClr val="000000"/>
-                </a:solidFill>
-                <a:latin typeface="Consolas"/>
-              </a:rPr>
-              <a:t> </a:t>
-            </a:r>
-            <a:r>
-              <a:rPr lang="en-US" dirty="0">
-                <a:solidFill>
-                  <a:srgbClr val="000000"/>
-                </a:solidFill>
-                <a:latin typeface="Consolas"/>
-              </a:rPr>
-              <a:t>bf = </a:t>
-            </a:r>
-            <a:r>
-              <a:rPr lang="en-US" dirty="0">
-                <a:solidFill>
-                  <a:srgbClr val="0000FF"/>
-                </a:solidFill>
-                <a:latin typeface="Consolas"/>
-              </a:rPr>
-              <a:t>new</a:t>
-            </a:r>
-            <a:r>
-              <a:rPr lang="en-US" dirty="0">
-                <a:solidFill>
-                  <a:srgbClr val="000000"/>
-                </a:solidFill>
-                <a:latin typeface="Consolas"/>
-              </a:rPr>
-              <a:t> </a:t>
-            </a:r>
-            <a:r>
-              <a:rPr lang="en-US" dirty="0" err="1">
-                <a:solidFill>
-                  <a:srgbClr val="000000"/>
-                </a:solidFill>
-                <a:latin typeface="Consolas"/>
-              </a:rPr>
-              <a:t>BinaryFormatter</a:t>
-            </a:r>
-            <a:r>
-              <a:rPr lang="en-US" dirty="0" smtClean="0">
-                <a:solidFill>
-                  <a:srgbClr val="000000"/>
-                </a:solidFill>
-                <a:latin typeface="Consolas"/>
-              </a:rPr>
-              <a:t>();</a:t>
-            </a:r>
-            <a:endParaRPr lang="ru-RU" dirty="0" smtClean="0">
-              <a:solidFill>
-                <a:srgbClr val="000000"/>
-              </a:solidFill>
-              <a:latin typeface="Consolas"/>
-            </a:endParaRPr>
-          </a:p>
-          <a:p>
-            <a:pPr marL="0" indent="0">
-              <a:buNone/>
-            </a:pPr>
-            <a:r>
-              <a:rPr lang="en-US" dirty="0" smtClean="0">
-                <a:solidFill>
-                  <a:srgbClr val="008000"/>
-                </a:solidFill>
-                <a:latin typeface="Consolas"/>
-              </a:rPr>
-              <a:t>    // </a:t>
-            </a:r>
-            <a:r>
-              <a:rPr lang="ru-RU" dirty="0">
-                <a:solidFill>
-                  <a:srgbClr val="008000"/>
-                </a:solidFill>
-                <a:latin typeface="Consolas"/>
-              </a:rPr>
-              <a:t>Выполняем сериализацию</a:t>
-            </a:r>
-            <a:endParaRPr lang="en-US" dirty="0">
-              <a:solidFill>
-                <a:srgbClr val="008000"/>
-              </a:solidFill>
-              <a:latin typeface="Consolas"/>
-            </a:endParaRPr>
-          </a:p>
-          <a:p>
-            <a:pPr marL="0" indent="0">
-              <a:buNone/>
-            </a:pPr>
-            <a:r>
-              <a:rPr lang="ru-RU" dirty="0" smtClean="0">
-                <a:solidFill>
-                  <a:srgbClr val="0000FF"/>
-                </a:solidFill>
-                <a:latin typeface="Consolas"/>
-              </a:rPr>
-              <a:t>    </a:t>
-            </a:r>
-            <a:r>
-              <a:rPr lang="en-US" dirty="0" smtClean="0">
-                <a:solidFill>
-                  <a:srgbClr val="0000FF"/>
-                </a:solidFill>
-                <a:latin typeface="Consolas"/>
-              </a:rPr>
-              <a:t>using</a:t>
-            </a:r>
-            <a:r>
-              <a:rPr lang="en-US" dirty="0" smtClean="0">
-                <a:solidFill>
-                  <a:srgbClr val="000000"/>
-                </a:solidFill>
-                <a:latin typeface="Consolas"/>
-              </a:rPr>
-              <a:t> </a:t>
-            </a:r>
-            <a:r>
-              <a:rPr lang="en-US" dirty="0">
-                <a:solidFill>
-                  <a:srgbClr val="000000"/>
-                </a:solidFill>
-                <a:latin typeface="Consolas"/>
-              </a:rPr>
-              <a:t>(</a:t>
-            </a:r>
-            <a:r>
-              <a:rPr lang="en-US" dirty="0" err="1">
-                <a:solidFill>
-                  <a:srgbClr val="000000"/>
-                </a:solidFill>
-                <a:latin typeface="Consolas"/>
-              </a:rPr>
-              <a:t>FileStream</a:t>
-            </a:r>
-            <a:r>
-              <a:rPr lang="en-US" dirty="0">
-                <a:solidFill>
-                  <a:srgbClr val="000000"/>
-                </a:solidFill>
-                <a:latin typeface="Consolas"/>
-              </a:rPr>
-              <a:t> </a:t>
-            </a:r>
-            <a:r>
-              <a:rPr lang="en-US" dirty="0" err="1">
-                <a:solidFill>
-                  <a:srgbClr val="000000"/>
-                </a:solidFill>
-                <a:latin typeface="Consolas"/>
-              </a:rPr>
-              <a:t>fs</a:t>
-            </a:r>
-            <a:r>
-              <a:rPr lang="en-US" dirty="0">
-                <a:solidFill>
-                  <a:srgbClr val="000000"/>
-                </a:solidFill>
-                <a:latin typeface="Consolas"/>
-              </a:rPr>
-              <a:t> = </a:t>
-            </a:r>
-            <a:r>
-              <a:rPr lang="en-US" dirty="0" err="1">
-                <a:solidFill>
-                  <a:srgbClr val="000000"/>
-                </a:solidFill>
-                <a:latin typeface="Consolas"/>
-              </a:rPr>
-              <a:t>File.Open</a:t>
-            </a:r>
-            <a:r>
-              <a:rPr lang="en-US" dirty="0">
-                <a:solidFill>
-                  <a:srgbClr val="000000"/>
-                </a:solidFill>
-                <a:latin typeface="Consolas"/>
-              </a:rPr>
-              <a:t>(</a:t>
-            </a:r>
-            <a:r>
-              <a:rPr lang="en-US" dirty="0" err="1">
-                <a:solidFill>
-                  <a:srgbClr val="000000"/>
-                </a:solidFill>
-                <a:latin typeface="Consolas"/>
-              </a:rPr>
-              <a:t>tempFileName</a:t>
-            </a:r>
-            <a:r>
-              <a:rPr lang="en-US" dirty="0">
-                <a:solidFill>
-                  <a:srgbClr val="000000"/>
-                </a:solidFill>
-                <a:latin typeface="Consolas"/>
-              </a:rPr>
-              <a:t>, </a:t>
-            </a:r>
-            <a:r>
-              <a:rPr lang="en-US" dirty="0" err="1">
-                <a:solidFill>
-                  <a:srgbClr val="000000"/>
-                </a:solidFill>
-                <a:latin typeface="Consolas"/>
-              </a:rPr>
-              <a:t>FileMode.Create</a:t>
-            </a:r>
-            <a:r>
-              <a:rPr lang="en-US" dirty="0">
-                <a:solidFill>
-                  <a:srgbClr val="000000"/>
-                </a:solidFill>
-                <a:latin typeface="Consolas"/>
-              </a:rPr>
-              <a:t>))</a:t>
-            </a:r>
-          </a:p>
-          <a:p>
-            <a:pPr marL="0" indent="0">
-              <a:buNone/>
-            </a:pPr>
-            <a:r>
-              <a:rPr lang="ru-RU" dirty="0" smtClean="0">
-                <a:solidFill>
-                  <a:srgbClr val="000000"/>
-                </a:solidFill>
-                <a:latin typeface="Consolas"/>
-              </a:rPr>
-              <a:t>    </a:t>
-            </a:r>
-            <a:r>
-              <a:rPr lang="en-US" dirty="0" smtClean="0">
-                <a:solidFill>
-                  <a:srgbClr val="000000"/>
-                </a:solidFill>
-                <a:latin typeface="Consolas"/>
-              </a:rPr>
-              <a:t>{</a:t>
-            </a:r>
-            <a:endParaRPr lang="en-US" dirty="0">
-              <a:solidFill>
-                <a:srgbClr val="000000"/>
-              </a:solidFill>
-              <a:latin typeface="Consolas"/>
-            </a:endParaRPr>
-          </a:p>
-          <a:p>
-            <a:pPr marL="0" indent="0">
-              <a:buNone/>
-            </a:pPr>
-            <a:r>
-              <a:rPr lang="ru-RU" dirty="0" smtClean="0">
-                <a:solidFill>
-                  <a:srgbClr val="000000"/>
-                </a:solidFill>
-                <a:latin typeface="Consolas"/>
-              </a:rPr>
-              <a:t>        </a:t>
-            </a:r>
-            <a:r>
-              <a:rPr lang="en-US" dirty="0" err="1" smtClean="0">
-                <a:solidFill>
-                  <a:srgbClr val="000000"/>
-                </a:solidFill>
-                <a:latin typeface="Consolas"/>
-              </a:rPr>
-              <a:t>bf.Serialize</a:t>
-            </a:r>
-            <a:r>
-              <a:rPr lang="en-US" dirty="0" smtClean="0">
-                <a:solidFill>
-                  <a:srgbClr val="000000"/>
-                </a:solidFill>
-                <a:latin typeface="Consolas"/>
-              </a:rPr>
-              <a:t>(</a:t>
-            </a:r>
-            <a:r>
-              <a:rPr lang="en-US" dirty="0" err="1" smtClean="0">
-                <a:solidFill>
-                  <a:srgbClr val="000000"/>
-                </a:solidFill>
-                <a:latin typeface="Consolas"/>
-              </a:rPr>
-              <a:t>fs</a:t>
-            </a:r>
-            <a:r>
-              <a:rPr lang="en-US" dirty="0">
-                <a:solidFill>
-                  <a:srgbClr val="000000"/>
-                </a:solidFill>
-                <a:latin typeface="Consolas"/>
-              </a:rPr>
-              <a:t>, train);</a:t>
-            </a:r>
-          </a:p>
-          <a:p>
-            <a:pPr marL="0" indent="0">
-              <a:buNone/>
-            </a:pPr>
-            <a:r>
-              <a:rPr lang="ru-RU" dirty="0" smtClean="0">
-                <a:solidFill>
-                  <a:srgbClr val="000000"/>
-                </a:solidFill>
-                <a:latin typeface="Consolas"/>
-              </a:rPr>
-              <a:t>    </a:t>
-            </a:r>
-            <a:r>
-              <a:rPr lang="en-US" dirty="0" smtClean="0">
-                <a:solidFill>
-                  <a:srgbClr val="000000"/>
-                </a:solidFill>
-                <a:latin typeface="Consolas"/>
-              </a:rPr>
-              <a:t>}</a:t>
-            </a:r>
-            <a:endParaRPr lang="en-US" dirty="0">
-              <a:solidFill>
-                <a:srgbClr val="000000"/>
-              </a:solidFill>
-              <a:latin typeface="Consolas"/>
-            </a:endParaRPr>
-          </a:p>
-          <a:p>
-            <a:pPr marL="0" indent="0">
-              <a:buNone/>
-            </a:pPr>
-            <a:r>
-              <a:rPr lang="ru-RU" dirty="0" smtClean="0">
-                <a:solidFill>
-                  <a:srgbClr val="000000"/>
-                </a:solidFill>
-                <a:latin typeface="Consolas"/>
-              </a:rPr>
-              <a:t>    </a:t>
-            </a:r>
-            <a:r>
-              <a:rPr lang="en-US" dirty="0" err="1" smtClean="0">
-                <a:solidFill>
-                  <a:srgbClr val="000000"/>
-                </a:solidFill>
-                <a:latin typeface="Consolas"/>
-              </a:rPr>
-              <a:t>Console.WriteLine</a:t>
-            </a:r>
-            <a:r>
-              <a:rPr lang="en-US" dirty="0">
-                <a:solidFill>
-                  <a:srgbClr val="000000"/>
-                </a:solidFill>
-                <a:latin typeface="Consolas"/>
-              </a:rPr>
-              <a:t>();</a:t>
-            </a:r>
-          </a:p>
-          <a:p>
-            <a:pPr marL="0" indent="0">
-              <a:buNone/>
-            </a:pPr>
-            <a:r>
-              <a:rPr lang="ru-RU" dirty="0" smtClean="0">
-                <a:solidFill>
-                  <a:srgbClr val="008000"/>
-                </a:solidFill>
-                <a:latin typeface="Consolas"/>
-              </a:rPr>
-              <a:t>    </a:t>
-            </a:r>
-            <a:r>
-              <a:rPr lang="en-US" dirty="0" smtClean="0">
-                <a:solidFill>
-                  <a:srgbClr val="008000"/>
-                </a:solidFill>
-                <a:latin typeface="Consolas"/>
-              </a:rPr>
-              <a:t>// </a:t>
-            </a:r>
-            <a:r>
-              <a:rPr lang="ru-RU" dirty="0">
-                <a:solidFill>
-                  <a:srgbClr val="008000"/>
-                </a:solidFill>
-                <a:latin typeface="Consolas"/>
-              </a:rPr>
-              <a:t>Выполняем </a:t>
-            </a:r>
-            <a:r>
-              <a:rPr lang="ru-RU" dirty="0" smtClean="0">
-                <a:solidFill>
-                  <a:srgbClr val="008000"/>
-                </a:solidFill>
-                <a:latin typeface="Consolas"/>
-              </a:rPr>
-              <a:t>десериализацию</a:t>
-            </a:r>
-            <a:endParaRPr lang="en-US" dirty="0">
-              <a:solidFill>
-                <a:srgbClr val="000000"/>
-              </a:solidFill>
-              <a:latin typeface="Consolas"/>
-            </a:endParaRPr>
-          </a:p>
-          <a:p>
-            <a:pPr marL="0" indent="0">
-              <a:buNone/>
-            </a:pPr>
-            <a:r>
-              <a:rPr lang="ru-RU" dirty="0" smtClean="0">
-                <a:solidFill>
-                  <a:srgbClr val="0000FF"/>
-                </a:solidFill>
-                <a:latin typeface="Consolas"/>
-              </a:rPr>
-              <a:t>    </a:t>
-            </a:r>
-            <a:r>
-              <a:rPr lang="en-US" dirty="0" smtClean="0">
-                <a:solidFill>
-                  <a:srgbClr val="0000FF"/>
-                </a:solidFill>
-                <a:latin typeface="Consolas"/>
-              </a:rPr>
-              <a:t>using</a:t>
-            </a:r>
-            <a:r>
-              <a:rPr lang="en-US" dirty="0" smtClean="0">
-                <a:solidFill>
-                  <a:srgbClr val="000000"/>
-                </a:solidFill>
-                <a:latin typeface="Consolas"/>
-              </a:rPr>
-              <a:t> </a:t>
-            </a:r>
-            <a:r>
-              <a:rPr lang="en-US" dirty="0">
-                <a:solidFill>
-                  <a:srgbClr val="000000"/>
-                </a:solidFill>
-                <a:latin typeface="Consolas"/>
-              </a:rPr>
-              <a:t>(</a:t>
-            </a:r>
-            <a:r>
-              <a:rPr lang="en-US" dirty="0" err="1">
-                <a:solidFill>
-                  <a:srgbClr val="000000"/>
-                </a:solidFill>
-                <a:latin typeface="Consolas"/>
-              </a:rPr>
-              <a:t>FileStream</a:t>
-            </a:r>
-            <a:r>
-              <a:rPr lang="en-US" dirty="0">
-                <a:solidFill>
-                  <a:srgbClr val="000000"/>
-                </a:solidFill>
-                <a:latin typeface="Consolas"/>
-              </a:rPr>
-              <a:t> </a:t>
-            </a:r>
-            <a:r>
-              <a:rPr lang="en-US" dirty="0" err="1">
-                <a:solidFill>
-                  <a:srgbClr val="000000"/>
-                </a:solidFill>
-                <a:latin typeface="Consolas"/>
-              </a:rPr>
-              <a:t>fs</a:t>
-            </a:r>
-            <a:r>
-              <a:rPr lang="en-US" dirty="0">
-                <a:solidFill>
-                  <a:srgbClr val="000000"/>
-                </a:solidFill>
-                <a:latin typeface="Consolas"/>
-              </a:rPr>
-              <a:t> = </a:t>
-            </a:r>
-            <a:r>
-              <a:rPr lang="en-US" dirty="0" err="1">
-                <a:solidFill>
-                  <a:srgbClr val="000000"/>
-                </a:solidFill>
-                <a:latin typeface="Consolas"/>
-              </a:rPr>
-              <a:t>File.Open</a:t>
-            </a:r>
-            <a:r>
-              <a:rPr lang="en-US" dirty="0">
-                <a:solidFill>
-                  <a:srgbClr val="000000"/>
-                </a:solidFill>
-                <a:latin typeface="Consolas"/>
-              </a:rPr>
-              <a:t>(</a:t>
-            </a:r>
-            <a:r>
-              <a:rPr lang="en-US" dirty="0" err="1">
-                <a:solidFill>
-                  <a:srgbClr val="000000"/>
-                </a:solidFill>
-                <a:latin typeface="Consolas"/>
-              </a:rPr>
-              <a:t>tempFileName</a:t>
-            </a:r>
-            <a:r>
-              <a:rPr lang="en-US" dirty="0">
-                <a:solidFill>
-                  <a:srgbClr val="000000"/>
-                </a:solidFill>
-                <a:latin typeface="Consolas"/>
-              </a:rPr>
-              <a:t>, </a:t>
-            </a:r>
-            <a:r>
-              <a:rPr lang="en-US" dirty="0" err="1">
-                <a:solidFill>
-                  <a:srgbClr val="000000"/>
-                </a:solidFill>
-                <a:latin typeface="Consolas"/>
-              </a:rPr>
-              <a:t>FileMode.Open</a:t>
-            </a:r>
-            <a:r>
-              <a:rPr lang="en-US" dirty="0">
-                <a:solidFill>
-                  <a:srgbClr val="000000"/>
-                </a:solidFill>
-                <a:latin typeface="Consolas"/>
-              </a:rPr>
-              <a:t>))</a:t>
-            </a:r>
-          </a:p>
-          <a:p>
-            <a:pPr marL="0" indent="0">
-              <a:buNone/>
-            </a:pPr>
-            <a:r>
-              <a:rPr lang="ru-RU" dirty="0" smtClean="0">
-                <a:solidFill>
-                  <a:srgbClr val="000000"/>
-                </a:solidFill>
-                <a:latin typeface="Consolas"/>
-              </a:rPr>
-              <a:t>    </a:t>
-            </a:r>
-            <a:r>
-              <a:rPr lang="en-US" dirty="0" smtClean="0">
-                <a:solidFill>
-                  <a:srgbClr val="000000"/>
-                </a:solidFill>
-                <a:latin typeface="Consolas"/>
-              </a:rPr>
-              <a:t>{</a:t>
-            </a:r>
-            <a:endParaRPr lang="en-US" dirty="0">
-              <a:solidFill>
-                <a:srgbClr val="000000"/>
-              </a:solidFill>
-              <a:latin typeface="Consolas"/>
-            </a:endParaRPr>
-          </a:p>
-          <a:p>
-            <a:pPr marL="0" indent="0">
-              <a:buNone/>
-            </a:pPr>
-            <a:r>
-              <a:rPr lang="ru-RU" dirty="0" smtClean="0">
-                <a:solidFill>
-                  <a:srgbClr val="000000"/>
-                </a:solidFill>
-                <a:latin typeface="Consolas"/>
-              </a:rPr>
-              <a:t>        </a:t>
-            </a:r>
-            <a:r>
-              <a:rPr lang="en-US" dirty="0" smtClean="0">
-                <a:solidFill>
-                  <a:srgbClr val="000000"/>
-                </a:solidFill>
-                <a:latin typeface="Consolas"/>
-              </a:rPr>
-              <a:t>Train </a:t>
-            </a:r>
-            <a:r>
-              <a:rPr lang="en-US" dirty="0" err="1">
-                <a:solidFill>
-                  <a:srgbClr val="000000"/>
-                </a:solidFill>
-                <a:latin typeface="Consolas"/>
-              </a:rPr>
-              <a:t>someTrain</a:t>
-            </a:r>
-            <a:r>
-              <a:rPr lang="en-US" dirty="0">
-                <a:solidFill>
-                  <a:srgbClr val="000000"/>
-                </a:solidFill>
-                <a:latin typeface="Consolas"/>
-              </a:rPr>
-              <a:t> = (Train)</a:t>
-            </a:r>
-            <a:r>
-              <a:rPr lang="en-US" dirty="0" err="1">
-                <a:solidFill>
-                  <a:srgbClr val="000000"/>
-                </a:solidFill>
-                <a:latin typeface="Consolas"/>
-              </a:rPr>
-              <a:t>bf.Deserialize</a:t>
-            </a:r>
-            <a:r>
-              <a:rPr lang="en-US" dirty="0">
-                <a:solidFill>
-                  <a:srgbClr val="000000"/>
-                </a:solidFill>
-                <a:latin typeface="Consolas"/>
-              </a:rPr>
-              <a:t>(</a:t>
-            </a:r>
-            <a:r>
-              <a:rPr lang="en-US" dirty="0" err="1">
-                <a:solidFill>
-                  <a:srgbClr val="000000"/>
-                </a:solidFill>
-                <a:latin typeface="Consolas"/>
-              </a:rPr>
-              <a:t>fs</a:t>
-            </a:r>
-            <a:r>
-              <a:rPr lang="en-US" dirty="0">
-                <a:solidFill>
-                  <a:srgbClr val="000000"/>
-                </a:solidFill>
-                <a:latin typeface="Consolas"/>
-              </a:rPr>
-              <a:t>);</a:t>
-            </a:r>
-          </a:p>
-          <a:p>
-            <a:pPr marL="0" indent="0">
-              <a:buNone/>
-            </a:pPr>
-            <a:r>
-              <a:rPr lang="ru-RU" dirty="0" smtClean="0">
-                <a:solidFill>
-                  <a:srgbClr val="000000"/>
-                </a:solidFill>
-                <a:latin typeface="Consolas"/>
-              </a:rPr>
-              <a:t>        </a:t>
-            </a:r>
-            <a:r>
-              <a:rPr lang="en-US" dirty="0" err="1" smtClean="0">
-                <a:solidFill>
-                  <a:srgbClr val="000000"/>
-                </a:solidFill>
-                <a:latin typeface="Consolas"/>
-              </a:rPr>
-              <a:t>someTrain.Print</a:t>
-            </a:r>
-            <a:r>
-              <a:rPr lang="en-US" dirty="0">
-                <a:solidFill>
-                  <a:srgbClr val="000000"/>
-                </a:solidFill>
-                <a:latin typeface="Consolas"/>
-              </a:rPr>
-              <a:t>();</a:t>
-            </a:r>
-          </a:p>
-          <a:p>
-            <a:pPr marL="0" indent="0">
-              <a:buNone/>
-            </a:pPr>
-            <a:r>
-              <a:rPr lang="ru-RU" dirty="0" smtClean="0">
-                <a:solidFill>
-                  <a:srgbClr val="000000"/>
-                </a:solidFill>
-                <a:latin typeface="Consolas"/>
-              </a:rPr>
-              <a:t>    </a:t>
-            </a:r>
-            <a:r>
-              <a:rPr lang="en-US" dirty="0" smtClean="0">
-                <a:solidFill>
-                  <a:srgbClr val="000000"/>
-                </a:solidFill>
-                <a:latin typeface="Consolas"/>
-              </a:rPr>
-              <a:t>}</a:t>
-            </a:r>
-            <a:endParaRPr lang="en-US" dirty="0">
-              <a:solidFill>
-                <a:srgbClr val="000000"/>
-              </a:solidFill>
-              <a:latin typeface="Consolas"/>
-            </a:endParaRPr>
-          </a:p>
-          <a:p>
-            <a:pPr marL="0" indent="0">
-              <a:buNone/>
-            </a:pPr>
-            <a:r>
-              <a:rPr lang="ru-RU" dirty="0" smtClean="0">
-                <a:solidFill>
-                  <a:srgbClr val="008000"/>
-                </a:solidFill>
-                <a:latin typeface="Consolas"/>
-              </a:rPr>
-              <a:t>    </a:t>
-            </a:r>
-            <a:r>
-              <a:rPr lang="en-US" dirty="0" smtClean="0">
-                <a:solidFill>
-                  <a:srgbClr val="008000"/>
-                </a:solidFill>
-                <a:latin typeface="Consolas"/>
-              </a:rPr>
-              <a:t>// </a:t>
-            </a:r>
-            <a:r>
-              <a:rPr lang="ru-RU" dirty="0">
-                <a:solidFill>
-                  <a:srgbClr val="008000"/>
-                </a:solidFill>
-                <a:latin typeface="Consolas"/>
-              </a:rPr>
-              <a:t>Удаляем ненужный временный </a:t>
-            </a:r>
-            <a:r>
-              <a:rPr lang="ru-RU" dirty="0" smtClean="0">
-                <a:solidFill>
-                  <a:srgbClr val="008000"/>
-                </a:solidFill>
-                <a:latin typeface="Consolas"/>
-              </a:rPr>
-              <a:t>файл. В настоящем приложении файл может еще понадобиться.</a:t>
-            </a:r>
-            <a:endParaRPr lang="en-US" dirty="0">
-              <a:solidFill>
-                <a:srgbClr val="000000"/>
-              </a:solidFill>
-              <a:latin typeface="Consolas"/>
-            </a:endParaRPr>
-          </a:p>
-          <a:p>
-            <a:pPr marL="0" indent="0">
-              <a:buNone/>
-            </a:pPr>
-            <a:r>
-              <a:rPr lang="ru-RU" dirty="0" smtClean="0">
-                <a:solidFill>
-                  <a:srgbClr val="000000"/>
-                </a:solidFill>
-                <a:latin typeface="Consolas"/>
-              </a:rPr>
-              <a:t>    </a:t>
-            </a:r>
-            <a:r>
-              <a:rPr lang="en-US" dirty="0" err="1" smtClean="0">
-                <a:solidFill>
-                  <a:srgbClr val="000000"/>
-                </a:solidFill>
-                <a:latin typeface="Consolas"/>
-              </a:rPr>
-              <a:t>File.Delete</a:t>
-            </a:r>
-            <a:r>
-              <a:rPr lang="en-US" dirty="0" smtClean="0">
-                <a:solidFill>
-                  <a:srgbClr val="000000"/>
-                </a:solidFill>
-                <a:latin typeface="Consolas"/>
-              </a:rPr>
-              <a:t>(</a:t>
-            </a:r>
-            <a:r>
-              <a:rPr lang="en-US" dirty="0" err="1" smtClean="0">
-                <a:solidFill>
-                  <a:srgbClr val="000000"/>
-                </a:solidFill>
-                <a:latin typeface="Consolas"/>
-              </a:rPr>
-              <a:t>tempFileName</a:t>
-            </a:r>
-            <a:r>
-              <a:rPr lang="en-US" dirty="0" smtClean="0">
-                <a:solidFill>
-                  <a:srgbClr val="000000"/>
-                </a:solidFill>
-                <a:latin typeface="Consolas"/>
-              </a:rPr>
-              <a:t>);</a:t>
-            </a:r>
-            <a:r>
-              <a:rPr lang="ru-RU" dirty="0" smtClean="0">
-                <a:solidFill>
-                  <a:srgbClr val="000000"/>
-                </a:solidFill>
-                <a:latin typeface="Consolas"/>
-              </a:rPr>
-              <a:t> </a:t>
-            </a:r>
-            <a:endParaRPr lang="en-US" dirty="0">
-              <a:solidFill>
-                <a:srgbClr val="000000"/>
-              </a:solidFill>
-              <a:latin typeface="Consolas"/>
-            </a:endParaRPr>
-          </a:p>
-          <a:p>
-            <a:pPr marL="0" indent="0">
-              <a:buNone/>
-            </a:pPr>
-            <a:r>
-              <a:rPr lang="en-US" dirty="0">
-                <a:solidFill>
-                  <a:srgbClr val="000000"/>
-                </a:solidFill>
-                <a:latin typeface="Consolas"/>
-              </a:rPr>
-              <a:t>}</a:t>
-            </a:r>
-            <a:endParaRPr lang="en-US" dirty="0"/>
-          </a:p>
-        </p:txBody>
-      </p:sp>
-    </p:spTree>
-    <p:extLst>
-      <p:ext uri="{BB962C8B-B14F-4D97-AF65-F5344CB8AC3E}">
-        <p14:creationId xmlns:p14="http://schemas.microsoft.com/office/powerpoint/2010/main" val="848852780"/>
-      </p:ext>
-    </p:extLst>
-  </p:cSld>
-  <p:clrMapOvr>
-    <a:masterClrMapping/>
-  </p:clrMapOvr>
-  <p:timing>
-    <p:tnLst>
-      <p:par>
-        <p:cTn id="1" dur="indefinite" restart="never" nodeType="tmRoot"/>
-      </p:par>
-    </p:tnLst>
-  </p:timing>
-</p:sld>
-</file>
-
-<file path=ppt/slides/slide28.xml><?xml version="1.0" encoding="utf-8"?>
-<p:sld xmlns:a="http://schemas.openxmlformats.org/drawingml/2006/main" xmlns:r="http://schemas.openxmlformats.org/officeDocument/2006/relationships" xmlns:p="http://schemas.openxmlformats.org/presentationml/2006/main">
-  <p:cSld>
-    <p:bg>
-      <p:bgPr>
-        <a:blipFill dpi="0" rotWithShape="1">
-          <a:blip r:embed="rId2">
-            <a:lum/>
-          </a:blip>
-          <a:srcRect/>
-          <a:stretch>
-            <a:fillRect/>
-          </a:stretch>
-        </a:blipFill>
-        <a:effectLst/>
-      </p:bgPr>
-    </p:bg>
-    <p:spTree>
-      <p:nvGrpSpPr>
-        <p:cNvPr id="1" name=""/>
-        <p:cNvGrpSpPr/>
-        <p:nvPr/>
-      </p:nvGrpSpPr>
-      <p:grpSpPr>
-        <a:xfrm>
-          <a:off x="0" y="0"/>
-          <a:ext cx="0" cy="0"/>
-          <a:chOff x="0" y="0"/>
-          <a:chExt cx="0" cy="0"/>
-        </a:xfrm>
-      </p:grpSpPr>
-      <p:sp>
-        <p:nvSpPr>
-          <p:cNvPr id="2" name="Title 1"/>
-          <p:cNvSpPr>
-            <a:spLocks noGrp="1"/>
-          </p:cNvSpPr>
-          <p:nvPr>
-            <p:ph type="title"/>
-          </p:nvPr>
-        </p:nvSpPr>
-        <p:spPr>
-          <a:xfrm>
-            <a:off x="457200" y="188640"/>
-            <a:ext cx="8229600" cy="720080"/>
-          </a:xfrm>
-        </p:spPr>
-        <p:txBody>
-          <a:bodyPr>
-            <a:normAutofit/>
-          </a:bodyPr>
-          <a:lstStyle/>
-          <a:p>
-            <a:r>
               <a:rPr lang="en-US" sz="2000" dirty="0" smtClean="0"/>
               <a:t>XML</a:t>
             </a:r>
@@ -25536,7 +25331,7 @@
 </p:sld>
 </file>
 
-<file path=ppt/slides/slide29.xml><?xml version="1.0" encoding="utf-8"?>
+<file path=ppt/slides/slide28.xml><?xml version="1.0" encoding="utf-8"?>
 <p:sld xmlns:a="http://schemas.openxmlformats.org/drawingml/2006/main" xmlns:r="http://schemas.openxmlformats.org/officeDocument/2006/relationships" xmlns:p="http://schemas.openxmlformats.org/presentationml/2006/main">
   <p:cSld>
     <p:bg>
@@ -26037,7 +25832,7 @@
             </a:r>
             <a:r>
               <a:rPr lang="ru-RU" sz="2400" dirty="0" smtClean="0"/>
-              <a:t>апример, выход за пределы массива или обращение к неициализированной ссылочной переменной. Другой причиной может стать среда исполнения программы. Например, при попетке записи в файл может выясниться что у пользователя нет на это прав.</a:t>
+              <a:t>апример, выход за пределы массива или обращение к неициализированной ссылочной переменной. Другой причиной может стать среда исполнения программы. Например, при попытке записи в файл может выясниться что у пользователя нет на это прав.</a:t>
             </a:r>
           </a:p>
           <a:p>

--- a/Presentation/lesson-04-io.pptx
+++ b/Presentation/lesson-04-io.pptx
@@ -27,13 +27,14 @@
     <p:sldId id="289" r:id="rId21"/>
     <p:sldId id="265" r:id="rId22"/>
     <p:sldId id="266" r:id="rId23"/>
-    <p:sldId id="267" r:id="rId24"/>
-    <p:sldId id="268" r:id="rId25"/>
-    <p:sldId id="287" r:id="rId26"/>
-    <p:sldId id="278" r:id="rId27"/>
-    <p:sldId id="279" r:id="rId28"/>
-    <p:sldId id="280" r:id="rId29"/>
-    <p:sldId id="271" r:id="rId30"/>
+    <p:sldId id="291" r:id="rId24"/>
+    <p:sldId id="267" r:id="rId25"/>
+    <p:sldId id="268" r:id="rId26"/>
+    <p:sldId id="287" r:id="rId27"/>
+    <p:sldId id="278" r:id="rId28"/>
+    <p:sldId id="279" r:id="rId29"/>
+    <p:sldId id="280" r:id="rId30"/>
+    <p:sldId id="271" r:id="rId31"/>
   </p:sldIdLst>
   <p:sldSz cx="9144000" cy="6858000" type="screen4x3"/>
   <p:notesSz cx="6858000" cy="9144000"/>
@@ -9746,7 +9747,6 @@
               <a:rPr lang="en-US" dirty="0" smtClean="0"/>
               <a:t> </a:t>
             </a:r>
-            <a:endParaRPr lang="en-US" dirty="0" smtClean="0"/>
           </a:p>
           <a:p>
             <a:pPr marL="0" indent="0">
@@ -18312,6 +18312,139 @@
 <file path=ppt/slides/slide22.xml><?xml version="1.0" encoding="utf-8"?>
 <p:sld xmlns:a="http://schemas.openxmlformats.org/drawingml/2006/main" xmlns:r="http://schemas.openxmlformats.org/officeDocument/2006/relationships" xmlns:p="http://schemas.openxmlformats.org/presentationml/2006/main">
   <p:cSld>
+    <p:spTree>
+      <p:nvGrpSpPr>
+        <p:cNvPr id="1" name=""/>
+        <p:cNvGrpSpPr/>
+        <p:nvPr/>
+      </p:nvGrpSpPr>
+      <p:grpSpPr>
+        <a:xfrm>
+          <a:off x="0" y="0"/>
+          <a:ext cx="0" cy="0"/>
+          <a:chOff x="0" y="0"/>
+          <a:chExt cx="0" cy="0"/>
+        </a:xfrm>
+      </p:grpSpPr>
+      <p:sp>
+        <p:nvSpPr>
+          <p:cNvPr id="2" name="Title 1"/>
+          <p:cNvSpPr>
+            <a:spLocks noGrp="1"/>
+          </p:cNvSpPr>
+          <p:nvPr>
+            <p:ph type="title"/>
+          </p:nvPr>
+        </p:nvSpPr>
+        <p:spPr/>
+        <p:txBody>
+          <a:bodyPr/>
+          <a:lstStyle/>
+          <a:p>
+            <a:r>
+              <a:rPr lang="ru-RU" dirty="0" smtClean="0"/>
+              <a:t>Понятие потока</a:t>
+            </a:r>
+            <a:endParaRPr lang="ru-RU" dirty="0"/>
+          </a:p>
+        </p:txBody>
+      </p:sp>
+      <p:sp>
+        <p:nvSpPr>
+          <p:cNvPr id="3" name="Content Placeholder 2"/>
+          <p:cNvSpPr>
+            <a:spLocks noGrp="1"/>
+          </p:cNvSpPr>
+          <p:nvPr>
+            <p:ph idx="1"/>
+          </p:nvPr>
+        </p:nvSpPr>
+        <p:spPr>
+          <a:solidFill>
+            <a:schemeClr val="bg1"/>
+          </a:solidFill>
+        </p:spPr>
+        <p:txBody>
+          <a:bodyPr/>
+          <a:lstStyle/>
+          <a:p>
+            <a:pPr marL="0" indent="0">
+              <a:buNone/>
+            </a:pPr>
+            <a:endParaRPr lang="ru-RU" dirty="0"/>
+          </a:p>
+        </p:txBody>
+      </p:sp>
+      <p:pic>
+        <p:nvPicPr>
+          <p:cNvPr id="1027" name="Picture 3"/>
+          <p:cNvPicPr>
+            <a:picLocks noChangeAspect="1" noChangeArrowheads="1"/>
+          </p:cNvPicPr>
+          <p:nvPr/>
+        </p:nvPicPr>
+        <p:blipFill>
+          <a:blip r:embed="rId2">
+            <a:extLst>
+              <a:ext uri="{28A0092B-C50C-407E-A947-70E740481C1C}">
+                <a14:useLocalDpi xmlns:a14="http://schemas.microsoft.com/office/drawing/2010/main" val="0"/>
+              </a:ext>
+            </a:extLst>
+          </a:blip>
+          <a:srcRect/>
+          <a:stretch>
+            <a:fillRect/>
+          </a:stretch>
+        </p:blipFill>
+        <p:spPr bwMode="auto">
+          <a:xfrm>
+            <a:off x="1547813" y="1864965"/>
+            <a:ext cx="6048375" cy="3724275"/>
+          </a:xfrm>
+          <a:prstGeom prst="rect">
+            <a:avLst/>
+          </a:prstGeom>
+          <a:noFill/>
+          <a:ln>
+            <a:noFill/>
+          </a:ln>
+          <a:extLst>
+            <a:ext uri="{909E8E84-426E-40DD-AFC4-6F175D3DCCD1}">
+              <a14:hiddenFill xmlns:a14="http://schemas.microsoft.com/office/drawing/2010/main">
+                <a:solidFill>
+                  <a:schemeClr val="accent1"/>
+                </a:solidFill>
+              </a14:hiddenFill>
+            </a:ext>
+            <a:ext uri="{91240B29-F687-4F45-9708-019B960494DF}">
+              <a14:hiddenLine xmlns:a14="http://schemas.microsoft.com/office/drawing/2010/main" w="9525">
+                <a:solidFill>
+                  <a:schemeClr val="tx1"/>
+                </a:solidFill>
+                <a:miter lim="800000"/>
+                <a:headEnd/>
+                <a:tailEnd/>
+              </a14:hiddenLine>
+            </a:ext>
+          </a:extLst>
+        </p:spPr>
+      </p:pic>
+    </p:spTree>
+    <p:extLst>
+      <p:ext uri="{BB962C8B-B14F-4D97-AF65-F5344CB8AC3E}">
+        <p14:creationId xmlns:p14="http://schemas.microsoft.com/office/powerpoint/2010/main" val="1553627584"/>
+      </p:ext>
+    </p:extLst>
+  </p:cSld>
+  <p:clrMapOvr>
+    <a:masterClrMapping/>
+  </p:clrMapOvr>
+</p:sld>
+</file>
+
+<file path=ppt/slides/slide23.xml><?xml version="1.0" encoding="utf-8"?>
+<p:sld xmlns:a="http://schemas.openxmlformats.org/drawingml/2006/main" xmlns:r="http://schemas.openxmlformats.org/officeDocument/2006/relationships" xmlns:p="http://schemas.openxmlformats.org/presentationml/2006/main">
+  <p:cSld>
     <p:bg>
       <p:bgPr>
         <a:blipFill dpi="0" rotWithShape="1">
@@ -19277,7 +19410,7 @@
 </p:sld>
 </file>
 
-<file path=ppt/slides/slide23.xml><?xml version="1.0" encoding="utf-8"?>
+<file path=ppt/slides/slide24.xml><?xml version="1.0" encoding="utf-8"?>
 <p:sld xmlns:a="http://schemas.openxmlformats.org/drawingml/2006/main" xmlns:r="http://schemas.openxmlformats.org/officeDocument/2006/relationships" xmlns:p="http://schemas.openxmlformats.org/presentationml/2006/main">
   <p:cSld>
     <p:bg>
@@ -20454,7 +20587,7 @@
 </p:sld>
 </file>
 
-<file path=ppt/slides/slide24.xml><?xml version="1.0" encoding="utf-8"?>
+<file path=ppt/slides/slide25.xml><?xml version="1.0" encoding="utf-8"?>
 <p:sld xmlns:a="http://schemas.openxmlformats.org/drawingml/2006/main" xmlns:r="http://schemas.openxmlformats.org/officeDocument/2006/relationships" xmlns:p="http://schemas.openxmlformats.org/presentationml/2006/main">
   <p:cSld>
     <p:spTree>
@@ -20530,160 +20663,6 @@
     <p:extLst>
       <p:ext uri="{BB962C8B-B14F-4D97-AF65-F5344CB8AC3E}">
         <p14:creationId xmlns:p14="http://schemas.microsoft.com/office/powerpoint/2010/main" val="1322073642"/>
-      </p:ext>
-    </p:extLst>
-  </p:cSld>
-  <p:clrMapOvr>
-    <a:masterClrMapping/>
-  </p:clrMapOvr>
-  <p:timing>
-    <p:tnLst>
-      <p:par>
-        <p:cTn id="1" dur="indefinite" restart="never" nodeType="tmRoot"/>
-      </p:par>
-    </p:tnLst>
-  </p:timing>
-</p:sld>
-</file>
-
-<file path=ppt/slides/slide25.xml><?xml version="1.0" encoding="utf-8"?>
-<p:sld xmlns:a="http://schemas.openxmlformats.org/drawingml/2006/main" xmlns:r="http://schemas.openxmlformats.org/officeDocument/2006/relationships" xmlns:p="http://schemas.openxmlformats.org/presentationml/2006/main">
-  <p:cSld>
-    <p:bg>
-      <p:bgPr>
-        <a:blipFill dpi="0" rotWithShape="1">
-          <a:blip r:embed="rId2">
-            <a:lum/>
-          </a:blip>
-          <a:srcRect/>
-          <a:stretch>
-            <a:fillRect/>
-          </a:stretch>
-        </a:blipFill>
-        <a:effectLst/>
-      </p:bgPr>
-    </p:bg>
-    <p:spTree>
-      <p:nvGrpSpPr>
-        <p:cNvPr id="1" name=""/>
-        <p:cNvGrpSpPr/>
-        <p:nvPr/>
-      </p:nvGrpSpPr>
-      <p:grpSpPr>
-        <a:xfrm>
-          <a:off x="0" y="0"/>
-          <a:ext cx="0" cy="0"/>
-          <a:chOff x="0" y="0"/>
-          <a:chExt cx="0" cy="0"/>
-        </a:xfrm>
-      </p:grpSpPr>
-      <p:sp>
-        <p:nvSpPr>
-          <p:cNvPr id="2" name="Title 1"/>
-          <p:cNvSpPr>
-            <a:spLocks noGrp="1"/>
-          </p:cNvSpPr>
-          <p:nvPr>
-            <p:ph type="title"/>
-          </p:nvPr>
-        </p:nvSpPr>
-        <p:spPr/>
-        <p:txBody>
-          <a:bodyPr/>
-          <a:lstStyle/>
-          <a:p>
-            <a:r>
-              <a:rPr lang="ru-RU" dirty="0" smtClean="0"/>
-              <a:t>Сериализация (</a:t>
-            </a:r>
-            <a:r>
-              <a:rPr lang="en-US" dirty="0" smtClean="0"/>
-              <a:t>Serialization</a:t>
-            </a:r>
-            <a:r>
-              <a:rPr lang="ru-RU" dirty="0" smtClean="0"/>
-              <a:t>)</a:t>
-            </a:r>
-            <a:endParaRPr lang="en-US" dirty="0"/>
-          </a:p>
-        </p:txBody>
-      </p:sp>
-      <p:sp>
-        <p:nvSpPr>
-          <p:cNvPr id="3" name="Content Placeholder 2"/>
-          <p:cNvSpPr>
-            <a:spLocks noGrp="1"/>
-          </p:cNvSpPr>
-          <p:nvPr>
-            <p:ph idx="1"/>
-          </p:nvPr>
-        </p:nvSpPr>
-        <p:spPr/>
-        <p:txBody>
-          <a:bodyPr>
-            <a:normAutofit/>
-          </a:bodyPr>
-          <a:lstStyle/>
-          <a:p>
-            <a:pPr marL="0" indent="0">
-              <a:buNone/>
-            </a:pPr>
-            <a:r>
-              <a:rPr lang="ru-RU" dirty="0" smtClean="0"/>
-              <a:t>Сериализация – механизм сохранения значения переменной типа в поток с возможностью последующего востановления точной копии (десериализация).</a:t>
-            </a:r>
-            <a:endParaRPr lang="en-US" dirty="0" smtClean="0"/>
-          </a:p>
-          <a:p>
-            <a:pPr marL="0" indent="0">
-              <a:buNone/>
-            </a:pPr>
-            <a:endParaRPr lang="en-US" dirty="0"/>
-          </a:p>
-          <a:p>
-            <a:pPr marL="0" indent="0">
-              <a:buNone/>
-            </a:pPr>
-            <a:r>
-              <a:rPr lang="en-US" dirty="0" smtClean="0"/>
-              <a:t>.NET</a:t>
-            </a:r>
-            <a:r>
-              <a:rPr lang="ru-RU" dirty="0" smtClean="0"/>
-              <a:t> поддерживает бинарную и текстовую</a:t>
-            </a:r>
-            <a:r>
-              <a:rPr lang="en-US" dirty="0" smtClean="0"/>
-              <a:t> </a:t>
-            </a:r>
-            <a:r>
-              <a:rPr lang="ru-RU" dirty="0" smtClean="0"/>
-              <a:t>(</a:t>
-            </a:r>
-            <a:r>
-              <a:rPr lang="en-US" dirty="0" smtClean="0"/>
-              <a:t>XML</a:t>
-            </a:r>
-            <a:r>
-              <a:rPr lang="ru-RU" dirty="0" smtClean="0"/>
-              <a:t>)</a:t>
-            </a:r>
-            <a:r>
-              <a:rPr lang="en-US" dirty="0" smtClean="0"/>
-              <a:t> </a:t>
-            </a:r>
-            <a:r>
-              <a:rPr lang="ru-RU" dirty="0" smtClean="0"/>
-              <a:t>сериализацию. При необходимости можно реализовать собственный механизм.</a:t>
-            </a:r>
-            <a:endParaRPr lang="en-US" dirty="0"/>
-          </a:p>
-        </p:txBody>
-      </p:sp>
-    </p:spTree>
-    <p:extLst>
-      <p:ext uri="{BB962C8B-B14F-4D97-AF65-F5344CB8AC3E}">
-        <p14:creationId xmlns:p14="http://schemas.microsoft.com/office/powerpoint/2010/main" val="1542700340"/>
       </p:ext>
     </p:extLst>
   </p:cSld>
@@ -20741,23 +20720,24 @@
             <p:ph type="title"/>
           </p:nvPr>
         </p:nvSpPr>
-        <p:spPr>
-          <a:xfrm>
-            <a:off x="457200" y="188640"/>
-            <a:ext cx="8229600" cy="720080"/>
-          </a:xfrm>
-        </p:spPr>
+        <p:spPr/>
         <p:txBody>
-          <a:bodyPr>
-            <a:normAutofit/>
-          </a:bodyPr>
+          <a:bodyPr/>
           <a:lstStyle/>
           <a:p>
             <a:r>
-              <a:rPr lang="ru-RU" sz="2000" dirty="0" smtClean="0"/>
-              <a:t>Бинарная сериализация (пример)</a:t>
-            </a:r>
-            <a:endParaRPr lang="en-US" sz="2000" dirty="0"/>
+              <a:rPr lang="ru-RU" dirty="0" smtClean="0"/>
+              <a:t>Сериализация (</a:t>
+            </a:r>
+            <a:r>
+              <a:rPr lang="en-US" dirty="0" smtClean="0"/>
+              <a:t>Serialization</a:t>
+            </a:r>
+            <a:r>
+              <a:rPr lang="ru-RU" dirty="0" smtClean="0"/>
+              <a:t>)</a:t>
+            </a:r>
+            <a:endParaRPr lang="en-US" dirty="0"/>
           </a:p>
         </p:txBody>
       </p:sp>
@@ -20771,18 +20751,10 @@
             <p:ph idx="1"/>
           </p:nvPr>
         </p:nvSpPr>
-        <p:spPr>
-          <a:xfrm>
-            <a:off x="457200" y="919261"/>
-            <a:ext cx="8229600" cy="5750099"/>
-          </a:xfrm>
-          <a:solidFill>
-            <a:schemeClr val="bg1"/>
-          </a:solidFill>
-        </p:spPr>
+        <p:spPr/>
         <p:txBody>
           <a:bodyPr>
-            <a:normAutofit fontScale="25000" lnSpcReduction="20000"/>
+            <a:normAutofit/>
           </a:bodyPr>
           <a:lstStyle/>
           <a:p>
@@ -20790,2125 +20762,52 @@
               <a:buNone/>
             </a:pPr>
             <a:r>
-              <a:rPr lang="en-US" dirty="0" smtClean="0">
-                <a:solidFill>
-                  <a:srgbClr val="0000FF"/>
-                </a:solidFill>
-                <a:latin typeface="Consolas"/>
-              </a:rPr>
-              <a:t>using</a:t>
-            </a:r>
-            <a:r>
-              <a:rPr lang="en-US" dirty="0" smtClean="0">
-                <a:solidFill>
-                  <a:srgbClr val="000000"/>
-                </a:solidFill>
-                <a:latin typeface="Consolas"/>
-              </a:rPr>
-              <a:t> System;</a:t>
-            </a:r>
-            <a:endParaRPr lang="ru-RU" dirty="0" smtClean="0">
-              <a:solidFill>
-                <a:srgbClr val="0000FF"/>
-              </a:solidFill>
-              <a:latin typeface="Consolas"/>
-            </a:endParaRPr>
+              <a:rPr lang="ru-RU" dirty="0" smtClean="0"/>
+              <a:t>Сериализация – механизм сохранения значения переменной типа в поток с возможностью последующего востановления точной копии (десериализация).</a:t>
+            </a:r>
+            <a:endParaRPr lang="en-US" dirty="0" smtClean="0"/>
           </a:p>
           <a:p>
             <a:pPr marL="0" indent="0">
               <a:buNone/>
             </a:pPr>
-            <a:r>
-              <a:rPr lang="en-US" dirty="0" smtClean="0">
-                <a:solidFill>
-                  <a:srgbClr val="0000FF"/>
-                </a:solidFill>
-                <a:latin typeface="Consolas"/>
-              </a:rPr>
-              <a:t>using</a:t>
-            </a:r>
-            <a:r>
-              <a:rPr lang="en-US" dirty="0" smtClean="0">
-                <a:solidFill>
-                  <a:srgbClr val="000000"/>
-                </a:solidFill>
-                <a:latin typeface="Consolas"/>
-              </a:rPr>
-              <a:t> System.IO;</a:t>
-            </a:r>
+            <a:endParaRPr lang="en-US" dirty="0"/>
           </a:p>
           <a:p>
             <a:pPr marL="0" indent="0">
               <a:buNone/>
             </a:pPr>
             <a:r>
-              <a:rPr lang="en-US" dirty="0">
-                <a:solidFill>
-                  <a:srgbClr val="0000FF"/>
-                </a:solidFill>
-                <a:latin typeface="Consolas"/>
-              </a:rPr>
-              <a:t>using</a:t>
-            </a:r>
-            <a:r>
-              <a:rPr lang="en-US" dirty="0" smtClean="0">
-                <a:solidFill>
-                  <a:srgbClr val="000000"/>
-                </a:solidFill>
-                <a:latin typeface="Consolas"/>
-              </a:rPr>
+              <a:rPr lang="en-US" dirty="0" smtClean="0"/>
+              <a:t>.NET</a:t>
+            </a:r>
+            <a:r>
+              <a:rPr lang="ru-RU" dirty="0" smtClean="0"/>
+              <a:t> поддерживает бинарную и текстовую</a:t>
+            </a:r>
+            <a:r>
+              <a:rPr lang="en-US" dirty="0" smtClean="0"/>
               <a:t> </a:t>
             </a:r>
             <a:r>
-              <a:rPr lang="en-US" dirty="0" err="1" smtClean="0">
-                <a:solidFill>
-                  <a:srgbClr val="000000"/>
-                </a:solidFill>
-                <a:latin typeface="Consolas"/>
-              </a:rPr>
-              <a:t>System.Runtime.Serialization.Formatters.Binary</a:t>
-            </a:r>
-            <a:r>
-              <a:rPr lang="en-US" dirty="0" smtClean="0">
-                <a:solidFill>
-                  <a:srgbClr val="000000"/>
-                </a:solidFill>
-                <a:latin typeface="Consolas"/>
-              </a:rPr>
-              <a:t>;</a:t>
-            </a:r>
-            <a:endParaRPr lang="ru-RU" dirty="0" smtClean="0">
-              <a:solidFill>
-                <a:srgbClr val="000000"/>
-              </a:solidFill>
-              <a:latin typeface="Consolas"/>
-            </a:endParaRPr>
-          </a:p>
-          <a:p>
-            <a:pPr marL="0" indent="0">
-              <a:buNone/>
-            </a:pPr>
-            <a:endParaRPr lang="ru-RU" dirty="0" smtClean="0">
-              <a:solidFill>
-                <a:srgbClr val="000000"/>
-              </a:solidFill>
-              <a:latin typeface="Consolas"/>
-            </a:endParaRPr>
-          </a:p>
-          <a:p>
-            <a:pPr marL="0" indent="0">
-              <a:buNone/>
-            </a:pPr>
-            <a:r>
-              <a:rPr lang="en-US" dirty="0" smtClean="0">
-                <a:solidFill>
-                  <a:srgbClr val="000000"/>
-                </a:solidFill>
-                <a:latin typeface="Consolas"/>
-              </a:rPr>
-              <a:t>[</a:t>
-            </a:r>
-            <a:r>
-              <a:rPr lang="en-US" dirty="0" err="1">
-                <a:solidFill>
-                  <a:srgbClr val="000000"/>
-                </a:solidFill>
-                <a:latin typeface="Consolas"/>
-              </a:rPr>
-              <a:t>Serializable</a:t>
-            </a:r>
-            <a:r>
-              <a:rPr lang="en-US" dirty="0">
-                <a:solidFill>
-                  <a:srgbClr val="000000"/>
-                </a:solidFill>
-                <a:latin typeface="Consolas"/>
-              </a:rPr>
-              <a:t>]</a:t>
-            </a:r>
-          </a:p>
-          <a:p>
-            <a:pPr marL="0" indent="0">
-              <a:buNone/>
-            </a:pPr>
-            <a:r>
-              <a:rPr lang="en-US" dirty="0">
-                <a:solidFill>
-                  <a:srgbClr val="0000FF"/>
-                </a:solidFill>
-                <a:latin typeface="Consolas"/>
-              </a:rPr>
-              <a:t>class</a:t>
-            </a:r>
-            <a:r>
-              <a:rPr lang="en-US" dirty="0">
-                <a:solidFill>
-                  <a:srgbClr val="000000"/>
-                </a:solidFill>
-                <a:latin typeface="Consolas"/>
-              </a:rPr>
-              <a:t> Train</a:t>
-            </a:r>
-          </a:p>
-          <a:p>
-            <a:pPr marL="0" indent="0">
-              <a:buNone/>
-            </a:pPr>
-            <a:r>
-              <a:rPr lang="en-US" dirty="0">
-                <a:solidFill>
-                  <a:srgbClr val="000000"/>
-                </a:solidFill>
-                <a:latin typeface="Consolas"/>
-              </a:rPr>
-              <a:t>{</a:t>
-            </a:r>
-          </a:p>
-          <a:p>
-            <a:pPr marL="0" indent="0">
-              <a:buNone/>
-            </a:pPr>
-            <a:r>
-              <a:rPr lang="en-US" dirty="0">
-                <a:solidFill>
-                  <a:srgbClr val="000000"/>
-                </a:solidFill>
-                <a:latin typeface="Consolas"/>
-              </a:rPr>
-              <a:t>  [</a:t>
-            </a:r>
-            <a:r>
-              <a:rPr lang="en-US" dirty="0" err="1">
-                <a:solidFill>
-                  <a:srgbClr val="000000"/>
-                </a:solidFill>
-                <a:latin typeface="Consolas"/>
-              </a:rPr>
-              <a:t>NonSerialized</a:t>
-            </a:r>
-            <a:r>
-              <a:rPr lang="en-US" dirty="0">
-                <a:solidFill>
-                  <a:srgbClr val="000000"/>
-                </a:solidFill>
-                <a:latin typeface="Consolas"/>
-              </a:rPr>
-              <a:t>]</a:t>
-            </a:r>
-          </a:p>
-          <a:p>
-            <a:pPr marL="0" indent="0">
-              <a:buNone/>
-            </a:pPr>
-            <a:r>
-              <a:rPr lang="en-US" dirty="0">
-                <a:solidFill>
-                  <a:srgbClr val="000000"/>
-                </a:solidFill>
-                <a:latin typeface="Consolas"/>
-              </a:rPr>
-              <a:t>  </a:t>
-            </a:r>
-            <a:r>
-              <a:rPr lang="en-US" dirty="0">
-                <a:solidFill>
-                  <a:srgbClr val="0000FF"/>
-                </a:solidFill>
-                <a:latin typeface="Consolas"/>
-              </a:rPr>
-              <a:t>double</a:t>
-            </a:r>
-            <a:r>
-              <a:rPr lang="en-US" dirty="0">
-                <a:solidFill>
-                  <a:srgbClr val="000000"/>
-                </a:solidFill>
-                <a:latin typeface="Consolas"/>
-              </a:rPr>
-              <a:t> _speed;</a:t>
-            </a:r>
-          </a:p>
-          <a:p>
-            <a:pPr marL="0" indent="0">
-              <a:buNone/>
-            </a:pPr>
-            <a:r>
-              <a:rPr lang="en-US" dirty="0" smtClean="0">
-                <a:solidFill>
-                  <a:srgbClr val="0000FF"/>
-                </a:solidFill>
-                <a:latin typeface="Consolas"/>
-              </a:rPr>
-              <a:t>  </a:t>
-            </a:r>
-            <a:r>
-              <a:rPr lang="en-US" dirty="0" err="1" smtClean="0">
-                <a:solidFill>
-                  <a:srgbClr val="0000FF"/>
-                </a:solidFill>
-                <a:latin typeface="Consolas"/>
-              </a:rPr>
-              <a:t>int</a:t>
-            </a:r>
-            <a:r>
-              <a:rPr lang="en-US" dirty="0" smtClean="0">
-                <a:solidFill>
-                  <a:srgbClr val="000000"/>
-                </a:solidFill>
-                <a:latin typeface="Consolas"/>
-              </a:rPr>
+              <a:rPr lang="ru-RU" dirty="0" smtClean="0"/>
+              <a:t>(</a:t>
+            </a:r>
+            <a:r>
+              <a:rPr lang="en-US" dirty="0" smtClean="0"/>
+              <a:t>XML</a:t>
+            </a:r>
+            <a:r>
+              <a:rPr lang="ru-RU" dirty="0" smtClean="0"/>
+              <a:t>)</a:t>
+            </a:r>
+            <a:r>
+              <a:rPr lang="en-US" dirty="0" smtClean="0"/>
               <a:t> </a:t>
             </a:r>
             <a:r>
-              <a:rPr lang="en-US" dirty="0">
-                <a:solidFill>
-                  <a:srgbClr val="000000"/>
-                </a:solidFill>
-                <a:latin typeface="Consolas"/>
-              </a:rPr>
-              <a:t>_length;</a:t>
-            </a:r>
-          </a:p>
-          <a:p>
-            <a:pPr marL="0" indent="0">
-              <a:buNone/>
-            </a:pPr>
-            <a:r>
-              <a:rPr lang="en-US" dirty="0">
-                <a:solidFill>
-                  <a:srgbClr val="000000"/>
-                </a:solidFill>
-                <a:latin typeface="Consolas"/>
-              </a:rPr>
-              <a:t>  </a:t>
-            </a:r>
-            <a:r>
-              <a:rPr lang="en-US" dirty="0">
-                <a:solidFill>
-                  <a:srgbClr val="0000FF"/>
-                </a:solidFill>
-                <a:latin typeface="Consolas"/>
-              </a:rPr>
-              <a:t>string</a:t>
-            </a:r>
-            <a:r>
-              <a:rPr lang="en-US" dirty="0">
-                <a:solidFill>
-                  <a:srgbClr val="000000"/>
-                </a:solidFill>
-                <a:latin typeface="Consolas"/>
-              </a:rPr>
-              <a:t>[] _</a:t>
-            </a:r>
-            <a:r>
-              <a:rPr lang="en-US" dirty="0" err="1">
-                <a:solidFill>
-                  <a:srgbClr val="000000"/>
-                </a:solidFill>
-                <a:latin typeface="Consolas"/>
-              </a:rPr>
-              <a:t>travellers</a:t>
-            </a:r>
-            <a:r>
-              <a:rPr lang="en-US" dirty="0">
-                <a:solidFill>
-                  <a:srgbClr val="000000"/>
-                </a:solidFill>
-                <a:latin typeface="Consolas"/>
-              </a:rPr>
-              <a:t>;</a:t>
-            </a:r>
-          </a:p>
-          <a:p>
-            <a:pPr marL="0" indent="0">
-              <a:buNone/>
-            </a:pPr>
-            <a:r>
-              <a:rPr lang="en-US" dirty="0">
-                <a:solidFill>
-                  <a:srgbClr val="000000"/>
-                </a:solidFill>
-                <a:latin typeface="Consolas"/>
-              </a:rPr>
-              <a:t>  </a:t>
-            </a:r>
-          </a:p>
-          <a:p>
-            <a:pPr marL="0" indent="0">
-              <a:buNone/>
-            </a:pPr>
-            <a:r>
-              <a:rPr lang="en-US" dirty="0">
-                <a:solidFill>
-                  <a:srgbClr val="000000"/>
-                </a:solidFill>
-                <a:latin typeface="Consolas"/>
-              </a:rPr>
-              <a:t>  </a:t>
-            </a:r>
-            <a:r>
-              <a:rPr lang="en-US" dirty="0">
-                <a:solidFill>
-                  <a:srgbClr val="0000FF"/>
-                </a:solidFill>
-                <a:latin typeface="Consolas"/>
-              </a:rPr>
-              <a:t>public</a:t>
-            </a:r>
-            <a:r>
-              <a:rPr lang="en-US" dirty="0">
-                <a:solidFill>
-                  <a:srgbClr val="000000"/>
-                </a:solidFill>
-                <a:latin typeface="Consolas"/>
-              </a:rPr>
-              <a:t> Train(</a:t>
-            </a:r>
-            <a:r>
-              <a:rPr lang="en-US" dirty="0">
-                <a:solidFill>
-                  <a:srgbClr val="0000FF"/>
-                </a:solidFill>
-                <a:latin typeface="Consolas"/>
-              </a:rPr>
-              <a:t>double</a:t>
-            </a:r>
-            <a:r>
-              <a:rPr lang="en-US" dirty="0">
-                <a:solidFill>
-                  <a:srgbClr val="000000"/>
-                </a:solidFill>
-                <a:latin typeface="Consolas"/>
-              </a:rPr>
-              <a:t> speed, </a:t>
-            </a:r>
-            <a:r>
-              <a:rPr lang="en-US" dirty="0" err="1">
-                <a:solidFill>
-                  <a:srgbClr val="0000FF"/>
-                </a:solidFill>
-                <a:latin typeface="Consolas"/>
-              </a:rPr>
-              <a:t>int</a:t>
-            </a:r>
-            <a:r>
-              <a:rPr lang="en-US" dirty="0">
-                <a:solidFill>
-                  <a:srgbClr val="000000"/>
-                </a:solidFill>
-                <a:latin typeface="Consolas"/>
-              </a:rPr>
-              <a:t> length, </a:t>
-            </a:r>
-            <a:r>
-              <a:rPr lang="en-US" dirty="0" err="1">
-                <a:solidFill>
-                  <a:srgbClr val="0000FF"/>
-                </a:solidFill>
-                <a:latin typeface="Consolas"/>
-              </a:rPr>
-              <a:t>params</a:t>
-            </a:r>
-            <a:r>
-              <a:rPr lang="en-US" dirty="0">
-                <a:solidFill>
-                  <a:srgbClr val="000000"/>
-                </a:solidFill>
-                <a:latin typeface="Consolas"/>
-              </a:rPr>
-              <a:t> </a:t>
-            </a:r>
-            <a:r>
-              <a:rPr lang="en-US" dirty="0">
-                <a:solidFill>
-                  <a:srgbClr val="0000FF"/>
-                </a:solidFill>
-                <a:latin typeface="Consolas"/>
-              </a:rPr>
-              <a:t>string</a:t>
-            </a:r>
-            <a:r>
-              <a:rPr lang="en-US" dirty="0">
-                <a:solidFill>
-                  <a:srgbClr val="000000"/>
-                </a:solidFill>
-                <a:latin typeface="Consolas"/>
-              </a:rPr>
-              <a:t>[] </a:t>
-            </a:r>
-            <a:r>
-              <a:rPr lang="en-US" dirty="0" err="1">
-                <a:solidFill>
-                  <a:srgbClr val="000000"/>
-                </a:solidFill>
-                <a:latin typeface="Consolas"/>
-              </a:rPr>
-              <a:t>travellers</a:t>
-            </a:r>
-            <a:r>
-              <a:rPr lang="en-US" dirty="0">
-                <a:solidFill>
-                  <a:srgbClr val="000000"/>
-                </a:solidFill>
-                <a:latin typeface="Consolas"/>
-              </a:rPr>
-              <a:t>)</a:t>
-            </a:r>
-          </a:p>
-          <a:p>
-            <a:pPr marL="0" indent="0">
-              <a:buNone/>
-            </a:pPr>
-            <a:r>
-              <a:rPr lang="en-US" dirty="0">
-                <a:solidFill>
-                  <a:srgbClr val="000000"/>
-                </a:solidFill>
-                <a:latin typeface="Consolas"/>
-              </a:rPr>
-              <a:t>  {</a:t>
-            </a:r>
-          </a:p>
-          <a:p>
-            <a:pPr marL="0" indent="0">
-              <a:buNone/>
-            </a:pPr>
-            <a:r>
-              <a:rPr lang="en-US" dirty="0">
-                <a:solidFill>
-                  <a:srgbClr val="000000"/>
-                </a:solidFill>
-                <a:latin typeface="Consolas"/>
-              </a:rPr>
-              <a:t>      _speed = speed;</a:t>
-            </a:r>
-          </a:p>
-          <a:p>
-            <a:pPr marL="0" indent="0">
-              <a:buNone/>
-            </a:pPr>
-            <a:r>
-              <a:rPr lang="en-US" dirty="0">
-                <a:solidFill>
-                  <a:srgbClr val="000000"/>
-                </a:solidFill>
-                <a:latin typeface="Consolas"/>
-              </a:rPr>
-              <a:t>      _length = length;</a:t>
-            </a:r>
-          </a:p>
-          <a:p>
-            <a:pPr marL="0" indent="0">
-              <a:buNone/>
-            </a:pPr>
-            <a:r>
-              <a:rPr lang="en-US" dirty="0">
-                <a:solidFill>
-                  <a:srgbClr val="000000"/>
-                </a:solidFill>
-                <a:latin typeface="Consolas"/>
-              </a:rPr>
-              <a:t>      _</a:t>
-            </a:r>
-            <a:r>
-              <a:rPr lang="en-US" dirty="0" err="1">
-                <a:solidFill>
-                  <a:srgbClr val="000000"/>
-                </a:solidFill>
-                <a:latin typeface="Consolas"/>
-              </a:rPr>
-              <a:t>travellers</a:t>
-            </a:r>
-            <a:r>
-              <a:rPr lang="en-US" dirty="0">
-                <a:solidFill>
-                  <a:srgbClr val="000000"/>
-                </a:solidFill>
-                <a:latin typeface="Consolas"/>
-              </a:rPr>
-              <a:t> = </a:t>
-            </a:r>
-            <a:r>
-              <a:rPr lang="en-US" dirty="0" err="1">
-                <a:solidFill>
-                  <a:srgbClr val="000000"/>
-                </a:solidFill>
-                <a:latin typeface="Consolas"/>
-              </a:rPr>
-              <a:t>travellers</a:t>
-            </a:r>
-            <a:r>
-              <a:rPr lang="en-US" dirty="0">
-                <a:solidFill>
-                  <a:srgbClr val="000000"/>
-                </a:solidFill>
-                <a:latin typeface="Consolas"/>
-              </a:rPr>
-              <a:t>;</a:t>
-            </a:r>
-          </a:p>
-          <a:p>
-            <a:pPr marL="0" indent="0">
-              <a:buNone/>
-            </a:pPr>
-            <a:r>
-              <a:rPr lang="en-US" dirty="0">
-                <a:solidFill>
-                  <a:srgbClr val="000000"/>
-                </a:solidFill>
-                <a:latin typeface="Consolas"/>
-              </a:rPr>
-              <a:t>  }</a:t>
-            </a:r>
-          </a:p>
-          <a:p>
-            <a:pPr marL="0" indent="0">
-              <a:buNone/>
-            </a:pPr>
-            <a:r>
-              <a:rPr lang="ru-RU" dirty="0" smtClean="0">
-                <a:solidFill>
-                  <a:srgbClr val="0000FF"/>
-                </a:solidFill>
-                <a:latin typeface="Consolas"/>
-              </a:rPr>
-              <a:t>  </a:t>
-            </a:r>
-            <a:r>
-              <a:rPr lang="en-US" dirty="0" smtClean="0">
-                <a:solidFill>
-                  <a:srgbClr val="0000FF"/>
-                </a:solidFill>
-                <a:latin typeface="Consolas"/>
-              </a:rPr>
-              <a:t>public</a:t>
-            </a:r>
-            <a:r>
-              <a:rPr lang="en-US" dirty="0" smtClean="0">
-                <a:solidFill>
-                  <a:srgbClr val="000000"/>
-                </a:solidFill>
-                <a:latin typeface="Consolas"/>
-              </a:rPr>
-              <a:t> </a:t>
-            </a:r>
-            <a:r>
-              <a:rPr lang="en-US" dirty="0">
-                <a:solidFill>
-                  <a:srgbClr val="0000FF"/>
-                </a:solidFill>
-                <a:latin typeface="Consolas"/>
-              </a:rPr>
-              <a:t>void</a:t>
-            </a:r>
-            <a:r>
-              <a:rPr lang="en-US" dirty="0">
-                <a:solidFill>
-                  <a:srgbClr val="000000"/>
-                </a:solidFill>
-                <a:latin typeface="Consolas"/>
-              </a:rPr>
-              <a:t> Print()</a:t>
-            </a:r>
-          </a:p>
-          <a:p>
-            <a:pPr marL="0" indent="0">
-              <a:buNone/>
-            </a:pPr>
-            <a:r>
-              <a:rPr lang="en-US" dirty="0">
-                <a:solidFill>
-                  <a:srgbClr val="000000"/>
-                </a:solidFill>
-                <a:latin typeface="Consolas"/>
-              </a:rPr>
-              <a:t>  {</a:t>
-            </a:r>
-          </a:p>
-          <a:p>
-            <a:pPr marL="0" indent="0">
-              <a:buNone/>
-            </a:pPr>
-            <a:r>
-              <a:rPr lang="en-US" dirty="0">
-                <a:solidFill>
-                  <a:srgbClr val="000000"/>
-                </a:solidFill>
-                <a:latin typeface="Consolas"/>
-              </a:rPr>
-              <a:t>      </a:t>
-            </a:r>
-            <a:r>
-              <a:rPr lang="en-US" dirty="0" err="1">
-                <a:solidFill>
-                  <a:srgbClr val="000000"/>
-                </a:solidFill>
-                <a:latin typeface="Consolas"/>
-              </a:rPr>
-              <a:t>Console.WriteLine</a:t>
-            </a:r>
-            <a:r>
-              <a:rPr lang="en-US" dirty="0">
-                <a:solidFill>
-                  <a:srgbClr val="000000"/>
-                </a:solidFill>
-                <a:latin typeface="Consolas"/>
-              </a:rPr>
-              <a:t>(</a:t>
-            </a:r>
-            <a:r>
-              <a:rPr lang="en-US" dirty="0">
-                <a:solidFill>
-                  <a:srgbClr val="DC1414"/>
-                </a:solidFill>
-                <a:latin typeface="Consolas"/>
-              </a:rPr>
-              <a:t>"Speed: {0}"</a:t>
-            </a:r>
-            <a:r>
-              <a:rPr lang="en-US" dirty="0">
-                <a:solidFill>
-                  <a:srgbClr val="000000"/>
-                </a:solidFill>
-                <a:latin typeface="Consolas"/>
-              </a:rPr>
-              <a:t>, _speed);</a:t>
-            </a:r>
-          </a:p>
-          <a:p>
-            <a:pPr marL="0" indent="0">
-              <a:buNone/>
-            </a:pPr>
-            <a:r>
-              <a:rPr lang="en-US" dirty="0">
-                <a:solidFill>
-                  <a:srgbClr val="000000"/>
-                </a:solidFill>
-                <a:latin typeface="Consolas"/>
-              </a:rPr>
-              <a:t>      </a:t>
-            </a:r>
-            <a:r>
-              <a:rPr lang="en-US" dirty="0" err="1">
-                <a:solidFill>
-                  <a:srgbClr val="000000"/>
-                </a:solidFill>
-                <a:latin typeface="Consolas"/>
-              </a:rPr>
-              <a:t>Console.WriteLine</a:t>
-            </a:r>
-            <a:r>
-              <a:rPr lang="en-US" dirty="0">
-                <a:solidFill>
-                  <a:srgbClr val="000000"/>
-                </a:solidFill>
-                <a:latin typeface="Consolas"/>
-              </a:rPr>
-              <a:t>(</a:t>
-            </a:r>
-            <a:r>
-              <a:rPr lang="en-US" dirty="0">
-                <a:solidFill>
-                  <a:srgbClr val="DC1414"/>
-                </a:solidFill>
-                <a:latin typeface="Consolas"/>
-              </a:rPr>
-              <a:t>"Length : {0}"</a:t>
-            </a:r>
-            <a:r>
-              <a:rPr lang="en-US" dirty="0">
-                <a:solidFill>
-                  <a:srgbClr val="000000"/>
-                </a:solidFill>
-                <a:latin typeface="Consolas"/>
-              </a:rPr>
-              <a:t>, _length);</a:t>
-            </a:r>
-          </a:p>
-          <a:p>
-            <a:pPr marL="0" indent="0">
-              <a:buNone/>
-            </a:pPr>
-            <a:r>
-              <a:rPr lang="fr-FR" dirty="0">
-                <a:solidFill>
-                  <a:srgbClr val="000000"/>
-                </a:solidFill>
-                <a:latin typeface="Consolas"/>
-              </a:rPr>
-              <a:t>      </a:t>
-            </a:r>
-            <a:r>
-              <a:rPr lang="fr-FR" dirty="0" err="1">
-                <a:solidFill>
-                  <a:srgbClr val="000000"/>
-                </a:solidFill>
-                <a:latin typeface="Consolas"/>
-              </a:rPr>
-              <a:t>Console.WriteLine</a:t>
-            </a:r>
-            <a:r>
-              <a:rPr lang="fr-FR" dirty="0">
-                <a:solidFill>
-                  <a:srgbClr val="000000"/>
-                </a:solidFill>
-                <a:latin typeface="Consolas"/>
-              </a:rPr>
-              <a:t>(</a:t>
-            </a:r>
-            <a:r>
-              <a:rPr lang="fr-FR" dirty="0">
-                <a:solidFill>
-                  <a:srgbClr val="DC1414"/>
-                </a:solidFill>
-                <a:latin typeface="Consolas"/>
-              </a:rPr>
-              <a:t>"</a:t>
-            </a:r>
-            <a:r>
-              <a:rPr lang="fr-FR" dirty="0" err="1">
-                <a:solidFill>
-                  <a:srgbClr val="DC1414"/>
-                </a:solidFill>
-                <a:latin typeface="Consolas"/>
-              </a:rPr>
-              <a:t>Travellers</a:t>
-            </a:r>
-            <a:r>
-              <a:rPr lang="fr-FR" dirty="0">
-                <a:solidFill>
-                  <a:srgbClr val="DC1414"/>
-                </a:solidFill>
-                <a:latin typeface="Consolas"/>
-              </a:rPr>
-              <a:t>: {0}"</a:t>
-            </a:r>
-            <a:r>
-              <a:rPr lang="fr-FR" dirty="0">
-                <a:solidFill>
-                  <a:srgbClr val="000000"/>
-                </a:solidFill>
-                <a:latin typeface="Consolas"/>
-              </a:rPr>
-              <a:t>, </a:t>
-            </a:r>
-            <a:r>
-              <a:rPr lang="fr-FR" dirty="0" err="1">
-                <a:solidFill>
-                  <a:srgbClr val="000000"/>
-                </a:solidFill>
-                <a:latin typeface="Consolas"/>
-              </a:rPr>
-              <a:t>String.Join</a:t>
-            </a:r>
-            <a:r>
-              <a:rPr lang="fr-FR" dirty="0">
-                <a:solidFill>
-                  <a:srgbClr val="000000"/>
-                </a:solidFill>
-                <a:latin typeface="Consolas"/>
-              </a:rPr>
-              <a:t>(</a:t>
-            </a:r>
-            <a:r>
-              <a:rPr lang="fr-FR" dirty="0">
-                <a:solidFill>
-                  <a:srgbClr val="DC1414"/>
-                </a:solidFill>
-                <a:latin typeface="Consolas"/>
-              </a:rPr>
-              <a:t>"; "</a:t>
-            </a:r>
-            <a:r>
-              <a:rPr lang="fr-FR" dirty="0">
-                <a:solidFill>
-                  <a:srgbClr val="000000"/>
-                </a:solidFill>
-                <a:latin typeface="Consolas"/>
-              </a:rPr>
-              <a:t>, _</a:t>
-            </a:r>
-            <a:r>
-              <a:rPr lang="fr-FR" dirty="0" err="1">
-                <a:solidFill>
-                  <a:srgbClr val="000000"/>
-                </a:solidFill>
-                <a:latin typeface="Consolas"/>
-              </a:rPr>
-              <a:t>travellers</a:t>
-            </a:r>
-            <a:r>
-              <a:rPr lang="fr-FR" dirty="0">
-                <a:solidFill>
-                  <a:srgbClr val="000000"/>
-                </a:solidFill>
-                <a:latin typeface="Consolas"/>
-              </a:rPr>
-              <a:t>));</a:t>
-            </a:r>
-          </a:p>
-          <a:p>
-            <a:pPr marL="0" indent="0">
-              <a:buNone/>
-            </a:pPr>
-            <a:r>
-              <a:rPr lang="en-US" dirty="0">
-                <a:solidFill>
-                  <a:srgbClr val="000000"/>
-                </a:solidFill>
-                <a:latin typeface="Consolas"/>
-              </a:rPr>
-              <a:t>  }</a:t>
-            </a:r>
-          </a:p>
-          <a:p>
-            <a:pPr marL="0" indent="0">
-              <a:buNone/>
-            </a:pPr>
-            <a:r>
-              <a:rPr lang="en-US" dirty="0">
-                <a:solidFill>
-                  <a:srgbClr val="000000"/>
-                </a:solidFill>
-                <a:latin typeface="Consolas"/>
-              </a:rPr>
-              <a:t>}</a:t>
-            </a:r>
-          </a:p>
-          <a:p>
-            <a:pPr marL="0" indent="0">
-              <a:buNone/>
-            </a:pPr>
-            <a:r>
-              <a:rPr lang="en-US" dirty="0" smtClean="0">
-                <a:solidFill>
-                  <a:srgbClr val="0000FF"/>
-                </a:solidFill>
-                <a:latin typeface="Consolas"/>
-              </a:rPr>
-              <a:t>static</a:t>
-            </a:r>
-            <a:r>
-              <a:rPr lang="en-US" dirty="0" smtClean="0">
-                <a:solidFill>
-                  <a:srgbClr val="000000"/>
-                </a:solidFill>
-                <a:latin typeface="Consolas"/>
-              </a:rPr>
-              <a:t> </a:t>
-            </a:r>
-            <a:r>
-              <a:rPr lang="en-US" dirty="0">
-                <a:solidFill>
-                  <a:srgbClr val="0000FF"/>
-                </a:solidFill>
-                <a:latin typeface="Consolas"/>
-              </a:rPr>
-              <a:t>void</a:t>
-            </a:r>
-            <a:r>
-              <a:rPr lang="en-US" dirty="0">
-                <a:solidFill>
-                  <a:srgbClr val="000000"/>
-                </a:solidFill>
-                <a:latin typeface="Consolas"/>
-              </a:rPr>
-              <a:t> Main()</a:t>
-            </a:r>
-          </a:p>
-          <a:p>
-            <a:pPr marL="0" indent="0">
-              <a:buNone/>
-            </a:pPr>
-            <a:r>
-              <a:rPr lang="en-US" dirty="0">
-                <a:solidFill>
-                  <a:srgbClr val="000000"/>
-                </a:solidFill>
-                <a:latin typeface="Consolas"/>
-              </a:rPr>
-              <a:t>{</a:t>
-            </a:r>
-          </a:p>
-          <a:p>
-            <a:pPr marL="0" indent="0">
-              <a:buNone/>
-            </a:pPr>
-            <a:r>
-              <a:rPr lang="ru-RU" dirty="0" smtClean="0">
-                <a:solidFill>
-                  <a:srgbClr val="000000"/>
-                </a:solidFill>
-                <a:latin typeface="Consolas"/>
-              </a:rPr>
-              <a:t>    </a:t>
-            </a:r>
-            <a:r>
-              <a:rPr lang="fr-FR" dirty="0" smtClean="0">
-                <a:solidFill>
-                  <a:srgbClr val="000000"/>
-                </a:solidFill>
-                <a:latin typeface="Consolas"/>
-              </a:rPr>
-              <a:t>Train </a:t>
-            </a:r>
-            <a:r>
-              <a:rPr lang="fr-FR" dirty="0" err="1">
-                <a:solidFill>
-                  <a:srgbClr val="000000"/>
-                </a:solidFill>
-                <a:latin typeface="Consolas"/>
-              </a:rPr>
-              <a:t>train</a:t>
-            </a:r>
-            <a:r>
-              <a:rPr lang="fr-FR" dirty="0">
-                <a:solidFill>
-                  <a:srgbClr val="000000"/>
-                </a:solidFill>
-                <a:latin typeface="Consolas"/>
-              </a:rPr>
-              <a:t> = </a:t>
-            </a:r>
-            <a:r>
-              <a:rPr lang="fr-FR" dirty="0">
-                <a:solidFill>
-                  <a:srgbClr val="0000FF"/>
-                </a:solidFill>
-                <a:latin typeface="Consolas"/>
-              </a:rPr>
-              <a:t>new</a:t>
-            </a:r>
-            <a:r>
-              <a:rPr lang="fr-FR" dirty="0">
-                <a:solidFill>
-                  <a:srgbClr val="000000"/>
-                </a:solidFill>
-                <a:latin typeface="Consolas"/>
-              </a:rPr>
-              <a:t> Train(</a:t>
-            </a:r>
-            <a:r>
-              <a:rPr lang="fr-FR" dirty="0">
-                <a:solidFill>
-                  <a:srgbClr val="C81EFA"/>
-                </a:solidFill>
-                <a:latin typeface="Consolas"/>
-              </a:rPr>
-              <a:t>190.2</a:t>
-            </a:r>
-            <a:r>
-              <a:rPr lang="fr-FR" dirty="0">
-                <a:solidFill>
-                  <a:srgbClr val="000000"/>
-                </a:solidFill>
-                <a:latin typeface="Consolas"/>
-              </a:rPr>
-              <a:t>, </a:t>
-            </a:r>
-            <a:r>
-              <a:rPr lang="fr-FR" dirty="0">
-                <a:solidFill>
-                  <a:srgbClr val="C81EFA"/>
-                </a:solidFill>
-                <a:latin typeface="Consolas"/>
-              </a:rPr>
-              <a:t>8</a:t>
-            </a:r>
-            <a:r>
-              <a:rPr lang="fr-FR" dirty="0">
-                <a:solidFill>
-                  <a:srgbClr val="000000"/>
-                </a:solidFill>
-                <a:latin typeface="Consolas"/>
-              </a:rPr>
-              <a:t>, </a:t>
-            </a:r>
-            <a:r>
-              <a:rPr lang="fr-FR" dirty="0">
-                <a:solidFill>
-                  <a:srgbClr val="DC1414"/>
-                </a:solidFill>
-                <a:latin typeface="Consolas"/>
-              </a:rPr>
-              <a:t>"Ivanov"</a:t>
-            </a:r>
-            <a:r>
-              <a:rPr lang="fr-FR" dirty="0">
-                <a:solidFill>
-                  <a:srgbClr val="000000"/>
-                </a:solidFill>
-                <a:latin typeface="Consolas"/>
-              </a:rPr>
-              <a:t>, </a:t>
-            </a:r>
-            <a:r>
-              <a:rPr lang="fr-FR" dirty="0">
-                <a:solidFill>
-                  <a:srgbClr val="DC1414"/>
-                </a:solidFill>
-                <a:latin typeface="Consolas"/>
-              </a:rPr>
-              <a:t>"Petrov"</a:t>
-            </a:r>
-            <a:r>
-              <a:rPr lang="fr-FR" dirty="0">
-                <a:solidFill>
-                  <a:srgbClr val="000000"/>
-                </a:solidFill>
-                <a:latin typeface="Consolas"/>
-              </a:rPr>
-              <a:t>, </a:t>
-            </a:r>
-            <a:r>
-              <a:rPr lang="fr-FR" dirty="0">
-                <a:solidFill>
-                  <a:srgbClr val="DC1414"/>
-                </a:solidFill>
-                <a:latin typeface="Consolas"/>
-              </a:rPr>
-              <a:t>"</a:t>
-            </a:r>
-            <a:r>
-              <a:rPr lang="fr-FR" dirty="0" err="1">
-                <a:solidFill>
-                  <a:srgbClr val="DC1414"/>
-                </a:solidFill>
-                <a:latin typeface="Consolas"/>
-              </a:rPr>
-              <a:t>Sidorov</a:t>
-            </a:r>
-            <a:r>
-              <a:rPr lang="fr-FR" dirty="0">
-                <a:solidFill>
-                  <a:srgbClr val="DC1414"/>
-                </a:solidFill>
-                <a:latin typeface="Consolas"/>
-              </a:rPr>
-              <a:t>"</a:t>
-            </a:r>
-            <a:r>
-              <a:rPr lang="fr-FR" dirty="0">
-                <a:solidFill>
-                  <a:srgbClr val="000000"/>
-                </a:solidFill>
-                <a:latin typeface="Consolas"/>
-              </a:rPr>
-              <a:t>);</a:t>
-            </a:r>
-          </a:p>
-          <a:p>
-            <a:pPr marL="0" indent="0">
-              <a:buNone/>
-            </a:pPr>
-            <a:r>
-              <a:rPr lang="ru-RU" dirty="0" smtClean="0">
-                <a:solidFill>
-                  <a:srgbClr val="000000"/>
-                </a:solidFill>
-                <a:latin typeface="Consolas"/>
-              </a:rPr>
-              <a:t>    </a:t>
-            </a:r>
-            <a:r>
-              <a:rPr lang="en-US" dirty="0" err="1" smtClean="0">
-                <a:solidFill>
-                  <a:srgbClr val="000000"/>
-                </a:solidFill>
-                <a:latin typeface="Consolas"/>
-              </a:rPr>
-              <a:t>train.Print</a:t>
-            </a:r>
-            <a:r>
-              <a:rPr lang="en-US" dirty="0">
-                <a:solidFill>
-                  <a:srgbClr val="000000"/>
-                </a:solidFill>
-                <a:latin typeface="Consolas"/>
-              </a:rPr>
-              <a:t>();</a:t>
-            </a:r>
-          </a:p>
-          <a:p>
-            <a:pPr marL="0" indent="0">
-              <a:buNone/>
-            </a:pPr>
-            <a:r>
-              <a:rPr lang="ru-RU" dirty="0" smtClean="0">
-                <a:solidFill>
-                  <a:srgbClr val="0000FF"/>
-                </a:solidFill>
-                <a:latin typeface="Consolas"/>
-              </a:rPr>
-              <a:t>    </a:t>
-            </a:r>
-            <a:r>
-              <a:rPr lang="en-US" dirty="0" smtClean="0">
-                <a:solidFill>
-                  <a:srgbClr val="0000FF"/>
-                </a:solidFill>
-                <a:latin typeface="Consolas"/>
-              </a:rPr>
-              <a:t>string</a:t>
-            </a:r>
-            <a:r>
-              <a:rPr lang="en-US" dirty="0" smtClean="0">
-                <a:solidFill>
-                  <a:srgbClr val="000000"/>
-                </a:solidFill>
-                <a:latin typeface="Consolas"/>
-              </a:rPr>
-              <a:t> </a:t>
-            </a:r>
-            <a:r>
-              <a:rPr lang="en-US" dirty="0" err="1">
-                <a:solidFill>
-                  <a:srgbClr val="000000"/>
-                </a:solidFill>
-                <a:latin typeface="Consolas"/>
-              </a:rPr>
-              <a:t>tempFileName</a:t>
-            </a:r>
-            <a:r>
-              <a:rPr lang="en-US" dirty="0">
-                <a:solidFill>
-                  <a:srgbClr val="000000"/>
-                </a:solidFill>
-                <a:latin typeface="Consolas"/>
-              </a:rPr>
-              <a:t> = </a:t>
-            </a:r>
-            <a:r>
-              <a:rPr lang="en-US" dirty="0" err="1">
-                <a:solidFill>
-                  <a:srgbClr val="000000"/>
-                </a:solidFill>
-                <a:latin typeface="Consolas"/>
-              </a:rPr>
-              <a:t>Path.Combine</a:t>
-            </a:r>
-            <a:r>
-              <a:rPr lang="en-US" dirty="0">
-                <a:solidFill>
-                  <a:srgbClr val="000000"/>
-                </a:solidFill>
-                <a:latin typeface="Consolas"/>
-              </a:rPr>
-              <a:t>(</a:t>
-            </a:r>
-            <a:r>
-              <a:rPr lang="en-US" dirty="0" err="1">
-                <a:solidFill>
-                  <a:srgbClr val="000000"/>
-                </a:solidFill>
-                <a:latin typeface="Consolas"/>
-              </a:rPr>
-              <a:t>Path.GetTempPath</a:t>
-            </a:r>
-            <a:r>
-              <a:rPr lang="en-US" dirty="0">
-                <a:solidFill>
-                  <a:srgbClr val="000000"/>
-                </a:solidFill>
-                <a:latin typeface="Consolas"/>
-              </a:rPr>
-              <a:t>(), </a:t>
-            </a:r>
-            <a:r>
-              <a:rPr lang="en-US" dirty="0">
-                <a:solidFill>
-                  <a:srgbClr val="DC1414"/>
-                </a:solidFill>
-                <a:latin typeface="Consolas"/>
-              </a:rPr>
-              <a:t>"train.dat"</a:t>
-            </a:r>
-            <a:r>
-              <a:rPr lang="en-US" dirty="0">
-                <a:solidFill>
-                  <a:srgbClr val="000000"/>
-                </a:solidFill>
-                <a:latin typeface="Consolas"/>
-              </a:rPr>
-              <a:t>); </a:t>
-            </a:r>
-            <a:r>
-              <a:rPr lang="en-US" dirty="0" smtClean="0">
-                <a:solidFill>
-                  <a:srgbClr val="008000"/>
-                </a:solidFill>
-                <a:latin typeface="Consolas"/>
-              </a:rPr>
-              <a:t>//</a:t>
-            </a:r>
-            <a:r>
-              <a:rPr lang="ru-RU" dirty="0" smtClean="0">
-                <a:solidFill>
-                  <a:srgbClr val="008000"/>
-                </a:solidFill>
-                <a:latin typeface="Consolas"/>
-              </a:rPr>
-              <a:t> Будем работать с файлом в папке для временных файлов</a:t>
-            </a:r>
-            <a:endParaRPr lang="en-US" dirty="0">
-              <a:solidFill>
-                <a:srgbClr val="000000"/>
-              </a:solidFill>
-              <a:latin typeface="Consolas"/>
-            </a:endParaRPr>
-          </a:p>
-          <a:p>
-            <a:pPr marL="0" indent="0">
-              <a:buNone/>
-            </a:pPr>
-            <a:r>
-              <a:rPr lang="ru-RU" dirty="0" smtClean="0">
-                <a:solidFill>
-                  <a:srgbClr val="000000"/>
-                </a:solidFill>
-                <a:latin typeface="Consolas"/>
-              </a:rPr>
-              <a:t>    </a:t>
-            </a:r>
-            <a:r>
-              <a:rPr lang="en-US" dirty="0" err="1" smtClean="0">
-                <a:solidFill>
-                  <a:srgbClr val="000000"/>
-                </a:solidFill>
-                <a:latin typeface="Consolas"/>
-              </a:rPr>
-              <a:t>BinaryFormatter</a:t>
-            </a:r>
-            <a:r>
-              <a:rPr lang="en-US" dirty="0" smtClean="0">
-                <a:solidFill>
-                  <a:srgbClr val="000000"/>
-                </a:solidFill>
-                <a:latin typeface="Consolas"/>
-              </a:rPr>
-              <a:t> </a:t>
-            </a:r>
-            <a:r>
-              <a:rPr lang="en-US" dirty="0">
-                <a:solidFill>
-                  <a:srgbClr val="000000"/>
-                </a:solidFill>
-                <a:latin typeface="Consolas"/>
-              </a:rPr>
-              <a:t>bf = </a:t>
-            </a:r>
-            <a:r>
-              <a:rPr lang="en-US" dirty="0">
-                <a:solidFill>
-                  <a:srgbClr val="0000FF"/>
-                </a:solidFill>
-                <a:latin typeface="Consolas"/>
-              </a:rPr>
-              <a:t>new</a:t>
-            </a:r>
-            <a:r>
-              <a:rPr lang="en-US" dirty="0">
-                <a:solidFill>
-                  <a:srgbClr val="000000"/>
-                </a:solidFill>
-                <a:latin typeface="Consolas"/>
-              </a:rPr>
-              <a:t> </a:t>
-            </a:r>
-            <a:r>
-              <a:rPr lang="en-US" dirty="0" err="1">
-                <a:solidFill>
-                  <a:srgbClr val="000000"/>
-                </a:solidFill>
-                <a:latin typeface="Consolas"/>
-              </a:rPr>
-              <a:t>BinaryFormatter</a:t>
-            </a:r>
-            <a:r>
-              <a:rPr lang="en-US" dirty="0" smtClean="0">
-                <a:solidFill>
-                  <a:srgbClr val="000000"/>
-                </a:solidFill>
-                <a:latin typeface="Consolas"/>
-              </a:rPr>
-              <a:t>();</a:t>
-            </a:r>
-            <a:endParaRPr lang="ru-RU" dirty="0" smtClean="0">
-              <a:solidFill>
-                <a:srgbClr val="000000"/>
-              </a:solidFill>
-              <a:latin typeface="Consolas"/>
-            </a:endParaRPr>
-          </a:p>
-          <a:p>
-            <a:pPr marL="0" indent="0">
-              <a:buNone/>
-            </a:pPr>
-            <a:r>
-              <a:rPr lang="en-US" dirty="0" smtClean="0">
-                <a:solidFill>
-                  <a:srgbClr val="008000"/>
-                </a:solidFill>
-                <a:latin typeface="Consolas"/>
-              </a:rPr>
-              <a:t>    // </a:t>
-            </a:r>
-            <a:r>
-              <a:rPr lang="ru-RU" dirty="0">
-                <a:solidFill>
-                  <a:srgbClr val="008000"/>
-                </a:solidFill>
-                <a:latin typeface="Consolas"/>
-              </a:rPr>
-              <a:t>Выполняем сериализацию</a:t>
-            </a:r>
-            <a:endParaRPr lang="en-US" dirty="0">
-              <a:solidFill>
-                <a:srgbClr val="008000"/>
-              </a:solidFill>
-              <a:latin typeface="Consolas"/>
-            </a:endParaRPr>
-          </a:p>
-          <a:p>
-            <a:pPr marL="0" indent="0">
-              <a:buNone/>
-            </a:pPr>
-            <a:r>
-              <a:rPr lang="ru-RU" dirty="0" smtClean="0">
-                <a:solidFill>
-                  <a:srgbClr val="0000FF"/>
-                </a:solidFill>
-                <a:latin typeface="Consolas"/>
-              </a:rPr>
-              <a:t>    </a:t>
-            </a:r>
-            <a:r>
-              <a:rPr lang="en-US" dirty="0" smtClean="0">
-                <a:solidFill>
-                  <a:srgbClr val="0000FF"/>
-                </a:solidFill>
-                <a:latin typeface="Consolas"/>
-              </a:rPr>
-              <a:t>using</a:t>
-            </a:r>
-            <a:r>
-              <a:rPr lang="en-US" dirty="0" smtClean="0">
-                <a:solidFill>
-                  <a:srgbClr val="000000"/>
-                </a:solidFill>
-                <a:latin typeface="Consolas"/>
-              </a:rPr>
-              <a:t> </a:t>
-            </a:r>
-            <a:r>
-              <a:rPr lang="en-US" dirty="0">
-                <a:solidFill>
-                  <a:srgbClr val="000000"/>
-                </a:solidFill>
-                <a:latin typeface="Consolas"/>
-              </a:rPr>
-              <a:t>(</a:t>
-            </a:r>
-            <a:r>
-              <a:rPr lang="en-US" dirty="0" err="1">
-                <a:solidFill>
-                  <a:srgbClr val="000000"/>
-                </a:solidFill>
-                <a:latin typeface="Consolas"/>
-              </a:rPr>
-              <a:t>FileStream</a:t>
-            </a:r>
-            <a:r>
-              <a:rPr lang="en-US" dirty="0">
-                <a:solidFill>
-                  <a:srgbClr val="000000"/>
-                </a:solidFill>
-                <a:latin typeface="Consolas"/>
-              </a:rPr>
-              <a:t> </a:t>
-            </a:r>
-            <a:r>
-              <a:rPr lang="en-US" dirty="0" err="1">
-                <a:solidFill>
-                  <a:srgbClr val="000000"/>
-                </a:solidFill>
-                <a:latin typeface="Consolas"/>
-              </a:rPr>
-              <a:t>fs</a:t>
-            </a:r>
-            <a:r>
-              <a:rPr lang="en-US" dirty="0">
-                <a:solidFill>
-                  <a:srgbClr val="000000"/>
-                </a:solidFill>
-                <a:latin typeface="Consolas"/>
-              </a:rPr>
-              <a:t> = </a:t>
-            </a:r>
-            <a:r>
-              <a:rPr lang="en-US" dirty="0" err="1">
-                <a:solidFill>
-                  <a:srgbClr val="000000"/>
-                </a:solidFill>
-                <a:latin typeface="Consolas"/>
-              </a:rPr>
-              <a:t>File.Open</a:t>
-            </a:r>
-            <a:r>
-              <a:rPr lang="en-US" dirty="0">
-                <a:solidFill>
-                  <a:srgbClr val="000000"/>
-                </a:solidFill>
-                <a:latin typeface="Consolas"/>
-              </a:rPr>
-              <a:t>(</a:t>
-            </a:r>
-            <a:r>
-              <a:rPr lang="en-US" dirty="0" err="1">
-                <a:solidFill>
-                  <a:srgbClr val="000000"/>
-                </a:solidFill>
-                <a:latin typeface="Consolas"/>
-              </a:rPr>
-              <a:t>tempFileName</a:t>
-            </a:r>
-            <a:r>
-              <a:rPr lang="en-US" dirty="0">
-                <a:solidFill>
-                  <a:srgbClr val="000000"/>
-                </a:solidFill>
-                <a:latin typeface="Consolas"/>
-              </a:rPr>
-              <a:t>, </a:t>
-            </a:r>
-            <a:r>
-              <a:rPr lang="en-US" dirty="0" err="1">
-                <a:solidFill>
-                  <a:srgbClr val="000000"/>
-                </a:solidFill>
-                <a:latin typeface="Consolas"/>
-              </a:rPr>
-              <a:t>FileMode.Create</a:t>
-            </a:r>
-            <a:r>
-              <a:rPr lang="en-US" dirty="0">
-                <a:solidFill>
-                  <a:srgbClr val="000000"/>
-                </a:solidFill>
-                <a:latin typeface="Consolas"/>
-              </a:rPr>
-              <a:t>))</a:t>
-            </a:r>
-          </a:p>
-          <a:p>
-            <a:pPr marL="0" indent="0">
-              <a:buNone/>
-            </a:pPr>
-            <a:r>
-              <a:rPr lang="ru-RU" dirty="0" smtClean="0">
-                <a:solidFill>
-                  <a:srgbClr val="000000"/>
-                </a:solidFill>
-                <a:latin typeface="Consolas"/>
-              </a:rPr>
-              <a:t>    </a:t>
-            </a:r>
-            <a:r>
-              <a:rPr lang="en-US" dirty="0" smtClean="0">
-                <a:solidFill>
-                  <a:srgbClr val="000000"/>
-                </a:solidFill>
-                <a:latin typeface="Consolas"/>
-              </a:rPr>
-              <a:t>{</a:t>
-            </a:r>
-            <a:endParaRPr lang="en-US" dirty="0">
-              <a:solidFill>
-                <a:srgbClr val="000000"/>
-              </a:solidFill>
-              <a:latin typeface="Consolas"/>
-            </a:endParaRPr>
-          </a:p>
-          <a:p>
-            <a:pPr marL="0" indent="0">
-              <a:buNone/>
-            </a:pPr>
-            <a:r>
-              <a:rPr lang="ru-RU" dirty="0" smtClean="0">
-                <a:solidFill>
-                  <a:srgbClr val="000000"/>
-                </a:solidFill>
-                <a:latin typeface="Consolas"/>
-              </a:rPr>
-              <a:t>        </a:t>
-            </a:r>
-            <a:r>
-              <a:rPr lang="en-US" dirty="0" err="1" smtClean="0">
-                <a:solidFill>
-                  <a:srgbClr val="000000"/>
-                </a:solidFill>
-                <a:latin typeface="Consolas"/>
-              </a:rPr>
-              <a:t>bf.Serialize</a:t>
-            </a:r>
-            <a:r>
-              <a:rPr lang="en-US" dirty="0" smtClean="0">
-                <a:solidFill>
-                  <a:srgbClr val="000000"/>
-                </a:solidFill>
-                <a:latin typeface="Consolas"/>
-              </a:rPr>
-              <a:t>(</a:t>
-            </a:r>
-            <a:r>
-              <a:rPr lang="en-US" dirty="0" err="1" smtClean="0">
-                <a:solidFill>
-                  <a:srgbClr val="000000"/>
-                </a:solidFill>
-                <a:latin typeface="Consolas"/>
-              </a:rPr>
-              <a:t>fs</a:t>
-            </a:r>
-            <a:r>
-              <a:rPr lang="en-US" dirty="0">
-                <a:solidFill>
-                  <a:srgbClr val="000000"/>
-                </a:solidFill>
-                <a:latin typeface="Consolas"/>
-              </a:rPr>
-              <a:t>, train);</a:t>
-            </a:r>
-          </a:p>
-          <a:p>
-            <a:pPr marL="0" indent="0">
-              <a:buNone/>
-            </a:pPr>
-            <a:r>
-              <a:rPr lang="ru-RU" dirty="0" smtClean="0">
-                <a:solidFill>
-                  <a:srgbClr val="000000"/>
-                </a:solidFill>
-                <a:latin typeface="Consolas"/>
-              </a:rPr>
-              <a:t>    </a:t>
-            </a:r>
-            <a:r>
-              <a:rPr lang="en-US" dirty="0" smtClean="0">
-                <a:solidFill>
-                  <a:srgbClr val="000000"/>
-                </a:solidFill>
-                <a:latin typeface="Consolas"/>
-              </a:rPr>
-              <a:t>}</a:t>
-            </a:r>
-            <a:endParaRPr lang="en-US" dirty="0">
-              <a:solidFill>
-                <a:srgbClr val="000000"/>
-              </a:solidFill>
-              <a:latin typeface="Consolas"/>
-            </a:endParaRPr>
-          </a:p>
-          <a:p>
-            <a:pPr marL="0" indent="0">
-              <a:buNone/>
-            </a:pPr>
-            <a:r>
-              <a:rPr lang="ru-RU" dirty="0" smtClean="0">
-                <a:solidFill>
-                  <a:srgbClr val="000000"/>
-                </a:solidFill>
-                <a:latin typeface="Consolas"/>
-              </a:rPr>
-              <a:t>    </a:t>
-            </a:r>
-            <a:r>
-              <a:rPr lang="en-US" dirty="0" err="1" smtClean="0">
-                <a:solidFill>
-                  <a:srgbClr val="000000"/>
-                </a:solidFill>
-                <a:latin typeface="Consolas"/>
-              </a:rPr>
-              <a:t>Console.WriteLine</a:t>
-            </a:r>
-            <a:r>
-              <a:rPr lang="en-US" dirty="0">
-                <a:solidFill>
-                  <a:srgbClr val="000000"/>
-                </a:solidFill>
-                <a:latin typeface="Consolas"/>
-              </a:rPr>
-              <a:t>();</a:t>
-            </a:r>
-          </a:p>
-          <a:p>
-            <a:pPr marL="0" indent="0">
-              <a:buNone/>
-            </a:pPr>
-            <a:r>
-              <a:rPr lang="ru-RU" dirty="0" smtClean="0">
-                <a:solidFill>
-                  <a:srgbClr val="008000"/>
-                </a:solidFill>
-                <a:latin typeface="Consolas"/>
-              </a:rPr>
-              <a:t>    </a:t>
-            </a:r>
-            <a:r>
-              <a:rPr lang="en-US" dirty="0" smtClean="0">
-                <a:solidFill>
-                  <a:srgbClr val="008000"/>
-                </a:solidFill>
-                <a:latin typeface="Consolas"/>
-              </a:rPr>
-              <a:t>// </a:t>
-            </a:r>
-            <a:r>
-              <a:rPr lang="ru-RU" dirty="0">
-                <a:solidFill>
-                  <a:srgbClr val="008000"/>
-                </a:solidFill>
-                <a:latin typeface="Consolas"/>
-              </a:rPr>
-              <a:t>Выполняем </a:t>
-            </a:r>
-            <a:r>
-              <a:rPr lang="ru-RU" dirty="0" smtClean="0">
-                <a:solidFill>
-                  <a:srgbClr val="008000"/>
-                </a:solidFill>
-                <a:latin typeface="Consolas"/>
-              </a:rPr>
-              <a:t>десериализацию</a:t>
-            </a:r>
-            <a:endParaRPr lang="en-US" dirty="0">
-              <a:solidFill>
-                <a:srgbClr val="000000"/>
-              </a:solidFill>
-              <a:latin typeface="Consolas"/>
-            </a:endParaRPr>
-          </a:p>
-          <a:p>
-            <a:pPr marL="0" indent="0">
-              <a:buNone/>
-            </a:pPr>
-            <a:r>
-              <a:rPr lang="ru-RU" dirty="0" smtClean="0">
-                <a:solidFill>
-                  <a:srgbClr val="0000FF"/>
-                </a:solidFill>
-                <a:latin typeface="Consolas"/>
-              </a:rPr>
-              <a:t>    </a:t>
-            </a:r>
-            <a:r>
-              <a:rPr lang="en-US" dirty="0" smtClean="0">
-                <a:solidFill>
-                  <a:srgbClr val="0000FF"/>
-                </a:solidFill>
-                <a:latin typeface="Consolas"/>
-              </a:rPr>
-              <a:t>using</a:t>
-            </a:r>
-            <a:r>
-              <a:rPr lang="en-US" dirty="0" smtClean="0">
-                <a:solidFill>
-                  <a:srgbClr val="000000"/>
-                </a:solidFill>
-                <a:latin typeface="Consolas"/>
-              </a:rPr>
-              <a:t> </a:t>
-            </a:r>
-            <a:r>
-              <a:rPr lang="en-US" dirty="0">
-                <a:solidFill>
-                  <a:srgbClr val="000000"/>
-                </a:solidFill>
-                <a:latin typeface="Consolas"/>
-              </a:rPr>
-              <a:t>(</a:t>
-            </a:r>
-            <a:r>
-              <a:rPr lang="en-US" dirty="0" err="1">
-                <a:solidFill>
-                  <a:srgbClr val="000000"/>
-                </a:solidFill>
-                <a:latin typeface="Consolas"/>
-              </a:rPr>
-              <a:t>FileStream</a:t>
-            </a:r>
-            <a:r>
-              <a:rPr lang="en-US" dirty="0">
-                <a:solidFill>
-                  <a:srgbClr val="000000"/>
-                </a:solidFill>
-                <a:latin typeface="Consolas"/>
-              </a:rPr>
-              <a:t> </a:t>
-            </a:r>
-            <a:r>
-              <a:rPr lang="en-US" dirty="0" err="1">
-                <a:solidFill>
-                  <a:srgbClr val="000000"/>
-                </a:solidFill>
-                <a:latin typeface="Consolas"/>
-              </a:rPr>
-              <a:t>fs</a:t>
-            </a:r>
-            <a:r>
-              <a:rPr lang="en-US" dirty="0">
-                <a:solidFill>
-                  <a:srgbClr val="000000"/>
-                </a:solidFill>
-                <a:latin typeface="Consolas"/>
-              </a:rPr>
-              <a:t> = </a:t>
-            </a:r>
-            <a:r>
-              <a:rPr lang="en-US" dirty="0" err="1">
-                <a:solidFill>
-                  <a:srgbClr val="000000"/>
-                </a:solidFill>
-                <a:latin typeface="Consolas"/>
-              </a:rPr>
-              <a:t>File.Open</a:t>
-            </a:r>
-            <a:r>
-              <a:rPr lang="en-US" dirty="0">
-                <a:solidFill>
-                  <a:srgbClr val="000000"/>
-                </a:solidFill>
-                <a:latin typeface="Consolas"/>
-              </a:rPr>
-              <a:t>(</a:t>
-            </a:r>
-            <a:r>
-              <a:rPr lang="en-US" dirty="0" err="1">
-                <a:solidFill>
-                  <a:srgbClr val="000000"/>
-                </a:solidFill>
-                <a:latin typeface="Consolas"/>
-              </a:rPr>
-              <a:t>tempFileName</a:t>
-            </a:r>
-            <a:r>
-              <a:rPr lang="en-US" dirty="0">
-                <a:solidFill>
-                  <a:srgbClr val="000000"/>
-                </a:solidFill>
-                <a:latin typeface="Consolas"/>
-              </a:rPr>
-              <a:t>, </a:t>
-            </a:r>
-            <a:r>
-              <a:rPr lang="en-US" dirty="0" err="1">
-                <a:solidFill>
-                  <a:srgbClr val="000000"/>
-                </a:solidFill>
-                <a:latin typeface="Consolas"/>
-              </a:rPr>
-              <a:t>FileMode.Open</a:t>
-            </a:r>
-            <a:r>
-              <a:rPr lang="en-US" dirty="0">
-                <a:solidFill>
-                  <a:srgbClr val="000000"/>
-                </a:solidFill>
-                <a:latin typeface="Consolas"/>
-              </a:rPr>
-              <a:t>))</a:t>
-            </a:r>
-          </a:p>
-          <a:p>
-            <a:pPr marL="0" indent="0">
-              <a:buNone/>
-            </a:pPr>
-            <a:r>
-              <a:rPr lang="ru-RU" dirty="0" smtClean="0">
-                <a:solidFill>
-                  <a:srgbClr val="000000"/>
-                </a:solidFill>
-                <a:latin typeface="Consolas"/>
-              </a:rPr>
-              <a:t>    </a:t>
-            </a:r>
-            <a:r>
-              <a:rPr lang="en-US" dirty="0" smtClean="0">
-                <a:solidFill>
-                  <a:srgbClr val="000000"/>
-                </a:solidFill>
-                <a:latin typeface="Consolas"/>
-              </a:rPr>
-              <a:t>{</a:t>
-            </a:r>
-            <a:endParaRPr lang="en-US" dirty="0">
-              <a:solidFill>
-                <a:srgbClr val="000000"/>
-              </a:solidFill>
-              <a:latin typeface="Consolas"/>
-            </a:endParaRPr>
-          </a:p>
-          <a:p>
-            <a:pPr marL="0" indent="0">
-              <a:buNone/>
-            </a:pPr>
-            <a:r>
-              <a:rPr lang="ru-RU" dirty="0" smtClean="0">
-                <a:solidFill>
-                  <a:srgbClr val="000000"/>
-                </a:solidFill>
-                <a:latin typeface="Consolas"/>
-              </a:rPr>
-              <a:t>        </a:t>
-            </a:r>
-            <a:r>
-              <a:rPr lang="en-US" dirty="0" smtClean="0">
-                <a:solidFill>
-                  <a:srgbClr val="000000"/>
-                </a:solidFill>
-                <a:latin typeface="Consolas"/>
-              </a:rPr>
-              <a:t>Train </a:t>
-            </a:r>
-            <a:r>
-              <a:rPr lang="en-US" dirty="0" err="1">
-                <a:solidFill>
-                  <a:srgbClr val="000000"/>
-                </a:solidFill>
-                <a:latin typeface="Consolas"/>
-              </a:rPr>
-              <a:t>someTrain</a:t>
-            </a:r>
-            <a:r>
-              <a:rPr lang="en-US" dirty="0">
-                <a:solidFill>
-                  <a:srgbClr val="000000"/>
-                </a:solidFill>
-                <a:latin typeface="Consolas"/>
-              </a:rPr>
-              <a:t> = (Train)</a:t>
-            </a:r>
-            <a:r>
-              <a:rPr lang="en-US" dirty="0" err="1">
-                <a:solidFill>
-                  <a:srgbClr val="000000"/>
-                </a:solidFill>
-                <a:latin typeface="Consolas"/>
-              </a:rPr>
-              <a:t>bf.Deserialize</a:t>
-            </a:r>
-            <a:r>
-              <a:rPr lang="en-US" dirty="0">
-                <a:solidFill>
-                  <a:srgbClr val="000000"/>
-                </a:solidFill>
-                <a:latin typeface="Consolas"/>
-              </a:rPr>
-              <a:t>(</a:t>
-            </a:r>
-            <a:r>
-              <a:rPr lang="en-US" dirty="0" err="1">
-                <a:solidFill>
-                  <a:srgbClr val="000000"/>
-                </a:solidFill>
-                <a:latin typeface="Consolas"/>
-              </a:rPr>
-              <a:t>fs</a:t>
-            </a:r>
-            <a:r>
-              <a:rPr lang="en-US" dirty="0">
-                <a:solidFill>
-                  <a:srgbClr val="000000"/>
-                </a:solidFill>
-                <a:latin typeface="Consolas"/>
-              </a:rPr>
-              <a:t>);</a:t>
-            </a:r>
-          </a:p>
-          <a:p>
-            <a:pPr marL="0" indent="0">
-              <a:buNone/>
-            </a:pPr>
-            <a:r>
-              <a:rPr lang="ru-RU" dirty="0" smtClean="0">
-                <a:solidFill>
-                  <a:srgbClr val="000000"/>
-                </a:solidFill>
-                <a:latin typeface="Consolas"/>
-              </a:rPr>
-              <a:t>        </a:t>
-            </a:r>
-            <a:r>
-              <a:rPr lang="en-US" dirty="0" err="1" smtClean="0">
-                <a:solidFill>
-                  <a:srgbClr val="000000"/>
-                </a:solidFill>
-                <a:latin typeface="Consolas"/>
-              </a:rPr>
-              <a:t>someTrain.Print</a:t>
-            </a:r>
-            <a:r>
-              <a:rPr lang="en-US" dirty="0">
-                <a:solidFill>
-                  <a:srgbClr val="000000"/>
-                </a:solidFill>
-                <a:latin typeface="Consolas"/>
-              </a:rPr>
-              <a:t>();</a:t>
-            </a:r>
-          </a:p>
-          <a:p>
-            <a:pPr marL="0" indent="0">
-              <a:buNone/>
-            </a:pPr>
-            <a:r>
-              <a:rPr lang="ru-RU" dirty="0" smtClean="0">
-                <a:solidFill>
-                  <a:srgbClr val="000000"/>
-                </a:solidFill>
-                <a:latin typeface="Consolas"/>
-              </a:rPr>
-              <a:t>    </a:t>
-            </a:r>
-            <a:r>
-              <a:rPr lang="en-US" dirty="0" smtClean="0">
-                <a:solidFill>
-                  <a:srgbClr val="000000"/>
-                </a:solidFill>
-                <a:latin typeface="Consolas"/>
-              </a:rPr>
-              <a:t>}</a:t>
-            </a:r>
-            <a:endParaRPr lang="en-US" dirty="0">
-              <a:solidFill>
-                <a:srgbClr val="000000"/>
-              </a:solidFill>
-              <a:latin typeface="Consolas"/>
-            </a:endParaRPr>
-          </a:p>
-          <a:p>
-            <a:pPr marL="0" indent="0">
-              <a:buNone/>
-            </a:pPr>
-            <a:r>
-              <a:rPr lang="ru-RU" dirty="0" smtClean="0">
-                <a:solidFill>
-                  <a:srgbClr val="008000"/>
-                </a:solidFill>
-                <a:latin typeface="Consolas"/>
-              </a:rPr>
-              <a:t>    </a:t>
-            </a:r>
-            <a:r>
-              <a:rPr lang="en-US" dirty="0" smtClean="0">
-                <a:solidFill>
-                  <a:srgbClr val="008000"/>
-                </a:solidFill>
-                <a:latin typeface="Consolas"/>
-              </a:rPr>
-              <a:t>// </a:t>
-            </a:r>
-            <a:r>
-              <a:rPr lang="ru-RU" dirty="0">
-                <a:solidFill>
-                  <a:srgbClr val="008000"/>
-                </a:solidFill>
-                <a:latin typeface="Consolas"/>
-              </a:rPr>
-              <a:t>Удаляем ненужный временный </a:t>
-            </a:r>
-            <a:r>
-              <a:rPr lang="ru-RU" dirty="0" smtClean="0">
-                <a:solidFill>
-                  <a:srgbClr val="008000"/>
-                </a:solidFill>
-                <a:latin typeface="Consolas"/>
-              </a:rPr>
-              <a:t>файл. В настоящем приложении файл может еще понадобиться.</a:t>
-            </a:r>
-            <a:endParaRPr lang="en-US" dirty="0">
-              <a:solidFill>
-                <a:srgbClr val="000000"/>
-              </a:solidFill>
-              <a:latin typeface="Consolas"/>
-            </a:endParaRPr>
-          </a:p>
-          <a:p>
-            <a:pPr marL="0" indent="0">
-              <a:buNone/>
-            </a:pPr>
-            <a:r>
-              <a:rPr lang="ru-RU" dirty="0" smtClean="0">
-                <a:solidFill>
-                  <a:srgbClr val="000000"/>
-                </a:solidFill>
-                <a:latin typeface="Consolas"/>
-              </a:rPr>
-              <a:t>    </a:t>
-            </a:r>
-            <a:r>
-              <a:rPr lang="en-US" dirty="0" err="1" smtClean="0">
-                <a:solidFill>
-                  <a:srgbClr val="000000"/>
-                </a:solidFill>
-                <a:latin typeface="Consolas"/>
-              </a:rPr>
-              <a:t>File.Delete</a:t>
-            </a:r>
-            <a:r>
-              <a:rPr lang="en-US" dirty="0" smtClean="0">
-                <a:solidFill>
-                  <a:srgbClr val="000000"/>
-                </a:solidFill>
-                <a:latin typeface="Consolas"/>
-              </a:rPr>
-              <a:t>(</a:t>
-            </a:r>
-            <a:r>
-              <a:rPr lang="en-US" dirty="0" err="1" smtClean="0">
-                <a:solidFill>
-                  <a:srgbClr val="000000"/>
-                </a:solidFill>
-                <a:latin typeface="Consolas"/>
-              </a:rPr>
-              <a:t>tempFileName</a:t>
-            </a:r>
-            <a:r>
-              <a:rPr lang="en-US" dirty="0" smtClean="0">
-                <a:solidFill>
-                  <a:srgbClr val="000000"/>
-                </a:solidFill>
-                <a:latin typeface="Consolas"/>
-              </a:rPr>
-              <a:t>);</a:t>
-            </a:r>
-            <a:r>
-              <a:rPr lang="ru-RU" dirty="0" smtClean="0">
-                <a:solidFill>
-                  <a:srgbClr val="000000"/>
-                </a:solidFill>
-                <a:latin typeface="Consolas"/>
-              </a:rPr>
-              <a:t> </a:t>
-            </a:r>
-            <a:endParaRPr lang="en-US" dirty="0">
-              <a:solidFill>
-                <a:srgbClr val="000000"/>
-              </a:solidFill>
-              <a:latin typeface="Consolas"/>
-            </a:endParaRPr>
-          </a:p>
-          <a:p>
-            <a:pPr marL="0" indent="0">
-              <a:buNone/>
-            </a:pPr>
-            <a:r>
-              <a:rPr lang="en-US" dirty="0">
-                <a:solidFill>
-                  <a:srgbClr val="000000"/>
-                </a:solidFill>
-                <a:latin typeface="Consolas"/>
-              </a:rPr>
-              <a:t>}</a:t>
+              <a:rPr lang="ru-RU" dirty="0" smtClean="0"/>
+              <a:t>сериализацию. При необходимости можно реализовать собственный механизм.</a:t>
             </a:r>
             <a:endParaRPr lang="en-US" dirty="0"/>
           </a:p>
@@ -22917,7 +20816,7 @@
     </p:spTree>
     <p:extLst>
       <p:ext uri="{BB962C8B-B14F-4D97-AF65-F5344CB8AC3E}">
-        <p14:creationId xmlns:p14="http://schemas.microsoft.com/office/powerpoint/2010/main" val="848852780"/>
+        <p14:creationId xmlns:p14="http://schemas.microsoft.com/office/powerpoint/2010/main" val="1542700340"/>
       </p:ext>
     </p:extLst>
   </p:cSld>
@@ -22988,6 +20887,2240 @@
           <a:lstStyle/>
           <a:p>
             <a:r>
+              <a:rPr lang="ru-RU" sz="2000" dirty="0" smtClean="0"/>
+              <a:t>Бинарная сериализация (пример)</a:t>
+            </a:r>
+            <a:endParaRPr lang="en-US" sz="2000" dirty="0"/>
+          </a:p>
+        </p:txBody>
+      </p:sp>
+      <p:sp>
+        <p:nvSpPr>
+          <p:cNvPr id="3" name="Content Placeholder 2"/>
+          <p:cNvSpPr>
+            <a:spLocks noGrp="1"/>
+          </p:cNvSpPr>
+          <p:nvPr>
+            <p:ph idx="1"/>
+          </p:nvPr>
+        </p:nvSpPr>
+        <p:spPr>
+          <a:xfrm>
+            <a:off x="457200" y="919261"/>
+            <a:ext cx="8229600" cy="5750099"/>
+          </a:xfrm>
+          <a:solidFill>
+            <a:schemeClr val="bg1"/>
+          </a:solidFill>
+        </p:spPr>
+        <p:txBody>
+          <a:bodyPr>
+            <a:normAutofit fontScale="25000" lnSpcReduction="20000"/>
+          </a:bodyPr>
+          <a:lstStyle/>
+          <a:p>
+            <a:pPr marL="0" indent="0">
+              <a:buNone/>
+            </a:pPr>
+            <a:r>
+              <a:rPr lang="en-US" dirty="0" smtClean="0">
+                <a:solidFill>
+                  <a:srgbClr val="0000FF"/>
+                </a:solidFill>
+                <a:latin typeface="Consolas"/>
+              </a:rPr>
+              <a:t>using</a:t>
+            </a:r>
+            <a:r>
+              <a:rPr lang="en-US" dirty="0" smtClean="0">
+                <a:solidFill>
+                  <a:srgbClr val="000000"/>
+                </a:solidFill>
+                <a:latin typeface="Consolas"/>
+              </a:rPr>
+              <a:t> System;</a:t>
+            </a:r>
+            <a:endParaRPr lang="ru-RU" dirty="0" smtClean="0">
+              <a:solidFill>
+                <a:srgbClr val="0000FF"/>
+              </a:solidFill>
+              <a:latin typeface="Consolas"/>
+            </a:endParaRPr>
+          </a:p>
+          <a:p>
+            <a:pPr marL="0" indent="0">
+              <a:buNone/>
+            </a:pPr>
+            <a:r>
+              <a:rPr lang="en-US" dirty="0" smtClean="0">
+                <a:solidFill>
+                  <a:srgbClr val="0000FF"/>
+                </a:solidFill>
+                <a:latin typeface="Consolas"/>
+              </a:rPr>
+              <a:t>using</a:t>
+            </a:r>
+            <a:r>
+              <a:rPr lang="en-US" dirty="0" smtClean="0">
+                <a:solidFill>
+                  <a:srgbClr val="000000"/>
+                </a:solidFill>
+                <a:latin typeface="Consolas"/>
+              </a:rPr>
+              <a:t> System.IO;</a:t>
+            </a:r>
+          </a:p>
+          <a:p>
+            <a:pPr marL="0" indent="0">
+              <a:buNone/>
+            </a:pPr>
+            <a:r>
+              <a:rPr lang="en-US" dirty="0">
+                <a:solidFill>
+                  <a:srgbClr val="0000FF"/>
+                </a:solidFill>
+                <a:latin typeface="Consolas"/>
+              </a:rPr>
+              <a:t>using</a:t>
+            </a:r>
+            <a:r>
+              <a:rPr lang="en-US" dirty="0" smtClean="0">
+                <a:solidFill>
+                  <a:srgbClr val="000000"/>
+                </a:solidFill>
+                <a:latin typeface="Consolas"/>
+              </a:rPr>
+              <a:t> </a:t>
+            </a:r>
+            <a:r>
+              <a:rPr lang="en-US" dirty="0" err="1" smtClean="0">
+                <a:solidFill>
+                  <a:srgbClr val="000000"/>
+                </a:solidFill>
+                <a:latin typeface="Consolas"/>
+              </a:rPr>
+              <a:t>System.Runtime.Serialization.Formatters.Binary</a:t>
+            </a:r>
+            <a:r>
+              <a:rPr lang="en-US" dirty="0" smtClean="0">
+                <a:solidFill>
+                  <a:srgbClr val="000000"/>
+                </a:solidFill>
+                <a:latin typeface="Consolas"/>
+              </a:rPr>
+              <a:t>;</a:t>
+            </a:r>
+            <a:endParaRPr lang="ru-RU" dirty="0" smtClean="0">
+              <a:solidFill>
+                <a:srgbClr val="000000"/>
+              </a:solidFill>
+              <a:latin typeface="Consolas"/>
+            </a:endParaRPr>
+          </a:p>
+          <a:p>
+            <a:pPr marL="0" indent="0">
+              <a:buNone/>
+            </a:pPr>
+            <a:endParaRPr lang="ru-RU" dirty="0" smtClean="0">
+              <a:solidFill>
+                <a:srgbClr val="000000"/>
+              </a:solidFill>
+              <a:latin typeface="Consolas"/>
+            </a:endParaRPr>
+          </a:p>
+          <a:p>
+            <a:pPr marL="0" indent="0">
+              <a:buNone/>
+            </a:pPr>
+            <a:r>
+              <a:rPr lang="en-US" dirty="0" smtClean="0">
+                <a:solidFill>
+                  <a:srgbClr val="000000"/>
+                </a:solidFill>
+                <a:latin typeface="Consolas"/>
+              </a:rPr>
+              <a:t>[</a:t>
+            </a:r>
+            <a:r>
+              <a:rPr lang="en-US" dirty="0" err="1">
+                <a:solidFill>
+                  <a:srgbClr val="000000"/>
+                </a:solidFill>
+                <a:latin typeface="Consolas"/>
+              </a:rPr>
+              <a:t>Serializable</a:t>
+            </a:r>
+            <a:r>
+              <a:rPr lang="en-US" dirty="0">
+                <a:solidFill>
+                  <a:srgbClr val="000000"/>
+                </a:solidFill>
+                <a:latin typeface="Consolas"/>
+              </a:rPr>
+              <a:t>]</a:t>
+            </a:r>
+          </a:p>
+          <a:p>
+            <a:pPr marL="0" indent="0">
+              <a:buNone/>
+            </a:pPr>
+            <a:r>
+              <a:rPr lang="en-US" dirty="0">
+                <a:solidFill>
+                  <a:srgbClr val="0000FF"/>
+                </a:solidFill>
+                <a:latin typeface="Consolas"/>
+              </a:rPr>
+              <a:t>class</a:t>
+            </a:r>
+            <a:r>
+              <a:rPr lang="en-US" dirty="0">
+                <a:solidFill>
+                  <a:srgbClr val="000000"/>
+                </a:solidFill>
+                <a:latin typeface="Consolas"/>
+              </a:rPr>
+              <a:t> Train</a:t>
+            </a:r>
+          </a:p>
+          <a:p>
+            <a:pPr marL="0" indent="0">
+              <a:buNone/>
+            </a:pPr>
+            <a:r>
+              <a:rPr lang="en-US" dirty="0">
+                <a:solidFill>
+                  <a:srgbClr val="000000"/>
+                </a:solidFill>
+                <a:latin typeface="Consolas"/>
+              </a:rPr>
+              <a:t>{</a:t>
+            </a:r>
+          </a:p>
+          <a:p>
+            <a:pPr marL="0" indent="0">
+              <a:buNone/>
+            </a:pPr>
+            <a:r>
+              <a:rPr lang="en-US" dirty="0">
+                <a:solidFill>
+                  <a:srgbClr val="000000"/>
+                </a:solidFill>
+                <a:latin typeface="Consolas"/>
+              </a:rPr>
+              <a:t>  [</a:t>
+            </a:r>
+            <a:r>
+              <a:rPr lang="en-US" dirty="0" err="1">
+                <a:solidFill>
+                  <a:srgbClr val="000000"/>
+                </a:solidFill>
+                <a:latin typeface="Consolas"/>
+              </a:rPr>
+              <a:t>NonSerialized</a:t>
+            </a:r>
+            <a:r>
+              <a:rPr lang="en-US" dirty="0">
+                <a:solidFill>
+                  <a:srgbClr val="000000"/>
+                </a:solidFill>
+                <a:latin typeface="Consolas"/>
+              </a:rPr>
+              <a:t>]</a:t>
+            </a:r>
+          </a:p>
+          <a:p>
+            <a:pPr marL="0" indent="0">
+              <a:buNone/>
+            </a:pPr>
+            <a:r>
+              <a:rPr lang="en-US" dirty="0">
+                <a:solidFill>
+                  <a:srgbClr val="000000"/>
+                </a:solidFill>
+                <a:latin typeface="Consolas"/>
+              </a:rPr>
+              <a:t>  </a:t>
+            </a:r>
+            <a:r>
+              <a:rPr lang="en-US" dirty="0">
+                <a:solidFill>
+                  <a:srgbClr val="0000FF"/>
+                </a:solidFill>
+                <a:latin typeface="Consolas"/>
+              </a:rPr>
+              <a:t>double</a:t>
+            </a:r>
+            <a:r>
+              <a:rPr lang="en-US" dirty="0">
+                <a:solidFill>
+                  <a:srgbClr val="000000"/>
+                </a:solidFill>
+                <a:latin typeface="Consolas"/>
+              </a:rPr>
+              <a:t> _speed;</a:t>
+            </a:r>
+          </a:p>
+          <a:p>
+            <a:pPr marL="0" indent="0">
+              <a:buNone/>
+            </a:pPr>
+            <a:r>
+              <a:rPr lang="en-US" dirty="0" smtClean="0">
+                <a:solidFill>
+                  <a:srgbClr val="0000FF"/>
+                </a:solidFill>
+                <a:latin typeface="Consolas"/>
+              </a:rPr>
+              <a:t>  </a:t>
+            </a:r>
+            <a:r>
+              <a:rPr lang="en-US" dirty="0" err="1" smtClean="0">
+                <a:solidFill>
+                  <a:srgbClr val="0000FF"/>
+                </a:solidFill>
+                <a:latin typeface="Consolas"/>
+              </a:rPr>
+              <a:t>int</a:t>
+            </a:r>
+            <a:r>
+              <a:rPr lang="en-US" dirty="0" smtClean="0">
+                <a:solidFill>
+                  <a:srgbClr val="000000"/>
+                </a:solidFill>
+                <a:latin typeface="Consolas"/>
+              </a:rPr>
+              <a:t> </a:t>
+            </a:r>
+            <a:r>
+              <a:rPr lang="en-US" dirty="0">
+                <a:solidFill>
+                  <a:srgbClr val="000000"/>
+                </a:solidFill>
+                <a:latin typeface="Consolas"/>
+              </a:rPr>
+              <a:t>_length;</a:t>
+            </a:r>
+          </a:p>
+          <a:p>
+            <a:pPr marL="0" indent="0">
+              <a:buNone/>
+            </a:pPr>
+            <a:r>
+              <a:rPr lang="en-US" dirty="0">
+                <a:solidFill>
+                  <a:srgbClr val="000000"/>
+                </a:solidFill>
+                <a:latin typeface="Consolas"/>
+              </a:rPr>
+              <a:t>  </a:t>
+            </a:r>
+            <a:r>
+              <a:rPr lang="en-US" dirty="0">
+                <a:solidFill>
+                  <a:srgbClr val="0000FF"/>
+                </a:solidFill>
+                <a:latin typeface="Consolas"/>
+              </a:rPr>
+              <a:t>string</a:t>
+            </a:r>
+            <a:r>
+              <a:rPr lang="en-US" dirty="0">
+                <a:solidFill>
+                  <a:srgbClr val="000000"/>
+                </a:solidFill>
+                <a:latin typeface="Consolas"/>
+              </a:rPr>
+              <a:t>[] _</a:t>
+            </a:r>
+            <a:r>
+              <a:rPr lang="en-US" dirty="0" err="1">
+                <a:solidFill>
+                  <a:srgbClr val="000000"/>
+                </a:solidFill>
+                <a:latin typeface="Consolas"/>
+              </a:rPr>
+              <a:t>travellers</a:t>
+            </a:r>
+            <a:r>
+              <a:rPr lang="en-US" dirty="0">
+                <a:solidFill>
+                  <a:srgbClr val="000000"/>
+                </a:solidFill>
+                <a:latin typeface="Consolas"/>
+              </a:rPr>
+              <a:t>;</a:t>
+            </a:r>
+          </a:p>
+          <a:p>
+            <a:pPr marL="0" indent="0">
+              <a:buNone/>
+            </a:pPr>
+            <a:r>
+              <a:rPr lang="en-US" dirty="0">
+                <a:solidFill>
+                  <a:srgbClr val="000000"/>
+                </a:solidFill>
+                <a:latin typeface="Consolas"/>
+              </a:rPr>
+              <a:t>  </a:t>
+            </a:r>
+          </a:p>
+          <a:p>
+            <a:pPr marL="0" indent="0">
+              <a:buNone/>
+            </a:pPr>
+            <a:r>
+              <a:rPr lang="en-US" dirty="0">
+                <a:solidFill>
+                  <a:srgbClr val="000000"/>
+                </a:solidFill>
+                <a:latin typeface="Consolas"/>
+              </a:rPr>
+              <a:t>  </a:t>
+            </a:r>
+            <a:r>
+              <a:rPr lang="en-US" dirty="0">
+                <a:solidFill>
+                  <a:srgbClr val="0000FF"/>
+                </a:solidFill>
+                <a:latin typeface="Consolas"/>
+              </a:rPr>
+              <a:t>public</a:t>
+            </a:r>
+            <a:r>
+              <a:rPr lang="en-US" dirty="0">
+                <a:solidFill>
+                  <a:srgbClr val="000000"/>
+                </a:solidFill>
+                <a:latin typeface="Consolas"/>
+              </a:rPr>
+              <a:t> Train(</a:t>
+            </a:r>
+            <a:r>
+              <a:rPr lang="en-US" dirty="0">
+                <a:solidFill>
+                  <a:srgbClr val="0000FF"/>
+                </a:solidFill>
+                <a:latin typeface="Consolas"/>
+              </a:rPr>
+              <a:t>double</a:t>
+            </a:r>
+            <a:r>
+              <a:rPr lang="en-US" dirty="0">
+                <a:solidFill>
+                  <a:srgbClr val="000000"/>
+                </a:solidFill>
+                <a:latin typeface="Consolas"/>
+              </a:rPr>
+              <a:t> speed, </a:t>
+            </a:r>
+            <a:r>
+              <a:rPr lang="en-US" dirty="0" err="1">
+                <a:solidFill>
+                  <a:srgbClr val="0000FF"/>
+                </a:solidFill>
+                <a:latin typeface="Consolas"/>
+              </a:rPr>
+              <a:t>int</a:t>
+            </a:r>
+            <a:r>
+              <a:rPr lang="en-US" dirty="0">
+                <a:solidFill>
+                  <a:srgbClr val="000000"/>
+                </a:solidFill>
+                <a:latin typeface="Consolas"/>
+              </a:rPr>
+              <a:t> length, </a:t>
+            </a:r>
+            <a:r>
+              <a:rPr lang="en-US" dirty="0" err="1">
+                <a:solidFill>
+                  <a:srgbClr val="0000FF"/>
+                </a:solidFill>
+                <a:latin typeface="Consolas"/>
+              </a:rPr>
+              <a:t>params</a:t>
+            </a:r>
+            <a:r>
+              <a:rPr lang="en-US" dirty="0">
+                <a:solidFill>
+                  <a:srgbClr val="000000"/>
+                </a:solidFill>
+                <a:latin typeface="Consolas"/>
+              </a:rPr>
+              <a:t> </a:t>
+            </a:r>
+            <a:r>
+              <a:rPr lang="en-US" dirty="0">
+                <a:solidFill>
+                  <a:srgbClr val="0000FF"/>
+                </a:solidFill>
+                <a:latin typeface="Consolas"/>
+              </a:rPr>
+              <a:t>string</a:t>
+            </a:r>
+            <a:r>
+              <a:rPr lang="en-US" dirty="0">
+                <a:solidFill>
+                  <a:srgbClr val="000000"/>
+                </a:solidFill>
+                <a:latin typeface="Consolas"/>
+              </a:rPr>
+              <a:t>[] </a:t>
+            </a:r>
+            <a:r>
+              <a:rPr lang="en-US" dirty="0" err="1">
+                <a:solidFill>
+                  <a:srgbClr val="000000"/>
+                </a:solidFill>
+                <a:latin typeface="Consolas"/>
+              </a:rPr>
+              <a:t>travellers</a:t>
+            </a:r>
+            <a:r>
+              <a:rPr lang="en-US" dirty="0">
+                <a:solidFill>
+                  <a:srgbClr val="000000"/>
+                </a:solidFill>
+                <a:latin typeface="Consolas"/>
+              </a:rPr>
+              <a:t>)</a:t>
+            </a:r>
+          </a:p>
+          <a:p>
+            <a:pPr marL="0" indent="0">
+              <a:buNone/>
+            </a:pPr>
+            <a:r>
+              <a:rPr lang="en-US" dirty="0">
+                <a:solidFill>
+                  <a:srgbClr val="000000"/>
+                </a:solidFill>
+                <a:latin typeface="Consolas"/>
+              </a:rPr>
+              <a:t>  {</a:t>
+            </a:r>
+          </a:p>
+          <a:p>
+            <a:pPr marL="0" indent="0">
+              <a:buNone/>
+            </a:pPr>
+            <a:r>
+              <a:rPr lang="en-US" dirty="0">
+                <a:solidFill>
+                  <a:srgbClr val="000000"/>
+                </a:solidFill>
+                <a:latin typeface="Consolas"/>
+              </a:rPr>
+              <a:t>      _speed = speed;</a:t>
+            </a:r>
+          </a:p>
+          <a:p>
+            <a:pPr marL="0" indent="0">
+              <a:buNone/>
+            </a:pPr>
+            <a:r>
+              <a:rPr lang="en-US" dirty="0">
+                <a:solidFill>
+                  <a:srgbClr val="000000"/>
+                </a:solidFill>
+                <a:latin typeface="Consolas"/>
+              </a:rPr>
+              <a:t>      _length = length;</a:t>
+            </a:r>
+          </a:p>
+          <a:p>
+            <a:pPr marL="0" indent="0">
+              <a:buNone/>
+            </a:pPr>
+            <a:r>
+              <a:rPr lang="en-US" dirty="0">
+                <a:solidFill>
+                  <a:srgbClr val="000000"/>
+                </a:solidFill>
+                <a:latin typeface="Consolas"/>
+              </a:rPr>
+              <a:t>      _</a:t>
+            </a:r>
+            <a:r>
+              <a:rPr lang="en-US" dirty="0" err="1">
+                <a:solidFill>
+                  <a:srgbClr val="000000"/>
+                </a:solidFill>
+                <a:latin typeface="Consolas"/>
+              </a:rPr>
+              <a:t>travellers</a:t>
+            </a:r>
+            <a:r>
+              <a:rPr lang="en-US" dirty="0">
+                <a:solidFill>
+                  <a:srgbClr val="000000"/>
+                </a:solidFill>
+                <a:latin typeface="Consolas"/>
+              </a:rPr>
+              <a:t> = </a:t>
+            </a:r>
+            <a:r>
+              <a:rPr lang="en-US" dirty="0" err="1">
+                <a:solidFill>
+                  <a:srgbClr val="000000"/>
+                </a:solidFill>
+                <a:latin typeface="Consolas"/>
+              </a:rPr>
+              <a:t>travellers</a:t>
+            </a:r>
+            <a:r>
+              <a:rPr lang="en-US" dirty="0">
+                <a:solidFill>
+                  <a:srgbClr val="000000"/>
+                </a:solidFill>
+                <a:latin typeface="Consolas"/>
+              </a:rPr>
+              <a:t>;</a:t>
+            </a:r>
+          </a:p>
+          <a:p>
+            <a:pPr marL="0" indent="0">
+              <a:buNone/>
+            </a:pPr>
+            <a:r>
+              <a:rPr lang="en-US" dirty="0">
+                <a:solidFill>
+                  <a:srgbClr val="000000"/>
+                </a:solidFill>
+                <a:latin typeface="Consolas"/>
+              </a:rPr>
+              <a:t>  }</a:t>
+            </a:r>
+          </a:p>
+          <a:p>
+            <a:pPr marL="0" indent="0">
+              <a:buNone/>
+            </a:pPr>
+            <a:r>
+              <a:rPr lang="ru-RU" dirty="0" smtClean="0">
+                <a:solidFill>
+                  <a:srgbClr val="0000FF"/>
+                </a:solidFill>
+                <a:latin typeface="Consolas"/>
+              </a:rPr>
+              <a:t>  </a:t>
+            </a:r>
+            <a:r>
+              <a:rPr lang="en-US" dirty="0" smtClean="0">
+                <a:solidFill>
+                  <a:srgbClr val="0000FF"/>
+                </a:solidFill>
+                <a:latin typeface="Consolas"/>
+              </a:rPr>
+              <a:t>public</a:t>
+            </a:r>
+            <a:r>
+              <a:rPr lang="en-US" dirty="0" smtClean="0">
+                <a:solidFill>
+                  <a:srgbClr val="000000"/>
+                </a:solidFill>
+                <a:latin typeface="Consolas"/>
+              </a:rPr>
+              <a:t> </a:t>
+            </a:r>
+            <a:r>
+              <a:rPr lang="en-US" dirty="0">
+                <a:solidFill>
+                  <a:srgbClr val="0000FF"/>
+                </a:solidFill>
+                <a:latin typeface="Consolas"/>
+              </a:rPr>
+              <a:t>void</a:t>
+            </a:r>
+            <a:r>
+              <a:rPr lang="en-US" dirty="0">
+                <a:solidFill>
+                  <a:srgbClr val="000000"/>
+                </a:solidFill>
+                <a:latin typeface="Consolas"/>
+              </a:rPr>
+              <a:t> Print()</a:t>
+            </a:r>
+          </a:p>
+          <a:p>
+            <a:pPr marL="0" indent="0">
+              <a:buNone/>
+            </a:pPr>
+            <a:r>
+              <a:rPr lang="en-US" dirty="0">
+                <a:solidFill>
+                  <a:srgbClr val="000000"/>
+                </a:solidFill>
+                <a:latin typeface="Consolas"/>
+              </a:rPr>
+              <a:t>  {</a:t>
+            </a:r>
+          </a:p>
+          <a:p>
+            <a:pPr marL="0" indent="0">
+              <a:buNone/>
+            </a:pPr>
+            <a:r>
+              <a:rPr lang="en-US" dirty="0">
+                <a:solidFill>
+                  <a:srgbClr val="000000"/>
+                </a:solidFill>
+                <a:latin typeface="Consolas"/>
+              </a:rPr>
+              <a:t>      </a:t>
+            </a:r>
+            <a:r>
+              <a:rPr lang="en-US" dirty="0" err="1">
+                <a:solidFill>
+                  <a:srgbClr val="000000"/>
+                </a:solidFill>
+                <a:latin typeface="Consolas"/>
+              </a:rPr>
+              <a:t>Console.WriteLine</a:t>
+            </a:r>
+            <a:r>
+              <a:rPr lang="en-US" dirty="0">
+                <a:solidFill>
+                  <a:srgbClr val="000000"/>
+                </a:solidFill>
+                <a:latin typeface="Consolas"/>
+              </a:rPr>
+              <a:t>(</a:t>
+            </a:r>
+            <a:r>
+              <a:rPr lang="en-US" dirty="0">
+                <a:solidFill>
+                  <a:srgbClr val="DC1414"/>
+                </a:solidFill>
+                <a:latin typeface="Consolas"/>
+              </a:rPr>
+              <a:t>"Speed: {0}"</a:t>
+            </a:r>
+            <a:r>
+              <a:rPr lang="en-US" dirty="0">
+                <a:solidFill>
+                  <a:srgbClr val="000000"/>
+                </a:solidFill>
+                <a:latin typeface="Consolas"/>
+              </a:rPr>
+              <a:t>, _speed);</a:t>
+            </a:r>
+          </a:p>
+          <a:p>
+            <a:pPr marL="0" indent="0">
+              <a:buNone/>
+            </a:pPr>
+            <a:r>
+              <a:rPr lang="en-US" dirty="0">
+                <a:solidFill>
+                  <a:srgbClr val="000000"/>
+                </a:solidFill>
+                <a:latin typeface="Consolas"/>
+              </a:rPr>
+              <a:t>      </a:t>
+            </a:r>
+            <a:r>
+              <a:rPr lang="en-US" dirty="0" err="1">
+                <a:solidFill>
+                  <a:srgbClr val="000000"/>
+                </a:solidFill>
+                <a:latin typeface="Consolas"/>
+              </a:rPr>
+              <a:t>Console.WriteLine</a:t>
+            </a:r>
+            <a:r>
+              <a:rPr lang="en-US" dirty="0">
+                <a:solidFill>
+                  <a:srgbClr val="000000"/>
+                </a:solidFill>
+                <a:latin typeface="Consolas"/>
+              </a:rPr>
+              <a:t>(</a:t>
+            </a:r>
+            <a:r>
+              <a:rPr lang="en-US" dirty="0">
+                <a:solidFill>
+                  <a:srgbClr val="DC1414"/>
+                </a:solidFill>
+                <a:latin typeface="Consolas"/>
+              </a:rPr>
+              <a:t>"Length : {0}"</a:t>
+            </a:r>
+            <a:r>
+              <a:rPr lang="en-US" dirty="0">
+                <a:solidFill>
+                  <a:srgbClr val="000000"/>
+                </a:solidFill>
+                <a:latin typeface="Consolas"/>
+              </a:rPr>
+              <a:t>, _length);</a:t>
+            </a:r>
+          </a:p>
+          <a:p>
+            <a:pPr marL="0" indent="0">
+              <a:buNone/>
+            </a:pPr>
+            <a:r>
+              <a:rPr lang="fr-FR" dirty="0">
+                <a:solidFill>
+                  <a:srgbClr val="000000"/>
+                </a:solidFill>
+                <a:latin typeface="Consolas"/>
+              </a:rPr>
+              <a:t>      </a:t>
+            </a:r>
+            <a:r>
+              <a:rPr lang="fr-FR" dirty="0" err="1">
+                <a:solidFill>
+                  <a:srgbClr val="000000"/>
+                </a:solidFill>
+                <a:latin typeface="Consolas"/>
+              </a:rPr>
+              <a:t>Console.WriteLine</a:t>
+            </a:r>
+            <a:r>
+              <a:rPr lang="fr-FR" dirty="0">
+                <a:solidFill>
+                  <a:srgbClr val="000000"/>
+                </a:solidFill>
+                <a:latin typeface="Consolas"/>
+              </a:rPr>
+              <a:t>(</a:t>
+            </a:r>
+            <a:r>
+              <a:rPr lang="fr-FR" dirty="0">
+                <a:solidFill>
+                  <a:srgbClr val="DC1414"/>
+                </a:solidFill>
+                <a:latin typeface="Consolas"/>
+              </a:rPr>
+              <a:t>"</a:t>
+            </a:r>
+            <a:r>
+              <a:rPr lang="fr-FR" dirty="0" err="1">
+                <a:solidFill>
+                  <a:srgbClr val="DC1414"/>
+                </a:solidFill>
+                <a:latin typeface="Consolas"/>
+              </a:rPr>
+              <a:t>Travellers</a:t>
+            </a:r>
+            <a:r>
+              <a:rPr lang="fr-FR" dirty="0">
+                <a:solidFill>
+                  <a:srgbClr val="DC1414"/>
+                </a:solidFill>
+                <a:latin typeface="Consolas"/>
+              </a:rPr>
+              <a:t>: {0}"</a:t>
+            </a:r>
+            <a:r>
+              <a:rPr lang="fr-FR" dirty="0">
+                <a:solidFill>
+                  <a:srgbClr val="000000"/>
+                </a:solidFill>
+                <a:latin typeface="Consolas"/>
+              </a:rPr>
+              <a:t>, </a:t>
+            </a:r>
+            <a:r>
+              <a:rPr lang="fr-FR" dirty="0" err="1">
+                <a:solidFill>
+                  <a:srgbClr val="000000"/>
+                </a:solidFill>
+                <a:latin typeface="Consolas"/>
+              </a:rPr>
+              <a:t>String.Join</a:t>
+            </a:r>
+            <a:r>
+              <a:rPr lang="fr-FR" dirty="0">
+                <a:solidFill>
+                  <a:srgbClr val="000000"/>
+                </a:solidFill>
+                <a:latin typeface="Consolas"/>
+              </a:rPr>
+              <a:t>(</a:t>
+            </a:r>
+            <a:r>
+              <a:rPr lang="fr-FR" dirty="0">
+                <a:solidFill>
+                  <a:srgbClr val="DC1414"/>
+                </a:solidFill>
+                <a:latin typeface="Consolas"/>
+              </a:rPr>
+              <a:t>"; "</a:t>
+            </a:r>
+            <a:r>
+              <a:rPr lang="fr-FR" dirty="0">
+                <a:solidFill>
+                  <a:srgbClr val="000000"/>
+                </a:solidFill>
+                <a:latin typeface="Consolas"/>
+              </a:rPr>
+              <a:t>, _</a:t>
+            </a:r>
+            <a:r>
+              <a:rPr lang="fr-FR" dirty="0" err="1">
+                <a:solidFill>
+                  <a:srgbClr val="000000"/>
+                </a:solidFill>
+                <a:latin typeface="Consolas"/>
+              </a:rPr>
+              <a:t>travellers</a:t>
+            </a:r>
+            <a:r>
+              <a:rPr lang="fr-FR" dirty="0">
+                <a:solidFill>
+                  <a:srgbClr val="000000"/>
+                </a:solidFill>
+                <a:latin typeface="Consolas"/>
+              </a:rPr>
+              <a:t>));</a:t>
+            </a:r>
+          </a:p>
+          <a:p>
+            <a:pPr marL="0" indent="0">
+              <a:buNone/>
+            </a:pPr>
+            <a:r>
+              <a:rPr lang="en-US" dirty="0">
+                <a:solidFill>
+                  <a:srgbClr val="000000"/>
+                </a:solidFill>
+                <a:latin typeface="Consolas"/>
+              </a:rPr>
+              <a:t>  }</a:t>
+            </a:r>
+          </a:p>
+          <a:p>
+            <a:pPr marL="0" indent="0">
+              <a:buNone/>
+            </a:pPr>
+            <a:r>
+              <a:rPr lang="en-US" dirty="0">
+                <a:solidFill>
+                  <a:srgbClr val="000000"/>
+                </a:solidFill>
+                <a:latin typeface="Consolas"/>
+              </a:rPr>
+              <a:t>}</a:t>
+            </a:r>
+          </a:p>
+          <a:p>
+            <a:pPr marL="0" indent="0">
+              <a:buNone/>
+            </a:pPr>
+            <a:r>
+              <a:rPr lang="en-US" dirty="0" smtClean="0">
+                <a:solidFill>
+                  <a:srgbClr val="0000FF"/>
+                </a:solidFill>
+                <a:latin typeface="Consolas"/>
+              </a:rPr>
+              <a:t>static</a:t>
+            </a:r>
+            <a:r>
+              <a:rPr lang="en-US" dirty="0" smtClean="0">
+                <a:solidFill>
+                  <a:srgbClr val="000000"/>
+                </a:solidFill>
+                <a:latin typeface="Consolas"/>
+              </a:rPr>
+              <a:t> </a:t>
+            </a:r>
+            <a:r>
+              <a:rPr lang="en-US" dirty="0">
+                <a:solidFill>
+                  <a:srgbClr val="0000FF"/>
+                </a:solidFill>
+                <a:latin typeface="Consolas"/>
+              </a:rPr>
+              <a:t>void</a:t>
+            </a:r>
+            <a:r>
+              <a:rPr lang="en-US" dirty="0">
+                <a:solidFill>
+                  <a:srgbClr val="000000"/>
+                </a:solidFill>
+                <a:latin typeface="Consolas"/>
+              </a:rPr>
+              <a:t> Main()</a:t>
+            </a:r>
+          </a:p>
+          <a:p>
+            <a:pPr marL="0" indent="0">
+              <a:buNone/>
+            </a:pPr>
+            <a:r>
+              <a:rPr lang="en-US" dirty="0">
+                <a:solidFill>
+                  <a:srgbClr val="000000"/>
+                </a:solidFill>
+                <a:latin typeface="Consolas"/>
+              </a:rPr>
+              <a:t>{</a:t>
+            </a:r>
+          </a:p>
+          <a:p>
+            <a:pPr marL="0" indent="0">
+              <a:buNone/>
+            </a:pPr>
+            <a:r>
+              <a:rPr lang="ru-RU" dirty="0" smtClean="0">
+                <a:solidFill>
+                  <a:srgbClr val="000000"/>
+                </a:solidFill>
+                <a:latin typeface="Consolas"/>
+              </a:rPr>
+              <a:t>    </a:t>
+            </a:r>
+            <a:r>
+              <a:rPr lang="fr-FR" dirty="0" smtClean="0">
+                <a:solidFill>
+                  <a:srgbClr val="000000"/>
+                </a:solidFill>
+                <a:latin typeface="Consolas"/>
+              </a:rPr>
+              <a:t>Train </a:t>
+            </a:r>
+            <a:r>
+              <a:rPr lang="fr-FR" dirty="0" err="1">
+                <a:solidFill>
+                  <a:srgbClr val="000000"/>
+                </a:solidFill>
+                <a:latin typeface="Consolas"/>
+              </a:rPr>
+              <a:t>train</a:t>
+            </a:r>
+            <a:r>
+              <a:rPr lang="fr-FR" dirty="0">
+                <a:solidFill>
+                  <a:srgbClr val="000000"/>
+                </a:solidFill>
+                <a:latin typeface="Consolas"/>
+              </a:rPr>
+              <a:t> = </a:t>
+            </a:r>
+            <a:r>
+              <a:rPr lang="fr-FR" dirty="0">
+                <a:solidFill>
+                  <a:srgbClr val="0000FF"/>
+                </a:solidFill>
+                <a:latin typeface="Consolas"/>
+              </a:rPr>
+              <a:t>new</a:t>
+            </a:r>
+            <a:r>
+              <a:rPr lang="fr-FR" dirty="0">
+                <a:solidFill>
+                  <a:srgbClr val="000000"/>
+                </a:solidFill>
+                <a:latin typeface="Consolas"/>
+              </a:rPr>
+              <a:t> Train(</a:t>
+            </a:r>
+            <a:r>
+              <a:rPr lang="fr-FR" dirty="0">
+                <a:solidFill>
+                  <a:srgbClr val="C81EFA"/>
+                </a:solidFill>
+                <a:latin typeface="Consolas"/>
+              </a:rPr>
+              <a:t>190.2</a:t>
+            </a:r>
+            <a:r>
+              <a:rPr lang="fr-FR" dirty="0">
+                <a:solidFill>
+                  <a:srgbClr val="000000"/>
+                </a:solidFill>
+                <a:latin typeface="Consolas"/>
+              </a:rPr>
+              <a:t>, </a:t>
+            </a:r>
+            <a:r>
+              <a:rPr lang="fr-FR" dirty="0">
+                <a:solidFill>
+                  <a:srgbClr val="C81EFA"/>
+                </a:solidFill>
+                <a:latin typeface="Consolas"/>
+              </a:rPr>
+              <a:t>8</a:t>
+            </a:r>
+            <a:r>
+              <a:rPr lang="fr-FR" dirty="0">
+                <a:solidFill>
+                  <a:srgbClr val="000000"/>
+                </a:solidFill>
+                <a:latin typeface="Consolas"/>
+              </a:rPr>
+              <a:t>, </a:t>
+            </a:r>
+            <a:r>
+              <a:rPr lang="fr-FR" dirty="0">
+                <a:solidFill>
+                  <a:srgbClr val="DC1414"/>
+                </a:solidFill>
+                <a:latin typeface="Consolas"/>
+              </a:rPr>
+              <a:t>"Ivanov"</a:t>
+            </a:r>
+            <a:r>
+              <a:rPr lang="fr-FR" dirty="0">
+                <a:solidFill>
+                  <a:srgbClr val="000000"/>
+                </a:solidFill>
+                <a:latin typeface="Consolas"/>
+              </a:rPr>
+              <a:t>, </a:t>
+            </a:r>
+            <a:r>
+              <a:rPr lang="fr-FR" dirty="0">
+                <a:solidFill>
+                  <a:srgbClr val="DC1414"/>
+                </a:solidFill>
+                <a:latin typeface="Consolas"/>
+              </a:rPr>
+              <a:t>"Petrov"</a:t>
+            </a:r>
+            <a:r>
+              <a:rPr lang="fr-FR" dirty="0">
+                <a:solidFill>
+                  <a:srgbClr val="000000"/>
+                </a:solidFill>
+                <a:latin typeface="Consolas"/>
+              </a:rPr>
+              <a:t>, </a:t>
+            </a:r>
+            <a:r>
+              <a:rPr lang="fr-FR" dirty="0">
+                <a:solidFill>
+                  <a:srgbClr val="DC1414"/>
+                </a:solidFill>
+                <a:latin typeface="Consolas"/>
+              </a:rPr>
+              <a:t>"</a:t>
+            </a:r>
+            <a:r>
+              <a:rPr lang="fr-FR" dirty="0" err="1">
+                <a:solidFill>
+                  <a:srgbClr val="DC1414"/>
+                </a:solidFill>
+                <a:latin typeface="Consolas"/>
+              </a:rPr>
+              <a:t>Sidorov</a:t>
+            </a:r>
+            <a:r>
+              <a:rPr lang="fr-FR" dirty="0">
+                <a:solidFill>
+                  <a:srgbClr val="DC1414"/>
+                </a:solidFill>
+                <a:latin typeface="Consolas"/>
+              </a:rPr>
+              <a:t>"</a:t>
+            </a:r>
+            <a:r>
+              <a:rPr lang="fr-FR" dirty="0">
+                <a:solidFill>
+                  <a:srgbClr val="000000"/>
+                </a:solidFill>
+                <a:latin typeface="Consolas"/>
+              </a:rPr>
+              <a:t>);</a:t>
+            </a:r>
+          </a:p>
+          <a:p>
+            <a:pPr marL="0" indent="0">
+              <a:buNone/>
+            </a:pPr>
+            <a:r>
+              <a:rPr lang="ru-RU" dirty="0" smtClean="0">
+                <a:solidFill>
+                  <a:srgbClr val="000000"/>
+                </a:solidFill>
+                <a:latin typeface="Consolas"/>
+              </a:rPr>
+              <a:t>    </a:t>
+            </a:r>
+            <a:r>
+              <a:rPr lang="en-US" dirty="0" err="1" smtClean="0">
+                <a:solidFill>
+                  <a:srgbClr val="000000"/>
+                </a:solidFill>
+                <a:latin typeface="Consolas"/>
+              </a:rPr>
+              <a:t>train.Print</a:t>
+            </a:r>
+            <a:r>
+              <a:rPr lang="en-US" dirty="0">
+                <a:solidFill>
+                  <a:srgbClr val="000000"/>
+                </a:solidFill>
+                <a:latin typeface="Consolas"/>
+              </a:rPr>
+              <a:t>();</a:t>
+            </a:r>
+          </a:p>
+          <a:p>
+            <a:pPr marL="0" indent="0">
+              <a:buNone/>
+            </a:pPr>
+            <a:r>
+              <a:rPr lang="ru-RU" dirty="0" smtClean="0">
+                <a:solidFill>
+                  <a:srgbClr val="0000FF"/>
+                </a:solidFill>
+                <a:latin typeface="Consolas"/>
+              </a:rPr>
+              <a:t>    </a:t>
+            </a:r>
+            <a:r>
+              <a:rPr lang="en-US" dirty="0" smtClean="0">
+                <a:solidFill>
+                  <a:srgbClr val="0000FF"/>
+                </a:solidFill>
+                <a:latin typeface="Consolas"/>
+              </a:rPr>
+              <a:t>string</a:t>
+            </a:r>
+            <a:r>
+              <a:rPr lang="en-US" dirty="0" smtClean="0">
+                <a:solidFill>
+                  <a:srgbClr val="000000"/>
+                </a:solidFill>
+                <a:latin typeface="Consolas"/>
+              </a:rPr>
+              <a:t> </a:t>
+            </a:r>
+            <a:r>
+              <a:rPr lang="en-US" dirty="0" err="1">
+                <a:solidFill>
+                  <a:srgbClr val="000000"/>
+                </a:solidFill>
+                <a:latin typeface="Consolas"/>
+              </a:rPr>
+              <a:t>tempFileName</a:t>
+            </a:r>
+            <a:r>
+              <a:rPr lang="en-US" dirty="0">
+                <a:solidFill>
+                  <a:srgbClr val="000000"/>
+                </a:solidFill>
+                <a:latin typeface="Consolas"/>
+              </a:rPr>
+              <a:t> = </a:t>
+            </a:r>
+            <a:r>
+              <a:rPr lang="en-US" dirty="0" err="1">
+                <a:solidFill>
+                  <a:srgbClr val="000000"/>
+                </a:solidFill>
+                <a:latin typeface="Consolas"/>
+              </a:rPr>
+              <a:t>Path.Combine</a:t>
+            </a:r>
+            <a:r>
+              <a:rPr lang="en-US" dirty="0">
+                <a:solidFill>
+                  <a:srgbClr val="000000"/>
+                </a:solidFill>
+                <a:latin typeface="Consolas"/>
+              </a:rPr>
+              <a:t>(</a:t>
+            </a:r>
+            <a:r>
+              <a:rPr lang="en-US" dirty="0" err="1">
+                <a:solidFill>
+                  <a:srgbClr val="000000"/>
+                </a:solidFill>
+                <a:latin typeface="Consolas"/>
+              </a:rPr>
+              <a:t>Path.GetTempPath</a:t>
+            </a:r>
+            <a:r>
+              <a:rPr lang="en-US" dirty="0">
+                <a:solidFill>
+                  <a:srgbClr val="000000"/>
+                </a:solidFill>
+                <a:latin typeface="Consolas"/>
+              </a:rPr>
+              <a:t>(), </a:t>
+            </a:r>
+            <a:r>
+              <a:rPr lang="en-US" dirty="0">
+                <a:solidFill>
+                  <a:srgbClr val="DC1414"/>
+                </a:solidFill>
+                <a:latin typeface="Consolas"/>
+              </a:rPr>
+              <a:t>"train.dat"</a:t>
+            </a:r>
+            <a:r>
+              <a:rPr lang="en-US" dirty="0">
+                <a:solidFill>
+                  <a:srgbClr val="000000"/>
+                </a:solidFill>
+                <a:latin typeface="Consolas"/>
+              </a:rPr>
+              <a:t>); </a:t>
+            </a:r>
+            <a:r>
+              <a:rPr lang="en-US" dirty="0" smtClean="0">
+                <a:solidFill>
+                  <a:srgbClr val="008000"/>
+                </a:solidFill>
+                <a:latin typeface="Consolas"/>
+              </a:rPr>
+              <a:t>//</a:t>
+            </a:r>
+            <a:r>
+              <a:rPr lang="ru-RU" dirty="0" smtClean="0">
+                <a:solidFill>
+                  <a:srgbClr val="008000"/>
+                </a:solidFill>
+                <a:latin typeface="Consolas"/>
+              </a:rPr>
+              <a:t> Будем работать с файлом в папке для временных файлов</a:t>
+            </a:r>
+            <a:endParaRPr lang="en-US" dirty="0">
+              <a:solidFill>
+                <a:srgbClr val="000000"/>
+              </a:solidFill>
+              <a:latin typeface="Consolas"/>
+            </a:endParaRPr>
+          </a:p>
+          <a:p>
+            <a:pPr marL="0" indent="0">
+              <a:buNone/>
+            </a:pPr>
+            <a:r>
+              <a:rPr lang="ru-RU" dirty="0" smtClean="0">
+                <a:solidFill>
+                  <a:srgbClr val="000000"/>
+                </a:solidFill>
+                <a:latin typeface="Consolas"/>
+              </a:rPr>
+              <a:t>    </a:t>
+            </a:r>
+            <a:r>
+              <a:rPr lang="en-US" dirty="0" err="1" smtClean="0">
+                <a:solidFill>
+                  <a:srgbClr val="000000"/>
+                </a:solidFill>
+                <a:latin typeface="Consolas"/>
+              </a:rPr>
+              <a:t>BinaryFormatter</a:t>
+            </a:r>
+            <a:r>
+              <a:rPr lang="en-US" dirty="0" smtClean="0">
+                <a:solidFill>
+                  <a:srgbClr val="000000"/>
+                </a:solidFill>
+                <a:latin typeface="Consolas"/>
+              </a:rPr>
+              <a:t> </a:t>
+            </a:r>
+            <a:r>
+              <a:rPr lang="en-US" dirty="0">
+                <a:solidFill>
+                  <a:srgbClr val="000000"/>
+                </a:solidFill>
+                <a:latin typeface="Consolas"/>
+              </a:rPr>
+              <a:t>bf = </a:t>
+            </a:r>
+            <a:r>
+              <a:rPr lang="en-US" dirty="0">
+                <a:solidFill>
+                  <a:srgbClr val="0000FF"/>
+                </a:solidFill>
+                <a:latin typeface="Consolas"/>
+              </a:rPr>
+              <a:t>new</a:t>
+            </a:r>
+            <a:r>
+              <a:rPr lang="en-US" dirty="0">
+                <a:solidFill>
+                  <a:srgbClr val="000000"/>
+                </a:solidFill>
+                <a:latin typeface="Consolas"/>
+              </a:rPr>
+              <a:t> </a:t>
+            </a:r>
+            <a:r>
+              <a:rPr lang="en-US" dirty="0" err="1">
+                <a:solidFill>
+                  <a:srgbClr val="000000"/>
+                </a:solidFill>
+                <a:latin typeface="Consolas"/>
+              </a:rPr>
+              <a:t>BinaryFormatter</a:t>
+            </a:r>
+            <a:r>
+              <a:rPr lang="en-US" dirty="0" smtClean="0">
+                <a:solidFill>
+                  <a:srgbClr val="000000"/>
+                </a:solidFill>
+                <a:latin typeface="Consolas"/>
+              </a:rPr>
+              <a:t>();</a:t>
+            </a:r>
+            <a:endParaRPr lang="ru-RU" dirty="0" smtClean="0">
+              <a:solidFill>
+                <a:srgbClr val="000000"/>
+              </a:solidFill>
+              <a:latin typeface="Consolas"/>
+            </a:endParaRPr>
+          </a:p>
+          <a:p>
+            <a:pPr marL="0" indent="0">
+              <a:buNone/>
+            </a:pPr>
+            <a:r>
+              <a:rPr lang="en-US" dirty="0" smtClean="0">
+                <a:solidFill>
+                  <a:srgbClr val="008000"/>
+                </a:solidFill>
+                <a:latin typeface="Consolas"/>
+              </a:rPr>
+              <a:t>    // </a:t>
+            </a:r>
+            <a:r>
+              <a:rPr lang="ru-RU" dirty="0">
+                <a:solidFill>
+                  <a:srgbClr val="008000"/>
+                </a:solidFill>
+                <a:latin typeface="Consolas"/>
+              </a:rPr>
+              <a:t>Выполняем сериализацию</a:t>
+            </a:r>
+            <a:endParaRPr lang="en-US" dirty="0">
+              <a:solidFill>
+                <a:srgbClr val="008000"/>
+              </a:solidFill>
+              <a:latin typeface="Consolas"/>
+            </a:endParaRPr>
+          </a:p>
+          <a:p>
+            <a:pPr marL="0" indent="0">
+              <a:buNone/>
+            </a:pPr>
+            <a:r>
+              <a:rPr lang="ru-RU" dirty="0" smtClean="0">
+                <a:solidFill>
+                  <a:srgbClr val="0000FF"/>
+                </a:solidFill>
+                <a:latin typeface="Consolas"/>
+              </a:rPr>
+              <a:t>    </a:t>
+            </a:r>
+            <a:r>
+              <a:rPr lang="en-US" dirty="0" smtClean="0">
+                <a:solidFill>
+                  <a:srgbClr val="0000FF"/>
+                </a:solidFill>
+                <a:latin typeface="Consolas"/>
+              </a:rPr>
+              <a:t>using</a:t>
+            </a:r>
+            <a:r>
+              <a:rPr lang="en-US" dirty="0" smtClean="0">
+                <a:solidFill>
+                  <a:srgbClr val="000000"/>
+                </a:solidFill>
+                <a:latin typeface="Consolas"/>
+              </a:rPr>
+              <a:t> </a:t>
+            </a:r>
+            <a:r>
+              <a:rPr lang="en-US" dirty="0">
+                <a:solidFill>
+                  <a:srgbClr val="000000"/>
+                </a:solidFill>
+                <a:latin typeface="Consolas"/>
+              </a:rPr>
+              <a:t>(</a:t>
+            </a:r>
+            <a:r>
+              <a:rPr lang="en-US" dirty="0" err="1">
+                <a:solidFill>
+                  <a:srgbClr val="000000"/>
+                </a:solidFill>
+                <a:latin typeface="Consolas"/>
+              </a:rPr>
+              <a:t>FileStream</a:t>
+            </a:r>
+            <a:r>
+              <a:rPr lang="en-US" dirty="0">
+                <a:solidFill>
+                  <a:srgbClr val="000000"/>
+                </a:solidFill>
+                <a:latin typeface="Consolas"/>
+              </a:rPr>
+              <a:t> </a:t>
+            </a:r>
+            <a:r>
+              <a:rPr lang="en-US" dirty="0" err="1">
+                <a:solidFill>
+                  <a:srgbClr val="000000"/>
+                </a:solidFill>
+                <a:latin typeface="Consolas"/>
+              </a:rPr>
+              <a:t>fs</a:t>
+            </a:r>
+            <a:r>
+              <a:rPr lang="en-US" dirty="0">
+                <a:solidFill>
+                  <a:srgbClr val="000000"/>
+                </a:solidFill>
+                <a:latin typeface="Consolas"/>
+              </a:rPr>
+              <a:t> = </a:t>
+            </a:r>
+            <a:r>
+              <a:rPr lang="en-US" dirty="0" err="1">
+                <a:solidFill>
+                  <a:srgbClr val="000000"/>
+                </a:solidFill>
+                <a:latin typeface="Consolas"/>
+              </a:rPr>
+              <a:t>File.Open</a:t>
+            </a:r>
+            <a:r>
+              <a:rPr lang="en-US" dirty="0">
+                <a:solidFill>
+                  <a:srgbClr val="000000"/>
+                </a:solidFill>
+                <a:latin typeface="Consolas"/>
+              </a:rPr>
+              <a:t>(</a:t>
+            </a:r>
+            <a:r>
+              <a:rPr lang="en-US" dirty="0" err="1">
+                <a:solidFill>
+                  <a:srgbClr val="000000"/>
+                </a:solidFill>
+                <a:latin typeface="Consolas"/>
+              </a:rPr>
+              <a:t>tempFileName</a:t>
+            </a:r>
+            <a:r>
+              <a:rPr lang="en-US" dirty="0">
+                <a:solidFill>
+                  <a:srgbClr val="000000"/>
+                </a:solidFill>
+                <a:latin typeface="Consolas"/>
+              </a:rPr>
+              <a:t>, </a:t>
+            </a:r>
+            <a:r>
+              <a:rPr lang="en-US" dirty="0" err="1">
+                <a:solidFill>
+                  <a:srgbClr val="000000"/>
+                </a:solidFill>
+                <a:latin typeface="Consolas"/>
+              </a:rPr>
+              <a:t>FileMode.Create</a:t>
+            </a:r>
+            <a:r>
+              <a:rPr lang="en-US" dirty="0">
+                <a:solidFill>
+                  <a:srgbClr val="000000"/>
+                </a:solidFill>
+                <a:latin typeface="Consolas"/>
+              </a:rPr>
+              <a:t>))</a:t>
+            </a:r>
+          </a:p>
+          <a:p>
+            <a:pPr marL="0" indent="0">
+              <a:buNone/>
+            </a:pPr>
+            <a:r>
+              <a:rPr lang="ru-RU" dirty="0" smtClean="0">
+                <a:solidFill>
+                  <a:srgbClr val="000000"/>
+                </a:solidFill>
+                <a:latin typeface="Consolas"/>
+              </a:rPr>
+              <a:t>    </a:t>
+            </a:r>
+            <a:r>
+              <a:rPr lang="en-US" dirty="0" smtClean="0">
+                <a:solidFill>
+                  <a:srgbClr val="000000"/>
+                </a:solidFill>
+                <a:latin typeface="Consolas"/>
+              </a:rPr>
+              <a:t>{</a:t>
+            </a:r>
+            <a:endParaRPr lang="en-US" dirty="0">
+              <a:solidFill>
+                <a:srgbClr val="000000"/>
+              </a:solidFill>
+              <a:latin typeface="Consolas"/>
+            </a:endParaRPr>
+          </a:p>
+          <a:p>
+            <a:pPr marL="0" indent="0">
+              <a:buNone/>
+            </a:pPr>
+            <a:r>
+              <a:rPr lang="ru-RU" dirty="0" smtClean="0">
+                <a:solidFill>
+                  <a:srgbClr val="000000"/>
+                </a:solidFill>
+                <a:latin typeface="Consolas"/>
+              </a:rPr>
+              <a:t>        </a:t>
+            </a:r>
+            <a:r>
+              <a:rPr lang="en-US" dirty="0" err="1" smtClean="0">
+                <a:solidFill>
+                  <a:srgbClr val="000000"/>
+                </a:solidFill>
+                <a:latin typeface="Consolas"/>
+              </a:rPr>
+              <a:t>bf.Serialize</a:t>
+            </a:r>
+            <a:r>
+              <a:rPr lang="en-US" dirty="0" smtClean="0">
+                <a:solidFill>
+                  <a:srgbClr val="000000"/>
+                </a:solidFill>
+                <a:latin typeface="Consolas"/>
+              </a:rPr>
+              <a:t>(</a:t>
+            </a:r>
+            <a:r>
+              <a:rPr lang="en-US" dirty="0" err="1" smtClean="0">
+                <a:solidFill>
+                  <a:srgbClr val="000000"/>
+                </a:solidFill>
+                <a:latin typeface="Consolas"/>
+              </a:rPr>
+              <a:t>fs</a:t>
+            </a:r>
+            <a:r>
+              <a:rPr lang="en-US" dirty="0">
+                <a:solidFill>
+                  <a:srgbClr val="000000"/>
+                </a:solidFill>
+                <a:latin typeface="Consolas"/>
+              </a:rPr>
+              <a:t>, train);</a:t>
+            </a:r>
+          </a:p>
+          <a:p>
+            <a:pPr marL="0" indent="0">
+              <a:buNone/>
+            </a:pPr>
+            <a:r>
+              <a:rPr lang="ru-RU" dirty="0" smtClean="0">
+                <a:solidFill>
+                  <a:srgbClr val="000000"/>
+                </a:solidFill>
+                <a:latin typeface="Consolas"/>
+              </a:rPr>
+              <a:t>    </a:t>
+            </a:r>
+            <a:r>
+              <a:rPr lang="en-US" dirty="0" smtClean="0">
+                <a:solidFill>
+                  <a:srgbClr val="000000"/>
+                </a:solidFill>
+                <a:latin typeface="Consolas"/>
+              </a:rPr>
+              <a:t>}</a:t>
+            </a:r>
+            <a:endParaRPr lang="en-US" dirty="0">
+              <a:solidFill>
+                <a:srgbClr val="000000"/>
+              </a:solidFill>
+              <a:latin typeface="Consolas"/>
+            </a:endParaRPr>
+          </a:p>
+          <a:p>
+            <a:pPr marL="0" indent="0">
+              <a:buNone/>
+            </a:pPr>
+            <a:r>
+              <a:rPr lang="ru-RU" dirty="0" smtClean="0">
+                <a:solidFill>
+                  <a:srgbClr val="000000"/>
+                </a:solidFill>
+                <a:latin typeface="Consolas"/>
+              </a:rPr>
+              <a:t>    </a:t>
+            </a:r>
+            <a:r>
+              <a:rPr lang="en-US" dirty="0" err="1" smtClean="0">
+                <a:solidFill>
+                  <a:srgbClr val="000000"/>
+                </a:solidFill>
+                <a:latin typeface="Consolas"/>
+              </a:rPr>
+              <a:t>Console.WriteLine</a:t>
+            </a:r>
+            <a:r>
+              <a:rPr lang="en-US" dirty="0">
+                <a:solidFill>
+                  <a:srgbClr val="000000"/>
+                </a:solidFill>
+                <a:latin typeface="Consolas"/>
+              </a:rPr>
+              <a:t>();</a:t>
+            </a:r>
+          </a:p>
+          <a:p>
+            <a:pPr marL="0" indent="0">
+              <a:buNone/>
+            </a:pPr>
+            <a:r>
+              <a:rPr lang="ru-RU" dirty="0" smtClean="0">
+                <a:solidFill>
+                  <a:srgbClr val="008000"/>
+                </a:solidFill>
+                <a:latin typeface="Consolas"/>
+              </a:rPr>
+              <a:t>    </a:t>
+            </a:r>
+            <a:r>
+              <a:rPr lang="en-US" dirty="0" smtClean="0">
+                <a:solidFill>
+                  <a:srgbClr val="008000"/>
+                </a:solidFill>
+                <a:latin typeface="Consolas"/>
+              </a:rPr>
+              <a:t>// </a:t>
+            </a:r>
+            <a:r>
+              <a:rPr lang="ru-RU" dirty="0">
+                <a:solidFill>
+                  <a:srgbClr val="008000"/>
+                </a:solidFill>
+                <a:latin typeface="Consolas"/>
+              </a:rPr>
+              <a:t>Выполняем </a:t>
+            </a:r>
+            <a:r>
+              <a:rPr lang="ru-RU" dirty="0" smtClean="0">
+                <a:solidFill>
+                  <a:srgbClr val="008000"/>
+                </a:solidFill>
+                <a:latin typeface="Consolas"/>
+              </a:rPr>
+              <a:t>десериализацию</a:t>
+            </a:r>
+            <a:endParaRPr lang="en-US" dirty="0">
+              <a:solidFill>
+                <a:srgbClr val="000000"/>
+              </a:solidFill>
+              <a:latin typeface="Consolas"/>
+            </a:endParaRPr>
+          </a:p>
+          <a:p>
+            <a:pPr marL="0" indent="0">
+              <a:buNone/>
+            </a:pPr>
+            <a:r>
+              <a:rPr lang="ru-RU" dirty="0" smtClean="0">
+                <a:solidFill>
+                  <a:srgbClr val="0000FF"/>
+                </a:solidFill>
+                <a:latin typeface="Consolas"/>
+              </a:rPr>
+              <a:t>    </a:t>
+            </a:r>
+            <a:r>
+              <a:rPr lang="en-US" dirty="0" smtClean="0">
+                <a:solidFill>
+                  <a:srgbClr val="0000FF"/>
+                </a:solidFill>
+                <a:latin typeface="Consolas"/>
+              </a:rPr>
+              <a:t>using</a:t>
+            </a:r>
+            <a:r>
+              <a:rPr lang="en-US" dirty="0" smtClean="0">
+                <a:solidFill>
+                  <a:srgbClr val="000000"/>
+                </a:solidFill>
+                <a:latin typeface="Consolas"/>
+              </a:rPr>
+              <a:t> </a:t>
+            </a:r>
+            <a:r>
+              <a:rPr lang="en-US" dirty="0">
+                <a:solidFill>
+                  <a:srgbClr val="000000"/>
+                </a:solidFill>
+                <a:latin typeface="Consolas"/>
+              </a:rPr>
+              <a:t>(</a:t>
+            </a:r>
+            <a:r>
+              <a:rPr lang="en-US" dirty="0" err="1">
+                <a:solidFill>
+                  <a:srgbClr val="000000"/>
+                </a:solidFill>
+                <a:latin typeface="Consolas"/>
+              </a:rPr>
+              <a:t>FileStream</a:t>
+            </a:r>
+            <a:r>
+              <a:rPr lang="en-US" dirty="0">
+                <a:solidFill>
+                  <a:srgbClr val="000000"/>
+                </a:solidFill>
+                <a:latin typeface="Consolas"/>
+              </a:rPr>
+              <a:t> </a:t>
+            </a:r>
+            <a:r>
+              <a:rPr lang="en-US" dirty="0" err="1">
+                <a:solidFill>
+                  <a:srgbClr val="000000"/>
+                </a:solidFill>
+                <a:latin typeface="Consolas"/>
+              </a:rPr>
+              <a:t>fs</a:t>
+            </a:r>
+            <a:r>
+              <a:rPr lang="en-US" dirty="0">
+                <a:solidFill>
+                  <a:srgbClr val="000000"/>
+                </a:solidFill>
+                <a:latin typeface="Consolas"/>
+              </a:rPr>
+              <a:t> = </a:t>
+            </a:r>
+            <a:r>
+              <a:rPr lang="en-US" dirty="0" err="1">
+                <a:solidFill>
+                  <a:srgbClr val="000000"/>
+                </a:solidFill>
+                <a:latin typeface="Consolas"/>
+              </a:rPr>
+              <a:t>File.Open</a:t>
+            </a:r>
+            <a:r>
+              <a:rPr lang="en-US" dirty="0">
+                <a:solidFill>
+                  <a:srgbClr val="000000"/>
+                </a:solidFill>
+                <a:latin typeface="Consolas"/>
+              </a:rPr>
+              <a:t>(</a:t>
+            </a:r>
+            <a:r>
+              <a:rPr lang="en-US" dirty="0" err="1">
+                <a:solidFill>
+                  <a:srgbClr val="000000"/>
+                </a:solidFill>
+                <a:latin typeface="Consolas"/>
+              </a:rPr>
+              <a:t>tempFileName</a:t>
+            </a:r>
+            <a:r>
+              <a:rPr lang="en-US" dirty="0">
+                <a:solidFill>
+                  <a:srgbClr val="000000"/>
+                </a:solidFill>
+                <a:latin typeface="Consolas"/>
+              </a:rPr>
+              <a:t>, </a:t>
+            </a:r>
+            <a:r>
+              <a:rPr lang="en-US" dirty="0" err="1">
+                <a:solidFill>
+                  <a:srgbClr val="000000"/>
+                </a:solidFill>
+                <a:latin typeface="Consolas"/>
+              </a:rPr>
+              <a:t>FileMode.Open</a:t>
+            </a:r>
+            <a:r>
+              <a:rPr lang="en-US" dirty="0">
+                <a:solidFill>
+                  <a:srgbClr val="000000"/>
+                </a:solidFill>
+                <a:latin typeface="Consolas"/>
+              </a:rPr>
+              <a:t>))</a:t>
+            </a:r>
+          </a:p>
+          <a:p>
+            <a:pPr marL="0" indent="0">
+              <a:buNone/>
+            </a:pPr>
+            <a:r>
+              <a:rPr lang="ru-RU" dirty="0" smtClean="0">
+                <a:solidFill>
+                  <a:srgbClr val="000000"/>
+                </a:solidFill>
+                <a:latin typeface="Consolas"/>
+              </a:rPr>
+              <a:t>    </a:t>
+            </a:r>
+            <a:r>
+              <a:rPr lang="en-US" dirty="0" smtClean="0">
+                <a:solidFill>
+                  <a:srgbClr val="000000"/>
+                </a:solidFill>
+                <a:latin typeface="Consolas"/>
+              </a:rPr>
+              <a:t>{</a:t>
+            </a:r>
+            <a:endParaRPr lang="en-US" dirty="0">
+              <a:solidFill>
+                <a:srgbClr val="000000"/>
+              </a:solidFill>
+              <a:latin typeface="Consolas"/>
+            </a:endParaRPr>
+          </a:p>
+          <a:p>
+            <a:pPr marL="0" indent="0">
+              <a:buNone/>
+            </a:pPr>
+            <a:r>
+              <a:rPr lang="ru-RU" dirty="0" smtClean="0">
+                <a:solidFill>
+                  <a:srgbClr val="000000"/>
+                </a:solidFill>
+                <a:latin typeface="Consolas"/>
+              </a:rPr>
+              <a:t>        </a:t>
+            </a:r>
+            <a:r>
+              <a:rPr lang="en-US" dirty="0" smtClean="0">
+                <a:solidFill>
+                  <a:srgbClr val="000000"/>
+                </a:solidFill>
+                <a:latin typeface="Consolas"/>
+              </a:rPr>
+              <a:t>Train </a:t>
+            </a:r>
+            <a:r>
+              <a:rPr lang="en-US" dirty="0" err="1">
+                <a:solidFill>
+                  <a:srgbClr val="000000"/>
+                </a:solidFill>
+                <a:latin typeface="Consolas"/>
+              </a:rPr>
+              <a:t>someTrain</a:t>
+            </a:r>
+            <a:r>
+              <a:rPr lang="en-US" dirty="0">
+                <a:solidFill>
+                  <a:srgbClr val="000000"/>
+                </a:solidFill>
+                <a:latin typeface="Consolas"/>
+              </a:rPr>
+              <a:t> = (Train)</a:t>
+            </a:r>
+            <a:r>
+              <a:rPr lang="en-US" dirty="0" err="1">
+                <a:solidFill>
+                  <a:srgbClr val="000000"/>
+                </a:solidFill>
+                <a:latin typeface="Consolas"/>
+              </a:rPr>
+              <a:t>bf.Deserialize</a:t>
+            </a:r>
+            <a:r>
+              <a:rPr lang="en-US" dirty="0">
+                <a:solidFill>
+                  <a:srgbClr val="000000"/>
+                </a:solidFill>
+                <a:latin typeface="Consolas"/>
+              </a:rPr>
+              <a:t>(</a:t>
+            </a:r>
+            <a:r>
+              <a:rPr lang="en-US" dirty="0" err="1">
+                <a:solidFill>
+                  <a:srgbClr val="000000"/>
+                </a:solidFill>
+                <a:latin typeface="Consolas"/>
+              </a:rPr>
+              <a:t>fs</a:t>
+            </a:r>
+            <a:r>
+              <a:rPr lang="en-US" dirty="0">
+                <a:solidFill>
+                  <a:srgbClr val="000000"/>
+                </a:solidFill>
+                <a:latin typeface="Consolas"/>
+              </a:rPr>
+              <a:t>);</a:t>
+            </a:r>
+          </a:p>
+          <a:p>
+            <a:pPr marL="0" indent="0">
+              <a:buNone/>
+            </a:pPr>
+            <a:r>
+              <a:rPr lang="ru-RU" dirty="0" smtClean="0">
+                <a:solidFill>
+                  <a:srgbClr val="000000"/>
+                </a:solidFill>
+                <a:latin typeface="Consolas"/>
+              </a:rPr>
+              <a:t>        </a:t>
+            </a:r>
+            <a:r>
+              <a:rPr lang="en-US" dirty="0" err="1" smtClean="0">
+                <a:solidFill>
+                  <a:srgbClr val="000000"/>
+                </a:solidFill>
+                <a:latin typeface="Consolas"/>
+              </a:rPr>
+              <a:t>someTrain.Print</a:t>
+            </a:r>
+            <a:r>
+              <a:rPr lang="en-US" dirty="0">
+                <a:solidFill>
+                  <a:srgbClr val="000000"/>
+                </a:solidFill>
+                <a:latin typeface="Consolas"/>
+              </a:rPr>
+              <a:t>();</a:t>
+            </a:r>
+          </a:p>
+          <a:p>
+            <a:pPr marL="0" indent="0">
+              <a:buNone/>
+            </a:pPr>
+            <a:r>
+              <a:rPr lang="ru-RU" dirty="0" smtClean="0">
+                <a:solidFill>
+                  <a:srgbClr val="000000"/>
+                </a:solidFill>
+                <a:latin typeface="Consolas"/>
+              </a:rPr>
+              <a:t>    </a:t>
+            </a:r>
+            <a:r>
+              <a:rPr lang="en-US" dirty="0" smtClean="0">
+                <a:solidFill>
+                  <a:srgbClr val="000000"/>
+                </a:solidFill>
+                <a:latin typeface="Consolas"/>
+              </a:rPr>
+              <a:t>}</a:t>
+            </a:r>
+            <a:endParaRPr lang="en-US" dirty="0">
+              <a:solidFill>
+                <a:srgbClr val="000000"/>
+              </a:solidFill>
+              <a:latin typeface="Consolas"/>
+            </a:endParaRPr>
+          </a:p>
+          <a:p>
+            <a:pPr marL="0" indent="0">
+              <a:buNone/>
+            </a:pPr>
+            <a:r>
+              <a:rPr lang="ru-RU" dirty="0" smtClean="0">
+                <a:solidFill>
+                  <a:srgbClr val="008000"/>
+                </a:solidFill>
+                <a:latin typeface="Consolas"/>
+              </a:rPr>
+              <a:t>    </a:t>
+            </a:r>
+            <a:r>
+              <a:rPr lang="en-US" dirty="0" smtClean="0">
+                <a:solidFill>
+                  <a:srgbClr val="008000"/>
+                </a:solidFill>
+                <a:latin typeface="Consolas"/>
+              </a:rPr>
+              <a:t>// </a:t>
+            </a:r>
+            <a:r>
+              <a:rPr lang="ru-RU" dirty="0">
+                <a:solidFill>
+                  <a:srgbClr val="008000"/>
+                </a:solidFill>
+                <a:latin typeface="Consolas"/>
+              </a:rPr>
+              <a:t>Удаляем ненужный временный </a:t>
+            </a:r>
+            <a:r>
+              <a:rPr lang="ru-RU" dirty="0" smtClean="0">
+                <a:solidFill>
+                  <a:srgbClr val="008000"/>
+                </a:solidFill>
+                <a:latin typeface="Consolas"/>
+              </a:rPr>
+              <a:t>файл. В настоящем приложении файл может еще понадобиться.</a:t>
+            </a:r>
+            <a:endParaRPr lang="en-US" dirty="0">
+              <a:solidFill>
+                <a:srgbClr val="000000"/>
+              </a:solidFill>
+              <a:latin typeface="Consolas"/>
+            </a:endParaRPr>
+          </a:p>
+          <a:p>
+            <a:pPr marL="0" indent="0">
+              <a:buNone/>
+            </a:pPr>
+            <a:r>
+              <a:rPr lang="ru-RU" dirty="0" smtClean="0">
+                <a:solidFill>
+                  <a:srgbClr val="000000"/>
+                </a:solidFill>
+                <a:latin typeface="Consolas"/>
+              </a:rPr>
+              <a:t>    </a:t>
+            </a:r>
+            <a:r>
+              <a:rPr lang="en-US" dirty="0" err="1" smtClean="0">
+                <a:solidFill>
+                  <a:srgbClr val="000000"/>
+                </a:solidFill>
+                <a:latin typeface="Consolas"/>
+              </a:rPr>
+              <a:t>File.Delete</a:t>
+            </a:r>
+            <a:r>
+              <a:rPr lang="en-US" dirty="0" smtClean="0">
+                <a:solidFill>
+                  <a:srgbClr val="000000"/>
+                </a:solidFill>
+                <a:latin typeface="Consolas"/>
+              </a:rPr>
+              <a:t>(</a:t>
+            </a:r>
+            <a:r>
+              <a:rPr lang="en-US" dirty="0" err="1" smtClean="0">
+                <a:solidFill>
+                  <a:srgbClr val="000000"/>
+                </a:solidFill>
+                <a:latin typeface="Consolas"/>
+              </a:rPr>
+              <a:t>tempFileName</a:t>
+            </a:r>
+            <a:r>
+              <a:rPr lang="en-US" dirty="0" smtClean="0">
+                <a:solidFill>
+                  <a:srgbClr val="000000"/>
+                </a:solidFill>
+                <a:latin typeface="Consolas"/>
+              </a:rPr>
+              <a:t>);</a:t>
+            </a:r>
+            <a:r>
+              <a:rPr lang="ru-RU" dirty="0" smtClean="0">
+                <a:solidFill>
+                  <a:srgbClr val="000000"/>
+                </a:solidFill>
+                <a:latin typeface="Consolas"/>
+              </a:rPr>
+              <a:t> </a:t>
+            </a:r>
+            <a:endParaRPr lang="en-US" dirty="0">
+              <a:solidFill>
+                <a:srgbClr val="000000"/>
+              </a:solidFill>
+              <a:latin typeface="Consolas"/>
+            </a:endParaRPr>
+          </a:p>
+          <a:p>
+            <a:pPr marL="0" indent="0">
+              <a:buNone/>
+            </a:pPr>
+            <a:r>
+              <a:rPr lang="en-US" dirty="0">
+                <a:solidFill>
+                  <a:srgbClr val="000000"/>
+                </a:solidFill>
+                <a:latin typeface="Consolas"/>
+              </a:rPr>
+              <a:t>}</a:t>
+            </a:r>
+            <a:endParaRPr lang="en-US" dirty="0"/>
+          </a:p>
+        </p:txBody>
+      </p:sp>
+    </p:spTree>
+    <p:extLst>
+      <p:ext uri="{BB962C8B-B14F-4D97-AF65-F5344CB8AC3E}">
+        <p14:creationId xmlns:p14="http://schemas.microsoft.com/office/powerpoint/2010/main" val="848852780"/>
+      </p:ext>
+    </p:extLst>
+  </p:cSld>
+  <p:clrMapOvr>
+    <a:masterClrMapping/>
+  </p:clrMapOvr>
+  <p:timing>
+    <p:tnLst>
+      <p:par>
+        <p:cTn id="1" dur="indefinite" restart="never" nodeType="tmRoot"/>
+      </p:par>
+    </p:tnLst>
+  </p:timing>
+</p:sld>
+</file>
+
+<file path=ppt/slides/slide28.xml><?xml version="1.0" encoding="utf-8"?>
+<p:sld xmlns:a="http://schemas.openxmlformats.org/drawingml/2006/main" xmlns:r="http://schemas.openxmlformats.org/officeDocument/2006/relationships" xmlns:p="http://schemas.openxmlformats.org/presentationml/2006/main">
+  <p:cSld>
+    <p:bg>
+      <p:bgPr>
+        <a:blipFill dpi="0" rotWithShape="1">
+          <a:blip r:embed="rId2">
+            <a:lum/>
+          </a:blip>
+          <a:srcRect/>
+          <a:stretch>
+            <a:fillRect/>
+          </a:stretch>
+        </a:blipFill>
+        <a:effectLst/>
+      </p:bgPr>
+    </p:bg>
+    <p:spTree>
+      <p:nvGrpSpPr>
+        <p:cNvPr id="1" name=""/>
+        <p:cNvGrpSpPr/>
+        <p:nvPr/>
+      </p:nvGrpSpPr>
+      <p:grpSpPr>
+        <a:xfrm>
+          <a:off x="0" y="0"/>
+          <a:ext cx="0" cy="0"/>
+          <a:chOff x="0" y="0"/>
+          <a:chExt cx="0" cy="0"/>
+        </a:xfrm>
+      </p:grpSpPr>
+      <p:sp>
+        <p:nvSpPr>
+          <p:cNvPr id="2" name="Title 1"/>
+          <p:cNvSpPr>
+            <a:spLocks noGrp="1"/>
+          </p:cNvSpPr>
+          <p:nvPr>
+            <p:ph type="title"/>
+          </p:nvPr>
+        </p:nvSpPr>
+        <p:spPr>
+          <a:xfrm>
+            <a:off x="457200" y="188640"/>
+            <a:ext cx="8229600" cy="720080"/>
+          </a:xfrm>
+        </p:spPr>
+        <p:txBody>
+          <a:bodyPr>
+            <a:normAutofit/>
+          </a:bodyPr>
+          <a:lstStyle/>
+          <a:p>
+            <a:r>
               <a:rPr lang="en-US" sz="2000" dirty="0" smtClean="0"/>
               <a:t>XML</a:t>
             </a:r>
@@ -25331,7 +25464,7 @@
 </p:sld>
 </file>
 
-<file path=ppt/slides/slide28.xml><?xml version="1.0" encoding="utf-8"?>
+<file path=ppt/slides/slide29.xml><?xml version="1.0" encoding="utf-8"?>
 <p:sld xmlns:a="http://schemas.openxmlformats.org/drawingml/2006/main" xmlns:r="http://schemas.openxmlformats.org/officeDocument/2006/relationships" xmlns:p="http://schemas.openxmlformats.org/presentationml/2006/main">
   <p:cSld>
     <p:bg>

--- a/Presentation/lesson-04-io.pptx
+++ b/Presentation/lesson-04-io.pptx
@@ -320,7 +320,7 @@
             <a:fld id="{FAECF776-F836-4CCD-9497-99E5597B8B5D}" type="datetimeFigureOut">
               <a:rPr lang="en-US" smtClean="0"/>
               <a:pPr/>
-              <a:t>2/11/2014</a:t>
+              <a:t>3/30/2014</a:t>
             </a:fld>
             <a:endParaRPr lang="en-US"/>
           </a:p>
@@ -492,7 +492,7 @@
             <a:fld id="{FAECF776-F836-4CCD-9497-99E5597B8B5D}" type="datetimeFigureOut">
               <a:rPr lang="en-US" smtClean="0"/>
               <a:pPr/>
-              <a:t>2/11/2014</a:t>
+              <a:t>3/30/2014</a:t>
             </a:fld>
             <a:endParaRPr lang="en-US"/>
           </a:p>
@@ -674,7 +674,7 @@
             <a:fld id="{FAECF776-F836-4CCD-9497-99E5597B8B5D}" type="datetimeFigureOut">
               <a:rPr lang="en-US" smtClean="0"/>
               <a:pPr/>
-              <a:t>2/11/2014</a:t>
+              <a:t>3/30/2014</a:t>
             </a:fld>
             <a:endParaRPr lang="en-US"/>
           </a:p>
@@ -924,7 +924,7 @@
                 </a:solidFill>
               </a:rPr>
               <a:pPr/>
-              <a:t>2/11/2014</a:t>
+              <a:t>3/30/2014</a:t>
             </a:fld>
             <a:endParaRPr lang="en-US">
               <a:solidFill>
@@ -1126,7 +1126,7 @@
                 </a:solidFill>
               </a:rPr>
               <a:pPr/>
-              <a:t>2/11/2014</a:t>
+              <a:t>3/30/2014</a:t>
             </a:fld>
             <a:endParaRPr lang="en-US">
               <a:solidFill>
@@ -1404,7 +1404,7 @@
                 </a:solidFill>
               </a:rPr>
               <a:pPr/>
-              <a:t>2/11/2014</a:t>
+              <a:t>3/30/2014</a:t>
             </a:fld>
             <a:endParaRPr lang="en-US">
               <a:solidFill>
@@ -1724,7 +1724,7 @@
                 </a:solidFill>
               </a:rPr>
               <a:pPr/>
-              <a:t>2/11/2014</a:t>
+              <a:t>3/30/2014</a:t>
             </a:fld>
             <a:endParaRPr lang="en-US">
               <a:solidFill>
@@ -2178,7 +2178,7 @@
                 </a:solidFill>
               </a:rPr>
               <a:pPr/>
-              <a:t>2/11/2014</a:t>
+              <a:t>3/30/2014</a:t>
             </a:fld>
             <a:endParaRPr lang="en-US">
               <a:solidFill>
@@ -2328,7 +2328,7 @@
                 </a:solidFill>
               </a:rPr>
               <a:pPr/>
-              <a:t>2/11/2014</a:t>
+              <a:t>3/30/2014</a:t>
             </a:fld>
             <a:endParaRPr lang="en-US">
               <a:solidFill>
@@ -2455,7 +2455,7 @@
                 </a:solidFill>
               </a:rPr>
               <a:pPr/>
-              <a:t>2/11/2014</a:t>
+              <a:t>3/30/2014</a:t>
             </a:fld>
             <a:endParaRPr lang="en-US">
               <a:solidFill>
@@ -2764,7 +2764,7 @@
                 </a:solidFill>
               </a:rPr>
               <a:pPr/>
-              <a:t>2/11/2014</a:t>
+              <a:t>3/30/2014</a:t>
             </a:fld>
             <a:endParaRPr lang="en-US">
               <a:solidFill>
@@ -2960,7 +2960,7 @@
             <a:fld id="{FAECF776-F836-4CCD-9497-99E5597B8B5D}" type="datetimeFigureOut">
               <a:rPr lang="en-US" smtClean="0"/>
               <a:pPr/>
-              <a:t>2/11/2014</a:t>
+              <a:t>3/30/2014</a:t>
             </a:fld>
             <a:endParaRPr lang="en-US"/>
           </a:p>
@@ -3221,7 +3221,7 @@
                 </a:solidFill>
               </a:rPr>
               <a:pPr/>
-              <a:t>2/11/2014</a:t>
+              <a:t>3/30/2014</a:t>
             </a:fld>
             <a:endParaRPr lang="en-US">
               <a:solidFill>
@@ -3423,7 +3423,7 @@
                 </a:solidFill>
               </a:rPr>
               <a:pPr/>
-              <a:t>2/11/2014</a:t>
+              <a:t>3/30/2014</a:t>
             </a:fld>
             <a:endParaRPr lang="en-US">
               <a:solidFill>
@@ -3635,7 +3635,7 @@
                 </a:solidFill>
               </a:rPr>
               <a:pPr/>
-              <a:t>2/11/2014</a:t>
+              <a:t>3/30/2014</a:t>
             </a:fld>
             <a:endParaRPr lang="en-US">
               <a:solidFill>
@@ -3907,7 +3907,7 @@
             <a:fld id="{FAECF776-F836-4CCD-9497-99E5597B8B5D}" type="datetimeFigureOut">
               <a:rPr lang="en-US" smtClean="0"/>
               <a:pPr/>
-              <a:t>2/11/2014</a:t>
+              <a:t>3/30/2014</a:t>
             </a:fld>
             <a:endParaRPr lang="en-US"/>
           </a:p>
@@ -4197,7 +4197,7 @@
             <a:fld id="{FAECF776-F836-4CCD-9497-99E5597B8B5D}" type="datetimeFigureOut">
               <a:rPr lang="en-US" smtClean="0"/>
               <a:pPr/>
-              <a:t>2/11/2014</a:t>
+              <a:t>3/30/2014</a:t>
             </a:fld>
             <a:endParaRPr lang="en-US"/>
           </a:p>
@@ -4621,7 +4621,7 @@
             <a:fld id="{FAECF776-F836-4CCD-9497-99E5597B8B5D}" type="datetimeFigureOut">
               <a:rPr lang="en-US" smtClean="0"/>
               <a:pPr/>
-              <a:t>2/11/2014</a:t>
+              <a:t>3/30/2014</a:t>
             </a:fld>
             <a:endParaRPr lang="en-US"/>
           </a:p>
@@ -4741,7 +4741,7 @@
             <a:fld id="{FAECF776-F836-4CCD-9497-99E5597B8B5D}" type="datetimeFigureOut">
               <a:rPr lang="en-US" smtClean="0"/>
               <a:pPr/>
-              <a:t>2/11/2014</a:t>
+              <a:t>3/30/2014</a:t>
             </a:fld>
             <a:endParaRPr lang="en-US"/>
           </a:p>
@@ -4838,7 +4838,7 @@
             <a:fld id="{FAECF776-F836-4CCD-9497-99E5597B8B5D}" type="datetimeFigureOut">
               <a:rPr lang="en-US" smtClean="0"/>
               <a:pPr/>
-              <a:t>2/11/2014</a:t>
+              <a:t>3/30/2014</a:t>
             </a:fld>
             <a:endParaRPr lang="en-US"/>
           </a:p>
@@ -5117,7 +5117,7 @@
             <a:fld id="{FAECF776-F836-4CCD-9497-99E5597B8B5D}" type="datetimeFigureOut">
               <a:rPr lang="en-US" smtClean="0"/>
               <a:pPr/>
-              <a:t>2/11/2014</a:t>
+              <a:t>3/30/2014</a:t>
             </a:fld>
             <a:endParaRPr lang="en-US"/>
           </a:p>
@@ -5372,7 +5372,7 @@
             <a:fld id="{FAECF776-F836-4CCD-9497-99E5597B8B5D}" type="datetimeFigureOut">
               <a:rPr lang="en-US" smtClean="0"/>
               <a:pPr/>
-              <a:t>2/11/2014</a:t>
+              <a:t>3/30/2014</a:t>
             </a:fld>
             <a:endParaRPr lang="en-US"/>
           </a:p>
@@ -5596,7 +5596,7 @@
             <a:fld id="{FAECF776-F836-4CCD-9497-99E5597B8B5D}" type="datetimeFigureOut">
               <a:rPr lang="en-US" smtClean="0"/>
               <a:pPr/>
-              <a:t>2/11/2014</a:t>
+              <a:t>3/30/2014</a:t>
             </a:fld>
             <a:endParaRPr lang="en-US"/>
           </a:p>
@@ -6114,7 +6114,7 @@
                 </a:solidFill>
               </a:rPr>
               <a:pPr/>
-              <a:t>2/11/2014</a:t>
+              <a:t>3/30/2014</a:t>
             </a:fld>
             <a:endParaRPr lang="en-US">
               <a:solidFill>
@@ -8118,394 +8118,6 @@
       </p:sp>
       <p:sp>
         <p:nvSpPr>
-          <p:cNvPr id="23553" name="Rectangle 1"/>
-          <p:cNvSpPr>
-            <a:spLocks noChangeArrowheads="1"/>
-          </p:cNvSpPr>
-          <p:nvPr/>
-        </p:nvSpPr>
-        <p:spPr bwMode="auto">
-          <a:xfrm>
-            <a:off x="152400" y="1828800"/>
-            <a:ext cx="8839200" cy="3046413"/>
-          </a:xfrm>
-          <a:prstGeom prst="rect">
-            <a:avLst/>
-          </a:prstGeom>
-          <a:noFill/>
-          <a:ln w="9525">
-            <a:solidFill>
-              <a:schemeClr val="bg1">
-                <a:lumMod val="65000"/>
-              </a:schemeClr>
-            </a:solidFill>
-            <a:miter lim="800000"/>
-            <a:headEnd/>
-            <a:tailEnd/>
-          </a:ln>
-          <a:effectLst/>
-        </p:spPr>
-        <p:txBody>
-          <a:bodyPr anchor="ctr">
-            <a:spAutoFit/>
-          </a:bodyPr>
-          <a:lstStyle/>
-          <a:p>
-            <a:pPr eaLnBrk="0" hangingPunct="0">
-              <a:defRPr/>
-            </a:pPr>
-            <a:r>
-              <a:rPr lang="be-BY" sz="1200" dirty="0">
-                <a:solidFill>
-                  <a:schemeClr val="bg1"/>
-                </a:solidFill>
-                <a:latin typeface="Courier New" pitchFamily="49" charset="0"/>
-                <a:ea typeface="Calibri" pitchFamily="34" charset="0"/>
-                <a:cs typeface="Courier New" pitchFamily="49" charset="0"/>
-              </a:rPr>
-              <a:t>            //DriveInfo di = new DriveInfo(@"C:\");</a:t>
-            </a:r>
-            <a:endParaRPr lang="be-BY" sz="1200" dirty="0">
-              <a:solidFill>
-                <a:schemeClr val="bg1"/>
-              </a:solidFill>
-              <a:latin typeface="Arial" pitchFamily="34" charset="0"/>
-            </a:endParaRPr>
-          </a:p>
-          <a:p>
-            <a:pPr eaLnBrk="0" hangingPunct="0">
-              <a:defRPr/>
-            </a:pPr>
-            <a:r>
-              <a:rPr lang="be-BY" sz="1200" dirty="0">
-                <a:solidFill>
-                  <a:schemeClr val="bg1"/>
-                </a:solidFill>
-                <a:latin typeface="Courier New" pitchFamily="49" charset="0"/>
-                <a:ea typeface="Calibri" pitchFamily="34" charset="0"/>
-                <a:cs typeface="Courier New" pitchFamily="49" charset="0"/>
-              </a:rPr>
-              <a:t>            DriveInfo[] dr = DriveInfo.GetDrives();</a:t>
-            </a:r>
-            <a:endParaRPr lang="be-BY" sz="1200" dirty="0">
-              <a:solidFill>
-                <a:schemeClr val="bg1"/>
-              </a:solidFill>
-              <a:latin typeface="Arial" pitchFamily="34" charset="0"/>
-            </a:endParaRPr>
-          </a:p>
-          <a:p>
-            <a:pPr eaLnBrk="0" hangingPunct="0">
-              <a:defRPr/>
-            </a:pPr>
-            <a:r>
-              <a:rPr lang="be-BY" sz="1200" dirty="0">
-                <a:solidFill>
-                  <a:schemeClr val="bg1"/>
-                </a:solidFill>
-                <a:latin typeface="Courier New" pitchFamily="49" charset="0"/>
-                <a:ea typeface="Calibri" pitchFamily="34" charset="0"/>
-                <a:cs typeface="Courier New" pitchFamily="49" charset="0"/>
-              </a:rPr>
-              <a:t>            foreach (DriveInfo di in dr)</a:t>
-            </a:r>
-            <a:endParaRPr lang="be-BY" sz="1200" dirty="0">
-              <a:solidFill>
-                <a:schemeClr val="bg1"/>
-              </a:solidFill>
-              <a:latin typeface="Arial" pitchFamily="34" charset="0"/>
-            </a:endParaRPr>
-          </a:p>
-          <a:p>
-            <a:pPr eaLnBrk="0" hangingPunct="0">
-              <a:defRPr/>
-            </a:pPr>
-            <a:r>
-              <a:rPr lang="be-BY" sz="1200" dirty="0">
-                <a:solidFill>
-                  <a:schemeClr val="bg1"/>
-                </a:solidFill>
-                <a:latin typeface="Courier New" pitchFamily="49" charset="0"/>
-                <a:ea typeface="Calibri" pitchFamily="34" charset="0"/>
-                <a:cs typeface="Courier New" pitchFamily="49" charset="0"/>
-              </a:rPr>
-              <a:t>            {</a:t>
-            </a:r>
-            <a:endParaRPr lang="be-BY" sz="1200" dirty="0">
-              <a:solidFill>
-                <a:schemeClr val="bg1"/>
-              </a:solidFill>
-              <a:latin typeface="Arial" pitchFamily="34" charset="0"/>
-            </a:endParaRPr>
-          </a:p>
-          <a:p>
-            <a:pPr eaLnBrk="0" hangingPunct="0">
-              <a:defRPr/>
-            </a:pPr>
-            <a:r>
-              <a:rPr lang="be-BY" sz="1200" dirty="0">
-                <a:solidFill>
-                  <a:schemeClr val="bg1"/>
-                </a:solidFill>
-                <a:latin typeface="Courier New" pitchFamily="49" charset="0"/>
-                <a:ea typeface="Calibri" pitchFamily="34" charset="0"/>
-                <a:cs typeface="Courier New" pitchFamily="49" charset="0"/>
-              </a:rPr>
-              <a:t>                Console.WriteLine("---------------------------------");</a:t>
-            </a:r>
-            <a:endParaRPr lang="be-BY" sz="1200" dirty="0">
-              <a:solidFill>
-                <a:schemeClr val="bg1"/>
-              </a:solidFill>
-              <a:latin typeface="Arial" pitchFamily="34" charset="0"/>
-            </a:endParaRPr>
-          </a:p>
-          <a:p>
-            <a:pPr eaLnBrk="0" hangingPunct="0">
-              <a:defRPr/>
-            </a:pPr>
-            <a:r>
-              <a:rPr lang="be-BY" sz="1200" dirty="0">
-                <a:solidFill>
-                  <a:schemeClr val="bg1"/>
-                </a:solidFill>
-                <a:latin typeface="Courier New" pitchFamily="49" charset="0"/>
-                <a:ea typeface="Calibri" pitchFamily="34" charset="0"/>
-                <a:cs typeface="Courier New" pitchFamily="49" charset="0"/>
-              </a:rPr>
-              <a:t>                Console.WriteLine("Type:  {0}", di.DriveType);</a:t>
-            </a:r>
-            <a:endParaRPr lang="be-BY" sz="1200" dirty="0">
-              <a:solidFill>
-                <a:schemeClr val="bg1"/>
-              </a:solidFill>
-              <a:latin typeface="Arial" pitchFamily="34" charset="0"/>
-            </a:endParaRPr>
-          </a:p>
-          <a:p>
-            <a:pPr eaLnBrk="0" hangingPunct="0">
-              <a:defRPr/>
-            </a:pPr>
-            <a:r>
-              <a:rPr lang="be-BY" sz="1200" dirty="0">
-                <a:solidFill>
-                  <a:schemeClr val="bg1"/>
-                </a:solidFill>
-                <a:latin typeface="Courier New" pitchFamily="49" charset="0"/>
-                <a:ea typeface="Calibri" pitchFamily="34" charset="0"/>
-                <a:cs typeface="Courier New" pitchFamily="49" charset="0"/>
-              </a:rPr>
-              <a:t>                Console.WriteLine("Name:  {0}", di.Name);</a:t>
-            </a:r>
-            <a:endParaRPr lang="be-BY" sz="1200" dirty="0">
-              <a:solidFill>
-                <a:schemeClr val="bg1"/>
-              </a:solidFill>
-              <a:latin typeface="Arial" pitchFamily="34" charset="0"/>
-            </a:endParaRPr>
-          </a:p>
-          <a:p>
-            <a:pPr eaLnBrk="0" hangingPunct="0">
-              <a:defRPr/>
-            </a:pPr>
-            <a:r>
-              <a:rPr lang="be-BY" sz="1200" dirty="0">
-                <a:solidFill>
-                  <a:schemeClr val="bg1"/>
-                </a:solidFill>
-                <a:latin typeface="Courier New" pitchFamily="49" charset="0"/>
-                <a:ea typeface="Calibri" pitchFamily="34" charset="0"/>
-                <a:cs typeface="Courier New" pitchFamily="49" charset="0"/>
-              </a:rPr>
-              <a:t>                if (di.IsReady == false)</a:t>
-            </a:r>
-            <a:endParaRPr lang="be-BY" sz="1200" dirty="0">
-              <a:solidFill>
-                <a:schemeClr val="bg1"/>
-              </a:solidFill>
-              <a:latin typeface="Arial" pitchFamily="34" charset="0"/>
-            </a:endParaRPr>
-          </a:p>
-          <a:p>
-            <a:pPr eaLnBrk="0" hangingPunct="0">
-              <a:defRPr/>
-            </a:pPr>
-            <a:r>
-              <a:rPr lang="be-BY" sz="1200" dirty="0">
-                <a:solidFill>
-                  <a:schemeClr val="bg1"/>
-                </a:solidFill>
-                <a:latin typeface="Courier New" pitchFamily="49" charset="0"/>
-                <a:ea typeface="Calibri" pitchFamily="34" charset="0"/>
-                <a:cs typeface="Courier New" pitchFamily="49" charset="0"/>
-              </a:rPr>
-              <a:t>                    continue;</a:t>
-            </a:r>
-            <a:endParaRPr lang="be-BY" sz="1200" dirty="0">
-              <a:solidFill>
-                <a:schemeClr val="bg1"/>
-              </a:solidFill>
-              <a:latin typeface="Arial" pitchFamily="34" charset="0"/>
-            </a:endParaRPr>
-          </a:p>
-          <a:p>
-            <a:pPr eaLnBrk="0" hangingPunct="0">
-              <a:defRPr/>
-            </a:pPr>
-            <a:r>
-              <a:rPr lang="be-BY" sz="1200" dirty="0">
-                <a:solidFill>
-                  <a:schemeClr val="bg1"/>
-                </a:solidFill>
-                <a:latin typeface="Courier New" pitchFamily="49" charset="0"/>
-                <a:ea typeface="Calibri" pitchFamily="34" charset="0"/>
-                <a:cs typeface="Courier New" pitchFamily="49" charset="0"/>
-              </a:rPr>
-              <a:t>                Console.WriteLine("Formt: {0}", di.DriveFormat);</a:t>
-            </a:r>
-            <a:endParaRPr lang="be-BY" sz="1200" dirty="0">
-              <a:solidFill>
-                <a:schemeClr val="bg1"/>
-              </a:solidFill>
-              <a:latin typeface="Arial" pitchFamily="34" charset="0"/>
-            </a:endParaRPr>
-          </a:p>
-          <a:p>
-            <a:pPr eaLnBrk="0" hangingPunct="0">
-              <a:defRPr/>
-            </a:pPr>
-            <a:r>
-              <a:rPr lang="be-BY" sz="1200" dirty="0">
-                <a:solidFill>
-                  <a:schemeClr val="bg1"/>
-                </a:solidFill>
-                <a:latin typeface="Courier New" pitchFamily="49" charset="0"/>
-                <a:ea typeface="Calibri" pitchFamily="34" charset="0"/>
-                <a:cs typeface="Courier New" pitchFamily="49" charset="0"/>
-              </a:rPr>
-              <a:t>                Console.WriteLine("Ready: {0}", di.IsReady);</a:t>
-            </a:r>
-            <a:endParaRPr lang="be-BY" sz="1200" dirty="0">
-              <a:solidFill>
-                <a:schemeClr val="bg1"/>
-              </a:solidFill>
-              <a:latin typeface="Arial" pitchFamily="34" charset="0"/>
-            </a:endParaRPr>
-          </a:p>
-          <a:p>
-            <a:pPr eaLnBrk="0" hangingPunct="0">
-              <a:defRPr/>
-            </a:pPr>
-            <a:r>
-              <a:rPr lang="be-BY" sz="1200" dirty="0">
-                <a:solidFill>
-                  <a:schemeClr val="bg1"/>
-                </a:solidFill>
-                <a:latin typeface="Courier New" pitchFamily="49" charset="0"/>
-                <a:ea typeface="Calibri" pitchFamily="34" charset="0"/>
-                <a:cs typeface="Courier New" pitchFamily="49" charset="0"/>
-              </a:rPr>
-              <a:t>                Console.WriteLine("Root:  {0}", di.RootDirectory);</a:t>
-            </a:r>
-            <a:endParaRPr lang="be-BY" sz="1200" dirty="0">
-              <a:solidFill>
-                <a:schemeClr val="bg1"/>
-              </a:solidFill>
-              <a:latin typeface="Arial" pitchFamily="34" charset="0"/>
-            </a:endParaRPr>
-          </a:p>
-          <a:p>
-            <a:pPr eaLnBrk="0" hangingPunct="0">
-              <a:defRPr/>
-            </a:pPr>
-            <a:r>
-              <a:rPr lang="be-BY" sz="1200" dirty="0">
-                <a:solidFill>
-                  <a:schemeClr val="bg1"/>
-                </a:solidFill>
-                <a:latin typeface="Courier New" pitchFamily="49" charset="0"/>
-                <a:ea typeface="Calibri" pitchFamily="34" charset="0"/>
-                <a:cs typeface="Courier New" pitchFamily="49" charset="0"/>
-              </a:rPr>
-              <a:t>                Console.WriteLine("Free Spase: {0:N0} bytes", di.TotalFreeSpace);</a:t>
-            </a:r>
-            <a:endParaRPr lang="be-BY" sz="1200" dirty="0">
-              <a:solidFill>
-                <a:schemeClr val="bg1"/>
-              </a:solidFill>
-              <a:latin typeface="Arial" pitchFamily="34" charset="0"/>
-            </a:endParaRPr>
-          </a:p>
-          <a:p>
-            <a:pPr eaLnBrk="0" hangingPunct="0">
-              <a:defRPr/>
-            </a:pPr>
-            <a:r>
-              <a:rPr lang="be-BY" sz="1200" dirty="0">
-                <a:solidFill>
-                  <a:schemeClr val="bg1"/>
-                </a:solidFill>
-                <a:latin typeface="Courier New" pitchFamily="49" charset="0"/>
-                <a:ea typeface="Calibri" pitchFamily="34" charset="0"/>
-                <a:cs typeface="Courier New" pitchFamily="49" charset="0"/>
-              </a:rPr>
-              <a:t>                Console.WriteLine("Size:  {0:N0} bytes", di.TotalSize);</a:t>
-            </a:r>
-            <a:endParaRPr lang="be-BY" sz="1200" dirty="0">
-              <a:solidFill>
-                <a:schemeClr val="bg1"/>
-              </a:solidFill>
-              <a:latin typeface="Arial" pitchFamily="34" charset="0"/>
-            </a:endParaRPr>
-          </a:p>
-          <a:p>
-            <a:pPr eaLnBrk="0" hangingPunct="0">
-              <a:defRPr/>
-            </a:pPr>
-            <a:r>
-              <a:rPr lang="be-BY" sz="1200" dirty="0">
-                <a:solidFill>
-                  <a:schemeClr val="bg1"/>
-                </a:solidFill>
-                <a:latin typeface="Courier New" pitchFamily="49" charset="0"/>
-                <a:ea typeface="Calibri" pitchFamily="34" charset="0"/>
-                <a:cs typeface="Courier New" pitchFamily="49" charset="0"/>
-              </a:rPr>
-              <a:t>                Console.WriteLine("Label: {0}", di.VolumeLabel);</a:t>
-            </a:r>
-            <a:endParaRPr lang="be-BY" sz="1200" dirty="0">
-              <a:solidFill>
-                <a:schemeClr val="bg1"/>
-              </a:solidFill>
-              <a:latin typeface="Arial" pitchFamily="34" charset="0"/>
-            </a:endParaRPr>
-          </a:p>
-          <a:p>
-            <a:pPr eaLnBrk="0" hangingPunct="0">
-              <a:defRPr/>
-            </a:pPr>
-            <a:r>
-              <a:rPr lang="be-BY" sz="1200" dirty="0">
-                <a:solidFill>
-                  <a:schemeClr val="bg1"/>
-                </a:solidFill>
-                <a:latin typeface="Courier New" pitchFamily="49" charset="0"/>
-                <a:ea typeface="Calibri" pitchFamily="34" charset="0"/>
-                <a:cs typeface="Courier New" pitchFamily="49" charset="0"/>
-              </a:rPr>
-              <a:t>            }</a:t>
-            </a:r>
-            <a:endParaRPr lang="be-BY" sz="1200" dirty="0">
-              <a:solidFill>
-                <a:schemeClr val="bg1"/>
-              </a:solidFill>
-              <a:latin typeface="Arial" pitchFamily="34" charset="0"/>
-            </a:endParaRPr>
-          </a:p>
-        </p:txBody>
-      </p:sp>
-      <p:sp>
-        <p:nvSpPr>
           <p:cNvPr id="4100" name="TextBox 6"/>
           <p:cNvSpPr txBox="1">
             <a:spLocks noChangeArrowheads="1"/>
@@ -8854,6 +8466,1442 @@
               </a:solidFill>
               <a:latin typeface="Courier New" pitchFamily="49" charset="0"/>
               <a:cs typeface="Calibri" pitchFamily="34" charset="0"/>
+            </a:endParaRPr>
+          </a:p>
+        </p:txBody>
+      </p:sp>
+      <p:sp>
+        <p:nvSpPr>
+          <p:cNvPr id="2" name="Rectangle 1"/>
+          <p:cNvSpPr>
+            <a:spLocks noChangeArrowheads="1"/>
+          </p:cNvSpPr>
+          <p:nvPr/>
+        </p:nvSpPr>
+        <p:spPr bwMode="auto">
+          <a:xfrm>
+            <a:off x="247300" y="2204864"/>
+            <a:ext cx="8649401" cy="3231654"/>
+          </a:xfrm>
+          <a:prstGeom prst="rect">
+            <a:avLst/>
+          </a:prstGeom>
+          <a:solidFill>
+            <a:srgbClr val="FFFFFF"/>
+          </a:solidFill>
+          <a:ln>
+            <a:noFill/>
+          </a:ln>
+          <a:effectLst/>
+          <a:extLst>
+            <a:ext uri="{91240B29-F687-4F45-9708-019B960494DF}">
+              <a14:hiddenLine xmlns:a14="http://schemas.microsoft.com/office/drawing/2010/main" w="9525">
+                <a:solidFill>
+                  <a:schemeClr val="tx1"/>
+                </a:solidFill>
+                <a:miter lim="800000"/>
+                <a:headEnd/>
+                <a:tailEnd/>
+              </a14:hiddenLine>
+            </a:ext>
+            <a:ext uri="{AF507438-7753-43E0-B8FC-AC1667EBCBE1}">
+              <a14:hiddenEffects xmlns:a14="http://schemas.microsoft.com/office/drawing/2010/main">
+                <a:effectLst>
+                  <a:outerShdw dist="35921" dir="2700000" algn="ctr" rotWithShape="0">
+                    <a:schemeClr val="bg2"/>
+                  </a:outerShdw>
+                </a:effectLst>
+              </a14:hiddenEffects>
+            </a:ext>
+          </a:extLst>
+        </p:spPr>
+        <p:txBody>
+          <a:bodyPr vert="horz" wrap="square" lIns="91440" tIns="45720" rIns="91440" bIns="45720" numCol="1" anchor="ctr" anchorCtr="0" compatLnSpc="1">
+            <a:prstTxWarp prst="textNoShape">
+              <a:avLst/>
+            </a:prstTxWarp>
+            <a:spAutoFit/>
+          </a:bodyPr>
+          <a:lstStyle/>
+          <a:p>
+            <a:pPr marL="0" marR="0" lvl="0" indent="0" algn="l" defTabSz="914400" rtl="0" eaLnBrk="1" fontAlgn="base" latinLnBrk="0" hangingPunct="1">
+              <a:lnSpc>
+                <a:spcPct val="100000"/>
+              </a:lnSpc>
+              <a:spcBef>
+                <a:spcPct val="0"/>
+              </a:spcBef>
+              <a:spcAft>
+                <a:spcPct val="0"/>
+              </a:spcAft>
+              <a:buClrTx/>
+              <a:buSzTx/>
+              <a:buFontTx/>
+              <a:buNone/>
+              <a:tabLst/>
+            </a:pPr>
+            <a:r>
+              <a:rPr kumimoji="0" lang="ru-RU" altLang="ru-RU" sz="1200" b="0" i="0" u="none" strike="noStrike" cap="none" normalizeH="0" baseline="0" dirty="0" smtClean="0">
+                <a:ln>
+                  <a:noFill/>
+                </a:ln>
+                <a:solidFill>
+                  <a:srgbClr val="008000"/>
+                </a:solidFill>
+                <a:effectLst/>
+                <a:latin typeface="Courier New" panose="02070309020205020404" pitchFamily="49" charset="0"/>
+                <a:cs typeface="Courier New" panose="02070309020205020404" pitchFamily="49" charset="0"/>
+              </a:rPr>
+              <a:t>//DriveInfo di = new DriveInfo(@"C:\");</a:t>
+            </a:r>
+            <a:endParaRPr lang="en-US" altLang="ru-RU" sz="1200" dirty="0">
+              <a:solidFill>
+                <a:srgbClr val="000000"/>
+              </a:solidFill>
+              <a:latin typeface="Courier New" panose="02070309020205020404" pitchFamily="49" charset="0"/>
+              <a:cs typeface="Courier New" panose="02070309020205020404" pitchFamily="49" charset="0"/>
+            </a:endParaRPr>
+          </a:p>
+          <a:p>
+            <a:pPr marL="0" marR="0" lvl="0" indent="0" algn="l" defTabSz="914400" rtl="0" eaLnBrk="1" fontAlgn="base" latinLnBrk="0" hangingPunct="1">
+              <a:lnSpc>
+                <a:spcPct val="100000"/>
+              </a:lnSpc>
+              <a:spcBef>
+                <a:spcPct val="0"/>
+              </a:spcBef>
+              <a:spcAft>
+                <a:spcPct val="0"/>
+              </a:spcAft>
+              <a:buClrTx/>
+              <a:buSzTx/>
+              <a:buFontTx/>
+              <a:buNone/>
+              <a:tabLst/>
+            </a:pPr>
+            <a:r>
+              <a:rPr kumimoji="0" lang="ru-RU" altLang="ru-RU" sz="1200" b="0" i="0" u="none" strike="noStrike" cap="none" normalizeH="0" baseline="0" dirty="0" smtClean="0">
+                <a:ln>
+                  <a:noFill/>
+                </a:ln>
+                <a:solidFill>
+                  <a:srgbClr val="2B91AF"/>
+                </a:solidFill>
+                <a:effectLst/>
+                <a:latin typeface="Courier New" panose="02070309020205020404" pitchFamily="49" charset="0"/>
+                <a:cs typeface="Courier New" panose="02070309020205020404" pitchFamily="49" charset="0"/>
+              </a:rPr>
+              <a:t>DriveInfo</a:t>
+            </a:r>
+            <a:r>
+              <a:rPr kumimoji="0" lang="ru-RU" altLang="ru-RU" sz="1200" b="0" i="0" u="none" strike="noStrike" cap="none" normalizeH="0" baseline="0" dirty="0" smtClean="0">
+                <a:ln>
+                  <a:noFill/>
+                </a:ln>
+                <a:solidFill>
+                  <a:srgbClr val="000000"/>
+                </a:solidFill>
+                <a:effectLst/>
+                <a:latin typeface="Courier New" panose="02070309020205020404" pitchFamily="49" charset="0"/>
+                <a:cs typeface="Courier New" panose="02070309020205020404" pitchFamily="49" charset="0"/>
+              </a:rPr>
+              <a:t>[] drives = </a:t>
+            </a:r>
+            <a:r>
+              <a:rPr kumimoji="0" lang="ru-RU" altLang="ru-RU" sz="1200" b="0" i="0" u="none" strike="noStrike" cap="none" normalizeH="0" baseline="0" dirty="0" smtClean="0">
+                <a:ln>
+                  <a:noFill/>
+                </a:ln>
+                <a:solidFill>
+                  <a:srgbClr val="2B91AF"/>
+                </a:solidFill>
+                <a:effectLst/>
+                <a:latin typeface="Courier New" panose="02070309020205020404" pitchFamily="49" charset="0"/>
+                <a:cs typeface="Courier New" panose="02070309020205020404" pitchFamily="49" charset="0"/>
+              </a:rPr>
+              <a:t>DriveInfo</a:t>
+            </a:r>
+            <a:r>
+              <a:rPr kumimoji="0" lang="ru-RU" altLang="ru-RU" sz="1200" b="0" i="0" u="none" strike="noStrike" cap="none" normalizeH="0" baseline="0" dirty="0" smtClean="0">
+                <a:ln>
+                  <a:noFill/>
+                </a:ln>
+                <a:solidFill>
+                  <a:srgbClr val="000000"/>
+                </a:solidFill>
+                <a:effectLst/>
+                <a:latin typeface="Courier New" panose="02070309020205020404" pitchFamily="49" charset="0"/>
+                <a:cs typeface="Courier New" panose="02070309020205020404" pitchFamily="49" charset="0"/>
+              </a:rPr>
+              <a:t>.GetDrives();</a:t>
+            </a:r>
+            <a:endParaRPr kumimoji="0" lang="en-US" altLang="ru-RU" sz="1200" b="0" i="0" u="none" strike="noStrike" cap="none" normalizeH="0" baseline="0" dirty="0" smtClean="0">
+              <a:ln>
+                <a:noFill/>
+              </a:ln>
+              <a:solidFill>
+                <a:srgbClr val="000000"/>
+              </a:solidFill>
+              <a:effectLst/>
+              <a:latin typeface="Courier New" panose="02070309020205020404" pitchFamily="49" charset="0"/>
+              <a:cs typeface="Courier New" panose="02070309020205020404" pitchFamily="49" charset="0"/>
+            </a:endParaRPr>
+          </a:p>
+          <a:p>
+            <a:pPr marL="0" marR="0" lvl="0" indent="0" algn="l" defTabSz="914400" rtl="0" eaLnBrk="1" fontAlgn="base" latinLnBrk="0" hangingPunct="1">
+              <a:lnSpc>
+                <a:spcPct val="100000"/>
+              </a:lnSpc>
+              <a:spcBef>
+                <a:spcPct val="0"/>
+              </a:spcBef>
+              <a:spcAft>
+                <a:spcPct val="0"/>
+              </a:spcAft>
+              <a:buClrTx/>
+              <a:buSzTx/>
+              <a:buFontTx/>
+              <a:buNone/>
+              <a:tabLst/>
+            </a:pPr>
+            <a:r>
+              <a:rPr kumimoji="0" lang="ru-RU" altLang="ru-RU" sz="1200" b="0" i="0" u="none" strike="noStrike" cap="none" normalizeH="0" baseline="0" dirty="0" smtClean="0">
+                <a:ln>
+                  <a:noFill/>
+                </a:ln>
+                <a:solidFill>
+                  <a:srgbClr val="0000FF"/>
+                </a:solidFill>
+                <a:effectLst/>
+                <a:latin typeface="Courier New" panose="02070309020205020404" pitchFamily="49" charset="0"/>
+                <a:cs typeface="Courier New" panose="02070309020205020404" pitchFamily="49" charset="0"/>
+              </a:rPr>
+              <a:t>foreach</a:t>
+            </a:r>
+            <a:r>
+              <a:rPr kumimoji="0" lang="ru-RU" altLang="ru-RU" sz="1200" b="0" i="0" u="none" strike="noStrike" cap="none" normalizeH="0" baseline="0" dirty="0" smtClean="0">
+                <a:ln>
+                  <a:noFill/>
+                </a:ln>
+                <a:solidFill>
+                  <a:srgbClr val="000000"/>
+                </a:solidFill>
+                <a:effectLst/>
+                <a:latin typeface="Courier New" panose="02070309020205020404" pitchFamily="49" charset="0"/>
+                <a:cs typeface="Courier New" panose="02070309020205020404" pitchFamily="49" charset="0"/>
+              </a:rPr>
+              <a:t> (</a:t>
+            </a:r>
+            <a:r>
+              <a:rPr kumimoji="0" lang="ru-RU" altLang="ru-RU" sz="1200" b="0" i="0" u="none" strike="noStrike" cap="none" normalizeH="0" baseline="0" dirty="0" smtClean="0">
+                <a:ln>
+                  <a:noFill/>
+                </a:ln>
+                <a:solidFill>
+                  <a:srgbClr val="2B91AF"/>
+                </a:solidFill>
+                <a:effectLst/>
+                <a:latin typeface="Courier New" panose="02070309020205020404" pitchFamily="49" charset="0"/>
+                <a:cs typeface="Courier New" panose="02070309020205020404" pitchFamily="49" charset="0"/>
+              </a:rPr>
+              <a:t>DriveInfo</a:t>
+            </a:r>
+            <a:r>
+              <a:rPr kumimoji="0" lang="ru-RU" altLang="ru-RU" sz="1200" b="0" i="0" u="none" strike="noStrike" cap="none" normalizeH="0" baseline="0" dirty="0" smtClean="0">
+                <a:ln>
+                  <a:noFill/>
+                </a:ln>
+                <a:solidFill>
+                  <a:srgbClr val="000000"/>
+                </a:solidFill>
+                <a:effectLst/>
+                <a:latin typeface="Courier New" panose="02070309020205020404" pitchFamily="49" charset="0"/>
+                <a:cs typeface="Courier New" panose="02070309020205020404" pitchFamily="49" charset="0"/>
+              </a:rPr>
+              <a:t> di </a:t>
+            </a:r>
+            <a:r>
+              <a:rPr kumimoji="0" lang="ru-RU" altLang="ru-RU" sz="1200" b="0" i="0" u="none" strike="noStrike" cap="none" normalizeH="0" baseline="0" dirty="0" smtClean="0">
+                <a:ln>
+                  <a:noFill/>
+                </a:ln>
+                <a:solidFill>
+                  <a:srgbClr val="0000FF"/>
+                </a:solidFill>
+                <a:effectLst/>
+                <a:latin typeface="Courier New" panose="02070309020205020404" pitchFamily="49" charset="0"/>
+                <a:cs typeface="Courier New" panose="02070309020205020404" pitchFamily="49" charset="0"/>
+              </a:rPr>
+              <a:t>in</a:t>
+            </a:r>
+            <a:r>
+              <a:rPr kumimoji="0" lang="ru-RU" altLang="ru-RU" sz="1200" b="0" i="0" u="none" strike="noStrike" cap="none" normalizeH="0" baseline="0" dirty="0" smtClean="0">
+                <a:ln>
+                  <a:noFill/>
+                </a:ln>
+                <a:solidFill>
+                  <a:srgbClr val="000000"/>
+                </a:solidFill>
+                <a:effectLst/>
+                <a:latin typeface="Courier New" panose="02070309020205020404" pitchFamily="49" charset="0"/>
+                <a:cs typeface="Courier New" panose="02070309020205020404" pitchFamily="49" charset="0"/>
+              </a:rPr>
+              <a:t> drives)</a:t>
+            </a:r>
+            <a:endParaRPr kumimoji="0" lang="en-US" altLang="ru-RU" sz="1200" b="0" i="0" u="none" strike="noStrike" cap="none" normalizeH="0" baseline="0" dirty="0" smtClean="0">
+              <a:ln>
+                <a:noFill/>
+              </a:ln>
+              <a:solidFill>
+                <a:srgbClr val="000000"/>
+              </a:solidFill>
+              <a:effectLst/>
+              <a:latin typeface="Courier New" panose="02070309020205020404" pitchFamily="49" charset="0"/>
+              <a:cs typeface="Courier New" panose="02070309020205020404" pitchFamily="49" charset="0"/>
+            </a:endParaRPr>
+          </a:p>
+          <a:p>
+            <a:pPr marL="0" marR="0" lvl="0" indent="0" algn="l" defTabSz="914400" rtl="0" eaLnBrk="1" fontAlgn="base" latinLnBrk="0" hangingPunct="1">
+              <a:lnSpc>
+                <a:spcPct val="100000"/>
+              </a:lnSpc>
+              <a:spcBef>
+                <a:spcPct val="0"/>
+              </a:spcBef>
+              <a:spcAft>
+                <a:spcPct val="0"/>
+              </a:spcAft>
+              <a:buClrTx/>
+              <a:buSzTx/>
+              <a:buFontTx/>
+              <a:buNone/>
+              <a:tabLst/>
+            </a:pPr>
+            <a:r>
+              <a:rPr kumimoji="0" lang="ru-RU" altLang="ru-RU" sz="1200" b="0" i="0" u="none" strike="noStrike" cap="none" normalizeH="0" baseline="0" dirty="0" smtClean="0">
+                <a:ln>
+                  <a:noFill/>
+                </a:ln>
+                <a:solidFill>
+                  <a:srgbClr val="000000"/>
+                </a:solidFill>
+                <a:effectLst/>
+                <a:latin typeface="Courier New" panose="02070309020205020404" pitchFamily="49" charset="0"/>
+                <a:cs typeface="Courier New" panose="02070309020205020404" pitchFamily="49" charset="0"/>
+              </a:rPr>
+              <a:t>{</a:t>
+            </a:r>
+            <a:endParaRPr kumimoji="0" lang="en-US" altLang="ru-RU" sz="1200" b="0" i="0" u="none" strike="noStrike" cap="none" normalizeH="0" baseline="0" dirty="0" smtClean="0">
+              <a:ln>
+                <a:noFill/>
+              </a:ln>
+              <a:solidFill>
+                <a:srgbClr val="000000"/>
+              </a:solidFill>
+              <a:effectLst/>
+              <a:latin typeface="Courier New" panose="02070309020205020404" pitchFamily="49" charset="0"/>
+              <a:cs typeface="Courier New" panose="02070309020205020404" pitchFamily="49" charset="0"/>
+            </a:endParaRPr>
+          </a:p>
+          <a:p>
+            <a:pPr marL="0" marR="0" lvl="0" indent="0" algn="l" defTabSz="914400" rtl="0" eaLnBrk="1" fontAlgn="base" latinLnBrk="0" hangingPunct="1">
+              <a:lnSpc>
+                <a:spcPct val="100000"/>
+              </a:lnSpc>
+              <a:spcBef>
+                <a:spcPct val="0"/>
+              </a:spcBef>
+              <a:spcAft>
+                <a:spcPct val="0"/>
+              </a:spcAft>
+              <a:buClrTx/>
+              <a:buSzTx/>
+              <a:buFontTx/>
+              <a:buNone/>
+              <a:tabLst/>
+            </a:pPr>
+            <a:r>
+              <a:rPr lang="en-US" altLang="ru-RU" sz="1200" dirty="0">
+                <a:solidFill>
+                  <a:srgbClr val="000000"/>
+                </a:solidFill>
+                <a:latin typeface="Courier New" panose="02070309020205020404" pitchFamily="49" charset="0"/>
+                <a:cs typeface="Courier New" panose="02070309020205020404" pitchFamily="49" charset="0"/>
+              </a:rPr>
+              <a:t>	</a:t>
+            </a:r>
+            <a:r>
+              <a:rPr kumimoji="0" lang="ru-RU" altLang="ru-RU" sz="1200" b="0" i="0" u="none" strike="noStrike" cap="none" normalizeH="0" baseline="0" dirty="0" smtClean="0">
+                <a:ln>
+                  <a:noFill/>
+                </a:ln>
+                <a:solidFill>
+                  <a:srgbClr val="2B91AF"/>
+                </a:solidFill>
+                <a:effectLst/>
+                <a:latin typeface="Courier New" panose="02070309020205020404" pitchFamily="49" charset="0"/>
+                <a:cs typeface="Courier New" panose="02070309020205020404" pitchFamily="49" charset="0"/>
+              </a:rPr>
+              <a:t>Console</a:t>
+            </a:r>
+            <a:r>
+              <a:rPr kumimoji="0" lang="ru-RU" altLang="ru-RU" sz="1200" b="0" i="0" u="none" strike="noStrike" cap="none" normalizeH="0" baseline="0" dirty="0" smtClean="0">
+                <a:ln>
+                  <a:noFill/>
+                </a:ln>
+                <a:solidFill>
+                  <a:srgbClr val="000000"/>
+                </a:solidFill>
+                <a:effectLst/>
+                <a:latin typeface="Courier New" panose="02070309020205020404" pitchFamily="49" charset="0"/>
+                <a:cs typeface="Courier New" panose="02070309020205020404" pitchFamily="49" charset="0"/>
+              </a:rPr>
+              <a:t>.WriteLine(</a:t>
+            </a:r>
+            <a:r>
+              <a:rPr kumimoji="0" lang="ru-RU" altLang="ru-RU" sz="1200" b="0" i="0" u="none" strike="noStrike" cap="none" normalizeH="0" baseline="0" dirty="0" smtClean="0">
+                <a:ln>
+                  <a:noFill/>
+                </a:ln>
+                <a:solidFill>
+                  <a:srgbClr val="A31515"/>
+                </a:solidFill>
+                <a:effectLst/>
+                <a:latin typeface="Courier New" panose="02070309020205020404" pitchFamily="49" charset="0"/>
+                <a:cs typeface="Courier New" panose="02070309020205020404" pitchFamily="49" charset="0"/>
+              </a:rPr>
+              <a:t>"---------------------------------"</a:t>
+            </a:r>
+            <a:r>
+              <a:rPr kumimoji="0" lang="ru-RU" altLang="ru-RU" sz="1200" b="0" i="0" u="none" strike="noStrike" cap="none" normalizeH="0" baseline="0" dirty="0" smtClean="0">
+                <a:ln>
+                  <a:noFill/>
+                </a:ln>
+                <a:solidFill>
+                  <a:srgbClr val="000000"/>
+                </a:solidFill>
+                <a:effectLst/>
+                <a:latin typeface="Courier New" panose="02070309020205020404" pitchFamily="49" charset="0"/>
+                <a:cs typeface="Courier New" panose="02070309020205020404" pitchFamily="49" charset="0"/>
+              </a:rPr>
+              <a:t>);</a:t>
+            </a:r>
+            <a:endParaRPr kumimoji="0" lang="en-US" altLang="ru-RU" sz="1200" b="0" i="0" u="none" strike="noStrike" cap="none" normalizeH="0" baseline="0" dirty="0" smtClean="0">
+              <a:ln>
+                <a:noFill/>
+              </a:ln>
+              <a:solidFill>
+                <a:srgbClr val="000000"/>
+              </a:solidFill>
+              <a:effectLst/>
+              <a:latin typeface="Courier New" panose="02070309020205020404" pitchFamily="49" charset="0"/>
+              <a:cs typeface="Courier New" panose="02070309020205020404" pitchFamily="49" charset="0"/>
+            </a:endParaRPr>
+          </a:p>
+          <a:p>
+            <a:pPr marL="0" marR="0" lvl="0" indent="0" algn="l" defTabSz="914400" rtl="0" eaLnBrk="1" fontAlgn="base" latinLnBrk="0" hangingPunct="1">
+              <a:lnSpc>
+                <a:spcPct val="100000"/>
+              </a:lnSpc>
+              <a:spcBef>
+                <a:spcPct val="0"/>
+              </a:spcBef>
+              <a:spcAft>
+                <a:spcPct val="0"/>
+              </a:spcAft>
+              <a:buClrTx/>
+              <a:buSzTx/>
+              <a:buFontTx/>
+              <a:buNone/>
+              <a:tabLst/>
+            </a:pPr>
+            <a:r>
+              <a:rPr lang="en-US" altLang="ru-RU" sz="1200" dirty="0">
+                <a:solidFill>
+                  <a:srgbClr val="000000"/>
+                </a:solidFill>
+                <a:latin typeface="Courier New" panose="02070309020205020404" pitchFamily="49" charset="0"/>
+                <a:cs typeface="Courier New" panose="02070309020205020404" pitchFamily="49" charset="0"/>
+              </a:rPr>
+              <a:t>	</a:t>
+            </a:r>
+            <a:r>
+              <a:rPr kumimoji="0" lang="ru-RU" altLang="ru-RU" sz="1200" b="0" i="0" u="none" strike="noStrike" cap="none" normalizeH="0" baseline="0" dirty="0" smtClean="0">
+                <a:ln>
+                  <a:noFill/>
+                </a:ln>
+                <a:solidFill>
+                  <a:srgbClr val="2B91AF"/>
+                </a:solidFill>
+                <a:effectLst/>
+                <a:latin typeface="Courier New" panose="02070309020205020404" pitchFamily="49" charset="0"/>
+                <a:cs typeface="Courier New" panose="02070309020205020404" pitchFamily="49" charset="0"/>
+              </a:rPr>
+              <a:t>Console</a:t>
+            </a:r>
+            <a:r>
+              <a:rPr kumimoji="0" lang="ru-RU" altLang="ru-RU" sz="1200" b="0" i="0" u="none" strike="noStrike" cap="none" normalizeH="0" baseline="0" dirty="0" smtClean="0">
+                <a:ln>
+                  <a:noFill/>
+                </a:ln>
+                <a:solidFill>
+                  <a:srgbClr val="000000"/>
+                </a:solidFill>
+                <a:effectLst/>
+                <a:latin typeface="Courier New" panose="02070309020205020404" pitchFamily="49" charset="0"/>
+                <a:cs typeface="Courier New" panose="02070309020205020404" pitchFamily="49" charset="0"/>
+              </a:rPr>
+              <a:t>.WriteLine(</a:t>
+            </a:r>
+            <a:r>
+              <a:rPr kumimoji="0" lang="ru-RU" altLang="ru-RU" sz="1200" b="0" i="0" u="none" strike="noStrike" cap="none" normalizeH="0" baseline="0" dirty="0" smtClean="0">
+                <a:ln>
+                  <a:noFill/>
+                </a:ln>
+                <a:solidFill>
+                  <a:srgbClr val="A31515"/>
+                </a:solidFill>
+                <a:effectLst/>
+                <a:latin typeface="Courier New" panose="02070309020205020404" pitchFamily="49" charset="0"/>
+                <a:cs typeface="Courier New" panose="02070309020205020404" pitchFamily="49" charset="0"/>
+              </a:rPr>
+              <a:t>"Type      : {0}"</a:t>
+            </a:r>
+            <a:r>
+              <a:rPr kumimoji="0" lang="ru-RU" altLang="ru-RU" sz="1200" b="0" i="0" u="none" strike="noStrike" cap="none" normalizeH="0" baseline="0" dirty="0" smtClean="0">
+                <a:ln>
+                  <a:noFill/>
+                </a:ln>
+                <a:solidFill>
+                  <a:srgbClr val="000000"/>
+                </a:solidFill>
+                <a:effectLst/>
+                <a:latin typeface="Courier New" panose="02070309020205020404" pitchFamily="49" charset="0"/>
+                <a:cs typeface="Courier New" panose="02070309020205020404" pitchFamily="49" charset="0"/>
+              </a:rPr>
+              <a:t>, di.DriveType);</a:t>
+            </a:r>
+            <a:endParaRPr kumimoji="0" lang="en-US" altLang="ru-RU" sz="1200" b="0" i="0" u="none" strike="noStrike" cap="none" normalizeH="0" baseline="0" dirty="0" smtClean="0">
+              <a:ln>
+                <a:noFill/>
+              </a:ln>
+              <a:solidFill>
+                <a:srgbClr val="000000"/>
+              </a:solidFill>
+              <a:effectLst/>
+              <a:latin typeface="Courier New" panose="02070309020205020404" pitchFamily="49" charset="0"/>
+              <a:cs typeface="Courier New" panose="02070309020205020404" pitchFamily="49" charset="0"/>
+            </a:endParaRPr>
+          </a:p>
+          <a:p>
+            <a:pPr marL="0" marR="0" lvl="0" indent="0" algn="l" defTabSz="914400" rtl="0" eaLnBrk="1" fontAlgn="base" latinLnBrk="0" hangingPunct="1">
+              <a:lnSpc>
+                <a:spcPct val="100000"/>
+              </a:lnSpc>
+              <a:spcBef>
+                <a:spcPct val="0"/>
+              </a:spcBef>
+              <a:spcAft>
+                <a:spcPct val="0"/>
+              </a:spcAft>
+              <a:buClrTx/>
+              <a:buSzTx/>
+              <a:buFontTx/>
+              <a:buNone/>
+              <a:tabLst/>
+            </a:pPr>
+            <a:r>
+              <a:rPr lang="en-US" altLang="ru-RU" sz="1200" dirty="0">
+                <a:solidFill>
+                  <a:srgbClr val="000000"/>
+                </a:solidFill>
+                <a:latin typeface="Courier New" panose="02070309020205020404" pitchFamily="49" charset="0"/>
+                <a:cs typeface="Courier New" panose="02070309020205020404" pitchFamily="49" charset="0"/>
+              </a:rPr>
+              <a:t>	</a:t>
+            </a:r>
+            <a:r>
+              <a:rPr kumimoji="0" lang="ru-RU" altLang="ru-RU" sz="1200" b="0" i="0" u="none" strike="noStrike" cap="none" normalizeH="0" baseline="0" dirty="0" smtClean="0">
+                <a:ln>
+                  <a:noFill/>
+                </a:ln>
+                <a:solidFill>
+                  <a:srgbClr val="2B91AF"/>
+                </a:solidFill>
+                <a:effectLst/>
+                <a:latin typeface="Courier New" panose="02070309020205020404" pitchFamily="49" charset="0"/>
+                <a:cs typeface="Courier New" panose="02070309020205020404" pitchFamily="49" charset="0"/>
+              </a:rPr>
+              <a:t>Console</a:t>
+            </a:r>
+            <a:r>
+              <a:rPr kumimoji="0" lang="ru-RU" altLang="ru-RU" sz="1200" b="0" i="0" u="none" strike="noStrike" cap="none" normalizeH="0" baseline="0" dirty="0" smtClean="0">
+                <a:ln>
+                  <a:noFill/>
+                </a:ln>
+                <a:solidFill>
+                  <a:srgbClr val="000000"/>
+                </a:solidFill>
+                <a:effectLst/>
+                <a:latin typeface="Courier New" panose="02070309020205020404" pitchFamily="49" charset="0"/>
+                <a:cs typeface="Courier New" panose="02070309020205020404" pitchFamily="49" charset="0"/>
+              </a:rPr>
+              <a:t>.WriteLine(</a:t>
+            </a:r>
+            <a:r>
+              <a:rPr kumimoji="0" lang="ru-RU" altLang="ru-RU" sz="1200" b="0" i="0" u="none" strike="noStrike" cap="none" normalizeH="0" baseline="0" dirty="0" smtClean="0">
+                <a:ln>
+                  <a:noFill/>
+                </a:ln>
+                <a:solidFill>
+                  <a:srgbClr val="A31515"/>
+                </a:solidFill>
+                <a:effectLst/>
+                <a:latin typeface="Courier New" panose="02070309020205020404" pitchFamily="49" charset="0"/>
+                <a:cs typeface="Courier New" panose="02070309020205020404" pitchFamily="49" charset="0"/>
+              </a:rPr>
+              <a:t>"Name      : {0}"</a:t>
+            </a:r>
+            <a:r>
+              <a:rPr kumimoji="0" lang="ru-RU" altLang="ru-RU" sz="1200" b="0" i="0" u="none" strike="noStrike" cap="none" normalizeH="0" baseline="0" dirty="0" smtClean="0">
+                <a:ln>
+                  <a:noFill/>
+                </a:ln>
+                <a:solidFill>
+                  <a:srgbClr val="000000"/>
+                </a:solidFill>
+                <a:effectLst/>
+                <a:latin typeface="Courier New" panose="02070309020205020404" pitchFamily="49" charset="0"/>
+                <a:cs typeface="Courier New" panose="02070309020205020404" pitchFamily="49" charset="0"/>
+              </a:rPr>
+              <a:t>, di.Name);</a:t>
+            </a:r>
+            <a:endParaRPr kumimoji="0" lang="en-US" altLang="ru-RU" sz="1200" b="0" i="0" u="none" strike="noStrike" cap="none" normalizeH="0" baseline="0" dirty="0" smtClean="0">
+              <a:ln>
+                <a:noFill/>
+              </a:ln>
+              <a:solidFill>
+                <a:srgbClr val="000000"/>
+              </a:solidFill>
+              <a:effectLst/>
+              <a:latin typeface="Courier New" panose="02070309020205020404" pitchFamily="49" charset="0"/>
+              <a:cs typeface="Courier New" panose="02070309020205020404" pitchFamily="49" charset="0"/>
+            </a:endParaRPr>
+          </a:p>
+          <a:p>
+            <a:pPr marL="0" marR="0" lvl="0" indent="0" algn="l" defTabSz="914400" rtl="0" eaLnBrk="1" fontAlgn="base" latinLnBrk="0" hangingPunct="1">
+              <a:lnSpc>
+                <a:spcPct val="100000"/>
+              </a:lnSpc>
+              <a:spcBef>
+                <a:spcPct val="0"/>
+              </a:spcBef>
+              <a:spcAft>
+                <a:spcPct val="0"/>
+              </a:spcAft>
+              <a:buClrTx/>
+              <a:buSzTx/>
+              <a:buFontTx/>
+              <a:buNone/>
+              <a:tabLst/>
+            </a:pPr>
+            <a:r>
+              <a:rPr lang="en-US" altLang="ru-RU" sz="1200" dirty="0">
+                <a:solidFill>
+                  <a:srgbClr val="000000"/>
+                </a:solidFill>
+                <a:latin typeface="Courier New" panose="02070309020205020404" pitchFamily="49" charset="0"/>
+                <a:cs typeface="Courier New" panose="02070309020205020404" pitchFamily="49" charset="0"/>
+              </a:rPr>
+              <a:t>	</a:t>
+            </a:r>
+            <a:r>
+              <a:rPr kumimoji="0" lang="ru-RU" altLang="ru-RU" sz="1200" b="0" i="0" u="none" strike="noStrike" cap="none" normalizeH="0" baseline="0" dirty="0" smtClean="0">
+                <a:ln>
+                  <a:noFill/>
+                </a:ln>
+                <a:solidFill>
+                  <a:srgbClr val="0000FF"/>
+                </a:solidFill>
+                <a:effectLst/>
+                <a:latin typeface="Courier New" panose="02070309020205020404" pitchFamily="49" charset="0"/>
+                <a:cs typeface="Courier New" panose="02070309020205020404" pitchFamily="49" charset="0"/>
+              </a:rPr>
+              <a:t>if</a:t>
+            </a:r>
+            <a:r>
+              <a:rPr kumimoji="0" lang="ru-RU" altLang="ru-RU" sz="1200" b="0" i="0" u="none" strike="noStrike" cap="none" normalizeH="0" baseline="0" dirty="0" smtClean="0">
+                <a:ln>
+                  <a:noFill/>
+                </a:ln>
+                <a:solidFill>
+                  <a:srgbClr val="000000"/>
+                </a:solidFill>
+                <a:effectLst/>
+                <a:latin typeface="Courier New" panose="02070309020205020404" pitchFamily="49" charset="0"/>
+                <a:cs typeface="Courier New" panose="02070309020205020404" pitchFamily="49" charset="0"/>
+              </a:rPr>
+              <a:t> (di.IsReady)</a:t>
+            </a:r>
+            <a:endParaRPr kumimoji="0" lang="en-US" altLang="ru-RU" sz="1200" b="0" i="0" u="none" strike="noStrike" cap="none" normalizeH="0" baseline="0" dirty="0" smtClean="0">
+              <a:ln>
+                <a:noFill/>
+              </a:ln>
+              <a:solidFill>
+                <a:srgbClr val="000000"/>
+              </a:solidFill>
+              <a:effectLst/>
+              <a:latin typeface="Courier New" panose="02070309020205020404" pitchFamily="49" charset="0"/>
+              <a:cs typeface="Courier New" panose="02070309020205020404" pitchFamily="49" charset="0"/>
+            </a:endParaRPr>
+          </a:p>
+          <a:p>
+            <a:pPr marL="0" marR="0" lvl="0" indent="0" algn="l" defTabSz="914400" rtl="0" eaLnBrk="1" fontAlgn="base" latinLnBrk="0" hangingPunct="1">
+              <a:lnSpc>
+                <a:spcPct val="100000"/>
+              </a:lnSpc>
+              <a:spcBef>
+                <a:spcPct val="0"/>
+              </a:spcBef>
+              <a:spcAft>
+                <a:spcPct val="0"/>
+              </a:spcAft>
+              <a:buClrTx/>
+              <a:buSzTx/>
+              <a:buFontTx/>
+              <a:buNone/>
+              <a:tabLst/>
+            </a:pPr>
+            <a:r>
+              <a:rPr lang="en-US" altLang="ru-RU" sz="1200" dirty="0">
+                <a:solidFill>
+                  <a:srgbClr val="000000"/>
+                </a:solidFill>
+                <a:latin typeface="Courier New" panose="02070309020205020404" pitchFamily="49" charset="0"/>
+                <a:cs typeface="Courier New" panose="02070309020205020404" pitchFamily="49" charset="0"/>
+              </a:rPr>
+              <a:t>	</a:t>
+            </a:r>
+            <a:r>
+              <a:rPr kumimoji="0" lang="ru-RU" altLang="ru-RU" sz="1200" b="0" i="0" u="none" strike="noStrike" cap="none" normalizeH="0" baseline="0" dirty="0" smtClean="0">
+                <a:ln>
+                  <a:noFill/>
+                </a:ln>
+                <a:solidFill>
+                  <a:srgbClr val="000000"/>
+                </a:solidFill>
+                <a:effectLst/>
+                <a:latin typeface="Courier New" panose="02070309020205020404" pitchFamily="49" charset="0"/>
+                <a:cs typeface="Courier New" panose="02070309020205020404" pitchFamily="49" charset="0"/>
+              </a:rPr>
+              <a:t>{</a:t>
+            </a:r>
+            <a:endParaRPr kumimoji="0" lang="en-US" altLang="ru-RU" sz="1200" b="0" i="0" u="none" strike="noStrike" cap="none" normalizeH="0" baseline="0" dirty="0" smtClean="0">
+              <a:ln>
+                <a:noFill/>
+              </a:ln>
+              <a:solidFill>
+                <a:srgbClr val="000000"/>
+              </a:solidFill>
+              <a:effectLst/>
+              <a:latin typeface="Courier New" panose="02070309020205020404" pitchFamily="49" charset="0"/>
+              <a:cs typeface="Courier New" panose="02070309020205020404" pitchFamily="49" charset="0"/>
+            </a:endParaRPr>
+          </a:p>
+          <a:p>
+            <a:pPr marL="0" marR="0" lvl="0" indent="0" algn="l" defTabSz="914400" rtl="0" eaLnBrk="1" fontAlgn="base" latinLnBrk="0" hangingPunct="1">
+              <a:lnSpc>
+                <a:spcPct val="100000"/>
+              </a:lnSpc>
+              <a:spcBef>
+                <a:spcPct val="0"/>
+              </a:spcBef>
+              <a:spcAft>
+                <a:spcPct val="0"/>
+              </a:spcAft>
+              <a:buClrTx/>
+              <a:buSzTx/>
+              <a:buFontTx/>
+              <a:buNone/>
+              <a:tabLst/>
+            </a:pPr>
+            <a:r>
+              <a:rPr lang="en-US" altLang="ru-RU" sz="1200" dirty="0">
+                <a:solidFill>
+                  <a:srgbClr val="000000"/>
+                </a:solidFill>
+                <a:latin typeface="Courier New" panose="02070309020205020404" pitchFamily="49" charset="0"/>
+                <a:cs typeface="Courier New" panose="02070309020205020404" pitchFamily="49" charset="0"/>
+              </a:rPr>
+              <a:t>	</a:t>
+            </a:r>
+            <a:r>
+              <a:rPr lang="en-US" altLang="ru-RU" sz="1200" dirty="0" smtClean="0">
+                <a:solidFill>
+                  <a:srgbClr val="000000"/>
+                </a:solidFill>
+                <a:latin typeface="Courier New" panose="02070309020205020404" pitchFamily="49" charset="0"/>
+                <a:cs typeface="Courier New" panose="02070309020205020404" pitchFamily="49" charset="0"/>
+              </a:rPr>
+              <a:t>	</a:t>
+            </a:r>
+            <a:r>
+              <a:rPr kumimoji="0" lang="ru-RU" altLang="ru-RU" sz="1200" b="0" i="0" u="none" strike="noStrike" cap="none" normalizeH="0" baseline="0" dirty="0" smtClean="0">
+                <a:ln>
+                  <a:noFill/>
+                </a:ln>
+                <a:solidFill>
+                  <a:srgbClr val="2B91AF"/>
+                </a:solidFill>
+                <a:effectLst/>
+                <a:latin typeface="Courier New" panose="02070309020205020404" pitchFamily="49" charset="0"/>
+                <a:cs typeface="Courier New" panose="02070309020205020404" pitchFamily="49" charset="0"/>
+              </a:rPr>
+              <a:t>Console</a:t>
+            </a:r>
+            <a:r>
+              <a:rPr kumimoji="0" lang="ru-RU" altLang="ru-RU" sz="1200" b="0" i="0" u="none" strike="noStrike" cap="none" normalizeH="0" baseline="0" dirty="0" smtClean="0">
+                <a:ln>
+                  <a:noFill/>
+                </a:ln>
+                <a:solidFill>
+                  <a:srgbClr val="000000"/>
+                </a:solidFill>
+                <a:effectLst/>
+                <a:latin typeface="Courier New" panose="02070309020205020404" pitchFamily="49" charset="0"/>
+                <a:cs typeface="Courier New" panose="02070309020205020404" pitchFamily="49" charset="0"/>
+              </a:rPr>
+              <a:t>.WriteLine(</a:t>
+            </a:r>
+            <a:r>
+              <a:rPr kumimoji="0" lang="ru-RU" altLang="ru-RU" sz="1200" b="0" i="0" u="none" strike="noStrike" cap="none" normalizeH="0" baseline="0" dirty="0" smtClean="0">
+                <a:ln>
+                  <a:noFill/>
+                </a:ln>
+                <a:solidFill>
+                  <a:srgbClr val="A31515"/>
+                </a:solidFill>
+                <a:effectLst/>
+                <a:latin typeface="Courier New" panose="02070309020205020404" pitchFamily="49" charset="0"/>
+                <a:cs typeface="Courier New" panose="02070309020205020404" pitchFamily="49" charset="0"/>
+              </a:rPr>
+              <a:t>"Format    : {0}"</a:t>
+            </a:r>
+            <a:r>
+              <a:rPr kumimoji="0" lang="ru-RU" altLang="ru-RU" sz="1200" b="0" i="0" u="none" strike="noStrike" cap="none" normalizeH="0" baseline="0" dirty="0" smtClean="0">
+                <a:ln>
+                  <a:noFill/>
+                </a:ln>
+                <a:solidFill>
+                  <a:srgbClr val="000000"/>
+                </a:solidFill>
+                <a:effectLst/>
+                <a:latin typeface="Courier New" panose="02070309020205020404" pitchFamily="49" charset="0"/>
+                <a:cs typeface="Courier New" panose="02070309020205020404" pitchFamily="49" charset="0"/>
+              </a:rPr>
+              <a:t>, di.DriveFormat);</a:t>
+            </a:r>
+            <a:endParaRPr kumimoji="0" lang="en-US" altLang="ru-RU" sz="1200" b="0" i="0" u="none" strike="noStrike" cap="none" normalizeH="0" baseline="0" dirty="0" smtClean="0">
+              <a:ln>
+                <a:noFill/>
+              </a:ln>
+              <a:solidFill>
+                <a:srgbClr val="000000"/>
+              </a:solidFill>
+              <a:effectLst/>
+              <a:latin typeface="Courier New" panose="02070309020205020404" pitchFamily="49" charset="0"/>
+              <a:cs typeface="Courier New" panose="02070309020205020404" pitchFamily="49" charset="0"/>
+            </a:endParaRPr>
+          </a:p>
+          <a:p>
+            <a:pPr marL="0" marR="0" lvl="0" indent="0" algn="l" defTabSz="914400" rtl="0" eaLnBrk="1" fontAlgn="base" latinLnBrk="0" hangingPunct="1">
+              <a:lnSpc>
+                <a:spcPct val="100000"/>
+              </a:lnSpc>
+              <a:spcBef>
+                <a:spcPct val="0"/>
+              </a:spcBef>
+              <a:spcAft>
+                <a:spcPct val="0"/>
+              </a:spcAft>
+              <a:buClrTx/>
+              <a:buSzTx/>
+              <a:buFontTx/>
+              <a:buNone/>
+              <a:tabLst/>
+            </a:pPr>
+            <a:r>
+              <a:rPr kumimoji="0" lang="en-US" altLang="ru-RU" sz="1200" b="0" i="0" u="none" strike="noStrike" cap="none" normalizeH="0" baseline="0" dirty="0" smtClean="0">
+                <a:ln>
+                  <a:noFill/>
+                </a:ln>
+                <a:solidFill>
+                  <a:srgbClr val="2B91AF"/>
+                </a:solidFill>
+                <a:effectLst/>
+                <a:latin typeface="Courier New" panose="02070309020205020404" pitchFamily="49" charset="0"/>
+                <a:cs typeface="Courier New" panose="02070309020205020404" pitchFamily="49" charset="0"/>
+              </a:rPr>
+              <a:t>		</a:t>
+            </a:r>
+            <a:r>
+              <a:rPr kumimoji="0" lang="ru-RU" altLang="ru-RU" sz="1200" b="0" i="0" u="none" strike="noStrike" cap="none" normalizeH="0" baseline="0" dirty="0" smtClean="0">
+                <a:ln>
+                  <a:noFill/>
+                </a:ln>
+                <a:solidFill>
+                  <a:srgbClr val="2B91AF"/>
+                </a:solidFill>
+                <a:effectLst/>
+                <a:latin typeface="Courier New" panose="02070309020205020404" pitchFamily="49" charset="0"/>
+                <a:cs typeface="Courier New" panose="02070309020205020404" pitchFamily="49" charset="0"/>
+              </a:rPr>
+              <a:t>Console</a:t>
+            </a:r>
+            <a:r>
+              <a:rPr kumimoji="0" lang="ru-RU" altLang="ru-RU" sz="1200" b="0" i="0" u="none" strike="noStrike" cap="none" normalizeH="0" baseline="0" dirty="0" smtClean="0">
+                <a:ln>
+                  <a:noFill/>
+                </a:ln>
+                <a:solidFill>
+                  <a:srgbClr val="000000"/>
+                </a:solidFill>
+                <a:effectLst/>
+                <a:latin typeface="Courier New" panose="02070309020205020404" pitchFamily="49" charset="0"/>
+                <a:cs typeface="Courier New" panose="02070309020205020404" pitchFamily="49" charset="0"/>
+              </a:rPr>
+              <a:t>.WriteLine(</a:t>
+            </a:r>
+            <a:r>
+              <a:rPr kumimoji="0" lang="ru-RU" altLang="ru-RU" sz="1200" b="0" i="0" u="none" strike="noStrike" cap="none" normalizeH="0" baseline="0" dirty="0" smtClean="0">
+                <a:ln>
+                  <a:noFill/>
+                </a:ln>
+                <a:solidFill>
+                  <a:srgbClr val="A31515"/>
+                </a:solidFill>
+                <a:effectLst/>
+                <a:latin typeface="Courier New" panose="02070309020205020404" pitchFamily="49" charset="0"/>
+                <a:cs typeface="Courier New" panose="02070309020205020404" pitchFamily="49" charset="0"/>
+              </a:rPr>
+              <a:t>"Ready     : {0}"</a:t>
+            </a:r>
+            <a:r>
+              <a:rPr kumimoji="0" lang="ru-RU" altLang="ru-RU" sz="1200" b="0" i="0" u="none" strike="noStrike" cap="none" normalizeH="0" baseline="0" dirty="0" smtClean="0">
+                <a:ln>
+                  <a:noFill/>
+                </a:ln>
+                <a:solidFill>
+                  <a:srgbClr val="000000"/>
+                </a:solidFill>
+                <a:effectLst/>
+                <a:latin typeface="Courier New" panose="02070309020205020404" pitchFamily="49" charset="0"/>
+                <a:cs typeface="Courier New" panose="02070309020205020404" pitchFamily="49" charset="0"/>
+              </a:rPr>
+              <a:t>, di.IsReady);</a:t>
+            </a:r>
+            <a:endParaRPr kumimoji="0" lang="en-US" altLang="ru-RU" sz="1200" b="0" i="0" u="none" strike="noStrike" cap="none" normalizeH="0" baseline="0" dirty="0" smtClean="0">
+              <a:ln>
+                <a:noFill/>
+              </a:ln>
+              <a:solidFill>
+                <a:srgbClr val="000000"/>
+              </a:solidFill>
+              <a:effectLst/>
+              <a:latin typeface="Courier New" panose="02070309020205020404" pitchFamily="49" charset="0"/>
+              <a:cs typeface="Courier New" panose="02070309020205020404" pitchFamily="49" charset="0"/>
+            </a:endParaRPr>
+          </a:p>
+          <a:p>
+            <a:pPr marL="0" marR="0" lvl="0" indent="0" algn="l" defTabSz="914400" rtl="0" eaLnBrk="1" fontAlgn="base" latinLnBrk="0" hangingPunct="1">
+              <a:lnSpc>
+                <a:spcPct val="100000"/>
+              </a:lnSpc>
+              <a:spcBef>
+                <a:spcPct val="0"/>
+              </a:spcBef>
+              <a:spcAft>
+                <a:spcPct val="0"/>
+              </a:spcAft>
+              <a:buClrTx/>
+              <a:buSzTx/>
+              <a:buFontTx/>
+              <a:buNone/>
+              <a:tabLst/>
+            </a:pPr>
+            <a:r>
+              <a:rPr kumimoji="0" lang="en-US" altLang="ru-RU" sz="1200" b="0" i="0" u="none" strike="noStrike" cap="none" normalizeH="0" baseline="0" dirty="0" smtClean="0">
+                <a:ln>
+                  <a:noFill/>
+                </a:ln>
+                <a:solidFill>
+                  <a:srgbClr val="2B91AF"/>
+                </a:solidFill>
+                <a:effectLst/>
+                <a:latin typeface="Courier New" panose="02070309020205020404" pitchFamily="49" charset="0"/>
+                <a:cs typeface="Courier New" panose="02070309020205020404" pitchFamily="49" charset="0"/>
+              </a:rPr>
+              <a:t>		</a:t>
+            </a:r>
+            <a:r>
+              <a:rPr kumimoji="0" lang="ru-RU" altLang="ru-RU" sz="1200" b="0" i="0" u="none" strike="noStrike" cap="none" normalizeH="0" baseline="0" dirty="0" smtClean="0">
+                <a:ln>
+                  <a:noFill/>
+                </a:ln>
+                <a:solidFill>
+                  <a:srgbClr val="2B91AF"/>
+                </a:solidFill>
+                <a:effectLst/>
+                <a:latin typeface="Courier New" panose="02070309020205020404" pitchFamily="49" charset="0"/>
+                <a:cs typeface="Courier New" panose="02070309020205020404" pitchFamily="49" charset="0"/>
+              </a:rPr>
+              <a:t>Console</a:t>
+            </a:r>
+            <a:r>
+              <a:rPr kumimoji="0" lang="ru-RU" altLang="ru-RU" sz="1200" b="0" i="0" u="none" strike="noStrike" cap="none" normalizeH="0" baseline="0" dirty="0" smtClean="0">
+                <a:ln>
+                  <a:noFill/>
+                </a:ln>
+                <a:solidFill>
+                  <a:srgbClr val="000000"/>
+                </a:solidFill>
+                <a:effectLst/>
+                <a:latin typeface="Courier New" panose="02070309020205020404" pitchFamily="49" charset="0"/>
+                <a:cs typeface="Courier New" panose="02070309020205020404" pitchFamily="49" charset="0"/>
+              </a:rPr>
+              <a:t>.WriteLine(</a:t>
+            </a:r>
+            <a:r>
+              <a:rPr kumimoji="0" lang="ru-RU" altLang="ru-RU" sz="1200" b="0" i="0" u="none" strike="noStrike" cap="none" normalizeH="0" baseline="0" dirty="0" smtClean="0">
+                <a:ln>
+                  <a:noFill/>
+                </a:ln>
+                <a:solidFill>
+                  <a:srgbClr val="A31515"/>
+                </a:solidFill>
+                <a:effectLst/>
+                <a:latin typeface="Courier New" panose="02070309020205020404" pitchFamily="49" charset="0"/>
+                <a:cs typeface="Courier New" panose="02070309020205020404" pitchFamily="49" charset="0"/>
+              </a:rPr>
+              <a:t>"Root      : {0}"</a:t>
+            </a:r>
+            <a:r>
+              <a:rPr kumimoji="0" lang="ru-RU" altLang="ru-RU" sz="1200" b="0" i="0" u="none" strike="noStrike" cap="none" normalizeH="0" baseline="0" dirty="0" smtClean="0">
+                <a:ln>
+                  <a:noFill/>
+                </a:ln>
+                <a:solidFill>
+                  <a:srgbClr val="000000"/>
+                </a:solidFill>
+                <a:effectLst/>
+                <a:latin typeface="Courier New" panose="02070309020205020404" pitchFamily="49" charset="0"/>
+                <a:cs typeface="Courier New" panose="02070309020205020404" pitchFamily="49" charset="0"/>
+              </a:rPr>
+              <a:t>, di.RootDirectory);</a:t>
+            </a:r>
+            <a:endParaRPr kumimoji="0" lang="en-US" altLang="ru-RU" sz="1200" b="0" i="0" u="none" strike="noStrike" cap="none" normalizeH="0" baseline="0" dirty="0" smtClean="0">
+              <a:ln>
+                <a:noFill/>
+              </a:ln>
+              <a:solidFill>
+                <a:srgbClr val="000000"/>
+              </a:solidFill>
+              <a:effectLst/>
+              <a:latin typeface="Courier New" panose="02070309020205020404" pitchFamily="49" charset="0"/>
+              <a:cs typeface="Courier New" panose="02070309020205020404" pitchFamily="49" charset="0"/>
+            </a:endParaRPr>
+          </a:p>
+          <a:p>
+            <a:pPr marL="0" marR="0" lvl="0" indent="0" algn="l" defTabSz="914400" rtl="0" eaLnBrk="1" fontAlgn="base" latinLnBrk="0" hangingPunct="1">
+              <a:lnSpc>
+                <a:spcPct val="100000"/>
+              </a:lnSpc>
+              <a:spcBef>
+                <a:spcPct val="0"/>
+              </a:spcBef>
+              <a:spcAft>
+                <a:spcPct val="0"/>
+              </a:spcAft>
+              <a:buClrTx/>
+              <a:buSzTx/>
+              <a:buFontTx/>
+              <a:buNone/>
+              <a:tabLst/>
+            </a:pPr>
+            <a:r>
+              <a:rPr kumimoji="0" lang="en-US" altLang="ru-RU" sz="1200" b="0" i="0" u="none" strike="noStrike" cap="none" normalizeH="0" baseline="0" dirty="0" smtClean="0">
+                <a:ln>
+                  <a:noFill/>
+                </a:ln>
+                <a:solidFill>
+                  <a:srgbClr val="2B91AF"/>
+                </a:solidFill>
+                <a:effectLst/>
+                <a:latin typeface="Courier New" panose="02070309020205020404" pitchFamily="49" charset="0"/>
+                <a:cs typeface="Courier New" panose="02070309020205020404" pitchFamily="49" charset="0"/>
+              </a:rPr>
+              <a:t>		</a:t>
+            </a:r>
+            <a:r>
+              <a:rPr kumimoji="0" lang="ru-RU" altLang="ru-RU" sz="1200" b="0" i="0" u="none" strike="noStrike" cap="none" normalizeH="0" baseline="0" dirty="0" smtClean="0">
+                <a:ln>
+                  <a:noFill/>
+                </a:ln>
+                <a:solidFill>
+                  <a:srgbClr val="2B91AF"/>
+                </a:solidFill>
+                <a:effectLst/>
+                <a:latin typeface="Courier New" panose="02070309020205020404" pitchFamily="49" charset="0"/>
+                <a:cs typeface="Courier New" panose="02070309020205020404" pitchFamily="49" charset="0"/>
+              </a:rPr>
+              <a:t>Console</a:t>
+            </a:r>
+            <a:r>
+              <a:rPr kumimoji="0" lang="ru-RU" altLang="ru-RU" sz="1200" b="0" i="0" u="none" strike="noStrike" cap="none" normalizeH="0" baseline="0" dirty="0" smtClean="0">
+                <a:ln>
+                  <a:noFill/>
+                </a:ln>
+                <a:solidFill>
+                  <a:srgbClr val="000000"/>
+                </a:solidFill>
+                <a:effectLst/>
+                <a:latin typeface="Courier New" panose="02070309020205020404" pitchFamily="49" charset="0"/>
+                <a:cs typeface="Courier New" panose="02070309020205020404" pitchFamily="49" charset="0"/>
+              </a:rPr>
+              <a:t>.WriteLine(</a:t>
+            </a:r>
+            <a:r>
+              <a:rPr kumimoji="0" lang="ru-RU" altLang="ru-RU" sz="1200" b="0" i="0" u="none" strike="noStrike" cap="none" normalizeH="0" baseline="0" dirty="0" smtClean="0">
+                <a:ln>
+                  <a:noFill/>
+                </a:ln>
+                <a:solidFill>
+                  <a:srgbClr val="A31515"/>
+                </a:solidFill>
+                <a:effectLst/>
+                <a:latin typeface="Courier New" panose="02070309020205020404" pitchFamily="49" charset="0"/>
+                <a:cs typeface="Courier New" panose="02070309020205020404" pitchFamily="49" charset="0"/>
+              </a:rPr>
+              <a:t>"Free space: {0:N0} bytes"</a:t>
+            </a:r>
+            <a:r>
+              <a:rPr kumimoji="0" lang="ru-RU" altLang="ru-RU" sz="1200" b="0" i="0" u="none" strike="noStrike" cap="none" normalizeH="0" baseline="0" dirty="0" smtClean="0">
+                <a:ln>
+                  <a:noFill/>
+                </a:ln>
+                <a:solidFill>
+                  <a:srgbClr val="000000"/>
+                </a:solidFill>
+                <a:effectLst/>
+                <a:latin typeface="Courier New" panose="02070309020205020404" pitchFamily="49" charset="0"/>
+                <a:cs typeface="Courier New" panose="02070309020205020404" pitchFamily="49" charset="0"/>
+              </a:rPr>
+              <a:t>, di.TotalFreeSpace);</a:t>
+            </a:r>
+            <a:endParaRPr kumimoji="0" lang="en-US" altLang="ru-RU" sz="1200" b="0" i="0" u="none" strike="noStrike" cap="none" normalizeH="0" baseline="0" dirty="0" smtClean="0">
+              <a:ln>
+                <a:noFill/>
+              </a:ln>
+              <a:solidFill>
+                <a:srgbClr val="000000"/>
+              </a:solidFill>
+              <a:effectLst/>
+              <a:latin typeface="Courier New" panose="02070309020205020404" pitchFamily="49" charset="0"/>
+              <a:cs typeface="Courier New" panose="02070309020205020404" pitchFamily="49" charset="0"/>
+            </a:endParaRPr>
+          </a:p>
+          <a:p>
+            <a:pPr marL="0" marR="0" lvl="0" indent="0" algn="l" defTabSz="914400" rtl="0" eaLnBrk="1" fontAlgn="base" latinLnBrk="0" hangingPunct="1">
+              <a:lnSpc>
+                <a:spcPct val="100000"/>
+              </a:lnSpc>
+              <a:spcBef>
+                <a:spcPct val="0"/>
+              </a:spcBef>
+              <a:spcAft>
+                <a:spcPct val="0"/>
+              </a:spcAft>
+              <a:buClrTx/>
+              <a:buSzTx/>
+              <a:buFontTx/>
+              <a:buNone/>
+              <a:tabLst/>
+            </a:pPr>
+            <a:r>
+              <a:rPr kumimoji="0" lang="en-US" altLang="ru-RU" sz="1200" b="0" i="0" u="none" strike="noStrike" cap="none" normalizeH="0" baseline="0" dirty="0" smtClean="0">
+                <a:ln>
+                  <a:noFill/>
+                </a:ln>
+                <a:solidFill>
+                  <a:srgbClr val="2B91AF"/>
+                </a:solidFill>
+                <a:effectLst/>
+                <a:latin typeface="Courier New" panose="02070309020205020404" pitchFamily="49" charset="0"/>
+                <a:cs typeface="Courier New" panose="02070309020205020404" pitchFamily="49" charset="0"/>
+              </a:rPr>
+              <a:t>		</a:t>
+            </a:r>
+            <a:r>
+              <a:rPr kumimoji="0" lang="ru-RU" altLang="ru-RU" sz="1200" b="0" i="0" u="none" strike="noStrike" cap="none" normalizeH="0" baseline="0" dirty="0" smtClean="0">
+                <a:ln>
+                  <a:noFill/>
+                </a:ln>
+                <a:solidFill>
+                  <a:srgbClr val="2B91AF"/>
+                </a:solidFill>
+                <a:effectLst/>
+                <a:latin typeface="Courier New" panose="02070309020205020404" pitchFamily="49" charset="0"/>
+                <a:cs typeface="Courier New" panose="02070309020205020404" pitchFamily="49" charset="0"/>
+              </a:rPr>
+              <a:t>Console</a:t>
+            </a:r>
+            <a:r>
+              <a:rPr kumimoji="0" lang="ru-RU" altLang="ru-RU" sz="1200" b="0" i="0" u="none" strike="noStrike" cap="none" normalizeH="0" baseline="0" dirty="0" smtClean="0">
+                <a:ln>
+                  <a:noFill/>
+                </a:ln>
+                <a:solidFill>
+                  <a:srgbClr val="000000"/>
+                </a:solidFill>
+                <a:effectLst/>
+                <a:latin typeface="Courier New" panose="02070309020205020404" pitchFamily="49" charset="0"/>
+                <a:cs typeface="Courier New" panose="02070309020205020404" pitchFamily="49" charset="0"/>
+              </a:rPr>
+              <a:t>.WriteLine(</a:t>
+            </a:r>
+            <a:r>
+              <a:rPr kumimoji="0" lang="ru-RU" altLang="ru-RU" sz="1200" b="0" i="0" u="none" strike="noStrike" cap="none" normalizeH="0" baseline="0" dirty="0" smtClean="0">
+                <a:ln>
+                  <a:noFill/>
+                </a:ln>
+                <a:solidFill>
+                  <a:srgbClr val="A31515"/>
+                </a:solidFill>
+                <a:effectLst/>
+                <a:latin typeface="Courier New" panose="02070309020205020404" pitchFamily="49" charset="0"/>
+                <a:cs typeface="Courier New" panose="02070309020205020404" pitchFamily="49" charset="0"/>
+              </a:rPr>
+              <a:t>"Size      : {0:N0} bytes"</a:t>
+            </a:r>
+            <a:r>
+              <a:rPr kumimoji="0" lang="ru-RU" altLang="ru-RU" sz="1200" b="0" i="0" u="none" strike="noStrike" cap="none" normalizeH="0" baseline="0" dirty="0" smtClean="0">
+                <a:ln>
+                  <a:noFill/>
+                </a:ln>
+                <a:solidFill>
+                  <a:srgbClr val="000000"/>
+                </a:solidFill>
+                <a:effectLst/>
+                <a:latin typeface="Courier New" panose="02070309020205020404" pitchFamily="49" charset="0"/>
+                <a:cs typeface="Courier New" panose="02070309020205020404" pitchFamily="49" charset="0"/>
+              </a:rPr>
+              <a:t>, di.TotalSize);</a:t>
+            </a:r>
+            <a:endParaRPr kumimoji="0" lang="en-US" altLang="ru-RU" sz="1200" b="0" i="0" u="none" strike="noStrike" cap="none" normalizeH="0" baseline="0" dirty="0" smtClean="0">
+              <a:ln>
+                <a:noFill/>
+              </a:ln>
+              <a:solidFill>
+                <a:srgbClr val="000000"/>
+              </a:solidFill>
+              <a:effectLst/>
+              <a:latin typeface="Courier New" panose="02070309020205020404" pitchFamily="49" charset="0"/>
+              <a:cs typeface="Courier New" panose="02070309020205020404" pitchFamily="49" charset="0"/>
+            </a:endParaRPr>
+          </a:p>
+          <a:p>
+            <a:pPr marL="0" marR="0" lvl="0" indent="0" algn="l" defTabSz="914400" rtl="0" eaLnBrk="1" fontAlgn="base" latinLnBrk="0" hangingPunct="1">
+              <a:lnSpc>
+                <a:spcPct val="100000"/>
+              </a:lnSpc>
+              <a:spcBef>
+                <a:spcPct val="0"/>
+              </a:spcBef>
+              <a:spcAft>
+                <a:spcPct val="0"/>
+              </a:spcAft>
+              <a:buClrTx/>
+              <a:buSzTx/>
+              <a:buFontTx/>
+              <a:buNone/>
+              <a:tabLst/>
+            </a:pPr>
+            <a:r>
+              <a:rPr kumimoji="0" lang="en-US" altLang="ru-RU" sz="1200" b="0" i="0" u="none" strike="noStrike" cap="none" normalizeH="0" baseline="0" dirty="0" smtClean="0">
+                <a:ln>
+                  <a:noFill/>
+                </a:ln>
+                <a:solidFill>
+                  <a:srgbClr val="2B91AF"/>
+                </a:solidFill>
+                <a:effectLst/>
+                <a:latin typeface="Courier New" panose="02070309020205020404" pitchFamily="49" charset="0"/>
+                <a:cs typeface="Courier New" panose="02070309020205020404" pitchFamily="49" charset="0"/>
+              </a:rPr>
+              <a:t>		</a:t>
+            </a:r>
+            <a:r>
+              <a:rPr kumimoji="0" lang="ru-RU" altLang="ru-RU" sz="1200" b="0" i="0" u="none" strike="noStrike" cap="none" normalizeH="0" baseline="0" dirty="0" smtClean="0">
+                <a:ln>
+                  <a:noFill/>
+                </a:ln>
+                <a:solidFill>
+                  <a:srgbClr val="2B91AF"/>
+                </a:solidFill>
+                <a:effectLst/>
+                <a:latin typeface="Courier New" panose="02070309020205020404" pitchFamily="49" charset="0"/>
+                <a:cs typeface="Courier New" panose="02070309020205020404" pitchFamily="49" charset="0"/>
+              </a:rPr>
+              <a:t>Console</a:t>
+            </a:r>
+            <a:r>
+              <a:rPr kumimoji="0" lang="ru-RU" altLang="ru-RU" sz="1200" b="0" i="0" u="none" strike="noStrike" cap="none" normalizeH="0" baseline="0" dirty="0" smtClean="0">
+                <a:ln>
+                  <a:noFill/>
+                </a:ln>
+                <a:solidFill>
+                  <a:srgbClr val="000000"/>
+                </a:solidFill>
+                <a:effectLst/>
+                <a:latin typeface="Courier New" panose="02070309020205020404" pitchFamily="49" charset="0"/>
+                <a:cs typeface="Courier New" panose="02070309020205020404" pitchFamily="49" charset="0"/>
+              </a:rPr>
+              <a:t>.WriteLine(</a:t>
+            </a:r>
+            <a:r>
+              <a:rPr kumimoji="0" lang="ru-RU" altLang="ru-RU" sz="1200" b="0" i="0" u="none" strike="noStrike" cap="none" normalizeH="0" baseline="0" dirty="0" smtClean="0">
+                <a:ln>
+                  <a:noFill/>
+                </a:ln>
+                <a:solidFill>
+                  <a:srgbClr val="A31515"/>
+                </a:solidFill>
+                <a:effectLst/>
+                <a:latin typeface="Courier New" panose="02070309020205020404" pitchFamily="49" charset="0"/>
+                <a:cs typeface="Courier New" panose="02070309020205020404" pitchFamily="49" charset="0"/>
+              </a:rPr>
+              <a:t>"Label     : {0}"</a:t>
+            </a:r>
+            <a:r>
+              <a:rPr kumimoji="0" lang="ru-RU" altLang="ru-RU" sz="1200" b="0" i="0" u="none" strike="noStrike" cap="none" normalizeH="0" baseline="0" dirty="0" smtClean="0">
+                <a:ln>
+                  <a:noFill/>
+                </a:ln>
+                <a:solidFill>
+                  <a:srgbClr val="000000"/>
+                </a:solidFill>
+                <a:effectLst/>
+                <a:latin typeface="Courier New" panose="02070309020205020404" pitchFamily="49" charset="0"/>
+                <a:cs typeface="Courier New" panose="02070309020205020404" pitchFamily="49" charset="0"/>
+              </a:rPr>
+              <a:t>, di.VolumeLabel);</a:t>
+            </a:r>
+            <a:endParaRPr kumimoji="0" lang="en-US" altLang="ru-RU" sz="1200" b="0" i="0" u="none" strike="noStrike" cap="none" normalizeH="0" baseline="0" dirty="0" smtClean="0">
+              <a:ln>
+                <a:noFill/>
+              </a:ln>
+              <a:solidFill>
+                <a:srgbClr val="000000"/>
+              </a:solidFill>
+              <a:effectLst/>
+              <a:latin typeface="Courier New" panose="02070309020205020404" pitchFamily="49" charset="0"/>
+              <a:cs typeface="Courier New" panose="02070309020205020404" pitchFamily="49" charset="0"/>
+            </a:endParaRPr>
+          </a:p>
+          <a:p>
+            <a:pPr marL="0" marR="0" lvl="0" indent="0" algn="l" defTabSz="914400" rtl="0" eaLnBrk="1" fontAlgn="base" latinLnBrk="0" hangingPunct="1">
+              <a:lnSpc>
+                <a:spcPct val="100000"/>
+              </a:lnSpc>
+              <a:spcBef>
+                <a:spcPct val="0"/>
+              </a:spcBef>
+              <a:spcAft>
+                <a:spcPct val="0"/>
+              </a:spcAft>
+              <a:buClrTx/>
+              <a:buSzTx/>
+              <a:buFontTx/>
+              <a:buNone/>
+              <a:tabLst/>
+            </a:pPr>
+            <a:r>
+              <a:rPr lang="en-US" altLang="ru-RU" sz="1200" dirty="0">
+                <a:solidFill>
+                  <a:srgbClr val="000000"/>
+                </a:solidFill>
+                <a:latin typeface="Courier New" panose="02070309020205020404" pitchFamily="49" charset="0"/>
+                <a:cs typeface="Courier New" panose="02070309020205020404" pitchFamily="49" charset="0"/>
+              </a:rPr>
+              <a:t>	</a:t>
+            </a:r>
+            <a:r>
+              <a:rPr kumimoji="0" lang="ru-RU" altLang="ru-RU" sz="1200" b="0" i="0" u="none" strike="noStrike" cap="none" normalizeH="0" baseline="0" dirty="0" smtClean="0">
+                <a:ln>
+                  <a:noFill/>
+                </a:ln>
+                <a:solidFill>
+                  <a:srgbClr val="000000"/>
+                </a:solidFill>
+                <a:effectLst/>
+                <a:latin typeface="Courier New" panose="02070309020205020404" pitchFamily="49" charset="0"/>
+                <a:cs typeface="Courier New" panose="02070309020205020404" pitchFamily="49" charset="0"/>
+              </a:rPr>
+              <a:t>}</a:t>
+            </a:r>
+            <a:endParaRPr kumimoji="0" lang="en-US" altLang="ru-RU" sz="1200" b="0" i="0" u="none" strike="noStrike" cap="none" normalizeH="0" baseline="0" dirty="0" smtClean="0">
+              <a:ln>
+                <a:noFill/>
+              </a:ln>
+              <a:solidFill>
+                <a:srgbClr val="000000"/>
+              </a:solidFill>
+              <a:effectLst/>
+              <a:latin typeface="Courier New" panose="02070309020205020404" pitchFamily="49" charset="0"/>
+              <a:cs typeface="Courier New" panose="02070309020205020404" pitchFamily="49" charset="0"/>
+            </a:endParaRPr>
+          </a:p>
+          <a:p>
+            <a:pPr marL="0" marR="0" lvl="0" indent="0" algn="l" defTabSz="914400" rtl="0" eaLnBrk="1" fontAlgn="base" latinLnBrk="0" hangingPunct="1">
+              <a:lnSpc>
+                <a:spcPct val="100000"/>
+              </a:lnSpc>
+              <a:spcBef>
+                <a:spcPct val="0"/>
+              </a:spcBef>
+              <a:spcAft>
+                <a:spcPct val="0"/>
+              </a:spcAft>
+              <a:buClrTx/>
+              <a:buSzTx/>
+              <a:buFontTx/>
+              <a:buNone/>
+              <a:tabLst/>
+            </a:pPr>
+            <a:r>
+              <a:rPr kumimoji="0" lang="ru-RU" altLang="ru-RU" sz="1200" b="0" i="0" u="none" strike="noStrike" cap="none" normalizeH="0" baseline="0" dirty="0" smtClean="0">
+                <a:ln>
+                  <a:noFill/>
+                </a:ln>
+                <a:solidFill>
+                  <a:srgbClr val="000000"/>
+                </a:solidFill>
+                <a:effectLst/>
+                <a:latin typeface="Courier New" panose="02070309020205020404" pitchFamily="49" charset="0"/>
+                <a:cs typeface="Courier New" panose="02070309020205020404" pitchFamily="49" charset="0"/>
+              </a:rPr>
+              <a:t>}</a:t>
+            </a:r>
+            <a:endParaRPr kumimoji="0" lang="ru-RU" altLang="ru-RU" sz="1200" b="0" i="0" u="none" strike="noStrike" cap="none" normalizeH="0" baseline="0" dirty="0" smtClean="0">
+              <a:ln>
+                <a:noFill/>
+              </a:ln>
+              <a:solidFill>
+                <a:schemeClr val="tx1"/>
+              </a:solidFill>
+              <a:effectLst/>
+              <a:latin typeface="Courier New" panose="02070309020205020404" pitchFamily="49" charset="0"/>
+              <a:cs typeface="Courier New" panose="02070309020205020404" pitchFamily="49" charset="0"/>
             </a:endParaRPr>
           </a:p>
         </p:txBody>

--- a/Presentation/lesson-04-io.pptx
+++ b/Presentation/lesson-04-io.pptx
@@ -13327,21 +13327,22 @@
             </a:r>
             <a:r>
               <a:rPr lang="ru-RU" sz="1600" dirty="0"/>
-              <a:t>и папок можно применять класс </a:t>
-            </a:r>
-            <a:r>
-              <a:rPr lang="be-BY" sz="1600" dirty="0">
-                <a:solidFill>
-                  <a:srgbClr val="008080"/>
-                </a:solidFill>
-                <a:latin typeface="Courier New" pitchFamily="49" charset="0"/>
-                <a:ea typeface="Calibri" pitchFamily="34" charset="0"/>
-                <a:cs typeface="Courier New" pitchFamily="49" charset="0"/>
-              </a:rPr>
-              <a:t>Path</a:t>
-            </a:r>
-            <a:r>
-              <a:rPr lang="ru-RU" sz="1600" dirty="0"/>
+              <a:t>и папок можно применять </a:t>
+            </a:r>
+            <a:r>
+              <a:rPr lang="ru-RU" sz="1600" dirty="0" smtClean="0"/>
+              <a:t>клас</a:t>
+            </a:r>
+            <a:r>
+              <a:rPr lang="en-US" sz="1600" dirty="0" smtClean="0"/>
+              <a:t>c </a:t>
+            </a:r>
+            <a:r>
+              <a:rPr lang="en-US" sz="1600" dirty="0" err="1" smtClean="0"/>
+              <a:t>System.IO.Path</a:t>
+            </a:r>
+            <a:r>
+              <a:rPr lang="ru-RU" sz="1600" dirty="0" smtClean="0"/>
               <a:t>.</a:t>
             </a:r>
             <a:endParaRPr lang="be-BY" sz="1600" dirty="0">

--- a/Presentation/lesson-04-io.pptx
+++ b/Presentation/lesson-04-io.pptx
@@ -25,20 +25,21 @@
     <p:sldId id="283" r:id="rId19"/>
     <p:sldId id="263" r:id="rId20"/>
     <p:sldId id="295" r:id="rId21"/>
-    <p:sldId id="275" r:id="rId22"/>
-    <p:sldId id="264" r:id="rId23"/>
-    <p:sldId id="288" r:id="rId24"/>
-    <p:sldId id="289" r:id="rId25"/>
-    <p:sldId id="265" r:id="rId26"/>
-    <p:sldId id="266" r:id="rId27"/>
-    <p:sldId id="291" r:id="rId28"/>
-    <p:sldId id="267" r:id="rId29"/>
-    <p:sldId id="268" r:id="rId30"/>
-    <p:sldId id="287" r:id="rId31"/>
-    <p:sldId id="278" r:id="rId32"/>
-    <p:sldId id="279" r:id="rId33"/>
-    <p:sldId id="280" r:id="rId34"/>
-    <p:sldId id="271" r:id="rId35"/>
+    <p:sldId id="296" r:id="rId22"/>
+    <p:sldId id="275" r:id="rId23"/>
+    <p:sldId id="264" r:id="rId24"/>
+    <p:sldId id="288" r:id="rId25"/>
+    <p:sldId id="289" r:id="rId26"/>
+    <p:sldId id="265" r:id="rId27"/>
+    <p:sldId id="266" r:id="rId28"/>
+    <p:sldId id="291" r:id="rId29"/>
+    <p:sldId id="267" r:id="rId30"/>
+    <p:sldId id="268" r:id="rId31"/>
+    <p:sldId id="287" r:id="rId32"/>
+    <p:sldId id="278" r:id="rId33"/>
+    <p:sldId id="279" r:id="rId34"/>
+    <p:sldId id="280" r:id="rId35"/>
+    <p:sldId id="271" r:id="rId36"/>
   </p:sldIdLst>
   <p:sldSz cx="9144000" cy="6858000" type="screen4x3"/>
   <p:notesSz cx="6858000" cy="9144000"/>
@@ -322,7 +323,7 @@
             <a:fld id="{FAECF776-F836-4CCD-9497-99E5597B8B5D}" type="datetimeFigureOut">
               <a:rPr lang="en-US" smtClean="0"/>
               <a:pPr/>
-              <a:t>4/21/2014</a:t>
+              <a:t>6/2/2014</a:t>
             </a:fld>
             <a:endParaRPr lang="en-US"/>
           </a:p>
@@ -494,7 +495,7 @@
             <a:fld id="{FAECF776-F836-4CCD-9497-99E5597B8B5D}" type="datetimeFigureOut">
               <a:rPr lang="en-US" smtClean="0"/>
               <a:pPr/>
-              <a:t>4/21/2014</a:t>
+              <a:t>6/2/2014</a:t>
             </a:fld>
             <a:endParaRPr lang="en-US"/>
           </a:p>
@@ -676,7 +677,7 @@
             <a:fld id="{FAECF776-F836-4CCD-9497-99E5597B8B5D}" type="datetimeFigureOut">
               <a:rPr lang="en-US" smtClean="0"/>
               <a:pPr/>
-              <a:t>4/21/2014</a:t>
+              <a:t>6/2/2014</a:t>
             </a:fld>
             <a:endParaRPr lang="en-US"/>
           </a:p>
@@ -926,7 +927,7 @@
                 </a:solidFill>
               </a:rPr>
               <a:pPr/>
-              <a:t>4/21/2014</a:t>
+              <a:t>6/2/2014</a:t>
             </a:fld>
             <a:endParaRPr lang="en-US">
               <a:solidFill>
@@ -1128,7 +1129,7 @@
                 </a:solidFill>
               </a:rPr>
               <a:pPr/>
-              <a:t>4/21/2014</a:t>
+              <a:t>6/2/2014</a:t>
             </a:fld>
             <a:endParaRPr lang="en-US">
               <a:solidFill>
@@ -1406,7 +1407,7 @@
                 </a:solidFill>
               </a:rPr>
               <a:pPr/>
-              <a:t>4/21/2014</a:t>
+              <a:t>6/2/2014</a:t>
             </a:fld>
             <a:endParaRPr lang="en-US">
               <a:solidFill>
@@ -1726,7 +1727,7 @@
                 </a:solidFill>
               </a:rPr>
               <a:pPr/>
-              <a:t>4/21/2014</a:t>
+              <a:t>6/2/2014</a:t>
             </a:fld>
             <a:endParaRPr lang="en-US">
               <a:solidFill>
@@ -2180,7 +2181,7 @@
                 </a:solidFill>
               </a:rPr>
               <a:pPr/>
-              <a:t>4/21/2014</a:t>
+              <a:t>6/2/2014</a:t>
             </a:fld>
             <a:endParaRPr lang="en-US">
               <a:solidFill>
@@ -2330,7 +2331,7 @@
                 </a:solidFill>
               </a:rPr>
               <a:pPr/>
-              <a:t>4/21/2014</a:t>
+              <a:t>6/2/2014</a:t>
             </a:fld>
             <a:endParaRPr lang="en-US">
               <a:solidFill>
@@ -2457,7 +2458,7 @@
                 </a:solidFill>
               </a:rPr>
               <a:pPr/>
-              <a:t>4/21/2014</a:t>
+              <a:t>6/2/2014</a:t>
             </a:fld>
             <a:endParaRPr lang="en-US">
               <a:solidFill>
@@ -2766,7 +2767,7 @@
                 </a:solidFill>
               </a:rPr>
               <a:pPr/>
-              <a:t>4/21/2014</a:t>
+              <a:t>6/2/2014</a:t>
             </a:fld>
             <a:endParaRPr lang="en-US">
               <a:solidFill>
@@ -2962,7 +2963,7 @@
             <a:fld id="{FAECF776-F836-4CCD-9497-99E5597B8B5D}" type="datetimeFigureOut">
               <a:rPr lang="en-US" smtClean="0"/>
               <a:pPr/>
-              <a:t>4/21/2014</a:t>
+              <a:t>6/2/2014</a:t>
             </a:fld>
             <a:endParaRPr lang="en-US"/>
           </a:p>
@@ -3223,7 +3224,7 @@
                 </a:solidFill>
               </a:rPr>
               <a:pPr/>
-              <a:t>4/21/2014</a:t>
+              <a:t>6/2/2014</a:t>
             </a:fld>
             <a:endParaRPr lang="en-US">
               <a:solidFill>
@@ -3425,7 +3426,7 @@
                 </a:solidFill>
               </a:rPr>
               <a:pPr/>
-              <a:t>4/21/2014</a:t>
+              <a:t>6/2/2014</a:t>
             </a:fld>
             <a:endParaRPr lang="en-US">
               <a:solidFill>
@@ -3637,7 +3638,7 @@
                 </a:solidFill>
               </a:rPr>
               <a:pPr/>
-              <a:t>4/21/2014</a:t>
+              <a:t>6/2/2014</a:t>
             </a:fld>
             <a:endParaRPr lang="en-US">
               <a:solidFill>
@@ -3909,7 +3910,7 @@
             <a:fld id="{FAECF776-F836-4CCD-9497-99E5597B8B5D}" type="datetimeFigureOut">
               <a:rPr lang="en-US" smtClean="0"/>
               <a:pPr/>
-              <a:t>4/21/2014</a:t>
+              <a:t>6/2/2014</a:t>
             </a:fld>
             <a:endParaRPr lang="en-US"/>
           </a:p>
@@ -4199,7 +4200,7 @@
             <a:fld id="{FAECF776-F836-4CCD-9497-99E5597B8B5D}" type="datetimeFigureOut">
               <a:rPr lang="en-US" smtClean="0"/>
               <a:pPr/>
-              <a:t>4/21/2014</a:t>
+              <a:t>6/2/2014</a:t>
             </a:fld>
             <a:endParaRPr lang="en-US"/>
           </a:p>
@@ -4623,7 +4624,7 @@
             <a:fld id="{FAECF776-F836-4CCD-9497-99E5597B8B5D}" type="datetimeFigureOut">
               <a:rPr lang="en-US" smtClean="0"/>
               <a:pPr/>
-              <a:t>4/21/2014</a:t>
+              <a:t>6/2/2014</a:t>
             </a:fld>
             <a:endParaRPr lang="en-US"/>
           </a:p>
@@ -4743,7 +4744,7 @@
             <a:fld id="{FAECF776-F836-4CCD-9497-99E5597B8B5D}" type="datetimeFigureOut">
               <a:rPr lang="en-US" smtClean="0"/>
               <a:pPr/>
-              <a:t>4/21/2014</a:t>
+              <a:t>6/2/2014</a:t>
             </a:fld>
             <a:endParaRPr lang="en-US"/>
           </a:p>
@@ -4840,7 +4841,7 @@
             <a:fld id="{FAECF776-F836-4CCD-9497-99E5597B8B5D}" type="datetimeFigureOut">
               <a:rPr lang="en-US" smtClean="0"/>
               <a:pPr/>
-              <a:t>4/21/2014</a:t>
+              <a:t>6/2/2014</a:t>
             </a:fld>
             <a:endParaRPr lang="en-US"/>
           </a:p>
@@ -5119,7 +5120,7 @@
             <a:fld id="{FAECF776-F836-4CCD-9497-99E5597B8B5D}" type="datetimeFigureOut">
               <a:rPr lang="en-US" smtClean="0"/>
               <a:pPr/>
-              <a:t>4/21/2014</a:t>
+              <a:t>6/2/2014</a:t>
             </a:fld>
             <a:endParaRPr lang="en-US"/>
           </a:p>
@@ -5374,7 +5375,7 @@
             <a:fld id="{FAECF776-F836-4CCD-9497-99E5597B8B5D}" type="datetimeFigureOut">
               <a:rPr lang="en-US" smtClean="0"/>
               <a:pPr/>
-              <a:t>4/21/2014</a:t>
+              <a:t>6/2/2014</a:t>
             </a:fld>
             <a:endParaRPr lang="en-US"/>
           </a:p>
@@ -5598,7 +5599,7 @@
             <a:fld id="{FAECF776-F836-4CCD-9497-99E5597B8B5D}" type="datetimeFigureOut">
               <a:rPr lang="en-US" smtClean="0"/>
               <a:pPr/>
-              <a:t>4/21/2014</a:t>
+              <a:t>6/2/2014</a:t>
             </a:fld>
             <a:endParaRPr lang="en-US"/>
           </a:p>
@@ -6116,7 +6117,7 @@
                 </a:solidFill>
               </a:rPr>
               <a:pPr/>
-              <a:t>4/21/2014</a:t>
+              <a:t>6/2/2014</a:t>
             </a:fld>
             <a:endParaRPr lang="en-US">
               <a:solidFill>
@@ -10383,11 +10384,7 @@
             </a:r>
             <a:r>
               <a:rPr lang="ru-RU" sz="1600" dirty="0" smtClean="0"/>
-              <a:t>статическим</a:t>
-            </a:r>
-            <a:r>
-              <a:rPr lang="ru-RU" sz="1600" dirty="0" smtClean="0"/>
-              <a:t>. </a:t>
+              <a:t>статическим. </a:t>
             </a:r>
             <a:r>
               <a:rPr lang="ru-RU" sz="1600" dirty="0"/>
@@ -10869,7 +10866,7 @@
           </a:p>
           <a:p>
             <a:r>
-              <a:rPr lang="ru-RU" sz="1100" dirty="0">
+              <a:rPr lang="ru-RU" sz="1100" dirty="0" smtClean="0">
                 <a:solidFill>
                   <a:prstClr val="black"/>
                 </a:solidFill>
@@ -10877,6 +10874,12 @@
               </a:rPr>
               <a:t>{</a:t>
             </a:r>
+            <a:endParaRPr lang="ru-RU" sz="1100" dirty="0">
+              <a:solidFill>
+                <a:prstClr val="black"/>
+              </a:solidFill>
+              <a:latin typeface="Consolas"/>
+            </a:endParaRPr>
           </a:p>
           <a:p>
             <a:r>
@@ -15656,6 +15659,966 @@
         </p:nvSpPr>
         <p:spPr bwMode="auto">
           <a:xfrm>
+            <a:off x="395536" y="158725"/>
+            <a:ext cx="8352927" cy="461963"/>
+          </a:xfrm>
+          <a:prstGeom prst="rect">
+            <a:avLst/>
+          </a:prstGeom>
+          <a:noFill/>
+          <a:ln>
+            <a:noFill/>
+          </a:ln>
+          <a:extLst>
+            <a:ext uri="{909E8E84-426E-40DD-AFC4-6F175D3DCCD1}">
+              <a14:hiddenFill xmlns:a14="http://schemas.microsoft.com/office/drawing/2010/main">
+                <a:solidFill>
+                  <a:srgbClr val="FFFFFF"/>
+                </a:solidFill>
+              </a14:hiddenFill>
+            </a:ext>
+            <a:ext uri="{91240B29-F687-4F45-9708-019B960494DF}">
+              <a14:hiddenLine xmlns:a14="http://schemas.microsoft.com/office/drawing/2010/main" w="9525">
+                <a:solidFill>
+                  <a:srgbClr val="000000"/>
+                </a:solidFill>
+                <a:miter lim="800000"/>
+                <a:headEnd/>
+                <a:tailEnd/>
+              </a14:hiddenLine>
+            </a:ext>
+          </a:extLst>
+        </p:spPr>
+        <p:txBody>
+          <a:bodyPr wrap="square">
+            <a:spAutoFit/>
+          </a:bodyPr>
+          <a:lstStyle/>
+          <a:p>
+            <a:pPr algn="ctr"/>
+            <a:r>
+              <a:rPr lang="ru-RU" sz="2400" b="1" dirty="0" smtClean="0"/>
+              <a:t>Временные файлы</a:t>
+            </a:r>
+            <a:endParaRPr lang="ru-RU" sz="2400" b="1" dirty="0"/>
+          </a:p>
+        </p:txBody>
+      </p:sp>
+      <p:sp>
+        <p:nvSpPr>
+          <p:cNvPr id="4" name="TextBox 6"/>
+          <p:cNvSpPr txBox="1">
+            <a:spLocks noChangeArrowheads="1"/>
+          </p:cNvSpPr>
+          <p:nvPr/>
+        </p:nvSpPr>
+        <p:spPr bwMode="auto">
+          <a:xfrm>
+            <a:off x="152400" y="838200"/>
+            <a:ext cx="8839200" cy="2062103"/>
+          </a:xfrm>
+          <a:prstGeom prst="rect">
+            <a:avLst/>
+          </a:prstGeom>
+          <a:noFill/>
+          <a:ln>
+            <a:noFill/>
+          </a:ln>
+          <a:extLst>
+            <a:ext uri="{909E8E84-426E-40DD-AFC4-6F175D3DCCD1}">
+              <a14:hiddenFill xmlns:a14="http://schemas.microsoft.com/office/drawing/2010/main">
+                <a:solidFill>
+                  <a:srgbClr val="FFFFFF"/>
+                </a:solidFill>
+              </a14:hiddenFill>
+            </a:ext>
+            <a:ext uri="{91240B29-F687-4F45-9708-019B960494DF}">
+              <a14:hiddenLine xmlns:a14="http://schemas.microsoft.com/office/drawing/2010/main" w="9525">
+                <a:solidFill>
+                  <a:srgbClr val="000000"/>
+                </a:solidFill>
+                <a:miter lim="800000"/>
+                <a:headEnd/>
+                <a:tailEnd/>
+              </a14:hiddenLine>
+            </a:ext>
+          </a:extLst>
+        </p:spPr>
+        <p:txBody>
+          <a:bodyPr>
+            <a:spAutoFit/>
+          </a:bodyPr>
+          <a:lstStyle>
+            <a:lvl1pPr defTabSz="358775" eaLnBrk="0" hangingPunct="0">
+              <a:defRPr>
+                <a:solidFill>
+                  <a:schemeClr val="tx1"/>
+                </a:solidFill>
+                <a:latin typeface="Arial" charset="0"/>
+              </a:defRPr>
+            </a:lvl1pPr>
+            <a:lvl2pPr marL="742950" indent="-285750" defTabSz="358775" eaLnBrk="0" hangingPunct="0">
+              <a:defRPr>
+                <a:solidFill>
+                  <a:schemeClr val="tx1"/>
+                </a:solidFill>
+                <a:latin typeface="Arial" charset="0"/>
+              </a:defRPr>
+            </a:lvl2pPr>
+            <a:lvl3pPr marL="1143000" indent="-228600" defTabSz="358775" eaLnBrk="0" hangingPunct="0">
+              <a:defRPr>
+                <a:solidFill>
+                  <a:schemeClr val="tx1"/>
+                </a:solidFill>
+                <a:latin typeface="Arial" charset="0"/>
+              </a:defRPr>
+            </a:lvl3pPr>
+            <a:lvl4pPr marL="1600200" indent="-228600" defTabSz="358775" eaLnBrk="0" hangingPunct="0">
+              <a:defRPr>
+                <a:solidFill>
+                  <a:schemeClr val="tx1"/>
+                </a:solidFill>
+                <a:latin typeface="Arial" charset="0"/>
+              </a:defRPr>
+            </a:lvl4pPr>
+            <a:lvl5pPr marL="2057400" indent="-228600" defTabSz="358775" eaLnBrk="0" hangingPunct="0">
+              <a:defRPr>
+                <a:solidFill>
+                  <a:schemeClr val="tx1"/>
+                </a:solidFill>
+                <a:latin typeface="Arial" charset="0"/>
+              </a:defRPr>
+            </a:lvl5pPr>
+            <a:lvl6pPr marL="2514600" indent="-228600" defTabSz="358775" eaLnBrk="0" fontAlgn="base" hangingPunct="0">
+              <a:spcBef>
+                <a:spcPct val="0"/>
+              </a:spcBef>
+              <a:spcAft>
+                <a:spcPct val="0"/>
+              </a:spcAft>
+              <a:defRPr>
+                <a:solidFill>
+                  <a:schemeClr val="tx1"/>
+                </a:solidFill>
+                <a:latin typeface="Arial" charset="0"/>
+              </a:defRPr>
+            </a:lvl6pPr>
+            <a:lvl7pPr marL="2971800" indent="-228600" defTabSz="358775" eaLnBrk="0" fontAlgn="base" hangingPunct="0">
+              <a:spcBef>
+                <a:spcPct val="0"/>
+              </a:spcBef>
+              <a:spcAft>
+                <a:spcPct val="0"/>
+              </a:spcAft>
+              <a:defRPr>
+                <a:solidFill>
+                  <a:schemeClr val="tx1"/>
+                </a:solidFill>
+                <a:latin typeface="Arial" charset="0"/>
+              </a:defRPr>
+            </a:lvl7pPr>
+            <a:lvl8pPr marL="3429000" indent="-228600" defTabSz="358775" eaLnBrk="0" fontAlgn="base" hangingPunct="0">
+              <a:spcBef>
+                <a:spcPct val="0"/>
+              </a:spcBef>
+              <a:spcAft>
+                <a:spcPct val="0"/>
+              </a:spcAft>
+              <a:defRPr>
+                <a:solidFill>
+                  <a:schemeClr val="tx1"/>
+                </a:solidFill>
+                <a:latin typeface="Arial" charset="0"/>
+              </a:defRPr>
+            </a:lvl8pPr>
+            <a:lvl9pPr marL="3886200" indent="-228600" defTabSz="358775" eaLnBrk="0" fontAlgn="base" hangingPunct="0">
+              <a:spcBef>
+                <a:spcPct val="0"/>
+              </a:spcBef>
+              <a:spcAft>
+                <a:spcPct val="0"/>
+              </a:spcAft>
+              <a:defRPr>
+                <a:solidFill>
+                  <a:schemeClr val="tx1"/>
+                </a:solidFill>
+                <a:latin typeface="Arial" charset="0"/>
+              </a:defRPr>
+            </a:lvl9pPr>
+          </a:lstStyle>
+          <a:p>
+            <a:pPr eaLnBrk="1" hangingPunct="1"/>
+            <a:r>
+              <a:rPr lang="ru-RU" sz="1600" dirty="0" smtClean="0">
+                <a:solidFill>
+                  <a:schemeClr val="bg1"/>
+                </a:solidFill>
+                <a:latin typeface="Courier New" pitchFamily="49" charset="0"/>
+                <a:cs typeface="Calibri" pitchFamily="34" charset="0"/>
+              </a:rPr>
+              <a:t>Используйте расширение </a:t>
+            </a:r>
+            <a:r>
+              <a:rPr lang="en-US" sz="1600" dirty="0" err="1" smtClean="0">
+                <a:solidFill>
+                  <a:schemeClr val="bg1"/>
+                </a:solidFill>
+                <a:latin typeface="Courier New" pitchFamily="49" charset="0"/>
+                <a:cs typeface="Calibri" pitchFamily="34" charset="0"/>
+              </a:rPr>
+              <a:t>tmp</a:t>
+            </a:r>
+            <a:r>
+              <a:rPr lang="en-US" sz="1600" dirty="0" smtClean="0">
+                <a:solidFill>
+                  <a:schemeClr val="bg1"/>
+                </a:solidFill>
+                <a:latin typeface="Courier New" pitchFamily="49" charset="0"/>
+                <a:cs typeface="Calibri" pitchFamily="34" charset="0"/>
+              </a:rPr>
+              <a:t>!</a:t>
+            </a:r>
+          </a:p>
+          <a:p>
+            <a:pPr eaLnBrk="1" hangingPunct="1"/>
+            <a:endParaRPr lang="ru-RU" sz="1600" dirty="0" smtClean="0">
+              <a:solidFill>
+                <a:schemeClr val="bg1"/>
+              </a:solidFill>
+              <a:latin typeface="Courier New" pitchFamily="49" charset="0"/>
+              <a:cs typeface="Calibri" pitchFamily="34" charset="0"/>
+            </a:endParaRPr>
+          </a:p>
+          <a:p>
+            <a:pPr eaLnBrk="1" hangingPunct="1"/>
+            <a:r>
+              <a:rPr lang="en-US" sz="1600" dirty="0" err="1" smtClean="0">
+                <a:solidFill>
+                  <a:schemeClr val="bg1"/>
+                </a:solidFill>
+                <a:latin typeface="Courier New" pitchFamily="49" charset="0"/>
+                <a:cs typeface="Calibri" pitchFamily="34" charset="0"/>
+              </a:rPr>
+              <a:t>Path.GetTempPath</a:t>
+            </a:r>
+            <a:r>
+              <a:rPr lang="en-US" sz="1600" dirty="0" smtClean="0">
+                <a:solidFill>
+                  <a:schemeClr val="bg1"/>
+                </a:solidFill>
+                <a:latin typeface="Courier New" pitchFamily="49" charset="0"/>
+                <a:cs typeface="Calibri" pitchFamily="34" charset="0"/>
+              </a:rPr>
+              <a:t>() – </a:t>
+            </a:r>
+            <a:r>
+              <a:rPr lang="ru-RU" sz="1600" dirty="0" smtClean="0">
+                <a:solidFill>
+                  <a:schemeClr val="bg1"/>
+                </a:solidFill>
+                <a:latin typeface="Courier New" pitchFamily="49" charset="0"/>
+                <a:cs typeface="Calibri" pitchFamily="34" charset="0"/>
+              </a:rPr>
+              <a:t>возвращает путь к временному каталогу текущего пользователя</a:t>
+            </a:r>
+          </a:p>
+          <a:p>
+            <a:pPr eaLnBrk="1" hangingPunct="1"/>
+            <a:endParaRPr lang="en-US" sz="1600" dirty="0" smtClean="0">
+              <a:solidFill>
+                <a:schemeClr val="bg1"/>
+              </a:solidFill>
+              <a:latin typeface="Courier New" pitchFamily="49" charset="0"/>
+              <a:cs typeface="Calibri" pitchFamily="34" charset="0"/>
+            </a:endParaRPr>
+          </a:p>
+          <a:p>
+            <a:pPr eaLnBrk="1" hangingPunct="1"/>
+            <a:r>
+              <a:rPr lang="en-US" sz="1600" dirty="0" err="1" smtClean="0">
+                <a:solidFill>
+                  <a:schemeClr val="bg1"/>
+                </a:solidFill>
+                <a:latin typeface="Courier New" pitchFamily="49" charset="0"/>
+                <a:cs typeface="Calibri" pitchFamily="34" charset="0"/>
+              </a:rPr>
+              <a:t>Path.GetTempFileName</a:t>
+            </a:r>
+            <a:r>
+              <a:rPr lang="en-US" sz="1600" dirty="0" smtClean="0">
+                <a:solidFill>
+                  <a:schemeClr val="bg1"/>
+                </a:solidFill>
+                <a:latin typeface="Courier New" pitchFamily="49" charset="0"/>
+                <a:cs typeface="Calibri" pitchFamily="34" charset="0"/>
+              </a:rPr>
+              <a:t>()</a:t>
+            </a:r>
+            <a:r>
+              <a:rPr lang="ru-RU" sz="1600" dirty="0" smtClean="0">
+                <a:solidFill>
+                  <a:schemeClr val="bg1"/>
+                </a:solidFill>
+                <a:latin typeface="Courier New" pitchFamily="49" charset="0"/>
+                <a:cs typeface="Calibri" pitchFamily="34" charset="0"/>
+              </a:rPr>
+              <a:t> – создает файл нулевой длины с уникальным именем внутри </a:t>
+            </a:r>
+            <a:r>
+              <a:rPr lang="ru-RU" sz="1600" dirty="0">
+                <a:solidFill>
+                  <a:schemeClr val="bg1"/>
+                </a:solidFill>
+                <a:latin typeface="Courier New" pitchFamily="49" charset="0"/>
+                <a:cs typeface="Calibri" pitchFamily="34" charset="0"/>
+              </a:rPr>
+              <a:t>временного каталога текущего </a:t>
+            </a:r>
+            <a:r>
+              <a:rPr lang="ru-RU" sz="1600" dirty="0" smtClean="0">
+                <a:solidFill>
+                  <a:schemeClr val="bg1"/>
+                </a:solidFill>
+                <a:latin typeface="Courier New" pitchFamily="49" charset="0"/>
+                <a:cs typeface="Calibri" pitchFamily="34" charset="0"/>
+              </a:rPr>
+              <a:t>пользователя и возвращает полный путь к нему</a:t>
+            </a:r>
+            <a:endParaRPr lang="be-BY" sz="1600" dirty="0">
+              <a:solidFill>
+                <a:schemeClr val="bg1"/>
+              </a:solidFill>
+              <a:latin typeface="Courier New" pitchFamily="49" charset="0"/>
+              <a:cs typeface="Calibri" pitchFamily="34" charset="0"/>
+            </a:endParaRPr>
+          </a:p>
+        </p:txBody>
+      </p:sp>
+      <p:sp>
+        <p:nvSpPr>
+          <p:cNvPr id="5" name="Прямоугольник 6"/>
+          <p:cNvSpPr>
+            <a:spLocks noChangeArrowheads="1"/>
+          </p:cNvSpPr>
+          <p:nvPr/>
+        </p:nvSpPr>
+        <p:spPr bwMode="auto">
+          <a:xfrm>
+            <a:off x="395536" y="2996952"/>
+            <a:ext cx="8352927" cy="461665"/>
+          </a:xfrm>
+          <a:prstGeom prst="rect">
+            <a:avLst/>
+          </a:prstGeom>
+          <a:noFill/>
+          <a:ln>
+            <a:noFill/>
+          </a:ln>
+          <a:extLst>
+            <a:ext uri="{909E8E84-426E-40DD-AFC4-6F175D3DCCD1}">
+              <a14:hiddenFill xmlns:a14="http://schemas.microsoft.com/office/drawing/2010/main">
+                <a:solidFill>
+                  <a:srgbClr val="FFFFFF"/>
+                </a:solidFill>
+              </a14:hiddenFill>
+            </a:ext>
+            <a:ext uri="{91240B29-F687-4F45-9708-019B960494DF}">
+              <a14:hiddenLine xmlns:a14="http://schemas.microsoft.com/office/drawing/2010/main" w="9525">
+                <a:solidFill>
+                  <a:srgbClr val="000000"/>
+                </a:solidFill>
+                <a:miter lim="800000"/>
+                <a:headEnd/>
+                <a:tailEnd/>
+              </a14:hiddenLine>
+            </a:ext>
+          </a:extLst>
+        </p:spPr>
+        <p:txBody>
+          <a:bodyPr wrap="square">
+            <a:spAutoFit/>
+          </a:bodyPr>
+          <a:lstStyle/>
+          <a:p>
+            <a:pPr algn="ctr"/>
+            <a:r>
+              <a:rPr lang="ru-RU" sz="2400" b="1" dirty="0" smtClean="0"/>
+              <a:t>«Текущий» каталог</a:t>
+            </a:r>
+            <a:r>
+              <a:rPr lang="ru-RU" sz="2400" b="1" dirty="0" smtClean="0"/>
+              <a:t>.</a:t>
+            </a:r>
+            <a:endParaRPr lang="ru-RU" sz="2400" b="1" dirty="0"/>
+          </a:p>
+        </p:txBody>
+      </p:sp>
+      <p:sp>
+        <p:nvSpPr>
+          <p:cNvPr id="6" name="TextBox 6"/>
+          <p:cNvSpPr txBox="1">
+            <a:spLocks noChangeArrowheads="1"/>
+          </p:cNvSpPr>
+          <p:nvPr/>
+        </p:nvSpPr>
+        <p:spPr bwMode="auto">
+          <a:xfrm>
+            <a:off x="152400" y="3530923"/>
+            <a:ext cx="8839200" cy="4031873"/>
+          </a:xfrm>
+          <a:prstGeom prst="rect">
+            <a:avLst/>
+          </a:prstGeom>
+          <a:noFill/>
+          <a:ln>
+            <a:noFill/>
+          </a:ln>
+          <a:extLst>
+            <a:ext uri="{909E8E84-426E-40DD-AFC4-6F175D3DCCD1}">
+              <a14:hiddenFill xmlns:a14="http://schemas.microsoft.com/office/drawing/2010/main">
+                <a:solidFill>
+                  <a:srgbClr val="FFFFFF"/>
+                </a:solidFill>
+              </a14:hiddenFill>
+            </a:ext>
+            <a:ext uri="{91240B29-F687-4F45-9708-019B960494DF}">
+              <a14:hiddenLine xmlns:a14="http://schemas.microsoft.com/office/drawing/2010/main" w="9525">
+                <a:solidFill>
+                  <a:srgbClr val="000000"/>
+                </a:solidFill>
+                <a:miter lim="800000"/>
+                <a:headEnd/>
+                <a:tailEnd/>
+              </a14:hiddenLine>
+            </a:ext>
+          </a:extLst>
+        </p:spPr>
+        <p:txBody>
+          <a:bodyPr>
+            <a:spAutoFit/>
+          </a:bodyPr>
+          <a:lstStyle>
+            <a:lvl1pPr defTabSz="358775" eaLnBrk="0" hangingPunct="0">
+              <a:defRPr>
+                <a:solidFill>
+                  <a:schemeClr val="tx1"/>
+                </a:solidFill>
+                <a:latin typeface="Arial" charset="0"/>
+              </a:defRPr>
+            </a:lvl1pPr>
+            <a:lvl2pPr marL="742950" indent="-285750" defTabSz="358775" eaLnBrk="0" hangingPunct="0">
+              <a:defRPr>
+                <a:solidFill>
+                  <a:schemeClr val="tx1"/>
+                </a:solidFill>
+                <a:latin typeface="Arial" charset="0"/>
+              </a:defRPr>
+            </a:lvl2pPr>
+            <a:lvl3pPr marL="1143000" indent="-228600" defTabSz="358775" eaLnBrk="0" hangingPunct="0">
+              <a:defRPr>
+                <a:solidFill>
+                  <a:schemeClr val="tx1"/>
+                </a:solidFill>
+                <a:latin typeface="Arial" charset="0"/>
+              </a:defRPr>
+            </a:lvl3pPr>
+            <a:lvl4pPr marL="1600200" indent="-228600" defTabSz="358775" eaLnBrk="0" hangingPunct="0">
+              <a:defRPr>
+                <a:solidFill>
+                  <a:schemeClr val="tx1"/>
+                </a:solidFill>
+                <a:latin typeface="Arial" charset="0"/>
+              </a:defRPr>
+            </a:lvl4pPr>
+            <a:lvl5pPr marL="2057400" indent="-228600" defTabSz="358775" eaLnBrk="0" hangingPunct="0">
+              <a:defRPr>
+                <a:solidFill>
+                  <a:schemeClr val="tx1"/>
+                </a:solidFill>
+                <a:latin typeface="Arial" charset="0"/>
+              </a:defRPr>
+            </a:lvl5pPr>
+            <a:lvl6pPr marL="2514600" indent="-228600" defTabSz="358775" eaLnBrk="0" fontAlgn="base" hangingPunct="0">
+              <a:spcBef>
+                <a:spcPct val="0"/>
+              </a:spcBef>
+              <a:spcAft>
+                <a:spcPct val="0"/>
+              </a:spcAft>
+              <a:defRPr>
+                <a:solidFill>
+                  <a:schemeClr val="tx1"/>
+                </a:solidFill>
+                <a:latin typeface="Arial" charset="0"/>
+              </a:defRPr>
+            </a:lvl6pPr>
+            <a:lvl7pPr marL="2971800" indent="-228600" defTabSz="358775" eaLnBrk="0" fontAlgn="base" hangingPunct="0">
+              <a:spcBef>
+                <a:spcPct val="0"/>
+              </a:spcBef>
+              <a:spcAft>
+                <a:spcPct val="0"/>
+              </a:spcAft>
+              <a:defRPr>
+                <a:solidFill>
+                  <a:schemeClr val="tx1"/>
+                </a:solidFill>
+                <a:latin typeface="Arial" charset="0"/>
+              </a:defRPr>
+            </a:lvl7pPr>
+            <a:lvl8pPr marL="3429000" indent="-228600" defTabSz="358775" eaLnBrk="0" fontAlgn="base" hangingPunct="0">
+              <a:spcBef>
+                <a:spcPct val="0"/>
+              </a:spcBef>
+              <a:spcAft>
+                <a:spcPct val="0"/>
+              </a:spcAft>
+              <a:defRPr>
+                <a:solidFill>
+                  <a:schemeClr val="tx1"/>
+                </a:solidFill>
+                <a:latin typeface="Arial" charset="0"/>
+              </a:defRPr>
+            </a:lvl8pPr>
+            <a:lvl9pPr marL="3886200" indent="-228600" defTabSz="358775" eaLnBrk="0" fontAlgn="base" hangingPunct="0">
+              <a:spcBef>
+                <a:spcPct val="0"/>
+              </a:spcBef>
+              <a:spcAft>
+                <a:spcPct val="0"/>
+              </a:spcAft>
+              <a:defRPr>
+                <a:solidFill>
+                  <a:schemeClr val="tx1"/>
+                </a:solidFill>
+                <a:latin typeface="Arial" charset="0"/>
+              </a:defRPr>
+            </a:lvl9pPr>
+          </a:lstStyle>
+          <a:p>
+            <a:pPr eaLnBrk="1" hangingPunct="1"/>
+            <a:r>
+              <a:rPr lang="ru-RU" sz="1600" dirty="0" smtClean="0">
+                <a:solidFill>
+                  <a:schemeClr val="bg1"/>
+                </a:solidFill>
+                <a:latin typeface="Courier New" pitchFamily="49" charset="0"/>
+                <a:cs typeface="Calibri" pitchFamily="34" charset="0"/>
+              </a:rPr>
+              <a:t>Не полагайтесь на </a:t>
+            </a:r>
+            <a:r>
+              <a:rPr lang="ru-RU" sz="1600" dirty="0">
+                <a:solidFill>
+                  <a:schemeClr val="bg1"/>
+                </a:solidFill>
+                <a:latin typeface="Courier New" pitchFamily="49" charset="0"/>
+                <a:cs typeface="Calibri" pitchFamily="34" charset="0"/>
+              </a:rPr>
+              <a:t>свойство </a:t>
+            </a:r>
+            <a:r>
+              <a:rPr lang="en-US" sz="1600" dirty="0" err="1" smtClean="0">
+                <a:solidFill>
+                  <a:schemeClr val="bg1"/>
+                </a:solidFill>
+                <a:latin typeface="Courier New" pitchFamily="49" charset="0"/>
+                <a:cs typeface="Calibri" pitchFamily="34" charset="0"/>
+              </a:rPr>
+              <a:t>Environment.CurrentDirectory</a:t>
+            </a:r>
+            <a:r>
+              <a:rPr lang="en-US" sz="1600" dirty="0" smtClean="0">
+                <a:solidFill>
+                  <a:schemeClr val="bg1"/>
+                </a:solidFill>
+                <a:latin typeface="Courier New" pitchFamily="49" charset="0"/>
+                <a:cs typeface="Calibri" pitchFamily="34" charset="0"/>
+              </a:rPr>
+              <a:t> </a:t>
+            </a:r>
+            <a:r>
+              <a:rPr lang="ru-RU" sz="1600" dirty="0" smtClean="0">
+                <a:solidFill>
+                  <a:schemeClr val="bg1"/>
+                </a:solidFill>
+                <a:latin typeface="Courier New" pitchFamily="49" charset="0"/>
+                <a:cs typeface="Calibri" pitchFamily="34" charset="0"/>
+              </a:rPr>
+              <a:t>т.к</a:t>
+            </a:r>
+            <a:r>
+              <a:rPr lang="ru-RU" sz="1600" dirty="0" smtClean="0">
+                <a:solidFill>
+                  <a:schemeClr val="bg1"/>
+                </a:solidFill>
+                <a:latin typeface="Courier New" pitchFamily="49" charset="0"/>
+                <a:cs typeface="Calibri" pitchFamily="34" charset="0"/>
+              </a:rPr>
+              <a:t>. оно зависит от внешней среды откуда запущена программа</a:t>
+            </a:r>
+            <a:r>
+              <a:rPr lang="ru-RU" sz="1600" dirty="0" smtClean="0">
+                <a:solidFill>
+                  <a:schemeClr val="bg1"/>
+                </a:solidFill>
+                <a:latin typeface="Courier New" pitchFamily="49" charset="0"/>
+                <a:cs typeface="Calibri" pitchFamily="34" charset="0"/>
+              </a:rPr>
+              <a:t>.</a:t>
+            </a:r>
+            <a:r>
+              <a:rPr lang="en-US" sz="1600" dirty="0" smtClean="0">
+                <a:solidFill>
+                  <a:schemeClr val="bg1"/>
+                </a:solidFill>
+                <a:latin typeface="Courier New" pitchFamily="49" charset="0"/>
+                <a:cs typeface="Calibri" pitchFamily="34" charset="0"/>
+              </a:rPr>
+              <a:t> </a:t>
+            </a:r>
+            <a:r>
+              <a:rPr lang="ru-RU" sz="1600" dirty="0" smtClean="0">
+                <a:solidFill>
+                  <a:schemeClr val="bg1"/>
+                </a:solidFill>
+                <a:latin typeface="Courier New" pitchFamily="49" charset="0"/>
+                <a:cs typeface="Calibri" pitchFamily="34" charset="0"/>
+              </a:rPr>
+              <a:t>Например, «текущий каталог» может быть разным в следующих ситуациях:</a:t>
+            </a:r>
+          </a:p>
+          <a:p>
+            <a:pPr marL="1028700" lvl="1" eaLnBrk="1" hangingPunct="1">
+              <a:buFont typeface="Arial" panose="020B0604020202020204" pitchFamily="34" charset="0"/>
+              <a:buChar char="•"/>
+            </a:pPr>
+            <a:r>
+              <a:rPr lang="ru-RU" sz="1600" dirty="0" smtClean="0">
+                <a:solidFill>
+                  <a:schemeClr val="bg1"/>
+                </a:solidFill>
+                <a:latin typeface="Courier New" pitchFamily="49" charset="0"/>
+                <a:cs typeface="Calibri" pitchFamily="34" charset="0"/>
+              </a:rPr>
+              <a:t>При запуске приложения через ярлык с измененным «рабоичим каталогом»</a:t>
+            </a:r>
+          </a:p>
+          <a:p>
+            <a:pPr marL="1028700" lvl="1" eaLnBrk="1" hangingPunct="1">
+              <a:buFont typeface="Arial" panose="020B0604020202020204" pitchFamily="34" charset="0"/>
+              <a:buChar char="•"/>
+            </a:pPr>
+            <a:r>
+              <a:rPr lang="ru-RU" sz="1600" dirty="0" smtClean="0">
+                <a:solidFill>
+                  <a:schemeClr val="bg1"/>
+                </a:solidFill>
+                <a:latin typeface="Courier New" pitchFamily="49" charset="0"/>
+                <a:cs typeface="Calibri" pitchFamily="34" charset="0"/>
+              </a:rPr>
+              <a:t>При использовании </a:t>
+            </a:r>
+            <a:r>
+              <a:rPr lang="en-US" sz="1600" dirty="0" err="1" smtClean="0">
+                <a:solidFill>
+                  <a:schemeClr val="bg1"/>
+                </a:solidFill>
+                <a:latin typeface="Courier New" pitchFamily="49" charset="0"/>
+                <a:cs typeface="Calibri" pitchFamily="34" charset="0"/>
+              </a:rPr>
+              <a:t>OpenFileDialog</a:t>
+            </a:r>
+            <a:r>
+              <a:rPr lang="en-US" sz="1600" dirty="0" smtClean="0">
+                <a:solidFill>
+                  <a:schemeClr val="bg1"/>
+                </a:solidFill>
+                <a:latin typeface="Courier New" pitchFamily="49" charset="0"/>
+                <a:cs typeface="Calibri" pitchFamily="34" charset="0"/>
+              </a:rPr>
+              <a:t>/</a:t>
+            </a:r>
+            <a:r>
+              <a:rPr lang="en-US" sz="1600" dirty="0" err="1" smtClean="0">
+                <a:solidFill>
+                  <a:schemeClr val="bg1"/>
+                </a:solidFill>
+                <a:latin typeface="Courier New" pitchFamily="49" charset="0"/>
+                <a:cs typeface="Calibri" pitchFamily="34" charset="0"/>
+              </a:rPr>
+              <a:t>SaveFileDialog</a:t>
+            </a:r>
+            <a:endParaRPr lang="en-US" sz="1600" dirty="0" smtClean="0">
+              <a:solidFill>
+                <a:schemeClr val="bg1"/>
+              </a:solidFill>
+              <a:latin typeface="Courier New" pitchFamily="49" charset="0"/>
+              <a:cs typeface="Calibri" pitchFamily="34" charset="0"/>
+            </a:endParaRPr>
+          </a:p>
+          <a:p>
+            <a:pPr marL="1028700" lvl="1" eaLnBrk="1" hangingPunct="1">
+              <a:buFont typeface="Arial" panose="020B0604020202020204" pitchFamily="34" charset="0"/>
+              <a:buChar char="•"/>
+            </a:pPr>
+            <a:r>
+              <a:rPr lang="ru-RU" sz="1600" dirty="0" smtClean="0">
+                <a:solidFill>
+                  <a:schemeClr val="bg1"/>
+                </a:solidFill>
+                <a:latin typeface="Courier New" pitchFamily="49" charset="0"/>
+                <a:cs typeface="Calibri" pitchFamily="34" charset="0"/>
+              </a:rPr>
+              <a:t>При запуске приложения из под планировщика </a:t>
+            </a:r>
+            <a:r>
+              <a:rPr lang="en-US" sz="1600" dirty="0" smtClean="0">
+                <a:solidFill>
+                  <a:schemeClr val="bg1"/>
+                </a:solidFill>
+                <a:latin typeface="Courier New" pitchFamily="49" charset="0"/>
+                <a:cs typeface="Calibri" pitchFamily="34" charset="0"/>
+              </a:rPr>
+              <a:t>Windows </a:t>
+            </a:r>
+            <a:r>
+              <a:rPr lang="ru-RU" sz="1600" dirty="0" smtClean="0">
+                <a:solidFill>
+                  <a:schemeClr val="bg1"/>
+                </a:solidFill>
+                <a:latin typeface="Courier New" pitchFamily="49" charset="0"/>
+                <a:cs typeface="Calibri" pitchFamily="34" charset="0"/>
+              </a:rPr>
+              <a:t>(</a:t>
+            </a:r>
+            <a:r>
+              <a:rPr lang="en-US" sz="1600" dirty="0" smtClean="0">
+                <a:solidFill>
+                  <a:schemeClr val="bg1"/>
+                </a:solidFill>
+                <a:latin typeface="Courier New" pitchFamily="49" charset="0"/>
+                <a:cs typeface="Calibri" pitchFamily="34" charset="0"/>
+              </a:rPr>
+              <a:t>Windows Scheduler) </a:t>
+            </a:r>
+            <a:r>
+              <a:rPr lang="ru-RU" sz="1600" dirty="0" smtClean="0">
+                <a:solidFill>
+                  <a:schemeClr val="bg1"/>
+                </a:solidFill>
+                <a:latin typeface="Courier New" pitchFamily="49" charset="0"/>
+                <a:cs typeface="Calibri" pitchFamily="34" charset="0"/>
+              </a:rPr>
+              <a:t>или с помощью </a:t>
+            </a:r>
+            <a:r>
+              <a:rPr lang="en-US" sz="1600" dirty="0" err="1" smtClean="0">
+                <a:solidFill>
+                  <a:schemeClr val="bg1"/>
+                </a:solidFill>
+                <a:latin typeface="Courier New" pitchFamily="49" charset="0"/>
+                <a:cs typeface="Calibri" pitchFamily="34" charset="0"/>
+              </a:rPr>
+              <a:t>runas</a:t>
+            </a:r>
+            <a:endParaRPr lang="en-US" sz="1600" dirty="0" smtClean="0">
+              <a:solidFill>
+                <a:schemeClr val="bg1"/>
+              </a:solidFill>
+              <a:latin typeface="Courier New" pitchFamily="49" charset="0"/>
+              <a:cs typeface="Calibri" pitchFamily="34" charset="0"/>
+            </a:endParaRPr>
+          </a:p>
+          <a:p>
+            <a:pPr marL="1028700" lvl="1" eaLnBrk="1" hangingPunct="1">
+              <a:buFont typeface="Arial" panose="020B0604020202020204" pitchFamily="34" charset="0"/>
+              <a:buChar char="•"/>
+            </a:pPr>
+            <a:r>
+              <a:rPr lang="ru-RU" sz="1600" dirty="0" smtClean="0">
+                <a:solidFill>
+                  <a:schemeClr val="bg1"/>
+                </a:solidFill>
+                <a:latin typeface="Courier New" pitchFamily="49" charset="0"/>
+                <a:cs typeface="Calibri" pitchFamily="34" charset="0"/>
+              </a:rPr>
+              <a:t>При запуске другого приложения используя </a:t>
+            </a:r>
+            <a:r>
+              <a:rPr lang="en-US" sz="1600" dirty="0" err="1" smtClean="0">
+                <a:solidFill>
+                  <a:schemeClr val="bg1"/>
+                </a:solidFill>
+                <a:latin typeface="Courier New" pitchFamily="49" charset="0"/>
+                <a:cs typeface="Calibri" pitchFamily="34" charset="0"/>
+              </a:rPr>
+              <a:t>ProcessStartInfo.WorkingDirectory</a:t>
+            </a:r>
+            <a:endParaRPr lang="ru-RU" sz="1600" dirty="0">
+              <a:solidFill>
+                <a:schemeClr val="bg1"/>
+              </a:solidFill>
+              <a:latin typeface="Courier New" pitchFamily="49" charset="0"/>
+              <a:cs typeface="Calibri" pitchFamily="34" charset="0"/>
+            </a:endParaRPr>
+          </a:p>
+          <a:p>
+            <a:pPr eaLnBrk="1" hangingPunct="1"/>
+            <a:endParaRPr lang="ru-RU" sz="1600" dirty="0" smtClean="0">
+              <a:solidFill>
+                <a:schemeClr val="bg1"/>
+              </a:solidFill>
+              <a:latin typeface="Courier New" pitchFamily="49" charset="0"/>
+              <a:cs typeface="Calibri" pitchFamily="34" charset="0"/>
+            </a:endParaRPr>
+          </a:p>
+          <a:p>
+            <a:pPr eaLnBrk="1" hangingPunct="1"/>
+            <a:r>
+              <a:rPr lang="ru-RU" sz="1600" dirty="0" smtClean="0">
+                <a:solidFill>
+                  <a:schemeClr val="bg1"/>
+                </a:solidFill>
+                <a:latin typeface="Courier New" pitchFamily="49" charset="0"/>
+                <a:cs typeface="Calibri" pitchFamily="34" charset="0"/>
+              </a:rPr>
+              <a:t>По той же причине лучше избегать использовать метод </a:t>
+            </a:r>
+            <a:r>
+              <a:rPr lang="en-US" sz="1600" dirty="0" err="1" smtClean="0">
+                <a:solidFill>
+                  <a:schemeClr val="bg1"/>
+                </a:solidFill>
+                <a:latin typeface="Courier New" pitchFamily="49" charset="0"/>
+                <a:cs typeface="Calibri" pitchFamily="34" charset="0"/>
+              </a:rPr>
+              <a:t>Directory.SetCurrentDirectory</a:t>
+            </a:r>
+            <a:r>
+              <a:rPr lang="en-US" sz="1600" dirty="0" smtClean="0">
+                <a:solidFill>
+                  <a:schemeClr val="bg1"/>
+                </a:solidFill>
+                <a:latin typeface="Courier New" pitchFamily="49" charset="0"/>
+                <a:cs typeface="Calibri" pitchFamily="34" charset="0"/>
+              </a:rPr>
+              <a:t>()</a:t>
+            </a:r>
+            <a:r>
+              <a:rPr lang="ru-RU" sz="1600" dirty="0" smtClean="0">
+                <a:solidFill>
+                  <a:schemeClr val="bg1"/>
+                </a:solidFill>
+                <a:latin typeface="Courier New" pitchFamily="49" charset="0"/>
+                <a:cs typeface="Calibri" pitchFamily="34" charset="0"/>
+              </a:rPr>
+              <a:t>.</a:t>
+            </a:r>
+          </a:p>
+          <a:p>
+            <a:pPr eaLnBrk="1" hangingPunct="1"/>
+            <a:endParaRPr lang="ru-RU" sz="1600" dirty="0">
+              <a:solidFill>
+                <a:schemeClr val="bg1"/>
+              </a:solidFill>
+              <a:latin typeface="Courier New" pitchFamily="49" charset="0"/>
+              <a:cs typeface="Calibri" pitchFamily="34" charset="0"/>
+            </a:endParaRPr>
+          </a:p>
+          <a:p>
+            <a:pPr eaLnBrk="1" hangingPunct="1"/>
+            <a:r>
+              <a:rPr lang="ru-RU" sz="1600" dirty="0" smtClean="0">
+                <a:solidFill>
+                  <a:schemeClr val="bg1"/>
+                </a:solidFill>
+                <a:latin typeface="Courier New" pitchFamily="49" charset="0"/>
+                <a:cs typeface="Calibri" pitchFamily="34" charset="0"/>
+              </a:rPr>
+              <a:t>Вместо этого используйте полные пути собранные с помощью методом класса </a:t>
+            </a:r>
+            <a:r>
+              <a:rPr lang="en-US" sz="1600" dirty="0" err="1" smtClean="0">
+                <a:solidFill>
+                  <a:schemeClr val="bg1"/>
+                </a:solidFill>
+                <a:latin typeface="Courier New" pitchFamily="49" charset="0"/>
+                <a:cs typeface="Calibri" pitchFamily="34" charset="0"/>
+              </a:rPr>
+              <a:t>Systen.IO.Path</a:t>
+            </a:r>
+            <a:endParaRPr lang="be-BY" sz="1600" dirty="0">
+              <a:solidFill>
+                <a:schemeClr val="bg1"/>
+              </a:solidFill>
+              <a:latin typeface="Courier New" pitchFamily="49" charset="0"/>
+              <a:cs typeface="Calibri" pitchFamily="34" charset="0"/>
+            </a:endParaRPr>
+          </a:p>
+        </p:txBody>
+      </p:sp>
+    </p:spTree>
+    <p:extLst>
+      <p:ext uri="{BB962C8B-B14F-4D97-AF65-F5344CB8AC3E}">
+        <p14:creationId xmlns:p14="http://schemas.microsoft.com/office/powerpoint/2010/main" val="3954000225"/>
+      </p:ext>
+    </p:extLst>
+  </p:cSld>
+  <p:clrMapOvr>
+    <a:masterClrMapping/>
+  </p:clrMapOvr>
+  <p:timing>
+    <p:tnLst>
+      <p:par>
+        <p:cTn id="1" dur="indefinite" restart="never" nodeType="tmRoot"/>
+      </p:par>
+    </p:tnLst>
+  </p:timing>
+</p:sld>
+</file>
+
+<file path=ppt/slides/slide21.xml><?xml version="1.0" encoding="utf-8"?>
+<p:sld xmlns:a="http://schemas.openxmlformats.org/drawingml/2006/main" xmlns:r="http://schemas.openxmlformats.org/officeDocument/2006/relationships" xmlns:p="http://schemas.openxmlformats.org/presentationml/2006/main" show="0">
+  <p:cSld>
+    <p:bg>
+      <p:bgPr>
+        <a:blipFill dpi="0" rotWithShape="1">
+          <a:blip r:embed="rId2">
+            <a:lum/>
+          </a:blip>
+          <a:srcRect/>
+          <a:stretch>
+            <a:fillRect/>
+          </a:stretch>
+        </a:blipFill>
+        <a:effectLst/>
+      </p:bgPr>
+    </p:bg>
+    <p:spTree>
+      <p:nvGrpSpPr>
+        <p:cNvPr id="1" name=""/>
+        <p:cNvGrpSpPr/>
+        <p:nvPr/>
+      </p:nvGrpSpPr>
+      <p:grpSpPr>
+        <a:xfrm>
+          <a:off x="0" y="0"/>
+          <a:ext cx="0" cy="0"/>
+          <a:chOff x="0" y="0"/>
+          <a:chExt cx="0" cy="0"/>
+        </a:xfrm>
+      </p:grpSpPr>
+      <p:sp>
+        <p:nvSpPr>
+          <p:cNvPr id="7170" name="Прямоугольник 6"/>
+          <p:cNvSpPr>
+            <a:spLocks noChangeArrowheads="1"/>
+          </p:cNvSpPr>
+          <p:nvPr/>
+        </p:nvSpPr>
+        <p:spPr bwMode="auto">
+          <a:xfrm>
             <a:off x="2595563" y="0"/>
             <a:ext cx="3368936" cy="461665"/>
           </a:xfrm>
@@ -15787,6 +16750,14 @@
   <p:clrMapOvr>
     <a:masterClrMapping/>
   </p:clrMapOvr>
+  <mc:AlternateContent xmlns:mc="http://schemas.openxmlformats.org/markup-compatibility/2006" xmlns:p14="http://schemas.microsoft.com/office/powerpoint/2010/main">
+    <mc:Choice Requires="p14">
+      <p:transition spd="slow" p14:dur="2000"/>
+    </mc:Choice>
+    <mc:Fallback xmlns="">
+      <p:transition spd="slow"/>
+    </mc:Fallback>
+  </mc:AlternateContent>
   <p:timing>
     <p:tnLst>
       <p:par>
@@ -15797,7 +16768,7 @@
 </p:sld>
 </file>
 
-<file path=ppt/slides/slide21.xml><?xml version="1.0" encoding="utf-8"?>
+<file path=ppt/slides/slide22.xml><?xml version="1.0" encoding="utf-8"?>
 <p:sld xmlns:a="http://schemas.openxmlformats.org/drawingml/2006/main" xmlns:r="http://schemas.openxmlformats.org/officeDocument/2006/relationships" xmlns:p="http://schemas.openxmlformats.org/presentationml/2006/main">
   <p:cSld>
     <p:bg>
@@ -16249,11 +17220,7 @@
             </a:r>
             <a:r>
               <a:rPr lang="ru-RU" sz="1600" dirty="0" smtClean="0"/>
-              <a:t>статический</a:t>
-            </a:r>
-            <a:r>
-              <a:rPr lang="ru-RU" sz="1600" dirty="0" smtClean="0"/>
-              <a:t>. </a:t>
+              <a:t>статический. </a:t>
             </a:r>
             <a:r>
               <a:rPr lang="ru-RU" sz="1600" dirty="0"/>
@@ -17576,7 +18543,7 @@
 </p:sld>
 </file>
 
-<file path=ppt/slides/slide22.xml><?xml version="1.0" encoding="utf-8"?>
+<file path=ppt/slides/slide23.xml><?xml version="1.0" encoding="utf-8"?>
 <p:sld xmlns:a="http://schemas.openxmlformats.org/drawingml/2006/main" xmlns:r="http://schemas.openxmlformats.org/officeDocument/2006/relationships" xmlns:p="http://schemas.openxmlformats.org/presentationml/2006/main">
   <p:cSld>
     <p:spTree>
@@ -19166,7 +20133,7 @@
 </p:sld>
 </file>
 
-<file path=ppt/slides/slide23.xml><?xml version="1.0" encoding="utf-8"?>
+<file path=ppt/slides/slide24.xml><?xml version="1.0" encoding="utf-8"?>
 <p:sld xmlns:a="http://schemas.openxmlformats.org/drawingml/2006/main" xmlns:r="http://schemas.openxmlformats.org/officeDocument/2006/relationships" xmlns:p="http://schemas.openxmlformats.org/presentationml/2006/main">
   <p:cSld>
     <p:spTree>
@@ -20217,7 +21184,7 @@
 </p:sld>
 </file>
 
-<file path=ppt/slides/slide24.xml><?xml version="1.0" encoding="utf-8"?>
+<file path=ppt/slides/slide25.xml><?xml version="1.0" encoding="utf-8"?>
 <p:sld xmlns:a="http://schemas.openxmlformats.org/drawingml/2006/main" xmlns:r="http://schemas.openxmlformats.org/officeDocument/2006/relationships" xmlns:p="http://schemas.openxmlformats.org/presentationml/2006/main">
   <p:cSld>
     <p:bg>
@@ -21657,7 +22624,7 @@
 </p:sld>
 </file>
 
-<file path=ppt/slides/slide25.xml><?xml version="1.0" encoding="utf-8"?>
+<file path=ppt/slides/slide26.xml><?xml version="1.0" encoding="utf-8"?>
 <p:sld xmlns:a="http://schemas.openxmlformats.org/drawingml/2006/main" xmlns:r="http://schemas.openxmlformats.org/officeDocument/2006/relationships" xmlns:p="http://schemas.openxmlformats.org/presentationml/2006/main">
   <p:cSld>
     <p:bg>
@@ -22603,7 +23570,7 @@
 </p:sld>
 </file>
 
-<file path=ppt/slides/slide26.xml><?xml version="1.0" encoding="utf-8"?>
+<file path=ppt/slides/slide27.xml><?xml version="1.0" encoding="utf-8"?>
 <p:sld xmlns:a="http://schemas.openxmlformats.org/drawingml/2006/main" xmlns:r="http://schemas.openxmlformats.org/officeDocument/2006/relationships" xmlns:p="http://schemas.openxmlformats.org/presentationml/2006/main">
   <p:cSld>
     <p:spTree>
@@ -22743,7 +23710,7 @@
 </p:sld>
 </file>
 
-<file path=ppt/slides/slide27.xml><?xml version="1.0" encoding="utf-8"?>
+<file path=ppt/slides/slide28.xml><?xml version="1.0" encoding="utf-8"?>
 <p:sld xmlns:a="http://schemas.openxmlformats.org/drawingml/2006/main" xmlns:r="http://schemas.openxmlformats.org/officeDocument/2006/relationships" xmlns:p="http://schemas.openxmlformats.org/presentationml/2006/main">
   <p:cSld>
     <p:bg>
@@ -23711,7 +24678,7 @@
 </p:sld>
 </file>
 
-<file path=ppt/slides/slide28.xml><?xml version="1.0" encoding="utf-8"?>
+<file path=ppt/slides/slide29.xml><?xml version="1.0" encoding="utf-8"?>
 <p:sld xmlns:a="http://schemas.openxmlformats.org/drawingml/2006/main" xmlns:r="http://schemas.openxmlformats.org/officeDocument/2006/relationships" xmlns:p="http://schemas.openxmlformats.org/presentationml/2006/main">
   <p:cSld>
     <p:bg>
@@ -24872,98 +25839,6 @@
     <p:extLst>
       <p:ext uri="{BB962C8B-B14F-4D97-AF65-F5344CB8AC3E}">
         <p14:creationId xmlns:p14="http://schemas.microsoft.com/office/powerpoint/2010/main" val="4190490400"/>
-      </p:ext>
-    </p:extLst>
-  </p:cSld>
-  <p:clrMapOvr>
-    <a:masterClrMapping/>
-  </p:clrMapOvr>
-  <p:timing>
-    <p:tnLst>
-      <p:par>
-        <p:cTn id="1" dur="indefinite" restart="never" nodeType="tmRoot"/>
-      </p:par>
-    </p:tnLst>
-  </p:timing>
-</p:sld>
-</file>
-
-<file path=ppt/slides/slide29.xml><?xml version="1.0" encoding="utf-8"?>
-<p:sld xmlns:a="http://schemas.openxmlformats.org/drawingml/2006/main" xmlns:r="http://schemas.openxmlformats.org/officeDocument/2006/relationships" xmlns:p="http://schemas.openxmlformats.org/presentationml/2006/main">
-  <p:cSld>
-    <p:spTree>
-      <p:nvGrpSpPr>
-        <p:cNvPr id="1" name=""/>
-        <p:cNvGrpSpPr/>
-        <p:nvPr/>
-      </p:nvGrpSpPr>
-      <p:grpSpPr>
-        <a:xfrm>
-          <a:off x="0" y="0"/>
-          <a:ext cx="0" cy="0"/>
-          <a:chOff x="0" y="0"/>
-          <a:chExt cx="0" cy="0"/>
-        </a:xfrm>
-      </p:grpSpPr>
-      <p:sp>
-        <p:nvSpPr>
-          <p:cNvPr id="2" name="Title 1"/>
-          <p:cNvSpPr>
-            <a:spLocks noGrp="1"/>
-          </p:cNvSpPr>
-          <p:nvPr>
-            <p:ph type="title"/>
-          </p:nvPr>
-        </p:nvSpPr>
-        <p:spPr/>
-        <p:txBody>
-          <a:bodyPr/>
-          <a:lstStyle/>
-          <a:p>
-            <a:r>
-              <a:rPr lang="ru-RU" smtClean="0"/>
-              <a:t>Архивация</a:t>
-            </a:r>
-            <a:endParaRPr lang="en-US" dirty="0"/>
-          </a:p>
-        </p:txBody>
-      </p:sp>
-      <p:sp>
-        <p:nvSpPr>
-          <p:cNvPr id="3" name="Content Placeholder 2"/>
-          <p:cNvSpPr>
-            <a:spLocks noGrp="1"/>
-          </p:cNvSpPr>
-          <p:nvPr>
-            <p:ph idx="1"/>
-          </p:nvPr>
-        </p:nvSpPr>
-        <p:spPr/>
-        <p:txBody>
-          <a:bodyPr/>
-          <a:lstStyle/>
-          <a:p>
-            <a:pPr marL="0" indent="0">
-              <a:buNone/>
-            </a:pPr>
-            <a:r>
-              <a:rPr lang="en-US" dirty="0" err="1" smtClean="0"/>
-              <a:t>System.IO.Compression</a:t>
-            </a:r>
-            <a:endParaRPr lang="en-US" dirty="0" smtClean="0"/>
-          </a:p>
-          <a:p>
-            <a:pPr marL="0" indent="0">
-              <a:buNone/>
-            </a:pPr>
-            <a:endParaRPr lang="en-US" dirty="0"/>
-          </a:p>
-        </p:txBody>
-      </p:sp>
-    </p:spTree>
-    <p:extLst>
-      <p:ext uri="{BB962C8B-B14F-4D97-AF65-F5344CB8AC3E}">
-        <p14:creationId xmlns:p14="http://schemas.microsoft.com/office/powerpoint/2010/main" val="1322073642"/>
       </p:ext>
     </p:extLst>
   </p:cSld>
@@ -25163,20 +26038,6 @@
 <file path=ppt/slides/slide30.xml><?xml version="1.0" encoding="utf-8"?>
 <p:sld xmlns:a="http://schemas.openxmlformats.org/drawingml/2006/main" xmlns:r="http://schemas.openxmlformats.org/officeDocument/2006/relationships" xmlns:p="http://schemas.openxmlformats.org/presentationml/2006/main">
   <p:cSld>
-    <p:bg>
-      <p:bgPr>
-        <a:blipFill dpi="0" rotWithShape="1">
-          <a:blip r:embed="rId2">
-            <a:lum/>
-          </a:blip>
-          <a:srcRect/>
-          <a:stretch>
-            <a:fillRect/>
-          </a:stretch>
-        </a:blipFill>
-        <a:effectLst/>
-      </p:bgPr>
-    </p:bg>
     <p:spTree>
       <p:nvGrpSpPr>
         <p:cNvPr id="1" name=""/>
@@ -25207,16 +26068,8 @@
           <a:lstStyle/>
           <a:p>
             <a:r>
-              <a:rPr lang="ru-RU" dirty="0" smtClean="0"/>
-              <a:t>Сериализация (</a:t>
-            </a:r>
-            <a:r>
-              <a:rPr lang="en-US" dirty="0" smtClean="0"/>
-              <a:t>Serialization</a:t>
-            </a:r>
-            <a:r>
-              <a:rPr lang="ru-RU" dirty="0" smtClean="0"/>
-              <a:t>)</a:t>
+              <a:rPr lang="ru-RU" smtClean="0"/>
+              <a:t>Архивация</a:t>
             </a:r>
             <a:endParaRPr lang="en-US" dirty="0"/>
           </a:p>
@@ -25234,17 +26087,15 @@
         </p:nvSpPr>
         <p:spPr/>
         <p:txBody>
-          <a:bodyPr>
-            <a:normAutofit/>
-          </a:bodyPr>
+          <a:bodyPr/>
           <a:lstStyle/>
           <a:p>
             <a:pPr marL="0" indent="0">
               <a:buNone/>
             </a:pPr>
             <a:r>
-              <a:rPr lang="ru-RU" dirty="0" smtClean="0"/>
-              <a:t>Сериализация – механизм сохранения значения переменной типа в поток с возможностью последующего востановления точной копии (десериализация).</a:t>
+              <a:rPr lang="en-US" dirty="0" err="1" smtClean="0"/>
+              <a:t>System.IO.Compression</a:t>
             </a:r>
             <a:endParaRPr lang="en-US" dirty="0" smtClean="0"/>
           </a:p>
@@ -25252,44 +26103,6 @@
             <a:pPr marL="0" indent="0">
               <a:buNone/>
             </a:pPr>
-            <a:endParaRPr lang="en-US" dirty="0"/>
-          </a:p>
-          <a:p>
-            <a:pPr marL="0" indent="0">
-              <a:buNone/>
-            </a:pPr>
-            <a:r>
-              <a:rPr lang="en-US" dirty="0" smtClean="0"/>
-              <a:t>.NET</a:t>
-            </a:r>
-            <a:r>
-              <a:rPr lang="ru-RU" dirty="0" smtClean="0"/>
-              <a:t> поддерживает бинарную и текстовую</a:t>
-            </a:r>
-            <a:r>
-              <a:rPr lang="en-US" dirty="0" smtClean="0"/>
-              <a:t> </a:t>
-            </a:r>
-            <a:r>
-              <a:rPr lang="ru-RU" dirty="0" smtClean="0"/>
-              <a:t>(</a:t>
-            </a:r>
-            <a:r>
-              <a:rPr lang="en-US" dirty="0" smtClean="0"/>
-              <a:t>XML</a:t>
-            </a:r>
-            <a:r>
-              <a:rPr lang="ru-RU" dirty="0" smtClean="0"/>
-              <a:t>)</a:t>
-            </a:r>
-            <a:r>
-              <a:rPr lang="en-US" dirty="0" smtClean="0"/>
-              <a:t> </a:t>
-            </a:r>
-            <a:r>
-              <a:rPr lang="ru-RU" dirty="0" smtClean="0"/>
-              <a:t>сериализацию. При необходимости можно реализовать собственный механизм.</a:t>
-            </a:r>
             <a:endParaRPr lang="en-US" dirty="0"/>
           </a:p>
         </p:txBody>
@@ -25297,7 +26110,7 @@
     </p:spTree>
     <p:extLst>
       <p:ext uri="{BB962C8B-B14F-4D97-AF65-F5344CB8AC3E}">
-        <p14:creationId xmlns:p14="http://schemas.microsoft.com/office/powerpoint/2010/main" val="1542700340"/>
+        <p14:creationId xmlns:p14="http://schemas.microsoft.com/office/powerpoint/2010/main" val="1322073642"/>
       </p:ext>
     </p:extLst>
   </p:cSld>
@@ -25355,23 +26168,24 @@
             <p:ph type="title"/>
           </p:nvPr>
         </p:nvSpPr>
-        <p:spPr>
-          <a:xfrm>
-            <a:off x="457200" y="188640"/>
-            <a:ext cx="8229600" cy="720080"/>
-          </a:xfrm>
-        </p:spPr>
+        <p:spPr/>
         <p:txBody>
-          <a:bodyPr>
-            <a:normAutofit/>
-          </a:bodyPr>
+          <a:bodyPr/>
           <a:lstStyle/>
           <a:p>
             <a:r>
-              <a:rPr lang="ru-RU" sz="2000" dirty="0" smtClean="0"/>
-              <a:t>Бинарная сериализация (пример)</a:t>
-            </a:r>
-            <a:endParaRPr lang="en-US" sz="2000" dirty="0"/>
+              <a:rPr lang="ru-RU" dirty="0" smtClean="0"/>
+              <a:t>Сериализация (</a:t>
+            </a:r>
+            <a:r>
+              <a:rPr lang="en-US" dirty="0" smtClean="0"/>
+              <a:t>Serialization</a:t>
+            </a:r>
+            <a:r>
+              <a:rPr lang="ru-RU" dirty="0" smtClean="0"/>
+              <a:t>)</a:t>
+            </a:r>
+            <a:endParaRPr lang="en-US" dirty="0"/>
           </a:p>
         </p:txBody>
       </p:sp>
@@ -25385,18 +26199,10 @@
             <p:ph idx="1"/>
           </p:nvPr>
         </p:nvSpPr>
-        <p:spPr>
-          <a:xfrm>
-            <a:off x="457200" y="919261"/>
-            <a:ext cx="8229600" cy="5750099"/>
-          </a:xfrm>
-          <a:solidFill>
-            <a:schemeClr val="bg1"/>
-          </a:solidFill>
-        </p:spPr>
+        <p:spPr/>
         <p:txBody>
           <a:bodyPr>
-            <a:normAutofit fontScale="25000" lnSpcReduction="20000"/>
+            <a:normAutofit/>
           </a:bodyPr>
           <a:lstStyle/>
           <a:p>
@@ -25404,2125 +26210,52 @@
               <a:buNone/>
             </a:pPr>
             <a:r>
-              <a:rPr lang="en-US" dirty="0" smtClean="0">
-                <a:solidFill>
-                  <a:srgbClr val="0000FF"/>
-                </a:solidFill>
-                <a:latin typeface="Consolas"/>
-              </a:rPr>
-              <a:t>using</a:t>
-            </a:r>
-            <a:r>
-              <a:rPr lang="en-US" dirty="0" smtClean="0">
-                <a:solidFill>
-                  <a:srgbClr val="000000"/>
-                </a:solidFill>
-                <a:latin typeface="Consolas"/>
-              </a:rPr>
-              <a:t> System;</a:t>
-            </a:r>
-            <a:endParaRPr lang="ru-RU" dirty="0" smtClean="0">
-              <a:solidFill>
-                <a:srgbClr val="0000FF"/>
-              </a:solidFill>
-              <a:latin typeface="Consolas"/>
-            </a:endParaRPr>
+              <a:rPr lang="ru-RU" dirty="0" smtClean="0"/>
+              <a:t>Сериализация – механизм сохранения значения переменной типа в поток с возможностью последующего востановления точной копии (десериализация).</a:t>
+            </a:r>
+            <a:endParaRPr lang="en-US" dirty="0" smtClean="0"/>
           </a:p>
           <a:p>
             <a:pPr marL="0" indent="0">
               <a:buNone/>
             </a:pPr>
-            <a:r>
-              <a:rPr lang="en-US" dirty="0" smtClean="0">
-                <a:solidFill>
-                  <a:srgbClr val="0000FF"/>
-                </a:solidFill>
-                <a:latin typeface="Consolas"/>
-              </a:rPr>
-              <a:t>using</a:t>
-            </a:r>
-            <a:r>
-              <a:rPr lang="en-US" dirty="0" smtClean="0">
-                <a:solidFill>
-                  <a:srgbClr val="000000"/>
-                </a:solidFill>
-                <a:latin typeface="Consolas"/>
-              </a:rPr>
-              <a:t> System.IO;</a:t>
-            </a:r>
+            <a:endParaRPr lang="en-US" dirty="0"/>
           </a:p>
           <a:p>
             <a:pPr marL="0" indent="0">
               <a:buNone/>
             </a:pPr>
             <a:r>
-              <a:rPr lang="en-US" dirty="0">
-                <a:solidFill>
-                  <a:srgbClr val="0000FF"/>
-                </a:solidFill>
-                <a:latin typeface="Consolas"/>
-              </a:rPr>
-              <a:t>using</a:t>
-            </a:r>
-            <a:r>
-              <a:rPr lang="en-US" dirty="0" smtClean="0">
-                <a:solidFill>
-                  <a:srgbClr val="000000"/>
-                </a:solidFill>
-                <a:latin typeface="Consolas"/>
-              </a:rPr>
+              <a:rPr lang="en-US" dirty="0" smtClean="0"/>
+              <a:t>.NET</a:t>
+            </a:r>
+            <a:r>
+              <a:rPr lang="ru-RU" dirty="0" smtClean="0"/>
+              <a:t> поддерживает бинарную и текстовую</a:t>
+            </a:r>
+            <a:r>
+              <a:rPr lang="en-US" dirty="0" smtClean="0"/>
               <a:t> </a:t>
             </a:r>
             <a:r>
-              <a:rPr lang="en-US" dirty="0" err="1" smtClean="0">
-                <a:solidFill>
-                  <a:srgbClr val="000000"/>
-                </a:solidFill>
-                <a:latin typeface="Consolas"/>
-              </a:rPr>
-              <a:t>System.Runtime.Serialization.Formatters.Binary</a:t>
-            </a:r>
-            <a:r>
-              <a:rPr lang="en-US" dirty="0" smtClean="0">
-                <a:solidFill>
-                  <a:srgbClr val="000000"/>
-                </a:solidFill>
-                <a:latin typeface="Consolas"/>
-              </a:rPr>
-              <a:t>;</a:t>
-            </a:r>
-            <a:endParaRPr lang="ru-RU" dirty="0" smtClean="0">
-              <a:solidFill>
-                <a:srgbClr val="000000"/>
-              </a:solidFill>
-              <a:latin typeface="Consolas"/>
-            </a:endParaRPr>
-          </a:p>
-          <a:p>
-            <a:pPr marL="0" indent="0">
-              <a:buNone/>
-            </a:pPr>
-            <a:endParaRPr lang="ru-RU" dirty="0" smtClean="0">
-              <a:solidFill>
-                <a:srgbClr val="000000"/>
-              </a:solidFill>
-              <a:latin typeface="Consolas"/>
-            </a:endParaRPr>
-          </a:p>
-          <a:p>
-            <a:pPr marL="0" indent="0">
-              <a:buNone/>
-            </a:pPr>
-            <a:r>
-              <a:rPr lang="en-US" dirty="0" smtClean="0">
-                <a:solidFill>
-                  <a:srgbClr val="000000"/>
-                </a:solidFill>
-                <a:latin typeface="Consolas"/>
-              </a:rPr>
-              <a:t>[</a:t>
-            </a:r>
-            <a:r>
-              <a:rPr lang="en-US" dirty="0" err="1">
-                <a:solidFill>
-                  <a:srgbClr val="000000"/>
-                </a:solidFill>
-                <a:latin typeface="Consolas"/>
-              </a:rPr>
-              <a:t>Serializable</a:t>
-            </a:r>
-            <a:r>
-              <a:rPr lang="en-US" dirty="0">
-                <a:solidFill>
-                  <a:srgbClr val="000000"/>
-                </a:solidFill>
-                <a:latin typeface="Consolas"/>
-              </a:rPr>
-              <a:t>]</a:t>
-            </a:r>
-          </a:p>
-          <a:p>
-            <a:pPr marL="0" indent="0">
-              <a:buNone/>
-            </a:pPr>
-            <a:r>
-              <a:rPr lang="en-US" dirty="0">
-                <a:solidFill>
-                  <a:srgbClr val="0000FF"/>
-                </a:solidFill>
-                <a:latin typeface="Consolas"/>
-              </a:rPr>
-              <a:t>class</a:t>
-            </a:r>
-            <a:r>
-              <a:rPr lang="en-US" dirty="0">
-                <a:solidFill>
-                  <a:srgbClr val="000000"/>
-                </a:solidFill>
-                <a:latin typeface="Consolas"/>
-              </a:rPr>
-              <a:t> Train</a:t>
-            </a:r>
-          </a:p>
-          <a:p>
-            <a:pPr marL="0" indent="0">
-              <a:buNone/>
-            </a:pPr>
-            <a:r>
-              <a:rPr lang="en-US" dirty="0">
-                <a:solidFill>
-                  <a:srgbClr val="000000"/>
-                </a:solidFill>
-                <a:latin typeface="Consolas"/>
-              </a:rPr>
-              <a:t>{</a:t>
-            </a:r>
-          </a:p>
-          <a:p>
-            <a:pPr marL="0" indent="0">
-              <a:buNone/>
-            </a:pPr>
-            <a:r>
-              <a:rPr lang="en-US" dirty="0">
-                <a:solidFill>
-                  <a:srgbClr val="000000"/>
-                </a:solidFill>
-                <a:latin typeface="Consolas"/>
-              </a:rPr>
-              <a:t>  [</a:t>
-            </a:r>
-            <a:r>
-              <a:rPr lang="en-US" dirty="0" err="1">
-                <a:solidFill>
-                  <a:srgbClr val="000000"/>
-                </a:solidFill>
-                <a:latin typeface="Consolas"/>
-              </a:rPr>
-              <a:t>NonSerialized</a:t>
-            </a:r>
-            <a:r>
-              <a:rPr lang="en-US" dirty="0">
-                <a:solidFill>
-                  <a:srgbClr val="000000"/>
-                </a:solidFill>
-                <a:latin typeface="Consolas"/>
-              </a:rPr>
-              <a:t>]</a:t>
-            </a:r>
-          </a:p>
-          <a:p>
-            <a:pPr marL="0" indent="0">
-              <a:buNone/>
-            </a:pPr>
-            <a:r>
-              <a:rPr lang="en-US" dirty="0">
-                <a:solidFill>
-                  <a:srgbClr val="000000"/>
-                </a:solidFill>
-                <a:latin typeface="Consolas"/>
-              </a:rPr>
-              <a:t>  </a:t>
-            </a:r>
-            <a:r>
-              <a:rPr lang="en-US" dirty="0">
-                <a:solidFill>
-                  <a:srgbClr val="0000FF"/>
-                </a:solidFill>
-                <a:latin typeface="Consolas"/>
-              </a:rPr>
-              <a:t>double</a:t>
-            </a:r>
-            <a:r>
-              <a:rPr lang="en-US" dirty="0">
-                <a:solidFill>
-                  <a:srgbClr val="000000"/>
-                </a:solidFill>
-                <a:latin typeface="Consolas"/>
-              </a:rPr>
-              <a:t> _speed;</a:t>
-            </a:r>
-          </a:p>
-          <a:p>
-            <a:pPr marL="0" indent="0">
-              <a:buNone/>
-            </a:pPr>
-            <a:r>
-              <a:rPr lang="en-US" dirty="0" smtClean="0">
-                <a:solidFill>
-                  <a:srgbClr val="0000FF"/>
-                </a:solidFill>
-                <a:latin typeface="Consolas"/>
-              </a:rPr>
-              <a:t>  </a:t>
-            </a:r>
-            <a:r>
-              <a:rPr lang="en-US" dirty="0" err="1" smtClean="0">
-                <a:solidFill>
-                  <a:srgbClr val="0000FF"/>
-                </a:solidFill>
-                <a:latin typeface="Consolas"/>
-              </a:rPr>
-              <a:t>int</a:t>
-            </a:r>
-            <a:r>
-              <a:rPr lang="en-US" dirty="0" smtClean="0">
-                <a:solidFill>
-                  <a:srgbClr val="000000"/>
-                </a:solidFill>
-                <a:latin typeface="Consolas"/>
-              </a:rPr>
+              <a:rPr lang="ru-RU" dirty="0" smtClean="0"/>
+              <a:t>(</a:t>
+            </a:r>
+            <a:r>
+              <a:rPr lang="en-US" dirty="0" smtClean="0"/>
+              <a:t>XML</a:t>
+            </a:r>
+            <a:r>
+              <a:rPr lang="ru-RU" dirty="0" smtClean="0"/>
+              <a:t>)</a:t>
+            </a:r>
+            <a:r>
+              <a:rPr lang="en-US" dirty="0" smtClean="0"/>
               <a:t> </a:t>
             </a:r>
             <a:r>
-              <a:rPr lang="en-US" dirty="0">
-                <a:solidFill>
-                  <a:srgbClr val="000000"/>
-                </a:solidFill>
-                <a:latin typeface="Consolas"/>
-              </a:rPr>
-              <a:t>_length;</a:t>
-            </a:r>
-          </a:p>
-          <a:p>
-            <a:pPr marL="0" indent="0">
-              <a:buNone/>
-            </a:pPr>
-            <a:r>
-              <a:rPr lang="en-US" dirty="0">
-                <a:solidFill>
-                  <a:srgbClr val="000000"/>
-                </a:solidFill>
-                <a:latin typeface="Consolas"/>
-              </a:rPr>
-              <a:t>  </a:t>
-            </a:r>
-            <a:r>
-              <a:rPr lang="en-US" dirty="0">
-                <a:solidFill>
-                  <a:srgbClr val="0000FF"/>
-                </a:solidFill>
-                <a:latin typeface="Consolas"/>
-              </a:rPr>
-              <a:t>string</a:t>
-            </a:r>
-            <a:r>
-              <a:rPr lang="en-US" dirty="0">
-                <a:solidFill>
-                  <a:srgbClr val="000000"/>
-                </a:solidFill>
-                <a:latin typeface="Consolas"/>
-              </a:rPr>
-              <a:t>[] _</a:t>
-            </a:r>
-            <a:r>
-              <a:rPr lang="en-US" dirty="0" err="1">
-                <a:solidFill>
-                  <a:srgbClr val="000000"/>
-                </a:solidFill>
-                <a:latin typeface="Consolas"/>
-              </a:rPr>
-              <a:t>travellers</a:t>
-            </a:r>
-            <a:r>
-              <a:rPr lang="en-US" dirty="0">
-                <a:solidFill>
-                  <a:srgbClr val="000000"/>
-                </a:solidFill>
-                <a:latin typeface="Consolas"/>
-              </a:rPr>
-              <a:t>;</a:t>
-            </a:r>
-          </a:p>
-          <a:p>
-            <a:pPr marL="0" indent="0">
-              <a:buNone/>
-            </a:pPr>
-            <a:r>
-              <a:rPr lang="en-US" dirty="0">
-                <a:solidFill>
-                  <a:srgbClr val="000000"/>
-                </a:solidFill>
-                <a:latin typeface="Consolas"/>
-              </a:rPr>
-              <a:t>  </a:t>
-            </a:r>
-          </a:p>
-          <a:p>
-            <a:pPr marL="0" indent="0">
-              <a:buNone/>
-            </a:pPr>
-            <a:r>
-              <a:rPr lang="en-US" dirty="0">
-                <a:solidFill>
-                  <a:srgbClr val="000000"/>
-                </a:solidFill>
-                <a:latin typeface="Consolas"/>
-              </a:rPr>
-              <a:t>  </a:t>
-            </a:r>
-            <a:r>
-              <a:rPr lang="en-US" dirty="0">
-                <a:solidFill>
-                  <a:srgbClr val="0000FF"/>
-                </a:solidFill>
-                <a:latin typeface="Consolas"/>
-              </a:rPr>
-              <a:t>public</a:t>
-            </a:r>
-            <a:r>
-              <a:rPr lang="en-US" dirty="0">
-                <a:solidFill>
-                  <a:srgbClr val="000000"/>
-                </a:solidFill>
-                <a:latin typeface="Consolas"/>
-              </a:rPr>
-              <a:t> Train(</a:t>
-            </a:r>
-            <a:r>
-              <a:rPr lang="en-US" dirty="0">
-                <a:solidFill>
-                  <a:srgbClr val="0000FF"/>
-                </a:solidFill>
-                <a:latin typeface="Consolas"/>
-              </a:rPr>
-              <a:t>double</a:t>
-            </a:r>
-            <a:r>
-              <a:rPr lang="en-US" dirty="0">
-                <a:solidFill>
-                  <a:srgbClr val="000000"/>
-                </a:solidFill>
-                <a:latin typeface="Consolas"/>
-              </a:rPr>
-              <a:t> speed, </a:t>
-            </a:r>
-            <a:r>
-              <a:rPr lang="en-US" dirty="0" err="1">
-                <a:solidFill>
-                  <a:srgbClr val="0000FF"/>
-                </a:solidFill>
-                <a:latin typeface="Consolas"/>
-              </a:rPr>
-              <a:t>int</a:t>
-            </a:r>
-            <a:r>
-              <a:rPr lang="en-US" dirty="0">
-                <a:solidFill>
-                  <a:srgbClr val="000000"/>
-                </a:solidFill>
-                <a:latin typeface="Consolas"/>
-              </a:rPr>
-              <a:t> length, </a:t>
-            </a:r>
-            <a:r>
-              <a:rPr lang="en-US" dirty="0" err="1">
-                <a:solidFill>
-                  <a:srgbClr val="0000FF"/>
-                </a:solidFill>
-                <a:latin typeface="Consolas"/>
-              </a:rPr>
-              <a:t>params</a:t>
-            </a:r>
-            <a:r>
-              <a:rPr lang="en-US" dirty="0">
-                <a:solidFill>
-                  <a:srgbClr val="000000"/>
-                </a:solidFill>
-                <a:latin typeface="Consolas"/>
-              </a:rPr>
-              <a:t> </a:t>
-            </a:r>
-            <a:r>
-              <a:rPr lang="en-US" dirty="0">
-                <a:solidFill>
-                  <a:srgbClr val="0000FF"/>
-                </a:solidFill>
-                <a:latin typeface="Consolas"/>
-              </a:rPr>
-              <a:t>string</a:t>
-            </a:r>
-            <a:r>
-              <a:rPr lang="en-US" dirty="0">
-                <a:solidFill>
-                  <a:srgbClr val="000000"/>
-                </a:solidFill>
-                <a:latin typeface="Consolas"/>
-              </a:rPr>
-              <a:t>[] </a:t>
-            </a:r>
-            <a:r>
-              <a:rPr lang="en-US" dirty="0" err="1">
-                <a:solidFill>
-                  <a:srgbClr val="000000"/>
-                </a:solidFill>
-                <a:latin typeface="Consolas"/>
-              </a:rPr>
-              <a:t>travellers</a:t>
-            </a:r>
-            <a:r>
-              <a:rPr lang="en-US" dirty="0">
-                <a:solidFill>
-                  <a:srgbClr val="000000"/>
-                </a:solidFill>
-                <a:latin typeface="Consolas"/>
-              </a:rPr>
-              <a:t>)</a:t>
-            </a:r>
-          </a:p>
-          <a:p>
-            <a:pPr marL="0" indent="0">
-              <a:buNone/>
-            </a:pPr>
-            <a:r>
-              <a:rPr lang="en-US" dirty="0">
-                <a:solidFill>
-                  <a:srgbClr val="000000"/>
-                </a:solidFill>
-                <a:latin typeface="Consolas"/>
-              </a:rPr>
-              <a:t>  {</a:t>
-            </a:r>
-          </a:p>
-          <a:p>
-            <a:pPr marL="0" indent="0">
-              <a:buNone/>
-            </a:pPr>
-            <a:r>
-              <a:rPr lang="en-US" dirty="0">
-                <a:solidFill>
-                  <a:srgbClr val="000000"/>
-                </a:solidFill>
-                <a:latin typeface="Consolas"/>
-              </a:rPr>
-              <a:t>      _speed = speed;</a:t>
-            </a:r>
-          </a:p>
-          <a:p>
-            <a:pPr marL="0" indent="0">
-              <a:buNone/>
-            </a:pPr>
-            <a:r>
-              <a:rPr lang="en-US" dirty="0">
-                <a:solidFill>
-                  <a:srgbClr val="000000"/>
-                </a:solidFill>
-                <a:latin typeface="Consolas"/>
-              </a:rPr>
-              <a:t>      _length = length;</a:t>
-            </a:r>
-          </a:p>
-          <a:p>
-            <a:pPr marL="0" indent="0">
-              <a:buNone/>
-            </a:pPr>
-            <a:r>
-              <a:rPr lang="en-US" dirty="0">
-                <a:solidFill>
-                  <a:srgbClr val="000000"/>
-                </a:solidFill>
-                <a:latin typeface="Consolas"/>
-              </a:rPr>
-              <a:t>      _</a:t>
-            </a:r>
-            <a:r>
-              <a:rPr lang="en-US" dirty="0" err="1">
-                <a:solidFill>
-                  <a:srgbClr val="000000"/>
-                </a:solidFill>
-                <a:latin typeface="Consolas"/>
-              </a:rPr>
-              <a:t>travellers</a:t>
-            </a:r>
-            <a:r>
-              <a:rPr lang="en-US" dirty="0">
-                <a:solidFill>
-                  <a:srgbClr val="000000"/>
-                </a:solidFill>
-                <a:latin typeface="Consolas"/>
-              </a:rPr>
-              <a:t> = </a:t>
-            </a:r>
-            <a:r>
-              <a:rPr lang="en-US" dirty="0" err="1">
-                <a:solidFill>
-                  <a:srgbClr val="000000"/>
-                </a:solidFill>
-                <a:latin typeface="Consolas"/>
-              </a:rPr>
-              <a:t>travellers</a:t>
-            </a:r>
-            <a:r>
-              <a:rPr lang="en-US" dirty="0">
-                <a:solidFill>
-                  <a:srgbClr val="000000"/>
-                </a:solidFill>
-                <a:latin typeface="Consolas"/>
-              </a:rPr>
-              <a:t>;</a:t>
-            </a:r>
-          </a:p>
-          <a:p>
-            <a:pPr marL="0" indent="0">
-              <a:buNone/>
-            </a:pPr>
-            <a:r>
-              <a:rPr lang="en-US" dirty="0">
-                <a:solidFill>
-                  <a:srgbClr val="000000"/>
-                </a:solidFill>
-                <a:latin typeface="Consolas"/>
-              </a:rPr>
-              <a:t>  }</a:t>
-            </a:r>
-          </a:p>
-          <a:p>
-            <a:pPr marL="0" indent="0">
-              <a:buNone/>
-            </a:pPr>
-            <a:r>
-              <a:rPr lang="ru-RU" dirty="0" smtClean="0">
-                <a:solidFill>
-                  <a:srgbClr val="0000FF"/>
-                </a:solidFill>
-                <a:latin typeface="Consolas"/>
-              </a:rPr>
-              <a:t>  </a:t>
-            </a:r>
-            <a:r>
-              <a:rPr lang="en-US" dirty="0" smtClean="0">
-                <a:solidFill>
-                  <a:srgbClr val="0000FF"/>
-                </a:solidFill>
-                <a:latin typeface="Consolas"/>
-              </a:rPr>
-              <a:t>public</a:t>
-            </a:r>
-            <a:r>
-              <a:rPr lang="en-US" dirty="0" smtClean="0">
-                <a:solidFill>
-                  <a:srgbClr val="000000"/>
-                </a:solidFill>
-                <a:latin typeface="Consolas"/>
-              </a:rPr>
-              <a:t> </a:t>
-            </a:r>
-            <a:r>
-              <a:rPr lang="en-US" dirty="0">
-                <a:solidFill>
-                  <a:srgbClr val="0000FF"/>
-                </a:solidFill>
-                <a:latin typeface="Consolas"/>
-              </a:rPr>
-              <a:t>void</a:t>
-            </a:r>
-            <a:r>
-              <a:rPr lang="en-US" dirty="0">
-                <a:solidFill>
-                  <a:srgbClr val="000000"/>
-                </a:solidFill>
-                <a:latin typeface="Consolas"/>
-              </a:rPr>
-              <a:t> Print()</a:t>
-            </a:r>
-          </a:p>
-          <a:p>
-            <a:pPr marL="0" indent="0">
-              <a:buNone/>
-            </a:pPr>
-            <a:r>
-              <a:rPr lang="en-US" dirty="0">
-                <a:solidFill>
-                  <a:srgbClr val="000000"/>
-                </a:solidFill>
-                <a:latin typeface="Consolas"/>
-              </a:rPr>
-              <a:t>  {</a:t>
-            </a:r>
-          </a:p>
-          <a:p>
-            <a:pPr marL="0" indent="0">
-              <a:buNone/>
-            </a:pPr>
-            <a:r>
-              <a:rPr lang="en-US" dirty="0">
-                <a:solidFill>
-                  <a:srgbClr val="000000"/>
-                </a:solidFill>
-                <a:latin typeface="Consolas"/>
-              </a:rPr>
-              <a:t>      </a:t>
-            </a:r>
-            <a:r>
-              <a:rPr lang="en-US" dirty="0" err="1">
-                <a:solidFill>
-                  <a:srgbClr val="000000"/>
-                </a:solidFill>
-                <a:latin typeface="Consolas"/>
-              </a:rPr>
-              <a:t>Console.WriteLine</a:t>
-            </a:r>
-            <a:r>
-              <a:rPr lang="en-US" dirty="0">
-                <a:solidFill>
-                  <a:srgbClr val="000000"/>
-                </a:solidFill>
-                <a:latin typeface="Consolas"/>
-              </a:rPr>
-              <a:t>(</a:t>
-            </a:r>
-            <a:r>
-              <a:rPr lang="en-US" dirty="0">
-                <a:solidFill>
-                  <a:srgbClr val="DC1414"/>
-                </a:solidFill>
-                <a:latin typeface="Consolas"/>
-              </a:rPr>
-              <a:t>"Speed: {0}"</a:t>
-            </a:r>
-            <a:r>
-              <a:rPr lang="en-US" dirty="0">
-                <a:solidFill>
-                  <a:srgbClr val="000000"/>
-                </a:solidFill>
-                <a:latin typeface="Consolas"/>
-              </a:rPr>
-              <a:t>, _speed);</a:t>
-            </a:r>
-          </a:p>
-          <a:p>
-            <a:pPr marL="0" indent="0">
-              <a:buNone/>
-            </a:pPr>
-            <a:r>
-              <a:rPr lang="en-US" dirty="0">
-                <a:solidFill>
-                  <a:srgbClr val="000000"/>
-                </a:solidFill>
-                <a:latin typeface="Consolas"/>
-              </a:rPr>
-              <a:t>      </a:t>
-            </a:r>
-            <a:r>
-              <a:rPr lang="en-US" dirty="0" err="1">
-                <a:solidFill>
-                  <a:srgbClr val="000000"/>
-                </a:solidFill>
-                <a:latin typeface="Consolas"/>
-              </a:rPr>
-              <a:t>Console.WriteLine</a:t>
-            </a:r>
-            <a:r>
-              <a:rPr lang="en-US" dirty="0">
-                <a:solidFill>
-                  <a:srgbClr val="000000"/>
-                </a:solidFill>
-                <a:latin typeface="Consolas"/>
-              </a:rPr>
-              <a:t>(</a:t>
-            </a:r>
-            <a:r>
-              <a:rPr lang="en-US" dirty="0">
-                <a:solidFill>
-                  <a:srgbClr val="DC1414"/>
-                </a:solidFill>
-                <a:latin typeface="Consolas"/>
-              </a:rPr>
-              <a:t>"Length : {0}"</a:t>
-            </a:r>
-            <a:r>
-              <a:rPr lang="en-US" dirty="0">
-                <a:solidFill>
-                  <a:srgbClr val="000000"/>
-                </a:solidFill>
-                <a:latin typeface="Consolas"/>
-              </a:rPr>
-              <a:t>, _length);</a:t>
-            </a:r>
-          </a:p>
-          <a:p>
-            <a:pPr marL="0" indent="0">
-              <a:buNone/>
-            </a:pPr>
-            <a:r>
-              <a:rPr lang="fr-FR" dirty="0">
-                <a:solidFill>
-                  <a:srgbClr val="000000"/>
-                </a:solidFill>
-                <a:latin typeface="Consolas"/>
-              </a:rPr>
-              <a:t>      </a:t>
-            </a:r>
-            <a:r>
-              <a:rPr lang="fr-FR" dirty="0" err="1">
-                <a:solidFill>
-                  <a:srgbClr val="000000"/>
-                </a:solidFill>
-                <a:latin typeface="Consolas"/>
-              </a:rPr>
-              <a:t>Console.WriteLine</a:t>
-            </a:r>
-            <a:r>
-              <a:rPr lang="fr-FR" dirty="0">
-                <a:solidFill>
-                  <a:srgbClr val="000000"/>
-                </a:solidFill>
-                <a:latin typeface="Consolas"/>
-              </a:rPr>
-              <a:t>(</a:t>
-            </a:r>
-            <a:r>
-              <a:rPr lang="fr-FR" dirty="0">
-                <a:solidFill>
-                  <a:srgbClr val="DC1414"/>
-                </a:solidFill>
-                <a:latin typeface="Consolas"/>
-              </a:rPr>
-              <a:t>"</a:t>
-            </a:r>
-            <a:r>
-              <a:rPr lang="fr-FR" dirty="0" err="1">
-                <a:solidFill>
-                  <a:srgbClr val="DC1414"/>
-                </a:solidFill>
-                <a:latin typeface="Consolas"/>
-              </a:rPr>
-              <a:t>Travellers</a:t>
-            </a:r>
-            <a:r>
-              <a:rPr lang="fr-FR" dirty="0">
-                <a:solidFill>
-                  <a:srgbClr val="DC1414"/>
-                </a:solidFill>
-                <a:latin typeface="Consolas"/>
-              </a:rPr>
-              <a:t>: {0}"</a:t>
-            </a:r>
-            <a:r>
-              <a:rPr lang="fr-FR" dirty="0">
-                <a:solidFill>
-                  <a:srgbClr val="000000"/>
-                </a:solidFill>
-                <a:latin typeface="Consolas"/>
-              </a:rPr>
-              <a:t>, </a:t>
-            </a:r>
-            <a:r>
-              <a:rPr lang="fr-FR" dirty="0" err="1">
-                <a:solidFill>
-                  <a:srgbClr val="000000"/>
-                </a:solidFill>
-                <a:latin typeface="Consolas"/>
-              </a:rPr>
-              <a:t>String.Join</a:t>
-            </a:r>
-            <a:r>
-              <a:rPr lang="fr-FR" dirty="0">
-                <a:solidFill>
-                  <a:srgbClr val="000000"/>
-                </a:solidFill>
-                <a:latin typeface="Consolas"/>
-              </a:rPr>
-              <a:t>(</a:t>
-            </a:r>
-            <a:r>
-              <a:rPr lang="fr-FR" dirty="0">
-                <a:solidFill>
-                  <a:srgbClr val="DC1414"/>
-                </a:solidFill>
-                <a:latin typeface="Consolas"/>
-              </a:rPr>
-              <a:t>"; "</a:t>
-            </a:r>
-            <a:r>
-              <a:rPr lang="fr-FR" dirty="0">
-                <a:solidFill>
-                  <a:srgbClr val="000000"/>
-                </a:solidFill>
-                <a:latin typeface="Consolas"/>
-              </a:rPr>
-              <a:t>, _</a:t>
-            </a:r>
-            <a:r>
-              <a:rPr lang="fr-FR" dirty="0" err="1">
-                <a:solidFill>
-                  <a:srgbClr val="000000"/>
-                </a:solidFill>
-                <a:latin typeface="Consolas"/>
-              </a:rPr>
-              <a:t>travellers</a:t>
-            </a:r>
-            <a:r>
-              <a:rPr lang="fr-FR" dirty="0">
-                <a:solidFill>
-                  <a:srgbClr val="000000"/>
-                </a:solidFill>
-                <a:latin typeface="Consolas"/>
-              </a:rPr>
-              <a:t>));</a:t>
-            </a:r>
-          </a:p>
-          <a:p>
-            <a:pPr marL="0" indent="0">
-              <a:buNone/>
-            </a:pPr>
-            <a:r>
-              <a:rPr lang="en-US" dirty="0">
-                <a:solidFill>
-                  <a:srgbClr val="000000"/>
-                </a:solidFill>
-                <a:latin typeface="Consolas"/>
-              </a:rPr>
-              <a:t>  }</a:t>
-            </a:r>
-          </a:p>
-          <a:p>
-            <a:pPr marL="0" indent="0">
-              <a:buNone/>
-            </a:pPr>
-            <a:r>
-              <a:rPr lang="en-US" dirty="0">
-                <a:solidFill>
-                  <a:srgbClr val="000000"/>
-                </a:solidFill>
-                <a:latin typeface="Consolas"/>
-              </a:rPr>
-              <a:t>}</a:t>
-            </a:r>
-          </a:p>
-          <a:p>
-            <a:pPr marL="0" indent="0">
-              <a:buNone/>
-            </a:pPr>
-            <a:r>
-              <a:rPr lang="en-US" dirty="0" smtClean="0">
-                <a:solidFill>
-                  <a:srgbClr val="0000FF"/>
-                </a:solidFill>
-                <a:latin typeface="Consolas"/>
-              </a:rPr>
-              <a:t>static</a:t>
-            </a:r>
-            <a:r>
-              <a:rPr lang="en-US" dirty="0" smtClean="0">
-                <a:solidFill>
-                  <a:srgbClr val="000000"/>
-                </a:solidFill>
-                <a:latin typeface="Consolas"/>
-              </a:rPr>
-              <a:t> </a:t>
-            </a:r>
-            <a:r>
-              <a:rPr lang="en-US" dirty="0">
-                <a:solidFill>
-                  <a:srgbClr val="0000FF"/>
-                </a:solidFill>
-                <a:latin typeface="Consolas"/>
-              </a:rPr>
-              <a:t>void</a:t>
-            </a:r>
-            <a:r>
-              <a:rPr lang="en-US" dirty="0">
-                <a:solidFill>
-                  <a:srgbClr val="000000"/>
-                </a:solidFill>
-                <a:latin typeface="Consolas"/>
-              </a:rPr>
-              <a:t> Main()</a:t>
-            </a:r>
-          </a:p>
-          <a:p>
-            <a:pPr marL="0" indent="0">
-              <a:buNone/>
-            </a:pPr>
-            <a:r>
-              <a:rPr lang="en-US" dirty="0">
-                <a:solidFill>
-                  <a:srgbClr val="000000"/>
-                </a:solidFill>
-                <a:latin typeface="Consolas"/>
-              </a:rPr>
-              <a:t>{</a:t>
-            </a:r>
-          </a:p>
-          <a:p>
-            <a:pPr marL="0" indent="0">
-              <a:buNone/>
-            </a:pPr>
-            <a:r>
-              <a:rPr lang="ru-RU" dirty="0" smtClean="0">
-                <a:solidFill>
-                  <a:srgbClr val="000000"/>
-                </a:solidFill>
-                <a:latin typeface="Consolas"/>
-              </a:rPr>
-              <a:t>    </a:t>
-            </a:r>
-            <a:r>
-              <a:rPr lang="fr-FR" dirty="0" smtClean="0">
-                <a:solidFill>
-                  <a:srgbClr val="000000"/>
-                </a:solidFill>
-                <a:latin typeface="Consolas"/>
-              </a:rPr>
-              <a:t>Train </a:t>
-            </a:r>
-            <a:r>
-              <a:rPr lang="fr-FR" dirty="0" err="1">
-                <a:solidFill>
-                  <a:srgbClr val="000000"/>
-                </a:solidFill>
-                <a:latin typeface="Consolas"/>
-              </a:rPr>
-              <a:t>train</a:t>
-            </a:r>
-            <a:r>
-              <a:rPr lang="fr-FR" dirty="0">
-                <a:solidFill>
-                  <a:srgbClr val="000000"/>
-                </a:solidFill>
-                <a:latin typeface="Consolas"/>
-              </a:rPr>
-              <a:t> = </a:t>
-            </a:r>
-            <a:r>
-              <a:rPr lang="fr-FR" dirty="0">
-                <a:solidFill>
-                  <a:srgbClr val="0000FF"/>
-                </a:solidFill>
-                <a:latin typeface="Consolas"/>
-              </a:rPr>
-              <a:t>new</a:t>
-            </a:r>
-            <a:r>
-              <a:rPr lang="fr-FR" dirty="0">
-                <a:solidFill>
-                  <a:srgbClr val="000000"/>
-                </a:solidFill>
-                <a:latin typeface="Consolas"/>
-              </a:rPr>
-              <a:t> Train(</a:t>
-            </a:r>
-            <a:r>
-              <a:rPr lang="fr-FR" dirty="0">
-                <a:solidFill>
-                  <a:srgbClr val="C81EFA"/>
-                </a:solidFill>
-                <a:latin typeface="Consolas"/>
-              </a:rPr>
-              <a:t>190.2</a:t>
-            </a:r>
-            <a:r>
-              <a:rPr lang="fr-FR" dirty="0">
-                <a:solidFill>
-                  <a:srgbClr val="000000"/>
-                </a:solidFill>
-                <a:latin typeface="Consolas"/>
-              </a:rPr>
-              <a:t>, </a:t>
-            </a:r>
-            <a:r>
-              <a:rPr lang="fr-FR" dirty="0">
-                <a:solidFill>
-                  <a:srgbClr val="C81EFA"/>
-                </a:solidFill>
-                <a:latin typeface="Consolas"/>
-              </a:rPr>
-              <a:t>8</a:t>
-            </a:r>
-            <a:r>
-              <a:rPr lang="fr-FR" dirty="0">
-                <a:solidFill>
-                  <a:srgbClr val="000000"/>
-                </a:solidFill>
-                <a:latin typeface="Consolas"/>
-              </a:rPr>
-              <a:t>, </a:t>
-            </a:r>
-            <a:r>
-              <a:rPr lang="fr-FR" dirty="0">
-                <a:solidFill>
-                  <a:srgbClr val="DC1414"/>
-                </a:solidFill>
-                <a:latin typeface="Consolas"/>
-              </a:rPr>
-              <a:t>"Ivanov"</a:t>
-            </a:r>
-            <a:r>
-              <a:rPr lang="fr-FR" dirty="0">
-                <a:solidFill>
-                  <a:srgbClr val="000000"/>
-                </a:solidFill>
-                <a:latin typeface="Consolas"/>
-              </a:rPr>
-              <a:t>, </a:t>
-            </a:r>
-            <a:r>
-              <a:rPr lang="fr-FR" dirty="0">
-                <a:solidFill>
-                  <a:srgbClr val="DC1414"/>
-                </a:solidFill>
-                <a:latin typeface="Consolas"/>
-              </a:rPr>
-              <a:t>"Petrov"</a:t>
-            </a:r>
-            <a:r>
-              <a:rPr lang="fr-FR" dirty="0">
-                <a:solidFill>
-                  <a:srgbClr val="000000"/>
-                </a:solidFill>
-                <a:latin typeface="Consolas"/>
-              </a:rPr>
-              <a:t>, </a:t>
-            </a:r>
-            <a:r>
-              <a:rPr lang="fr-FR" dirty="0">
-                <a:solidFill>
-                  <a:srgbClr val="DC1414"/>
-                </a:solidFill>
-                <a:latin typeface="Consolas"/>
-              </a:rPr>
-              <a:t>"</a:t>
-            </a:r>
-            <a:r>
-              <a:rPr lang="fr-FR" dirty="0" err="1">
-                <a:solidFill>
-                  <a:srgbClr val="DC1414"/>
-                </a:solidFill>
-                <a:latin typeface="Consolas"/>
-              </a:rPr>
-              <a:t>Sidorov</a:t>
-            </a:r>
-            <a:r>
-              <a:rPr lang="fr-FR" dirty="0">
-                <a:solidFill>
-                  <a:srgbClr val="DC1414"/>
-                </a:solidFill>
-                <a:latin typeface="Consolas"/>
-              </a:rPr>
-              <a:t>"</a:t>
-            </a:r>
-            <a:r>
-              <a:rPr lang="fr-FR" dirty="0">
-                <a:solidFill>
-                  <a:srgbClr val="000000"/>
-                </a:solidFill>
-                <a:latin typeface="Consolas"/>
-              </a:rPr>
-              <a:t>);</a:t>
-            </a:r>
-          </a:p>
-          <a:p>
-            <a:pPr marL="0" indent="0">
-              <a:buNone/>
-            </a:pPr>
-            <a:r>
-              <a:rPr lang="ru-RU" dirty="0" smtClean="0">
-                <a:solidFill>
-                  <a:srgbClr val="000000"/>
-                </a:solidFill>
-                <a:latin typeface="Consolas"/>
-              </a:rPr>
-              <a:t>    </a:t>
-            </a:r>
-            <a:r>
-              <a:rPr lang="en-US" dirty="0" err="1" smtClean="0">
-                <a:solidFill>
-                  <a:srgbClr val="000000"/>
-                </a:solidFill>
-                <a:latin typeface="Consolas"/>
-              </a:rPr>
-              <a:t>train.Print</a:t>
-            </a:r>
-            <a:r>
-              <a:rPr lang="en-US" dirty="0">
-                <a:solidFill>
-                  <a:srgbClr val="000000"/>
-                </a:solidFill>
-                <a:latin typeface="Consolas"/>
-              </a:rPr>
-              <a:t>();</a:t>
-            </a:r>
-          </a:p>
-          <a:p>
-            <a:pPr marL="0" indent="0">
-              <a:buNone/>
-            </a:pPr>
-            <a:r>
-              <a:rPr lang="ru-RU" dirty="0" smtClean="0">
-                <a:solidFill>
-                  <a:srgbClr val="0000FF"/>
-                </a:solidFill>
-                <a:latin typeface="Consolas"/>
-              </a:rPr>
-              <a:t>    </a:t>
-            </a:r>
-            <a:r>
-              <a:rPr lang="en-US" dirty="0" smtClean="0">
-                <a:solidFill>
-                  <a:srgbClr val="0000FF"/>
-                </a:solidFill>
-                <a:latin typeface="Consolas"/>
-              </a:rPr>
-              <a:t>string</a:t>
-            </a:r>
-            <a:r>
-              <a:rPr lang="en-US" dirty="0" smtClean="0">
-                <a:solidFill>
-                  <a:srgbClr val="000000"/>
-                </a:solidFill>
-                <a:latin typeface="Consolas"/>
-              </a:rPr>
-              <a:t> </a:t>
-            </a:r>
-            <a:r>
-              <a:rPr lang="en-US" dirty="0" err="1">
-                <a:solidFill>
-                  <a:srgbClr val="000000"/>
-                </a:solidFill>
-                <a:latin typeface="Consolas"/>
-              </a:rPr>
-              <a:t>tempFileName</a:t>
-            </a:r>
-            <a:r>
-              <a:rPr lang="en-US" dirty="0">
-                <a:solidFill>
-                  <a:srgbClr val="000000"/>
-                </a:solidFill>
-                <a:latin typeface="Consolas"/>
-              </a:rPr>
-              <a:t> = </a:t>
-            </a:r>
-            <a:r>
-              <a:rPr lang="en-US" dirty="0" err="1">
-                <a:solidFill>
-                  <a:srgbClr val="000000"/>
-                </a:solidFill>
-                <a:latin typeface="Consolas"/>
-              </a:rPr>
-              <a:t>Path.Combine</a:t>
-            </a:r>
-            <a:r>
-              <a:rPr lang="en-US" dirty="0">
-                <a:solidFill>
-                  <a:srgbClr val="000000"/>
-                </a:solidFill>
-                <a:latin typeface="Consolas"/>
-              </a:rPr>
-              <a:t>(</a:t>
-            </a:r>
-            <a:r>
-              <a:rPr lang="en-US" dirty="0" err="1">
-                <a:solidFill>
-                  <a:srgbClr val="000000"/>
-                </a:solidFill>
-                <a:latin typeface="Consolas"/>
-              </a:rPr>
-              <a:t>Path.GetTempPath</a:t>
-            </a:r>
-            <a:r>
-              <a:rPr lang="en-US" dirty="0">
-                <a:solidFill>
-                  <a:srgbClr val="000000"/>
-                </a:solidFill>
-                <a:latin typeface="Consolas"/>
-              </a:rPr>
-              <a:t>(), </a:t>
-            </a:r>
-            <a:r>
-              <a:rPr lang="en-US" dirty="0">
-                <a:solidFill>
-                  <a:srgbClr val="DC1414"/>
-                </a:solidFill>
-                <a:latin typeface="Consolas"/>
-              </a:rPr>
-              <a:t>"train.dat"</a:t>
-            </a:r>
-            <a:r>
-              <a:rPr lang="en-US" dirty="0">
-                <a:solidFill>
-                  <a:srgbClr val="000000"/>
-                </a:solidFill>
-                <a:latin typeface="Consolas"/>
-              </a:rPr>
-              <a:t>); </a:t>
-            </a:r>
-            <a:r>
-              <a:rPr lang="en-US" dirty="0" smtClean="0">
-                <a:solidFill>
-                  <a:srgbClr val="008000"/>
-                </a:solidFill>
-                <a:latin typeface="Consolas"/>
-              </a:rPr>
-              <a:t>//</a:t>
-            </a:r>
-            <a:r>
-              <a:rPr lang="ru-RU" dirty="0" smtClean="0">
-                <a:solidFill>
-                  <a:srgbClr val="008000"/>
-                </a:solidFill>
-                <a:latin typeface="Consolas"/>
-              </a:rPr>
-              <a:t> Будем работать с файлом в папке для временных файлов</a:t>
-            </a:r>
-            <a:endParaRPr lang="en-US" dirty="0">
-              <a:solidFill>
-                <a:srgbClr val="000000"/>
-              </a:solidFill>
-              <a:latin typeface="Consolas"/>
-            </a:endParaRPr>
-          </a:p>
-          <a:p>
-            <a:pPr marL="0" indent="0">
-              <a:buNone/>
-            </a:pPr>
-            <a:r>
-              <a:rPr lang="ru-RU" dirty="0" smtClean="0">
-                <a:solidFill>
-                  <a:srgbClr val="000000"/>
-                </a:solidFill>
-                <a:latin typeface="Consolas"/>
-              </a:rPr>
-              <a:t>    </a:t>
-            </a:r>
-            <a:r>
-              <a:rPr lang="en-US" dirty="0" err="1" smtClean="0">
-                <a:solidFill>
-                  <a:srgbClr val="000000"/>
-                </a:solidFill>
-                <a:latin typeface="Consolas"/>
-              </a:rPr>
-              <a:t>BinaryFormatter</a:t>
-            </a:r>
-            <a:r>
-              <a:rPr lang="en-US" dirty="0" smtClean="0">
-                <a:solidFill>
-                  <a:srgbClr val="000000"/>
-                </a:solidFill>
-                <a:latin typeface="Consolas"/>
-              </a:rPr>
-              <a:t> </a:t>
-            </a:r>
-            <a:r>
-              <a:rPr lang="en-US" dirty="0">
-                <a:solidFill>
-                  <a:srgbClr val="000000"/>
-                </a:solidFill>
-                <a:latin typeface="Consolas"/>
-              </a:rPr>
-              <a:t>bf = </a:t>
-            </a:r>
-            <a:r>
-              <a:rPr lang="en-US" dirty="0">
-                <a:solidFill>
-                  <a:srgbClr val="0000FF"/>
-                </a:solidFill>
-                <a:latin typeface="Consolas"/>
-              </a:rPr>
-              <a:t>new</a:t>
-            </a:r>
-            <a:r>
-              <a:rPr lang="en-US" dirty="0">
-                <a:solidFill>
-                  <a:srgbClr val="000000"/>
-                </a:solidFill>
-                <a:latin typeface="Consolas"/>
-              </a:rPr>
-              <a:t> </a:t>
-            </a:r>
-            <a:r>
-              <a:rPr lang="en-US" dirty="0" err="1">
-                <a:solidFill>
-                  <a:srgbClr val="000000"/>
-                </a:solidFill>
-                <a:latin typeface="Consolas"/>
-              </a:rPr>
-              <a:t>BinaryFormatter</a:t>
-            </a:r>
-            <a:r>
-              <a:rPr lang="en-US" dirty="0" smtClean="0">
-                <a:solidFill>
-                  <a:srgbClr val="000000"/>
-                </a:solidFill>
-                <a:latin typeface="Consolas"/>
-              </a:rPr>
-              <a:t>();</a:t>
-            </a:r>
-            <a:endParaRPr lang="ru-RU" dirty="0" smtClean="0">
-              <a:solidFill>
-                <a:srgbClr val="000000"/>
-              </a:solidFill>
-              <a:latin typeface="Consolas"/>
-            </a:endParaRPr>
-          </a:p>
-          <a:p>
-            <a:pPr marL="0" indent="0">
-              <a:buNone/>
-            </a:pPr>
-            <a:r>
-              <a:rPr lang="en-US" dirty="0" smtClean="0">
-                <a:solidFill>
-                  <a:srgbClr val="008000"/>
-                </a:solidFill>
-                <a:latin typeface="Consolas"/>
-              </a:rPr>
-              <a:t>    // </a:t>
-            </a:r>
-            <a:r>
-              <a:rPr lang="ru-RU" dirty="0">
-                <a:solidFill>
-                  <a:srgbClr val="008000"/>
-                </a:solidFill>
-                <a:latin typeface="Consolas"/>
-              </a:rPr>
-              <a:t>Выполняем сериализацию</a:t>
-            </a:r>
-            <a:endParaRPr lang="en-US" dirty="0">
-              <a:solidFill>
-                <a:srgbClr val="008000"/>
-              </a:solidFill>
-              <a:latin typeface="Consolas"/>
-            </a:endParaRPr>
-          </a:p>
-          <a:p>
-            <a:pPr marL="0" indent="0">
-              <a:buNone/>
-            </a:pPr>
-            <a:r>
-              <a:rPr lang="ru-RU" dirty="0" smtClean="0">
-                <a:solidFill>
-                  <a:srgbClr val="0000FF"/>
-                </a:solidFill>
-                <a:latin typeface="Consolas"/>
-              </a:rPr>
-              <a:t>    </a:t>
-            </a:r>
-            <a:r>
-              <a:rPr lang="en-US" dirty="0" smtClean="0">
-                <a:solidFill>
-                  <a:srgbClr val="0000FF"/>
-                </a:solidFill>
-                <a:latin typeface="Consolas"/>
-              </a:rPr>
-              <a:t>using</a:t>
-            </a:r>
-            <a:r>
-              <a:rPr lang="en-US" dirty="0" smtClean="0">
-                <a:solidFill>
-                  <a:srgbClr val="000000"/>
-                </a:solidFill>
-                <a:latin typeface="Consolas"/>
-              </a:rPr>
-              <a:t> </a:t>
-            </a:r>
-            <a:r>
-              <a:rPr lang="en-US" dirty="0">
-                <a:solidFill>
-                  <a:srgbClr val="000000"/>
-                </a:solidFill>
-                <a:latin typeface="Consolas"/>
-              </a:rPr>
-              <a:t>(</a:t>
-            </a:r>
-            <a:r>
-              <a:rPr lang="en-US" dirty="0" err="1">
-                <a:solidFill>
-                  <a:srgbClr val="000000"/>
-                </a:solidFill>
-                <a:latin typeface="Consolas"/>
-              </a:rPr>
-              <a:t>FileStream</a:t>
-            </a:r>
-            <a:r>
-              <a:rPr lang="en-US" dirty="0">
-                <a:solidFill>
-                  <a:srgbClr val="000000"/>
-                </a:solidFill>
-                <a:latin typeface="Consolas"/>
-              </a:rPr>
-              <a:t> </a:t>
-            </a:r>
-            <a:r>
-              <a:rPr lang="en-US" dirty="0" err="1">
-                <a:solidFill>
-                  <a:srgbClr val="000000"/>
-                </a:solidFill>
-                <a:latin typeface="Consolas"/>
-              </a:rPr>
-              <a:t>fs</a:t>
-            </a:r>
-            <a:r>
-              <a:rPr lang="en-US" dirty="0">
-                <a:solidFill>
-                  <a:srgbClr val="000000"/>
-                </a:solidFill>
-                <a:latin typeface="Consolas"/>
-              </a:rPr>
-              <a:t> = </a:t>
-            </a:r>
-            <a:r>
-              <a:rPr lang="en-US" dirty="0" err="1">
-                <a:solidFill>
-                  <a:srgbClr val="000000"/>
-                </a:solidFill>
-                <a:latin typeface="Consolas"/>
-              </a:rPr>
-              <a:t>File.Open</a:t>
-            </a:r>
-            <a:r>
-              <a:rPr lang="en-US" dirty="0">
-                <a:solidFill>
-                  <a:srgbClr val="000000"/>
-                </a:solidFill>
-                <a:latin typeface="Consolas"/>
-              </a:rPr>
-              <a:t>(</a:t>
-            </a:r>
-            <a:r>
-              <a:rPr lang="en-US" dirty="0" err="1">
-                <a:solidFill>
-                  <a:srgbClr val="000000"/>
-                </a:solidFill>
-                <a:latin typeface="Consolas"/>
-              </a:rPr>
-              <a:t>tempFileName</a:t>
-            </a:r>
-            <a:r>
-              <a:rPr lang="en-US" dirty="0">
-                <a:solidFill>
-                  <a:srgbClr val="000000"/>
-                </a:solidFill>
-                <a:latin typeface="Consolas"/>
-              </a:rPr>
-              <a:t>, </a:t>
-            </a:r>
-            <a:r>
-              <a:rPr lang="en-US" dirty="0" err="1">
-                <a:solidFill>
-                  <a:srgbClr val="000000"/>
-                </a:solidFill>
-                <a:latin typeface="Consolas"/>
-              </a:rPr>
-              <a:t>FileMode.Create</a:t>
-            </a:r>
-            <a:r>
-              <a:rPr lang="en-US" dirty="0">
-                <a:solidFill>
-                  <a:srgbClr val="000000"/>
-                </a:solidFill>
-                <a:latin typeface="Consolas"/>
-              </a:rPr>
-              <a:t>))</a:t>
-            </a:r>
-          </a:p>
-          <a:p>
-            <a:pPr marL="0" indent="0">
-              <a:buNone/>
-            </a:pPr>
-            <a:r>
-              <a:rPr lang="ru-RU" dirty="0" smtClean="0">
-                <a:solidFill>
-                  <a:srgbClr val="000000"/>
-                </a:solidFill>
-                <a:latin typeface="Consolas"/>
-              </a:rPr>
-              <a:t>    </a:t>
-            </a:r>
-            <a:r>
-              <a:rPr lang="en-US" dirty="0" smtClean="0">
-                <a:solidFill>
-                  <a:srgbClr val="000000"/>
-                </a:solidFill>
-                <a:latin typeface="Consolas"/>
-              </a:rPr>
-              <a:t>{</a:t>
-            </a:r>
-            <a:endParaRPr lang="en-US" dirty="0">
-              <a:solidFill>
-                <a:srgbClr val="000000"/>
-              </a:solidFill>
-              <a:latin typeface="Consolas"/>
-            </a:endParaRPr>
-          </a:p>
-          <a:p>
-            <a:pPr marL="0" indent="0">
-              <a:buNone/>
-            </a:pPr>
-            <a:r>
-              <a:rPr lang="ru-RU" dirty="0" smtClean="0">
-                <a:solidFill>
-                  <a:srgbClr val="000000"/>
-                </a:solidFill>
-                <a:latin typeface="Consolas"/>
-              </a:rPr>
-              <a:t>        </a:t>
-            </a:r>
-            <a:r>
-              <a:rPr lang="en-US" dirty="0" err="1" smtClean="0">
-                <a:solidFill>
-                  <a:srgbClr val="000000"/>
-                </a:solidFill>
-                <a:latin typeface="Consolas"/>
-              </a:rPr>
-              <a:t>bf.Serialize</a:t>
-            </a:r>
-            <a:r>
-              <a:rPr lang="en-US" dirty="0" smtClean="0">
-                <a:solidFill>
-                  <a:srgbClr val="000000"/>
-                </a:solidFill>
-                <a:latin typeface="Consolas"/>
-              </a:rPr>
-              <a:t>(</a:t>
-            </a:r>
-            <a:r>
-              <a:rPr lang="en-US" dirty="0" err="1" smtClean="0">
-                <a:solidFill>
-                  <a:srgbClr val="000000"/>
-                </a:solidFill>
-                <a:latin typeface="Consolas"/>
-              </a:rPr>
-              <a:t>fs</a:t>
-            </a:r>
-            <a:r>
-              <a:rPr lang="en-US" dirty="0">
-                <a:solidFill>
-                  <a:srgbClr val="000000"/>
-                </a:solidFill>
-                <a:latin typeface="Consolas"/>
-              </a:rPr>
-              <a:t>, train);</a:t>
-            </a:r>
-          </a:p>
-          <a:p>
-            <a:pPr marL="0" indent="0">
-              <a:buNone/>
-            </a:pPr>
-            <a:r>
-              <a:rPr lang="ru-RU" dirty="0" smtClean="0">
-                <a:solidFill>
-                  <a:srgbClr val="000000"/>
-                </a:solidFill>
-                <a:latin typeface="Consolas"/>
-              </a:rPr>
-              <a:t>    </a:t>
-            </a:r>
-            <a:r>
-              <a:rPr lang="en-US" dirty="0" smtClean="0">
-                <a:solidFill>
-                  <a:srgbClr val="000000"/>
-                </a:solidFill>
-                <a:latin typeface="Consolas"/>
-              </a:rPr>
-              <a:t>}</a:t>
-            </a:r>
-            <a:endParaRPr lang="en-US" dirty="0">
-              <a:solidFill>
-                <a:srgbClr val="000000"/>
-              </a:solidFill>
-              <a:latin typeface="Consolas"/>
-            </a:endParaRPr>
-          </a:p>
-          <a:p>
-            <a:pPr marL="0" indent="0">
-              <a:buNone/>
-            </a:pPr>
-            <a:r>
-              <a:rPr lang="ru-RU" dirty="0" smtClean="0">
-                <a:solidFill>
-                  <a:srgbClr val="000000"/>
-                </a:solidFill>
-                <a:latin typeface="Consolas"/>
-              </a:rPr>
-              <a:t>    </a:t>
-            </a:r>
-            <a:r>
-              <a:rPr lang="en-US" dirty="0" err="1" smtClean="0">
-                <a:solidFill>
-                  <a:srgbClr val="000000"/>
-                </a:solidFill>
-                <a:latin typeface="Consolas"/>
-              </a:rPr>
-              <a:t>Console.WriteLine</a:t>
-            </a:r>
-            <a:r>
-              <a:rPr lang="en-US" dirty="0">
-                <a:solidFill>
-                  <a:srgbClr val="000000"/>
-                </a:solidFill>
-                <a:latin typeface="Consolas"/>
-              </a:rPr>
-              <a:t>();</a:t>
-            </a:r>
-          </a:p>
-          <a:p>
-            <a:pPr marL="0" indent="0">
-              <a:buNone/>
-            </a:pPr>
-            <a:r>
-              <a:rPr lang="ru-RU" dirty="0" smtClean="0">
-                <a:solidFill>
-                  <a:srgbClr val="008000"/>
-                </a:solidFill>
-                <a:latin typeface="Consolas"/>
-              </a:rPr>
-              <a:t>    </a:t>
-            </a:r>
-            <a:r>
-              <a:rPr lang="en-US" dirty="0" smtClean="0">
-                <a:solidFill>
-                  <a:srgbClr val="008000"/>
-                </a:solidFill>
-                <a:latin typeface="Consolas"/>
-              </a:rPr>
-              <a:t>// </a:t>
-            </a:r>
-            <a:r>
-              <a:rPr lang="ru-RU" dirty="0">
-                <a:solidFill>
-                  <a:srgbClr val="008000"/>
-                </a:solidFill>
-                <a:latin typeface="Consolas"/>
-              </a:rPr>
-              <a:t>Выполняем </a:t>
-            </a:r>
-            <a:r>
-              <a:rPr lang="ru-RU" dirty="0" smtClean="0">
-                <a:solidFill>
-                  <a:srgbClr val="008000"/>
-                </a:solidFill>
-                <a:latin typeface="Consolas"/>
-              </a:rPr>
-              <a:t>десериализацию</a:t>
-            </a:r>
-            <a:endParaRPr lang="en-US" dirty="0">
-              <a:solidFill>
-                <a:srgbClr val="000000"/>
-              </a:solidFill>
-              <a:latin typeface="Consolas"/>
-            </a:endParaRPr>
-          </a:p>
-          <a:p>
-            <a:pPr marL="0" indent="0">
-              <a:buNone/>
-            </a:pPr>
-            <a:r>
-              <a:rPr lang="ru-RU" dirty="0" smtClean="0">
-                <a:solidFill>
-                  <a:srgbClr val="0000FF"/>
-                </a:solidFill>
-                <a:latin typeface="Consolas"/>
-              </a:rPr>
-              <a:t>    </a:t>
-            </a:r>
-            <a:r>
-              <a:rPr lang="en-US" dirty="0" smtClean="0">
-                <a:solidFill>
-                  <a:srgbClr val="0000FF"/>
-                </a:solidFill>
-                <a:latin typeface="Consolas"/>
-              </a:rPr>
-              <a:t>using</a:t>
-            </a:r>
-            <a:r>
-              <a:rPr lang="en-US" dirty="0" smtClean="0">
-                <a:solidFill>
-                  <a:srgbClr val="000000"/>
-                </a:solidFill>
-                <a:latin typeface="Consolas"/>
-              </a:rPr>
-              <a:t> </a:t>
-            </a:r>
-            <a:r>
-              <a:rPr lang="en-US" dirty="0">
-                <a:solidFill>
-                  <a:srgbClr val="000000"/>
-                </a:solidFill>
-                <a:latin typeface="Consolas"/>
-              </a:rPr>
-              <a:t>(</a:t>
-            </a:r>
-            <a:r>
-              <a:rPr lang="en-US" dirty="0" err="1">
-                <a:solidFill>
-                  <a:srgbClr val="000000"/>
-                </a:solidFill>
-                <a:latin typeface="Consolas"/>
-              </a:rPr>
-              <a:t>FileStream</a:t>
-            </a:r>
-            <a:r>
-              <a:rPr lang="en-US" dirty="0">
-                <a:solidFill>
-                  <a:srgbClr val="000000"/>
-                </a:solidFill>
-                <a:latin typeface="Consolas"/>
-              </a:rPr>
-              <a:t> </a:t>
-            </a:r>
-            <a:r>
-              <a:rPr lang="en-US" dirty="0" err="1">
-                <a:solidFill>
-                  <a:srgbClr val="000000"/>
-                </a:solidFill>
-                <a:latin typeface="Consolas"/>
-              </a:rPr>
-              <a:t>fs</a:t>
-            </a:r>
-            <a:r>
-              <a:rPr lang="en-US" dirty="0">
-                <a:solidFill>
-                  <a:srgbClr val="000000"/>
-                </a:solidFill>
-                <a:latin typeface="Consolas"/>
-              </a:rPr>
-              <a:t> = </a:t>
-            </a:r>
-            <a:r>
-              <a:rPr lang="en-US" dirty="0" err="1">
-                <a:solidFill>
-                  <a:srgbClr val="000000"/>
-                </a:solidFill>
-                <a:latin typeface="Consolas"/>
-              </a:rPr>
-              <a:t>File.Open</a:t>
-            </a:r>
-            <a:r>
-              <a:rPr lang="en-US" dirty="0">
-                <a:solidFill>
-                  <a:srgbClr val="000000"/>
-                </a:solidFill>
-                <a:latin typeface="Consolas"/>
-              </a:rPr>
-              <a:t>(</a:t>
-            </a:r>
-            <a:r>
-              <a:rPr lang="en-US" dirty="0" err="1">
-                <a:solidFill>
-                  <a:srgbClr val="000000"/>
-                </a:solidFill>
-                <a:latin typeface="Consolas"/>
-              </a:rPr>
-              <a:t>tempFileName</a:t>
-            </a:r>
-            <a:r>
-              <a:rPr lang="en-US" dirty="0">
-                <a:solidFill>
-                  <a:srgbClr val="000000"/>
-                </a:solidFill>
-                <a:latin typeface="Consolas"/>
-              </a:rPr>
-              <a:t>, </a:t>
-            </a:r>
-            <a:r>
-              <a:rPr lang="en-US" dirty="0" err="1">
-                <a:solidFill>
-                  <a:srgbClr val="000000"/>
-                </a:solidFill>
-                <a:latin typeface="Consolas"/>
-              </a:rPr>
-              <a:t>FileMode.Open</a:t>
-            </a:r>
-            <a:r>
-              <a:rPr lang="en-US" dirty="0">
-                <a:solidFill>
-                  <a:srgbClr val="000000"/>
-                </a:solidFill>
-                <a:latin typeface="Consolas"/>
-              </a:rPr>
-              <a:t>))</a:t>
-            </a:r>
-          </a:p>
-          <a:p>
-            <a:pPr marL="0" indent="0">
-              <a:buNone/>
-            </a:pPr>
-            <a:r>
-              <a:rPr lang="ru-RU" dirty="0" smtClean="0">
-                <a:solidFill>
-                  <a:srgbClr val="000000"/>
-                </a:solidFill>
-                <a:latin typeface="Consolas"/>
-              </a:rPr>
-              <a:t>    </a:t>
-            </a:r>
-            <a:r>
-              <a:rPr lang="en-US" dirty="0" smtClean="0">
-                <a:solidFill>
-                  <a:srgbClr val="000000"/>
-                </a:solidFill>
-                <a:latin typeface="Consolas"/>
-              </a:rPr>
-              <a:t>{</a:t>
-            </a:r>
-            <a:endParaRPr lang="en-US" dirty="0">
-              <a:solidFill>
-                <a:srgbClr val="000000"/>
-              </a:solidFill>
-              <a:latin typeface="Consolas"/>
-            </a:endParaRPr>
-          </a:p>
-          <a:p>
-            <a:pPr marL="0" indent="0">
-              <a:buNone/>
-            </a:pPr>
-            <a:r>
-              <a:rPr lang="ru-RU" dirty="0" smtClean="0">
-                <a:solidFill>
-                  <a:srgbClr val="000000"/>
-                </a:solidFill>
-                <a:latin typeface="Consolas"/>
-              </a:rPr>
-              <a:t>        </a:t>
-            </a:r>
-            <a:r>
-              <a:rPr lang="en-US" dirty="0" smtClean="0">
-                <a:solidFill>
-                  <a:srgbClr val="000000"/>
-                </a:solidFill>
-                <a:latin typeface="Consolas"/>
-              </a:rPr>
-              <a:t>Train </a:t>
-            </a:r>
-            <a:r>
-              <a:rPr lang="en-US" dirty="0" err="1">
-                <a:solidFill>
-                  <a:srgbClr val="000000"/>
-                </a:solidFill>
-                <a:latin typeface="Consolas"/>
-              </a:rPr>
-              <a:t>someTrain</a:t>
-            </a:r>
-            <a:r>
-              <a:rPr lang="en-US" dirty="0">
-                <a:solidFill>
-                  <a:srgbClr val="000000"/>
-                </a:solidFill>
-                <a:latin typeface="Consolas"/>
-              </a:rPr>
-              <a:t> = (Train)</a:t>
-            </a:r>
-            <a:r>
-              <a:rPr lang="en-US" dirty="0" err="1">
-                <a:solidFill>
-                  <a:srgbClr val="000000"/>
-                </a:solidFill>
-                <a:latin typeface="Consolas"/>
-              </a:rPr>
-              <a:t>bf.Deserialize</a:t>
-            </a:r>
-            <a:r>
-              <a:rPr lang="en-US" dirty="0">
-                <a:solidFill>
-                  <a:srgbClr val="000000"/>
-                </a:solidFill>
-                <a:latin typeface="Consolas"/>
-              </a:rPr>
-              <a:t>(</a:t>
-            </a:r>
-            <a:r>
-              <a:rPr lang="en-US" dirty="0" err="1">
-                <a:solidFill>
-                  <a:srgbClr val="000000"/>
-                </a:solidFill>
-                <a:latin typeface="Consolas"/>
-              </a:rPr>
-              <a:t>fs</a:t>
-            </a:r>
-            <a:r>
-              <a:rPr lang="en-US" dirty="0">
-                <a:solidFill>
-                  <a:srgbClr val="000000"/>
-                </a:solidFill>
-                <a:latin typeface="Consolas"/>
-              </a:rPr>
-              <a:t>);</a:t>
-            </a:r>
-          </a:p>
-          <a:p>
-            <a:pPr marL="0" indent="0">
-              <a:buNone/>
-            </a:pPr>
-            <a:r>
-              <a:rPr lang="ru-RU" dirty="0" smtClean="0">
-                <a:solidFill>
-                  <a:srgbClr val="000000"/>
-                </a:solidFill>
-                <a:latin typeface="Consolas"/>
-              </a:rPr>
-              <a:t>        </a:t>
-            </a:r>
-            <a:r>
-              <a:rPr lang="en-US" dirty="0" err="1" smtClean="0">
-                <a:solidFill>
-                  <a:srgbClr val="000000"/>
-                </a:solidFill>
-                <a:latin typeface="Consolas"/>
-              </a:rPr>
-              <a:t>someTrain.Print</a:t>
-            </a:r>
-            <a:r>
-              <a:rPr lang="en-US" dirty="0">
-                <a:solidFill>
-                  <a:srgbClr val="000000"/>
-                </a:solidFill>
-                <a:latin typeface="Consolas"/>
-              </a:rPr>
-              <a:t>();</a:t>
-            </a:r>
-          </a:p>
-          <a:p>
-            <a:pPr marL="0" indent="0">
-              <a:buNone/>
-            </a:pPr>
-            <a:r>
-              <a:rPr lang="ru-RU" dirty="0" smtClean="0">
-                <a:solidFill>
-                  <a:srgbClr val="000000"/>
-                </a:solidFill>
-                <a:latin typeface="Consolas"/>
-              </a:rPr>
-              <a:t>    </a:t>
-            </a:r>
-            <a:r>
-              <a:rPr lang="en-US" dirty="0" smtClean="0">
-                <a:solidFill>
-                  <a:srgbClr val="000000"/>
-                </a:solidFill>
-                <a:latin typeface="Consolas"/>
-              </a:rPr>
-              <a:t>}</a:t>
-            </a:r>
-            <a:endParaRPr lang="en-US" dirty="0">
-              <a:solidFill>
-                <a:srgbClr val="000000"/>
-              </a:solidFill>
-              <a:latin typeface="Consolas"/>
-            </a:endParaRPr>
-          </a:p>
-          <a:p>
-            <a:pPr marL="0" indent="0">
-              <a:buNone/>
-            </a:pPr>
-            <a:r>
-              <a:rPr lang="ru-RU" dirty="0" smtClean="0">
-                <a:solidFill>
-                  <a:srgbClr val="008000"/>
-                </a:solidFill>
-                <a:latin typeface="Consolas"/>
-              </a:rPr>
-              <a:t>    </a:t>
-            </a:r>
-            <a:r>
-              <a:rPr lang="en-US" dirty="0" smtClean="0">
-                <a:solidFill>
-                  <a:srgbClr val="008000"/>
-                </a:solidFill>
-                <a:latin typeface="Consolas"/>
-              </a:rPr>
-              <a:t>// </a:t>
-            </a:r>
-            <a:r>
-              <a:rPr lang="ru-RU" dirty="0">
-                <a:solidFill>
-                  <a:srgbClr val="008000"/>
-                </a:solidFill>
-                <a:latin typeface="Consolas"/>
-              </a:rPr>
-              <a:t>Удаляем ненужный временный </a:t>
-            </a:r>
-            <a:r>
-              <a:rPr lang="ru-RU" dirty="0" smtClean="0">
-                <a:solidFill>
-                  <a:srgbClr val="008000"/>
-                </a:solidFill>
-                <a:latin typeface="Consolas"/>
-              </a:rPr>
-              <a:t>файл. В настоящем приложении файл может еще понадобиться.</a:t>
-            </a:r>
-            <a:endParaRPr lang="en-US" dirty="0">
-              <a:solidFill>
-                <a:srgbClr val="000000"/>
-              </a:solidFill>
-              <a:latin typeface="Consolas"/>
-            </a:endParaRPr>
-          </a:p>
-          <a:p>
-            <a:pPr marL="0" indent="0">
-              <a:buNone/>
-            </a:pPr>
-            <a:r>
-              <a:rPr lang="ru-RU" dirty="0" smtClean="0">
-                <a:solidFill>
-                  <a:srgbClr val="000000"/>
-                </a:solidFill>
-                <a:latin typeface="Consolas"/>
-              </a:rPr>
-              <a:t>    </a:t>
-            </a:r>
-            <a:r>
-              <a:rPr lang="en-US" dirty="0" err="1" smtClean="0">
-                <a:solidFill>
-                  <a:srgbClr val="000000"/>
-                </a:solidFill>
-                <a:latin typeface="Consolas"/>
-              </a:rPr>
-              <a:t>File.Delete</a:t>
-            </a:r>
-            <a:r>
-              <a:rPr lang="en-US" dirty="0" smtClean="0">
-                <a:solidFill>
-                  <a:srgbClr val="000000"/>
-                </a:solidFill>
-                <a:latin typeface="Consolas"/>
-              </a:rPr>
-              <a:t>(</a:t>
-            </a:r>
-            <a:r>
-              <a:rPr lang="en-US" dirty="0" err="1" smtClean="0">
-                <a:solidFill>
-                  <a:srgbClr val="000000"/>
-                </a:solidFill>
-                <a:latin typeface="Consolas"/>
-              </a:rPr>
-              <a:t>tempFileName</a:t>
-            </a:r>
-            <a:r>
-              <a:rPr lang="en-US" dirty="0" smtClean="0">
-                <a:solidFill>
-                  <a:srgbClr val="000000"/>
-                </a:solidFill>
-                <a:latin typeface="Consolas"/>
-              </a:rPr>
-              <a:t>);</a:t>
-            </a:r>
-            <a:r>
-              <a:rPr lang="ru-RU" dirty="0" smtClean="0">
-                <a:solidFill>
-                  <a:srgbClr val="000000"/>
-                </a:solidFill>
-                <a:latin typeface="Consolas"/>
-              </a:rPr>
-              <a:t> </a:t>
-            </a:r>
-            <a:endParaRPr lang="en-US" dirty="0">
-              <a:solidFill>
-                <a:srgbClr val="000000"/>
-              </a:solidFill>
-              <a:latin typeface="Consolas"/>
-            </a:endParaRPr>
-          </a:p>
-          <a:p>
-            <a:pPr marL="0" indent="0">
-              <a:buNone/>
-            </a:pPr>
-            <a:r>
-              <a:rPr lang="en-US" dirty="0">
-                <a:solidFill>
-                  <a:srgbClr val="000000"/>
-                </a:solidFill>
-                <a:latin typeface="Consolas"/>
-              </a:rPr>
-              <a:t>}</a:t>
+              <a:rPr lang="ru-RU" dirty="0" smtClean="0"/>
+              <a:t>сериализацию. При необходимости можно реализовать собственный механизм.</a:t>
             </a:r>
             <a:endParaRPr lang="en-US" dirty="0"/>
           </a:p>
@@ -27531,7 +26264,7 @@
     </p:spTree>
     <p:extLst>
       <p:ext uri="{BB962C8B-B14F-4D97-AF65-F5344CB8AC3E}">
-        <p14:creationId xmlns:p14="http://schemas.microsoft.com/office/powerpoint/2010/main" val="848852780"/>
+        <p14:creationId xmlns:p14="http://schemas.microsoft.com/office/powerpoint/2010/main" val="1542700340"/>
       </p:ext>
     </p:extLst>
   </p:cSld>
@@ -27602,6 +26335,2240 @@
           <a:lstStyle/>
           <a:p>
             <a:r>
+              <a:rPr lang="ru-RU" sz="2000" dirty="0" smtClean="0"/>
+              <a:t>Бинарная сериализация (пример)</a:t>
+            </a:r>
+            <a:endParaRPr lang="en-US" sz="2000" dirty="0"/>
+          </a:p>
+        </p:txBody>
+      </p:sp>
+      <p:sp>
+        <p:nvSpPr>
+          <p:cNvPr id="3" name="Content Placeholder 2"/>
+          <p:cNvSpPr>
+            <a:spLocks noGrp="1"/>
+          </p:cNvSpPr>
+          <p:nvPr>
+            <p:ph idx="1"/>
+          </p:nvPr>
+        </p:nvSpPr>
+        <p:spPr>
+          <a:xfrm>
+            <a:off x="457200" y="919261"/>
+            <a:ext cx="8229600" cy="5750099"/>
+          </a:xfrm>
+          <a:solidFill>
+            <a:schemeClr val="bg1"/>
+          </a:solidFill>
+        </p:spPr>
+        <p:txBody>
+          <a:bodyPr>
+            <a:normAutofit fontScale="25000" lnSpcReduction="20000"/>
+          </a:bodyPr>
+          <a:lstStyle/>
+          <a:p>
+            <a:pPr marL="0" indent="0">
+              <a:buNone/>
+            </a:pPr>
+            <a:r>
+              <a:rPr lang="en-US" dirty="0" smtClean="0">
+                <a:solidFill>
+                  <a:srgbClr val="0000FF"/>
+                </a:solidFill>
+                <a:latin typeface="Consolas"/>
+              </a:rPr>
+              <a:t>using</a:t>
+            </a:r>
+            <a:r>
+              <a:rPr lang="en-US" dirty="0" smtClean="0">
+                <a:solidFill>
+                  <a:srgbClr val="000000"/>
+                </a:solidFill>
+                <a:latin typeface="Consolas"/>
+              </a:rPr>
+              <a:t> System;</a:t>
+            </a:r>
+            <a:endParaRPr lang="ru-RU" dirty="0" smtClean="0">
+              <a:solidFill>
+                <a:srgbClr val="0000FF"/>
+              </a:solidFill>
+              <a:latin typeface="Consolas"/>
+            </a:endParaRPr>
+          </a:p>
+          <a:p>
+            <a:pPr marL="0" indent="0">
+              <a:buNone/>
+            </a:pPr>
+            <a:r>
+              <a:rPr lang="en-US" dirty="0" smtClean="0">
+                <a:solidFill>
+                  <a:srgbClr val="0000FF"/>
+                </a:solidFill>
+                <a:latin typeface="Consolas"/>
+              </a:rPr>
+              <a:t>using</a:t>
+            </a:r>
+            <a:r>
+              <a:rPr lang="en-US" dirty="0" smtClean="0">
+                <a:solidFill>
+                  <a:srgbClr val="000000"/>
+                </a:solidFill>
+                <a:latin typeface="Consolas"/>
+              </a:rPr>
+              <a:t> System.IO;</a:t>
+            </a:r>
+          </a:p>
+          <a:p>
+            <a:pPr marL="0" indent="0">
+              <a:buNone/>
+            </a:pPr>
+            <a:r>
+              <a:rPr lang="en-US" dirty="0">
+                <a:solidFill>
+                  <a:srgbClr val="0000FF"/>
+                </a:solidFill>
+                <a:latin typeface="Consolas"/>
+              </a:rPr>
+              <a:t>using</a:t>
+            </a:r>
+            <a:r>
+              <a:rPr lang="en-US" dirty="0" smtClean="0">
+                <a:solidFill>
+                  <a:srgbClr val="000000"/>
+                </a:solidFill>
+                <a:latin typeface="Consolas"/>
+              </a:rPr>
+              <a:t> </a:t>
+            </a:r>
+            <a:r>
+              <a:rPr lang="en-US" dirty="0" err="1" smtClean="0">
+                <a:solidFill>
+                  <a:srgbClr val="000000"/>
+                </a:solidFill>
+                <a:latin typeface="Consolas"/>
+              </a:rPr>
+              <a:t>System.Runtime.Serialization.Formatters.Binary</a:t>
+            </a:r>
+            <a:r>
+              <a:rPr lang="en-US" dirty="0" smtClean="0">
+                <a:solidFill>
+                  <a:srgbClr val="000000"/>
+                </a:solidFill>
+                <a:latin typeface="Consolas"/>
+              </a:rPr>
+              <a:t>;</a:t>
+            </a:r>
+            <a:endParaRPr lang="ru-RU" dirty="0" smtClean="0">
+              <a:solidFill>
+                <a:srgbClr val="000000"/>
+              </a:solidFill>
+              <a:latin typeface="Consolas"/>
+            </a:endParaRPr>
+          </a:p>
+          <a:p>
+            <a:pPr marL="0" indent="0">
+              <a:buNone/>
+            </a:pPr>
+            <a:endParaRPr lang="ru-RU" dirty="0" smtClean="0">
+              <a:solidFill>
+                <a:srgbClr val="000000"/>
+              </a:solidFill>
+              <a:latin typeface="Consolas"/>
+            </a:endParaRPr>
+          </a:p>
+          <a:p>
+            <a:pPr marL="0" indent="0">
+              <a:buNone/>
+            </a:pPr>
+            <a:r>
+              <a:rPr lang="en-US" dirty="0" smtClean="0">
+                <a:solidFill>
+                  <a:srgbClr val="000000"/>
+                </a:solidFill>
+                <a:latin typeface="Consolas"/>
+              </a:rPr>
+              <a:t>[</a:t>
+            </a:r>
+            <a:r>
+              <a:rPr lang="en-US" dirty="0" err="1">
+                <a:solidFill>
+                  <a:srgbClr val="000000"/>
+                </a:solidFill>
+                <a:latin typeface="Consolas"/>
+              </a:rPr>
+              <a:t>Serializable</a:t>
+            </a:r>
+            <a:r>
+              <a:rPr lang="en-US" dirty="0">
+                <a:solidFill>
+                  <a:srgbClr val="000000"/>
+                </a:solidFill>
+                <a:latin typeface="Consolas"/>
+              </a:rPr>
+              <a:t>]</a:t>
+            </a:r>
+          </a:p>
+          <a:p>
+            <a:pPr marL="0" indent="0">
+              <a:buNone/>
+            </a:pPr>
+            <a:r>
+              <a:rPr lang="en-US" dirty="0">
+                <a:solidFill>
+                  <a:srgbClr val="0000FF"/>
+                </a:solidFill>
+                <a:latin typeface="Consolas"/>
+              </a:rPr>
+              <a:t>class</a:t>
+            </a:r>
+            <a:r>
+              <a:rPr lang="en-US" dirty="0">
+                <a:solidFill>
+                  <a:srgbClr val="000000"/>
+                </a:solidFill>
+                <a:latin typeface="Consolas"/>
+              </a:rPr>
+              <a:t> Train</a:t>
+            </a:r>
+          </a:p>
+          <a:p>
+            <a:pPr marL="0" indent="0">
+              <a:buNone/>
+            </a:pPr>
+            <a:r>
+              <a:rPr lang="en-US" dirty="0">
+                <a:solidFill>
+                  <a:srgbClr val="000000"/>
+                </a:solidFill>
+                <a:latin typeface="Consolas"/>
+              </a:rPr>
+              <a:t>{</a:t>
+            </a:r>
+          </a:p>
+          <a:p>
+            <a:pPr marL="0" indent="0">
+              <a:buNone/>
+            </a:pPr>
+            <a:r>
+              <a:rPr lang="en-US" dirty="0">
+                <a:solidFill>
+                  <a:srgbClr val="000000"/>
+                </a:solidFill>
+                <a:latin typeface="Consolas"/>
+              </a:rPr>
+              <a:t>  [</a:t>
+            </a:r>
+            <a:r>
+              <a:rPr lang="en-US" dirty="0" err="1">
+                <a:solidFill>
+                  <a:srgbClr val="000000"/>
+                </a:solidFill>
+                <a:latin typeface="Consolas"/>
+              </a:rPr>
+              <a:t>NonSerialized</a:t>
+            </a:r>
+            <a:r>
+              <a:rPr lang="en-US" dirty="0">
+                <a:solidFill>
+                  <a:srgbClr val="000000"/>
+                </a:solidFill>
+                <a:latin typeface="Consolas"/>
+              </a:rPr>
+              <a:t>]</a:t>
+            </a:r>
+          </a:p>
+          <a:p>
+            <a:pPr marL="0" indent="0">
+              <a:buNone/>
+            </a:pPr>
+            <a:r>
+              <a:rPr lang="en-US" dirty="0">
+                <a:solidFill>
+                  <a:srgbClr val="000000"/>
+                </a:solidFill>
+                <a:latin typeface="Consolas"/>
+              </a:rPr>
+              <a:t>  </a:t>
+            </a:r>
+            <a:r>
+              <a:rPr lang="en-US" dirty="0">
+                <a:solidFill>
+                  <a:srgbClr val="0000FF"/>
+                </a:solidFill>
+                <a:latin typeface="Consolas"/>
+              </a:rPr>
+              <a:t>double</a:t>
+            </a:r>
+            <a:r>
+              <a:rPr lang="en-US" dirty="0">
+                <a:solidFill>
+                  <a:srgbClr val="000000"/>
+                </a:solidFill>
+                <a:latin typeface="Consolas"/>
+              </a:rPr>
+              <a:t> _speed;</a:t>
+            </a:r>
+          </a:p>
+          <a:p>
+            <a:pPr marL="0" indent="0">
+              <a:buNone/>
+            </a:pPr>
+            <a:r>
+              <a:rPr lang="en-US" dirty="0" smtClean="0">
+                <a:solidFill>
+                  <a:srgbClr val="0000FF"/>
+                </a:solidFill>
+                <a:latin typeface="Consolas"/>
+              </a:rPr>
+              <a:t>  </a:t>
+            </a:r>
+            <a:r>
+              <a:rPr lang="en-US" dirty="0" err="1" smtClean="0">
+                <a:solidFill>
+                  <a:srgbClr val="0000FF"/>
+                </a:solidFill>
+                <a:latin typeface="Consolas"/>
+              </a:rPr>
+              <a:t>int</a:t>
+            </a:r>
+            <a:r>
+              <a:rPr lang="en-US" dirty="0" smtClean="0">
+                <a:solidFill>
+                  <a:srgbClr val="000000"/>
+                </a:solidFill>
+                <a:latin typeface="Consolas"/>
+              </a:rPr>
+              <a:t> </a:t>
+            </a:r>
+            <a:r>
+              <a:rPr lang="en-US" dirty="0">
+                <a:solidFill>
+                  <a:srgbClr val="000000"/>
+                </a:solidFill>
+                <a:latin typeface="Consolas"/>
+              </a:rPr>
+              <a:t>_length;</a:t>
+            </a:r>
+          </a:p>
+          <a:p>
+            <a:pPr marL="0" indent="0">
+              <a:buNone/>
+            </a:pPr>
+            <a:r>
+              <a:rPr lang="en-US" dirty="0">
+                <a:solidFill>
+                  <a:srgbClr val="000000"/>
+                </a:solidFill>
+                <a:latin typeface="Consolas"/>
+              </a:rPr>
+              <a:t>  </a:t>
+            </a:r>
+            <a:r>
+              <a:rPr lang="en-US" dirty="0">
+                <a:solidFill>
+                  <a:srgbClr val="0000FF"/>
+                </a:solidFill>
+                <a:latin typeface="Consolas"/>
+              </a:rPr>
+              <a:t>string</a:t>
+            </a:r>
+            <a:r>
+              <a:rPr lang="en-US" dirty="0">
+                <a:solidFill>
+                  <a:srgbClr val="000000"/>
+                </a:solidFill>
+                <a:latin typeface="Consolas"/>
+              </a:rPr>
+              <a:t>[] _</a:t>
+            </a:r>
+            <a:r>
+              <a:rPr lang="en-US" dirty="0" err="1">
+                <a:solidFill>
+                  <a:srgbClr val="000000"/>
+                </a:solidFill>
+                <a:latin typeface="Consolas"/>
+              </a:rPr>
+              <a:t>travellers</a:t>
+            </a:r>
+            <a:r>
+              <a:rPr lang="en-US" dirty="0">
+                <a:solidFill>
+                  <a:srgbClr val="000000"/>
+                </a:solidFill>
+                <a:latin typeface="Consolas"/>
+              </a:rPr>
+              <a:t>;</a:t>
+            </a:r>
+          </a:p>
+          <a:p>
+            <a:pPr marL="0" indent="0">
+              <a:buNone/>
+            </a:pPr>
+            <a:r>
+              <a:rPr lang="en-US" dirty="0">
+                <a:solidFill>
+                  <a:srgbClr val="000000"/>
+                </a:solidFill>
+                <a:latin typeface="Consolas"/>
+              </a:rPr>
+              <a:t>  </a:t>
+            </a:r>
+          </a:p>
+          <a:p>
+            <a:pPr marL="0" indent="0">
+              <a:buNone/>
+            </a:pPr>
+            <a:r>
+              <a:rPr lang="en-US" dirty="0">
+                <a:solidFill>
+                  <a:srgbClr val="000000"/>
+                </a:solidFill>
+                <a:latin typeface="Consolas"/>
+              </a:rPr>
+              <a:t>  </a:t>
+            </a:r>
+            <a:r>
+              <a:rPr lang="en-US" dirty="0">
+                <a:solidFill>
+                  <a:srgbClr val="0000FF"/>
+                </a:solidFill>
+                <a:latin typeface="Consolas"/>
+              </a:rPr>
+              <a:t>public</a:t>
+            </a:r>
+            <a:r>
+              <a:rPr lang="en-US" dirty="0">
+                <a:solidFill>
+                  <a:srgbClr val="000000"/>
+                </a:solidFill>
+                <a:latin typeface="Consolas"/>
+              </a:rPr>
+              <a:t> Train(</a:t>
+            </a:r>
+            <a:r>
+              <a:rPr lang="en-US" dirty="0">
+                <a:solidFill>
+                  <a:srgbClr val="0000FF"/>
+                </a:solidFill>
+                <a:latin typeface="Consolas"/>
+              </a:rPr>
+              <a:t>double</a:t>
+            </a:r>
+            <a:r>
+              <a:rPr lang="en-US" dirty="0">
+                <a:solidFill>
+                  <a:srgbClr val="000000"/>
+                </a:solidFill>
+                <a:latin typeface="Consolas"/>
+              </a:rPr>
+              <a:t> speed, </a:t>
+            </a:r>
+            <a:r>
+              <a:rPr lang="en-US" dirty="0" err="1">
+                <a:solidFill>
+                  <a:srgbClr val="0000FF"/>
+                </a:solidFill>
+                <a:latin typeface="Consolas"/>
+              </a:rPr>
+              <a:t>int</a:t>
+            </a:r>
+            <a:r>
+              <a:rPr lang="en-US" dirty="0">
+                <a:solidFill>
+                  <a:srgbClr val="000000"/>
+                </a:solidFill>
+                <a:latin typeface="Consolas"/>
+              </a:rPr>
+              <a:t> length, </a:t>
+            </a:r>
+            <a:r>
+              <a:rPr lang="en-US" dirty="0" err="1">
+                <a:solidFill>
+                  <a:srgbClr val="0000FF"/>
+                </a:solidFill>
+                <a:latin typeface="Consolas"/>
+              </a:rPr>
+              <a:t>params</a:t>
+            </a:r>
+            <a:r>
+              <a:rPr lang="en-US" dirty="0">
+                <a:solidFill>
+                  <a:srgbClr val="000000"/>
+                </a:solidFill>
+                <a:latin typeface="Consolas"/>
+              </a:rPr>
+              <a:t> </a:t>
+            </a:r>
+            <a:r>
+              <a:rPr lang="en-US" dirty="0">
+                <a:solidFill>
+                  <a:srgbClr val="0000FF"/>
+                </a:solidFill>
+                <a:latin typeface="Consolas"/>
+              </a:rPr>
+              <a:t>string</a:t>
+            </a:r>
+            <a:r>
+              <a:rPr lang="en-US" dirty="0">
+                <a:solidFill>
+                  <a:srgbClr val="000000"/>
+                </a:solidFill>
+                <a:latin typeface="Consolas"/>
+              </a:rPr>
+              <a:t>[] </a:t>
+            </a:r>
+            <a:r>
+              <a:rPr lang="en-US" dirty="0" err="1">
+                <a:solidFill>
+                  <a:srgbClr val="000000"/>
+                </a:solidFill>
+                <a:latin typeface="Consolas"/>
+              </a:rPr>
+              <a:t>travellers</a:t>
+            </a:r>
+            <a:r>
+              <a:rPr lang="en-US" dirty="0">
+                <a:solidFill>
+                  <a:srgbClr val="000000"/>
+                </a:solidFill>
+                <a:latin typeface="Consolas"/>
+              </a:rPr>
+              <a:t>)</a:t>
+            </a:r>
+          </a:p>
+          <a:p>
+            <a:pPr marL="0" indent="0">
+              <a:buNone/>
+            </a:pPr>
+            <a:r>
+              <a:rPr lang="en-US" dirty="0">
+                <a:solidFill>
+                  <a:srgbClr val="000000"/>
+                </a:solidFill>
+                <a:latin typeface="Consolas"/>
+              </a:rPr>
+              <a:t>  {</a:t>
+            </a:r>
+          </a:p>
+          <a:p>
+            <a:pPr marL="0" indent="0">
+              <a:buNone/>
+            </a:pPr>
+            <a:r>
+              <a:rPr lang="en-US" dirty="0">
+                <a:solidFill>
+                  <a:srgbClr val="000000"/>
+                </a:solidFill>
+                <a:latin typeface="Consolas"/>
+              </a:rPr>
+              <a:t>      _speed = speed;</a:t>
+            </a:r>
+          </a:p>
+          <a:p>
+            <a:pPr marL="0" indent="0">
+              <a:buNone/>
+            </a:pPr>
+            <a:r>
+              <a:rPr lang="en-US" dirty="0">
+                <a:solidFill>
+                  <a:srgbClr val="000000"/>
+                </a:solidFill>
+                <a:latin typeface="Consolas"/>
+              </a:rPr>
+              <a:t>      _length = length;</a:t>
+            </a:r>
+          </a:p>
+          <a:p>
+            <a:pPr marL="0" indent="0">
+              <a:buNone/>
+            </a:pPr>
+            <a:r>
+              <a:rPr lang="en-US" dirty="0">
+                <a:solidFill>
+                  <a:srgbClr val="000000"/>
+                </a:solidFill>
+                <a:latin typeface="Consolas"/>
+              </a:rPr>
+              <a:t>      _</a:t>
+            </a:r>
+            <a:r>
+              <a:rPr lang="en-US" dirty="0" err="1">
+                <a:solidFill>
+                  <a:srgbClr val="000000"/>
+                </a:solidFill>
+                <a:latin typeface="Consolas"/>
+              </a:rPr>
+              <a:t>travellers</a:t>
+            </a:r>
+            <a:r>
+              <a:rPr lang="en-US" dirty="0">
+                <a:solidFill>
+                  <a:srgbClr val="000000"/>
+                </a:solidFill>
+                <a:latin typeface="Consolas"/>
+              </a:rPr>
+              <a:t> = </a:t>
+            </a:r>
+            <a:r>
+              <a:rPr lang="en-US" dirty="0" err="1">
+                <a:solidFill>
+                  <a:srgbClr val="000000"/>
+                </a:solidFill>
+                <a:latin typeface="Consolas"/>
+              </a:rPr>
+              <a:t>travellers</a:t>
+            </a:r>
+            <a:r>
+              <a:rPr lang="en-US" dirty="0">
+                <a:solidFill>
+                  <a:srgbClr val="000000"/>
+                </a:solidFill>
+                <a:latin typeface="Consolas"/>
+              </a:rPr>
+              <a:t>;</a:t>
+            </a:r>
+          </a:p>
+          <a:p>
+            <a:pPr marL="0" indent="0">
+              <a:buNone/>
+            </a:pPr>
+            <a:r>
+              <a:rPr lang="en-US" dirty="0">
+                <a:solidFill>
+                  <a:srgbClr val="000000"/>
+                </a:solidFill>
+                <a:latin typeface="Consolas"/>
+              </a:rPr>
+              <a:t>  }</a:t>
+            </a:r>
+          </a:p>
+          <a:p>
+            <a:pPr marL="0" indent="0">
+              <a:buNone/>
+            </a:pPr>
+            <a:r>
+              <a:rPr lang="ru-RU" dirty="0" smtClean="0">
+                <a:solidFill>
+                  <a:srgbClr val="0000FF"/>
+                </a:solidFill>
+                <a:latin typeface="Consolas"/>
+              </a:rPr>
+              <a:t>  </a:t>
+            </a:r>
+            <a:r>
+              <a:rPr lang="en-US" dirty="0" smtClean="0">
+                <a:solidFill>
+                  <a:srgbClr val="0000FF"/>
+                </a:solidFill>
+                <a:latin typeface="Consolas"/>
+              </a:rPr>
+              <a:t>public</a:t>
+            </a:r>
+            <a:r>
+              <a:rPr lang="en-US" dirty="0" smtClean="0">
+                <a:solidFill>
+                  <a:srgbClr val="000000"/>
+                </a:solidFill>
+                <a:latin typeface="Consolas"/>
+              </a:rPr>
+              <a:t> </a:t>
+            </a:r>
+            <a:r>
+              <a:rPr lang="en-US" dirty="0">
+                <a:solidFill>
+                  <a:srgbClr val="0000FF"/>
+                </a:solidFill>
+                <a:latin typeface="Consolas"/>
+              </a:rPr>
+              <a:t>void</a:t>
+            </a:r>
+            <a:r>
+              <a:rPr lang="en-US" dirty="0">
+                <a:solidFill>
+                  <a:srgbClr val="000000"/>
+                </a:solidFill>
+                <a:latin typeface="Consolas"/>
+              </a:rPr>
+              <a:t> Print()</a:t>
+            </a:r>
+          </a:p>
+          <a:p>
+            <a:pPr marL="0" indent="0">
+              <a:buNone/>
+            </a:pPr>
+            <a:r>
+              <a:rPr lang="en-US" dirty="0">
+                <a:solidFill>
+                  <a:srgbClr val="000000"/>
+                </a:solidFill>
+                <a:latin typeface="Consolas"/>
+              </a:rPr>
+              <a:t>  {</a:t>
+            </a:r>
+          </a:p>
+          <a:p>
+            <a:pPr marL="0" indent="0">
+              <a:buNone/>
+            </a:pPr>
+            <a:r>
+              <a:rPr lang="en-US" dirty="0">
+                <a:solidFill>
+                  <a:srgbClr val="000000"/>
+                </a:solidFill>
+                <a:latin typeface="Consolas"/>
+              </a:rPr>
+              <a:t>      </a:t>
+            </a:r>
+            <a:r>
+              <a:rPr lang="en-US" dirty="0" err="1">
+                <a:solidFill>
+                  <a:srgbClr val="000000"/>
+                </a:solidFill>
+                <a:latin typeface="Consolas"/>
+              </a:rPr>
+              <a:t>Console.WriteLine</a:t>
+            </a:r>
+            <a:r>
+              <a:rPr lang="en-US" dirty="0">
+                <a:solidFill>
+                  <a:srgbClr val="000000"/>
+                </a:solidFill>
+                <a:latin typeface="Consolas"/>
+              </a:rPr>
+              <a:t>(</a:t>
+            </a:r>
+            <a:r>
+              <a:rPr lang="en-US" dirty="0">
+                <a:solidFill>
+                  <a:srgbClr val="DC1414"/>
+                </a:solidFill>
+                <a:latin typeface="Consolas"/>
+              </a:rPr>
+              <a:t>"Speed: {0}"</a:t>
+            </a:r>
+            <a:r>
+              <a:rPr lang="en-US" dirty="0">
+                <a:solidFill>
+                  <a:srgbClr val="000000"/>
+                </a:solidFill>
+                <a:latin typeface="Consolas"/>
+              </a:rPr>
+              <a:t>, _speed);</a:t>
+            </a:r>
+          </a:p>
+          <a:p>
+            <a:pPr marL="0" indent="0">
+              <a:buNone/>
+            </a:pPr>
+            <a:r>
+              <a:rPr lang="en-US" dirty="0">
+                <a:solidFill>
+                  <a:srgbClr val="000000"/>
+                </a:solidFill>
+                <a:latin typeface="Consolas"/>
+              </a:rPr>
+              <a:t>      </a:t>
+            </a:r>
+            <a:r>
+              <a:rPr lang="en-US" dirty="0" err="1">
+                <a:solidFill>
+                  <a:srgbClr val="000000"/>
+                </a:solidFill>
+                <a:latin typeface="Consolas"/>
+              </a:rPr>
+              <a:t>Console.WriteLine</a:t>
+            </a:r>
+            <a:r>
+              <a:rPr lang="en-US" dirty="0">
+                <a:solidFill>
+                  <a:srgbClr val="000000"/>
+                </a:solidFill>
+                <a:latin typeface="Consolas"/>
+              </a:rPr>
+              <a:t>(</a:t>
+            </a:r>
+            <a:r>
+              <a:rPr lang="en-US" dirty="0">
+                <a:solidFill>
+                  <a:srgbClr val="DC1414"/>
+                </a:solidFill>
+                <a:latin typeface="Consolas"/>
+              </a:rPr>
+              <a:t>"Length : {0}"</a:t>
+            </a:r>
+            <a:r>
+              <a:rPr lang="en-US" dirty="0">
+                <a:solidFill>
+                  <a:srgbClr val="000000"/>
+                </a:solidFill>
+                <a:latin typeface="Consolas"/>
+              </a:rPr>
+              <a:t>, _length);</a:t>
+            </a:r>
+          </a:p>
+          <a:p>
+            <a:pPr marL="0" indent="0">
+              <a:buNone/>
+            </a:pPr>
+            <a:r>
+              <a:rPr lang="fr-FR" dirty="0">
+                <a:solidFill>
+                  <a:srgbClr val="000000"/>
+                </a:solidFill>
+                <a:latin typeface="Consolas"/>
+              </a:rPr>
+              <a:t>      </a:t>
+            </a:r>
+            <a:r>
+              <a:rPr lang="fr-FR" dirty="0" err="1">
+                <a:solidFill>
+                  <a:srgbClr val="000000"/>
+                </a:solidFill>
+                <a:latin typeface="Consolas"/>
+              </a:rPr>
+              <a:t>Console.WriteLine</a:t>
+            </a:r>
+            <a:r>
+              <a:rPr lang="fr-FR" dirty="0">
+                <a:solidFill>
+                  <a:srgbClr val="000000"/>
+                </a:solidFill>
+                <a:latin typeface="Consolas"/>
+              </a:rPr>
+              <a:t>(</a:t>
+            </a:r>
+            <a:r>
+              <a:rPr lang="fr-FR" dirty="0">
+                <a:solidFill>
+                  <a:srgbClr val="DC1414"/>
+                </a:solidFill>
+                <a:latin typeface="Consolas"/>
+              </a:rPr>
+              <a:t>"</a:t>
+            </a:r>
+            <a:r>
+              <a:rPr lang="fr-FR" dirty="0" err="1">
+                <a:solidFill>
+                  <a:srgbClr val="DC1414"/>
+                </a:solidFill>
+                <a:latin typeface="Consolas"/>
+              </a:rPr>
+              <a:t>Travellers</a:t>
+            </a:r>
+            <a:r>
+              <a:rPr lang="fr-FR" dirty="0">
+                <a:solidFill>
+                  <a:srgbClr val="DC1414"/>
+                </a:solidFill>
+                <a:latin typeface="Consolas"/>
+              </a:rPr>
+              <a:t>: {0}"</a:t>
+            </a:r>
+            <a:r>
+              <a:rPr lang="fr-FR" dirty="0">
+                <a:solidFill>
+                  <a:srgbClr val="000000"/>
+                </a:solidFill>
+                <a:latin typeface="Consolas"/>
+              </a:rPr>
+              <a:t>, </a:t>
+            </a:r>
+            <a:r>
+              <a:rPr lang="fr-FR" dirty="0" err="1">
+                <a:solidFill>
+                  <a:srgbClr val="000000"/>
+                </a:solidFill>
+                <a:latin typeface="Consolas"/>
+              </a:rPr>
+              <a:t>String.Join</a:t>
+            </a:r>
+            <a:r>
+              <a:rPr lang="fr-FR" dirty="0">
+                <a:solidFill>
+                  <a:srgbClr val="000000"/>
+                </a:solidFill>
+                <a:latin typeface="Consolas"/>
+              </a:rPr>
+              <a:t>(</a:t>
+            </a:r>
+            <a:r>
+              <a:rPr lang="fr-FR" dirty="0">
+                <a:solidFill>
+                  <a:srgbClr val="DC1414"/>
+                </a:solidFill>
+                <a:latin typeface="Consolas"/>
+              </a:rPr>
+              <a:t>"; "</a:t>
+            </a:r>
+            <a:r>
+              <a:rPr lang="fr-FR" dirty="0">
+                <a:solidFill>
+                  <a:srgbClr val="000000"/>
+                </a:solidFill>
+                <a:latin typeface="Consolas"/>
+              </a:rPr>
+              <a:t>, _</a:t>
+            </a:r>
+            <a:r>
+              <a:rPr lang="fr-FR" dirty="0" err="1">
+                <a:solidFill>
+                  <a:srgbClr val="000000"/>
+                </a:solidFill>
+                <a:latin typeface="Consolas"/>
+              </a:rPr>
+              <a:t>travellers</a:t>
+            </a:r>
+            <a:r>
+              <a:rPr lang="fr-FR" dirty="0">
+                <a:solidFill>
+                  <a:srgbClr val="000000"/>
+                </a:solidFill>
+                <a:latin typeface="Consolas"/>
+              </a:rPr>
+              <a:t>));</a:t>
+            </a:r>
+          </a:p>
+          <a:p>
+            <a:pPr marL="0" indent="0">
+              <a:buNone/>
+            </a:pPr>
+            <a:r>
+              <a:rPr lang="en-US" dirty="0">
+                <a:solidFill>
+                  <a:srgbClr val="000000"/>
+                </a:solidFill>
+                <a:latin typeface="Consolas"/>
+              </a:rPr>
+              <a:t>  }</a:t>
+            </a:r>
+          </a:p>
+          <a:p>
+            <a:pPr marL="0" indent="0">
+              <a:buNone/>
+            </a:pPr>
+            <a:r>
+              <a:rPr lang="en-US" dirty="0">
+                <a:solidFill>
+                  <a:srgbClr val="000000"/>
+                </a:solidFill>
+                <a:latin typeface="Consolas"/>
+              </a:rPr>
+              <a:t>}</a:t>
+            </a:r>
+          </a:p>
+          <a:p>
+            <a:pPr marL="0" indent="0">
+              <a:buNone/>
+            </a:pPr>
+            <a:r>
+              <a:rPr lang="en-US" dirty="0" smtClean="0">
+                <a:solidFill>
+                  <a:srgbClr val="0000FF"/>
+                </a:solidFill>
+                <a:latin typeface="Consolas"/>
+              </a:rPr>
+              <a:t>static</a:t>
+            </a:r>
+            <a:r>
+              <a:rPr lang="en-US" dirty="0" smtClean="0">
+                <a:solidFill>
+                  <a:srgbClr val="000000"/>
+                </a:solidFill>
+                <a:latin typeface="Consolas"/>
+              </a:rPr>
+              <a:t> </a:t>
+            </a:r>
+            <a:r>
+              <a:rPr lang="en-US" dirty="0">
+                <a:solidFill>
+                  <a:srgbClr val="0000FF"/>
+                </a:solidFill>
+                <a:latin typeface="Consolas"/>
+              </a:rPr>
+              <a:t>void</a:t>
+            </a:r>
+            <a:r>
+              <a:rPr lang="en-US" dirty="0">
+                <a:solidFill>
+                  <a:srgbClr val="000000"/>
+                </a:solidFill>
+                <a:latin typeface="Consolas"/>
+              </a:rPr>
+              <a:t> Main()</a:t>
+            </a:r>
+          </a:p>
+          <a:p>
+            <a:pPr marL="0" indent="0">
+              <a:buNone/>
+            </a:pPr>
+            <a:r>
+              <a:rPr lang="en-US" dirty="0">
+                <a:solidFill>
+                  <a:srgbClr val="000000"/>
+                </a:solidFill>
+                <a:latin typeface="Consolas"/>
+              </a:rPr>
+              <a:t>{</a:t>
+            </a:r>
+          </a:p>
+          <a:p>
+            <a:pPr marL="0" indent="0">
+              <a:buNone/>
+            </a:pPr>
+            <a:r>
+              <a:rPr lang="ru-RU" dirty="0" smtClean="0">
+                <a:solidFill>
+                  <a:srgbClr val="000000"/>
+                </a:solidFill>
+                <a:latin typeface="Consolas"/>
+              </a:rPr>
+              <a:t>    </a:t>
+            </a:r>
+            <a:r>
+              <a:rPr lang="fr-FR" dirty="0" smtClean="0">
+                <a:solidFill>
+                  <a:srgbClr val="000000"/>
+                </a:solidFill>
+                <a:latin typeface="Consolas"/>
+              </a:rPr>
+              <a:t>Train </a:t>
+            </a:r>
+            <a:r>
+              <a:rPr lang="fr-FR" dirty="0" err="1">
+                <a:solidFill>
+                  <a:srgbClr val="000000"/>
+                </a:solidFill>
+                <a:latin typeface="Consolas"/>
+              </a:rPr>
+              <a:t>train</a:t>
+            </a:r>
+            <a:r>
+              <a:rPr lang="fr-FR" dirty="0">
+                <a:solidFill>
+                  <a:srgbClr val="000000"/>
+                </a:solidFill>
+                <a:latin typeface="Consolas"/>
+              </a:rPr>
+              <a:t> = </a:t>
+            </a:r>
+            <a:r>
+              <a:rPr lang="fr-FR" dirty="0">
+                <a:solidFill>
+                  <a:srgbClr val="0000FF"/>
+                </a:solidFill>
+                <a:latin typeface="Consolas"/>
+              </a:rPr>
+              <a:t>new</a:t>
+            </a:r>
+            <a:r>
+              <a:rPr lang="fr-FR" dirty="0">
+                <a:solidFill>
+                  <a:srgbClr val="000000"/>
+                </a:solidFill>
+                <a:latin typeface="Consolas"/>
+              </a:rPr>
+              <a:t> Train(</a:t>
+            </a:r>
+            <a:r>
+              <a:rPr lang="fr-FR" dirty="0">
+                <a:solidFill>
+                  <a:srgbClr val="C81EFA"/>
+                </a:solidFill>
+                <a:latin typeface="Consolas"/>
+              </a:rPr>
+              <a:t>190.2</a:t>
+            </a:r>
+            <a:r>
+              <a:rPr lang="fr-FR" dirty="0">
+                <a:solidFill>
+                  <a:srgbClr val="000000"/>
+                </a:solidFill>
+                <a:latin typeface="Consolas"/>
+              </a:rPr>
+              <a:t>, </a:t>
+            </a:r>
+            <a:r>
+              <a:rPr lang="fr-FR" dirty="0">
+                <a:solidFill>
+                  <a:srgbClr val="C81EFA"/>
+                </a:solidFill>
+                <a:latin typeface="Consolas"/>
+              </a:rPr>
+              <a:t>8</a:t>
+            </a:r>
+            <a:r>
+              <a:rPr lang="fr-FR" dirty="0">
+                <a:solidFill>
+                  <a:srgbClr val="000000"/>
+                </a:solidFill>
+                <a:latin typeface="Consolas"/>
+              </a:rPr>
+              <a:t>, </a:t>
+            </a:r>
+            <a:r>
+              <a:rPr lang="fr-FR" dirty="0">
+                <a:solidFill>
+                  <a:srgbClr val="DC1414"/>
+                </a:solidFill>
+                <a:latin typeface="Consolas"/>
+              </a:rPr>
+              <a:t>"Ivanov"</a:t>
+            </a:r>
+            <a:r>
+              <a:rPr lang="fr-FR" dirty="0">
+                <a:solidFill>
+                  <a:srgbClr val="000000"/>
+                </a:solidFill>
+                <a:latin typeface="Consolas"/>
+              </a:rPr>
+              <a:t>, </a:t>
+            </a:r>
+            <a:r>
+              <a:rPr lang="fr-FR" dirty="0">
+                <a:solidFill>
+                  <a:srgbClr val="DC1414"/>
+                </a:solidFill>
+                <a:latin typeface="Consolas"/>
+              </a:rPr>
+              <a:t>"Petrov"</a:t>
+            </a:r>
+            <a:r>
+              <a:rPr lang="fr-FR" dirty="0">
+                <a:solidFill>
+                  <a:srgbClr val="000000"/>
+                </a:solidFill>
+                <a:latin typeface="Consolas"/>
+              </a:rPr>
+              <a:t>, </a:t>
+            </a:r>
+            <a:r>
+              <a:rPr lang="fr-FR" dirty="0">
+                <a:solidFill>
+                  <a:srgbClr val="DC1414"/>
+                </a:solidFill>
+                <a:latin typeface="Consolas"/>
+              </a:rPr>
+              <a:t>"</a:t>
+            </a:r>
+            <a:r>
+              <a:rPr lang="fr-FR" dirty="0" err="1">
+                <a:solidFill>
+                  <a:srgbClr val="DC1414"/>
+                </a:solidFill>
+                <a:latin typeface="Consolas"/>
+              </a:rPr>
+              <a:t>Sidorov</a:t>
+            </a:r>
+            <a:r>
+              <a:rPr lang="fr-FR" dirty="0">
+                <a:solidFill>
+                  <a:srgbClr val="DC1414"/>
+                </a:solidFill>
+                <a:latin typeface="Consolas"/>
+              </a:rPr>
+              <a:t>"</a:t>
+            </a:r>
+            <a:r>
+              <a:rPr lang="fr-FR" dirty="0">
+                <a:solidFill>
+                  <a:srgbClr val="000000"/>
+                </a:solidFill>
+                <a:latin typeface="Consolas"/>
+              </a:rPr>
+              <a:t>);</a:t>
+            </a:r>
+          </a:p>
+          <a:p>
+            <a:pPr marL="0" indent="0">
+              <a:buNone/>
+            </a:pPr>
+            <a:r>
+              <a:rPr lang="ru-RU" dirty="0" smtClean="0">
+                <a:solidFill>
+                  <a:srgbClr val="000000"/>
+                </a:solidFill>
+                <a:latin typeface="Consolas"/>
+              </a:rPr>
+              <a:t>    </a:t>
+            </a:r>
+            <a:r>
+              <a:rPr lang="en-US" dirty="0" err="1" smtClean="0">
+                <a:solidFill>
+                  <a:srgbClr val="000000"/>
+                </a:solidFill>
+                <a:latin typeface="Consolas"/>
+              </a:rPr>
+              <a:t>train.Print</a:t>
+            </a:r>
+            <a:r>
+              <a:rPr lang="en-US" dirty="0">
+                <a:solidFill>
+                  <a:srgbClr val="000000"/>
+                </a:solidFill>
+                <a:latin typeface="Consolas"/>
+              </a:rPr>
+              <a:t>();</a:t>
+            </a:r>
+          </a:p>
+          <a:p>
+            <a:pPr marL="0" indent="0">
+              <a:buNone/>
+            </a:pPr>
+            <a:r>
+              <a:rPr lang="ru-RU" dirty="0" smtClean="0">
+                <a:solidFill>
+                  <a:srgbClr val="0000FF"/>
+                </a:solidFill>
+                <a:latin typeface="Consolas"/>
+              </a:rPr>
+              <a:t>    </a:t>
+            </a:r>
+            <a:r>
+              <a:rPr lang="en-US" dirty="0" smtClean="0">
+                <a:solidFill>
+                  <a:srgbClr val="0000FF"/>
+                </a:solidFill>
+                <a:latin typeface="Consolas"/>
+              </a:rPr>
+              <a:t>string</a:t>
+            </a:r>
+            <a:r>
+              <a:rPr lang="en-US" dirty="0" smtClean="0">
+                <a:solidFill>
+                  <a:srgbClr val="000000"/>
+                </a:solidFill>
+                <a:latin typeface="Consolas"/>
+              </a:rPr>
+              <a:t> </a:t>
+            </a:r>
+            <a:r>
+              <a:rPr lang="en-US" dirty="0" err="1">
+                <a:solidFill>
+                  <a:srgbClr val="000000"/>
+                </a:solidFill>
+                <a:latin typeface="Consolas"/>
+              </a:rPr>
+              <a:t>tempFileName</a:t>
+            </a:r>
+            <a:r>
+              <a:rPr lang="en-US" dirty="0">
+                <a:solidFill>
+                  <a:srgbClr val="000000"/>
+                </a:solidFill>
+                <a:latin typeface="Consolas"/>
+              </a:rPr>
+              <a:t> = </a:t>
+            </a:r>
+            <a:r>
+              <a:rPr lang="en-US" dirty="0" err="1">
+                <a:solidFill>
+                  <a:srgbClr val="000000"/>
+                </a:solidFill>
+                <a:latin typeface="Consolas"/>
+              </a:rPr>
+              <a:t>Path.Combine</a:t>
+            </a:r>
+            <a:r>
+              <a:rPr lang="en-US" dirty="0">
+                <a:solidFill>
+                  <a:srgbClr val="000000"/>
+                </a:solidFill>
+                <a:latin typeface="Consolas"/>
+              </a:rPr>
+              <a:t>(</a:t>
+            </a:r>
+            <a:r>
+              <a:rPr lang="en-US" dirty="0" err="1">
+                <a:solidFill>
+                  <a:srgbClr val="000000"/>
+                </a:solidFill>
+                <a:latin typeface="Consolas"/>
+              </a:rPr>
+              <a:t>Path.GetTempPath</a:t>
+            </a:r>
+            <a:r>
+              <a:rPr lang="en-US" dirty="0">
+                <a:solidFill>
+                  <a:srgbClr val="000000"/>
+                </a:solidFill>
+                <a:latin typeface="Consolas"/>
+              </a:rPr>
+              <a:t>(), </a:t>
+            </a:r>
+            <a:r>
+              <a:rPr lang="en-US" dirty="0">
+                <a:solidFill>
+                  <a:srgbClr val="DC1414"/>
+                </a:solidFill>
+                <a:latin typeface="Consolas"/>
+              </a:rPr>
+              <a:t>"train.dat"</a:t>
+            </a:r>
+            <a:r>
+              <a:rPr lang="en-US" dirty="0">
+                <a:solidFill>
+                  <a:srgbClr val="000000"/>
+                </a:solidFill>
+                <a:latin typeface="Consolas"/>
+              </a:rPr>
+              <a:t>); </a:t>
+            </a:r>
+            <a:r>
+              <a:rPr lang="en-US" dirty="0" smtClean="0">
+                <a:solidFill>
+                  <a:srgbClr val="008000"/>
+                </a:solidFill>
+                <a:latin typeface="Consolas"/>
+              </a:rPr>
+              <a:t>//</a:t>
+            </a:r>
+            <a:r>
+              <a:rPr lang="ru-RU" dirty="0" smtClean="0">
+                <a:solidFill>
+                  <a:srgbClr val="008000"/>
+                </a:solidFill>
+                <a:latin typeface="Consolas"/>
+              </a:rPr>
+              <a:t> Будем работать с файлом в папке для временных файлов</a:t>
+            </a:r>
+            <a:endParaRPr lang="en-US" dirty="0">
+              <a:solidFill>
+                <a:srgbClr val="000000"/>
+              </a:solidFill>
+              <a:latin typeface="Consolas"/>
+            </a:endParaRPr>
+          </a:p>
+          <a:p>
+            <a:pPr marL="0" indent="0">
+              <a:buNone/>
+            </a:pPr>
+            <a:r>
+              <a:rPr lang="ru-RU" dirty="0" smtClean="0">
+                <a:solidFill>
+                  <a:srgbClr val="000000"/>
+                </a:solidFill>
+                <a:latin typeface="Consolas"/>
+              </a:rPr>
+              <a:t>    </a:t>
+            </a:r>
+            <a:r>
+              <a:rPr lang="en-US" dirty="0" err="1" smtClean="0">
+                <a:solidFill>
+                  <a:srgbClr val="000000"/>
+                </a:solidFill>
+                <a:latin typeface="Consolas"/>
+              </a:rPr>
+              <a:t>BinaryFormatter</a:t>
+            </a:r>
+            <a:r>
+              <a:rPr lang="en-US" dirty="0" smtClean="0">
+                <a:solidFill>
+                  <a:srgbClr val="000000"/>
+                </a:solidFill>
+                <a:latin typeface="Consolas"/>
+              </a:rPr>
+              <a:t> </a:t>
+            </a:r>
+            <a:r>
+              <a:rPr lang="en-US" dirty="0">
+                <a:solidFill>
+                  <a:srgbClr val="000000"/>
+                </a:solidFill>
+                <a:latin typeface="Consolas"/>
+              </a:rPr>
+              <a:t>bf = </a:t>
+            </a:r>
+            <a:r>
+              <a:rPr lang="en-US" dirty="0">
+                <a:solidFill>
+                  <a:srgbClr val="0000FF"/>
+                </a:solidFill>
+                <a:latin typeface="Consolas"/>
+              </a:rPr>
+              <a:t>new</a:t>
+            </a:r>
+            <a:r>
+              <a:rPr lang="en-US" dirty="0">
+                <a:solidFill>
+                  <a:srgbClr val="000000"/>
+                </a:solidFill>
+                <a:latin typeface="Consolas"/>
+              </a:rPr>
+              <a:t> </a:t>
+            </a:r>
+            <a:r>
+              <a:rPr lang="en-US" dirty="0" err="1">
+                <a:solidFill>
+                  <a:srgbClr val="000000"/>
+                </a:solidFill>
+                <a:latin typeface="Consolas"/>
+              </a:rPr>
+              <a:t>BinaryFormatter</a:t>
+            </a:r>
+            <a:r>
+              <a:rPr lang="en-US" dirty="0" smtClean="0">
+                <a:solidFill>
+                  <a:srgbClr val="000000"/>
+                </a:solidFill>
+                <a:latin typeface="Consolas"/>
+              </a:rPr>
+              <a:t>();</a:t>
+            </a:r>
+            <a:endParaRPr lang="ru-RU" dirty="0" smtClean="0">
+              <a:solidFill>
+                <a:srgbClr val="000000"/>
+              </a:solidFill>
+              <a:latin typeface="Consolas"/>
+            </a:endParaRPr>
+          </a:p>
+          <a:p>
+            <a:pPr marL="0" indent="0">
+              <a:buNone/>
+            </a:pPr>
+            <a:r>
+              <a:rPr lang="en-US" dirty="0" smtClean="0">
+                <a:solidFill>
+                  <a:srgbClr val="008000"/>
+                </a:solidFill>
+                <a:latin typeface="Consolas"/>
+              </a:rPr>
+              <a:t>    // </a:t>
+            </a:r>
+            <a:r>
+              <a:rPr lang="ru-RU" dirty="0">
+                <a:solidFill>
+                  <a:srgbClr val="008000"/>
+                </a:solidFill>
+                <a:latin typeface="Consolas"/>
+              </a:rPr>
+              <a:t>Выполняем сериализацию</a:t>
+            </a:r>
+            <a:endParaRPr lang="en-US" dirty="0">
+              <a:solidFill>
+                <a:srgbClr val="008000"/>
+              </a:solidFill>
+              <a:latin typeface="Consolas"/>
+            </a:endParaRPr>
+          </a:p>
+          <a:p>
+            <a:pPr marL="0" indent="0">
+              <a:buNone/>
+            </a:pPr>
+            <a:r>
+              <a:rPr lang="ru-RU" dirty="0" smtClean="0">
+                <a:solidFill>
+                  <a:srgbClr val="0000FF"/>
+                </a:solidFill>
+                <a:latin typeface="Consolas"/>
+              </a:rPr>
+              <a:t>    </a:t>
+            </a:r>
+            <a:r>
+              <a:rPr lang="en-US" dirty="0" smtClean="0">
+                <a:solidFill>
+                  <a:srgbClr val="0000FF"/>
+                </a:solidFill>
+                <a:latin typeface="Consolas"/>
+              </a:rPr>
+              <a:t>using</a:t>
+            </a:r>
+            <a:r>
+              <a:rPr lang="en-US" dirty="0" smtClean="0">
+                <a:solidFill>
+                  <a:srgbClr val="000000"/>
+                </a:solidFill>
+                <a:latin typeface="Consolas"/>
+              </a:rPr>
+              <a:t> </a:t>
+            </a:r>
+            <a:r>
+              <a:rPr lang="en-US" dirty="0">
+                <a:solidFill>
+                  <a:srgbClr val="000000"/>
+                </a:solidFill>
+                <a:latin typeface="Consolas"/>
+              </a:rPr>
+              <a:t>(</a:t>
+            </a:r>
+            <a:r>
+              <a:rPr lang="en-US" dirty="0" err="1">
+                <a:solidFill>
+                  <a:srgbClr val="000000"/>
+                </a:solidFill>
+                <a:latin typeface="Consolas"/>
+              </a:rPr>
+              <a:t>FileStream</a:t>
+            </a:r>
+            <a:r>
+              <a:rPr lang="en-US" dirty="0">
+                <a:solidFill>
+                  <a:srgbClr val="000000"/>
+                </a:solidFill>
+                <a:latin typeface="Consolas"/>
+              </a:rPr>
+              <a:t> </a:t>
+            </a:r>
+            <a:r>
+              <a:rPr lang="en-US" dirty="0" err="1">
+                <a:solidFill>
+                  <a:srgbClr val="000000"/>
+                </a:solidFill>
+                <a:latin typeface="Consolas"/>
+              </a:rPr>
+              <a:t>fs</a:t>
+            </a:r>
+            <a:r>
+              <a:rPr lang="en-US" dirty="0">
+                <a:solidFill>
+                  <a:srgbClr val="000000"/>
+                </a:solidFill>
+                <a:latin typeface="Consolas"/>
+              </a:rPr>
+              <a:t> = </a:t>
+            </a:r>
+            <a:r>
+              <a:rPr lang="en-US" dirty="0" err="1">
+                <a:solidFill>
+                  <a:srgbClr val="000000"/>
+                </a:solidFill>
+                <a:latin typeface="Consolas"/>
+              </a:rPr>
+              <a:t>File.Open</a:t>
+            </a:r>
+            <a:r>
+              <a:rPr lang="en-US" dirty="0">
+                <a:solidFill>
+                  <a:srgbClr val="000000"/>
+                </a:solidFill>
+                <a:latin typeface="Consolas"/>
+              </a:rPr>
+              <a:t>(</a:t>
+            </a:r>
+            <a:r>
+              <a:rPr lang="en-US" dirty="0" err="1">
+                <a:solidFill>
+                  <a:srgbClr val="000000"/>
+                </a:solidFill>
+                <a:latin typeface="Consolas"/>
+              </a:rPr>
+              <a:t>tempFileName</a:t>
+            </a:r>
+            <a:r>
+              <a:rPr lang="en-US" dirty="0">
+                <a:solidFill>
+                  <a:srgbClr val="000000"/>
+                </a:solidFill>
+                <a:latin typeface="Consolas"/>
+              </a:rPr>
+              <a:t>, </a:t>
+            </a:r>
+            <a:r>
+              <a:rPr lang="en-US" dirty="0" err="1">
+                <a:solidFill>
+                  <a:srgbClr val="000000"/>
+                </a:solidFill>
+                <a:latin typeface="Consolas"/>
+              </a:rPr>
+              <a:t>FileMode.Create</a:t>
+            </a:r>
+            <a:r>
+              <a:rPr lang="en-US" dirty="0">
+                <a:solidFill>
+                  <a:srgbClr val="000000"/>
+                </a:solidFill>
+                <a:latin typeface="Consolas"/>
+              </a:rPr>
+              <a:t>))</a:t>
+            </a:r>
+          </a:p>
+          <a:p>
+            <a:pPr marL="0" indent="0">
+              <a:buNone/>
+            </a:pPr>
+            <a:r>
+              <a:rPr lang="ru-RU" dirty="0" smtClean="0">
+                <a:solidFill>
+                  <a:srgbClr val="000000"/>
+                </a:solidFill>
+                <a:latin typeface="Consolas"/>
+              </a:rPr>
+              <a:t>    </a:t>
+            </a:r>
+            <a:r>
+              <a:rPr lang="en-US" dirty="0" smtClean="0">
+                <a:solidFill>
+                  <a:srgbClr val="000000"/>
+                </a:solidFill>
+                <a:latin typeface="Consolas"/>
+              </a:rPr>
+              <a:t>{</a:t>
+            </a:r>
+            <a:endParaRPr lang="en-US" dirty="0">
+              <a:solidFill>
+                <a:srgbClr val="000000"/>
+              </a:solidFill>
+              <a:latin typeface="Consolas"/>
+            </a:endParaRPr>
+          </a:p>
+          <a:p>
+            <a:pPr marL="0" indent="0">
+              <a:buNone/>
+            </a:pPr>
+            <a:r>
+              <a:rPr lang="ru-RU" dirty="0" smtClean="0">
+                <a:solidFill>
+                  <a:srgbClr val="000000"/>
+                </a:solidFill>
+                <a:latin typeface="Consolas"/>
+              </a:rPr>
+              <a:t>        </a:t>
+            </a:r>
+            <a:r>
+              <a:rPr lang="en-US" dirty="0" err="1" smtClean="0">
+                <a:solidFill>
+                  <a:srgbClr val="000000"/>
+                </a:solidFill>
+                <a:latin typeface="Consolas"/>
+              </a:rPr>
+              <a:t>bf.Serialize</a:t>
+            </a:r>
+            <a:r>
+              <a:rPr lang="en-US" dirty="0" smtClean="0">
+                <a:solidFill>
+                  <a:srgbClr val="000000"/>
+                </a:solidFill>
+                <a:latin typeface="Consolas"/>
+              </a:rPr>
+              <a:t>(</a:t>
+            </a:r>
+            <a:r>
+              <a:rPr lang="en-US" dirty="0" err="1" smtClean="0">
+                <a:solidFill>
+                  <a:srgbClr val="000000"/>
+                </a:solidFill>
+                <a:latin typeface="Consolas"/>
+              </a:rPr>
+              <a:t>fs</a:t>
+            </a:r>
+            <a:r>
+              <a:rPr lang="en-US" dirty="0">
+                <a:solidFill>
+                  <a:srgbClr val="000000"/>
+                </a:solidFill>
+                <a:latin typeface="Consolas"/>
+              </a:rPr>
+              <a:t>, train);</a:t>
+            </a:r>
+          </a:p>
+          <a:p>
+            <a:pPr marL="0" indent="0">
+              <a:buNone/>
+            </a:pPr>
+            <a:r>
+              <a:rPr lang="ru-RU" dirty="0" smtClean="0">
+                <a:solidFill>
+                  <a:srgbClr val="000000"/>
+                </a:solidFill>
+                <a:latin typeface="Consolas"/>
+              </a:rPr>
+              <a:t>    </a:t>
+            </a:r>
+            <a:r>
+              <a:rPr lang="en-US" dirty="0" smtClean="0">
+                <a:solidFill>
+                  <a:srgbClr val="000000"/>
+                </a:solidFill>
+                <a:latin typeface="Consolas"/>
+              </a:rPr>
+              <a:t>}</a:t>
+            </a:r>
+            <a:endParaRPr lang="en-US" dirty="0">
+              <a:solidFill>
+                <a:srgbClr val="000000"/>
+              </a:solidFill>
+              <a:latin typeface="Consolas"/>
+            </a:endParaRPr>
+          </a:p>
+          <a:p>
+            <a:pPr marL="0" indent="0">
+              <a:buNone/>
+            </a:pPr>
+            <a:r>
+              <a:rPr lang="ru-RU" dirty="0" smtClean="0">
+                <a:solidFill>
+                  <a:srgbClr val="000000"/>
+                </a:solidFill>
+                <a:latin typeface="Consolas"/>
+              </a:rPr>
+              <a:t>    </a:t>
+            </a:r>
+            <a:r>
+              <a:rPr lang="en-US" dirty="0" err="1" smtClean="0">
+                <a:solidFill>
+                  <a:srgbClr val="000000"/>
+                </a:solidFill>
+                <a:latin typeface="Consolas"/>
+              </a:rPr>
+              <a:t>Console.WriteLine</a:t>
+            </a:r>
+            <a:r>
+              <a:rPr lang="en-US" dirty="0">
+                <a:solidFill>
+                  <a:srgbClr val="000000"/>
+                </a:solidFill>
+                <a:latin typeface="Consolas"/>
+              </a:rPr>
+              <a:t>();</a:t>
+            </a:r>
+          </a:p>
+          <a:p>
+            <a:pPr marL="0" indent="0">
+              <a:buNone/>
+            </a:pPr>
+            <a:r>
+              <a:rPr lang="ru-RU" dirty="0" smtClean="0">
+                <a:solidFill>
+                  <a:srgbClr val="008000"/>
+                </a:solidFill>
+                <a:latin typeface="Consolas"/>
+              </a:rPr>
+              <a:t>    </a:t>
+            </a:r>
+            <a:r>
+              <a:rPr lang="en-US" dirty="0" smtClean="0">
+                <a:solidFill>
+                  <a:srgbClr val="008000"/>
+                </a:solidFill>
+                <a:latin typeface="Consolas"/>
+              </a:rPr>
+              <a:t>// </a:t>
+            </a:r>
+            <a:r>
+              <a:rPr lang="ru-RU" dirty="0">
+                <a:solidFill>
+                  <a:srgbClr val="008000"/>
+                </a:solidFill>
+                <a:latin typeface="Consolas"/>
+              </a:rPr>
+              <a:t>Выполняем </a:t>
+            </a:r>
+            <a:r>
+              <a:rPr lang="ru-RU" dirty="0" smtClean="0">
+                <a:solidFill>
+                  <a:srgbClr val="008000"/>
+                </a:solidFill>
+                <a:latin typeface="Consolas"/>
+              </a:rPr>
+              <a:t>десериализацию</a:t>
+            </a:r>
+            <a:endParaRPr lang="en-US" dirty="0">
+              <a:solidFill>
+                <a:srgbClr val="000000"/>
+              </a:solidFill>
+              <a:latin typeface="Consolas"/>
+            </a:endParaRPr>
+          </a:p>
+          <a:p>
+            <a:pPr marL="0" indent="0">
+              <a:buNone/>
+            </a:pPr>
+            <a:r>
+              <a:rPr lang="ru-RU" dirty="0" smtClean="0">
+                <a:solidFill>
+                  <a:srgbClr val="0000FF"/>
+                </a:solidFill>
+                <a:latin typeface="Consolas"/>
+              </a:rPr>
+              <a:t>    </a:t>
+            </a:r>
+            <a:r>
+              <a:rPr lang="en-US" dirty="0" smtClean="0">
+                <a:solidFill>
+                  <a:srgbClr val="0000FF"/>
+                </a:solidFill>
+                <a:latin typeface="Consolas"/>
+              </a:rPr>
+              <a:t>using</a:t>
+            </a:r>
+            <a:r>
+              <a:rPr lang="en-US" dirty="0" smtClean="0">
+                <a:solidFill>
+                  <a:srgbClr val="000000"/>
+                </a:solidFill>
+                <a:latin typeface="Consolas"/>
+              </a:rPr>
+              <a:t> </a:t>
+            </a:r>
+            <a:r>
+              <a:rPr lang="en-US" dirty="0">
+                <a:solidFill>
+                  <a:srgbClr val="000000"/>
+                </a:solidFill>
+                <a:latin typeface="Consolas"/>
+              </a:rPr>
+              <a:t>(</a:t>
+            </a:r>
+            <a:r>
+              <a:rPr lang="en-US" dirty="0" err="1">
+                <a:solidFill>
+                  <a:srgbClr val="000000"/>
+                </a:solidFill>
+                <a:latin typeface="Consolas"/>
+              </a:rPr>
+              <a:t>FileStream</a:t>
+            </a:r>
+            <a:r>
+              <a:rPr lang="en-US" dirty="0">
+                <a:solidFill>
+                  <a:srgbClr val="000000"/>
+                </a:solidFill>
+                <a:latin typeface="Consolas"/>
+              </a:rPr>
+              <a:t> </a:t>
+            </a:r>
+            <a:r>
+              <a:rPr lang="en-US" dirty="0" err="1">
+                <a:solidFill>
+                  <a:srgbClr val="000000"/>
+                </a:solidFill>
+                <a:latin typeface="Consolas"/>
+              </a:rPr>
+              <a:t>fs</a:t>
+            </a:r>
+            <a:r>
+              <a:rPr lang="en-US" dirty="0">
+                <a:solidFill>
+                  <a:srgbClr val="000000"/>
+                </a:solidFill>
+                <a:latin typeface="Consolas"/>
+              </a:rPr>
+              <a:t> = </a:t>
+            </a:r>
+            <a:r>
+              <a:rPr lang="en-US" dirty="0" err="1">
+                <a:solidFill>
+                  <a:srgbClr val="000000"/>
+                </a:solidFill>
+                <a:latin typeface="Consolas"/>
+              </a:rPr>
+              <a:t>File.Open</a:t>
+            </a:r>
+            <a:r>
+              <a:rPr lang="en-US" dirty="0">
+                <a:solidFill>
+                  <a:srgbClr val="000000"/>
+                </a:solidFill>
+                <a:latin typeface="Consolas"/>
+              </a:rPr>
+              <a:t>(</a:t>
+            </a:r>
+            <a:r>
+              <a:rPr lang="en-US" dirty="0" err="1">
+                <a:solidFill>
+                  <a:srgbClr val="000000"/>
+                </a:solidFill>
+                <a:latin typeface="Consolas"/>
+              </a:rPr>
+              <a:t>tempFileName</a:t>
+            </a:r>
+            <a:r>
+              <a:rPr lang="en-US" dirty="0">
+                <a:solidFill>
+                  <a:srgbClr val="000000"/>
+                </a:solidFill>
+                <a:latin typeface="Consolas"/>
+              </a:rPr>
+              <a:t>, </a:t>
+            </a:r>
+            <a:r>
+              <a:rPr lang="en-US" dirty="0" err="1">
+                <a:solidFill>
+                  <a:srgbClr val="000000"/>
+                </a:solidFill>
+                <a:latin typeface="Consolas"/>
+              </a:rPr>
+              <a:t>FileMode.Open</a:t>
+            </a:r>
+            <a:r>
+              <a:rPr lang="en-US" dirty="0">
+                <a:solidFill>
+                  <a:srgbClr val="000000"/>
+                </a:solidFill>
+                <a:latin typeface="Consolas"/>
+              </a:rPr>
+              <a:t>))</a:t>
+            </a:r>
+          </a:p>
+          <a:p>
+            <a:pPr marL="0" indent="0">
+              <a:buNone/>
+            </a:pPr>
+            <a:r>
+              <a:rPr lang="ru-RU" dirty="0" smtClean="0">
+                <a:solidFill>
+                  <a:srgbClr val="000000"/>
+                </a:solidFill>
+                <a:latin typeface="Consolas"/>
+              </a:rPr>
+              <a:t>    </a:t>
+            </a:r>
+            <a:r>
+              <a:rPr lang="en-US" dirty="0" smtClean="0">
+                <a:solidFill>
+                  <a:srgbClr val="000000"/>
+                </a:solidFill>
+                <a:latin typeface="Consolas"/>
+              </a:rPr>
+              <a:t>{</a:t>
+            </a:r>
+            <a:endParaRPr lang="en-US" dirty="0">
+              <a:solidFill>
+                <a:srgbClr val="000000"/>
+              </a:solidFill>
+              <a:latin typeface="Consolas"/>
+            </a:endParaRPr>
+          </a:p>
+          <a:p>
+            <a:pPr marL="0" indent="0">
+              <a:buNone/>
+            </a:pPr>
+            <a:r>
+              <a:rPr lang="ru-RU" dirty="0" smtClean="0">
+                <a:solidFill>
+                  <a:srgbClr val="000000"/>
+                </a:solidFill>
+                <a:latin typeface="Consolas"/>
+              </a:rPr>
+              <a:t>        </a:t>
+            </a:r>
+            <a:r>
+              <a:rPr lang="en-US" dirty="0" smtClean="0">
+                <a:solidFill>
+                  <a:srgbClr val="000000"/>
+                </a:solidFill>
+                <a:latin typeface="Consolas"/>
+              </a:rPr>
+              <a:t>Train </a:t>
+            </a:r>
+            <a:r>
+              <a:rPr lang="en-US" dirty="0" err="1">
+                <a:solidFill>
+                  <a:srgbClr val="000000"/>
+                </a:solidFill>
+                <a:latin typeface="Consolas"/>
+              </a:rPr>
+              <a:t>someTrain</a:t>
+            </a:r>
+            <a:r>
+              <a:rPr lang="en-US" dirty="0">
+                <a:solidFill>
+                  <a:srgbClr val="000000"/>
+                </a:solidFill>
+                <a:latin typeface="Consolas"/>
+              </a:rPr>
+              <a:t> = (Train)</a:t>
+            </a:r>
+            <a:r>
+              <a:rPr lang="en-US" dirty="0" err="1">
+                <a:solidFill>
+                  <a:srgbClr val="000000"/>
+                </a:solidFill>
+                <a:latin typeface="Consolas"/>
+              </a:rPr>
+              <a:t>bf.Deserialize</a:t>
+            </a:r>
+            <a:r>
+              <a:rPr lang="en-US" dirty="0">
+                <a:solidFill>
+                  <a:srgbClr val="000000"/>
+                </a:solidFill>
+                <a:latin typeface="Consolas"/>
+              </a:rPr>
+              <a:t>(</a:t>
+            </a:r>
+            <a:r>
+              <a:rPr lang="en-US" dirty="0" err="1">
+                <a:solidFill>
+                  <a:srgbClr val="000000"/>
+                </a:solidFill>
+                <a:latin typeface="Consolas"/>
+              </a:rPr>
+              <a:t>fs</a:t>
+            </a:r>
+            <a:r>
+              <a:rPr lang="en-US" dirty="0">
+                <a:solidFill>
+                  <a:srgbClr val="000000"/>
+                </a:solidFill>
+                <a:latin typeface="Consolas"/>
+              </a:rPr>
+              <a:t>);</a:t>
+            </a:r>
+          </a:p>
+          <a:p>
+            <a:pPr marL="0" indent="0">
+              <a:buNone/>
+            </a:pPr>
+            <a:r>
+              <a:rPr lang="ru-RU" dirty="0" smtClean="0">
+                <a:solidFill>
+                  <a:srgbClr val="000000"/>
+                </a:solidFill>
+                <a:latin typeface="Consolas"/>
+              </a:rPr>
+              <a:t>        </a:t>
+            </a:r>
+            <a:r>
+              <a:rPr lang="en-US" dirty="0" err="1" smtClean="0">
+                <a:solidFill>
+                  <a:srgbClr val="000000"/>
+                </a:solidFill>
+                <a:latin typeface="Consolas"/>
+              </a:rPr>
+              <a:t>someTrain.Print</a:t>
+            </a:r>
+            <a:r>
+              <a:rPr lang="en-US" dirty="0">
+                <a:solidFill>
+                  <a:srgbClr val="000000"/>
+                </a:solidFill>
+                <a:latin typeface="Consolas"/>
+              </a:rPr>
+              <a:t>();</a:t>
+            </a:r>
+          </a:p>
+          <a:p>
+            <a:pPr marL="0" indent="0">
+              <a:buNone/>
+            </a:pPr>
+            <a:r>
+              <a:rPr lang="ru-RU" dirty="0" smtClean="0">
+                <a:solidFill>
+                  <a:srgbClr val="000000"/>
+                </a:solidFill>
+                <a:latin typeface="Consolas"/>
+              </a:rPr>
+              <a:t>    </a:t>
+            </a:r>
+            <a:r>
+              <a:rPr lang="en-US" dirty="0" smtClean="0">
+                <a:solidFill>
+                  <a:srgbClr val="000000"/>
+                </a:solidFill>
+                <a:latin typeface="Consolas"/>
+              </a:rPr>
+              <a:t>}</a:t>
+            </a:r>
+            <a:endParaRPr lang="en-US" dirty="0">
+              <a:solidFill>
+                <a:srgbClr val="000000"/>
+              </a:solidFill>
+              <a:latin typeface="Consolas"/>
+            </a:endParaRPr>
+          </a:p>
+          <a:p>
+            <a:pPr marL="0" indent="0">
+              <a:buNone/>
+            </a:pPr>
+            <a:r>
+              <a:rPr lang="ru-RU" dirty="0" smtClean="0">
+                <a:solidFill>
+                  <a:srgbClr val="008000"/>
+                </a:solidFill>
+                <a:latin typeface="Consolas"/>
+              </a:rPr>
+              <a:t>    </a:t>
+            </a:r>
+            <a:r>
+              <a:rPr lang="en-US" dirty="0" smtClean="0">
+                <a:solidFill>
+                  <a:srgbClr val="008000"/>
+                </a:solidFill>
+                <a:latin typeface="Consolas"/>
+              </a:rPr>
+              <a:t>// </a:t>
+            </a:r>
+            <a:r>
+              <a:rPr lang="ru-RU" dirty="0">
+                <a:solidFill>
+                  <a:srgbClr val="008000"/>
+                </a:solidFill>
+                <a:latin typeface="Consolas"/>
+              </a:rPr>
+              <a:t>Удаляем ненужный временный </a:t>
+            </a:r>
+            <a:r>
+              <a:rPr lang="ru-RU" dirty="0" smtClean="0">
+                <a:solidFill>
+                  <a:srgbClr val="008000"/>
+                </a:solidFill>
+                <a:latin typeface="Consolas"/>
+              </a:rPr>
+              <a:t>файл. В настоящем приложении файл может еще понадобиться.</a:t>
+            </a:r>
+            <a:endParaRPr lang="en-US" dirty="0">
+              <a:solidFill>
+                <a:srgbClr val="000000"/>
+              </a:solidFill>
+              <a:latin typeface="Consolas"/>
+            </a:endParaRPr>
+          </a:p>
+          <a:p>
+            <a:pPr marL="0" indent="0">
+              <a:buNone/>
+            </a:pPr>
+            <a:r>
+              <a:rPr lang="ru-RU" dirty="0" smtClean="0">
+                <a:solidFill>
+                  <a:srgbClr val="000000"/>
+                </a:solidFill>
+                <a:latin typeface="Consolas"/>
+              </a:rPr>
+              <a:t>    </a:t>
+            </a:r>
+            <a:r>
+              <a:rPr lang="en-US" dirty="0" err="1" smtClean="0">
+                <a:solidFill>
+                  <a:srgbClr val="000000"/>
+                </a:solidFill>
+                <a:latin typeface="Consolas"/>
+              </a:rPr>
+              <a:t>File.Delete</a:t>
+            </a:r>
+            <a:r>
+              <a:rPr lang="en-US" dirty="0" smtClean="0">
+                <a:solidFill>
+                  <a:srgbClr val="000000"/>
+                </a:solidFill>
+                <a:latin typeface="Consolas"/>
+              </a:rPr>
+              <a:t>(</a:t>
+            </a:r>
+            <a:r>
+              <a:rPr lang="en-US" dirty="0" err="1" smtClean="0">
+                <a:solidFill>
+                  <a:srgbClr val="000000"/>
+                </a:solidFill>
+                <a:latin typeface="Consolas"/>
+              </a:rPr>
+              <a:t>tempFileName</a:t>
+            </a:r>
+            <a:r>
+              <a:rPr lang="en-US" dirty="0" smtClean="0">
+                <a:solidFill>
+                  <a:srgbClr val="000000"/>
+                </a:solidFill>
+                <a:latin typeface="Consolas"/>
+              </a:rPr>
+              <a:t>);</a:t>
+            </a:r>
+            <a:r>
+              <a:rPr lang="ru-RU" dirty="0" smtClean="0">
+                <a:solidFill>
+                  <a:srgbClr val="000000"/>
+                </a:solidFill>
+                <a:latin typeface="Consolas"/>
+              </a:rPr>
+              <a:t> </a:t>
+            </a:r>
+            <a:endParaRPr lang="en-US" dirty="0">
+              <a:solidFill>
+                <a:srgbClr val="000000"/>
+              </a:solidFill>
+              <a:latin typeface="Consolas"/>
+            </a:endParaRPr>
+          </a:p>
+          <a:p>
+            <a:pPr marL="0" indent="0">
+              <a:buNone/>
+            </a:pPr>
+            <a:r>
+              <a:rPr lang="en-US" dirty="0">
+                <a:solidFill>
+                  <a:srgbClr val="000000"/>
+                </a:solidFill>
+                <a:latin typeface="Consolas"/>
+              </a:rPr>
+              <a:t>}</a:t>
+            </a:r>
+            <a:endParaRPr lang="en-US" dirty="0"/>
+          </a:p>
+        </p:txBody>
+      </p:sp>
+    </p:spTree>
+    <p:extLst>
+      <p:ext uri="{BB962C8B-B14F-4D97-AF65-F5344CB8AC3E}">
+        <p14:creationId xmlns:p14="http://schemas.microsoft.com/office/powerpoint/2010/main" val="848852780"/>
+      </p:ext>
+    </p:extLst>
+  </p:cSld>
+  <p:clrMapOvr>
+    <a:masterClrMapping/>
+  </p:clrMapOvr>
+  <p:timing>
+    <p:tnLst>
+      <p:par>
+        <p:cTn id="1" dur="indefinite" restart="never" nodeType="tmRoot"/>
+      </p:par>
+    </p:tnLst>
+  </p:timing>
+</p:sld>
+</file>
+
+<file path=ppt/slides/slide33.xml><?xml version="1.0" encoding="utf-8"?>
+<p:sld xmlns:a="http://schemas.openxmlformats.org/drawingml/2006/main" xmlns:r="http://schemas.openxmlformats.org/officeDocument/2006/relationships" xmlns:p="http://schemas.openxmlformats.org/presentationml/2006/main">
+  <p:cSld>
+    <p:bg>
+      <p:bgPr>
+        <a:blipFill dpi="0" rotWithShape="1">
+          <a:blip r:embed="rId2">
+            <a:lum/>
+          </a:blip>
+          <a:srcRect/>
+          <a:stretch>
+            <a:fillRect/>
+          </a:stretch>
+        </a:blipFill>
+        <a:effectLst/>
+      </p:bgPr>
+    </p:bg>
+    <p:spTree>
+      <p:nvGrpSpPr>
+        <p:cNvPr id="1" name=""/>
+        <p:cNvGrpSpPr/>
+        <p:nvPr/>
+      </p:nvGrpSpPr>
+      <p:grpSpPr>
+        <a:xfrm>
+          <a:off x="0" y="0"/>
+          <a:ext cx="0" cy="0"/>
+          <a:chOff x="0" y="0"/>
+          <a:chExt cx="0" cy="0"/>
+        </a:xfrm>
+      </p:grpSpPr>
+      <p:sp>
+        <p:nvSpPr>
+          <p:cNvPr id="2" name="Title 1"/>
+          <p:cNvSpPr>
+            <a:spLocks noGrp="1"/>
+          </p:cNvSpPr>
+          <p:nvPr>
+            <p:ph type="title"/>
+          </p:nvPr>
+        </p:nvSpPr>
+        <p:spPr>
+          <a:xfrm>
+            <a:off x="457200" y="188640"/>
+            <a:ext cx="8229600" cy="720080"/>
+          </a:xfrm>
+        </p:spPr>
+        <p:txBody>
+          <a:bodyPr>
+            <a:normAutofit/>
+          </a:bodyPr>
+          <a:lstStyle/>
+          <a:p>
+            <a:r>
               <a:rPr lang="en-US" sz="2000" dirty="0" smtClean="0"/>
               <a:t>XML</a:t>
             </a:r>
@@ -29945,7 +30912,7 @@
 </p:sld>
 </file>
 
-<file path=ppt/slides/slide33.xml><?xml version="1.0" encoding="utf-8"?>
+<file path=ppt/slides/slide34.xml><?xml version="1.0" encoding="utf-8"?>
 <p:sld xmlns:a="http://schemas.openxmlformats.org/drawingml/2006/main" xmlns:r="http://schemas.openxmlformats.org/officeDocument/2006/relationships" xmlns:p="http://schemas.openxmlformats.org/presentationml/2006/main">
   <p:cSld>
     <p:bg>
@@ -30176,13 +31143,13 @@
           <a:p>
             <a:pPr eaLnBrk="1" hangingPunct="1"/>
             <a:r>
-              <a:rPr lang="ru-RU" i="1">
+              <a:rPr lang="ru-RU" i="1" dirty="0">
                 <a:cs typeface="Arial" charset="0"/>
               </a:rPr>
               <a:t>	Написать программу, позволяющую пользователю просматривать файлы на компьютере с интерфейсом, реализованным в виде командной строки. Реализовать</a:t>
             </a:r>
             <a:r>
-              <a:rPr lang="en-US" i="1">
+              <a:rPr lang="en-US" i="1" dirty="0">
                 <a:cs typeface="Arial" charset="0"/>
               </a:rPr>
               <a:t>:</a:t>
@@ -30194,7 +31161,7 @@
               <a:buChar char="•"/>
             </a:pPr>
             <a:r>
-              <a:rPr lang="ru-RU" i="1">
+              <a:rPr lang="ru-RU" i="1" dirty="0">
                 <a:ea typeface="Calibri" pitchFamily="34" charset="0"/>
                 <a:cs typeface="Arial" charset="0"/>
               </a:rPr>
@@ -30207,7 +31174,7 @@
               <a:buChar char="•"/>
             </a:pPr>
             <a:r>
-              <a:rPr lang="ru-RU" i="1">
+              <a:rPr lang="ru-RU" i="1" dirty="0">
                 <a:ea typeface="Calibri" pitchFamily="34" charset="0"/>
                 <a:cs typeface="Arial" charset="0"/>
               </a:rPr>
@@ -30220,7 +31187,7 @@
               <a:buChar char="•"/>
             </a:pPr>
             <a:r>
-              <a:rPr lang="ru-RU" i="1">
+              <a:rPr lang="ru-RU" i="1" dirty="0">
                 <a:ea typeface="Calibri" pitchFamily="34" charset="0"/>
                 <a:cs typeface="Arial" charset="0"/>
               </a:rPr>
@@ -30233,7 +31200,7 @@
               <a:buChar char="•"/>
             </a:pPr>
             <a:r>
-              <a:rPr lang="ru-RU" i="1">
+              <a:rPr lang="ru-RU" i="1" dirty="0">
                 <a:ea typeface="Calibri" pitchFamily="34" charset="0"/>
                 <a:cs typeface="Arial" charset="0"/>
               </a:rPr>
@@ -30246,7 +31213,7 @@
               <a:buChar char="•"/>
             </a:pPr>
             <a:r>
-              <a:rPr lang="ru-RU" i="1">
+              <a:rPr lang="ru-RU" i="1" dirty="0">
                 <a:ea typeface="Calibri" pitchFamily="34" charset="0"/>
                 <a:cs typeface="Arial" charset="0"/>
               </a:rPr>
@@ -30259,7 +31226,7 @@
               <a:buChar char="•"/>
             </a:pPr>
             <a:r>
-              <a:rPr lang="ru-RU" i="1">
+              <a:rPr lang="ru-RU" i="1" dirty="0">
                 <a:ea typeface="Calibri" pitchFamily="34" charset="0"/>
                 <a:cs typeface="Arial" charset="0"/>
               </a:rPr>
@@ -30272,7 +31239,7 @@
               <a:buChar char="•"/>
             </a:pPr>
             <a:r>
-              <a:rPr lang="ru-RU" i="1">
+              <a:rPr lang="ru-RU" i="1" dirty="0">
                 <a:ea typeface="Calibri" pitchFamily="34" charset="0"/>
                 <a:cs typeface="Arial" charset="0"/>
               </a:rPr>
@@ -32311,6 +33278,13 @@
   <p:clrMapOvr>
     <a:masterClrMapping/>
   </p:clrMapOvr>
+  <p:timing>
+    <p:tnLst>
+      <p:par>
+        <p:cTn id="1" dur="indefinite" restart="never" nodeType="tmRoot"/>
+      </p:par>
+    </p:tnLst>
+  </p:timing>
 </p:sld>
 </file>
 

--- a/Presentation/lesson-04-io.pptx
+++ b/Presentation/lesson-04-io.pptx
@@ -16,8 +16,8 @@
     <p:sldId id="282" r:id="rId10"/>
     <p:sldId id="284" r:id="rId11"/>
     <p:sldId id="285" r:id="rId12"/>
-    <p:sldId id="293" r:id="rId13"/>
-    <p:sldId id="286" r:id="rId14"/>
+    <p:sldId id="286" r:id="rId13"/>
+    <p:sldId id="293" r:id="rId14"/>
     <p:sldId id="260" r:id="rId15"/>
     <p:sldId id="261" r:id="rId16"/>
     <p:sldId id="294" r:id="rId17"/>
@@ -323,7 +323,7 @@
             <a:fld id="{FAECF776-F836-4CCD-9497-99E5597B8B5D}" type="datetimeFigureOut">
               <a:rPr lang="en-US" smtClean="0"/>
               <a:pPr/>
-              <a:t>6/2/2014</a:t>
+              <a:t>8/15/2014</a:t>
             </a:fld>
             <a:endParaRPr lang="en-US"/>
           </a:p>
@@ -495,7 +495,7 @@
             <a:fld id="{FAECF776-F836-4CCD-9497-99E5597B8B5D}" type="datetimeFigureOut">
               <a:rPr lang="en-US" smtClean="0"/>
               <a:pPr/>
-              <a:t>6/2/2014</a:t>
+              <a:t>8/15/2014</a:t>
             </a:fld>
             <a:endParaRPr lang="en-US"/>
           </a:p>
@@ -677,7 +677,7 @@
             <a:fld id="{FAECF776-F836-4CCD-9497-99E5597B8B5D}" type="datetimeFigureOut">
               <a:rPr lang="en-US" smtClean="0"/>
               <a:pPr/>
-              <a:t>6/2/2014</a:t>
+              <a:t>8/15/2014</a:t>
             </a:fld>
             <a:endParaRPr lang="en-US"/>
           </a:p>
@@ -927,7 +927,7 @@
                 </a:solidFill>
               </a:rPr>
               <a:pPr/>
-              <a:t>6/2/2014</a:t>
+              <a:t>8/15/2014</a:t>
             </a:fld>
             <a:endParaRPr lang="en-US">
               <a:solidFill>
@@ -1129,7 +1129,7 @@
                 </a:solidFill>
               </a:rPr>
               <a:pPr/>
-              <a:t>6/2/2014</a:t>
+              <a:t>8/15/2014</a:t>
             </a:fld>
             <a:endParaRPr lang="en-US">
               <a:solidFill>
@@ -1407,7 +1407,7 @@
                 </a:solidFill>
               </a:rPr>
               <a:pPr/>
-              <a:t>6/2/2014</a:t>
+              <a:t>8/15/2014</a:t>
             </a:fld>
             <a:endParaRPr lang="en-US">
               <a:solidFill>
@@ -1727,7 +1727,7 @@
                 </a:solidFill>
               </a:rPr>
               <a:pPr/>
-              <a:t>6/2/2014</a:t>
+              <a:t>8/15/2014</a:t>
             </a:fld>
             <a:endParaRPr lang="en-US">
               <a:solidFill>
@@ -2181,7 +2181,7 @@
                 </a:solidFill>
               </a:rPr>
               <a:pPr/>
-              <a:t>6/2/2014</a:t>
+              <a:t>8/15/2014</a:t>
             </a:fld>
             <a:endParaRPr lang="en-US">
               <a:solidFill>
@@ -2331,7 +2331,7 @@
                 </a:solidFill>
               </a:rPr>
               <a:pPr/>
-              <a:t>6/2/2014</a:t>
+              <a:t>8/15/2014</a:t>
             </a:fld>
             <a:endParaRPr lang="en-US">
               <a:solidFill>
@@ -2458,7 +2458,7 @@
                 </a:solidFill>
               </a:rPr>
               <a:pPr/>
-              <a:t>6/2/2014</a:t>
+              <a:t>8/15/2014</a:t>
             </a:fld>
             <a:endParaRPr lang="en-US">
               <a:solidFill>
@@ -2767,7 +2767,7 @@
                 </a:solidFill>
               </a:rPr>
               <a:pPr/>
-              <a:t>6/2/2014</a:t>
+              <a:t>8/15/2014</a:t>
             </a:fld>
             <a:endParaRPr lang="en-US">
               <a:solidFill>
@@ -2963,7 +2963,7 @@
             <a:fld id="{FAECF776-F836-4CCD-9497-99E5597B8B5D}" type="datetimeFigureOut">
               <a:rPr lang="en-US" smtClean="0"/>
               <a:pPr/>
-              <a:t>6/2/2014</a:t>
+              <a:t>8/15/2014</a:t>
             </a:fld>
             <a:endParaRPr lang="en-US"/>
           </a:p>
@@ -3224,7 +3224,7 @@
                 </a:solidFill>
               </a:rPr>
               <a:pPr/>
-              <a:t>6/2/2014</a:t>
+              <a:t>8/15/2014</a:t>
             </a:fld>
             <a:endParaRPr lang="en-US">
               <a:solidFill>
@@ -3426,7 +3426,7 @@
                 </a:solidFill>
               </a:rPr>
               <a:pPr/>
-              <a:t>6/2/2014</a:t>
+              <a:t>8/15/2014</a:t>
             </a:fld>
             <a:endParaRPr lang="en-US">
               <a:solidFill>
@@ -3638,7 +3638,7 @@
                 </a:solidFill>
               </a:rPr>
               <a:pPr/>
-              <a:t>6/2/2014</a:t>
+              <a:t>8/15/2014</a:t>
             </a:fld>
             <a:endParaRPr lang="en-US">
               <a:solidFill>
@@ -3910,7 +3910,7 @@
             <a:fld id="{FAECF776-F836-4CCD-9497-99E5597B8B5D}" type="datetimeFigureOut">
               <a:rPr lang="en-US" smtClean="0"/>
               <a:pPr/>
-              <a:t>6/2/2014</a:t>
+              <a:t>8/15/2014</a:t>
             </a:fld>
             <a:endParaRPr lang="en-US"/>
           </a:p>
@@ -4200,7 +4200,7 @@
             <a:fld id="{FAECF776-F836-4CCD-9497-99E5597B8B5D}" type="datetimeFigureOut">
               <a:rPr lang="en-US" smtClean="0"/>
               <a:pPr/>
-              <a:t>6/2/2014</a:t>
+              <a:t>8/15/2014</a:t>
             </a:fld>
             <a:endParaRPr lang="en-US"/>
           </a:p>
@@ -4624,7 +4624,7 @@
             <a:fld id="{FAECF776-F836-4CCD-9497-99E5597B8B5D}" type="datetimeFigureOut">
               <a:rPr lang="en-US" smtClean="0"/>
               <a:pPr/>
-              <a:t>6/2/2014</a:t>
+              <a:t>8/15/2014</a:t>
             </a:fld>
             <a:endParaRPr lang="en-US"/>
           </a:p>
@@ -4744,7 +4744,7 @@
             <a:fld id="{FAECF776-F836-4CCD-9497-99E5597B8B5D}" type="datetimeFigureOut">
               <a:rPr lang="en-US" smtClean="0"/>
               <a:pPr/>
-              <a:t>6/2/2014</a:t>
+              <a:t>8/15/2014</a:t>
             </a:fld>
             <a:endParaRPr lang="en-US"/>
           </a:p>
@@ -4841,7 +4841,7 @@
             <a:fld id="{FAECF776-F836-4CCD-9497-99E5597B8B5D}" type="datetimeFigureOut">
               <a:rPr lang="en-US" smtClean="0"/>
               <a:pPr/>
-              <a:t>6/2/2014</a:t>
+              <a:t>8/15/2014</a:t>
             </a:fld>
             <a:endParaRPr lang="en-US"/>
           </a:p>
@@ -5120,7 +5120,7 @@
             <a:fld id="{FAECF776-F836-4CCD-9497-99E5597B8B5D}" type="datetimeFigureOut">
               <a:rPr lang="en-US" smtClean="0"/>
               <a:pPr/>
-              <a:t>6/2/2014</a:t>
+              <a:t>8/15/2014</a:t>
             </a:fld>
             <a:endParaRPr lang="en-US"/>
           </a:p>
@@ -5375,7 +5375,7 @@
             <a:fld id="{FAECF776-F836-4CCD-9497-99E5597B8B5D}" type="datetimeFigureOut">
               <a:rPr lang="en-US" smtClean="0"/>
               <a:pPr/>
-              <a:t>6/2/2014</a:t>
+              <a:t>8/15/2014</a:t>
             </a:fld>
             <a:endParaRPr lang="en-US"/>
           </a:p>
@@ -5599,7 +5599,7 @@
             <a:fld id="{FAECF776-F836-4CCD-9497-99E5597B8B5D}" type="datetimeFigureOut">
               <a:rPr lang="en-US" smtClean="0"/>
               <a:pPr/>
-              <a:t>6/2/2014</a:t>
+              <a:t>8/15/2014</a:t>
             </a:fld>
             <a:endParaRPr lang="en-US"/>
           </a:p>
@@ -6117,7 +6117,7 @@
                 </a:solidFill>
               </a:rPr>
               <a:pPr/>
-              <a:t>6/2/2014</a:t>
+              <a:t>8/15/2014</a:t>
             </a:fld>
             <a:endParaRPr lang="en-US">
               <a:solidFill>
@@ -7857,7 +7857,7 @@
           <a:p>
             <a:r>
               <a:rPr lang="ru-RU" dirty="0" smtClean="0"/>
-              <a:t>Термины</a:t>
+              <a:t>Средства ввода/вывода</a:t>
             </a:r>
             <a:endParaRPr lang="ru-RU" dirty="0"/>
           </a:p>
@@ -7878,25 +7878,64 @@
           <a:bodyPr/>
           <a:lstStyle/>
           <a:p>
+            <a:pPr marL="0" indent="0">
+              <a:buNone/>
+            </a:pPr>
             <a:r>
               <a:rPr lang="ru-RU" dirty="0" smtClean="0"/>
-              <a:t>Буфер – массив байтов</a:t>
+              <a:t>Основные классы находятся в пространстве имен </a:t>
             </a:r>
             <a:r>
               <a:rPr lang="en-US" dirty="0" smtClean="0"/>
-              <a:t>: </a:t>
-            </a:r>
-            <a:r>
-              <a:rPr lang="en-US" smtClean="0"/>
-              <a:t>byte[]</a:t>
-            </a:r>
+              <a:t>System.IO</a:t>
+            </a:r>
+          </a:p>
+          <a:p>
+            <a:r>
+              <a:rPr lang="ru-RU" dirty="0" smtClean="0"/>
+              <a:t>Информационные</a:t>
+            </a:r>
+          </a:p>
+          <a:p>
+            <a:r>
+              <a:rPr lang="ru-RU" dirty="0" smtClean="0"/>
+              <a:t>Чтение/запись файлов (потоков)</a:t>
+            </a:r>
+          </a:p>
+          <a:p>
+            <a:r>
+              <a:rPr lang="ru-RU" dirty="0" smtClean="0"/>
+              <a:t>Сериализация</a:t>
+            </a:r>
+          </a:p>
+          <a:p>
+            <a:r>
+              <a:rPr lang="ru-RU" dirty="0" smtClean="0"/>
+              <a:t>Другие потоки:</a:t>
+            </a:r>
+          </a:p>
+          <a:p>
+            <a:pPr lvl="1"/>
+            <a:r>
+              <a:rPr lang="ru-RU" dirty="0" smtClean="0"/>
+              <a:t>Архивация данных (</a:t>
+            </a:r>
+            <a:r>
+              <a:rPr lang="en-US" dirty="0" err="1" smtClean="0"/>
+              <a:t>System.IO.Compression</a:t>
+            </a:r>
+            <a:r>
+              <a:rPr lang="en-US" dirty="0" smtClean="0"/>
+              <a:t>)</a:t>
+            </a:r>
+            <a:endParaRPr lang="ru-RU" dirty="0" smtClean="0"/>
           </a:p>
         </p:txBody>
       </p:sp>
     </p:spTree>
     <p:extLst>
       <p:ext uri="{BB962C8B-B14F-4D97-AF65-F5344CB8AC3E}">
-        <p14:creationId xmlns:p14="http://schemas.microsoft.com/office/powerpoint/2010/main" val="1309391429"/>
+        <p14:creationId xmlns:p14="http://schemas.microsoft.com/office/powerpoint/2010/main" val="3408463856"/>
       </p:ext>
     </p:extLst>
   </p:cSld>
@@ -7947,7 +7986,7 @@
           <a:p>
             <a:r>
               <a:rPr lang="ru-RU" dirty="0" smtClean="0"/>
-              <a:t>Средства ввода/вывода</a:t>
+              <a:t>Термины</a:t>
             </a:r>
             <a:endParaRPr lang="ru-RU" dirty="0"/>
           </a:p>
@@ -7968,64 +8007,25 @@
           <a:bodyPr/>
           <a:lstStyle/>
           <a:p>
-            <a:pPr marL="0" indent="0">
-              <a:buNone/>
-            </a:pPr>
             <a:r>
               <a:rPr lang="ru-RU" dirty="0" smtClean="0"/>
-              <a:t>Основные классы находятся в пространстве имен </a:t>
+              <a:t>Буфер – массив байтов</a:t>
             </a:r>
             <a:r>
               <a:rPr lang="en-US" dirty="0" smtClean="0"/>
-              <a:t>System.IO</a:t>
-            </a:r>
-          </a:p>
-          <a:p>
-            <a:r>
-              <a:rPr lang="ru-RU" dirty="0" smtClean="0"/>
-              <a:t>Информационные</a:t>
-            </a:r>
-          </a:p>
-          <a:p>
-            <a:r>
-              <a:rPr lang="ru-RU" dirty="0" smtClean="0"/>
-              <a:t>Чтение/запись файлов (потоков)</a:t>
-            </a:r>
-          </a:p>
-          <a:p>
-            <a:r>
-              <a:rPr lang="ru-RU" dirty="0" smtClean="0"/>
-              <a:t>Сериализация</a:t>
-            </a:r>
-          </a:p>
-          <a:p>
-            <a:r>
-              <a:rPr lang="ru-RU" dirty="0" smtClean="0"/>
-              <a:t>Другие потоки:</a:t>
-            </a:r>
-          </a:p>
-          <a:p>
-            <a:pPr lvl="1"/>
-            <a:r>
-              <a:rPr lang="ru-RU" dirty="0" smtClean="0"/>
-              <a:t>Архивация данных (</a:t>
-            </a:r>
-            <a:r>
-              <a:rPr lang="en-US" dirty="0" err="1" smtClean="0"/>
-              <a:t>System.IO.Compression</a:t>
-            </a:r>
-            <a:r>
-              <a:rPr lang="en-US" dirty="0" smtClean="0"/>
-              <a:t>)</a:t>
-            </a:r>
-            <a:endParaRPr lang="ru-RU" dirty="0" smtClean="0"/>
+              <a:t>: </a:t>
+            </a:r>
+            <a:r>
+              <a:rPr lang="en-US" smtClean="0"/>
+              <a:t>byte[]</a:t>
+            </a:r>
           </a:p>
         </p:txBody>
       </p:sp>
     </p:spTree>
     <p:extLst>
       <p:ext uri="{BB962C8B-B14F-4D97-AF65-F5344CB8AC3E}">
-        <p14:creationId xmlns:p14="http://schemas.microsoft.com/office/powerpoint/2010/main" val="3408463856"/>
+        <p14:creationId xmlns:p14="http://schemas.microsoft.com/office/powerpoint/2010/main" val="1309391429"/>
       </p:ext>
     </p:extLst>
   </p:cSld>
@@ -16043,11 +16043,7 @@
             <a:pPr algn="ctr"/>
             <a:r>
               <a:rPr lang="ru-RU" sz="2400" b="1" dirty="0" smtClean="0"/>
-              <a:t>«Текущий» каталог</a:t>
-            </a:r>
-            <a:r>
-              <a:rPr lang="ru-RU" sz="2400" b="1" dirty="0" smtClean="0"/>
-              <a:t>.</a:t>
+              <a:t>«Текущий» каталог.</a:t>
             </a:r>
             <a:endParaRPr lang="ru-RU" sz="2400" b="1" dirty="0"/>
           </a:p>
@@ -16245,27 +16241,7 @@
                 <a:latin typeface="Courier New" pitchFamily="49" charset="0"/>
                 <a:cs typeface="Calibri" pitchFamily="34" charset="0"/>
               </a:rPr>
-              <a:t>т.к</a:t>
-            </a:r>
-            <a:r>
-              <a:rPr lang="ru-RU" sz="1600" dirty="0" smtClean="0">
-                <a:solidFill>
-                  <a:schemeClr val="bg1"/>
-                </a:solidFill>
-                <a:latin typeface="Courier New" pitchFamily="49" charset="0"/>
-                <a:cs typeface="Calibri" pitchFamily="34" charset="0"/>
-              </a:rPr>
-              <a:t>. оно зависит от внешней среды откуда запущена программа</a:t>
-            </a:r>
-            <a:r>
-              <a:rPr lang="ru-RU" sz="1600" dirty="0" smtClean="0">
-                <a:solidFill>
-                  <a:schemeClr val="bg1"/>
-                </a:solidFill>
-                <a:latin typeface="Courier New" pitchFamily="49" charset="0"/>
-                <a:cs typeface="Calibri" pitchFamily="34" charset="0"/>
-              </a:rPr>
-              <a:t>.</a:t>
+              <a:t>т.к. оно зависит от внешней среды откуда запущена программа.</a:t>
             </a:r>
             <a:r>
               <a:rPr lang="en-US" sz="1600" dirty="0" smtClean="0">

--- a/Presentation/lesson-04-io.pptx
+++ b/Presentation/lesson-04-io.pptx
@@ -39,7 +39,8 @@
     <p:sldId id="278" r:id="rId33"/>
     <p:sldId id="279" r:id="rId34"/>
     <p:sldId id="280" r:id="rId35"/>
-    <p:sldId id="271" r:id="rId36"/>
+    <p:sldId id="297" r:id="rId36"/>
+    <p:sldId id="271" r:id="rId37"/>
   </p:sldIdLst>
   <p:sldSz cx="9144000" cy="6858000" type="screen4x3"/>
   <p:notesSz cx="6858000" cy="9144000"/>
@@ -323,7 +324,7 @@
             <a:fld id="{FAECF776-F836-4CCD-9497-99E5597B8B5D}" type="datetimeFigureOut">
               <a:rPr lang="en-US" smtClean="0"/>
               <a:pPr/>
-              <a:t>8/15/2014</a:t>
+              <a:t>8/25/2014</a:t>
             </a:fld>
             <a:endParaRPr lang="en-US"/>
           </a:p>
@@ -495,7 +496,7 @@
             <a:fld id="{FAECF776-F836-4CCD-9497-99E5597B8B5D}" type="datetimeFigureOut">
               <a:rPr lang="en-US" smtClean="0"/>
               <a:pPr/>
-              <a:t>8/15/2014</a:t>
+              <a:t>8/25/2014</a:t>
             </a:fld>
             <a:endParaRPr lang="en-US"/>
           </a:p>
@@ -677,7 +678,7 @@
             <a:fld id="{FAECF776-F836-4CCD-9497-99E5597B8B5D}" type="datetimeFigureOut">
               <a:rPr lang="en-US" smtClean="0"/>
               <a:pPr/>
-              <a:t>8/15/2014</a:t>
+              <a:t>8/25/2014</a:t>
             </a:fld>
             <a:endParaRPr lang="en-US"/>
           </a:p>
@@ -927,7 +928,7 @@
                 </a:solidFill>
               </a:rPr>
               <a:pPr/>
-              <a:t>8/15/2014</a:t>
+              <a:t>8/25/2014</a:t>
             </a:fld>
             <a:endParaRPr lang="en-US">
               <a:solidFill>
@@ -1129,7 +1130,7 @@
                 </a:solidFill>
               </a:rPr>
               <a:pPr/>
-              <a:t>8/15/2014</a:t>
+              <a:t>8/25/2014</a:t>
             </a:fld>
             <a:endParaRPr lang="en-US">
               <a:solidFill>
@@ -1407,7 +1408,7 @@
                 </a:solidFill>
               </a:rPr>
               <a:pPr/>
-              <a:t>8/15/2014</a:t>
+              <a:t>8/25/2014</a:t>
             </a:fld>
             <a:endParaRPr lang="en-US">
               <a:solidFill>
@@ -1727,7 +1728,7 @@
                 </a:solidFill>
               </a:rPr>
               <a:pPr/>
-              <a:t>8/15/2014</a:t>
+              <a:t>8/25/2014</a:t>
             </a:fld>
             <a:endParaRPr lang="en-US">
               <a:solidFill>
@@ -2181,7 +2182,7 @@
                 </a:solidFill>
               </a:rPr>
               <a:pPr/>
-              <a:t>8/15/2014</a:t>
+              <a:t>8/25/2014</a:t>
             </a:fld>
             <a:endParaRPr lang="en-US">
               <a:solidFill>
@@ -2331,7 +2332,7 @@
                 </a:solidFill>
               </a:rPr>
               <a:pPr/>
-              <a:t>8/15/2014</a:t>
+              <a:t>8/25/2014</a:t>
             </a:fld>
             <a:endParaRPr lang="en-US">
               <a:solidFill>
@@ -2458,7 +2459,7 @@
                 </a:solidFill>
               </a:rPr>
               <a:pPr/>
-              <a:t>8/15/2014</a:t>
+              <a:t>8/25/2014</a:t>
             </a:fld>
             <a:endParaRPr lang="en-US">
               <a:solidFill>
@@ -2767,7 +2768,7 @@
                 </a:solidFill>
               </a:rPr>
               <a:pPr/>
-              <a:t>8/15/2014</a:t>
+              <a:t>8/25/2014</a:t>
             </a:fld>
             <a:endParaRPr lang="en-US">
               <a:solidFill>
@@ -2963,7 +2964,7 @@
             <a:fld id="{FAECF776-F836-4CCD-9497-99E5597B8B5D}" type="datetimeFigureOut">
               <a:rPr lang="en-US" smtClean="0"/>
               <a:pPr/>
-              <a:t>8/15/2014</a:t>
+              <a:t>8/25/2014</a:t>
             </a:fld>
             <a:endParaRPr lang="en-US"/>
           </a:p>
@@ -3224,7 +3225,7 @@
                 </a:solidFill>
               </a:rPr>
               <a:pPr/>
-              <a:t>8/15/2014</a:t>
+              <a:t>8/25/2014</a:t>
             </a:fld>
             <a:endParaRPr lang="en-US">
               <a:solidFill>
@@ -3426,7 +3427,7 @@
                 </a:solidFill>
               </a:rPr>
               <a:pPr/>
-              <a:t>8/15/2014</a:t>
+              <a:t>8/25/2014</a:t>
             </a:fld>
             <a:endParaRPr lang="en-US">
               <a:solidFill>
@@ -3638,7 +3639,7 @@
                 </a:solidFill>
               </a:rPr>
               <a:pPr/>
-              <a:t>8/15/2014</a:t>
+              <a:t>8/25/2014</a:t>
             </a:fld>
             <a:endParaRPr lang="en-US">
               <a:solidFill>
@@ -3910,7 +3911,7 @@
             <a:fld id="{FAECF776-F836-4CCD-9497-99E5597B8B5D}" type="datetimeFigureOut">
               <a:rPr lang="en-US" smtClean="0"/>
               <a:pPr/>
-              <a:t>8/15/2014</a:t>
+              <a:t>8/25/2014</a:t>
             </a:fld>
             <a:endParaRPr lang="en-US"/>
           </a:p>
@@ -4200,7 +4201,7 @@
             <a:fld id="{FAECF776-F836-4CCD-9497-99E5597B8B5D}" type="datetimeFigureOut">
               <a:rPr lang="en-US" smtClean="0"/>
               <a:pPr/>
-              <a:t>8/15/2014</a:t>
+              <a:t>8/25/2014</a:t>
             </a:fld>
             <a:endParaRPr lang="en-US"/>
           </a:p>
@@ -4624,7 +4625,7 @@
             <a:fld id="{FAECF776-F836-4CCD-9497-99E5597B8B5D}" type="datetimeFigureOut">
               <a:rPr lang="en-US" smtClean="0"/>
               <a:pPr/>
-              <a:t>8/15/2014</a:t>
+              <a:t>8/25/2014</a:t>
             </a:fld>
             <a:endParaRPr lang="en-US"/>
           </a:p>
@@ -4744,7 +4745,7 @@
             <a:fld id="{FAECF776-F836-4CCD-9497-99E5597B8B5D}" type="datetimeFigureOut">
               <a:rPr lang="en-US" smtClean="0"/>
               <a:pPr/>
-              <a:t>8/15/2014</a:t>
+              <a:t>8/25/2014</a:t>
             </a:fld>
             <a:endParaRPr lang="en-US"/>
           </a:p>
@@ -4841,7 +4842,7 @@
             <a:fld id="{FAECF776-F836-4CCD-9497-99E5597B8B5D}" type="datetimeFigureOut">
               <a:rPr lang="en-US" smtClean="0"/>
               <a:pPr/>
-              <a:t>8/15/2014</a:t>
+              <a:t>8/25/2014</a:t>
             </a:fld>
             <a:endParaRPr lang="en-US"/>
           </a:p>
@@ -5120,7 +5121,7 @@
             <a:fld id="{FAECF776-F836-4CCD-9497-99E5597B8B5D}" type="datetimeFigureOut">
               <a:rPr lang="en-US" smtClean="0"/>
               <a:pPr/>
-              <a:t>8/15/2014</a:t>
+              <a:t>8/25/2014</a:t>
             </a:fld>
             <a:endParaRPr lang="en-US"/>
           </a:p>
@@ -5375,7 +5376,7 @@
             <a:fld id="{FAECF776-F836-4CCD-9497-99E5597B8B5D}" type="datetimeFigureOut">
               <a:rPr lang="en-US" smtClean="0"/>
               <a:pPr/>
-              <a:t>8/15/2014</a:t>
+              <a:t>8/25/2014</a:t>
             </a:fld>
             <a:endParaRPr lang="en-US"/>
           </a:p>
@@ -5599,7 +5600,7 @@
             <a:fld id="{FAECF776-F836-4CCD-9497-99E5597B8B5D}" type="datetimeFigureOut">
               <a:rPr lang="en-US" smtClean="0"/>
               <a:pPr/>
-              <a:t>8/15/2014</a:t>
+              <a:t>8/25/2014</a:t>
             </a:fld>
             <a:endParaRPr lang="en-US"/>
           </a:p>
@@ -6117,7 +6118,7 @@
                 </a:solidFill>
               </a:rPr>
               <a:pPr/>
-              <a:t>8/15/2014</a:t>
+              <a:t>8/25/2014</a:t>
             </a:fld>
             <a:endParaRPr lang="en-US">
               <a:solidFill>
@@ -15715,7 +15716,7 @@
         <p:spPr bwMode="auto">
           <a:xfrm>
             <a:off x="152400" y="838200"/>
-            <a:ext cx="8839200" cy="2062103"/>
+            <a:ext cx="8839200" cy="1569660"/>
           </a:xfrm>
           <a:prstGeom prst="rect">
             <a:avLst/>
@@ -15853,8 +15854,8 @@
                 <a:solidFill>
                   <a:schemeClr val="bg1"/>
                 </a:solidFill>
-                <a:latin typeface="Courier New" pitchFamily="49" charset="0"/>
-                <a:cs typeface="Calibri" pitchFamily="34" charset="0"/>
+                <a:latin typeface="Arial" panose="020B0604020202020204" pitchFamily="34" charset="0"/>
+                <a:cs typeface="Arial" panose="020B0604020202020204" pitchFamily="34" charset="0"/>
               </a:rPr>
               <a:t>Используйте расширение </a:t>
             </a:r>
@@ -15863,8 +15864,8 @@
                 <a:solidFill>
                   <a:schemeClr val="bg1"/>
                 </a:solidFill>
-                <a:latin typeface="Courier New" pitchFamily="49" charset="0"/>
-                <a:cs typeface="Calibri" pitchFamily="34" charset="0"/>
+                <a:latin typeface="Arial" panose="020B0604020202020204" pitchFamily="34" charset="0"/>
+                <a:cs typeface="Arial" panose="020B0604020202020204" pitchFamily="34" charset="0"/>
               </a:rPr>
               <a:t>tmp</a:t>
             </a:r>
@@ -15873,8 +15874,8 @@
                 <a:solidFill>
                   <a:schemeClr val="bg1"/>
                 </a:solidFill>
-                <a:latin typeface="Courier New" pitchFamily="49" charset="0"/>
-                <a:cs typeface="Calibri" pitchFamily="34" charset="0"/>
+                <a:latin typeface="Arial" panose="020B0604020202020204" pitchFamily="34" charset="0"/>
+                <a:cs typeface="Arial" panose="020B0604020202020204" pitchFamily="34" charset="0"/>
               </a:rPr>
               <a:t>!</a:t>
             </a:r>
@@ -15885,8 +15886,8 @@
               <a:solidFill>
                 <a:schemeClr val="bg1"/>
               </a:solidFill>
-              <a:latin typeface="Courier New" pitchFamily="49" charset="0"/>
-              <a:cs typeface="Calibri" pitchFamily="34" charset="0"/>
+              <a:latin typeface="Arial" panose="020B0604020202020204" pitchFamily="34" charset="0"/>
+              <a:cs typeface="Arial" panose="020B0604020202020204" pitchFamily="34" charset="0"/>
             </a:endParaRPr>
           </a:p>
           <a:p>
@@ -15896,8 +15897,8 @@
                 <a:solidFill>
                   <a:schemeClr val="bg1"/>
                 </a:solidFill>
-                <a:latin typeface="Courier New" pitchFamily="49" charset="0"/>
-                <a:cs typeface="Calibri" pitchFamily="34" charset="0"/>
+                <a:latin typeface="Arial" panose="020B0604020202020204" pitchFamily="34" charset="0"/>
+                <a:cs typeface="Arial" panose="020B0604020202020204" pitchFamily="34" charset="0"/>
               </a:rPr>
               <a:t>Path.GetTempPath</a:t>
             </a:r>
@@ -15906,8 +15907,8 @@
                 <a:solidFill>
                   <a:schemeClr val="bg1"/>
                 </a:solidFill>
-                <a:latin typeface="Courier New" pitchFamily="49" charset="0"/>
-                <a:cs typeface="Calibri" pitchFamily="34" charset="0"/>
+                <a:latin typeface="Arial" panose="020B0604020202020204" pitchFamily="34" charset="0"/>
+                <a:cs typeface="Arial" panose="020B0604020202020204" pitchFamily="34" charset="0"/>
               </a:rPr>
               <a:t>() – </a:t>
             </a:r>
@@ -15916,8 +15917,8 @@
                 <a:solidFill>
                   <a:schemeClr val="bg1"/>
                 </a:solidFill>
-                <a:latin typeface="Courier New" pitchFamily="49" charset="0"/>
-                <a:cs typeface="Calibri" pitchFamily="34" charset="0"/>
+                <a:latin typeface="Arial" panose="020B0604020202020204" pitchFamily="34" charset="0"/>
+                <a:cs typeface="Arial" panose="020B0604020202020204" pitchFamily="34" charset="0"/>
               </a:rPr>
               <a:t>возвращает путь к временному каталогу текущего пользователя</a:t>
             </a:r>
@@ -15928,8 +15929,8 @@
               <a:solidFill>
                 <a:schemeClr val="bg1"/>
               </a:solidFill>
-              <a:latin typeface="Courier New" pitchFamily="49" charset="0"/>
-              <a:cs typeface="Calibri" pitchFamily="34" charset="0"/>
+              <a:latin typeface="Arial" panose="020B0604020202020204" pitchFamily="34" charset="0"/>
+              <a:cs typeface="Arial" panose="020B0604020202020204" pitchFamily="34" charset="0"/>
             </a:endParaRPr>
           </a:p>
           <a:p>
@@ -15939,8 +15940,8 @@
                 <a:solidFill>
                   <a:schemeClr val="bg1"/>
                 </a:solidFill>
-                <a:latin typeface="Courier New" pitchFamily="49" charset="0"/>
-                <a:cs typeface="Calibri" pitchFamily="34" charset="0"/>
+                <a:latin typeface="Arial" panose="020B0604020202020204" pitchFamily="34" charset="0"/>
+                <a:cs typeface="Arial" panose="020B0604020202020204" pitchFamily="34" charset="0"/>
               </a:rPr>
               <a:t>Path.GetTempFileName</a:t>
             </a:r>
@@ -15949,8 +15950,8 @@
                 <a:solidFill>
                   <a:schemeClr val="bg1"/>
                 </a:solidFill>
-                <a:latin typeface="Courier New" pitchFamily="49" charset="0"/>
-                <a:cs typeface="Calibri" pitchFamily="34" charset="0"/>
+                <a:latin typeface="Arial" panose="020B0604020202020204" pitchFamily="34" charset="0"/>
+                <a:cs typeface="Arial" panose="020B0604020202020204" pitchFamily="34" charset="0"/>
               </a:rPr>
               <a:t>()</a:t>
             </a:r>
@@ -15959,8 +15960,8 @@
                 <a:solidFill>
                   <a:schemeClr val="bg1"/>
                 </a:solidFill>
-                <a:latin typeface="Courier New" pitchFamily="49" charset="0"/>
-                <a:cs typeface="Calibri" pitchFamily="34" charset="0"/>
+                <a:latin typeface="Arial" panose="020B0604020202020204" pitchFamily="34" charset="0"/>
+                <a:cs typeface="Arial" panose="020B0604020202020204" pitchFamily="34" charset="0"/>
               </a:rPr>
               <a:t> – создает файл нулевой длины с уникальным именем внутри </a:t>
             </a:r>
@@ -15969,8 +15970,8 @@
                 <a:solidFill>
                   <a:schemeClr val="bg1"/>
                 </a:solidFill>
-                <a:latin typeface="Courier New" pitchFamily="49" charset="0"/>
-                <a:cs typeface="Calibri" pitchFamily="34" charset="0"/>
+                <a:latin typeface="Arial" panose="020B0604020202020204" pitchFamily="34" charset="0"/>
+                <a:cs typeface="Arial" panose="020B0604020202020204" pitchFamily="34" charset="0"/>
               </a:rPr>
               <a:t>временного каталога текущего </a:t>
             </a:r>
@@ -15979,8 +15980,8 @@
                 <a:solidFill>
                   <a:schemeClr val="bg1"/>
                 </a:solidFill>
-                <a:latin typeface="Courier New" pitchFamily="49" charset="0"/>
-                <a:cs typeface="Calibri" pitchFamily="34" charset="0"/>
+                <a:latin typeface="Arial" panose="020B0604020202020204" pitchFamily="34" charset="0"/>
+                <a:cs typeface="Arial" panose="020B0604020202020204" pitchFamily="34" charset="0"/>
               </a:rPr>
               <a:t>пользователя и возвращает полный путь к нему</a:t>
             </a:r>
@@ -15988,8 +15989,8 @@
               <a:solidFill>
                 <a:schemeClr val="bg1"/>
               </a:solidFill>
-              <a:latin typeface="Courier New" pitchFamily="49" charset="0"/>
-              <a:cs typeface="Calibri" pitchFamily="34" charset="0"/>
+              <a:latin typeface="Arial" panose="020B0604020202020204" pitchFamily="34" charset="0"/>
+              <a:cs typeface="Arial" panose="020B0604020202020204" pitchFamily="34" charset="0"/>
             </a:endParaRPr>
           </a:p>
         </p:txBody>
@@ -16004,7 +16005,7 @@
         </p:nvSpPr>
         <p:spPr bwMode="auto">
           <a:xfrm>
-            <a:off x="395536" y="2996952"/>
+            <a:off x="395536" y="2780928"/>
             <a:ext cx="8352927" cy="461665"/>
           </a:xfrm>
           <a:prstGeom prst="rect">
@@ -16059,8 +16060,8 @@
         </p:nvSpPr>
         <p:spPr bwMode="auto">
           <a:xfrm>
-            <a:off x="152400" y="3530923"/>
-            <a:ext cx="8839200" cy="4031873"/>
+            <a:off x="152400" y="3314899"/>
+            <a:ext cx="8839200" cy="3046988"/>
           </a:xfrm>
           <a:prstGeom prst="rect">
             <a:avLst/>
@@ -16198,8 +16199,8 @@
                 <a:solidFill>
                   <a:schemeClr val="bg1"/>
                 </a:solidFill>
-                <a:latin typeface="Courier New" pitchFamily="49" charset="0"/>
-                <a:cs typeface="Calibri" pitchFamily="34" charset="0"/>
+                <a:latin typeface="Arial" panose="020B0604020202020204" pitchFamily="34" charset="0"/>
+                <a:cs typeface="Arial" panose="020B0604020202020204" pitchFamily="34" charset="0"/>
               </a:rPr>
               <a:t>Не полагайтесь на </a:t>
             </a:r>
@@ -16208,8 +16209,8 @@
                 <a:solidFill>
                   <a:schemeClr val="bg1"/>
                 </a:solidFill>
-                <a:latin typeface="Courier New" pitchFamily="49" charset="0"/>
-                <a:cs typeface="Calibri" pitchFamily="34" charset="0"/>
+                <a:latin typeface="Arial" panose="020B0604020202020204" pitchFamily="34" charset="0"/>
+                <a:cs typeface="Arial" panose="020B0604020202020204" pitchFamily="34" charset="0"/>
               </a:rPr>
               <a:t>свойство </a:t>
             </a:r>
@@ -16218,8 +16219,8 @@
                 <a:solidFill>
                   <a:schemeClr val="bg1"/>
                 </a:solidFill>
-                <a:latin typeface="Courier New" pitchFamily="49" charset="0"/>
-                <a:cs typeface="Calibri" pitchFamily="34" charset="0"/>
+                <a:latin typeface="Arial" panose="020B0604020202020204" pitchFamily="34" charset="0"/>
+                <a:cs typeface="Arial" panose="020B0604020202020204" pitchFamily="34" charset="0"/>
               </a:rPr>
               <a:t>Environment.CurrentDirectory</a:t>
             </a:r>
@@ -16228,8 +16229,8 @@
                 <a:solidFill>
                   <a:schemeClr val="bg1"/>
                 </a:solidFill>
-                <a:latin typeface="Courier New" pitchFamily="49" charset="0"/>
-                <a:cs typeface="Calibri" pitchFamily="34" charset="0"/>
+                <a:latin typeface="Arial" panose="020B0604020202020204" pitchFamily="34" charset="0"/>
+                <a:cs typeface="Arial" panose="020B0604020202020204" pitchFamily="34" charset="0"/>
               </a:rPr>
               <a:t> </a:t>
             </a:r>
@@ -16238,18 +16239,88 @@
                 <a:solidFill>
                   <a:schemeClr val="bg1"/>
                 </a:solidFill>
-                <a:latin typeface="Courier New" pitchFamily="49" charset="0"/>
-                <a:cs typeface="Calibri" pitchFamily="34" charset="0"/>
-              </a:rPr>
-              <a:t>т.к. оно зависит от внешней среды откуда запущена программа.</a:t>
+                <a:latin typeface="Arial" panose="020B0604020202020204" pitchFamily="34" charset="0"/>
+                <a:cs typeface="Arial" panose="020B0604020202020204" pitchFamily="34" charset="0"/>
+              </a:rPr>
+              <a:t>и метод </a:t>
+            </a:r>
+            <a:r>
+              <a:rPr lang="en-US" sz="1600" dirty="0" err="1">
+                <a:solidFill>
+                  <a:schemeClr val="bg1"/>
+                </a:solidFill>
+                <a:latin typeface="Arial" panose="020B0604020202020204" pitchFamily="34" charset="0"/>
+                <a:cs typeface="Arial" panose="020B0604020202020204" pitchFamily="34" charset="0"/>
+              </a:rPr>
+              <a:t>Directory.SetCurrentDirectory</a:t>
+            </a:r>
+            <a:r>
+              <a:rPr lang="en-US" sz="1600" dirty="0">
+                <a:solidFill>
+                  <a:schemeClr val="bg1"/>
+                </a:solidFill>
+                <a:latin typeface="Arial" panose="020B0604020202020204" pitchFamily="34" charset="0"/>
+                <a:cs typeface="Arial" panose="020B0604020202020204" pitchFamily="34" charset="0"/>
+              </a:rPr>
+              <a:t>() </a:t>
+            </a:r>
+            <a:r>
+              <a:rPr lang="ru-RU" sz="1600" dirty="0" smtClean="0">
+                <a:solidFill>
+                  <a:schemeClr val="bg1"/>
+                </a:solidFill>
+                <a:latin typeface="Arial" panose="020B0604020202020204" pitchFamily="34" charset="0"/>
+                <a:cs typeface="Arial" panose="020B0604020202020204" pitchFamily="34" charset="0"/>
+              </a:rPr>
+              <a:t>т.к</a:t>
+            </a:r>
+            <a:r>
+              <a:rPr lang="ru-RU" sz="1600" dirty="0" smtClean="0">
+                <a:solidFill>
+                  <a:schemeClr val="bg1"/>
+                </a:solidFill>
+                <a:latin typeface="Arial" panose="020B0604020202020204" pitchFamily="34" charset="0"/>
+                <a:cs typeface="Arial" panose="020B0604020202020204" pitchFamily="34" charset="0"/>
+              </a:rPr>
+              <a:t>. </a:t>
+            </a:r>
+            <a:r>
+              <a:rPr lang="ru-RU" sz="1600" dirty="0">
+                <a:solidFill>
+                  <a:schemeClr val="bg1"/>
+                </a:solidFill>
+                <a:latin typeface="Arial" panose="020B0604020202020204" pitchFamily="34" charset="0"/>
+                <a:cs typeface="Arial" panose="020B0604020202020204" pitchFamily="34" charset="0"/>
+              </a:rPr>
+              <a:t>и</a:t>
+            </a:r>
+            <a:r>
+              <a:rPr lang="ru-RU" sz="1600" dirty="0" smtClean="0">
+                <a:solidFill>
+                  <a:schemeClr val="bg1"/>
+                </a:solidFill>
+                <a:latin typeface="Arial" panose="020B0604020202020204" pitchFamily="34" charset="0"/>
+                <a:cs typeface="Arial" panose="020B0604020202020204" pitchFamily="34" charset="0"/>
+              </a:rPr>
+              <a:t>х значение </a:t>
+            </a:r>
+            <a:r>
+              <a:rPr lang="ru-RU" sz="1600" dirty="0" smtClean="0">
+                <a:solidFill>
+                  <a:schemeClr val="bg1"/>
+                </a:solidFill>
+                <a:latin typeface="Arial" panose="020B0604020202020204" pitchFamily="34" charset="0"/>
+                <a:cs typeface="Arial" panose="020B0604020202020204" pitchFamily="34" charset="0"/>
+              </a:rPr>
+              <a:t>зависит от внешней среды откуда запущена программа.</a:t>
             </a:r>
             <a:r>
               <a:rPr lang="en-US" sz="1600" dirty="0" smtClean="0">
                 <a:solidFill>
                   <a:schemeClr val="bg1"/>
                 </a:solidFill>
-                <a:latin typeface="Courier New" pitchFamily="49" charset="0"/>
-                <a:cs typeface="Calibri" pitchFamily="34" charset="0"/>
+                <a:latin typeface="Arial" panose="020B0604020202020204" pitchFamily="34" charset="0"/>
+                <a:cs typeface="Arial" panose="020B0604020202020204" pitchFamily="34" charset="0"/>
               </a:rPr>
               <a:t> </a:t>
             </a:r>
@@ -16258,8 +16329,8 @@
                 <a:solidFill>
                   <a:schemeClr val="bg1"/>
                 </a:solidFill>
-                <a:latin typeface="Courier New" pitchFamily="49" charset="0"/>
-                <a:cs typeface="Calibri" pitchFamily="34" charset="0"/>
+                <a:latin typeface="Arial" panose="020B0604020202020204" pitchFamily="34" charset="0"/>
+                <a:cs typeface="Arial" panose="020B0604020202020204" pitchFamily="34" charset="0"/>
               </a:rPr>
               <a:t>Например, «текущий каталог» может быть разным в следующих ситуациях:</a:t>
             </a:r>
@@ -16274,10 +16345,30 @@
                 <a:solidFill>
                   <a:schemeClr val="bg1"/>
                 </a:solidFill>
-                <a:latin typeface="Courier New" pitchFamily="49" charset="0"/>
-                <a:cs typeface="Calibri" pitchFamily="34" charset="0"/>
-              </a:rPr>
-              <a:t>При запуске приложения через ярлык с измененным «рабоичим каталогом»</a:t>
+                <a:latin typeface="Arial" panose="020B0604020202020204" pitchFamily="34" charset="0"/>
+                <a:cs typeface="Arial" panose="020B0604020202020204" pitchFamily="34" charset="0"/>
+              </a:rPr>
+              <a:t>При запуске приложения через ярлык с измененным «</a:t>
+            </a:r>
+            <a:r>
+              <a:rPr lang="ru-RU" sz="1600" dirty="0" smtClean="0">
+                <a:solidFill>
+                  <a:schemeClr val="bg1"/>
+                </a:solidFill>
+                <a:latin typeface="Arial" panose="020B0604020202020204" pitchFamily="34" charset="0"/>
+                <a:cs typeface="Arial" panose="020B0604020202020204" pitchFamily="34" charset="0"/>
+              </a:rPr>
+              <a:t>рабочим </a:t>
+            </a:r>
+            <a:r>
+              <a:rPr lang="ru-RU" sz="1600" dirty="0" smtClean="0">
+                <a:solidFill>
+                  <a:schemeClr val="bg1"/>
+                </a:solidFill>
+                <a:latin typeface="Arial" panose="020B0604020202020204" pitchFamily="34" charset="0"/>
+                <a:cs typeface="Arial" panose="020B0604020202020204" pitchFamily="34" charset="0"/>
+              </a:rPr>
+              <a:t>каталогом»</a:t>
             </a:r>
           </a:p>
           <a:p>
@@ -16290,8 +16381,8 @@
                 <a:solidFill>
                   <a:schemeClr val="bg1"/>
                 </a:solidFill>
-                <a:latin typeface="Courier New" pitchFamily="49" charset="0"/>
-                <a:cs typeface="Calibri" pitchFamily="34" charset="0"/>
+                <a:latin typeface="Arial" panose="020B0604020202020204" pitchFamily="34" charset="0"/>
+                <a:cs typeface="Arial" panose="020B0604020202020204" pitchFamily="34" charset="0"/>
               </a:rPr>
               <a:t>При использовании </a:t>
             </a:r>
@@ -16300,8 +16391,8 @@
                 <a:solidFill>
                   <a:schemeClr val="bg1"/>
                 </a:solidFill>
-                <a:latin typeface="Courier New" pitchFamily="49" charset="0"/>
-                <a:cs typeface="Calibri" pitchFamily="34" charset="0"/>
+                <a:latin typeface="Arial" panose="020B0604020202020204" pitchFamily="34" charset="0"/>
+                <a:cs typeface="Arial" panose="020B0604020202020204" pitchFamily="34" charset="0"/>
               </a:rPr>
               <a:t>OpenFileDialog</a:t>
             </a:r>
@@ -16310,8 +16401,8 @@
                 <a:solidFill>
                   <a:schemeClr val="bg1"/>
                 </a:solidFill>
-                <a:latin typeface="Courier New" pitchFamily="49" charset="0"/>
-                <a:cs typeface="Calibri" pitchFamily="34" charset="0"/>
+                <a:latin typeface="Arial" panose="020B0604020202020204" pitchFamily="34" charset="0"/>
+                <a:cs typeface="Arial" panose="020B0604020202020204" pitchFamily="34" charset="0"/>
               </a:rPr>
               <a:t>/</a:t>
             </a:r>
@@ -16320,8 +16411,8 @@
                 <a:solidFill>
                   <a:schemeClr val="bg1"/>
                 </a:solidFill>
-                <a:latin typeface="Courier New" pitchFamily="49" charset="0"/>
-                <a:cs typeface="Calibri" pitchFamily="34" charset="0"/>
+                <a:latin typeface="Arial" panose="020B0604020202020204" pitchFamily="34" charset="0"/>
+                <a:cs typeface="Arial" panose="020B0604020202020204" pitchFamily="34" charset="0"/>
               </a:rPr>
               <a:t>SaveFileDialog</a:t>
             </a:r>
@@ -16329,8 +16420,8 @@
               <a:solidFill>
                 <a:schemeClr val="bg1"/>
               </a:solidFill>
-              <a:latin typeface="Courier New" pitchFamily="49" charset="0"/>
-              <a:cs typeface="Calibri" pitchFamily="34" charset="0"/>
+              <a:latin typeface="Arial" panose="020B0604020202020204" pitchFamily="34" charset="0"/>
+              <a:cs typeface="Arial" panose="020B0604020202020204" pitchFamily="34" charset="0"/>
             </a:endParaRPr>
           </a:p>
           <a:p>
@@ -16343,8 +16434,8 @@
                 <a:solidFill>
                   <a:schemeClr val="bg1"/>
                 </a:solidFill>
-                <a:latin typeface="Courier New" pitchFamily="49" charset="0"/>
-                <a:cs typeface="Calibri" pitchFamily="34" charset="0"/>
+                <a:latin typeface="Arial" panose="020B0604020202020204" pitchFamily="34" charset="0"/>
+                <a:cs typeface="Arial" panose="020B0604020202020204" pitchFamily="34" charset="0"/>
               </a:rPr>
               <a:t>При запуске приложения из под планировщика </a:t>
             </a:r>
@@ -16353,8 +16444,8 @@
                 <a:solidFill>
                   <a:schemeClr val="bg1"/>
                 </a:solidFill>
-                <a:latin typeface="Courier New" pitchFamily="49" charset="0"/>
-                <a:cs typeface="Calibri" pitchFamily="34" charset="0"/>
+                <a:latin typeface="Arial" panose="020B0604020202020204" pitchFamily="34" charset="0"/>
+                <a:cs typeface="Arial" panose="020B0604020202020204" pitchFamily="34" charset="0"/>
               </a:rPr>
               <a:t>Windows </a:t>
             </a:r>
@@ -16363,8 +16454,8 @@
                 <a:solidFill>
                   <a:schemeClr val="bg1"/>
                 </a:solidFill>
-                <a:latin typeface="Courier New" pitchFamily="49" charset="0"/>
-                <a:cs typeface="Calibri" pitchFamily="34" charset="0"/>
+                <a:latin typeface="Arial" panose="020B0604020202020204" pitchFamily="34" charset="0"/>
+                <a:cs typeface="Arial" panose="020B0604020202020204" pitchFamily="34" charset="0"/>
               </a:rPr>
               <a:t>(</a:t>
             </a:r>
@@ -16373,8 +16464,8 @@
                 <a:solidFill>
                   <a:schemeClr val="bg1"/>
                 </a:solidFill>
-                <a:latin typeface="Courier New" pitchFamily="49" charset="0"/>
-                <a:cs typeface="Calibri" pitchFamily="34" charset="0"/>
+                <a:latin typeface="Arial" panose="020B0604020202020204" pitchFamily="34" charset="0"/>
+                <a:cs typeface="Arial" panose="020B0604020202020204" pitchFamily="34" charset="0"/>
               </a:rPr>
               <a:t>Windows Scheduler) </a:t>
             </a:r>
@@ -16383,18 +16474,28 @@
                 <a:solidFill>
                   <a:schemeClr val="bg1"/>
                 </a:solidFill>
-                <a:latin typeface="Courier New" pitchFamily="49" charset="0"/>
-                <a:cs typeface="Calibri" pitchFamily="34" charset="0"/>
+                <a:latin typeface="Arial" panose="020B0604020202020204" pitchFamily="34" charset="0"/>
+                <a:cs typeface="Arial" panose="020B0604020202020204" pitchFamily="34" charset="0"/>
               </a:rPr>
               <a:t>или с помощью </a:t>
             </a:r>
             <a:r>
+              <a:rPr lang="ru-RU" sz="1600" dirty="0" smtClean="0">
+                <a:solidFill>
+                  <a:schemeClr val="bg1"/>
+                </a:solidFill>
+                <a:latin typeface="Arial" panose="020B0604020202020204" pitchFamily="34" charset="0"/>
+                <a:cs typeface="Arial" panose="020B0604020202020204" pitchFamily="34" charset="0"/>
+              </a:rPr>
+              <a:t>команды </a:t>
+            </a:r>
+            <a:r>
               <a:rPr lang="en-US" sz="1600" dirty="0" err="1" smtClean="0">
                 <a:solidFill>
                   <a:schemeClr val="bg1"/>
                 </a:solidFill>
-                <a:latin typeface="Courier New" pitchFamily="49" charset="0"/>
-                <a:cs typeface="Calibri" pitchFamily="34" charset="0"/>
+                <a:latin typeface="Arial" panose="020B0604020202020204" pitchFamily="34" charset="0"/>
+                <a:cs typeface="Arial" panose="020B0604020202020204" pitchFamily="34" charset="0"/>
               </a:rPr>
               <a:t>runas</a:t>
             </a:r>
@@ -16402,8 +16503,8 @@
               <a:solidFill>
                 <a:schemeClr val="bg1"/>
               </a:solidFill>
-              <a:latin typeface="Courier New" pitchFamily="49" charset="0"/>
-              <a:cs typeface="Calibri" pitchFamily="34" charset="0"/>
+              <a:latin typeface="Arial" panose="020B0604020202020204" pitchFamily="34" charset="0"/>
+              <a:cs typeface="Arial" panose="020B0604020202020204" pitchFamily="34" charset="0"/>
             </a:endParaRPr>
           </a:p>
           <a:p>
@@ -16416,18 +16517,48 @@
                 <a:solidFill>
                   <a:schemeClr val="bg1"/>
                 </a:solidFill>
-                <a:latin typeface="Courier New" pitchFamily="49" charset="0"/>
-                <a:cs typeface="Calibri" pitchFamily="34" charset="0"/>
-              </a:rPr>
-              <a:t>При запуске другого приложения используя </a:t>
+                <a:latin typeface="Arial" panose="020B0604020202020204" pitchFamily="34" charset="0"/>
+                <a:cs typeface="Arial" panose="020B0604020202020204" pitchFamily="34" charset="0"/>
+              </a:rPr>
+              <a:t>При запуске </a:t>
+            </a:r>
+            <a:r>
+              <a:rPr lang="ru-RU" sz="1600" dirty="0" smtClean="0">
+                <a:solidFill>
+                  <a:schemeClr val="bg1"/>
+                </a:solidFill>
+                <a:latin typeface="Arial" panose="020B0604020202020204" pitchFamily="34" charset="0"/>
+                <a:cs typeface="Arial" panose="020B0604020202020204" pitchFamily="34" charset="0"/>
+              </a:rPr>
+              <a:t>из другого </a:t>
+            </a:r>
+            <a:r>
+              <a:rPr lang="ru-RU" sz="1600" dirty="0" smtClean="0">
+                <a:solidFill>
+                  <a:schemeClr val="bg1"/>
+                </a:solidFill>
+                <a:latin typeface="Arial" panose="020B0604020202020204" pitchFamily="34" charset="0"/>
+                <a:cs typeface="Arial" panose="020B0604020202020204" pitchFamily="34" charset="0"/>
+              </a:rPr>
+              <a:t>приложения </a:t>
+            </a:r>
+            <a:r>
+              <a:rPr lang="ru-RU" sz="1600" dirty="0" smtClean="0">
+                <a:solidFill>
+                  <a:schemeClr val="bg1"/>
+                </a:solidFill>
+                <a:latin typeface="Arial" panose="020B0604020202020204" pitchFamily="34" charset="0"/>
+                <a:cs typeface="Arial" panose="020B0604020202020204" pitchFamily="34" charset="0"/>
+              </a:rPr>
+              <a:t>использующего </a:t>
             </a:r>
             <a:r>
               <a:rPr lang="en-US" sz="1600" dirty="0" err="1" smtClean="0">
                 <a:solidFill>
                   <a:schemeClr val="bg1"/>
                 </a:solidFill>
-                <a:latin typeface="Courier New" pitchFamily="49" charset="0"/>
-                <a:cs typeface="Calibri" pitchFamily="34" charset="0"/>
+                <a:latin typeface="Arial" panose="020B0604020202020204" pitchFamily="34" charset="0"/>
+                <a:cs typeface="Arial" panose="020B0604020202020204" pitchFamily="34" charset="0"/>
               </a:rPr>
               <a:t>ProcessStartInfo.WorkingDirectory</a:t>
             </a:r>
@@ -16435,62 +16566,9 @@
               <a:solidFill>
                 <a:schemeClr val="bg1"/>
               </a:solidFill>
-              <a:latin typeface="Courier New" pitchFamily="49" charset="0"/>
-              <a:cs typeface="Calibri" pitchFamily="34" charset="0"/>
+              <a:latin typeface="Arial" panose="020B0604020202020204" pitchFamily="34" charset="0"/>
+              <a:cs typeface="Arial" panose="020B0604020202020204" pitchFamily="34" charset="0"/>
             </a:endParaRPr>
-          </a:p>
-          <a:p>
-            <a:pPr eaLnBrk="1" hangingPunct="1"/>
-            <a:endParaRPr lang="ru-RU" sz="1600" dirty="0" smtClean="0">
-              <a:solidFill>
-                <a:schemeClr val="bg1"/>
-              </a:solidFill>
-              <a:latin typeface="Courier New" pitchFamily="49" charset="0"/>
-              <a:cs typeface="Calibri" pitchFamily="34" charset="0"/>
-            </a:endParaRPr>
-          </a:p>
-          <a:p>
-            <a:pPr eaLnBrk="1" hangingPunct="1"/>
-            <a:r>
-              <a:rPr lang="ru-RU" sz="1600" dirty="0" smtClean="0">
-                <a:solidFill>
-                  <a:schemeClr val="bg1"/>
-                </a:solidFill>
-                <a:latin typeface="Courier New" pitchFamily="49" charset="0"/>
-                <a:cs typeface="Calibri" pitchFamily="34" charset="0"/>
-              </a:rPr>
-              <a:t>По той же причине лучше избегать использовать метод </a:t>
-            </a:r>
-            <a:r>
-              <a:rPr lang="en-US" sz="1600" dirty="0" err="1" smtClean="0">
-                <a:solidFill>
-                  <a:schemeClr val="bg1"/>
-                </a:solidFill>
-                <a:latin typeface="Courier New" pitchFamily="49" charset="0"/>
-                <a:cs typeface="Calibri" pitchFamily="34" charset="0"/>
-              </a:rPr>
-              <a:t>Directory.SetCurrentDirectory</a:t>
-            </a:r>
-            <a:r>
-              <a:rPr lang="en-US" sz="1600" dirty="0" smtClean="0">
-                <a:solidFill>
-                  <a:schemeClr val="bg1"/>
-                </a:solidFill>
-                <a:latin typeface="Courier New" pitchFamily="49" charset="0"/>
-                <a:cs typeface="Calibri" pitchFamily="34" charset="0"/>
-              </a:rPr>
-              <a:t>()</a:t>
-            </a:r>
-            <a:r>
-              <a:rPr lang="ru-RU" sz="1600" dirty="0" smtClean="0">
-                <a:solidFill>
-                  <a:schemeClr val="bg1"/>
-                </a:solidFill>
-                <a:latin typeface="Courier New" pitchFamily="49" charset="0"/>
-                <a:cs typeface="Calibri" pitchFamily="34" charset="0"/>
-              </a:rPr>
-              <a:t>.</a:t>
-            </a:r>
           </a:p>
           <a:p>
             <a:pPr eaLnBrk="1" hangingPunct="1"/>
@@ -16498,8 +16576,8 @@
               <a:solidFill>
                 <a:schemeClr val="bg1"/>
               </a:solidFill>
-              <a:latin typeface="Courier New" pitchFamily="49" charset="0"/>
-              <a:cs typeface="Calibri" pitchFamily="34" charset="0"/>
+              <a:latin typeface="Arial" panose="020B0604020202020204" pitchFamily="34" charset="0"/>
+              <a:cs typeface="Arial" panose="020B0604020202020204" pitchFamily="34" charset="0"/>
             </a:endParaRPr>
           </a:p>
           <a:p>
@@ -16509,18 +16587,38 @@
                 <a:solidFill>
                   <a:schemeClr val="bg1"/>
                 </a:solidFill>
-                <a:latin typeface="Courier New" pitchFamily="49" charset="0"/>
-                <a:cs typeface="Calibri" pitchFamily="34" charset="0"/>
-              </a:rPr>
-              <a:t>Вместо этого используйте полные пути собранные с помощью методом класса </a:t>
+                <a:latin typeface="Arial" panose="020B0604020202020204" pitchFamily="34" charset="0"/>
+                <a:cs typeface="Arial" panose="020B0604020202020204" pitchFamily="34" charset="0"/>
+              </a:rPr>
+              <a:t>Вместо этого используйте полные пути собранные с помощью </a:t>
+            </a:r>
+            <a:r>
+              <a:rPr lang="ru-RU" sz="1600" dirty="0" smtClean="0">
+                <a:solidFill>
+                  <a:schemeClr val="bg1"/>
+                </a:solidFill>
+                <a:latin typeface="Arial" panose="020B0604020202020204" pitchFamily="34" charset="0"/>
+                <a:cs typeface="Arial" panose="020B0604020202020204" pitchFamily="34" charset="0"/>
+              </a:rPr>
+              <a:t>методов из </a:t>
+            </a:r>
+            <a:r>
+              <a:rPr lang="ru-RU" sz="1600" dirty="0" smtClean="0">
+                <a:solidFill>
+                  <a:schemeClr val="bg1"/>
+                </a:solidFill>
+                <a:latin typeface="Arial" panose="020B0604020202020204" pitchFamily="34" charset="0"/>
+                <a:cs typeface="Arial" panose="020B0604020202020204" pitchFamily="34" charset="0"/>
+              </a:rPr>
+              <a:t>класса </a:t>
             </a:r>
             <a:r>
               <a:rPr lang="en-US" sz="1600" dirty="0" err="1" smtClean="0">
                 <a:solidFill>
                   <a:schemeClr val="bg1"/>
                 </a:solidFill>
-                <a:latin typeface="Courier New" pitchFamily="49" charset="0"/>
-                <a:cs typeface="Calibri" pitchFamily="34" charset="0"/>
+                <a:latin typeface="Arial" panose="020B0604020202020204" pitchFamily="34" charset="0"/>
+                <a:cs typeface="Arial" panose="020B0604020202020204" pitchFamily="34" charset="0"/>
               </a:rPr>
               <a:t>Systen.IO.Path</a:t>
             </a:r>
@@ -16528,8 +16626,8 @@
               <a:solidFill>
                 <a:schemeClr val="bg1"/>
               </a:solidFill>
-              <a:latin typeface="Courier New" pitchFamily="49" charset="0"/>
-              <a:cs typeface="Calibri" pitchFamily="34" charset="0"/>
+              <a:latin typeface="Arial" panose="020B0604020202020204" pitchFamily="34" charset="0"/>
+              <a:cs typeface="Arial" panose="020B0604020202020204" pitchFamily="34" charset="0"/>
             </a:endParaRPr>
           </a:p>
         </p:txBody>
@@ -30893,6 +30991,246 @@
   <p:cSld>
     <p:bg>
       <p:bgPr>
+        <a:blipFill dpi="0" rotWithShape="1">
+          <a:blip r:embed="rId2">
+            <a:lum/>
+          </a:blip>
+          <a:srcRect/>
+          <a:stretch>
+            <a:fillRect/>
+          </a:stretch>
+        </a:blipFill>
+        <a:effectLst/>
+      </p:bgPr>
+    </p:bg>
+    <p:spTree>
+      <p:nvGrpSpPr>
+        <p:cNvPr id="1" name=""/>
+        <p:cNvGrpSpPr/>
+        <p:nvPr/>
+      </p:nvGrpSpPr>
+      <p:grpSpPr>
+        <a:xfrm>
+          <a:off x="0" y="0"/>
+          <a:ext cx="0" cy="0"/>
+          <a:chOff x="0" y="0"/>
+          <a:chExt cx="0" cy="0"/>
+        </a:xfrm>
+      </p:grpSpPr>
+      <p:sp>
+        <p:nvSpPr>
+          <p:cNvPr id="2" name="Title 1"/>
+          <p:cNvSpPr>
+            <a:spLocks noGrp="1"/>
+          </p:cNvSpPr>
+          <p:nvPr>
+            <p:ph type="title"/>
+          </p:nvPr>
+        </p:nvSpPr>
+        <p:spPr/>
+        <p:txBody>
+          <a:bodyPr/>
+          <a:lstStyle/>
+          <a:p>
+            <a:r>
+              <a:rPr lang="ru-RU" dirty="0" smtClean="0"/>
+              <a:t>Ограничения на длину пути</a:t>
+            </a:r>
+            <a:endParaRPr lang="en-US" dirty="0"/>
+          </a:p>
+        </p:txBody>
+      </p:sp>
+      <p:sp>
+        <p:nvSpPr>
+          <p:cNvPr id="3" name="Content Placeholder 2"/>
+          <p:cNvSpPr>
+            <a:spLocks noGrp="1"/>
+          </p:cNvSpPr>
+          <p:nvPr>
+            <p:ph idx="1"/>
+          </p:nvPr>
+        </p:nvSpPr>
+        <p:spPr/>
+        <p:txBody>
+          <a:bodyPr>
+            <a:normAutofit fontScale="70000" lnSpcReduction="20000"/>
+          </a:bodyPr>
+          <a:lstStyle/>
+          <a:p>
+            <a:pPr marL="0" indent="0">
+              <a:buNone/>
+            </a:pPr>
+            <a:r>
+              <a:rPr lang="ru-RU" dirty="0" smtClean="0"/>
+              <a:t>ОС </a:t>
+            </a:r>
+            <a:r>
+              <a:rPr lang="en-US" dirty="0" smtClean="0"/>
+              <a:t>Windows </a:t>
+            </a:r>
+            <a:r>
+              <a:rPr lang="ru-RU" dirty="0" smtClean="0"/>
+              <a:t>поддерживает пути длиной до 32 Кб, однако в </a:t>
+            </a:r>
+            <a:r>
+              <a:rPr lang="en-US" dirty="0" smtClean="0"/>
+              <a:t>.NET </a:t>
+            </a:r>
+            <a:r>
+              <a:rPr lang="ru-RU" dirty="0" smtClean="0"/>
+              <a:t>мы ограничены следующими значениями:</a:t>
+            </a:r>
+          </a:p>
+          <a:p>
+            <a:pPr marL="0" indent="0">
+              <a:buNone/>
+            </a:pPr>
+            <a:endParaRPr lang="ru-RU" dirty="0" smtClean="0"/>
+          </a:p>
+          <a:p>
+            <a:r>
+              <a:rPr lang="ru-RU" dirty="0" smtClean="0"/>
+              <a:t>Максимальная длина полного имени каталога</a:t>
+            </a:r>
+            <a:r>
+              <a:rPr lang="en-US" dirty="0"/>
+              <a:t>  </a:t>
+            </a:r>
+            <a:r>
+              <a:rPr lang="ru-RU" dirty="0" smtClean="0"/>
+              <a:t>– 247 символов</a:t>
+            </a:r>
+          </a:p>
+          <a:p>
+            <a:r>
+              <a:rPr lang="ru-RU" dirty="0"/>
+              <a:t>Максимальная длина </a:t>
+            </a:r>
+            <a:r>
+              <a:rPr lang="ru-RU" dirty="0" smtClean="0"/>
+              <a:t>полного имени файла</a:t>
+            </a:r>
+            <a:r>
+              <a:rPr lang="en-US" dirty="0"/>
+              <a:t>  </a:t>
+            </a:r>
+            <a:r>
+              <a:rPr lang="ru-RU" dirty="0" smtClean="0"/>
+              <a:t>– 259 символов.</a:t>
+            </a:r>
+          </a:p>
+          <a:p>
+            <a:pPr marL="0" indent="0">
+              <a:buNone/>
+            </a:pPr>
+            <a:endParaRPr lang="ru-RU" dirty="0" smtClean="0"/>
+          </a:p>
+          <a:p>
+            <a:pPr marL="0" indent="0">
+              <a:buNone/>
+            </a:pPr>
+            <a:r>
+              <a:rPr lang="ru-RU" dirty="0" smtClean="0"/>
+              <a:t>Это не так страшно как может показаться т.к. Проводник </a:t>
+            </a:r>
+            <a:r>
+              <a:rPr lang="en-US" dirty="0" smtClean="0"/>
+              <a:t>Windows </a:t>
+            </a:r>
+            <a:r>
+              <a:rPr lang="ru-RU" dirty="0" smtClean="0"/>
+              <a:t>тоже не умеет работать с длинными путями.</a:t>
+            </a:r>
+          </a:p>
+          <a:p>
+            <a:pPr marL="0" indent="0">
+              <a:buNone/>
+            </a:pPr>
+            <a:endParaRPr lang="ru-RU" dirty="0" smtClean="0"/>
+          </a:p>
+          <a:p>
+            <a:pPr marL="0" indent="0">
+              <a:buNone/>
+            </a:pPr>
+            <a:r>
+              <a:rPr lang="ru-RU" dirty="0" smtClean="0"/>
+              <a:t>Рекомендую избегать создания слишком длинных путей.</a:t>
+            </a:r>
+          </a:p>
+          <a:p>
+            <a:pPr marL="0" indent="0">
+              <a:buNone/>
+            </a:pPr>
+            <a:endParaRPr lang="ru-RU" dirty="0"/>
+          </a:p>
+          <a:p>
+            <a:pPr marL="0" indent="0">
+              <a:buNone/>
+            </a:pPr>
+            <a:r>
+              <a:rPr lang="ru-RU" sz="4000" smtClean="0">
+                <a:solidFill>
+                  <a:srgbClr val="FFC000"/>
+                </a:solidFill>
+                <a:sym typeface="Wingdings"/>
+              </a:rPr>
+              <a:t></a:t>
+            </a:r>
+            <a:r>
+              <a:rPr lang="ru-RU" smtClean="0">
+                <a:sym typeface="Wingdings"/>
+              </a:rPr>
+              <a:t> </a:t>
+            </a:r>
+            <a:r>
+              <a:rPr lang="ru-RU" smtClean="0"/>
+              <a:t>См. </a:t>
+            </a:r>
+            <a:r>
+              <a:rPr lang="ru-RU" dirty="0" smtClean="0"/>
+              <a:t>также пример </a:t>
+            </a:r>
+            <a:r>
+              <a:rPr lang="en-US" dirty="0" smtClean="0"/>
+              <a:t>L04-S03-IO</a:t>
+            </a:r>
+            <a:r>
+              <a:rPr lang="ru-RU" dirty="0" smtClean="0"/>
+              <a:t>\</a:t>
+            </a:r>
+            <a:r>
+              <a:rPr lang="en-US" dirty="0" err="1" smtClean="0"/>
+              <a:t>PathLimits</a:t>
+            </a:r>
+            <a:endParaRPr lang="en-US" dirty="0"/>
+          </a:p>
+        </p:txBody>
+      </p:sp>
+    </p:spTree>
+    <p:extLst>
+      <p:ext uri="{BB962C8B-B14F-4D97-AF65-F5344CB8AC3E}">
+        <p14:creationId xmlns:p14="http://schemas.microsoft.com/office/powerpoint/2010/main" val="3295503496"/>
+      </p:ext>
+    </p:extLst>
+  </p:cSld>
+  <p:clrMapOvr>
+    <a:masterClrMapping/>
+  </p:clrMapOvr>
+  <p:timing>
+    <p:tnLst>
+      <p:par>
+        <p:cTn id="1" dur="indefinite" restart="never" nodeType="tmRoot"/>
+      </p:par>
+    </p:tnLst>
+  </p:timing>
+</p:sld>
+</file>
+
+<file path=ppt/slides/slide35.xml><?xml version="1.0" encoding="utf-8"?>
+<p:sld xmlns:a="http://schemas.openxmlformats.org/drawingml/2006/main" xmlns:r="http://schemas.openxmlformats.org/officeDocument/2006/relationships" xmlns:p="http://schemas.openxmlformats.org/presentationml/2006/main">
+  <p:cSld>
+    <p:bg>
+      <p:bgPr>
         <a:solidFill>
           <a:srgbClr val="6600CC"/>
         </a:solidFill>

--- a/Presentation/lesson-04-io.pptx
+++ b/Presentation/lesson-04-io.pptx
@@ -16272,47 +16272,27 @@
                 <a:latin typeface="Arial" panose="020B0604020202020204" pitchFamily="34" charset="0"/>
                 <a:cs typeface="Arial" panose="020B0604020202020204" pitchFamily="34" charset="0"/>
               </a:rPr>
-              <a:t>т.к</a:t>
-            </a:r>
-            <a:r>
-              <a:rPr lang="ru-RU" sz="1600" dirty="0" smtClean="0">
+              <a:t>т.к. </a:t>
+            </a:r>
+            <a:r>
+              <a:rPr lang="ru-RU" sz="1600" dirty="0">
                 <a:solidFill>
                   <a:schemeClr val="bg1"/>
                 </a:solidFill>
                 <a:latin typeface="Arial" panose="020B0604020202020204" pitchFamily="34" charset="0"/>
                 <a:cs typeface="Arial" panose="020B0604020202020204" pitchFamily="34" charset="0"/>
               </a:rPr>
-              <a:t>. </a:t>
-            </a:r>
-            <a:r>
-              <a:rPr lang="ru-RU" sz="1600" dirty="0">
+              <a:t>и</a:t>
+            </a:r>
+            <a:r>
+              <a:rPr lang="ru-RU" sz="1600" dirty="0" smtClean="0">
                 <a:solidFill>
                   <a:schemeClr val="bg1"/>
                 </a:solidFill>
                 <a:latin typeface="Arial" panose="020B0604020202020204" pitchFamily="34" charset="0"/>
                 <a:cs typeface="Arial" panose="020B0604020202020204" pitchFamily="34" charset="0"/>
               </a:rPr>
-              <a:t>и</a:t>
-            </a:r>
-            <a:r>
-              <a:rPr lang="ru-RU" sz="1600" dirty="0" smtClean="0">
-                <a:solidFill>
-                  <a:schemeClr val="bg1"/>
-                </a:solidFill>
-                <a:latin typeface="Arial" panose="020B0604020202020204" pitchFamily="34" charset="0"/>
-                <a:cs typeface="Arial" panose="020B0604020202020204" pitchFamily="34" charset="0"/>
-              </a:rPr>
-              <a:t>х значение </a:t>
-            </a:r>
-            <a:r>
-              <a:rPr lang="ru-RU" sz="1600" dirty="0" smtClean="0">
-                <a:solidFill>
-                  <a:schemeClr val="bg1"/>
-                </a:solidFill>
-                <a:latin typeface="Arial" panose="020B0604020202020204" pitchFamily="34" charset="0"/>
-                <a:cs typeface="Arial" panose="020B0604020202020204" pitchFamily="34" charset="0"/>
-              </a:rPr>
-              <a:t>зависит от внешней среды откуда запущена программа.</a:t>
+              <a:t>х значение зависит от внешней среды откуда запущена программа.</a:t>
             </a:r>
             <a:r>
               <a:rPr lang="en-US" sz="1600" dirty="0" smtClean="0">
@@ -16348,27 +16328,7 @@
                 <a:latin typeface="Arial" panose="020B0604020202020204" pitchFamily="34" charset="0"/>
                 <a:cs typeface="Arial" panose="020B0604020202020204" pitchFamily="34" charset="0"/>
               </a:rPr>
-              <a:t>При запуске приложения через ярлык с измененным «</a:t>
-            </a:r>
-            <a:r>
-              <a:rPr lang="ru-RU" sz="1600" dirty="0" smtClean="0">
-                <a:solidFill>
-                  <a:schemeClr val="bg1"/>
-                </a:solidFill>
-                <a:latin typeface="Arial" panose="020B0604020202020204" pitchFamily="34" charset="0"/>
-                <a:cs typeface="Arial" panose="020B0604020202020204" pitchFamily="34" charset="0"/>
-              </a:rPr>
-              <a:t>рабочим </a:t>
-            </a:r>
-            <a:r>
-              <a:rPr lang="ru-RU" sz="1600" dirty="0" smtClean="0">
-                <a:solidFill>
-                  <a:schemeClr val="bg1"/>
-                </a:solidFill>
-                <a:latin typeface="Arial" panose="020B0604020202020204" pitchFamily="34" charset="0"/>
-                <a:cs typeface="Arial" panose="020B0604020202020204" pitchFamily="34" charset="0"/>
-              </a:rPr>
-              <a:t>каталогом»</a:t>
+              <a:t>При запуске приложения через ярлык с измененным «рабочим каталогом»</a:t>
             </a:r>
           </a:p>
           <a:p>
@@ -16477,17 +16437,7 @@
                 <a:latin typeface="Arial" panose="020B0604020202020204" pitchFamily="34" charset="0"/>
                 <a:cs typeface="Arial" panose="020B0604020202020204" pitchFamily="34" charset="0"/>
               </a:rPr>
-              <a:t>или с помощью </a:t>
-            </a:r>
-            <a:r>
-              <a:rPr lang="ru-RU" sz="1600" dirty="0" smtClean="0">
-                <a:solidFill>
-                  <a:schemeClr val="bg1"/>
-                </a:solidFill>
-                <a:latin typeface="Arial" panose="020B0604020202020204" pitchFamily="34" charset="0"/>
-                <a:cs typeface="Arial" panose="020B0604020202020204" pitchFamily="34" charset="0"/>
-              </a:rPr>
-              <a:t>команды </a:t>
+              <a:t>или с помощью команды </a:t>
             </a:r>
             <a:r>
               <a:rPr lang="en-US" sz="1600" dirty="0" err="1" smtClean="0">
@@ -16520,37 +16470,7 @@
                 <a:latin typeface="Arial" panose="020B0604020202020204" pitchFamily="34" charset="0"/>
                 <a:cs typeface="Arial" panose="020B0604020202020204" pitchFamily="34" charset="0"/>
               </a:rPr>
-              <a:t>При запуске </a:t>
-            </a:r>
-            <a:r>
-              <a:rPr lang="ru-RU" sz="1600" dirty="0" smtClean="0">
-                <a:solidFill>
-                  <a:schemeClr val="bg1"/>
-                </a:solidFill>
-                <a:latin typeface="Arial" panose="020B0604020202020204" pitchFamily="34" charset="0"/>
-                <a:cs typeface="Arial" panose="020B0604020202020204" pitchFamily="34" charset="0"/>
-              </a:rPr>
-              <a:t>из другого </a:t>
-            </a:r>
-            <a:r>
-              <a:rPr lang="ru-RU" sz="1600" dirty="0" smtClean="0">
-                <a:solidFill>
-                  <a:schemeClr val="bg1"/>
-                </a:solidFill>
-                <a:latin typeface="Arial" panose="020B0604020202020204" pitchFamily="34" charset="0"/>
-                <a:cs typeface="Arial" panose="020B0604020202020204" pitchFamily="34" charset="0"/>
-              </a:rPr>
-              <a:t>приложения </a:t>
-            </a:r>
-            <a:r>
-              <a:rPr lang="ru-RU" sz="1600" dirty="0" smtClean="0">
-                <a:solidFill>
-                  <a:schemeClr val="bg1"/>
-                </a:solidFill>
-                <a:latin typeface="Arial" panose="020B0604020202020204" pitchFamily="34" charset="0"/>
-                <a:cs typeface="Arial" panose="020B0604020202020204" pitchFamily="34" charset="0"/>
-              </a:rPr>
-              <a:t>использующего </a:t>
+              <a:t>При запуске из другого приложения использующего </a:t>
             </a:r>
             <a:r>
               <a:rPr lang="en-US" sz="1600" dirty="0" err="1" smtClean="0">
@@ -16590,27 +16510,7 @@
                 <a:latin typeface="Arial" panose="020B0604020202020204" pitchFamily="34" charset="0"/>
                 <a:cs typeface="Arial" panose="020B0604020202020204" pitchFamily="34" charset="0"/>
               </a:rPr>
-              <a:t>Вместо этого используйте полные пути собранные с помощью </a:t>
-            </a:r>
-            <a:r>
-              <a:rPr lang="ru-RU" sz="1600" dirty="0" smtClean="0">
-                <a:solidFill>
-                  <a:schemeClr val="bg1"/>
-                </a:solidFill>
-                <a:latin typeface="Arial" panose="020B0604020202020204" pitchFamily="34" charset="0"/>
-                <a:cs typeface="Arial" panose="020B0604020202020204" pitchFamily="34" charset="0"/>
-              </a:rPr>
-              <a:t>методов из </a:t>
-            </a:r>
-            <a:r>
-              <a:rPr lang="ru-RU" sz="1600" dirty="0" smtClean="0">
-                <a:solidFill>
-                  <a:schemeClr val="bg1"/>
-                </a:solidFill>
-                <a:latin typeface="Arial" panose="020B0604020202020204" pitchFamily="34" charset="0"/>
-                <a:cs typeface="Arial" panose="020B0604020202020204" pitchFamily="34" charset="0"/>
-              </a:rPr>
-              <a:t>класса </a:t>
+              <a:t>Вместо этого используйте полные пути собранные с помощью методов из класса </a:t>
             </a:r>
             <a:r>
               <a:rPr lang="en-US" sz="1600" dirty="0" err="1" smtClean="0">
@@ -26276,7 +26176,7 @@
         <p:spPr/>
         <p:txBody>
           <a:bodyPr>
-            <a:normAutofit/>
+            <a:normAutofit lnSpcReduction="10000"/>
           </a:bodyPr>
           <a:lstStyle/>
           <a:p>
@@ -26316,11 +26216,15 @@
               <a:t>(</a:t>
             </a:r>
             <a:r>
-              <a:rPr lang="en-US" dirty="0" smtClean="0"/>
-              <a:t>XML</a:t>
-            </a:r>
-            <a:r>
-              <a:rPr lang="ru-RU" dirty="0" smtClean="0"/>
+              <a:rPr lang="en-US" smtClean="0"/>
+              <a:t>XML/</a:t>
+            </a:r>
+            <a:r>
+              <a:rPr lang="en-US" smtClean="0"/>
+              <a:t>JSON</a:t>
+            </a:r>
+            <a:r>
+              <a:rPr lang="ru-RU" smtClean="0"/>
               <a:t>)</a:t>
             </a:r>
             <a:r>
@@ -26680,7 +26584,25 @@
                 </a:solidFill>
                 <a:latin typeface="Consolas"/>
               </a:rPr>
-              <a:t> _speed;</a:t>
+              <a:t> </a:t>
+            </a:r>
+            <a:r>
+              <a:rPr lang="en-US" dirty="0" smtClean="0">
+                <a:solidFill>
+                  <a:srgbClr val="000000"/>
+                </a:solidFill>
+                <a:latin typeface="Consolas"/>
+              </a:rPr>
+              <a:t>speed</a:t>
+            </a:r>
+            <a:r>
+              <a:rPr lang="en-US" dirty="0">
+                <a:solidFill>
+                  <a:srgbClr val="000000"/>
+                </a:solidFill>
+                <a:latin typeface="Consolas"/>
+              </a:rPr>
+              <a:t>;</a:t>
             </a:r>
           </a:p>
           <a:p>
@@ -26715,13 +26637,22 @@
               <a:t> </a:t>
             </a:r>
             <a:r>
+              <a:rPr lang="en-US" dirty="0" smtClean="0">
+                <a:solidFill>
+                  <a:srgbClr val="000000"/>
+                </a:solidFill>
+                <a:latin typeface="Consolas"/>
+              </a:rPr>
+              <a:t>length</a:t>
+            </a:r>
+            <a:r>
               <a:rPr lang="en-US" dirty="0">
                 <a:solidFill>
                   <a:srgbClr val="000000"/>
                 </a:solidFill>
                 <a:latin typeface="Consolas"/>
               </a:rPr>
-              <a:t>_length;</a:t>
+              <a:t>;</a:t>
             </a:r>
           </a:p>
           <a:p>
@@ -26753,10 +26684,10 @@
                 </a:solidFill>
                 <a:latin typeface="Consolas"/>
               </a:rPr>
-              <a:t>[] _</a:t>
-            </a:r>
-            <a:r>
-              <a:rPr lang="en-US" dirty="0" err="1">
+              <a:t>[] </a:t>
+            </a:r>
+            <a:r>
+              <a:rPr lang="en-US" dirty="0" err="1" smtClean="0">
                 <a:solidFill>
                   <a:srgbClr val="000000"/>
                 </a:solidFill>
@@ -26935,7 +26866,43 @@
                 </a:solidFill>
                 <a:latin typeface="Consolas"/>
               </a:rPr>
-              <a:t>      _speed = speed;</a:t>
+              <a:t>      </a:t>
+            </a:r>
+            <a:r>
+              <a:rPr lang="en-US" dirty="0" err="1">
+                <a:solidFill>
+                  <a:srgbClr val="0000FF"/>
+                </a:solidFill>
+                <a:latin typeface="Consolas"/>
+              </a:rPr>
+              <a:t>this</a:t>
+            </a:r>
+            <a:r>
+              <a:rPr lang="en-US" dirty="0" err="1" smtClean="0">
+                <a:solidFill>
+                  <a:srgbClr val="000000"/>
+                </a:solidFill>
+                <a:latin typeface="Consolas"/>
+              </a:rPr>
+              <a:t>.speed</a:t>
+            </a:r>
+            <a:r>
+              <a:rPr lang="en-US" dirty="0" smtClean="0">
+                <a:solidFill>
+                  <a:srgbClr val="000000"/>
+                </a:solidFill>
+                <a:latin typeface="Consolas"/>
+              </a:rPr>
+              <a:t> </a:t>
+            </a:r>
+            <a:r>
+              <a:rPr lang="en-US" dirty="0">
+                <a:solidFill>
+                  <a:srgbClr val="000000"/>
+                </a:solidFill>
+                <a:latin typeface="Consolas"/>
+              </a:rPr>
+              <a:t>= speed;</a:t>
             </a:r>
           </a:p>
           <a:p>
@@ -26949,7 +26916,43 @@
                 </a:solidFill>
                 <a:latin typeface="Consolas"/>
               </a:rPr>
-              <a:t>      _length = length;</a:t>
+              <a:t>      </a:t>
+            </a:r>
+            <a:r>
+              <a:rPr lang="en-US" dirty="0" err="1">
+                <a:solidFill>
+                  <a:srgbClr val="0000FF"/>
+                </a:solidFill>
+                <a:latin typeface="Consolas"/>
+              </a:rPr>
+              <a:t>this</a:t>
+            </a:r>
+            <a:r>
+              <a:rPr lang="en-US" dirty="0" err="1">
+                <a:solidFill>
+                  <a:srgbClr val="000000"/>
+                </a:solidFill>
+                <a:latin typeface="Consolas"/>
+              </a:rPr>
+              <a:t>.length</a:t>
+            </a:r>
+            <a:r>
+              <a:rPr lang="en-US" dirty="0">
+                <a:solidFill>
+                  <a:srgbClr val="000000"/>
+                </a:solidFill>
+                <a:latin typeface="Consolas"/>
+              </a:rPr>
+              <a:t> </a:t>
+            </a:r>
+            <a:r>
+              <a:rPr lang="en-US" dirty="0">
+                <a:solidFill>
+                  <a:srgbClr val="000000"/>
+                </a:solidFill>
+                <a:latin typeface="Consolas"/>
+              </a:rPr>
+              <a:t>= length;</a:t>
             </a:r>
           </a:p>
           <a:p>
@@ -26963,16 +26966,25 @@
                 </a:solidFill>
                 <a:latin typeface="Consolas"/>
               </a:rPr>
-              <a:t>      _</a:t>
+              <a:t>      </a:t>
             </a:r>
             <a:r>
               <a:rPr lang="en-US" dirty="0" err="1">
                 <a:solidFill>
-                  <a:srgbClr val="000000"/>
-                </a:solidFill>
-                <a:latin typeface="Consolas"/>
-              </a:rPr>
-              <a:t>travellers</a:t>
+                  <a:srgbClr val="0000FF"/>
+                </a:solidFill>
+                <a:latin typeface="Consolas"/>
+              </a:rPr>
+              <a:t>this</a:t>
+            </a:r>
+            <a:r>
+              <a:rPr lang="en-US" dirty="0" err="1">
+                <a:solidFill>
+                  <a:srgbClr val="000000"/>
+                </a:solidFill>
+                <a:latin typeface="Consolas"/>
+              </a:rPr>
+              <a:t>.travellers</a:t>
             </a:r>
             <a:r>
               <a:rPr lang="en-US" dirty="0">
@@ -26981,7 +26993,16 @@
                 </a:solidFill>
                 <a:latin typeface="Consolas"/>
               </a:rPr>
-              <a:t> = </a:t>
+              <a:t> </a:t>
+            </a:r>
+            <a:r>
+              <a:rPr lang="en-US" dirty="0">
+                <a:solidFill>
+                  <a:srgbClr val="000000"/>
+                </a:solidFill>
+                <a:latin typeface="Consolas"/>
+              </a:rPr>
+              <a:t>= </a:t>
             </a:r>
             <a:r>
               <a:rPr lang="en-US" dirty="0" err="1">
@@ -27127,7 +27148,25 @@
                 </a:solidFill>
                 <a:latin typeface="Consolas"/>
               </a:rPr>
-              <a:t>, _speed);</a:t>
+              <a:t>, </a:t>
+            </a:r>
+            <a:r>
+              <a:rPr lang="en-US" dirty="0" smtClean="0">
+                <a:solidFill>
+                  <a:srgbClr val="000000"/>
+                </a:solidFill>
+                <a:latin typeface="Consolas"/>
+              </a:rPr>
+              <a:t>speed</a:t>
+            </a:r>
+            <a:r>
+              <a:rPr lang="en-US" dirty="0">
+                <a:solidFill>
+                  <a:srgbClr val="000000"/>
+                </a:solidFill>
+                <a:latin typeface="Consolas"/>
+              </a:rPr>
+              <a:t>);</a:t>
             </a:r>
           </a:p>
           <a:p>
@@ -27177,7 +27216,25 @@
                 </a:solidFill>
                 <a:latin typeface="Consolas"/>
               </a:rPr>
-              <a:t>, _length);</a:t>
+              <a:t>, </a:t>
+            </a:r>
+            <a:r>
+              <a:rPr lang="en-US" dirty="0" smtClean="0">
+                <a:solidFill>
+                  <a:srgbClr val="000000"/>
+                </a:solidFill>
+                <a:latin typeface="Consolas"/>
+              </a:rPr>
+              <a:t>length</a:t>
+            </a:r>
+            <a:r>
+              <a:rPr lang="en-US" dirty="0">
+                <a:solidFill>
+                  <a:srgbClr val="000000"/>
+                </a:solidFill>
+                <a:latin typeface="Consolas"/>
+              </a:rPr>
+              <a:t>);</a:t>
             </a:r>
           </a:p>
           <a:p>
@@ -27281,10 +27338,10 @@
                 </a:solidFill>
                 <a:latin typeface="Consolas"/>
               </a:rPr>
-              <a:t>, _</a:t>
-            </a:r>
-            <a:r>
-              <a:rPr lang="fr-FR" dirty="0" err="1">
+              <a:t>, </a:t>
+            </a:r>
+            <a:r>
+              <a:rPr lang="fr-FR" dirty="0" err="1" smtClean="0">
                 <a:solidFill>
                   <a:srgbClr val="000000"/>
                 </a:solidFill>
@@ -28773,7 +28830,7 @@
               <a:buNone/>
             </a:pPr>
             <a:r>
-              <a:rPr lang="en-US" dirty="0">
+              <a:rPr lang="en-US" dirty="0" smtClean="0">
                 <a:solidFill>
                   <a:srgbClr val="0000FF"/>
                 </a:solidFill>
@@ -28782,7 +28839,7 @@
               <a:t>public</a:t>
             </a:r>
             <a:r>
-              <a:rPr lang="en-US" dirty="0">
+              <a:rPr lang="en-US" dirty="0" smtClean="0">
                 <a:solidFill>
                   <a:srgbClr val="000000"/>
                 </a:solidFill>
@@ -28791,7 +28848,7 @@
               <a:t> </a:t>
             </a:r>
             <a:r>
-              <a:rPr lang="en-US" dirty="0">
+              <a:rPr lang="en-US" dirty="0" smtClean="0">
                 <a:solidFill>
                   <a:srgbClr val="0000FF"/>
                 </a:solidFill>
@@ -28800,7 +28857,7 @@
               <a:t>class</a:t>
             </a:r>
             <a:r>
-              <a:rPr lang="en-US" dirty="0">
+              <a:rPr lang="en-US" dirty="0" smtClean="0">
                 <a:solidFill>
                   <a:srgbClr val="000000"/>
                 </a:solidFill>
@@ -28814,7 +28871,7 @@
               <a:buNone/>
             </a:pPr>
             <a:r>
-              <a:rPr lang="en-US" dirty="0">
+              <a:rPr lang="en-US" dirty="0" smtClean="0">
                 <a:solidFill>
                   <a:srgbClr val="000000"/>
                 </a:solidFill>
@@ -28828,7 +28885,7 @@
               <a:buNone/>
             </a:pPr>
             <a:r>
-              <a:rPr lang="en-US" dirty="0">
+              <a:rPr lang="en-US" dirty="0" smtClean="0">
                 <a:solidFill>
                   <a:srgbClr val="000000"/>
                 </a:solidFill>
@@ -28837,7 +28894,7 @@
               <a:t>  [</a:t>
             </a:r>
             <a:r>
-              <a:rPr lang="en-US" dirty="0" err="1">
+              <a:rPr lang="en-US" dirty="0" err="1" smtClean="0">
                 <a:solidFill>
                   <a:srgbClr val="000000"/>
                 </a:solidFill>
@@ -28846,7 +28903,7 @@
               <a:t>XmlIgnore</a:t>
             </a:r>
             <a:r>
-              <a:rPr lang="en-US" dirty="0">
+              <a:rPr lang="en-US" dirty="0" smtClean="0">
                 <a:solidFill>
                   <a:srgbClr val="000000"/>
                 </a:solidFill>
@@ -28860,7 +28917,7 @@
               <a:buNone/>
             </a:pPr>
             <a:r>
-              <a:rPr lang="en-US" dirty="0">
+              <a:rPr lang="en-US" dirty="0" smtClean="0">
                 <a:solidFill>
                   <a:srgbClr val="000000"/>
                 </a:solidFill>
@@ -28869,7 +28926,7 @@
               <a:t>  </a:t>
             </a:r>
             <a:r>
-              <a:rPr lang="en-US" dirty="0">
+              <a:rPr lang="en-US" dirty="0" smtClean="0">
                 <a:solidFill>
                   <a:srgbClr val="0000FF"/>
                 </a:solidFill>
@@ -28878,7 +28935,7 @@
               <a:t>public</a:t>
             </a:r>
             <a:r>
-              <a:rPr lang="en-US" dirty="0">
+              <a:rPr lang="en-US" dirty="0" smtClean="0">
                 <a:solidFill>
                   <a:srgbClr val="000000"/>
                 </a:solidFill>
@@ -28887,7 +28944,7 @@
               <a:t> </a:t>
             </a:r>
             <a:r>
-              <a:rPr lang="en-US" dirty="0">
+              <a:rPr lang="en-US" dirty="0" smtClean="0">
                 <a:solidFill>
                   <a:srgbClr val="0000FF"/>
                 </a:solidFill>
@@ -28896,7 +28953,7 @@
               <a:t>double</a:t>
             </a:r>
             <a:r>
-              <a:rPr lang="en-US" dirty="0">
+              <a:rPr lang="en-US" dirty="0" smtClean="0">
                 <a:solidFill>
                   <a:srgbClr val="000000"/>
                 </a:solidFill>
@@ -28905,7 +28962,7 @@
               <a:t> Speed { </a:t>
             </a:r>
             <a:r>
-              <a:rPr lang="en-US" dirty="0">
+              <a:rPr lang="en-US" dirty="0" smtClean="0">
                 <a:solidFill>
                   <a:srgbClr val="0000FF"/>
                 </a:solidFill>
@@ -28914,7 +28971,7 @@
               <a:t>get</a:t>
             </a:r>
             <a:r>
-              <a:rPr lang="en-US" dirty="0">
+              <a:rPr lang="en-US" dirty="0" smtClean="0">
                 <a:solidFill>
                   <a:srgbClr val="000000"/>
                 </a:solidFill>
@@ -28923,7 +28980,7 @@
               <a:t>; </a:t>
             </a:r>
             <a:r>
-              <a:rPr lang="en-US" dirty="0">
+              <a:rPr lang="en-US" dirty="0" smtClean="0">
                 <a:solidFill>
                   <a:srgbClr val="0000FF"/>
                 </a:solidFill>
@@ -28932,7 +28989,7 @@
               <a:t>set</a:t>
             </a:r>
             <a:r>
-              <a:rPr lang="en-US" dirty="0">
+              <a:rPr lang="en-US" dirty="0" smtClean="0">
                 <a:solidFill>
                   <a:srgbClr val="000000"/>
                 </a:solidFill>
@@ -28946,7 +29003,7 @@
               <a:buNone/>
             </a:pPr>
             <a:r>
-              <a:rPr lang="en-US" dirty="0">
+              <a:rPr lang="en-US" dirty="0" smtClean="0">
                 <a:solidFill>
                   <a:srgbClr val="000000"/>
                 </a:solidFill>
@@ -28955,7 +29012,7 @@
               <a:t>  </a:t>
             </a:r>
             <a:r>
-              <a:rPr lang="en-US" dirty="0">
+              <a:rPr lang="en-US" dirty="0" smtClean="0">
                 <a:solidFill>
                   <a:srgbClr val="0000FF"/>
                 </a:solidFill>
@@ -28964,7 +29021,7 @@
               <a:t>public</a:t>
             </a:r>
             <a:r>
-              <a:rPr lang="en-US" dirty="0">
+              <a:rPr lang="en-US" dirty="0" smtClean="0">
                 <a:solidFill>
                   <a:srgbClr val="000000"/>
                 </a:solidFill>
@@ -28973,7 +29030,7 @@
               <a:t> </a:t>
             </a:r>
             <a:r>
-              <a:rPr lang="en-US" dirty="0" err="1">
+              <a:rPr lang="en-US" dirty="0" err="1" smtClean="0">
                 <a:solidFill>
                   <a:srgbClr val="0000FF"/>
                 </a:solidFill>
@@ -28982,7 +29039,7 @@
               <a:t>int</a:t>
             </a:r>
             <a:r>
-              <a:rPr lang="en-US" dirty="0">
+              <a:rPr lang="en-US" dirty="0" smtClean="0">
                 <a:solidFill>
                   <a:srgbClr val="000000"/>
                 </a:solidFill>
@@ -28991,7 +29048,7 @@
               <a:t> Length { </a:t>
             </a:r>
             <a:r>
-              <a:rPr lang="en-US" dirty="0">
+              <a:rPr lang="en-US" dirty="0" smtClean="0">
                 <a:solidFill>
                   <a:srgbClr val="0000FF"/>
                 </a:solidFill>
@@ -29000,7 +29057,7 @@
               <a:t>get</a:t>
             </a:r>
             <a:r>
-              <a:rPr lang="en-US" dirty="0">
+              <a:rPr lang="en-US" dirty="0" smtClean="0">
                 <a:solidFill>
                   <a:srgbClr val="000000"/>
                 </a:solidFill>
@@ -29009,7 +29066,7 @@
               <a:t>; </a:t>
             </a:r>
             <a:r>
-              <a:rPr lang="en-US" dirty="0">
+              <a:rPr lang="en-US" dirty="0" smtClean="0">
                 <a:solidFill>
                   <a:srgbClr val="0000FF"/>
                 </a:solidFill>
@@ -29018,7 +29075,7 @@
               <a:t>set</a:t>
             </a:r>
             <a:r>
-              <a:rPr lang="en-US" dirty="0">
+              <a:rPr lang="en-US" dirty="0" smtClean="0">
                 <a:solidFill>
                   <a:srgbClr val="000000"/>
                 </a:solidFill>
@@ -29032,7 +29089,7 @@
               <a:buNone/>
             </a:pPr>
             <a:r>
-              <a:rPr lang="en-US" dirty="0">
+              <a:rPr lang="en-US" dirty="0" smtClean="0">
                 <a:solidFill>
                   <a:srgbClr val="000000"/>
                 </a:solidFill>
@@ -29041,7 +29098,7 @@
               <a:t>  </a:t>
             </a:r>
             <a:r>
-              <a:rPr lang="en-US" dirty="0">
+              <a:rPr lang="en-US" dirty="0" smtClean="0">
                 <a:solidFill>
                   <a:srgbClr val="0000FF"/>
                 </a:solidFill>
@@ -29050,7 +29107,7 @@
               <a:t>public</a:t>
             </a:r>
             <a:r>
-              <a:rPr lang="en-US" dirty="0">
+              <a:rPr lang="en-US" dirty="0" smtClean="0">
                 <a:solidFill>
                   <a:srgbClr val="000000"/>
                 </a:solidFill>
@@ -29059,7 +29116,7 @@
               <a:t> </a:t>
             </a:r>
             <a:r>
-              <a:rPr lang="en-US" dirty="0">
+              <a:rPr lang="en-US" dirty="0" smtClean="0">
                 <a:solidFill>
                   <a:srgbClr val="0000FF"/>
                 </a:solidFill>
@@ -29068,7 +29125,7 @@
               <a:t>string</a:t>
             </a:r>
             <a:r>
-              <a:rPr lang="en-US" dirty="0">
+              <a:rPr lang="en-US" dirty="0" smtClean="0">
                 <a:solidFill>
                   <a:srgbClr val="000000"/>
                 </a:solidFill>
@@ -29077,7 +29134,7 @@
               <a:t>[] </a:t>
             </a:r>
             <a:r>
-              <a:rPr lang="en-US" dirty="0" err="1">
+              <a:rPr lang="en-US" dirty="0" err="1" smtClean="0">
                 <a:solidFill>
                   <a:srgbClr val="000000"/>
                 </a:solidFill>
@@ -29086,7 +29143,7 @@
               <a:t>Travellers</a:t>
             </a:r>
             <a:r>
-              <a:rPr lang="en-US" dirty="0">
+              <a:rPr lang="en-US" dirty="0" smtClean="0">
                 <a:solidFill>
                   <a:srgbClr val="000000"/>
                 </a:solidFill>
@@ -29095,7 +29152,7 @@
               <a:t> { </a:t>
             </a:r>
             <a:r>
-              <a:rPr lang="en-US" dirty="0">
+              <a:rPr lang="en-US" dirty="0" smtClean="0">
                 <a:solidFill>
                   <a:srgbClr val="0000FF"/>
                 </a:solidFill>
@@ -29104,7 +29161,7 @@
               <a:t>get</a:t>
             </a:r>
             <a:r>
-              <a:rPr lang="en-US" dirty="0">
+              <a:rPr lang="en-US" dirty="0" smtClean="0">
                 <a:solidFill>
                   <a:srgbClr val="000000"/>
                 </a:solidFill>
@@ -29113,7 +29170,7 @@
               <a:t>; </a:t>
             </a:r>
             <a:r>
-              <a:rPr lang="en-US" dirty="0">
+              <a:rPr lang="en-US" dirty="0" smtClean="0">
                 <a:solidFill>
                   <a:srgbClr val="0000FF"/>
                 </a:solidFill>
@@ -29122,7 +29179,7 @@
               <a:t>set</a:t>
             </a:r>
             <a:r>
-              <a:rPr lang="en-US" dirty="0">
+              <a:rPr lang="en-US" dirty="0" smtClean="0">
                 <a:solidFill>
                   <a:srgbClr val="000000"/>
                 </a:solidFill>
@@ -29136,7 +29193,7 @@
               <a:buNone/>
             </a:pPr>
             <a:r>
-              <a:rPr lang="en-US" dirty="0">
+              <a:rPr lang="en-US" dirty="0" smtClean="0">
                 <a:solidFill>
                   <a:srgbClr val="000000"/>
                 </a:solidFill>
@@ -29150,7 +29207,7 @@
               <a:buNone/>
             </a:pPr>
             <a:r>
-              <a:rPr lang="en-US" dirty="0">
+              <a:rPr lang="en-US" dirty="0" smtClean="0">
                 <a:solidFill>
                   <a:srgbClr val="000000"/>
                 </a:solidFill>
@@ -29159,7 +29216,7 @@
               <a:t>  </a:t>
             </a:r>
             <a:r>
-              <a:rPr lang="en-US" dirty="0">
+              <a:rPr lang="en-US" dirty="0" smtClean="0">
                 <a:solidFill>
                   <a:srgbClr val="0000FF"/>
                 </a:solidFill>
@@ -29168,7 +29225,7 @@
               <a:t>public</a:t>
             </a:r>
             <a:r>
-              <a:rPr lang="en-US" dirty="0">
+              <a:rPr lang="en-US" dirty="0" smtClean="0">
                 <a:solidFill>
                   <a:srgbClr val="000000"/>
                 </a:solidFill>
@@ -29186,7 +29243,7 @@
               <a:t>//</a:t>
             </a:r>
             <a:r>
-              <a:rPr lang="ru-RU" dirty="0">
+              <a:rPr lang="ru-RU" dirty="0" smtClean="0">
                 <a:solidFill>
                   <a:srgbClr val="008000"/>
                 </a:solidFill>
@@ -29194,7 +29251,7 @@
               </a:rPr>
               <a:t> Для XML сериализации требуется наличие конструктора без аргументов</a:t>
             </a:r>
-            <a:endParaRPr lang="en-US" dirty="0">
+            <a:endParaRPr lang="en-US" dirty="0" smtClean="0">
               <a:solidFill>
                 <a:srgbClr val="000000"/>
               </a:solidFill>
@@ -29206,7 +29263,7 @@
               <a:buNone/>
             </a:pPr>
             <a:r>
-              <a:rPr lang="en-US" dirty="0">
+              <a:rPr lang="en-US" dirty="0" smtClean="0">
                 <a:solidFill>
                   <a:srgbClr val="000000"/>
                 </a:solidFill>
@@ -29215,7 +29272,7 @@
               <a:t>  </a:t>
             </a:r>
             <a:r>
-              <a:rPr lang="en-US" dirty="0">
+              <a:rPr lang="en-US" dirty="0" smtClean="0">
                 <a:solidFill>
                   <a:srgbClr val="0000FF"/>
                 </a:solidFill>
@@ -29224,7 +29281,7 @@
               <a:t>public</a:t>
             </a:r>
             <a:r>
-              <a:rPr lang="en-US" dirty="0">
+              <a:rPr lang="en-US" dirty="0" smtClean="0">
                 <a:solidFill>
                   <a:srgbClr val="000000"/>
                 </a:solidFill>
@@ -29233,7 +29290,7 @@
               <a:t> Train(</a:t>
             </a:r>
             <a:r>
-              <a:rPr lang="en-US" dirty="0">
+              <a:rPr lang="en-US" dirty="0" smtClean="0">
                 <a:solidFill>
                   <a:srgbClr val="0000FF"/>
                 </a:solidFill>
@@ -29242,7 +29299,7 @@
               <a:t>double</a:t>
             </a:r>
             <a:r>
-              <a:rPr lang="en-US" dirty="0">
+              <a:rPr lang="en-US" dirty="0" smtClean="0">
                 <a:solidFill>
                   <a:srgbClr val="000000"/>
                 </a:solidFill>
@@ -29251,7 +29308,7 @@
               <a:t> speed, </a:t>
             </a:r>
             <a:r>
-              <a:rPr lang="en-US" dirty="0" err="1">
+              <a:rPr lang="en-US" dirty="0" err="1" smtClean="0">
                 <a:solidFill>
                   <a:srgbClr val="0000FF"/>
                 </a:solidFill>
@@ -29260,7 +29317,7 @@
               <a:t>int</a:t>
             </a:r>
             <a:r>
-              <a:rPr lang="en-US" dirty="0">
+              <a:rPr lang="en-US" dirty="0" smtClean="0">
                 <a:solidFill>
                   <a:srgbClr val="000000"/>
                 </a:solidFill>
@@ -29269,7 +29326,7 @@
               <a:t> length, </a:t>
             </a:r>
             <a:r>
-              <a:rPr lang="en-US" dirty="0" err="1">
+              <a:rPr lang="en-US" dirty="0" err="1" smtClean="0">
                 <a:solidFill>
                   <a:srgbClr val="0000FF"/>
                 </a:solidFill>
@@ -29278,7 +29335,7 @@
               <a:t>params</a:t>
             </a:r>
             <a:r>
-              <a:rPr lang="en-US" dirty="0">
+              <a:rPr lang="en-US" dirty="0" smtClean="0">
                 <a:solidFill>
                   <a:srgbClr val="000000"/>
                 </a:solidFill>
@@ -29287,7 +29344,7 @@
               <a:t> </a:t>
             </a:r>
             <a:r>
-              <a:rPr lang="en-US" dirty="0">
+              <a:rPr lang="en-US" dirty="0" smtClean="0">
                 <a:solidFill>
                   <a:srgbClr val="0000FF"/>
                 </a:solidFill>
@@ -29296,7 +29353,7 @@
               <a:t>string</a:t>
             </a:r>
             <a:r>
-              <a:rPr lang="en-US" dirty="0">
+              <a:rPr lang="en-US" dirty="0" smtClean="0">
                 <a:solidFill>
                   <a:srgbClr val="000000"/>
                 </a:solidFill>
@@ -29305,7 +29362,7 @@
               <a:t>[] </a:t>
             </a:r>
             <a:r>
-              <a:rPr lang="en-US" dirty="0" err="1">
+              <a:rPr lang="en-US" dirty="0" err="1" smtClean="0">
                 <a:solidFill>
                   <a:srgbClr val="000000"/>
                 </a:solidFill>
@@ -29314,7 +29371,7 @@
               <a:t>travellers</a:t>
             </a:r>
             <a:r>
-              <a:rPr lang="en-US" dirty="0">
+              <a:rPr lang="en-US" dirty="0" smtClean="0">
                 <a:solidFill>
                   <a:srgbClr val="000000"/>
                 </a:solidFill>
@@ -29328,7 +29385,7 @@
               <a:buNone/>
             </a:pPr>
             <a:r>
-              <a:rPr lang="en-US" dirty="0">
+              <a:rPr lang="en-US" dirty="0" smtClean="0">
                 <a:solidFill>
                   <a:srgbClr val="000000"/>
                 </a:solidFill>
@@ -29342,7 +29399,7 @@
               <a:buNone/>
             </a:pPr>
             <a:r>
-              <a:rPr lang="en-US" dirty="0">
+              <a:rPr lang="en-US" dirty="0" smtClean="0">
                 <a:solidFill>
                   <a:srgbClr val="000000"/>
                 </a:solidFill>
@@ -29356,7 +29413,7 @@
               <a:buNone/>
             </a:pPr>
             <a:r>
-              <a:rPr lang="en-US" dirty="0">
+              <a:rPr lang="en-US" dirty="0" smtClean="0">
                 <a:solidFill>
                   <a:srgbClr val="000000"/>
                 </a:solidFill>
@@ -29370,7 +29427,7 @@
               <a:buNone/>
             </a:pPr>
             <a:r>
-              <a:rPr lang="en-US" dirty="0">
+              <a:rPr lang="en-US" dirty="0" smtClean="0">
                 <a:solidFill>
                   <a:srgbClr val="000000"/>
                 </a:solidFill>
@@ -29379,7 +29436,7 @@
               <a:t>      </a:t>
             </a:r>
             <a:r>
-              <a:rPr lang="en-US" dirty="0" err="1">
+              <a:rPr lang="en-US" dirty="0" err="1" smtClean="0">
                 <a:solidFill>
                   <a:srgbClr val="000000"/>
                 </a:solidFill>
@@ -29388,7 +29445,7 @@
               <a:t>Travellers</a:t>
             </a:r>
             <a:r>
-              <a:rPr lang="en-US" dirty="0">
+              <a:rPr lang="en-US" dirty="0" smtClean="0">
                 <a:solidFill>
                   <a:srgbClr val="000000"/>
                 </a:solidFill>
@@ -29397,7 +29454,7 @@
               <a:t> = </a:t>
             </a:r>
             <a:r>
-              <a:rPr lang="en-US" dirty="0" err="1">
+              <a:rPr lang="en-US" dirty="0" err="1" smtClean="0">
                 <a:solidFill>
                   <a:srgbClr val="000000"/>
                 </a:solidFill>
@@ -29406,7 +29463,7 @@
               <a:t>travellers</a:t>
             </a:r>
             <a:r>
-              <a:rPr lang="en-US" dirty="0">
+              <a:rPr lang="en-US" dirty="0" smtClean="0">
                 <a:solidFill>
                   <a:srgbClr val="000000"/>
                 </a:solidFill>
@@ -29420,7 +29477,7 @@
               <a:buNone/>
             </a:pPr>
             <a:r>
-              <a:rPr lang="en-US" dirty="0">
+              <a:rPr lang="en-US" dirty="0" smtClean="0">
                 <a:solidFill>
                   <a:srgbClr val="000000"/>
                 </a:solidFill>
@@ -29434,7 +29491,7 @@
               <a:buNone/>
             </a:pPr>
             <a:r>
-              <a:rPr lang="en-US" dirty="0">
+              <a:rPr lang="en-US" dirty="0" smtClean="0">
                 <a:solidFill>
                   <a:srgbClr val="000000"/>
                 </a:solidFill>
@@ -29448,7 +29505,7 @@
               <a:buNone/>
             </a:pPr>
             <a:r>
-              <a:rPr lang="en-US" dirty="0">
+              <a:rPr lang="en-US" dirty="0" smtClean="0">
                 <a:solidFill>
                   <a:srgbClr val="000000"/>
                 </a:solidFill>
@@ -29457,7 +29514,7 @@
               <a:t>  </a:t>
             </a:r>
             <a:r>
-              <a:rPr lang="en-US" dirty="0">
+              <a:rPr lang="en-US" dirty="0" smtClean="0">
                 <a:solidFill>
                   <a:srgbClr val="0000FF"/>
                 </a:solidFill>
@@ -29466,7 +29523,7 @@
               <a:t>public</a:t>
             </a:r>
             <a:r>
-              <a:rPr lang="en-US" dirty="0">
+              <a:rPr lang="en-US" dirty="0" smtClean="0">
                 <a:solidFill>
                   <a:srgbClr val="000000"/>
                 </a:solidFill>
@@ -29475,7 +29532,7 @@
               <a:t> </a:t>
             </a:r>
             <a:r>
-              <a:rPr lang="en-US" dirty="0">
+              <a:rPr lang="en-US" dirty="0" smtClean="0">
                 <a:solidFill>
                   <a:srgbClr val="0000FF"/>
                 </a:solidFill>
@@ -29484,7 +29541,7 @@
               <a:t>void</a:t>
             </a:r>
             <a:r>
-              <a:rPr lang="en-US" dirty="0">
+              <a:rPr lang="en-US" dirty="0" smtClean="0">
                 <a:solidFill>
                   <a:srgbClr val="000000"/>
                 </a:solidFill>
@@ -29498,7 +29555,7 @@
               <a:buNone/>
             </a:pPr>
             <a:r>
-              <a:rPr lang="en-US" dirty="0">
+              <a:rPr lang="en-US" dirty="0" smtClean="0">
                 <a:solidFill>
                   <a:srgbClr val="000000"/>
                 </a:solidFill>
@@ -29512,7 +29569,7 @@
               <a:buNone/>
             </a:pPr>
             <a:r>
-              <a:rPr lang="en-US" dirty="0">
+              <a:rPr lang="en-US" dirty="0" smtClean="0">
                 <a:solidFill>
                   <a:srgbClr val="000000"/>
                 </a:solidFill>
@@ -29521,7 +29578,7 @@
               <a:t>      </a:t>
             </a:r>
             <a:r>
-              <a:rPr lang="en-US" dirty="0" err="1">
+              <a:rPr lang="en-US" dirty="0" err="1" smtClean="0">
                 <a:solidFill>
                   <a:srgbClr val="000000"/>
                 </a:solidFill>
@@ -29530,7 +29587,7 @@
               <a:t>Console.WriteLine</a:t>
             </a:r>
             <a:r>
-              <a:rPr lang="en-US" dirty="0">
+              <a:rPr lang="en-US" dirty="0" smtClean="0">
                 <a:solidFill>
                   <a:srgbClr val="000000"/>
                 </a:solidFill>
@@ -29539,7 +29596,7 @@
               <a:t>(</a:t>
             </a:r>
             <a:r>
-              <a:rPr lang="en-US" dirty="0">
+              <a:rPr lang="en-US" dirty="0" smtClean="0">
                 <a:solidFill>
                   <a:srgbClr val="DC1414"/>
                 </a:solidFill>
@@ -29548,7 +29605,7 @@
               <a:t>"Speed: {0}"</a:t>
             </a:r>
             <a:r>
-              <a:rPr lang="en-US" dirty="0">
+              <a:rPr lang="en-US" dirty="0" smtClean="0">
                 <a:solidFill>
                   <a:srgbClr val="000000"/>
                 </a:solidFill>
@@ -29562,7 +29619,7 @@
               <a:buNone/>
             </a:pPr>
             <a:r>
-              <a:rPr lang="en-US" dirty="0">
+              <a:rPr lang="en-US" dirty="0" smtClean="0">
                 <a:solidFill>
                   <a:srgbClr val="000000"/>
                 </a:solidFill>
@@ -29571,7 +29628,7 @@
               <a:t>      </a:t>
             </a:r>
             <a:r>
-              <a:rPr lang="en-US" dirty="0" err="1">
+              <a:rPr lang="en-US" dirty="0" err="1" smtClean="0">
                 <a:solidFill>
                   <a:srgbClr val="000000"/>
                 </a:solidFill>
@@ -29580,7 +29637,7 @@
               <a:t>Console.WriteLine</a:t>
             </a:r>
             <a:r>
-              <a:rPr lang="en-US" dirty="0">
+              <a:rPr lang="en-US" dirty="0" smtClean="0">
                 <a:solidFill>
                   <a:srgbClr val="000000"/>
                 </a:solidFill>
@@ -29589,7 +29646,7 @@
               <a:t>(</a:t>
             </a:r>
             <a:r>
-              <a:rPr lang="en-US" dirty="0">
+              <a:rPr lang="en-US" dirty="0" smtClean="0">
                 <a:solidFill>
                   <a:srgbClr val="DC1414"/>
                 </a:solidFill>
@@ -29598,7 +29655,7 @@
               <a:t>"Length : {0}"</a:t>
             </a:r>
             <a:r>
-              <a:rPr lang="en-US" dirty="0">
+              <a:rPr lang="en-US" dirty="0" smtClean="0">
                 <a:solidFill>
                   <a:srgbClr val="000000"/>
                 </a:solidFill>
@@ -29612,7 +29669,7 @@
               <a:buNone/>
             </a:pPr>
             <a:r>
-              <a:rPr lang="fr-FR" dirty="0">
+              <a:rPr lang="fr-FR" dirty="0" smtClean="0">
                 <a:solidFill>
                   <a:srgbClr val="000000"/>
                 </a:solidFill>
@@ -29621,7 +29678,7 @@
               <a:t>      </a:t>
             </a:r>
             <a:r>
-              <a:rPr lang="fr-FR" dirty="0" err="1">
+              <a:rPr lang="fr-FR" dirty="0" err="1" smtClean="0">
                 <a:solidFill>
                   <a:srgbClr val="000000"/>
                 </a:solidFill>
@@ -29630,7 +29687,7 @@
               <a:t>Console.WriteLine</a:t>
             </a:r>
             <a:r>
-              <a:rPr lang="fr-FR" dirty="0">
+              <a:rPr lang="fr-FR" dirty="0" smtClean="0">
                 <a:solidFill>
                   <a:srgbClr val="000000"/>
                 </a:solidFill>
@@ -29639,7 +29696,7 @@
               <a:t>(</a:t>
             </a:r>
             <a:r>
-              <a:rPr lang="fr-FR" dirty="0">
+              <a:rPr lang="fr-FR" dirty="0" smtClean="0">
                 <a:solidFill>
                   <a:srgbClr val="DC1414"/>
                 </a:solidFill>
@@ -29648,7 +29705,7 @@
               <a:t>"</a:t>
             </a:r>
             <a:r>
-              <a:rPr lang="fr-FR" dirty="0" err="1">
+              <a:rPr lang="fr-FR" dirty="0" err="1" smtClean="0">
                 <a:solidFill>
                   <a:srgbClr val="DC1414"/>
                 </a:solidFill>
@@ -29657,7 +29714,7 @@
               <a:t>Travellers</a:t>
             </a:r>
             <a:r>
-              <a:rPr lang="fr-FR" dirty="0">
+              <a:rPr lang="fr-FR" dirty="0" smtClean="0">
                 <a:solidFill>
                   <a:srgbClr val="DC1414"/>
                 </a:solidFill>
@@ -29666,7 +29723,7 @@
               <a:t>: {0}"</a:t>
             </a:r>
             <a:r>
-              <a:rPr lang="fr-FR" dirty="0">
+              <a:rPr lang="fr-FR" dirty="0" smtClean="0">
                 <a:solidFill>
                   <a:srgbClr val="000000"/>
                 </a:solidFill>
@@ -29675,7 +29732,7 @@
               <a:t>, </a:t>
             </a:r>
             <a:r>
-              <a:rPr lang="fr-FR" dirty="0" err="1">
+              <a:rPr lang="fr-FR" dirty="0" err="1" smtClean="0">
                 <a:solidFill>
                   <a:srgbClr val="000000"/>
                 </a:solidFill>
@@ -29684,7 +29741,7 @@
               <a:t>String.Join</a:t>
             </a:r>
             <a:r>
-              <a:rPr lang="fr-FR" dirty="0">
+              <a:rPr lang="fr-FR" dirty="0" smtClean="0">
                 <a:solidFill>
                   <a:srgbClr val="000000"/>
                 </a:solidFill>
@@ -29693,7 +29750,7 @@
               <a:t>(</a:t>
             </a:r>
             <a:r>
-              <a:rPr lang="fr-FR" dirty="0">
+              <a:rPr lang="fr-FR" dirty="0" smtClean="0">
                 <a:solidFill>
                   <a:srgbClr val="DC1414"/>
                 </a:solidFill>
@@ -29702,7 +29759,7 @@
               <a:t>"; "</a:t>
             </a:r>
             <a:r>
-              <a:rPr lang="fr-FR" dirty="0">
+              <a:rPr lang="fr-FR" dirty="0" smtClean="0">
                 <a:solidFill>
                   <a:srgbClr val="000000"/>
                 </a:solidFill>
@@ -29711,7 +29768,7 @@
               <a:t>, </a:t>
             </a:r>
             <a:r>
-              <a:rPr lang="fr-FR" dirty="0" err="1">
+              <a:rPr lang="fr-FR" dirty="0" err="1" smtClean="0">
                 <a:solidFill>
                   <a:srgbClr val="000000"/>
                 </a:solidFill>
@@ -29720,7 +29777,7 @@
               <a:t>Travellers</a:t>
             </a:r>
             <a:r>
-              <a:rPr lang="fr-FR" dirty="0">
+              <a:rPr lang="fr-FR" dirty="0" smtClean="0">
                 <a:solidFill>
                   <a:srgbClr val="000000"/>
                 </a:solidFill>
@@ -29734,7 +29791,7 @@
               <a:buNone/>
             </a:pPr>
             <a:r>
-              <a:rPr lang="en-US" dirty="0">
+              <a:rPr lang="en-US" dirty="0" smtClean="0">
                 <a:solidFill>
                   <a:srgbClr val="000000"/>
                 </a:solidFill>
@@ -29748,7 +29805,7 @@
               <a:buNone/>
             </a:pPr>
             <a:r>
-              <a:rPr lang="en-US" dirty="0">
+              <a:rPr lang="en-US" dirty="0" smtClean="0">
                 <a:solidFill>
                   <a:srgbClr val="000000"/>
                 </a:solidFill>

--- a/Presentation/lesson-04-io.pptx
+++ b/Presentation/lesson-04-io.pptx
@@ -37,10 +37,8 @@
     <p:sldId id="268" r:id="rId31"/>
     <p:sldId id="287" r:id="rId32"/>
     <p:sldId id="278" r:id="rId33"/>
-    <p:sldId id="279" r:id="rId34"/>
-    <p:sldId id="280" r:id="rId35"/>
-    <p:sldId id="297" r:id="rId36"/>
-    <p:sldId id="271" r:id="rId37"/>
+    <p:sldId id="297" r:id="rId34"/>
+    <p:sldId id="271" r:id="rId35"/>
   </p:sldIdLst>
   <p:sldSz cx="9144000" cy="6858000" type="screen4x3"/>
   <p:notesSz cx="6858000" cy="9144000"/>
@@ -26042,7 +26040,7 @@
           <a:lstStyle/>
           <a:p>
             <a:r>
-              <a:rPr lang="ru-RU" smtClean="0"/>
+              <a:rPr lang="ru-RU" dirty="0" smtClean="0"/>
               <a:t>Архивация</a:t>
             </a:r>
             <a:endParaRPr lang="en-US" dirty="0"/>
@@ -26061,22 +26059,161 @@
         </p:nvSpPr>
         <p:spPr/>
         <p:txBody>
-          <a:bodyPr/>
+          <a:bodyPr>
+            <a:normAutofit fontScale="92500" lnSpcReduction="10000"/>
+          </a:bodyPr>
           <a:lstStyle/>
           <a:p>
             <a:pPr marL="0" indent="0">
               <a:buNone/>
             </a:pPr>
             <a:r>
+              <a:rPr lang="ru-RU" dirty="0" smtClean="0"/>
+              <a:t>Пространство имен </a:t>
+            </a:r>
+            <a:r>
               <a:rPr lang="en-US" dirty="0" err="1" smtClean="0"/>
               <a:t>System.IO.Compression</a:t>
             </a:r>
-            <a:endParaRPr lang="en-US" dirty="0" smtClean="0"/>
+            <a:endParaRPr lang="ru-RU" dirty="0" smtClean="0"/>
           </a:p>
           <a:p>
             <a:pPr marL="0" indent="0">
               <a:buNone/>
             </a:pPr>
+            <a:endParaRPr lang="ru-RU" dirty="0"/>
+          </a:p>
+          <a:p>
+            <a:pPr marL="0" indent="0">
+              <a:buNone/>
+            </a:pPr>
+            <a:r>
+              <a:rPr lang="ru-RU" dirty="0" smtClean="0"/>
+              <a:t>В </a:t>
+            </a:r>
+            <a:r>
+              <a:rPr lang="en-US" dirty="0" smtClean="0"/>
+              <a:t>.NET 2+ </a:t>
+            </a:r>
+            <a:r>
+              <a:rPr lang="ru-RU" dirty="0" smtClean="0"/>
+              <a:t>есть классы </a:t>
+            </a:r>
+            <a:r>
+              <a:rPr lang="en-US" dirty="0" err="1"/>
+              <a:t>DeflateStream</a:t>
+            </a:r>
+            <a:r>
+              <a:rPr lang="en-US" dirty="0"/>
+              <a:t> </a:t>
+            </a:r>
+            <a:r>
+              <a:rPr lang="ru-RU" dirty="0" smtClean="0"/>
+              <a:t>и </a:t>
+            </a:r>
+            <a:r>
+              <a:rPr lang="en-US" dirty="0" err="1" smtClean="0"/>
+              <a:t>GZipStream</a:t>
+            </a:r>
+            <a:r>
+              <a:rPr lang="ru-RU" dirty="0" smtClean="0"/>
+              <a:t> для сжатия массива байтов.</a:t>
+            </a:r>
+            <a:endParaRPr lang="en-US" dirty="0" smtClean="0"/>
+          </a:p>
+          <a:p>
+            <a:pPr marL="0" indent="0">
+              <a:buNone/>
+            </a:pPr>
+            <a:endParaRPr lang="en-US" dirty="0"/>
+          </a:p>
+          <a:p>
+            <a:pPr marL="0" indent="0">
+              <a:buNone/>
+            </a:pPr>
+            <a:r>
+              <a:rPr lang="ru-RU" sz="4000" dirty="0">
+                <a:solidFill>
+                  <a:srgbClr val="FFC000"/>
+                </a:solidFill>
+                <a:sym typeface="Wingdings"/>
+              </a:rPr>
+              <a:t></a:t>
+            </a:r>
+            <a:r>
+              <a:rPr lang="ru-RU" dirty="0">
+                <a:sym typeface="Wingdings"/>
+              </a:rPr>
+              <a:t> </a:t>
+            </a:r>
+            <a:r>
+              <a:rPr lang="ru-RU" dirty="0"/>
+              <a:t>См. пример </a:t>
+            </a:r>
+            <a:r>
+              <a:rPr lang="en-US" dirty="0"/>
+              <a:t>L04-S03-IO</a:t>
+            </a:r>
+            <a:r>
+              <a:rPr lang="ru-RU" dirty="0" smtClean="0"/>
+              <a:t>\</a:t>
+            </a:r>
+            <a:r>
+              <a:rPr lang="en-US" dirty="0" smtClean="0"/>
+              <a:t>Compression</a:t>
+            </a:r>
+            <a:endParaRPr lang="ru-RU" dirty="0" smtClean="0"/>
+          </a:p>
+          <a:p>
+            <a:pPr marL="0" indent="0">
+              <a:buNone/>
+            </a:pPr>
+            <a:endParaRPr lang="ru-RU" dirty="0"/>
+          </a:p>
+          <a:p>
+            <a:pPr marL="0" indent="0">
+              <a:buNone/>
+            </a:pPr>
+            <a:r>
+              <a:rPr lang="ru-RU" dirty="0" smtClean="0"/>
+              <a:t>В .</a:t>
+            </a:r>
+            <a:r>
+              <a:rPr lang="en-US" dirty="0" smtClean="0"/>
+              <a:t>NET 4.5 </a:t>
+            </a:r>
+            <a:r>
+              <a:rPr lang="ru-RU" dirty="0" smtClean="0"/>
+              <a:t>добавлены классы </a:t>
+            </a:r>
+            <a:r>
+              <a:rPr lang="en-US" dirty="0" err="1"/>
+              <a:t>ZipArchive</a:t>
+            </a:r>
+            <a:r>
+              <a:rPr lang="en-US" dirty="0"/>
+              <a:t> </a:t>
+            </a:r>
+            <a:r>
+              <a:rPr lang="ru-RU" dirty="0" smtClean="0"/>
+              <a:t>и </a:t>
+            </a:r>
+            <a:r>
+              <a:rPr lang="en-US" dirty="0" err="1" smtClean="0"/>
+              <a:t>ZipFile</a:t>
+            </a:r>
+            <a:r>
+              <a:rPr lang="en-US" dirty="0" smtClean="0"/>
+              <a:t> </a:t>
+            </a:r>
+            <a:r>
+              <a:rPr lang="ru-RU" dirty="0" smtClean="0"/>
+              <a:t>для работы с архивами в формате </a:t>
+            </a:r>
+            <a:r>
+              <a:rPr lang="en-US" dirty="0" smtClean="0"/>
+              <a:t>zip.</a:t>
+            </a:r>
             <a:endParaRPr lang="en-US" dirty="0"/>
           </a:p>
         </p:txBody>
@@ -26176,7 +26313,7 @@
         <p:spPr/>
         <p:txBody>
           <a:bodyPr>
-            <a:normAutofit lnSpcReduction="10000"/>
+            <a:normAutofit fontScale="92500" lnSpcReduction="20000"/>
           </a:bodyPr>
           <a:lstStyle/>
           <a:p>
@@ -26216,15 +26353,11 @@
               <a:t>(</a:t>
             </a:r>
             <a:r>
-              <a:rPr lang="en-US" smtClean="0"/>
-              <a:t>XML/</a:t>
-            </a:r>
-            <a:r>
-              <a:rPr lang="en-US" smtClean="0"/>
-              <a:t>JSON</a:t>
-            </a:r>
-            <a:r>
-              <a:rPr lang="ru-RU" smtClean="0"/>
+              <a:rPr lang="en-US" dirty="0" smtClean="0"/>
+              <a:t>XML/JSON</a:t>
+            </a:r>
+            <a:r>
+              <a:rPr lang="ru-RU" dirty="0" smtClean="0"/>
               <a:t>)</a:t>
             </a:r>
             <a:r>
@@ -26233,7 +26366,58 @@
             </a:r>
             <a:r>
               <a:rPr lang="ru-RU" dirty="0" smtClean="0"/>
-              <a:t>сериализацию. При необходимости можно реализовать собственный механизм.</a:t>
+              <a:t>сериализацию. При необходимости можно реализовать собственный механизм</a:t>
+            </a:r>
+            <a:r>
+              <a:rPr lang="ru-RU" dirty="0" smtClean="0"/>
+              <a:t>.</a:t>
+            </a:r>
+            <a:endParaRPr lang="en-US" dirty="0" smtClean="0"/>
+          </a:p>
+          <a:p>
+            <a:pPr marL="0" indent="0">
+              <a:buNone/>
+            </a:pPr>
+            <a:endParaRPr lang="en-US" dirty="0" smtClean="0"/>
+          </a:p>
+          <a:p>
+            <a:pPr marL="0" indent="0">
+              <a:buNone/>
+            </a:pPr>
+            <a:r>
+              <a:rPr lang="ru-RU" sz="4000" dirty="0">
+                <a:solidFill>
+                  <a:srgbClr val="FFC000"/>
+                </a:solidFill>
+                <a:sym typeface="Wingdings"/>
+              </a:rPr>
+              <a:t></a:t>
+            </a:r>
+            <a:r>
+              <a:rPr lang="ru-RU" dirty="0">
+                <a:sym typeface="Wingdings"/>
+              </a:rPr>
+              <a:t> </a:t>
+            </a:r>
+            <a:r>
+              <a:rPr lang="ru-RU" dirty="0"/>
+              <a:t>См. </a:t>
+            </a:r>
+            <a:r>
+              <a:rPr lang="ru-RU" dirty="0" smtClean="0"/>
+              <a:t>пример </a:t>
+            </a:r>
+            <a:r>
+              <a:rPr lang="en-US" dirty="0"/>
+              <a:t>L04-S03-IO</a:t>
+            </a:r>
+            <a:r>
+              <a:rPr lang="ru-RU" dirty="0" smtClean="0"/>
+              <a:t>\</a:t>
+            </a:r>
+            <a:r>
+              <a:rPr lang="en-US" dirty="0" smtClean="0"/>
+              <a:t>Serialization</a:t>
             </a:r>
             <a:endParaRPr lang="en-US" dirty="0"/>
           </a:p>
@@ -26300,4790 +26484,6 @@
             <p:ph type="title"/>
           </p:nvPr>
         </p:nvSpPr>
-        <p:spPr>
-          <a:xfrm>
-            <a:off x="457200" y="188640"/>
-            <a:ext cx="8229600" cy="720080"/>
-          </a:xfrm>
-        </p:spPr>
-        <p:txBody>
-          <a:bodyPr>
-            <a:normAutofit/>
-          </a:bodyPr>
-          <a:lstStyle/>
-          <a:p>
-            <a:r>
-              <a:rPr lang="ru-RU" sz="2000" dirty="0" smtClean="0"/>
-              <a:t>Бинарная сериализация (пример)</a:t>
-            </a:r>
-            <a:endParaRPr lang="en-US" sz="2000" dirty="0"/>
-          </a:p>
-        </p:txBody>
-      </p:sp>
-      <p:sp>
-        <p:nvSpPr>
-          <p:cNvPr id="3" name="Content Placeholder 2"/>
-          <p:cNvSpPr>
-            <a:spLocks noGrp="1"/>
-          </p:cNvSpPr>
-          <p:nvPr>
-            <p:ph idx="1"/>
-          </p:nvPr>
-        </p:nvSpPr>
-        <p:spPr>
-          <a:xfrm>
-            <a:off x="457200" y="919261"/>
-            <a:ext cx="8229600" cy="5750099"/>
-          </a:xfrm>
-          <a:solidFill>
-            <a:schemeClr val="bg1"/>
-          </a:solidFill>
-        </p:spPr>
-        <p:txBody>
-          <a:bodyPr>
-            <a:normAutofit fontScale="25000" lnSpcReduction="20000"/>
-          </a:bodyPr>
-          <a:lstStyle/>
-          <a:p>
-            <a:pPr marL="0" indent="0">
-              <a:buNone/>
-            </a:pPr>
-            <a:r>
-              <a:rPr lang="en-US" dirty="0" smtClean="0">
-                <a:solidFill>
-                  <a:srgbClr val="0000FF"/>
-                </a:solidFill>
-                <a:latin typeface="Consolas"/>
-              </a:rPr>
-              <a:t>using</a:t>
-            </a:r>
-            <a:r>
-              <a:rPr lang="en-US" dirty="0" smtClean="0">
-                <a:solidFill>
-                  <a:srgbClr val="000000"/>
-                </a:solidFill>
-                <a:latin typeface="Consolas"/>
-              </a:rPr>
-              <a:t> System;</a:t>
-            </a:r>
-            <a:endParaRPr lang="ru-RU" dirty="0" smtClean="0">
-              <a:solidFill>
-                <a:srgbClr val="0000FF"/>
-              </a:solidFill>
-              <a:latin typeface="Consolas"/>
-            </a:endParaRPr>
-          </a:p>
-          <a:p>
-            <a:pPr marL="0" indent="0">
-              <a:buNone/>
-            </a:pPr>
-            <a:r>
-              <a:rPr lang="en-US" dirty="0" smtClean="0">
-                <a:solidFill>
-                  <a:srgbClr val="0000FF"/>
-                </a:solidFill>
-                <a:latin typeface="Consolas"/>
-              </a:rPr>
-              <a:t>using</a:t>
-            </a:r>
-            <a:r>
-              <a:rPr lang="en-US" dirty="0" smtClean="0">
-                <a:solidFill>
-                  <a:srgbClr val="000000"/>
-                </a:solidFill>
-                <a:latin typeface="Consolas"/>
-              </a:rPr>
-              <a:t> System.IO;</a:t>
-            </a:r>
-          </a:p>
-          <a:p>
-            <a:pPr marL="0" indent="0">
-              <a:buNone/>
-            </a:pPr>
-            <a:r>
-              <a:rPr lang="en-US" dirty="0">
-                <a:solidFill>
-                  <a:srgbClr val="0000FF"/>
-                </a:solidFill>
-                <a:latin typeface="Consolas"/>
-              </a:rPr>
-              <a:t>using</a:t>
-            </a:r>
-            <a:r>
-              <a:rPr lang="en-US" dirty="0" smtClean="0">
-                <a:solidFill>
-                  <a:srgbClr val="000000"/>
-                </a:solidFill>
-                <a:latin typeface="Consolas"/>
-              </a:rPr>
-              <a:t> </a:t>
-            </a:r>
-            <a:r>
-              <a:rPr lang="en-US" dirty="0" err="1" smtClean="0">
-                <a:solidFill>
-                  <a:srgbClr val="000000"/>
-                </a:solidFill>
-                <a:latin typeface="Consolas"/>
-              </a:rPr>
-              <a:t>System.Runtime.Serialization.Formatters.Binary</a:t>
-            </a:r>
-            <a:r>
-              <a:rPr lang="en-US" dirty="0" smtClean="0">
-                <a:solidFill>
-                  <a:srgbClr val="000000"/>
-                </a:solidFill>
-                <a:latin typeface="Consolas"/>
-              </a:rPr>
-              <a:t>;</a:t>
-            </a:r>
-            <a:endParaRPr lang="ru-RU" dirty="0" smtClean="0">
-              <a:solidFill>
-                <a:srgbClr val="000000"/>
-              </a:solidFill>
-              <a:latin typeface="Consolas"/>
-            </a:endParaRPr>
-          </a:p>
-          <a:p>
-            <a:pPr marL="0" indent="0">
-              <a:buNone/>
-            </a:pPr>
-            <a:endParaRPr lang="ru-RU" dirty="0" smtClean="0">
-              <a:solidFill>
-                <a:srgbClr val="000000"/>
-              </a:solidFill>
-              <a:latin typeface="Consolas"/>
-            </a:endParaRPr>
-          </a:p>
-          <a:p>
-            <a:pPr marL="0" indent="0">
-              <a:buNone/>
-            </a:pPr>
-            <a:r>
-              <a:rPr lang="en-US" dirty="0" smtClean="0">
-                <a:solidFill>
-                  <a:srgbClr val="000000"/>
-                </a:solidFill>
-                <a:latin typeface="Consolas"/>
-              </a:rPr>
-              <a:t>[</a:t>
-            </a:r>
-            <a:r>
-              <a:rPr lang="en-US" dirty="0" err="1">
-                <a:solidFill>
-                  <a:srgbClr val="000000"/>
-                </a:solidFill>
-                <a:latin typeface="Consolas"/>
-              </a:rPr>
-              <a:t>Serializable</a:t>
-            </a:r>
-            <a:r>
-              <a:rPr lang="en-US" dirty="0">
-                <a:solidFill>
-                  <a:srgbClr val="000000"/>
-                </a:solidFill>
-                <a:latin typeface="Consolas"/>
-              </a:rPr>
-              <a:t>]</a:t>
-            </a:r>
-          </a:p>
-          <a:p>
-            <a:pPr marL="0" indent="0">
-              <a:buNone/>
-            </a:pPr>
-            <a:r>
-              <a:rPr lang="en-US" dirty="0">
-                <a:solidFill>
-                  <a:srgbClr val="0000FF"/>
-                </a:solidFill>
-                <a:latin typeface="Consolas"/>
-              </a:rPr>
-              <a:t>class</a:t>
-            </a:r>
-            <a:r>
-              <a:rPr lang="en-US" dirty="0">
-                <a:solidFill>
-                  <a:srgbClr val="000000"/>
-                </a:solidFill>
-                <a:latin typeface="Consolas"/>
-              </a:rPr>
-              <a:t> Train</a:t>
-            </a:r>
-          </a:p>
-          <a:p>
-            <a:pPr marL="0" indent="0">
-              <a:buNone/>
-            </a:pPr>
-            <a:r>
-              <a:rPr lang="en-US" dirty="0">
-                <a:solidFill>
-                  <a:srgbClr val="000000"/>
-                </a:solidFill>
-                <a:latin typeface="Consolas"/>
-              </a:rPr>
-              <a:t>{</a:t>
-            </a:r>
-          </a:p>
-          <a:p>
-            <a:pPr marL="0" indent="0">
-              <a:buNone/>
-            </a:pPr>
-            <a:r>
-              <a:rPr lang="en-US" dirty="0">
-                <a:solidFill>
-                  <a:srgbClr val="000000"/>
-                </a:solidFill>
-                <a:latin typeface="Consolas"/>
-              </a:rPr>
-              <a:t>  [</a:t>
-            </a:r>
-            <a:r>
-              <a:rPr lang="en-US" dirty="0" err="1">
-                <a:solidFill>
-                  <a:srgbClr val="000000"/>
-                </a:solidFill>
-                <a:latin typeface="Consolas"/>
-              </a:rPr>
-              <a:t>NonSerialized</a:t>
-            </a:r>
-            <a:r>
-              <a:rPr lang="en-US" dirty="0">
-                <a:solidFill>
-                  <a:srgbClr val="000000"/>
-                </a:solidFill>
-                <a:latin typeface="Consolas"/>
-              </a:rPr>
-              <a:t>]</a:t>
-            </a:r>
-          </a:p>
-          <a:p>
-            <a:pPr marL="0" indent="0">
-              <a:buNone/>
-            </a:pPr>
-            <a:r>
-              <a:rPr lang="en-US" dirty="0">
-                <a:solidFill>
-                  <a:srgbClr val="000000"/>
-                </a:solidFill>
-                <a:latin typeface="Consolas"/>
-              </a:rPr>
-              <a:t>  </a:t>
-            </a:r>
-            <a:r>
-              <a:rPr lang="en-US" dirty="0">
-                <a:solidFill>
-                  <a:srgbClr val="0000FF"/>
-                </a:solidFill>
-                <a:latin typeface="Consolas"/>
-              </a:rPr>
-              <a:t>double</a:t>
-            </a:r>
-            <a:r>
-              <a:rPr lang="en-US" dirty="0">
-                <a:solidFill>
-                  <a:srgbClr val="000000"/>
-                </a:solidFill>
-                <a:latin typeface="Consolas"/>
-              </a:rPr>
-              <a:t> </a:t>
-            </a:r>
-            <a:r>
-              <a:rPr lang="en-US" dirty="0" smtClean="0">
-                <a:solidFill>
-                  <a:srgbClr val="000000"/>
-                </a:solidFill>
-                <a:latin typeface="Consolas"/>
-              </a:rPr>
-              <a:t>speed</a:t>
-            </a:r>
-            <a:r>
-              <a:rPr lang="en-US" dirty="0">
-                <a:solidFill>
-                  <a:srgbClr val="000000"/>
-                </a:solidFill>
-                <a:latin typeface="Consolas"/>
-              </a:rPr>
-              <a:t>;</a:t>
-            </a:r>
-          </a:p>
-          <a:p>
-            <a:pPr marL="0" indent="0">
-              <a:buNone/>
-            </a:pPr>
-            <a:r>
-              <a:rPr lang="en-US" dirty="0" smtClean="0">
-                <a:solidFill>
-                  <a:srgbClr val="0000FF"/>
-                </a:solidFill>
-                <a:latin typeface="Consolas"/>
-              </a:rPr>
-              <a:t>  </a:t>
-            </a:r>
-            <a:r>
-              <a:rPr lang="en-US" dirty="0" err="1" smtClean="0">
-                <a:solidFill>
-                  <a:srgbClr val="0000FF"/>
-                </a:solidFill>
-                <a:latin typeface="Consolas"/>
-              </a:rPr>
-              <a:t>int</a:t>
-            </a:r>
-            <a:r>
-              <a:rPr lang="en-US" dirty="0" smtClean="0">
-                <a:solidFill>
-                  <a:srgbClr val="000000"/>
-                </a:solidFill>
-                <a:latin typeface="Consolas"/>
-              </a:rPr>
-              <a:t> </a:t>
-            </a:r>
-            <a:r>
-              <a:rPr lang="en-US" dirty="0" smtClean="0">
-                <a:solidFill>
-                  <a:srgbClr val="000000"/>
-                </a:solidFill>
-                <a:latin typeface="Consolas"/>
-              </a:rPr>
-              <a:t>length</a:t>
-            </a:r>
-            <a:r>
-              <a:rPr lang="en-US" dirty="0">
-                <a:solidFill>
-                  <a:srgbClr val="000000"/>
-                </a:solidFill>
-                <a:latin typeface="Consolas"/>
-              </a:rPr>
-              <a:t>;</a:t>
-            </a:r>
-          </a:p>
-          <a:p>
-            <a:pPr marL="0" indent="0">
-              <a:buNone/>
-            </a:pPr>
-            <a:r>
-              <a:rPr lang="en-US" dirty="0">
-                <a:solidFill>
-                  <a:srgbClr val="000000"/>
-                </a:solidFill>
-                <a:latin typeface="Consolas"/>
-              </a:rPr>
-              <a:t>  </a:t>
-            </a:r>
-            <a:r>
-              <a:rPr lang="en-US" dirty="0">
-                <a:solidFill>
-                  <a:srgbClr val="0000FF"/>
-                </a:solidFill>
-                <a:latin typeface="Consolas"/>
-              </a:rPr>
-              <a:t>string</a:t>
-            </a:r>
-            <a:r>
-              <a:rPr lang="en-US" dirty="0">
-                <a:solidFill>
-                  <a:srgbClr val="000000"/>
-                </a:solidFill>
-                <a:latin typeface="Consolas"/>
-              </a:rPr>
-              <a:t>[] </a:t>
-            </a:r>
-            <a:r>
-              <a:rPr lang="en-US" dirty="0" err="1" smtClean="0">
-                <a:solidFill>
-                  <a:srgbClr val="000000"/>
-                </a:solidFill>
-                <a:latin typeface="Consolas"/>
-              </a:rPr>
-              <a:t>travellers</a:t>
-            </a:r>
-            <a:r>
-              <a:rPr lang="en-US" dirty="0">
-                <a:solidFill>
-                  <a:srgbClr val="000000"/>
-                </a:solidFill>
-                <a:latin typeface="Consolas"/>
-              </a:rPr>
-              <a:t>;</a:t>
-            </a:r>
-          </a:p>
-          <a:p>
-            <a:pPr marL="0" indent="0">
-              <a:buNone/>
-            </a:pPr>
-            <a:r>
-              <a:rPr lang="en-US" dirty="0">
-                <a:solidFill>
-                  <a:srgbClr val="000000"/>
-                </a:solidFill>
-                <a:latin typeface="Consolas"/>
-              </a:rPr>
-              <a:t>  </a:t>
-            </a:r>
-          </a:p>
-          <a:p>
-            <a:pPr marL="0" indent="0">
-              <a:buNone/>
-            </a:pPr>
-            <a:r>
-              <a:rPr lang="en-US" dirty="0">
-                <a:solidFill>
-                  <a:srgbClr val="000000"/>
-                </a:solidFill>
-                <a:latin typeface="Consolas"/>
-              </a:rPr>
-              <a:t>  </a:t>
-            </a:r>
-            <a:r>
-              <a:rPr lang="en-US" dirty="0">
-                <a:solidFill>
-                  <a:srgbClr val="0000FF"/>
-                </a:solidFill>
-                <a:latin typeface="Consolas"/>
-              </a:rPr>
-              <a:t>public</a:t>
-            </a:r>
-            <a:r>
-              <a:rPr lang="en-US" dirty="0">
-                <a:solidFill>
-                  <a:srgbClr val="000000"/>
-                </a:solidFill>
-                <a:latin typeface="Consolas"/>
-              </a:rPr>
-              <a:t> Train(</a:t>
-            </a:r>
-            <a:r>
-              <a:rPr lang="en-US" dirty="0">
-                <a:solidFill>
-                  <a:srgbClr val="0000FF"/>
-                </a:solidFill>
-                <a:latin typeface="Consolas"/>
-              </a:rPr>
-              <a:t>double</a:t>
-            </a:r>
-            <a:r>
-              <a:rPr lang="en-US" dirty="0">
-                <a:solidFill>
-                  <a:srgbClr val="000000"/>
-                </a:solidFill>
-                <a:latin typeface="Consolas"/>
-              </a:rPr>
-              <a:t> speed, </a:t>
-            </a:r>
-            <a:r>
-              <a:rPr lang="en-US" dirty="0" err="1">
-                <a:solidFill>
-                  <a:srgbClr val="0000FF"/>
-                </a:solidFill>
-                <a:latin typeface="Consolas"/>
-              </a:rPr>
-              <a:t>int</a:t>
-            </a:r>
-            <a:r>
-              <a:rPr lang="en-US" dirty="0">
-                <a:solidFill>
-                  <a:srgbClr val="000000"/>
-                </a:solidFill>
-                <a:latin typeface="Consolas"/>
-              </a:rPr>
-              <a:t> length, </a:t>
-            </a:r>
-            <a:r>
-              <a:rPr lang="en-US" dirty="0" err="1">
-                <a:solidFill>
-                  <a:srgbClr val="0000FF"/>
-                </a:solidFill>
-                <a:latin typeface="Consolas"/>
-              </a:rPr>
-              <a:t>params</a:t>
-            </a:r>
-            <a:r>
-              <a:rPr lang="en-US" dirty="0">
-                <a:solidFill>
-                  <a:srgbClr val="000000"/>
-                </a:solidFill>
-                <a:latin typeface="Consolas"/>
-              </a:rPr>
-              <a:t> </a:t>
-            </a:r>
-            <a:r>
-              <a:rPr lang="en-US" dirty="0">
-                <a:solidFill>
-                  <a:srgbClr val="0000FF"/>
-                </a:solidFill>
-                <a:latin typeface="Consolas"/>
-              </a:rPr>
-              <a:t>string</a:t>
-            </a:r>
-            <a:r>
-              <a:rPr lang="en-US" dirty="0">
-                <a:solidFill>
-                  <a:srgbClr val="000000"/>
-                </a:solidFill>
-                <a:latin typeface="Consolas"/>
-              </a:rPr>
-              <a:t>[] </a:t>
-            </a:r>
-            <a:r>
-              <a:rPr lang="en-US" dirty="0" err="1">
-                <a:solidFill>
-                  <a:srgbClr val="000000"/>
-                </a:solidFill>
-                <a:latin typeface="Consolas"/>
-              </a:rPr>
-              <a:t>travellers</a:t>
-            </a:r>
-            <a:r>
-              <a:rPr lang="en-US" dirty="0">
-                <a:solidFill>
-                  <a:srgbClr val="000000"/>
-                </a:solidFill>
-                <a:latin typeface="Consolas"/>
-              </a:rPr>
-              <a:t>)</a:t>
-            </a:r>
-          </a:p>
-          <a:p>
-            <a:pPr marL="0" indent="0">
-              <a:buNone/>
-            </a:pPr>
-            <a:r>
-              <a:rPr lang="en-US" dirty="0">
-                <a:solidFill>
-                  <a:srgbClr val="000000"/>
-                </a:solidFill>
-                <a:latin typeface="Consolas"/>
-              </a:rPr>
-              <a:t>  {</a:t>
-            </a:r>
-          </a:p>
-          <a:p>
-            <a:pPr marL="0" indent="0">
-              <a:buNone/>
-            </a:pPr>
-            <a:r>
-              <a:rPr lang="en-US" dirty="0">
-                <a:solidFill>
-                  <a:srgbClr val="000000"/>
-                </a:solidFill>
-                <a:latin typeface="Consolas"/>
-              </a:rPr>
-              <a:t>      </a:t>
-            </a:r>
-            <a:r>
-              <a:rPr lang="en-US" dirty="0" err="1">
-                <a:solidFill>
-                  <a:srgbClr val="0000FF"/>
-                </a:solidFill>
-                <a:latin typeface="Consolas"/>
-              </a:rPr>
-              <a:t>this</a:t>
-            </a:r>
-            <a:r>
-              <a:rPr lang="en-US" dirty="0" err="1" smtClean="0">
-                <a:solidFill>
-                  <a:srgbClr val="000000"/>
-                </a:solidFill>
-                <a:latin typeface="Consolas"/>
-              </a:rPr>
-              <a:t>.speed</a:t>
-            </a:r>
-            <a:r>
-              <a:rPr lang="en-US" dirty="0" smtClean="0">
-                <a:solidFill>
-                  <a:srgbClr val="000000"/>
-                </a:solidFill>
-                <a:latin typeface="Consolas"/>
-              </a:rPr>
-              <a:t> </a:t>
-            </a:r>
-            <a:r>
-              <a:rPr lang="en-US" dirty="0">
-                <a:solidFill>
-                  <a:srgbClr val="000000"/>
-                </a:solidFill>
-                <a:latin typeface="Consolas"/>
-              </a:rPr>
-              <a:t>= speed;</a:t>
-            </a:r>
-          </a:p>
-          <a:p>
-            <a:pPr marL="0" indent="0">
-              <a:buNone/>
-            </a:pPr>
-            <a:r>
-              <a:rPr lang="en-US" dirty="0">
-                <a:solidFill>
-                  <a:srgbClr val="000000"/>
-                </a:solidFill>
-                <a:latin typeface="Consolas"/>
-              </a:rPr>
-              <a:t>      </a:t>
-            </a:r>
-            <a:r>
-              <a:rPr lang="en-US" dirty="0" err="1">
-                <a:solidFill>
-                  <a:srgbClr val="0000FF"/>
-                </a:solidFill>
-                <a:latin typeface="Consolas"/>
-              </a:rPr>
-              <a:t>this</a:t>
-            </a:r>
-            <a:r>
-              <a:rPr lang="en-US" dirty="0" err="1">
-                <a:solidFill>
-                  <a:srgbClr val="000000"/>
-                </a:solidFill>
-                <a:latin typeface="Consolas"/>
-              </a:rPr>
-              <a:t>.length</a:t>
-            </a:r>
-            <a:r>
-              <a:rPr lang="en-US" dirty="0">
-                <a:solidFill>
-                  <a:srgbClr val="000000"/>
-                </a:solidFill>
-                <a:latin typeface="Consolas"/>
-              </a:rPr>
-              <a:t> </a:t>
-            </a:r>
-            <a:r>
-              <a:rPr lang="en-US" dirty="0">
-                <a:solidFill>
-                  <a:srgbClr val="000000"/>
-                </a:solidFill>
-                <a:latin typeface="Consolas"/>
-              </a:rPr>
-              <a:t>= length;</a:t>
-            </a:r>
-          </a:p>
-          <a:p>
-            <a:pPr marL="0" indent="0">
-              <a:buNone/>
-            </a:pPr>
-            <a:r>
-              <a:rPr lang="en-US" dirty="0">
-                <a:solidFill>
-                  <a:srgbClr val="000000"/>
-                </a:solidFill>
-                <a:latin typeface="Consolas"/>
-              </a:rPr>
-              <a:t>      </a:t>
-            </a:r>
-            <a:r>
-              <a:rPr lang="en-US" dirty="0" err="1">
-                <a:solidFill>
-                  <a:srgbClr val="0000FF"/>
-                </a:solidFill>
-                <a:latin typeface="Consolas"/>
-              </a:rPr>
-              <a:t>this</a:t>
-            </a:r>
-            <a:r>
-              <a:rPr lang="en-US" dirty="0" err="1">
-                <a:solidFill>
-                  <a:srgbClr val="000000"/>
-                </a:solidFill>
-                <a:latin typeface="Consolas"/>
-              </a:rPr>
-              <a:t>.travellers</a:t>
-            </a:r>
-            <a:r>
-              <a:rPr lang="en-US" dirty="0">
-                <a:solidFill>
-                  <a:srgbClr val="000000"/>
-                </a:solidFill>
-                <a:latin typeface="Consolas"/>
-              </a:rPr>
-              <a:t> </a:t>
-            </a:r>
-            <a:r>
-              <a:rPr lang="en-US" dirty="0">
-                <a:solidFill>
-                  <a:srgbClr val="000000"/>
-                </a:solidFill>
-                <a:latin typeface="Consolas"/>
-              </a:rPr>
-              <a:t>= </a:t>
-            </a:r>
-            <a:r>
-              <a:rPr lang="en-US" dirty="0" err="1">
-                <a:solidFill>
-                  <a:srgbClr val="000000"/>
-                </a:solidFill>
-                <a:latin typeface="Consolas"/>
-              </a:rPr>
-              <a:t>travellers</a:t>
-            </a:r>
-            <a:r>
-              <a:rPr lang="en-US" dirty="0">
-                <a:solidFill>
-                  <a:srgbClr val="000000"/>
-                </a:solidFill>
-                <a:latin typeface="Consolas"/>
-              </a:rPr>
-              <a:t>;</a:t>
-            </a:r>
-          </a:p>
-          <a:p>
-            <a:pPr marL="0" indent="0">
-              <a:buNone/>
-            </a:pPr>
-            <a:r>
-              <a:rPr lang="en-US" dirty="0">
-                <a:solidFill>
-                  <a:srgbClr val="000000"/>
-                </a:solidFill>
-                <a:latin typeface="Consolas"/>
-              </a:rPr>
-              <a:t>  }</a:t>
-            </a:r>
-          </a:p>
-          <a:p>
-            <a:pPr marL="0" indent="0">
-              <a:buNone/>
-            </a:pPr>
-            <a:r>
-              <a:rPr lang="ru-RU" dirty="0" smtClean="0">
-                <a:solidFill>
-                  <a:srgbClr val="0000FF"/>
-                </a:solidFill>
-                <a:latin typeface="Consolas"/>
-              </a:rPr>
-              <a:t>  </a:t>
-            </a:r>
-            <a:r>
-              <a:rPr lang="en-US" dirty="0" smtClean="0">
-                <a:solidFill>
-                  <a:srgbClr val="0000FF"/>
-                </a:solidFill>
-                <a:latin typeface="Consolas"/>
-              </a:rPr>
-              <a:t>public</a:t>
-            </a:r>
-            <a:r>
-              <a:rPr lang="en-US" dirty="0" smtClean="0">
-                <a:solidFill>
-                  <a:srgbClr val="000000"/>
-                </a:solidFill>
-                <a:latin typeface="Consolas"/>
-              </a:rPr>
-              <a:t> </a:t>
-            </a:r>
-            <a:r>
-              <a:rPr lang="en-US" dirty="0">
-                <a:solidFill>
-                  <a:srgbClr val="0000FF"/>
-                </a:solidFill>
-                <a:latin typeface="Consolas"/>
-              </a:rPr>
-              <a:t>void</a:t>
-            </a:r>
-            <a:r>
-              <a:rPr lang="en-US" dirty="0">
-                <a:solidFill>
-                  <a:srgbClr val="000000"/>
-                </a:solidFill>
-                <a:latin typeface="Consolas"/>
-              </a:rPr>
-              <a:t> Print()</a:t>
-            </a:r>
-          </a:p>
-          <a:p>
-            <a:pPr marL="0" indent="0">
-              <a:buNone/>
-            </a:pPr>
-            <a:r>
-              <a:rPr lang="en-US" dirty="0">
-                <a:solidFill>
-                  <a:srgbClr val="000000"/>
-                </a:solidFill>
-                <a:latin typeface="Consolas"/>
-              </a:rPr>
-              <a:t>  {</a:t>
-            </a:r>
-          </a:p>
-          <a:p>
-            <a:pPr marL="0" indent="0">
-              <a:buNone/>
-            </a:pPr>
-            <a:r>
-              <a:rPr lang="en-US" dirty="0">
-                <a:solidFill>
-                  <a:srgbClr val="000000"/>
-                </a:solidFill>
-                <a:latin typeface="Consolas"/>
-              </a:rPr>
-              <a:t>      </a:t>
-            </a:r>
-            <a:r>
-              <a:rPr lang="en-US" dirty="0" err="1">
-                <a:solidFill>
-                  <a:srgbClr val="000000"/>
-                </a:solidFill>
-                <a:latin typeface="Consolas"/>
-              </a:rPr>
-              <a:t>Console.WriteLine</a:t>
-            </a:r>
-            <a:r>
-              <a:rPr lang="en-US" dirty="0">
-                <a:solidFill>
-                  <a:srgbClr val="000000"/>
-                </a:solidFill>
-                <a:latin typeface="Consolas"/>
-              </a:rPr>
-              <a:t>(</a:t>
-            </a:r>
-            <a:r>
-              <a:rPr lang="en-US" dirty="0">
-                <a:solidFill>
-                  <a:srgbClr val="DC1414"/>
-                </a:solidFill>
-                <a:latin typeface="Consolas"/>
-              </a:rPr>
-              <a:t>"Speed: {0}"</a:t>
-            </a:r>
-            <a:r>
-              <a:rPr lang="en-US" dirty="0">
-                <a:solidFill>
-                  <a:srgbClr val="000000"/>
-                </a:solidFill>
-                <a:latin typeface="Consolas"/>
-              </a:rPr>
-              <a:t>, </a:t>
-            </a:r>
-            <a:r>
-              <a:rPr lang="en-US" dirty="0" smtClean="0">
-                <a:solidFill>
-                  <a:srgbClr val="000000"/>
-                </a:solidFill>
-                <a:latin typeface="Consolas"/>
-              </a:rPr>
-              <a:t>speed</a:t>
-            </a:r>
-            <a:r>
-              <a:rPr lang="en-US" dirty="0">
-                <a:solidFill>
-                  <a:srgbClr val="000000"/>
-                </a:solidFill>
-                <a:latin typeface="Consolas"/>
-              </a:rPr>
-              <a:t>);</a:t>
-            </a:r>
-          </a:p>
-          <a:p>
-            <a:pPr marL="0" indent="0">
-              <a:buNone/>
-            </a:pPr>
-            <a:r>
-              <a:rPr lang="en-US" dirty="0">
-                <a:solidFill>
-                  <a:srgbClr val="000000"/>
-                </a:solidFill>
-                <a:latin typeface="Consolas"/>
-              </a:rPr>
-              <a:t>      </a:t>
-            </a:r>
-            <a:r>
-              <a:rPr lang="en-US" dirty="0" err="1">
-                <a:solidFill>
-                  <a:srgbClr val="000000"/>
-                </a:solidFill>
-                <a:latin typeface="Consolas"/>
-              </a:rPr>
-              <a:t>Console.WriteLine</a:t>
-            </a:r>
-            <a:r>
-              <a:rPr lang="en-US" dirty="0">
-                <a:solidFill>
-                  <a:srgbClr val="000000"/>
-                </a:solidFill>
-                <a:latin typeface="Consolas"/>
-              </a:rPr>
-              <a:t>(</a:t>
-            </a:r>
-            <a:r>
-              <a:rPr lang="en-US" dirty="0">
-                <a:solidFill>
-                  <a:srgbClr val="DC1414"/>
-                </a:solidFill>
-                <a:latin typeface="Consolas"/>
-              </a:rPr>
-              <a:t>"Length : {0}"</a:t>
-            </a:r>
-            <a:r>
-              <a:rPr lang="en-US" dirty="0">
-                <a:solidFill>
-                  <a:srgbClr val="000000"/>
-                </a:solidFill>
-                <a:latin typeface="Consolas"/>
-              </a:rPr>
-              <a:t>, </a:t>
-            </a:r>
-            <a:r>
-              <a:rPr lang="en-US" dirty="0" smtClean="0">
-                <a:solidFill>
-                  <a:srgbClr val="000000"/>
-                </a:solidFill>
-                <a:latin typeface="Consolas"/>
-              </a:rPr>
-              <a:t>length</a:t>
-            </a:r>
-            <a:r>
-              <a:rPr lang="en-US" dirty="0">
-                <a:solidFill>
-                  <a:srgbClr val="000000"/>
-                </a:solidFill>
-                <a:latin typeface="Consolas"/>
-              </a:rPr>
-              <a:t>);</a:t>
-            </a:r>
-          </a:p>
-          <a:p>
-            <a:pPr marL="0" indent="0">
-              <a:buNone/>
-            </a:pPr>
-            <a:r>
-              <a:rPr lang="fr-FR" dirty="0">
-                <a:solidFill>
-                  <a:srgbClr val="000000"/>
-                </a:solidFill>
-                <a:latin typeface="Consolas"/>
-              </a:rPr>
-              <a:t>      </a:t>
-            </a:r>
-            <a:r>
-              <a:rPr lang="fr-FR" dirty="0" err="1">
-                <a:solidFill>
-                  <a:srgbClr val="000000"/>
-                </a:solidFill>
-                <a:latin typeface="Consolas"/>
-              </a:rPr>
-              <a:t>Console.WriteLine</a:t>
-            </a:r>
-            <a:r>
-              <a:rPr lang="fr-FR" dirty="0">
-                <a:solidFill>
-                  <a:srgbClr val="000000"/>
-                </a:solidFill>
-                <a:latin typeface="Consolas"/>
-              </a:rPr>
-              <a:t>(</a:t>
-            </a:r>
-            <a:r>
-              <a:rPr lang="fr-FR" dirty="0">
-                <a:solidFill>
-                  <a:srgbClr val="DC1414"/>
-                </a:solidFill>
-                <a:latin typeface="Consolas"/>
-              </a:rPr>
-              <a:t>"</a:t>
-            </a:r>
-            <a:r>
-              <a:rPr lang="fr-FR" dirty="0" err="1">
-                <a:solidFill>
-                  <a:srgbClr val="DC1414"/>
-                </a:solidFill>
-                <a:latin typeface="Consolas"/>
-              </a:rPr>
-              <a:t>Travellers</a:t>
-            </a:r>
-            <a:r>
-              <a:rPr lang="fr-FR" dirty="0">
-                <a:solidFill>
-                  <a:srgbClr val="DC1414"/>
-                </a:solidFill>
-                <a:latin typeface="Consolas"/>
-              </a:rPr>
-              <a:t>: {0}"</a:t>
-            </a:r>
-            <a:r>
-              <a:rPr lang="fr-FR" dirty="0">
-                <a:solidFill>
-                  <a:srgbClr val="000000"/>
-                </a:solidFill>
-                <a:latin typeface="Consolas"/>
-              </a:rPr>
-              <a:t>, </a:t>
-            </a:r>
-            <a:r>
-              <a:rPr lang="fr-FR" dirty="0" err="1">
-                <a:solidFill>
-                  <a:srgbClr val="000000"/>
-                </a:solidFill>
-                <a:latin typeface="Consolas"/>
-              </a:rPr>
-              <a:t>String.Join</a:t>
-            </a:r>
-            <a:r>
-              <a:rPr lang="fr-FR" dirty="0">
-                <a:solidFill>
-                  <a:srgbClr val="000000"/>
-                </a:solidFill>
-                <a:latin typeface="Consolas"/>
-              </a:rPr>
-              <a:t>(</a:t>
-            </a:r>
-            <a:r>
-              <a:rPr lang="fr-FR" dirty="0">
-                <a:solidFill>
-                  <a:srgbClr val="DC1414"/>
-                </a:solidFill>
-                <a:latin typeface="Consolas"/>
-              </a:rPr>
-              <a:t>"; "</a:t>
-            </a:r>
-            <a:r>
-              <a:rPr lang="fr-FR" dirty="0">
-                <a:solidFill>
-                  <a:srgbClr val="000000"/>
-                </a:solidFill>
-                <a:latin typeface="Consolas"/>
-              </a:rPr>
-              <a:t>, </a:t>
-            </a:r>
-            <a:r>
-              <a:rPr lang="fr-FR" dirty="0" err="1" smtClean="0">
-                <a:solidFill>
-                  <a:srgbClr val="000000"/>
-                </a:solidFill>
-                <a:latin typeface="Consolas"/>
-              </a:rPr>
-              <a:t>travellers</a:t>
-            </a:r>
-            <a:r>
-              <a:rPr lang="fr-FR" dirty="0">
-                <a:solidFill>
-                  <a:srgbClr val="000000"/>
-                </a:solidFill>
-                <a:latin typeface="Consolas"/>
-              </a:rPr>
-              <a:t>));</a:t>
-            </a:r>
-          </a:p>
-          <a:p>
-            <a:pPr marL="0" indent="0">
-              <a:buNone/>
-            </a:pPr>
-            <a:r>
-              <a:rPr lang="en-US" dirty="0">
-                <a:solidFill>
-                  <a:srgbClr val="000000"/>
-                </a:solidFill>
-                <a:latin typeface="Consolas"/>
-              </a:rPr>
-              <a:t>  }</a:t>
-            </a:r>
-          </a:p>
-          <a:p>
-            <a:pPr marL="0" indent="0">
-              <a:buNone/>
-            </a:pPr>
-            <a:r>
-              <a:rPr lang="en-US" dirty="0">
-                <a:solidFill>
-                  <a:srgbClr val="000000"/>
-                </a:solidFill>
-                <a:latin typeface="Consolas"/>
-              </a:rPr>
-              <a:t>}</a:t>
-            </a:r>
-          </a:p>
-          <a:p>
-            <a:pPr marL="0" indent="0">
-              <a:buNone/>
-            </a:pPr>
-            <a:r>
-              <a:rPr lang="en-US" dirty="0" smtClean="0">
-                <a:solidFill>
-                  <a:srgbClr val="0000FF"/>
-                </a:solidFill>
-                <a:latin typeface="Consolas"/>
-              </a:rPr>
-              <a:t>static</a:t>
-            </a:r>
-            <a:r>
-              <a:rPr lang="en-US" dirty="0" smtClean="0">
-                <a:solidFill>
-                  <a:srgbClr val="000000"/>
-                </a:solidFill>
-                <a:latin typeface="Consolas"/>
-              </a:rPr>
-              <a:t> </a:t>
-            </a:r>
-            <a:r>
-              <a:rPr lang="en-US" dirty="0">
-                <a:solidFill>
-                  <a:srgbClr val="0000FF"/>
-                </a:solidFill>
-                <a:latin typeface="Consolas"/>
-              </a:rPr>
-              <a:t>void</a:t>
-            </a:r>
-            <a:r>
-              <a:rPr lang="en-US" dirty="0">
-                <a:solidFill>
-                  <a:srgbClr val="000000"/>
-                </a:solidFill>
-                <a:latin typeface="Consolas"/>
-              </a:rPr>
-              <a:t> Main()</a:t>
-            </a:r>
-          </a:p>
-          <a:p>
-            <a:pPr marL="0" indent="0">
-              <a:buNone/>
-            </a:pPr>
-            <a:r>
-              <a:rPr lang="en-US" dirty="0">
-                <a:solidFill>
-                  <a:srgbClr val="000000"/>
-                </a:solidFill>
-                <a:latin typeface="Consolas"/>
-              </a:rPr>
-              <a:t>{</a:t>
-            </a:r>
-          </a:p>
-          <a:p>
-            <a:pPr marL="0" indent="0">
-              <a:buNone/>
-            </a:pPr>
-            <a:r>
-              <a:rPr lang="ru-RU" dirty="0" smtClean="0">
-                <a:solidFill>
-                  <a:srgbClr val="000000"/>
-                </a:solidFill>
-                <a:latin typeface="Consolas"/>
-              </a:rPr>
-              <a:t>    </a:t>
-            </a:r>
-            <a:r>
-              <a:rPr lang="fr-FR" dirty="0" smtClean="0">
-                <a:solidFill>
-                  <a:srgbClr val="000000"/>
-                </a:solidFill>
-                <a:latin typeface="Consolas"/>
-              </a:rPr>
-              <a:t>Train </a:t>
-            </a:r>
-            <a:r>
-              <a:rPr lang="fr-FR" dirty="0" err="1">
-                <a:solidFill>
-                  <a:srgbClr val="000000"/>
-                </a:solidFill>
-                <a:latin typeface="Consolas"/>
-              </a:rPr>
-              <a:t>train</a:t>
-            </a:r>
-            <a:r>
-              <a:rPr lang="fr-FR" dirty="0">
-                <a:solidFill>
-                  <a:srgbClr val="000000"/>
-                </a:solidFill>
-                <a:latin typeface="Consolas"/>
-              </a:rPr>
-              <a:t> = </a:t>
-            </a:r>
-            <a:r>
-              <a:rPr lang="fr-FR" dirty="0">
-                <a:solidFill>
-                  <a:srgbClr val="0000FF"/>
-                </a:solidFill>
-                <a:latin typeface="Consolas"/>
-              </a:rPr>
-              <a:t>new</a:t>
-            </a:r>
-            <a:r>
-              <a:rPr lang="fr-FR" dirty="0">
-                <a:solidFill>
-                  <a:srgbClr val="000000"/>
-                </a:solidFill>
-                <a:latin typeface="Consolas"/>
-              </a:rPr>
-              <a:t> Train(</a:t>
-            </a:r>
-            <a:r>
-              <a:rPr lang="fr-FR" dirty="0">
-                <a:solidFill>
-                  <a:srgbClr val="C81EFA"/>
-                </a:solidFill>
-                <a:latin typeface="Consolas"/>
-              </a:rPr>
-              <a:t>190.2</a:t>
-            </a:r>
-            <a:r>
-              <a:rPr lang="fr-FR" dirty="0">
-                <a:solidFill>
-                  <a:srgbClr val="000000"/>
-                </a:solidFill>
-                <a:latin typeface="Consolas"/>
-              </a:rPr>
-              <a:t>, </a:t>
-            </a:r>
-            <a:r>
-              <a:rPr lang="fr-FR" dirty="0">
-                <a:solidFill>
-                  <a:srgbClr val="C81EFA"/>
-                </a:solidFill>
-                <a:latin typeface="Consolas"/>
-              </a:rPr>
-              <a:t>8</a:t>
-            </a:r>
-            <a:r>
-              <a:rPr lang="fr-FR" dirty="0">
-                <a:solidFill>
-                  <a:srgbClr val="000000"/>
-                </a:solidFill>
-                <a:latin typeface="Consolas"/>
-              </a:rPr>
-              <a:t>, </a:t>
-            </a:r>
-            <a:r>
-              <a:rPr lang="fr-FR" dirty="0">
-                <a:solidFill>
-                  <a:srgbClr val="DC1414"/>
-                </a:solidFill>
-                <a:latin typeface="Consolas"/>
-              </a:rPr>
-              <a:t>"Ivanov"</a:t>
-            </a:r>
-            <a:r>
-              <a:rPr lang="fr-FR" dirty="0">
-                <a:solidFill>
-                  <a:srgbClr val="000000"/>
-                </a:solidFill>
-                <a:latin typeface="Consolas"/>
-              </a:rPr>
-              <a:t>, </a:t>
-            </a:r>
-            <a:r>
-              <a:rPr lang="fr-FR" dirty="0">
-                <a:solidFill>
-                  <a:srgbClr val="DC1414"/>
-                </a:solidFill>
-                <a:latin typeface="Consolas"/>
-              </a:rPr>
-              <a:t>"Petrov"</a:t>
-            </a:r>
-            <a:r>
-              <a:rPr lang="fr-FR" dirty="0">
-                <a:solidFill>
-                  <a:srgbClr val="000000"/>
-                </a:solidFill>
-                <a:latin typeface="Consolas"/>
-              </a:rPr>
-              <a:t>, </a:t>
-            </a:r>
-            <a:r>
-              <a:rPr lang="fr-FR" dirty="0">
-                <a:solidFill>
-                  <a:srgbClr val="DC1414"/>
-                </a:solidFill>
-                <a:latin typeface="Consolas"/>
-              </a:rPr>
-              <a:t>"</a:t>
-            </a:r>
-            <a:r>
-              <a:rPr lang="fr-FR" dirty="0" err="1">
-                <a:solidFill>
-                  <a:srgbClr val="DC1414"/>
-                </a:solidFill>
-                <a:latin typeface="Consolas"/>
-              </a:rPr>
-              <a:t>Sidorov</a:t>
-            </a:r>
-            <a:r>
-              <a:rPr lang="fr-FR" dirty="0">
-                <a:solidFill>
-                  <a:srgbClr val="DC1414"/>
-                </a:solidFill>
-                <a:latin typeface="Consolas"/>
-              </a:rPr>
-              <a:t>"</a:t>
-            </a:r>
-            <a:r>
-              <a:rPr lang="fr-FR" dirty="0">
-                <a:solidFill>
-                  <a:srgbClr val="000000"/>
-                </a:solidFill>
-                <a:latin typeface="Consolas"/>
-              </a:rPr>
-              <a:t>);</a:t>
-            </a:r>
-          </a:p>
-          <a:p>
-            <a:pPr marL="0" indent="0">
-              <a:buNone/>
-            </a:pPr>
-            <a:r>
-              <a:rPr lang="ru-RU" dirty="0" smtClean="0">
-                <a:solidFill>
-                  <a:srgbClr val="000000"/>
-                </a:solidFill>
-                <a:latin typeface="Consolas"/>
-              </a:rPr>
-              <a:t>    </a:t>
-            </a:r>
-            <a:r>
-              <a:rPr lang="en-US" dirty="0" err="1" smtClean="0">
-                <a:solidFill>
-                  <a:srgbClr val="000000"/>
-                </a:solidFill>
-                <a:latin typeface="Consolas"/>
-              </a:rPr>
-              <a:t>train.Print</a:t>
-            </a:r>
-            <a:r>
-              <a:rPr lang="en-US" dirty="0">
-                <a:solidFill>
-                  <a:srgbClr val="000000"/>
-                </a:solidFill>
-                <a:latin typeface="Consolas"/>
-              </a:rPr>
-              <a:t>();</a:t>
-            </a:r>
-          </a:p>
-          <a:p>
-            <a:pPr marL="0" indent="0">
-              <a:buNone/>
-            </a:pPr>
-            <a:r>
-              <a:rPr lang="ru-RU" dirty="0" smtClean="0">
-                <a:solidFill>
-                  <a:srgbClr val="0000FF"/>
-                </a:solidFill>
-                <a:latin typeface="Consolas"/>
-              </a:rPr>
-              <a:t>    </a:t>
-            </a:r>
-            <a:r>
-              <a:rPr lang="en-US" dirty="0" smtClean="0">
-                <a:solidFill>
-                  <a:srgbClr val="0000FF"/>
-                </a:solidFill>
-                <a:latin typeface="Consolas"/>
-              </a:rPr>
-              <a:t>string</a:t>
-            </a:r>
-            <a:r>
-              <a:rPr lang="en-US" dirty="0" smtClean="0">
-                <a:solidFill>
-                  <a:srgbClr val="000000"/>
-                </a:solidFill>
-                <a:latin typeface="Consolas"/>
-              </a:rPr>
-              <a:t> </a:t>
-            </a:r>
-            <a:r>
-              <a:rPr lang="en-US" dirty="0" err="1">
-                <a:solidFill>
-                  <a:srgbClr val="000000"/>
-                </a:solidFill>
-                <a:latin typeface="Consolas"/>
-              </a:rPr>
-              <a:t>tempFileName</a:t>
-            </a:r>
-            <a:r>
-              <a:rPr lang="en-US" dirty="0">
-                <a:solidFill>
-                  <a:srgbClr val="000000"/>
-                </a:solidFill>
-                <a:latin typeface="Consolas"/>
-              </a:rPr>
-              <a:t> = </a:t>
-            </a:r>
-            <a:r>
-              <a:rPr lang="en-US" dirty="0" err="1">
-                <a:solidFill>
-                  <a:srgbClr val="000000"/>
-                </a:solidFill>
-                <a:latin typeface="Consolas"/>
-              </a:rPr>
-              <a:t>Path.Combine</a:t>
-            </a:r>
-            <a:r>
-              <a:rPr lang="en-US" dirty="0">
-                <a:solidFill>
-                  <a:srgbClr val="000000"/>
-                </a:solidFill>
-                <a:latin typeface="Consolas"/>
-              </a:rPr>
-              <a:t>(</a:t>
-            </a:r>
-            <a:r>
-              <a:rPr lang="en-US" dirty="0" err="1">
-                <a:solidFill>
-                  <a:srgbClr val="000000"/>
-                </a:solidFill>
-                <a:latin typeface="Consolas"/>
-              </a:rPr>
-              <a:t>Path.GetTempPath</a:t>
-            </a:r>
-            <a:r>
-              <a:rPr lang="en-US" dirty="0">
-                <a:solidFill>
-                  <a:srgbClr val="000000"/>
-                </a:solidFill>
-                <a:latin typeface="Consolas"/>
-              </a:rPr>
-              <a:t>(), </a:t>
-            </a:r>
-            <a:r>
-              <a:rPr lang="en-US" dirty="0">
-                <a:solidFill>
-                  <a:srgbClr val="DC1414"/>
-                </a:solidFill>
-                <a:latin typeface="Consolas"/>
-              </a:rPr>
-              <a:t>"train.dat"</a:t>
-            </a:r>
-            <a:r>
-              <a:rPr lang="en-US" dirty="0">
-                <a:solidFill>
-                  <a:srgbClr val="000000"/>
-                </a:solidFill>
-                <a:latin typeface="Consolas"/>
-              </a:rPr>
-              <a:t>); </a:t>
-            </a:r>
-            <a:r>
-              <a:rPr lang="en-US" dirty="0" smtClean="0">
-                <a:solidFill>
-                  <a:srgbClr val="008000"/>
-                </a:solidFill>
-                <a:latin typeface="Consolas"/>
-              </a:rPr>
-              <a:t>//</a:t>
-            </a:r>
-            <a:r>
-              <a:rPr lang="ru-RU" dirty="0" smtClean="0">
-                <a:solidFill>
-                  <a:srgbClr val="008000"/>
-                </a:solidFill>
-                <a:latin typeface="Consolas"/>
-              </a:rPr>
-              <a:t> Будем работать с файлом в папке для временных файлов</a:t>
-            </a:r>
-            <a:endParaRPr lang="en-US" dirty="0">
-              <a:solidFill>
-                <a:srgbClr val="000000"/>
-              </a:solidFill>
-              <a:latin typeface="Consolas"/>
-            </a:endParaRPr>
-          </a:p>
-          <a:p>
-            <a:pPr marL="0" indent="0">
-              <a:buNone/>
-            </a:pPr>
-            <a:r>
-              <a:rPr lang="ru-RU" dirty="0" smtClean="0">
-                <a:solidFill>
-                  <a:srgbClr val="000000"/>
-                </a:solidFill>
-                <a:latin typeface="Consolas"/>
-              </a:rPr>
-              <a:t>    </a:t>
-            </a:r>
-            <a:r>
-              <a:rPr lang="en-US" dirty="0" err="1" smtClean="0">
-                <a:solidFill>
-                  <a:srgbClr val="000000"/>
-                </a:solidFill>
-                <a:latin typeface="Consolas"/>
-              </a:rPr>
-              <a:t>BinaryFormatter</a:t>
-            </a:r>
-            <a:r>
-              <a:rPr lang="en-US" dirty="0" smtClean="0">
-                <a:solidFill>
-                  <a:srgbClr val="000000"/>
-                </a:solidFill>
-                <a:latin typeface="Consolas"/>
-              </a:rPr>
-              <a:t> </a:t>
-            </a:r>
-            <a:r>
-              <a:rPr lang="en-US" dirty="0">
-                <a:solidFill>
-                  <a:srgbClr val="000000"/>
-                </a:solidFill>
-                <a:latin typeface="Consolas"/>
-              </a:rPr>
-              <a:t>bf = </a:t>
-            </a:r>
-            <a:r>
-              <a:rPr lang="en-US" dirty="0">
-                <a:solidFill>
-                  <a:srgbClr val="0000FF"/>
-                </a:solidFill>
-                <a:latin typeface="Consolas"/>
-              </a:rPr>
-              <a:t>new</a:t>
-            </a:r>
-            <a:r>
-              <a:rPr lang="en-US" dirty="0">
-                <a:solidFill>
-                  <a:srgbClr val="000000"/>
-                </a:solidFill>
-                <a:latin typeface="Consolas"/>
-              </a:rPr>
-              <a:t> </a:t>
-            </a:r>
-            <a:r>
-              <a:rPr lang="en-US" dirty="0" err="1">
-                <a:solidFill>
-                  <a:srgbClr val="000000"/>
-                </a:solidFill>
-                <a:latin typeface="Consolas"/>
-              </a:rPr>
-              <a:t>BinaryFormatter</a:t>
-            </a:r>
-            <a:r>
-              <a:rPr lang="en-US" dirty="0" smtClean="0">
-                <a:solidFill>
-                  <a:srgbClr val="000000"/>
-                </a:solidFill>
-                <a:latin typeface="Consolas"/>
-              </a:rPr>
-              <a:t>();</a:t>
-            </a:r>
-            <a:endParaRPr lang="ru-RU" dirty="0" smtClean="0">
-              <a:solidFill>
-                <a:srgbClr val="000000"/>
-              </a:solidFill>
-              <a:latin typeface="Consolas"/>
-            </a:endParaRPr>
-          </a:p>
-          <a:p>
-            <a:pPr marL="0" indent="0">
-              <a:buNone/>
-            </a:pPr>
-            <a:r>
-              <a:rPr lang="en-US" dirty="0" smtClean="0">
-                <a:solidFill>
-                  <a:srgbClr val="008000"/>
-                </a:solidFill>
-                <a:latin typeface="Consolas"/>
-              </a:rPr>
-              <a:t>    // </a:t>
-            </a:r>
-            <a:r>
-              <a:rPr lang="ru-RU" dirty="0">
-                <a:solidFill>
-                  <a:srgbClr val="008000"/>
-                </a:solidFill>
-                <a:latin typeface="Consolas"/>
-              </a:rPr>
-              <a:t>Выполняем сериализацию</a:t>
-            </a:r>
-            <a:endParaRPr lang="en-US" dirty="0">
-              <a:solidFill>
-                <a:srgbClr val="008000"/>
-              </a:solidFill>
-              <a:latin typeface="Consolas"/>
-            </a:endParaRPr>
-          </a:p>
-          <a:p>
-            <a:pPr marL="0" indent="0">
-              <a:buNone/>
-            </a:pPr>
-            <a:r>
-              <a:rPr lang="ru-RU" dirty="0" smtClean="0">
-                <a:solidFill>
-                  <a:srgbClr val="0000FF"/>
-                </a:solidFill>
-                <a:latin typeface="Consolas"/>
-              </a:rPr>
-              <a:t>    </a:t>
-            </a:r>
-            <a:r>
-              <a:rPr lang="en-US" dirty="0" smtClean="0">
-                <a:solidFill>
-                  <a:srgbClr val="0000FF"/>
-                </a:solidFill>
-                <a:latin typeface="Consolas"/>
-              </a:rPr>
-              <a:t>using</a:t>
-            </a:r>
-            <a:r>
-              <a:rPr lang="en-US" dirty="0" smtClean="0">
-                <a:solidFill>
-                  <a:srgbClr val="000000"/>
-                </a:solidFill>
-                <a:latin typeface="Consolas"/>
-              </a:rPr>
-              <a:t> </a:t>
-            </a:r>
-            <a:r>
-              <a:rPr lang="en-US" dirty="0">
-                <a:solidFill>
-                  <a:srgbClr val="000000"/>
-                </a:solidFill>
-                <a:latin typeface="Consolas"/>
-              </a:rPr>
-              <a:t>(</a:t>
-            </a:r>
-            <a:r>
-              <a:rPr lang="en-US" dirty="0" err="1">
-                <a:solidFill>
-                  <a:srgbClr val="000000"/>
-                </a:solidFill>
-                <a:latin typeface="Consolas"/>
-              </a:rPr>
-              <a:t>FileStream</a:t>
-            </a:r>
-            <a:r>
-              <a:rPr lang="en-US" dirty="0">
-                <a:solidFill>
-                  <a:srgbClr val="000000"/>
-                </a:solidFill>
-                <a:latin typeface="Consolas"/>
-              </a:rPr>
-              <a:t> </a:t>
-            </a:r>
-            <a:r>
-              <a:rPr lang="en-US" dirty="0" err="1">
-                <a:solidFill>
-                  <a:srgbClr val="000000"/>
-                </a:solidFill>
-                <a:latin typeface="Consolas"/>
-              </a:rPr>
-              <a:t>fs</a:t>
-            </a:r>
-            <a:r>
-              <a:rPr lang="en-US" dirty="0">
-                <a:solidFill>
-                  <a:srgbClr val="000000"/>
-                </a:solidFill>
-                <a:latin typeface="Consolas"/>
-              </a:rPr>
-              <a:t> = </a:t>
-            </a:r>
-            <a:r>
-              <a:rPr lang="en-US" dirty="0" err="1">
-                <a:solidFill>
-                  <a:srgbClr val="000000"/>
-                </a:solidFill>
-                <a:latin typeface="Consolas"/>
-              </a:rPr>
-              <a:t>File.Open</a:t>
-            </a:r>
-            <a:r>
-              <a:rPr lang="en-US" dirty="0">
-                <a:solidFill>
-                  <a:srgbClr val="000000"/>
-                </a:solidFill>
-                <a:latin typeface="Consolas"/>
-              </a:rPr>
-              <a:t>(</a:t>
-            </a:r>
-            <a:r>
-              <a:rPr lang="en-US" dirty="0" err="1">
-                <a:solidFill>
-                  <a:srgbClr val="000000"/>
-                </a:solidFill>
-                <a:latin typeface="Consolas"/>
-              </a:rPr>
-              <a:t>tempFileName</a:t>
-            </a:r>
-            <a:r>
-              <a:rPr lang="en-US" dirty="0">
-                <a:solidFill>
-                  <a:srgbClr val="000000"/>
-                </a:solidFill>
-                <a:latin typeface="Consolas"/>
-              </a:rPr>
-              <a:t>, </a:t>
-            </a:r>
-            <a:r>
-              <a:rPr lang="en-US" dirty="0" err="1">
-                <a:solidFill>
-                  <a:srgbClr val="000000"/>
-                </a:solidFill>
-                <a:latin typeface="Consolas"/>
-              </a:rPr>
-              <a:t>FileMode.Create</a:t>
-            </a:r>
-            <a:r>
-              <a:rPr lang="en-US" dirty="0">
-                <a:solidFill>
-                  <a:srgbClr val="000000"/>
-                </a:solidFill>
-                <a:latin typeface="Consolas"/>
-              </a:rPr>
-              <a:t>))</a:t>
-            </a:r>
-          </a:p>
-          <a:p>
-            <a:pPr marL="0" indent="0">
-              <a:buNone/>
-            </a:pPr>
-            <a:r>
-              <a:rPr lang="ru-RU" dirty="0" smtClean="0">
-                <a:solidFill>
-                  <a:srgbClr val="000000"/>
-                </a:solidFill>
-                <a:latin typeface="Consolas"/>
-              </a:rPr>
-              <a:t>    </a:t>
-            </a:r>
-            <a:r>
-              <a:rPr lang="en-US" dirty="0" smtClean="0">
-                <a:solidFill>
-                  <a:srgbClr val="000000"/>
-                </a:solidFill>
-                <a:latin typeface="Consolas"/>
-              </a:rPr>
-              <a:t>{</a:t>
-            </a:r>
-            <a:endParaRPr lang="en-US" dirty="0">
-              <a:solidFill>
-                <a:srgbClr val="000000"/>
-              </a:solidFill>
-              <a:latin typeface="Consolas"/>
-            </a:endParaRPr>
-          </a:p>
-          <a:p>
-            <a:pPr marL="0" indent="0">
-              <a:buNone/>
-            </a:pPr>
-            <a:r>
-              <a:rPr lang="ru-RU" dirty="0" smtClean="0">
-                <a:solidFill>
-                  <a:srgbClr val="000000"/>
-                </a:solidFill>
-                <a:latin typeface="Consolas"/>
-              </a:rPr>
-              <a:t>        </a:t>
-            </a:r>
-            <a:r>
-              <a:rPr lang="en-US" dirty="0" err="1" smtClean="0">
-                <a:solidFill>
-                  <a:srgbClr val="000000"/>
-                </a:solidFill>
-                <a:latin typeface="Consolas"/>
-              </a:rPr>
-              <a:t>bf.Serialize</a:t>
-            </a:r>
-            <a:r>
-              <a:rPr lang="en-US" dirty="0" smtClean="0">
-                <a:solidFill>
-                  <a:srgbClr val="000000"/>
-                </a:solidFill>
-                <a:latin typeface="Consolas"/>
-              </a:rPr>
-              <a:t>(</a:t>
-            </a:r>
-            <a:r>
-              <a:rPr lang="en-US" dirty="0" err="1" smtClean="0">
-                <a:solidFill>
-                  <a:srgbClr val="000000"/>
-                </a:solidFill>
-                <a:latin typeface="Consolas"/>
-              </a:rPr>
-              <a:t>fs</a:t>
-            </a:r>
-            <a:r>
-              <a:rPr lang="en-US" dirty="0">
-                <a:solidFill>
-                  <a:srgbClr val="000000"/>
-                </a:solidFill>
-                <a:latin typeface="Consolas"/>
-              </a:rPr>
-              <a:t>, train);</a:t>
-            </a:r>
-          </a:p>
-          <a:p>
-            <a:pPr marL="0" indent="0">
-              <a:buNone/>
-            </a:pPr>
-            <a:r>
-              <a:rPr lang="ru-RU" dirty="0" smtClean="0">
-                <a:solidFill>
-                  <a:srgbClr val="000000"/>
-                </a:solidFill>
-                <a:latin typeface="Consolas"/>
-              </a:rPr>
-              <a:t>    </a:t>
-            </a:r>
-            <a:r>
-              <a:rPr lang="en-US" dirty="0" smtClean="0">
-                <a:solidFill>
-                  <a:srgbClr val="000000"/>
-                </a:solidFill>
-                <a:latin typeface="Consolas"/>
-              </a:rPr>
-              <a:t>}</a:t>
-            </a:r>
-            <a:endParaRPr lang="en-US" dirty="0">
-              <a:solidFill>
-                <a:srgbClr val="000000"/>
-              </a:solidFill>
-              <a:latin typeface="Consolas"/>
-            </a:endParaRPr>
-          </a:p>
-          <a:p>
-            <a:pPr marL="0" indent="0">
-              <a:buNone/>
-            </a:pPr>
-            <a:r>
-              <a:rPr lang="ru-RU" dirty="0" smtClean="0">
-                <a:solidFill>
-                  <a:srgbClr val="000000"/>
-                </a:solidFill>
-                <a:latin typeface="Consolas"/>
-              </a:rPr>
-              <a:t>    </a:t>
-            </a:r>
-            <a:r>
-              <a:rPr lang="en-US" dirty="0" err="1" smtClean="0">
-                <a:solidFill>
-                  <a:srgbClr val="000000"/>
-                </a:solidFill>
-                <a:latin typeface="Consolas"/>
-              </a:rPr>
-              <a:t>Console.WriteLine</a:t>
-            </a:r>
-            <a:r>
-              <a:rPr lang="en-US" dirty="0">
-                <a:solidFill>
-                  <a:srgbClr val="000000"/>
-                </a:solidFill>
-                <a:latin typeface="Consolas"/>
-              </a:rPr>
-              <a:t>();</a:t>
-            </a:r>
-          </a:p>
-          <a:p>
-            <a:pPr marL="0" indent="0">
-              <a:buNone/>
-            </a:pPr>
-            <a:r>
-              <a:rPr lang="ru-RU" dirty="0" smtClean="0">
-                <a:solidFill>
-                  <a:srgbClr val="008000"/>
-                </a:solidFill>
-                <a:latin typeface="Consolas"/>
-              </a:rPr>
-              <a:t>    </a:t>
-            </a:r>
-            <a:r>
-              <a:rPr lang="en-US" dirty="0" smtClean="0">
-                <a:solidFill>
-                  <a:srgbClr val="008000"/>
-                </a:solidFill>
-                <a:latin typeface="Consolas"/>
-              </a:rPr>
-              <a:t>// </a:t>
-            </a:r>
-            <a:r>
-              <a:rPr lang="ru-RU" dirty="0">
-                <a:solidFill>
-                  <a:srgbClr val="008000"/>
-                </a:solidFill>
-                <a:latin typeface="Consolas"/>
-              </a:rPr>
-              <a:t>Выполняем </a:t>
-            </a:r>
-            <a:r>
-              <a:rPr lang="ru-RU" dirty="0" smtClean="0">
-                <a:solidFill>
-                  <a:srgbClr val="008000"/>
-                </a:solidFill>
-                <a:latin typeface="Consolas"/>
-              </a:rPr>
-              <a:t>десериализацию</a:t>
-            </a:r>
-            <a:endParaRPr lang="en-US" dirty="0">
-              <a:solidFill>
-                <a:srgbClr val="000000"/>
-              </a:solidFill>
-              <a:latin typeface="Consolas"/>
-            </a:endParaRPr>
-          </a:p>
-          <a:p>
-            <a:pPr marL="0" indent="0">
-              <a:buNone/>
-            </a:pPr>
-            <a:r>
-              <a:rPr lang="ru-RU" dirty="0" smtClean="0">
-                <a:solidFill>
-                  <a:srgbClr val="0000FF"/>
-                </a:solidFill>
-                <a:latin typeface="Consolas"/>
-              </a:rPr>
-              <a:t>    </a:t>
-            </a:r>
-            <a:r>
-              <a:rPr lang="en-US" dirty="0" smtClean="0">
-                <a:solidFill>
-                  <a:srgbClr val="0000FF"/>
-                </a:solidFill>
-                <a:latin typeface="Consolas"/>
-              </a:rPr>
-              <a:t>using</a:t>
-            </a:r>
-            <a:r>
-              <a:rPr lang="en-US" dirty="0" smtClean="0">
-                <a:solidFill>
-                  <a:srgbClr val="000000"/>
-                </a:solidFill>
-                <a:latin typeface="Consolas"/>
-              </a:rPr>
-              <a:t> </a:t>
-            </a:r>
-            <a:r>
-              <a:rPr lang="en-US" dirty="0">
-                <a:solidFill>
-                  <a:srgbClr val="000000"/>
-                </a:solidFill>
-                <a:latin typeface="Consolas"/>
-              </a:rPr>
-              <a:t>(</a:t>
-            </a:r>
-            <a:r>
-              <a:rPr lang="en-US" dirty="0" err="1">
-                <a:solidFill>
-                  <a:srgbClr val="000000"/>
-                </a:solidFill>
-                <a:latin typeface="Consolas"/>
-              </a:rPr>
-              <a:t>FileStream</a:t>
-            </a:r>
-            <a:r>
-              <a:rPr lang="en-US" dirty="0">
-                <a:solidFill>
-                  <a:srgbClr val="000000"/>
-                </a:solidFill>
-                <a:latin typeface="Consolas"/>
-              </a:rPr>
-              <a:t> </a:t>
-            </a:r>
-            <a:r>
-              <a:rPr lang="en-US" dirty="0" err="1">
-                <a:solidFill>
-                  <a:srgbClr val="000000"/>
-                </a:solidFill>
-                <a:latin typeface="Consolas"/>
-              </a:rPr>
-              <a:t>fs</a:t>
-            </a:r>
-            <a:r>
-              <a:rPr lang="en-US" dirty="0">
-                <a:solidFill>
-                  <a:srgbClr val="000000"/>
-                </a:solidFill>
-                <a:latin typeface="Consolas"/>
-              </a:rPr>
-              <a:t> = </a:t>
-            </a:r>
-            <a:r>
-              <a:rPr lang="en-US" dirty="0" err="1">
-                <a:solidFill>
-                  <a:srgbClr val="000000"/>
-                </a:solidFill>
-                <a:latin typeface="Consolas"/>
-              </a:rPr>
-              <a:t>File.Open</a:t>
-            </a:r>
-            <a:r>
-              <a:rPr lang="en-US" dirty="0">
-                <a:solidFill>
-                  <a:srgbClr val="000000"/>
-                </a:solidFill>
-                <a:latin typeface="Consolas"/>
-              </a:rPr>
-              <a:t>(</a:t>
-            </a:r>
-            <a:r>
-              <a:rPr lang="en-US" dirty="0" err="1">
-                <a:solidFill>
-                  <a:srgbClr val="000000"/>
-                </a:solidFill>
-                <a:latin typeface="Consolas"/>
-              </a:rPr>
-              <a:t>tempFileName</a:t>
-            </a:r>
-            <a:r>
-              <a:rPr lang="en-US" dirty="0">
-                <a:solidFill>
-                  <a:srgbClr val="000000"/>
-                </a:solidFill>
-                <a:latin typeface="Consolas"/>
-              </a:rPr>
-              <a:t>, </a:t>
-            </a:r>
-            <a:r>
-              <a:rPr lang="en-US" dirty="0" err="1">
-                <a:solidFill>
-                  <a:srgbClr val="000000"/>
-                </a:solidFill>
-                <a:latin typeface="Consolas"/>
-              </a:rPr>
-              <a:t>FileMode.Open</a:t>
-            </a:r>
-            <a:r>
-              <a:rPr lang="en-US" dirty="0">
-                <a:solidFill>
-                  <a:srgbClr val="000000"/>
-                </a:solidFill>
-                <a:latin typeface="Consolas"/>
-              </a:rPr>
-              <a:t>))</a:t>
-            </a:r>
-          </a:p>
-          <a:p>
-            <a:pPr marL="0" indent="0">
-              <a:buNone/>
-            </a:pPr>
-            <a:r>
-              <a:rPr lang="ru-RU" dirty="0" smtClean="0">
-                <a:solidFill>
-                  <a:srgbClr val="000000"/>
-                </a:solidFill>
-                <a:latin typeface="Consolas"/>
-              </a:rPr>
-              <a:t>    </a:t>
-            </a:r>
-            <a:r>
-              <a:rPr lang="en-US" dirty="0" smtClean="0">
-                <a:solidFill>
-                  <a:srgbClr val="000000"/>
-                </a:solidFill>
-                <a:latin typeface="Consolas"/>
-              </a:rPr>
-              <a:t>{</a:t>
-            </a:r>
-            <a:endParaRPr lang="en-US" dirty="0">
-              <a:solidFill>
-                <a:srgbClr val="000000"/>
-              </a:solidFill>
-              <a:latin typeface="Consolas"/>
-            </a:endParaRPr>
-          </a:p>
-          <a:p>
-            <a:pPr marL="0" indent="0">
-              <a:buNone/>
-            </a:pPr>
-            <a:r>
-              <a:rPr lang="ru-RU" dirty="0" smtClean="0">
-                <a:solidFill>
-                  <a:srgbClr val="000000"/>
-                </a:solidFill>
-                <a:latin typeface="Consolas"/>
-              </a:rPr>
-              <a:t>        </a:t>
-            </a:r>
-            <a:r>
-              <a:rPr lang="en-US" dirty="0" smtClean="0">
-                <a:solidFill>
-                  <a:srgbClr val="000000"/>
-                </a:solidFill>
-                <a:latin typeface="Consolas"/>
-              </a:rPr>
-              <a:t>Train </a:t>
-            </a:r>
-            <a:r>
-              <a:rPr lang="en-US" dirty="0" err="1">
-                <a:solidFill>
-                  <a:srgbClr val="000000"/>
-                </a:solidFill>
-                <a:latin typeface="Consolas"/>
-              </a:rPr>
-              <a:t>someTrain</a:t>
-            </a:r>
-            <a:r>
-              <a:rPr lang="en-US" dirty="0">
-                <a:solidFill>
-                  <a:srgbClr val="000000"/>
-                </a:solidFill>
-                <a:latin typeface="Consolas"/>
-              </a:rPr>
-              <a:t> = (Train)</a:t>
-            </a:r>
-            <a:r>
-              <a:rPr lang="en-US" dirty="0" err="1">
-                <a:solidFill>
-                  <a:srgbClr val="000000"/>
-                </a:solidFill>
-                <a:latin typeface="Consolas"/>
-              </a:rPr>
-              <a:t>bf.Deserialize</a:t>
-            </a:r>
-            <a:r>
-              <a:rPr lang="en-US" dirty="0">
-                <a:solidFill>
-                  <a:srgbClr val="000000"/>
-                </a:solidFill>
-                <a:latin typeface="Consolas"/>
-              </a:rPr>
-              <a:t>(</a:t>
-            </a:r>
-            <a:r>
-              <a:rPr lang="en-US" dirty="0" err="1">
-                <a:solidFill>
-                  <a:srgbClr val="000000"/>
-                </a:solidFill>
-                <a:latin typeface="Consolas"/>
-              </a:rPr>
-              <a:t>fs</a:t>
-            </a:r>
-            <a:r>
-              <a:rPr lang="en-US" dirty="0">
-                <a:solidFill>
-                  <a:srgbClr val="000000"/>
-                </a:solidFill>
-                <a:latin typeface="Consolas"/>
-              </a:rPr>
-              <a:t>);</a:t>
-            </a:r>
-          </a:p>
-          <a:p>
-            <a:pPr marL="0" indent="0">
-              <a:buNone/>
-            </a:pPr>
-            <a:r>
-              <a:rPr lang="ru-RU" dirty="0" smtClean="0">
-                <a:solidFill>
-                  <a:srgbClr val="000000"/>
-                </a:solidFill>
-                <a:latin typeface="Consolas"/>
-              </a:rPr>
-              <a:t>        </a:t>
-            </a:r>
-            <a:r>
-              <a:rPr lang="en-US" dirty="0" err="1" smtClean="0">
-                <a:solidFill>
-                  <a:srgbClr val="000000"/>
-                </a:solidFill>
-                <a:latin typeface="Consolas"/>
-              </a:rPr>
-              <a:t>someTrain.Print</a:t>
-            </a:r>
-            <a:r>
-              <a:rPr lang="en-US" dirty="0">
-                <a:solidFill>
-                  <a:srgbClr val="000000"/>
-                </a:solidFill>
-                <a:latin typeface="Consolas"/>
-              </a:rPr>
-              <a:t>();</a:t>
-            </a:r>
-          </a:p>
-          <a:p>
-            <a:pPr marL="0" indent="0">
-              <a:buNone/>
-            </a:pPr>
-            <a:r>
-              <a:rPr lang="ru-RU" dirty="0" smtClean="0">
-                <a:solidFill>
-                  <a:srgbClr val="000000"/>
-                </a:solidFill>
-                <a:latin typeface="Consolas"/>
-              </a:rPr>
-              <a:t>    </a:t>
-            </a:r>
-            <a:r>
-              <a:rPr lang="en-US" dirty="0" smtClean="0">
-                <a:solidFill>
-                  <a:srgbClr val="000000"/>
-                </a:solidFill>
-                <a:latin typeface="Consolas"/>
-              </a:rPr>
-              <a:t>}</a:t>
-            </a:r>
-            <a:endParaRPr lang="en-US" dirty="0">
-              <a:solidFill>
-                <a:srgbClr val="000000"/>
-              </a:solidFill>
-              <a:latin typeface="Consolas"/>
-            </a:endParaRPr>
-          </a:p>
-          <a:p>
-            <a:pPr marL="0" indent="0">
-              <a:buNone/>
-            </a:pPr>
-            <a:r>
-              <a:rPr lang="ru-RU" dirty="0" smtClean="0">
-                <a:solidFill>
-                  <a:srgbClr val="008000"/>
-                </a:solidFill>
-                <a:latin typeface="Consolas"/>
-              </a:rPr>
-              <a:t>    </a:t>
-            </a:r>
-            <a:r>
-              <a:rPr lang="en-US" dirty="0" smtClean="0">
-                <a:solidFill>
-                  <a:srgbClr val="008000"/>
-                </a:solidFill>
-                <a:latin typeface="Consolas"/>
-              </a:rPr>
-              <a:t>// </a:t>
-            </a:r>
-            <a:r>
-              <a:rPr lang="ru-RU" dirty="0">
-                <a:solidFill>
-                  <a:srgbClr val="008000"/>
-                </a:solidFill>
-                <a:latin typeface="Consolas"/>
-              </a:rPr>
-              <a:t>Удаляем ненужный временный </a:t>
-            </a:r>
-            <a:r>
-              <a:rPr lang="ru-RU" dirty="0" smtClean="0">
-                <a:solidFill>
-                  <a:srgbClr val="008000"/>
-                </a:solidFill>
-                <a:latin typeface="Consolas"/>
-              </a:rPr>
-              <a:t>файл. В настоящем приложении файл может еще понадобиться.</a:t>
-            </a:r>
-            <a:endParaRPr lang="en-US" dirty="0">
-              <a:solidFill>
-                <a:srgbClr val="000000"/>
-              </a:solidFill>
-              <a:latin typeface="Consolas"/>
-            </a:endParaRPr>
-          </a:p>
-          <a:p>
-            <a:pPr marL="0" indent="0">
-              <a:buNone/>
-            </a:pPr>
-            <a:r>
-              <a:rPr lang="ru-RU" dirty="0" smtClean="0">
-                <a:solidFill>
-                  <a:srgbClr val="000000"/>
-                </a:solidFill>
-                <a:latin typeface="Consolas"/>
-              </a:rPr>
-              <a:t>    </a:t>
-            </a:r>
-            <a:r>
-              <a:rPr lang="en-US" dirty="0" err="1" smtClean="0">
-                <a:solidFill>
-                  <a:srgbClr val="000000"/>
-                </a:solidFill>
-                <a:latin typeface="Consolas"/>
-              </a:rPr>
-              <a:t>File.Delete</a:t>
-            </a:r>
-            <a:r>
-              <a:rPr lang="en-US" dirty="0" smtClean="0">
-                <a:solidFill>
-                  <a:srgbClr val="000000"/>
-                </a:solidFill>
-                <a:latin typeface="Consolas"/>
-              </a:rPr>
-              <a:t>(</a:t>
-            </a:r>
-            <a:r>
-              <a:rPr lang="en-US" dirty="0" err="1" smtClean="0">
-                <a:solidFill>
-                  <a:srgbClr val="000000"/>
-                </a:solidFill>
-                <a:latin typeface="Consolas"/>
-              </a:rPr>
-              <a:t>tempFileName</a:t>
-            </a:r>
-            <a:r>
-              <a:rPr lang="en-US" dirty="0" smtClean="0">
-                <a:solidFill>
-                  <a:srgbClr val="000000"/>
-                </a:solidFill>
-                <a:latin typeface="Consolas"/>
-              </a:rPr>
-              <a:t>);</a:t>
-            </a:r>
-            <a:r>
-              <a:rPr lang="ru-RU" dirty="0" smtClean="0">
-                <a:solidFill>
-                  <a:srgbClr val="000000"/>
-                </a:solidFill>
-                <a:latin typeface="Consolas"/>
-              </a:rPr>
-              <a:t> </a:t>
-            </a:r>
-            <a:endParaRPr lang="en-US" dirty="0">
-              <a:solidFill>
-                <a:srgbClr val="000000"/>
-              </a:solidFill>
-              <a:latin typeface="Consolas"/>
-            </a:endParaRPr>
-          </a:p>
-          <a:p>
-            <a:pPr marL="0" indent="0">
-              <a:buNone/>
-            </a:pPr>
-            <a:r>
-              <a:rPr lang="en-US" dirty="0">
-                <a:solidFill>
-                  <a:srgbClr val="000000"/>
-                </a:solidFill>
-                <a:latin typeface="Consolas"/>
-              </a:rPr>
-              <a:t>}</a:t>
-            </a:r>
-            <a:endParaRPr lang="en-US" dirty="0"/>
-          </a:p>
-        </p:txBody>
-      </p:sp>
-    </p:spTree>
-    <p:extLst>
-      <p:ext uri="{BB962C8B-B14F-4D97-AF65-F5344CB8AC3E}">
-        <p14:creationId xmlns:p14="http://schemas.microsoft.com/office/powerpoint/2010/main" val="848852780"/>
-      </p:ext>
-    </p:extLst>
-  </p:cSld>
-  <p:clrMapOvr>
-    <a:masterClrMapping/>
-  </p:clrMapOvr>
-  <p:timing>
-    <p:tnLst>
-      <p:par>
-        <p:cTn id="1" dur="indefinite" restart="never" nodeType="tmRoot"/>
-      </p:par>
-    </p:tnLst>
-  </p:timing>
-</p:sld>
-</file>
-
-<file path=ppt/slides/slide33.xml><?xml version="1.0" encoding="utf-8"?>
-<p:sld xmlns:a="http://schemas.openxmlformats.org/drawingml/2006/main" xmlns:r="http://schemas.openxmlformats.org/officeDocument/2006/relationships" xmlns:p="http://schemas.openxmlformats.org/presentationml/2006/main">
-  <p:cSld>
-    <p:bg>
-      <p:bgPr>
-        <a:blipFill dpi="0" rotWithShape="1">
-          <a:blip r:embed="rId2">
-            <a:lum/>
-          </a:blip>
-          <a:srcRect/>
-          <a:stretch>
-            <a:fillRect/>
-          </a:stretch>
-        </a:blipFill>
-        <a:effectLst/>
-      </p:bgPr>
-    </p:bg>
-    <p:spTree>
-      <p:nvGrpSpPr>
-        <p:cNvPr id="1" name=""/>
-        <p:cNvGrpSpPr/>
-        <p:nvPr/>
-      </p:nvGrpSpPr>
-      <p:grpSpPr>
-        <a:xfrm>
-          <a:off x="0" y="0"/>
-          <a:ext cx="0" cy="0"/>
-          <a:chOff x="0" y="0"/>
-          <a:chExt cx="0" cy="0"/>
-        </a:xfrm>
-      </p:grpSpPr>
-      <p:sp>
-        <p:nvSpPr>
-          <p:cNvPr id="2" name="Title 1"/>
-          <p:cNvSpPr>
-            <a:spLocks noGrp="1"/>
-          </p:cNvSpPr>
-          <p:nvPr>
-            <p:ph type="title"/>
-          </p:nvPr>
-        </p:nvSpPr>
-        <p:spPr>
-          <a:xfrm>
-            <a:off x="457200" y="188640"/>
-            <a:ext cx="8229600" cy="720080"/>
-          </a:xfrm>
-        </p:spPr>
-        <p:txBody>
-          <a:bodyPr>
-            <a:normAutofit/>
-          </a:bodyPr>
-          <a:lstStyle/>
-          <a:p>
-            <a:r>
-              <a:rPr lang="en-US" sz="2000" dirty="0" smtClean="0"/>
-              <a:t>XML</a:t>
-            </a:r>
-            <a:r>
-              <a:rPr lang="ru-RU" sz="2000" dirty="0" smtClean="0"/>
-              <a:t> сериализация (пример)</a:t>
-            </a:r>
-            <a:endParaRPr lang="en-US" sz="2000" dirty="0"/>
-          </a:p>
-        </p:txBody>
-      </p:sp>
-      <p:sp>
-        <p:nvSpPr>
-          <p:cNvPr id="3" name="Content Placeholder 2"/>
-          <p:cNvSpPr>
-            <a:spLocks noGrp="1"/>
-          </p:cNvSpPr>
-          <p:nvPr>
-            <p:ph idx="1"/>
-          </p:nvPr>
-        </p:nvSpPr>
-        <p:spPr>
-          <a:xfrm>
-            <a:off x="457200" y="836712"/>
-            <a:ext cx="8229600" cy="5938739"/>
-          </a:xfrm>
-          <a:solidFill>
-            <a:schemeClr val="bg1"/>
-          </a:solidFill>
-        </p:spPr>
-        <p:txBody>
-          <a:bodyPr>
-            <a:normAutofit fontScale="25000" lnSpcReduction="20000"/>
-          </a:bodyPr>
-          <a:lstStyle/>
-          <a:p>
-            <a:pPr marL="0" indent="0">
-              <a:buNone/>
-            </a:pPr>
-            <a:r>
-              <a:rPr lang="en-US" dirty="0">
-                <a:solidFill>
-                  <a:srgbClr val="0000FF"/>
-                </a:solidFill>
-                <a:latin typeface="Consolas"/>
-              </a:rPr>
-              <a:t>using</a:t>
-            </a:r>
-            <a:r>
-              <a:rPr lang="en-US" dirty="0">
-                <a:solidFill>
-                  <a:srgbClr val="000000"/>
-                </a:solidFill>
-                <a:latin typeface="Consolas"/>
-              </a:rPr>
-              <a:t> </a:t>
-            </a:r>
-            <a:r>
-              <a:rPr lang="en-US" dirty="0" smtClean="0">
-                <a:solidFill>
-                  <a:srgbClr val="000000"/>
-                </a:solidFill>
-                <a:latin typeface="Consolas"/>
-              </a:rPr>
-              <a:t>System.IO;</a:t>
-            </a:r>
-          </a:p>
-          <a:p>
-            <a:pPr marL="0" indent="0">
-              <a:buNone/>
-            </a:pPr>
-            <a:r>
-              <a:rPr lang="en-US" dirty="0">
-                <a:solidFill>
-                  <a:srgbClr val="0000FF"/>
-                </a:solidFill>
-                <a:latin typeface="Consolas"/>
-              </a:rPr>
-              <a:t>using</a:t>
-            </a:r>
-            <a:r>
-              <a:rPr lang="en-US" dirty="0">
-                <a:solidFill>
-                  <a:srgbClr val="000000"/>
-                </a:solidFill>
-                <a:latin typeface="Consolas"/>
-              </a:rPr>
-              <a:t> </a:t>
-            </a:r>
-            <a:r>
-              <a:rPr lang="en-US" dirty="0" err="1">
-                <a:solidFill>
-                  <a:srgbClr val="000000"/>
-                </a:solidFill>
-                <a:latin typeface="Consolas"/>
-              </a:rPr>
-              <a:t>System.Xml.Serialization</a:t>
-            </a:r>
-            <a:r>
-              <a:rPr lang="en-US" dirty="0">
-                <a:solidFill>
-                  <a:srgbClr val="000000"/>
-                </a:solidFill>
-                <a:latin typeface="Consolas"/>
-              </a:rPr>
-              <a:t>;</a:t>
-            </a:r>
-            <a:endParaRPr lang="ru-RU" dirty="0" smtClean="0">
-              <a:solidFill>
-                <a:srgbClr val="000000"/>
-              </a:solidFill>
-              <a:latin typeface="Consolas"/>
-            </a:endParaRPr>
-          </a:p>
-          <a:p>
-            <a:pPr marL="0" indent="0">
-              <a:buNone/>
-            </a:pPr>
-            <a:endParaRPr lang="ru-RU" dirty="0" smtClean="0">
-              <a:solidFill>
-                <a:srgbClr val="000000"/>
-              </a:solidFill>
-              <a:latin typeface="Consolas"/>
-            </a:endParaRPr>
-          </a:p>
-          <a:p>
-            <a:pPr marL="0" indent="0">
-              <a:buNone/>
-            </a:pPr>
-            <a:r>
-              <a:rPr lang="en-US" dirty="0" smtClean="0">
-                <a:solidFill>
-                  <a:srgbClr val="0000FF"/>
-                </a:solidFill>
-                <a:latin typeface="Consolas"/>
-              </a:rPr>
-              <a:t>public</a:t>
-            </a:r>
-            <a:r>
-              <a:rPr lang="en-US" dirty="0" smtClean="0">
-                <a:solidFill>
-                  <a:srgbClr val="000000"/>
-                </a:solidFill>
-                <a:latin typeface="Consolas"/>
-              </a:rPr>
-              <a:t> </a:t>
-            </a:r>
-            <a:r>
-              <a:rPr lang="en-US" dirty="0" smtClean="0">
-                <a:solidFill>
-                  <a:srgbClr val="0000FF"/>
-                </a:solidFill>
-                <a:latin typeface="Consolas"/>
-              </a:rPr>
-              <a:t>class</a:t>
-            </a:r>
-            <a:r>
-              <a:rPr lang="en-US" dirty="0" smtClean="0">
-                <a:solidFill>
-                  <a:srgbClr val="000000"/>
-                </a:solidFill>
-                <a:latin typeface="Consolas"/>
-              </a:rPr>
-              <a:t> Train</a:t>
-            </a:r>
-          </a:p>
-          <a:p>
-            <a:pPr marL="0" indent="0">
-              <a:buNone/>
-            </a:pPr>
-            <a:r>
-              <a:rPr lang="en-US" dirty="0" smtClean="0">
-                <a:solidFill>
-                  <a:srgbClr val="000000"/>
-                </a:solidFill>
-                <a:latin typeface="Consolas"/>
-              </a:rPr>
-              <a:t>{</a:t>
-            </a:r>
-          </a:p>
-          <a:p>
-            <a:pPr marL="0" indent="0">
-              <a:buNone/>
-            </a:pPr>
-            <a:r>
-              <a:rPr lang="en-US" dirty="0" smtClean="0">
-                <a:solidFill>
-                  <a:srgbClr val="000000"/>
-                </a:solidFill>
-                <a:latin typeface="Consolas"/>
-              </a:rPr>
-              <a:t>  [</a:t>
-            </a:r>
-            <a:r>
-              <a:rPr lang="en-US" dirty="0" err="1" smtClean="0">
-                <a:solidFill>
-                  <a:srgbClr val="000000"/>
-                </a:solidFill>
-                <a:latin typeface="Consolas"/>
-              </a:rPr>
-              <a:t>XmlIgnore</a:t>
-            </a:r>
-            <a:r>
-              <a:rPr lang="en-US" dirty="0" smtClean="0">
-                <a:solidFill>
-                  <a:srgbClr val="000000"/>
-                </a:solidFill>
-                <a:latin typeface="Consolas"/>
-              </a:rPr>
-              <a:t>]</a:t>
-            </a:r>
-          </a:p>
-          <a:p>
-            <a:pPr marL="0" indent="0">
-              <a:buNone/>
-            </a:pPr>
-            <a:r>
-              <a:rPr lang="en-US" dirty="0" smtClean="0">
-                <a:solidFill>
-                  <a:srgbClr val="000000"/>
-                </a:solidFill>
-                <a:latin typeface="Consolas"/>
-              </a:rPr>
-              <a:t>  </a:t>
-            </a:r>
-            <a:r>
-              <a:rPr lang="en-US" dirty="0" smtClean="0">
-                <a:solidFill>
-                  <a:srgbClr val="0000FF"/>
-                </a:solidFill>
-                <a:latin typeface="Consolas"/>
-              </a:rPr>
-              <a:t>public</a:t>
-            </a:r>
-            <a:r>
-              <a:rPr lang="en-US" dirty="0" smtClean="0">
-                <a:solidFill>
-                  <a:srgbClr val="000000"/>
-                </a:solidFill>
-                <a:latin typeface="Consolas"/>
-              </a:rPr>
-              <a:t> </a:t>
-            </a:r>
-            <a:r>
-              <a:rPr lang="en-US" dirty="0" smtClean="0">
-                <a:solidFill>
-                  <a:srgbClr val="0000FF"/>
-                </a:solidFill>
-                <a:latin typeface="Consolas"/>
-              </a:rPr>
-              <a:t>double</a:t>
-            </a:r>
-            <a:r>
-              <a:rPr lang="en-US" dirty="0" smtClean="0">
-                <a:solidFill>
-                  <a:srgbClr val="000000"/>
-                </a:solidFill>
-                <a:latin typeface="Consolas"/>
-              </a:rPr>
-              <a:t> Speed { </a:t>
-            </a:r>
-            <a:r>
-              <a:rPr lang="en-US" dirty="0" smtClean="0">
-                <a:solidFill>
-                  <a:srgbClr val="0000FF"/>
-                </a:solidFill>
-                <a:latin typeface="Consolas"/>
-              </a:rPr>
-              <a:t>get</a:t>
-            </a:r>
-            <a:r>
-              <a:rPr lang="en-US" dirty="0" smtClean="0">
-                <a:solidFill>
-                  <a:srgbClr val="000000"/>
-                </a:solidFill>
-                <a:latin typeface="Consolas"/>
-              </a:rPr>
-              <a:t>; </a:t>
-            </a:r>
-            <a:r>
-              <a:rPr lang="en-US" dirty="0" smtClean="0">
-                <a:solidFill>
-                  <a:srgbClr val="0000FF"/>
-                </a:solidFill>
-                <a:latin typeface="Consolas"/>
-              </a:rPr>
-              <a:t>set</a:t>
-            </a:r>
-            <a:r>
-              <a:rPr lang="en-US" dirty="0" smtClean="0">
-                <a:solidFill>
-                  <a:srgbClr val="000000"/>
-                </a:solidFill>
-                <a:latin typeface="Consolas"/>
-              </a:rPr>
-              <a:t>; }</a:t>
-            </a:r>
-          </a:p>
-          <a:p>
-            <a:pPr marL="0" indent="0">
-              <a:buNone/>
-            </a:pPr>
-            <a:r>
-              <a:rPr lang="en-US" dirty="0" smtClean="0">
-                <a:solidFill>
-                  <a:srgbClr val="000000"/>
-                </a:solidFill>
-                <a:latin typeface="Consolas"/>
-              </a:rPr>
-              <a:t>  </a:t>
-            </a:r>
-            <a:r>
-              <a:rPr lang="en-US" dirty="0" smtClean="0">
-                <a:solidFill>
-                  <a:srgbClr val="0000FF"/>
-                </a:solidFill>
-                <a:latin typeface="Consolas"/>
-              </a:rPr>
-              <a:t>public</a:t>
-            </a:r>
-            <a:r>
-              <a:rPr lang="en-US" dirty="0" smtClean="0">
-                <a:solidFill>
-                  <a:srgbClr val="000000"/>
-                </a:solidFill>
-                <a:latin typeface="Consolas"/>
-              </a:rPr>
-              <a:t> </a:t>
-            </a:r>
-            <a:r>
-              <a:rPr lang="en-US" dirty="0" err="1" smtClean="0">
-                <a:solidFill>
-                  <a:srgbClr val="0000FF"/>
-                </a:solidFill>
-                <a:latin typeface="Consolas"/>
-              </a:rPr>
-              <a:t>int</a:t>
-            </a:r>
-            <a:r>
-              <a:rPr lang="en-US" dirty="0" smtClean="0">
-                <a:solidFill>
-                  <a:srgbClr val="000000"/>
-                </a:solidFill>
-                <a:latin typeface="Consolas"/>
-              </a:rPr>
-              <a:t> Length { </a:t>
-            </a:r>
-            <a:r>
-              <a:rPr lang="en-US" dirty="0" smtClean="0">
-                <a:solidFill>
-                  <a:srgbClr val="0000FF"/>
-                </a:solidFill>
-                <a:latin typeface="Consolas"/>
-              </a:rPr>
-              <a:t>get</a:t>
-            </a:r>
-            <a:r>
-              <a:rPr lang="en-US" dirty="0" smtClean="0">
-                <a:solidFill>
-                  <a:srgbClr val="000000"/>
-                </a:solidFill>
-                <a:latin typeface="Consolas"/>
-              </a:rPr>
-              <a:t>; </a:t>
-            </a:r>
-            <a:r>
-              <a:rPr lang="en-US" dirty="0" smtClean="0">
-                <a:solidFill>
-                  <a:srgbClr val="0000FF"/>
-                </a:solidFill>
-                <a:latin typeface="Consolas"/>
-              </a:rPr>
-              <a:t>set</a:t>
-            </a:r>
-            <a:r>
-              <a:rPr lang="en-US" dirty="0" smtClean="0">
-                <a:solidFill>
-                  <a:srgbClr val="000000"/>
-                </a:solidFill>
-                <a:latin typeface="Consolas"/>
-              </a:rPr>
-              <a:t>; }</a:t>
-            </a:r>
-          </a:p>
-          <a:p>
-            <a:pPr marL="0" indent="0">
-              <a:buNone/>
-            </a:pPr>
-            <a:r>
-              <a:rPr lang="en-US" dirty="0" smtClean="0">
-                <a:solidFill>
-                  <a:srgbClr val="000000"/>
-                </a:solidFill>
-                <a:latin typeface="Consolas"/>
-              </a:rPr>
-              <a:t>  </a:t>
-            </a:r>
-            <a:r>
-              <a:rPr lang="en-US" dirty="0" smtClean="0">
-                <a:solidFill>
-                  <a:srgbClr val="0000FF"/>
-                </a:solidFill>
-                <a:latin typeface="Consolas"/>
-              </a:rPr>
-              <a:t>public</a:t>
-            </a:r>
-            <a:r>
-              <a:rPr lang="en-US" dirty="0" smtClean="0">
-                <a:solidFill>
-                  <a:srgbClr val="000000"/>
-                </a:solidFill>
-                <a:latin typeface="Consolas"/>
-              </a:rPr>
-              <a:t> </a:t>
-            </a:r>
-            <a:r>
-              <a:rPr lang="en-US" dirty="0" smtClean="0">
-                <a:solidFill>
-                  <a:srgbClr val="0000FF"/>
-                </a:solidFill>
-                <a:latin typeface="Consolas"/>
-              </a:rPr>
-              <a:t>string</a:t>
-            </a:r>
-            <a:r>
-              <a:rPr lang="en-US" dirty="0" smtClean="0">
-                <a:solidFill>
-                  <a:srgbClr val="000000"/>
-                </a:solidFill>
-                <a:latin typeface="Consolas"/>
-              </a:rPr>
-              <a:t>[] </a:t>
-            </a:r>
-            <a:r>
-              <a:rPr lang="en-US" dirty="0" err="1" smtClean="0">
-                <a:solidFill>
-                  <a:srgbClr val="000000"/>
-                </a:solidFill>
-                <a:latin typeface="Consolas"/>
-              </a:rPr>
-              <a:t>Travellers</a:t>
-            </a:r>
-            <a:r>
-              <a:rPr lang="en-US" dirty="0" smtClean="0">
-                <a:solidFill>
-                  <a:srgbClr val="000000"/>
-                </a:solidFill>
-                <a:latin typeface="Consolas"/>
-              </a:rPr>
-              <a:t> { </a:t>
-            </a:r>
-            <a:r>
-              <a:rPr lang="en-US" dirty="0" smtClean="0">
-                <a:solidFill>
-                  <a:srgbClr val="0000FF"/>
-                </a:solidFill>
-                <a:latin typeface="Consolas"/>
-              </a:rPr>
-              <a:t>get</a:t>
-            </a:r>
-            <a:r>
-              <a:rPr lang="en-US" dirty="0" smtClean="0">
-                <a:solidFill>
-                  <a:srgbClr val="000000"/>
-                </a:solidFill>
-                <a:latin typeface="Consolas"/>
-              </a:rPr>
-              <a:t>; </a:t>
-            </a:r>
-            <a:r>
-              <a:rPr lang="en-US" dirty="0" smtClean="0">
-                <a:solidFill>
-                  <a:srgbClr val="0000FF"/>
-                </a:solidFill>
-                <a:latin typeface="Consolas"/>
-              </a:rPr>
-              <a:t>set</a:t>
-            </a:r>
-            <a:r>
-              <a:rPr lang="en-US" dirty="0" smtClean="0">
-                <a:solidFill>
-                  <a:srgbClr val="000000"/>
-                </a:solidFill>
-                <a:latin typeface="Consolas"/>
-              </a:rPr>
-              <a:t>; }</a:t>
-            </a:r>
-          </a:p>
-          <a:p>
-            <a:pPr marL="0" indent="0">
-              <a:buNone/>
-            </a:pPr>
-            <a:r>
-              <a:rPr lang="en-US" dirty="0" smtClean="0">
-                <a:solidFill>
-                  <a:srgbClr val="000000"/>
-                </a:solidFill>
-                <a:latin typeface="Consolas"/>
-              </a:rPr>
-              <a:t>  </a:t>
-            </a:r>
-          </a:p>
-          <a:p>
-            <a:pPr marL="0" indent="0">
-              <a:buNone/>
-            </a:pPr>
-            <a:r>
-              <a:rPr lang="en-US" dirty="0" smtClean="0">
-                <a:solidFill>
-                  <a:srgbClr val="000000"/>
-                </a:solidFill>
-                <a:latin typeface="Consolas"/>
-              </a:rPr>
-              <a:t>  </a:t>
-            </a:r>
-            <a:r>
-              <a:rPr lang="en-US" dirty="0" smtClean="0">
-                <a:solidFill>
-                  <a:srgbClr val="0000FF"/>
-                </a:solidFill>
-                <a:latin typeface="Consolas"/>
-              </a:rPr>
-              <a:t>public</a:t>
-            </a:r>
-            <a:r>
-              <a:rPr lang="en-US" dirty="0" smtClean="0">
-                <a:solidFill>
-                  <a:srgbClr val="000000"/>
-                </a:solidFill>
-                <a:latin typeface="Consolas"/>
-              </a:rPr>
-              <a:t> Train() {} </a:t>
-            </a:r>
-            <a:r>
-              <a:rPr lang="en-US" dirty="0" smtClean="0">
-                <a:solidFill>
-                  <a:srgbClr val="008000"/>
-                </a:solidFill>
-                <a:latin typeface="Consolas"/>
-              </a:rPr>
-              <a:t>//</a:t>
-            </a:r>
-            <a:r>
-              <a:rPr lang="ru-RU" dirty="0" smtClean="0">
-                <a:solidFill>
-                  <a:srgbClr val="008000"/>
-                </a:solidFill>
-                <a:latin typeface="Consolas"/>
-              </a:rPr>
-              <a:t> Для XML сериализации требуется наличие конструктора без аргументов</a:t>
-            </a:r>
-            <a:endParaRPr lang="en-US" dirty="0" smtClean="0">
-              <a:solidFill>
-                <a:srgbClr val="000000"/>
-              </a:solidFill>
-              <a:latin typeface="Consolas"/>
-            </a:endParaRPr>
-          </a:p>
-          <a:p>
-            <a:pPr marL="0" indent="0">
-              <a:buNone/>
-            </a:pPr>
-            <a:r>
-              <a:rPr lang="en-US" dirty="0" smtClean="0">
-                <a:solidFill>
-                  <a:srgbClr val="000000"/>
-                </a:solidFill>
-                <a:latin typeface="Consolas"/>
-              </a:rPr>
-              <a:t>  </a:t>
-            </a:r>
-            <a:r>
-              <a:rPr lang="en-US" dirty="0" smtClean="0">
-                <a:solidFill>
-                  <a:srgbClr val="0000FF"/>
-                </a:solidFill>
-                <a:latin typeface="Consolas"/>
-              </a:rPr>
-              <a:t>public</a:t>
-            </a:r>
-            <a:r>
-              <a:rPr lang="en-US" dirty="0" smtClean="0">
-                <a:solidFill>
-                  <a:srgbClr val="000000"/>
-                </a:solidFill>
-                <a:latin typeface="Consolas"/>
-              </a:rPr>
-              <a:t> Train(</a:t>
-            </a:r>
-            <a:r>
-              <a:rPr lang="en-US" dirty="0" smtClean="0">
-                <a:solidFill>
-                  <a:srgbClr val="0000FF"/>
-                </a:solidFill>
-                <a:latin typeface="Consolas"/>
-              </a:rPr>
-              <a:t>double</a:t>
-            </a:r>
-            <a:r>
-              <a:rPr lang="en-US" dirty="0" smtClean="0">
-                <a:solidFill>
-                  <a:srgbClr val="000000"/>
-                </a:solidFill>
-                <a:latin typeface="Consolas"/>
-              </a:rPr>
-              <a:t> speed, </a:t>
-            </a:r>
-            <a:r>
-              <a:rPr lang="en-US" dirty="0" err="1" smtClean="0">
-                <a:solidFill>
-                  <a:srgbClr val="0000FF"/>
-                </a:solidFill>
-                <a:latin typeface="Consolas"/>
-              </a:rPr>
-              <a:t>int</a:t>
-            </a:r>
-            <a:r>
-              <a:rPr lang="en-US" dirty="0" smtClean="0">
-                <a:solidFill>
-                  <a:srgbClr val="000000"/>
-                </a:solidFill>
-                <a:latin typeface="Consolas"/>
-              </a:rPr>
-              <a:t> length, </a:t>
-            </a:r>
-            <a:r>
-              <a:rPr lang="en-US" dirty="0" err="1" smtClean="0">
-                <a:solidFill>
-                  <a:srgbClr val="0000FF"/>
-                </a:solidFill>
-                <a:latin typeface="Consolas"/>
-              </a:rPr>
-              <a:t>params</a:t>
-            </a:r>
-            <a:r>
-              <a:rPr lang="en-US" dirty="0" smtClean="0">
-                <a:solidFill>
-                  <a:srgbClr val="000000"/>
-                </a:solidFill>
-                <a:latin typeface="Consolas"/>
-              </a:rPr>
-              <a:t> </a:t>
-            </a:r>
-            <a:r>
-              <a:rPr lang="en-US" dirty="0" smtClean="0">
-                <a:solidFill>
-                  <a:srgbClr val="0000FF"/>
-                </a:solidFill>
-                <a:latin typeface="Consolas"/>
-              </a:rPr>
-              <a:t>string</a:t>
-            </a:r>
-            <a:r>
-              <a:rPr lang="en-US" dirty="0" smtClean="0">
-                <a:solidFill>
-                  <a:srgbClr val="000000"/>
-                </a:solidFill>
-                <a:latin typeface="Consolas"/>
-              </a:rPr>
-              <a:t>[] </a:t>
-            </a:r>
-            <a:r>
-              <a:rPr lang="en-US" dirty="0" err="1" smtClean="0">
-                <a:solidFill>
-                  <a:srgbClr val="000000"/>
-                </a:solidFill>
-                <a:latin typeface="Consolas"/>
-              </a:rPr>
-              <a:t>travellers</a:t>
-            </a:r>
-            <a:r>
-              <a:rPr lang="en-US" dirty="0" smtClean="0">
-                <a:solidFill>
-                  <a:srgbClr val="000000"/>
-                </a:solidFill>
-                <a:latin typeface="Consolas"/>
-              </a:rPr>
-              <a:t>)</a:t>
-            </a:r>
-          </a:p>
-          <a:p>
-            <a:pPr marL="0" indent="0">
-              <a:buNone/>
-            </a:pPr>
-            <a:r>
-              <a:rPr lang="en-US" dirty="0" smtClean="0">
-                <a:solidFill>
-                  <a:srgbClr val="000000"/>
-                </a:solidFill>
-                <a:latin typeface="Consolas"/>
-              </a:rPr>
-              <a:t>  {</a:t>
-            </a:r>
-          </a:p>
-          <a:p>
-            <a:pPr marL="0" indent="0">
-              <a:buNone/>
-            </a:pPr>
-            <a:r>
-              <a:rPr lang="en-US" dirty="0" smtClean="0">
-                <a:solidFill>
-                  <a:srgbClr val="000000"/>
-                </a:solidFill>
-                <a:latin typeface="Consolas"/>
-              </a:rPr>
-              <a:t>      Speed = speed;</a:t>
-            </a:r>
-          </a:p>
-          <a:p>
-            <a:pPr marL="0" indent="0">
-              <a:buNone/>
-            </a:pPr>
-            <a:r>
-              <a:rPr lang="en-US" dirty="0" smtClean="0">
-                <a:solidFill>
-                  <a:srgbClr val="000000"/>
-                </a:solidFill>
-                <a:latin typeface="Consolas"/>
-              </a:rPr>
-              <a:t>      Length = length;</a:t>
-            </a:r>
-          </a:p>
-          <a:p>
-            <a:pPr marL="0" indent="0">
-              <a:buNone/>
-            </a:pPr>
-            <a:r>
-              <a:rPr lang="en-US" dirty="0" smtClean="0">
-                <a:solidFill>
-                  <a:srgbClr val="000000"/>
-                </a:solidFill>
-                <a:latin typeface="Consolas"/>
-              </a:rPr>
-              <a:t>      </a:t>
-            </a:r>
-            <a:r>
-              <a:rPr lang="en-US" dirty="0" err="1" smtClean="0">
-                <a:solidFill>
-                  <a:srgbClr val="000000"/>
-                </a:solidFill>
-                <a:latin typeface="Consolas"/>
-              </a:rPr>
-              <a:t>Travellers</a:t>
-            </a:r>
-            <a:r>
-              <a:rPr lang="en-US" dirty="0" smtClean="0">
-                <a:solidFill>
-                  <a:srgbClr val="000000"/>
-                </a:solidFill>
-                <a:latin typeface="Consolas"/>
-              </a:rPr>
-              <a:t> = </a:t>
-            </a:r>
-            <a:r>
-              <a:rPr lang="en-US" dirty="0" err="1" smtClean="0">
-                <a:solidFill>
-                  <a:srgbClr val="000000"/>
-                </a:solidFill>
-                <a:latin typeface="Consolas"/>
-              </a:rPr>
-              <a:t>travellers</a:t>
-            </a:r>
-            <a:r>
-              <a:rPr lang="en-US" dirty="0" smtClean="0">
-                <a:solidFill>
-                  <a:srgbClr val="000000"/>
-                </a:solidFill>
-                <a:latin typeface="Consolas"/>
-              </a:rPr>
-              <a:t>;</a:t>
-            </a:r>
-          </a:p>
-          <a:p>
-            <a:pPr marL="0" indent="0">
-              <a:buNone/>
-            </a:pPr>
-            <a:r>
-              <a:rPr lang="en-US" dirty="0" smtClean="0">
-                <a:solidFill>
-                  <a:srgbClr val="000000"/>
-                </a:solidFill>
-                <a:latin typeface="Consolas"/>
-              </a:rPr>
-              <a:t>  }</a:t>
-            </a:r>
-          </a:p>
-          <a:p>
-            <a:pPr marL="0" indent="0">
-              <a:buNone/>
-            </a:pPr>
-            <a:r>
-              <a:rPr lang="en-US" dirty="0" smtClean="0">
-                <a:solidFill>
-                  <a:srgbClr val="000000"/>
-                </a:solidFill>
-                <a:latin typeface="Consolas"/>
-              </a:rPr>
-              <a:t>  </a:t>
-            </a:r>
-          </a:p>
-          <a:p>
-            <a:pPr marL="0" indent="0">
-              <a:buNone/>
-            </a:pPr>
-            <a:r>
-              <a:rPr lang="en-US" dirty="0" smtClean="0">
-                <a:solidFill>
-                  <a:srgbClr val="000000"/>
-                </a:solidFill>
-                <a:latin typeface="Consolas"/>
-              </a:rPr>
-              <a:t>  </a:t>
-            </a:r>
-            <a:r>
-              <a:rPr lang="en-US" dirty="0" smtClean="0">
-                <a:solidFill>
-                  <a:srgbClr val="0000FF"/>
-                </a:solidFill>
-                <a:latin typeface="Consolas"/>
-              </a:rPr>
-              <a:t>public</a:t>
-            </a:r>
-            <a:r>
-              <a:rPr lang="en-US" dirty="0" smtClean="0">
-                <a:solidFill>
-                  <a:srgbClr val="000000"/>
-                </a:solidFill>
-                <a:latin typeface="Consolas"/>
-              </a:rPr>
-              <a:t> </a:t>
-            </a:r>
-            <a:r>
-              <a:rPr lang="en-US" dirty="0" smtClean="0">
-                <a:solidFill>
-                  <a:srgbClr val="0000FF"/>
-                </a:solidFill>
-                <a:latin typeface="Consolas"/>
-              </a:rPr>
-              <a:t>void</a:t>
-            </a:r>
-            <a:r>
-              <a:rPr lang="en-US" dirty="0" smtClean="0">
-                <a:solidFill>
-                  <a:srgbClr val="000000"/>
-                </a:solidFill>
-                <a:latin typeface="Consolas"/>
-              </a:rPr>
-              <a:t> Print()</a:t>
-            </a:r>
-          </a:p>
-          <a:p>
-            <a:pPr marL="0" indent="0">
-              <a:buNone/>
-            </a:pPr>
-            <a:r>
-              <a:rPr lang="en-US" dirty="0" smtClean="0">
-                <a:solidFill>
-                  <a:srgbClr val="000000"/>
-                </a:solidFill>
-                <a:latin typeface="Consolas"/>
-              </a:rPr>
-              <a:t>  {</a:t>
-            </a:r>
-          </a:p>
-          <a:p>
-            <a:pPr marL="0" indent="0">
-              <a:buNone/>
-            </a:pPr>
-            <a:r>
-              <a:rPr lang="en-US" dirty="0" smtClean="0">
-                <a:solidFill>
-                  <a:srgbClr val="000000"/>
-                </a:solidFill>
-                <a:latin typeface="Consolas"/>
-              </a:rPr>
-              <a:t>      </a:t>
-            </a:r>
-            <a:r>
-              <a:rPr lang="en-US" dirty="0" err="1" smtClean="0">
-                <a:solidFill>
-                  <a:srgbClr val="000000"/>
-                </a:solidFill>
-                <a:latin typeface="Consolas"/>
-              </a:rPr>
-              <a:t>Console.WriteLine</a:t>
-            </a:r>
-            <a:r>
-              <a:rPr lang="en-US" dirty="0" smtClean="0">
-                <a:solidFill>
-                  <a:srgbClr val="000000"/>
-                </a:solidFill>
-                <a:latin typeface="Consolas"/>
-              </a:rPr>
-              <a:t>(</a:t>
-            </a:r>
-            <a:r>
-              <a:rPr lang="en-US" dirty="0" smtClean="0">
-                <a:solidFill>
-                  <a:srgbClr val="DC1414"/>
-                </a:solidFill>
-                <a:latin typeface="Consolas"/>
-              </a:rPr>
-              <a:t>"Speed: {0}"</a:t>
-            </a:r>
-            <a:r>
-              <a:rPr lang="en-US" dirty="0" smtClean="0">
-                <a:solidFill>
-                  <a:srgbClr val="000000"/>
-                </a:solidFill>
-                <a:latin typeface="Consolas"/>
-              </a:rPr>
-              <a:t>, Speed);</a:t>
-            </a:r>
-          </a:p>
-          <a:p>
-            <a:pPr marL="0" indent="0">
-              <a:buNone/>
-            </a:pPr>
-            <a:r>
-              <a:rPr lang="en-US" dirty="0" smtClean="0">
-                <a:solidFill>
-                  <a:srgbClr val="000000"/>
-                </a:solidFill>
-                <a:latin typeface="Consolas"/>
-              </a:rPr>
-              <a:t>      </a:t>
-            </a:r>
-            <a:r>
-              <a:rPr lang="en-US" dirty="0" err="1" smtClean="0">
-                <a:solidFill>
-                  <a:srgbClr val="000000"/>
-                </a:solidFill>
-                <a:latin typeface="Consolas"/>
-              </a:rPr>
-              <a:t>Console.WriteLine</a:t>
-            </a:r>
-            <a:r>
-              <a:rPr lang="en-US" dirty="0" smtClean="0">
-                <a:solidFill>
-                  <a:srgbClr val="000000"/>
-                </a:solidFill>
-                <a:latin typeface="Consolas"/>
-              </a:rPr>
-              <a:t>(</a:t>
-            </a:r>
-            <a:r>
-              <a:rPr lang="en-US" dirty="0" smtClean="0">
-                <a:solidFill>
-                  <a:srgbClr val="DC1414"/>
-                </a:solidFill>
-                <a:latin typeface="Consolas"/>
-              </a:rPr>
-              <a:t>"Length : {0}"</a:t>
-            </a:r>
-            <a:r>
-              <a:rPr lang="en-US" dirty="0" smtClean="0">
-                <a:solidFill>
-                  <a:srgbClr val="000000"/>
-                </a:solidFill>
-                <a:latin typeface="Consolas"/>
-              </a:rPr>
-              <a:t>, Length);</a:t>
-            </a:r>
-          </a:p>
-          <a:p>
-            <a:pPr marL="0" indent="0">
-              <a:buNone/>
-            </a:pPr>
-            <a:r>
-              <a:rPr lang="fr-FR" dirty="0" smtClean="0">
-                <a:solidFill>
-                  <a:srgbClr val="000000"/>
-                </a:solidFill>
-                <a:latin typeface="Consolas"/>
-              </a:rPr>
-              <a:t>      </a:t>
-            </a:r>
-            <a:r>
-              <a:rPr lang="fr-FR" dirty="0" err="1" smtClean="0">
-                <a:solidFill>
-                  <a:srgbClr val="000000"/>
-                </a:solidFill>
-                <a:latin typeface="Consolas"/>
-              </a:rPr>
-              <a:t>Console.WriteLine</a:t>
-            </a:r>
-            <a:r>
-              <a:rPr lang="fr-FR" dirty="0" smtClean="0">
-                <a:solidFill>
-                  <a:srgbClr val="000000"/>
-                </a:solidFill>
-                <a:latin typeface="Consolas"/>
-              </a:rPr>
-              <a:t>(</a:t>
-            </a:r>
-            <a:r>
-              <a:rPr lang="fr-FR" dirty="0" smtClean="0">
-                <a:solidFill>
-                  <a:srgbClr val="DC1414"/>
-                </a:solidFill>
-                <a:latin typeface="Consolas"/>
-              </a:rPr>
-              <a:t>"</a:t>
-            </a:r>
-            <a:r>
-              <a:rPr lang="fr-FR" dirty="0" err="1" smtClean="0">
-                <a:solidFill>
-                  <a:srgbClr val="DC1414"/>
-                </a:solidFill>
-                <a:latin typeface="Consolas"/>
-              </a:rPr>
-              <a:t>Travellers</a:t>
-            </a:r>
-            <a:r>
-              <a:rPr lang="fr-FR" dirty="0" smtClean="0">
-                <a:solidFill>
-                  <a:srgbClr val="DC1414"/>
-                </a:solidFill>
-                <a:latin typeface="Consolas"/>
-              </a:rPr>
-              <a:t>: {0}"</a:t>
-            </a:r>
-            <a:r>
-              <a:rPr lang="fr-FR" dirty="0" smtClean="0">
-                <a:solidFill>
-                  <a:srgbClr val="000000"/>
-                </a:solidFill>
-                <a:latin typeface="Consolas"/>
-              </a:rPr>
-              <a:t>, </a:t>
-            </a:r>
-            <a:r>
-              <a:rPr lang="fr-FR" dirty="0" err="1" smtClean="0">
-                <a:solidFill>
-                  <a:srgbClr val="000000"/>
-                </a:solidFill>
-                <a:latin typeface="Consolas"/>
-              </a:rPr>
-              <a:t>String.Join</a:t>
-            </a:r>
-            <a:r>
-              <a:rPr lang="fr-FR" dirty="0" smtClean="0">
-                <a:solidFill>
-                  <a:srgbClr val="000000"/>
-                </a:solidFill>
-                <a:latin typeface="Consolas"/>
-              </a:rPr>
-              <a:t>(</a:t>
-            </a:r>
-            <a:r>
-              <a:rPr lang="fr-FR" dirty="0" smtClean="0">
-                <a:solidFill>
-                  <a:srgbClr val="DC1414"/>
-                </a:solidFill>
-                <a:latin typeface="Consolas"/>
-              </a:rPr>
-              <a:t>"; "</a:t>
-            </a:r>
-            <a:r>
-              <a:rPr lang="fr-FR" dirty="0" smtClean="0">
-                <a:solidFill>
-                  <a:srgbClr val="000000"/>
-                </a:solidFill>
-                <a:latin typeface="Consolas"/>
-              </a:rPr>
-              <a:t>, </a:t>
-            </a:r>
-            <a:r>
-              <a:rPr lang="fr-FR" dirty="0" err="1" smtClean="0">
-                <a:solidFill>
-                  <a:srgbClr val="000000"/>
-                </a:solidFill>
-                <a:latin typeface="Consolas"/>
-              </a:rPr>
-              <a:t>Travellers</a:t>
-            </a:r>
-            <a:r>
-              <a:rPr lang="fr-FR" dirty="0" smtClean="0">
-                <a:solidFill>
-                  <a:srgbClr val="000000"/>
-                </a:solidFill>
-                <a:latin typeface="Consolas"/>
-              </a:rPr>
-              <a:t>));</a:t>
-            </a:r>
-          </a:p>
-          <a:p>
-            <a:pPr marL="0" indent="0">
-              <a:buNone/>
-            </a:pPr>
-            <a:r>
-              <a:rPr lang="en-US" dirty="0" smtClean="0">
-                <a:solidFill>
-                  <a:srgbClr val="000000"/>
-                </a:solidFill>
-                <a:latin typeface="Consolas"/>
-              </a:rPr>
-              <a:t>  }</a:t>
-            </a:r>
-          </a:p>
-          <a:p>
-            <a:pPr marL="0" indent="0">
-              <a:buNone/>
-            </a:pPr>
-            <a:r>
-              <a:rPr lang="en-US" dirty="0" smtClean="0">
-                <a:solidFill>
-                  <a:srgbClr val="000000"/>
-                </a:solidFill>
-                <a:latin typeface="Consolas"/>
-              </a:rPr>
-              <a:t>}</a:t>
-            </a:r>
-          </a:p>
-          <a:p>
-            <a:pPr marL="0" indent="0">
-              <a:buNone/>
-            </a:pPr>
-            <a:endParaRPr lang="en-US" dirty="0">
-              <a:solidFill>
-                <a:srgbClr val="000000"/>
-              </a:solidFill>
-              <a:latin typeface="Consolas"/>
-            </a:endParaRPr>
-          </a:p>
-          <a:p>
-            <a:pPr marL="0" indent="0">
-              <a:buNone/>
-            </a:pPr>
-            <a:r>
-              <a:rPr lang="en-US" dirty="0">
-                <a:solidFill>
-                  <a:srgbClr val="0000FF"/>
-                </a:solidFill>
-                <a:latin typeface="Consolas"/>
-              </a:rPr>
-              <a:t>static</a:t>
-            </a:r>
-            <a:r>
-              <a:rPr lang="en-US" dirty="0">
-                <a:solidFill>
-                  <a:srgbClr val="000000"/>
-                </a:solidFill>
-                <a:latin typeface="Consolas"/>
-              </a:rPr>
-              <a:t> </a:t>
-            </a:r>
-            <a:r>
-              <a:rPr lang="en-US" dirty="0">
-                <a:solidFill>
-                  <a:srgbClr val="0000FF"/>
-                </a:solidFill>
-                <a:latin typeface="Consolas"/>
-              </a:rPr>
-              <a:t>void</a:t>
-            </a:r>
-            <a:r>
-              <a:rPr lang="en-US" dirty="0">
-                <a:solidFill>
-                  <a:srgbClr val="000000"/>
-                </a:solidFill>
-                <a:latin typeface="Consolas"/>
-              </a:rPr>
-              <a:t> Main()</a:t>
-            </a:r>
-          </a:p>
-          <a:p>
-            <a:pPr marL="0" indent="0">
-              <a:buNone/>
-            </a:pPr>
-            <a:r>
-              <a:rPr lang="en-US" dirty="0">
-                <a:solidFill>
-                  <a:srgbClr val="000000"/>
-                </a:solidFill>
-                <a:latin typeface="Consolas"/>
-              </a:rPr>
-              <a:t>{</a:t>
-            </a:r>
-          </a:p>
-          <a:p>
-            <a:pPr marL="0" indent="0">
-              <a:buNone/>
-            </a:pPr>
-            <a:r>
-              <a:rPr lang="fr-FR" dirty="0" smtClean="0">
-                <a:solidFill>
-                  <a:srgbClr val="000000"/>
-                </a:solidFill>
-                <a:latin typeface="Consolas"/>
-              </a:rPr>
-              <a:t>    Train </a:t>
-            </a:r>
-            <a:r>
-              <a:rPr lang="fr-FR" dirty="0" err="1">
-                <a:solidFill>
-                  <a:srgbClr val="000000"/>
-                </a:solidFill>
-                <a:latin typeface="Consolas"/>
-              </a:rPr>
-              <a:t>train</a:t>
-            </a:r>
-            <a:r>
-              <a:rPr lang="fr-FR" dirty="0">
-                <a:solidFill>
-                  <a:srgbClr val="000000"/>
-                </a:solidFill>
-                <a:latin typeface="Consolas"/>
-              </a:rPr>
-              <a:t> = </a:t>
-            </a:r>
-            <a:r>
-              <a:rPr lang="fr-FR" dirty="0">
-                <a:solidFill>
-                  <a:srgbClr val="0000FF"/>
-                </a:solidFill>
-                <a:latin typeface="Consolas"/>
-              </a:rPr>
-              <a:t>new</a:t>
-            </a:r>
-            <a:r>
-              <a:rPr lang="fr-FR" dirty="0">
-                <a:solidFill>
-                  <a:srgbClr val="000000"/>
-                </a:solidFill>
-                <a:latin typeface="Consolas"/>
-              </a:rPr>
-              <a:t> Train(</a:t>
-            </a:r>
-            <a:r>
-              <a:rPr lang="fr-FR" dirty="0">
-                <a:solidFill>
-                  <a:srgbClr val="C81EFA"/>
-                </a:solidFill>
-                <a:latin typeface="Consolas"/>
-              </a:rPr>
-              <a:t>190.2</a:t>
-            </a:r>
-            <a:r>
-              <a:rPr lang="fr-FR" dirty="0">
-                <a:solidFill>
-                  <a:srgbClr val="000000"/>
-                </a:solidFill>
-                <a:latin typeface="Consolas"/>
-              </a:rPr>
-              <a:t>, </a:t>
-            </a:r>
-            <a:r>
-              <a:rPr lang="fr-FR" dirty="0">
-                <a:solidFill>
-                  <a:srgbClr val="C81EFA"/>
-                </a:solidFill>
-                <a:latin typeface="Consolas"/>
-              </a:rPr>
-              <a:t>8</a:t>
-            </a:r>
-            <a:r>
-              <a:rPr lang="fr-FR" dirty="0">
-                <a:solidFill>
-                  <a:srgbClr val="000000"/>
-                </a:solidFill>
-                <a:latin typeface="Consolas"/>
-              </a:rPr>
-              <a:t>, </a:t>
-            </a:r>
-            <a:r>
-              <a:rPr lang="fr-FR" dirty="0">
-                <a:solidFill>
-                  <a:srgbClr val="DC1414"/>
-                </a:solidFill>
-                <a:latin typeface="Consolas"/>
-              </a:rPr>
-              <a:t>"Ivanov"</a:t>
-            </a:r>
-            <a:r>
-              <a:rPr lang="fr-FR" dirty="0">
-                <a:solidFill>
-                  <a:srgbClr val="000000"/>
-                </a:solidFill>
-                <a:latin typeface="Consolas"/>
-              </a:rPr>
-              <a:t>, </a:t>
-            </a:r>
-            <a:r>
-              <a:rPr lang="fr-FR" dirty="0">
-                <a:solidFill>
-                  <a:srgbClr val="DC1414"/>
-                </a:solidFill>
-                <a:latin typeface="Consolas"/>
-              </a:rPr>
-              <a:t>"Petrov"</a:t>
-            </a:r>
-            <a:r>
-              <a:rPr lang="fr-FR" dirty="0">
-                <a:solidFill>
-                  <a:srgbClr val="000000"/>
-                </a:solidFill>
-                <a:latin typeface="Consolas"/>
-              </a:rPr>
-              <a:t>, </a:t>
-            </a:r>
-            <a:r>
-              <a:rPr lang="fr-FR" dirty="0">
-                <a:solidFill>
-                  <a:srgbClr val="DC1414"/>
-                </a:solidFill>
-                <a:latin typeface="Consolas"/>
-              </a:rPr>
-              <a:t>"</a:t>
-            </a:r>
-            <a:r>
-              <a:rPr lang="fr-FR" dirty="0" err="1">
-                <a:solidFill>
-                  <a:srgbClr val="DC1414"/>
-                </a:solidFill>
-                <a:latin typeface="Consolas"/>
-              </a:rPr>
-              <a:t>Sidorov</a:t>
-            </a:r>
-            <a:r>
-              <a:rPr lang="fr-FR" dirty="0">
-                <a:solidFill>
-                  <a:srgbClr val="DC1414"/>
-                </a:solidFill>
-                <a:latin typeface="Consolas"/>
-              </a:rPr>
-              <a:t>"</a:t>
-            </a:r>
-            <a:r>
-              <a:rPr lang="fr-FR" dirty="0">
-                <a:solidFill>
-                  <a:srgbClr val="000000"/>
-                </a:solidFill>
-                <a:latin typeface="Consolas"/>
-              </a:rPr>
-              <a:t>);</a:t>
-            </a:r>
-          </a:p>
-          <a:p>
-            <a:pPr marL="0" indent="0">
-              <a:buNone/>
-            </a:pPr>
-            <a:r>
-              <a:rPr lang="en-US" dirty="0" smtClean="0">
-                <a:solidFill>
-                  <a:srgbClr val="000000"/>
-                </a:solidFill>
-                <a:latin typeface="Consolas"/>
-              </a:rPr>
-              <a:t>    </a:t>
-            </a:r>
-            <a:r>
-              <a:rPr lang="en-US" dirty="0" err="1" smtClean="0">
-                <a:solidFill>
-                  <a:srgbClr val="000000"/>
-                </a:solidFill>
-                <a:latin typeface="Consolas"/>
-              </a:rPr>
-              <a:t>train.Print</a:t>
-            </a:r>
-            <a:r>
-              <a:rPr lang="en-US" dirty="0">
-                <a:solidFill>
-                  <a:srgbClr val="000000"/>
-                </a:solidFill>
-                <a:latin typeface="Consolas"/>
-              </a:rPr>
-              <a:t>();</a:t>
-            </a:r>
-          </a:p>
-          <a:p>
-            <a:pPr marL="0" indent="0">
-              <a:buNone/>
-            </a:pPr>
-            <a:endParaRPr lang="en-US" dirty="0">
-              <a:solidFill>
-                <a:srgbClr val="000000"/>
-              </a:solidFill>
-              <a:latin typeface="Consolas"/>
-            </a:endParaRPr>
-          </a:p>
-          <a:p>
-            <a:pPr marL="0" indent="0">
-              <a:buNone/>
-            </a:pPr>
-            <a:r>
-              <a:rPr lang="en-US" dirty="0" smtClean="0">
-                <a:solidFill>
-                  <a:srgbClr val="0000FF"/>
-                </a:solidFill>
-                <a:latin typeface="Consolas"/>
-              </a:rPr>
-              <a:t>    string</a:t>
-            </a:r>
-            <a:r>
-              <a:rPr lang="en-US" dirty="0" smtClean="0">
-                <a:solidFill>
-                  <a:srgbClr val="000000"/>
-                </a:solidFill>
-                <a:latin typeface="Consolas"/>
-              </a:rPr>
-              <a:t> </a:t>
-            </a:r>
-            <a:r>
-              <a:rPr lang="en-US" dirty="0" err="1">
-                <a:solidFill>
-                  <a:srgbClr val="000000"/>
-                </a:solidFill>
-                <a:latin typeface="Consolas"/>
-              </a:rPr>
-              <a:t>tempFileName</a:t>
-            </a:r>
-            <a:r>
-              <a:rPr lang="en-US" dirty="0">
-                <a:solidFill>
-                  <a:srgbClr val="000000"/>
-                </a:solidFill>
-                <a:latin typeface="Consolas"/>
-              </a:rPr>
-              <a:t> = </a:t>
-            </a:r>
-            <a:r>
-              <a:rPr lang="en-US" dirty="0" err="1">
-                <a:solidFill>
-                  <a:srgbClr val="000000"/>
-                </a:solidFill>
-                <a:latin typeface="Consolas"/>
-              </a:rPr>
-              <a:t>Path.Combine</a:t>
-            </a:r>
-            <a:r>
-              <a:rPr lang="en-US" dirty="0">
-                <a:solidFill>
-                  <a:srgbClr val="000000"/>
-                </a:solidFill>
-                <a:latin typeface="Consolas"/>
-              </a:rPr>
-              <a:t>(</a:t>
-            </a:r>
-            <a:r>
-              <a:rPr lang="en-US" dirty="0" err="1">
-                <a:solidFill>
-                  <a:srgbClr val="000000"/>
-                </a:solidFill>
-                <a:latin typeface="Consolas"/>
-              </a:rPr>
-              <a:t>Path.GetTempPath</a:t>
-            </a:r>
-            <a:r>
-              <a:rPr lang="en-US" dirty="0">
-                <a:solidFill>
-                  <a:srgbClr val="000000"/>
-                </a:solidFill>
-                <a:latin typeface="Consolas"/>
-              </a:rPr>
-              <a:t>(), </a:t>
-            </a:r>
-            <a:r>
-              <a:rPr lang="en-US" dirty="0">
-                <a:solidFill>
-                  <a:srgbClr val="DC1414"/>
-                </a:solidFill>
-                <a:latin typeface="Consolas"/>
-              </a:rPr>
-              <a:t>"train.xml"</a:t>
-            </a:r>
-            <a:r>
-              <a:rPr lang="en-US" dirty="0">
-                <a:solidFill>
-                  <a:srgbClr val="000000"/>
-                </a:solidFill>
-                <a:latin typeface="Consolas"/>
-              </a:rPr>
-              <a:t>); </a:t>
-            </a:r>
-            <a:r>
-              <a:rPr lang="en-US" dirty="0" smtClean="0">
-                <a:solidFill>
-                  <a:srgbClr val="008000"/>
-                </a:solidFill>
-                <a:latin typeface="Consolas"/>
-              </a:rPr>
-              <a:t>//</a:t>
-            </a:r>
-            <a:r>
-              <a:rPr lang="ru-RU" dirty="0">
-                <a:solidFill>
-                  <a:srgbClr val="008000"/>
-                </a:solidFill>
-                <a:latin typeface="Consolas"/>
-              </a:rPr>
-              <a:t> Будем работать с файлом в папке с временными файлами</a:t>
-            </a:r>
-            <a:endParaRPr lang="en-US" dirty="0">
-              <a:solidFill>
-                <a:srgbClr val="000000"/>
-              </a:solidFill>
-              <a:latin typeface="Consolas"/>
-            </a:endParaRPr>
-          </a:p>
-          <a:p>
-            <a:pPr marL="0" indent="0">
-              <a:buNone/>
-            </a:pPr>
-            <a:r>
-              <a:rPr lang="en-US" dirty="0" smtClean="0">
-                <a:solidFill>
-                  <a:srgbClr val="000000"/>
-                </a:solidFill>
-                <a:latin typeface="Consolas"/>
-              </a:rPr>
-              <a:t>    </a:t>
-            </a:r>
-            <a:r>
-              <a:rPr lang="en-US" dirty="0" err="1" smtClean="0">
-                <a:solidFill>
-                  <a:srgbClr val="000000"/>
-                </a:solidFill>
-                <a:latin typeface="Consolas"/>
-              </a:rPr>
-              <a:t>XmlSerializer</a:t>
-            </a:r>
-            <a:r>
-              <a:rPr lang="en-US" dirty="0" smtClean="0">
-                <a:solidFill>
-                  <a:srgbClr val="000000"/>
-                </a:solidFill>
-                <a:latin typeface="Consolas"/>
-              </a:rPr>
-              <a:t> </a:t>
-            </a:r>
-            <a:r>
-              <a:rPr lang="en-US" dirty="0" err="1">
-                <a:solidFill>
-                  <a:srgbClr val="000000"/>
-                </a:solidFill>
-                <a:latin typeface="Consolas"/>
-              </a:rPr>
-              <a:t>xmlSerializer</a:t>
-            </a:r>
-            <a:r>
-              <a:rPr lang="en-US" dirty="0">
-                <a:solidFill>
-                  <a:srgbClr val="000000"/>
-                </a:solidFill>
-                <a:latin typeface="Consolas"/>
-              </a:rPr>
-              <a:t> = </a:t>
-            </a:r>
-            <a:r>
-              <a:rPr lang="en-US" dirty="0">
-                <a:solidFill>
-                  <a:srgbClr val="0000FF"/>
-                </a:solidFill>
-                <a:latin typeface="Consolas"/>
-              </a:rPr>
-              <a:t>new</a:t>
-            </a:r>
-            <a:r>
-              <a:rPr lang="en-US" dirty="0">
-                <a:solidFill>
-                  <a:srgbClr val="000000"/>
-                </a:solidFill>
-                <a:latin typeface="Consolas"/>
-              </a:rPr>
-              <a:t> </a:t>
-            </a:r>
-            <a:r>
-              <a:rPr lang="en-US" dirty="0" err="1">
-                <a:solidFill>
-                  <a:srgbClr val="000000"/>
-                </a:solidFill>
-                <a:latin typeface="Consolas"/>
-              </a:rPr>
-              <a:t>XmlSerializer</a:t>
-            </a:r>
-            <a:r>
-              <a:rPr lang="en-US" dirty="0">
-                <a:solidFill>
-                  <a:srgbClr val="000000"/>
-                </a:solidFill>
-                <a:latin typeface="Consolas"/>
-              </a:rPr>
-              <a:t>(</a:t>
-            </a:r>
-            <a:r>
-              <a:rPr lang="en-US" dirty="0" err="1">
-                <a:solidFill>
-                  <a:srgbClr val="0000FF"/>
-                </a:solidFill>
-                <a:latin typeface="Consolas"/>
-              </a:rPr>
-              <a:t>typeof</a:t>
-            </a:r>
-            <a:r>
-              <a:rPr lang="en-US" dirty="0">
-                <a:solidFill>
-                  <a:srgbClr val="000000"/>
-                </a:solidFill>
-                <a:latin typeface="Consolas"/>
-              </a:rPr>
-              <a:t>(Train));</a:t>
-            </a:r>
-          </a:p>
-          <a:p>
-            <a:pPr marL="0" indent="0">
-              <a:buNone/>
-            </a:pPr>
-            <a:r>
-              <a:rPr lang="en-US" dirty="0" smtClean="0">
-                <a:solidFill>
-                  <a:srgbClr val="008000"/>
-                </a:solidFill>
-                <a:latin typeface="Consolas"/>
-              </a:rPr>
-              <a:t>    // </a:t>
-            </a:r>
-            <a:r>
-              <a:rPr lang="ru-RU" dirty="0">
-                <a:solidFill>
-                  <a:srgbClr val="008000"/>
-                </a:solidFill>
-                <a:latin typeface="Consolas"/>
-              </a:rPr>
-              <a:t>Выполняем сериализацию</a:t>
-            </a:r>
-            <a:endParaRPr lang="en-US" dirty="0">
-              <a:solidFill>
-                <a:srgbClr val="000000"/>
-              </a:solidFill>
-              <a:latin typeface="Consolas"/>
-            </a:endParaRPr>
-          </a:p>
-          <a:p>
-            <a:pPr marL="0" indent="0">
-              <a:buNone/>
-            </a:pPr>
-            <a:r>
-              <a:rPr lang="en-US" dirty="0" smtClean="0">
-                <a:solidFill>
-                  <a:srgbClr val="0000FF"/>
-                </a:solidFill>
-                <a:latin typeface="Consolas"/>
-              </a:rPr>
-              <a:t>    using</a:t>
-            </a:r>
-            <a:r>
-              <a:rPr lang="en-US" dirty="0" smtClean="0">
-                <a:solidFill>
-                  <a:srgbClr val="000000"/>
-                </a:solidFill>
-                <a:latin typeface="Consolas"/>
-              </a:rPr>
-              <a:t> </a:t>
-            </a:r>
-            <a:r>
-              <a:rPr lang="en-US" dirty="0">
-                <a:solidFill>
-                  <a:srgbClr val="000000"/>
-                </a:solidFill>
-                <a:latin typeface="Consolas"/>
-              </a:rPr>
-              <a:t>(</a:t>
-            </a:r>
-            <a:r>
-              <a:rPr lang="en-US" dirty="0" err="1">
-                <a:solidFill>
-                  <a:srgbClr val="000000"/>
-                </a:solidFill>
-                <a:latin typeface="Consolas"/>
-              </a:rPr>
-              <a:t>FileStream</a:t>
-            </a:r>
-            <a:r>
-              <a:rPr lang="en-US" dirty="0">
-                <a:solidFill>
-                  <a:srgbClr val="000000"/>
-                </a:solidFill>
-                <a:latin typeface="Consolas"/>
-              </a:rPr>
-              <a:t> </a:t>
-            </a:r>
-            <a:r>
-              <a:rPr lang="en-US" dirty="0" err="1">
-                <a:solidFill>
-                  <a:srgbClr val="000000"/>
-                </a:solidFill>
-                <a:latin typeface="Consolas"/>
-              </a:rPr>
-              <a:t>fs</a:t>
-            </a:r>
-            <a:r>
-              <a:rPr lang="en-US" dirty="0">
-                <a:solidFill>
-                  <a:srgbClr val="000000"/>
-                </a:solidFill>
-                <a:latin typeface="Consolas"/>
-              </a:rPr>
-              <a:t> = </a:t>
-            </a:r>
-            <a:r>
-              <a:rPr lang="en-US" dirty="0" err="1">
-                <a:solidFill>
-                  <a:srgbClr val="000000"/>
-                </a:solidFill>
-                <a:latin typeface="Consolas"/>
-              </a:rPr>
-              <a:t>File.Open</a:t>
-            </a:r>
-            <a:r>
-              <a:rPr lang="en-US" dirty="0">
-                <a:solidFill>
-                  <a:srgbClr val="000000"/>
-                </a:solidFill>
-                <a:latin typeface="Consolas"/>
-              </a:rPr>
-              <a:t>(</a:t>
-            </a:r>
-            <a:r>
-              <a:rPr lang="en-US" dirty="0" err="1">
-                <a:solidFill>
-                  <a:srgbClr val="000000"/>
-                </a:solidFill>
-                <a:latin typeface="Consolas"/>
-              </a:rPr>
-              <a:t>tempFileName</a:t>
-            </a:r>
-            <a:r>
-              <a:rPr lang="en-US" dirty="0">
-                <a:solidFill>
-                  <a:srgbClr val="000000"/>
-                </a:solidFill>
-                <a:latin typeface="Consolas"/>
-              </a:rPr>
-              <a:t>, </a:t>
-            </a:r>
-            <a:r>
-              <a:rPr lang="en-US" dirty="0" err="1">
-                <a:solidFill>
-                  <a:srgbClr val="000000"/>
-                </a:solidFill>
-                <a:latin typeface="Consolas"/>
-              </a:rPr>
-              <a:t>FileMode.Create</a:t>
-            </a:r>
-            <a:r>
-              <a:rPr lang="en-US" dirty="0">
-                <a:solidFill>
-                  <a:srgbClr val="000000"/>
-                </a:solidFill>
-                <a:latin typeface="Consolas"/>
-              </a:rPr>
-              <a:t>))</a:t>
-            </a:r>
-          </a:p>
-          <a:p>
-            <a:pPr marL="0" indent="0">
-              <a:buNone/>
-            </a:pPr>
-            <a:r>
-              <a:rPr lang="en-US" dirty="0" smtClean="0">
-                <a:solidFill>
-                  <a:srgbClr val="000000"/>
-                </a:solidFill>
-                <a:latin typeface="Consolas"/>
-              </a:rPr>
-              <a:t>    {</a:t>
-            </a:r>
-            <a:endParaRPr lang="en-US" dirty="0">
-              <a:solidFill>
-                <a:srgbClr val="000000"/>
-              </a:solidFill>
-              <a:latin typeface="Consolas"/>
-            </a:endParaRPr>
-          </a:p>
-          <a:p>
-            <a:pPr marL="0" indent="0">
-              <a:buNone/>
-            </a:pPr>
-            <a:r>
-              <a:rPr lang="en-US" dirty="0" smtClean="0">
-                <a:solidFill>
-                  <a:srgbClr val="000000"/>
-                </a:solidFill>
-                <a:latin typeface="Consolas"/>
-              </a:rPr>
-              <a:t>         </a:t>
-            </a:r>
-            <a:r>
-              <a:rPr lang="en-US" dirty="0" err="1" smtClean="0">
-                <a:solidFill>
-                  <a:srgbClr val="000000"/>
-                </a:solidFill>
-                <a:latin typeface="Consolas"/>
-              </a:rPr>
-              <a:t>xmlSerializer.Serialize</a:t>
-            </a:r>
-            <a:r>
-              <a:rPr lang="en-US" dirty="0" smtClean="0">
-                <a:solidFill>
-                  <a:srgbClr val="000000"/>
-                </a:solidFill>
-                <a:latin typeface="Consolas"/>
-              </a:rPr>
-              <a:t>(</a:t>
-            </a:r>
-            <a:r>
-              <a:rPr lang="en-US" dirty="0" err="1" smtClean="0">
-                <a:solidFill>
-                  <a:srgbClr val="000000"/>
-                </a:solidFill>
-                <a:latin typeface="Consolas"/>
-              </a:rPr>
-              <a:t>fs</a:t>
-            </a:r>
-            <a:r>
-              <a:rPr lang="en-US" dirty="0">
-                <a:solidFill>
-                  <a:srgbClr val="000000"/>
-                </a:solidFill>
-                <a:latin typeface="Consolas"/>
-              </a:rPr>
-              <a:t>, train);</a:t>
-            </a:r>
-          </a:p>
-          <a:p>
-            <a:pPr marL="0" indent="0">
-              <a:buNone/>
-            </a:pPr>
-            <a:r>
-              <a:rPr lang="en-US" dirty="0" smtClean="0">
-                <a:solidFill>
-                  <a:srgbClr val="000000"/>
-                </a:solidFill>
-                <a:latin typeface="Consolas"/>
-              </a:rPr>
-              <a:t>    }</a:t>
-            </a:r>
-            <a:endParaRPr lang="en-US" dirty="0">
-              <a:solidFill>
-                <a:srgbClr val="000000"/>
-              </a:solidFill>
-              <a:latin typeface="Consolas"/>
-            </a:endParaRPr>
-          </a:p>
-          <a:p>
-            <a:pPr marL="0" indent="0">
-              <a:buNone/>
-            </a:pPr>
-            <a:r>
-              <a:rPr lang="en-US" dirty="0" smtClean="0">
-                <a:solidFill>
-                  <a:srgbClr val="000000"/>
-                </a:solidFill>
-                <a:latin typeface="Consolas"/>
-              </a:rPr>
-              <a:t>    </a:t>
-            </a:r>
-            <a:r>
-              <a:rPr lang="en-US" dirty="0" err="1" smtClean="0">
-                <a:solidFill>
-                  <a:srgbClr val="000000"/>
-                </a:solidFill>
-                <a:latin typeface="Consolas"/>
-              </a:rPr>
-              <a:t>Console.WriteLine</a:t>
-            </a:r>
-            <a:r>
-              <a:rPr lang="en-US" dirty="0">
-                <a:solidFill>
-                  <a:srgbClr val="000000"/>
-                </a:solidFill>
-                <a:latin typeface="Consolas"/>
-              </a:rPr>
-              <a:t>(); </a:t>
-            </a:r>
-            <a:r>
-              <a:rPr lang="en-US" dirty="0" err="1">
-                <a:solidFill>
-                  <a:srgbClr val="000000"/>
-                </a:solidFill>
-                <a:latin typeface="Consolas"/>
-              </a:rPr>
-              <a:t>Console.WriteLine</a:t>
-            </a:r>
-            <a:r>
-              <a:rPr lang="en-US" dirty="0">
-                <a:solidFill>
-                  <a:srgbClr val="000000"/>
-                </a:solidFill>
-                <a:latin typeface="Consolas"/>
-              </a:rPr>
-              <a:t>(</a:t>
-            </a:r>
-            <a:r>
-              <a:rPr lang="en-US" dirty="0" err="1">
-                <a:solidFill>
-                  <a:srgbClr val="000000"/>
-                </a:solidFill>
-                <a:latin typeface="Consolas"/>
-              </a:rPr>
-              <a:t>File.ReadAllText</a:t>
-            </a:r>
-            <a:r>
-              <a:rPr lang="en-US" dirty="0">
-                <a:solidFill>
-                  <a:srgbClr val="000000"/>
-                </a:solidFill>
-                <a:latin typeface="Consolas"/>
-              </a:rPr>
-              <a:t>(</a:t>
-            </a:r>
-            <a:r>
-              <a:rPr lang="en-US" dirty="0" err="1">
-                <a:solidFill>
-                  <a:srgbClr val="000000"/>
-                </a:solidFill>
-                <a:latin typeface="Consolas"/>
-              </a:rPr>
-              <a:t>tempFileName</a:t>
-            </a:r>
-            <a:r>
-              <a:rPr lang="en-US" dirty="0">
-                <a:solidFill>
-                  <a:srgbClr val="000000"/>
-                </a:solidFill>
-                <a:latin typeface="Consolas"/>
-              </a:rPr>
-              <a:t>)); </a:t>
-            </a:r>
-            <a:r>
-              <a:rPr lang="en-US" dirty="0" err="1">
-                <a:solidFill>
-                  <a:srgbClr val="000000"/>
-                </a:solidFill>
-                <a:latin typeface="Consolas"/>
-              </a:rPr>
-              <a:t>Console.WriteLine</a:t>
-            </a:r>
-            <a:r>
-              <a:rPr lang="en-US" dirty="0">
-                <a:solidFill>
-                  <a:srgbClr val="000000"/>
-                </a:solidFill>
-                <a:latin typeface="Consolas"/>
-              </a:rPr>
-              <a:t>();</a:t>
-            </a:r>
-          </a:p>
-          <a:p>
-            <a:pPr marL="0" indent="0">
-              <a:buNone/>
-            </a:pPr>
-            <a:r>
-              <a:rPr lang="en-US" dirty="0" smtClean="0">
-                <a:solidFill>
-                  <a:srgbClr val="008000"/>
-                </a:solidFill>
-                <a:latin typeface="Consolas"/>
-              </a:rPr>
-              <a:t>    // </a:t>
-            </a:r>
-            <a:r>
-              <a:rPr lang="ru-RU" dirty="0">
-                <a:solidFill>
-                  <a:srgbClr val="008000"/>
-                </a:solidFill>
-                <a:latin typeface="Consolas"/>
-              </a:rPr>
-              <a:t>Выполняем десериализацию</a:t>
-            </a:r>
-            <a:endParaRPr lang="en-US" dirty="0">
-              <a:solidFill>
-                <a:srgbClr val="000000"/>
-              </a:solidFill>
-              <a:latin typeface="Consolas"/>
-            </a:endParaRPr>
-          </a:p>
-          <a:p>
-            <a:pPr marL="0" indent="0">
-              <a:buNone/>
-            </a:pPr>
-            <a:r>
-              <a:rPr lang="en-US" dirty="0" smtClean="0">
-                <a:solidFill>
-                  <a:srgbClr val="0000FF"/>
-                </a:solidFill>
-                <a:latin typeface="Consolas"/>
-              </a:rPr>
-              <a:t>    using</a:t>
-            </a:r>
-            <a:r>
-              <a:rPr lang="en-US" dirty="0" smtClean="0">
-                <a:solidFill>
-                  <a:srgbClr val="000000"/>
-                </a:solidFill>
-                <a:latin typeface="Consolas"/>
-              </a:rPr>
-              <a:t> </a:t>
-            </a:r>
-            <a:r>
-              <a:rPr lang="en-US" dirty="0">
-                <a:solidFill>
-                  <a:srgbClr val="000000"/>
-                </a:solidFill>
-                <a:latin typeface="Consolas"/>
-              </a:rPr>
-              <a:t>(</a:t>
-            </a:r>
-            <a:r>
-              <a:rPr lang="en-US" dirty="0" err="1">
-                <a:solidFill>
-                  <a:srgbClr val="000000"/>
-                </a:solidFill>
-                <a:latin typeface="Consolas"/>
-              </a:rPr>
-              <a:t>FileStream</a:t>
-            </a:r>
-            <a:r>
-              <a:rPr lang="en-US" dirty="0">
-                <a:solidFill>
-                  <a:srgbClr val="000000"/>
-                </a:solidFill>
-                <a:latin typeface="Consolas"/>
-              </a:rPr>
-              <a:t> </a:t>
-            </a:r>
-            <a:r>
-              <a:rPr lang="en-US" dirty="0" err="1">
-                <a:solidFill>
-                  <a:srgbClr val="000000"/>
-                </a:solidFill>
-                <a:latin typeface="Consolas"/>
-              </a:rPr>
-              <a:t>fs</a:t>
-            </a:r>
-            <a:r>
-              <a:rPr lang="en-US" dirty="0">
-                <a:solidFill>
-                  <a:srgbClr val="000000"/>
-                </a:solidFill>
-                <a:latin typeface="Consolas"/>
-              </a:rPr>
-              <a:t> = </a:t>
-            </a:r>
-            <a:r>
-              <a:rPr lang="en-US" dirty="0" err="1">
-                <a:solidFill>
-                  <a:srgbClr val="000000"/>
-                </a:solidFill>
-                <a:latin typeface="Consolas"/>
-              </a:rPr>
-              <a:t>File.Open</a:t>
-            </a:r>
-            <a:r>
-              <a:rPr lang="en-US" dirty="0">
-                <a:solidFill>
-                  <a:srgbClr val="000000"/>
-                </a:solidFill>
-                <a:latin typeface="Consolas"/>
-              </a:rPr>
-              <a:t>(</a:t>
-            </a:r>
-            <a:r>
-              <a:rPr lang="en-US" dirty="0" err="1">
-                <a:solidFill>
-                  <a:srgbClr val="000000"/>
-                </a:solidFill>
-                <a:latin typeface="Consolas"/>
-              </a:rPr>
-              <a:t>tempFileName</a:t>
-            </a:r>
-            <a:r>
-              <a:rPr lang="en-US" dirty="0">
-                <a:solidFill>
-                  <a:srgbClr val="000000"/>
-                </a:solidFill>
-                <a:latin typeface="Consolas"/>
-              </a:rPr>
-              <a:t>, </a:t>
-            </a:r>
-            <a:r>
-              <a:rPr lang="en-US" dirty="0" err="1">
-                <a:solidFill>
-                  <a:srgbClr val="000000"/>
-                </a:solidFill>
-                <a:latin typeface="Consolas"/>
-              </a:rPr>
-              <a:t>FileMode.Open</a:t>
-            </a:r>
-            <a:r>
-              <a:rPr lang="en-US" dirty="0">
-                <a:solidFill>
-                  <a:srgbClr val="000000"/>
-                </a:solidFill>
-                <a:latin typeface="Consolas"/>
-              </a:rPr>
-              <a:t>))</a:t>
-            </a:r>
-          </a:p>
-          <a:p>
-            <a:pPr marL="0" indent="0">
-              <a:buNone/>
-            </a:pPr>
-            <a:r>
-              <a:rPr lang="en-US" dirty="0" smtClean="0">
-                <a:solidFill>
-                  <a:srgbClr val="000000"/>
-                </a:solidFill>
-                <a:latin typeface="Consolas"/>
-              </a:rPr>
-              <a:t>    {</a:t>
-            </a:r>
-            <a:endParaRPr lang="en-US" dirty="0">
-              <a:solidFill>
-                <a:srgbClr val="000000"/>
-              </a:solidFill>
-              <a:latin typeface="Consolas"/>
-            </a:endParaRPr>
-          </a:p>
-          <a:p>
-            <a:pPr marL="0" indent="0">
-              <a:buNone/>
-            </a:pPr>
-            <a:r>
-              <a:rPr lang="en-US" dirty="0" smtClean="0">
-                <a:solidFill>
-                  <a:srgbClr val="000000"/>
-                </a:solidFill>
-                <a:latin typeface="Consolas"/>
-              </a:rPr>
-              <a:t>         Train </a:t>
-            </a:r>
-            <a:r>
-              <a:rPr lang="en-US" dirty="0" err="1">
-                <a:solidFill>
-                  <a:srgbClr val="000000"/>
-                </a:solidFill>
-                <a:latin typeface="Consolas"/>
-              </a:rPr>
-              <a:t>someTrain</a:t>
-            </a:r>
-            <a:r>
-              <a:rPr lang="en-US" dirty="0">
-                <a:solidFill>
-                  <a:srgbClr val="000000"/>
-                </a:solidFill>
-                <a:latin typeface="Consolas"/>
-              </a:rPr>
-              <a:t> = (Train)</a:t>
-            </a:r>
-            <a:r>
-              <a:rPr lang="en-US" dirty="0" err="1">
-                <a:solidFill>
-                  <a:srgbClr val="000000"/>
-                </a:solidFill>
-                <a:latin typeface="Consolas"/>
-              </a:rPr>
-              <a:t>xmlSerializer.Deserialize</a:t>
-            </a:r>
-            <a:r>
-              <a:rPr lang="en-US" dirty="0">
-                <a:solidFill>
-                  <a:srgbClr val="000000"/>
-                </a:solidFill>
-                <a:latin typeface="Consolas"/>
-              </a:rPr>
-              <a:t>(</a:t>
-            </a:r>
-            <a:r>
-              <a:rPr lang="en-US" dirty="0" err="1">
-                <a:solidFill>
-                  <a:srgbClr val="000000"/>
-                </a:solidFill>
-                <a:latin typeface="Consolas"/>
-              </a:rPr>
-              <a:t>fs</a:t>
-            </a:r>
-            <a:r>
-              <a:rPr lang="en-US" dirty="0">
-                <a:solidFill>
-                  <a:srgbClr val="000000"/>
-                </a:solidFill>
-                <a:latin typeface="Consolas"/>
-              </a:rPr>
-              <a:t>);</a:t>
-            </a:r>
-          </a:p>
-          <a:p>
-            <a:pPr marL="0" indent="0">
-              <a:buNone/>
-            </a:pPr>
-            <a:r>
-              <a:rPr lang="en-US" dirty="0" smtClean="0">
-                <a:solidFill>
-                  <a:srgbClr val="000000"/>
-                </a:solidFill>
-                <a:latin typeface="Consolas"/>
-              </a:rPr>
-              <a:t>         </a:t>
-            </a:r>
-            <a:r>
-              <a:rPr lang="en-US" dirty="0" err="1" smtClean="0">
-                <a:solidFill>
-                  <a:srgbClr val="000000"/>
-                </a:solidFill>
-                <a:latin typeface="Consolas"/>
-              </a:rPr>
-              <a:t>someTrain.Print</a:t>
-            </a:r>
-            <a:r>
-              <a:rPr lang="en-US" dirty="0">
-                <a:solidFill>
-                  <a:srgbClr val="000000"/>
-                </a:solidFill>
-                <a:latin typeface="Consolas"/>
-              </a:rPr>
-              <a:t>();</a:t>
-            </a:r>
-          </a:p>
-          <a:p>
-            <a:pPr marL="0" indent="0">
-              <a:buNone/>
-            </a:pPr>
-            <a:r>
-              <a:rPr lang="en-US" dirty="0" smtClean="0">
-                <a:solidFill>
-                  <a:srgbClr val="000000"/>
-                </a:solidFill>
-                <a:latin typeface="Consolas"/>
-              </a:rPr>
-              <a:t>    }</a:t>
-            </a:r>
-            <a:endParaRPr lang="en-US" dirty="0">
-              <a:solidFill>
-                <a:srgbClr val="000000"/>
-              </a:solidFill>
-              <a:latin typeface="Consolas"/>
-            </a:endParaRPr>
-          </a:p>
-          <a:p>
-            <a:pPr marL="0" indent="0">
-              <a:buNone/>
-            </a:pPr>
-            <a:endParaRPr lang="en-US" dirty="0">
-              <a:solidFill>
-                <a:srgbClr val="000000"/>
-              </a:solidFill>
-              <a:latin typeface="Consolas"/>
-            </a:endParaRPr>
-          </a:p>
-          <a:p>
-            <a:pPr marL="0" indent="0">
-              <a:buNone/>
-            </a:pPr>
-            <a:r>
-              <a:rPr lang="en-US" dirty="0" smtClean="0">
-                <a:solidFill>
-                  <a:srgbClr val="000000"/>
-                </a:solidFill>
-                <a:latin typeface="Consolas"/>
-              </a:rPr>
-              <a:t>    </a:t>
-            </a:r>
-            <a:r>
-              <a:rPr lang="en-US" dirty="0" err="1" smtClean="0">
-                <a:solidFill>
-                  <a:srgbClr val="000000"/>
-                </a:solidFill>
-                <a:latin typeface="Consolas"/>
-              </a:rPr>
-              <a:t>File.Delete</a:t>
-            </a:r>
-            <a:r>
-              <a:rPr lang="en-US" dirty="0" smtClean="0">
-                <a:solidFill>
-                  <a:srgbClr val="000000"/>
-                </a:solidFill>
-                <a:latin typeface="Consolas"/>
-              </a:rPr>
-              <a:t>(</a:t>
-            </a:r>
-            <a:r>
-              <a:rPr lang="en-US" dirty="0" err="1" smtClean="0">
-                <a:solidFill>
-                  <a:srgbClr val="000000"/>
-                </a:solidFill>
-                <a:latin typeface="Consolas"/>
-              </a:rPr>
-              <a:t>tempFileName</a:t>
-            </a:r>
-            <a:r>
-              <a:rPr lang="en-US" dirty="0">
-                <a:solidFill>
-                  <a:srgbClr val="000000"/>
-                </a:solidFill>
-                <a:latin typeface="Consolas"/>
-              </a:rPr>
-              <a:t>);</a:t>
-            </a:r>
-          </a:p>
-          <a:p>
-            <a:pPr marL="0" indent="0">
-              <a:buNone/>
-            </a:pPr>
-            <a:r>
-              <a:rPr lang="en-US" dirty="0">
-                <a:solidFill>
-                  <a:srgbClr val="000000"/>
-                </a:solidFill>
-                <a:latin typeface="Consolas"/>
-              </a:rPr>
-              <a:t>}</a:t>
-            </a:r>
-          </a:p>
-          <a:p>
-            <a:pPr marL="0" indent="0">
-              <a:buNone/>
-            </a:pPr>
-            <a:endParaRPr lang="en-US" dirty="0"/>
-          </a:p>
-        </p:txBody>
-      </p:sp>
-    </p:spTree>
-    <p:extLst>
-      <p:ext uri="{BB962C8B-B14F-4D97-AF65-F5344CB8AC3E}">
-        <p14:creationId xmlns:p14="http://schemas.microsoft.com/office/powerpoint/2010/main" val="2544705814"/>
-      </p:ext>
-    </p:extLst>
-  </p:cSld>
-  <p:clrMapOvr>
-    <a:masterClrMapping/>
-  </p:clrMapOvr>
-  <p:timing>
-    <p:tnLst>
-      <p:par>
-        <p:cTn id="1" dur="indefinite" restart="never" nodeType="tmRoot"/>
-      </p:par>
-    </p:tnLst>
-  </p:timing>
-</p:sld>
-</file>
-
-<file path=ppt/slides/slide34.xml><?xml version="1.0" encoding="utf-8"?>
-<p:sld xmlns:a="http://schemas.openxmlformats.org/drawingml/2006/main" xmlns:r="http://schemas.openxmlformats.org/officeDocument/2006/relationships" xmlns:p="http://schemas.openxmlformats.org/presentationml/2006/main">
-  <p:cSld>
-    <p:bg>
-      <p:bgPr>
-        <a:blipFill dpi="0" rotWithShape="1">
-          <a:blip r:embed="rId2">
-            <a:lum/>
-          </a:blip>
-          <a:srcRect/>
-          <a:stretch>
-            <a:fillRect/>
-          </a:stretch>
-        </a:blipFill>
-        <a:effectLst/>
-      </p:bgPr>
-    </p:bg>
-    <p:spTree>
-      <p:nvGrpSpPr>
-        <p:cNvPr id="1" name=""/>
-        <p:cNvGrpSpPr/>
-        <p:nvPr/>
-      </p:nvGrpSpPr>
-      <p:grpSpPr>
-        <a:xfrm>
-          <a:off x="0" y="0"/>
-          <a:ext cx="0" cy="0"/>
-          <a:chOff x="0" y="0"/>
-          <a:chExt cx="0" cy="0"/>
-        </a:xfrm>
-      </p:grpSpPr>
-      <p:sp>
-        <p:nvSpPr>
-          <p:cNvPr id="2" name="Title 1"/>
-          <p:cNvSpPr>
-            <a:spLocks noGrp="1"/>
-          </p:cNvSpPr>
-          <p:nvPr>
-            <p:ph type="title"/>
-          </p:nvPr>
-        </p:nvSpPr>
         <p:spPr/>
         <p:txBody>
           <a:bodyPr/>
@@ -31225,7 +26625,7 @@
               <a:buNone/>
             </a:pPr>
             <a:r>
-              <a:rPr lang="ru-RU" sz="4000" smtClean="0">
+              <a:rPr lang="ru-RU" sz="4000" dirty="0" smtClean="0">
                 <a:solidFill>
                   <a:srgbClr val="FFC000"/>
                 </a:solidFill>
@@ -31234,18 +26634,14 @@
               <a:t></a:t>
             </a:r>
             <a:r>
-              <a:rPr lang="ru-RU" smtClean="0">
+              <a:rPr lang="ru-RU" dirty="0" smtClean="0">
                 <a:sym typeface="Wingdings"/>
               </a:rPr>
               <a:t> </a:t>
             </a:r>
             <a:r>
-              <a:rPr lang="ru-RU" smtClean="0"/>
-              <a:t>См. </a:t>
-            </a:r>
-            <a:r>
               <a:rPr lang="ru-RU" dirty="0" smtClean="0"/>
-              <a:t>также пример </a:t>
+              <a:t>См. также пример </a:t>
             </a:r>
             <a:r>
               <a:rPr lang="en-US" dirty="0" smtClean="0"/>
@@ -31283,7 +26679,7 @@
 </p:sld>
 </file>
 
-<file path=ppt/slides/slide35.xml><?xml version="1.0" encoding="utf-8"?>
+<file path=ppt/slides/slide33.xml><?xml version="1.0" encoding="utf-8"?>
 <p:sld xmlns:a="http://schemas.openxmlformats.org/drawingml/2006/main" xmlns:r="http://schemas.openxmlformats.org/officeDocument/2006/relationships" xmlns:p="http://schemas.openxmlformats.org/presentationml/2006/main">
   <p:cSld>
     <p:bg>

--- a/Presentation/lesson-04-io.pptx
+++ b/Presentation/lesson-04-io.pptx
@@ -37,8 +37,9 @@
     <p:sldId id="268" r:id="rId31"/>
     <p:sldId id="287" r:id="rId32"/>
     <p:sldId id="278" r:id="rId33"/>
-    <p:sldId id="297" r:id="rId34"/>
-    <p:sldId id="271" r:id="rId35"/>
+    <p:sldId id="298" r:id="rId34"/>
+    <p:sldId id="297" r:id="rId35"/>
+    <p:sldId id="271" r:id="rId36"/>
   </p:sldIdLst>
   <p:sldSz cx="9144000" cy="6858000" type="screen4x3"/>
   <p:notesSz cx="6858000" cy="9144000"/>
@@ -322,7 +323,7 @@
             <a:fld id="{FAECF776-F836-4CCD-9497-99E5597B8B5D}" type="datetimeFigureOut">
               <a:rPr lang="en-US" smtClean="0"/>
               <a:pPr/>
-              <a:t>8/25/2014</a:t>
+              <a:t>8/26/2014</a:t>
             </a:fld>
             <a:endParaRPr lang="en-US"/>
           </a:p>
@@ -494,7 +495,7 @@
             <a:fld id="{FAECF776-F836-4CCD-9497-99E5597B8B5D}" type="datetimeFigureOut">
               <a:rPr lang="en-US" smtClean="0"/>
               <a:pPr/>
-              <a:t>8/25/2014</a:t>
+              <a:t>8/26/2014</a:t>
             </a:fld>
             <a:endParaRPr lang="en-US"/>
           </a:p>
@@ -676,7 +677,7 @@
             <a:fld id="{FAECF776-F836-4CCD-9497-99E5597B8B5D}" type="datetimeFigureOut">
               <a:rPr lang="en-US" smtClean="0"/>
               <a:pPr/>
-              <a:t>8/25/2014</a:t>
+              <a:t>8/26/2014</a:t>
             </a:fld>
             <a:endParaRPr lang="en-US"/>
           </a:p>
@@ -926,7 +927,7 @@
                 </a:solidFill>
               </a:rPr>
               <a:pPr/>
-              <a:t>8/25/2014</a:t>
+              <a:t>8/26/2014</a:t>
             </a:fld>
             <a:endParaRPr lang="en-US">
               <a:solidFill>
@@ -1128,7 +1129,7 @@
                 </a:solidFill>
               </a:rPr>
               <a:pPr/>
-              <a:t>8/25/2014</a:t>
+              <a:t>8/26/2014</a:t>
             </a:fld>
             <a:endParaRPr lang="en-US">
               <a:solidFill>
@@ -1406,7 +1407,7 @@
                 </a:solidFill>
               </a:rPr>
               <a:pPr/>
-              <a:t>8/25/2014</a:t>
+              <a:t>8/26/2014</a:t>
             </a:fld>
             <a:endParaRPr lang="en-US">
               <a:solidFill>
@@ -1726,7 +1727,7 @@
                 </a:solidFill>
               </a:rPr>
               <a:pPr/>
-              <a:t>8/25/2014</a:t>
+              <a:t>8/26/2014</a:t>
             </a:fld>
             <a:endParaRPr lang="en-US">
               <a:solidFill>
@@ -2180,7 +2181,7 @@
                 </a:solidFill>
               </a:rPr>
               <a:pPr/>
-              <a:t>8/25/2014</a:t>
+              <a:t>8/26/2014</a:t>
             </a:fld>
             <a:endParaRPr lang="en-US">
               <a:solidFill>
@@ -2330,7 +2331,7 @@
                 </a:solidFill>
               </a:rPr>
               <a:pPr/>
-              <a:t>8/25/2014</a:t>
+              <a:t>8/26/2014</a:t>
             </a:fld>
             <a:endParaRPr lang="en-US">
               <a:solidFill>
@@ -2457,7 +2458,7 @@
                 </a:solidFill>
               </a:rPr>
               <a:pPr/>
-              <a:t>8/25/2014</a:t>
+              <a:t>8/26/2014</a:t>
             </a:fld>
             <a:endParaRPr lang="en-US">
               <a:solidFill>
@@ -2766,7 +2767,7 @@
                 </a:solidFill>
               </a:rPr>
               <a:pPr/>
-              <a:t>8/25/2014</a:t>
+              <a:t>8/26/2014</a:t>
             </a:fld>
             <a:endParaRPr lang="en-US">
               <a:solidFill>
@@ -2962,7 +2963,7 @@
             <a:fld id="{FAECF776-F836-4CCD-9497-99E5597B8B5D}" type="datetimeFigureOut">
               <a:rPr lang="en-US" smtClean="0"/>
               <a:pPr/>
-              <a:t>8/25/2014</a:t>
+              <a:t>8/26/2014</a:t>
             </a:fld>
             <a:endParaRPr lang="en-US"/>
           </a:p>
@@ -3223,7 +3224,7 @@
                 </a:solidFill>
               </a:rPr>
               <a:pPr/>
-              <a:t>8/25/2014</a:t>
+              <a:t>8/26/2014</a:t>
             </a:fld>
             <a:endParaRPr lang="en-US">
               <a:solidFill>
@@ -3425,7 +3426,7 @@
                 </a:solidFill>
               </a:rPr>
               <a:pPr/>
-              <a:t>8/25/2014</a:t>
+              <a:t>8/26/2014</a:t>
             </a:fld>
             <a:endParaRPr lang="en-US">
               <a:solidFill>
@@ -3637,7 +3638,7 @@
                 </a:solidFill>
               </a:rPr>
               <a:pPr/>
-              <a:t>8/25/2014</a:t>
+              <a:t>8/26/2014</a:t>
             </a:fld>
             <a:endParaRPr lang="en-US">
               <a:solidFill>
@@ -3909,7 +3910,7 @@
             <a:fld id="{FAECF776-F836-4CCD-9497-99E5597B8B5D}" type="datetimeFigureOut">
               <a:rPr lang="en-US" smtClean="0"/>
               <a:pPr/>
-              <a:t>8/25/2014</a:t>
+              <a:t>8/26/2014</a:t>
             </a:fld>
             <a:endParaRPr lang="en-US"/>
           </a:p>
@@ -4199,7 +4200,7 @@
             <a:fld id="{FAECF776-F836-4CCD-9497-99E5597B8B5D}" type="datetimeFigureOut">
               <a:rPr lang="en-US" smtClean="0"/>
               <a:pPr/>
-              <a:t>8/25/2014</a:t>
+              <a:t>8/26/2014</a:t>
             </a:fld>
             <a:endParaRPr lang="en-US"/>
           </a:p>
@@ -4623,7 +4624,7 @@
             <a:fld id="{FAECF776-F836-4CCD-9497-99E5597B8B5D}" type="datetimeFigureOut">
               <a:rPr lang="en-US" smtClean="0"/>
               <a:pPr/>
-              <a:t>8/25/2014</a:t>
+              <a:t>8/26/2014</a:t>
             </a:fld>
             <a:endParaRPr lang="en-US"/>
           </a:p>
@@ -4743,7 +4744,7 @@
             <a:fld id="{FAECF776-F836-4CCD-9497-99E5597B8B5D}" type="datetimeFigureOut">
               <a:rPr lang="en-US" smtClean="0"/>
               <a:pPr/>
-              <a:t>8/25/2014</a:t>
+              <a:t>8/26/2014</a:t>
             </a:fld>
             <a:endParaRPr lang="en-US"/>
           </a:p>
@@ -4840,7 +4841,7 @@
             <a:fld id="{FAECF776-F836-4CCD-9497-99E5597B8B5D}" type="datetimeFigureOut">
               <a:rPr lang="en-US" smtClean="0"/>
               <a:pPr/>
-              <a:t>8/25/2014</a:t>
+              <a:t>8/26/2014</a:t>
             </a:fld>
             <a:endParaRPr lang="en-US"/>
           </a:p>
@@ -5119,7 +5120,7 @@
             <a:fld id="{FAECF776-F836-4CCD-9497-99E5597B8B5D}" type="datetimeFigureOut">
               <a:rPr lang="en-US" smtClean="0"/>
               <a:pPr/>
-              <a:t>8/25/2014</a:t>
+              <a:t>8/26/2014</a:t>
             </a:fld>
             <a:endParaRPr lang="en-US"/>
           </a:p>
@@ -5374,7 +5375,7 @@
             <a:fld id="{FAECF776-F836-4CCD-9497-99E5597B8B5D}" type="datetimeFigureOut">
               <a:rPr lang="en-US" smtClean="0"/>
               <a:pPr/>
-              <a:t>8/25/2014</a:t>
+              <a:t>8/26/2014</a:t>
             </a:fld>
             <a:endParaRPr lang="en-US"/>
           </a:p>
@@ -5598,7 +5599,7 @@
             <a:fld id="{FAECF776-F836-4CCD-9497-99E5597B8B5D}" type="datetimeFigureOut">
               <a:rPr lang="en-US" smtClean="0"/>
               <a:pPr/>
-              <a:t>8/25/2014</a:t>
+              <a:t>8/26/2014</a:t>
             </a:fld>
             <a:endParaRPr lang="en-US"/>
           </a:p>
@@ -6116,7 +6117,7 @@
                 </a:solidFill>
               </a:rPr>
               <a:pPr/>
-              <a:t>8/25/2014</a:t>
+              <a:t>8/26/2014</a:t>
             </a:fld>
             <a:endParaRPr lang="en-US">
               <a:solidFill>
@@ -7874,7 +7875,9 @@
         </p:nvSpPr>
         <p:spPr/>
         <p:txBody>
-          <a:bodyPr/>
+          <a:bodyPr>
+            <a:normAutofit fontScale="85000" lnSpcReduction="20000"/>
+          </a:bodyPr>
           <a:lstStyle/>
           <a:p>
             <a:pPr marL="0" indent="0">
@@ -7916,8 +7919,32 @@
           <a:p>
             <a:pPr lvl="1"/>
             <a:r>
+              <a:rPr lang="en-US" dirty="0" err="1"/>
+              <a:t>System.IO.Pipes.</a:t>
+            </a:r>
+            <a:r>
+              <a:rPr lang="en-US" dirty="0" err="1">
+                <a:solidFill>
+                  <a:srgbClr val="FFFF00"/>
+                </a:solidFill>
+              </a:rPr>
+              <a:t>PipeStream</a:t>
+            </a:r>
+            <a:endParaRPr lang="ru-RU" dirty="0" smtClean="0">
+              <a:solidFill>
+                <a:srgbClr val="FFFF00"/>
+              </a:solidFill>
+            </a:endParaRPr>
+          </a:p>
+          <a:p>
+            <a:pPr lvl="1"/>
+            <a:r>
               <a:rPr lang="ru-RU" dirty="0" smtClean="0"/>
-              <a:t>Архивация данных (</a:t>
+              <a:t>Архивация </a:t>
+            </a:r>
+            <a:r>
+              <a:rPr lang="ru-RU" dirty="0" smtClean="0"/>
+              <a:t>данных (</a:t>
             </a:r>
             <a:r>
               <a:rPr lang="en-US" dirty="0" err="1" smtClean="0"/>
@@ -7928,6 +7955,58 @@
               <a:t>)</a:t>
             </a:r>
             <a:endParaRPr lang="ru-RU" dirty="0" smtClean="0"/>
+          </a:p>
+          <a:p>
+            <a:pPr lvl="1"/>
+            <a:r>
+              <a:rPr lang="en-US" dirty="0" err="1" smtClean="0"/>
+              <a:t>System.Security.Cryptography.</a:t>
+            </a:r>
+            <a:r>
+              <a:rPr lang="en-US" dirty="0" err="1" smtClean="0">
+                <a:solidFill>
+                  <a:srgbClr val="FFFF00"/>
+                </a:solidFill>
+              </a:rPr>
+              <a:t>CryptoStream</a:t>
+            </a:r>
+            <a:endParaRPr lang="ru-RU" dirty="0" smtClean="0">
+              <a:solidFill>
+                <a:srgbClr val="FFFF00"/>
+              </a:solidFill>
+            </a:endParaRPr>
+          </a:p>
+          <a:p>
+            <a:pPr lvl="1"/>
+            <a:r>
+              <a:rPr lang="en-US" dirty="0" err="1" smtClean="0"/>
+              <a:t>System.Net.Sockets.</a:t>
+            </a:r>
+            <a:r>
+              <a:rPr lang="en-US" dirty="0" err="1" smtClean="0">
+                <a:solidFill>
+                  <a:srgbClr val="FFFF00"/>
+                </a:solidFill>
+              </a:rPr>
+              <a:t>NetworkStream</a:t>
+            </a:r>
+            <a:r>
+              <a:rPr lang="ru-RU" dirty="0"/>
+              <a:t> </a:t>
+            </a:r>
+            <a:endParaRPr lang="ru-RU" dirty="0" smtClean="0"/>
+          </a:p>
+          <a:p>
+            <a:pPr lvl="1"/>
+            <a:r>
+              <a:rPr lang="en-US" dirty="0" smtClean="0"/>
+              <a:t>…</a:t>
+            </a:r>
+            <a:endParaRPr lang="ru-RU" dirty="0" smtClean="0">
+              <a:solidFill>
+                <a:srgbClr val="FFFF00"/>
+              </a:solidFill>
+            </a:endParaRPr>
           </a:p>
         </p:txBody>
       </p:sp>
@@ -26366,11 +26445,7 @@
             </a:r>
             <a:r>
               <a:rPr lang="ru-RU" dirty="0" smtClean="0"/>
-              <a:t>сериализацию. При необходимости можно реализовать собственный механизм</a:t>
-            </a:r>
-            <a:r>
-              <a:rPr lang="ru-RU" dirty="0" smtClean="0"/>
-              <a:t>.</a:t>
+              <a:t>сериализацию. При необходимости можно реализовать собственный механизм.</a:t>
             </a:r>
             <a:endParaRPr lang="en-US" dirty="0" smtClean="0"/>
           </a:p>
@@ -26444,6 +26519,185 @@
 </file>
 
 <file path=ppt/slides/slide32.xml><?xml version="1.0" encoding="utf-8"?>
+<p:sld xmlns:a="http://schemas.openxmlformats.org/drawingml/2006/main" xmlns:r="http://schemas.openxmlformats.org/officeDocument/2006/relationships" xmlns:p="http://schemas.openxmlformats.org/presentationml/2006/main">
+  <p:cSld>
+    <p:spTree>
+      <p:nvGrpSpPr>
+        <p:cNvPr id="1" name=""/>
+        <p:cNvGrpSpPr/>
+        <p:nvPr/>
+      </p:nvGrpSpPr>
+      <p:grpSpPr>
+        <a:xfrm>
+          <a:off x="0" y="0"/>
+          <a:ext cx="0" cy="0"/>
+          <a:chOff x="0" y="0"/>
+          <a:chExt cx="0" cy="0"/>
+        </a:xfrm>
+      </p:grpSpPr>
+      <p:sp>
+        <p:nvSpPr>
+          <p:cNvPr id="2" name="Title 1"/>
+          <p:cNvSpPr>
+            <a:spLocks noGrp="1"/>
+          </p:cNvSpPr>
+          <p:nvPr>
+            <p:ph type="title"/>
+          </p:nvPr>
+        </p:nvSpPr>
+        <p:spPr/>
+        <p:txBody>
+          <a:bodyPr/>
+          <a:lstStyle/>
+          <a:p>
+            <a:r>
+              <a:rPr lang="ru-RU" dirty="0" smtClean="0"/>
+              <a:t>Метаданные файлов</a:t>
+            </a:r>
+            <a:endParaRPr lang="ru-RU" dirty="0"/>
+          </a:p>
+        </p:txBody>
+      </p:sp>
+      <p:sp>
+        <p:nvSpPr>
+          <p:cNvPr id="3" name="Content Placeholder 2"/>
+          <p:cNvSpPr>
+            <a:spLocks noGrp="1"/>
+          </p:cNvSpPr>
+          <p:nvPr>
+            <p:ph idx="1"/>
+          </p:nvPr>
+        </p:nvSpPr>
+        <p:spPr/>
+        <p:txBody>
+          <a:bodyPr>
+            <a:normAutofit lnSpcReduction="10000"/>
+          </a:bodyPr>
+          <a:lstStyle/>
+          <a:p>
+            <a:pPr marL="0" indent="0">
+              <a:buNone/>
+            </a:pPr>
+            <a:r>
+              <a:rPr lang="en-US" dirty="0" smtClean="0"/>
+              <a:t>Windows </a:t>
+            </a:r>
+            <a:r>
+              <a:rPr lang="ru-RU" dirty="0" smtClean="0"/>
+              <a:t>позволяет читать метаданные из различных файлов. Например</a:t>
+            </a:r>
+            <a:r>
+              <a:rPr lang="en-US" dirty="0" smtClean="0"/>
+              <a:t>, ID </a:t>
+            </a:r>
+            <a:r>
+              <a:rPr lang="ru-RU" dirty="0" smtClean="0"/>
+              <a:t>теги из </a:t>
+            </a:r>
+            <a:r>
+              <a:rPr lang="en-US" dirty="0" smtClean="0"/>
+              <a:t>mp3 </a:t>
+            </a:r>
+            <a:r>
+              <a:rPr lang="ru-RU" dirty="0" smtClean="0"/>
+              <a:t>файлов</a:t>
+            </a:r>
+            <a:r>
+              <a:rPr lang="en-US" dirty="0" smtClean="0"/>
+              <a:t>, EXIF</a:t>
+            </a:r>
+            <a:r>
+              <a:rPr lang="ru-RU" dirty="0"/>
+              <a:t> </a:t>
+            </a:r>
+            <a:r>
+              <a:rPr lang="ru-RU" dirty="0" smtClean="0"/>
+              <a:t>из фотографий и т.д. В самом </a:t>
+            </a:r>
+            <a:r>
+              <a:rPr lang="en-US" dirty="0" smtClean="0"/>
+              <a:t>.NET </a:t>
+            </a:r>
+            <a:r>
+              <a:rPr lang="ru-RU" dirty="0" smtClean="0"/>
+              <a:t>нет встроенных классов для работы с метаданными файлов и понадобится установить </a:t>
+            </a:r>
+            <a:r>
+              <a:rPr lang="en-US" dirty="0" smtClean="0"/>
+              <a:t>NuGet </a:t>
+            </a:r>
+            <a:r>
+              <a:rPr lang="ru-RU" dirty="0" smtClean="0"/>
+              <a:t>пакет </a:t>
+            </a:r>
+            <a:r>
+              <a:rPr lang="en-US" dirty="0" err="1" smtClean="0"/>
+              <a:t>Microsoft.WindowsAPICodePack.Shell</a:t>
+            </a:r>
+            <a:r>
+              <a:rPr lang="ru-RU" dirty="0" smtClean="0"/>
+              <a:t>.</a:t>
+            </a:r>
+          </a:p>
+          <a:p>
+            <a:pPr marL="0" indent="0">
+              <a:buNone/>
+            </a:pPr>
+            <a:endParaRPr lang="ru-RU" dirty="0"/>
+          </a:p>
+          <a:p>
+            <a:pPr marL="0" indent="0">
+              <a:buNone/>
+            </a:pPr>
+            <a:r>
+              <a:rPr lang="ru-RU" sz="4000" dirty="0">
+                <a:solidFill>
+                  <a:srgbClr val="FFC000"/>
+                </a:solidFill>
+                <a:sym typeface="Wingdings"/>
+              </a:rPr>
+              <a:t></a:t>
+            </a:r>
+            <a:r>
+              <a:rPr lang="ru-RU" dirty="0">
+                <a:sym typeface="Wingdings"/>
+              </a:rPr>
+              <a:t> </a:t>
+            </a:r>
+            <a:r>
+              <a:rPr lang="ru-RU" dirty="0"/>
+              <a:t>См. пример </a:t>
+            </a:r>
+            <a:r>
+              <a:rPr lang="en-US" dirty="0"/>
+              <a:t>L04-S03-IO</a:t>
+            </a:r>
+            <a:r>
+              <a:rPr lang="ru-RU" dirty="0" smtClean="0"/>
+              <a:t>\</a:t>
+            </a:r>
+            <a:r>
+              <a:rPr lang="en-US" dirty="0" err="1" smtClean="0"/>
+              <a:t>FileMetadataViewer</a:t>
+            </a:r>
+            <a:endParaRPr lang="ru-RU" dirty="0"/>
+          </a:p>
+        </p:txBody>
+      </p:sp>
+    </p:spTree>
+    <p:extLst>
+      <p:ext uri="{BB962C8B-B14F-4D97-AF65-F5344CB8AC3E}">
+        <p14:creationId xmlns:p14="http://schemas.microsoft.com/office/powerpoint/2010/main" val="640264607"/>
+      </p:ext>
+    </p:extLst>
+  </p:cSld>
+  <p:clrMapOvr>
+    <a:masterClrMapping/>
+  </p:clrMapOvr>
+</p:sld>
+</file>
+
+<file path=ppt/slides/slide33.xml><?xml version="1.0" encoding="utf-8"?>
 <p:sld xmlns:a="http://schemas.openxmlformats.org/drawingml/2006/main" xmlns:r="http://schemas.openxmlformats.org/officeDocument/2006/relationships" xmlns:p="http://schemas.openxmlformats.org/presentationml/2006/main">
   <p:cSld>
     <p:bg>
@@ -26679,7 +26933,7 @@
 </p:sld>
 </file>
 
-<file path=ppt/slides/slide33.xml><?xml version="1.0" encoding="utf-8"?>
+<file path=ppt/slides/slide34.xml><?xml version="1.0" encoding="utf-8"?>
 <p:sld xmlns:a="http://schemas.openxmlformats.org/drawingml/2006/main" xmlns:r="http://schemas.openxmlformats.org/officeDocument/2006/relationships" xmlns:p="http://schemas.openxmlformats.org/presentationml/2006/main">
   <p:cSld>
     <p:bg>

--- a/Presentation/lesson-04-io.pptx
+++ b/Presentation/lesson-04-io.pptx
@@ -323,7 +323,7 @@
             <a:fld id="{FAECF776-F836-4CCD-9497-99E5597B8B5D}" type="datetimeFigureOut">
               <a:rPr lang="en-US" smtClean="0"/>
               <a:pPr/>
-              <a:t>8/26/2014</a:t>
+              <a:t>8/28/2014</a:t>
             </a:fld>
             <a:endParaRPr lang="en-US"/>
           </a:p>
@@ -495,7 +495,7 @@
             <a:fld id="{FAECF776-F836-4CCD-9497-99E5597B8B5D}" type="datetimeFigureOut">
               <a:rPr lang="en-US" smtClean="0"/>
               <a:pPr/>
-              <a:t>8/26/2014</a:t>
+              <a:t>8/28/2014</a:t>
             </a:fld>
             <a:endParaRPr lang="en-US"/>
           </a:p>
@@ -677,7 +677,7 @@
             <a:fld id="{FAECF776-F836-4CCD-9497-99E5597B8B5D}" type="datetimeFigureOut">
               <a:rPr lang="en-US" smtClean="0"/>
               <a:pPr/>
-              <a:t>8/26/2014</a:t>
+              <a:t>8/28/2014</a:t>
             </a:fld>
             <a:endParaRPr lang="en-US"/>
           </a:p>
@@ -927,7 +927,7 @@
                 </a:solidFill>
               </a:rPr>
               <a:pPr/>
-              <a:t>8/26/2014</a:t>
+              <a:t>8/28/2014</a:t>
             </a:fld>
             <a:endParaRPr lang="en-US">
               <a:solidFill>
@@ -1129,7 +1129,7 @@
                 </a:solidFill>
               </a:rPr>
               <a:pPr/>
-              <a:t>8/26/2014</a:t>
+              <a:t>8/28/2014</a:t>
             </a:fld>
             <a:endParaRPr lang="en-US">
               <a:solidFill>
@@ -1407,7 +1407,7 @@
                 </a:solidFill>
               </a:rPr>
               <a:pPr/>
-              <a:t>8/26/2014</a:t>
+              <a:t>8/28/2014</a:t>
             </a:fld>
             <a:endParaRPr lang="en-US">
               <a:solidFill>
@@ -1727,7 +1727,7 @@
                 </a:solidFill>
               </a:rPr>
               <a:pPr/>
-              <a:t>8/26/2014</a:t>
+              <a:t>8/28/2014</a:t>
             </a:fld>
             <a:endParaRPr lang="en-US">
               <a:solidFill>
@@ -2181,7 +2181,7 @@
                 </a:solidFill>
               </a:rPr>
               <a:pPr/>
-              <a:t>8/26/2014</a:t>
+              <a:t>8/28/2014</a:t>
             </a:fld>
             <a:endParaRPr lang="en-US">
               <a:solidFill>
@@ -2331,7 +2331,7 @@
                 </a:solidFill>
               </a:rPr>
               <a:pPr/>
-              <a:t>8/26/2014</a:t>
+              <a:t>8/28/2014</a:t>
             </a:fld>
             <a:endParaRPr lang="en-US">
               <a:solidFill>
@@ -2458,7 +2458,7 @@
                 </a:solidFill>
               </a:rPr>
               <a:pPr/>
-              <a:t>8/26/2014</a:t>
+              <a:t>8/28/2014</a:t>
             </a:fld>
             <a:endParaRPr lang="en-US">
               <a:solidFill>
@@ -2767,7 +2767,7 @@
                 </a:solidFill>
               </a:rPr>
               <a:pPr/>
-              <a:t>8/26/2014</a:t>
+              <a:t>8/28/2014</a:t>
             </a:fld>
             <a:endParaRPr lang="en-US">
               <a:solidFill>
@@ -2963,7 +2963,7 @@
             <a:fld id="{FAECF776-F836-4CCD-9497-99E5597B8B5D}" type="datetimeFigureOut">
               <a:rPr lang="en-US" smtClean="0"/>
               <a:pPr/>
-              <a:t>8/26/2014</a:t>
+              <a:t>8/28/2014</a:t>
             </a:fld>
             <a:endParaRPr lang="en-US"/>
           </a:p>
@@ -3224,7 +3224,7 @@
                 </a:solidFill>
               </a:rPr>
               <a:pPr/>
-              <a:t>8/26/2014</a:t>
+              <a:t>8/28/2014</a:t>
             </a:fld>
             <a:endParaRPr lang="en-US">
               <a:solidFill>
@@ -3426,7 +3426,7 @@
                 </a:solidFill>
               </a:rPr>
               <a:pPr/>
-              <a:t>8/26/2014</a:t>
+              <a:t>8/28/2014</a:t>
             </a:fld>
             <a:endParaRPr lang="en-US">
               <a:solidFill>
@@ -3638,7 +3638,7 @@
                 </a:solidFill>
               </a:rPr>
               <a:pPr/>
-              <a:t>8/26/2014</a:t>
+              <a:t>8/28/2014</a:t>
             </a:fld>
             <a:endParaRPr lang="en-US">
               <a:solidFill>
@@ -3910,7 +3910,7 @@
             <a:fld id="{FAECF776-F836-4CCD-9497-99E5597B8B5D}" type="datetimeFigureOut">
               <a:rPr lang="en-US" smtClean="0"/>
               <a:pPr/>
-              <a:t>8/26/2014</a:t>
+              <a:t>8/28/2014</a:t>
             </a:fld>
             <a:endParaRPr lang="en-US"/>
           </a:p>
@@ -4200,7 +4200,7 @@
             <a:fld id="{FAECF776-F836-4CCD-9497-99E5597B8B5D}" type="datetimeFigureOut">
               <a:rPr lang="en-US" smtClean="0"/>
               <a:pPr/>
-              <a:t>8/26/2014</a:t>
+              <a:t>8/28/2014</a:t>
             </a:fld>
             <a:endParaRPr lang="en-US"/>
           </a:p>
@@ -4624,7 +4624,7 @@
             <a:fld id="{FAECF776-F836-4CCD-9497-99E5597B8B5D}" type="datetimeFigureOut">
               <a:rPr lang="en-US" smtClean="0"/>
               <a:pPr/>
-              <a:t>8/26/2014</a:t>
+              <a:t>8/28/2014</a:t>
             </a:fld>
             <a:endParaRPr lang="en-US"/>
           </a:p>
@@ -4744,7 +4744,7 @@
             <a:fld id="{FAECF776-F836-4CCD-9497-99E5597B8B5D}" type="datetimeFigureOut">
               <a:rPr lang="en-US" smtClean="0"/>
               <a:pPr/>
-              <a:t>8/26/2014</a:t>
+              <a:t>8/28/2014</a:t>
             </a:fld>
             <a:endParaRPr lang="en-US"/>
           </a:p>
@@ -4841,7 +4841,7 @@
             <a:fld id="{FAECF776-F836-4CCD-9497-99E5597B8B5D}" type="datetimeFigureOut">
               <a:rPr lang="en-US" smtClean="0"/>
               <a:pPr/>
-              <a:t>8/26/2014</a:t>
+              <a:t>8/28/2014</a:t>
             </a:fld>
             <a:endParaRPr lang="en-US"/>
           </a:p>
@@ -5120,7 +5120,7 @@
             <a:fld id="{FAECF776-F836-4CCD-9497-99E5597B8B5D}" type="datetimeFigureOut">
               <a:rPr lang="en-US" smtClean="0"/>
               <a:pPr/>
-              <a:t>8/26/2014</a:t>
+              <a:t>8/28/2014</a:t>
             </a:fld>
             <a:endParaRPr lang="en-US"/>
           </a:p>
@@ -5375,7 +5375,7 @@
             <a:fld id="{FAECF776-F836-4CCD-9497-99E5597B8B5D}" type="datetimeFigureOut">
               <a:rPr lang="en-US" smtClean="0"/>
               <a:pPr/>
-              <a:t>8/26/2014</a:t>
+              <a:t>8/28/2014</a:t>
             </a:fld>
             <a:endParaRPr lang="en-US"/>
           </a:p>
@@ -5599,7 +5599,7 @@
             <a:fld id="{FAECF776-F836-4CCD-9497-99E5597B8B5D}" type="datetimeFigureOut">
               <a:rPr lang="en-US" smtClean="0"/>
               <a:pPr/>
-              <a:t>8/26/2014</a:t>
+              <a:t>8/28/2014</a:t>
             </a:fld>
             <a:endParaRPr lang="en-US"/>
           </a:p>
@@ -6117,7 +6117,7 @@
                 </a:solidFill>
               </a:rPr>
               <a:pPr/>
-              <a:t>8/26/2014</a:t>
+              <a:t>8/28/2014</a:t>
             </a:fld>
             <a:endParaRPr lang="en-US">
               <a:solidFill>
@@ -7940,11 +7940,7 @@
             <a:pPr lvl="1"/>
             <a:r>
               <a:rPr lang="ru-RU" dirty="0" smtClean="0"/>
-              <a:t>Архивация </a:t>
-            </a:r>
-            <a:r>
-              <a:rPr lang="ru-RU" dirty="0" smtClean="0"/>
-              <a:t>данных (</a:t>
+              <a:t>Архивация данных (</a:t>
             </a:r>
             <a:r>
               <a:rPr lang="en-US" dirty="0" err="1" smtClean="0"/>
@@ -8568,8 +8564,8 @@
         </p:nvSpPr>
         <p:spPr bwMode="auto">
           <a:xfrm>
-            <a:off x="247300" y="2204864"/>
-            <a:ext cx="8649401" cy="3231654"/>
+            <a:off x="243079" y="2060262"/>
+            <a:ext cx="8649401" cy="3600986"/>
           </a:xfrm>
           <a:prstGeom prst="rect">
             <a:avLst/>
@@ -8612,6 +8608,1247 @@
           </a:bodyPr>
           <a:lstStyle/>
           <a:p>
+            <a:r>
+              <a:rPr kumimoji="0" lang="ru-RU" altLang="ru-RU" sz="1200" b="0" i="0" u="none" strike="noStrike" cap="none" normalizeH="0" baseline="0" dirty="0" smtClean="0">
+                <a:ln>
+                  <a:noFill/>
+                </a:ln>
+                <a:solidFill>
+                  <a:srgbClr val="008000"/>
+                </a:solidFill>
+                <a:effectLst/>
+                <a:latin typeface="Courier New" panose="02070309020205020404" pitchFamily="49" charset="0"/>
+                <a:cs typeface="Courier New" panose="02070309020205020404" pitchFamily="49" charset="0"/>
+              </a:rPr>
+              <a:t>//DriveInfo d</a:t>
+            </a:r>
+            <a:r>
+              <a:rPr kumimoji="0" lang="en-US" altLang="ru-RU" sz="1200" b="0" i="0" u="none" strike="noStrike" cap="none" normalizeH="0" baseline="0" dirty="0" err="1" smtClean="0">
+                <a:ln>
+                  <a:noFill/>
+                </a:ln>
+                <a:solidFill>
+                  <a:srgbClr val="008000"/>
+                </a:solidFill>
+                <a:effectLst/>
+                <a:latin typeface="Courier New" panose="02070309020205020404" pitchFamily="49" charset="0"/>
+                <a:cs typeface="Courier New" panose="02070309020205020404" pitchFamily="49" charset="0"/>
+              </a:rPr>
+              <a:t>rvInf</a:t>
+            </a:r>
+            <a:r>
+              <a:rPr kumimoji="0" lang="ru-RU" altLang="ru-RU" sz="1200" b="0" i="0" u="none" strike="noStrike" cap="none" normalizeH="0" baseline="0" dirty="0" smtClean="0">
+                <a:ln>
+                  <a:noFill/>
+                </a:ln>
+                <a:solidFill>
+                  <a:srgbClr val="008000"/>
+                </a:solidFill>
+                <a:effectLst/>
+                <a:latin typeface="Courier New" panose="02070309020205020404" pitchFamily="49" charset="0"/>
+                <a:cs typeface="Courier New" panose="02070309020205020404" pitchFamily="49" charset="0"/>
+              </a:rPr>
+              <a:t> = new DriveInfo(@"C:\");</a:t>
+            </a:r>
+            <a:endParaRPr kumimoji="0" lang="en-US" altLang="ru-RU" sz="1200" b="0" i="0" u="none" strike="noStrike" cap="none" normalizeH="0" baseline="0" dirty="0" smtClean="0">
+              <a:ln>
+                <a:noFill/>
+              </a:ln>
+              <a:solidFill>
+                <a:srgbClr val="008000"/>
+              </a:solidFill>
+              <a:effectLst/>
+              <a:latin typeface="Courier New" panose="02070309020205020404" pitchFamily="49" charset="0"/>
+              <a:cs typeface="Courier New" panose="02070309020205020404" pitchFamily="49" charset="0"/>
+            </a:endParaRPr>
+          </a:p>
+          <a:p>
+            <a:r>
+              <a:rPr lang="en-US" sz="1200" dirty="0" err="1" smtClean="0">
+                <a:solidFill>
+                  <a:srgbClr val="2B91AF"/>
+                </a:solidFill>
+                <a:latin typeface="Consolas"/>
+              </a:rPr>
+              <a:t>DriveInfo</a:t>
+            </a:r>
+            <a:r>
+              <a:rPr lang="en-US" sz="1200" dirty="0">
+                <a:solidFill>
+                  <a:prstClr val="black"/>
+                </a:solidFill>
+                <a:latin typeface="Consolas"/>
+              </a:rPr>
+              <a:t>[] drives = </a:t>
+            </a:r>
+            <a:r>
+              <a:rPr lang="en-US" sz="1200" dirty="0" err="1">
+                <a:solidFill>
+                  <a:srgbClr val="2B91AF"/>
+                </a:solidFill>
+                <a:latin typeface="Consolas"/>
+              </a:rPr>
+              <a:t>DriveInfo</a:t>
+            </a:r>
+            <a:r>
+              <a:rPr lang="en-US" sz="1200" dirty="0" err="1">
+                <a:solidFill>
+                  <a:prstClr val="black"/>
+                </a:solidFill>
+                <a:latin typeface="Consolas"/>
+              </a:rPr>
+              <a:t>.GetDrives</a:t>
+            </a:r>
+            <a:r>
+              <a:rPr lang="en-US" sz="1200" dirty="0">
+                <a:solidFill>
+                  <a:prstClr val="black"/>
+                </a:solidFill>
+                <a:latin typeface="Consolas"/>
+              </a:rPr>
+              <a:t>();</a:t>
+            </a:r>
+          </a:p>
+          <a:p>
+            <a:r>
+              <a:rPr lang="en-US" sz="1200" dirty="0" err="1">
+                <a:solidFill>
+                  <a:srgbClr val="0000FF"/>
+                </a:solidFill>
+                <a:latin typeface="Consolas"/>
+              </a:rPr>
+              <a:t>foreach</a:t>
+            </a:r>
+            <a:r>
+              <a:rPr lang="en-US" sz="1200" dirty="0">
+                <a:solidFill>
+                  <a:prstClr val="black"/>
+                </a:solidFill>
+                <a:latin typeface="Consolas"/>
+              </a:rPr>
+              <a:t> (</a:t>
+            </a:r>
+            <a:r>
+              <a:rPr lang="en-US" sz="1200" dirty="0" err="1">
+                <a:solidFill>
+                  <a:srgbClr val="2B91AF"/>
+                </a:solidFill>
+                <a:latin typeface="Consolas"/>
+              </a:rPr>
+              <a:t>DriveInfo</a:t>
+            </a:r>
+            <a:r>
+              <a:rPr lang="en-US" sz="1200" dirty="0">
+                <a:solidFill>
+                  <a:prstClr val="black"/>
+                </a:solidFill>
+                <a:latin typeface="Consolas"/>
+              </a:rPr>
+              <a:t> </a:t>
+            </a:r>
+            <a:r>
+              <a:rPr lang="en-US" sz="1200" dirty="0" err="1" smtClean="0">
+                <a:solidFill>
+                  <a:prstClr val="black"/>
+                </a:solidFill>
+                <a:latin typeface="Consolas"/>
+              </a:rPr>
+              <a:t>driInf</a:t>
+            </a:r>
+            <a:r>
+              <a:rPr lang="en-US" sz="1200" dirty="0" smtClean="0">
+                <a:solidFill>
+                  <a:prstClr val="black"/>
+                </a:solidFill>
+                <a:latin typeface="Consolas"/>
+              </a:rPr>
+              <a:t> </a:t>
+            </a:r>
+            <a:r>
+              <a:rPr lang="en-US" sz="1200" dirty="0">
+                <a:solidFill>
+                  <a:srgbClr val="0000FF"/>
+                </a:solidFill>
+                <a:latin typeface="Consolas"/>
+              </a:rPr>
+              <a:t>in</a:t>
+            </a:r>
+            <a:r>
+              <a:rPr lang="en-US" sz="1200" dirty="0">
+                <a:solidFill>
+                  <a:prstClr val="black"/>
+                </a:solidFill>
+                <a:latin typeface="Consolas"/>
+              </a:rPr>
+              <a:t> drives)</a:t>
+            </a:r>
+          </a:p>
+          <a:p>
+            <a:r>
+              <a:rPr lang="ru-RU" sz="1200" dirty="0">
+                <a:solidFill>
+                  <a:prstClr val="black"/>
+                </a:solidFill>
+                <a:latin typeface="Consolas"/>
+              </a:rPr>
+              <a:t>{</a:t>
+            </a:r>
+          </a:p>
+          <a:p>
+            <a:r>
+              <a:rPr lang="en-US" sz="1200" dirty="0" smtClean="0">
+                <a:solidFill>
+                  <a:srgbClr val="2B91AF"/>
+                </a:solidFill>
+                <a:latin typeface="Consolas"/>
+              </a:rPr>
+              <a:t>    </a:t>
+            </a:r>
+            <a:r>
+              <a:rPr lang="en-US" sz="1200" dirty="0" err="1" smtClean="0">
+                <a:solidFill>
+                  <a:srgbClr val="2B91AF"/>
+                </a:solidFill>
+                <a:latin typeface="Consolas"/>
+              </a:rPr>
+              <a:t>Console</a:t>
+            </a:r>
+            <a:r>
+              <a:rPr lang="en-US" sz="1200" dirty="0" err="1" smtClean="0">
+                <a:solidFill>
+                  <a:prstClr val="black"/>
+                </a:solidFill>
+                <a:latin typeface="Consolas"/>
+              </a:rPr>
+              <a:t>.WriteLine</a:t>
+            </a:r>
+            <a:r>
+              <a:rPr lang="en-US" sz="1200" dirty="0">
+                <a:solidFill>
+                  <a:prstClr val="black"/>
+                </a:solidFill>
+                <a:latin typeface="Consolas"/>
+              </a:rPr>
+              <a:t>(</a:t>
+            </a:r>
+            <a:r>
+              <a:rPr lang="en-US" sz="1200" dirty="0">
+                <a:solidFill>
+                  <a:srgbClr val="A31515"/>
+                </a:solidFill>
+                <a:latin typeface="Consolas"/>
+              </a:rPr>
+              <a:t>"---------------------------------"</a:t>
+            </a:r>
+            <a:r>
+              <a:rPr lang="en-US" sz="1200" dirty="0">
+                <a:solidFill>
+                  <a:prstClr val="black"/>
+                </a:solidFill>
+                <a:latin typeface="Consolas"/>
+              </a:rPr>
+              <a:t>);</a:t>
+            </a:r>
+          </a:p>
+          <a:p>
+            <a:r>
+              <a:rPr lang="en-US" sz="1200" dirty="0" smtClean="0">
+                <a:solidFill>
+                  <a:srgbClr val="2B91AF"/>
+                </a:solidFill>
+                <a:latin typeface="Consolas"/>
+              </a:rPr>
+              <a:t>    </a:t>
+            </a:r>
+            <a:r>
+              <a:rPr lang="en-US" sz="1200" dirty="0" err="1" smtClean="0">
+                <a:solidFill>
+                  <a:srgbClr val="2B91AF"/>
+                </a:solidFill>
+                <a:latin typeface="Consolas"/>
+              </a:rPr>
+              <a:t>Console</a:t>
+            </a:r>
+            <a:r>
+              <a:rPr lang="en-US" sz="1200" dirty="0" err="1" smtClean="0">
+                <a:solidFill>
+                  <a:prstClr val="black"/>
+                </a:solidFill>
+                <a:latin typeface="Consolas"/>
+              </a:rPr>
+              <a:t>.WriteLine</a:t>
+            </a:r>
+            <a:r>
+              <a:rPr lang="en-US" sz="1200" dirty="0">
+                <a:solidFill>
+                  <a:prstClr val="black"/>
+                </a:solidFill>
+                <a:latin typeface="Consolas"/>
+              </a:rPr>
+              <a:t>(</a:t>
+            </a:r>
+            <a:r>
+              <a:rPr lang="en-US" sz="1200" dirty="0">
+                <a:solidFill>
+                  <a:srgbClr val="A31515"/>
+                </a:solidFill>
+                <a:latin typeface="Consolas"/>
+              </a:rPr>
+              <a:t>"</a:t>
+            </a:r>
+            <a:r>
+              <a:rPr lang="ru-RU" sz="1200" dirty="0">
+                <a:solidFill>
+                  <a:srgbClr val="A31515"/>
+                </a:solidFill>
+                <a:latin typeface="Consolas"/>
+              </a:rPr>
+              <a:t>Тип диска       : </a:t>
+            </a:r>
+            <a:r>
+              <a:rPr lang="ru-RU" sz="1200" dirty="0">
+                <a:solidFill>
+                  <a:srgbClr val="3CB371"/>
+                </a:solidFill>
+                <a:latin typeface="Consolas"/>
+              </a:rPr>
+              <a:t>{0}</a:t>
+            </a:r>
+            <a:r>
+              <a:rPr lang="ru-RU" sz="1200" dirty="0">
+                <a:solidFill>
+                  <a:srgbClr val="A31515"/>
+                </a:solidFill>
+                <a:latin typeface="Consolas"/>
+              </a:rPr>
+              <a:t>"</a:t>
+            </a:r>
+            <a:r>
+              <a:rPr lang="ru-RU" sz="1200" dirty="0">
+                <a:solidFill>
+                  <a:prstClr val="black"/>
+                </a:solidFill>
+                <a:latin typeface="Consolas"/>
+              </a:rPr>
+              <a:t>, </a:t>
+            </a:r>
+            <a:r>
+              <a:rPr lang="en-US" sz="1200" dirty="0" err="1" smtClean="0">
+                <a:solidFill>
+                  <a:prstClr val="black"/>
+                </a:solidFill>
+                <a:latin typeface="Consolas"/>
+              </a:rPr>
+              <a:t>driveInfo.DriveType</a:t>
+            </a:r>
+            <a:r>
+              <a:rPr lang="en-US" sz="1200" dirty="0">
+                <a:solidFill>
+                  <a:prstClr val="black"/>
+                </a:solidFill>
+                <a:latin typeface="Consolas"/>
+              </a:rPr>
+              <a:t>);</a:t>
+            </a:r>
+          </a:p>
+          <a:p>
+            <a:r>
+              <a:rPr lang="en-US" sz="1200" dirty="0" smtClean="0">
+                <a:solidFill>
+                  <a:srgbClr val="2B91AF"/>
+                </a:solidFill>
+                <a:latin typeface="Consolas"/>
+              </a:rPr>
+              <a:t>    </a:t>
+            </a:r>
+            <a:r>
+              <a:rPr lang="en-US" sz="1200" dirty="0" err="1" smtClean="0">
+                <a:solidFill>
+                  <a:srgbClr val="2B91AF"/>
+                </a:solidFill>
+                <a:latin typeface="Consolas"/>
+              </a:rPr>
+              <a:t>Console</a:t>
+            </a:r>
+            <a:r>
+              <a:rPr lang="en-US" sz="1200" dirty="0" err="1" smtClean="0">
+                <a:solidFill>
+                  <a:prstClr val="black"/>
+                </a:solidFill>
+                <a:latin typeface="Consolas"/>
+              </a:rPr>
+              <a:t>.WriteLine</a:t>
+            </a:r>
+            <a:r>
+              <a:rPr lang="en-US" sz="1200" dirty="0">
+                <a:solidFill>
+                  <a:prstClr val="black"/>
+                </a:solidFill>
+                <a:latin typeface="Consolas"/>
+              </a:rPr>
+              <a:t>(</a:t>
+            </a:r>
+            <a:r>
+              <a:rPr lang="en-US" sz="1200" dirty="0">
+                <a:solidFill>
+                  <a:srgbClr val="A31515"/>
+                </a:solidFill>
+                <a:latin typeface="Consolas"/>
+              </a:rPr>
+              <a:t>"</a:t>
+            </a:r>
+            <a:r>
+              <a:rPr lang="ru-RU" sz="1200" dirty="0">
+                <a:solidFill>
+                  <a:srgbClr val="A31515"/>
+                </a:solidFill>
+                <a:latin typeface="Consolas"/>
+              </a:rPr>
+              <a:t>Имя             : </a:t>
+            </a:r>
+            <a:r>
+              <a:rPr lang="ru-RU" sz="1200" dirty="0">
+                <a:solidFill>
+                  <a:srgbClr val="3CB371"/>
+                </a:solidFill>
+                <a:latin typeface="Consolas"/>
+              </a:rPr>
+              <a:t>{0}</a:t>
+            </a:r>
+            <a:r>
+              <a:rPr lang="ru-RU" sz="1200" dirty="0">
+                <a:solidFill>
+                  <a:srgbClr val="A31515"/>
+                </a:solidFill>
+                <a:latin typeface="Consolas"/>
+              </a:rPr>
+              <a:t>"</a:t>
+            </a:r>
+            <a:r>
+              <a:rPr lang="ru-RU" sz="1200" dirty="0">
+                <a:solidFill>
+                  <a:prstClr val="black"/>
+                </a:solidFill>
+                <a:latin typeface="Consolas"/>
+              </a:rPr>
+              <a:t>, </a:t>
+            </a:r>
+            <a:r>
+              <a:rPr lang="en-US" sz="1200" dirty="0" err="1">
+                <a:solidFill>
+                  <a:prstClr val="black"/>
+                </a:solidFill>
+                <a:latin typeface="Consolas"/>
+              </a:rPr>
+              <a:t>driveInfo</a:t>
+            </a:r>
+            <a:r>
+              <a:rPr lang="en-US" sz="1200" dirty="0" err="1" smtClean="0">
+                <a:solidFill>
+                  <a:prstClr val="black"/>
+                </a:solidFill>
+                <a:latin typeface="Consolas"/>
+              </a:rPr>
+              <a:t>.Name</a:t>
+            </a:r>
+            <a:r>
+              <a:rPr lang="en-US" sz="1200" dirty="0">
+                <a:solidFill>
+                  <a:prstClr val="black"/>
+                </a:solidFill>
+                <a:latin typeface="Consolas"/>
+              </a:rPr>
+              <a:t>);</a:t>
+            </a:r>
+          </a:p>
+          <a:p>
+            <a:r>
+              <a:rPr lang="en-US" sz="1200" dirty="0">
+                <a:solidFill>
+                  <a:srgbClr val="2B91AF"/>
+                </a:solidFill>
+                <a:latin typeface="Consolas"/>
+              </a:rPr>
+              <a:t> </a:t>
+            </a:r>
+            <a:r>
+              <a:rPr lang="en-US" sz="1200" dirty="0" smtClean="0">
+                <a:solidFill>
+                  <a:srgbClr val="2B91AF"/>
+                </a:solidFill>
+                <a:latin typeface="Consolas"/>
+              </a:rPr>
+              <a:t>   </a:t>
+            </a:r>
+            <a:r>
+              <a:rPr lang="en-US" sz="1200" dirty="0" smtClean="0">
+                <a:solidFill>
+                  <a:srgbClr val="0000FF"/>
+                </a:solidFill>
+                <a:latin typeface="Consolas"/>
+              </a:rPr>
+              <a:t>if</a:t>
+            </a:r>
+            <a:r>
+              <a:rPr lang="en-US" sz="1200" dirty="0" smtClean="0">
+                <a:solidFill>
+                  <a:prstClr val="black"/>
+                </a:solidFill>
+                <a:latin typeface="Consolas"/>
+              </a:rPr>
+              <a:t> </a:t>
+            </a:r>
+            <a:r>
+              <a:rPr lang="en-US" sz="1200" dirty="0">
+                <a:solidFill>
+                  <a:prstClr val="black"/>
+                </a:solidFill>
+                <a:latin typeface="Consolas"/>
+              </a:rPr>
+              <a:t>(</a:t>
+            </a:r>
+            <a:r>
+              <a:rPr lang="en-US" sz="1200" dirty="0" err="1">
+                <a:solidFill>
+                  <a:prstClr val="black"/>
+                </a:solidFill>
+                <a:latin typeface="Consolas"/>
+              </a:rPr>
+              <a:t>drvInf.IsReady</a:t>
+            </a:r>
+            <a:r>
+              <a:rPr lang="en-US" sz="1200" dirty="0">
+                <a:solidFill>
+                  <a:prstClr val="black"/>
+                </a:solidFill>
+                <a:latin typeface="Consolas"/>
+              </a:rPr>
+              <a:t>)</a:t>
+            </a:r>
+          </a:p>
+          <a:p>
+            <a:r>
+              <a:rPr lang="en-US" sz="1200" dirty="0" smtClean="0">
+                <a:solidFill>
+                  <a:prstClr val="black"/>
+                </a:solidFill>
+                <a:latin typeface="Consolas"/>
+              </a:rPr>
+              <a:t>    </a:t>
+            </a:r>
+            <a:r>
+              <a:rPr lang="ru-RU" sz="1200" dirty="0" smtClean="0">
+                <a:solidFill>
+                  <a:prstClr val="black"/>
+                </a:solidFill>
+                <a:latin typeface="Consolas"/>
+              </a:rPr>
+              <a:t>{</a:t>
+            </a:r>
+            <a:endParaRPr lang="ru-RU" sz="1200" dirty="0">
+              <a:solidFill>
+                <a:prstClr val="black"/>
+              </a:solidFill>
+              <a:latin typeface="Consolas"/>
+            </a:endParaRPr>
+          </a:p>
+          <a:p>
+            <a:r>
+              <a:rPr lang="en-US" sz="1200" dirty="0" smtClean="0">
+                <a:solidFill>
+                  <a:srgbClr val="2B91AF"/>
+                </a:solidFill>
+                <a:latin typeface="Consolas"/>
+              </a:rPr>
+              <a:t>        </a:t>
+            </a:r>
+            <a:r>
+              <a:rPr lang="en-US" sz="1200" dirty="0" err="1" smtClean="0">
+                <a:solidFill>
+                  <a:srgbClr val="2B91AF"/>
+                </a:solidFill>
+                <a:latin typeface="Consolas"/>
+              </a:rPr>
+              <a:t>Console</a:t>
+            </a:r>
+            <a:r>
+              <a:rPr lang="en-US" sz="1200" dirty="0" err="1" smtClean="0">
+                <a:solidFill>
+                  <a:prstClr val="black"/>
+                </a:solidFill>
+                <a:latin typeface="Consolas"/>
+              </a:rPr>
+              <a:t>.WriteLine</a:t>
+            </a:r>
+            <a:r>
+              <a:rPr lang="en-US" sz="1200" dirty="0">
+                <a:solidFill>
+                  <a:prstClr val="black"/>
+                </a:solidFill>
+                <a:latin typeface="Consolas"/>
+              </a:rPr>
+              <a:t>(</a:t>
+            </a:r>
+            <a:r>
+              <a:rPr lang="en-US" sz="1200" dirty="0">
+                <a:solidFill>
+                  <a:srgbClr val="A31515"/>
+                </a:solidFill>
+                <a:latin typeface="Consolas"/>
+              </a:rPr>
+              <a:t>"</a:t>
+            </a:r>
+            <a:r>
+              <a:rPr lang="ru-RU" sz="1200" dirty="0">
+                <a:solidFill>
+                  <a:srgbClr val="A31515"/>
+                </a:solidFill>
+                <a:latin typeface="Consolas"/>
+              </a:rPr>
+              <a:t>Файловая система: </a:t>
+            </a:r>
+            <a:r>
+              <a:rPr lang="ru-RU" sz="1200" dirty="0">
+                <a:solidFill>
+                  <a:srgbClr val="3CB371"/>
+                </a:solidFill>
+                <a:latin typeface="Consolas"/>
+              </a:rPr>
+              <a:t>{0}</a:t>
+            </a:r>
+            <a:r>
+              <a:rPr lang="ru-RU" sz="1200" dirty="0">
+                <a:solidFill>
+                  <a:srgbClr val="A31515"/>
+                </a:solidFill>
+                <a:latin typeface="Consolas"/>
+              </a:rPr>
+              <a:t>"</a:t>
+            </a:r>
+            <a:r>
+              <a:rPr lang="ru-RU" sz="1200" dirty="0">
+                <a:solidFill>
+                  <a:prstClr val="black"/>
+                </a:solidFill>
+                <a:latin typeface="Consolas"/>
+              </a:rPr>
+              <a:t>, </a:t>
+            </a:r>
+            <a:r>
+              <a:rPr lang="en-US" sz="1200" dirty="0" err="1">
+                <a:solidFill>
+                  <a:prstClr val="black"/>
+                </a:solidFill>
+                <a:latin typeface="Consolas"/>
+              </a:rPr>
+              <a:t>driveInfo</a:t>
+            </a:r>
+            <a:r>
+              <a:rPr lang="en-US" sz="1200" dirty="0" err="1" smtClean="0">
+                <a:solidFill>
+                  <a:prstClr val="black"/>
+                </a:solidFill>
+                <a:latin typeface="Consolas"/>
+              </a:rPr>
+              <a:t>.DriveFormat</a:t>
+            </a:r>
+            <a:r>
+              <a:rPr lang="en-US" sz="1200" dirty="0">
+                <a:solidFill>
+                  <a:prstClr val="black"/>
+                </a:solidFill>
+                <a:latin typeface="Consolas"/>
+              </a:rPr>
+              <a:t>);</a:t>
+            </a:r>
+          </a:p>
+          <a:p>
+            <a:r>
+              <a:rPr lang="en-US" sz="1200" dirty="0" smtClean="0">
+                <a:solidFill>
+                  <a:srgbClr val="2B91AF"/>
+                </a:solidFill>
+                <a:latin typeface="Consolas"/>
+              </a:rPr>
+              <a:t>        </a:t>
+            </a:r>
+            <a:r>
+              <a:rPr lang="en-US" sz="1200" dirty="0" err="1" smtClean="0">
+                <a:solidFill>
+                  <a:srgbClr val="2B91AF"/>
+                </a:solidFill>
+                <a:latin typeface="Consolas"/>
+              </a:rPr>
+              <a:t>Console</a:t>
+            </a:r>
+            <a:r>
+              <a:rPr lang="en-US" sz="1200" dirty="0" err="1" smtClean="0">
+                <a:solidFill>
+                  <a:prstClr val="black"/>
+                </a:solidFill>
+                <a:latin typeface="Consolas"/>
+              </a:rPr>
+              <a:t>.WriteLine</a:t>
+            </a:r>
+            <a:r>
+              <a:rPr lang="en-US" sz="1200" dirty="0">
+                <a:solidFill>
+                  <a:prstClr val="black"/>
+                </a:solidFill>
+                <a:latin typeface="Consolas"/>
+              </a:rPr>
+              <a:t>(</a:t>
+            </a:r>
+            <a:r>
+              <a:rPr lang="en-US" sz="1200" dirty="0">
+                <a:solidFill>
+                  <a:srgbClr val="A31515"/>
+                </a:solidFill>
+                <a:latin typeface="Consolas"/>
+              </a:rPr>
+              <a:t>"</a:t>
+            </a:r>
+            <a:r>
+              <a:rPr lang="ru-RU" sz="1200" dirty="0">
+                <a:solidFill>
+                  <a:srgbClr val="A31515"/>
+                </a:solidFill>
+                <a:latin typeface="Consolas"/>
+              </a:rPr>
+              <a:t>Готов?          : </a:t>
+            </a:r>
+            <a:r>
+              <a:rPr lang="ru-RU" sz="1200" dirty="0">
+                <a:solidFill>
+                  <a:srgbClr val="3CB371"/>
+                </a:solidFill>
+                <a:latin typeface="Consolas"/>
+              </a:rPr>
+              <a:t>{0}</a:t>
+            </a:r>
+            <a:r>
+              <a:rPr lang="ru-RU" sz="1200" dirty="0">
+                <a:solidFill>
+                  <a:srgbClr val="A31515"/>
+                </a:solidFill>
+                <a:latin typeface="Consolas"/>
+              </a:rPr>
+              <a:t>"</a:t>
+            </a:r>
+            <a:r>
+              <a:rPr lang="ru-RU" sz="1200" dirty="0">
+                <a:solidFill>
+                  <a:prstClr val="black"/>
+                </a:solidFill>
+                <a:latin typeface="Consolas"/>
+              </a:rPr>
+              <a:t>, </a:t>
+            </a:r>
+            <a:r>
+              <a:rPr lang="en-US" sz="1200" dirty="0" err="1">
+                <a:solidFill>
+                  <a:prstClr val="black"/>
+                </a:solidFill>
+                <a:latin typeface="Consolas"/>
+              </a:rPr>
+              <a:t>driveInfo</a:t>
+            </a:r>
+            <a:r>
+              <a:rPr lang="en-US" sz="1200" dirty="0" err="1" smtClean="0">
+                <a:solidFill>
+                  <a:prstClr val="black"/>
+                </a:solidFill>
+                <a:latin typeface="Consolas"/>
+              </a:rPr>
+              <a:t>.IsReady</a:t>
+            </a:r>
+            <a:r>
+              <a:rPr lang="en-US" sz="1200" dirty="0">
+                <a:solidFill>
+                  <a:prstClr val="black"/>
+                </a:solidFill>
+                <a:latin typeface="Consolas"/>
+              </a:rPr>
+              <a:t>);</a:t>
+            </a:r>
+          </a:p>
+          <a:p>
+            <a:r>
+              <a:rPr lang="en-US" sz="1200" dirty="0" smtClean="0">
+                <a:solidFill>
+                  <a:srgbClr val="2B91AF"/>
+                </a:solidFill>
+                <a:latin typeface="Consolas"/>
+              </a:rPr>
+              <a:t>        </a:t>
+            </a:r>
+            <a:r>
+              <a:rPr lang="en-US" sz="1200" dirty="0" err="1" smtClean="0">
+                <a:solidFill>
+                  <a:srgbClr val="2B91AF"/>
+                </a:solidFill>
+                <a:latin typeface="Consolas"/>
+              </a:rPr>
+              <a:t>Console</a:t>
+            </a:r>
+            <a:r>
+              <a:rPr lang="en-US" sz="1200" dirty="0" err="1" smtClean="0">
+                <a:solidFill>
+                  <a:prstClr val="black"/>
+                </a:solidFill>
+                <a:latin typeface="Consolas"/>
+              </a:rPr>
+              <a:t>.WriteLine</a:t>
+            </a:r>
+            <a:r>
+              <a:rPr lang="en-US" sz="1200" dirty="0">
+                <a:solidFill>
+                  <a:prstClr val="black"/>
+                </a:solidFill>
+                <a:latin typeface="Consolas"/>
+              </a:rPr>
+              <a:t>(</a:t>
+            </a:r>
+            <a:r>
+              <a:rPr lang="en-US" sz="1200" dirty="0">
+                <a:solidFill>
+                  <a:srgbClr val="A31515"/>
+                </a:solidFill>
+                <a:latin typeface="Consolas"/>
+              </a:rPr>
+              <a:t>"</a:t>
+            </a:r>
+            <a:r>
+              <a:rPr lang="ru-RU" sz="1200" dirty="0">
+                <a:solidFill>
+                  <a:srgbClr val="A31515"/>
+                </a:solidFill>
+                <a:latin typeface="Consolas"/>
+              </a:rPr>
+              <a:t>Корень          : </a:t>
+            </a:r>
+            <a:r>
+              <a:rPr lang="ru-RU" sz="1200" dirty="0">
+                <a:solidFill>
+                  <a:srgbClr val="3CB371"/>
+                </a:solidFill>
+                <a:latin typeface="Consolas"/>
+              </a:rPr>
+              <a:t>{0}</a:t>
+            </a:r>
+            <a:r>
+              <a:rPr lang="ru-RU" sz="1200" dirty="0">
+                <a:solidFill>
+                  <a:srgbClr val="A31515"/>
+                </a:solidFill>
+                <a:latin typeface="Consolas"/>
+              </a:rPr>
+              <a:t>"</a:t>
+            </a:r>
+            <a:r>
+              <a:rPr lang="ru-RU" sz="1200" dirty="0">
+                <a:solidFill>
+                  <a:prstClr val="black"/>
+                </a:solidFill>
+                <a:latin typeface="Consolas"/>
+              </a:rPr>
+              <a:t>, </a:t>
+            </a:r>
+            <a:r>
+              <a:rPr lang="en-US" sz="1200" dirty="0" err="1">
+                <a:solidFill>
+                  <a:prstClr val="black"/>
+                </a:solidFill>
+                <a:latin typeface="Consolas"/>
+              </a:rPr>
+              <a:t>driveInfo</a:t>
+            </a:r>
+            <a:r>
+              <a:rPr lang="en-US" sz="1200" dirty="0" err="1" smtClean="0">
+                <a:solidFill>
+                  <a:prstClr val="black"/>
+                </a:solidFill>
+                <a:latin typeface="Consolas"/>
+              </a:rPr>
+              <a:t>.RootDirectory</a:t>
+            </a:r>
+            <a:r>
+              <a:rPr lang="en-US" sz="1200" dirty="0">
+                <a:solidFill>
+                  <a:prstClr val="black"/>
+                </a:solidFill>
+                <a:latin typeface="Consolas"/>
+              </a:rPr>
+              <a:t>);</a:t>
+            </a:r>
+          </a:p>
+          <a:p>
+            <a:r>
+              <a:rPr lang="pt-BR" sz="1200" dirty="0" smtClean="0">
+                <a:solidFill>
+                  <a:srgbClr val="2B91AF"/>
+                </a:solidFill>
+                <a:latin typeface="Consolas"/>
+              </a:rPr>
+              <a:t>        Console</a:t>
+            </a:r>
+            <a:r>
+              <a:rPr lang="pt-BR" sz="1200" dirty="0" smtClean="0">
+                <a:solidFill>
+                  <a:prstClr val="black"/>
+                </a:solidFill>
+                <a:latin typeface="Consolas"/>
+              </a:rPr>
+              <a:t>.WriteLine</a:t>
+            </a:r>
+            <a:r>
+              <a:rPr lang="pt-BR" sz="1200" dirty="0">
+                <a:solidFill>
+                  <a:prstClr val="black"/>
+                </a:solidFill>
+                <a:latin typeface="Consolas"/>
+              </a:rPr>
+              <a:t>(</a:t>
+            </a:r>
+            <a:r>
+              <a:rPr lang="pt-BR" sz="1200" dirty="0">
+                <a:solidFill>
+                  <a:srgbClr val="A31515"/>
+                </a:solidFill>
+                <a:latin typeface="Consolas"/>
+              </a:rPr>
+              <a:t>"Свободное место : </a:t>
+            </a:r>
+            <a:r>
+              <a:rPr lang="pt-BR" sz="1200" dirty="0">
+                <a:solidFill>
+                  <a:srgbClr val="3CB371"/>
+                </a:solidFill>
+                <a:latin typeface="Consolas"/>
+              </a:rPr>
+              <a:t>{0:N0}</a:t>
+            </a:r>
+            <a:r>
+              <a:rPr lang="pt-BR" sz="1200" dirty="0">
+                <a:solidFill>
+                  <a:srgbClr val="A31515"/>
+                </a:solidFill>
+                <a:latin typeface="Consolas"/>
+              </a:rPr>
+              <a:t> bytes"</a:t>
+            </a:r>
+            <a:r>
+              <a:rPr lang="pt-BR" sz="1200" dirty="0">
+                <a:solidFill>
+                  <a:prstClr val="black"/>
+                </a:solidFill>
+                <a:latin typeface="Consolas"/>
+              </a:rPr>
+              <a:t>, </a:t>
+            </a:r>
+            <a:r>
+              <a:rPr lang="en-US" sz="1200" dirty="0" err="1">
+                <a:solidFill>
+                  <a:prstClr val="black"/>
+                </a:solidFill>
+                <a:latin typeface="Consolas"/>
+              </a:rPr>
+              <a:t>driveInfo</a:t>
+            </a:r>
+            <a:r>
+              <a:rPr lang="pt-BR" sz="1200" dirty="0" smtClean="0">
+                <a:solidFill>
+                  <a:prstClr val="black"/>
+                </a:solidFill>
+                <a:latin typeface="Consolas"/>
+              </a:rPr>
+              <a:t>.TotalFreeSpace</a:t>
+            </a:r>
+            <a:r>
+              <a:rPr lang="pt-BR" sz="1200" dirty="0">
+                <a:solidFill>
+                  <a:prstClr val="black"/>
+                </a:solidFill>
+                <a:latin typeface="Consolas"/>
+              </a:rPr>
+              <a:t>);</a:t>
+            </a:r>
+          </a:p>
+          <a:p>
+            <a:r>
+              <a:rPr lang="en-US" sz="1200" dirty="0" smtClean="0">
+                <a:solidFill>
+                  <a:srgbClr val="2B91AF"/>
+                </a:solidFill>
+                <a:latin typeface="Consolas"/>
+              </a:rPr>
+              <a:t>        </a:t>
+            </a:r>
+            <a:r>
+              <a:rPr lang="en-US" sz="1200" dirty="0" err="1" smtClean="0">
+                <a:solidFill>
+                  <a:srgbClr val="2B91AF"/>
+                </a:solidFill>
+                <a:latin typeface="Consolas"/>
+              </a:rPr>
+              <a:t>Console</a:t>
+            </a:r>
+            <a:r>
+              <a:rPr lang="en-US" sz="1200" dirty="0" err="1" smtClean="0">
+                <a:solidFill>
+                  <a:prstClr val="black"/>
+                </a:solidFill>
+                <a:latin typeface="Consolas"/>
+              </a:rPr>
+              <a:t>.WriteLine</a:t>
+            </a:r>
+            <a:r>
+              <a:rPr lang="en-US" sz="1200" dirty="0">
+                <a:solidFill>
+                  <a:prstClr val="black"/>
+                </a:solidFill>
+                <a:latin typeface="Consolas"/>
+              </a:rPr>
+              <a:t>(</a:t>
+            </a:r>
+            <a:r>
+              <a:rPr lang="en-US" sz="1200" dirty="0">
+                <a:solidFill>
+                  <a:srgbClr val="A31515"/>
+                </a:solidFill>
+                <a:latin typeface="Consolas"/>
+              </a:rPr>
+              <a:t>"</a:t>
+            </a:r>
+            <a:r>
+              <a:rPr lang="ru-RU" sz="1200" dirty="0">
+                <a:solidFill>
+                  <a:srgbClr val="A31515"/>
+                </a:solidFill>
+                <a:latin typeface="Consolas"/>
+              </a:rPr>
+              <a:t>Размер          : </a:t>
+            </a:r>
+            <a:r>
+              <a:rPr lang="ru-RU" sz="1200" dirty="0">
+                <a:solidFill>
+                  <a:srgbClr val="3CB371"/>
+                </a:solidFill>
+                <a:latin typeface="Consolas"/>
+              </a:rPr>
+              <a:t>{0:</a:t>
+            </a:r>
+            <a:r>
+              <a:rPr lang="en-US" sz="1200" dirty="0">
+                <a:solidFill>
+                  <a:srgbClr val="3CB371"/>
+                </a:solidFill>
+                <a:latin typeface="Consolas"/>
+              </a:rPr>
+              <a:t>N0}</a:t>
+            </a:r>
+            <a:r>
+              <a:rPr lang="en-US" sz="1200" dirty="0">
+                <a:solidFill>
+                  <a:srgbClr val="A31515"/>
+                </a:solidFill>
+                <a:latin typeface="Consolas"/>
+              </a:rPr>
+              <a:t> bytes"</a:t>
+            </a:r>
+            <a:r>
+              <a:rPr lang="en-US" sz="1200" dirty="0">
+                <a:solidFill>
+                  <a:prstClr val="black"/>
+                </a:solidFill>
+                <a:latin typeface="Consolas"/>
+              </a:rPr>
+              <a:t>, </a:t>
+            </a:r>
+            <a:r>
+              <a:rPr lang="en-US" sz="1200" dirty="0" err="1">
+                <a:solidFill>
+                  <a:prstClr val="black"/>
+                </a:solidFill>
+                <a:latin typeface="Consolas"/>
+              </a:rPr>
+              <a:t>driveInfo</a:t>
+            </a:r>
+            <a:r>
+              <a:rPr lang="en-US" sz="1200" dirty="0" err="1" smtClean="0">
+                <a:solidFill>
+                  <a:prstClr val="black"/>
+                </a:solidFill>
+                <a:latin typeface="Consolas"/>
+              </a:rPr>
+              <a:t>.TotalSize</a:t>
+            </a:r>
+            <a:r>
+              <a:rPr lang="en-US" sz="1200" dirty="0">
+                <a:solidFill>
+                  <a:prstClr val="black"/>
+                </a:solidFill>
+                <a:latin typeface="Consolas"/>
+              </a:rPr>
+              <a:t>);</a:t>
+            </a:r>
+          </a:p>
+          <a:p>
+            <a:r>
+              <a:rPr lang="en-US" sz="1200" dirty="0" smtClean="0">
+                <a:solidFill>
+                  <a:srgbClr val="2B91AF"/>
+                </a:solidFill>
+                <a:latin typeface="Consolas"/>
+              </a:rPr>
+              <a:t>        </a:t>
+            </a:r>
+            <a:r>
+              <a:rPr lang="en-US" sz="1200" dirty="0" err="1" smtClean="0">
+                <a:solidFill>
+                  <a:srgbClr val="2B91AF"/>
+                </a:solidFill>
+                <a:latin typeface="Consolas"/>
+              </a:rPr>
+              <a:t>Console</a:t>
+            </a:r>
+            <a:r>
+              <a:rPr lang="en-US" sz="1200" dirty="0" err="1" smtClean="0">
+                <a:solidFill>
+                  <a:prstClr val="black"/>
+                </a:solidFill>
+                <a:latin typeface="Consolas"/>
+              </a:rPr>
+              <a:t>.WriteLine</a:t>
+            </a:r>
+            <a:r>
+              <a:rPr lang="en-US" sz="1200" dirty="0">
+                <a:solidFill>
+                  <a:prstClr val="black"/>
+                </a:solidFill>
+                <a:latin typeface="Consolas"/>
+              </a:rPr>
+              <a:t>(</a:t>
+            </a:r>
+            <a:r>
+              <a:rPr lang="en-US" sz="1200" dirty="0">
+                <a:solidFill>
+                  <a:srgbClr val="A31515"/>
+                </a:solidFill>
+                <a:latin typeface="Consolas"/>
+              </a:rPr>
+              <a:t>"</a:t>
+            </a:r>
+            <a:r>
+              <a:rPr lang="ru-RU" sz="1200" dirty="0">
+                <a:solidFill>
+                  <a:srgbClr val="A31515"/>
+                </a:solidFill>
+                <a:latin typeface="Consolas"/>
+              </a:rPr>
+              <a:t>Метка диска     : </a:t>
+            </a:r>
+            <a:r>
+              <a:rPr lang="ru-RU" sz="1200" dirty="0">
+                <a:solidFill>
+                  <a:srgbClr val="3CB371"/>
+                </a:solidFill>
+                <a:latin typeface="Consolas"/>
+              </a:rPr>
+              <a:t>{0}</a:t>
+            </a:r>
+            <a:r>
+              <a:rPr lang="ru-RU" sz="1200" dirty="0">
+                <a:solidFill>
+                  <a:srgbClr val="A31515"/>
+                </a:solidFill>
+                <a:latin typeface="Consolas"/>
+              </a:rPr>
+              <a:t>"</a:t>
+            </a:r>
+            <a:r>
+              <a:rPr lang="ru-RU" sz="1200" dirty="0">
+                <a:solidFill>
+                  <a:prstClr val="black"/>
+                </a:solidFill>
+                <a:latin typeface="Consolas"/>
+              </a:rPr>
+              <a:t>, </a:t>
+            </a:r>
+            <a:r>
+              <a:rPr lang="en-US" sz="1200" dirty="0" err="1">
+                <a:solidFill>
+                  <a:prstClr val="black"/>
+                </a:solidFill>
+                <a:latin typeface="Consolas"/>
+              </a:rPr>
+              <a:t>driveInfo</a:t>
+            </a:r>
+            <a:r>
+              <a:rPr lang="en-US" sz="1200" dirty="0" err="1" smtClean="0">
+                <a:solidFill>
+                  <a:prstClr val="black"/>
+                </a:solidFill>
+                <a:latin typeface="Consolas"/>
+              </a:rPr>
+              <a:t>.VolumeLabel</a:t>
+            </a:r>
+            <a:r>
+              <a:rPr lang="en-US" sz="1200" dirty="0">
+                <a:solidFill>
+                  <a:prstClr val="black"/>
+                </a:solidFill>
+                <a:latin typeface="Consolas"/>
+              </a:rPr>
+              <a:t>);</a:t>
+            </a:r>
+          </a:p>
+          <a:p>
+            <a:r>
+              <a:rPr lang="en-US" sz="1200" dirty="0" smtClean="0">
+                <a:solidFill>
+                  <a:prstClr val="black"/>
+                </a:solidFill>
+                <a:latin typeface="Consolas"/>
+              </a:rPr>
+              <a:t>    </a:t>
+            </a:r>
+            <a:r>
+              <a:rPr lang="ru-RU" sz="1200" dirty="0" smtClean="0">
+                <a:solidFill>
+                  <a:prstClr val="black"/>
+                </a:solidFill>
+                <a:latin typeface="Consolas"/>
+              </a:rPr>
+              <a:t>}</a:t>
+            </a:r>
+            <a:endParaRPr lang="ru-RU" sz="1200" dirty="0">
+              <a:solidFill>
+                <a:prstClr val="black"/>
+              </a:solidFill>
+              <a:latin typeface="Consolas"/>
+            </a:endParaRPr>
+          </a:p>
+          <a:p>
+            <a:r>
+              <a:rPr lang="ru-RU" sz="1200" dirty="0">
+                <a:solidFill>
+                  <a:prstClr val="black"/>
+                </a:solidFill>
+                <a:latin typeface="Consolas"/>
+              </a:rPr>
+              <a:t>}</a:t>
+            </a:r>
+          </a:p>
+          <a:p>
+            <a:endParaRPr lang="ru-RU" sz="1200" dirty="0">
+              <a:solidFill>
+                <a:prstClr val="black"/>
+              </a:solidFill>
+              <a:latin typeface="Consolas"/>
+            </a:endParaRPr>
+          </a:p>
+          <a:p>
             <a:pPr marL="0" marR="0" lvl="0" indent="0" algn="l" defTabSz="914400" rtl="0" eaLnBrk="1" fontAlgn="base" latinLnBrk="0" hangingPunct="1">
               <a:lnSpc>
                 <a:spcPct val="100000"/>
@@ -8628,1366 +9865,10 @@
               <a:buNone/>
               <a:tabLst/>
             </a:pPr>
-            <a:r>
-              <a:rPr kumimoji="0" lang="ru-RU" altLang="ru-RU" sz="1200" b="0" i="0" u="none" strike="noStrike" cap="none" normalizeH="0" baseline="0" dirty="0" smtClean="0">
-                <a:ln>
-                  <a:noFill/>
-                </a:ln>
-                <a:solidFill>
-                  <a:srgbClr val="008000"/>
-                </a:solidFill>
-                <a:effectLst/>
-                <a:latin typeface="Courier New" panose="02070309020205020404" pitchFamily="49" charset="0"/>
-                <a:cs typeface="Courier New" panose="02070309020205020404" pitchFamily="49" charset="0"/>
-              </a:rPr>
-              <a:t>//DriveInfo di = new DriveInfo(@"C:\");</a:t>
-            </a:r>
             <a:endParaRPr lang="en-US" altLang="ru-RU" sz="1200" dirty="0">
               <a:solidFill>
                 <a:srgbClr val="000000"/>
               </a:solidFill>
-              <a:latin typeface="Courier New" panose="02070309020205020404" pitchFamily="49" charset="0"/>
-              <a:cs typeface="Courier New" panose="02070309020205020404" pitchFamily="49" charset="0"/>
-            </a:endParaRPr>
-          </a:p>
-          <a:p>
-            <a:pPr marL="0" marR="0" lvl="0" indent="0" algn="l" defTabSz="914400" rtl="0" eaLnBrk="1" fontAlgn="base" latinLnBrk="0" hangingPunct="1">
-              <a:lnSpc>
-                <a:spcPct val="100000"/>
-              </a:lnSpc>
-              <a:spcBef>
-                <a:spcPct val="0"/>
-              </a:spcBef>
-              <a:spcAft>
-                <a:spcPct val="0"/>
-              </a:spcAft>
-              <a:buClrTx/>
-              <a:buSzTx/>
-              <a:buFontTx/>
-              <a:buNone/>
-              <a:tabLst/>
-            </a:pPr>
-            <a:r>
-              <a:rPr kumimoji="0" lang="ru-RU" altLang="ru-RU" sz="1200" b="0" i="0" u="none" strike="noStrike" cap="none" normalizeH="0" baseline="0" dirty="0" smtClean="0">
-                <a:ln>
-                  <a:noFill/>
-                </a:ln>
-                <a:solidFill>
-                  <a:srgbClr val="2B91AF"/>
-                </a:solidFill>
-                <a:effectLst/>
-                <a:latin typeface="Courier New" panose="02070309020205020404" pitchFamily="49" charset="0"/>
-                <a:cs typeface="Courier New" panose="02070309020205020404" pitchFamily="49" charset="0"/>
-              </a:rPr>
-              <a:t>DriveInfo</a:t>
-            </a:r>
-            <a:r>
-              <a:rPr kumimoji="0" lang="ru-RU" altLang="ru-RU" sz="1200" b="0" i="0" u="none" strike="noStrike" cap="none" normalizeH="0" baseline="0" dirty="0" smtClean="0">
-                <a:ln>
-                  <a:noFill/>
-                </a:ln>
-                <a:solidFill>
-                  <a:srgbClr val="000000"/>
-                </a:solidFill>
-                <a:effectLst/>
-                <a:latin typeface="Courier New" panose="02070309020205020404" pitchFamily="49" charset="0"/>
-                <a:cs typeface="Courier New" panose="02070309020205020404" pitchFamily="49" charset="0"/>
-              </a:rPr>
-              <a:t>[] drives = </a:t>
-            </a:r>
-            <a:r>
-              <a:rPr kumimoji="0" lang="ru-RU" altLang="ru-RU" sz="1200" b="0" i="0" u="none" strike="noStrike" cap="none" normalizeH="0" baseline="0" dirty="0" smtClean="0">
-                <a:ln>
-                  <a:noFill/>
-                </a:ln>
-                <a:solidFill>
-                  <a:srgbClr val="2B91AF"/>
-                </a:solidFill>
-                <a:effectLst/>
-                <a:latin typeface="Courier New" panose="02070309020205020404" pitchFamily="49" charset="0"/>
-                <a:cs typeface="Courier New" panose="02070309020205020404" pitchFamily="49" charset="0"/>
-              </a:rPr>
-              <a:t>DriveInfo</a:t>
-            </a:r>
-            <a:r>
-              <a:rPr kumimoji="0" lang="ru-RU" altLang="ru-RU" sz="1200" b="0" i="0" u="none" strike="noStrike" cap="none" normalizeH="0" baseline="0" dirty="0" smtClean="0">
-                <a:ln>
-                  <a:noFill/>
-                </a:ln>
-                <a:solidFill>
-                  <a:srgbClr val="000000"/>
-                </a:solidFill>
-                <a:effectLst/>
-                <a:latin typeface="Courier New" panose="02070309020205020404" pitchFamily="49" charset="0"/>
-                <a:cs typeface="Courier New" panose="02070309020205020404" pitchFamily="49" charset="0"/>
-              </a:rPr>
-              <a:t>.GetDrives();</a:t>
-            </a:r>
-            <a:endParaRPr kumimoji="0" lang="en-US" altLang="ru-RU" sz="1200" b="0" i="0" u="none" strike="noStrike" cap="none" normalizeH="0" baseline="0" dirty="0" smtClean="0">
-              <a:ln>
-                <a:noFill/>
-              </a:ln>
-              <a:solidFill>
-                <a:srgbClr val="000000"/>
-              </a:solidFill>
-              <a:effectLst/>
-              <a:latin typeface="Courier New" panose="02070309020205020404" pitchFamily="49" charset="0"/>
-              <a:cs typeface="Courier New" panose="02070309020205020404" pitchFamily="49" charset="0"/>
-            </a:endParaRPr>
-          </a:p>
-          <a:p>
-            <a:pPr marL="0" marR="0" lvl="0" indent="0" algn="l" defTabSz="914400" rtl="0" eaLnBrk="1" fontAlgn="base" latinLnBrk="0" hangingPunct="1">
-              <a:lnSpc>
-                <a:spcPct val="100000"/>
-              </a:lnSpc>
-              <a:spcBef>
-                <a:spcPct val="0"/>
-              </a:spcBef>
-              <a:spcAft>
-                <a:spcPct val="0"/>
-              </a:spcAft>
-              <a:buClrTx/>
-              <a:buSzTx/>
-              <a:buFontTx/>
-              <a:buNone/>
-              <a:tabLst/>
-            </a:pPr>
-            <a:r>
-              <a:rPr kumimoji="0" lang="ru-RU" altLang="ru-RU" sz="1200" b="0" i="0" u="none" strike="noStrike" cap="none" normalizeH="0" baseline="0" dirty="0" smtClean="0">
-                <a:ln>
-                  <a:noFill/>
-                </a:ln>
-                <a:solidFill>
-                  <a:srgbClr val="0000FF"/>
-                </a:solidFill>
-                <a:effectLst/>
-                <a:latin typeface="Courier New" panose="02070309020205020404" pitchFamily="49" charset="0"/>
-                <a:cs typeface="Courier New" panose="02070309020205020404" pitchFamily="49" charset="0"/>
-              </a:rPr>
-              <a:t>foreach</a:t>
-            </a:r>
-            <a:r>
-              <a:rPr kumimoji="0" lang="ru-RU" altLang="ru-RU" sz="1200" b="0" i="0" u="none" strike="noStrike" cap="none" normalizeH="0" baseline="0" dirty="0" smtClean="0">
-                <a:ln>
-                  <a:noFill/>
-                </a:ln>
-                <a:solidFill>
-                  <a:srgbClr val="000000"/>
-                </a:solidFill>
-                <a:effectLst/>
-                <a:latin typeface="Courier New" panose="02070309020205020404" pitchFamily="49" charset="0"/>
-                <a:cs typeface="Courier New" panose="02070309020205020404" pitchFamily="49" charset="0"/>
-              </a:rPr>
-              <a:t> (</a:t>
-            </a:r>
-            <a:r>
-              <a:rPr kumimoji="0" lang="ru-RU" altLang="ru-RU" sz="1200" b="0" i="0" u="none" strike="noStrike" cap="none" normalizeH="0" baseline="0" dirty="0" smtClean="0">
-                <a:ln>
-                  <a:noFill/>
-                </a:ln>
-                <a:solidFill>
-                  <a:srgbClr val="2B91AF"/>
-                </a:solidFill>
-                <a:effectLst/>
-                <a:latin typeface="Courier New" panose="02070309020205020404" pitchFamily="49" charset="0"/>
-                <a:cs typeface="Courier New" panose="02070309020205020404" pitchFamily="49" charset="0"/>
-              </a:rPr>
-              <a:t>DriveInfo</a:t>
-            </a:r>
-            <a:r>
-              <a:rPr kumimoji="0" lang="ru-RU" altLang="ru-RU" sz="1200" b="0" i="0" u="none" strike="noStrike" cap="none" normalizeH="0" baseline="0" dirty="0" smtClean="0">
-                <a:ln>
-                  <a:noFill/>
-                </a:ln>
-                <a:solidFill>
-                  <a:srgbClr val="000000"/>
-                </a:solidFill>
-                <a:effectLst/>
-                <a:latin typeface="Courier New" panose="02070309020205020404" pitchFamily="49" charset="0"/>
-                <a:cs typeface="Courier New" panose="02070309020205020404" pitchFamily="49" charset="0"/>
-              </a:rPr>
-              <a:t> di </a:t>
-            </a:r>
-            <a:r>
-              <a:rPr kumimoji="0" lang="ru-RU" altLang="ru-RU" sz="1200" b="0" i="0" u="none" strike="noStrike" cap="none" normalizeH="0" baseline="0" dirty="0" smtClean="0">
-                <a:ln>
-                  <a:noFill/>
-                </a:ln>
-                <a:solidFill>
-                  <a:srgbClr val="0000FF"/>
-                </a:solidFill>
-                <a:effectLst/>
-                <a:latin typeface="Courier New" panose="02070309020205020404" pitchFamily="49" charset="0"/>
-                <a:cs typeface="Courier New" panose="02070309020205020404" pitchFamily="49" charset="0"/>
-              </a:rPr>
-              <a:t>in</a:t>
-            </a:r>
-            <a:r>
-              <a:rPr kumimoji="0" lang="ru-RU" altLang="ru-RU" sz="1200" b="0" i="0" u="none" strike="noStrike" cap="none" normalizeH="0" baseline="0" dirty="0" smtClean="0">
-                <a:ln>
-                  <a:noFill/>
-                </a:ln>
-                <a:solidFill>
-                  <a:srgbClr val="000000"/>
-                </a:solidFill>
-                <a:effectLst/>
-                <a:latin typeface="Courier New" panose="02070309020205020404" pitchFamily="49" charset="0"/>
-                <a:cs typeface="Courier New" panose="02070309020205020404" pitchFamily="49" charset="0"/>
-              </a:rPr>
-              <a:t> drives)</a:t>
-            </a:r>
-            <a:endParaRPr kumimoji="0" lang="en-US" altLang="ru-RU" sz="1200" b="0" i="0" u="none" strike="noStrike" cap="none" normalizeH="0" baseline="0" dirty="0" smtClean="0">
-              <a:ln>
-                <a:noFill/>
-              </a:ln>
-              <a:solidFill>
-                <a:srgbClr val="000000"/>
-              </a:solidFill>
-              <a:effectLst/>
-              <a:latin typeface="Courier New" panose="02070309020205020404" pitchFamily="49" charset="0"/>
-              <a:cs typeface="Courier New" panose="02070309020205020404" pitchFamily="49" charset="0"/>
-            </a:endParaRPr>
-          </a:p>
-          <a:p>
-            <a:pPr marL="0" marR="0" lvl="0" indent="0" algn="l" defTabSz="914400" rtl="0" eaLnBrk="1" fontAlgn="base" latinLnBrk="0" hangingPunct="1">
-              <a:lnSpc>
-                <a:spcPct val="100000"/>
-              </a:lnSpc>
-              <a:spcBef>
-                <a:spcPct val="0"/>
-              </a:spcBef>
-              <a:spcAft>
-                <a:spcPct val="0"/>
-              </a:spcAft>
-              <a:buClrTx/>
-              <a:buSzTx/>
-              <a:buFontTx/>
-              <a:buNone/>
-              <a:tabLst/>
-            </a:pPr>
-            <a:r>
-              <a:rPr kumimoji="0" lang="ru-RU" altLang="ru-RU" sz="1200" b="0" i="0" u="none" strike="noStrike" cap="none" normalizeH="0" baseline="0" dirty="0" smtClean="0">
-                <a:ln>
-                  <a:noFill/>
-                </a:ln>
-                <a:solidFill>
-                  <a:srgbClr val="000000"/>
-                </a:solidFill>
-                <a:effectLst/>
-                <a:latin typeface="Courier New" panose="02070309020205020404" pitchFamily="49" charset="0"/>
-                <a:cs typeface="Courier New" panose="02070309020205020404" pitchFamily="49" charset="0"/>
-              </a:rPr>
-              <a:t>{</a:t>
-            </a:r>
-            <a:endParaRPr kumimoji="0" lang="en-US" altLang="ru-RU" sz="1200" b="0" i="0" u="none" strike="noStrike" cap="none" normalizeH="0" baseline="0" dirty="0" smtClean="0">
-              <a:ln>
-                <a:noFill/>
-              </a:ln>
-              <a:solidFill>
-                <a:srgbClr val="000000"/>
-              </a:solidFill>
-              <a:effectLst/>
-              <a:latin typeface="Courier New" panose="02070309020205020404" pitchFamily="49" charset="0"/>
-              <a:cs typeface="Courier New" panose="02070309020205020404" pitchFamily="49" charset="0"/>
-            </a:endParaRPr>
-          </a:p>
-          <a:p>
-            <a:pPr marL="0" marR="0" lvl="0" indent="0" algn="l" defTabSz="914400" rtl="0" eaLnBrk="1" fontAlgn="base" latinLnBrk="0" hangingPunct="1">
-              <a:lnSpc>
-                <a:spcPct val="100000"/>
-              </a:lnSpc>
-              <a:spcBef>
-                <a:spcPct val="0"/>
-              </a:spcBef>
-              <a:spcAft>
-                <a:spcPct val="0"/>
-              </a:spcAft>
-              <a:buClrTx/>
-              <a:buSzTx/>
-              <a:buFontTx/>
-              <a:buNone/>
-              <a:tabLst/>
-            </a:pPr>
-            <a:r>
-              <a:rPr lang="en-US" altLang="ru-RU" sz="1200" dirty="0">
-                <a:solidFill>
-                  <a:srgbClr val="000000"/>
-                </a:solidFill>
-                <a:latin typeface="Courier New" panose="02070309020205020404" pitchFamily="49" charset="0"/>
-                <a:cs typeface="Courier New" panose="02070309020205020404" pitchFamily="49" charset="0"/>
-              </a:rPr>
-              <a:t>	</a:t>
-            </a:r>
-            <a:r>
-              <a:rPr kumimoji="0" lang="ru-RU" altLang="ru-RU" sz="1200" b="0" i="0" u="none" strike="noStrike" cap="none" normalizeH="0" baseline="0" dirty="0" smtClean="0">
-                <a:ln>
-                  <a:noFill/>
-                </a:ln>
-                <a:solidFill>
-                  <a:srgbClr val="2B91AF"/>
-                </a:solidFill>
-                <a:effectLst/>
-                <a:latin typeface="Courier New" panose="02070309020205020404" pitchFamily="49" charset="0"/>
-                <a:cs typeface="Courier New" panose="02070309020205020404" pitchFamily="49" charset="0"/>
-              </a:rPr>
-              <a:t>Console</a:t>
-            </a:r>
-            <a:r>
-              <a:rPr kumimoji="0" lang="ru-RU" altLang="ru-RU" sz="1200" b="0" i="0" u="none" strike="noStrike" cap="none" normalizeH="0" baseline="0" dirty="0" smtClean="0">
-                <a:ln>
-                  <a:noFill/>
-                </a:ln>
-                <a:solidFill>
-                  <a:srgbClr val="000000"/>
-                </a:solidFill>
-                <a:effectLst/>
-                <a:latin typeface="Courier New" panose="02070309020205020404" pitchFamily="49" charset="0"/>
-                <a:cs typeface="Courier New" panose="02070309020205020404" pitchFamily="49" charset="0"/>
-              </a:rPr>
-              <a:t>.WriteLine(</a:t>
-            </a:r>
-            <a:r>
-              <a:rPr kumimoji="0" lang="ru-RU" altLang="ru-RU" sz="1200" b="0" i="0" u="none" strike="noStrike" cap="none" normalizeH="0" baseline="0" dirty="0" smtClean="0">
-                <a:ln>
-                  <a:noFill/>
-                </a:ln>
-                <a:solidFill>
-                  <a:srgbClr val="A31515"/>
-                </a:solidFill>
-                <a:effectLst/>
-                <a:latin typeface="Courier New" panose="02070309020205020404" pitchFamily="49" charset="0"/>
-                <a:cs typeface="Courier New" panose="02070309020205020404" pitchFamily="49" charset="0"/>
-              </a:rPr>
-              <a:t>"---------------------------------"</a:t>
-            </a:r>
-            <a:r>
-              <a:rPr kumimoji="0" lang="ru-RU" altLang="ru-RU" sz="1200" b="0" i="0" u="none" strike="noStrike" cap="none" normalizeH="0" baseline="0" dirty="0" smtClean="0">
-                <a:ln>
-                  <a:noFill/>
-                </a:ln>
-                <a:solidFill>
-                  <a:srgbClr val="000000"/>
-                </a:solidFill>
-                <a:effectLst/>
-                <a:latin typeface="Courier New" panose="02070309020205020404" pitchFamily="49" charset="0"/>
-                <a:cs typeface="Courier New" panose="02070309020205020404" pitchFamily="49" charset="0"/>
-              </a:rPr>
-              <a:t>);</a:t>
-            </a:r>
-            <a:endParaRPr kumimoji="0" lang="en-US" altLang="ru-RU" sz="1200" b="0" i="0" u="none" strike="noStrike" cap="none" normalizeH="0" baseline="0" dirty="0" smtClean="0">
-              <a:ln>
-                <a:noFill/>
-              </a:ln>
-              <a:solidFill>
-                <a:srgbClr val="000000"/>
-              </a:solidFill>
-              <a:effectLst/>
-              <a:latin typeface="Courier New" panose="02070309020205020404" pitchFamily="49" charset="0"/>
-              <a:cs typeface="Courier New" panose="02070309020205020404" pitchFamily="49" charset="0"/>
-            </a:endParaRPr>
-          </a:p>
-          <a:p>
-            <a:pPr marL="0" marR="0" lvl="0" indent="0" algn="l" defTabSz="914400" rtl="0" eaLnBrk="1" fontAlgn="base" latinLnBrk="0" hangingPunct="1">
-              <a:lnSpc>
-                <a:spcPct val="100000"/>
-              </a:lnSpc>
-              <a:spcBef>
-                <a:spcPct val="0"/>
-              </a:spcBef>
-              <a:spcAft>
-                <a:spcPct val="0"/>
-              </a:spcAft>
-              <a:buClrTx/>
-              <a:buSzTx/>
-              <a:buFontTx/>
-              <a:buNone/>
-              <a:tabLst/>
-            </a:pPr>
-            <a:r>
-              <a:rPr lang="en-US" altLang="ru-RU" sz="1200" dirty="0">
-                <a:solidFill>
-                  <a:srgbClr val="000000"/>
-                </a:solidFill>
-                <a:latin typeface="Courier New" panose="02070309020205020404" pitchFamily="49" charset="0"/>
-                <a:cs typeface="Courier New" panose="02070309020205020404" pitchFamily="49" charset="0"/>
-              </a:rPr>
-              <a:t>	</a:t>
-            </a:r>
-            <a:r>
-              <a:rPr kumimoji="0" lang="ru-RU" altLang="ru-RU" sz="1200" b="0" i="0" u="none" strike="noStrike" cap="none" normalizeH="0" baseline="0" dirty="0" smtClean="0">
-                <a:ln>
-                  <a:noFill/>
-                </a:ln>
-                <a:solidFill>
-                  <a:srgbClr val="2B91AF"/>
-                </a:solidFill>
-                <a:effectLst/>
-                <a:latin typeface="Courier New" panose="02070309020205020404" pitchFamily="49" charset="0"/>
-                <a:cs typeface="Courier New" panose="02070309020205020404" pitchFamily="49" charset="0"/>
-              </a:rPr>
-              <a:t>Console</a:t>
-            </a:r>
-            <a:r>
-              <a:rPr kumimoji="0" lang="ru-RU" altLang="ru-RU" sz="1200" b="0" i="0" u="none" strike="noStrike" cap="none" normalizeH="0" baseline="0" dirty="0" smtClean="0">
-                <a:ln>
-                  <a:noFill/>
-                </a:ln>
-                <a:solidFill>
-                  <a:srgbClr val="000000"/>
-                </a:solidFill>
-                <a:effectLst/>
-                <a:latin typeface="Courier New" panose="02070309020205020404" pitchFamily="49" charset="0"/>
-                <a:cs typeface="Courier New" panose="02070309020205020404" pitchFamily="49" charset="0"/>
-              </a:rPr>
-              <a:t>.WriteLine(</a:t>
-            </a:r>
-            <a:r>
-              <a:rPr kumimoji="0" lang="ru-RU" altLang="ru-RU" sz="1200" b="0" i="0" u="none" strike="noStrike" cap="none" normalizeH="0" baseline="0" dirty="0" smtClean="0">
-                <a:ln>
-                  <a:noFill/>
-                </a:ln>
-                <a:solidFill>
-                  <a:srgbClr val="A31515"/>
-                </a:solidFill>
-                <a:effectLst/>
-                <a:latin typeface="Courier New" panose="02070309020205020404" pitchFamily="49" charset="0"/>
-                <a:cs typeface="Courier New" panose="02070309020205020404" pitchFamily="49" charset="0"/>
-              </a:rPr>
-              <a:t>"Type      : {0}"</a:t>
-            </a:r>
-            <a:r>
-              <a:rPr kumimoji="0" lang="ru-RU" altLang="ru-RU" sz="1200" b="0" i="0" u="none" strike="noStrike" cap="none" normalizeH="0" baseline="0" dirty="0" smtClean="0">
-                <a:ln>
-                  <a:noFill/>
-                </a:ln>
-                <a:solidFill>
-                  <a:srgbClr val="000000"/>
-                </a:solidFill>
-                <a:effectLst/>
-                <a:latin typeface="Courier New" panose="02070309020205020404" pitchFamily="49" charset="0"/>
-                <a:cs typeface="Courier New" panose="02070309020205020404" pitchFamily="49" charset="0"/>
-              </a:rPr>
-              <a:t>, di.DriveType);</a:t>
-            </a:r>
-            <a:endParaRPr kumimoji="0" lang="en-US" altLang="ru-RU" sz="1200" b="0" i="0" u="none" strike="noStrike" cap="none" normalizeH="0" baseline="0" dirty="0" smtClean="0">
-              <a:ln>
-                <a:noFill/>
-              </a:ln>
-              <a:solidFill>
-                <a:srgbClr val="000000"/>
-              </a:solidFill>
-              <a:effectLst/>
-              <a:latin typeface="Courier New" panose="02070309020205020404" pitchFamily="49" charset="0"/>
-              <a:cs typeface="Courier New" panose="02070309020205020404" pitchFamily="49" charset="0"/>
-            </a:endParaRPr>
-          </a:p>
-          <a:p>
-            <a:pPr marL="0" marR="0" lvl="0" indent="0" algn="l" defTabSz="914400" rtl="0" eaLnBrk="1" fontAlgn="base" latinLnBrk="0" hangingPunct="1">
-              <a:lnSpc>
-                <a:spcPct val="100000"/>
-              </a:lnSpc>
-              <a:spcBef>
-                <a:spcPct val="0"/>
-              </a:spcBef>
-              <a:spcAft>
-                <a:spcPct val="0"/>
-              </a:spcAft>
-              <a:buClrTx/>
-              <a:buSzTx/>
-              <a:buFontTx/>
-              <a:buNone/>
-              <a:tabLst/>
-            </a:pPr>
-            <a:r>
-              <a:rPr lang="en-US" altLang="ru-RU" sz="1200" dirty="0">
-                <a:solidFill>
-                  <a:srgbClr val="000000"/>
-                </a:solidFill>
-                <a:latin typeface="Courier New" panose="02070309020205020404" pitchFamily="49" charset="0"/>
-                <a:cs typeface="Courier New" panose="02070309020205020404" pitchFamily="49" charset="0"/>
-              </a:rPr>
-              <a:t>	</a:t>
-            </a:r>
-            <a:r>
-              <a:rPr kumimoji="0" lang="ru-RU" altLang="ru-RU" sz="1200" b="0" i="0" u="none" strike="noStrike" cap="none" normalizeH="0" baseline="0" dirty="0" smtClean="0">
-                <a:ln>
-                  <a:noFill/>
-                </a:ln>
-                <a:solidFill>
-                  <a:srgbClr val="2B91AF"/>
-                </a:solidFill>
-                <a:effectLst/>
-                <a:latin typeface="Courier New" panose="02070309020205020404" pitchFamily="49" charset="0"/>
-                <a:cs typeface="Courier New" panose="02070309020205020404" pitchFamily="49" charset="0"/>
-              </a:rPr>
-              <a:t>Console</a:t>
-            </a:r>
-            <a:r>
-              <a:rPr kumimoji="0" lang="ru-RU" altLang="ru-RU" sz="1200" b="0" i="0" u="none" strike="noStrike" cap="none" normalizeH="0" baseline="0" dirty="0" smtClean="0">
-                <a:ln>
-                  <a:noFill/>
-                </a:ln>
-                <a:solidFill>
-                  <a:srgbClr val="000000"/>
-                </a:solidFill>
-                <a:effectLst/>
-                <a:latin typeface="Courier New" panose="02070309020205020404" pitchFamily="49" charset="0"/>
-                <a:cs typeface="Courier New" panose="02070309020205020404" pitchFamily="49" charset="0"/>
-              </a:rPr>
-              <a:t>.WriteLine(</a:t>
-            </a:r>
-            <a:r>
-              <a:rPr kumimoji="0" lang="ru-RU" altLang="ru-RU" sz="1200" b="0" i="0" u="none" strike="noStrike" cap="none" normalizeH="0" baseline="0" dirty="0" smtClean="0">
-                <a:ln>
-                  <a:noFill/>
-                </a:ln>
-                <a:solidFill>
-                  <a:srgbClr val="A31515"/>
-                </a:solidFill>
-                <a:effectLst/>
-                <a:latin typeface="Courier New" panose="02070309020205020404" pitchFamily="49" charset="0"/>
-                <a:cs typeface="Courier New" panose="02070309020205020404" pitchFamily="49" charset="0"/>
-              </a:rPr>
-              <a:t>"Name      : {0}"</a:t>
-            </a:r>
-            <a:r>
-              <a:rPr kumimoji="0" lang="ru-RU" altLang="ru-RU" sz="1200" b="0" i="0" u="none" strike="noStrike" cap="none" normalizeH="0" baseline="0" dirty="0" smtClean="0">
-                <a:ln>
-                  <a:noFill/>
-                </a:ln>
-                <a:solidFill>
-                  <a:srgbClr val="000000"/>
-                </a:solidFill>
-                <a:effectLst/>
-                <a:latin typeface="Courier New" panose="02070309020205020404" pitchFamily="49" charset="0"/>
-                <a:cs typeface="Courier New" panose="02070309020205020404" pitchFamily="49" charset="0"/>
-              </a:rPr>
-              <a:t>, di.Name);</a:t>
-            </a:r>
-            <a:endParaRPr kumimoji="0" lang="en-US" altLang="ru-RU" sz="1200" b="0" i="0" u="none" strike="noStrike" cap="none" normalizeH="0" baseline="0" dirty="0" smtClean="0">
-              <a:ln>
-                <a:noFill/>
-              </a:ln>
-              <a:solidFill>
-                <a:srgbClr val="000000"/>
-              </a:solidFill>
-              <a:effectLst/>
-              <a:latin typeface="Courier New" panose="02070309020205020404" pitchFamily="49" charset="0"/>
-              <a:cs typeface="Courier New" panose="02070309020205020404" pitchFamily="49" charset="0"/>
-            </a:endParaRPr>
-          </a:p>
-          <a:p>
-            <a:pPr marL="0" marR="0" lvl="0" indent="0" algn="l" defTabSz="914400" rtl="0" eaLnBrk="1" fontAlgn="base" latinLnBrk="0" hangingPunct="1">
-              <a:lnSpc>
-                <a:spcPct val="100000"/>
-              </a:lnSpc>
-              <a:spcBef>
-                <a:spcPct val="0"/>
-              </a:spcBef>
-              <a:spcAft>
-                <a:spcPct val="0"/>
-              </a:spcAft>
-              <a:buClrTx/>
-              <a:buSzTx/>
-              <a:buFontTx/>
-              <a:buNone/>
-              <a:tabLst/>
-            </a:pPr>
-            <a:r>
-              <a:rPr lang="en-US" altLang="ru-RU" sz="1200" dirty="0">
-                <a:solidFill>
-                  <a:srgbClr val="000000"/>
-                </a:solidFill>
-                <a:latin typeface="Courier New" panose="02070309020205020404" pitchFamily="49" charset="0"/>
-                <a:cs typeface="Courier New" panose="02070309020205020404" pitchFamily="49" charset="0"/>
-              </a:rPr>
-              <a:t>	</a:t>
-            </a:r>
-            <a:r>
-              <a:rPr kumimoji="0" lang="ru-RU" altLang="ru-RU" sz="1200" b="0" i="0" u="none" strike="noStrike" cap="none" normalizeH="0" baseline="0" dirty="0" smtClean="0">
-                <a:ln>
-                  <a:noFill/>
-                </a:ln>
-                <a:solidFill>
-                  <a:srgbClr val="0000FF"/>
-                </a:solidFill>
-                <a:effectLst/>
-                <a:latin typeface="Courier New" panose="02070309020205020404" pitchFamily="49" charset="0"/>
-                <a:cs typeface="Courier New" panose="02070309020205020404" pitchFamily="49" charset="0"/>
-              </a:rPr>
-              <a:t>if</a:t>
-            </a:r>
-            <a:r>
-              <a:rPr kumimoji="0" lang="ru-RU" altLang="ru-RU" sz="1200" b="0" i="0" u="none" strike="noStrike" cap="none" normalizeH="0" baseline="0" dirty="0" smtClean="0">
-                <a:ln>
-                  <a:noFill/>
-                </a:ln>
-                <a:solidFill>
-                  <a:srgbClr val="000000"/>
-                </a:solidFill>
-                <a:effectLst/>
-                <a:latin typeface="Courier New" panose="02070309020205020404" pitchFamily="49" charset="0"/>
-                <a:cs typeface="Courier New" panose="02070309020205020404" pitchFamily="49" charset="0"/>
-              </a:rPr>
-              <a:t> (di.IsReady)</a:t>
-            </a:r>
-            <a:endParaRPr kumimoji="0" lang="en-US" altLang="ru-RU" sz="1200" b="0" i="0" u="none" strike="noStrike" cap="none" normalizeH="0" baseline="0" dirty="0" smtClean="0">
-              <a:ln>
-                <a:noFill/>
-              </a:ln>
-              <a:solidFill>
-                <a:srgbClr val="000000"/>
-              </a:solidFill>
-              <a:effectLst/>
-              <a:latin typeface="Courier New" panose="02070309020205020404" pitchFamily="49" charset="0"/>
-              <a:cs typeface="Courier New" panose="02070309020205020404" pitchFamily="49" charset="0"/>
-            </a:endParaRPr>
-          </a:p>
-          <a:p>
-            <a:pPr marL="0" marR="0" lvl="0" indent="0" algn="l" defTabSz="914400" rtl="0" eaLnBrk="1" fontAlgn="base" latinLnBrk="0" hangingPunct="1">
-              <a:lnSpc>
-                <a:spcPct val="100000"/>
-              </a:lnSpc>
-              <a:spcBef>
-                <a:spcPct val="0"/>
-              </a:spcBef>
-              <a:spcAft>
-                <a:spcPct val="0"/>
-              </a:spcAft>
-              <a:buClrTx/>
-              <a:buSzTx/>
-              <a:buFontTx/>
-              <a:buNone/>
-              <a:tabLst/>
-            </a:pPr>
-            <a:r>
-              <a:rPr lang="en-US" altLang="ru-RU" sz="1200" dirty="0">
-                <a:solidFill>
-                  <a:srgbClr val="000000"/>
-                </a:solidFill>
-                <a:latin typeface="Courier New" panose="02070309020205020404" pitchFamily="49" charset="0"/>
-                <a:cs typeface="Courier New" panose="02070309020205020404" pitchFamily="49" charset="0"/>
-              </a:rPr>
-              <a:t>	</a:t>
-            </a:r>
-            <a:r>
-              <a:rPr kumimoji="0" lang="ru-RU" altLang="ru-RU" sz="1200" b="0" i="0" u="none" strike="noStrike" cap="none" normalizeH="0" baseline="0" dirty="0" smtClean="0">
-                <a:ln>
-                  <a:noFill/>
-                </a:ln>
-                <a:solidFill>
-                  <a:srgbClr val="000000"/>
-                </a:solidFill>
-                <a:effectLst/>
-                <a:latin typeface="Courier New" panose="02070309020205020404" pitchFamily="49" charset="0"/>
-                <a:cs typeface="Courier New" panose="02070309020205020404" pitchFamily="49" charset="0"/>
-              </a:rPr>
-              <a:t>{</a:t>
-            </a:r>
-            <a:endParaRPr kumimoji="0" lang="en-US" altLang="ru-RU" sz="1200" b="0" i="0" u="none" strike="noStrike" cap="none" normalizeH="0" baseline="0" dirty="0" smtClean="0">
-              <a:ln>
-                <a:noFill/>
-              </a:ln>
-              <a:solidFill>
-                <a:srgbClr val="000000"/>
-              </a:solidFill>
-              <a:effectLst/>
-              <a:latin typeface="Courier New" panose="02070309020205020404" pitchFamily="49" charset="0"/>
-              <a:cs typeface="Courier New" panose="02070309020205020404" pitchFamily="49" charset="0"/>
-            </a:endParaRPr>
-          </a:p>
-          <a:p>
-            <a:pPr marL="0" marR="0" lvl="0" indent="0" algn="l" defTabSz="914400" rtl="0" eaLnBrk="1" fontAlgn="base" latinLnBrk="0" hangingPunct="1">
-              <a:lnSpc>
-                <a:spcPct val="100000"/>
-              </a:lnSpc>
-              <a:spcBef>
-                <a:spcPct val="0"/>
-              </a:spcBef>
-              <a:spcAft>
-                <a:spcPct val="0"/>
-              </a:spcAft>
-              <a:buClrTx/>
-              <a:buSzTx/>
-              <a:buFontTx/>
-              <a:buNone/>
-              <a:tabLst/>
-            </a:pPr>
-            <a:r>
-              <a:rPr lang="en-US" altLang="ru-RU" sz="1200" dirty="0">
-                <a:solidFill>
-                  <a:srgbClr val="000000"/>
-                </a:solidFill>
-                <a:latin typeface="Courier New" panose="02070309020205020404" pitchFamily="49" charset="0"/>
-                <a:cs typeface="Courier New" panose="02070309020205020404" pitchFamily="49" charset="0"/>
-              </a:rPr>
-              <a:t>	</a:t>
-            </a:r>
-            <a:r>
-              <a:rPr lang="en-US" altLang="ru-RU" sz="1200" dirty="0" smtClean="0">
-                <a:solidFill>
-                  <a:srgbClr val="000000"/>
-                </a:solidFill>
-                <a:latin typeface="Courier New" panose="02070309020205020404" pitchFamily="49" charset="0"/>
-                <a:cs typeface="Courier New" panose="02070309020205020404" pitchFamily="49" charset="0"/>
-              </a:rPr>
-              <a:t>	</a:t>
-            </a:r>
-            <a:r>
-              <a:rPr kumimoji="0" lang="ru-RU" altLang="ru-RU" sz="1200" b="0" i="0" u="none" strike="noStrike" cap="none" normalizeH="0" baseline="0" dirty="0" smtClean="0">
-                <a:ln>
-                  <a:noFill/>
-                </a:ln>
-                <a:solidFill>
-                  <a:srgbClr val="2B91AF"/>
-                </a:solidFill>
-                <a:effectLst/>
-                <a:latin typeface="Courier New" panose="02070309020205020404" pitchFamily="49" charset="0"/>
-                <a:cs typeface="Courier New" panose="02070309020205020404" pitchFamily="49" charset="0"/>
-              </a:rPr>
-              <a:t>Console</a:t>
-            </a:r>
-            <a:r>
-              <a:rPr kumimoji="0" lang="ru-RU" altLang="ru-RU" sz="1200" b="0" i="0" u="none" strike="noStrike" cap="none" normalizeH="0" baseline="0" dirty="0" smtClean="0">
-                <a:ln>
-                  <a:noFill/>
-                </a:ln>
-                <a:solidFill>
-                  <a:srgbClr val="000000"/>
-                </a:solidFill>
-                <a:effectLst/>
-                <a:latin typeface="Courier New" panose="02070309020205020404" pitchFamily="49" charset="0"/>
-                <a:cs typeface="Courier New" panose="02070309020205020404" pitchFamily="49" charset="0"/>
-              </a:rPr>
-              <a:t>.WriteLine(</a:t>
-            </a:r>
-            <a:r>
-              <a:rPr kumimoji="0" lang="ru-RU" altLang="ru-RU" sz="1200" b="0" i="0" u="none" strike="noStrike" cap="none" normalizeH="0" baseline="0" dirty="0" smtClean="0">
-                <a:ln>
-                  <a:noFill/>
-                </a:ln>
-                <a:solidFill>
-                  <a:srgbClr val="A31515"/>
-                </a:solidFill>
-                <a:effectLst/>
-                <a:latin typeface="Courier New" panose="02070309020205020404" pitchFamily="49" charset="0"/>
-                <a:cs typeface="Courier New" panose="02070309020205020404" pitchFamily="49" charset="0"/>
-              </a:rPr>
-              <a:t>"Format    : {0}"</a:t>
-            </a:r>
-            <a:r>
-              <a:rPr kumimoji="0" lang="ru-RU" altLang="ru-RU" sz="1200" b="0" i="0" u="none" strike="noStrike" cap="none" normalizeH="0" baseline="0" dirty="0" smtClean="0">
-                <a:ln>
-                  <a:noFill/>
-                </a:ln>
-                <a:solidFill>
-                  <a:srgbClr val="000000"/>
-                </a:solidFill>
-                <a:effectLst/>
-                <a:latin typeface="Courier New" panose="02070309020205020404" pitchFamily="49" charset="0"/>
-                <a:cs typeface="Courier New" panose="02070309020205020404" pitchFamily="49" charset="0"/>
-              </a:rPr>
-              <a:t>, di.DriveFormat);</a:t>
-            </a:r>
-            <a:endParaRPr kumimoji="0" lang="en-US" altLang="ru-RU" sz="1200" b="0" i="0" u="none" strike="noStrike" cap="none" normalizeH="0" baseline="0" dirty="0" smtClean="0">
-              <a:ln>
-                <a:noFill/>
-              </a:ln>
-              <a:solidFill>
-                <a:srgbClr val="000000"/>
-              </a:solidFill>
-              <a:effectLst/>
-              <a:latin typeface="Courier New" panose="02070309020205020404" pitchFamily="49" charset="0"/>
-              <a:cs typeface="Courier New" panose="02070309020205020404" pitchFamily="49" charset="0"/>
-            </a:endParaRPr>
-          </a:p>
-          <a:p>
-            <a:pPr marL="0" marR="0" lvl="0" indent="0" algn="l" defTabSz="914400" rtl="0" eaLnBrk="1" fontAlgn="base" latinLnBrk="0" hangingPunct="1">
-              <a:lnSpc>
-                <a:spcPct val="100000"/>
-              </a:lnSpc>
-              <a:spcBef>
-                <a:spcPct val="0"/>
-              </a:spcBef>
-              <a:spcAft>
-                <a:spcPct val="0"/>
-              </a:spcAft>
-              <a:buClrTx/>
-              <a:buSzTx/>
-              <a:buFontTx/>
-              <a:buNone/>
-              <a:tabLst/>
-            </a:pPr>
-            <a:r>
-              <a:rPr kumimoji="0" lang="en-US" altLang="ru-RU" sz="1200" b="0" i="0" u="none" strike="noStrike" cap="none" normalizeH="0" baseline="0" dirty="0" smtClean="0">
-                <a:ln>
-                  <a:noFill/>
-                </a:ln>
-                <a:solidFill>
-                  <a:srgbClr val="2B91AF"/>
-                </a:solidFill>
-                <a:effectLst/>
-                <a:latin typeface="Courier New" panose="02070309020205020404" pitchFamily="49" charset="0"/>
-                <a:cs typeface="Courier New" panose="02070309020205020404" pitchFamily="49" charset="0"/>
-              </a:rPr>
-              <a:t>		</a:t>
-            </a:r>
-            <a:r>
-              <a:rPr kumimoji="0" lang="ru-RU" altLang="ru-RU" sz="1200" b="0" i="0" u="none" strike="noStrike" cap="none" normalizeH="0" baseline="0" dirty="0" smtClean="0">
-                <a:ln>
-                  <a:noFill/>
-                </a:ln>
-                <a:solidFill>
-                  <a:srgbClr val="2B91AF"/>
-                </a:solidFill>
-                <a:effectLst/>
-                <a:latin typeface="Courier New" panose="02070309020205020404" pitchFamily="49" charset="0"/>
-                <a:cs typeface="Courier New" panose="02070309020205020404" pitchFamily="49" charset="0"/>
-              </a:rPr>
-              <a:t>Console</a:t>
-            </a:r>
-            <a:r>
-              <a:rPr kumimoji="0" lang="ru-RU" altLang="ru-RU" sz="1200" b="0" i="0" u="none" strike="noStrike" cap="none" normalizeH="0" baseline="0" dirty="0" smtClean="0">
-                <a:ln>
-                  <a:noFill/>
-                </a:ln>
-                <a:solidFill>
-                  <a:srgbClr val="000000"/>
-                </a:solidFill>
-                <a:effectLst/>
-                <a:latin typeface="Courier New" panose="02070309020205020404" pitchFamily="49" charset="0"/>
-                <a:cs typeface="Courier New" panose="02070309020205020404" pitchFamily="49" charset="0"/>
-              </a:rPr>
-              <a:t>.WriteLine(</a:t>
-            </a:r>
-            <a:r>
-              <a:rPr kumimoji="0" lang="ru-RU" altLang="ru-RU" sz="1200" b="0" i="0" u="none" strike="noStrike" cap="none" normalizeH="0" baseline="0" dirty="0" smtClean="0">
-                <a:ln>
-                  <a:noFill/>
-                </a:ln>
-                <a:solidFill>
-                  <a:srgbClr val="A31515"/>
-                </a:solidFill>
-                <a:effectLst/>
-                <a:latin typeface="Courier New" panose="02070309020205020404" pitchFamily="49" charset="0"/>
-                <a:cs typeface="Courier New" panose="02070309020205020404" pitchFamily="49" charset="0"/>
-              </a:rPr>
-              <a:t>"Ready     : {0}"</a:t>
-            </a:r>
-            <a:r>
-              <a:rPr kumimoji="0" lang="ru-RU" altLang="ru-RU" sz="1200" b="0" i="0" u="none" strike="noStrike" cap="none" normalizeH="0" baseline="0" dirty="0" smtClean="0">
-                <a:ln>
-                  <a:noFill/>
-                </a:ln>
-                <a:solidFill>
-                  <a:srgbClr val="000000"/>
-                </a:solidFill>
-                <a:effectLst/>
-                <a:latin typeface="Courier New" panose="02070309020205020404" pitchFamily="49" charset="0"/>
-                <a:cs typeface="Courier New" panose="02070309020205020404" pitchFamily="49" charset="0"/>
-              </a:rPr>
-              <a:t>, di.IsReady);</a:t>
-            </a:r>
-            <a:endParaRPr kumimoji="0" lang="en-US" altLang="ru-RU" sz="1200" b="0" i="0" u="none" strike="noStrike" cap="none" normalizeH="0" baseline="0" dirty="0" smtClean="0">
-              <a:ln>
-                <a:noFill/>
-              </a:ln>
-              <a:solidFill>
-                <a:srgbClr val="000000"/>
-              </a:solidFill>
-              <a:effectLst/>
-              <a:latin typeface="Courier New" panose="02070309020205020404" pitchFamily="49" charset="0"/>
-              <a:cs typeface="Courier New" panose="02070309020205020404" pitchFamily="49" charset="0"/>
-            </a:endParaRPr>
-          </a:p>
-          <a:p>
-            <a:pPr marL="0" marR="0" lvl="0" indent="0" algn="l" defTabSz="914400" rtl="0" eaLnBrk="1" fontAlgn="base" latinLnBrk="0" hangingPunct="1">
-              <a:lnSpc>
-                <a:spcPct val="100000"/>
-              </a:lnSpc>
-              <a:spcBef>
-                <a:spcPct val="0"/>
-              </a:spcBef>
-              <a:spcAft>
-                <a:spcPct val="0"/>
-              </a:spcAft>
-              <a:buClrTx/>
-              <a:buSzTx/>
-              <a:buFontTx/>
-              <a:buNone/>
-              <a:tabLst/>
-            </a:pPr>
-            <a:r>
-              <a:rPr kumimoji="0" lang="en-US" altLang="ru-RU" sz="1200" b="0" i="0" u="none" strike="noStrike" cap="none" normalizeH="0" baseline="0" dirty="0" smtClean="0">
-                <a:ln>
-                  <a:noFill/>
-                </a:ln>
-                <a:solidFill>
-                  <a:srgbClr val="2B91AF"/>
-                </a:solidFill>
-                <a:effectLst/>
-                <a:latin typeface="Courier New" panose="02070309020205020404" pitchFamily="49" charset="0"/>
-                <a:cs typeface="Courier New" panose="02070309020205020404" pitchFamily="49" charset="0"/>
-              </a:rPr>
-              <a:t>		</a:t>
-            </a:r>
-            <a:r>
-              <a:rPr kumimoji="0" lang="ru-RU" altLang="ru-RU" sz="1200" b="0" i="0" u="none" strike="noStrike" cap="none" normalizeH="0" baseline="0" dirty="0" smtClean="0">
-                <a:ln>
-                  <a:noFill/>
-                </a:ln>
-                <a:solidFill>
-                  <a:srgbClr val="2B91AF"/>
-                </a:solidFill>
-                <a:effectLst/>
-                <a:latin typeface="Courier New" panose="02070309020205020404" pitchFamily="49" charset="0"/>
-                <a:cs typeface="Courier New" panose="02070309020205020404" pitchFamily="49" charset="0"/>
-              </a:rPr>
-              <a:t>Console</a:t>
-            </a:r>
-            <a:r>
-              <a:rPr kumimoji="0" lang="ru-RU" altLang="ru-RU" sz="1200" b="0" i="0" u="none" strike="noStrike" cap="none" normalizeH="0" baseline="0" dirty="0" smtClean="0">
-                <a:ln>
-                  <a:noFill/>
-                </a:ln>
-                <a:solidFill>
-                  <a:srgbClr val="000000"/>
-                </a:solidFill>
-                <a:effectLst/>
-                <a:latin typeface="Courier New" panose="02070309020205020404" pitchFamily="49" charset="0"/>
-                <a:cs typeface="Courier New" panose="02070309020205020404" pitchFamily="49" charset="0"/>
-              </a:rPr>
-              <a:t>.WriteLine(</a:t>
-            </a:r>
-            <a:r>
-              <a:rPr kumimoji="0" lang="ru-RU" altLang="ru-RU" sz="1200" b="0" i="0" u="none" strike="noStrike" cap="none" normalizeH="0" baseline="0" dirty="0" smtClean="0">
-                <a:ln>
-                  <a:noFill/>
-                </a:ln>
-                <a:solidFill>
-                  <a:srgbClr val="A31515"/>
-                </a:solidFill>
-                <a:effectLst/>
-                <a:latin typeface="Courier New" panose="02070309020205020404" pitchFamily="49" charset="0"/>
-                <a:cs typeface="Courier New" panose="02070309020205020404" pitchFamily="49" charset="0"/>
-              </a:rPr>
-              <a:t>"Root      : {0}"</a:t>
-            </a:r>
-            <a:r>
-              <a:rPr kumimoji="0" lang="ru-RU" altLang="ru-RU" sz="1200" b="0" i="0" u="none" strike="noStrike" cap="none" normalizeH="0" baseline="0" dirty="0" smtClean="0">
-                <a:ln>
-                  <a:noFill/>
-                </a:ln>
-                <a:solidFill>
-                  <a:srgbClr val="000000"/>
-                </a:solidFill>
-                <a:effectLst/>
-                <a:latin typeface="Courier New" panose="02070309020205020404" pitchFamily="49" charset="0"/>
-                <a:cs typeface="Courier New" panose="02070309020205020404" pitchFamily="49" charset="0"/>
-              </a:rPr>
-              <a:t>, di.RootDirectory);</a:t>
-            </a:r>
-            <a:endParaRPr kumimoji="0" lang="en-US" altLang="ru-RU" sz="1200" b="0" i="0" u="none" strike="noStrike" cap="none" normalizeH="0" baseline="0" dirty="0" smtClean="0">
-              <a:ln>
-                <a:noFill/>
-              </a:ln>
-              <a:solidFill>
-                <a:srgbClr val="000000"/>
-              </a:solidFill>
-              <a:effectLst/>
-              <a:latin typeface="Courier New" panose="02070309020205020404" pitchFamily="49" charset="0"/>
-              <a:cs typeface="Courier New" panose="02070309020205020404" pitchFamily="49" charset="0"/>
-            </a:endParaRPr>
-          </a:p>
-          <a:p>
-            <a:pPr marL="0" marR="0" lvl="0" indent="0" algn="l" defTabSz="914400" rtl="0" eaLnBrk="1" fontAlgn="base" latinLnBrk="0" hangingPunct="1">
-              <a:lnSpc>
-                <a:spcPct val="100000"/>
-              </a:lnSpc>
-              <a:spcBef>
-                <a:spcPct val="0"/>
-              </a:spcBef>
-              <a:spcAft>
-                <a:spcPct val="0"/>
-              </a:spcAft>
-              <a:buClrTx/>
-              <a:buSzTx/>
-              <a:buFontTx/>
-              <a:buNone/>
-              <a:tabLst/>
-            </a:pPr>
-            <a:r>
-              <a:rPr kumimoji="0" lang="en-US" altLang="ru-RU" sz="1200" b="0" i="0" u="none" strike="noStrike" cap="none" normalizeH="0" baseline="0" dirty="0" smtClean="0">
-                <a:ln>
-                  <a:noFill/>
-                </a:ln>
-                <a:solidFill>
-                  <a:srgbClr val="2B91AF"/>
-                </a:solidFill>
-                <a:effectLst/>
-                <a:latin typeface="Courier New" panose="02070309020205020404" pitchFamily="49" charset="0"/>
-                <a:cs typeface="Courier New" panose="02070309020205020404" pitchFamily="49" charset="0"/>
-              </a:rPr>
-              <a:t>		</a:t>
-            </a:r>
-            <a:r>
-              <a:rPr kumimoji="0" lang="ru-RU" altLang="ru-RU" sz="1200" b="0" i="0" u="none" strike="noStrike" cap="none" normalizeH="0" baseline="0" dirty="0" smtClean="0">
-                <a:ln>
-                  <a:noFill/>
-                </a:ln>
-                <a:solidFill>
-                  <a:srgbClr val="2B91AF"/>
-                </a:solidFill>
-                <a:effectLst/>
-                <a:latin typeface="Courier New" panose="02070309020205020404" pitchFamily="49" charset="0"/>
-                <a:cs typeface="Courier New" panose="02070309020205020404" pitchFamily="49" charset="0"/>
-              </a:rPr>
-              <a:t>Console</a:t>
-            </a:r>
-            <a:r>
-              <a:rPr kumimoji="0" lang="ru-RU" altLang="ru-RU" sz="1200" b="0" i="0" u="none" strike="noStrike" cap="none" normalizeH="0" baseline="0" dirty="0" smtClean="0">
-                <a:ln>
-                  <a:noFill/>
-                </a:ln>
-                <a:solidFill>
-                  <a:srgbClr val="000000"/>
-                </a:solidFill>
-                <a:effectLst/>
-                <a:latin typeface="Courier New" panose="02070309020205020404" pitchFamily="49" charset="0"/>
-                <a:cs typeface="Courier New" panose="02070309020205020404" pitchFamily="49" charset="0"/>
-              </a:rPr>
-              <a:t>.WriteLine(</a:t>
-            </a:r>
-            <a:r>
-              <a:rPr kumimoji="0" lang="ru-RU" altLang="ru-RU" sz="1200" b="0" i="0" u="none" strike="noStrike" cap="none" normalizeH="0" baseline="0" dirty="0" smtClean="0">
-                <a:ln>
-                  <a:noFill/>
-                </a:ln>
-                <a:solidFill>
-                  <a:srgbClr val="A31515"/>
-                </a:solidFill>
-                <a:effectLst/>
-                <a:latin typeface="Courier New" panose="02070309020205020404" pitchFamily="49" charset="0"/>
-                <a:cs typeface="Courier New" panose="02070309020205020404" pitchFamily="49" charset="0"/>
-              </a:rPr>
-              <a:t>"Free space: {0:N0} bytes"</a:t>
-            </a:r>
-            <a:r>
-              <a:rPr kumimoji="0" lang="ru-RU" altLang="ru-RU" sz="1200" b="0" i="0" u="none" strike="noStrike" cap="none" normalizeH="0" baseline="0" dirty="0" smtClean="0">
-                <a:ln>
-                  <a:noFill/>
-                </a:ln>
-                <a:solidFill>
-                  <a:srgbClr val="000000"/>
-                </a:solidFill>
-                <a:effectLst/>
-                <a:latin typeface="Courier New" panose="02070309020205020404" pitchFamily="49" charset="0"/>
-                <a:cs typeface="Courier New" panose="02070309020205020404" pitchFamily="49" charset="0"/>
-              </a:rPr>
-              <a:t>, di.TotalFreeSpace);</a:t>
-            </a:r>
-            <a:endParaRPr kumimoji="0" lang="en-US" altLang="ru-RU" sz="1200" b="0" i="0" u="none" strike="noStrike" cap="none" normalizeH="0" baseline="0" dirty="0" smtClean="0">
-              <a:ln>
-                <a:noFill/>
-              </a:ln>
-              <a:solidFill>
-                <a:srgbClr val="000000"/>
-              </a:solidFill>
-              <a:effectLst/>
-              <a:latin typeface="Courier New" panose="02070309020205020404" pitchFamily="49" charset="0"/>
-              <a:cs typeface="Courier New" panose="02070309020205020404" pitchFamily="49" charset="0"/>
-            </a:endParaRPr>
-          </a:p>
-          <a:p>
-            <a:pPr marL="0" marR="0" lvl="0" indent="0" algn="l" defTabSz="914400" rtl="0" eaLnBrk="1" fontAlgn="base" latinLnBrk="0" hangingPunct="1">
-              <a:lnSpc>
-                <a:spcPct val="100000"/>
-              </a:lnSpc>
-              <a:spcBef>
-                <a:spcPct val="0"/>
-              </a:spcBef>
-              <a:spcAft>
-                <a:spcPct val="0"/>
-              </a:spcAft>
-              <a:buClrTx/>
-              <a:buSzTx/>
-              <a:buFontTx/>
-              <a:buNone/>
-              <a:tabLst/>
-            </a:pPr>
-            <a:r>
-              <a:rPr kumimoji="0" lang="en-US" altLang="ru-RU" sz="1200" b="0" i="0" u="none" strike="noStrike" cap="none" normalizeH="0" baseline="0" dirty="0" smtClean="0">
-                <a:ln>
-                  <a:noFill/>
-                </a:ln>
-                <a:solidFill>
-                  <a:srgbClr val="2B91AF"/>
-                </a:solidFill>
-                <a:effectLst/>
-                <a:latin typeface="Courier New" panose="02070309020205020404" pitchFamily="49" charset="0"/>
-                <a:cs typeface="Courier New" panose="02070309020205020404" pitchFamily="49" charset="0"/>
-              </a:rPr>
-              <a:t>		</a:t>
-            </a:r>
-            <a:r>
-              <a:rPr kumimoji="0" lang="ru-RU" altLang="ru-RU" sz="1200" b="0" i="0" u="none" strike="noStrike" cap="none" normalizeH="0" baseline="0" dirty="0" smtClean="0">
-                <a:ln>
-                  <a:noFill/>
-                </a:ln>
-                <a:solidFill>
-                  <a:srgbClr val="2B91AF"/>
-                </a:solidFill>
-                <a:effectLst/>
-                <a:latin typeface="Courier New" panose="02070309020205020404" pitchFamily="49" charset="0"/>
-                <a:cs typeface="Courier New" panose="02070309020205020404" pitchFamily="49" charset="0"/>
-              </a:rPr>
-              <a:t>Console</a:t>
-            </a:r>
-            <a:r>
-              <a:rPr kumimoji="0" lang="ru-RU" altLang="ru-RU" sz="1200" b="0" i="0" u="none" strike="noStrike" cap="none" normalizeH="0" baseline="0" dirty="0" smtClean="0">
-                <a:ln>
-                  <a:noFill/>
-                </a:ln>
-                <a:solidFill>
-                  <a:srgbClr val="000000"/>
-                </a:solidFill>
-                <a:effectLst/>
-                <a:latin typeface="Courier New" panose="02070309020205020404" pitchFamily="49" charset="0"/>
-                <a:cs typeface="Courier New" panose="02070309020205020404" pitchFamily="49" charset="0"/>
-              </a:rPr>
-              <a:t>.WriteLine(</a:t>
-            </a:r>
-            <a:r>
-              <a:rPr kumimoji="0" lang="ru-RU" altLang="ru-RU" sz="1200" b="0" i="0" u="none" strike="noStrike" cap="none" normalizeH="0" baseline="0" dirty="0" smtClean="0">
-                <a:ln>
-                  <a:noFill/>
-                </a:ln>
-                <a:solidFill>
-                  <a:srgbClr val="A31515"/>
-                </a:solidFill>
-                <a:effectLst/>
-                <a:latin typeface="Courier New" panose="02070309020205020404" pitchFamily="49" charset="0"/>
-                <a:cs typeface="Courier New" panose="02070309020205020404" pitchFamily="49" charset="0"/>
-              </a:rPr>
-              <a:t>"Size      : {0:N0} bytes"</a:t>
-            </a:r>
-            <a:r>
-              <a:rPr kumimoji="0" lang="ru-RU" altLang="ru-RU" sz="1200" b="0" i="0" u="none" strike="noStrike" cap="none" normalizeH="0" baseline="0" dirty="0" smtClean="0">
-                <a:ln>
-                  <a:noFill/>
-                </a:ln>
-                <a:solidFill>
-                  <a:srgbClr val="000000"/>
-                </a:solidFill>
-                <a:effectLst/>
-                <a:latin typeface="Courier New" panose="02070309020205020404" pitchFamily="49" charset="0"/>
-                <a:cs typeface="Courier New" panose="02070309020205020404" pitchFamily="49" charset="0"/>
-              </a:rPr>
-              <a:t>, di.TotalSize);</a:t>
-            </a:r>
-            <a:endParaRPr kumimoji="0" lang="en-US" altLang="ru-RU" sz="1200" b="0" i="0" u="none" strike="noStrike" cap="none" normalizeH="0" baseline="0" dirty="0" smtClean="0">
-              <a:ln>
-                <a:noFill/>
-              </a:ln>
-              <a:solidFill>
-                <a:srgbClr val="000000"/>
-              </a:solidFill>
-              <a:effectLst/>
-              <a:latin typeface="Courier New" panose="02070309020205020404" pitchFamily="49" charset="0"/>
-              <a:cs typeface="Courier New" panose="02070309020205020404" pitchFamily="49" charset="0"/>
-            </a:endParaRPr>
-          </a:p>
-          <a:p>
-            <a:pPr marL="0" marR="0" lvl="0" indent="0" algn="l" defTabSz="914400" rtl="0" eaLnBrk="1" fontAlgn="base" latinLnBrk="0" hangingPunct="1">
-              <a:lnSpc>
-                <a:spcPct val="100000"/>
-              </a:lnSpc>
-              <a:spcBef>
-                <a:spcPct val="0"/>
-              </a:spcBef>
-              <a:spcAft>
-                <a:spcPct val="0"/>
-              </a:spcAft>
-              <a:buClrTx/>
-              <a:buSzTx/>
-              <a:buFontTx/>
-              <a:buNone/>
-              <a:tabLst/>
-            </a:pPr>
-            <a:r>
-              <a:rPr kumimoji="0" lang="en-US" altLang="ru-RU" sz="1200" b="0" i="0" u="none" strike="noStrike" cap="none" normalizeH="0" baseline="0" dirty="0" smtClean="0">
-                <a:ln>
-                  <a:noFill/>
-                </a:ln>
-                <a:solidFill>
-                  <a:srgbClr val="2B91AF"/>
-                </a:solidFill>
-                <a:effectLst/>
-                <a:latin typeface="Courier New" panose="02070309020205020404" pitchFamily="49" charset="0"/>
-                <a:cs typeface="Courier New" panose="02070309020205020404" pitchFamily="49" charset="0"/>
-              </a:rPr>
-              <a:t>		</a:t>
-            </a:r>
-            <a:r>
-              <a:rPr kumimoji="0" lang="ru-RU" altLang="ru-RU" sz="1200" b="0" i="0" u="none" strike="noStrike" cap="none" normalizeH="0" baseline="0" dirty="0" smtClean="0">
-                <a:ln>
-                  <a:noFill/>
-                </a:ln>
-                <a:solidFill>
-                  <a:srgbClr val="2B91AF"/>
-                </a:solidFill>
-                <a:effectLst/>
-                <a:latin typeface="Courier New" panose="02070309020205020404" pitchFamily="49" charset="0"/>
-                <a:cs typeface="Courier New" panose="02070309020205020404" pitchFamily="49" charset="0"/>
-              </a:rPr>
-              <a:t>Console</a:t>
-            </a:r>
-            <a:r>
-              <a:rPr kumimoji="0" lang="ru-RU" altLang="ru-RU" sz="1200" b="0" i="0" u="none" strike="noStrike" cap="none" normalizeH="0" baseline="0" dirty="0" smtClean="0">
-                <a:ln>
-                  <a:noFill/>
-                </a:ln>
-                <a:solidFill>
-                  <a:srgbClr val="000000"/>
-                </a:solidFill>
-                <a:effectLst/>
-                <a:latin typeface="Courier New" panose="02070309020205020404" pitchFamily="49" charset="0"/>
-                <a:cs typeface="Courier New" panose="02070309020205020404" pitchFamily="49" charset="0"/>
-              </a:rPr>
-              <a:t>.WriteLine(</a:t>
-            </a:r>
-            <a:r>
-              <a:rPr kumimoji="0" lang="ru-RU" altLang="ru-RU" sz="1200" b="0" i="0" u="none" strike="noStrike" cap="none" normalizeH="0" baseline="0" dirty="0" smtClean="0">
-                <a:ln>
-                  <a:noFill/>
-                </a:ln>
-                <a:solidFill>
-                  <a:srgbClr val="A31515"/>
-                </a:solidFill>
-                <a:effectLst/>
-                <a:latin typeface="Courier New" panose="02070309020205020404" pitchFamily="49" charset="0"/>
-                <a:cs typeface="Courier New" panose="02070309020205020404" pitchFamily="49" charset="0"/>
-              </a:rPr>
-              <a:t>"Label     : {0}"</a:t>
-            </a:r>
-            <a:r>
-              <a:rPr kumimoji="0" lang="ru-RU" altLang="ru-RU" sz="1200" b="0" i="0" u="none" strike="noStrike" cap="none" normalizeH="0" baseline="0" dirty="0" smtClean="0">
-                <a:ln>
-                  <a:noFill/>
-                </a:ln>
-                <a:solidFill>
-                  <a:srgbClr val="000000"/>
-                </a:solidFill>
-                <a:effectLst/>
-                <a:latin typeface="Courier New" panose="02070309020205020404" pitchFamily="49" charset="0"/>
-                <a:cs typeface="Courier New" panose="02070309020205020404" pitchFamily="49" charset="0"/>
-              </a:rPr>
-              <a:t>, di.VolumeLabel);</a:t>
-            </a:r>
-            <a:endParaRPr kumimoji="0" lang="en-US" altLang="ru-RU" sz="1200" b="0" i="0" u="none" strike="noStrike" cap="none" normalizeH="0" baseline="0" dirty="0" smtClean="0">
-              <a:ln>
-                <a:noFill/>
-              </a:ln>
-              <a:solidFill>
-                <a:srgbClr val="000000"/>
-              </a:solidFill>
-              <a:effectLst/>
-              <a:latin typeface="Courier New" panose="02070309020205020404" pitchFamily="49" charset="0"/>
-              <a:cs typeface="Courier New" panose="02070309020205020404" pitchFamily="49" charset="0"/>
-            </a:endParaRPr>
-          </a:p>
-          <a:p>
-            <a:pPr marL="0" marR="0" lvl="0" indent="0" algn="l" defTabSz="914400" rtl="0" eaLnBrk="1" fontAlgn="base" latinLnBrk="0" hangingPunct="1">
-              <a:lnSpc>
-                <a:spcPct val="100000"/>
-              </a:lnSpc>
-              <a:spcBef>
-                <a:spcPct val="0"/>
-              </a:spcBef>
-              <a:spcAft>
-                <a:spcPct val="0"/>
-              </a:spcAft>
-              <a:buClrTx/>
-              <a:buSzTx/>
-              <a:buFontTx/>
-              <a:buNone/>
-              <a:tabLst/>
-            </a:pPr>
-            <a:r>
-              <a:rPr lang="en-US" altLang="ru-RU" sz="1200" dirty="0">
-                <a:solidFill>
-                  <a:srgbClr val="000000"/>
-                </a:solidFill>
-                <a:latin typeface="Courier New" panose="02070309020205020404" pitchFamily="49" charset="0"/>
-                <a:cs typeface="Courier New" panose="02070309020205020404" pitchFamily="49" charset="0"/>
-              </a:rPr>
-              <a:t>	</a:t>
-            </a:r>
-            <a:r>
-              <a:rPr kumimoji="0" lang="ru-RU" altLang="ru-RU" sz="1200" b="0" i="0" u="none" strike="noStrike" cap="none" normalizeH="0" baseline="0" dirty="0" smtClean="0">
-                <a:ln>
-                  <a:noFill/>
-                </a:ln>
-                <a:solidFill>
-                  <a:srgbClr val="000000"/>
-                </a:solidFill>
-                <a:effectLst/>
-                <a:latin typeface="Courier New" panose="02070309020205020404" pitchFamily="49" charset="0"/>
-                <a:cs typeface="Courier New" panose="02070309020205020404" pitchFamily="49" charset="0"/>
-              </a:rPr>
-              <a:t>}</a:t>
-            </a:r>
-            <a:endParaRPr kumimoji="0" lang="en-US" altLang="ru-RU" sz="1200" b="0" i="0" u="none" strike="noStrike" cap="none" normalizeH="0" baseline="0" dirty="0" smtClean="0">
-              <a:ln>
-                <a:noFill/>
-              </a:ln>
-              <a:solidFill>
-                <a:srgbClr val="000000"/>
-              </a:solidFill>
-              <a:effectLst/>
-              <a:latin typeface="Courier New" panose="02070309020205020404" pitchFamily="49" charset="0"/>
-              <a:cs typeface="Courier New" panose="02070309020205020404" pitchFamily="49" charset="0"/>
-            </a:endParaRPr>
-          </a:p>
-          <a:p>
-            <a:pPr marL="0" marR="0" lvl="0" indent="0" algn="l" defTabSz="914400" rtl="0" eaLnBrk="1" fontAlgn="base" latinLnBrk="0" hangingPunct="1">
-              <a:lnSpc>
-                <a:spcPct val="100000"/>
-              </a:lnSpc>
-              <a:spcBef>
-                <a:spcPct val="0"/>
-              </a:spcBef>
-              <a:spcAft>
-                <a:spcPct val="0"/>
-              </a:spcAft>
-              <a:buClrTx/>
-              <a:buSzTx/>
-              <a:buFontTx/>
-              <a:buNone/>
-              <a:tabLst/>
-            </a:pPr>
-            <a:r>
-              <a:rPr kumimoji="0" lang="ru-RU" altLang="ru-RU" sz="1200" b="0" i="0" u="none" strike="noStrike" cap="none" normalizeH="0" baseline="0" dirty="0" smtClean="0">
-                <a:ln>
-                  <a:noFill/>
-                </a:ln>
-                <a:solidFill>
-                  <a:srgbClr val="000000"/>
-                </a:solidFill>
-                <a:effectLst/>
-                <a:latin typeface="Courier New" panose="02070309020205020404" pitchFamily="49" charset="0"/>
-                <a:cs typeface="Courier New" panose="02070309020205020404" pitchFamily="49" charset="0"/>
-              </a:rPr>
-              <a:t>}</a:t>
-            </a:r>
-            <a:endParaRPr kumimoji="0" lang="ru-RU" altLang="ru-RU" sz="1200" b="0" i="0" u="none" strike="noStrike" cap="none" normalizeH="0" baseline="0" dirty="0" smtClean="0">
-              <a:ln>
-                <a:noFill/>
-              </a:ln>
-              <a:solidFill>
-                <a:schemeClr val="tx1"/>
-              </a:solidFill>
-              <a:effectLst/>
               <a:latin typeface="Courier New" panose="02070309020205020404" pitchFamily="49" charset="0"/>
               <a:cs typeface="Courier New" panose="02070309020205020404" pitchFamily="49" charset="0"/>
             </a:endParaRPr>

--- a/Presentation/lesson-04-io.pptx
+++ b/Presentation/lesson-04-io.pptx
@@ -326,7 +326,7 @@
             <a:fld id="{FAECF776-F836-4CCD-9497-99E5597B8B5D}" type="datetimeFigureOut">
               <a:rPr lang="en-US" smtClean="0"/>
               <a:pPr/>
-              <a:t>8/28/2014</a:t>
+              <a:t>8/30/2014</a:t>
             </a:fld>
             <a:endParaRPr lang="en-US"/>
           </a:p>
@@ -498,7 +498,7 @@
             <a:fld id="{FAECF776-F836-4CCD-9497-99E5597B8B5D}" type="datetimeFigureOut">
               <a:rPr lang="en-US" smtClean="0"/>
               <a:pPr/>
-              <a:t>8/28/2014</a:t>
+              <a:t>8/30/2014</a:t>
             </a:fld>
             <a:endParaRPr lang="en-US"/>
           </a:p>
@@ -680,7 +680,7 @@
             <a:fld id="{FAECF776-F836-4CCD-9497-99E5597B8B5D}" type="datetimeFigureOut">
               <a:rPr lang="en-US" smtClean="0"/>
               <a:pPr/>
-              <a:t>8/28/2014</a:t>
+              <a:t>8/30/2014</a:t>
             </a:fld>
             <a:endParaRPr lang="en-US"/>
           </a:p>
@@ -930,7 +930,7 @@
                 </a:solidFill>
               </a:rPr>
               <a:pPr/>
-              <a:t>8/28/2014</a:t>
+              <a:t>8/30/2014</a:t>
             </a:fld>
             <a:endParaRPr lang="en-US">
               <a:solidFill>
@@ -1132,7 +1132,7 @@
                 </a:solidFill>
               </a:rPr>
               <a:pPr/>
-              <a:t>8/28/2014</a:t>
+              <a:t>8/30/2014</a:t>
             </a:fld>
             <a:endParaRPr lang="en-US">
               <a:solidFill>
@@ -1410,7 +1410,7 @@
                 </a:solidFill>
               </a:rPr>
               <a:pPr/>
-              <a:t>8/28/2014</a:t>
+              <a:t>8/30/2014</a:t>
             </a:fld>
             <a:endParaRPr lang="en-US">
               <a:solidFill>
@@ -1730,7 +1730,7 @@
                 </a:solidFill>
               </a:rPr>
               <a:pPr/>
-              <a:t>8/28/2014</a:t>
+              <a:t>8/30/2014</a:t>
             </a:fld>
             <a:endParaRPr lang="en-US">
               <a:solidFill>
@@ -2184,7 +2184,7 @@
                 </a:solidFill>
               </a:rPr>
               <a:pPr/>
-              <a:t>8/28/2014</a:t>
+              <a:t>8/30/2014</a:t>
             </a:fld>
             <a:endParaRPr lang="en-US">
               <a:solidFill>
@@ -2334,7 +2334,7 @@
                 </a:solidFill>
               </a:rPr>
               <a:pPr/>
-              <a:t>8/28/2014</a:t>
+              <a:t>8/30/2014</a:t>
             </a:fld>
             <a:endParaRPr lang="en-US">
               <a:solidFill>
@@ -2461,7 +2461,7 @@
                 </a:solidFill>
               </a:rPr>
               <a:pPr/>
-              <a:t>8/28/2014</a:t>
+              <a:t>8/30/2014</a:t>
             </a:fld>
             <a:endParaRPr lang="en-US">
               <a:solidFill>
@@ -2770,7 +2770,7 @@
                 </a:solidFill>
               </a:rPr>
               <a:pPr/>
-              <a:t>8/28/2014</a:t>
+              <a:t>8/30/2014</a:t>
             </a:fld>
             <a:endParaRPr lang="en-US">
               <a:solidFill>
@@ -2966,7 +2966,7 @@
             <a:fld id="{FAECF776-F836-4CCD-9497-99E5597B8B5D}" type="datetimeFigureOut">
               <a:rPr lang="en-US" smtClean="0"/>
               <a:pPr/>
-              <a:t>8/28/2014</a:t>
+              <a:t>8/30/2014</a:t>
             </a:fld>
             <a:endParaRPr lang="en-US"/>
           </a:p>
@@ -3227,7 +3227,7 @@
                 </a:solidFill>
               </a:rPr>
               <a:pPr/>
-              <a:t>8/28/2014</a:t>
+              <a:t>8/30/2014</a:t>
             </a:fld>
             <a:endParaRPr lang="en-US">
               <a:solidFill>
@@ -3429,7 +3429,7 @@
                 </a:solidFill>
               </a:rPr>
               <a:pPr/>
-              <a:t>8/28/2014</a:t>
+              <a:t>8/30/2014</a:t>
             </a:fld>
             <a:endParaRPr lang="en-US">
               <a:solidFill>
@@ -3641,7 +3641,7 @@
                 </a:solidFill>
               </a:rPr>
               <a:pPr/>
-              <a:t>8/28/2014</a:t>
+              <a:t>8/30/2014</a:t>
             </a:fld>
             <a:endParaRPr lang="en-US">
               <a:solidFill>
@@ -3913,7 +3913,7 @@
             <a:fld id="{FAECF776-F836-4CCD-9497-99E5597B8B5D}" type="datetimeFigureOut">
               <a:rPr lang="en-US" smtClean="0"/>
               <a:pPr/>
-              <a:t>8/28/2014</a:t>
+              <a:t>8/30/2014</a:t>
             </a:fld>
             <a:endParaRPr lang="en-US"/>
           </a:p>
@@ -4203,7 +4203,7 @@
             <a:fld id="{FAECF776-F836-4CCD-9497-99E5597B8B5D}" type="datetimeFigureOut">
               <a:rPr lang="en-US" smtClean="0"/>
               <a:pPr/>
-              <a:t>8/28/2014</a:t>
+              <a:t>8/30/2014</a:t>
             </a:fld>
             <a:endParaRPr lang="en-US"/>
           </a:p>
@@ -4627,7 +4627,7 @@
             <a:fld id="{FAECF776-F836-4CCD-9497-99E5597B8B5D}" type="datetimeFigureOut">
               <a:rPr lang="en-US" smtClean="0"/>
               <a:pPr/>
-              <a:t>8/28/2014</a:t>
+              <a:t>8/30/2014</a:t>
             </a:fld>
             <a:endParaRPr lang="en-US"/>
           </a:p>
@@ -4747,7 +4747,7 @@
             <a:fld id="{FAECF776-F836-4CCD-9497-99E5597B8B5D}" type="datetimeFigureOut">
               <a:rPr lang="en-US" smtClean="0"/>
               <a:pPr/>
-              <a:t>8/28/2014</a:t>
+              <a:t>8/30/2014</a:t>
             </a:fld>
             <a:endParaRPr lang="en-US"/>
           </a:p>
@@ -4844,7 +4844,7 @@
             <a:fld id="{FAECF776-F836-4CCD-9497-99E5597B8B5D}" type="datetimeFigureOut">
               <a:rPr lang="en-US" smtClean="0"/>
               <a:pPr/>
-              <a:t>8/28/2014</a:t>
+              <a:t>8/30/2014</a:t>
             </a:fld>
             <a:endParaRPr lang="en-US"/>
           </a:p>
@@ -5123,7 +5123,7 @@
             <a:fld id="{FAECF776-F836-4CCD-9497-99E5597B8B5D}" type="datetimeFigureOut">
               <a:rPr lang="en-US" smtClean="0"/>
               <a:pPr/>
-              <a:t>8/28/2014</a:t>
+              <a:t>8/30/2014</a:t>
             </a:fld>
             <a:endParaRPr lang="en-US"/>
           </a:p>
@@ -5378,7 +5378,7 @@
             <a:fld id="{FAECF776-F836-4CCD-9497-99E5597B8B5D}" type="datetimeFigureOut">
               <a:rPr lang="en-US" smtClean="0"/>
               <a:pPr/>
-              <a:t>8/28/2014</a:t>
+              <a:t>8/30/2014</a:t>
             </a:fld>
             <a:endParaRPr lang="en-US"/>
           </a:p>
@@ -5602,7 +5602,7 @@
             <a:fld id="{FAECF776-F836-4CCD-9497-99E5597B8B5D}" type="datetimeFigureOut">
               <a:rPr lang="en-US" smtClean="0"/>
               <a:pPr/>
-              <a:t>8/28/2014</a:t>
+              <a:t>8/30/2014</a:t>
             </a:fld>
             <a:endParaRPr lang="en-US"/>
           </a:p>
@@ -6120,7 +6120,7 @@
                 </a:solidFill>
               </a:rPr>
               <a:pPr/>
-              <a:t>8/28/2014</a:t>
+              <a:t>8/30/2014</a:t>
             </a:fld>
             <a:endParaRPr lang="en-US">
               <a:solidFill>
@@ -15567,22 +15567,22 @@
           <p:nvPr>
             <p:extLst>
               <p:ext uri="{D42A27DB-BD31-4B8C-83A1-F6EECF244321}">
-                <p14:modId xmlns:p14="http://schemas.microsoft.com/office/powerpoint/2010/main" val="2116335276"/>
+                <p14:modId xmlns:p14="http://schemas.microsoft.com/office/powerpoint/2010/main" val="837785883"/>
               </p:ext>
             </p:extLst>
           </p:nvPr>
         </p:nvGraphicFramePr>
         <p:xfrm>
           <a:off x="467544" y="894928"/>
-          <a:ext cx="8208912" cy="5394960"/>
+          <a:ext cx="8208912" cy="5516880"/>
         </p:xfrm>
         <a:graphic>
           <a:graphicData uri="http://schemas.openxmlformats.org/drawingml/2006/table">
             <a:tbl>
               <a:tblPr/>
               <a:tblGrid>
-                <a:gridCol w="1872208"/>
-                <a:gridCol w="6336704"/>
+                <a:gridCol w="1944216"/>
+                <a:gridCol w="6264696"/>
               </a:tblGrid>
               <a:tr h="182299">
                 <a:tc>
@@ -17449,7 +17449,7 @@
                     <a:p>
                       <a:pPr algn="l" fontAlgn="b"/>
                       <a:r>
-                        <a:rPr lang="en-US" sz="1200" b="1" i="0" u="none" strike="noStrike">
+                        <a:rPr lang="en-US" sz="1200" b="1" i="0" u="none" strike="noStrike" dirty="0" err="1">
                           <a:solidFill>
                             <a:schemeClr val="bg1"/>
                           </a:solidFill>
@@ -17459,9 +17459,17 @@
                         </a:rPr>
                         <a:t>CommonProgramFiles</a:t>
                       </a:r>
+                      <a:endParaRPr lang="en-US" sz="1200" b="1" i="0" u="none" strike="noStrike" dirty="0">
+                        <a:solidFill>
+                          <a:schemeClr val="bg1"/>
+                        </a:solidFill>
+                        <a:effectLst/>
+                        <a:latin typeface="Consolas" panose="020B0609020204030204" pitchFamily="49" charset="0"/>
+                        <a:cs typeface="Consolas" panose="020B0609020204030204" pitchFamily="49" charset="0"/>
+                      </a:endParaRPr>
                     </a:p>
                   </a:txBody>
-                  <a:tcPr marL="45720" marR="45720" anchor="b">
+                  <a:tcPr marL="45720" marR="45720" anchor="ctr">
                     <a:lnL w="12700" cap="flat" cmpd="sng" algn="ctr">
                       <a:solidFill>
                         <a:schemeClr val="bg1"/>
@@ -17512,6 +17520,31 @@
                   <a:txBody>
                     <a:bodyPr/>
                     <a:lstStyle/>
+                    <a:p>
+                      <a:pPr algn="l" fontAlgn="b"/>
+                      <a:r>
+                        <a:rPr lang="en-US" sz="1100" b="0" i="0" u="none" strike="noStrike" dirty="0" smtClean="0">
+                          <a:solidFill>
+                            <a:srgbClr val="FFC000"/>
+                          </a:solidFill>
+                          <a:effectLst/>
+                          <a:latin typeface="Consolas" panose="020B0609020204030204" pitchFamily="49" charset="0"/>
+                          <a:cs typeface="Consolas" panose="020B0609020204030204" pitchFamily="49" charset="0"/>
+                        </a:rPr>
+                        <a:t>x86: </a:t>
+                      </a:r>
+                      <a:r>
+                        <a:rPr lang="en-US" sz="1100" b="0" i="0" u="none" strike="noStrike" dirty="0" smtClean="0">
+                          <a:solidFill>
+                            <a:schemeClr val="bg1"/>
+                          </a:solidFill>
+                          <a:effectLst/>
+                          <a:latin typeface="Consolas" panose="020B0609020204030204" pitchFamily="49" charset="0"/>
+                          <a:cs typeface="Consolas" panose="020B0609020204030204" pitchFamily="49" charset="0"/>
+                        </a:rPr>
+                        <a:t>C:\Program Files\Common Files</a:t>
+                      </a:r>
+                    </a:p>
                     <a:p>
                       <a:pPr algn="l" fontAlgn="b"/>
                       <a:r>
@@ -17605,7 +17638,7 @@
                     <a:p>
                       <a:pPr algn="l" fontAlgn="b"/>
                       <a:r>
-                        <a:rPr lang="en-US" sz="1200" b="1" i="0" u="none" strike="noStrike">
+                        <a:rPr lang="en-US" sz="1200" b="1" i="0" u="none" strike="noStrike" dirty="0">
                           <a:solidFill>
                             <a:schemeClr val="bg1"/>
                           </a:solidFill>
@@ -17617,7 +17650,7 @@
                       </a:r>
                     </a:p>
                   </a:txBody>
-                  <a:tcPr marL="45720" marR="45720" anchor="b">
+                  <a:tcPr marL="45720" marR="45720" anchor="ctr">
                     <a:lnL w="12700" cap="flat" cmpd="sng" algn="ctr">
                       <a:solidFill>
                         <a:schemeClr val="bg1"/>
@@ -17668,6 +17701,55 @@
                   <a:txBody>
                     <a:bodyPr/>
                     <a:lstStyle/>
+                    <a:p>
+                      <a:pPr marL="0" marR="0" indent="0" algn="l" defTabSz="914400" rtl="0" eaLnBrk="1" fontAlgn="b" latinLnBrk="0" hangingPunct="1">
+                        <a:lnSpc>
+                          <a:spcPct val="100000"/>
+                        </a:lnSpc>
+                        <a:spcBef>
+                          <a:spcPts val="0"/>
+                        </a:spcBef>
+                        <a:spcAft>
+                          <a:spcPts val="0"/>
+                        </a:spcAft>
+                        <a:buClrTx/>
+                        <a:buSzTx/>
+                        <a:buFontTx/>
+                        <a:buNone/>
+                        <a:tabLst/>
+                        <a:defRPr/>
+                      </a:pPr>
+                      <a:r>
+                        <a:rPr lang="en-US" sz="1100" b="0" i="0" u="none" strike="noStrike" dirty="0" smtClean="0">
+                          <a:solidFill>
+                            <a:srgbClr val="FFC000"/>
+                          </a:solidFill>
+                          <a:effectLst/>
+                          <a:latin typeface="Consolas" panose="020B0609020204030204" pitchFamily="49" charset="0"/>
+                          <a:cs typeface="Consolas" panose="020B0609020204030204" pitchFamily="49" charset="0"/>
+                        </a:rPr>
+                        <a:t>x86: </a:t>
+                      </a:r>
+                      <a:r>
+                        <a:rPr lang="en-US" sz="1100" b="0" i="0" u="none" strike="noStrike" dirty="0" smtClean="0">
+                          <a:solidFill>
+                            <a:schemeClr val="bg1"/>
+                          </a:solidFill>
+                          <a:effectLst/>
+                          <a:latin typeface="Consolas" panose="020B0609020204030204" pitchFamily="49" charset="0"/>
+                          <a:cs typeface="Consolas" panose="020B0609020204030204" pitchFamily="49" charset="0"/>
+                        </a:rPr>
+                        <a:t>C:\Program Files\Common Files</a:t>
+                      </a:r>
+                      <a:endParaRPr lang="en-US" sz="1100" b="0" i="0" u="none" strike="noStrike" dirty="0" smtClean="0">
+                        <a:solidFill>
+                          <a:srgbClr val="FFC000"/>
+                        </a:solidFill>
+                        <a:effectLst/>
+                        <a:latin typeface="Consolas" panose="020B0609020204030204" pitchFamily="49" charset="0"/>
+                        <a:cs typeface="Consolas" panose="020B0609020204030204" pitchFamily="49" charset="0"/>
+                      </a:endParaRPr>
+                    </a:p>
                     <a:p>
                       <a:pPr algn="l" fontAlgn="b"/>
                       <a:r>
@@ -19279,29 +19361,7 @@
                           <a:latin typeface="Consolas" panose="020B0609020204030204" pitchFamily="49" charset="0"/>
                           <a:cs typeface="Consolas" panose="020B0609020204030204" pitchFamily="49" charset="0"/>
                         </a:rPr>
-                        <a:t>\</a:t>
-                      </a:r>
-                      <a:r>
-                        <a:rPr lang="en-US" sz="1100" b="0" i="0" u="none" strike="noStrike" dirty="0" smtClean="0">
-                          <a:solidFill>
-                            <a:schemeClr val="bg1"/>
-                          </a:solidFill>
-                          <a:effectLst/>
-                          <a:latin typeface="Consolas" panose="020B0609020204030204" pitchFamily="49" charset="0"/>
-                          <a:cs typeface="Consolas" panose="020B0609020204030204" pitchFamily="49" charset="0"/>
-                        </a:rPr>
-                        <a:t>&lt;user&gt;</a:t>
-                      </a:r>
-                      <a:r>
-                        <a:rPr lang="en-US" sz="1100" b="0" i="0" u="none" strike="noStrike" dirty="0" smtClean="0">
-                          <a:solidFill>
-                            <a:schemeClr val="bg1"/>
-                          </a:solidFill>
-                          <a:effectLst/>
-                          <a:latin typeface="Consolas" panose="020B0609020204030204" pitchFamily="49" charset="0"/>
-                          <a:cs typeface="Consolas" panose="020B0609020204030204" pitchFamily="49" charset="0"/>
-                        </a:rPr>
-                        <a:t>\</a:t>
+                        <a:t>\&lt;user&gt;\</a:t>
                       </a:r>
                       <a:r>
                         <a:rPr lang="en-US" sz="1100" b="0" i="0" u="none" strike="noStrike" dirty="0">
@@ -19487,29 +19547,7 @@
                           <a:latin typeface="Consolas" panose="020B0609020204030204" pitchFamily="49" charset="0"/>
                           <a:cs typeface="Consolas" panose="020B0609020204030204" pitchFamily="49" charset="0"/>
                         </a:rPr>
-                        <a:t>Users\</a:t>
-                      </a:r>
-                      <a:r>
-                        <a:rPr lang="en-US" sz="1100" b="0" i="0" u="none" strike="noStrike" dirty="0" smtClean="0">
-                          <a:solidFill>
-                            <a:schemeClr val="bg1"/>
-                          </a:solidFill>
-                          <a:effectLst/>
-                          <a:latin typeface="Consolas" panose="020B0609020204030204" pitchFamily="49" charset="0"/>
-                          <a:cs typeface="Consolas" panose="020B0609020204030204" pitchFamily="49" charset="0"/>
-                        </a:rPr>
-                        <a:t>&lt;user&gt;</a:t>
-                      </a:r>
-                      <a:r>
-                        <a:rPr lang="en-US" sz="1100" b="0" i="0" u="none" strike="noStrike" dirty="0" smtClean="0">
-                          <a:solidFill>
-                            <a:schemeClr val="bg1"/>
-                          </a:solidFill>
-                          <a:effectLst/>
-                          <a:latin typeface="Consolas" panose="020B0609020204030204" pitchFamily="49" charset="0"/>
-                          <a:cs typeface="Consolas" panose="020B0609020204030204" pitchFamily="49" charset="0"/>
-                        </a:rPr>
-                        <a:t>\Desktop</a:t>
+                        <a:t>Users\&lt;user&gt;\Desktop</a:t>
                       </a:r>
                       <a:endParaRPr lang="en-US" sz="1100" b="0" i="0" u="none" strike="noStrike" dirty="0">
                         <a:solidFill>
@@ -19684,29 +19722,7 @@
                           <a:latin typeface="Consolas" panose="020B0609020204030204" pitchFamily="49" charset="0"/>
                           <a:cs typeface="Consolas" panose="020B0609020204030204" pitchFamily="49" charset="0"/>
                         </a:rPr>
-                        <a:t>Users\</a:t>
-                      </a:r>
-                      <a:r>
-                        <a:rPr lang="en-US" sz="1100" b="0" i="0" u="none" strike="noStrike" dirty="0" smtClean="0">
-                          <a:solidFill>
-                            <a:schemeClr val="bg1"/>
-                          </a:solidFill>
-                          <a:effectLst/>
-                          <a:latin typeface="Consolas" panose="020B0609020204030204" pitchFamily="49" charset="0"/>
-                          <a:cs typeface="Consolas" panose="020B0609020204030204" pitchFamily="49" charset="0"/>
-                        </a:rPr>
-                        <a:t>&lt;user&gt;</a:t>
-                      </a:r>
-                      <a:r>
-                        <a:rPr lang="en-US" sz="1100" b="0" i="0" u="none" strike="noStrike" dirty="0" smtClean="0">
-                          <a:solidFill>
-                            <a:schemeClr val="bg1"/>
-                          </a:solidFill>
-                          <a:effectLst/>
-                          <a:latin typeface="Consolas" panose="020B0609020204030204" pitchFamily="49" charset="0"/>
-                          <a:cs typeface="Consolas" panose="020B0609020204030204" pitchFamily="49" charset="0"/>
-                        </a:rPr>
-                        <a:t>\Favorites</a:t>
+                        <a:t>Users\&lt;user&gt;\Favorites</a:t>
                       </a:r>
                       <a:endParaRPr lang="en-US" sz="1100" b="0" i="0" u="none" strike="noStrike" dirty="0">
                         <a:solidFill>
@@ -22728,7 +22744,7 @@
           <p:nvPr>
             <p:extLst>
               <p:ext uri="{D42A27DB-BD31-4B8C-83A1-F6EECF244321}">
-                <p14:modId xmlns:p14="http://schemas.microsoft.com/office/powerpoint/2010/main" val="326943784"/>
+                <p14:modId xmlns:p14="http://schemas.microsoft.com/office/powerpoint/2010/main" val="1665603976"/>
               </p:ext>
             </p:extLst>
           </p:nvPr>
@@ -22742,8 +22758,8 @@
             <a:tbl>
               <a:tblPr/>
               <a:tblGrid>
-                <a:gridCol w="1872208"/>
-                <a:gridCol w="6336704"/>
+                <a:gridCol w="1224136"/>
+                <a:gridCol w="6984776"/>
               </a:tblGrid>
               <a:tr h="182299">
                 <a:tc>
@@ -24210,7 +24226,7 @@
                       </a:r>
                     </a:p>
                   </a:txBody>
-                  <a:tcPr marL="45720" marR="45720" anchor="b">
+                  <a:tcPr marL="45720" marR="45720" anchor="ctr">
                     <a:lnL w="12700" cap="flat" cmpd="sng" algn="ctr">
                       <a:solidFill>
                         <a:schemeClr val="bg1"/>
@@ -24262,9 +24278,89 @@
                     <a:bodyPr/>
                     <a:lstStyle/>
                     <a:p>
-                      <a:pPr algn="l" fontAlgn="b"/>
+                      <a:pPr marL="0" marR="0" indent="0" algn="l" defTabSz="914400" rtl="0" eaLnBrk="1" fontAlgn="b" latinLnBrk="0" hangingPunct="1">
+                        <a:lnSpc>
+                          <a:spcPct val="100000"/>
+                        </a:lnSpc>
+                        <a:spcBef>
+                          <a:spcPts val="0"/>
+                        </a:spcBef>
+                        <a:spcAft>
+                          <a:spcPts val="0"/>
+                        </a:spcAft>
+                        <a:buClrTx/>
+                        <a:buSzTx/>
+                        <a:buFontTx/>
+                        <a:buNone/>
+                        <a:tabLst/>
+                        <a:defRPr/>
+                      </a:pPr>
                       <a:r>
-                        <a:rPr lang="en-US" sz="1100" b="0" i="0" u="none" strike="noStrike" dirty="0">
+                        <a:rPr lang="en-US" sz="1100" b="0" i="0" u="none" strike="noStrike" dirty="0" smtClean="0">
+                          <a:solidFill>
+                            <a:srgbClr val="FFC000"/>
+                          </a:solidFill>
+                          <a:effectLst/>
+                          <a:latin typeface="Consolas" panose="020B0609020204030204" pitchFamily="49" charset="0"/>
+                          <a:cs typeface="Consolas" panose="020B0609020204030204" pitchFamily="49" charset="0"/>
+                        </a:rPr>
+                        <a:t>x86:</a:t>
+                      </a:r>
+                      <a:r>
+                        <a:rPr lang="en-US" sz="1100" dirty="0" smtClean="0">
+                          <a:effectLst/>
+                          <a:latin typeface="Verdana"/>
+                        </a:rPr>
+                        <a:t> </a:t>
+                      </a:r>
+                      <a:r>
+                        <a:rPr lang="en-US" sz="1100" dirty="0" smtClean="0">
+                          <a:effectLst/>
+                          <a:latin typeface="Consolas" panose="020B0609020204030204" pitchFamily="49" charset="0"/>
+                          <a:cs typeface="Consolas" panose="020B0609020204030204" pitchFamily="49" charset="0"/>
+                        </a:rPr>
+                        <a:t>C:\Windows\system32</a:t>
+                      </a:r>
+                      <a:endParaRPr lang="en-US" sz="1100" b="0" i="0" u="none" strike="noStrike" dirty="0" smtClean="0">
+                        <a:solidFill>
+                          <a:schemeClr val="bg1"/>
+                        </a:solidFill>
+                        <a:effectLst/>
+                        <a:latin typeface="Consolas" panose="020B0609020204030204" pitchFamily="49" charset="0"/>
+                        <a:cs typeface="Consolas" panose="020B0609020204030204" pitchFamily="49" charset="0"/>
+                      </a:endParaRPr>
+                    </a:p>
+                    <a:p>
+                      <a:pPr marL="0" marR="0" indent="0" algn="l" defTabSz="914400" rtl="0" eaLnBrk="1" fontAlgn="b" latinLnBrk="0" hangingPunct="1">
+                        <a:lnSpc>
+                          <a:spcPct val="100000"/>
+                        </a:lnSpc>
+                        <a:spcBef>
+                          <a:spcPts val="0"/>
+                        </a:spcBef>
+                        <a:spcAft>
+                          <a:spcPts val="0"/>
+                        </a:spcAft>
+                        <a:buClrTx/>
+                        <a:buSzTx/>
+                        <a:buFontTx/>
+                        <a:buNone/>
+                        <a:tabLst/>
+                        <a:defRPr/>
+                      </a:pPr>
+                      <a:r>
+                        <a:rPr lang="en-US" sz="1100" b="0" i="0" u="none" strike="noStrike" dirty="0" smtClean="0">
+                          <a:solidFill>
+                            <a:srgbClr val="FFC000"/>
+                          </a:solidFill>
+                          <a:effectLst/>
+                          <a:latin typeface="Consolas" panose="020B0609020204030204" pitchFamily="49" charset="0"/>
+                          <a:cs typeface="Consolas" panose="020B0609020204030204" pitchFamily="49" charset="0"/>
+                        </a:rPr>
+                        <a:t>x64: </a:t>
+                      </a:r>
+                      <a:r>
+                        <a:rPr lang="en-US" sz="1100" b="0" i="0" u="none" strike="noStrike" dirty="0" smtClean="0">
                           <a:solidFill>
                             <a:schemeClr val="bg1"/>
                           </a:solidFill>
@@ -24274,6 +24370,14 @@
                         </a:rPr>
                         <a:t>C:\Windows\SysWOW64</a:t>
                       </a:r>
+                      <a:endParaRPr lang="en-US" sz="1100" b="0" i="0" u="none" strike="noStrike" dirty="0">
+                        <a:solidFill>
+                          <a:schemeClr val="bg1"/>
+                        </a:solidFill>
+                        <a:effectLst/>
+                        <a:latin typeface="Consolas" panose="020B0609020204030204" pitchFamily="49" charset="0"/>
+                        <a:cs typeface="Consolas" panose="020B0609020204030204" pitchFamily="49" charset="0"/>
+                      </a:endParaRPr>
                     </a:p>
                   </a:txBody>
                   <a:tcPr marL="45720" marR="45720" anchor="b">

--- a/Presentation/lesson-04-io.pptx
+++ b/Presentation/lesson-04-io.pptx
@@ -34,15 +34,16 @@
     <p:sldId id="288" r:id="rId28"/>
     <p:sldId id="289" r:id="rId29"/>
     <p:sldId id="265" r:id="rId30"/>
-    <p:sldId id="266" r:id="rId31"/>
-    <p:sldId id="291" r:id="rId32"/>
-    <p:sldId id="267" r:id="rId33"/>
-    <p:sldId id="268" r:id="rId34"/>
-    <p:sldId id="287" r:id="rId35"/>
-    <p:sldId id="278" r:id="rId36"/>
-    <p:sldId id="298" r:id="rId37"/>
-    <p:sldId id="297" r:id="rId38"/>
-    <p:sldId id="271" r:id="rId39"/>
+    <p:sldId id="291" r:id="rId31"/>
+    <p:sldId id="302" r:id="rId32"/>
+    <p:sldId id="266" r:id="rId33"/>
+    <p:sldId id="267" r:id="rId34"/>
+    <p:sldId id="268" r:id="rId35"/>
+    <p:sldId id="287" r:id="rId36"/>
+    <p:sldId id="278" r:id="rId37"/>
+    <p:sldId id="298" r:id="rId38"/>
+    <p:sldId id="297" r:id="rId39"/>
+    <p:sldId id="271" r:id="rId40"/>
   </p:sldIdLst>
   <p:sldSz cx="9144000" cy="6858000" type="screen4x3"/>
   <p:notesSz cx="6858000" cy="9144000"/>
@@ -32820,6 +32821,524 @@
 <file path=ppt/slides/slide29.xml><?xml version="1.0" encoding="utf-8"?>
 <p:sld xmlns:a="http://schemas.openxmlformats.org/drawingml/2006/main" xmlns:r="http://schemas.openxmlformats.org/officeDocument/2006/relationships" xmlns:p="http://schemas.openxmlformats.org/presentationml/2006/main">
   <p:cSld>
+    <p:spTree>
+      <p:nvGrpSpPr>
+        <p:cNvPr id="1" name=""/>
+        <p:cNvGrpSpPr/>
+        <p:nvPr/>
+      </p:nvGrpSpPr>
+      <p:grpSpPr>
+        <a:xfrm>
+          <a:off x="0" y="0"/>
+          <a:ext cx="0" cy="0"/>
+          <a:chOff x="0" y="0"/>
+          <a:chExt cx="0" cy="0"/>
+        </a:xfrm>
+      </p:grpSpPr>
+      <p:sp>
+        <p:nvSpPr>
+          <p:cNvPr id="2" name="Title 1"/>
+          <p:cNvSpPr>
+            <a:spLocks noGrp="1"/>
+          </p:cNvSpPr>
+          <p:nvPr>
+            <p:ph type="title"/>
+          </p:nvPr>
+        </p:nvSpPr>
+        <p:spPr/>
+        <p:txBody>
+          <a:bodyPr/>
+          <a:lstStyle/>
+          <a:p>
+            <a:r>
+              <a:rPr lang="ru-RU" dirty="0" smtClean="0"/>
+              <a:t>Понятие </a:t>
+            </a:r>
+            <a:r>
+              <a:rPr lang="ru-RU" dirty="0" smtClean="0"/>
+              <a:t>потока</a:t>
+            </a:r>
+            <a:r>
+              <a:rPr lang="en-US" dirty="0" smtClean="0"/>
+              <a:t> </a:t>
+            </a:r>
+            <a:r>
+              <a:rPr lang="en-US" dirty="0" smtClean="0"/>
+              <a:t>(Stream)</a:t>
+            </a:r>
+            <a:endParaRPr lang="ru-RU" dirty="0"/>
+          </a:p>
+        </p:txBody>
+      </p:sp>
+      <p:sp>
+        <p:nvSpPr>
+          <p:cNvPr id="3" name="Content Placeholder 2"/>
+          <p:cNvSpPr>
+            <a:spLocks noGrp="1"/>
+          </p:cNvSpPr>
+          <p:nvPr>
+            <p:ph idx="1"/>
+          </p:nvPr>
+        </p:nvSpPr>
+        <p:spPr>
+          <a:solidFill>
+            <a:schemeClr val="bg1"/>
+          </a:solidFill>
+        </p:spPr>
+        <p:txBody>
+          <a:bodyPr/>
+          <a:lstStyle/>
+          <a:p>
+            <a:pPr marL="0" indent="0">
+              <a:buNone/>
+            </a:pPr>
+            <a:endParaRPr lang="ru-RU" dirty="0"/>
+          </a:p>
+        </p:txBody>
+      </p:sp>
+      <p:pic>
+        <p:nvPicPr>
+          <p:cNvPr id="1027" name="Picture 3"/>
+          <p:cNvPicPr>
+            <a:picLocks noChangeAspect="1" noChangeArrowheads="1"/>
+          </p:cNvPicPr>
+          <p:nvPr/>
+        </p:nvPicPr>
+        <p:blipFill>
+          <a:blip r:embed="rId2">
+            <a:extLst>
+              <a:ext uri="{28A0092B-C50C-407E-A947-70E740481C1C}">
+                <a14:useLocalDpi xmlns:a14="http://schemas.microsoft.com/office/drawing/2010/main" val="0"/>
+              </a:ext>
+            </a:extLst>
+          </a:blip>
+          <a:srcRect/>
+          <a:stretch>
+            <a:fillRect/>
+          </a:stretch>
+        </p:blipFill>
+        <p:spPr bwMode="auto">
+          <a:xfrm>
+            <a:off x="1547813" y="1864965"/>
+            <a:ext cx="6048375" cy="3724275"/>
+          </a:xfrm>
+          <a:prstGeom prst="rect">
+            <a:avLst/>
+          </a:prstGeom>
+          <a:noFill/>
+          <a:ln>
+            <a:noFill/>
+          </a:ln>
+          <a:extLst>
+            <a:ext uri="{909E8E84-426E-40DD-AFC4-6F175D3DCCD1}">
+              <a14:hiddenFill xmlns:a14="http://schemas.microsoft.com/office/drawing/2010/main">
+                <a:solidFill>
+                  <a:schemeClr val="accent1"/>
+                </a:solidFill>
+              </a14:hiddenFill>
+            </a:ext>
+            <a:ext uri="{91240B29-F687-4F45-9708-019B960494DF}">
+              <a14:hiddenLine xmlns:a14="http://schemas.microsoft.com/office/drawing/2010/main" w="9525">
+                <a:solidFill>
+                  <a:schemeClr val="tx1"/>
+                </a:solidFill>
+                <a:miter lim="800000"/>
+                <a:head